--- a/Javascript Tutorials.pptx
+++ b/Javascript Tutorials.pptx
@@ -16,6 +16,15 @@
     <p:sldId id="264" r:id="rId10"/>
     <p:sldId id="265" r:id="rId11"/>
     <p:sldId id="266" r:id="rId12"/>
+    <p:sldId id="267" r:id="rId13"/>
+    <p:sldId id="268" r:id="rId14"/>
+    <p:sldId id="269" r:id="rId15"/>
+    <p:sldId id="270" r:id="rId16"/>
+    <p:sldId id="271" r:id="rId17"/>
+    <p:sldId id="272" r:id="rId18"/>
+    <p:sldId id="273" r:id="rId19"/>
+    <p:sldId id="274" r:id="rId20"/>
+    <p:sldId id="275" r:id="rId21"/>
   </p:sldIdLst>
   <p:sldSz cx="12192000" cy="6858000"/>
   <p:notesSz cx="6858000" cy="9144000"/>
@@ -841,7 +850,8 @@
           <a:p>
             <a:fld id="{48A87A34-81AB-432B-8DAE-1953F412C126}" type="datetimeFigureOut">
               <a:rPr lang="en-US" smtClean="0"/>
-              <a:t>8/25/2025</a:t>
+              <a:pPr/>
+              <a:t>8/27/2025</a:t>
             </a:fld>
             <a:endParaRPr lang="en-US" dirty="0"/>
           </a:p>
@@ -883,6 +893,7 @@
           <a:p>
             <a:fld id="{6D22F896-40B5-4ADD-8801-0D06FADFA095}" type="slidenum">
               <a:rPr lang="en-US" smtClean="0"/>
+              <a:pPr/>
               <a:t>‹#›</a:t>
             </a:fld>
             <a:endParaRPr lang="en-US" dirty="0"/>
@@ -892,7 +903,7 @@
     </p:spTree>
     <p:extLst>
       <p:ext uri="{BB962C8B-B14F-4D97-AF65-F5344CB8AC3E}">
-        <p14:creationId xmlns:p14="http://schemas.microsoft.com/office/powerpoint/2010/main" val="2121369331"/>
+        <p14:creationId xmlns:p14="http://schemas.microsoft.com/office/powerpoint/2010/main" xmlns="" val="2121369331"/>
       </p:ext>
     </p:extLst>
   </p:cSld>
@@ -1093,7 +1104,7 @@
             <a:fld id="{48A87A34-81AB-432B-8DAE-1953F412C126}" type="datetimeFigureOut">
               <a:rPr lang="en-US" smtClean="0"/>
               <a:pPr/>
-              <a:t>8/25/2025</a:t>
+              <a:t>8/27/2025</a:t>
             </a:fld>
             <a:endParaRPr lang="en-US" dirty="0"/>
           </a:p>
@@ -1145,7 +1156,7 @@
     </p:spTree>
     <p:extLst>
       <p:ext uri="{BB962C8B-B14F-4D97-AF65-F5344CB8AC3E}">
-        <p14:creationId xmlns:p14="http://schemas.microsoft.com/office/powerpoint/2010/main" val="4277845334"/>
+        <p14:creationId xmlns:p14="http://schemas.microsoft.com/office/powerpoint/2010/main" xmlns="" val="4277845334"/>
       </p:ext>
     </p:extLst>
   </p:cSld>
@@ -1409,7 +1420,7 @@
             <a:fld id="{48A87A34-81AB-432B-8DAE-1953F412C126}" type="datetimeFigureOut">
               <a:rPr lang="en-US" smtClean="0"/>
               <a:pPr/>
-              <a:t>8/25/2025</a:t>
+              <a:t>8/27/2025</a:t>
             </a:fld>
             <a:endParaRPr lang="en-US" dirty="0"/>
           </a:p>
@@ -1537,7 +1548,7 @@
     </p:spTree>
     <p:extLst>
       <p:ext uri="{BB962C8B-B14F-4D97-AF65-F5344CB8AC3E}">
-        <p14:creationId xmlns:p14="http://schemas.microsoft.com/office/powerpoint/2010/main" val="4103336880"/>
+        <p14:creationId xmlns:p14="http://schemas.microsoft.com/office/powerpoint/2010/main" xmlns="" val="4103336880"/>
       </p:ext>
     </p:extLst>
   </p:cSld>
@@ -1738,7 +1749,7 @@
             <a:fld id="{48A87A34-81AB-432B-8DAE-1953F412C126}" type="datetimeFigureOut">
               <a:rPr lang="en-US" smtClean="0"/>
               <a:pPr/>
-              <a:t>8/25/2025</a:t>
+              <a:t>8/27/2025</a:t>
             </a:fld>
             <a:endParaRPr lang="en-US" dirty="0"/>
           </a:p>
@@ -1790,7 +1801,7 @@
     </p:spTree>
     <p:extLst>
       <p:ext uri="{BB962C8B-B14F-4D97-AF65-F5344CB8AC3E}">
-        <p14:creationId xmlns:p14="http://schemas.microsoft.com/office/powerpoint/2010/main" val="2317848287"/>
+        <p14:creationId xmlns:p14="http://schemas.microsoft.com/office/powerpoint/2010/main" xmlns="" val="2317848287"/>
       </p:ext>
     </p:extLst>
   </p:cSld>
@@ -2054,7 +2065,7 @@
             <a:fld id="{48A87A34-81AB-432B-8DAE-1953F412C126}" type="datetimeFigureOut">
               <a:rPr lang="en-US" smtClean="0"/>
               <a:pPr/>
-              <a:t>8/25/2025</a:t>
+              <a:t>8/27/2025</a:t>
             </a:fld>
             <a:endParaRPr lang="en-US" dirty="0"/>
           </a:p>
@@ -2182,7 +2193,7 @@
     </p:spTree>
     <p:extLst>
       <p:ext uri="{BB962C8B-B14F-4D97-AF65-F5344CB8AC3E}">
-        <p14:creationId xmlns:p14="http://schemas.microsoft.com/office/powerpoint/2010/main" val="4054754721"/>
+        <p14:creationId xmlns:p14="http://schemas.microsoft.com/office/powerpoint/2010/main" xmlns="" val="4054754721"/>
       </p:ext>
     </p:extLst>
   </p:cSld>
@@ -2443,7 +2454,7 @@
             <a:fld id="{48A87A34-81AB-432B-8DAE-1953F412C126}" type="datetimeFigureOut">
               <a:rPr lang="en-US" smtClean="0"/>
               <a:pPr/>
-              <a:t>8/25/2025</a:t>
+              <a:t>8/27/2025</a:t>
             </a:fld>
             <a:endParaRPr lang="en-US" dirty="0"/>
           </a:p>
@@ -2495,7 +2506,7 @@
     </p:spTree>
     <p:extLst>
       <p:ext uri="{BB962C8B-B14F-4D97-AF65-F5344CB8AC3E}">
-        <p14:creationId xmlns:p14="http://schemas.microsoft.com/office/powerpoint/2010/main" val="3698809145"/>
+        <p14:creationId xmlns:p14="http://schemas.microsoft.com/office/powerpoint/2010/main" xmlns="" val="3698809145"/>
       </p:ext>
     </p:extLst>
   </p:cSld>
@@ -2614,7 +2625,8 @@
           <a:p>
             <a:fld id="{48A87A34-81AB-432B-8DAE-1953F412C126}" type="datetimeFigureOut">
               <a:rPr lang="en-US" smtClean="0"/>
-              <a:t>8/25/2025</a:t>
+              <a:pPr/>
+              <a:t>8/27/2025</a:t>
             </a:fld>
             <a:endParaRPr lang="en-US" dirty="0"/>
           </a:p>
@@ -2656,6 +2668,7 @@
           <a:p>
             <a:fld id="{6D22F896-40B5-4ADD-8801-0D06FADFA095}" type="slidenum">
               <a:rPr lang="en-US" smtClean="0"/>
+              <a:pPr/>
               <a:t>‹#›</a:t>
             </a:fld>
             <a:endParaRPr lang="en-US" dirty="0"/>
@@ -2665,7 +2678,7 @@
     </p:spTree>
     <p:extLst>
       <p:ext uri="{BB962C8B-B14F-4D97-AF65-F5344CB8AC3E}">
-        <p14:creationId xmlns:p14="http://schemas.microsoft.com/office/powerpoint/2010/main" val="4102912012"/>
+        <p14:creationId xmlns:p14="http://schemas.microsoft.com/office/powerpoint/2010/main" xmlns="" val="4102912012"/>
       </p:ext>
     </p:extLst>
   </p:cSld>
@@ -2794,7 +2807,8 @@
           <a:p>
             <a:fld id="{48A87A34-81AB-432B-8DAE-1953F412C126}" type="datetimeFigureOut">
               <a:rPr lang="en-US" smtClean="0"/>
-              <a:t>8/25/2025</a:t>
+              <a:pPr/>
+              <a:t>8/27/2025</a:t>
             </a:fld>
             <a:endParaRPr lang="en-US" dirty="0"/>
           </a:p>
@@ -2836,6 +2850,7 @@
           <a:p>
             <a:fld id="{6D22F896-40B5-4ADD-8801-0D06FADFA095}" type="slidenum">
               <a:rPr lang="en-US" smtClean="0"/>
+              <a:pPr/>
               <a:t>‹#›</a:t>
             </a:fld>
             <a:endParaRPr lang="en-US" dirty="0"/>
@@ -2845,7 +2860,7 @@
     </p:spTree>
     <p:extLst>
       <p:ext uri="{BB962C8B-B14F-4D97-AF65-F5344CB8AC3E}">
-        <p14:creationId xmlns:p14="http://schemas.microsoft.com/office/powerpoint/2010/main" val="1199620941"/>
+        <p14:creationId xmlns:p14="http://schemas.microsoft.com/office/powerpoint/2010/main" xmlns="" val="1199620941"/>
       </p:ext>
     </p:extLst>
   </p:cSld>
@@ -2970,7 +2985,8 @@
           <a:p>
             <a:fld id="{48A87A34-81AB-432B-8DAE-1953F412C126}" type="datetimeFigureOut">
               <a:rPr lang="en-US" smtClean="0"/>
-              <a:t>8/25/2025</a:t>
+              <a:pPr/>
+              <a:t>8/27/2025</a:t>
             </a:fld>
             <a:endParaRPr lang="en-US" dirty="0"/>
           </a:p>
@@ -3012,6 +3028,7 @@
           <a:p>
             <a:fld id="{6D22F896-40B5-4ADD-8801-0D06FADFA095}" type="slidenum">
               <a:rPr lang="en-US" smtClean="0"/>
+              <a:pPr/>
               <a:t>‹#›</a:t>
             </a:fld>
             <a:endParaRPr lang="en-US" dirty="0"/>
@@ -3021,7 +3038,7 @@
     </p:spTree>
     <p:extLst>
       <p:ext uri="{BB962C8B-B14F-4D97-AF65-F5344CB8AC3E}">
-        <p14:creationId xmlns:p14="http://schemas.microsoft.com/office/powerpoint/2010/main" val="901355798"/>
+        <p14:creationId xmlns:p14="http://schemas.microsoft.com/office/powerpoint/2010/main" xmlns="" val="901355798"/>
       </p:ext>
     </p:extLst>
   </p:cSld>
@@ -3217,7 +3234,8 @@
           <a:p>
             <a:fld id="{48A87A34-81AB-432B-8DAE-1953F412C126}" type="datetimeFigureOut">
               <a:rPr lang="en-US" smtClean="0"/>
-              <a:t>8/25/2025</a:t>
+              <a:pPr/>
+              <a:t>8/27/2025</a:t>
             </a:fld>
             <a:endParaRPr lang="en-US" dirty="0"/>
           </a:p>
@@ -3259,6 +3277,7 @@
           <a:p>
             <a:fld id="{6D22F896-40B5-4ADD-8801-0D06FADFA095}" type="slidenum">
               <a:rPr lang="en-US" smtClean="0"/>
+              <a:pPr/>
               <a:t>‹#›</a:t>
             </a:fld>
             <a:endParaRPr lang="en-US" dirty="0"/>
@@ -3268,7 +3287,7 @@
     </p:spTree>
     <p:extLst>
       <p:ext uri="{BB962C8B-B14F-4D97-AF65-F5344CB8AC3E}">
-        <p14:creationId xmlns:p14="http://schemas.microsoft.com/office/powerpoint/2010/main" val="351019068"/>
+        <p14:creationId xmlns:p14="http://schemas.microsoft.com/office/powerpoint/2010/main" xmlns="" val="351019068"/>
       </p:ext>
     </p:extLst>
   </p:cSld>
@@ -3449,7 +3468,8 @@
           <a:p>
             <a:fld id="{48A87A34-81AB-432B-8DAE-1953F412C126}" type="datetimeFigureOut">
               <a:rPr lang="en-US" smtClean="0"/>
-              <a:t>8/25/2025</a:t>
+              <a:pPr/>
+              <a:t>8/27/2025</a:t>
             </a:fld>
             <a:endParaRPr lang="en-US" dirty="0"/>
           </a:p>
@@ -3491,6 +3511,7 @@
           <a:p>
             <a:fld id="{6D22F896-40B5-4ADD-8801-0D06FADFA095}" type="slidenum">
               <a:rPr lang="en-US" smtClean="0"/>
+              <a:pPr/>
               <a:t>‹#›</a:t>
             </a:fld>
             <a:endParaRPr lang="en-US" dirty="0"/>
@@ -3500,7 +3521,7 @@
     </p:spTree>
     <p:extLst>
       <p:ext uri="{BB962C8B-B14F-4D97-AF65-F5344CB8AC3E}">
-        <p14:creationId xmlns:p14="http://schemas.microsoft.com/office/powerpoint/2010/main" val="3037334119"/>
+        <p14:creationId xmlns:p14="http://schemas.microsoft.com/office/powerpoint/2010/main" xmlns="" val="3037334119"/>
       </p:ext>
     </p:extLst>
   </p:cSld>
@@ -3823,7 +3844,8 @@
           <a:p>
             <a:fld id="{48A87A34-81AB-432B-8DAE-1953F412C126}" type="datetimeFigureOut">
               <a:rPr lang="en-US" smtClean="0"/>
-              <a:t>8/25/2025</a:t>
+              <a:pPr/>
+              <a:t>8/27/2025</a:t>
             </a:fld>
             <a:endParaRPr lang="en-US" dirty="0"/>
           </a:p>
@@ -3865,6 +3887,7 @@
           <a:p>
             <a:fld id="{6D22F896-40B5-4ADD-8801-0D06FADFA095}" type="slidenum">
               <a:rPr lang="en-US" smtClean="0"/>
+              <a:pPr/>
               <a:t>‹#›</a:t>
             </a:fld>
             <a:endParaRPr lang="en-US" dirty="0"/>
@@ -3874,7 +3897,7 @@
     </p:spTree>
     <p:extLst>
       <p:ext uri="{BB962C8B-B14F-4D97-AF65-F5344CB8AC3E}">
-        <p14:creationId xmlns:p14="http://schemas.microsoft.com/office/powerpoint/2010/main" val="3959179014"/>
+        <p14:creationId xmlns:p14="http://schemas.microsoft.com/office/powerpoint/2010/main" xmlns="" val="3959179014"/>
       </p:ext>
     </p:extLst>
   </p:cSld>
@@ -3946,7 +3969,8 @@
           <a:p>
             <a:fld id="{48A87A34-81AB-432B-8DAE-1953F412C126}" type="datetimeFigureOut">
               <a:rPr lang="en-US" smtClean="0"/>
-              <a:t>8/25/2025</a:t>
+              <a:pPr/>
+              <a:t>8/27/2025</a:t>
             </a:fld>
             <a:endParaRPr lang="en-US" dirty="0"/>
           </a:p>
@@ -3988,6 +4012,7 @@
           <a:p>
             <a:fld id="{6D22F896-40B5-4ADD-8801-0D06FADFA095}" type="slidenum">
               <a:rPr lang="en-US" smtClean="0"/>
+              <a:pPr/>
               <a:t>‹#›</a:t>
             </a:fld>
             <a:endParaRPr lang="en-US" dirty="0"/>
@@ -3997,7 +4022,7 @@
     </p:spTree>
     <p:extLst>
       <p:ext uri="{BB962C8B-B14F-4D97-AF65-F5344CB8AC3E}">
-        <p14:creationId xmlns:p14="http://schemas.microsoft.com/office/powerpoint/2010/main" val="143817896"/>
+        <p14:creationId xmlns:p14="http://schemas.microsoft.com/office/powerpoint/2010/main" xmlns="" val="143817896"/>
       </p:ext>
     </p:extLst>
   </p:cSld>
@@ -4041,7 +4066,8 @@
           <a:p>
             <a:fld id="{48A87A34-81AB-432B-8DAE-1953F412C126}" type="datetimeFigureOut">
               <a:rPr lang="en-US" smtClean="0"/>
-              <a:t>8/25/2025</a:t>
+              <a:pPr/>
+              <a:t>8/27/2025</a:t>
             </a:fld>
             <a:endParaRPr lang="en-US" dirty="0"/>
           </a:p>
@@ -4083,6 +4109,7 @@
           <a:p>
             <a:fld id="{6D22F896-40B5-4ADD-8801-0D06FADFA095}" type="slidenum">
               <a:rPr lang="en-US" smtClean="0"/>
+              <a:pPr/>
               <a:t>‹#›</a:t>
             </a:fld>
             <a:endParaRPr lang="en-US" dirty="0"/>
@@ -4092,7 +4119,7 @@
     </p:spTree>
     <p:extLst>
       <p:ext uri="{BB962C8B-B14F-4D97-AF65-F5344CB8AC3E}">
-        <p14:creationId xmlns:p14="http://schemas.microsoft.com/office/powerpoint/2010/main" val="1053529793"/>
+        <p14:creationId xmlns:p14="http://schemas.microsoft.com/office/powerpoint/2010/main" xmlns="" val="1053529793"/>
       </p:ext>
     </p:extLst>
   </p:cSld>
@@ -4296,7 +4323,8 @@
           <a:p>
             <a:fld id="{48A87A34-81AB-432B-8DAE-1953F412C126}" type="datetimeFigureOut">
               <a:rPr lang="en-US" smtClean="0"/>
-              <a:t>8/25/2025</a:t>
+              <a:pPr/>
+              <a:t>8/27/2025</a:t>
             </a:fld>
             <a:endParaRPr lang="en-US" dirty="0"/>
           </a:p>
@@ -4338,6 +4366,7 @@
           <a:p>
             <a:fld id="{6D22F896-40B5-4ADD-8801-0D06FADFA095}" type="slidenum">
               <a:rPr lang="en-US" smtClean="0"/>
+              <a:pPr/>
               <a:t>‹#›</a:t>
             </a:fld>
             <a:endParaRPr lang="en-US" dirty="0"/>
@@ -4347,7 +4376,7 @@
     </p:spTree>
     <p:extLst>
       <p:ext uri="{BB962C8B-B14F-4D97-AF65-F5344CB8AC3E}">
-        <p14:creationId xmlns:p14="http://schemas.microsoft.com/office/powerpoint/2010/main" val="1549564702"/>
+        <p14:creationId xmlns:p14="http://schemas.microsoft.com/office/powerpoint/2010/main" xmlns="" val="1549564702"/>
       </p:ext>
     </p:extLst>
   </p:cSld>
@@ -4559,7 +4588,8 @@
           <a:p>
             <a:fld id="{48A87A34-81AB-432B-8DAE-1953F412C126}" type="datetimeFigureOut">
               <a:rPr lang="en-US" smtClean="0"/>
-              <a:t>8/25/2025</a:t>
+              <a:pPr/>
+              <a:t>8/27/2025</a:t>
             </a:fld>
             <a:endParaRPr lang="en-US" dirty="0"/>
           </a:p>
@@ -4601,6 +4631,7 @@
           <a:p>
             <a:fld id="{6D22F896-40B5-4ADD-8801-0D06FADFA095}" type="slidenum">
               <a:rPr lang="en-US" smtClean="0"/>
+              <a:pPr/>
               <a:t>‹#›</a:t>
             </a:fld>
             <a:endParaRPr lang="en-US" dirty="0"/>
@@ -4610,7 +4641,7 @@
     </p:spTree>
     <p:extLst>
       <p:ext uri="{BB962C8B-B14F-4D97-AF65-F5344CB8AC3E}">
-        <p14:creationId xmlns:p14="http://schemas.microsoft.com/office/powerpoint/2010/main" val="1708776435"/>
+        <p14:creationId xmlns:p14="http://schemas.microsoft.com/office/powerpoint/2010/main" xmlns="" val="1708776435"/>
       </p:ext>
     </p:extLst>
   </p:cSld>
@@ -5305,7 +5336,7 @@
             <a:fld id="{48A87A34-81AB-432B-8DAE-1953F412C126}" type="datetimeFigureOut">
               <a:rPr lang="en-US" smtClean="0"/>
               <a:pPr/>
-              <a:t>8/25/2025</a:t>
+              <a:t>8/27/2025</a:t>
             </a:fld>
             <a:endParaRPr lang="en-US" dirty="0"/>
           </a:p>
@@ -5391,7 +5422,7 @@
     </p:spTree>
     <p:extLst>
       <p:ext uri="{BB962C8B-B14F-4D97-AF65-F5344CB8AC3E}">
-        <p14:creationId xmlns:p14="http://schemas.microsoft.com/office/powerpoint/2010/main" val="121865681"/>
+        <p14:creationId xmlns:p14="http://schemas.microsoft.com/office/powerpoint/2010/main" xmlns="" val="121865681"/>
       </p:ext>
     </p:extLst>
   </p:cSld>
@@ -5835,7 +5866,7 @@
           <p:cNvPr id="2" name="Title 1">
             <a:extLst>
               <a:ext uri="{FF2B5EF4-FFF2-40B4-BE49-F238E27FC236}">
-                <a16:creationId xmlns:a16="http://schemas.microsoft.com/office/drawing/2014/main" id="{EC93423C-79E8-2701-DB3F-2D4CA67D7A87}"/>
+                <a16:creationId xmlns:a16="http://schemas.microsoft.com/office/drawing/2014/main" xmlns="" id="{EC93423C-79E8-2701-DB3F-2D4CA67D7A87}"/>
               </a:ext>
             </a:extLst>
           </p:cNvPr>
@@ -5888,7 +5919,7 @@
           <p:cNvPr id="3" name="Subtitle 2">
             <a:extLst>
               <a:ext uri="{FF2B5EF4-FFF2-40B4-BE49-F238E27FC236}">
-                <a16:creationId xmlns:a16="http://schemas.microsoft.com/office/drawing/2014/main" id="{2A629AF9-FA04-B477-0E47-5B7F12E6FC7C}"/>
+                <a16:creationId xmlns:a16="http://schemas.microsoft.com/office/drawing/2014/main" xmlns="" id="{2A629AF9-FA04-B477-0E47-5B7F12E6FC7C}"/>
               </a:ext>
             </a:extLst>
           </p:cNvPr>
@@ -5924,7 +5955,7 @@
           <p:cNvPr id="4" name="TextBox 3">
             <a:extLst>
               <a:ext uri="{FF2B5EF4-FFF2-40B4-BE49-F238E27FC236}">
-                <a16:creationId xmlns:a16="http://schemas.microsoft.com/office/drawing/2014/main" id="{4BC27C14-3D93-9CDE-B1D8-91C6ACAF4DA4}"/>
+                <a16:creationId xmlns:a16="http://schemas.microsoft.com/office/drawing/2014/main" xmlns="" id="{4BC27C14-3D93-9CDE-B1D8-91C6ACAF4DA4}"/>
               </a:ext>
             </a:extLst>
           </p:cNvPr>
@@ -5973,7 +6004,7 @@
     </p:spTree>
     <p:extLst>
       <p:ext uri="{BB962C8B-B14F-4D97-AF65-F5344CB8AC3E}">
-        <p14:creationId xmlns:p14="http://schemas.microsoft.com/office/powerpoint/2010/main" val="889777050"/>
+        <p14:creationId xmlns:p14="http://schemas.microsoft.com/office/powerpoint/2010/main" xmlns="" val="889777050"/>
       </p:ext>
     </p:extLst>
   </p:cSld>
@@ -5991,7 +6022,7 @@
         <p:cNvPr id="1" name="">
           <a:extLst>
             <a:ext uri="{FF2B5EF4-FFF2-40B4-BE49-F238E27FC236}">
-              <a16:creationId xmlns:a16="http://schemas.microsoft.com/office/drawing/2014/main" id="{253BBDB7-3E52-64BD-6E92-66253059D34C}"/>
+              <a16:creationId xmlns:a16="http://schemas.microsoft.com/office/drawing/2014/main" xmlns="" id="{253BBDB7-3E52-64BD-6E92-66253059D34C}"/>
             </a:ext>
           </a:extLst>
         </p:cNvPr>
@@ -6011,7 +6042,7 @@
           <p:cNvPr id="2" name="Title 1">
             <a:extLst>
               <a:ext uri="{FF2B5EF4-FFF2-40B4-BE49-F238E27FC236}">
-                <a16:creationId xmlns:a16="http://schemas.microsoft.com/office/drawing/2014/main" id="{E55678BE-607F-2A2B-B318-30B2DA7F29B3}"/>
+                <a16:creationId xmlns:a16="http://schemas.microsoft.com/office/drawing/2014/main" xmlns="" id="{E55678BE-607F-2A2B-B318-30B2DA7F29B3}"/>
               </a:ext>
             </a:extLst>
           </p:cNvPr>
@@ -6048,7 +6079,7 @@
           <p:cNvPr id="3" name="Content Placeholder 2">
             <a:extLst>
               <a:ext uri="{FF2B5EF4-FFF2-40B4-BE49-F238E27FC236}">
-                <a16:creationId xmlns:a16="http://schemas.microsoft.com/office/drawing/2014/main" id="{A5951AC9-1751-ACAB-8097-E6D486A5D62D}"/>
+                <a16:creationId xmlns:a16="http://schemas.microsoft.com/office/drawing/2014/main" xmlns="" id="{A5951AC9-1751-ACAB-8097-E6D486A5D62D}"/>
               </a:ext>
             </a:extLst>
           </p:cNvPr>
@@ -6103,7 +6134,7 @@
           <p:cNvPr id="5" name="Ribbon: Curved and Tilted Down 4">
             <a:extLst>
               <a:ext uri="{FF2B5EF4-FFF2-40B4-BE49-F238E27FC236}">
-                <a16:creationId xmlns:a16="http://schemas.microsoft.com/office/drawing/2014/main" id="{29648F54-4274-51BA-8F35-F8C888E0A19B}"/>
+                <a16:creationId xmlns:a16="http://schemas.microsoft.com/office/drawing/2014/main" xmlns="" id="{29648F54-4274-51BA-8F35-F8C888E0A19B}"/>
               </a:ext>
             </a:extLst>
           </p:cNvPr>
@@ -6176,7 +6207,7 @@
           <p:cNvPr id="6" name="Scroll: Vertical 5">
             <a:extLst>
               <a:ext uri="{FF2B5EF4-FFF2-40B4-BE49-F238E27FC236}">
-                <a16:creationId xmlns:a16="http://schemas.microsoft.com/office/drawing/2014/main" id="{E3C4F40D-DC8F-F75B-7F98-E5029EC432CA}"/>
+                <a16:creationId xmlns:a16="http://schemas.microsoft.com/office/drawing/2014/main" xmlns="" id="{E3C4F40D-DC8F-F75B-7F98-E5029EC432CA}"/>
               </a:ext>
             </a:extLst>
           </p:cNvPr>
@@ -6443,10 +6474,56 @@
           </a:p>
         </p:txBody>
       </p:sp>
+      <p:sp>
+        <p:nvSpPr>
+          <p:cNvPr id="7" name="TextBox 6"/>
+          <p:cNvSpPr txBox="1"/>
+          <p:nvPr/>
+        </p:nvSpPr>
+        <p:spPr>
+          <a:xfrm>
+            <a:off x="9614263" y="801189"/>
+            <a:ext cx="1316386" cy="369332"/>
+          </a:xfrm>
+          <a:prstGeom prst="rect">
+            <a:avLst/>
+          </a:prstGeom>
+          <a:noFill/>
+        </p:spPr>
+        <p:txBody>
+          <a:bodyPr wrap="none" rtlCol="0">
+            <a:spAutoFit/>
+          </a:bodyPr>
+          <a:lstStyle/>
+          <a:p>
+            <a:r>
+              <a:rPr lang="en-IN" b="1" dirty="0" smtClean="0">
+                <a:solidFill>
+                  <a:schemeClr val="accent2">
+                    <a:lumMod val="60000"/>
+                    <a:lumOff val="40000"/>
+                  </a:schemeClr>
+                </a:solidFill>
+                <a:latin typeface="Bahnschrift SemiLight" pitchFamily="34" charset="0"/>
+              </a:rPr>
+              <a:t>Chapter - 1</a:t>
+            </a:r>
+            <a:endParaRPr lang="en-US" b="1" dirty="0">
+              <a:solidFill>
+                <a:schemeClr val="accent2">
+                  <a:lumMod val="60000"/>
+                  <a:lumOff val="40000"/>
+                </a:schemeClr>
+              </a:solidFill>
+              <a:latin typeface="Bahnschrift SemiLight" pitchFamily="34" charset="0"/>
+            </a:endParaRPr>
+          </a:p>
+        </p:txBody>
+      </p:sp>
     </p:spTree>
     <p:extLst>
       <p:ext uri="{BB962C8B-B14F-4D97-AF65-F5344CB8AC3E}">
-        <p14:creationId xmlns:p14="http://schemas.microsoft.com/office/powerpoint/2010/main" val="609828687"/>
+        <p14:creationId xmlns:p14="http://schemas.microsoft.com/office/powerpoint/2010/main" xmlns="" val="609828687"/>
       </p:ext>
     </p:extLst>
   </p:cSld>
@@ -6464,7 +6541,7 @@
         <p:cNvPr id="1" name="">
           <a:extLst>
             <a:ext uri="{FF2B5EF4-FFF2-40B4-BE49-F238E27FC236}">
-              <a16:creationId xmlns:a16="http://schemas.microsoft.com/office/drawing/2014/main" id="{4586E9D7-F5F8-14CC-9DF6-FC4AF2EA4249}"/>
+              <a16:creationId xmlns:a16="http://schemas.microsoft.com/office/drawing/2014/main" xmlns="" id="{4586E9D7-F5F8-14CC-9DF6-FC4AF2EA4249}"/>
             </a:ext>
           </a:extLst>
         </p:cNvPr>
@@ -6484,7 +6561,7 @@
           <p:cNvPr id="2" name="Title 1">
             <a:extLst>
               <a:ext uri="{FF2B5EF4-FFF2-40B4-BE49-F238E27FC236}">
-                <a16:creationId xmlns:a16="http://schemas.microsoft.com/office/drawing/2014/main" id="{D8B67155-694F-FF61-7CDD-33A20A316215}"/>
+                <a16:creationId xmlns:a16="http://schemas.microsoft.com/office/drawing/2014/main" xmlns="" id="{D8B67155-694F-FF61-7CDD-33A20A316215}"/>
               </a:ext>
             </a:extLst>
           </p:cNvPr>
@@ -6521,7 +6598,7 @@
           <p:cNvPr id="3" name="Content Placeholder 2">
             <a:extLst>
               <a:ext uri="{FF2B5EF4-FFF2-40B4-BE49-F238E27FC236}">
-                <a16:creationId xmlns:a16="http://schemas.microsoft.com/office/drawing/2014/main" id="{2A53D2DA-721D-FC7E-8E09-BCBD844B6F9F}"/>
+                <a16:creationId xmlns:a16="http://schemas.microsoft.com/office/drawing/2014/main" xmlns="" id="{2A53D2DA-721D-FC7E-8E09-BCBD844B6F9F}"/>
               </a:ext>
             </a:extLst>
           </p:cNvPr>
@@ -6629,7 +6706,7 @@
           <p:cNvPr id="5" name="Ribbon: Curved and Tilted Down 4">
             <a:extLst>
               <a:ext uri="{FF2B5EF4-FFF2-40B4-BE49-F238E27FC236}">
-                <a16:creationId xmlns:a16="http://schemas.microsoft.com/office/drawing/2014/main" id="{3FA23525-E3EA-B8CB-FD6A-53084CA847A7}"/>
+                <a16:creationId xmlns:a16="http://schemas.microsoft.com/office/drawing/2014/main" xmlns="" id="{3FA23525-E3EA-B8CB-FD6A-53084CA847A7}"/>
               </a:ext>
             </a:extLst>
           </p:cNvPr>
@@ -6702,7 +6779,7 @@
           <p:cNvPr id="6" name="Scroll: Vertical 5">
             <a:extLst>
               <a:ext uri="{FF2B5EF4-FFF2-40B4-BE49-F238E27FC236}">
-                <a16:creationId xmlns:a16="http://schemas.microsoft.com/office/drawing/2014/main" id="{1A4C732A-2840-82C8-A359-298D925E33B3}"/>
+                <a16:creationId xmlns:a16="http://schemas.microsoft.com/office/drawing/2014/main" xmlns="" id="{1A4C732A-2840-82C8-A359-298D925E33B3}"/>
               </a:ext>
             </a:extLst>
           </p:cNvPr>
@@ -6969,10 +7046,56 @@
           </a:p>
         </p:txBody>
       </p:sp>
+      <p:sp>
+        <p:nvSpPr>
+          <p:cNvPr id="7" name="TextBox 6"/>
+          <p:cNvSpPr txBox="1"/>
+          <p:nvPr/>
+        </p:nvSpPr>
+        <p:spPr>
+          <a:xfrm>
+            <a:off x="9614263" y="801189"/>
+            <a:ext cx="1316386" cy="369332"/>
+          </a:xfrm>
+          <a:prstGeom prst="rect">
+            <a:avLst/>
+          </a:prstGeom>
+          <a:noFill/>
+        </p:spPr>
+        <p:txBody>
+          <a:bodyPr wrap="none" rtlCol="0">
+            <a:spAutoFit/>
+          </a:bodyPr>
+          <a:lstStyle/>
+          <a:p>
+            <a:r>
+              <a:rPr lang="en-IN" b="1" dirty="0" smtClean="0">
+                <a:solidFill>
+                  <a:schemeClr val="accent2">
+                    <a:lumMod val="60000"/>
+                    <a:lumOff val="40000"/>
+                  </a:schemeClr>
+                </a:solidFill>
+                <a:latin typeface="Bahnschrift SemiLight" pitchFamily="34" charset="0"/>
+              </a:rPr>
+              <a:t>Chapter - 1</a:t>
+            </a:r>
+            <a:endParaRPr lang="en-US" b="1" dirty="0">
+              <a:solidFill>
+                <a:schemeClr val="accent2">
+                  <a:lumMod val="60000"/>
+                  <a:lumOff val="40000"/>
+                </a:schemeClr>
+              </a:solidFill>
+              <a:latin typeface="Bahnschrift SemiLight" pitchFamily="34" charset="0"/>
+            </a:endParaRPr>
+          </a:p>
+        </p:txBody>
+      </p:sp>
     </p:spTree>
     <p:extLst>
       <p:ext uri="{BB962C8B-B14F-4D97-AF65-F5344CB8AC3E}">
-        <p14:creationId xmlns:p14="http://schemas.microsoft.com/office/powerpoint/2010/main" val="3002471670"/>
+        <p14:creationId xmlns:p14="http://schemas.microsoft.com/office/powerpoint/2010/main" xmlns="" val="3002471670"/>
       </p:ext>
     </p:extLst>
   </p:cSld>
@@ -6982,7 +7105,7 @@
 </p:sld>
 </file>
 
-<file path=ppt/slides/slide2.xml><?xml version="1.0" encoding="utf-8"?>
+<file path=ppt/slides/slide12.xml><?xml version="1.0" encoding="utf-8"?>
 <p:sld xmlns:a="http://schemas.openxmlformats.org/drawingml/2006/main" xmlns:r="http://schemas.openxmlformats.org/officeDocument/2006/relationships" xmlns:p="http://schemas.openxmlformats.org/presentationml/2006/main">
   <p:cSld>
     <p:spTree>
@@ -7004,7 +7127,7 @@
           <p:cNvPr id="9" name="Explosion: 14 Points 8">
             <a:extLst>
               <a:ext uri="{FF2B5EF4-FFF2-40B4-BE49-F238E27FC236}">
-                <a16:creationId xmlns:a16="http://schemas.microsoft.com/office/drawing/2014/main" id="{0A2CD68B-7A56-F86D-8B6F-4A8BF99B4C9E}"/>
+                <a16:creationId xmlns:a16="http://schemas.microsoft.com/office/drawing/2014/main" xmlns="" id="{0A2CD68B-7A56-F86D-8B6F-4A8BF99B4C9E}"/>
               </a:ext>
             </a:extLst>
           </p:cNvPr>
@@ -7059,7 +7182,7 @@
           <p:cNvPr id="2" name="Title 1">
             <a:extLst>
               <a:ext uri="{FF2B5EF4-FFF2-40B4-BE49-F238E27FC236}">
-                <a16:creationId xmlns:a16="http://schemas.microsoft.com/office/drawing/2014/main" id="{62BB4F8D-44B7-9866-F7B2-6375CB902974}"/>
+                <a16:creationId xmlns:a16="http://schemas.microsoft.com/office/drawing/2014/main" xmlns="" id="{62BB4F8D-44B7-9866-F7B2-6375CB902974}"/>
               </a:ext>
             </a:extLst>
           </p:cNvPr>
@@ -7079,7 +7202,7 @@
         </p:spPr>
         <p:txBody>
           <a:bodyPr anchor="ctr">
-            <a:normAutofit/>
+            <a:normAutofit fontScale="90000"/>
           </a:bodyPr>
           <a:lstStyle/>
           <a:p>
@@ -7093,6 +7216,15 @@
               </a:rPr>
               <a:t>JavaScript</a:t>
             </a:r>
+            <a:r>
+              <a:rPr lang="en-US" sz="7200" b="1" dirty="0">
+                <a:solidFill>
+                  <a:schemeClr val="tx1"/>
+                </a:solidFill>
+                <a:latin typeface="Barlow Black" panose="00000A00000000000000" pitchFamily="2" charset="0"/>
+              </a:rPr>
+              <a:t/>
+            </a:r>
             <a:br>
               <a:rPr lang="en-US" sz="7200" b="1" dirty="0">
                 <a:solidFill>
@@ -7102,16 +7234,16 @@
               </a:rPr>
             </a:br>
             <a:r>
-              <a:rPr lang="en-US" sz="7200" b="1" dirty="0">
+              <a:rPr lang="en-US" sz="7200" b="1" dirty="0" smtClean="0">
                 <a:solidFill>
                   <a:schemeClr val="tx1"/>
                 </a:solidFill>
                 <a:latin typeface="Barlow Black" panose="00000A00000000000000" pitchFamily="2" charset="0"/>
               </a:rPr>
-              <a:t>Overview</a:t>
+              <a:t>Chapter – 2</a:t>
             </a:r>
             <a:br>
-              <a:rPr lang="en-US" sz="7200" b="1" dirty="0">
+              <a:rPr lang="en-US" sz="7200" b="1" dirty="0" smtClean="0">
                 <a:solidFill>
                   <a:schemeClr val="tx1"/>
                 </a:solidFill>
@@ -7119,22 +7251,52 @@
               </a:rPr>
             </a:br>
             <a:r>
-              <a:rPr lang="en-US" b="1" dirty="0">
-                <a:solidFill>
-                  <a:schemeClr val="tx1"/>
-                </a:solidFill>
-                <a:latin typeface="Barlow Condensed ExtraLight" panose="00000306000000000000" pitchFamily="2" charset="0"/>
-              </a:rPr>
-              <a:t>Chapter - </a:t>
-            </a:r>
-            <a:r>
-              <a:rPr lang="en-US" b="1" dirty="0">
-                <a:solidFill>
-                  <a:schemeClr val="tx1"/>
-                </a:solidFill>
-                <a:latin typeface="Barlow Black" panose="00000A00000000000000" pitchFamily="2" charset="0"/>
-              </a:rPr>
-              <a:t>1</a:t>
+              <a:rPr lang="en-US" sz="2800" dirty="0" smtClean="0">
+                <a:solidFill>
+                  <a:schemeClr val="accent2">
+                    <a:lumMod val="60000"/>
+                    <a:lumOff val="40000"/>
+                  </a:schemeClr>
+                </a:solidFill>
+                <a:latin typeface="Bahnschrift Light Condensed" pitchFamily="34" charset="0"/>
+              </a:rPr>
+              <a:t> </a:t>
+            </a:r>
+            <a:r>
+              <a:rPr lang="en-US" sz="2800" dirty="0" smtClean="0">
+                <a:solidFill>
+                  <a:schemeClr val="accent2">
+                    <a:lumMod val="60000"/>
+                    <a:lumOff val="40000"/>
+                  </a:schemeClr>
+                </a:solidFill>
+                <a:latin typeface="Bahnschrift Light Condensed" pitchFamily="34" charset="0"/>
+              </a:rPr>
+              <a:t>(</a:t>
+            </a:r>
+            <a:r>
+              <a:rPr lang="en-US" dirty="0" smtClean="0">
+                <a:solidFill>
+                  <a:schemeClr val="accent2">
+                    <a:lumMod val="60000"/>
+                    <a:lumOff val="40000"/>
+                  </a:schemeClr>
+                </a:solidFill>
+                <a:latin typeface="Bahnschrift Light Condensed" pitchFamily="34" charset="0"/>
+              </a:rPr>
+              <a:t>first look</a:t>
+            </a:r>
+            <a:r>
+              <a:rPr lang="en-US" sz="2800" dirty="0" smtClean="0">
+                <a:solidFill>
+                  <a:schemeClr val="accent2">
+                    <a:lumMod val="60000"/>
+                    <a:lumOff val="40000"/>
+                  </a:schemeClr>
+                </a:solidFill>
+                <a:latin typeface="Bahnschrift Light Condensed" pitchFamily="34" charset="0"/>
+              </a:rPr>
+              <a:t>)</a:t>
             </a:r>
             <a:endParaRPr lang="en-IN" b="1" dirty="0">
               <a:solidFill>
@@ -7150,7 +7312,7 @@
           <p:cNvPr id="4" name="Ribbon: Curved and Tilted Down 3">
             <a:extLst>
               <a:ext uri="{FF2B5EF4-FFF2-40B4-BE49-F238E27FC236}">
-                <a16:creationId xmlns:a16="http://schemas.microsoft.com/office/drawing/2014/main" id="{909DBECF-689C-9AA7-1649-9166A578EDF9}"/>
+                <a16:creationId xmlns:a16="http://schemas.microsoft.com/office/drawing/2014/main" xmlns="" id="{909DBECF-689C-9AA7-1649-9166A578EDF9}"/>
               </a:ext>
             </a:extLst>
           </p:cNvPr>
@@ -7217,7 +7379,7 @@
           <p:cNvPr id="5" name="Scroll: Vertical 4">
             <a:extLst>
               <a:ext uri="{FF2B5EF4-FFF2-40B4-BE49-F238E27FC236}">
-                <a16:creationId xmlns:a16="http://schemas.microsoft.com/office/drawing/2014/main" id="{38EB993A-3F18-C6B7-226F-EDD62B4B31DB}"/>
+                <a16:creationId xmlns:a16="http://schemas.microsoft.com/office/drawing/2014/main" xmlns="" id="{38EB993A-3F18-C6B7-226F-EDD62B4B31DB}"/>
               </a:ext>
             </a:extLst>
           </p:cNvPr>
@@ -7263,7 +7425,7 @@
           </a:fontRef>
         </p:style>
         <p:txBody>
-          <a:bodyPr rtlCol="0" anchor="ctr"/>
+          <a:bodyPr rtlCol="0" anchor="t"/>
           <a:lstStyle/>
           <a:p>
             <a:pPr>
@@ -7291,15 +7453,22 @@
               <a:buChar char="o"/>
             </a:pPr>
             <a:r>
-              <a:rPr lang="en-US" dirty="0">
+              <a:rPr lang="en-US" dirty="0" smtClean="0">
                 <a:solidFill>
                   <a:schemeClr val="bg1">
                     <a:lumMod val="95000"/>
                   </a:schemeClr>
                 </a:solidFill>
               </a:rPr>
-              <a:t>What is JavaScript</a:t>
-            </a:r>
+              <a:t>Enable and disable JavaScript</a:t>
+            </a:r>
+            <a:endParaRPr lang="en-US" dirty="0">
+              <a:solidFill>
+                <a:schemeClr val="bg1">
+                  <a:lumMod val="95000"/>
+                </a:schemeClr>
+              </a:solidFill>
+            </a:endParaRPr>
           </a:p>
           <a:p>
             <a:pPr marL="285750" indent="-285750">
@@ -7310,15 +7479,22 @@
               <a:buChar char="o"/>
             </a:pPr>
             <a:r>
-              <a:rPr lang="en-US" dirty="0">
+              <a:rPr lang="en-US" dirty="0" smtClean="0">
                 <a:solidFill>
                   <a:schemeClr val="bg1">
                     <a:lumMod val="95000"/>
                   </a:schemeClr>
                 </a:solidFill>
               </a:rPr>
-              <a:t>History</a:t>
-            </a:r>
+              <a:t>Basic Syntax on webpage</a:t>
+            </a:r>
+            <a:endParaRPr lang="en-US" dirty="0">
+              <a:solidFill>
+                <a:schemeClr val="bg1">
+                  <a:lumMod val="95000"/>
+                </a:schemeClr>
+              </a:solidFill>
+            </a:endParaRPr>
           </a:p>
           <a:p>
             <a:pPr marL="285750" indent="-285750">
@@ -7329,15 +7505,22 @@
               <a:buChar char="o"/>
             </a:pPr>
             <a:r>
-              <a:rPr lang="en-US" dirty="0">
+              <a:rPr lang="en-US" dirty="0" smtClean="0">
                 <a:solidFill>
                   <a:schemeClr val="bg1">
                     <a:lumMod val="95000"/>
                   </a:schemeClr>
                 </a:solidFill>
               </a:rPr>
-              <a:t>Client-side</a:t>
-            </a:r>
+              <a:t>First JavaScript code</a:t>
+            </a:r>
+            <a:endParaRPr lang="en-US" dirty="0">
+              <a:solidFill>
+                <a:schemeClr val="bg1">
+                  <a:lumMod val="95000"/>
+                </a:schemeClr>
+              </a:solidFill>
+            </a:endParaRPr>
           </a:p>
           <a:p>
             <a:pPr marL="285750" indent="-285750">
@@ -7348,111 +7531,16 @@
               <a:buChar char="o"/>
             </a:pPr>
             <a:r>
-              <a:rPr lang="en-US" dirty="0">
+              <a:rPr lang="en-US" dirty="0" smtClean="0">
                 <a:solidFill>
                   <a:schemeClr val="bg1">
                     <a:lumMod val="95000"/>
                   </a:schemeClr>
                 </a:solidFill>
               </a:rPr>
-              <a:t>Server Side</a:t>
-            </a:r>
-          </a:p>
-          <a:p>
-            <a:pPr marL="285750" indent="-285750">
-              <a:lnSpc>
-                <a:spcPct val="150000"/>
-              </a:lnSpc>
-              <a:buFont typeface="Courier New" panose="02070309020205020404" pitchFamily="49" charset="0"/>
-              <a:buChar char="o"/>
-            </a:pPr>
-            <a:r>
-              <a:rPr lang="en-US" dirty="0">
-                <a:solidFill>
-                  <a:schemeClr val="bg1">
-                    <a:lumMod val="95000"/>
-                  </a:schemeClr>
-                </a:solidFill>
-              </a:rPr>
-              <a:t>Advantages of JavaScript</a:t>
-            </a:r>
-          </a:p>
-          <a:p>
-            <a:pPr marL="285750" indent="-285750">
-              <a:lnSpc>
-                <a:spcPct val="150000"/>
-              </a:lnSpc>
-              <a:buFont typeface="Courier New" panose="02070309020205020404" pitchFamily="49" charset="0"/>
-              <a:buChar char="o"/>
-            </a:pPr>
-            <a:r>
-              <a:rPr lang="en-US" dirty="0">
-                <a:solidFill>
-                  <a:schemeClr val="bg1">
-                    <a:lumMod val="95000"/>
-                  </a:schemeClr>
-                </a:solidFill>
-              </a:rPr>
-              <a:t>Limitations of JavaScript</a:t>
-            </a:r>
-          </a:p>
-          <a:p>
-            <a:pPr marL="285750" indent="-285750">
-              <a:lnSpc>
-                <a:spcPct val="150000"/>
-              </a:lnSpc>
-              <a:buFont typeface="Courier New" panose="02070309020205020404" pitchFamily="49" charset="0"/>
-              <a:buChar char="o"/>
-            </a:pPr>
-            <a:r>
-              <a:rPr lang="en-US" dirty="0">
-                <a:solidFill>
-                  <a:schemeClr val="bg1">
-                    <a:lumMod val="95000"/>
-                  </a:schemeClr>
-                </a:solidFill>
-              </a:rPr>
-              <a:t>Imperative vs Declarative JavaScript</a:t>
-            </a:r>
-          </a:p>
-          <a:p>
-            <a:pPr marL="285750" indent="-285750">
-              <a:lnSpc>
-                <a:spcPct val="150000"/>
-              </a:lnSpc>
-              <a:buFont typeface="Courier New" panose="02070309020205020404" pitchFamily="49" charset="0"/>
-              <a:buChar char="o"/>
-            </a:pPr>
-            <a:r>
-              <a:rPr lang="en-US" dirty="0">
-                <a:solidFill>
-                  <a:schemeClr val="bg1">
-                    <a:lumMod val="95000"/>
-                  </a:schemeClr>
-                </a:solidFill>
-              </a:rPr>
-              <a:t>JavaScript Development tools</a:t>
-            </a:r>
-          </a:p>
-          <a:p>
-            <a:pPr marL="285750" indent="-285750">
-              <a:lnSpc>
-                <a:spcPct val="150000"/>
-              </a:lnSpc>
-              <a:buFont typeface="Courier New" panose="02070309020205020404" pitchFamily="49" charset="0"/>
-              <a:buChar char="o"/>
-            </a:pPr>
-            <a:r>
-              <a:rPr lang="en-US" dirty="0">
-                <a:solidFill>
-                  <a:schemeClr val="bg1">
-                    <a:lumMod val="95000"/>
-                  </a:schemeClr>
-                </a:solidFill>
-              </a:rPr>
-              <a:t>JavaScript at the current time</a:t>
-            </a:r>
-            <a:endParaRPr lang="en-IN" dirty="0">
+              <a:t>Literals in JavaScript</a:t>
+            </a:r>
+            <a:endParaRPr lang="en-US" dirty="0">
               <a:solidFill>
                 <a:schemeClr val="bg1">
                   <a:lumMod val="95000"/>
@@ -7477,7 +7565,7 @@
           <p:cNvPr id="8" name="TextBox 7">
             <a:extLst>
               <a:ext uri="{FF2B5EF4-FFF2-40B4-BE49-F238E27FC236}">
-                <a16:creationId xmlns:a16="http://schemas.microsoft.com/office/drawing/2014/main" id="{6E6F1672-8C91-3FA6-CB80-58FD68172333}"/>
+                <a16:creationId xmlns:a16="http://schemas.microsoft.com/office/drawing/2014/main" xmlns="" id="{6E6F1672-8C91-3FA6-CB80-58FD68172333}"/>
               </a:ext>
             </a:extLst>
           </p:cNvPr>
@@ -7535,7 +7623,7 @@
     </p:spTree>
     <p:extLst>
       <p:ext uri="{BB962C8B-B14F-4D97-AF65-F5344CB8AC3E}">
-        <p14:creationId xmlns:p14="http://schemas.microsoft.com/office/powerpoint/2010/main" val="3287175084"/>
+        <p14:creationId xmlns:p14="http://schemas.microsoft.com/office/powerpoint/2010/main" xmlns="" val="3287175084"/>
       </p:ext>
     </p:extLst>
   </p:cSld>
@@ -7545,7 +7633,7 @@
 </p:sld>
 </file>
 
-<file path=ppt/slides/slide3.xml><?xml version="1.0" encoding="utf-8"?>
+<file path=ppt/slides/slide13.xml><?xml version="1.0" encoding="utf-8"?>
 <p:sld xmlns:a="http://schemas.openxmlformats.org/drawingml/2006/main" xmlns:r="http://schemas.openxmlformats.org/officeDocument/2006/relationships" xmlns:p="http://schemas.openxmlformats.org/presentationml/2006/main">
   <p:cSld>
     <p:spTree>
@@ -7553,7 +7641,7 @@
         <p:cNvPr id="1" name="">
           <a:extLst>
             <a:ext uri="{FF2B5EF4-FFF2-40B4-BE49-F238E27FC236}">
-              <a16:creationId xmlns:a16="http://schemas.microsoft.com/office/drawing/2014/main" id="{D210C62D-BA73-7142-9269-B229A82A227F}"/>
+              <a16:creationId xmlns:a16="http://schemas.microsoft.com/office/drawing/2014/main" xmlns="" id="{4586E9D7-F5F8-14CC-9DF6-FC4AF2EA4249}"/>
             </a:ext>
           </a:extLst>
         </p:cNvPr>
@@ -7573,7 +7661,7 @@
           <p:cNvPr id="2" name="Title 1">
             <a:extLst>
               <a:ext uri="{FF2B5EF4-FFF2-40B4-BE49-F238E27FC236}">
-                <a16:creationId xmlns:a16="http://schemas.microsoft.com/office/drawing/2014/main" id="{D5018557-B8C1-B1F3-960D-C1C68708243B}"/>
+                <a16:creationId xmlns:a16="http://schemas.microsoft.com/office/drawing/2014/main" xmlns="" id="{D8B67155-694F-FF61-7CDD-33A20A316215}"/>
               </a:ext>
             </a:extLst>
           </p:cNvPr>
@@ -7586,25 +7674,29 @@
         </p:nvSpPr>
         <p:spPr>
           <a:xfrm>
-            <a:off x="677333" y="1418467"/>
-            <a:ext cx="7502569" cy="668750"/>
+            <a:off x="677334" y="1494182"/>
+            <a:ext cx="8596668" cy="666407"/>
           </a:xfrm>
-          <a:noFill/>
         </p:spPr>
         <p:txBody>
-          <a:bodyPr>
-            <a:normAutofit/>
-          </a:bodyPr>
+          <a:bodyPr/>
           <a:lstStyle/>
           <a:p>
             <a:r>
-              <a:rPr lang="en-US" b="1" dirty="0">
+              <a:rPr lang="en-US" b="1" dirty="0" smtClean="0">
                 <a:solidFill>
                   <a:schemeClr val="tx1"/>
                 </a:solidFill>
-              </a:rPr>
-              <a:t>What is JavaScript</a:t>
-            </a:r>
+                <a:latin typeface="Bahnschrift SemiLight" pitchFamily="34" charset="0"/>
+              </a:rPr>
+              <a:t>Enable and disable JavaScript</a:t>
+            </a:r>
+            <a:endParaRPr lang="en-US" b="1" dirty="0">
+              <a:solidFill>
+                <a:schemeClr val="tx1"/>
+              </a:solidFill>
+              <a:latin typeface="Bahnschrift SemiLight" pitchFamily="34" charset="0"/>
+            </a:endParaRPr>
           </a:p>
         </p:txBody>
       </p:sp>
@@ -7613,7 +7705,7 @@
           <p:cNvPr id="3" name="Content Placeholder 2">
             <a:extLst>
               <a:ext uri="{FF2B5EF4-FFF2-40B4-BE49-F238E27FC236}">
-                <a16:creationId xmlns:a16="http://schemas.microsoft.com/office/drawing/2014/main" id="{24415AF3-2B9F-42C3-52C5-51254FAF8249}"/>
+                <a16:creationId xmlns:a16="http://schemas.microsoft.com/office/drawing/2014/main" xmlns="" id="{2A53D2DA-721D-FC7E-8E09-BCBD844B6F9F}"/>
               </a:ext>
             </a:extLst>
           </p:cNvPr>
@@ -7627,9 +7719,8 @@
         <p:spPr>
           <a:xfrm>
             <a:off x="677334" y="2160589"/>
-            <a:ext cx="7502570" cy="3880773"/>
+            <a:ext cx="7502570" cy="4087811"/>
           </a:xfrm>
-          <a:noFill/>
         </p:spPr>
         <p:txBody>
           <a:bodyPr>
@@ -7638,48 +7729,35 @@
           <a:lstStyle/>
           <a:p>
             <a:r>
-              <a:rPr lang="en-US" dirty="0"/>
-              <a:t>Interpreted programming language, with object-oriented capabilities.</a:t>
-            </a:r>
-          </a:p>
-          <a:p>
-            <a:r>
-              <a:rPr lang="en-US" dirty="0"/>
-              <a:t>Lightweight</a:t>
-            </a:r>
-          </a:p>
-          <a:p>
-            <a:r>
-              <a:rPr lang="en-US" dirty="0"/>
-              <a:t>Mostly used for web pages, where it allows the client-side to interact with the user.</a:t>
-            </a:r>
-          </a:p>
-          <a:p>
-            <a:r>
-              <a:rPr lang="en-US" dirty="0"/>
-              <a:t>It’s a single-threaded programming language.</a:t>
-            </a:r>
-          </a:p>
-          <a:p>
-            <a:r>
-              <a:rPr lang="en-US" dirty="0"/>
-              <a:t>Used for client-side and server-side development.</a:t>
-            </a:r>
-          </a:p>
-          <a:p>
-            <a:r>
-              <a:rPr lang="en-US" dirty="0"/>
-              <a:t>It’s a dynamic programming language too.</a:t>
-            </a:r>
-          </a:p>
-        </p:txBody>
-      </p:sp>
-      <p:sp>
-        <p:nvSpPr>
-          <p:cNvPr id="6" name="Ribbon: Curved and Tilted Down 5">
+              <a:rPr lang="en-US" dirty="0" smtClean="0"/>
+              <a:t>Its important to know how to enable and disable JavaScript in browser, sometime </a:t>
+            </a:r>
+            <a:r>
+              <a:rPr lang="en-US" dirty="0" smtClean="0"/>
+              <a:t>situation comes where you do not want some external code to run on your browser for security reason.</a:t>
+            </a:r>
+          </a:p>
+          <a:p>
+            <a:r>
+              <a:rPr lang="en-IN" dirty="0" smtClean="0"/>
+              <a:t>So its very important to know how to toggle JavaScript on browser.</a:t>
+            </a:r>
+          </a:p>
+          <a:p>
+            <a:r>
+              <a:rPr lang="en-IN" dirty="0" smtClean="0"/>
+              <a:t>I will show in chrome and Microsoft edge, rest you can explore.</a:t>
+            </a:r>
+            <a:endParaRPr lang="en-US" dirty="0"/>
+          </a:p>
+        </p:txBody>
+      </p:sp>
+      <p:sp>
+        <p:nvSpPr>
+          <p:cNvPr id="5" name="Ribbon: Curved and Tilted Down 4">
             <a:extLst>
               <a:ext uri="{FF2B5EF4-FFF2-40B4-BE49-F238E27FC236}">
-                <a16:creationId xmlns:a16="http://schemas.microsoft.com/office/drawing/2014/main" id="{7BEA6FE3-CC31-4B69-44C6-04DF1B8559E4}"/>
+                <a16:creationId xmlns:a16="http://schemas.microsoft.com/office/drawing/2014/main" xmlns="" id="{3FA23525-E3EA-B8CB-FD6A-53084CA847A7}"/>
               </a:ext>
             </a:extLst>
           </p:cNvPr>
@@ -7749,10 +7827,4764 @@
       </p:sp>
       <p:sp>
         <p:nvSpPr>
+          <p:cNvPr id="6" name="Scroll: Vertical 5">
+            <a:extLst>
+              <a:ext uri="{FF2B5EF4-FFF2-40B4-BE49-F238E27FC236}">
+                <a16:creationId xmlns:a16="http://schemas.microsoft.com/office/drawing/2014/main" xmlns="" id="{1A4C732A-2840-82C8-A359-298D925E33B3}"/>
+              </a:ext>
+            </a:extLst>
+          </p:cNvPr>
+          <p:cNvSpPr/>
+          <p:nvPr/>
+        </p:nvSpPr>
+        <p:spPr>
+          <a:xfrm>
+            <a:off x="7851914" y="715617"/>
+            <a:ext cx="4240696" cy="4989444"/>
+          </a:xfrm>
+          <a:prstGeom prst="verticalScroll">
+            <a:avLst/>
+          </a:prstGeom>
+          <a:solidFill>
+            <a:schemeClr val="bg1">
+              <a:lumMod val="85000"/>
+            </a:schemeClr>
+          </a:solidFill>
+          <a:ln>
+            <a:solidFill>
+              <a:schemeClr val="bg1">
+                <a:lumMod val="75000"/>
+                <a:lumOff val="25000"/>
+              </a:schemeClr>
+            </a:solidFill>
+          </a:ln>
+        </p:spPr>
+        <p:style>
+          <a:lnRef idx="2">
+            <a:schemeClr val="accent1">
+              <a:shade val="15000"/>
+            </a:schemeClr>
+          </a:lnRef>
+          <a:fillRef idx="1">
+            <a:schemeClr val="accent1"/>
+          </a:fillRef>
+          <a:effectRef idx="0">
+            <a:schemeClr val="accent1"/>
+          </a:effectRef>
+          <a:fontRef idx="minor">
+            <a:schemeClr val="lt1"/>
+          </a:fontRef>
+        </p:style>
+        <p:txBody>
+          <a:bodyPr rtlCol="0" anchor="t"/>
+          <a:lstStyle/>
+          <a:p>
+            <a:pPr>
+              <a:lnSpc>
+                <a:spcPct val="150000"/>
+              </a:lnSpc>
+            </a:pPr>
+            <a:r>
+              <a:rPr lang="en-US" sz="1400" b="1" dirty="0">
+                <a:solidFill>
+                  <a:schemeClr val="tx1"/>
+                </a:solidFill>
+              </a:rPr>
+              <a:t>Topics</a:t>
+            </a:r>
+          </a:p>
+          <a:p>
+            <a:pPr marL="285750" indent="-285750">
+              <a:lnSpc>
+                <a:spcPct val="150000"/>
+              </a:lnSpc>
+              <a:buFont typeface="Courier New" panose="02070309020205020404" pitchFamily="49" charset="0"/>
+              <a:buChar char="o"/>
+            </a:pPr>
+            <a:r>
+              <a:rPr lang="en-US" sz="1400" dirty="0" smtClean="0">
+                <a:solidFill>
+                  <a:schemeClr val="tx1"/>
+                </a:solidFill>
+              </a:rPr>
+              <a:t>Enable </a:t>
+            </a:r>
+            <a:r>
+              <a:rPr lang="en-US" sz="1400" dirty="0" smtClean="0">
+                <a:solidFill>
+                  <a:schemeClr val="tx1"/>
+                </a:solidFill>
+              </a:rPr>
+              <a:t>and disable JavaScript</a:t>
+            </a:r>
+          </a:p>
+          <a:p>
+            <a:pPr marL="285750" indent="-285750">
+              <a:lnSpc>
+                <a:spcPct val="150000"/>
+              </a:lnSpc>
+              <a:buFont typeface="Courier New" panose="02070309020205020404" pitchFamily="49" charset="0"/>
+              <a:buChar char="o"/>
+            </a:pPr>
+            <a:r>
+              <a:rPr lang="en-US" sz="1400" dirty="0" smtClean="0">
+                <a:solidFill>
+                  <a:schemeClr val="tx1"/>
+                </a:solidFill>
+              </a:rPr>
+              <a:t>Basic Syntax on webpage</a:t>
+            </a:r>
+          </a:p>
+          <a:p>
+            <a:pPr marL="285750" indent="-285750">
+              <a:lnSpc>
+                <a:spcPct val="150000"/>
+              </a:lnSpc>
+              <a:buFont typeface="Courier New" panose="02070309020205020404" pitchFamily="49" charset="0"/>
+              <a:buChar char="o"/>
+            </a:pPr>
+            <a:r>
+              <a:rPr lang="en-US" sz="1400" dirty="0" smtClean="0">
+                <a:solidFill>
+                  <a:schemeClr val="tx1"/>
+                </a:solidFill>
+              </a:rPr>
+              <a:t>First JavaScript code</a:t>
+            </a:r>
+          </a:p>
+          <a:p>
+            <a:pPr marL="285750" indent="-285750">
+              <a:lnSpc>
+                <a:spcPct val="150000"/>
+              </a:lnSpc>
+              <a:buFont typeface="Courier New" panose="02070309020205020404" pitchFamily="49" charset="0"/>
+              <a:buChar char="o"/>
+            </a:pPr>
+            <a:r>
+              <a:rPr lang="en-US" sz="1400" dirty="0" smtClean="0">
+                <a:solidFill>
+                  <a:schemeClr val="tx1"/>
+                </a:solidFill>
+              </a:rPr>
+              <a:t>Literals in JavaScript</a:t>
+            </a:r>
+          </a:p>
+          <a:p>
+            <a:pPr algn="ctr"/>
+            <a:endParaRPr lang="en-IN" sz="1400" dirty="0">
+              <a:solidFill>
+                <a:schemeClr val="tx1"/>
+              </a:solidFill>
+            </a:endParaRPr>
+          </a:p>
+        </p:txBody>
+      </p:sp>
+      <p:sp>
+        <p:nvSpPr>
+          <p:cNvPr id="7" name="TextBox 6"/>
+          <p:cNvSpPr txBox="1"/>
+          <p:nvPr/>
+        </p:nvSpPr>
+        <p:spPr>
+          <a:xfrm>
+            <a:off x="9614263" y="801189"/>
+            <a:ext cx="1401346" cy="369332"/>
+          </a:xfrm>
+          <a:prstGeom prst="rect">
+            <a:avLst/>
+          </a:prstGeom>
+          <a:noFill/>
+        </p:spPr>
+        <p:txBody>
+          <a:bodyPr wrap="none" rtlCol="0">
+            <a:spAutoFit/>
+          </a:bodyPr>
+          <a:lstStyle/>
+          <a:p>
+            <a:r>
+              <a:rPr lang="en-IN" b="1" dirty="0" smtClean="0">
+                <a:solidFill>
+                  <a:schemeClr val="accent2">
+                    <a:lumMod val="60000"/>
+                    <a:lumOff val="40000"/>
+                  </a:schemeClr>
+                </a:solidFill>
+                <a:latin typeface="Bahnschrift SemiLight" pitchFamily="34" charset="0"/>
+              </a:rPr>
+              <a:t>Chapter - 2</a:t>
+            </a:r>
+            <a:endParaRPr lang="en-US" b="1" dirty="0">
+              <a:solidFill>
+                <a:schemeClr val="accent2">
+                  <a:lumMod val="60000"/>
+                  <a:lumOff val="40000"/>
+                </a:schemeClr>
+              </a:solidFill>
+              <a:latin typeface="Bahnschrift SemiLight" pitchFamily="34" charset="0"/>
+            </a:endParaRPr>
+          </a:p>
+        </p:txBody>
+      </p:sp>
+    </p:spTree>
+    <p:extLst>
+      <p:ext uri="{BB962C8B-B14F-4D97-AF65-F5344CB8AC3E}">
+        <p14:creationId xmlns:p14="http://schemas.microsoft.com/office/powerpoint/2010/main" xmlns="" val="3002471670"/>
+      </p:ext>
+    </p:extLst>
+  </p:cSld>
+  <p:clrMapOvr>
+    <a:masterClrMapping/>
+  </p:clrMapOvr>
+</p:sld>
+</file>
+
+<file path=ppt/slides/slide14.xml><?xml version="1.0" encoding="utf-8"?>
+<p:sld xmlns:a="http://schemas.openxmlformats.org/drawingml/2006/main" xmlns:r="http://schemas.openxmlformats.org/officeDocument/2006/relationships" xmlns:p="http://schemas.openxmlformats.org/presentationml/2006/main">
+  <p:cSld>
+    <p:spTree>
+      <p:nvGrpSpPr>
+        <p:cNvPr id="1" name="">
+          <a:extLst>
+            <a:ext uri="{FF2B5EF4-FFF2-40B4-BE49-F238E27FC236}">
+              <a16:creationId xmlns:a16="http://schemas.microsoft.com/office/drawing/2014/main" xmlns="" id="{4586E9D7-F5F8-14CC-9DF6-FC4AF2EA4249}"/>
+            </a:ext>
+          </a:extLst>
+        </p:cNvPr>
+        <p:cNvGrpSpPr/>
+        <p:nvPr/>
+      </p:nvGrpSpPr>
+      <p:grpSpPr>
+        <a:xfrm>
+          <a:off x="0" y="0"/>
+          <a:ext cx="0" cy="0"/>
+          <a:chOff x="0" y="0"/>
+          <a:chExt cx="0" cy="0"/>
+        </a:xfrm>
+      </p:grpSpPr>
+      <p:sp>
+        <p:nvSpPr>
+          <p:cNvPr id="2" name="Title 1">
+            <a:extLst>
+              <a:ext uri="{FF2B5EF4-FFF2-40B4-BE49-F238E27FC236}">
+                <a16:creationId xmlns:a16="http://schemas.microsoft.com/office/drawing/2014/main" xmlns="" id="{D8B67155-694F-FF61-7CDD-33A20A316215}"/>
+              </a:ext>
+            </a:extLst>
+          </p:cNvPr>
+          <p:cNvSpPr>
+            <a:spLocks noGrp="1"/>
+          </p:cNvSpPr>
+          <p:nvPr>
+            <p:ph type="title"/>
+          </p:nvPr>
+        </p:nvSpPr>
+        <p:spPr>
+          <a:xfrm>
+            <a:off x="677334" y="1494182"/>
+            <a:ext cx="8596668" cy="666407"/>
+          </a:xfrm>
+        </p:spPr>
+        <p:txBody>
+          <a:bodyPr/>
+          <a:lstStyle/>
+          <a:p>
+            <a:r>
+              <a:rPr lang="en-US" b="1" dirty="0" smtClean="0">
+                <a:solidFill>
+                  <a:schemeClr val="tx1"/>
+                </a:solidFill>
+                <a:latin typeface="Bahnschrift SemiLight" pitchFamily="34" charset="0"/>
+              </a:rPr>
+              <a:t>Basic Syntax of JavaScript</a:t>
+            </a:r>
+            <a:endParaRPr lang="en-US" b="1" dirty="0">
+              <a:solidFill>
+                <a:schemeClr val="tx1"/>
+              </a:solidFill>
+              <a:latin typeface="Bahnschrift SemiLight" pitchFamily="34" charset="0"/>
+            </a:endParaRPr>
+          </a:p>
+        </p:txBody>
+      </p:sp>
+      <p:sp>
+        <p:nvSpPr>
+          <p:cNvPr id="3" name="Content Placeholder 2">
+            <a:extLst>
+              <a:ext uri="{FF2B5EF4-FFF2-40B4-BE49-F238E27FC236}">
+                <a16:creationId xmlns:a16="http://schemas.microsoft.com/office/drawing/2014/main" xmlns="" id="{2A53D2DA-721D-FC7E-8E09-BCBD844B6F9F}"/>
+              </a:ext>
+            </a:extLst>
+          </p:cNvPr>
+          <p:cNvSpPr>
+            <a:spLocks noGrp="1"/>
+          </p:cNvSpPr>
+          <p:nvPr>
+            <p:ph idx="1"/>
+          </p:nvPr>
+        </p:nvSpPr>
+        <p:spPr>
+          <a:xfrm>
+            <a:off x="677334" y="2160589"/>
+            <a:ext cx="7502570" cy="4087811"/>
+          </a:xfrm>
+        </p:spPr>
+        <p:txBody>
+          <a:bodyPr>
+            <a:normAutofit/>
+          </a:bodyPr>
+          <a:lstStyle/>
+          <a:p>
+            <a:r>
+              <a:rPr lang="en-US" dirty="0" smtClean="0"/>
+              <a:t>We should put JavaScript code with in the &lt;script&gt;&lt;/script&gt; </a:t>
+            </a:r>
+            <a:r>
+              <a:rPr lang="en-IN" dirty="0" smtClean="0"/>
+              <a:t>tag, otherwise code will be treated as normal text on browser.</a:t>
+            </a:r>
+          </a:p>
+          <a:p>
+            <a:r>
+              <a:rPr lang="en-IN" dirty="0" smtClean="0"/>
+              <a:t>Syntax:</a:t>
+            </a:r>
+            <a:br>
+              <a:rPr lang="en-IN" dirty="0" smtClean="0"/>
+            </a:br>
+            <a:r>
+              <a:rPr lang="en-US" dirty="0" smtClean="0"/>
+              <a:t>&lt;script ...&gt; JavaScript code &lt;/script</a:t>
+            </a:r>
+            <a:r>
+              <a:rPr lang="en-US" dirty="0" smtClean="0"/>
+              <a:t>&gt;</a:t>
+            </a:r>
+          </a:p>
+          <a:p>
+            <a:r>
+              <a:rPr lang="en-IN" dirty="0" smtClean="0"/>
+              <a:t>Attributes of script tag</a:t>
+            </a:r>
+            <a:br>
+              <a:rPr lang="en-IN" dirty="0" smtClean="0"/>
+            </a:br>
+            <a:r>
+              <a:rPr lang="en-IN" strike="sngStrike" dirty="0" smtClean="0"/>
+              <a:t>language</a:t>
+            </a:r>
+            <a:r>
+              <a:rPr lang="en-IN" dirty="0" smtClean="0"/>
+              <a:t> and </a:t>
+            </a:r>
+            <a:r>
+              <a:rPr lang="en-IN" strike="sngStrike" dirty="0" smtClean="0"/>
+              <a:t>type</a:t>
+            </a:r>
+            <a:r>
+              <a:rPr lang="en-IN" dirty="0" smtClean="0"/>
+              <a:t> (Deprecated)</a:t>
+            </a:r>
+            <a:br>
+              <a:rPr lang="en-IN" dirty="0" smtClean="0"/>
+            </a:br>
+            <a:r>
+              <a:rPr lang="en-IN" dirty="0" smtClean="0"/>
+              <a:t>ex.</a:t>
+            </a:r>
+            <a:br>
+              <a:rPr lang="en-IN" dirty="0" smtClean="0"/>
+            </a:br>
+            <a:r>
+              <a:rPr lang="fr-FR" dirty="0" smtClean="0"/>
+              <a:t>&lt;script </a:t>
+            </a:r>
+            <a:r>
+              <a:rPr lang="fr-FR" dirty="0" err="1" smtClean="0"/>
+              <a:t>language</a:t>
+            </a:r>
+            <a:r>
+              <a:rPr lang="fr-FR" dirty="0" smtClean="0"/>
+              <a:t> = "</a:t>
+            </a:r>
+            <a:r>
+              <a:rPr lang="fr-FR" dirty="0" err="1" smtClean="0"/>
+              <a:t>javascript</a:t>
+            </a:r>
+            <a:r>
+              <a:rPr lang="fr-FR" dirty="0" smtClean="0"/>
+              <a:t>" type = "</a:t>
+            </a:r>
+            <a:r>
+              <a:rPr lang="fr-FR" dirty="0" err="1" smtClean="0"/>
+              <a:t>text</a:t>
+            </a:r>
+            <a:r>
+              <a:rPr lang="fr-FR" dirty="0" smtClean="0"/>
+              <a:t>/</a:t>
+            </a:r>
+            <a:r>
+              <a:rPr lang="fr-FR" dirty="0" err="1" smtClean="0"/>
+              <a:t>javascript</a:t>
+            </a:r>
+            <a:r>
+              <a:rPr lang="fr-FR" dirty="0" smtClean="0"/>
+              <a:t>"&gt; JavaScript code &lt;/script&gt;</a:t>
+            </a:r>
+            <a:endParaRPr lang="en-US" dirty="0"/>
+          </a:p>
+        </p:txBody>
+      </p:sp>
+      <p:sp>
+        <p:nvSpPr>
+          <p:cNvPr id="5" name="Ribbon: Curved and Tilted Down 4">
+            <a:extLst>
+              <a:ext uri="{FF2B5EF4-FFF2-40B4-BE49-F238E27FC236}">
+                <a16:creationId xmlns:a16="http://schemas.microsoft.com/office/drawing/2014/main" xmlns="" id="{3FA23525-E3EA-B8CB-FD6A-53084CA847A7}"/>
+              </a:ext>
+            </a:extLst>
+          </p:cNvPr>
+          <p:cNvSpPr/>
+          <p:nvPr/>
+        </p:nvSpPr>
+        <p:spPr>
+          <a:xfrm>
+            <a:off x="677334" y="437162"/>
+            <a:ext cx="4701209" cy="758952"/>
+          </a:xfrm>
+          <a:prstGeom prst="ellipseRibbon">
+            <a:avLst/>
+          </a:prstGeom>
+          <a:solidFill>
+            <a:schemeClr val="bg1">
+              <a:lumMod val="85000"/>
+              <a:lumOff val="15000"/>
+            </a:schemeClr>
+          </a:solidFill>
+          <a:ln>
+            <a:noFill/>
+          </a:ln>
+        </p:spPr>
+        <p:style>
+          <a:lnRef idx="2">
+            <a:schemeClr val="accent1">
+              <a:shade val="15000"/>
+            </a:schemeClr>
+          </a:lnRef>
+          <a:fillRef idx="1">
+            <a:schemeClr val="accent1"/>
+          </a:fillRef>
+          <a:effectRef idx="0">
+            <a:schemeClr val="accent1"/>
+          </a:effectRef>
+          <a:fontRef idx="minor">
+            <a:schemeClr val="lt1"/>
+          </a:fontRef>
+        </p:style>
+        <p:txBody>
+          <a:bodyPr rtlCol="0" anchor="ctr"/>
+          <a:lstStyle/>
+          <a:p>
+            <a:pPr algn="ctr"/>
+            <a:r>
+              <a:rPr lang="en-US" dirty="0">
+                <a:solidFill>
+                  <a:schemeClr val="tx1">
+                    <a:lumMod val="65000"/>
+                    <a:lumOff val="35000"/>
+                  </a:schemeClr>
+                </a:solidFill>
+              </a:rPr>
+              <a:t>JavaScript Tutorials</a:t>
+            </a:r>
+            <a:endParaRPr lang="en-IN" dirty="0">
+              <a:solidFill>
+                <a:schemeClr val="tx1">
+                  <a:lumMod val="65000"/>
+                  <a:lumOff val="35000"/>
+                </a:schemeClr>
+              </a:solidFill>
+            </a:endParaRPr>
+          </a:p>
+        </p:txBody>
+      </p:sp>
+      <p:sp>
+        <p:nvSpPr>
+          <p:cNvPr id="6" name="Scroll: Vertical 5">
+            <a:extLst>
+              <a:ext uri="{FF2B5EF4-FFF2-40B4-BE49-F238E27FC236}">
+                <a16:creationId xmlns:a16="http://schemas.microsoft.com/office/drawing/2014/main" xmlns="" id="{1A4C732A-2840-82C8-A359-298D925E33B3}"/>
+              </a:ext>
+            </a:extLst>
+          </p:cNvPr>
+          <p:cNvSpPr/>
+          <p:nvPr/>
+        </p:nvSpPr>
+        <p:spPr>
+          <a:xfrm>
+            <a:off x="7851914" y="715617"/>
+            <a:ext cx="4240696" cy="4989444"/>
+          </a:xfrm>
+          <a:prstGeom prst="verticalScroll">
+            <a:avLst/>
+          </a:prstGeom>
+          <a:solidFill>
+            <a:schemeClr val="bg1">
+              <a:lumMod val="85000"/>
+            </a:schemeClr>
+          </a:solidFill>
+          <a:ln>
+            <a:solidFill>
+              <a:schemeClr val="bg1">
+                <a:lumMod val="75000"/>
+                <a:lumOff val="25000"/>
+              </a:schemeClr>
+            </a:solidFill>
+          </a:ln>
+        </p:spPr>
+        <p:style>
+          <a:lnRef idx="2">
+            <a:schemeClr val="accent1">
+              <a:shade val="15000"/>
+            </a:schemeClr>
+          </a:lnRef>
+          <a:fillRef idx="1">
+            <a:schemeClr val="accent1"/>
+          </a:fillRef>
+          <a:effectRef idx="0">
+            <a:schemeClr val="accent1"/>
+          </a:effectRef>
+          <a:fontRef idx="minor">
+            <a:schemeClr val="lt1"/>
+          </a:fontRef>
+        </p:style>
+        <p:txBody>
+          <a:bodyPr rtlCol="0" anchor="t"/>
+          <a:lstStyle/>
+          <a:p>
+            <a:pPr>
+              <a:lnSpc>
+                <a:spcPct val="150000"/>
+              </a:lnSpc>
+            </a:pPr>
+            <a:r>
+              <a:rPr lang="en-US" sz="1400" b="1" dirty="0">
+                <a:solidFill>
+                  <a:schemeClr val="tx1"/>
+                </a:solidFill>
+              </a:rPr>
+              <a:t>Topics</a:t>
+            </a:r>
+          </a:p>
+          <a:p>
+            <a:pPr marL="285750" indent="-285750">
+              <a:lnSpc>
+                <a:spcPct val="150000"/>
+              </a:lnSpc>
+              <a:buFont typeface="Courier New" panose="02070309020205020404" pitchFamily="49" charset="0"/>
+              <a:buChar char="o"/>
+            </a:pPr>
+            <a:r>
+              <a:rPr lang="en-US" sz="1400" strike="sngStrike" dirty="0" smtClean="0">
+                <a:solidFill>
+                  <a:schemeClr val="tx1"/>
+                </a:solidFill>
+              </a:rPr>
+              <a:t>Enable </a:t>
+            </a:r>
+            <a:r>
+              <a:rPr lang="en-US" sz="1400" strike="sngStrike" dirty="0" smtClean="0">
+                <a:solidFill>
+                  <a:schemeClr val="tx1"/>
+                </a:solidFill>
+              </a:rPr>
+              <a:t>and disable JavaScript</a:t>
+            </a:r>
+          </a:p>
+          <a:p>
+            <a:pPr marL="285750" indent="-285750">
+              <a:lnSpc>
+                <a:spcPct val="150000"/>
+              </a:lnSpc>
+              <a:buFont typeface="Courier New" panose="02070309020205020404" pitchFamily="49" charset="0"/>
+              <a:buChar char="o"/>
+            </a:pPr>
+            <a:r>
+              <a:rPr lang="en-US" sz="1400" dirty="0" smtClean="0">
+                <a:solidFill>
+                  <a:schemeClr val="tx1"/>
+                </a:solidFill>
+              </a:rPr>
+              <a:t>Basic Syntax on webpage</a:t>
+            </a:r>
+          </a:p>
+          <a:p>
+            <a:pPr marL="285750" indent="-285750">
+              <a:lnSpc>
+                <a:spcPct val="150000"/>
+              </a:lnSpc>
+              <a:buFont typeface="Courier New" panose="02070309020205020404" pitchFamily="49" charset="0"/>
+              <a:buChar char="o"/>
+            </a:pPr>
+            <a:r>
+              <a:rPr lang="en-US" sz="1400" dirty="0" smtClean="0">
+                <a:solidFill>
+                  <a:schemeClr val="tx1"/>
+                </a:solidFill>
+              </a:rPr>
+              <a:t>First JavaScript code</a:t>
+            </a:r>
+          </a:p>
+          <a:p>
+            <a:pPr marL="285750" indent="-285750">
+              <a:lnSpc>
+                <a:spcPct val="150000"/>
+              </a:lnSpc>
+              <a:buFont typeface="Courier New" panose="02070309020205020404" pitchFamily="49" charset="0"/>
+              <a:buChar char="o"/>
+            </a:pPr>
+            <a:r>
+              <a:rPr lang="en-US" sz="1400" dirty="0" smtClean="0">
+                <a:solidFill>
+                  <a:schemeClr val="tx1"/>
+                </a:solidFill>
+              </a:rPr>
+              <a:t>Literals in JavaScript</a:t>
+            </a:r>
+          </a:p>
+          <a:p>
+            <a:pPr algn="ctr"/>
+            <a:endParaRPr lang="en-IN" sz="1400" dirty="0">
+              <a:solidFill>
+                <a:schemeClr val="tx1"/>
+              </a:solidFill>
+            </a:endParaRPr>
+          </a:p>
+        </p:txBody>
+      </p:sp>
+      <p:sp>
+        <p:nvSpPr>
+          <p:cNvPr id="7" name="TextBox 6"/>
+          <p:cNvSpPr txBox="1"/>
+          <p:nvPr/>
+        </p:nvSpPr>
+        <p:spPr>
+          <a:xfrm>
+            <a:off x="9614263" y="801189"/>
+            <a:ext cx="1401346" cy="369332"/>
+          </a:xfrm>
+          <a:prstGeom prst="rect">
+            <a:avLst/>
+          </a:prstGeom>
+          <a:noFill/>
+        </p:spPr>
+        <p:txBody>
+          <a:bodyPr wrap="none" rtlCol="0">
+            <a:spAutoFit/>
+          </a:bodyPr>
+          <a:lstStyle/>
+          <a:p>
+            <a:r>
+              <a:rPr lang="en-IN" b="1" dirty="0" smtClean="0">
+                <a:solidFill>
+                  <a:schemeClr val="accent2">
+                    <a:lumMod val="60000"/>
+                    <a:lumOff val="40000"/>
+                  </a:schemeClr>
+                </a:solidFill>
+                <a:latin typeface="Bahnschrift SemiLight" pitchFamily="34" charset="0"/>
+              </a:rPr>
+              <a:t>Chapter - 2</a:t>
+            </a:r>
+            <a:endParaRPr lang="en-US" b="1" dirty="0">
+              <a:solidFill>
+                <a:schemeClr val="accent2">
+                  <a:lumMod val="60000"/>
+                  <a:lumOff val="40000"/>
+                </a:schemeClr>
+              </a:solidFill>
+              <a:latin typeface="Bahnschrift SemiLight" pitchFamily="34" charset="0"/>
+            </a:endParaRPr>
+          </a:p>
+        </p:txBody>
+      </p:sp>
+    </p:spTree>
+    <p:extLst>
+      <p:ext uri="{BB962C8B-B14F-4D97-AF65-F5344CB8AC3E}">
+        <p14:creationId xmlns:p14="http://schemas.microsoft.com/office/powerpoint/2010/main" xmlns="" val="3002471670"/>
+      </p:ext>
+    </p:extLst>
+  </p:cSld>
+  <p:clrMapOvr>
+    <a:masterClrMapping/>
+  </p:clrMapOvr>
+</p:sld>
+</file>
+
+<file path=ppt/slides/slide15.xml><?xml version="1.0" encoding="utf-8"?>
+<p:sld xmlns:a="http://schemas.openxmlformats.org/drawingml/2006/main" xmlns:r="http://schemas.openxmlformats.org/officeDocument/2006/relationships" xmlns:p="http://schemas.openxmlformats.org/presentationml/2006/main">
+  <p:cSld>
+    <p:spTree>
+      <p:nvGrpSpPr>
+        <p:cNvPr id="1" name="">
+          <a:extLst>
+            <a:ext uri="{FF2B5EF4-FFF2-40B4-BE49-F238E27FC236}">
+              <a16:creationId xmlns:a16="http://schemas.microsoft.com/office/drawing/2014/main" xmlns="" id="{4586E9D7-F5F8-14CC-9DF6-FC4AF2EA4249}"/>
+            </a:ext>
+          </a:extLst>
+        </p:cNvPr>
+        <p:cNvGrpSpPr/>
+        <p:nvPr/>
+      </p:nvGrpSpPr>
+      <p:grpSpPr>
+        <a:xfrm>
+          <a:off x="0" y="0"/>
+          <a:ext cx="0" cy="0"/>
+          <a:chOff x="0" y="0"/>
+          <a:chExt cx="0" cy="0"/>
+        </a:xfrm>
+      </p:grpSpPr>
+      <p:sp>
+        <p:nvSpPr>
+          <p:cNvPr id="2" name="Title 1">
+            <a:extLst>
+              <a:ext uri="{FF2B5EF4-FFF2-40B4-BE49-F238E27FC236}">
+                <a16:creationId xmlns:a16="http://schemas.microsoft.com/office/drawing/2014/main" xmlns="" id="{D8B67155-694F-FF61-7CDD-33A20A316215}"/>
+              </a:ext>
+            </a:extLst>
+          </p:cNvPr>
+          <p:cNvSpPr>
+            <a:spLocks noGrp="1"/>
+          </p:cNvSpPr>
+          <p:nvPr>
+            <p:ph type="title"/>
+          </p:nvPr>
+        </p:nvSpPr>
+        <p:spPr>
+          <a:xfrm>
+            <a:off x="677334" y="1494182"/>
+            <a:ext cx="8596668" cy="666407"/>
+          </a:xfrm>
+        </p:spPr>
+        <p:txBody>
+          <a:bodyPr/>
+          <a:lstStyle/>
+          <a:p>
+            <a:r>
+              <a:rPr lang="en-US" b="1" dirty="0" smtClean="0">
+                <a:solidFill>
+                  <a:schemeClr val="tx1"/>
+                </a:solidFill>
+                <a:latin typeface="Bahnschrift SemiLight" pitchFamily="34" charset="0"/>
+              </a:rPr>
+              <a:t>First JavaScript code on webpage</a:t>
+            </a:r>
+            <a:endParaRPr lang="en-US" b="1" dirty="0">
+              <a:solidFill>
+                <a:schemeClr val="tx1"/>
+              </a:solidFill>
+              <a:latin typeface="Bahnschrift SemiLight" pitchFamily="34" charset="0"/>
+            </a:endParaRPr>
+          </a:p>
+        </p:txBody>
+      </p:sp>
+      <p:sp>
+        <p:nvSpPr>
+          <p:cNvPr id="3" name="Content Placeholder 2">
+            <a:extLst>
+              <a:ext uri="{FF2B5EF4-FFF2-40B4-BE49-F238E27FC236}">
+                <a16:creationId xmlns:a16="http://schemas.microsoft.com/office/drawing/2014/main" xmlns="" id="{2A53D2DA-721D-FC7E-8E09-BCBD844B6F9F}"/>
+              </a:ext>
+            </a:extLst>
+          </p:cNvPr>
+          <p:cNvSpPr>
+            <a:spLocks noGrp="1"/>
+          </p:cNvSpPr>
+          <p:nvPr>
+            <p:ph idx="1"/>
+          </p:nvPr>
+        </p:nvSpPr>
+        <p:spPr>
+          <a:xfrm>
+            <a:off x="677334" y="2160589"/>
+            <a:ext cx="7502570" cy="4087811"/>
+          </a:xfrm>
+        </p:spPr>
+        <p:txBody>
+          <a:bodyPr>
+            <a:normAutofit/>
+          </a:bodyPr>
+          <a:lstStyle/>
+          <a:p>
+            <a:r>
+              <a:rPr lang="en-IN" dirty="0" smtClean="0"/>
+              <a:t>My first code in JavaScript</a:t>
+            </a:r>
+            <a:br>
+              <a:rPr lang="en-IN" dirty="0" smtClean="0"/>
+            </a:br>
+            <a:endParaRPr lang="en-US" dirty="0"/>
+          </a:p>
+        </p:txBody>
+      </p:sp>
+      <p:sp>
+        <p:nvSpPr>
+          <p:cNvPr id="5" name="Ribbon: Curved and Tilted Down 4">
+            <a:extLst>
+              <a:ext uri="{FF2B5EF4-FFF2-40B4-BE49-F238E27FC236}">
+                <a16:creationId xmlns:a16="http://schemas.microsoft.com/office/drawing/2014/main" xmlns="" id="{3FA23525-E3EA-B8CB-FD6A-53084CA847A7}"/>
+              </a:ext>
+            </a:extLst>
+          </p:cNvPr>
+          <p:cNvSpPr/>
+          <p:nvPr/>
+        </p:nvSpPr>
+        <p:spPr>
+          <a:xfrm>
+            <a:off x="677334" y="437162"/>
+            <a:ext cx="4701209" cy="758952"/>
+          </a:xfrm>
+          <a:prstGeom prst="ellipseRibbon">
+            <a:avLst/>
+          </a:prstGeom>
+          <a:solidFill>
+            <a:schemeClr val="bg1">
+              <a:lumMod val="85000"/>
+              <a:lumOff val="15000"/>
+            </a:schemeClr>
+          </a:solidFill>
+          <a:ln>
+            <a:noFill/>
+          </a:ln>
+        </p:spPr>
+        <p:style>
+          <a:lnRef idx="2">
+            <a:schemeClr val="accent1">
+              <a:shade val="15000"/>
+            </a:schemeClr>
+          </a:lnRef>
+          <a:fillRef idx="1">
+            <a:schemeClr val="accent1"/>
+          </a:fillRef>
+          <a:effectRef idx="0">
+            <a:schemeClr val="accent1"/>
+          </a:effectRef>
+          <a:fontRef idx="minor">
+            <a:schemeClr val="lt1"/>
+          </a:fontRef>
+        </p:style>
+        <p:txBody>
+          <a:bodyPr rtlCol="0" anchor="ctr"/>
+          <a:lstStyle/>
+          <a:p>
+            <a:pPr algn="ctr"/>
+            <a:r>
+              <a:rPr lang="en-US" dirty="0">
+                <a:solidFill>
+                  <a:schemeClr val="tx1">
+                    <a:lumMod val="65000"/>
+                    <a:lumOff val="35000"/>
+                  </a:schemeClr>
+                </a:solidFill>
+              </a:rPr>
+              <a:t>JavaScript Tutorials</a:t>
+            </a:r>
+            <a:endParaRPr lang="en-IN" dirty="0">
+              <a:solidFill>
+                <a:schemeClr val="tx1">
+                  <a:lumMod val="65000"/>
+                  <a:lumOff val="35000"/>
+                </a:schemeClr>
+              </a:solidFill>
+            </a:endParaRPr>
+          </a:p>
+        </p:txBody>
+      </p:sp>
+      <p:sp>
+        <p:nvSpPr>
+          <p:cNvPr id="6" name="Scroll: Vertical 5">
+            <a:extLst>
+              <a:ext uri="{FF2B5EF4-FFF2-40B4-BE49-F238E27FC236}">
+                <a16:creationId xmlns:a16="http://schemas.microsoft.com/office/drawing/2014/main" xmlns="" id="{1A4C732A-2840-82C8-A359-298D925E33B3}"/>
+              </a:ext>
+            </a:extLst>
+          </p:cNvPr>
+          <p:cNvSpPr/>
+          <p:nvPr/>
+        </p:nvSpPr>
+        <p:spPr>
+          <a:xfrm>
+            <a:off x="7851914" y="715617"/>
+            <a:ext cx="4240696" cy="4989444"/>
+          </a:xfrm>
+          <a:prstGeom prst="verticalScroll">
+            <a:avLst/>
+          </a:prstGeom>
+          <a:solidFill>
+            <a:schemeClr val="bg1">
+              <a:lumMod val="85000"/>
+            </a:schemeClr>
+          </a:solidFill>
+          <a:ln>
+            <a:solidFill>
+              <a:schemeClr val="bg1">
+                <a:lumMod val="75000"/>
+                <a:lumOff val="25000"/>
+              </a:schemeClr>
+            </a:solidFill>
+          </a:ln>
+        </p:spPr>
+        <p:style>
+          <a:lnRef idx="2">
+            <a:schemeClr val="accent1">
+              <a:shade val="15000"/>
+            </a:schemeClr>
+          </a:lnRef>
+          <a:fillRef idx="1">
+            <a:schemeClr val="accent1"/>
+          </a:fillRef>
+          <a:effectRef idx="0">
+            <a:schemeClr val="accent1"/>
+          </a:effectRef>
+          <a:fontRef idx="minor">
+            <a:schemeClr val="lt1"/>
+          </a:fontRef>
+        </p:style>
+        <p:txBody>
+          <a:bodyPr rtlCol="0" anchor="t"/>
+          <a:lstStyle/>
+          <a:p>
+            <a:pPr>
+              <a:lnSpc>
+                <a:spcPct val="150000"/>
+              </a:lnSpc>
+            </a:pPr>
+            <a:r>
+              <a:rPr lang="en-US" sz="1400" b="1" dirty="0">
+                <a:solidFill>
+                  <a:schemeClr val="tx1"/>
+                </a:solidFill>
+              </a:rPr>
+              <a:t>Topics</a:t>
+            </a:r>
+          </a:p>
+          <a:p>
+            <a:pPr marL="285750" indent="-285750">
+              <a:lnSpc>
+                <a:spcPct val="150000"/>
+              </a:lnSpc>
+              <a:buFont typeface="Courier New" panose="02070309020205020404" pitchFamily="49" charset="0"/>
+              <a:buChar char="o"/>
+            </a:pPr>
+            <a:r>
+              <a:rPr lang="en-US" sz="1400" strike="sngStrike" dirty="0" smtClean="0">
+                <a:solidFill>
+                  <a:schemeClr val="tx1"/>
+                </a:solidFill>
+              </a:rPr>
+              <a:t>Enable </a:t>
+            </a:r>
+            <a:r>
+              <a:rPr lang="en-US" sz="1400" strike="sngStrike" dirty="0" smtClean="0">
+                <a:solidFill>
+                  <a:schemeClr val="tx1"/>
+                </a:solidFill>
+              </a:rPr>
+              <a:t>and disable JavaScript</a:t>
+            </a:r>
+          </a:p>
+          <a:p>
+            <a:pPr marL="285750" indent="-285750">
+              <a:lnSpc>
+                <a:spcPct val="150000"/>
+              </a:lnSpc>
+              <a:buFont typeface="Courier New" panose="02070309020205020404" pitchFamily="49" charset="0"/>
+              <a:buChar char="o"/>
+            </a:pPr>
+            <a:r>
+              <a:rPr lang="en-US" sz="1400" strike="sngStrike" dirty="0" smtClean="0">
+                <a:solidFill>
+                  <a:schemeClr val="tx1"/>
+                </a:solidFill>
+              </a:rPr>
+              <a:t>Basic Syntax on webpage</a:t>
+            </a:r>
+          </a:p>
+          <a:p>
+            <a:pPr marL="285750" indent="-285750">
+              <a:lnSpc>
+                <a:spcPct val="150000"/>
+              </a:lnSpc>
+              <a:buFont typeface="Courier New" panose="02070309020205020404" pitchFamily="49" charset="0"/>
+              <a:buChar char="o"/>
+            </a:pPr>
+            <a:r>
+              <a:rPr lang="en-US" sz="1400" dirty="0" smtClean="0">
+                <a:solidFill>
+                  <a:schemeClr val="tx1"/>
+                </a:solidFill>
+              </a:rPr>
+              <a:t>First JavaScript code</a:t>
+            </a:r>
+          </a:p>
+          <a:p>
+            <a:pPr marL="285750" indent="-285750">
+              <a:lnSpc>
+                <a:spcPct val="150000"/>
+              </a:lnSpc>
+              <a:buFont typeface="Courier New" panose="02070309020205020404" pitchFamily="49" charset="0"/>
+              <a:buChar char="o"/>
+            </a:pPr>
+            <a:r>
+              <a:rPr lang="en-US" sz="1400" dirty="0" smtClean="0">
+                <a:solidFill>
+                  <a:schemeClr val="tx1"/>
+                </a:solidFill>
+              </a:rPr>
+              <a:t>Literals in JavaScript</a:t>
+            </a:r>
+          </a:p>
+          <a:p>
+            <a:pPr algn="ctr"/>
+            <a:endParaRPr lang="en-IN" sz="1400" dirty="0">
+              <a:solidFill>
+                <a:schemeClr val="tx1"/>
+              </a:solidFill>
+            </a:endParaRPr>
+          </a:p>
+        </p:txBody>
+      </p:sp>
+      <p:sp>
+        <p:nvSpPr>
+          <p:cNvPr id="7" name="TextBox 6"/>
+          <p:cNvSpPr txBox="1"/>
+          <p:nvPr/>
+        </p:nvSpPr>
+        <p:spPr>
+          <a:xfrm>
+            <a:off x="9614263" y="801189"/>
+            <a:ext cx="1401346" cy="369332"/>
+          </a:xfrm>
+          <a:prstGeom prst="rect">
+            <a:avLst/>
+          </a:prstGeom>
+          <a:noFill/>
+        </p:spPr>
+        <p:txBody>
+          <a:bodyPr wrap="none" rtlCol="0">
+            <a:spAutoFit/>
+          </a:bodyPr>
+          <a:lstStyle/>
+          <a:p>
+            <a:r>
+              <a:rPr lang="en-IN" b="1" dirty="0" smtClean="0">
+                <a:solidFill>
+                  <a:schemeClr val="accent2">
+                    <a:lumMod val="60000"/>
+                    <a:lumOff val="40000"/>
+                  </a:schemeClr>
+                </a:solidFill>
+                <a:latin typeface="Bahnschrift SemiLight" pitchFamily="34" charset="0"/>
+              </a:rPr>
+              <a:t>Chapter - 2</a:t>
+            </a:r>
+            <a:endParaRPr lang="en-US" b="1" dirty="0">
+              <a:solidFill>
+                <a:schemeClr val="accent2">
+                  <a:lumMod val="60000"/>
+                  <a:lumOff val="40000"/>
+                </a:schemeClr>
+              </a:solidFill>
+              <a:latin typeface="Bahnschrift SemiLight" pitchFamily="34" charset="0"/>
+            </a:endParaRPr>
+          </a:p>
+        </p:txBody>
+      </p:sp>
+      <p:pic>
+        <p:nvPicPr>
+          <p:cNvPr id="9" name="Picture 2"/>
+          <p:cNvPicPr>
+            <a:picLocks noChangeAspect="1" noChangeArrowheads="1"/>
+          </p:cNvPicPr>
+          <p:nvPr/>
+        </p:nvPicPr>
+        <p:blipFill>
+          <a:blip r:embed="rId2"/>
+          <a:srcRect/>
+          <a:stretch>
+            <a:fillRect/>
+          </a:stretch>
+        </p:blipFill>
+        <p:spPr bwMode="auto">
+          <a:xfrm>
+            <a:off x="1030377" y="2701011"/>
+            <a:ext cx="5229955" cy="2362530"/>
+          </a:xfrm>
+          <a:prstGeom prst="rect">
+            <a:avLst/>
+          </a:prstGeom>
+          <a:noFill/>
+          <a:ln w="9525">
+            <a:noFill/>
+            <a:miter lim="800000"/>
+            <a:headEnd/>
+            <a:tailEnd/>
+          </a:ln>
+          <a:effectLst/>
+        </p:spPr>
+      </p:pic>
+    </p:spTree>
+    <p:extLst>
+      <p:ext uri="{BB962C8B-B14F-4D97-AF65-F5344CB8AC3E}">
+        <p14:creationId xmlns:p14="http://schemas.microsoft.com/office/powerpoint/2010/main" xmlns="" val="3002471670"/>
+      </p:ext>
+    </p:extLst>
+  </p:cSld>
+  <p:clrMapOvr>
+    <a:masterClrMapping/>
+  </p:clrMapOvr>
+</p:sld>
+</file>
+
+<file path=ppt/slides/slide16.xml><?xml version="1.0" encoding="utf-8"?>
+<p:sld xmlns:a="http://schemas.openxmlformats.org/drawingml/2006/main" xmlns:r="http://schemas.openxmlformats.org/officeDocument/2006/relationships" xmlns:p="http://schemas.openxmlformats.org/presentationml/2006/main">
+  <p:cSld>
+    <p:spTree>
+      <p:nvGrpSpPr>
+        <p:cNvPr id="1" name="">
+          <a:extLst>
+            <a:ext uri="{FF2B5EF4-FFF2-40B4-BE49-F238E27FC236}">
+              <a16:creationId xmlns:a16="http://schemas.microsoft.com/office/drawing/2014/main" xmlns="" id="{4586E9D7-F5F8-14CC-9DF6-FC4AF2EA4249}"/>
+            </a:ext>
+          </a:extLst>
+        </p:cNvPr>
+        <p:cNvGrpSpPr/>
+        <p:nvPr/>
+      </p:nvGrpSpPr>
+      <p:grpSpPr>
+        <a:xfrm>
+          <a:off x="0" y="0"/>
+          <a:ext cx="0" cy="0"/>
+          <a:chOff x="0" y="0"/>
+          <a:chExt cx="0" cy="0"/>
+        </a:xfrm>
+      </p:grpSpPr>
+      <p:sp>
+        <p:nvSpPr>
+          <p:cNvPr id="2" name="Title 1">
+            <a:extLst>
+              <a:ext uri="{FF2B5EF4-FFF2-40B4-BE49-F238E27FC236}">
+                <a16:creationId xmlns:a16="http://schemas.microsoft.com/office/drawing/2014/main" xmlns="" id="{D8B67155-694F-FF61-7CDD-33A20A316215}"/>
+              </a:ext>
+            </a:extLst>
+          </p:cNvPr>
+          <p:cNvSpPr>
+            <a:spLocks noGrp="1"/>
+          </p:cNvSpPr>
+          <p:nvPr>
+            <p:ph type="title"/>
+          </p:nvPr>
+        </p:nvSpPr>
+        <p:spPr>
+          <a:xfrm>
+            <a:off x="198363" y="597199"/>
+            <a:ext cx="8596668" cy="666407"/>
+          </a:xfrm>
+        </p:spPr>
+        <p:txBody>
+          <a:bodyPr/>
+          <a:lstStyle/>
+          <a:p>
+            <a:r>
+              <a:rPr lang="en-US" b="1" dirty="0" smtClean="0">
+                <a:solidFill>
+                  <a:schemeClr val="tx1"/>
+                </a:solidFill>
+                <a:latin typeface="Bahnschrift SemiLight" pitchFamily="34" charset="0"/>
+              </a:rPr>
+              <a:t>Literal in JavaScript</a:t>
+            </a:r>
+            <a:endParaRPr lang="en-US" b="1" dirty="0">
+              <a:solidFill>
+                <a:schemeClr val="tx1"/>
+              </a:solidFill>
+              <a:latin typeface="Bahnschrift SemiLight" pitchFamily="34" charset="0"/>
+            </a:endParaRPr>
+          </a:p>
+        </p:txBody>
+      </p:sp>
+      <p:sp>
+        <p:nvSpPr>
+          <p:cNvPr id="3" name="Content Placeholder 2">
+            <a:extLst>
+              <a:ext uri="{FF2B5EF4-FFF2-40B4-BE49-F238E27FC236}">
+                <a16:creationId xmlns:a16="http://schemas.microsoft.com/office/drawing/2014/main" xmlns="" id="{2A53D2DA-721D-FC7E-8E09-BCBD844B6F9F}"/>
+              </a:ext>
+            </a:extLst>
+          </p:cNvPr>
+          <p:cNvSpPr>
+            <a:spLocks noGrp="1"/>
+          </p:cNvSpPr>
+          <p:nvPr>
+            <p:ph idx="1"/>
+          </p:nvPr>
+        </p:nvSpPr>
+        <p:spPr>
+          <a:xfrm>
+            <a:off x="233198" y="1259253"/>
+            <a:ext cx="7502570" cy="5424577"/>
+          </a:xfrm>
+        </p:spPr>
+        <p:txBody>
+          <a:bodyPr>
+            <a:normAutofit/>
+          </a:bodyPr>
+          <a:lstStyle/>
+          <a:p>
+            <a:r>
+              <a:rPr lang="en-US" sz="1600" dirty="0" smtClean="0"/>
+              <a:t>In JavaScript, </a:t>
+            </a:r>
+            <a:r>
+              <a:rPr lang="en-US" sz="1600" b="1" dirty="0" smtClean="0"/>
+              <a:t>literals</a:t>
+            </a:r>
+            <a:r>
+              <a:rPr lang="en-US" sz="1600" dirty="0" smtClean="0"/>
+              <a:t> are fixed values that are directly written into the code. They represent constant values that do not change during the execution of the program. Literals are used to assign values to variables or to represent data directly in the code</a:t>
+            </a:r>
+            <a:r>
+              <a:rPr lang="en-US" sz="1600" dirty="0" smtClean="0"/>
+              <a:t>.</a:t>
+            </a:r>
+          </a:p>
+          <a:p>
+            <a:r>
+              <a:rPr lang="en-US" sz="1600" dirty="0" smtClean="0"/>
+              <a:t>let </a:t>
+            </a:r>
+            <a:r>
+              <a:rPr lang="en-US" sz="1600" dirty="0" smtClean="0"/>
+              <a:t>age = 25;                 // Numeric literal</a:t>
+            </a:r>
+          </a:p>
+          <a:p>
+            <a:r>
+              <a:rPr lang="en-US" sz="1600" dirty="0" smtClean="0"/>
+              <a:t>let name = "John";            // String literal</a:t>
+            </a:r>
+          </a:p>
+          <a:p>
+            <a:r>
+              <a:rPr lang="en-US" sz="1600" dirty="0" smtClean="0"/>
+              <a:t>let </a:t>
+            </a:r>
+            <a:r>
+              <a:rPr lang="en-US" sz="1600" dirty="0" err="1" smtClean="0"/>
+              <a:t>isStudent</a:t>
+            </a:r>
+            <a:r>
+              <a:rPr lang="en-US" sz="1600" dirty="0" smtClean="0"/>
+              <a:t> = false;        // Boolean literal</a:t>
+            </a:r>
+          </a:p>
+          <a:p>
+            <a:r>
+              <a:rPr lang="en-US" sz="1600" dirty="0" smtClean="0"/>
+              <a:t>let address = null;           // Null literal</a:t>
+            </a:r>
+          </a:p>
+          <a:p>
+            <a:r>
+              <a:rPr lang="en-US" sz="1600" dirty="0" smtClean="0"/>
+              <a:t>let colors = ["red", "blue"]; // Array literal</a:t>
+            </a:r>
+          </a:p>
+          <a:p>
+            <a:r>
+              <a:rPr lang="en-US" sz="1600" dirty="0" smtClean="0"/>
+              <a:t>let user = { id: 1 };         // Object literal</a:t>
+            </a:r>
+          </a:p>
+          <a:p>
+            <a:r>
+              <a:rPr lang="en-US" sz="1600" dirty="0" smtClean="0"/>
+              <a:t>let </a:t>
+            </a:r>
+            <a:r>
+              <a:rPr lang="en-US" sz="1600" dirty="0" err="1" smtClean="0"/>
+              <a:t>regex</a:t>
+            </a:r>
+            <a:r>
+              <a:rPr lang="en-US" sz="1600" dirty="0" smtClean="0"/>
+              <a:t> = /\d+/;            // Regular expression literal</a:t>
+            </a:r>
+          </a:p>
+          <a:p>
+            <a:r>
+              <a:rPr lang="en-US" sz="1600" dirty="0" smtClean="0"/>
+              <a:t>let message = `Hi, ${name}`;  // Template literal </a:t>
+            </a:r>
+            <a:endParaRPr lang="en-US" sz="1600" dirty="0" smtClean="0"/>
+          </a:p>
+          <a:p>
+            <a:pPr>
+              <a:buFont typeface="Wingdings" pitchFamily="2" charset="2"/>
+              <a:buChar char="v"/>
+            </a:pPr>
+            <a:r>
+              <a:rPr lang="en-US" sz="1600" b="1" dirty="0" smtClean="0">
+                <a:solidFill>
+                  <a:schemeClr val="accent1">
+                    <a:lumMod val="40000"/>
+                    <a:lumOff val="60000"/>
+                  </a:schemeClr>
+                </a:solidFill>
+              </a:rPr>
+              <a:t>Literals are immutable</a:t>
+            </a:r>
+            <a:r>
+              <a:rPr lang="en-US" sz="1600" dirty="0" smtClean="0">
+                <a:solidFill>
+                  <a:schemeClr val="accent1">
+                    <a:lumMod val="40000"/>
+                    <a:lumOff val="60000"/>
+                  </a:schemeClr>
+                </a:solidFill>
+              </a:rPr>
+              <a:t>: Once defined, their value cannot be changed.</a:t>
+            </a:r>
+          </a:p>
+          <a:p>
+            <a:pPr>
+              <a:buFont typeface="Wingdings" pitchFamily="2" charset="2"/>
+              <a:buChar char="v"/>
+            </a:pPr>
+            <a:r>
+              <a:rPr lang="en-US" sz="1600" dirty="0" smtClean="0">
+                <a:solidFill>
+                  <a:schemeClr val="accent1">
+                    <a:lumMod val="40000"/>
+                    <a:lumOff val="60000"/>
+                  </a:schemeClr>
+                </a:solidFill>
+              </a:rPr>
+              <a:t>They are </a:t>
+            </a:r>
+            <a:r>
+              <a:rPr lang="en-US" sz="1600" b="1" dirty="0" smtClean="0">
+                <a:solidFill>
+                  <a:schemeClr val="accent1">
+                    <a:lumMod val="40000"/>
+                    <a:lumOff val="60000"/>
+                  </a:schemeClr>
+                </a:solidFill>
+              </a:rPr>
+              <a:t>not variables</a:t>
+            </a:r>
+            <a:r>
+              <a:rPr lang="en-US" sz="1600" dirty="0" smtClean="0">
+                <a:solidFill>
+                  <a:schemeClr val="accent1">
+                    <a:lumMod val="40000"/>
+                    <a:lumOff val="60000"/>
+                  </a:schemeClr>
+                </a:solidFill>
+              </a:rPr>
+              <a:t> but rather the actual values assigned to variables.</a:t>
+            </a:r>
+          </a:p>
+          <a:p>
+            <a:pPr>
+              <a:buFont typeface="Wingdings" pitchFamily="2" charset="2"/>
+              <a:buChar char="v"/>
+            </a:pPr>
+            <a:r>
+              <a:rPr lang="en-US" sz="1600" dirty="0" smtClean="0">
+                <a:solidFill>
+                  <a:schemeClr val="accent1">
+                    <a:lumMod val="40000"/>
+                    <a:lumOff val="60000"/>
+                  </a:schemeClr>
+                </a:solidFill>
+              </a:rPr>
+              <a:t>They make code more readable and concise.</a:t>
+            </a:r>
+          </a:p>
+          <a:p>
+            <a:pPr>
+              <a:buNone/>
+            </a:pPr>
+            <a:endParaRPr lang="en-US" sz="1600" dirty="0"/>
+          </a:p>
+        </p:txBody>
+      </p:sp>
+      <p:sp>
+        <p:nvSpPr>
+          <p:cNvPr id="5" name="Ribbon: Curved and Tilted Down 4">
+            <a:extLst>
+              <a:ext uri="{FF2B5EF4-FFF2-40B4-BE49-F238E27FC236}">
+                <a16:creationId xmlns:a16="http://schemas.microsoft.com/office/drawing/2014/main" xmlns="" id="{3FA23525-E3EA-B8CB-FD6A-53084CA847A7}"/>
+              </a:ext>
+            </a:extLst>
+          </p:cNvPr>
+          <p:cNvSpPr/>
+          <p:nvPr/>
+        </p:nvSpPr>
+        <p:spPr>
+          <a:xfrm>
+            <a:off x="198362" y="149779"/>
+            <a:ext cx="3337317" cy="424987"/>
+          </a:xfrm>
+          <a:prstGeom prst="ellipseRibbon">
+            <a:avLst/>
+          </a:prstGeom>
+          <a:solidFill>
+            <a:schemeClr val="bg1">
+              <a:lumMod val="85000"/>
+              <a:lumOff val="15000"/>
+            </a:schemeClr>
+          </a:solidFill>
+          <a:ln>
+            <a:noFill/>
+          </a:ln>
+        </p:spPr>
+        <p:style>
+          <a:lnRef idx="2">
+            <a:schemeClr val="accent1">
+              <a:shade val="15000"/>
+            </a:schemeClr>
+          </a:lnRef>
+          <a:fillRef idx="1">
+            <a:schemeClr val="accent1"/>
+          </a:fillRef>
+          <a:effectRef idx="0">
+            <a:schemeClr val="accent1"/>
+          </a:effectRef>
+          <a:fontRef idx="minor">
+            <a:schemeClr val="lt1"/>
+          </a:fontRef>
+        </p:style>
+        <p:txBody>
+          <a:bodyPr rtlCol="0" anchor="ctr"/>
+          <a:lstStyle/>
+          <a:p>
+            <a:pPr algn="ctr"/>
+            <a:r>
+              <a:rPr lang="en-US" sz="1100" dirty="0">
+                <a:solidFill>
+                  <a:schemeClr val="tx1">
+                    <a:lumMod val="65000"/>
+                    <a:lumOff val="35000"/>
+                  </a:schemeClr>
+                </a:solidFill>
+              </a:rPr>
+              <a:t>JavaScript Tutorials</a:t>
+            </a:r>
+            <a:endParaRPr lang="en-IN" sz="1100" dirty="0">
+              <a:solidFill>
+                <a:schemeClr val="tx1">
+                  <a:lumMod val="65000"/>
+                  <a:lumOff val="35000"/>
+                </a:schemeClr>
+              </a:solidFill>
+            </a:endParaRPr>
+          </a:p>
+        </p:txBody>
+      </p:sp>
+      <p:sp>
+        <p:nvSpPr>
+          <p:cNvPr id="6" name="Scroll: Vertical 5">
+            <a:extLst>
+              <a:ext uri="{FF2B5EF4-FFF2-40B4-BE49-F238E27FC236}">
+                <a16:creationId xmlns:a16="http://schemas.microsoft.com/office/drawing/2014/main" xmlns="" id="{1A4C732A-2840-82C8-A359-298D925E33B3}"/>
+              </a:ext>
+            </a:extLst>
+          </p:cNvPr>
+          <p:cNvSpPr/>
+          <p:nvPr/>
+        </p:nvSpPr>
+        <p:spPr>
+          <a:xfrm>
+            <a:off x="7851914" y="715617"/>
+            <a:ext cx="4240696" cy="4989444"/>
+          </a:xfrm>
+          <a:prstGeom prst="verticalScroll">
+            <a:avLst/>
+          </a:prstGeom>
+          <a:solidFill>
+            <a:schemeClr val="bg1">
+              <a:lumMod val="85000"/>
+            </a:schemeClr>
+          </a:solidFill>
+          <a:ln>
+            <a:solidFill>
+              <a:schemeClr val="bg1">
+                <a:lumMod val="75000"/>
+                <a:lumOff val="25000"/>
+              </a:schemeClr>
+            </a:solidFill>
+          </a:ln>
+        </p:spPr>
+        <p:style>
+          <a:lnRef idx="2">
+            <a:schemeClr val="accent1">
+              <a:shade val="15000"/>
+            </a:schemeClr>
+          </a:lnRef>
+          <a:fillRef idx="1">
+            <a:schemeClr val="accent1"/>
+          </a:fillRef>
+          <a:effectRef idx="0">
+            <a:schemeClr val="accent1"/>
+          </a:effectRef>
+          <a:fontRef idx="minor">
+            <a:schemeClr val="lt1"/>
+          </a:fontRef>
+        </p:style>
+        <p:txBody>
+          <a:bodyPr rtlCol="0" anchor="t"/>
+          <a:lstStyle/>
+          <a:p>
+            <a:pPr>
+              <a:lnSpc>
+                <a:spcPct val="150000"/>
+              </a:lnSpc>
+            </a:pPr>
+            <a:r>
+              <a:rPr lang="en-US" sz="1400" b="1" dirty="0">
+                <a:solidFill>
+                  <a:schemeClr val="tx1"/>
+                </a:solidFill>
+              </a:rPr>
+              <a:t>Topics</a:t>
+            </a:r>
+          </a:p>
+          <a:p>
+            <a:pPr marL="285750" indent="-285750">
+              <a:lnSpc>
+                <a:spcPct val="150000"/>
+              </a:lnSpc>
+              <a:buFont typeface="Courier New" panose="02070309020205020404" pitchFamily="49" charset="0"/>
+              <a:buChar char="o"/>
+            </a:pPr>
+            <a:r>
+              <a:rPr lang="en-US" sz="1400" strike="sngStrike" dirty="0" smtClean="0">
+                <a:solidFill>
+                  <a:schemeClr val="tx1"/>
+                </a:solidFill>
+              </a:rPr>
+              <a:t>Enable </a:t>
+            </a:r>
+            <a:r>
+              <a:rPr lang="en-US" sz="1400" strike="sngStrike" dirty="0" smtClean="0">
+                <a:solidFill>
+                  <a:schemeClr val="tx1"/>
+                </a:solidFill>
+              </a:rPr>
+              <a:t>and disable JavaScript</a:t>
+            </a:r>
+          </a:p>
+          <a:p>
+            <a:pPr marL="285750" indent="-285750">
+              <a:lnSpc>
+                <a:spcPct val="150000"/>
+              </a:lnSpc>
+              <a:buFont typeface="Courier New" panose="02070309020205020404" pitchFamily="49" charset="0"/>
+              <a:buChar char="o"/>
+            </a:pPr>
+            <a:r>
+              <a:rPr lang="en-US" sz="1400" strike="sngStrike" dirty="0" smtClean="0">
+                <a:solidFill>
+                  <a:schemeClr val="tx1"/>
+                </a:solidFill>
+              </a:rPr>
+              <a:t>Basic Syntax on webpage</a:t>
+            </a:r>
+          </a:p>
+          <a:p>
+            <a:pPr marL="285750" indent="-285750">
+              <a:lnSpc>
+                <a:spcPct val="150000"/>
+              </a:lnSpc>
+              <a:buFont typeface="Courier New" panose="02070309020205020404" pitchFamily="49" charset="0"/>
+              <a:buChar char="o"/>
+            </a:pPr>
+            <a:r>
+              <a:rPr lang="en-US" sz="1400" strike="sngStrike" dirty="0" smtClean="0">
+                <a:solidFill>
+                  <a:schemeClr val="tx1"/>
+                </a:solidFill>
+              </a:rPr>
+              <a:t>First JavaScript code</a:t>
+            </a:r>
+          </a:p>
+          <a:p>
+            <a:pPr marL="285750" indent="-285750">
+              <a:lnSpc>
+                <a:spcPct val="150000"/>
+              </a:lnSpc>
+              <a:buFont typeface="Courier New" panose="02070309020205020404" pitchFamily="49" charset="0"/>
+              <a:buChar char="o"/>
+            </a:pPr>
+            <a:r>
+              <a:rPr lang="en-US" sz="1400" dirty="0" smtClean="0">
+                <a:solidFill>
+                  <a:schemeClr val="tx1"/>
+                </a:solidFill>
+              </a:rPr>
+              <a:t>Literals in JavaScript</a:t>
+            </a:r>
+          </a:p>
+          <a:p>
+            <a:pPr algn="ctr"/>
+            <a:endParaRPr lang="en-IN" sz="1400" dirty="0">
+              <a:solidFill>
+                <a:schemeClr val="tx1"/>
+              </a:solidFill>
+            </a:endParaRPr>
+          </a:p>
+        </p:txBody>
+      </p:sp>
+      <p:sp>
+        <p:nvSpPr>
+          <p:cNvPr id="7" name="TextBox 6"/>
+          <p:cNvSpPr txBox="1"/>
+          <p:nvPr/>
+        </p:nvSpPr>
+        <p:spPr>
+          <a:xfrm>
+            <a:off x="9614263" y="801189"/>
+            <a:ext cx="1401346" cy="369332"/>
+          </a:xfrm>
+          <a:prstGeom prst="rect">
+            <a:avLst/>
+          </a:prstGeom>
+          <a:noFill/>
+        </p:spPr>
+        <p:txBody>
+          <a:bodyPr wrap="none" rtlCol="0">
+            <a:spAutoFit/>
+          </a:bodyPr>
+          <a:lstStyle/>
+          <a:p>
+            <a:r>
+              <a:rPr lang="en-IN" b="1" dirty="0" smtClean="0">
+                <a:solidFill>
+                  <a:schemeClr val="accent2">
+                    <a:lumMod val="60000"/>
+                    <a:lumOff val="40000"/>
+                  </a:schemeClr>
+                </a:solidFill>
+                <a:latin typeface="Bahnschrift SemiLight" pitchFamily="34" charset="0"/>
+              </a:rPr>
+              <a:t>Chapter - 2</a:t>
+            </a:r>
+            <a:endParaRPr lang="en-US" b="1" dirty="0">
+              <a:solidFill>
+                <a:schemeClr val="accent2">
+                  <a:lumMod val="60000"/>
+                  <a:lumOff val="40000"/>
+                </a:schemeClr>
+              </a:solidFill>
+              <a:latin typeface="Bahnschrift SemiLight" pitchFamily="34" charset="0"/>
+            </a:endParaRPr>
+          </a:p>
+        </p:txBody>
+      </p:sp>
+    </p:spTree>
+    <p:extLst>
+      <p:ext uri="{BB962C8B-B14F-4D97-AF65-F5344CB8AC3E}">
+        <p14:creationId xmlns:p14="http://schemas.microsoft.com/office/powerpoint/2010/main" xmlns="" val="3002471670"/>
+      </p:ext>
+    </p:extLst>
+  </p:cSld>
+  <p:clrMapOvr>
+    <a:masterClrMapping/>
+  </p:clrMapOvr>
+</p:sld>
+</file>
+
+<file path=ppt/slides/slide17.xml><?xml version="1.0" encoding="utf-8"?>
+<p:sld xmlns:a="http://schemas.openxmlformats.org/drawingml/2006/main" xmlns:r="http://schemas.openxmlformats.org/officeDocument/2006/relationships" xmlns:p="http://schemas.openxmlformats.org/presentationml/2006/main">
+  <p:cSld>
+    <p:spTree>
+      <p:nvGrpSpPr>
+        <p:cNvPr id="1" name=""/>
+        <p:cNvGrpSpPr/>
+        <p:nvPr/>
+      </p:nvGrpSpPr>
+      <p:grpSpPr>
+        <a:xfrm>
+          <a:off x="0" y="0"/>
+          <a:ext cx="0" cy="0"/>
+          <a:chOff x="0" y="0"/>
+          <a:chExt cx="0" cy="0"/>
+        </a:xfrm>
+      </p:grpSpPr>
+      <p:sp>
+        <p:nvSpPr>
+          <p:cNvPr id="9" name="Explosion: 14 Points 8">
+            <a:extLst>
+              <a:ext uri="{FF2B5EF4-FFF2-40B4-BE49-F238E27FC236}">
+                <a16:creationId xmlns:a16="http://schemas.microsoft.com/office/drawing/2014/main" xmlns="" id="{0A2CD68B-7A56-F86D-8B6F-4A8BF99B4C9E}"/>
+              </a:ext>
+            </a:extLst>
+          </p:cNvPr>
+          <p:cNvSpPr/>
+          <p:nvPr/>
+        </p:nvSpPr>
+        <p:spPr>
+          <a:xfrm>
+            <a:off x="1719470" y="2032529"/>
+            <a:ext cx="3985591" cy="3985591"/>
+          </a:xfrm>
+          <a:prstGeom prst="irregularSeal2">
+            <a:avLst/>
+          </a:prstGeom>
+          <a:solidFill>
+            <a:schemeClr val="bg1">
+              <a:lumMod val="75000"/>
+              <a:lumOff val="25000"/>
+            </a:schemeClr>
+          </a:solidFill>
+          <a:ln>
+            <a:noFill/>
+          </a:ln>
+        </p:spPr>
+        <p:style>
+          <a:lnRef idx="2">
+            <a:schemeClr val="accent1">
+              <a:shade val="15000"/>
+            </a:schemeClr>
+          </a:lnRef>
+          <a:fillRef idx="1">
+            <a:schemeClr val="accent1"/>
+          </a:fillRef>
+          <a:effectRef idx="0">
+            <a:schemeClr val="accent1"/>
+          </a:effectRef>
+          <a:fontRef idx="minor">
+            <a:schemeClr val="lt1"/>
+          </a:fontRef>
+        </p:style>
+        <p:txBody>
+          <a:bodyPr rtlCol="0" anchor="ctr"/>
+          <a:lstStyle/>
+          <a:p>
+            <a:pPr algn="ctr"/>
+            <a:endParaRPr lang="en-IN"/>
+          </a:p>
+        </p:txBody>
+      </p:sp>
+      <p:sp>
+        <p:nvSpPr>
+          <p:cNvPr id="2" name="Title 1">
+            <a:extLst>
+              <a:ext uri="{FF2B5EF4-FFF2-40B4-BE49-F238E27FC236}">
+                <a16:creationId xmlns:a16="http://schemas.microsoft.com/office/drawing/2014/main" xmlns="" id="{62BB4F8D-44B7-9866-F7B2-6375CB902974}"/>
+              </a:ext>
+            </a:extLst>
+          </p:cNvPr>
+          <p:cNvSpPr>
+            <a:spLocks noGrp="1"/>
+          </p:cNvSpPr>
+          <p:nvPr>
+            <p:ph type="title"/>
+          </p:nvPr>
+        </p:nvSpPr>
+        <p:spPr>
+          <a:xfrm>
+            <a:off x="1131736" y="1913287"/>
+            <a:ext cx="4809066" cy="3810095"/>
+          </a:xfrm>
+          <a:noFill/>
+        </p:spPr>
+        <p:txBody>
+          <a:bodyPr anchor="ctr">
+            <a:normAutofit fontScale="90000"/>
+          </a:bodyPr>
+          <a:lstStyle/>
+          <a:p>
+            <a:pPr algn="ctr"/>
+            <a:r>
+              <a:rPr lang="en-US" sz="7200" b="1" dirty="0">
+                <a:solidFill>
+                  <a:schemeClr val="tx1"/>
+                </a:solidFill>
+                <a:latin typeface="Barlow Condensed ExtraLight" panose="00000306000000000000" pitchFamily="2" charset="0"/>
+              </a:rPr>
+              <a:t>JavaScript</a:t>
+            </a:r>
+            <a:r>
+              <a:rPr lang="en-US" sz="7200" b="1" dirty="0">
+                <a:solidFill>
+                  <a:schemeClr val="tx1"/>
+                </a:solidFill>
+                <a:latin typeface="Barlow Black" panose="00000A00000000000000" pitchFamily="2" charset="0"/>
+              </a:rPr>
+              <a:t/>
+            </a:r>
+            <a:br>
+              <a:rPr lang="en-US" sz="7200" b="1" dirty="0">
+                <a:solidFill>
+                  <a:schemeClr val="tx1"/>
+                </a:solidFill>
+                <a:latin typeface="Barlow Black" panose="00000A00000000000000" pitchFamily="2" charset="0"/>
+              </a:rPr>
+            </a:br>
+            <a:r>
+              <a:rPr lang="en-US" sz="7200" b="1" dirty="0" smtClean="0">
+                <a:solidFill>
+                  <a:schemeClr val="tx1"/>
+                </a:solidFill>
+                <a:latin typeface="Barlow Black" panose="00000A00000000000000" pitchFamily="2" charset="0"/>
+              </a:rPr>
+              <a:t>Chapter – 3</a:t>
+            </a:r>
+            <a:br>
+              <a:rPr lang="en-US" sz="7200" b="1" dirty="0" smtClean="0">
+                <a:solidFill>
+                  <a:schemeClr val="tx1"/>
+                </a:solidFill>
+                <a:latin typeface="Barlow Black" panose="00000A00000000000000" pitchFamily="2" charset="0"/>
+              </a:rPr>
+            </a:br>
+            <a:r>
+              <a:rPr lang="en-US" sz="2800" dirty="0" smtClean="0">
+                <a:solidFill>
+                  <a:schemeClr val="accent2">
+                    <a:lumMod val="60000"/>
+                    <a:lumOff val="40000"/>
+                  </a:schemeClr>
+                </a:solidFill>
+                <a:latin typeface="Bahnschrift Light Condensed" pitchFamily="34" charset="0"/>
+              </a:rPr>
+              <a:t> </a:t>
+            </a:r>
+            <a:r>
+              <a:rPr lang="en-US" sz="2800" dirty="0" smtClean="0">
+                <a:solidFill>
+                  <a:schemeClr val="accent2">
+                    <a:lumMod val="60000"/>
+                    <a:lumOff val="40000"/>
+                  </a:schemeClr>
+                </a:solidFill>
+                <a:latin typeface="Bahnschrift Light Condensed" pitchFamily="34" charset="0"/>
+              </a:rPr>
+              <a:t>(</a:t>
+            </a:r>
+            <a:r>
+              <a:rPr lang="en-US" dirty="0" smtClean="0">
+                <a:solidFill>
+                  <a:schemeClr val="accent2">
+                    <a:lumMod val="60000"/>
+                    <a:lumOff val="40000"/>
+                  </a:schemeClr>
+                </a:solidFill>
+                <a:latin typeface="Bahnschrift Light Condensed" pitchFamily="34" charset="0"/>
+              </a:rPr>
+              <a:t>console</a:t>
+            </a:r>
+            <a:r>
+              <a:rPr lang="en-US" sz="2800" dirty="0" smtClean="0">
+                <a:solidFill>
+                  <a:schemeClr val="accent2">
+                    <a:lumMod val="60000"/>
+                    <a:lumOff val="40000"/>
+                  </a:schemeClr>
+                </a:solidFill>
+                <a:latin typeface="Bahnschrift Light Condensed" pitchFamily="34" charset="0"/>
+              </a:rPr>
+              <a:t>)</a:t>
+            </a:r>
+            <a:endParaRPr lang="en-IN" b="1" dirty="0">
+              <a:solidFill>
+                <a:schemeClr val="tx1"/>
+              </a:solidFill>
+              <a:latin typeface="Barlow Black" panose="00000A00000000000000" pitchFamily="2" charset="0"/>
+            </a:endParaRPr>
+          </a:p>
+        </p:txBody>
+      </p:sp>
+      <p:sp>
+        <p:nvSpPr>
+          <p:cNvPr id="4" name="Ribbon: Curved and Tilted Down 3">
+            <a:extLst>
+              <a:ext uri="{FF2B5EF4-FFF2-40B4-BE49-F238E27FC236}">
+                <a16:creationId xmlns:a16="http://schemas.microsoft.com/office/drawing/2014/main" xmlns="" id="{909DBECF-689C-9AA7-1649-9166A578EDF9}"/>
+              </a:ext>
+            </a:extLst>
+          </p:cNvPr>
+          <p:cNvSpPr/>
+          <p:nvPr/>
+        </p:nvSpPr>
+        <p:spPr>
+          <a:xfrm>
+            <a:off x="1124594" y="1134618"/>
+            <a:ext cx="4823349" cy="778670"/>
+          </a:xfrm>
+          <a:prstGeom prst="ellipseRibbon">
+            <a:avLst/>
+          </a:prstGeom>
+          <a:solidFill>
+            <a:schemeClr val="bg1">
+              <a:lumMod val="65000"/>
+              <a:lumOff val="35000"/>
+            </a:schemeClr>
+          </a:solidFill>
+          <a:ln>
+            <a:noFill/>
+          </a:ln>
+        </p:spPr>
+        <p:style>
+          <a:lnRef idx="2">
+            <a:schemeClr val="accent1">
+              <a:shade val="15000"/>
+            </a:schemeClr>
+          </a:lnRef>
+          <a:fillRef idx="1">
+            <a:schemeClr val="accent1"/>
+          </a:fillRef>
+          <a:effectRef idx="0">
+            <a:schemeClr val="accent1"/>
+          </a:effectRef>
+          <a:fontRef idx="minor">
+            <a:schemeClr val="lt1"/>
+          </a:fontRef>
+        </p:style>
+        <p:txBody>
+          <a:bodyPr rtlCol="0" anchor="ctr"/>
+          <a:lstStyle/>
+          <a:p>
+            <a:pPr algn="ctr"/>
+            <a:r>
+              <a:rPr lang="en-US" dirty="0">
+                <a:solidFill>
+                  <a:schemeClr val="tx1"/>
+                </a:solidFill>
+              </a:rPr>
+              <a:t>JavaScript Tutorials</a:t>
+            </a:r>
+            <a:endParaRPr lang="en-IN" dirty="0">
+              <a:solidFill>
+                <a:schemeClr val="tx1"/>
+              </a:solidFill>
+            </a:endParaRPr>
+          </a:p>
+        </p:txBody>
+      </p:sp>
+      <p:sp>
+        <p:nvSpPr>
+          <p:cNvPr id="5" name="Scroll: Vertical 4">
+            <a:extLst>
+              <a:ext uri="{FF2B5EF4-FFF2-40B4-BE49-F238E27FC236}">
+                <a16:creationId xmlns:a16="http://schemas.microsoft.com/office/drawing/2014/main" xmlns="" id="{38EB993A-3F18-C6B7-226F-EDD62B4B31DB}"/>
+              </a:ext>
+            </a:extLst>
+          </p:cNvPr>
+          <p:cNvSpPr/>
+          <p:nvPr/>
+        </p:nvSpPr>
+        <p:spPr>
+          <a:xfrm>
+            <a:off x="5561640" y="477079"/>
+            <a:ext cx="5616326" cy="6122504"/>
+          </a:xfrm>
+          <a:prstGeom prst="verticalScroll">
+            <a:avLst/>
+          </a:prstGeom>
+          <a:solidFill>
+            <a:schemeClr val="tx1">
+              <a:lumMod val="65000"/>
+              <a:lumOff val="35000"/>
+            </a:schemeClr>
+          </a:solidFill>
+          <a:ln>
+            <a:solidFill>
+              <a:schemeClr val="bg1">
+                <a:lumMod val="95000"/>
+              </a:schemeClr>
+            </a:solidFill>
+          </a:ln>
+        </p:spPr>
+        <p:style>
+          <a:lnRef idx="2">
+            <a:schemeClr val="accent1">
+              <a:shade val="15000"/>
+            </a:schemeClr>
+          </a:lnRef>
+          <a:fillRef idx="1">
+            <a:schemeClr val="accent1"/>
+          </a:fillRef>
+          <a:effectRef idx="0">
+            <a:schemeClr val="accent1"/>
+          </a:effectRef>
+          <a:fontRef idx="minor">
+            <a:schemeClr val="lt1"/>
+          </a:fontRef>
+        </p:style>
+        <p:txBody>
+          <a:bodyPr rtlCol="0" anchor="t"/>
+          <a:lstStyle/>
+          <a:p>
+            <a:r>
+              <a:rPr lang="en-US" sz="3600" b="1" dirty="0">
+                <a:solidFill>
+                  <a:schemeClr val="bg1">
+                    <a:lumMod val="95000"/>
+                  </a:schemeClr>
+                </a:solidFill>
+              </a:rPr>
+              <a:t>Topics</a:t>
+            </a:r>
+          </a:p>
+          <a:p>
+            <a:pPr marL="285750" indent="-285750">
+              <a:lnSpc>
+                <a:spcPct val="150000"/>
+              </a:lnSpc>
+              <a:buFont typeface="Courier New" panose="02070309020205020404" pitchFamily="49" charset="0"/>
+              <a:buChar char="o"/>
+            </a:pPr>
+            <a:r>
+              <a:rPr lang="en-US" sz="1600" dirty="0" smtClean="0">
+                <a:solidFill>
+                  <a:schemeClr val="bg1">
+                    <a:lumMod val="95000"/>
+                  </a:schemeClr>
+                </a:solidFill>
+              </a:rPr>
+              <a:t>Console.log()</a:t>
+            </a:r>
+          </a:p>
+          <a:p>
+            <a:pPr marL="285750" indent="-285750">
+              <a:lnSpc>
+                <a:spcPct val="150000"/>
+              </a:lnSpc>
+              <a:buFont typeface="Courier New" panose="02070309020205020404" pitchFamily="49" charset="0"/>
+              <a:buChar char="o"/>
+            </a:pPr>
+            <a:r>
+              <a:rPr lang="en-IN" sz="1600" dirty="0" err="1" smtClean="0">
+                <a:solidFill>
+                  <a:schemeClr val="bg1">
+                    <a:lumMod val="95000"/>
+                  </a:schemeClr>
+                </a:solidFill>
+              </a:rPr>
+              <a:t>Console.error</a:t>
+            </a:r>
+            <a:r>
+              <a:rPr lang="en-IN" sz="1600" dirty="0" smtClean="0">
+                <a:solidFill>
+                  <a:schemeClr val="bg1">
+                    <a:lumMod val="95000"/>
+                  </a:schemeClr>
+                </a:solidFill>
+              </a:rPr>
+              <a:t>()</a:t>
+            </a:r>
+          </a:p>
+          <a:p>
+            <a:pPr marL="285750" indent="-285750">
+              <a:lnSpc>
+                <a:spcPct val="150000"/>
+              </a:lnSpc>
+              <a:buFont typeface="Courier New" panose="02070309020205020404" pitchFamily="49" charset="0"/>
+              <a:buChar char="o"/>
+            </a:pPr>
+            <a:r>
+              <a:rPr lang="en-IN" sz="1600" dirty="0" err="1" smtClean="0">
+                <a:solidFill>
+                  <a:schemeClr val="bg1">
+                    <a:lumMod val="95000"/>
+                  </a:schemeClr>
+                </a:solidFill>
+              </a:rPr>
+              <a:t>Console.assert</a:t>
+            </a:r>
+            <a:r>
+              <a:rPr lang="en-IN" sz="1600" dirty="0" smtClean="0">
+                <a:solidFill>
+                  <a:schemeClr val="bg1">
+                    <a:lumMod val="95000"/>
+                  </a:schemeClr>
+                </a:solidFill>
+              </a:rPr>
+              <a:t>()</a:t>
+            </a:r>
+          </a:p>
+          <a:p>
+            <a:pPr marL="285750" indent="-285750">
+              <a:lnSpc>
+                <a:spcPct val="150000"/>
+              </a:lnSpc>
+              <a:buFont typeface="Courier New" panose="02070309020205020404" pitchFamily="49" charset="0"/>
+              <a:buChar char="o"/>
+            </a:pPr>
+            <a:r>
+              <a:rPr lang="en-IN" sz="1600" dirty="0" err="1" smtClean="0">
+                <a:solidFill>
+                  <a:schemeClr val="bg1">
+                    <a:lumMod val="95000"/>
+                  </a:schemeClr>
+                </a:solidFill>
+              </a:rPr>
+              <a:t>Console.clear</a:t>
+            </a:r>
+            <a:r>
+              <a:rPr lang="en-IN" sz="1600" dirty="0" smtClean="0">
+                <a:solidFill>
+                  <a:schemeClr val="bg1">
+                    <a:lumMod val="95000"/>
+                  </a:schemeClr>
+                </a:solidFill>
+              </a:rPr>
+              <a:t>()</a:t>
+            </a:r>
+          </a:p>
+          <a:p>
+            <a:pPr marL="285750" indent="-285750">
+              <a:lnSpc>
+                <a:spcPct val="150000"/>
+              </a:lnSpc>
+              <a:buFont typeface="Courier New" panose="02070309020205020404" pitchFamily="49" charset="0"/>
+              <a:buChar char="o"/>
+            </a:pPr>
+            <a:r>
+              <a:rPr lang="en-IN" sz="1600" dirty="0" err="1" smtClean="0">
+                <a:solidFill>
+                  <a:schemeClr val="bg1">
+                    <a:lumMod val="95000"/>
+                  </a:schemeClr>
+                </a:solidFill>
+              </a:rPr>
+              <a:t>Console.count</a:t>
+            </a:r>
+            <a:r>
+              <a:rPr lang="en-IN" sz="1600" dirty="0" smtClean="0">
+                <a:solidFill>
+                  <a:schemeClr val="bg1">
+                    <a:lumMod val="95000"/>
+                  </a:schemeClr>
+                </a:solidFill>
+              </a:rPr>
+              <a:t>()</a:t>
+            </a:r>
+          </a:p>
+          <a:p>
+            <a:pPr marL="285750" indent="-285750">
+              <a:lnSpc>
+                <a:spcPct val="150000"/>
+              </a:lnSpc>
+              <a:buFont typeface="Courier New" panose="02070309020205020404" pitchFamily="49" charset="0"/>
+              <a:buChar char="o"/>
+            </a:pPr>
+            <a:r>
+              <a:rPr lang="en-IN" sz="1600" dirty="0" err="1" smtClean="0">
+                <a:solidFill>
+                  <a:schemeClr val="bg1">
+                    <a:lumMod val="95000"/>
+                  </a:schemeClr>
+                </a:solidFill>
+              </a:rPr>
+              <a:t>Console.time</a:t>
+            </a:r>
+            <a:r>
+              <a:rPr lang="en-IN" sz="1600" dirty="0" smtClean="0">
+                <a:solidFill>
+                  <a:schemeClr val="bg1">
+                    <a:lumMod val="95000"/>
+                  </a:schemeClr>
+                </a:solidFill>
+              </a:rPr>
+              <a:t>()</a:t>
+            </a:r>
+          </a:p>
+          <a:p>
+            <a:pPr marL="285750" indent="-285750">
+              <a:lnSpc>
+                <a:spcPct val="150000"/>
+              </a:lnSpc>
+              <a:buFont typeface="Courier New" panose="02070309020205020404" pitchFamily="49" charset="0"/>
+              <a:buChar char="o"/>
+            </a:pPr>
+            <a:r>
+              <a:rPr lang="en-IN" sz="1600" dirty="0" err="1" smtClean="0">
+                <a:solidFill>
+                  <a:schemeClr val="bg1">
+                    <a:lumMod val="95000"/>
+                  </a:schemeClr>
+                </a:solidFill>
+              </a:rPr>
+              <a:t>Console.timeEnd</a:t>
+            </a:r>
+            <a:r>
+              <a:rPr lang="en-IN" sz="1600" dirty="0" smtClean="0">
+                <a:solidFill>
+                  <a:schemeClr val="bg1">
+                    <a:lumMod val="95000"/>
+                  </a:schemeClr>
+                </a:solidFill>
+              </a:rPr>
+              <a:t>()</a:t>
+            </a:r>
+          </a:p>
+          <a:p>
+            <a:pPr marL="285750" indent="-285750">
+              <a:lnSpc>
+                <a:spcPct val="150000"/>
+              </a:lnSpc>
+              <a:buFont typeface="Courier New" panose="02070309020205020404" pitchFamily="49" charset="0"/>
+              <a:buChar char="o"/>
+            </a:pPr>
+            <a:r>
+              <a:rPr lang="en-IN" sz="1600" dirty="0" err="1" smtClean="0">
+                <a:solidFill>
+                  <a:schemeClr val="bg1">
+                    <a:lumMod val="95000"/>
+                  </a:schemeClr>
+                </a:solidFill>
+              </a:rPr>
+              <a:t>Console.trace</a:t>
+            </a:r>
+            <a:r>
+              <a:rPr lang="en-IN" sz="1600" dirty="0" smtClean="0">
+                <a:solidFill>
+                  <a:schemeClr val="bg1">
+                    <a:lumMod val="95000"/>
+                  </a:schemeClr>
+                </a:solidFill>
+              </a:rPr>
+              <a:t>()</a:t>
+            </a:r>
+          </a:p>
+          <a:p>
+            <a:pPr marL="285750" indent="-285750">
+              <a:lnSpc>
+                <a:spcPct val="150000"/>
+              </a:lnSpc>
+              <a:buFont typeface="Courier New" panose="02070309020205020404" pitchFamily="49" charset="0"/>
+              <a:buChar char="o"/>
+            </a:pPr>
+            <a:r>
+              <a:rPr lang="en-IN" sz="1600" dirty="0" err="1" smtClean="0">
+                <a:solidFill>
+                  <a:schemeClr val="bg1">
+                    <a:lumMod val="95000"/>
+                  </a:schemeClr>
+                </a:solidFill>
+              </a:rPr>
+              <a:t>Console.warn</a:t>
+            </a:r>
+            <a:r>
+              <a:rPr lang="en-IN" sz="1600" dirty="0" smtClean="0">
+                <a:solidFill>
+                  <a:schemeClr val="bg1">
+                    <a:lumMod val="95000"/>
+                  </a:schemeClr>
+                </a:solidFill>
+              </a:rPr>
+              <a:t>()</a:t>
+            </a:r>
+          </a:p>
+          <a:p>
+            <a:pPr marL="285750" indent="-285750">
+              <a:lnSpc>
+                <a:spcPct val="150000"/>
+              </a:lnSpc>
+              <a:buFont typeface="Courier New" panose="02070309020205020404" pitchFamily="49" charset="0"/>
+              <a:buChar char="o"/>
+            </a:pPr>
+            <a:r>
+              <a:rPr lang="en-IN" sz="1600" dirty="0" smtClean="0">
+                <a:solidFill>
+                  <a:schemeClr val="bg1">
+                    <a:lumMod val="95000"/>
+                  </a:schemeClr>
+                </a:solidFill>
+              </a:rPr>
+              <a:t>Console.info()</a:t>
+            </a:r>
+          </a:p>
+          <a:p>
+            <a:pPr marL="285750" indent="-285750">
+              <a:lnSpc>
+                <a:spcPct val="150000"/>
+              </a:lnSpc>
+              <a:buFont typeface="Courier New" panose="02070309020205020404" pitchFamily="49" charset="0"/>
+              <a:buChar char="o"/>
+            </a:pPr>
+            <a:r>
+              <a:rPr lang="en-IN" sz="1600" dirty="0" err="1" smtClean="0">
+                <a:solidFill>
+                  <a:schemeClr val="bg1">
+                    <a:lumMod val="95000"/>
+                  </a:schemeClr>
+                </a:solidFill>
+              </a:rPr>
+              <a:t>Console.table</a:t>
+            </a:r>
+            <a:r>
+              <a:rPr lang="en-IN" sz="1600" dirty="0" smtClean="0">
+                <a:solidFill>
+                  <a:schemeClr val="bg1">
+                    <a:lumMod val="95000"/>
+                  </a:schemeClr>
+                </a:solidFill>
+              </a:rPr>
+              <a:t>()</a:t>
+            </a:r>
+          </a:p>
+          <a:p>
+            <a:pPr marL="285750" indent="-285750">
+              <a:lnSpc>
+                <a:spcPct val="150000"/>
+              </a:lnSpc>
+              <a:buFont typeface="Courier New" panose="02070309020205020404" pitchFamily="49" charset="0"/>
+              <a:buChar char="o"/>
+            </a:pPr>
+            <a:r>
+              <a:rPr lang="en-IN" sz="1600" dirty="0" err="1" smtClean="0">
+                <a:solidFill>
+                  <a:schemeClr val="bg1">
+                    <a:lumMod val="95000"/>
+                  </a:schemeClr>
+                </a:solidFill>
+              </a:rPr>
+              <a:t>Console.group</a:t>
+            </a:r>
+            <a:r>
+              <a:rPr lang="en-IN" sz="1600" dirty="0" smtClean="0">
+                <a:solidFill>
+                  <a:schemeClr val="bg1">
+                    <a:lumMod val="95000"/>
+                  </a:schemeClr>
+                </a:solidFill>
+              </a:rPr>
+              <a:t>()</a:t>
+            </a:r>
+            <a:endParaRPr lang="en-US" sz="1600" dirty="0">
+              <a:solidFill>
+                <a:schemeClr val="bg1">
+                  <a:lumMod val="95000"/>
+                </a:schemeClr>
+              </a:solidFill>
+            </a:endParaRPr>
+          </a:p>
+          <a:p>
+            <a:pPr algn="ctr"/>
+            <a:endParaRPr lang="en-IN" sz="1600" dirty="0">
+              <a:solidFill>
+                <a:schemeClr val="bg1">
+                  <a:lumMod val="95000"/>
+                </a:schemeClr>
+              </a:solidFill>
+            </a:endParaRPr>
+          </a:p>
+        </p:txBody>
+      </p:sp>
+      <p:sp>
+        <p:nvSpPr>
+          <p:cNvPr id="8" name="TextBox 7">
+            <a:extLst>
+              <a:ext uri="{FF2B5EF4-FFF2-40B4-BE49-F238E27FC236}">
+                <a16:creationId xmlns:a16="http://schemas.microsoft.com/office/drawing/2014/main" xmlns="" id="{6E6F1672-8C91-3FA6-CB80-58FD68172333}"/>
+              </a:ext>
+            </a:extLst>
+          </p:cNvPr>
+          <p:cNvSpPr txBox="1"/>
+          <p:nvPr/>
+        </p:nvSpPr>
+        <p:spPr>
+          <a:xfrm>
+            <a:off x="1719470" y="5842623"/>
+            <a:ext cx="3842170" cy="369332"/>
+          </a:xfrm>
+          <a:prstGeom prst="rect">
+            <a:avLst/>
+          </a:prstGeom>
+          <a:solidFill>
+            <a:schemeClr val="bg1">
+              <a:lumMod val="75000"/>
+              <a:lumOff val="25000"/>
+            </a:schemeClr>
+          </a:solidFill>
+        </p:spPr>
+        <p:txBody>
+          <a:bodyPr wrap="square" rtlCol="0">
+            <a:spAutoFit/>
+          </a:bodyPr>
+          <a:lstStyle/>
+          <a:p>
+            <a:pPr algn="ctr"/>
+            <a:r>
+              <a:rPr lang="en-US" b="1" dirty="0"/>
+              <a:t>Gautam Kumar- </a:t>
+            </a:r>
+            <a:r>
+              <a:rPr lang="en-US" dirty="0">
+                <a:solidFill>
+                  <a:schemeClr val="tx1">
+                    <a:lumMod val="50000"/>
+                    <a:lumOff val="50000"/>
+                  </a:schemeClr>
+                </a:solidFill>
+              </a:rPr>
+              <a:t>uidhtml.com</a:t>
+            </a:r>
+            <a:endParaRPr lang="en-IN" dirty="0">
+              <a:solidFill>
+                <a:schemeClr val="tx1">
+                  <a:lumMod val="50000"/>
+                  <a:lumOff val="50000"/>
+                </a:schemeClr>
+              </a:solidFill>
+            </a:endParaRPr>
+          </a:p>
+        </p:txBody>
+      </p:sp>
+    </p:spTree>
+    <p:extLst>
+      <p:ext uri="{BB962C8B-B14F-4D97-AF65-F5344CB8AC3E}">
+        <p14:creationId xmlns:p14="http://schemas.microsoft.com/office/powerpoint/2010/main" xmlns="" val="3287175084"/>
+      </p:ext>
+    </p:extLst>
+  </p:cSld>
+  <p:clrMapOvr>
+    <a:masterClrMapping/>
+  </p:clrMapOvr>
+</p:sld>
+</file>
+
+<file path=ppt/slides/slide18.xml><?xml version="1.0" encoding="utf-8"?>
+<p:sld xmlns:a="http://schemas.openxmlformats.org/drawingml/2006/main" xmlns:r="http://schemas.openxmlformats.org/officeDocument/2006/relationships" xmlns:p="http://schemas.openxmlformats.org/presentationml/2006/main">
+  <p:cSld>
+    <p:spTree>
+      <p:nvGrpSpPr>
+        <p:cNvPr id="1" name=""/>
+        <p:cNvGrpSpPr/>
+        <p:nvPr/>
+      </p:nvGrpSpPr>
+      <p:grpSpPr>
+        <a:xfrm>
+          <a:off x="0" y="0"/>
+          <a:ext cx="0" cy="0"/>
+          <a:chOff x="0" y="0"/>
+          <a:chExt cx="0" cy="0"/>
+        </a:xfrm>
+      </p:grpSpPr>
+      <p:sp>
+        <p:nvSpPr>
+          <p:cNvPr id="9" name="Explosion: 14 Points 8">
+            <a:extLst>
+              <a:ext uri="{FF2B5EF4-FFF2-40B4-BE49-F238E27FC236}">
+                <a16:creationId xmlns:a16="http://schemas.microsoft.com/office/drawing/2014/main" xmlns="" id="{0A2CD68B-7A56-F86D-8B6F-4A8BF99B4C9E}"/>
+              </a:ext>
+            </a:extLst>
+          </p:cNvPr>
+          <p:cNvSpPr/>
+          <p:nvPr/>
+        </p:nvSpPr>
+        <p:spPr>
+          <a:xfrm>
+            <a:off x="1440796" y="2058655"/>
+            <a:ext cx="3985591" cy="3985591"/>
+          </a:xfrm>
+          <a:prstGeom prst="irregularSeal2">
+            <a:avLst/>
+          </a:prstGeom>
+          <a:solidFill>
+            <a:schemeClr val="bg1">
+              <a:lumMod val="75000"/>
+              <a:lumOff val="25000"/>
+            </a:schemeClr>
+          </a:solidFill>
+          <a:ln>
+            <a:noFill/>
+          </a:ln>
+        </p:spPr>
+        <p:style>
+          <a:lnRef idx="2">
+            <a:schemeClr val="accent1">
+              <a:shade val="15000"/>
+            </a:schemeClr>
+          </a:lnRef>
+          <a:fillRef idx="1">
+            <a:schemeClr val="accent1"/>
+          </a:fillRef>
+          <a:effectRef idx="0">
+            <a:schemeClr val="accent1"/>
+          </a:effectRef>
+          <a:fontRef idx="minor">
+            <a:schemeClr val="lt1"/>
+          </a:fontRef>
+        </p:style>
+        <p:txBody>
+          <a:bodyPr rtlCol="0" anchor="ctr"/>
+          <a:lstStyle/>
+          <a:p>
+            <a:pPr algn="ctr"/>
+            <a:endParaRPr lang="en-IN"/>
+          </a:p>
+        </p:txBody>
+      </p:sp>
+      <p:sp>
+        <p:nvSpPr>
+          <p:cNvPr id="2" name="Title 1">
+            <a:extLst>
+              <a:ext uri="{FF2B5EF4-FFF2-40B4-BE49-F238E27FC236}">
+                <a16:creationId xmlns:a16="http://schemas.microsoft.com/office/drawing/2014/main" xmlns="" id="{62BB4F8D-44B7-9866-F7B2-6375CB902974}"/>
+              </a:ext>
+            </a:extLst>
+          </p:cNvPr>
+          <p:cNvSpPr>
+            <a:spLocks noGrp="1"/>
+          </p:cNvSpPr>
+          <p:nvPr>
+            <p:ph type="title"/>
+          </p:nvPr>
+        </p:nvSpPr>
+        <p:spPr>
+          <a:xfrm>
+            <a:off x="775063" y="1913287"/>
+            <a:ext cx="5165739" cy="3810095"/>
+          </a:xfrm>
+          <a:noFill/>
+        </p:spPr>
+        <p:txBody>
+          <a:bodyPr anchor="ctr">
+            <a:normAutofit/>
+          </a:bodyPr>
+          <a:lstStyle/>
+          <a:p>
+            <a:pPr algn="ctr"/>
+            <a:r>
+              <a:rPr lang="en-US" sz="7200" b="1" dirty="0">
+                <a:solidFill>
+                  <a:schemeClr val="tx1"/>
+                </a:solidFill>
+                <a:latin typeface="Barlow Condensed ExtraLight" panose="00000306000000000000" pitchFamily="2" charset="0"/>
+              </a:rPr>
+              <a:t>JavaScript</a:t>
+            </a:r>
+            <a:r>
+              <a:rPr lang="en-US" sz="7200" b="1" dirty="0">
+                <a:solidFill>
+                  <a:schemeClr val="tx1"/>
+                </a:solidFill>
+                <a:latin typeface="Barlow Black" panose="00000A00000000000000" pitchFamily="2" charset="0"/>
+              </a:rPr>
+              <a:t/>
+            </a:r>
+            <a:br>
+              <a:rPr lang="en-US" sz="7200" b="1" dirty="0">
+                <a:solidFill>
+                  <a:schemeClr val="tx1"/>
+                </a:solidFill>
+                <a:latin typeface="Barlow Black" panose="00000A00000000000000" pitchFamily="2" charset="0"/>
+              </a:rPr>
+            </a:br>
+            <a:r>
+              <a:rPr lang="en-US" sz="7200" b="1" dirty="0" smtClean="0">
+                <a:solidFill>
+                  <a:schemeClr val="tx1"/>
+                </a:solidFill>
+                <a:latin typeface="Barlow Black" panose="00000A00000000000000" pitchFamily="2" charset="0"/>
+              </a:rPr>
+              <a:t>Chapter – 4</a:t>
+            </a:r>
+            <a:br>
+              <a:rPr lang="en-US" sz="7200" b="1" dirty="0" smtClean="0">
+                <a:solidFill>
+                  <a:schemeClr val="tx1"/>
+                </a:solidFill>
+                <a:latin typeface="Barlow Black" panose="00000A00000000000000" pitchFamily="2" charset="0"/>
+              </a:rPr>
+            </a:br>
+            <a:r>
+              <a:rPr lang="en-US" sz="2800" dirty="0" smtClean="0">
+                <a:solidFill>
+                  <a:schemeClr val="accent2">
+                    <a:lumMod val="60000"/>
+                    <a:lumOff val="40000"/>
+                  </a:schemeClr>
+                </a:solidFill>
+                <a:latin typeface="Bahnschrift Light Condensed" pitchFamily="34" charset="0"/>
+              </a:rPr>
+              <a:t>(</a:t>
+            </a:r>
+            <a:r>
+              <a:rPr lang="en-US" dirty="0" smtClean="0">
+                <a:solidFill>
+                  <a:schemeClr val="accent2">
+                    <a:lumMod val="60000"/>
+                    <a:lumOff val="40000"/>
+                  </a:schemeClr>
+                </a:solidFill>
+                <a:latin typeface="Bahnschrift Light Condensed" pitchFamily="34" charset="0"/>
+              </a:rPr>
+              <a:t>comments</a:t>
+            </a:r>
+            <a:r>
+              <a:rPr lang="en-US" sz="2800" dirty="0" smtClean="0">
+                <a:solidFill>
+                  <a:schemeClr val="accent2">
+                    <a:lumMod val="60000"/>
+                    <a:lumOff val="40000"/>
+                  </a:schemeClr>
+                </a:solidFill>
+                <a:latin typeface="Bahnschrift Light Condensed" pitchFamily="34" charset="0"/>
+              </a:rPr>
+              <a:t>)</a:t>
+            </a:r>
+            <a:endParaRPr lang="en-IN" sz="2800" dirty="0">
+              <a:solidFill>
+                <a:schemeClr val="accent2">
+                  <a:lumMod val="60000"/>
+                  <a:lumOff val="40000"/>
+                </a:schemeClr>
+              </a:solidFill>
+              <a:latin typeface="Bahnschrift Light Condensed" pitchFamily="34" charset="0"/>
+            </a:endParaRPr>
+          </a:p>
+        </p:txBody>
+      </p:sp>
+      <p:sp>
+        <p:nvSpPr>
+          <p:cNvPr id="4" name="Ribbon: Curved and Tilted Down 3">
+            <a:extLst>
+              <a:ext uri="{FF2B5EF4-FFF2-40B4-BE49-F238E27FC236}">
+                <a16:creationId xmlns:a16="http://schemas.microsoft.com/office/drawing/2014/main" xmlns="" id="{909DBECF-689C-9AA7-1649-9166A578EDF9}"/>
+              </a:ext>
+            </a:extLst>
+          </p:cNvPr>
+          <p:cNvSpPr/>
+          <p:nvPr/>
+        </p:nvSpPr>
+        <p:spPr>
+          <a:xfrm>
+            <a:off x="1124594" y="1134618"/>
+            <a:ext cx="4823349" cy="778670"/>
+          </a:xfrm>
+          <a:prstGeom prst="ellipseRibbon">
+            <a:avLst/>
+          </a:prstGeom>
+          <a:solidFill>
+            <a:schemeClr val="bg1">
+              <a:lumMod val="65000"/>
+              <a:lumOff val="35000"/>
+            </a:schemeClr>
+          </a:solidFill>
+          <a:ln>
+            <a:noFill/>
+          </a:ln>
+        </p:spPr>
+        <p:style>
+          <a:lnRef idx="2">
+            <a:schemeClr val="accent1">
+              <a:shade val="15000"/>
+            </a:schemeClr>
+          </a:lnRef>
+          <a:fillRef idx="1">
+            <a:schemeClr val="accent1"/>
+          </a:fillRef>
+          <a:effectRef idx="0">
+            <a:schemeClr val="accent1"/>
+          </a:effectRef>
+          <a:fontRef idx="minor">
+            <a:schemeClr val="lt1"/>
+          </a:fontRef>
+        </p:style>
+        <p:txBody>
+          <a:bodyPr rtlCol="0" anchor="ctr"/>
+          <a:lstStyle/>
+          <a:p>
+            <a:pPr algn="ctr"/>
+            <a:r>
+              <a:rPr lang="en-US" dirty="0">
+                <a:solidFill>
+                  <a:schemeClr val="tx1"/>
+                </a:solidFill>
+              </a:rPr>
+              <a:t>JavaScript Tutorials</a:t>
+            </a:r>
+            <a:endParaRPr lang="en-IN" dirty="0">
+              <a:solidFill>
+                <a:schemeClr val="tx1"/>
+              </a:solidFill>
+            </a:endParaRPr>
+          </a:p>
+        </p:txBody>
+      </p:sp>
+      <p:sp>
+        <p:nvSpPr>
+          <p:cNvPr id="8" name="TextBox 7">
+            <a:extLst>
+              <a:ext uri="{FF2B5EF4-FFF2-40B4-BE49-F238E27FC236}">
+                <a16:creationId xmlns:a16="http://schemas.microsoft.com/office/drawing/2014/main" xmlns="" id="{6E6F1672-8C91-3FA6-CB80-58FD68172333}"/>
+              </a:ext>
+            </a:extLst>
+          </p:cNvPr>
+          <p:cNvSpPr txBox="1"/>
+          <p:nvPr/>
+        </p:nvSpPr>
+        <p:spPr>
+          <a:xfrm>
+            <a:off x="1884932" y="6060338"/>
+            <a:ext cx="3842170" cy="369332"/>
+          </a:xfrm>
+          <a:prstGeom prst="rect">
+            <a:avLst/>
+          </a:prstGeom>
+          <a:solidFill>
+            <a:schemeClr val="bg1">
+              <a:lumMod val="75000"/>
+              <a:lumOff val="25000"/>
+            </a:schemeClr>
+          </a:solidFill>
+        </p:spPr>
+        <p:txBody>
+          <a:bodyPr wrap="square" rtlCol="0">
+            <a:spAutoFit/>
+          </a:bodyPr>
+          <a:lstStyle/>
+          <a:p>
+            <a:pPr algn="ctr"/>
+            <a:r>
+              <a:rPr lang="en-US" b="1" dirty="0"/>
+              <a:t>Gautam Kumar- </a:t>
+            </a:r>
+            <a:r>
+              <a:rPr lang="en-US" dirty="0">
+                <a:solidFill>
+                  <a:schemeClr val="tx1">
+                    <a:lumMod val="50000"/>
+                    <a:lumOff val="50000"/>
+                  </a:schemeClr>
+                </a:solidFill>
+              </a:rPr>
+              <a:t>uidhtml.com</a:t>
+            </a:r>
+            <a:endParaRPr lang="en-IN" dirty="0">
+              <a:solidFill>
+                <a:schemeClr val="tx1">
+                  <a:lumMod val="50000"/>
+                  <a:lumOff val="50000"/>
+                </a:schemeClr>
+              </a:solidFill>
+            </a:endParaRPr>
+          </a:p>
+        </p:txBody>
+      </p:sp>
+      <p:sp>
+        <p:nvSpPr>
+          <p:cNvPr id="5" name="Scroll: Vertical 4">
+            <a:extLst>
+              <a:ext uri="{FF2B5EF4-FFF2-40B4-BE49-F238E27FC236}">
+                <a16:creationId xmlns:a16="http://schemas.microsoft.com/office/drawing/2014/main" xmlns="" id="{38EB993A-3F18-C6B7-226F-EDD62B4B31DB}"/>
+              </a:ext>
+            </a:extLst>
+          </p:cNvPr>
+          <p:cNvSpPr/>
+          <p:nvPr/>
+        </p:nvSpPr>
+        <p:spPr>
+          <a:xfrm>
+            <a:off x="5561640" y="477079"/>
+            <a:ext cx="5616326" cy="6122504"/>
+          </a:xfrm>
+          <a:prstGeom prst="verticalScroll">
+            <a:avLst/>
+          </a:prstGeom>
+          <a:solidFill>
+            <a:schemeClr val="tx1">
+              <a:lumMod val="65000"/>
+              <a:lumOff val="35000"/>
+            </a:schemeClr>
+          </a:solidFill>
+          <a:ln>
+            <a:solidFill>
+              <a:schemeClr val="bg1">
+                <a:lumMod val="95000"/>
+              </a:schemeClr>
+            </a:solidFill>
+          </a:ln>
+        </p:spPr>
+        <p:style>
+          <a:lnRef idx="2">
+            <a:schemeClr val="accent1">
+              <a:shade val="15000"/>
+            </a:schemeClr>
+          </a:lnRef>
+          <a:fillRef idx="1">
+            <a:schemeClr val="accent1"/>
+          </a:fillRef>
+          <a:effectRef idx="0">
+            <a:schemeClr val="accent1"/>
+          </a:effectRef>
+          <a:fontRef idx="minor">
+            <a:schemeClr val="lt1"/>
+          </a:fontRef>
+        </p:style>
+        <p:txBody>
+          <a:bodyPr rtlCol="0" anchor="t"/>
+          <a:lstStyle/>
+          <a:p>
+            <a:r>
+              <a:rPr lang="en-US" sz="3600" b="1" dirty="0">
+                <a:solidFill>
+                  <a:schemeClr val="bg1">
+                    <a:lumMod val="95000"/>
+                  </a:schemeClr>
+                </a:solidFill>
+              </a:rPr>
+              <a:t>Topics</a:t>
+            </a:r>
+          </a:p>
+          <a:p>
+            <a:pPr marL="285750" indent="-285750">
+              <a:lnSpc>
+                <a:spcPct val="150000"/>
+              </a:lnSpc>
+              <a:buFont typeface="Courier New" panose="02070309020205020404" pitchFamily="49" charset="0"/>
+              <a:buChar char="o"/>
+            </a:pPr>
+            <a:r>
+              <a:rPr lang="en-US" sz="1600" dirty="0" smtClean="0">
+                <a:solidFill>
+                  <a:schemeClr val="bg1">
+                    <a:lumMod val="95000"/>
+                  </a:schemeClr>
+                </a:solidFill>
+              </a:rPr>
+              <a:t>Single line comments</a:t>
+            </a:r>
+          </a:p>
+          <a:p>
+            <a:pPr marL="285750" indent="-285750">
+              <a:lnSpc>
+                <a:spcPct val="150000"/>
+              </a:lnSpc>
+              <a:buFont typeface="Courier New" panose="02070309020205020404" pitchFamily="49" charset="0"/>
+              <a:buChar char="o"/>
+            </a:pPr>
+            <a:r>
+              <a:rPr lang="en-IN" sz="1600" dirty="0" smtClean="0">
+                <a:solidFill>
+                  <a:schemeClr val="bg1">
+                    <a:lumMod val="95000"/>
+                  </a:schemeClr>
+                </a:solidFill>
+              </a:rPr>
+              <a:t>Multiline comments</a:t>
+            </a:r>
+          </a:p>
+          <a:p>
+            <a:pPr marL="285750" indent="-285750">
+              <a:lnSpc>
+                <a:spcPct val="150000"/>
+              </a:lnSpc>
+              <a:buFont typeface="Courier New" panose="02070309020205020404" pitchFamily="49" charset="0"/>
+              <a:buChar char="o"/>
+            </a:pPr>
+            <a:r>
+              <a:rPr lang="en-IN" sz="1600" dirty="0" smtClean="0">
+                <a:solidFill>
+                  <a:schemeClr val="bg1">
+                    <a:lumMod val="95000"/>
+                  </a:schemeClr>
+                </a:solidFill>
+              </a:rPr>
+              <a:t>Inline comments</a:t>
+            </a:r>
+            <a:endParaRPr lang="en-IN" sz="1600" dirty="0">
+              <a:solidFill>
+                <a:schemeClr val="bg1">
+                  <a:lumMod val="95000"/>
+                </a:schemeClr>
+              </a:solidFill>
+            </a:endParaRPr>
+          </a:p>
+        </p:txBody>
+      </p:sp>
+    </p:spTree>
+    <p:extLst>
+      <p:ext uri="{BB962C8B-B14F-4D97-AF65-F5344CB8AC3E}">
+        <p14:creationId xmlns:p14="http://schemas.microsoft.com/office/powerpoint/2010/main" xmlns="" val="3287175084"/>
+      </p:ext>
+    </p:extLst>
+  </p:cSld>
+  <p:clrMapOvr>
+    <a:masterClrMapping/>
+  </p:clrMapOvr>
+</p:sld>
+</file>
+
+<file path=ppt/slides/slide19.xml><?xml version="1.0" encoding="utf-8"?>
+<p:sld xmlns:a="http://schemas.openxmlformats.org/drawingml/2006/main" xmlns:r="http://schemas.openxmlformats.org/officeDocument/2006/relationships" xmlns:p="http://schemas.openxmlformats.org/presentationml/2006/main">
+  <p:cSld>
+    <p:spTree>
+      <p:nvGrpSpPr>
+        <p:cNvPr id="1" name=""/>
+        <p:cNvGrpSpPr/>
+        <p:nvPr/>
+      </p:nvGrpSpPr>
+      <p:grpSpPr>
+        <a:xfrm>
+          <a:off x="0" y="0"/>
+          <a:ext cx="0" cy="0"/>
+          <a:chOff x="0" y="0"/>
+          <a:chExt cx="0" cy="0"/>
+        </a:xfrm>
+      </p:grpSpPr>
+      <p:sp>
+        <p:nvSpPr>
+          <p:cNvPr id="9" name="Explosion: 14 Points 8">
+            <a:extLst>
+              <a:ext uri="{FF2B5EF4-FFF2-40B4-BE49-F238E27FC236}">
+                <a16:creationId xmlns:a16="http://schemas.microsoft.com/office/drawing/2014/main" xmlns="" id="{0A2CD68B-7A56-F86D-8B6F-4A8BF99B4C9E}"/>
+              </a:ext>
+            </a:extLst>
+          </p:cNvPr>
+          <p:cNvSpPr/>
+          <p:nvPr/>
+        </p:nvSpPr>
+        <p:spPr>
+          <a:xfrm>
+            <a:off x="1440796" y="2058655"/>
+            <a:ext cx="3985591" cy="3985591"/>
+          </a:xfrm>
+          <a:prstGeom prst="irregularSeal2">
+            <a:avLst/>
+          </a:prstGeom>
+          <a:solidFill>
+            <a:schemeClr val="bg1">
+              <a:lumMod val="75000"/>
+              <a:lumOff val="25000"/>
+            </a:schemeClr>
+          </a:solidFill>
+          <a:ln>
+            <a:noFill/>
+          </a:ln>
+        </p:spPr>
+        <p:style>
+          <a:lnRef idx="2">
+            <a:schemeClr val="accent1">
+              <a:shade val="15000"/>
+            </a:schemeClr>
+          </a:lnRef>
+          <a:fillRef idx="1">
+            <a:schemeClr val="accent1"/>
+          </a:fillRef>
+          <a:effectRef idx="0">
+            <a:schemeClr val="accent1"/>
+          </a:effectRef>
+          <a:fontRef idx="minor">
+            <a:schemeClr val="lt1"/>
+          </a:fontRef>
+        </p:style>
+        <p:txBody>
+          <a:bodyPr rtlCol="0" anchor="ctr"/>
+          <a:lstStyle/>
+          <a:p>
+            <a:pPr algn="ctr"/>
+            <a:endParaRPr lang="en-IN"/>
+          </a:p>
+        </p:txBody>
+      </p:sp>
+      <p:sp>
+        <p:nvSpPr>
+          <p:cNvPr id="2" name="Title 1">
+            <a:extLst>
+              <a:ext uri="{FF2B5EF4-FFF2-40B4-BE49-F238E27FC236}">
+                <a16:creationId xmlns:a16="http://schemas.microsoft.com/office/drawing/2014/main" xmlns="" id="{62BB4F8D-44B7-9866-F7B2-6375CB902974}"/>
+              </a:ext>
+            </a:extLst>
+          </p:cNvPr>
+          <p:cNvSpPr>
+            <a:spLocks noGrp="1"/>
+          </p:cNvSpPr>
+          <p:nvPr>
+            <p:ph type="title"/>
+          </p:nvPr>
+        </p:nvSpPr>
+        <p:spPr>
+          <a:xfrm>
+            <a:off x="775063" y="1913287"/>
+            <a:ext cx="5165739" cy="3810095"/>
+          </a:xfrm>
+          <a:noFill/>
+        </p:spPr>
+        <p:txBody>
+          <a:bodyPr anchor="ctr">
+            <a:normAutofit/>
+          </a:bodyPr>
+          <a:lstStyle/>
+          <a:p>
+            <a:pPr algn="ctr"/>
+            <a:r>
+              <a:rPr lang="en-US" sz="7200" b="1" dirty="0">
+                <a:solidFill>
+                  <a:schemeClr val="tx1"/>
+                </a:solidFill>
+                <a:latin typeface="Barlow Condensed ExtraLight" panose="00000306000000000000" pitchFamily="2" charset="0"/>
+              </a:rPr>
+              <a:t>JavaScript</a:t>
+            </a:r>
+            <a:r>
+              <a:rPr lang="en-US" sz="7200" b="1" dirty="0">
+                <a:solidFill>
+                  <a:schemeClr val="tx1"/>
+                </a:solidFill>
+                <a:latin typeface="Barlow Black" panose="00000A00000000000000" pitchFamily="2" charset="0"/>
+              </a:rPr>
+              <a:t/>
+            </a:r>
+            <a:br>
+              <a:rPr lang="en-US" sz="7200" b="1" dirty="0">
+                <a:solidFill>
+                  <a:schemeClr val="tx1"/>
+                </a:solidFill>
+                <a:latin typeface="Barlow Black" panose="00000A00000000000000" pitchFamily="2" charset="0"/>
+              </a:rPr>
+            </a:br>
+            <a:r>
+              <a:rPr lang="en-US" sz="7200" b="1" dirty="0" smtClean="0">
+                <a:solidFill>
+                  <a:schemeClr val="tx1"/>
+                </a:solidFill>
+                <a:latin typeface="Barlow Black" panose="00000A00000000000000" pitchFamily="2" charset="0"/>
+              </a:rPr>
+              <a:t>Chapter – 5</a:t>
+            </a:r>
+            <a:br>
+              <a:rPr lang="en-US" sz="7200" b="1" dirty="0" smtClean="0">
+                <a:solidFill>
+                  <a:schemeClr val="tx1"/>
+                </a:solidFill>
+                <a:latin typeface="Barlow Black" panose="00000A00000000000000" pitchFamily="2" charset="0"/>
+              </a:rPr>
+            </a:br>
+            <a:r>
+              <a:rPr lang="en-US" sz="2800" dirty="0" smtClean="0">
+                <a:solidFill>
+                  <a:schemeClr val="accent2">
+                    <a:lumMod val="60000"/>
+                    <a:lumOff val="40000"/>
+                  </a:schemeClr>
+                </a:solidFill>
+                <a:latin typeface="Bahnschrift Light Condensed" pitchFamily="34" charset="0"/>
+              </a:rPr>
+              <a:t>(</a:t>
+            </a:r>
+            <a:r>
+              <a:rPr lang="en-US" dirty="0" smtClean="0">
+                <a:solidFill>
+                  <a:schemeClr val="accent2">
+                    <a:lumMod val="60000"/>
+                    <a:lumOff val="40000"/>
+                  </a:schemeClr>
+                </a:solidFill>
+                <a:latin typeface="Bahnschrift Light Condensed" pitchFamily="34" charset="0"/>
+              </a:rPr>
+              <a:t>variables</a:t>
+            </a:r>
+            <a:r>
+              <a:rPr lang="en-US" sz="2800" dirty="0" smtClean="0">
+                <a:solidFill>
+                  <a:schemeClr val="accent2">
+                    <a:lumMod val="60000"/>
+                    <a:lumOff val="40000"/>
+                  </a:schemeClr>
+                </a:solidFill>
+                <a:latin typeface="Bahnschrift Light Condensed" pitchFamily="34" charset="0"/>
+              </a:rPr>
+              <a:t>)</a:t>
+            </a:r>
+            <a:endParaRPr lang="en-IN" sz="2800" dirty="0">
+              <a:solidFill>
+                <a:schemeClr val="accent2">
+                  <a:lumMod val="60000"/>
+                  <a:lumOff val="40000"/>
+                </a:schemeClr>
+              </a:solidFill>
+              <a:latin typeface="Bahnschrift Light Condensed" pitchFamily="34" charset="0"/>
+            </a:endParaRPr>
+          </a:p>
+        </p:txBody>
+      </p:sp>
+      <p:sp>
+        <p:nvSpPr>
+          <p:cNvPr id="4" name="Ribbon: Curved and Tilted Down 3">
+            <a:extLst>
+              <a:ext uri="{FF2B5EF4-FFF2-40B4-BE49-F238E27FC236}">
+                <a16:creationId xmlns:a16="http://schemas.microsoft.com/office/drawing/2014/main" xmlns="" id="{909DBECF-689C-9AA7-1649-9166A578EDF9}"/>
+              </a:ext>
+            </a:extLst>
+          </p:cNvPr>
+          <p:cNvSpPr/>
+          <p:nvPr/>
+        </p:nvSpPr>
+        <p:spPr>
+          <a:xfrm>
+            <a:off x="1124594" y="1134618"/>
+            <a:ext cx="4823349" cy="778670"/>
+          </a:xfrm>
+          <a:prstGeom prst="ellipseRibbon">
+            <a:avLst/>
+          </a:prstGeom>
+          <a:solidFill>
+            <a:schemeClr val="bg1">
+              <a:lumMod val="65000"/>
+              <a:lumOff val="35000"/>
+            </a:schemeClr>
+          </a:solidFill>
+          <a:ln>
+            <a:noFill/>
+          </a:ln>
+        </p:spPr>
+        <p:style>
+          <a:lnRef idx="2">
+            <a:schemeClr val="accent1">
+              <a:shade val="15000"/>
+            </a:schemeClr>
+          </a:lnRef>
+          <a:fillRef idx="1">
+            <a:schemeClr val="accent1"/>
+          </a:fillRef>
+          <a:effectRef idx="0">
+            <a:schemeClr val="accent1"/>
+          </a:effectRef>
+          <a:fontRef idx="minor">
+            <a:schemeClr val="lt1"/>
+          </a:fontRef>
+        </p:style>
+        <p:txBody>
+          <a:bodyPr rtlCol="0" anchor="ctr"/>
+          <a:lstStyle/>
+          <a:p>
+            <a:pPr algn="ctr"/>
+            <a:r>
+              <a:rPr lang="en-US" dirty="0">
+                <a:solidFill>
+                  <a:schemeClr val="tx1"/>
+                </a:solidFill>
+              </a:rPr>
+              <a:t>JavaScript Tutorials</a:t>
+            </a:r>
+            <a:endParaRPr lang="en-IN" dirty="0">
+              <a:solidFill>
+                <a:schemeClr val="tx1"/>
+              </a:solidFill>
+            </a:endParaRPr>
+          </a:p>
+        </p:txBody>
+      </p:sp>
+      <p:sp>
+        <p:nvSpPr>
+          <p:cNvPr id="8" name="TextBox 7">
+            <a:extLst>
+              <a:ext uri="{FF2B5EF4-FFF2-40B4-BE49-F238E27FC236}">
+                <a16:creationId xmlns:a16="http://schemas.microsoft.com/office/drawing/2014/main" xmlns="" id="{6E6F1672-8C91-3FA6-CB80-58FD68172333}"/>
+              </a:ext>
+            </a:extLst>
+          </p:cNvPr>
+          <p:cNvSpPr txBox="1"/>
+          <p:nvPr/>
+        </p:nvSpPr>
+        <p:spPr>
+          <a:xfrm>
+            <a:off x="1884932" y="6060338"/>
+            <a:ext cx="3842170" cy="369332"/>
+          </a:xfrm>
+          <a:prstGeom prst="rect">
+            <a:avLst/>
+          </a:prstGeom>
+          <a:solidFill>
+            <a:schemeClr val="bg1">
+              <a:lumMod val="75000"/>
+              <a:lumOff val="25000"/>
+            </a:schemeClr>
+          </a:solidFill>
+        </p:spPr>
+        <p:txBody>
+          <a:bodyPr wrap="square" rtlCol="0">
+            <a:spAutoFit/>
+          </a:bodyPr>
+          <a:lstStyle/>
+          <a:p>
+            <a:pPr algn="ctr"/>
+            <a:r>
+              <a:rPr lang="en-US" b="1" dirty="0"/>
+              <a:t>Gautam Kumar- </a:t>
+            </a:r>
+            <a:r>
+              <a:rPr lang="en-US" dirty="0">
+                <a:solidFill>
+                  <a:schemeClr val="tx1">
+                    <a:lumMod val="50000"/>
+                    <a:lumOff val="50000"/>
+                  </a:schemeClr>
+                </a:solidFill>
+              </a:rPr>
+              <a:t>uidhtml.com</a:t>
+            </a:r>
+            <a:endParaRPr lang="en-IN" dirty="0">
+              <a:solidFill>
+                <a:schemeClr val="tx1">
+                  <a:lumMod val="50000"/>
+                  <a:lumOff val="50000"/>
+                </a:schemeClr>
+              </a:solidFill>
+            </a:endParaRPr>
+          </a:p>
+        </p:txBody>
+      </p:sp>
+      <p:sp>
+        <p:nvSpPr>
+          <p:cNvPr id="5" name="Scroll: Vertical 4">
+            <a:extLst>
+              <a:ext uri="{FF2B5EF4-FFF2-40B4-BE49-F238E27FC236}">
+                <a16:creationId xmlns:a16="http://schemas.microsoft.com/office/drawing/2014/main" xmlns="" id="{38EB993A-3F18-C6B7-226F-EDD62B4B31DB}"/>
+              </a:ext>
+            </a:extLst>
+          </p:cNvPr>
+          <p:cNvSpPr/>
+          <p:nvPr/>
+        </p:nvSpPr>
+        <p:spPr>
+          <a:xfrm>
+            <a:off x="5561640" y="477079"/>
+            <a:ext cx="5616326" cy="6122504"/>
+          </a:xfrm>
+          <a:prstGeom prst="verticalScroll">
+            <a:avLst/>
+          </a:prstGeom>
+          <a:solidFill>
+            <a:schemeClr val="tx1">
+              <a:lumMod val="65000"/>
+              <a:lumOff val="35000"/>
+            </a:schemeClr>
+          </a:solidFill>
+          <a:ln>
+            <a:solidFill>
+              <a:schemeClr val="bg1">
+                <a:lumMod val="95000"/>
+              </a:schemeClr>
+            </a:solidFill>
+          </a:ln>
+        </p:spPr>
+        <p:style>
+          <a:lnRef idx="2">
+            <a:schemeClr val="accent1">
+              <a:shade val="15000"/>
+            </a:schemeClr>
+          </a:lnRef>
+          <a:fillRef idx="1">
+            <a:schemeClr val="accent1"/>
+          </a:fillRef>
+          <a:effectRef idx="0">
+            <a:schemeClr val="accent1"/>
+          </a:effectRef>
+          <a:fontRef idx="minor">
+            <a:schemeClr val="lt1"/>
+          </a:fontRef>
+        </p:style>
+        <p:txBody>
+          <a:bodyPr rtlCol="0" anchor="t"/>
+          <a:lstStyle/>
+          <a:p>
+            <a:r>
+              <a:rPr lang="en-US" sz="3600" b="1" dirty="0">
+                <a:solidFill>
+                  <a:schemeClr val="bg1">
+                    <a:lumMod val="95000"/>
+                  </a:schemeClr>
+                </a:solidFill>
+              </a:rPr>
+              <a:t>Topics</a:t>
+            </a:r>
+          </a:p>
+          <a:p>
+            <a:pPr marL="285750" indent="-285750">
+              <a:lnSpc>
+                <a:spcPct val="150000"/>
+              </a:lnSpc>
+              <a:buFont typeface="Courier New" panose="02070309020205020404" pitchFamily="49" charset="0"/>
+              <a:buChar char="o"/>
+            </a:pPr>
+            <a:r>
+              <a:rPr lang="en-US" sz="1600" dirty="0" err="1" smtClean="0">
+                <a:solidFill>
+                  <a:schemeClr val="bg1">
+                    <a:lumMod val="95000"/>
+                  </a:schemeClr>
+                </a:solidFill>
+              </a:rPr>
+              <a:t>Var</a:t>
+            </a:r>
+            <a:endParaRPr lang="en-US" sz="1600" dirty="0" smtClean="0">
+              <a:solidFill>
+                <a:schemeClr val="bg1">
+                  <a:lumMod val="95000"/>
+                </a:schemeClr>
+              </a:solidFill>
+            </a:endParaRPr>
+          </a:p>
+          <a:p>
+            <a:pPr marL="285750" indent="-285750">
+              <a:lnSpc>
+                <a:spcPct val="150000"/>
+              </a:lnSpc>
+              <a:buFont typeface="Courier New" panose="02070309020205020404" pitchFamily="49" charset="0"/>
+              <a:buChar char="o"/>
+            </a:pPr>
+            <a:r>
+              <a:rPr lang="en-IN" sz="1600" dirty="0" smtClean="0">
+                <a:solidFill>
+                  <a:schemeClr val="bg1">
+                    <a:lumMod val="95000"/>
+                  </a:schemeClr>
+                </a:solidFill>
+              </a:rPr>
+              <a:t>What is Hoisting</a:t>
+            </a:r>
+          </a:p>
+          <a:p>
+            <a:pPr marL="285750" indent="-285750">
+              <a:lnSpc>
+                <a:spcPct val="150000"/>
+              </a:lnSpc>
+              <a:buFont typeface="Courier New" panose="02070309020205020404" pitchFamily="49" charset="0"/>
+              <a:buChar char="o"/>
+            </a:pPr>
+            <a:r>
+              <a:rPr lang="en-IN" sz="1600" dirty="0" smtClean="0">
+                <a:solidFill>
+                  <a:schemeClr val="bg1">
+                    <a:lumMod val="95000"/>
+                  </a:schemeClr>
+                </a:solidFill>
+              </a:rPr>
+              <a:t>Undefined </a:t>
+            </a:r>
+            <a:r>
+              <a:rPr lang="en-IN" sz="1600" dirty="0" err="1" smtClean="0">
+                <a:solidFill>
+                  <a:schemeClr val="bg1">
+                    <a:lumMod val="95000"/>
+                  </a:schemeClr>
+                </a:solidFill>
+              </a:rPr>
+              <a:t>vs</a:t>
+            </a:r>
+            <a:r>
+              <a:rPr lang="en-IN" sz="1600" dirty="0" smtClean="0">
+                <a:solidFill>
+                  <a:schemeClr val="bg1">
+                    <a:lumMod val="95000"/>
+                  </a:schemeClr>
+                </a:solidFill>
+              </a:rPr>
+              <a:t> not-defined</a:t>
+            </a:r>
+          </a:p>
+          <a:p>
+            <a:pPr marL="285750" indent="-285750">
+              <a:lnSpc>
+                <a:spcPct val="150000"/>
+              </a:lnSpc>
+              <a:buFont typeface="Courier New" panose="02070309020205020404" pitchFamily="49" charset="0"/>
+              <a:buChar char="o"/>
+            </a:pPr>
+            <a:r>
+              <a:rPr lang="en-IN" sz="1600" dirty="0" smtClean="0">
+                <a:solidFill>
+                  <a:schemeClr val="bg1">
+                    <a:lumMod val="95000"/>
+                  </a:schemeClr>
+                </a:solidFill>
+              </a:rPr>
+              <a:t>With arrow function</a:t>
+            </a:r>
+          </a:p>
+          <a:p>
+            <a:pPr marL="285750" indent="-285750">
+              <a:lnSpc>
+                <a:spcPct val="150000"/>
+              </a:lnSpc>
+              <a:buFont typeface="Courier New" panose="02070309020205020404" pitchFamily="49" charset="0"/>
+              <a:buChar char="o"/>
+            </a:pPr>
+            <a:r>
+              <a:rPr lang="en-IN" sz="1600" dirty="0" smtClean="0">
+                <a:solidFill>
+                  <a:schemeClr val="bg1">
+                    <a:lumMod val="95000"/>
+                  </a:schemeClr>
+                </a:solidFill>
+              </a:rPr>
+              <a:t>What is call stack and how it works</a:t>
+            </a:r>
+          </a:p>
+          <a:p>
+            <a:pPr marL="285750" indent="-285750">
+              <a:lnSpc>
+                <a:spcPct val="150000"/>
+              </a:lnSpc>
+              <a:buFont typeface="Courier New" panose="02070309020205020404" pitchFamily="49" charset="0"/>
+              <a:buChar char="o"/>
+            </a:pPr>
+            <a:r>
+              <a:rPr lang="en-IN" sz="1600" dirty="0" smtClean="0">
+                <a:solidFill>
+                  <a:schemeClr val="bg1">
+                    <a:lumMod val="95000"/>
+                  </a:schemeClr>
+                </a:solidFill>
+              </a:rPr>
+              <a:t>Let</a:t>
+            </a:r>
+          </a:p>
+          <a:p>
+            <a:pPr marL="285750" indent="-285750">
+              <a:lnSpc>
+                <a:spcPct val="150000"/>
+              </a:lnSpc>
+              <a:buFont typeface="Courier New" panose="02070309020205020404" pitchFamily="49" charset="0"/>
+              <a:buChar char="o"/>
+            </a:pPr>
+            <a:r>
+              <a:rPr lang="en-IN" sz="1600" dirty="0" smtClean="0">
+                <a:solidFill>
+                  <a:schemeClr val="bg1">
+                    <a:lumMod val="95000"/>
+                  </a:schemeClr>
+                </a:solidFill>
+              </a:rPr>
+              <a:t>Const</a:t>
+            </a:r>
+            <a:endParaRPr lang="en-IN" sz="1600" dirty="0" smtClean="0">
+              <a:solidFill>
+                <a:schemeClr val="bg1">
+                  <a:lumMod val="95000"/>
+                </a:schemeClr>
+              </a:solidFill>
+            </a:endParaRPr>
+          </a:p>
+        </p:txBody>
+      </p:sp>
+    </p:spTree>
+    <p:extLst>
+      <p:ext uri="{BB962C8B-B14F-4D97-AF65-F5344CB8AC3E}">
+        <p14:creationId xmlns:p14="http://schemas.microsoft.com/office/powerpoint/2010/main" xmlns="" val="3287175084"/>
+      </p:ext>
+    </p:extLst>
+  </p:cSld>
+  <p:clrMapOvr>
+    <a:masterClrMapping/>
+  </p:clrMapOvr>
+</p:sld>
+</file>
+
+<file path=ppt/slides/slide2.xml><?xml version="1.0" encoding="utf-8"?>
+<p:sld xmlns:a="http://schemas.openxmlformats.org/drawingml/2006/main" xmlns:r="http://schemas.openxmlformats.org/officeDocument/2006/relationships" xmlns:p="http://schemas.openxmlformats.org/presentationml/2006/main">
+  <p:cSld>
+    <p:spTree>
+      <p:nvGrpSpPr>
+        <p:cNvPr id="1" name=""/>
+        <p:cNvGrpSpPr/>
+        <p:nvPr/>
+      </p:nvGrpSpPr>
+      <p:grpSpPr>
+        <a:xfrm>
+          <a:off x="0" y="0"/>
+          <a:ext cx="0" cy="0"/>
+          <a:chOff x="0" y="0"/>
+          <a:chExt cx="0" cy="0"/>
+        </a:xfrm>
+      </p:grpSpPr>
+      <p:sp>
+        <p:nvSpPr>
+          <p:cNvPr id="9" name="Explosion: 14 Points 8">
+            <a:extLst>
+              <a:ext uri="{FF2B5EF4-FFF2-40B4-BE49-F238E27FC236}">
+                <a16:creationId xmlns:a16="http://schemas.microsoft.com/office/drawing/2014/main" xmlns="" id="{0A2CD68B-7A56-F86D-8B6F-4A8BF99B4C9E}"/>
+              </a:ext>
+            </a:extLst>
+          </p:cNvPr>
+          <p:cNvSpPr/>
+          <p:nvPr/>
+        </p:nvSpPr>
+        <p:spPr>
+          <a:xfrm>
+            <a:off x="1719470" y="2032529"/>
+            <a:ext cx="3985591" cy="3985591"/>
+          </a:xfrm>
+          <a:prstGeom prst="irregularSeal2">
+            <a:avLst/>
+          </a:prstGeom>
+          <a:solidFill>
+            <a:schemeClr val="bg1">
+              <a:lumMod val="75000"/>
+              <a:lumOff val="25000"/>
+            </a:schemeClr>
+          </a:solidFill>
+          <a:ln>
+            <a:noFill/>
+          </a:ln>
+        </p:spPr>
+        <p:style>
+          <a:lnRef idx="2">
+            <a:schemeClr val="accent1">
+              <a:shade val="15000"/>
+            </a:schemeClr>
+          </a:lnRef>
+          <a:fillRef idx="1">
+            <a:schemeClr val="accent1"/>
+          </a:fillRef>
+          <a:effectRef idx="0">
+            <a:schemeClr val="accent1"/>
+          </a:effectRef>
+          <a:fontRef idx="minor">
+            <a:schemeClr val="lt1"/>
+          </a:fontRef>
+        </p:style>
+        <p:txBody>
+          <a:bodyPr rtlCol="0" anchor="ctr"/>
+          <a:lstStyle/>
+          <a:p>
+            <a:pPr algn="ctr"/>
+            <a:endParaRPr lang="en-IN"/>
+          </a:p>
+        </p:txBody>
+      </p:sp>
+      <p:sp>
+        <p:nvSpPr>
+          <p:cNvPr id="2" name="Title 1">
+            <a:extLst>
+              <a:ext uri="{FF2B5EF4-FFF2-40B4-BE49-F238E27FC236}">
+                <a16:creationId xmlns:a16="http://schemas.microsoft.com/office/drawing/2014/main" xmlns="" id="{62BB4F8D-44B7-9866-F7B2-6375CB902974}"/>
+              </a:ext>
+            </a:extLst>
+          </p:cNvPr>
+          <p:cNvSpPr>
+            <a:spLocks noGrp="1"/>
+          </p:cNvSpPr>
+          <p:nvPr>
+            <p:ph type="title"/>
+          </p:nvPr>
+        </p:nvSpPr>
+        <p:spPr>
+          <a:xfrm>
+            <a:off x="1131736" y="1913287"/>
+            <a:ext cx="4809066" cy="3810095"/>
+          </a:xfrm>
+          <a:noFill/>
+        </p:spPr>
+        <p:txBody>
+          <a:bodyPr anchor="ctr">
+            <a:normAutofit/>
+          </a:bodyPr>
+          <a:lstStyle/>
+          <a:p>
+            <a:pPr algn="ctr"/>
+            <a:r>
+              <a:rPr lang="en-US" sz="7200" b="1" dirty="0">
+                <a:solidFill>
+                  <a:schemeClr val="tx1"/>
+                </a:solidFill>
+                <a:latin typeface="Barlow Condensed ExtraLight" panose="00000306000000000000" pitchFamily="2" charset="0"/>
+              </a:rPr>
+              <a:t>JavaScript</a:t>
+            </a:r>
+            <a:r>
+              <a:rPr lang="en-US" sz="7200" b="1" dirty="0">
+                <a:solidFill>
+                  <a:schemeClr val="tx1"/>
+                </a:solidFill>
+                <a:latin typeface="Barlow Black" panose="00000A00000000000000" pitchFamily="2" charset="0"/>
+              </a:rPr>
+              <a:t/>
+            </a:r>
+            <a:br>
+              <a:rPr lang="en-US" sz="7200" b="1" dirty="0">
+                <a:solidFill>
+                  <a:schemeClr val="tx1"/>
+                </a:solidFill>
+                <a:latin typeface="Barlow Black" panose="00000A00000000000000" pitchFamily="2" charset="0"/>
+              </a:rPr>
+            </a:br>
+            <a:r>
+              <a:rPr lang="en-US" sz="7200" b="1" dirty="0" smtClean="0">
+                <a:solidFill>
+                  <a:schemeClr val="tx1"/>
+                </a:solidFill>
+                <a:latin typeface="Barlow Black" panose="00000A00000000000000" pitchFamily="2" charset="0"/>
+              </a:rPr>
+              <a:t>Chapter -1</a:t>
+            </a:r>
+            <a:endParaRPr lang="en-IN" b="1" dirty="0">
+              <a:solidFill>
+                <a:schemeClr val="tx1"/>
+              </a:solidFill>
+              <a:latin typeface="Barlow Black" panose="00000A00000000000000" pitchFamily="2" charset="0"/>
+            </a:endParaRPr>
+          </a:p>
+        </p:txBody>
+      </p:sp>
+      <p:sp>
+        <p:nvSpPr>
+          <p:cNvPr id="4" name="Ribbon: Curved and Tilted Down 3">
+            <a:extLst>
+              <a:ext uri="{FF2B5EF4-FFF2-40B4-BE49-F238E27FC236}">
+                <a16:creationId xmlns:a16="http://schemas.microsoft.com/office/drawing/2014/main" xmlns="" id="{909DBECF-689C-9AA7-1649-9166A578EDF9}"/>
+              </a:ext>
+            </a:extLst>
+          </p:cNvPr>
+          <p:cNvSpPr/>
+          <p:nvPr/>
+        </p:nvSpPr>
+        <p:spPr>
+          <a:xfrm>
+            <a:off x="1124594" y="1134618"/>
+            <a:ext cx="4823349" cy="778670"/>
+          </a:xfrm>
+          <a:prstGeom prst="ellipseRibbon">
+            <a:avLst/>
+          </a:prstGeom>
+          <a:solidFill>
+            <a:schemeClr val="bg1">
+              <a:lumMod val="65000"/>
+              <a:lumOff val="35000"/>
+            </a:schemeClr>
+          </a:solidFill>
+          <a:ln>
+            <a:noFill/>
+          </a:ln>
+        </p:spPr>
+        <p:style>
+          <a:lnRef idx="2">
+            <a:schemeClr val="accent1">
+              <a:shade val="15000"/>
+            </a:schemeClr>
+          </a:lnRef>
+          <a:fillRef idx="1">
+            <a:schemeClr val="accent1"/>
+          </a:fillRef>
+          <a:effectRef idx="0">
+            <a:schemeClr val="accent1"/>
+          </a:effectRef>
+          <a:fontRef idx="minor">
+            <a:schemeClr val="lt1"/>
+          </a:fontRef>
+        </p:style>
+        <p:txBody>
+          <a:bodyPr rtlCol="0" anchor="ctr"/>
+          <a:lstStyle/>
+          <a:p>
+            <a:pPr algn="ctr"/>
+            <a:r>
+              <a:rPr lang="en-US" dirty="0">
+                <a:solidFill>
+                  <a:schemeClr val="tx1"/>
+                </a:solidFill>
+              </a:rPr>
+              <a:t>JavaScript Tutorials</a:t>
+            </a:r>
+            <a:endParaRPr lang="en-IN" dirty="0">
+              <a:solidFill>
+                <a:schemeClr val="tx1"/>
+              </a:solidFill>
+            </a:endParaRPr>
+          </a:p>
+        </p:txBody>
+      </p:sp>
+      <p:sp>
+        <p:nvSpPr>
+          <p:cNvPr id="5" name="Scroll: Vertical 4">
+            <a:extLst>
+              <a:ext uri="{FF2B5EF4-FFF2-40B4-BE49-F238E27FC236}">
+                <a16:creationId xmlns:a16="http://schemas.microsoft.com/office/drawing/2014/main" xmlns="" id="{38EB993A-3F18-C6B7-226F-EDD62B4B31DB}"/>
+              </a:ext>
+            </a:extLst>
+          </p:cNvPr>
+          <p:cNvSpPr/>
+          <p:nvPr/>
+        </p:nvSpPr>
+        <p:spPr>
+          <a:xfrm>
+            <a:off x="5561640" y="477079"/>
+            <a:ext cx="5616326" cy="6122504"/>
+          </a:xfrm>
+          <a:prstGeom prst="verticalScroll">
+            <a:avLst/>
+          </a:prstGeom>
+          <a:solidFill>
+            <a:schemeClr val="tx1">
+              <a:lumMod val="65000"/>
+              <a:lumOff val="35000"/>
+            </a:schemeClr>
+          </a:solidFill>
+          <a:ln>
+            <a:solidFill>
+              <a:schemeClr val="bg1">
+                <a:lumMod val="95000"/>
+              </a:schemeClr>
+            </a:solidFill>
+          </a:ln>
+        </p:spPr>
+        <p:style>
+          <a:lnRef idx="2">
+            <a:schemeClr val="accent1">
+              <a:shade val="15000"/>
+            </a:schemeClr>
+          </a:lnRef>
+          <a:fillRef idx="1">
+            <a:schemeClr val="accent1"/>
+          </a:fillRef>
+          <a:effectRef idx="0">
+            <a:schemeClr val="accent1"/>
+          </a:effectRef>
+          <a:fontRef idx="minor">
+            <a:schemeClr val="lt1"/>
+          </a:fontRef>
+        </p:style>
+        <p:txBody>
+          <a:bodyPr rtlCol="0" anchor="ctr"/>
+          <a:lstStyle/>
+          <a:p>
+            <a:pPr>
+              <a:lnSpc>
+                <a:spcPct val="150000"/>
+              </a:lnSpc>
+            </a:pPr>
+            <a:r>
+              <a:rPr lang="en-US" sz="4000" b="1" dirty="0">
+                <a:solidFill>
+                  <a:schemeClr val="bg1">
+                    <a:lumMod val="95000"/>
+                  </a:schemeClr>
+                </a:solidFill>
+              </a:rPr>
+              <a:t>Topics</a:t>
+            </a:r>
+          </a:p>
+          <a:p>
+            <a:pPr marL="285750" indent="-285750">
+              <a:lnSpc>
+                <a:spcPct val="150000"/>
+              </a:lnSpc>
+              <a:buFont typeface="Courier New" panose="02070309020205020404" pitchFamily="49" charset="0"/>
+              <a:buChar char="o"/>
+            </a:pPr>
+            <a:r>
+              <a:rPr lang="en-US" dirty="0">
+                <a:solidFill>
+                  <a:schemeClr val="bg1">
+                    <a:lumMod val="95000"/>
+                  </a:schemeClr>
+                </a:solidFill>
+              </a:rPr>
+              <a:t>What is JavaScript</a:t>
+            </a:r>
+          </a:p>
+          <a:p>
+            <a:pPr marL="285750" indent="-285750">
+              <a:lnSpc>
+                <a:spcPct val="150000"/>
+              </a:lnSpc>
+              <a:buFont typeface="Courier New" panose="02070309020205020404" pitchFamily="49" charset="0"/>
+              <a:buChar char="o"/>
+            </a:pPr>
+            <a:r>
+              <a:rPr lang="en-US" dirty="0">
+                <a:solidFill>
+                  <a:schemeClr val="bg1">
+                    <a:lumMod val="95000"/>
+                  </a:schemeClr>
+                </a:solidFill>
+              </a:rPr>
+              <a:t>History</a:t>
+            </a:r>
+          </a:p>
+          <a:p>
+            <a:pPr marL="285750" indent="-285750">
+              <a:lnSpc>
+                <a:spcPct val="150000"/>
+              </a:lnSpc>
+              <a:buFont typeface="Courier New" panose="02070309020205020404" pitchFamily="49" charset="0"/>
+              <a:buChar char="o"/>
+            </a:pPr>
+            <a:r>
+              <a:rPr lang="en-US" dirty="0">
+                <a:solidFill>
+                  <a:schemeClr val="bg1">
+                    <a:lumMod val="95000"/>
+                  </a:schemeClr>
+                </a:solidFill>
+              </a:rPr>
+              <a:t>Client-side</a:t>
+            </a:r>
+          </a:p>
+          <a:p>
+            <a:pPr marL="285750" indent="-285750">
+              <a:lnSpc>
+                <a:spcPct val="150000"/>
+              </a:lnSpc>
+              <a:buFont typeface="Courier New" panose="02070309020205020404" pitchFamily="49" charset="0"/>
+              <a:buChar char="o"/>
+            </a:pPr>
+            <a:r>
+              <a:rPr lang="en-US" dirty="0">
+                <a:solidFill>
+                  <a:schemeClr val="bg1">
+                    <a:lumMod val="95000"/>
+                  </a:schemeClr>
+                </a:solidFill>
+              </a:rPr>
+              <a:t>Server Side</a:t>
+            </a:r>
+          </a:p>
+          <a:p>
+            <a:pPr marL="285750" indent="-285750">
+              <a:lnSpc>
+                <a:spcPct val="150000"/>
+              </a:lnSpc>
+              <a:buFont typeface="Courier New" panose="02070309020205020404" pitchFamily="49" charset="0"/>
+              <a:buChar char="o"/>
+            </a:pPr>
+            <a:r>
+              <a:rPr lang="en-US" dirty="0">
+                <a:solidFill>
+                  <a:schemeClr val="bg1">
+                    <a:lumMod val="95000"/>
+                  </a:schemeClr>
+                </a:solidFill>
+              </a:rPr>
+              <a:t>Advantages of JavaScript</a:t>
+            </a:r>
+          </a:p>
+          <a:p>
+            <a:pPr marL="285750" indent="-285750">
+              <a:lnSpc>
+                <a:spcPct val="150000"/>
+              </a:lnSpc>
+              <a:buFont typeface="Courier New" panose="02070309020205020404" pitchFamily="49" charset="0"/>
+              <a:buChar char="o"/>
+            </a:pPr>
+            <a:r>
+              <a:rPr lang="en-US" dirty="0">
+                <a:solidFill>
+                  <a:schemeClr val="bg1">
+                    <a:lumMod val="95000"/>
+                  </a:schemeClr>
+                </a:solidFill>
+              </a:rPr>
+              <a:t>Limitations of JavaScript</a:t>
+            </a:r>
+          </a:p>
+          <a:p>
+            <a:pPr marL="285750" indent="-285750">
+              <a:lnSpc>
+                <a:spcPct val="150000"/>
+              </a:lnSpc>
+              <a:buFont typeface="Courier New" panose="02070309020205020404" pitchFamily="49" charset="0"/>
+              <a:buChar char="o"/>
+            </a:pPr>
+            <a:r>
+              <a:rPr lang="en-US" dirty="0">
+                <a:solidFill>
+                  <a:schemeClr val="bg1">
+                    <a:lumMod val="95000"/>
+                  </a:schemeClr>
+                </a:solidFill>
+              </a:rPr>
+              <a:t>Imperative vs Declarative JavaScript</a:t>
+            </a:r>
+          </a:p>
+          <a:p>
+            <a:pPr marL="285750" indent="-285750">
+              <a:lnSpc>
+                <a:spcPct val="150000"/>
+              </a:lnSpc>
+              <a:buFont typeface="Courier New" panose="02070309020205020404" pitchFamily="49" charset="0"/>
+              <a:buChar char="o"/>
+            </a:pPr>
+            <a:r>
+              <a:rPr lang="en-US" dirty="0">
+                <a:solidFill>
+                  <a:schemeClr val="bg1">
+                    <a:lumMod val="95000"/>
+                  </a:schemeClr>
+                </a:solidFill>
+              </a:rPr>
+              <a:t>JavaScript Development tools</a:t>
+            </a:r>
+          </a:p>
+          <a:p>
+            <a:pPr marL="285750" indent="-285750">
+              <a:lnSpc>
+                <a:spcPct val="150000"/>
+              </a:lnSpc>
+              <a:buFont typeface="Courier New" panose="02070309020205020404" pitchFamily="49" charset="0"/>
+              <a:buChar char="o"/>
+            </a:pPr>
+            <a:r>
+              <a:rPr lang="en-US" dirty="0">
+                <a:solidFill>
+                  <a:schemeClr val="bg1">
+                    <a:lumMod val="95000"/>
+                  </a:schemeClr>
+                </a:solidFill>
+              </a:rPr>
+              <a:t>JavaScript at the current time</a:t>
+            </a:r>
+            <a:endParaRPr lang="en-IN" dirty="0">
+              <a:solidFill>
+                <a:schemeClr val="bg1">
+                  <a:lumMod val="95000"/>
+                </a:schemeClr>
+              </a:solidFill>
+            </a:endParaRPr>
+          </a:p>
+          <a:p>
+            <a:pPr algn="ctr"/>
+            <a:endParaRPr lang="en-IN" dirty="0">
+              <a:solidFill>
+                <a:schemeClr val="bg1">
+                  <a:lumMod val="95000"/>
+                </a:schemeClr>
+              </a:solidFill>
+            </a:endParaRPr>
+          </a:p>
+        </p:txBody>
+      </p:sp>
+      <p:sp>
+        <p:nvSpPr>
+          <p:cNvPr id="8" name="TextBox 7">
+            <a:extLst>
+              <a:ext uri="{FF2B5EF4-FFF2-40B4-BE49-F238E27FC236}">
+                <a16:creationId xmlns:a16="http://schemas.microsoft.com/office/drawing/2014/main" xmlns="" id="{6E6F1672-8C91-3FA6-CB80-58FD68172333}"/>
+              </a:ext>
+            </a:extLst>
+          </p:cNvPr>
+          <p:cNvSpPr txBox="1"/>
+          <p:nvPr/>
+        </p:nvSpPr>
+        <p:spPr>
+          <a:xfrm>
+            <a:off x="1719470" y="5842623"/>
+            <a:ext cx="3842170" cy="369332"/>
+          </a:xfrm>
+          <a:prstGeom prst="rect">
+            <a:avLst/>
+          </a:prstGeom>
+          <a:solidFill>
+            <a:schemeClr val="bg1">
+              <a:lumMod val="75000"/>
+              <a:lumOff val="25000"/>
+            </a:schemeClr>
+          </a:solidFill>
+        </p:spPr>
+        <p:txBody>
+          <a:bodyPr wrap="square" rtlCol="0">
+            <a:spAutoFit/>
+          </a:bodyPr>
+          <a:lstStyle/>
+          <a:p>
+            <a:pPr algn="ctr"/>
+            <a:r>
+              <a:rPr lang="en-US" b="1" dirty="0"/>
+              <a:t>Gautam Kumar- </a:t>
+            </a:r>
+            <a:r>
+              <a:rPr lang="en-US" dirty="0">
+                <a:solidFill>
+                  <a:schemeClr val="tx1">
+                    <a:lumMod val="50000"/>
+                    <a:lumOff val="50000"/>
+                  </a:schemeClr>
+                </a:solidFill>
+              </a:rPr>
+              <a:t>uidhtml.com</a:t>
+            </a:r>
+            <a:endParaRPr lang="en-IN" dirty="0">
+              <a:solidFill>
+                <a:schemeClr val="tx1">
+                  <a:lumMod val="50000"/>
+                  <a:lumOff val="50000"/>
+                </a:schemeClr>
+              </a:solidFill>
+            </a:endParaRPr>
+          </a:p>
+        </p:txBody>
+      </p:sp>
+    </p:spTree>
+    <p:extLst>
+      <p:ext uri="{BB962C8B-B14F-4D97-AF65-F5344CB8AC3E}">
+        <p14:creationId xmlns:p14="http://schemas.microsoft.com/office/powerpoint/2010/main" xmlns="" val="3287175084"/>
+      </p:ext>
+    </p:extLst>
+  </p:cSld>
+  <p:clrMapOvr>
+    <a:masterClrMapping/>
+  </p:clrMapOvr>
+</p:sld>
+</file>
+
+<file path=ppt/slides/slide20.xml><?xml version="1.0" encoding="utf-8"?>
+<p:sld xmlns:a="http://schemas.openxmlformats.org/drawingml/2006/main" xmlns:r="http://schemas.openxmlformats.org/officeDocument/2006/relationships" xmlns:p="http://schemas.openxmlformats.org/presentationml/2006/main">
+  <p:cSld>
+    <p:spTree>
+      <p:nvGrpSpPr>
+        <p:cNvPr id="1" name="">
+          <a:extLst>
+            <a:ext uri="{FF2B5EF4-FFF2-40B4-BE49-F238E27FC236}">
+              <a16:creationId xmlns:a16="http://schemas.microsoft.com/office/drawing/2014/main" xmlns="" id="{4586E9D7-F5F8-14CC-9DF6-FC4AF2EA4249}"/>
+            </a:ext>
+          </a:extLst>
+        </p:cNvPr>
+        <p:cNvGrpSpPr/>
+        <p:nvPr/>
+      </p:nvGrpSpPr>
+      <p:grpSpPr>
+        <a:xfrm>
+          <a:off x="0" y="0"/>
+          <a:ext cx="0" cy="0"/>
+          <a:chOff x="0" y="0"/>
+          <a:chExt cx="0" cy="0"/>
+        </a:xfrm>
+      </p:grpSpPr>
+      <p:sp>
+        <p:nvSpPr>
+          <p:cNvPr id="2" name="Title 1">
+            <a:extLst>
+              <a:ext uri="{FF2B5EF4-FFF2-40B4-BE49-F238E27FC236}">
+                <a16:creationId xmlns:a16="http://schemas.microsoft.com/office/drawing/2014/main" xmlns="" id="{D8B67155-694F-FF61-7CDD-33A20A316215}"/>
+              </a:ext>
+            </a:extLst>
+          </p:cNvPr>
+          <p:cNvSpPr>
+            <a:spLocks noGrp="1"/>
+          </p:cNvSpPr>
+          <p:nvPr>
+            <p:ph type="title"/>
+          </p:nvPr>
+        </p:nvSpPr>
+        <p:spPr>
+          <a:xfrm>
+            <a:off x="198363" y="597199"/>
+            <a:ext cx="8596668" cy="666407"/>
+          </a:xfrm>
+        </p:spPr>
+        <p:txBody>
+          <a:bodyPr/>
+          <a:lstStyle/>
+          <a:p>
+            <a:r>
+              <a:rPr lang="en-US" b="1" dirty="0" smtClean="0">
+                <a:solidFill>
+                  <a:schemeClr val="tx1"/>
+                </a:solidFill>
+                <a:latin typeface="Bahnschrift SemiLight" pitchFamily="34" charset="0"/>
+              </a:rPr>
+              <a:t>What is </a:t>
+            </a:r>
+            <a:r>
+              <a:rPr lang="en-US" b="1" dirty="0" err="1" smtClean="0">
+                <a:solidFill>
+                  <a:schemeClr val="tx1"/>
+                </a:solidFill>
+                <a:latin typeface="Bahnschrift SemiLight" pitchFamily="34" charset="0"/>
+              </a:rPr>
+              <a:t>var</a:t>
+            </a:r>
+            <a:r>
+              <a:rPr lang="en-US" b="1" dirty="0" smtClean="0">
+                <a:solidFill>
+                  <a:schemeClr val="tx1"/>
+                </a:solidFill>
+                <a:latin typeface="Bahnschrift SemiLight" pitchFamily="34" charset="0"/>
+              </a:rPr>
+              <a:t>?</a:t>
+            </a:r>
+            <a:endParaRPr lang="en-US" b="1" dirty="0">
+              <a:solidFill>
+                <a:schemeClr val="tx1"/>
+              </a:solidFill>
+              <a:latin typeface="Bahnschrift SemiLight" pitchFamily="34" charset="0"/>
+            </a:endParaRPr>
+          </a:p>
+        </p:txBody>
+      </p:sp>
+      <p:sp>
+        <p:nvSpPr>
+          <p:cNvPr id="3" name="Content Placeholder 2">
+            <a:extLst>
+              <a:ext uri="{FF2B5EF4-FFF2-40B4-BE49-F238E27FC236}">
+                <a16:creationId xmlns:a16="http://schemas.microsoft.com/office/drawing/2014/main" xmlns="" id="{2A53D2DA-721D-FC7E-8E09-BCBD844B6F9F}"/>
+              </a:ext>
+            </a:extLst>
+          </p:cNvPr>
+          <p:cNvSpPr>
+            <a:spLocks noGrp="1"/>
+          </p:cNvSpPr>
+          <p:nvPr>
+            <p:ph idx="1"/>
+          </p:nvPr>
+        </p:nvSpPr>
+        <p:spPr>
+          <a:xfrm>
+            <a:off x="233198" y="1259254"/>
+            <a:ext cx="7502570" cy="830804"/>
+          </a:xfrm>
+        </p:spPr>
+        <p:txBody>
+          <a:bodyPr>
+            <a:normAutofit/>
+          </a:bodyPr>
+          <a:lstStyle/>
+          <a:p>
+            <a:r>
+              <a:rPr lang="en-US" sz="1600" dirty="0" smtClean="0"/>
+              <a:t>In JavaScript, </a:t>
+            </a:r>
+            <a:r>
+              <a:rPr lang="en-US" sz="1600" dirty="0" err="1" smtClean="0"/>
+              <a:t>var</a:t>
+            </a:r>
+            <a:r>
+              <a:rPr lang="en-US" sz="1600" dirty="0" smtClean="0"/>
+              <a:t> is a keyword used to declare variables. It was the </a:t>
+            </a:r>
+            <a:r>
+              <a:rPr lang="en-US" sz="1600" dirty="0" smtClean="0"/>
+              <a:t>primary </a:t>
+            </a:r>
+            <a:r>
+              <a:rPr lang="en-US" sz="1600" dirty="0" smtClean="0"/>
+              <a:t>way to declare variables before the introduction of let and const in ES6 (</a:t>
+            </a:r>
+            <a:r>
+              <a:rPr lang="en-US" sz="1600" dirty="0" err="1" smtClean="0"/>
+              <a:t>ECMAScript</a:t>
+            </a:r>
+            <a:r>
+              <a:rPr lang="en-US" sz="1600" dirty="0" smtClean="0"/>
+              <a:t> </a:t>
+            </a:r>
+            <a:r>
+              <a:rPr lang="en-US" sz="1600" dirty="0" smtClean="0"/>
+              <a:t>2015</a:t>
+            </a:r>
+          </a:p>
+          <a:p>
+            <a:endParaRPr lang="en-US" sz="1600" dirty="0"/>
+          </a:p>
+        </p:txBody>
+      </p:sp>
+      <p:sp>
+        <p:nvSpPr>
+          <p:cNvPr id="5" name="Ribbon: Curved and Tilted Down 4">
+            <a:extLst>
+              <a:ext uri="{FF2B5EF4-FFF2-40B4-BE49-F238E27FC236}">
+                <a16:creationId xmlns:a16="http://schemas.microsoft.com/office/drawing/2014/main" xmlns="" id="{3FA23525-E3EA-B8CB-FD6A-53084CA847A7}"/>
+              </a:ext>
+            </a:extLst>
+          </p:cNvPr>
+          <p:cNvSpPr/>
+          <p:nvPr/>
+        </p:nvSpPr>
+        <p:spPr>
+          <a:xfrm>
+            <a:off x="198362" y="149779"/>
+            <a:ext cx="3337317" cy="424987"/>
+          </a:xfrm>
+          <a:prstGeom prst="ellipseRibbon">
+            <a:avLst/>
+          </a:prstGeom>
+          <a:solidFill>
+            <a:schemeClr val="bg1">
+              <a:lumMod val="85000"/>
+              <a:lumOff val="15000"/>
+            </a:schemeClr>
+          </a:solidFill>
+          <a:ln>
+            <a:noFill/>
+          </a:ln>
+        </p:spPr>
+        <p:style>
+          <a:lnRef idx="2">
+            <a:schemeClr val="accent1">
+              <a:shade val="15000"/>
+            </a:schemeClr>
+          </a:lnRef>
+          <a:fillRef idx="1">
+            <a:schemeClr val="accent1"/>
+          </a:fillRef>
+          <a:effectRef idx="0">
+            <a:schemeClr val="accent1"/>
+          </a:effectRef>
+          <a:fontRef idx="minor">
+            <a:schemeClr val="lt1"/>
+          </a:fontRef>
+        </p:style>
+        <p:txBody>
+          <a:bodyPr rtlCol="0" anchor="ctr"/>
+          <a:lstStyle/>
+          <a:p>
+            <a:pPr algn="ctr"/>
+            <a:r>
+              <a:rPr lang="en-US" sz="1100" dirty="0">
+                <a:solidFill>
+                  <a:schemeClr val="tx1">
+                    <a:lumMod val="65000"/>
+                    <a:lumOff val="35000"/>
+                  </a:schemeClr>
+                </a:solidFill>
+              </a:rPr>
+              <a:t>JavaScript Tutorials</a:t>
+            </a:r>
+            <a:endParaRPr lang="en-IN" sz="1100" dirty="0">
+              <a:solidFill>
+                <a:schemeClr val="tx1">
+                  <a:lumMod val="65000"/>
+                  <a:lumOff val="35000"/>
+                </a:schemeClr>
+              </a:solidFill>
+            </a:endParaRPr>
+          </a:p>
+        </p:txBody>
+      </p:sp>
+      <p:sp>
+        <p:nvSpPr>
+          <p:cNvPr id="6" name="Scroll: Vertical 5">
+            <a:extLst>
+              <a:ext uri="{FF2B5EF4-FFF2-40B4-BE49-F238E27FC236}">
+                <a16:creationId xmlns:a16="http://schemas.microsoft.com/office/drawing/2014/main" xmlns="" id="{1A4C732A-2840-82C8-A359-298D925E33B3}"/>
+              </a:ext>
+            </a:extLst>
+          </p:cNvPr>
+          <p:cNvSpPr/>
+          <p:nvPr/>
+        </p:nvSpPr>
+        <p:spPr>
+          <a:xfrm>
+            <a:off x="7851914" y="715617"/>
+            <a:ext cx="4240696" cy="4989444"/>
+          </a:xfrm>
+          <a:prstGeom prst="verticalScroll">
+            <a:avLst/>
+          </a:prstGeom>
+          <a:solidFill>
+            <a:schemeClr val="bg1">
+              <a:lumMod val="85000"/>
+            </a:schemeClr>
+          </a:solidFill>
+          <a:ln>
+            <a:solidFill>
+              <a:schemeClr val="bg1">
+                <a:lumMod val="75000"/>
+                <a:lumOff val="25000"/>
+              </a:schemeClr>
+            </a:solidFill>
+          </a:ln>
+        </p:spPr>
+        <p:style>
+          <a:lnRef idx="2">
+            <a:schemeClr val="accent1">
+              <a:shade val="15000"/>
+            </a:schemeClr>
+          </a:lnRef>
+          <a:fillRef idx="1">
+            <a:schemeClr val="accent1"/>
+          </a:fillRef>
+          <a:effectRef idx="0">
+            <a:schemeClr val="accent1"/>
+          </a:effectRef>
+          <a:fontRef idx="minor">
+            <a:schemeClr val="lt1"/>
+          </a:fontRef>
+        </p:style>
+        <p:txBody>
+          <a:bodyPr rtlCol="0" anchor="t"/>
+          <a:lstStyle/>
+          <a:p>
+            <a:pPr>
+              <a:lnSpc>
+                <a:spcPct val="150000"/>
+              </a:lnSpc>
+            </a:pPr>
+            <a:r>
+              <a:rPr lang="en-US" sz="1400" b="1" dirty="0">
+                <a:solidFill>
+                  <a:schemeClr val="tx1"/>
+                </a:solidFill>
+              </a:rPr>
+              <a:t>Topics</a:t>
+            </a:r>
+          </a:p>
+          <a:p>
+            <a:pPr marL="285750" indent="-285750">
+              <a:lnSpc>
+                <a:spcPct val="150000"/>
+              </a:lnSpc>
+              <a:buFont typeface="Courier New" panose="02070309020205020404" pitchFamily="49" charset="0"/>
+              <a:buChar char="o"/>
+            </a:pPr>
+            <a:r>
+              <a:rPr lang="en-US" sz="1400" dirty="0" smtClean="0">
+                <a:solidFill>
+                  <a:schemeClr val="tx1"/>
+                </a:solidFill>
+              </a:rPr>
+              <a:t>What is </a:t>
+            </a:r>
+            <a:r>
+              <a:rPr lang="en-US" sz="1400" dirty="0" err="1" smtClean="0">
+                <a:solidFill>
+                  <a:schemeClr val="tx1"/>
+                </a:solidFill>
+              </a:rPr>
+              <a:t>var</a:t>
+            </a:r>
+            <a:r>
+              <a:rPr lang="en-US" sz="1400" dirty="0" smtClean="0">
+                <a:solidFill>
+                  <a:schemeClr val="tx1"/>
+                </a:solidFill>
+              </a:rPr>
+              <a:t>?</a:t>
+            </a:r>
+            <a:endParaRPr lang="en-US" sz="1400" dirty="0" smtClean="0">
+              <a:solidFill>
+                <a:schemeClr val="tx1"/>
+              </a:solidFill>
+            </a:endParaRPr>
+          </a:p>
+          <a:p>
+            <a:pPr marL="285750" indent="-285750">
+              <a:lnSpc>
+                <a:spcPct val="150000"/>
+              </a:lnSpc>
+              <a:buFont typeface="Courier New" panose="02070309020205020404" pitchFamily="49" charset="0"/>
+              <a:buChar char="o"/>
+            </a:pPr>
+            <a:r>
+              <a:rPr lang="en-IN" sz="1400" dirty="0" smtClean="0">
+                <a:solidFill>
+                  <a:schemeClr val="tx1"/>
+                </a:solidFill>
+              </a:rPr>
+              <a:t>What is Hoisting</a:t>
+            </a:r>
+          </a:p>
+          <a:p>
+            <a:pPr marL="285750" indent="-285750">
+              <a:lnSpc>
+                <a:spcPct val="150000"/>
+              </a:lnSpc>
+              <a:buFont typeface="Courier New" panose="02070309020205020404" pitchFamily="49" charset="0"/>
+              <a:buChar char="o"/>
+            </a:pPr>
+            <a:r>
+              <a:rPr lang="en-IN" sz="1400" dirty="0" smtClean="0">
+                <a:solidFill>
+                  <a:schemeClr val="tx1"/>
+                </a:solidFill>
+              </a:rPr>
+              <a:t>Undefined </a:t>
+            </a:r>
+            <a:r>
+              <a:rPr lang="en-IN" sz="1400" dirty="0" err="1" smtClean="0">
+                <a:solidFill>
+                  <a:schemeClr val="tx1"/>
+                </a:solidFill>
+              </a:rPr>
+              <a:t>vs</a:t>
+            </a:r>
+            <a:r>
+              <a:rPr lang="en-IN" sz="1400" dirty="0" smtClean="0">
+                <a:solidFill>
+                  <a:schemeClr val="tx1"/>
+                </a:solidFill>
+              </a:rPr>
+              <a:t> not-defined</a:t>
+            </a:r>
+          </a:p>
+          <a:p>
+            <a:pPr marL="285750" indent="-285750">
+              <a:lnSpc>
+                <a:spcPct val="150000"/>
+              </a:lnSpc>
+              <a:buFont typeface="Courier New" panose="02070309020205020404" pitchFamily="49" charset="0"/>
+              <a:buChar char="o"/>
+            </a:pPr>
+            <a:r>
+              <a:rPr lang="en-IN" sz="1400" dirty="0" smtClean="0">
+                <a:solidFill>
+                  <a:schemeClr val="tx1"/>
+                </a:solidFill>
+              </a:rPr>
+              <a:t>With arrow function</a:t>
+            </a:r>
+          </a:p>
+          <a:p>
+            <a:pPr marL="285750" indent="-285750">
+              <a:lnSpc>
+                <a:spcPct val="150000"/>
+              </a:lnSpc>
+              <a:buFont typeface="Courier New" panose="02070309020205020404" pitchFamily="49" charset="0"/>
+              <a:buChar char="o"/>
+            </a:pPr>
+            <a:r>
+              <a:rPr lang="en-IN" sz="1400" dirty="0" smtClean="0">
+                <a:solidFill>
+                  <a:schemeClr val="tx1"/>
+                </a:solidFill>
+              </a:rPr>
+              <a:t>What is call stack and how it works</a:t>
+            </a:r>
+          </a:p>
+          <a:p>
+            <a:pPr marL="285750" indent="-285750">
+              <a:lnSpc>
+                <a:spcPct val="150000"/>
+              </a:lnSpc>
+              <a:buFont typeface="Courier New" panose="02070309020205020404" pitchFamily="49" charset="0"/>
+              <a:buChar char="o"/>
+            </a:pPr>
+            <a:r>
+              <a:rPr lang="en-IN" sz="1400" dirty="0" smtClean="0">
+                <a:solidFill>
+                  <a:schemeClr val="tx1"/>
+                </a:solidFill>
+              </a:rPr>
+              <a:t>Let</a:t>
+            </a:r>
+          </a:p>
+          <a:p>
+            <a:pPr marL="285750" indent="-285750">
+              <a:lnSpc>
+                <a:spcPct val="150000"/>
+              </a:lnSpc>
+              <a:buFont typeface="Courier New" panose="02070309020205020404" pitchFamily="49" charset="0"/>
+              <a:buChar char="o"/>
+            </a:pPr>
+            <a:r>
+              <a:rPr lang="en-IN" sz="1400" dirty="0" smtClean="0">
+                <a:solidFill>
+                  <a:schemeClr val="tx1"/>
+                </a:solidFill>
+              </a:rPr>
+              <a:t>Const</a:t>
+            </a:r>
+          </a:p>
+          <a:p>
+            <a:pPr algn="ctr"/>
+            <a:endParaRPr lang="en-IN" sz="1400" dirty="0">
+              <a:solidFill>
+                <a:schemeClr val="tx1"/>
+              </a:solidFill>
+            </a:endParaRPr>
+          </a:p>
+        </p:txBody>
+      </p:sp>
+      <p:sp>
+        <p:nvSpPr>
+          <p:cNvPr id="7" name="TextBox 6"/>
+          <p:cNvSpPr txBox="1"/>
+          <p:nvPr/>
+        </p:nvSpPr>
+        <p:spPr>
+          <a:xfrm>
+            <a:off x="9614263" y="801189"/>
+            <a:ext cx="1401346" cy="369332"/>
+          </a:xfrm>
+          <a:prstGeom prst="rect">
+            <a:avLst/>
+          </a:prstGeom>
+          <a:noFill/>
+        </p:spPr>
+        <p:txBody>
+          <a:bodyPr wrap="none" rtlCol="0">
+            <a:spAutoFit/>
+          </a:bodyPr>
+          <a:lstStyle/>
+          <a:p>
+            <a:r>
+              <a:rPr lang="en-IN" b="1" dirty="0" smtClean="0">
+                <a:solidFill>
+                  <a:schemeClr val="accent2">
+                    <a:lumMod val="60000"/>
+                    <a:lumOff val="40000"/>
+                  </a:schemeClr>
+                </a:solidFill>
+                <a:latin typeface="Bahnschrift SemiLight" pitchFamily="34" charset="0"/>
+              </a:rPr>
+              <a:t>Chapter - 5</a:t>
+            </a:r>
+            <a:endParaRPr lang="en-US" b="1" dirty="0">
+              <a:solidFill>
+                <a:schemeClr val="accent2">
+                  <a:lumMod val="60000"/>
+                  <a:lumOff val="40000"/>
+                </a:schemeClr>
+              </a:solidFill>
+              <a:latin typeface="Bahnschrift SemiLight" pitchFamily="34" charset="0"/>
+            </a:endParaRPr>
+          </a:p>
+        </p:txBody>
+      </p:sp>
+      <p:pic>
+        <p:nvPicPr>
+          <p:cNvPr id="2052" name="Picture 4" descr="C:\Users\Gautam\Downloads\Blank board - Page 1 (2).png"/>
+          <p:cNvPicPr>
+            <a:picLocks noChangeAspect="1" noChangeArrowheads="1"/>
+          </p:cNvPicPr>
+          <p:nvPr/>
+        </p:nvPicPr>
+        <p:blipFill>
+          <a:blip r:embed="rId2"/>
+          <a:srcRect/>
+          <a:stretch>
+            <a:fillRect/>
+          </a:stretch>
+        </p:blipFill>
+        <p:spPr bwMode="auto">
+          <a:xfrm>
+            <a:off x="756743" y="2263820"/>
+            <a:ext cx="4259393" cy="3712801"/>
+          </a:xfrm>
+          <a:prstGeom prst="rect">
+            <a:avLst/>
+          </a:prstGeom>
+          <a:noFill/>
+        </p:spPr>
+      </p:pic>
+    </p:spTree>
+    <p:extLst>
+      <p:ext uri="{BB962C8B-B14F-4D97-AF65-F5344CB8AC3E}">
+        <p14:creationId xmlns:p14="http://schemas.microsoft.com/office/powerpoint/2010/main" xmlns="" val="3002471670"/>
+      </p:ext>
+    </p:extLst>
+  </p:cSld>
+  <p:clrMapOvr>
+    <a:masterClrMapping/>
+  </p:clrMapOvr>
+</p:sld>
+</file>
+
+<file path=ppt/slides/slide3.xml><?xml version="1.0" encoding="utf-8"?>
+<p:sld xmlns:a="http://schemas.openxmlformats.org/drawingml/2006/main" xmlns:r="http://schemas.openxmlformats.org/officeDocument/2006/relationships" xmlns:p="http://schemas.openxmlformats.org/presentationml/2006/main">
+  <p:cSld>
+    <p:spTree>
+      <p:nvGrpSpPr>
+        <p:cNvPr id="1" name="">
+          <a:extLst>
+            <a:ext uri="{FF2B5EF4-FFF2-40B4-BE49-F238E27FC236}">
+              <a16:creationId xmlns:a16="http://schemas.microsoft.com/office/drawing/2014/main" xmlns="" id="{D210C62D-BA73-7142-9269-B229A82A227F}"/>
+            </a:ext>
+          </a:extLst>
+        </p:cNvPr>
+        <p:cNvGrpSpPr/>
+        <p:nvPr/>
+      </p:nvGrpSpPr>
+      <p:grpSpPr>
+        <a:xfrm>
+          <a:off x="0" y="0"/>
+          <a:ext cx="0" cy="0"/>
+          <a:chOff x="0" y="0"/>
+          <a:chExt cx="0" cy="0"/>
+        </a:xfrm>
+      </p:grpSpPr>
+      <p:sp>
+        <p:nvSpPr>
+          <p:cNvPr id="2" name="Title 1">
+            <a:extLst>
+              <a:ext uri="{FF2B5EF4-FFF2-40B4-BE49-F238E27FC236}">
+                <a16:creationId xmlns:a16="http://schemas.microsoft.com/office/drawing/2014/main" xmlns="" id="{D5018557-B8C1-B1F3-960D-C1C68708243B}"/>
+              </a:ext>
+            </a:extLst>
+          </p:cNvPr>
+          <p:cNvSpPr>
+            <a:spLocks noGrp="1"/>
+          </p:cNvSpPr>
+          <p:nvPr>
+            <p:ph type="title"/>
+          </p:nvPr>
+        </p:nvSpPr>
+        <p:spPr>
+          <a:xfrm>
+            <a:off x="677333" y="1418467"/>
+            <a:ext cx="7502569" cy="668750"/>
+          </a:xfrm>
+          <a:noFill/>
+        </p:spPr>
+        <p:txBody>
+          <a:bodyPr>
+            <a:normAutofit/>
+          </a:bodyPr>
+          <a:lstStyle/>
+          <a:p>
+            <a:r>
+              <a:rPr lang="en-US" b="1" dirty="0">
+                <a:solidFill>
+                  <a:schemeClr val="tx1"/>
+                </a:solidFill>
+              </a:rPr>
+              <a:t>What is JavaScript</a:t>
+            </a:r>
+          </a:p>
+        </p:txBody>
+      </p:sp>
+      <p:sp>
+        <p:nvSpPr>
+          <p:cNvPr id="3" name="Content Placeholder 2">
+            <a:extLst>
+              <a:ext uri="{FF2B5EF4-FFF2-40B4-BE49-F238E27FC236}">
+                <a16:creationId xmlns:a16="http://schemas.microsoft.com/office/drawing/2014/main" xmlns="" id="{24415AF3-2B9F-42C3-52C5-51254FAF8249}"/>
+              </a:ext>
+            </a:extLst>
+          </p:cNvPr>
+          <p:cNvSpPr>
+            <a:spLocks noGrp="1"/>
+          </p:cNvSpPr>
+          <p:nvPr>
+            <p:ph idx="1"/>
+          </p:nvPr>
+        </p:nvSpPr>
+        <p:spPr>
+          <a:xfrm>
+            <a:off x="677334" y="2160589"/>
+            <a:ext cx="7502570" cy="3880773"/>
+          </a:xfrm>
+          <a:noFill/>
+        </p:spPr>
+        <p:txBody>
+          <a:bodyPr>
+            <a:normAutofit/>
+          </a:bodyPr>
+          <a:lstStyle/>
+          <a:p>
+            <a:r>
+              <a:rPr lang="en-US" dirty="0"/>
+              <a:t>Interpreted programming language, with object-oriented capabilities.</a:t>
+            </a:r>
+          </a:p>
+          <a:p>
+            <a:r>
+              <a:rPr lang="en-US" dirty="0"/>
+              <a:t>Lightweight</a:t>
+            </a:r>
+          </a:p>
+          <a:p>
+            <a:r>
+              <a:rPr lang="en-US" dirty="0"/>
+              <a:t>Mostly used for web pages, where it allows the client-side to interact with the user.</a:t>
+            </a:r>
+          </a:p>
+          <a:p>
+            <a:r>
+              <a:rPr lang="en-US" dirty="0"/>
+              <a:t>It’s a single-threaded programming language.</a:t>
+            </a:r>
+          </a:p>
+          <a:p>
+            <a:r>
+              <a:rPr lang="en-US" dirty="0"/>
+              <a:t>Used for client-side and server-side development.</a:t>
+            </a:r>
+          </a:p>
+          <a:p>
+            <a:r>
+              <a:rPr lang="en-US" dirty="0"/>
+              <a:t>It’s a dynamic programming language too.</a:t>
+            </a:r>
+          </a:p>
+        </p:txBody>
+      </p:sp>
+      <p:sp>
+        <p:nvSpPr>
+          <p:cNvPr id="6" name="Ribbon: Curved and Tilted Down 5">
+            <a:extLst>
+              <a:ext uri="{FF2B5EF4-FFF2-40B4-BE49-F238E27FC236}">
+                <a16:creationId xmlns:a16="http://schemas.microsoft.com/office/drawing/2014/main" xmlns="" id="{7BEA6FE3-CC31-4B69-44C6-04DF1B8559E4}"/>
+              </a:ext>
+            </a:extLst>
+          </p:cNvPr>
+          <p:cNvSpPr/>
+          <p:nvPr/>
+        </p:nvSpPr>
+        <p:spPr>
+          <a:xfrm>
+            <a:off x="677334" y="437162"/>
+            <a:ext cx="4701209" cy="758952"/>
+          </a:xfrm>
+          <a:prstGeom prst="ellipseRibbon">
+            <a:avLst/>
+          </a:prstGeom>
+          <a:solidFill>
+            <a:schemeClr val="bg1">
+              <a:lumMod val="85000"/>
+              <a:lumOff val="15000"/>
+            </a:schemeClr>
+          </a:solidFill>
+          <a:ln>
+            <a:noFill/>
+          </a:ln>
+        </p:spPr>
+        <p:style>
+          <a:lnRef idx="2">
+            <a:schemeClr val="accent1">
+              <a:shade val="15000"/>
+            </a:schemeClr>
+          </a:lnRef>
+          <a:fillRef idx="1">
+            <a:schemeClr val="accent1"/>
+          </a:fillRef>
+          <a:effectRef idx="0">
+            <a:schemeClr val="accent1"/>
+          </a:effectRef>
+          <a:fontRef idx="minor">
+            <a:schemeClr val="lt1"/>
+          </a:fontRef>
+        </p:style>
+        <p:txBody>
+          <a:bodyPr rtlCol="0" anchor="ctr"/>
+          <a:lstStyle/>
+          <a:p>
+            <a:pPr algn="ctr"/>
+            <a:r>
+              <a:rPr lang="en-US" dirty="0">
+                <a:solidFill>
+                  <a:schemeClr val="tx1">
+                    <a:lumMod val="65000"/>
+                    <a:lumOff val="35000"/>
+                  </a:schemeClr>
+                </a:solidFill>
+              </a:rPr>
+              <a:t>JavaScript Tutorials</a:t>
+            </a:r>
+            <a:endParaRPr lang="en-IN" dirty="0">
+              <a:solidFill>
+                <a:schemeClr val="tx1">
+                  <a:lumMod val="65000"/>
+                  <a:lumOff val="35000"/>
+                </a:schemeClr>
+              </a:solidFill>
+            </a:endParaRPr>
+          </a:p>
+        </p:txBody>
+      </p:sp>
+      <p:sp>
+        <p:nvSpPr>
           <p:cNvPr id="8" name="Scroll: Vertical 7">
             <a:extLst>
               <a:ext uri="{FF2B5EF4-FFF2-40B4-BE49-F238E27FC236}">
-                <a16:creationId xmlns:a16="http://schemas.microsoft.com/office/drawing/2014/main" id="{2D8E823F-54F9-1A01-E3EF-B3211339B30B}"/>
+                <a16:creationId xmlns:a16="http://schemas.microsoft.com/office/drawing/2014/main" xmlns="" id="{2D8E823F-54F9-1A01-E3EF-B3211339B30B}"/>
               </a:ext>
             </a:extLst>
           </p:cNvPr>
@@ -8022,7 +12854,7 @@
     </p:spTree>
     <p:extLst>
       <p:ext uri="{BB962C8B-B14F-4D97-AF65-F5344CB8AC3E}">
-        <p14:creationId xmlns:p14="http://schemas.microsoft.com/office/powerpoint/2010/main" val="3274136203"/>
+        <p14:creationId xmlns:p14="http://schemas.microsoft.com/office/powerpoint/2010/main" xmlns="" val="3274136203"/>
       </p:ext>
     </p:extLst>
   </p:cSld>
@@ -8040,7 +12872,7 @@
         <p:cNvPr id="1" name="">
           <a:extLst>
             <a:ext uri="{FF2B5EF4-FFF2-40B4-BE49-F238E27FC236}">
-              <a16:creationId xmlns:a16="http://schemas.microsoft.com/office/drawing/2014/main" id="{7139B82A-D876-79BD-D559-707BFDC5D481}"/>
+              <a16:creationId xmlns:a16="http://schemas.microsoft.com/office/drawing/2014/main" xmlns="" id="{7139B82A-D876-79BD-D559-707BFDC5D481}"/>
             </a:ext>
           </a:extLst>
         </p:cNvPr>
@@ -8060,7 +12892,7 @@
           <p:cNvPr id="8" name="Title 1">
             <a:extLst>
               <a:ext uri="{FF2B5EF4-FFF2-40B4-BE49-F238E27FC236}">
-                <a16:creationId xmlns:a16="http://schemas.microsoft.com/office/drawing/2014/main" id="{4C8D5637-E45A-11BE-1BA4-F40373E8D014}"/>
+                <a16:creationId xmlns:a16="http://schemas.microsoft.com/office/drawing/2014/main" xmlns="" id="{4C8D5637-E45A-11BE-1BA4-F40373E8D014}"/>
               </a:ext>
             </a:extLst>
           </p:cNvPr>
@@ -8097,7 +12929,7 @@
           <p:cNvPr id="3" name="Content Placeholder 2">
             <a:extLst>
               <a:ext uri="{FF2B5EF4-FFF2-40B4-BE49-F238E27FC236}">
-                <a16:creationId xmlns:a16="http://schemas.microsoft.com/office/drawing/2014/main" id="{86EB63D1-C74F-75B0-CE48-A95AEA2A21A1}"/>
+                <a16:creationId xmlns:a16="http://schemas.microsoft.com/office/drawing/2014/main" xmlns="" id="{86EB63D1-C74F-75B0-CE48-A95AEA2A21A1}"/>
               </a:ext>
             </a:extLst>
           </p:cNvPr>
@@ -8158,7 +12990,7 @@
           <p:cNvPr id="5" name="Ribbon: Curved and Tilted Down 4">
             <a:extLst>
               <a:ext uri="{FF2B5EF4-FFF2-40B4-BE49-F238E27FC236}">
-                <a16:creationId xmlns:a16="http://schemas.microsoft.com/office/drawing/2014/main" id="{75419B56-A4AB-830D-A49F-7700EED8C0FA}"/>
+                <a16:creationId xmlns:a16="http://schemas.microsoft.com/office/drawing/2014/main" xmlns="" id="{75419B56-A4AB-830D-A49F-7700EED8C0FA}"/>
               </a:ext>
             </a:extLst>
           </p:cNvPr>
@@ -8231,7 +13063,7 @@
           <p:cNvPr id="10" name="Scroll: Vertical 9">
             <a:extLst>
               <a:ext uri="{FF2B5EF4-FFF2-40B4-BE49-F238E27FC236}">
-                <a16:creationId xmlns:a16="http://schemas.microsoft.com/office/drawing/2014/main" id="{CD6C5744-A805-1655-2B2A-4D4D0DD0695E}"/>
+                <a16:creationId xmlns:a16="http://schemas.microsoft.com/office/drawing/2014/main" xmlns="" id="{CD6C5744-A805-1655-2B2A-4D4D0DD0695E}"/>
               </a:ext>
             </a:extLst>
           </p:cNvPr>
@@ -8498,10 +13330,56 @@
           </a:p>
         </p:txBody>
       </p:sp>
+      <p:sp>
+        <p:nvSpPr>
+          <p:cNvPr id="6" name="TextBox 5"/>
+          <p:cNvSpPr txBox="1"/>
+          <p:nvPr/>
+        </p:nvSpPr>
+        <p:spPr>
+          <a:xfrm>
+            <a:off x="9614263" y="801189"/>
+            <a:ext cx="1316386" cy="369332"/>
+          </a:xfrm>
+          <a:prstGeom prst="rect">
+            <a:avLst/>
+          </a:prstGeom>
+          <a:noFill/>
+        </p:spPr>
+        <p:txBody>
+          <a:bodyPr wrap="none" rtlCol="0">
+            <a:spAutoFit/>
+          </a:bodyPr>
+          <a:lstStyle/>
+          <a:p>
+            <a:r>
+              <a:rPr lang="en-IN" b="1" dirty="0" smtClean="0">
+                <a:solidFill>
+                  <a:schemeClr val="accent2">
+                    <a:lumMod val="60000"/>
+                    <a:lumOff val="40000"/>
+                  </a:schemeClr>
+                </a:solidFill>
+                <a:latin typeface="Bahnschrift SemiLight" pitchFamily="34" charset="0"/>
+              </a:rPr>
+              <a:t>Chapter - 1</a:t>
+            </a:r>
+            <a:endParaRPr lang="en-US" b="1" dirty="0">
+              <a:solidFill>
+                <a:schemeClr val="accent2">
+                  <a:lumMod val="60000"/>
+                  <a:lumOff val="40000"/>
+                </a:schemeClr>
+              </a:solidFill>
+              <a:latin typeface="Bahnschrift SemiLight" pitchFamily="34" charset="0"/>
+            </a:endParaRPr>
+          </a:p>
+        </p:txBody>
+      </p:sp>
     </p:spTree>
     <p:extLst>
       <p:ext uri="{BB962C8B-B14F-4D97-AF65-F5344CB8AC3E}">
-        <p14:creationId xmlns:p14="http://schemas.microsoft.com/office/powerpoint/2010/main" val="3157857213"/>
+        <p14:creationId xmlns:p14="http://schemas.microsoft.com/office/powerpoint/2010/main" xmlns="" val="3157857213"/>
       </p:ext>
     </p:extLst>
   </p:cSld>
@@ -8519,7 +13397,7 @@
         <p:cNvPr id="1" name="">
           <a:extLst>
             <a:ext uri="{FF2B5EF4-FFF2-40B4-BE49-F238E27FC236}">
-              <a16:creationId xmlns:a16="http://schemas.microsoft.com/office/drawing/2014/main" id="{53D929B9-0FF5-B5F7-0DB4-914C4F4A1BB2}"/>
+              <a16:creationId xmlns:a16="http://schemas.microsoft.com/office/drawing/2014/main" xmlns="" id="{53D929B9-0FF5-B5F7-0DB4-914C4F4A1BB2}"/>
             </a:ext>
           </a:extLst>
         </p:cNvPr>
@@ -8539,7 +13417,7 @@
           <p:cNvPr id="7" name="Title 1">
             <a:extLst>
               <a:ext uri="{FF2B5EF4-FFF2-40B4-BE49-F238E27FC236}">
-                <a16:creationId xmlns:a16="http://schemas.microsoft.com/office/drawing/2014/main" id="{2D810556-B3F2-D67B-C5C6-43963FC8DAE7}"/>
+                <a16:creationId xmlns:a16="http://schemas.microsoft.com/office/drawing/2014/main" xmlns="" id="{2D810556-B3F2-D67B-C5C6-43963FC8DAE7}"/>
               </a:ext>
             </a:extLst>
           </p:cNvPr>
@@ -8576,7 +13454,7 @@
           <p:cNvPr id="3" name="Content Placeholder 2">
             <a:extLst>
               <a:ext uri="{FF2B5EF4-FFF2-40B4-BE49-F238E27FC236}">
-                <a16:creationId xmlns:a16="http://schemas.microsoft.com/office/drawing/2014/main" id="{8F0952B2-F12D-991D-3EC9-9526D8EDED87}"/>
+                <a16:creationId xmlns:a16="http://schemas.microsoft.com/office/drawing/2014/main" xmlns="" id="{8F0952B2-F12D-991D-3EC9-9526D8EDED87}"/>
               </a:ext>
             </a:extLst>
           </p:cNvPr>
@@ -8651,7 +13529,7 @@
           <p:cNvPr id="8" name="Ribbon: Curved and Tilted Down 7">
             <a:extLst>
               <a:ext uri="{FF2B5EF4-FFF2-40B4-BE49-F238E27FC236}">
-                <a16:creationId xmlns:a16="http://schemas.microsoft.com/office/drawing/2014/main" id="{C9C1F804-0CF6-A2DC-646C-9B9441D8EBB0}"/>
+                <a16:creationId xmlns:a16="http://schemas.microsoft.com/office/drawing/2014/main" xmlns="" id="{C9C1F804-0CF6-A2DC-646C-9B9441D8EBB0}"/>
               </a:ext>
             </a:extLst>
           </p:cNvPr>
@@ -8724,7 +13602,7 @@
           <p:cNvPr id="9" name="Scroll: Vertical 8">
             <a:extLst>
               <a:ext uri="{FF2B5EF4-FFF2-40B4-BE49-F238E27FC236}">
-                <a16:creationId xmlns:a16="http://schemas.microsoft.com/office/drawing/2014/main" id="{94613FC4-1176-9125-467B-B6CE33BB59CD}"/>
+                <a16:creationId xmlns:a16="http://schemas.microsoft.com/office/drawing/2014/main" xmlns="" id="{94613FC4-1176-9125-467B-B6CE33BB59CD}"/>
               </a:ext>
             </a:extLst>
           </p:cNvPr>
@@ -8991,10 +13869,56 @@
           </a:p>
         </p:txBody>
       </p:sp>
+      <p:sp>
+        <p:nvSpPr>
+          <p:cNvPr id="6" name="TextBox 5"/>
+          <p:cNvSpPr txBox="1"/>
+          <p:nvPr/>
+        </p:nvSpPr>
+        <p:spPr>
+          <a:xfrm>
+            <a:off x="9614263" y="801189"/>
+            <a:ext cx="1316386" cy="369332"/>
+          </a:xfrm>
+          <a:prstGeom prst="rect">
+            <a:avLst/>
+          </a:prstGeom>
+          <a:noFill/>
+        </p:spPr>
+        <p:txBody>
+          <a:bodyPr wrap="none" rtlCol="0">
+            <a:spAutoFit/>
+          </a:bodyPr>
+          <a:lstStyle/>
+          <a:p>
+            <a:r>
+              <a:rPr lang="en-IN" b="1" dirty="0" smtClean="0">
+                <a:solidFill>
+                  <a:schemeClr val="accent2">
+                    <a:lumMod val="60000"/>
+                    <a:lumOff val="40000"/>
+                  </a:schemeClr>
+                </a:solidFill>
+                <a:latin typeface="Bahnschrift SemiLight" pitchFamily="34" charset="0"/>
+              </a:rPr>
+              <a:t>Chapter - 1</a:t>
+            </a:r>
+            <a:endParaRPr lang="en-US" b="1" dirty="0">
+              <a:solidFill>
+                <a:schemeClr val="accent2">
+                  <a:lumMod val="60000"/>
+                  <a:lumOff val="40000"/>
+                </a:schemeClr>
+              </a:solidFill>
+              <a:latin typeface="Bahnschrift SemiLight" pitchFamily="34" charset="0"/>
+            </a:endParaRPr>
+          </a:p>
+        </p:txBody>
+      </p:sp>
     </p:spTree>
     <p:extLst>
       <p:ext uri="{BB962C8B-B14F-4D97-AF65-F5344CB8AC3E}">
-        <p14:creationId xmlns:p14="http://schemas.microsoft.com/office/powerpoint/2010/main" val="2302025808"/>
+        <p14:creationId xmlns:p14="http://schemas.microsoft.com/office/powerpoint/2010/main" xmlns="" val="2302025808"/>
       </p:ext>
     </p:extLst>
   </p:cSld>
@@ -9012,7 +13936,7 @@
         <p:cNvPr id="1" name="">
           <a:extLst>
             <a:ext uri="{FF2B5EF4-FFF2-40B4-BE49-F238E27FC236}">
-              <a16:creationId xmlns:a16="http://schemas.microsoft.com/office/drawing/2014/main" id="{744B94CD-0809-14B6-E79F-D0C06F89CA15}"/>
+              <a16:creationId xmlns:a16="http://schemas.microsoft.com/office/drawing/2014/main" xmlns="" id="{744B94CD-0809-14B6-E79F-D0C06F89CA15}"/>
             </a:ext>
           </a:extLst>
         </p:cNvPr>
@@ -9032,7 +13956,7 @@
           <p:cNvPr id="9" name="Title 8">
             <a:extLst>
               <a:ext uri="{FF2B5EF4-FFF2-40B4-BE49-F238E27FC236}">
-                <a16:creationId xmlns:a16="http://schemas.microsoft.com/office/drawing/2014/main" id="{F3A13225-B875-57E9-5CCB-88427D8711E0}"/>
+                <a16:creationId xmlns:a16="http://schemas.microsoft.com/office/drawing/2014/main" xmlns="" id="{F3A13225-B875-57E9-5CCB-88427D8711E0}"/>
               </a:ext>
             </a:extLst>
           </p:cNvPr>
@@ -9072,7 +13996,7 @@
           <p:cNvPr id="3" name="Content Placeholder 2">
             <a:extLst>
               <a:ext uri="{FF2B5EF4-FFF2-40B4-BE49-F238E27FC236}">
-                <a16:creationId xmlns:a16="http://schemas.microsoft.com/office/drawing/2014/main" id="{29D21329-5AAF-6358-9761-2C4901A09C8C}"/>
+                <a16:creationId xmlns:a16="http://schemas.microsoft.com/office/drawing/2014/main" xmlns="" id="{29D21329-5AAF-6358-9761-2C4901A09C8C}"/>
               </a:ext>
             </a:extLst>
           </p:cNvPr>
@@ -9119,7 +14043,7 @@
           <p:cNvPr id="5" name="Title 1">
             <a:extLst>
               <a:ext uri="{FF2B5EF4-FFF2-40B4-BE49-F238E27FC236}">
-                <a16:creationId xmlns:a16="http://schemas.microsoft.com/office/drawing/2014/main" id="{23B0E81A-A704-BABA-7779-F926A6BFCB35}"/>
+                <a16:creationId xmlns:a16="http://schemas.microsoft.com/office/drawing/2014/main" xmlns="" id="{23B0E81A-A704-BABA-7779-F926A6BFCB35}"/>
               </a:ext>
             </a:extLst>
           </p:cNvPr>
@@ -9227,7 +14151,7 @@
           <p:cNvPr id="10" name="Ribbon: Curved and Tilted Down 9">
             <a:extLst>
               <a:ext uri="{FF2B5EF4-FFF2-40B4-BE49-F238E27FC236}">
-                <a16:creationId xmlns:a16="http://schemas.microsoft.com/office/drawing/2014/main" id="{3DBA1B1D-2AF2-C619-7353-1037498CD788}"/>
+                <a16:creationId xmlns:a16="http://schemas.microsoft.com/office/drawing/2014/main" xmlns="" id="{3DBA1B1D-2AF2-C619-7353-1037498CD788}"/>
               </a:ext>
             </a:extLst>
           </p:cNvPr>
@@ -9300,7 +14224,7 @@
           <p:cNvPr id="11" name="Scroll: Vertical 10">
             <a:extLst>
               <a:ext uri="{FF2B5EF4-FFF2-40B4-BE49-F238E27FC236}">
-                <a16:creationId xmlns:a16="http://schemas.microsoft.com/office/drawing/2014/main" id="{BE18EA22-49FD-59C7-DB0C-3006A91F02E6}"/>
+                <a16:creationId xmlns:a16="http://schemas.microsoft.com/office/drawing/2014/main" xmlns="" id="{BE18EA22-49FD-59C7-DB0C-3006A91F02E6}"/>
               </a:ext>
             </a:extLst>
           </p:cNvPr>
@@ -9567,10 +14491,56 @@
           </a:p>
         </p:txBody>
       </p:sp>
+      <p:sp>
+        <p:nvSpPr>
+          <p:cNvPr id="7" name="TextBox 6"/>
+          <p:cNvSpPr txBox="1"/>
+          <p:nvPr/>
+        </p:nvSpPr>
+        <p:spPr>
+          <a:xfrm>
+            <a:off x="9614263" y="801189"/>
+            <a:ext cx="1316386" cy="369332"/>
+          </a:xfrm>
+          <a:prstGeom prst="rect">
+            <a:avLst/>
+          </a:prstGeom>
+          <a:noFill/>
+        </p:spPr>
+        <p:txBody>
+          <a:bodyPr wrap="none" rtlCol="0">
+            <a:spAutoFit/>
+          </a:bodyPr>
+          <a:lstStyle/>
+          <a:p>
+            <a:r>
+              <a:rPr lang="en-IN" b="1" dirty="0" smtClean="0">
+                <a:solidFill>
+                  <a:schemeClr val="accent2">
+                    <a:lumMod val="60000"/>
+                    <a:lumOff val="40000"/>
+                  </a:schemeClr>
+                </a:solidFill>
+                <a:latin typeface="Bahnschrift SemiLight" pitchFamily="34" charset="0"/>
+              </a:rPr>
+              <a:t>Chapter - 1</a:t>
+            </a:r>
+            <a:endParaRPr lang="en-US" b="1" dirty="0">
+              <a:solidFill>
+                <a:schemeClr val="accent2">
+                  <a:lumMod val="60000"/>
+                  <a:lumOff val="40000"/>
+                </a:schemeClr>
+              </a:solidFill>
+              <a:latin typeface="Bahnschrift SemiLight" pitchFamily="34" charset="0"/>
+            </a:endParaRPr>
+          </a:p>
+        </p:txBody>
+      </p:sp>
     </p:spTree>
     <p:extLst>
       <p:ext uri="{BB962C8B-B14F-4D97-AF65-F5344CB8AC3E}">
-        <p14:creationId xmlns:p14="http://schemas.microsoft.com/office/powerpoint/2010/main" val="1090188544"/>
+        <p14:creationId xmlns:p14="http://schemas.microsoft.com/office/powerpoint/2010/main" xmlns="" val="1090188544"/>
       </p:ext>
     </p:extLst>
   </p:cSld>
@@ -9588,7 +14558,7 @@
         <p:cNvPr id="1" name="">
           <a:extLst>
             <a:ext uri="{FF2B5EF4-FFF2-40B4-BE49-F238E27FC236}">
-              <a16:creationId xmlns:a16="http://schemas.microsoft.com/office/drawing/2014/main" id="{DFFF01F8-A8CD-88AB-42C3-C2E632C5474A}"/>
+              <a16:creationId xmlns:a16="http://schemas.microsoft.com/office/drawing/2014/main" xmlns="" id="{DFFF01F8-A8CD-88AB-42C3-C2E632C5474A}"/>
             </a:ext>
           </a:extLst>
         </p:cNvPr>
@@ -9608,7 +14578,7 @@
           <p:cNvPr id="7" name="Title 8">
             <a:extLst>
               <a:ext uri="{FF2B5EF4-FFF2-40B4-BE49-F238E27FC236}">
-                <a16:creationId xmlns:a16="http://schemas.microsoft.com/office/drawing/2014/main" id="{2CFF87A5-7472-22DC-030C-A3CCBBC3E824}"/>
+                <a16:creationId xmlns:a16="http://schemas.microsoft.com/office/drawing/2014/main" xmlns="" id="{2CFF87A5-7472-22DC-030C-A3CCBBC3E824}"/>
               </a:ext>
             </a:extLst>
           </p:cNvPr>
@@ -9648,7 +14618,7 @@
           <p:cNvPr id="3" name="Content Placeholder 2">
             <a:extLst>
               <a:ext uri="{FF2B5EF4-FFF2-40B4-BE49-F238E27FC236}">
-                <a16:creationId xmlns:a16="http://schemas.microsoft.com/office/drawing/2014/main" id="{1702553A-B321-D7AA-C0CD-A58D1C15FC38}"/>
+                <a16:creationId xmlns:a16="http://schemas.microsoft.com/office/drawing/2014/main" xmlns="" id="{1702553A-B321-D7AA-C0CD-A58D1C15FC38}"/>
               </a:ext>
             </a:extLst>
           </p:cNvPr>
@@ -9721,7 +14691,7 @@
           <p:cNvPr id="8" name="Ribbon: Curved and Tilted Down 7">
             <a:extLst>
               <a:ext uri="{FF2B5EF4-FFF2-40B4-BE49-F238E27FC236}">
-                <a16:creationId xmlns:a16="http://schemas.microsoft.com/office/drawing/2014/main" id="{C52AE18F-E34C-AFB6-7EA6-F589DEF7B3D0}"/>
+                <a16:creationId xmlns:a16="http://schemas.microsoft.com/office/drawing/2014/main" xmlns="" id="{C52AE18F-E34C-AFB6-7EA6-F589DEF7B3D0}"/>
               </a:ext>
             </a:extLst>
           </p:cNvPr>
@@ -9794,7 +14764,7 @@
           <p:cNvPr id="9" name="Scroll: Vertical 8">
             <a:extLst>
               <a:ext uri="{FF2B5EF4-FFF2-40B4-BE49-F238E27FC236}">
-                <a16:creationId xmlns:a16="http://schemas.microsoft.com/office/drawing/2014/main" id="{18A95ECD-6D24-C669-0CF8-39F3FBCDDA47}"/>
+                <a16:creationId xmlns:a16="http://schemas.microsoft.com/office/drawing/2014/main" xmlns="" id="{18A95ECD-6D24-C669-0CF8-39F3FBCDDA47}"/>
               </a:ext>
             </a:extLst>
           </p:cNvPr>
@@ -10061,10 +15031,56 @@
           </a:p>
         </p:txBody>
       </p:sp>
+      <p:sp>
+        <p:nvSpPr>
+          <p:cNvPr id="6" name="TextBox 5"/>
+          <p:cNvSpPr txBox="1"/>
+          <p:nvPr/>
+        </p:nvSpPr>
+        <p:spPr>
+          <a:xfrm>
+            <a:off x="9614263" y="801189"/>
+            <a:ext cx="1316386" cy="369332"/>
+          </a:xfrm>
+          <a:prstGeom prst="rect">
+            <a:avLst/>
+          </a:prstGeom>
+          <a:noFill/>
+        </p:spPr>
+        <p:txBody>
+          <a:bodyPr wrap="none" rtlCol="0">
+            <a:spAutoFit/>
+          </a:bodyPr>
+          <a:lstStyle/>
+          <a:p>
+            <a:r>
+              <a:rPr lang="en-IN" b="1" dirty="0" smtClean="0">
+                <a:solidFill>
+                  <a:schemeClr val="accent2">
+                    <a:lumMod val="60000"/>
+                    <a:lumOff val="40000"/>
+                  </a:schemeClr>
+                </a:solidFill>
+                <a:latin typeface="Bahnschrift SemiLight" pitchFamily="34" charset="0"/>
+              </a:rPr>
+              <a:t>Chapter - 1</a:t>
+            </a:r>
+            <a:endParaRPr lang="en-US" b="1" dirty="0">
+              <a:solidFill>
+                <a:schemeClr val="accent2">
+                  <a:lumMod val="60000"/>
+                  <a:lumOff val="40000"/>
+                </a:schemeClr>
+              </a:solidFill>
+              <a:latin typeface="Bahnschrift SemiLight" pitchFamily="34" charset="0"/>
+            </a:endParaRPr>
+          </a:p>
+        </p:txBody>
+      </p:sp>
     </p:spTree>
     <p:extLst>
       <p:ext uri="{BB962C8B-B14F-4D97-AF65-F5344CB8AC3E}">
-        <p14:creationId xmlns:p14="http://schemas.microsoft.com/office/powerpoint/2010/main" val="1870717373"/>
+        <p14:creationId xmlns:p14="http://schemas.microsoft.com/office/powerpoint/2010/main" xmlns="" val="1870717373"/>
       </p:ext>
     </p:extLst>
   </p:cSld>
@@ -10082,7 +15098,7 @@
         <p:cNvPr id="1" name="">
           <a:extLst>
             <a:ext uri="{FF2B5EF4-FFF2-40B4-BE49-F238E27FC236}">
-              <a16:creationId xmlns:a16="http://schemas.microsoft.com/office/drawing/2014/main" id="{D224F207-D856-6E6D-9995-159800F589CD}"/>
+              <a16:creationId xmlns:a16="http://schemas.microsoft.com/office/drawing/2014/main" xmlns="" id="{D224F207-D856-6E6D-9995-159800F589CD}"/>
             </a:ext>
           </a:extLst>
         </p:cNvPr>
@@ -10102,7 +15118,7 @@
           <p:cNvPr id="5" name="Title 8">
             <a:extLst>
               <a:ext uri="{FF2B5EF4-FFF2-40B4-BE49-F238E27FC236}">
-                <a16:creationId xmlns:a16="http://schemas.microsoft.com/office/drawing/2014/main" id="{2773E7F4-011C-1186-0E83-1852CC157898}"/>
+                <a16:creationId xmlns:a16="http://schemas.microsoft.com/office/drawing/2014/main" xmlns="" id="{2773E7F4-011C-1186-0E83-1852CC157898}"/>
               </a:ext>
             </a:extLst>
           </p:cNvPr>
@@ -10142,7 +15158,7 @@
           <p:cNvPr id="3" name="Content Placeholder 2">
             <a:extLst>
               <a:ext uri="{FF2B5EF4-FFF2-40B4-BE49-F238E27FC236}">
-                <a16:creationId xmlns:a16="http://schemas.microsoft.com/office/drawing/2014/main" id="{9466D7CB-A484-F4DC-1247-3B0F9708D05F}"/>
+                <a16:creationId xmlns:a16="http://schemas.microsoft.com/office/drawing/2014/main" xmlns="" id="{9466D7CB-A484-F4DC-1247-3B0F9708D05F}"/>
               </a:ext>
             </a:extLst>
           </p:cNvPr>
@@ -10189,7 +15205,7 @@
           <p:cNvPr id="6" name="Ribbon: Curved and Tilted Down 5">
             <a:extLst>
               <a:ext uri="{FF2B5EF4-FFF2-40B4-BE49-F238E27FC236}">
-                <a16:creationId xmlns:a16="http://schemas.microsoft.com/office/drawing/2014/main" id="{DA6F4F8F-5ABC-21EF-A2AB-B0F4B5058194}"/>
+                <a16:creationId xmlns:a16="http://schemas.microsoft.com/office/drawing/2014/main" xmlns="" id="{DA6F4F8F-5ABC-21EF-A2AB-B0F4B5058194}"/>
               </a:ext>
             </a:extLst>
           </p:cNvPr>
@@ -10262,7 +15278,7 @@
           <p:cNvPr id="7" name="Scroll: Vertical 6">
             <a:extLst>
               <a:ext uri="{FF2B5EF4-FFF2-40B4-BE49-F238E27FC236}">
-                <a16:creationId xmlns:a16="http://schemas.microsoft.com/office/drawing/2014/main" id="{694A0A23-21B4-6D65-E96A-AD1A0AC04FCC}"/>
+                <a16:creationId xmlns:a16="http://schemas.microsoft.com/office/drawing/2014/main" xmlns="" id="{694A0A23-21B4-6D65-E96A-AD1A0AC04FCC}"/>
               </a:ext>
             </a:extLst>
           </p:cNvPr>
@@ -10529,10 +15545,56 @@
           </a:p>
         </p:txBody>
       </p:sp>
+      <p:sp>
+        <p:nvSpPr>
+          <p:cNvPr id="8" name="TextBox 7"/>
+          <p:cNvSpPr txBox="1"/>
+          <p:nvPr/>
+        </p:nvSpPr>
+        <p:spPr>
+          <a:xfrm>
+            <a:off x="9614263" y="801189"/>
+            <a:ext cx="1316386" cy="369332"/>
+          </a:xfrm>
+          <a:prstGeom prst="rect">
+            <a:avLst/>
+          </a:prstGeom>
+          <a:noFill/>
+        </p:spPr>
+        <p:txBody>
+          <a:bodyPr wrap="none" rtlCol="0">
+            <a:spAutoFit/>
+          </a:bodyPr>
+          <a:lstStyle/>
+          <a:p>
+            <a:r>
+              <a:rPr lang="en-IN" b="1" dirty="0" smtClean="0">
+                <a:solidFill>
+                  <a:schemeClr val="accent2">
+                    <a:lumMod val="60000"/>
+                    <a:lumOff val="40000"/>
+                  </a:schemeClr>
+                </a:solidFill>
+                <a:latin typeface="Bahnschrift SemiLight" pitchFamily="34" charset="0"/>
+              </a:rPr>
+              <a:t>Chapter - 1</a:t>
+            </a:r>
+            <a:endParaRPr lang="en-US" b="1" dirty="0">
+              <a:solidFill>
+                <a:schemeClr val="accent2">
+                  <a:lumMod val="60000"/>
+                  <a:lumOff val="40000"/>
+                </a:schemeClr>
+              </a:solidFill>
+              <a:latin typeface="Bahnschrift SemiLight" pitchFamily="34" charset="0"/>
+            </a:endParaRPr>
+          </a:p>
+        </p:txBody>
+      </p:sp>
     </p:spTree>
     <p:extLst>
       <p:ext uri="{BB962C8B-B14F-4D97-AF65-F5344CB8AC3E}">
-        <p14:creationId xmlns:p14="http://schemas.microsoft.com/office/powerpoint/2010/main" val="755787835"/>
+        <p14:creationId xmlns:p14="http://schemas.microsoft.com/office/powerpoint/2010/main" xmlns="" val="755787835"/>
       </p:ext>
     </p:extLst>
   </p:cSld>
@@ -10550,7 +15612,7 @@
         <p:cNvPr id="1" name="">
           <a:extLst>
             <a:ext uri="{FF2B5EF4-FFF2-40B4-BE49-F238E27FC236}">
-              <a16:creationId xmlns:a16="http://schemas.microsoft.com/office/drawing/2014/main" id="{517DE5E6-801F-A2FD-C03F-6F5486821075}"/>
+              <a16:creationId xmlns:a16="http://schemas.microsoft.com/office/drawing/2014/main" xmlns="" id="{517DE5E6-801F-A2FD-C03F-6F5486821075}"/>
             </a:ext>
           </a:extLst>
         </p:cNvPr>
@@ -10570,7 +15632,7 @@
           <p:cNvPr id="2" name="Title 1">
             <a:extLst>
               <a:ext uri="{FF2B5EF4-FFF2-40B4-BE49-F238E27FC236}">
-                <a16:creationId xmlns:a16="http://schemas.microsoft.com/office/drawing/2014/main" id="{5F9D859A-CC6B-038D-5AE0-901278C3F6CE}"/>
+                <a16:creationId xmlns:a16="http://schemas.microsoft.com/office/drawing/2014/main" xmlns="" id="{5F9D859A-CC6B-038D-5AE0-901278C3F6CE}"/>
               </a:ext>
             </a:extLst>
           </p:cNvPr>
@@ -10608,7 +15670,7 @@
           <p:cNvPr id="3" name="Content Placeholder 2">
             <a:extLst>
               <a:ext uri="{FF2B5EF4-FFF2-40B4-BE49-F238E27FC236}">
-                <a16:creationId xmlns:a16="http://schemas.microsoft.com/office/drawing/2014/main" id="{E5BE3A65-ADA6-AEAF-69B6-B9779A59851F}"/>
+                <a16:creationId xmlns:a16="http://schemas.microsoft.com/office/drawing/2014/main" xmlns="" id="{E5BE3A65-ADA6-AEAF-69B6-B9779A59851F}"/>
               </a:ext>
             </a:extLst>
           </p:cNvPr>
@@ -10649,7 +15711,7 @@
           <p:cNvPr id="6" name="Ribbon: Curved and Tilted Down 5">
             <a:extLst>
               <a:ext uri="{FF2B5EF4-FFF2-40B4-BE49-F238E27FC236}">
-                <a16:creationId xmlns:a16="http://schemas.microsoft.com/office/drawing/2014/main" id="{571A9BAF-7164-4534-E0BD-EE0EDF7090A3}"/>
+                <a16:creationId xmlns:a16="http://schemas.microsoft.com/office/drawing/2014/main" xmlns="" id="{571A9BAF-7164-4534-E0BD-EE0EDF7090A3}"/>
               </a:ext>
             </a:extLst>
           </p:cNvPr>
@@ -10722,7 +15784,7 @@
           <p:cNvPr id="7" name="Scroll: Vertical 6">
             <a:extLst>
               <a:ext uri="{FF2B5EF4-FFF2-40B4-BE49-F238E27FC236}">
-                <a16:creationId xmlns:a16="http://schemas.microsoft.com/office/drawing/2014/main" id="{82B3A4DF-1DDB-DA3D-C01E-CA4956EC89D7}"/>
+                <a16:creationId xmlns:a16="http://schemas.microsoft.com/office/drawing/2014/main" xmlns="" id="{82B3A4DF-1DDB-DA3D-C01E-CA4956EC89D7}"/>
               </a:ext>
             </a:extLst>
           </p:cNvPr>
@@ -10989,10 +16051,56 @@
           </a:p>
         </p:txBody>
       </p:sp>
+      <p:sp>
+        <p:nvSpPr>
+          <p:cNvPr id="8" name="TextBox 7"/>
+          <p:cNvSpPr txBox="1"/>
+          <p:nvPr/>
+        </p:nvSpPr>
+        <p:spPr>
+          <a:xfrm>
+            <a:off x="9614263" y="801189"/>
+            <a:ext cx="1316386" cy="369332"/>
+          </a:xfrm>
+          <a:prstGeom prst="rect">
+            <a:avLst/>
+          </a:prstGeom>
+          <a:noFill/>
+        </p:spPr>
+        <p:txBody>
+          <a:bodyPr wrap="none" rtlCol="0">
+            <a:spAutoFit/>
+          </a:bodyPr>
+          <a:lstStyle/>
+          <a:p>
+            <a:r>
+              <a:rPr lang="en-IN" b="1" dirty="0" smtClean="0">
+                <a:solidFill>
+                  <a:schemeClr val="accent2">
+                    <a:lumMod val="60000"/>
+                    <a:lumOff val="40000"/>
+                  </a:schemeClr>
+                </a:solidFill>
+                <a:latin typeface="Bahnschrift SemiLight" pitchFamily="34" charset="0"/>
+              </a:rPr>
+              <a:t>Chapter - 1</a:t>
+            </a:r>
+            <a:endParaRPr lang="en-US" b="1" dirty="0">
+              <a:solidFill>
+                <a:schemeClr val="accent2">
+                  <a:lumMod val="60000"/>
+                  <a:lumOff val="40000"/>
+                </a:schemeClr>
+              </a:solidFill>
+              <a:latin typeface="Bahnschrift SemiLight" pitchFamily="34" charset="0"/>
+            </a:endParaRPr>
+          </a:p>
+        </p:txBody>
+      </p:sp>
     </p:spTree>
     <p:extLst>
       <p:ext uri="{BB962C8B-B14F-4D97-AF65-F5344CB8AC3E}">
-        <p14:creationId xmlns:p14="http://schemas.microsoft.com/office/powerpoint/2010/main" val="3160480842"/>
+        <p14:creationId xmlns:p14="http://schemas.microsoft.com/office/powerpoint/2010/main" xmlns="" val="3160480842"/>
       </p:ext>
     </p:extLst>
   </p:cSld>
@@ -11045,7 +16153,7 @@
     </a:clrScheme>
     <a:fontScheme name="Facet">
       <a:majorFont>
-        <a:latin typeface="Trebuchet MS" panose="020B0603020202020204"/>
+        <a:latin typeface="Trebuchet MS"/>
         <a:ea typeface=""/>
         <a:cs typeface=""/>
         <a:font script="Jpan" typeface="メイリオ"/>
@@ -11080,7 +16188,7 @@
         <a:font script="Geor" typeface="Sylfaen"/>
       </a:majorFont>
       <a:minorFont>
-        <a:latin typeface="Trebuchet MS" panose="020B0603020202020204"/>
+        <a:latin typeface="Trebuchet MS"/>
         <a:ea typeface=""/>
         <a:cs typeface=""/>
         <a:font script="Jpan" typeface="メイリオ"/>
@@ -11253,7 +16361,7 @@
   <a:extraClrSchemeLst/>
   <a:extLst>
     <a:ext uri="{05A4C25C-085E-4340-85A3-A5531E510DB2}">
-      <thm15:themeFamily xmlns:thm15="http://schemas.microsoft.com/office/thememl/2012/main" name="Facet" id="{C0C680CD-088A-49FC-A102-D699147F32B2}" vid="{8C59B386-999D-4CB6-B907-9F3997C027CC}"/>
+      <thm15:themeFamily xmlns:thm15="http://schemas.microsoft.com/office/thememl/2012/main" xmlns="" name="Facet" id="{C0C680CD-088A-49FC-A102-D699147F32B2}" vid="{8C59B386-999D-4CB6-B907-9F3997C027CC}"/>
     </a:ext>
   </a:extLst>
 </a:theme>

--- a/Javascript Tutorials.pptx
+++ b/Javascript Tutorials.pptx
@@ -23,8 +23,9 @@
     <p:sldId id="271" r:id="rId17"/>
     <p:sldId id="272" r:id="rId18"/>
     <p:sldId id="273" r:id="rId19"/>
-    <p:sldId id="274" r:id="rId20"/>
-    <p:sldId id="275" r:id="rId21"/>
+    <p:sldId id="276" r:id="rId20"/>
+    <p:sldId id="274" r:id="rId21"/>
+    <p:sldId id="275" r:id="rId22"/>
   </p:sldIdLst>
   <p:sldSz cx="12192000" cy="6858000"/>
   <p:notesSz cx="6858000" cy="9144000"/>
@@ -123,6 +124,22 @@
       </a:defRPr>
     </a:lvl9pPr>
   </p:defaultTextStyle>
+  <p:extLst>
+    <p:ext uri="{EFAFB233-063F-42B5-8137-9DF3F51BA10A}">
+      <p15:sldGuideLst xmlns:p15="http://schemas.microsoft.com/office/powerpoint/2012/main">
+        <p15:guide id="1" orient="horz" pos="2160">
+          <p15:clr>
+            <a:srgbClr val="A4A3A4"/>
+          </p15:clr>
+        </p15:guide>
+        <p15:guide id="2" pos="3840">
+          <p15:clr>
+            <a:srgbClr val="A4A3A4"/>
+          </p15:clr>
+        </p15:guide>
+      </p15:sldGuideLst>
+    </p:ext>
+  </p:extLst>
 </p:presentation>
 </file>
 
@@ -903,7 +920,7 @@
     </p:spTree>
     <p:extLst>
       <p:ext uri="{BB962C8B-B14F-4D97-AF65-F5344CB8AC3E}">
-        <p14:creationId xmlns:p14="http://schemas.microsoft.com/office/powerpoint/2010/main" xmlns="" val="2121369331"/>
+        <p14:creationId xmlns:p14="http://schemas.microsoft.com/office/powerpoint/2010/main" val="2121369331"/>
       </p:ext>
     </p:extLst>
   </p:cSld>
@@ -1156,7 +1173,7 @@
     </p:spTree>
     <p:extLst>
       <p:ext uri="{BB962C8B-B14F-4D97-AF65-F5344CB8AC3E}">
-        <p14:creationId xmlns:p14="http://schemas.microsoft.com/office/powerpoint/2010/main" xmlns="" val="4277845334"/>
+        <p14:creationId xmlns:p14="http://schemas.microsoft.com/office/powerpoint/2010/main" val="4277845334"/>
       </p:ext>
     </p:extLst>
   </p:cSld>
@@ -1548,7 +1565,7 @@
     </p:spTree>
     <p:extLst>
       <p:ext uri="{BB962C8B-B14F-4D97-AF65-F5344CB8AC3E}">
-        <p14:creationId xmlns:p14="http://schemas.microsoft.com/office/powerpoint/2010/main" xmlns="" val="4103336880"/>
+        <p14:creationId xmlns:p14="http://schemas.microsoft.com/office/powerpoint/2010/main" val="4103336880"/>
       </p:ext>
     </p:extLst>
   </p:cSld>
@@ -1801,7 +1818,7 @@
     </p:spTree>
     <p:extLst>
       <p:ext uri="{BB962C8B-B14F-4D97-AF65-F5344CB8AC3E}">
-        <p14:creationId xmlns:p14="http://schemas.microsoft.com/office/powerpoint/2010/main" xmlns="" val="2317848287"/>
+        <p14:creationId xmlns:p14="http://schemas.microsoft.com/office/powerpoint/2010/main" val="2317848287"/>
       </p:ext>
     </p:extLst>
   </p:cSld>
@@ -2193,7 +2210,7 @@
     </p:spTree>
     <p:extLst>
       <p:ext uri="{BB962C8B-B14F-4D97-AF65-F5344CB8AC3E}">
-        <p14:creationId xmlns:p14="http://schemas.microsoft.com/office/powerpoint/2010/main" xmlns="" val="4054754721"/>
+        <p14:creationId xmlns:p14="http://schemas.microsoft.com/office/powerpoint/2010/main" val="4054754721"/>
       </p:ext>
     </p:extLst>
   </p:cSld>
@@ -2506,7 +2523,7 @@
     </p:spTree>
     <p:extLst>
       <p:ext uri="{BB962C8B-B14F-4D97-AF65-F5344CB8AC3E}">
-        <p14:creationId xmlns:p14="http://schemas.microsoft.com/office/powerpoint/2010/main" xmlns="" val="3698809145"/>
+        <p14:creationId xmlns:p14="http://schemas.microsoft.com/office/powerpoint/2010/main" val="3698809145"/>
       </p:ext>
     </p:extLst>
   </p:cSld>
@@ -2678,7 +2695,7 @@
     </p:spTree>
     <p:extLst>
       <p:ext uri="{BB962C8B-B14F-4D97-AF65-F5344CB8AC3E}">
-        <p14:creationId xmlns:p14="http://schemas.microsoft.com/office/powerpoint/2010/main" xmlns="" val="4102912012"/>
+        <p14:creationId xmlns:p14="http://schemas.microsoft.com/office/powerpoint/2010/main" val="4102912012"/>
       </p:ext>
     </p:extLst>
   </p:cSld>
@@ -2860,7 +2877,7 @@
     </p:spTree>
     <p:extLst>
       <p:ext uri="{BB962C8B-B14F-4D97-AF65-F5344CB8AC3E}">
-        <p14:creationId xmlns:p14="http://schemas.microsoft.com/office/powerpoint/2010/main" xmlns="" val="1199620941"/>
+        <p14:creationId xmlns:p14="http://schemas.microsoft.com/office/powerpoint/2010/main" val="1199620941"/>
       </p:ext>
     </p:extLst>
   </p:cSld>
@@ -3038,7 +3055,7 @@
     </p:spTree>
     <p:extLst>
       <p:ext uri="{BB962C8B-B14F-4D97-AF65-F5344CB8AC3E}">
-        <p14:creationId xmlns:p14="http://schemas.microsoft.com/office/powerpoint/2010/main" xmlns="" val="901355798"/>
+        <p14:creationId xmlns:p14="http://schemas.microsoft.com/office/powerpoint/2010/main" val="901355798"/>
       </p:ext>
     </p:extLst>
   </p:cSld>
@@ -3287,7 +3304,7 @@
     </p:spTree>
     <p:extLst>
       <p:ext uri="{BB962C8B-B14F-4D97-AF65-F5344CB8AC3E}">
-        <p14:creationId xmlns:p14="http://schemas.microsoft.com/office/powerpoint/2010/main" xmlns="" val="351019068"/>
+        <p14:creationId xmlns:p14="http://schemas.microsoft.com/office/powerpoint/2010/main" val="351019068"/>
       </p:ext>
     </p:extLst>
   </p:cSld>
@@ -3521,7 +3538,7 @@
     </p:spTree>
     <p:extLst>
       <p:ext uri="{BB962C8B-B14F-4D97-AF65-F5344CB8AC3E}">
-        <p14:creationId xmlns:p14="http://schemas.microsoft.com/office/powerpoint/2010/main" xmlns="" val="3037334119"/>
+        <p14:creationId xmlns:p14="http://schemas.microsoft.com/office/powerpoint/2010/main" val="3037334119"/>
       </p:ext>
     </p:extLst>
   </p:cSld>
@@ -3897,7 +3914,7 @@
     </p:spTree>
     <p:extLst>
       <p:ext uri="{BB962C8B-B14F-4D97-AF65-F5344CB8AC3E}">
-        <p14:creationId xmlns:p14="http://schemas.microsoft.com/office/powerpoint/2010/main" xmlns="" val="3959179014"/>
+        <p14:creationId xmlns:p14="http://schemas.microsoft.com/office/powerpoint/2010/main" val="3959179014"/>
       </p:ext>
     </p:extLst>
   </p:cSld>
@@ -4022,7 +4039,7 @@
     </p:spTree>
     <p:extLst>
       <p:ext uri="{BB962C8B-B14F-4D97-AF65-F5344CB8AC3E}">
-        <p14:creationId xmlns:p14="http://schemas.microsoft.com/office/powerpoint/2010/main" xmlns="" val="143817896"/>
+        <p14:creationId xmlns:p14="http://schemas.microsoft.com/office/powerpoint/2010/main" val="143817896"/>
       </p:ext>
     </p:extLst>
   </p:cSld>
@@ -4119,7 +4136,7 @@
     </p:spTree>
     <p:extLst>
       <p:ext uri="{BB962C8B-B14F-4D97-AF65-F5344CB8AC3E}">
-        <p14:creationId xmlns:p14="http://schemas.microsoft.com/office/powerpoint/2010/main" xmlns="" val="1053529793"/>
+        <p14:creationId xmlns:p14="http://schemas.microsoft.com/office/powerpoint/2010/main" val="1053529793"/>
       </p:ext>
     </p:extLst>
   </p:cSld>
@@ -4376,7 +4393,7 @@
     </p:spTree>
     <p:extLst>
       <p:ext uri="{BB962C8B-B14F-4D97-AF65-F5344CB8AC3E}">
-        <p14:creationId xmlns:p14="http://schemas.microsoft.com/office/powerpoint/2010/main" xmlns="" val="1549564702"/>
+        <p14:creationId xmlns:p14="http://schemas.microsoft.com/office/powerpoint/2010/main" val="1549564702"/>
       </p:ext>
     </p:extLst>
   </p:cSld>
@@ -4641,7 +4658,7 @@
     </p:spTree>
     <p:extLst>
       <p:ext uri="{BB962C8B-B14F-4D97-AF65-F5344CB8AC3E}">
-        <p14:creationId xmlns:p14="http://schemas.microsoft.com/office/powerpoint/2010/main" xmlns="" val="1708776435"/>
+        <p14:creationId xmlns:p14="http://schemas.microsoft.com/office/powerpoint/2010/main" val="1708776435"/>
       </p:ext>
     </p:extLst>
   </p:cSld>
@@ -5422,7 +5439,7 @@
     </p:spTree>
     <p:extLst>
       <p:ext uri="{BB962C8B-B14F-4D97-AF65-F5344CB8AC3E}">
-        <p14:creationId xmlns:p14="http://schemas.microsoft.com/office/powerpoint/2010/main" xmlns="" val="121865681"/>
+        <p14:creationId xmlns:p14="http://schemas.microsoft.com/office/powerpoint/2010/main" val="121865681"/>
       </p:ext>
     </p:extLst>
   </p:cSld>
@@ -5866,7 +5883,7 @@
           <p:cNvPr id="2" name="Title 1">
             <a:extLst>
               <a:ext uri="{FF2B5EF4-FFF2-40B4-BE49-F238E27FC236}">
-                <a16:creationId xmlns:a16="http://schemas.microsoft.com/office/drawing/2014/main" xmlns="" id="{EC93423C-79E8-2701-DB3F-2D4CA67D7A87}"/>
+                <a16:creationId xmlns:a16="http://schemas.microsoft.com/office/drawing/2014/main" id="{EC93423C-79E8-2701-DB3F-2D4CA67D7A87}"/>
               </a:ext>
             </a:extLst>
           </p:cNvPr>
@@ -5919,7 +5936,7 @@
           <p:cNvPr id="3" name="Subtitle 2">
             <a:extLst>
               <a:ext uri="{FF2B5EF4-FFF2-40B4-BE49-F238E27FC236}">
-                <a16:creationId xmlns:a16="http://schemas.microsoft.com/office/drawing/2014/main" xmlns="" id="{2A629AF9-FA04-B477-0E47-5B7F12E6FC7C}"/>
+                <a16:creationId xmlns:a16="http://schemas.microsoft.com/office/drawing/2014/main" id="{2A629AF9-FA04-B477-0E47-5B7F12E6FC7C}"/>
               </a:ext>
             </a:extLst>
           </p:cNvPr>
@@ -5955,7 +5972,7 @@
           <p:cNvPr id="4" name="TextBox 3">
             <a:extLst>
               <a:ext uri="{FF2B5EF4-FFF2-40B4-BE49-F238E27FC236}">
-                <a16:creationId xmlns:a16="http://schemas.microsoft.com/office/drawing/2014/main" xmlns="" id="{4BC27C14-3D93-9CDE-B1D8-91C6ACAF4DA4}"/>
+                <a16:creationId xmlns:a16="http://schemas.microsoft.com/office/drawing/2014/main" id="{4BC27C14-3D93-9CDE-B1D8-91C6ACAF4DA4}"/>
               </a:ext>
             </a:extLst>
           </p:cNvPr>
@@ -6004,7 +6021,7 @@
     </p:spTree>
     <p:extLst>
       <p:ext uri="{BB962C8B-B14F-4D97-AF65-F5344CB8AC3E}">
-        <p14:creationId xmlns:p14="http://schemas.microsoft.com/office/powerpoint/2010/main" xmlns="" val="889777050"/>
+        <p14:creationId xmlns:p14="http://schemas.microsoft.com/office/powerpoint/2010/main" val="889777050"/>
       </p:ext>
     </p:extLst>
   </p:cSld>
@@ -6022,7 +6039,7 @@
         <p:cNvPr id="1" name="">
           <a:extLst>
             <a:ext uri="{FF2B5EF4-FFF2-40B4-BE49-F238E27FC236}">
-              <a16:creationId xmlns:a16="http://schemas.microsoft.com/office/drawing/2014/main" xmlns="" id="{253BBDB7-3E52-64BD-6E92-66253059D34C}"/>
+              <a16:creationId xmlns:a16="http://schemas.microsoft.com/office/drawing/2014/main" id="{253BBDB7-3E52-64BD-6E92-66253059D34C}"/>
             </a:ext>
           </a:extLst>
         </p:cNvPr>
@@ -6042,7 +6059,7 @@
           <p:cNvPr id="2" name="Title 1">
             <a:extLst>
               <a:ext uri="{FF2B5EF4-FFF2-40B4-BE49-F238E27FC236}">
-                <a16:creationId xmlns:a16="http://schemas.microsoft.com/office/drawing/2014/main" xmlns="" id="{E55678BE-607F-2A2B-B318-30B2DA7F29B3}"/>
+                <a16:creationId xmlns:a16="http://schemas.microsoft.com/office/drawing/2014/main" id="{E55678BE-607F-2A2B-B318-30B2DA7F29B3}"/>
               </a:ext>
             </a:extLst>
           </p:cNvPr>
@@ -6079,7 +6096,7 @@
           <p:cNvPr id="3" name="Content Placeholder 2">
             <a:extLst>
               <a:ext uri="{FF2B5EF4-FFF2-40B4-BE49-F238E27FC236}">
-                <a16:creationId xmlns:a16="http://schemas.microsoft.com/office/drawing/2014/main" xmlns="" id="{A5951AC9-1751-ACAB-8097-E6D486A5D62D}"/>
+                <a16:creationId xmlns:a16="http://schemas.microsoft.com/office/drawing/2014/main" id="{A5951AC9-1751-ACAB-8097-E6D486A5D62D}"/>
               </a:ext>
             </a:extLst>
           </p:cNvPr>
@@ -6134,7 +6151,7 @@
           <p:cNvPr id="5" name="Ribbon: Curved and Tilted Down 4">
             <a:extLst>
               <a:ext uri="{FF2B5EF4-FFF2-40B4-BE49-F238E27FC236}">
-                <a16:creationId xmlns:a16="http://schemas.microsoft.com/office/drawing/2014/main" xmlns="" id="{29648F54-4274-51BA-8F35-F8C888E0A19B}"/>
+                <a16:creationId xmlns:a16="http://schemas.microsoft.com/office/drawing/2014/main" id="{29648F54-4274-51BA-8F35-F8C888E0A19B}"/>
               </a:ext>
             </a:extLst>
           </p:cNvPr>
@@ -6207,7 +6224,7 @@
           <p:cNvPr id="6" name="Scroll: Vertical 5">
             <a:extLst>
               <a:ext uri="{FF2B5EF4-FFF2-40B4-BE49-F238E27FC236}">
-                <a16:creationId xmlns:a16="http://schemas.microsoft.com/office/drawing/2014/main" xmlns="" id="{E3C4F40D-DC8F-F75B-7F98-E5029EC432CA}"/>
+                <a16:creationId xmlns:a16="http://schemas.microsoft.com/office/drawing/2014/main" id="{E3C4F40D-DC8F-F75B-7F98-E5029EC432CA}"/>
               </a:ext>
             </a:extLst>
           </p:cNvPr>
@@ -6497,7 +6514,7 @@
           <a:lstStyle/>
           <a:p>
             <a:r>
-              <a:rPr lang="en-IN" b="1" dirty="0" smtClean="0">
+              <a:rPr lang="en-IN" b="1" dirty="0">
                 <a:solidFill>
                   <a:schemeClr val="accent2">
                     <a:lumMod val="60000"/>
@@ -6523,7 +6540,7 @@
     </p:spTree>
     <p:extLst>
       <p:ext uri="{BB962C8B-B14F-4D97-AF65-F5344CB8AC3E}">
-        <p14:creationId xmlns:p14="http://schemas.microsoft.com/office/powerpoint/2010/main" xmlns="" val="609828687"/>
+        <p14:creationId xmlns:p14="http://schemas.microsoft.com/office/powerpoint/2010/main" val="609828687"/>
       </p:ext>
     </p:extLst>
   </p:cSld>
@@ -6541,7 +6558,7 @@
         <p:cNvPr id="1" name="">
           <a:extLst>
             <a:ext uri="{FF2B5EF4-FFF2-40B4-BE49-F238E27FC236}">
-              <a16:creationId xmlns:a16="http://schemas.microsoft.com/office/drawing/2014/main" xmlns="" id="{4586E9D7-F5F8-14CC-9DF6-FC4AF2EA4249}"/>
+              <a16:creationId xmlns:a16="http://schemas.microsoft.com/office/drawing/2014/main" id="{4586E9D7-F5F8-14CC-9DF6-FC4AF2EA4249}"/>
             </a:ext>
           </a:extLst>
         </p:cNvPr>
@@ -6561,7 +6578,7 @@
           <p:cNvPr id="2" name="Title 1">
             <a:extLst>
               <a:ext uri="{FF2B5EF4-FFF2-40B4-BE49-F238E27FC236}">
-                <a16:creationId xmlns:a16="http://schemas.microsoft.com/office/drawing/2014/main" xmlns="" id="{D8B67155-694F-FF61-7CDD-33A20A316215}"/>
+                <a16:creationId xmlns:a16="http://schemas.microsoft.com/office/drawing/2014/main" id="{D8B67155-694F-FF61-7CDD-33A20A316215}"/>
               </a:ext>
             </a:extLst>
           </p:cNvPr>
@@ -6598,7 +6615,7 @@
           <p:cNvPr id="3" name="Content Placeholder 2">
             <a:extLst>
               <a:ext uri="{FF2B5EF4-FFF2-40B4-BE49-F238E27FC236}">
-                <a16:creationId xmlns:a16="http://schemas.microsoft.com/office/drawing/2014/main" xmlns="" id="{2A53D2DA-721D-FC7E-8E09-BCBD844B6F9F}"/>
+                <a16:creationId xmlns:a16="http://schemas.microsoft.com/office/drawing/2014/main" id="{2A53D2DA-721D-FC7E-8E09-BCBD844B6F9F}"/>
               </a:ext>
             </a:extLst>
           </p:cNvPr>
@@ -6706,7 +6723,7 @@
           <p:cNvPr id="5" name="Ribbon: Curved and Tilted Down 4">
             <a:extLst>
               <a:ext uri="{FF2B5EF4-FFF2-40B4-BE49-F238E27FC236}">
-                <a16:creationId xmlns:a16="http://schemas.microsoft.com/office/drawing/2014/main" xmlns="" id="{3FA23525-E3EA-B8CB-FD6A-53084CA847A7}"/>
+                <a16:creationId xmlns:a16="http://schemas.microsoft.com/office/drawing/2014/main" id="{3FA23525-E3EA-B8CB-FD6A-53084CA847A7}"/>
               </a:ext>
             </a:extLst>
           </p:cNvPr>
@@ -6779,7 +6796,7 @@
           <p:cNvPr id="6" name="Scroll: Vertical 5">
             <a:extLst>
               <a:ext uri="{FF2B5EF4-FFF2-40B4-BE49-F238E27FC236}">
-                <a16:creationId xmlns:a16="http://schemas.microsoft.com/office/drawing/2014/main" xmlns="" id="{1A4C732A-2840-82C8-A359-298D925E33B3}"/>
+                <a16:creationId xmlns:a16="http://schemas.microsoft.com/office/drawing/2014/main" id="{1A4C732A-2840-82C8-A359-298D925E33B3}"/>
               </a:ext>
             </a:extLst>
           </p:cNvPr>
@@ -7069,7 +7086,7 @@
           <a:lstStyle/>
           <a:p>
             <a:r>
-              <a:rPr lang="en-IN" b="1" dirty="0" smtClean="0">
+              <a:rPr lang="en-IN" b="1" dirty="0">
                 <a:solidFill>
                   <a:schemeClr val="accent2">
                     <a:lumMod val="60000"/>
@@ -7095,7 +7112,7 @@
     </p:spTree>
     <p:extLst>
       <p:ext uri="{BB962C8B-B14F-4D97-AF65-F5344CB8AC3E}">
-        <p14:creationId xmlns:p14="http://schemas.microsoft.com/office/powerpoint/2010/main" xmlns="" val="3002471670"/>
+        <p14:creationId xmlns:p14="http://schemas.microsoft.com/office/powerpoint/2010/main" val="3002471670"/>
       </p:ext>
     </p:extLst>
   </p:cSld>
@@ -7127,7 +7144,7 @@
           <p:cNvPr id="9" name="Explosion: 14 Points 8">
             <a:extLst>
               <a:ext uri="{FF2B5EF4-FFF2-40B4-BE49-F238E27FC236}">
-                <a16:creationId xmlns:a16="http://schemas.microsoft.com/office/drawing/2014/main" xmlns="" id="{0A2CD68B-7A56-F86D-8B6F-4A8BF99B4C9E}"/>
+                <a16:creationId xmlns:a16="http://schemas.microsoft.com/office/drawing/2014/main" id="{0A2CD68B-7A56-F86D-8B6F-4A8BF99B4C9E}"/>
               </a:ext>
             </a:extLst>
           </p:cNvPr>
@@ -7182,7 +7199,7 @@
           <p:cNvPr id="2" name="Title 1">
             <a:extLst>
               <a:ext uri="{FF2B5EF4-FFF2-40B4-BE49-F238E27FC236}">
-                <a16:creationId xmlns:a16="http://schemas.microsoft.com/office/drawing/2014/main" xmlns="" id="{62BB4F8D-44B7-9866-F7B2-6375CB902974}"/>
+                <a16:creationId xmlns:a16="http://schemas.microsoft.com/office/drawing/2014/main" id="{62BB4F8D-44B7-9866-F7B2-6375CB902974}"/>
               </a:ext>
             </a:extLst>
           </p:cNvPr>
@@ -7216,15 +7233,6 @@
               </a:rPr>
               <a:t>JavaScript</a:t>
             </a:r>
-            <a:r>
-              <a:rPr lang="en-US" sz="7200" b="1" dirty="0">
-                <a:solidFill>
-                  <a:schemeClr val="tx1"/>
-                </a:solidFill>
-                <a:latin typeface="Barlow Black" panose="00000A00000000000000" pitchFamily="2" charset="0"/>
-              </a:rPr>
-              <a:t/>
-            </a:r>
             <a:br>
               <a:rPr lang="en-US" sz="7200" b="1" dirty="0">
                 <a:solidFill>
@@ -7234,7 +7242,7 @@
               </a:rPr>
             </a:br>
             <a:r>
-              <a:rPr lang="en-US" sz="7200" b="1" dirty="0" smtClean="0">
+              <a:rPr lang="en-US" sz="7200" b="1" dirty="0">
                 <a:solidFill>
                   <a:schemeClr val="tx1"/>
                 </a:solidFill>
@@ -7243,7 +7251,7 @@
               <a:t>Chapter – 2</a:t>
             </a:r>
             <a:br>
-              <a:rPr lang="en-US" sz="7200" b="1" dirty="0" smtClean="0">
+              <a:rPr lang="en-US" sz="7200" b="1" dirty="0">
                 <a:solidFill>
                   <a:schemeClr val="tx1"/>
                 </a:solidFill>
@@ -7251,7 +7259,7 @@
               </a:rPr>
             </a:br>
             <a:r>
-              <a:rPr lang="en-US" sz="2800" dirty="0" smtClean="0">
+              <a:rPr lang="en-US" sz="2800" dirty="0">
                 <a:solidFill>
                   <a:schemeClr val="accent2">
                     <a:lumMod val="60000"/>
@@ -7260,10 +7268,10 @@
                 </a:solidFill>
                 <a:latin typeface="Bahnschrift Light Condensed" pitchFamily="34" charset="0"/>
               </a:rPr>
-              <a:t> </a:t>
-            </a:r>
-            <a:r>
-              <a:rPr lang="en-US" sz="2800" dirty="0" smtClean="0">
+              <a:t> (</a:t>
+            </a:r>
+            <a:r>
+              <a:rPr lang="en-US" dirty="0">
                 <a:solidFill>
                   <a:schemeClr val="accent2">
                     <a:lumMod val="60000"/>
@@ -7272,22 +7280,10 @@
                 </a:solidFill>
                 <a:latin typeface="Bahnschrift Light Condensed" pitchFamily="34" charset="0"/>
               </a:rPr>
-              <a:t>(</a:t>
-            </a:r>
-            <a:r>
-              <a:rPr lang="en-US" dirty="0" smtClean="0">
-                <a:solidFill>
-                  <a:schemeClr val="accent2">
-                    <a:lumMod val="60000"/>
-                    <a:lumOff val="40000"/>
-                  </a:schemeClr>
-                </a:solidFill>
-                <a:latin typeface="Bahnschrift Light Condensed" pitchFamily="34" charset="0"/>
-              </a:rPr>
               <a:t>first look</a:t>
             </a:r>
             <a:r>
-              <a:rPr lang="en-US" sz="2800" dirty="0" smtClean="0">
+              <a:rPr lang="en-US" sz="2800" dirty="0">
                 <a:solidFill>
                   <a:schemeClr val="accent2">
                     <a:lumMod val="60000"/>
@@ -7312,7 +7308,7 @@
           <p:cNvPr id="4" name="Ribbon: Curved and Tilted Down 3">
             <a:extLst>
               <a:ext uri="{FF2B5EF4-FFF2-40B4-BE49-F238E27FC236}">
-                <a16:creationId xmlns:a16="http://schemas.microsoft.com/office/drawing/2014/main" xmlns="" id="{909DBECF-689C-9AA7-1649-9166A578EDF9}"/>
+                <a16:creationId xmlns:a16="http://schemas.microsoft.com/office/drawing/2014/main" id="{909DBECF-689C-9AA7-1649-9166A578EDF9}"/>
               </a:ext>
             </a:extLst>
           </p:cNvPr>
@@ -7376,10 +7372,70 @@
       </p:sp>
       <p:sp>
         <p:nvSpPr>
+          <p:cNvPr id="8" name="TextBox 7">
+            <a:extLst>
+              <a:ext uri="{FF2B5EF4-FFF2-40B4-BE49-F238E27FC236}">
+                <a16:creationId xmlns:a16="http://schemas.microsoft.com/office/drawing/2014/main" id="{6E6F1672-8C91-3FA6-CB80-58FD68172333}"/>
+              </a:ext>
+            </a:extLst>
+          </p:cNvPr>
+          <p:cNvSpPr txBox="1"/>
+          <p:nvPr/>
+        </p:nvSpPr>
+        <p:spPr>
+          <a:xfrm>
+            <a:off x="1791180" y="6045586"/>
+            <a:ext cx="3842170" cy="369332"/>
+          </a:xfrm>
+          <a:prstGeom prst="rect">
+            <a:avLst/>
+          </a:prstGeom>
+          <a:solidFill>
+            <a:schemeClr val="bg1">
+              <a:lumMod val="75000"/>
+              <a:lumOff val="25000"/>
+            </a:schemeClr>
+          </a:solidFill>
+        </p:spPr>
+        <p:txBody>
+          <a:bodyPr wrap="square" rtlCol="0">
+            <a:spAutoFit/>
+          </a:bodyPr>
+          <a:lstStyle/>
+          <a:p>
+            <a:pPr algn="ctr"/>
+            <a:r>
+              <a:rPr lang="en-US" b="1" dirty="0"/>
+              <a:t>Gautam Kumar- </a:t>
+            </a:r>
+            <a:r>
+              <a:rPr lang="en-US" dirty="0">
+                <a:solidFill>
+                  <a:schemeClr val="tx1">
+                    <a:lumMod val="50000"/>
+                    <a:lumOff val="50000"/>
+                  </a:schemeClr>
+                </a:solidFill>
+              </a:rPr>
+              <a:t>uidhtml.com</a:t>
+            </a:r>
+            <a:endParaRPr lang="en-IN" dirty="0">
+              <a:solidFill>
+                <a:schemeClr val="tx1">
+                  <a:lumMod val="50000"/>
+                  <a:lumOff val="50000"/>
+                </a:schemeClr>
+              </a:solidFill>
+            </a:endParaRPr>
+          </a:p>
+        </p:txBody>
+      </p:sp>
+      <p:sp>
+        <p:nvSpPr>
           <p:cNvPr id="5" name="Scroll: Vertical 4">
             <a:extLst>
               <a:ext uri="{FF2B5EF4-FFF2-40B4-BE49-F238E27FC236}">
-                <a16:creationId xmlns:a16="http://schemas.microsoft.com/office/drawing/2014/main" xmlns="" id="{38EB993A-3F18-C6B7-226F-EDD62B4B31DB}"/>
+                <a16:creationId xmlns:a16="http://schemas.microsoft.com/office/drawing/2014/main" id="{38EB993A-3F18-C6B7-226F-EDD62B4B31DB}"/>
               </a:ext>
             </a:extLst>
           </p:cNvPr>
@@ -7453,7 +7509,7 @@
               <a:buChar char="o"/>
             </a:pPr>
             <a:r>
-              <a:rPr lang="en-US" dirty="0" smtClean="0">
+              <a:rPr lang="en-US" dirty="0">
                 <a:solidFill>
                   <a:schemeClr val="bg1">
                     <a:lumMod val="95000"/>
@@ -7462,13 +7518,6 @@
               </a:rPr>
               <a:t>Enable and disable JavaScript</a:t>
             </a:r>
-            <a:endParaRPr lang="en-US" dirty="0">
-              <a:solidFill>
-                <a:schemeClr val="bg1">
-                  <a:lumMod val="95000"/>
-                </a:schemeClr>
-              </a:solidFill>
-            </a:endParaRPr>
           </a:p>
           <a:p>
             <a:pPr marL="285750" indent="-285750">
@@ -7479,7 +7528,7 @@
               <a:buChar char="o"/>
             </a:pPr>
             <a:r>
-              <a:rPr lang="en-US" dirty="0" smtClean="0">
+              <a:rPr lang="en-US" dirty="0">
                 <a:solidFill>
                   <a:schemeClr val="bg1">
                     <a:lumMod val="95000"/>
@@ -7488,13 +7537,6 @@
               </a:rPr>
               <a:t>Basic Syntax on webpage</a:t>
             </a:r>
-            <a:endParaRPr lang="en-US" dirty="0">
-              <a:solidFill>
-                <a:schemeClr val="bg1">
-                  <a:lumMod val="95000"/>
-                </a:schemeClr>
-              </a:solidFill>
-            </a:endParaRPr>
           </a:p>
           <a:p>
             <a:pPr marL="285750" indent="-285750">
@@ -7505,7 +7547,7 @@
               <a:buChar char="o"/>
             </a:pPr>
             <a:r>
-              <a:rPr lang="en-US" dirty="0" smtClean="0">
+              <a:rPr lang="en-US" dirty="0">
                 <a:solidFill>
                   <a:schemeClr val="bg1">
                     <a:lumMod val="95000"/>
@@ -7514,13 +7556,6 @@
               </a:rPr>
               <a:t>First JavaScript code</a:t>
             </a:r>
-            <a:endParaRPr lang="en-US" dirty="0">
-              <a:solidFill>
-                <a:schemeClr val="bg1">
-                  <a:lumMod val="95000"/>
-                </a:schemeClr>
-              </a:solidFill>
-            </a:endParaRPr>
           </a:p>
           <a:p>
             <a:pPr marL="285750" indent="-285750">
@@ -7531,7 +7566,7 @@
               <a:buChar char="o"/>
             </a:pPr>
             <a:r>
-              <a:rPr lang="en-US" dirty="0" smtClean="0">
+              <a:rPr lang="en-US" dirty="0">
                 <a:solidFill>
                   <a:schemeClr val="bg1">
                     <a:lumMod val="95000"/>
@@ -7540,13 +7575,6 @@
               </a:rPr>
               <a:t>Literals in JavaScript</a:t>
             </a:r>
-            <a:endParaRPr lang="en-US" dirty="0">
-              <a:solidFill>
-                <a:schemeClr val="bg1">
-                  <a:lumMod val="95000"/>
-                </a:schemeClr>
-              </a:solidFill>
-            </a:endParaRPr>
           </a:p>
           <a:p>
             <a:pPr algn="ctr"/>
@@ -7560,70 +7588,10 @@
           </a:p>
         </p:txBody>
       </p:sp>
-      <p:sp>
-        <p:nvSpPr>
-          <p:cNvPr id="8" name="TextBox 7">
-            <a:extLst>
-              <a:ext uri="{FF2B5EF4-FFF2-40B4-BE49-F238E27FC236}">
-                <a16:creationId xmlns:a16="http://schemas.microsoft.com/office/drawing/2014/main" xmlns="" id="{6E6F1672-8C91-3FA6-CB80-58FD68172333}"/>
-              </a:ext>
-            </a:extLst>
-          </p:cNvPr>
-          <p:cNvSpPr txBox="1"/>
-          <p:nvPr/>
-        </p:nvSpPr>
-        <p:spPr>
-          <a:xfrm>
-            <a:off x="1719470" y="5842623"/>
-            <a:ext cx="3842170" cy="369332"/>
-          </a:xfrm>
-          <a:prstGeom prst="rect">
-            <a:avLst/>
-          </a:prstGeom>
-          <a:solidFill>
-            <a:schemeClr val="bg1">
-              <a:lumMod val="75000"/>
-              <a:lumOff val="25000"/>
-            </a:schemeClr>
-          </a:solidFill>
-        </p:spPr>
-        <p:txBody>
-          <a:bodyPr wrap="square" rtlCol="0">
-            <a:spAutoFit/>
-          </a:bodyPr>
-          <a:lstStyle/>
-          <a:p>
-            <a:pPr algn="ctr"/>
-            <a:r>
-              <a:rPr lang="en-US" b="1" dirty="0"/>
-              <a:t>Gautam Kumar- </a:t>
-            </a:r>
-            <a:r>
-              <a:rPr lang="en-US" dirty="0">
-                <a:solidFill>
-                  <a:schemeClr val="tx1">
-                    <a:lumMod val="50000"/>
-                    <a:lumOff val="50000"/>
-                  </a:schemeClr>
-                </a:solidFill>
-              </a:rPr>
-              <a:t>uidhtml.com</a:t>
-            </a:r>
-            <a:endParaRPr lang="en-IN" dirty="0">
-              <a:solidFill>
-                <a:schemeClr val="tx1">
-                  <a:lumMod val="50000"/>
-                  <a:lumOff val="50000"/>
-                </a:schemeClr>
-              </a:solidFill>
-            </a:endParaRPr>
-          </a:p>
-        </p:txBody>
-      </p:sp>
     </p:spTree>
     <p:extLst>
       <p:ext uri="{BB962C8B-B14F-4D97-AF65-F5344CB8AC3E}">
-        <p14:creationId xmlns:p14="http://schemas.microsoft.com/office/powerpoint/2010/main" xmlns="" val="3287175084"/>
+        <p14:creationId xmlns:p14="http://schemas.microsoft.com/office/powerpoint/2010/main" val="3287175084"/>
       </p:ext>
     </p:extLst>
   </p:cSld>
@@ -7641,7 +7609,7 @@
         <p:cNvPr id="1" name="">
           <a:extLst>
             <a:ext uri="{FF2B5EF4-FFF2-40B4-BE49-F238E27FC236}">
-              <a16:creationId xmlns:a16="http://schemas.microsoft.com/office/drawing/2014/main" xmlns="" id="{4586E9D7-F5F8-14CC-9DF6-FC4AF2EA4249}"/>
+              <a16:creationId xmlns:a16="http://schemas.microsoft.com/office/drawing/2014/main" id="{4586E9D7-F5F8-14CC-9DF6-FC4AF2EA4249}"/>
             </a:ext>
           </a:extLst>
         </p:cNvPr>
@@ -7661,7 +7629,7 @@
           <p:cNvPr id="2" name="Title 1">
             <a:extLst>
               <a:ext uri="{FF2B5EF4-FFF2-40B4-BE49-F238E27FC236}">
-                <a16:creationId xmlns:a16="http://schemas.microsoft.com/office/drawing/2014/main" xmlns="" id="{D8B67155-694F-FF61-7CDD-33A20A316215}"/>
+                <a16:creationId xmlns:a16="http://schemas.microsoft.com/office/drawing/2014/main" id="{D8B67155-694F-FF61-7CDD-33A20A316215}"/>
               </a:ext>
             </a:extLst>
           </p:cNvPr>
@@ -7683,7 +7651,7 @@
           <a:lstStyle/>
           <a:p>
             <a:r>
-              <a:rPr lang="en-US" b="1" dirty="0" smtClean="0">
+              <a:rPr lang="en-US" b="1" dirty="0">
                 <a:solidFill>
                   <a:schemeClr val="tx1"/>
                 </a:solidFill>
@@ -7691,12 +7659,6 @@
               </a:rPr>
               <a:t>Enable and disable JavaScript</a:t>
             </a:r>
-            <a:endParaRPr lang="en-US" b="1" dirty="0">
-              <a:solidFill>
-                <a:schemeClr val="tx1"/>
-              </a:solidFill>
-              <a:latin typeface="Bahnschrift SemiLight" pitchFamily="34" charset="0"/>
-            </a:endParaRPr>
           </a:p>
         </p:txBody>
       </p:sp>
@@ -7705,7 +7667,7 @@
           <p:cNvPr id="3" name="Content Placeholder 2">
             <a:extLst>
               <a:ext uri="{FF2B5EF4-FFF2-40B4-BE49-F238E27FC236}">
-                <a16:creationId xmlns:a16="http://schemas.microsoft.com/office/drawing/2014/main" xmlns="" id="{2A53D2DA-721D-FC7E-8E09-BCBD844B6F9F}"/>
+                <a16:creationId xmlns:a16="http://schemas.microsoft.com/office/drawing/2014/main" id="{2A53D2DA-721D-FC7E-8E09-BCBD844B6F9F}"/>
               </a:ext>
             </a:extLst>
           </p:cNvPr>
@@ -7729,23 +7691,19 @@
           <a:lstStyle/>
           <a:p>
             <a:r>
-              <a:rPr lang="en-US" dirty="0" smtClean="0"/>
-              <a:t>Its important to know how to enable and disable JavaScript in browser, sometime </a:t>
-            </a:r>
-            <a:r>
-              <a:rPr lang="en-US" dirty="0" smtClean="0"/>
-              <a:t>situation comes where you do not want some external code to run on your browser for security reason.</a:t>
-            </a:r>
-          </a:p>
-          <a:p>
-            <a:r>
-              <a:rPr lang="en-IN" dirty="0" smtClean="0"/>
+              <a:rPr lang="en-US" dirty="0"/>
+              <a:t>Its important to know how to enable and disable JavaScript in browser, sometime situation comes where you do not want some external code to run on your browser for security reason.</a:t>
+            </a:r>
+          </a:p>
+          <a:p>
+            <a:r>
+              <a:rPr lang="en-IN" dirty="0"/>
               <a:t>So its very important to know how to toggle JavaScript on browser.</a:t>
             </a:r>
           </a:p>
           <a:p>
             <a:r>
-              <a:rPr lang="en-IN" dirty="0" smtClean="0"/>
+              <a:rPr lang="en-IN" dirty="0"/>
               <a:t>I will show in chrome and Microsoft edge, rest you can explore.</a:t>
             </a:r>
             <a:endParaRPr lang="en-US" dirty="0"/>
@@ -7757,7 +7715,7 @@
           <p:cNvPr id="5" name="Ribbon: Curved and Tilted Down 4">
             <a:extLst>
               <a:ext uri="{FF2B5EF4-FFF2-40B4-BE49-F238E27FC236}">
-                <a16:creationId xmlns:a16="http://schemas.microsoft.com/office/drawing/2014/main" xmlns="" id="{3FA23525-E3EA-B8CB-FD6A-53084CA847A7}"/>
+                <a16:creationId xmlns:a16="http://schemas.microsoft.com/office/drawing/2014/main" id="{3FA23525-E3EA-B8CB-FD6A-53084CA847A7}"/>
               </a:ext>
             </a:extLst>
           </p:cNvPr>
@@ -7830,7 +7788,7 @@
           <p:cNvPr id="6" name="Scroll: Vertical 5">
             <a:extLst>
               <a:ext uri="{FF2B5EF4-FFF2-40B4-BE49-F238E27FC236}">
-                <a16:creationId xmlns:a16="http://schemas.microsoft.com/office/drawing/2014/main" xmlns="" id="{1A4C732A-2840-82C8-A359-298D925E33B3}"/>
+                <a16:creationId xmlns:a16="http://schemas.microsoft.com/office/drawing/2014/main" id="{1A4C732A-2840-82C8-A359-298D925E33B3}"/>
               </a:ext>
             </a:extLst>
           </p:cNvPr>
@@ -7902,20 +7860,12 @@
               <a:buChar char="o"/>
             </a:pPr>
             <a:r>
-              <a:rPr lang="en-US" sz="1400" dirty="0" smtClean="0">
+              <a:rPr lang="en-US" sz="1400" dirty="0">
                 <a:solidFill>
                   <a:schemeClr val="tx1"/>
                 </a:solidFill>
               </a:rPr>
-              <a:t>Enable </a:t>
-            </a:r>
-            <a:r>
-              <a:rPr lang="en-US" sz="1400" dirty="0" smtClean="0">
-                <a:solidFill>
-                  <a:schemeClr val="tx1"/>
-                </a:solidFill>
-              </a:rPr>
-              <a:t>and disable JavaScript</a:t>
+              <a:t>Enable and disable JavaScript</a:t>
             </a:r>
           </a:p>
           <a:p>
@@ -7927,7 +7877,7 @@
               <a:buChar char="o"/>
             </a:pPr>
             <a:r>
-              <a:rPr lang="en-US" sz="1400" dirty="0" smtClean="0">
+              <a:rPr lang="en-US" sz="1400" dirty="0">
                 <a:solidFill>
                   <a:schemeClr val="tx1"/>
                 </a:solidFill>
@@ -7944,7 +7894,7 @@
               <a:buChar char="o"/>
             </a:pPr>
             <a:r>
-              <a:rPr lang="en-US" sz="1400" dirty="0" smtClean="0">
+              <a:rPr lang="en-US" sz="1400" dirty="0">
                 <a:solidFill>
                   <a:schemeClr val="tx1"/>
                 </a:solidFill>
@@ -7961,7 +7911,7 @@
               <a:buChar char="o"/>
             </a:pPr>
             <a:r>
-              <a:rPr lang="en-US" sz="1400" dirty="0" smtClean="0">
+              <a:rPr lang="en-US" sz="1400" dirty="0">
                 <a:solidFill>
                   <a:schemeClr val="tx1"/>
                 </a:solidFill>
@@ -8002,7 +7952,7 @@
           <a:lstStyle/>
           <a:p>
             <a:r>
-              <a:rPr lang="en-IN" b="1" dirty="0" smtClean="0">
+              <a:rPr lang="en-IN" b="1" dirty="0">
                 <a:solidFill>
                   <a:schemeClr val="accent2">
                     <a:lumMod val="60000"/>
@@ -8028,7 +7978,7 @@
     </p:spTree>
     <p:extLst>
       <p:ext uri="{BB962C8B-B14F-4D97-AF65-F5344CB8AC3E}">
-        <p14:creationId xmlns:p14="http://schemas.microsoft.com/office/powerpoint/2010/main" xmlns="" val="3002471670"/>
+        <p14:creationId xmlns:p14="http://schemas.microsoft.com/office/powerpoint/2010/main" val="3002471670"/>
       </p:ext>
     </p:extLst>
   </p:cSld>
@@ -8046,7 +7996,7 @@
         <p:cNvPr id="1" name="">
           <a:extLst>
             <a:ext uri="{FF2B5EF4-FFF2-40B4-BE49-F238E27FC236}">
-              <a16:creationId xmlns:a16="http://schemas.microsoft.com/office/drawing/2014/main" xmlns="" id="{4586E9D7-F5F8-14CC-9DF6-FC4AF2EA4249}"/>
+              <a16:creationId xmlns:a16="http://schemas.microsoft.com/office/drawing/2014/main" id="{4586E9D7-F5F8-14CC-9DF6-FC4AF2EA4249}"/>
             </a:ext>
           </a:extLst>
         </p:cNvPr>
@@ -8066,7 +8016,7 @@
           <p:cNvPr id="2" name="Title 1">
             <a:extLst>
               <a:ext uri="{FF2B5EF4-FFF2-40B4-BE49-F238E27FC236}">
-                <a16:creationId xmlns:a16="http://schemas.microsoft.com/office/drawing/2014/main" xmlns="" id="{D8B67155-694F-FF61-7CDD-33A20A316215}"/>
+                <a16:creationId xmlns:a16="http://schemas.microsoft.com/office/drawing/2014/main" id="{D8B67155-694F-FF61-7CDD-33A20A316215}"/>
               </a:ext>
             </a:extLst>
           </p:cNvPr>
@@ -8088,7 +8038,7 @@
           <a:lstStyle/>
           <a:p>
             <a:r>
-              <a:rPr lang="en-US" b="1" dirty="0" smtClean="0">
+              <a:rPr lang="en-US" b="1" dirty="0">
                 <a:solidFill>
                   <a:schemeClr val="tx1"/>
                 </a:solidFill>
@@ -8096,12 +8046,6 @@
               </a:rPr>
               <a:t>Basic Syntax of JavaScript</a:t>
             </a:r>
-            <a:endParaRPr lang="en-US" b="1" dirty="0">
-              <a:solidFill>
-                <a:schemeClr val="tx1"/>
-              </a:solidFill>
-              <a:latin typeface="Bahnschrift SemiLight" pitchFamily="34" charset="0"/>
-            </a:endParaRPr>
           </a:p>
         </p:txBody>
       </p:sp>
@@ -8110,7 +8054,7 @@
           <p:cNvPr id="3" name="Content Placeholder 2">
             <a:extLst>
               <a:ext uri="{FF2B5EF4-FFF2-40B4-BE49-F238E27FC236}">
-                <a16:creationId xmlns:a16="http://schemas.microsoft.com/office/drawing/2014/main" xmlns="" id="{2A53D2DA-721D-FC7E-8E09-BCBD844B6F9F}"/>
+                <a16:creationId xmlns:a16="http://schemas.microsoft.com/office/drawing/2014/main" id="{2A53D2DA-721D-FC7E-8E09-BCBD844B6F9F}"/>
               </a:ext>
             </a:extLst>
           </p:cNvPr>
@@ -8134,99 +8078,95 @@
           <a:lstStyle/>
           <a:p>
             <a:r>
-              <a:rPr lang="en-US" dirty="0" smtClean="0"/>
+              <a:rPr lang="en-US" dirty="0"/>
               <a:t>We should put JavaScript code with in the &lt;script&gt;&lt;/script&gt; </a:t>
             </a:r>
             <a:r>
-              <a:rPr lang="en-IN" dirty="0" smtClean="0"/>
+              <a:rPr lang="en-IN" dirty="0"/>
               <a:t>tag, otherwise code will be treated as normal text on browser.</a:t>
             </a:r>
           </a:p>
           <a:p>
             <a:r>
-              <a:rPr lang="en-IN" dirty="0" smtClean="0"/>
+              <a:rPr lang="en-IN" dirty="0"/>
               <a:t>Syntax:</a:t>
             </a:r>
             <a:br>
-              <a:rPr lang="en-IN" dirty="0" smtClean="0"/>
+              <a:rPr lang="en-IN" dirty="0"/>
             </a:br>
             <a:r>
-              <a:rPr lang="en-US" dirty="0" smtClean="0"/>
-              <a:t>&lt;script ...&gt; JavaScript code &lt;/script</a:t>
-            </a:r>
-            <a:r>
-              <a:rPr lang="en-US" dirty="0" smtClean="0"/>
-              <a:t>&gt;</a:t>
-            </a:r>
-          </a:p>
-          <a:p>
-            <a:r>
-              <a:rPr lang="en-IN" dirty="0" smtClean="0"/>
+              <a:rPr lang="en-US" dirty="0"/>
+              <a:t>&lt;script ...&gt; JavaScript code &lt;/script&gt;</a:t>
+            </a:r>
+          </a:p>
+          <a:p>
+            <a:r>
+              <a:rPr lang="en-IN" dirty="0"/>
               <a:t>Attributes of script tag</a:t>
             </a:r>
             <a:br>
-              <a:rPr lang="en-IN" dirty="0" smtClean="0"/>
+              <a:rPr lang="en-IN" dirty="0"/>
             </a:br>
             <a:r>
-              <a:rPr lang="en-IN" strike="sngStrike" dirty="0" smtClean="0"/>
+              <a:rPr lang="en-IN" strike="sngStrike" dirty="0"/>
               <a:t>language</a:t>
             </a:r>
             <a:r>
-              <a:rPr lang="en-IN" dirty="0" smtClean="0"/>
+              <a:rPr lang="en-IN" dirty="0"/>
               <a:t> and </a:t>
             </a:r>
             <a:r>
-              <a:rPr lang="en-IN" strike="sngStrike" dirty="0" smtClean="0"/>
+              <a:rPr lang="en-IN" strike="sngStrike" dirty="0"/>
               <a:t>type</a:t>
             </a:r>
             <a:r>
-              <a:rPr lang="en-IN" dirty="0" smtClean="0"/>
+              <a:rPr lang="en-IN" dirty="0"/>
               <a:t> (Deprecated)</a:t>
             </a:r>
             <a:br>
-              <a:rPr lang="en-IN" dirty="0" smtClean="0"/>
+              <a:rPr lang="en-IN" dirty="0"/>
             </a:br>
             <a:r>
-              <a:rPr lang="en-IN" dirty="0" smtClean="0"/>
+              <a:rPr lang="en-IN" dirty="0"/>
               <a:t>ex.</a:t>
             </a:r>
             <a:br>
-              <a:rPr lang="en-IN" dirty="0" smtClean="0"/>
+              <a:rPr lang="en-IN" dirty="0"/>
             </a:br>
             <a:r>
-              <a:rPr lang="fr-FR" dirty="0" smtClean="0"/>
+              <a:rPr lang="fr-FR" dirty="0"/>
               <a:t>&lt;script </a:t>
             </a:r>
             <a:r>
-              <a:rPr lang="fr-FR" dirty="0" err="1" smtClean="0"/>
+              <a:rPr lang="fr-FR" dirty="0" err="1"/>
               <a:t>language</a:t>
             </a:r>
             <a:r>
-              <a:rPr lang="fr-FR" dirty="0" smtClean="0"/>
+              <a:rPr lang="fr-FR" dirty="0"/>
               <a:t> = "</a:t>
             </a:r>
             <a:r>
-              <a:rPr lang="fr-FR" dirty="0" err="1" smtClean="0"/>
+              <a:rPr lang="fr-FR" dirty="0" err="1"/>
               <a:t>javascript</a:t>
             </a:r>
             <a:r>
-              <a:rPr lang="fr-FR" dirty="0" smtClean="0"/>
+              <a:rPr lang="fr-FR" dirty="0"/>
               <a:t>" type = "</a:t>
             </a:r>
             <a:r>
-              <a:rPr lang="fr-FR" dirty="0" err="1" smtClean="0"/>
+              <a:rPr lang="fr-FR" dirty="0" err="1"/>
               <a:t>text</a:t>
             </a:r>
             <a:r>
-              <a:rPr lang="fr-FR" dirty="0" smtClean="0"/>
+              <a:rPr lang="fr-FR" dirty="0"/>
               <a:t>/</a:t>
             </a:r>
             <a:r>
-              <a:rPr lang="fr-FR" dirty="0" err="1" smtClean="0"/>
+              <a:rPr lang="fr-FR" dirty="0" err="1"/>
               <a:t>javascript</a:t>
             </a:r>
             <a:r>
-              <a:rPr lang="fr-FR" dirty="0" smtClean="0"/>
+              <a:rPr lang="fr-FR" dirty="0"/>
               <a:t>"&gt; JavaScript code &lt;/script&gt;</a:t>
             </a:r>
             <a:endParaRPr lang="en-US" dirty="0"/>
@@ -8238,7 +8178,7 @@
           <p:cNvPr id="5" name="Ribbon: Curved and Tilted Down 4">
             <a:extLst>
               <a:ext uri="{FF2B5EF4-FFF2-40B4-BE49-F238E27FC236}">
-                <a16:creationId xmlns:a16="http://schemas.microsoft.com/office/drawing/2014/main" xmlns="" id="{3FA23525-E3EA-B8CB-FD6A-53084CA847A7}"/>
+                <a16:creationId xmlns:a16="http://schemas.microsoft.com/office/drawing/2014/main" id="{3FA23525-E3EA-B8CB-FD6A-53084CA847A7}"/>
               </a:ext>
             </a:extLst>
           </p:cNvPr>
@@ -8311,7 +8251,7 @@
           <p:cNvPr id="6" name="Scroll: Vertical 5">
             <a:extLst>
               <a:ext uri="{FF2B5EF4-FFF2-40B4-BE49-F238E27FC236}">
-                <a16:creationId xmlns:a16="http://schemas.microsoft.com/office/drawing/2014/main" xmlns="" id="{1A4C732A-2840-82C8-A359-298D925E33B3}"/>
+                <a16:creationId xmlns:a16="http://schemas.microsoft.com/office/drawing/2014/main" id="{1A4C732A-2840-82C8-A359-298D925E33B3}"/>
               </a:ext>
             </a:extLst>
           </p:cNvPr>
@@ -8383,20 +8323,12 @@
               <a:buChar char="o"/>
             </a:pPr>
             <a:r>
-              <a:rPr lang="en-US" sz="1400" strike="sngStrike" dirty="0" smtClean="0">
+              <a:rPr lang="en-US" sz="1400" strike="sngStrike" dirty="0">
                 <a:solidFill>
                   <a:schemeClr val="tx1"/>
                 </a:solidFill>
               </a:rPr>
-              <a:t>Enable </a:t>
-            </a:r>
-            <a:r>
-              <a:rPr lang="en-US" sz="1400" strike="sngStrike" dirty="0" smtClean="0">
-                <a:solidFill>
-                  <a:schemeClr val="tx1"/>
-                </a:solidFill>
-              </a:rPr>
-              <a:t>and disable JavaScript</a:t>
+              <a:t>Enable and disable JavaScript</a:t>
             </a:r>
           </a:p>
           <a:p>
@@ -8408,7 +8340,7 @@
               <a:buChar char="o"/>
             </a:pPr>
             <a:r>
-              <a:rPr lang="en-US" sz="1400" dirty="0" smtClean="0">
+              <a:rPr lang="en-US" sz="1400" dirty="0">
                 <a:solidFill>
                   <a:schemeClr val="tx1"/>
                 </a:solidFill>
@@ -8425,7 +8357,7 @@
               <a:buChar char="o"/>
             </a:pPr>
             <a:r>
-              <a:rPr lang="en-US" sz="1400" dirty="0" smtClean="0">
+              <a:rPr lang="en-US" sz="1400" dirty="0">
                 <a:solidFill>
                   <a:schemeClr val="tx1"/>
                 </a:solidFill>
@@ -8442,7 +8374,7 @@
               <a:buChar char="o"/>
             </a:pPr>
             <a:r>
-              <a:rPr lang="en-US" sz="1400" dirty="0" smtClean="0">
+              <a:rPr lang="en-US" sz="1400" dirty="0">
                 <a:solidFill>
                   <a:schemeClr val="tx1"/>
                 </a:solidFill>
@@ -8483,7 +8415,7 @@
           <a:lstStyle/>
           <a:p>
             <a:r>
-              <a:rPr lang="en-IN" b="1" dirty="0" smtClean="0">
+              <a:rPr lang="en-IN" b="1" dirty="0">
                 <a:solidFill>
                   <a:schemeClr val="accent2">
                     <a:lumMod val="60000"/>
@@ -8509,7 +8441,7 @@
     </p:spTree>
     <p:extLst>
       <p:ext uri="{BB962C8B-B14F-4D97-AF65-F5344CB8AC3E}">
-        <p14:creationId xmlns:p14="http://schemas.microsoft.com/office/powerpoint/2010/main" xmlns="" val="3002471670"/>
+        <p14:creationId xmlns:p14="http://schemas.microsoft.com/office/powerpoint/2010/main" val="3002471670"/>
       </p:ext>
     </p:extLst>
   </p:cSld>
@@ -8527,7 +8459,7 @@
         <p:cNvPr id="1" name="">
           <a:extLst>
             <a:ext uri="{FF2B5EF4-FFF2-40B4-BE49-F238E27FC236}">
-              <a16:creationId xmlns:a16="http://schemas.microsoft.com/office/drawing/2014/main" xmlns="" id="{4586E9D7-F5F8-14CC-9DF6-FC4AF2EA4249}"/>
+              <a16:creationId xmlns:a16="http://schemas.microsoft.com/office/drawing/2014/main" id="{4586E9D7-F5F8-14CC-9DF6-FC4AF2EA4249}"/>
             </a:ext>
           </a:extLst>
         </p:cNvPr>
@@ -8547,7 +8479,7 @@
           <p:cNvPr id="2" name="Title 1">
             <a:extLst>
               <a:ext uri="{FF2B5EF4-FFF2-40B4-BE49-F238E27FC236}">
-                <a16:creationId xmlns:a16="http://schemas.microsoft.com/office/drawing/2014/main" xmlns="" id="{D8B67155-694F-FF61-7CDD-33A20A316215}"/>
+                <a16:creationId xmlns:a16="http://schemas.microsoft.com/office/drawing/2014/main" id="{D8B67155-694F-FF61-7CDD-33A20A316215}"/>
               </a:ext>
             </a:extLst>
           </p:cNvPr>
@@ -8569,7 +8501,7 @@
           <a:lstStyle/>
           <a:p>
             <a:r>
-              <a:rPr lang="en-US" b="1" dirty="0" smtClean="0">
+              <a:rPr lang="en-US" b="1" dirty="0">
                 <a:solidFill>
                   <a:schemeClr val="tx1"/>
                 </a:solidFill>
@@ -8577,12 +8509,6 @@
               </a:rPr>
               <a:t>First JavaScript code on webpage</a:t>
             </a:r>
-            <a:endParaRPr lang="en-US" b="1" dirty="0">
-              <a:solidFill>
-                <a:schemeClr val="tx1"/>
-              </a:solidFill>
-              <a:latin typeface="Bahnschrift SemiLight" pitchFamily="34" charset="0"/>
-            </a:endParaRPr>
           </a:p>
         </p:txBody>
       </p:sp>
@@ -8591,7 +8517,7 @@
           <p:cNvPr id="3" name="Content Placeholder 2">
             <a:extLst>
               <a:ext uri="{FF2B5EF4-FFF2-40B4-BE49-F238E27FC236}">
-                <a16:creationId xmlns:a16="http://schemas.microsoft.com/office/drawing/2014/main" xmlns="" id="{2A53D2DA-721D-FC7E-8E09-BCBD844B6F9F}"/>
+                <a16:creationId xmlns:a16="http://schemas.microsoft.com/office/drawing/2014/main" id="{2A53D2DA-721D-FC7E-8E09-BCBD844B6F9F}"/>
               </a:ext>
             </a:extLst>
           </p:cNvPr>
@@ -8615,11 +8541,11 @@
           <a:lstStyle/>
           <a:p>
             <a:r>
-              <a:rPr lang="en-IN" dirty="0" smtClean="0"/>
+              <a:rPr lang="en-IN" dirty="0"/>
               <a:t>My first code in JavaScript</a:t>
             </a:r>
             <a:br>
-              <a:rPr lang="en-IN" dirty="0" smtClean="0"/>
+              <a:rPr lang="en-IN" dirty="0"/>
             </a:br>
             <a:endParaRPr lang="en-US" dirty="0"/>
           </a:p>
@@ -8630,7 +8556,7 @@
           <p:cNvPr id="5" name="Ribbon: Curved and Tilted Down 4">
             <a:extLst>
               <a:ext uri="{FF2B5EF4-FFF2-40B4-BE49-F238E27FC236}">
-                <a16:creationId xmlns:a16="http://schemas.microsoft.com/office/drawing/2014/main" xmlns="" id="{3FA23525-E3EA-B8CB-FD6A-53084CA847A7}"/>
+                <a16:creationId xmlns:a16="http://schemas.microsoft.com/office/drawing/2014/main" id="{3FA23525-E3EA-B8CB-FD6A-53084CA847A7}"/>
               </a:ext>
             </a:extLst>
           </p:cNvPr>
@@ -8703,7 +8629,7 @@
           <p:cNvPr id="6" name="Scroll: Vertical 5">
             <a:extLst>
               <a:ext uri="{FF2B5EF4-FFF2-40B4-BE49-F238E27FC236}">
-                <a16:creationId xmlns:a16="http://schemas.microsoft.com/office/drawing/2014/main" xmlns="" id="{1A4C732A-2840-82C8-A359-298D925E33B3}"/>
+                <a16:creationId xmlns:a16="http://schemas.microsoft.com/office/drawing/2014/main" id="{1A4C732A-2840-82C8-A359-298D925E33B3}"/>
               </a:ext>
             </a:extLst>
           </p:cNvPr>
@@ -8775,20 +8701,12 @@
               <a:buChar char="o"/>
             </a:pPr>
             <a:r>
-              <a:rPr lang="en-US" sz="1400" strike="sngStrike" dirty="0" smtClean="0">
+              <a:rPr lang="en-US" sz="1400" strike="sngStrike" dirty="0">
                 <a:solidFill>
                   <a:schemeClr val="tx1"/>
                 </a:solidFill>
               </a:rPr>
-              <a:t>Enable </a:t>
-            </a:r>
-            <a:r>
-              <a:rPr lang="en-US" sz="1400" strike="sngStrike" dirty="0" smtClean="0">
-                <a:solidFill>
-                  <a:schemeClr val="tx1"/>
-                </a:solidFill>
-              </a:rPr>
-              <a:t>and disable JavaScript</a:t>
+              <a:t>Enable and disable JavaScript</a:t>
             </a:r>
           </a:p>
           <a:p>
@@ -8800,7 +8718,7 @@
               <a:buChar char="o"/>
             </a:pPr>
             <a:r>
-              <a:rPr lang="en-US" sz="1400" strike="sngStrike" dirty="0" smtClean="0">
+              <a:rPr lang="en-US" sz="1400" strike="sngStrike" dirty="0">
                 <a:solidFill>
                   <a:schemeClr val="tx1"/>
                 </a:solidFill>
@@ -8817,7 +8735,7 @@
               <a:buChar char="o"/>
             </a:pPr>
             <a:r>
-              <a:rPr lang="en-US" sz="1400" dirty="0" smtClean="0">
+              <a:rPr lang="en-US" sz="1400" dirty="0">
                 <a:solidFill>
                   <a:schemeClr val="tx1"/>
                 </a:solidFill>
@@ -8834,7 +8752,7 @@
               <a:buChar char="o"/>
             </a:pPr>
             <a:r>
-              <a:rPr lang="en-US" sz="1400" dirty="0" smtClean="0">
+              <a:rPr lang="en-US" sz="1400" dirty="0">
                 <a:solidFill>
                   <a:schemeClr val="tx1"/>
                 </a:solidFill>
@@ -8875,7 +8793,7 @@
           <a:lstStyle/>
           <a:p>
             <a:r>
-              <a:rPr lang="en-IN" b="1" dirty="0" smtClean="0">
+              <a:rPr lang="en-IN" b="1" dirty="0">
                 <a:solidFill>
                   <a:schemeClr val="accent2">
                     <a:lumMod val="60000"/>
@@ -8934,7 +8852,7 @@
     </p:spTree>
     <p:extLst>
       <p:ext uri="{BB962C8B-B14F-4D97-AF65-F5344CB8AC3E}">
-        <p14:creationId xmlns:p14="http://schemas.microsoft.com/office/powerpoint/2010/main" xmlns="" val="3002471670"/>
+        <p14:creationId xmlns:p14="http://schemas.microsoft.com/office/powerpoint/2010/main" val="3002471670"/>
       </p:ext>
     </p:extLst>
   </p:cSld>
@@ -8952,7 +8870,7 @@
         <p:cNvPr id="1" name="">
           <a:extLst>
             <a:ext uri="{FF2B5EF4-FFF2-40B4-BE49-F238E27FC236}">
-              <a16:creationId xmlns:a16="http://schemas.microsoft.com/office/drawing/2014/main" xmlns="" id="{4586E9D7-F5F8-14CC-9DF6-FC4AF2EA4249}"/>
+              <a16:creationId xmlns:a16="http://schemas.microsoft.com/office/drawing/2014/main" id="{4586E9D7-F5F8-14CC-9DF6-FC4AF2EA4249}"/>
             </a:ext>
           </a:extLst>
         </p:cNvPr>
@@ -8972,7 +8890,7 @@
           <p:cNvPr id="2" name="Title 1">
             <a:extLst>
               <a:ext uri="{FF2B5EF4-FFF2-40B4-BE49-F238E27FC236}">
-                <a16:creationId xmlns:a16="http://schemas.microsoft.com/office/drawing/2014/main" xmlns="" id="{D8B67155-694F-FF61-7CDD-33A20A316215}"/>
+                <a16:creationId xmlns:a16="http://schemas.microsoft.com/office/drawing/2014/main" id="{D8B67155-694F-FF61-7CDD-33A20A316215}"/>
               </a:ext>
             </a:extLst>
           </p:cNvPr>
@@ -8994,7 +8912,7 @@
           <a:lstStyle/>
           <a:p>
             <a:r>
-              <a:rPr lang="en-US" b="1" dirty="0" smtClean="0">
+              <a:rPr lang="en-US" b="1" dirty="0">
                 <a:solidFill>
                   <a:schemeClr val="tx1"/>
                 </a:solidFill>
@@ -9002,12 +8920,6 @@
               </a:rPr>
               <a:t>Literal in JavaScript</a:t>
             </a:r>
-            <a:endParaRPr lang="en-US" b="1" dirty="0">
-              <a:solidFill>
-                <a:schemeClr val="tx1"/>
-              </a:solidFill>
-              <a:latin typeface="Bahnschrift SemiLight" pitchFamily="34" charset="0"/>
-            </a:endParaRPr>
           </a:p>
         </p:txBody>
       </p:sp>
@@ -9016,7 +8928,7 @@
           <p:cNvPr id="3" name="Content Placeholder 2">
             <a:extLst>
               <a:ext uri="{FF2B5EF4-FFF2-40B4-BE49-F238E27FC236}">
-                <a16:creationId xmlns:a16="http://schemas.microsoft.com/office/drawing/2014/main" xmlns="" id="{2A53D2DA-721D-FC7E-8E09-BCBD844B6F9F}"/>
+                <a16:creationId xmlns:a16="http://schemas.microsoft.com/office/drawing/2014/main" id="{2A53D2DA-721D-FC7E-8E09-BCBD844B6F9F}"/>
               </a:ext>
             </a:extLst>
           </p:cNvPr>
@@ -9040,90 +8952,81 @@
           <a:lstStyle/>
           <a:p>
             <a:r>
-              <a:rPr lang="en-US" sz="1600" dirty="0" smtClean="0"/>
+              <a:rPr lang="en-US" sz="1600" dirty="0"/>
               <a:t>In JavaScript, </a:t>
             </a:r>
             <a:r>
-              <a:rPr lang="en-US" sz="1600" b="1" dirty="0" smtClean="0"/>
+              <a:rPr lang="en-US" sz="1600" b="1" dirty="0"/>
               <a:t>literals</a:t>
             </a:r>
             <a:r>
-              <a:rPr lang="en-US" sz="1600" dirty="0" smtClean="0"/>
-              <a:t> are fixed values that are directly written into the code. They represent constant values that do not change during the execution of the program. Literals are used to assign values to variables or to represent data directly in the code</a:t>
-            </a:r>
-            <a:r>
-              <a:rPr lang="en-US" sz="1600" dirty="0" smtClean="0"/>
-              <a:t>.</a:t>
-            </a:r>
-          </a:p>
-          <a:p>
-            <a:r>
-              <a:rPr lang="en-US" sz="1600" dirty="0" smtClean="0"/>
+              <a:rPr lang="en-US" sz="1600" dirty="0"/>
+              <a:t> are fixed values that are directly written into the code. They represent constant values that do not change during the execution of the program. Literals are used to assign values to variables or to represent data directly in the code.</a:t>
+            </a:r>
+          </a:p>
+          <a:p>
+            <a:r>
+              <a:rPr lang="en-US" sz="1600" dirty="0"/>
+              <a:t>let age = 25;                 // Numeric literal</a:t>
+            </a:r>
+          </a:p>
+          <a:p>
+            <a:r>
+              <a:rPr lang="en-US" sz="1600" dirty="0"/>
+              <a:t>let name = "John";            // String literal</a:t>
+            </a:r>
+          </a:p>
+          <a:p>
+            <a:r>
+              <a:rPr lang="en-US" sz="1600" dirty="0"/>
               <a:t>let </a:t>
             </a:r>
             <a:r>
-              <a:rPr lang="en-US" sz="1600" dirty="0" smtClean="0"/>
-              <a:t>age = 25;                 // Numeric literal</a:t>
-            </a:r>
-          </a:p>
-          <a:p>
-            <a:r>
-              <a:rPr lang="en-US" sz="1600" dirty="0" smtClean="0"/>
-              <a:t>let name = "John";            // String literal</a:t>
-            </a:r>
-          </a:p>
-          <a:p>
-            <a:r>
-              <a:rPr lang="en-US" sz="1600" dirty="0" smtClean="0"/>
+              <a:rPr lang="en-US" sz="1600" dirty="0" err="1"/>
+              <a:t>isStudent</a:t>
+            </a:r>
+            <a:r>
+              <a:rPr lang="en-US" sz="1600" dirty="0"/>
+              <a:t> = false;        // Boolean literal</a:t>
+            </a:r>
+          </a:p>
+          <a:p>
+            <a:r>
+              <a:rPr lang="en-US" sz="1600" dirty="0"/>
+              <a:t>let address = null;           // Null literal</a:t>
+            </a:r>
+          </a:p>
+          <a:p>
+            <a:r>
+              <a:rPr lang="en-US" sz="1600" dirty="0"/>
+              <a:t>let colors = ["red", "blue"]; // Array literal</a:t>
+            </a:r>
+          </a:p>
+          <a:p>
+            <a:r>
+              <a:rPr lang="en-US" sz="1600" dirty="0"/>
+              <a:t>let user = { id: 1 };         // Object literal</a:t>
+            </a:r>
+          </a:p>
+          <a:p>
+            <a:r>
+              <a:rPr lang="en-US" sz="1600" dirty="0"/>
               <a:t>let </a:t>
             </a:r>
             <a:r>
-              <a:rPr lang="en-US" sz="1600" dirty="0" err="1" smtClean="0"/>
-              <a:t>isStudent</a:t>
-            </a:r>
-            <a:r>
-              <a:rPr lang="en-US" sz="1600" dirty="0" smtClean="0"/>
-              <a:t> = false;        // Boolean literal</a:t>
-            </a:r>
-          </a:p>
-          <a:p>
-            <a:r>
-              <a:rPr lang="en-US" sz="1600" dirty="0" smtClean="0"/>
-              <a:t>let address = null;           // Null literal</a:t>
-            </a:r>
-          </a:p>
-          <a:p>
-            <a:r>
-              <a:rPr lang="en-US" sz="1600" dirty="0" smtClean="0"/>
-              <a:t>let colors = ["red", "blue"]; // Array literal</a:t>
-            </a:r>
-          </a:p>
-          <a:p>
-            <a:r>
-              <a:rPr lang="en-US" sz="1600" dirty="0" smtClean="0"/>
-              <a:t>let user = { id: 1 };         // Object literal</a:t>
-            </a:r>
-          </a:p>
-          <a:p>
-            <a:r>
-              <a:rPr lang="en-US" sz="1600" dirty="0" smtClean="0"/>
-              <a:t>let </a:t>
-            </a:r>
-            <a:r>
-              <a:rPr lang="en-US" sz="1600" dirty="0" err="1" smtClean="0"/>
+              <a:rPr lang="en-US" sz="1600" dirty="0" err="1"/>
               <a:t>regex</a:t>
             </a:r>
             <a:r>
-              <a:rPr lang="en-US" sz="1600" dirty="0" smtClean="0"/>
+              <a:rPr lang="en-US" sz="1600" dirty="0"/>
               <a:t> = /\d+/;            // Regular expression literal</a:t>
             </a:r>
           </a:p>
           <a:p>
             <a:r>
-              <a:rPr lang="en-US" sz="1600" dirty="0" smtClean="0"/>
+              <a:rPr lang="en-US" sz="1600" dirty="0"/>
               <a:t>let message = `Hi, ${name}`;  // Template literal </a:t>
             </a:r>
-            <a:endParaRPr lang="en-US" sz="1600" dirty="0" smtClean="0"/>
           </a:p>
           <a:p>
             <a:pPr>
@@ -9131,7 +9034,7 @@
               <a:buChar char="v"/>
             </a:pPr>
             <a:r>
-              <a:rPr lang="en-US" sz="1600" b="1" dirty="0" smtClean="0">
+              <a:rPr lang="en-US" sz="1600" b="1" dirty="0">
                 <a:solidFill>
                   <a:schemeClr val="accent1">
                     <a:lumMod val="40000"/>
@@ -9142,7 +9045,7 @@
               <a:t>Literals are immutable</a:t>
             </a:r>
             <a:r>
-              <a:rPr lang="en-US" sz="1600" dirty="0" smtClean="0">
+              <a:rPr lang="en-US" sz="1600" dirty="0">
                 <a:solidFill>
                   <a:schemeClr val="accent1">
                     <a:lumMod val="40000"/>
@@ -9159,7 +9062,7 @@
               <a:buChar char="v"/>
             </a:pPr>
             <a:r>
-              <a:rPr lang="en-US" sz="1600" dirty="0" smtClean="0">
+              <a:rPr lang="en-US" sz="1600" dirty="0">
                 <a:solidFill>
                   <a:schemeClr val="accent1">
                     <a:lumMod val="40000"/>
@@ -9170,7 +9073,7 @@
               <a:t>They are </a:t>
             </a:r>
             <a:r>
-              <a:rPr lang="en-US" sz="1600" b="1" dirty="0" smtClean="0">
+              <a:rPr lang="en-US" sz="1600" b="1" dirty="0">
                 <a:solidFill>
                   <a:schemeClr val="accent1">
                     <a:lumMod val="40000"/>
@@ -9181,7 +9084,7 @@
               <a:t>not variables</a:t>
             </a:r>
             <a:r>
-              <a:rPr lang="en-US" sz="1600" dirty="0" smtClean="0">
+              <a:rPr lang="en-US" sz="1600" dirty="0">
                 <a:solidFill>
                   <a:schemeClr val="accent1">
                     <a:lumMod val="40000"/>
@@ -9198,7 +9101,7 @@
               <a:buChar char="v"/>
             </a:pPr>
             <a:r>
-              <a:rPr lang="en-US" sz="1600" dirty="0" smtClean="0">
+              <a:rPr lang="en-US" sz="1600" dirty="0">
                 <a:solidFill>
                   <a:schemeClr val="accent1">
                     <a:lumMod val="40000"/>
@@ -9222,7 +9125,7 @@
           <p:cNvPr id="5" name="Ribbon: Curved and Tilted Down 4">
             <a:extLst>
               <a:ext uri="{FF2B5EF4-FFF2-40B4-BE49-F238E27FC236}">
-                <a16:creationId xmlns:a16="http://schemas.microsoft.com/office/drawing/2014/main" xmlns="" id="{3FA23525-E3EA-B8CB-FD6A-53084CA847A7}"/>
+                <a16:creationId xmlns:a16="http://schemas.microsoft.com/office/drawing/2014/main" id="{3FA23525-E3EA-B8CB-FD6A-53084CA847A7}"/>
               </a:ext>
             </a:extLst>
           </p:cNvPr>
@@ -9295,7 +9198,7 @@
           <p:cNvPr id="6" name="Scroll: Vertical 5">
             <a:extLst>
               <a:ext uri="{FF2B5EF4-FFF2-40B4-BE49-F238E27FC236}">
-                <a16:creationId xmlns:a16="http://schemas.microsoft.com/office/drawing/2014/main" xmlns="" id="{1A4C732A-2840-82C8-A359-298D925E33B3}"/>
+                <a16:creationId xmlns:a16="http://schemas.microsoft.com/office/drawing/2014/main" id="{1A4C732A-2840-82C8-A359-298D925E33B3}"/>
               </a:ext>
             </a:extLst>
           </p:cNvPr>
@@ -9367,20 +9270,12 @@
               <a:buChar char="o"/>
             </a:pPr>
             <a:r>
-              <a:rPr lang="en-US" sz="1400" strike="sngStrike" dirty="0" smtClean="0">
+              <a:rPr lang="en-US" sz="1400" strike="sngStrike" dirty="0">
                 <a:solidFill>
                   <a:schemeClr val="tx1"/>
                 </a:solidFill>
               </a:rPr>
-              <a:t>Enable </a:t>
-            </a:r>
-            <a:r>
-              <a:rPr lang="en-US" sz="1400" strike="sngStrike" dirty="0" smtClean="0">
-                <a:solidFill>
-                  <a:schemeClr val="tx1"/>
-                </a:solidFill>
-              </a:rPr>
-              <a:t>and disable JavaScript</a:t>
+              <a:t>Enable and disable JavaScript</a:t>
             </a:r>
           </a:p>
           <a:p>
@@ -9392,7 +9287,7 @@
               <a:buChar char="o"/>
             </a:pPr>
             <a:r>
-              <a:rPr lang="en-US" sz="1400" strike="sngStrike" dirty="0" smtClean="0">
+              <a:rPr lang="en-US" sz="1400" strike="sngStrike" dirty="0">
                 <a:solidFill>
                   <a:schemeClr val="tx1"/>
                 </a:solidFill>
@@ -9409,7 +9304,7 @@
               <a:buChar char="o"/>
             </a:pPr>
             <a:r>
-              <a:rPr lang="en-US" sz="1400" strike="sngStrike" dirty="0" smtClean="0">
+              <a:rPr lang="en-US" sz="1400" strike="sngStrike" dirty="0">
                 <a:solidFill>
                   <a:schemeClr val="tx1"/>
                 </a:solidFill>
@@ -9426,7 +9321,7 @@
               <a:buChar char="o"/>
             </a:pPr>
             <a:r>
-              <a:rPr lang="en-US" sz="1400" dirty="0" smtClean="0">
+              <a:rPr lang="en-US" sz="1400" dirty="0">
                 <a:solidFill>
                   <a:schemeClr val="tx1"/>
                 </a:solidFill>
@@ -9467,7 +9362,7 @@
           <a:lstStyle/>
           <a:p>
             <a:r>
-              <a:rPr lang="en-IN" b="1" dirty="0" smtClean="0">
+              <a:rPr lang="en-IN" b="1" dirty="0">
                 <a:solidFill>
                   <a:schemeClr val="accent2">
                     <a:lumMod val="60000"/>
@@ -9493,7 +9388,7 @@
     </p:spTree>
     <p:extLst>
       <p:ext uri="{BB962C8B-B14F-4D97-AF65-F5344CB8AC3E}">
-        <p14:creationId xmlns:p14="http://schemas.microsoft.com/office/powerpoint/2010/main" xmlns="" val="3002471670"/>
+        <p14:creationId xmlns:p14="http://schemas.microsoft.com/office/powerpoint/2010/main" val="3002471670"/>
       </p:ext>
     </p:extLst>
   </p:cSld>
@@ -9525,7 +9420,7 @@
           <p:cNvPr id="9" name="Explosion: 14 Points 8">
             <a:extLst>
               <a:ext uri="{FF2B5EF4-FFF2-40B4-BE49-F238E27FC236}">
-                <a16:creationId xmlns:a16="http://schemas.microsoft.com/office/drawing/2014/main" xmlns="" id="{0A2CD68B-7A56-F86D-8B6F-4A8BF99B4C9E}"/>
+                <a16:creationId xmlns:a16="http://schemas.microsoft.com/office/drawing/2014/main" id="{0A2CD68B-7A56-F86D-8B6F-4A8BF99B4C9E}"/>
               </a:ext>
             </a:extLst>
           </p:cNvPr>
@@ -9580,7 +9475,7 @@
           <p:cNvPr id="2" name="Title 1">
             <a:extLst>
               <a:ext uri="{FF2B5EF4-FFF2-40B4-BE49-F238E27FC236}">
-                <a16:creationId xmlns:a16="http://schemas.microsoft.com/office/drawing/2014/main" xmlns="" id="{62BB4F8D-44B7-9866-F7B2-6375CB902974}"/>
+                <a16:creationId xmlns:a16="http://schemas.microsoft.com/office/drawing/2014/main" id="{62BB4F8D-44B7-9866-F7B2-6375CB902974}"/>
               </a:ext>
             </a:extLst>
           </p:cNvPr>
@@ -9614,15 +9509,6 @@
               </a:rPr>
               <a:t>JavaScript</a:t>
             </a:r>
-            <a:r>
-              <a:rPr lang="en-US" sz="7200" b="1" dirty="0">
-                <a:solidFill>
-                  <a:schemeClr val="tx1"/>
-                </a:solidFill>
-                <a:latin typeface="Barlow Black" panose="00000A00000000000000" pitchFamily="2" charset="0"/>
-              </a:rPr>
-              <a:t/>
-            </a:r>
             <a:br>
               <a:rPr lang="en-US" sz="7200" b="1" dirty="0">
                 <a:solidFill>
@@ -9632,7 +9518,7 @@
               </a:rPr>
             </a:br>
             <a:r>
-              <a:rPr lang="en-US" sz="7200" b="1" dirty="0" smtClean="0">
+              <a:rPr lang="en-US" sz="7200" b="1" dirty="0">
                 <a:solidFill>
                   <a:schemeClr val="tx1"/>
                 </a:solidFill>
@@ -9641,7 +9527,7 @@
               <a:t>Chapter – 3</a:t>
             </a:r>
             <a:br>
-              <a:rPr lang="en-US" sz="7200" b="1" dirty="0" smtClean="0">
+              <a:rPr lang="en-US" sz="7200" b="1" dirty="0">
                 <a:solidFill>
                   <a:schemeClr val="tx1"/>
                 </a:solidFill>
@@ -9649,7 +9535,7 @@
               </a:rPr>
             </a:br>
             <a:r>
-              <a:rPr lang="en-US" sz="2800" dirty="0" smtClean="0">
+              <a:rPr lang="en-US" sz="2800" dirty="0">
                 <a:solidFill>
                   <a:schemeClr val="accent2">
                     <a:lumMod val="60000"/>
@@ -9658,10 +9544,10 @@
                 </a:solidFill>
                 <a:latin typeface="Bahnschrift Light Condensed" pitchFamily="34" charset="0"/>
               </a:rPr>
-              <a:t> </a:t>
-            </a:r>
-            <a:r>
-              <a:rPr lang="en-US" sz="2800" dirty="0" smtClean="0">
+              <a:t> (</a:t>
+            </a:r>
+            <a:r>
+              <a:rPr lang="en-US" dirty="0">
                 <a:solidFill>
                   <a:schemeClr val="accent2">
                     <a:lumMod val="60000"/>
@@ -9670,22 +9556,10 @@
                 </a:solidFill>
                 <a:latin typeface="Bahnschrift Light Condensed" pitchFamily="34" charset="0"/>
               </a:rPr>
-              <a:t>(</a:t>
-            </a:r>
-            <a:r>
-              <a:rPr lang="en-US" dirty="0" smtClean="0">
-                <a:solidFill>
-                  <a:schemeClr val="accent2">
-                    <a:lumMod val="60000"/>
-                    <a:lumOff val="40000"/>
-                  </a:schemeClr>
-                </a:solidFill>
-                <a:latin typeface="Bahnschrift Light Condensed" pitchFamily="34" charset="0"/>
-              </a:rPr>
               <a:t>console</a:t>
             </a:r>
             <a:r>
-              <a:rPr lang="en-US" sz="2800" dirty="0" smtClean="0">
+              <a:rPr lang="en-US" sz="2800" dirty="0">
                 <a:solidFill>
                   <a:schemeClr val="accent2">
                     <a:lumMod val="60000"/>
@@ -9710,7 +9584,7 @@
           <p:cNvPr id="4" name="Ribbon: Curved and Tilted Down 3">
             <a:extLst>
               <a:ext uri="{FF2B5EF4-FFF2-40B4-BE49-F238E27FC236}">
-                <a16:creationId xmlns:a16="http://schemas.microsoft.com/office/drawing/2014/main" xmlns="" id="{909DBECF-689C-9AA7-1649-9166A578EDF9}"/>
+                <a16:creationId xmlns:a16="http://schemas.microsoft.com/office/drawing/2014/main" id="{909DBECF-689C-9AA7-1649-9166A578EDF9}"/>
               </a:ext>
             </a:extLst>
           </p:cNvPr>
@@ -9777,7 +9651,7 @@
           <p:cNvPr id="5" name="Scroll: Vertical 4">
             <a:extLst>
               <a:ext uri="{FF2B5EF4-FFF2-40B4-BE49-F238E27FC236}">
-                <a16:creationId xmlns:a16="http://schemas.microsoft.com/office/drawing/2014/main" xmlns="" id="{38EB993A-3F18-C6B7-226F-EDD62B4B31DB}"/>
+                <a16:creationId xmlns:a16="http://schemas.microsoft.com/office/drawing/2014/main" id="{38EB993A-3F18-C6B7-226F-EDD62B4B31DB}"/>
               </a:ext>
             </a:extLst>
           </p:cNvPr>
@@ -9846,7 +9720,7 @@
               <a:buChar char="o"/>
             </a:pPr>
             <a:r>
-              <a:rPr lang="en-US" sz="1600" dirty="0" smtClean="0">
+              <a:rPr lang="en-US" sz="1600" dirty="0">
                 <a:solidFill>
                   <a:schemeClr val="bg1">
                     <a:lumMod val="95000"/>
@@ -9865,7 +9739,7 @@
               <a:buChar char="o"/>
             </a:pPr>
             <a:r>
-              <a:rPr lang="en-IN" sz="1600" dirty="0" err="1" smtClean="0">
+              <a:rPr lang="en-IN" sz="1600" dirty="0" err="1">
                 <a:solidFill>
                   <a:schemeClr val="bg1">
                     <a:lumMod val="95000"/>
@@ -9875,7 +9749,7 @@
               <a:t>Console.error</a:t>
             </a:r>
             <a:r>
-              <a:rPr lang="en-IN" sz="1600" dirty="0" smtClean="0">
+              <a:rPr lang="en-IN" sz="1600" dirty="0">
                 <a:solidFill>
                   <a:schemeClr val="bg1">
                     <a:lumMod val="95000"/>
@@ -9894,7 +9768,7 @@
               <a:buChar char="o"/>
             </a:pPr>
             <a:r>
-              <a:rPr lang="en-IN" sz="1600" dirty="0" err="1" smtClean="0">
+              <a:rPr lang="en-IN" sz="1600" dirty="0" err="1">
                 <a:solidFill>
                   <a:schemeClr val="bg1">
                     <a:lumMod val="95000"/>
@@ -9904,7 +9778,7 @@
               <a:t>Console.assert</a:t>
             </a:r>
             <a:r>
-              <a:rPr lang="en-IN" sz="1600" dirty="0" smtClean="0">
+              <a:rPr lang="en-IN" sz="1600" dirty="0">
                 <a:solidFill>
                   <a:schemeClr val="bg1">
                     <a:lumMod val="95000"/>
@@ -9923,7 +9797,7 @@
               <a:buChar char="o"/>
             </a:pPr>
             <a:r>
-              <a:rPr lang="en-IN" sz="1600" dirty="0" err="1" smtClean="0">
+              <a:rPr lang="en-IN" sz="1600" dirty="0" err="1">
                 <a:solidFill>
                   <a:schemeClr val="bg1">
                     <a:lumMod val="95000"/>
@@ -9933,7 +9807,7 @@
               <a:t>Console.clear</a:t>
             </a:r>
             <a:r>
-              <a:rPr lang="en-IN" sz="1600" dirty="0" smtClean="0">
+              <a:rPr lang="en-IN" sz="1600" dirty="0">
                 <a:solidFill>
                   <a:schemeClr val="bg1">
                     <a:lumMod val="95000"/>
@@ -9952,7 +9826,7 @@
               <a:buChar char="o"/>
             </a:pPr>
             <a:r>
-              <a:rPr lang="en-IN" sz="1600" dirty="0" err="1" smtClean="0">
+              <a:rPr lang="en-IN" sz="1600" dirty="0" err="1">
                 <a:solidFill>
                   <a:schemeClr val="bg1">
                     <a:lumMod val="95000"/>
@@ -9962,7 +9836,7 @@
               <a:t>Console.count</a:t>
             </a:r>
             <a:r>
-              <a:rPr lang="en-IN" sz="1600" dirty="0" smtClean="0">
+              <a:rPr lang="en-IN" sz="1600" dirty="0">
                 <a:solidFill>
                   <a:schemeClr val="bg1">
                     <a:lumMod val="95000"/>
@@ -9981,7 +9855,7 @@
               <a:buChar char="o"/>
             </a:pPr>
             <a:r>
-              <a:rPr lang="en-IN" sz="1600" dirty="0" err="1" smtClean="0">
+              <a:rPr lang="en-IN" sz="1600" dirty="0" err="1">
                 <a:solidFill>
                   <a:schemeClr val="bg1">
                     <a:lumMod val="95000"/>
@@ -9991,7 +9865,7 @@
               <a:t>Console.time</a:t>
             </a:r>
             <a:r>
-              <a:rPr lang="en-IN" sz="1600" dirty="0" smtClean="0">
+              <a:rPr lang="en-IN" sz="1600" dirty="0">
                 <a:solidFill>
                   <a:schemeClr val="bg1">
                     <a:lumMod val="95000"/>
@@ -10010,7 +9884,7 @@
               <a:buChar char="o"/>
             </a:pPr>
             <a:r>
-              <a:rPr lang="en-IN" sz="1600" dirty="0" err="1" smtClean="0">
+              <a:rPr lang="en-IN" sz="1600" dirty="0" err="1">
                 <a:solidFill>
                   <a:schemeClr val="bg1">
                     <a:lumMod val="95000"/>
@@ -10020,7 +9894,7 @@
               <a:t>Console.timeEnd</a:t>
             </a:r>
             <a:r>
-              <a:rPr lang="en-IN" sz="1600" dirty="0" smtClean="0">
+              <a:rPr lang="en-IN" sz="1600" dirty="0">
                 <a:solidFill>
                   <a:schemeClr val="bg1">
                     <a:lumMod val="95000"/>
@@ -10039,7 +9913,7 @@
               <a:buChar char="o"/>
             </a:pPr>
             <a:r>
-              <a:rPr lang="en-IN" sz="1600" dirty="0" err="1" smtClean="0">
+              <a:rPr lang="en-IN" sz="1600" dirty="0" err="1">
                 <a:solidFill>
                   <a:schemeClr val="bg1">
                     <a:lumMod val="95000"/>
@@ -10049,7 +9923,7 @@
               <a:t>Console.trace</a:t>
             </a:r>
             <a:r>
-              <a:rPr lang="en-IN" sz="1600" dirty="0" smtClean="0">
+              <a:rPr lang="en-IN" sz="1600" dirty="0">
                 <a:solidFill>
                   <a:schemeClr val="bg1">
                     <a:lumMod val="95000"/>
@@ -10068,7 +9942,7 @@
               <a:buChar char="o"/>
             </a:pPr>
             <a:r>
-              <a:rPr lang="en-IN" sz="1600" dirty="0" err="1" smtClean="0">
+              <a:rPr lang="en-IN" sz="1600" dirty="0" err="1">
                 <a:solidFill>
                   <a:schemeClr val="bg1">
                     <a:lumMod val="95000"/>
@@ -10078,7 +9952,7 @@
               <a:t>Console.warn</a:t>
             </a:r>
             <a:r>
-              <a:rPr lang="en-IN" sz="1600" dirty="0" smtClean="0">
+              <a:rPr lang="en-IN" sz="1600" dirty="0">
                 <a:solidFill>
                   <a:schemeClr val="bg1">
                     <a:lumMod val="95000"/>
@@ -10097,7 +9971,7 @@
               <a:buChar char="o"/>
             </a:pPr>
             <a:r>
-              <a:rPr lang="en-IN" sz="1600" dirty="0" smtClean="0">
+              <a:rPr lang="en-IN" sz="1600" dirty="0">
                 <a:solidFill>
                   <a:schemeClr val="bg1">
                     <a:lumMod val="95000"/>
@@ -10116,7 +9990,7 @@
               <a:buChar char="o"/>
             </a:pPr>
             <a:r>
-              <a:rPr lang="en-IN" sz="1600" dirty="0" err="1" smtClean="0">
+              <a:rPr lang="en-IN" sz="1600" dirty="0" err="1">
                 <a:solidFill>
                   <a:schemeClr val="bg1">
                     <a:lumMod val="95000"/>
@@ -10126,7 +10000,7 @@
               <a:t>Console.table</a:t>
             </a:r>
             <a:r>
-              <a:rPr lang="en-IN" sz="1600" dirty="0" smtClean="0">
+              <a:rPr lang="en-IN" sz="1600" dirty="0">
                 <a:solidFill>
                   <a:schemeClr val="bg1">
                     <a:lumMod val="95000"/>
@@ -10145,7 +10019,7 @@
               <a:buChar char="o"/>
             </a:pPr>
             <a:r>
-              <a:rPr lang="en-IN" sz="1600" dirty="0" err="1" smtClean="0">
+              <a:rPr lang="en-IN" sz="1600" dirty="0" err="1">
                 <a:solidFill>
                   <a:schemeClr val="bg1">
                     <a:lumMod val="95000"/>
@@ -10155,7 +10029,7 @@
               <a:t>Console.group</a:t>
             </a:r>
             <a:r>
-              <a:rPr lang="en-IN" sz="1600" dirty="0" smtClean="0">
+              <a:rPr lang="en-IN" sz="1600" dirty="0">
                 <a:solidFill>
                   <a:schemeClr val="bg1">
                     <a:lumMod val="95000"/>
@@ -10189,7 +10063,7 @@
           <p:cNvPr id="8" name="TextBox 7">
             <a:extLst>
               <a:ext uri="{FF2B5EF4-FFF2-40B4-BE49-F238E27FC236}">
-                <a16:creationId xmlns:a16="http://schemas.microsoft.com/office/drawing/2014/main" xmlns="" id="{6E6F1672-8C91-3FA6-CB80-58FD68172333}"/>
+                <a16:creationId xmlns:a16="http://schemas.microsoft.com/office/drawing/2014/main" id="{6E6F1672-8C91-3FA6-CB80-58FD68172333}"/>
               </a:ext>
             </a:extLst>
           </p:cNvPr>
@@ -10247,7 +10121,7 @@
     </p:spTree>
     <p:extLst>
       <p:ext uri="{BB962C8B-B14F-4D97-AF65-F5344CB8AC3E}">
-        <p14:creationId xmlns:p14="http://schemas.microsoft.com/office/powerpoint/2010/main" xmlns="" val="3287175084"/>
+        <p14:creationId xmlns:p14="http://schemas.microsoft.com/office/powerpoint/2010/main" val="3287175084"/>
       </p:ext>
     </p:extLst>
   </p:cSld>
@@ -10279,7 +10153,7 @@
           <p:cNvPr id="9" name="Explosion: 14 Points 8">
             <a:extLst>
               <a:ext uri="{FF2B5EF4-FFF2-40B4-BE49-F238E27FC236}">
-                <a16:creationId xmlns:a16="http://schemas.microsoft.com/office/drawing/2014/main" xmlns="" id="{0A2CD68B-7A56-F86D-8B6F-4A8BF99B4C9E}"/>
+                <a16:creationId xmlns:a16="http://schemas.microsoft.com/office/drawing/2014/main" id="{0A2CD68B-7A56-F86D-8B6F-4A8BF99B4C9E}"/>
               </a:ext>
             </a:extLst>
           </p:cNvPr>
@@ -10334,7 +10208,7 @@
           <p:cNvPr id="2" name="Title 1">
             <a:extLst>
               <a:ext uri="{FF2B5EF4-FFF2-40B4-BE49-F238E27FC236}">
-                <a16:creationId xmlns:a16="http://schemas.microsoft.com/office/drawing/2014/main" xmlns="" id="{62BB4F8D-44B7-9866-F7B2-6375CB902974}"/>
+                <a16:creationId xmlns:a16="http://schemas.microsoft.com/office/drawing/2014/main" id="{62BB4F8D-44B7-9866-F7B2-6375CB902974}"/>
               </a:ext>
             </a:extLst>
           </p:cNvPr>
@@ -10368,15 +10242,6 @@
               </a:rPr>
               <a:t>JavaScript</a:t>
             </a:r>
-            <a:r>
-              <a:rPr lang="en-US" sz="7200" b="1" dirty="0">
-                <a:solidFill>
-                  <a:schemeClr val="tx1"/>
-                </a:solidFill>
-                <a:latin typeface="Barlow Black" panose="00000A00000000000000" pitchFamily="2" charset="0"/>
-              </a:rPr>
-              <a:t/>
-            </a:r>
             <a:br>
               <a:rPr lang="en-US" sz="7200" b="1" dirty="0">
                 <a:solidFill>
@@ -10386,7 +10251,7 @@
               </a:rPr>
             </a:br>
             <a:r>
-              <a:rPr lang="en-US" sz="7200" b="1" dirty="0" smtClean="0">
+              <a:rPr lang="en-US" sz="7200" b="1" dirty="0">
                 <a:solidFill>
                   <a:schemeClr val="tx1"/>
                 </a:solidFill>
@@ -10395,7 +10260,7 @@
               <a:t>Chapter – 4</a:t>
             </a:r>
             <a:br>
-              <a:rPr lang="en-US" sz="7200" b="1" dirty="0" smtClean="0">
+              <a:rPr lang="en-US" sz="7200" b="1" dirty="0">
                 <a:solidFill>
                   <a:schemeClr val="tx1"/>
                 </a:solidFill>
@@ -10403,7 +10268,7 @@
               </a:rPr>
             </a:br>
             <a:r>
-              <a:rPr lang="en-US" sz="2800" dirty="0" smtClean="0">
+              <a:rPr lang="en-US" sz="2800" dirty="0">
                 <a:solidFill>
                   <a:schemeClr val="accent2">
                     <a:lumMod val="60000"/>
@@ -10415,7 +10280,7 @@
               <a:t>(</a:t>
             </a:r>
             <a:r>
-              <a:rPr lang="en-US" dirty="0" smtClean="0">
+              <a:rPr lang="en-US" dirty="0">
                 <a:solidFill>
                   <a:schemeClr val="accent2">
                     <a:lumMod val="60000"/>
@@ -10427,7 +10292,7 @@
               <a:t>comments</a:t>
             </a:r>
             <a:r>
-              <a:rPr lang="en-US" sz="2800" dirty="0" smtClean="0">
+              <a:rPr lang="en-US" sz="2800" dirty="0">
                 <a:solidFill>
                   <a:schemeClr val="accent2">
                     <a:lumMod val="60000"/>
@@ -10455,7 +10320,7 @@
           <p:cNvPr id="4" name="Ribbon: Curved and Tilted Down 3">
             <a:extLst>
               <a:ext uri="{FF2B5EF4-FFF2-40B4-BE49-F238E27FC236}">
-                <a16:creationId xmlns:a16="http://schemas.microsoft.com/office/drawing/2014/main" xmlns="" id="{909DBECF-689C-9AA7-1649-9166A578EDF9}"/>
+                <a16:creationId xmlns:a16="http://schemas.microsoft.com/office/drawing/2014/main" id="{909DBECF-689C-9AA7-1649-9166A578EDF9}"/>
               </a:ext>
             </a:extLst>
           </p:cNvPr>
@@ -10522,7 +10387,7 @@
           <p:cNvPr id="8" name="TextBox 7">
             <a:extLst>
               <a:ext uri="{FF2B5EF4-FFF2-40B4-BE49-F238E27FC236}">
-                <a16:creationId xmlns:a16="http://schemas.microsoft.com/office/drawing/2014/main" xmlns="" id="{6E6F1672-8C91-3FA6-CB80-58FD68172333}"/>
+                <a16:creationId xmlns:a16="http://schemas.microsoft.com/office/drawing/2014/main" id="{6E6F1672-8C91-3FA6-CB80-58FD68172333}"/>
               </a:ext>
             </a:extLst>
           </p:cNvPr>
@@ -10582,7 +10447,7 @@
           <p:cNvPr id="5" name="Scroll: Vertical 4">
             <a:extLst>
               <a:ext uri="{FF2B5EF4-FFF2-40B4-BE49-F238E27FC236}">
-                <a16:creationId xmlns:a16="http://schemas.microsoft.com/office/drawing/2014/main" xmlns="" id="{38EB993A-3F18-C6B7-226F-EDD62B4B31DB}"/>
+                <a16:creationId xmlns:a16="http://schemas.microsoft.com/office/drawing/2014/main" id="{38EB993A-3F18-C6B7-226F-EDD62B4B31DB}"/>
               </a:ext>
             </a:extLst>
           </p:cNvPr>
@@ -10651,7 +10516,7 @@
               <a:buChar char="o"/>
             </a:pPr>
             <a:r>
-              <a:rPr lang="en-US" sz="1600" dirty="0" smtClean="0">
+              <a:rPr lang="en-US" sz="1600" dirty="0">
                 <a:solidFill>
                   <a:schemeClr val="bg1">
                     <a:lumMod val="95000"/>
@@ -10670,7 +10535,7 @@
               <a:buChar char="o"/>
             </a:pPr>
             <a:r>
-              <a:rPr lang="en-IN" sz="1600" dirty="0" smtClean="0">
+              <a:rPr lang="en-IN" sz="1600" dirty="0">
                 <a:solidFill>
                   <a:schemeClr val="bg1">
                     <a:lumMod val="95000"/>
@@ -10689,7 +10554,7 @@
               <a:buChar char="o"/>
             </a:pPr>
             <a:r>
-              <a:rPr lang="en-IN" sz="1600" dirty="0" smtClean="0">
+              <a:rPr lang="en-IN" sz="1600" dirty="0">
                 <a:solidFill>
                   <a:schemeClr val="bg1">
                     <a:lumMod val="95000"/>
@@ -10698,20 +10563,13 @@
               </a:rPr>
               <a:t>Inline comments</a:t>
             </a:r>
-            <a:endParaRPr lang="en-IN" sz="1600" dirty="0">
-              <a:solidFill>
-                <a:schemeClr val="bg1">
-                  <a:lumMod val="95000"/>
-                </a:schemeClr>
-              </a:solidFill>
-            </a:endParaRPr>
           </a:p>
         </p:txBody>
       </p:sp>
     </p:spTree>
     <p:extLst>
       <p:ext uri="{BB962C8B-B14F-4D97-AF65-F5344CB8AC3E}">
-        <p14:creationId xmlns:p14="http://schemas.microsoft.com/office/powerpoint/2010/main" xmlns="" val="3287175084"/>
+        <p14:creationId xmlns:p14="http://schemas.microsoft.com/office/powerpoint/2010/main" val="3287175084"/>
       </p:ext>
     </p:extLst>
   </p:cSld>
@@ -10722,6 +10580,599 @@
 </file>
 
 <file path=ppt/slides/slide19.xml><?xml version="1.0" encoding="utf-8"?>
+<p:sld xmlns:a="http://schemas.openxmlformats.org/drawingml/2006/main" xmlns:r="http://schemas.openxmlformats.org/officeDocument/2006/relationships" xmlns:p="http://schemas.openxmlformats.org/presentationml/2006/main">
+  <p:cSld>
+    <p:spTree>
+      <p:nvGrpSpPr>
+        <p:cNvPr id="1" name="">
+          <a:extLst>
+            <a:ext uri="{FF2B5EF4-FFF2-40B4-BE49-F238E27FC236}">
+              <a16:creationId xmlns:a16="http://schemas.microsoft.com/office/drawing/2014/main" id="{C5637B91-7316-D738-42FD-B6F1CC38AB90}"/>
+            </a:ext>
+          </a:extLst>
+        </p:cNvPr>
+        <p:cNvGrpSpPr/>
+        <p:nvPr/>
+      </p:nvGrpSpPr>
+      <p:grpSpPr>
+        <a:xfrm>
+          <a:off x="0" y="0"/>
+          <a:ext cx="0" cy="0"/>
+          <a:chOff x="0" y="0"/>
+          <a:chExt cx="0" cy="0"/>
+        </a:xfrm>
+      </p:grpSpPr>
+      <p:sp>
+        <p:nvSpPr>
+          <p:cNvPr id="2" name="Title 1">
+            <a:extLst>
+              <a:ext uri="{FF2B5EF4-FFF2-40B4-BE49-F238E27FC236}">
+                <a16:creationId xmlns:a16="http://schemas.microsoft.com/office/drawing/2014/main" id="{0BB42E27-7C22-C4E2-3B23-3F7F20980B00}"/>
+              </a:ext>
+            </a:extLst>
+          </p:cNvPr>
+          <p:cNvSpPr>
+            <a:spLocks noGrp="1"/>
+          </p:cNvSpPr>
+          <p:nvPr>
+            <p:ph type="title"/>
+          </p:nvPr>
+        </p:nvSpPr>
+        <p:spPr>
+          <a:xfrm>
+            <a:off x="198362" y="837317"/>
+            <a:ext cx="8596668" cy="666407"/>
+          </a:xfrm>
+        </p:spPr>
+        <p:txBody>
+          <a:bodyPr/>
+          <a:lstStyle/>
+          <a:p>
+            <a:r>
+              <a:rPr lang="en-US" b="1" dirty="0">
+                <a:solidFill>
+                  <a:schemeClr val="tx1"/>
+                </a:solidFill>
+                <a:latin typeface="Bahnschrift SemiLight" pitchFamily="34" charset="0"/>
+              </a:rPr>
+              <a:t>Literal in JavaScript</a:t>
+            </a:r>
+          </a:p>
+        </p:txBody>
+      </p:sp>
+      <p:sp>
+        <p:nvSpPr>
+          <p:cNvPr id="3" name="Content Placeholder 2">
+            <a:extLst>
+              <a:ext uri="{FF2B5EF4-FFF2-40B4-BE49-F238E27FC236}">
+                <a16:creationId xmlns:a16="http://schemas.microsoft.com/office/drawing/2014/main" id="{514ACDD6-0D2B-0B03-F18B-91318DCF7D9A}"/>
+              </a:ext>
+            </a:extLst>
+          </p:cNvPr>
+          <p:cNvSpPr>
+            <a:spLocks noGrp="1"/>
+          </p:cNvSpPr>
+          <p:nvPr>
+            <p:ph idx="1"/>
+          </p:nvPr>
+        </p:nvSpPr>
+        <p:spPr>
+          <a:xfrm>
+            <a:off x="198362" y="1537549"/>
+            <a:ext cx="8115673" cy="5424577"/>
+          </a:xfrm>
+        </p:spPr>
+        <p:txBody>
+          <a:bodyPr>
+            <a:normAutofit lnSpcReduction="10000"/>
+          </a:bodyPr>
+          <a:lstStyle/>
+          <a:p>
+            <a:r>
+              <a:rPr lang="en-US" sz="2000" dirty="0">
+                <a:solidFill>
+                  <a:schemeClr val="accent2">
+                    <a:lumMod val="40000"/>
+                    <a:lumOff val="60000"/>
+                  </a:schemeClr>
+                </a:solidFill>
+              </a:rPr>
+              <a:t>Single line comment</a:t>
+            </a:r>
+            <a:br>
+              <a:rPr lang="en-US" sz="2000" dirty="0"/>
+            </a:br>
+            <a:br>
+              <a:rPr lang="en-US" sz="2000" dirty="0"/>
+            </a:br>
+            <a:r>
+              <a:rPr lang="en-US" sz="2000" dirty="0">
+                <a:solidFill>
+                  <a:schemeClr val="tx1">
+                    <a:lumMod val="50000"/>
+                  </a:schemeClr>
+                </a:solidFill>
+              </a:rPr>
+              <a:t>// This is single-line comment to the code</a:t>
+            </a:r>
+            <a:br>
+              <a:rPr lang="en-US" sz="2000" dirty="0">
+                <a:solidFill>
+                  <a:schemeClr val="tx1">
+                    <a:lumMod val="50000"/>
+                  </a:schemeClr>
+                </a:solidFill>
+              </a:rPr>
+            </a:br>
+            <a:r>
+              <a:rPr lang="en-US" sz="2000" dirty="0">
+                <a:solidFill>
+                  <a:schemeClr val="tx1"/>
+                </a:solidFill>
+              </a:rPr>
+              <a:t>let x = 20;</a:t>
+            </a:r>
+            <a:br>
+              <a:rPr lang="en-US" sz="2000" dirty="0">
+                <a:solidFill>
+                  <a:schemeClr val="tx1"/>
+                </a:solidFill>
+              </a:rPr>
+            </a:br>
+            <a:br>
+              <a:rPr lang="en-US" sz="2000" dirty="0">
+                <a:solidFill>
+                  <a:schemeClr val="tx1"/>
+                </a:solidFill>
+              </a:rPr>
+            </a:br>
+            <a:endParaRPr lang="en-US" sz="2000" dirty="0">
+              <a:solidFill>
+                <a:schemeClr val="tx1"/>
+              </a:solidFill>
+            </a:endParaRPr>
+          </a:p>
+          <a:p>
+            <a:r>
+              <a:rPr lang="en-US" sz="2000" dirty="0">
+                <a:solidFill>
+                  <a:schemeClr val="accent2">
+                    <a:lumMod val="40000"/>
+                    <a:lumOff val="60000"/>
+                  </a:schemeClr>
+                </a:solidFill>
+              </a:rPr>
+              <a:t>Inline comment</a:t>
+            </a:r>
+            <a:br>
+              <a:rPr lang="en-US" sz="2000" dirty="0"/>
+            </a:br>
+            <a:r>
+              <a:rPr lang="en-US" sz="2000" dirty="0"/>
+              <a:t>let x = 20; </a:t>
+            </a:r>
+            <a:r>
+              <a:rPr lang="en-US" sz="2000" dirty="0">
+                <a:solidFill>
+                  <a:schemeClr val="tx1">
+                    <a:lumMod val="50000"/>
+                  </a:schemeClr>
+                </a:solidFill>
+              </a:rPr>
+              <a:t>// This is inline comment</a:t>
+            </a:r>
+            <a:br>
+              <a:rPr lang="en-US" sz="2000" dirty="0">
+                <a:solidFill>
+                  <a:schemeClr val="tx1">
+                    <a:lumMod val="50000"/>
+                  </a:schemeClr>
+                </a:solidFill>
+              </a:rPr>
+            </a:br>
+            <a:br>
+              <a:rPr lang="en-US" sz="2000" dirty="0">
+                <a:solidFill>
+                  <a:schemeClr val="tx1">
+                    <a:lumMod val="50000"/>
+                  </a:schemeClr>
+                </a:solidFill>
+              </a:rPr>
+            </a:br>
+            <a:endParaRPr lang="en-US" sz="2000" dirty="0">
+              <a:solidFill>
+                <a:schemeClr val="tx1">
+                  <a:lumMod val="50000"/>
+                </a:schemeClr>
+              </a:solidFill>
+            </a:endParaRPr>
+          </a:p>
+          <a:p>
+            <a:r>
+              <a:rPr lang="en-US" sz="2000" dirty="0">
+                <a:solidFill>
+                  <a:schemeClr val="accent2">
+                    <a:lumMod val="40000"/>
+                    <a:lumOff val="60000"/>
+                  </a:schemeClr>
+                </a:solidFill>
+              </a:rPr>
+              <a:t>Multiline comment</a:t>
+            </a:r>
+            <a:br>
+              <a:rPr lang="en-US" sz="2000" dirty="0"/>
+            </a:br>
+            <a:r>
+              <a:rPr lang="en-US" sz="2000" dirty="0">
+                <a:solidFill>
+                  <a:schemeClr val="tx1">
+                    <a:lumMod val="50000"/>
+                  </a:schemeClr>
+                </a:solidFill>
+              </a:rPr>
+              <a:t>/*</a:t>
+            </a:r>
+            <a:br>
+              <a:rPr lang="en-US" sz="2000" dirty="0">
+                <a:solidFill>
+                  <a:schemeClr val="tx1">
+                    <a:lumMod val="50000"/>
+                  </a:schemeClr>
+                </a:solidFill>
+              </a:rPr>
+            </a:br>
+            <a:r>
+              <a:rPr lang="en-US" sz="2000" dirty="0">
+                <a:solidFill>
+                  <a:schemeClr val="tx1">
+                    <a:lumMod val="50000"/>
+                  </a:schemeClr>
+                </a:solidFill>
+              </a:rPr>
+              <a:t>		This is a multi-line comment for JavaScript code.</a:t>
+            </a:r>
+            <a:br>
+              <a:rPr lang="en-US" sz="2000" dirty="0">
+                <a:solidFill>
+                  <a:schemeClr val="tx1">
+                    <a:lumMod val="50000"/>
+                  </a:schemeClr>
+                </a:solidFill>
+              </a:rPr>
+            </a:br>
+            <a:r>
+              <a:rPr lang="en-US" sz="2000" dirty="0">
+                <a:solidFill>
+                  <a:schemeClr val="tx1">
+                    <a:lumMod val="50000"/>
+                  </a:schemeClr>
+                </a:solidFill>
+              </a:rPr>
+              <a:t>		This is very useful whenever you want to organize your </a:t>
+            </a:r>
+            <a:br>
+              <a:rPr lang="en-US" sz="2000" dirty="0">
+                <a:solidFill>
+                  <a:schemeClr val="tx1">
+                    <a:lumMod val="50000"/>
+                  </a:schemeClr>
+                </a:solidFill>
+              </a:rPr>
+            </a:br>
+            <a:r>
+              <a:rPr lang="en-US" sz="2000" dirty="0">
+                <a:solidFill>
+                  <a:schemeClr val="tx1">
+                    <a:lumMod val="50000"/>
+                  </a:schemeClr>
+                </a:solidFill>
+              </a:rPr>
+              <a:t>		JavaScript comments.</a:t>
+            </a:r>
+            <a:br>
+              <a:rPr lang="en-US" sz="2000" dirty="0">
+                <a:solidFill>
+                  <a:schemeClr val="tx1">
+                    <a:lumMod val="50000"/>
+                  </a:schemeClr>
+                </a:solidFill>
+              </a:rPr>
+            </a:br>
+            <a:r>
+              <a:rPr lang="en-US" sz="2000" dirty="0">
+                <a:solidFill>
+                  <a:schemeClr val="tx1">
+                    <a:lumMod val="50000"/>
+                  </a:schemeClr>
+                </a:solidFill>
+              </a:rPr>
+              <a:t>*/</a:t>
+            </a:r>
+            <a:br>
+              <a:rPr lang="en-US" sz="2000" dirty="0">
+                <a:solidFill>
+                  <a:schemeClr val="tx1">
+                    <a:lumMod val="50000"/>
+                  </a:schemeClr>
+                </a:solidFill>
+              </a:rPr>
+            </a:br>
+            <a:r>
+              <a:rPr lang="en-US" sz="2000" dirty="0">
+                <a:solidFill>
+                  <a:schemeClr val="tx1"/>
+                </a:solidFill>
+              </a:rPr>
+              <a:t>let x = 20;</a:t>
+            </a:r>
+          </a:p>
+        </p:txBody>
+      </p:sp>
+      <p:sp>
+        <p:nvSpPr>
+          <p:cNvPr id="5" name="Ribbon: Curved and Tilted Down 4">
+            <a:extLst>
+              <a:ext uri="{FF2B5EF4-FFF2-40B4-BE49-F238E27FC236}">
+                <a16:creationId xmlns:a16="http://schemas.microsoft.com/office/drawing/2014/main" id="{D1D7DB93-DBF3-0DF0-3533-AC1786837990}"/>
+              </a:ext>
+            </a:extLst>
+          </p:cNvPr>
+          <p:cNvSpPr/>
+          <p:nvPr/>
+        </p:nvSpPr>
+        <p:spPr>
+          <a:xfrm>
+            <a:off x="198362" y="149779"/>
+            <a:ext cx="5233128" cy="666407"/>
+          </a:xfrm>
+          <a:prstGeom prst="ellipseRibbon">
+            <a:avLst/>
+          </a:prstGeom>
+          <a:solidFill>
+            <a:schemeClr val="bg1">
+              <a:lumMod val="85000"/>
+              <a:lumOff val="15000"/>
+            </a:schemeClr>
+          </a:solidFill>
+          <a:ln>
+            <a:noFill/>
+          </a:ln>
+        </p:spPr>
+        <p:style>
+          <a:lnRef idx="2">
+            <a:schemeClr val="accent1">
+              <a:shade val="15000"/>
+            </a:schemeClr>
+          </a:lnRef>
+          <a:fillRef idx="1">
+            <a:schemeClr val="accent1"/>
+          </a:fillRef>
+          <a:effectRef idx="0">
+            <a:schemeClr val="accent1"/>
+          </a:effectRef>
+          <a:fontRef idx="minor">
+            <a:schemeClr val="lt1"/>
+          </a:fontRef>
+        </p:style>
+        <p:txBody>
+          <a:bodyPr rtlCol="0" anchor="ctr"/>
+          <a:lstStyle/>
+          <a:p>
+            <a:pPr algn="ctr"/>
+            <a:r>
+              <a:rPr lang="en-US" sz="2000" dirty="0">
+                <a:solidFill>
+                  <a:schemeClr val="tx1">
+                    <a:lumMod val="65000"/>
+                    <a:lumOff val="35000"/>
+                  </a:schemeClr>
+                </a:solidFill>
+              </a:rPr>
+              <a:t>JavaScript Tutorials</a:t>
+            </a:r>
+            <a:endParaRPr lang="en-IN" sz="2000" dirty="0">
+              <a:solidFill>
+                <a:schemeClr val="tx1">
+                  <a:lumMod val="65000"/>
+                  <a:lumOff val="35000"/>
+                </a:schemeClr>
+              </a:solidFill>
+            </a:endParaRPr>
+          </a:p>
+        </p:txBody>
+      </p:sp>
+      <p:sp>
+        <p:nvSpPr>
+          <p:cNvPr id="6" name="Scroll: Vertical 5">
+            <a:extLst>
+              <a:ext uri="{FF2B5EF4-FFF2-40B4-BE49-F238E27FC236}">
+                <a16:creationId xmlns:a16="http://schemas.microsoft.com/office/drawing/2014/main" id="{4B810CE8-F172-ABEF-9B5B-F6C6A3F4D513}"/>
+              </a:ext>
+            </a:extLst>
+          </p:cNvPr>
+          <p:cNvSpPr/>
+          <p:nvPr/>
+        </p:nvSpPr>
+        <p:spPr>
+          <a:xfrm>
+            <a:off x="7851914" y="715617"/>
+            <a:ext cx="4240696" cy="4989444"/>
+          </a:xfrm>
+          <a:prstGeom prst="verticalScroll">
+            <a:avLst/>
+          </a:prstGeom>
+          <a:solidFill>
+            <a:schemeClr val="bg1">
+              <a:lumMod val="85000"/>
+            </a:schemeClr>
+          </a:solidFill>
+          <a:ln>
+            <a:solidFill>
+              <a:schemeClr val="bg1">
+                <a:lumMod val="75000"/>
+                <a:lumOff val="25000"/>
+              </a:schemeClr>
+            </a:solidFill>
+          </a:ln>
+        </p:spPr>
+        <p:style>
+          <a:lnRef idx="2">
+            <a:schemeClr val="accent1">
+              <a:shade val="15000"/>
+            </a:schemeClr>
+          </a:lnRef>
+          <a:fillRef idx="1">
+            <a:schemeClr val="accent1"/>
+          </a:fillRef>
+          <a:effectRef idx="0">
+            <a:schemeClr val="accent1"/>
+          </a:effectRef>
+          <a:fontRef idx="minor">
+            <a:schemeClr val="lt1"/>
+          </a:fontRef>
+        </p:style>
+        <p:txBody>
+          <a:bodyPr rtlCol="0" anchor="t"/>
+          <a:lstStyle/>
+          <a:p>
+            <a:pPr>
+              <a:lnSpc>
+                <a:spcPct val="150000"/>
+              </a:lnSpc>
+            </a:pPr>
+            <a:r>
+              <a:rPr lang="en-US" sz="2000" b="1" dirty="0">
+                <a:solidFill>
+                  <a:schemeClr val="tx1"/>
+                </a:solidFill>
+              </a:rPr>
+              <a:t>Topics</a:t>
+            </a:r>
+          </a:p>
+          <a:p>
+            <a:pPr marL="285750" indent="-285750">
+              <a:lnSpc>
+                <a:spcPct val="150000"/>
+              </a:lnSpc>
+              <a:buFont typeface="Courier New" panose="02070309020205020404" pitchFamily="49" charset="0"/>
+              <a:buChar char="o"/>
+            </a:pPr>
+            <a:r>
+              <a:rPr lang="en-US" sz="2000" dirty="0">
+                <a:solidFill>
+                  <a:schemeClr val="tx1"/>
+                </a:solidFill>
+              </a:rPr>
+              <a:t>Single line comments</a:t>
+            </a:r>
+          </a:p>
+          <a:p>
+            <a:pPr marL="285750" indent="-285750">
+              <a:lnSpc>
+                <a:spcPct val="150000"/>
+              </a:lnSpc>
+              <a:buFont typeface="Courier New" panose="02070309020205020404" pitchFamily="49" charset="0"/>
+              <a:buChar char="o"/>
+            </a:pPr>
+            <a:r>
+              <a:rPr lang="en-IN" sz="2000" dirty="0">
+                <a:solidFill>
+                  <a:schemeClr val="tx1"/>
+                </a:solidFill>
+              </a:rPr>
+              <a:t>Inline comments</a:t>
+            </a:r>
+            <a:endParaRPr lang="en-US" sz="2000" dirty="0">
+              <a:solidFill>
+                <a:schemeClr val="tx1"/>
+              </a:solidFill>
+            </a:endParaRPr>
+          </a:p>
+          <a:p>
+            <a:pPr marL="285750" indent="-285750">
+              <a:lnSpc>
+                <a:spcPct val="150000"/>
+              </a:lnSpc>
+              <a:buFont typeface="Courier New" panose="02070309020205020404" pitchFamily="49" charset="0"/>
+              <a:buChar char="o"/>
+            </a:pPr>
+            <a:r>
+              <a:rPr lang="en-IN" sz="2000" dirty="0">
+                <a:solidFill>
+                  <a:schemeClr val="tx1"/>
+                </a:solidFill>
+              </a:rPr>
+              <a:t>Multiline comments</a:t>
+            </a:r>
+          </a:p>
+        </p:txBody>
+      </p:sp>
+      <p:sp>
+        <p:nvSpPr>
+          <p:cNvPr id="7" name="TextBox 6">
+            <a:extLst>
+              <a:ext uri="{FF2B5EF4-FFF2-40B4-BE49-F238E27FC236}">
+                <a16:creationId xmlns:a16="http://schemas.microsoft.com/office/drawing/2014/main" id="{7C7A2712-C9B9-958D-594C-39F36B75B90A}"/>
+              </a:ext>
+            </a:extLst>
+          </p:cNvPr>
+          <p:cNvSpPr txBox="1"/>
+          <p:nvPr/>
+        </p:nvSpPr>
+        <p:spPr>
+          <a:xfrm>
+            <a:off x="9614263" y="801189"/>
+            <a:ext cx="1401346" cy="369332"/>
+          </a:xfrm>
+          <a:prstGeom prst="rect">
+            <a:avLst/>
+          </a:prstGeom>
+          <a:noFill/>
+        </p:spPr>
+        <p:txBody>
+          <a:bodyPr wrap="none" rtlCol="0">
+            <a:spAutoFit/>
+          </a:bodyPr>
+          <a:lstStyle/>
+          <a:p>
+            <a:r>
+              <a:rPr lang="en-IN" b="1" dirty="0">
+                <a:solidFill>
+                  <a:schemeClr val="accent2">
+                    <a:lumMod val="60000"/>
+                    <a:lumOff val="40000"/>
+                  </a:schemeClr>
+                </a:solidFill>
+                <a:latin typeface="Bahnschrift SemiLight" pitchFamily="34" charset="0"/>
+              </a:rPr>
+              <a:t>Chapter - 4</a:t>
+            </a:r>
+            <a:endParaRPr lang="en-US" b="1" dirty="0">
+              <a:solidFill>
+                <a:schemeClr val="accent2">
+                  <a:lumMod val="60000"/>
+                  <a:lumOff val="40000"/>
+                </a:schemeClr>
+              </a:solidFill>
+              <a:latin typeface="Bahnschrift SemiLight" pitchFamily="34" charset="0"/>
+            </a:endParaRPr>
+          </a:p>
+        </p:txBody>
+      </p:sp>
+    </p:spTree>
+    <p:extLst>
+      <p:ext uri="{BB962C8B-B14F-4D97-AF65-F5344CB8AC3E}">
+        <p14:creationId xmlns:p14="http://schemas.microsoft.com/office/powerpoint/2010/main" val="693676810"/>
+      </p:ext>
+    </p:extLst>
+  </p:cSld>
+  <p:clrMapOvr>
+    <a:masterClrMapping/>
+  </p:clrMapOvr>
+</p:sld>
+</file>
+
+<file path=ppt/slides/slide2.xml><?xml version="1.0" encoding="utf-8"?>
 <p:sld xmlns:a="http://schemas.openxmlformats.org/drawingml/2006/main" xmlns:r="http://schemas.openxmlformats.org/officeDocument/2006/relationships" xmlns:p="http://schemas.openxmlformats.org/presentationml/2006/main">
   <p:cSld>
     <p:spTree>
@@ -10743,7 +11194,7 @@
           <p:cNvPr id="9" name="Explosion: 14 Points 8">
             <a:extLst>
               <a:ext uri="{FF2B5EF4-FFF2-40B4-BE49-F238E27FC236}">
-                <a16:creationId xmlns:a16="http://schemas.microsoft.com/office/drawing/2014/main" xmlns="" id="{0A2CD68B-7A56-F86D-8B6F-4A8BF99B4C9E}"/>
+                <a16:creationId xmlns:a16="http://schemas.microsoft.com/office/drawing/2014/main" id="{0A2CD68B-7A56-F86D-8B6F-4A8BF99B4C9E}"/>
               </a:ext>
             </a:extLst>
           </p:cNvPr>
@@ -10752,7 +11203,7 @@
         </p:nvSpPr>
         <p:spPr>
           <a:xfrm>
-            <a:off x="1440796" y="2058655"/>
+            <a:off x="1719470" y="2032529"/>
             <a:ext cx="3985591" cy="3985591"/>
           </a:xfrm>
           <a:prstGeom prst="irregularSeal2">
@@ -10798,7 +11249,7 @@
           <p:cNvPr id="2" name="Title 1">
             <a:extLst>
               <a:ext uri="{FF2B5EF4-FFF2-40B4-BE49-F238E27FC236}">
-                <a16:creationId xmlns:a16="http://schemas.microsoft.com/office/drawing/2014/main" xmlns="" id="{62BB4F8D-44B7-9866-F7B2-6375CB902974}"/>
+                <a16:creationId xmlns:a16="http://schemas.microsoft.com/office/drawing/2014/main" id="{62BB4F8D-44B7-9866-F7B2-6375CB902974}"/>
               </a:ext>
             </a:extLst>
           </p:cNvPr>
@@ -10811,8 +11262,8 @@
         </p:nvSpPr>
         <p:spPr>
           <a:xfrm>
-            <a:off x="775063" y="1913287"/>
-            <a:ext cx="5165739" cy="3810095"/>
+            <a:off x="1131736" y="1913287"/>
+            <a:ext cx="4809066" cy="3810095"/>
           </a:xfrm>
           <a:noFill/>
         </p:spPr>
@@ -10832,15 +11283,6 @@
               </a:rPr>
               <a:t>JavaScript</a:t>
             </a:r>
-            <a:r>
-              <a:rPr lang="en-US" sz="7200" b="1" dirty="0">
-                <a:solidFill>
-                  <a:schemeClr val="tx1"/>
-                </a:solidFill>
-                <a:latin typeface="Barlow Black" panose="00000A00000000000000" pitchFamily="2" charset="0"/>
-              </a:rPr>
-              <a:t/>
-            </a:r>
             <a:br>
               <a:rPr lang="en-US" sz="7200" b="1" dirty="0">
                 <a:solidFill>
@@ -10850,66 +11292,19 @@
               </a:rPr>
             </a:br>
             <a:r>
-              <a:rPr lang="en-US" sz="7200" b="1" dirty="0" smtClean="0">
+              <a:rPr lang="en-US" sz="7200" b="1" dirty="0">
                 <a:solidFill>
                   <a:schemeClr val="tx1"/>
                 </a:solidFill>
                 <a:latin typeface="Barlow Black" panose="00000A00000000000000" pitchFamily="2" charset="0"/>
               </a:rPr>
-              <a:t>Chapter – 5</a:t>
-            </a:r>
-            <a:br>
-              <a:rPr lang="en-US" sz="7200" b="1" dirty="0" smtClean="0">
-                <a:solidFill>
-                  <a:schemeClr val="tx1"/>
-                </a:solidFill>
-                <a:latin typeface="Barlow Black" panose="00000A00000000000000" pitchFamily="2" charset="0"/>
-              </a:rPr>
-            </a:br>
-            <a:r>
-              <a:rPr lang="en-US" sz="2800" dirty="0" smtClean="0">
-                <a:solidFill>
-                  <a:schemeClr val="accent2">
-                    <a:lumMod val="60000"/>
-                    <a:lumOff val="40000"/>
-                  </a:schemeClr>
-                </a:solidFill>
-                <a:latin typeface="Bahnschrift Light Condensed" pitchFamily="34" charset="0"/>
-              </a:rPr>
-              <a:t>(</a:t>
-            </a:r>
-            <a:r>
-              <a:rPr lang="en-US" dirty="0" smtClean="0">
-                <a:solidFill>
-                  <a:schemeClr val="accent2">
-                    <a:lumMod val="60000"/>
-                    <a:lumOff val="40000"/>
-                  </a:schemeClr>
-                </a:solidFill>
-                <a:latin typeface="Bahnschrift Light Condensed" pitchFamily="34" charset="0"/>
-              </a:rPr>
-              <a:t>variables</a:t>
-            </a:r>
-            <a:r>
-              <a:rPr lang="en-US" sz="2800" dirty="0" smtClean="0">
-                <a:solidFill>
-                  <a:schemeClr val="accent2">
-                    <a:lumMod val="60000"/>
-                    <a:lumOff val="40000"/>
-                  </a:schemeClr>
-                </a:solidFill>
-                <a:latin typeface="Bahnschrift Light Condensed" pitchFamily="34" charset="0"/>
-              </a:rPr>
-              <a:t>)</a:t>
-            </a:r>
-            <a:endParaRPr lang="en-IN" sz="2800" dirty="0">
+              <a:t>Chapter -1</a:t>
+            </a:r>
+            <a:endParaRPr lang="en-IN" b="1" dirty="0">
               <a:solidFill>
-                <a:schemeClr val="accent2">
-                  <a:lumMod val="60000"/>
-                  <a:lumOff val="40000"/>
-                </a:schemeClr>
+                <a:schemeClr val="tx1"/>
               </a:solidFill>
-              <a:latin typeface="Bahnschrift Light Condensed" pitchFamily="34" charset="0"/>
+              <a:latin typeface="Barlow Black" panose="00000A00000000000000" pitchFamily="2" charset="0"/>
             </a:endParaRPr>
           </a:p>
         </p:txBody>
@@ -10919,7 +11314,7 @@
           <p:cNvPr id="4" name="Ribbon: Curved and Tilted Down 3">
             <a:extLst>
               <a:ext uri="{FF2B5EF4-FFF2-40B4-BE49-F238E27FC236}">
-                <a16:creationId xmlns:a16="http://schemas.microsoft.com/office/drawing/2014/main" xmlns="" id="{909DBECF-689C-9AA7-1649-9166A578EDF9}"/>
+                <a16:creationId xmlns:a16="http://schemas.microsoft.com/office/drawing/2014/main" id="{909DBECF-689C-9AA7-1649-9166A578EDF9}"/>
               </a:ext>
             </a:extLst>
           </p:cNvPr>
@@ -10983,70 +11378,10 @@
       </p:sp>
       <p:sp>
         <p:nvSpPr>
-          <p:cNvPr id="8" name="TextBox 7">
-            <a:extLst>
-              <a:ext uri="{FF2B5EF4-FFF2-40B4-BE49-F238E27FC236}">
-                <a16:creationId xmlns:a16="http://schemas.microsoft.com/office/drawing/2014/main" xmlns="" id="{6E6F1672-8C91-3FA6-CB80-58FD68172333}"/>
-              </a:ext>
-            </a:extLst>
-          </p:cNvPr>
-          <p:cNvSpPr txBox="1"/>
-          <p:nvPr/>
-        </p:nvSpPr>
-        <p:spPr>
-          <a:xfrm>
-            <a:off x="1884932" y="6060338"/>
-            <a:ext cx="3842170" cy="369332"/>
-          </a:xfrm>
-          <a:prstGeom prst="rect">
-            <a:avLst/>
-          </a:prstGeom>
-          <a:solidFill>
-            <a:schemeClr val="bg1">
-              <a:lumMod val="75000"/>
-              <a:lumOff val="25000"/>
-            </a:schemeClr>
-          </a:solidFill>
-        </p:spPr>
-        <p:txBody>
-          <a:bodyPr wrap="square" rtlCol="0">
-            <a:spAutoFit/>
-          </a:bodyPr>
-          <a:lstStyle/>
-          <a:p>
-            <a:pPr algn="ctr"/>
-            <a:r>
-              <a:rPr lang="en-US" b="1" dirty="0"/>
-              <a:t>Gautam Kumar- </a:t>
-            </a:r>
-            <a:r>
-              <a:rPr lang="en-US" dirty="0">
-                <a:solidFill>
-                  <a:schemeClr val="tx1">
-                    <a:lumMod val="50000"/>
-                    <a:lumOff val="50000"/>
-                  </a:schemeClr>
-                </a:solidFill>
-              </a:rPr>
-              <a:t>uidhtml.com</a:t>
-            </a:r>
-            <a:endParaRPr lang="en-IN" dirty="0">
-              <a:solidFill>
-                <a:schemeClr val="tx1">
-                  <a:lumMod val="50000"/>
-                  <a:lumOff val="50000"/>
-                </a:schemeClr>
-              </a:solidFill>
-            </a:endParaRPr>
-          </a:p>
-        </p:txBody>
-      </p:sp>
-      <p:sp>
-        <p:nvSpPr>
           <p:cNvPr id="5" name="Scroll: Vertical 4">
             <a:extLst>
               <a:ext uri="{FF2B5EF4-FFF2-40B4-BE49-F238E27FC236}">
-                <a16:creationId xmlns:a16="http://schemas.microsoft.com/office/drawing/2014/main" xmlns="" id="{38EB993A-3F18-C6B7-226F-EDD62B4B31DB}"/>
+                <a16:creationId xmlns:a16="http://schemas.microsoft.com/office/drawing/2014/main" id="{38EB993A-3F18-C6B7-226F-EDD62B4B31DB}"/>
               </a:ext>
             </a:extLst>
           </p:cNvPr>
@@ -11092,11 +11427,16 @@
           </a:fontRef>
         </p:style>
         <p:txBody>
-          <a:bodyPr rtlCol="0" anchor="t"/>
+          <a:bodyPr rtlCol="0" anchor="ctr"/>
           <a:lstStyle/>
           <a:p>
-            <a:r>
-              <a:rPr lang="en-US" sz="3600" b="1" dirty="0">
+            <a:pPr>
+              <a:lnSpc>
+                <a:spcPct val="150000"/>
+              </a:lnSpc>
+            </a:pPr>
+            <a:r>
+              <a:rPr lang="en-US" sz="4000" b="1" dirty="0">
                 <a:solidFill>
                   <a:schemeClr val="bg1">
                     <a:lumMod val="95000"/>
@@ -11115,22 +11455,15 @@
               <a:buChar char="o"/>
             </a:pPr>
             <a:r>
-              <a:rPr lang="en-US" sz="1600" dirty="0" err="1" smtClean="0">
+              <a:rPr lang="en-US" dirty="0">
                 <a:solidFill>
                   <a:schemeClr val="bg1">
                     <a:lumMod val="95000"/>
                   </a:schemeClr>
                 </a:solidFill>
               </a:rPr>
-              <a:t>Var</a:t>
-            </a:r>
-            <a:endParaRPr lang="en-US" sz="1600" dirty="0" smtClean="0">
-              <a:solidFill>
-                <a:schemeClr val="bg1">
-                  <a:lumMod val="95000"/>
-                </a:schemeClr>
-              </a:solidFill>
-            </a:endParaRPr>
+              <a:t>What is JavaScript</a:t>
+            </a:r>
           </a:p>
           <a:p>
             <a:pPr marL="285750" indent="-285750">
@@ -11141,14 +11474,14 @@
               <a:buChar char="o"/>
             </a:pPr>
             <a:r>
-              <a:rPr lang="en-IN" sz="1600" dirty="0" smtClean="0">
+              <a:rPr lang="en-US" dirty="0">
                 <a:solidFill>
                   <a:schemeClr val="bg1">
                     <a:lumMod val="95000"/>
                   </a:schemeClr>
                 </a:solidFill>
               </a:rPr>
-              <a:t>What is Hoisting</a:t>
+              <a:t>History</a:t>
             </a:r>
           </a:p>
           <a:p>
@@ -11160,34 +11493,14 @@
               <a:buChar char="o"/>
             </a:pPr>
             <a:r>
-              <a:rPr lang="en-IN" sz="1600" dirty="0" smtClean="0">
+              <a:rPr lang="en-US" dirty="0">
                 <a:solidFill>
                   <a:schemeClr val="bg1">
                     <a:lumMod val="95000"/>
                   </a:schemeClr>
                 </a:solidFill>
               </a:rPr>
-              <a:t>Undefined </a:t>
-            </a:r>
-            <a:r>
-              <a:rPr lang="en-IN" sz="1600" dirty="0" err="1" smtClean="0">
-                <a:solidFill>
-                  <a:schemeClr val="bg1">
-                    <a:lumMod val="95000"/>
-                  </a:schemeClr>
-                </a:solidFill>
-              </a:rPr>
-              <a:t>vs</a:t>
-            </a:r>
-            <a:r>
-              <a:rPr lang="en-IN" sz="1600" dirty="0" smtClean="0">
-                <a:solidFill>
-                  <a:schemeClr val="bg1">
-                    <a:lumMod val="95000"/>
-                  </a:schemeClr>
-                </a:solidFill>
-              </a:rPr>
-              <a:t> not-defined</a:t>
+              <a:t>Client-side</a:t>
             </a:r>
           </a:p>
           <a:p>
@@ -11199,14 +11512,14 @@
               <a:buChar char="o"/>
             </a:pPr>
             <a:r>
-              <a:rPr lang="en-IN" sz="1600" dirty="0" smtClean="0">
+              <a:rPr lang="en-US" dirty="0">
                 <a:solidFill>
                   <a:schemeClr val="bg1">
                     <a:lumMod val="95000"/>
                   </a:schemeClr>
                 </a:solidFill>
               </a:rPr>
-              <a:t>With arrow function</a:t>
+              <a:t>Server Side</a:t>
             </a:r>
           </a:p>
           <a:p>
@@ -11218,14 +11531,14 @@
               <a:buChar char="o"/>
             </a:pPr>
             <a:r>
-              <a:rPr lang="en-IN" sz="1600" dirty="0" smtClean="0">
+              <a:rPr lang="en-US" dirty="0">
                 <a:solidFill>
                   <a:schemeClr val="bg1">
                     <a:lumMod val="95000"/>
                   </a:schemeClr>
                 </a:solidFill>
               </a:rPr>
-              <a:t>What is call stack and how it works</a:t>
+              <a:t>Advantages of JavaScript</a:t>
             </a:r>
           </a:p>
           <a:p>
@@ -11237,14 +11550,14 @@
               <a:buChar char="o"/>
             </a:pPr>
             <a:r>
-              <a:rPr lang="en-IN" sz="1600" dirty="0" smtClean="0">
+              <a:rPr lang="en-US" dirty="0">
                 <a:solidFill>
                   <a:schemeClr val="bg1">
                     <a:lumMod val="95000"/>
                   </a:schemeClr>
                 </a:solidFill>
               </a:rPr>
-              <a:t>Let</a:t>
+              <a:t>Limitations of JavaScript</a:t>
             </a:r>
           </a:p>
           <a:p>
@@ -11256,16 +11569,54 @@
               <a:buChar char="o"/>
             </a:pPr>
             <a:r>
-              <a:rPr lang="en-IN" sz="1600" dirty="0" smtClean="0">
+              <a:rPr lang="en-US" dirty="0">
                 <a:solidFill>
                   <a:schemeClr val="bg1">
                     <a:lumMod val="95000"/>
                   </a:schemeClr>
                 </a:solidFill>
               </a:rPr>
-              <a:t>Const</a:t>
-            </a:r>
-            <a:endParaRPr lang="en-IN" sz="1600" dirty="0" smtClean="0">
+              <a:t>Imperative vs Declarative JavaScript</a:t>
+            </a:r>
+          </a:p>
+          <a:p>
+            <a:pPr marL="285750" indent="-285750">
+              <a:lnSpc>
+                <a:spcPct val="150000"/>
+              </a:lnSpc>
+              <a:buFont typeface="Courier New" panose="02070309020205020404" pitchFamily="49" charset="0"/>
+              <a:buChar char="o"/>
+            </a:pPr>
+            <a:r>
+              <a:rPr lang="en-US" dirty="0">
+                <a:solidFill>
+                  <a:schemeClr val="bg1">
+                    <a:lumMod val="95000"/>
+                  </a:schemeClr>
+                </a:solidFill>
+              </a:rPr>
+              <a:t>JavaScript Development tools</a:t>
+            </a:r>
+          </a:p>
+          <a:p>
+            <a:pPr marL="285750" indent="-285750">
+              <a:lnSpc>
+                <a:spcPct val="150000"/>
+              </a:lnSpc>
+              <a:buFont typeface="Courier New" panose="02070309020205020404" pitchFamily="49" charset="0"/>
+              <a:buChar char="o"/>
+            </a:pPr>
+            <a:r>
+              <a:rPr lang="en-US" dirty="0">
+                <a:solidFill>
+                  <a:schemeClr val="bg1">
+                    <a:lumMod val="95000"/>
+                  </a:schemeClr>
+                </a:solidFill>
+              </a:rPr>
+              <a:t>JavaScript at the current time</a:t>
+            </a:r>
+            <a:endParaRPr lang="en-IN" dirty="0">
               <a:solidFill>
                 <a:schemeClr val="bg1">
                   <a:lumMod val="95000"/>
@@ -11273,12 +11624,82 @@
               </a:solidFill>
             </a:endParaRPr>
           </a:p>
+          <a:p>
+            <a:pPr algn="ctr"/>
+            <a:endParaRPr lang="en-IN" dirty="0">
+              <a:solidFill>
+                <a:schemeClr val="bg1">
+                  <a:lumMod val="95000"/>
+                </a:schemeClr>
+              </a:solidFill>
+            </a:endParaRPr>
+          </a:p>
+        </p:txBody>
+      </p:sp>
+      <p:sp>
+        <p:nvSpPr>
+          <p:cNvPr id="8" name="TextBox 7">
+            <a:extLst>
+              <a:ext uri="{FF2B5EF4-FFF2-40B4-BE49-F238E27FC236}">
+                <a16:creationId xmlns:a16="http://schemas.microsoft.com/office/drawing/2014/main" id="{6E6F1672-8C91-3FA6-CB80-58FD68172333}"/>
+              </a:ext>
+            </a:extLst>
+          </p:cNvPr>
+          <p:cNvSpPr txBox="1"/>
+          <p:nvPr/>
+        </p:nvSpPr>
+        <p:spPr>
+          <a:xfrm>
+            <a:off x="1719470" y="5842623"/>
+            <a:ext cx="3842170" cy="369332"/>
+          </a:xfrm>
+          <a:prstGeom prst="rect">
+            <a:avLst/>
+          </a:prstGeom>
+          <a:solidFill>
+            <a:schemeClr val="bg1">
+              <a:lumMod val="75000"/>
+              <a:lumOff val="25000"/>
+            </a:schemeClr>
+          </a:solidFill>
+        </p:spPr>
+        <p:txBody>
+          <a:bodyPr wrap="square" rtlCol="0">
+            <a:spAutoFit/>
+          </a:bodyPr>
+          <a:lstStyle/>
+          <a:p>
+            <a:pPr algn="ctr"/>
+            <a:r>
+              <a:rPr lang="en-US" b="1" dirty="0"/>
+              <a:t>Gautam Kumar- </a:t>
+            </a:r>
+            <a:r>
+              <a:rPr lang="en-US" dirty="0">
+                <a:solidFill>
+                  <a:schemeClr val="tx1">
+                    <a:lumMod val="50000"/>
+                    <a:lumOff val="50000"/>
+                  </a:schemeClr>
+                </a:solidFill>
+              </a:rPr>
+              <a:t>uidhtml.com</a:t>
+            </a:r>
+            <a:endParaRPr lang="en-IN" dirty="0">
+              <a:solidFill>
+                <a:schemeClr val="tx1">
+                  <a:lumMod val="50000"/>
+                  <a:lumOff val="50000"/>
+                </a:schemeClr>
+              </a:solidFill>
+            </a:endParaRPr>
+          </a:p>
         </p:txBody>
       </p:sp>
     </p:spTree>
     <p:extLst>
       <p:ext uri="{BB962C8B-B14F-4D97-AF65-F5344CB8AC3E}">
-        <p14:creationId xmlns:p14="http://schemas.microsoft.com/office/powerpoint/2010/main" xmlns="" val="3287175084"/>
+        <p14:creationId xmlns:p14="http://schemas.microsoft.com/office/powerpoint/2010/main" val="3287175084"/>
       </p:ext>
     </p:extLst>
   </p:cSld>
@@ -11288,7 +11709,7 @@
 </p:sld>
 </file>
 
-<file path=ppt/slides/slide2.xml><?xml version="1.0" encoding="utf-8"?>
+<file path=ppt/slides/slide20.xml><?xml version="1.0" encoding="utf-8"?>
 <p:sld xmlns:a="http://schemas.openxmlformats.org/drawingml/2006/main" xmlns:r="http://schemas.openxmlformats.org/officeDocument/2006/relationships" xmlns:p="http://schemas.openxmlformats.org/presentationml/2006/main">
   <p:cSld>
     <p:spTree>
@@ -11310,7 +11731,7 @@
           <p:cNvPr id="9" name="Explosion: 14 Points 8">
             <a:extLst>
               <a:ext uri="{FF2B5EF4-FFF2-40B4-BE49-F238E27FC236}">
-                <a16:creationId xmlns:a16="http://schemas.microsoft.com/office/drawing/2014/main" xmlns="" id="{0A2CD68B-7A56-F86D-8B6F-4A8BF99B4C9E}"/>
+                <a16:creationId xmlns:a16="http://schemas.microsoft.com/office/drawing/2014/main" id="{0A2CD68B-7A56-F86D-8B6F-4A8BF99B4C9E}"/>
               </a:ext>
             </a:extLst>
           </p:cNvPr>
@@ -11319,7 +11740,7 @@
         </p:nvSpPr>
         <p:spPr>
           <a:xfrm>
-            <a:off x="1719470" y="2032529"/>
+            <a:off x="1440796" y="2058655"/>
             <a:ext cx="3985591" cy="3985591"/>
           </a:xfrm>
           <a:prstGeom prst="irregularSeal2">
@@ -11365,7 +11786,7 @@
           <p:cNvPr id="2" name="Title 1">
             <a:extLst>
               <a:ext uri="{FF2B5EF4-FFF2-40B4-BE49-F238E27FC236}">
-                <a16:creationId xmlns:a16="http://schemas.microsoft.com/office/drawing/2014/main" xmlns="" id="{62BB4F8D-44B7-9866-F7B2-6375CB902974}"/>
+                <a16:creationId xmlns:a16="http://schemas.microsoft.com/office/drawing/2014/main" id="{62BB4F8D-44B7-9866-F7B2-6375CB902974}"/>
               </a:ext>
             </a:extLst>
           </p:cNvPr>
@@ -11378,8 +11799,8 @@
         </p:nvSpPr>
         <p:spPr>
           <a:xfrm>
-            <a:off x="1131736" y="1913287"/>
-            <a:ext cx="4809066" cy="3810095"/>
+            <a:off x="775063" y="1913287"/>
+            <a:ext cx="5165739" cy="3810095"/>
           </a:xfrm>
           <a:noFill/>
         </p:spPr>
@@ -11399,15 +11820,6 @@
               </a:rPr>
               <a:t>JavaScript</a:t>
             </a:r>
-            <a:r>
-              <a:rPr lang="en-US" sz="7200" b="1" dirty="0">
-                <a:solidFill>
-                  <a:schemeClr val="tx1"/>
-                </a:solidFill>
-                <a:latin typeface="Barlow Black" panose="00000A00000000000000" pitchFamily="2" charset="0"/>
-              </a:rPr>
-              <a:t/>
-            </a:r>
             <a:br>
               <a:rPr lang="en-US" sz="7200" b="1" dirty="0">
                 <a:solidFill>
@@ -11417,19 +11829,66 @@
               </a:rPr>
             </a:br>
             <a:r>
-              <a:rPr lang="en-US" sz="7200" b="1" dirty="0" smtClean="0">
+              <a:rPr lang="en-US" sz="7200" b="1" dirty="0">
                 <a:solidFill>
                   <a:schemeClr val="tx1"/>
                 </a:solidFill>
                 <a:latin typeface="Barlow Black" panose="00000A00000000000000" pitchFamily="2" charset="0"/>
               </a:rPr>
-              <a:t>Chapter -1</a:t>
-            </a:r>
-            <a:endParaRPr lang="en-IN" b="1" dirty="0">
+              <a:t>Chapter – 5</a:t>
+            </a:r>
+            <a:br>
+              <a:rPr lang="en-US" sz="7200" b="1" dirty="0">
+                <a:solidFill>
+                  <a:schemeClr val="tx1"/>
+                </a:solidFill>
+                <a:latin typeface="Barlow Black" panose="00000A00000000000000" pitchFamily="2" charset="0"/>
+              </a:rPr>
+            </a:br>
+            <a:r>
+              <a:rPr lang="en-US" sz="2800" dirty="0">
+                <a:solidFill>
+                  <a:schemeClr val="accent2">
+                    <a:lumMod val="60000"/>
+                    <a:lumOff val="40000"/>
+                  </a:schemeClr>
+                </a:solidFill>
+                <a:latin typeface="Bahnschrift Light Condensed" pitchFamily="34" charset="0"/>
+              </a:rPr>
+              <a:t>(</a:t>
+            </a:r>
+            <a:r>
+              <a:rPr lang="en-US" dirty="0">
+                <a:solidFill>
+                  <a:schemeClr val="accent2">
+                    <a:lumMod val="60000"/>
+                    <a:lumOff val="40000"/>
+                  </a:schemeClr>
+                </a:solidFill>
+                <a:latin typeface="Bahnschrift Light Condensed" pitchFamily="34" charset="0"/>
+              </a:rPr>
+              <a:t>variables</a:t>
+            </a:r>
+            <a:r>
+              <a:rPr lang="en-US" sz="2800" dirty="0">
+                <a:solidFill>
+                  <a:schemeClr val="accent2">
+                    <a:lumMod val="60000"/>
+                    <a:lumOff val="40000"/>
+                  </a:schemeClr>
+                </a:solidFill>
+                <a:latin typeface="Bahnschrift Light Condensed" pitchFamily="34" charset="0"/>
+              </a:rPr>
+              <a:t>)</a:t>
+            </a:r>
+            <a:endParaRPr lang="en-IN" sz="2800" dirty="0">
               <a:solidFill>
-                <a:schemeClr val="tx1"/>
+                <a:schemeClr val="accent2">
+                  <a:lumMod val="60000"/>
+                  <a:lumOff val="40000"/>
+                </a:schemeClr>
               </a:solidFill>
-              <a:latin typeface="Barlow Black" panose="00000A00000000000000" pitchFamily="2" charset="0"/>
+              <a:latin typeface="Bahnschrift Light Condensed" pitchFamily="34" charset="0"/>
             </a:endParaRPr>
           </a:p>
         </p:txBody>
@@ -11439,7 +11898,7 @@
           <p:cNvPr id="4" name="Ribbon: Curved and Tilted Down 3">
             <a:extLst>
               <a:ext uri="{FF2B5EF4-FFF2-40B4-BE49-F238E27FC236}">
-                <a16:creationId xmlns:a16="http://schemas.microsoft.com/office/drawing/2014/main" xmlns="" id="{909DBECF-689C-9AA7-1649-9166A578EDF9}"/>
+                <a16:creationId xmlns:a16="http://schemas.microsoft.com/office/drawing/2014/main" id="{909DBECF-689C-9AA7-1649-9166A578EDF9}"/>
               </a:ext>
             </a:extLst>
           </p:cNvPr>
@@ -11503,10 +11962,70 @@
       </p:sp>
       <p:sp>
         <p:nvSpPr>
+          <p:cNvPr id="8" name="TextBox 7">
+            <a:extLst>
+              <a:ext uri="{FF2B5EF4-FFF2-40B4-BE49-F238E27FC236}">
+                <a16:creationId xmlns:a16="http://schemas.microsoft.com/office/drawing/2014/main" id="{6E6F1672-8C91-3FA6-CB80-58FD68172333}"/>
+              </a:ext>
+            </a:extLst>
+          </p:cNvPr>
+          <p:cNvSpPr txBox="1"/>
+          <p:nvPr/>
+        </p:nvSpPr>
+        <p:spPr>
+          <a:xfrm>
+            <a:off x="1884932" y="6060338"/>
+            <a:ext cx="3842170" cy="369332"/>
+          </a:xfrm>
+          <a:prstGeom prst="rect">
+            <a:avLst/>
+          </a:prstGeom>
+          <a:solidFill>
+            <a:schemeClr val="bg1">
+              <a:lumMod val="75000"/>
+              <a:lumOff val="25000"/>
+            </a:schemeClr>
+          </a:solidFill>
+        </p:spPr>
+        <p:txBody>
+          <a:bodyPr wrap="square" rtlCol="0">
+            <a:spAutoFit/>
+          </a:bodyPr>
+          <a:lstStyle/>
+          <a:p>
+            <a:pPr algn="ctr"/>
+            <a:r>
+              <a:rPr lang="en-US" b="1" dirty="0"/>
+              <a:t>Gautam Kumar- </a:t>
+            </a:r>
+            <a:r>
+              <a:rPr lang="en-US" dirty="0">
+                <a:solidFill>
+                  <a:schemeClr val="tx1">
+                    <a:lumMod val="50000"/>
+                    <a:lumOff val="50000"/>
+                  </a:schemeClr>
+                </a:solidFill>
+              </a:rPr>
+              <a:t>uidhtml.com</a:t>
+            </a:r>
+            <a:endParaRPr lang="en-IN" dirty="0">
+              <a:solidFill>
+                <a:schemeClr val="tx1">
+                  <a:lumMod val="50000"/>
+                  <a:lumOff val="50000"/>
+                </a:schemeClr>
+              </a:solidFill>
+            </a:endParaRPr>
+          </a:p>
+        </p:txBody>
+      </p:sp>
+      <p:sp>
+        <p:nvSpPr>
           <p:cNvPr id="5" name="Scroll: Vertical 4">
             <a:extLst>
               <a:ext uri="{FF2B5EF4-FFF2-40B4-BE49-F238E27FC236}">
-                <a16:creationId xmlns:a16="http://schemas.microsoft.com/office/drawing/2014/main" xmlns="" id="{38EB993A-3F18-C6B7-226F-EDD62B4B31DB}"/>
+                <a16:creationId xmlns:a16="http://schemas.microsoft.com/office/drawing/2014/main" id="{38EB993A-3F18-C6B7-226F-EDD62B4B31DB}"/>
               </a:ext>
             </a:extLst>
           </p:cNvPr>
@@ -11552,16 +12071,11 @@
           </a:fontRef>
         </p:style>
         <p:txBody>
-          <a:bodyPr rtlCol="0" anchor="ctr"/>
+          <a:bodyPr rtlCol="0" anchor="t"/>
           <a:lstStyle/>
           <a:p>
-            <a:pPr>
-              <a:lnSpc>
-                <a:spcPct val="150000"/>
-              </a:lnSpc>
-            </a:pPr>
-            <a:r>
-              <a:rPr lang="en-US" sz="4000" b="1" dirty="0">
+            <a:r>
+              <a:rPr lang="en-US" sz="3600" b="1" dirty="0">
                 <a:solidFill>
                   <a:schemeClr val="bg1">
                     <a:lumMod val="95000"/>
@@ -11580,15 +12094,22 @@
               <a:buChar char="o"/>
             </a:pPr>
             <a:r>
-              <a:rPr lang="en-US" dirty="0">
+              <a:rPr lang="en-US" sz="1600" dirty="0" err="1">
                 <a:solidFill>
                   <a:schemeClr val="bg1">
                     <a:lumMod val="95000"/>
                   </a:schemeClr>
                 </a:solidFill>
               </a:rPr>
-              <a:t>What is JavaScript</a:t>
-            </a:r>
+              <a:t>Var</a:t>
+            </a:r>
+            <a:endParaRPr lang="en-US" sz="1600" dirty="0">
+              <a:solidFill>
+                <a:schemeClr val="bg1">
+                  <a:lumMod val="95000"/>
+                </a:schemeClr>
+              </a:solidFill>
+            </a:endParaRPr>
           </a:p>
           <a:p>
             <a:pPr marL="285750" indent="-285750">
@@ -11599,14 +12120,14 @@
               <a:buChar char="o"/>
             </a:pPr>
             <a:r>
-              <a:rPr lang="en-US" dirty="0">
+              <a:rPr lang="en-IN" sz="1600" dirty="0">
                 <a:solidFill>
                   <a:schemeClr val="bg1">
                     <a:lumMod val="95000"/>
                   </a:schemeClr>
                 </a:solidFill>
               </a:rPr>
-              <a:t>History</a:t>
+              <a:t>What is Hoisting</a:t>
             </a:r>
           </a:p>
           <a:p>
@@ -11618,14 +12139,34 @@
               <a:buChar char="o"/>
             </a:pPr>
             <a:r>
-              <a:rPr lang="en-US" dirty="0">
+              <a:rPr lang="en-IN" sz="1600" dirty="0">
                 <a:solidFill>
                   <a:schemeClr val="bg1">
                     <a:lumMod val="95000"/>
                   </a:schemeClr>
                 </a:solidFill>
               </a:rPr>
-              <a:t>Client-side</a:t>
+              <a:t>Undefined </a:t>
+            </a:r>
+            <a:r>
+              <a:rPr lang="en-IN" sz="1600" dirty="0" err="1">
+                <a:solidFill>
+                  <a:schemeClr val="bg1">
+                    <a:lumMod val="95000"/>
+                  </a:schemeClr>
+                </a:solidFill>
+              </a:rPr>
+              <a:t>vs</a:t>
+            </a:r>
+            <a:r>
+              <a:rPr lang="en-IN" sz="1600" dirty="0">
+                <a:solidFill>
+                  <a:schemeClr val="bg1">
+                    <a:lumMod val="95000"/>
+                  </a:schemeClr>
+                </a:solidFill>
+              </a:rPr>
+              <a:t> not-defined</a:t>
             </a:r>
           </a:p>
           <a:p>
@@ -11637,14 +12178,14 @@
               <a:buChar char="o"/>
             </a:pPr>
             <a:r>
-              <a:rPr lang="en-US" dirty="0">
+              <a:rPr lang="en-IN" sz="1600" dirty="0">
                 <a:solidFill>
                   <a:schemeClr val="bg1">
                     <a:lumMod val="95000"/>
                   </a:schemeClr>
                 </a:solidFill>
               </a:rPr>
-              <a:t>Server Side</a:t>
+              <a:t>With arrow function</a:t>
             </a:r>
           </a:p>
           <a:p>
@@ -11656,14 +12197,14 @@
               <a:buChar char="o"/>
             </a:pPr>
             <a:r>
-              <a:rPr lang="en-US" dirty="0">
+              <a:rPr lang="en-IN" sz="1600" dirty="0">
                 <a:solidFill>
                   <a:schemeClr val="bg1">
                     <a:lumMod val="95000"/>
                   </a:schemeClr>
                 </a:solidFill>
               </a:rPr>
-              <a:t>Advantages of JavaScript</a:t>
+              <a:t>What is call stack and how it works</a:t>
             </a:r>
           </a:p>
           <a:p>
@@ -11675,14 +12216,14 @@
               <a:buChar char="o"/>
             </a:pPr>
             <a:r>
-              <a:rPr lang="en-US" dirty="0">
+              <a:rPr lang="en-IN" sz="1600" dirty="0">
                 <a:solidFill>
                   <a:schemeClr val="bg1">
                     <a:lumMod val="95000"/>
                   </a:schemeClr>
                 </a:solidFill>
               </a:rPr>
-              <a:t>Limitations of JavaScript</a:t>
+              <a:t>Let</a:t>
             </a:r>
           </a:p>
           <a:p>
@@ -11694,137 +12235,22 @@
               <a:buChar char="o"/>
             </a:pPr>
             <a:r>
-              <a:rPr lang="en-US" dirty="0">
+              <a:rPr lang="en-IN" sz="1600" dirty="0">
                 <a:solidFill>
                   <a:schemeClr val="bg1">
                     <a:lumMod val="95000"/>
                   </a:schemeClr>
                 </a:solidFill>
               </a:rPr>
-              <a:t>Imperative vs Declarative JavaScript</a:t>
-            </a:r>
-          </a:p>
-          <a:p>
-            <a:pPr marL="285750" indent="-285750">
-              <a:lnSpc>
-                <a:spcPct val="150000"/>
-              </a:lnSpc>
-              <a:buFont typeface="Courier New" panose="02070309020205020404" pitchFamily="49" charset="0"/>
-              <a:buChar char="o"/>
-            </a:pPr>
-            <a:r>
-              <a:rPr lang="en-US" dirty="0">
-                <a:solidFill>
-                  <a:schemeClr val="bg1">
-                    <a:lumMod val="95000"/>
-                  </a:schemeClr>
-                </a:solidFill>
-              </a:rPr>
-              <a:t>JavaScript Development tools</a:t>
-            </a:r>
-          </a:p>
-          <a:p>
-            <a:pPr marL="285750" indent="-285750">
-              <a:lnSpc>
-                <a:spcPct val="150000"/>
-              </a:lnSpc>
-              <a:buFont typeface="Courier New" panose="02070309020205020404" pitchFamily="49" charset="0"/>
-              <a:buChar char="o"/>
-            </a:pPr>
-            <a:r>
-              <a:rPr lang="en-US" dirty="0">
-                <a:solidFill>
-                  <a:schemeClr val="bg1">
-                    <a:lumMod val="95000"/>
-                  </a:schemeClr>
-                </a:solidFill>
-              </a:rPr>
-              <a:t>JavaScript at the current time</a:t>
-            </a:r>
-            <a:endParaRPr lang="en-IN" dirty="0">
-              <a:solidFill>
-                <a:schemeClr val="bg1">
-                  <a:lumMod val="95000"/>
-                </a:schemeClr>
-              </a:solidFill>
-            </a:endParaRPr>
-          </a:p>
-          <a:p>
-            <a:pPr algn="ctr"/>
-            <a:endParaRPr lang="en-IN" dirty="0">
-              <a:solidFill>
-                <a:schemeClr val="bg1">
-                  <a:lumMod val="95000"/>
-                </a:schemeClr>
-              </a:solidFill>
-            </a:endParaRPr>
-          </a:p>
-        </p:txBody>
-      </p:sp>
-      <p:sp>
-        <p:nvSpPr>
-          <p:cNvPr id="8" name="TextBox 7">
-            <a:extLst>
-              <a:ext uri="{FF2B5EF4-FFF2-40B4-BE49-F238E27FC236}">
-                <a16:creationId xmlns:a16="http://schemas.microsoft.com/office/drawing/2014/main" xmlns="" id="{6E6F1672-8C91-3FA6-CB80-58FD68172333}"/>
-              </a:ext>
-            </a:extLst>
-          </p:cNvPr>
-          <p:cNvSpPr txBox="1"/>
-          <p:nvPr/>
-        </p:nvSpPr>
-        <p:spPr>
-          <a:xfrm>
-            <a:off x="1719470" y="5842623"/>
-            <a:ext cx="3842170" cy="369332"/>
-          </a:xfrm>
-          <a:prstGeom prst="rect">
-            <a:avLst/>
-          </a:prstGeom>
-          <a:solidFill>
-            <a:schemeClr val="bg1">
-              <a:lumMod val="75000"/>
-              <a:lumOff val="25000"/>
-            </a:schemeClr>
-          </a:solidFill>
-        </p:spPr>
-        <p:txBody>
-          <a:bodyPr wrap="square" rtlCol="0">
-            <a:spAutoFit/>
-          </a:bodyPr>
-          <a:lstStyle/>
-          <a:p>
-            <a:pPr algn="ctr"/>
-            <a:r>
-              <a:rPr lang="en-US" b="1" dirty="0"/>
-              <a:t>Gautam Kumar- </a:t>
-            </a:r>
-            <a:r>
-              <a:rPr lang="en-US" dirty="0">
-                <a:solidFill>
-                  <a:schemeClr val="tx1">
-                    <a:lumMod val="50000"/>
-                    <a:lumOff val="50000"/>
-                  </a:schemeClr>
-                </a:solidFill>
-              </a:rPr>
-              <a:t>uidhtml.com</a:t>
-            </a:r>
-            <a:endParaRPr lang="en-IN" dirty="0">
-              <a:solidFill>
-                <a:schemeClr val="tx1">
-                  <a:lumMod val="50000"/>
-                  <a:lumOff val="50000"/>
-                </a:schemeClr>
-              </a:solidFill>
-            </a:endParaRPr>
+              <a:t>Const</a:t>
+            </a:r>
           </a:p>
         </p:txBody>
       </p:sp>
     </p:spTree>
     <p:extLst>
       <p:ext uri="{BB962C8B-B14F-4D97-AF65-F5344CB8AC3E}">
-        <p14:creationId xmlns:p14="http://schemas.microsoft.com/office/powerpoint/2010/main" xmlns="" val="3287175084"/>
+        <p14:creationId xmlns:p14="http://schemas.microsoft.com/office/powerpoint/2010/main" val="3287175084"/>
       </p:ext>
     </p:extLst>
   </p:cSld>
@@ -11834,7 +12260,7 @@
 </p:sld>
 </file>
 
-<file path=ppt/slides/slide20.xml><?xml version="1.0" encoding="utf-8"?>
+<file path=ppt/slides/slide21.xml><?xml version="1.0" encoding="utf-8"?>
 <p:sld xmlns:a="http://schemas.openxmlformats.org/drawingml/2006/main" xmlns:r="http://schemas.openxmlformats.org/officeDocument/2006/relationships" xmlns:p="http://schemas.openxmlformats.org/presentationml/2006/main">
   <p:cSld>
     <p:spTree>
@@ -11842,7 +12268,7 @@
         <p:cNvPr id="1" name="">
           <a:extLst>
             <a:ext uri="{FF2B5EF4-FFF2-40B4-BE49-F238E27FC236}">
-              <a16:creationId xmlns:a16="http://schemas.microsoft.com/office/drawing/2014/main" xmlns="" id="{4586E9D7-F5F8-14CC-9DF6-FC4AF2EA4249}"/>
+              <a16:creationId xmlns:a16="http://schemas.microsoft.com/office/drawing/2014/main" id="{4586E9D7-F5F8-14CC-9DF6-FC4AF2EA4249}"/>
             </a:ext>
           </a:extLst>
         </p:cNvPr>
@@ -11862,7 +12288,7 @@
           <p:cNvPr id="2" name="Title 1">
             <a:extLst>
               <a:ext uri="{FF2B5EF4-FFF2-40B4-BE49-F238E27FC236}">
-                <a16:creationId xmlns:a16="http://schemas.microsoft.com/office/drawing/2014/main" xmlns="" id="{D8B67155-694F-FF61-7CDD-33A20A316215}"/>
+                <a16:creationId xmlns:a16="http://schemas.microsoft.com/office/drawing/2014/main" id="{D8B67155-694F-FF61-7CDD-33A20A316215}"/>
               </a:ext>
             </a:extLst>
           </p:cNvPr>
@@ -11884,7 +12310,7 @@
           <a:lstStyle/>
           <a:p>
             <a:r>
-              <a:rPr lang="en-US" b="1" dirty="0" smtClean="0">
+              <a:rPr lang="en-US" b="1" dirty="0">
                 <a:solidFill>
                   <a:schemeClr val="tx1"/>
                 </a:solidFill>
@@ -11893,7 +12319,7 @@
               <a:t>What is </a:t>
             </a:r>
             <a:r>
-              <a:rPr lang="en-US" b="1" dirty="0" err="1" smtClean="0">
+              <a:rPr lang="en-US" b="1" dirty="0" err="1">
                 <a:solidFill>
                   <a:schemeClr val="tx1"/>
                 </a:solidFill>
@@ -11902,7 +12328,7 @@
               <a:t>var</a:t>
             </a:r>
             <a:r>
-              <a:rPr lang="en-US" b="1" dirty="0" smtClean="0">
+              <a:rPr lang="en-US" b="1" dirty="0">
                 <a:solidFill>
                   <a:schemeClr val="tx1"/>
                 </a:solidFill>
@@ -11910,12 +12336,6 @@
               </a:rPr>
               <a:t>?</a:t>
             </a:r>
-            <a:endParaRPr lang="en-US" b="1" dirty="0">
-              <a:solidFill>
-                <a:schemeClr val="tx1"/>
-              </a:solidFill>
-              <a:latin typeface="Bahnschrift SemiLight" pitchFamily="34" charset="0"/>
-            </a:endParaRPr>
           </a:p>
         </p:txBody>
       </p:sp>
@@ -11924,7 +12344,7 @@
           <p:cNvPr id="3" name="Content Placeholder 2">
             <a:extLst>
               <a:ext uri="{FF2B5EF4-FFF2-40B4-BE49-F238E27FC236}">
-                <a16:creationId xmlns:a16="http://schemas.microsoft.com/office/drawing/2014/main" xmlns="" id="{2A53D2DA-721D-FC7E-8E09-BCBD844B6F9F}"/>
+                <a16:creationId xmlns:a16="http://schemas.microsoft.com/office/drawing/2014/main" id="{2A53D2DA-721D-FC7E-8E09-BCBD844B6F9F}"/>
               </a:ext>
             </a:extLst>
           </p:cNvPr>
@@ -11948,36 +12368,24 @@
           <a:lstStyle/>
           <a:p>
             <a:r>
-              <a:rPr lang="en-US" sz="1600" dirty="0" smtClean="0"/>
+              <a:rPr lang="en-US" sz="1600" dirty="0"/>
               <a:t>In JavaScript, </a:t>
             </a:r>
             <a:r>
-              <a:rPr lang="en-US" sz="1600" dirty="0" err="1" smtClean="0"/>
+              <a:rPr lang="en-US" sz="1600" dirty="0" err="1"/>
               <a:t>var</a:t>
             </a:r>
             <a:r>
-              <a:rPr lang="en-US" sz="1600" dirty="0" smtClean="0"/>
-              <a:t> is a keyword used to declare variables. It was the </a:t>
-            </a:r>
-            <a:r>
-              <a:rPr lang="en-US" sz="1600" dirty="0" smtClean="0"/>
-              <a:t>primary </a:t>
-            </a:r>
-            <a:r>
-              <a:rPr lang="en-US" sz="1600" dirty="0" smtClean="0"/>
-              <a:t>way to declare variables before the introduction of let and const in ES6 (</a:t>
-            </a:r>
-            <a:r>
-              <a:rPr lang="en-US" sz="1600" dirty="0" err="1" smtClean="0"/>
+              <a:rPr lang="en-US" sz="1600" dirty="0"/>
+              <a:t> is a keyword used to declare variables. It was the primary way to declare variables before the introduction of let and const in ES6 (</a:t>
+            </a:r>
+            <a:r>
+              <a:rPr lang="en-US" sz="1600" dirty="0" err="1"/>
               <a:t>ECMAScript</a:t>
             </a:r>
             <a:r>
-              <a:rPr lang="en-US" sz="1600" dirty="0" smtClean="0"/>
-              <a:t> </a:t>
-            </a:r>
-            <a:r>
-              <a:rPr lang="en-US" sz="1600" dirty="0" smtClean="0"/>
-              <a:t>2015</a:t>
+              <a:rPr lang="en-US" sz="1600" dirty="0"/>
+              <a:t> 2015</a:t>
             </a:r>
           </a:p>
           <a:p>
@@ -11990,7 +12398,7 @@
           <p:cNvPr id="5" name="Ribbon: Curved and Tilted Down 4">
             <a:extLst>
               <a:ext uri="{FF2B5EF4-FFF2-40B4-BE49-F238E27FC236}">
-                <a16:creationId xmlns:a16="http://schemas.microsoft.com/office/drawing/2014/main" xmlns="" id="{3FA23525-E3EA-B8CB-FD6A-53084CA847A7}"/>
+                <a16:creationId xmlns:a16="http://schemas.microsoft.com/office/drawing/2014/main" id="{3FA23525-E3EA-B8CB-FD6A-53084CA847A7}"/>
               </a:ext>
             </a:extLst>
           </p:cNvPr>
@@ -12063,7 +12471,7 @@
           <p:cNvPr id="6" name="Scroll: Vertical 5">
             <a:extLst>
               <a:ext uri="{FF2B5EF4-FFF2-40B4-BE49-F238E27FC236}">
-                <a16:creationId xmlns:a16="http://schemas.microsoft.com/office/drawing/2014/main" xmlns="" id="{1A4C732A-2840-82C8-A359-298D925E33B3}"/>
+                <a16:creationId xmlns:a16="http://schemas.microsoft.com/office/drawing/2014/main" id="{1A4C732A-2840-82C8-A359-298D925E33B3}"/>
               </a:ext>
             </a:extLst>
           </p:cNvPr>
@@ -12118,7 +12526,7 @@
               </a:lnSpc>
             </a:pPr>
             <a:r>
-              <a:rPr lang="en-US" sz="1400" b="1" dirty="0">
+              <a:rPr lang="en-US" sz="2400" b="1" dirty="0">
                 <a:solidFill>
                   <a:schemeClr val="tx1"/>
                 </a:solidFill>
@@ -12135,34 +12543,13 @@
               <a:buChar char="o"/>
             </a:pPr>
             <a:r>
-              <a:rPr lang="en-US" sz="1400" dirty="0" smtClean="0">
+              <a:rPr lang="en-US" dirty="0">
                 <a:solidFill>
                   <a:schemeClr val="tx1"/>
                 </a:solidFill>
               </a:rPr>
-              <a:t>What is </a:t>
-            </a:r>
-            <a:r>
-              <a:rPr lang="en-US" sz="1400" dirty="0" err="1" smtClean="0">
-                <a:solidFill>
-                  <a:schemeClr val="tx1"/>
-                </a:solidFill>
-              </a:rPr>
-              <a:t>var</a:t>
-            </a:r>
-            <a:r>
-              <a:rPr lang="en-US" sz="1400" dirty="0" smtClean="0">
-                <a:solidFill>
-                  <a:schemeClr val="tx1"/>
-                </a:solidFill>
-              </a:rPr>
-              <a:t>?</a:t>
-            </a:r>
-            <a:endParaRPr lang="en-US" sz="1400" dirty="0" smtClean="0">
-              <a:solidFill>
-                <a:schemeClr val="tx1"/>
-              </a:solidFill>
-            </a:endParaRPr>
+              <a:t>What are var, let, and const?</a:t>
+            </a:r>
           </a:p>
           <a:p>
             <a:pPr marL="285750" indent="-285750">
@@ -12173,7 +12560,7 @@
               <a:buChar char="o"/>
             </a:pPr>
             <a:r>
-              <a:rPr lang="en-IN" sz="1400" dirty="0" smtClean="0">
+              <a:rPr lang="en-IN" dirty="0">
                 <a:solidFill>
                   <a:schemeClr val="tx1"/>
                 </a:solidFill>
@@ -12190,7 +12577,7 @@
               <a:buChar char="o"/>
             </a:pPr>
             <a:r>
-              <a:rPr lang="en-IN" sz="1400" dirty="0" smtClean="0">
+              <a:rPr lang="en-IN" dirty="0">
                 <a:solidFill>
                   <a:schemeClr val="tx1"/>
                 </a:solidFill>
@@ -12198,7 +12585,7 @@
               <a:t>Undefined </a:t>
             </a:r>
             <a:r>
-              <a:rPr lang="en-IN" sz="1400" dirty="0" err="1" smtClean="0">
+              <a:rPr lang="en-IN" dirty="0" err="1">
                 <a:solidFill>
                   <a:schemeClr val="tx1"/>
                 </a:solidFill>
@@ -12206,7 +12593,7 @@
               <a:t>vs</a:t>
             </a:r>
             <a:r>
-              <a:rPr lang="en-IN" sz="1400" dirty="0" smtClean="0">
+              <a:rPr lang="en-IN" dirty="0">
                 <a:solidFill>
                   <a:schemeClr val="tx1"/>
                 </a:solidFill>
@@ -12223,7 +12610,7 @@
               <a:buChar char="o"/>
             </a:pPr>
             <a:r>
-              <a:rPr lang="en-IN" sz="1400" dirty="0" smtClean="0">
+              <a:rPr lang="en-IN" dirty="0">
                 <a:solidFill>
                   <a:schemeClr val="tx1"/>
                 </a:solidFill>
@@ -12240,55 +12627,13 @@
               <a:buChar char="o"/>
             </a:pPr>
             <a:r>
-              <a:rPr lang="en-IN" sz="1400" dirty="0" smtClean="0">
+              <a:rPr lang="en-IN" dirty="0">
                 <a:solidFill>
                   <a:schemeClr val="tx1"/>
                 </a:solidFill>
               </a:rPr>
-              <a:t>What is call stack and how it works</a:t>
-            </a:r>
-          </a:p>
-          <a:p>
-            <a:pPr marL="285750" indent="-285750">
-              <a:lnSpc>
-                <a:spcPct val="150000"/>
-              </a:lnSpc>
-              <a:buFont typeface="Courier New" panose="02070309020205020404" pitchFamily="49" charset="0"/>
-              <a:buChar char="o"/>
-            </a:pPr>
-            <a:r>
-              <a:rPr lang="en-IN" sz="1400" dirty="0" smtClean="0">
-                <a:solidFill>
-                  <a:schemeClr val="tx1"/>
-                </a:solidFill>
-              </a:rPr>
-              <a:t>Let</a:t>
-            </a:r>
-          </a:p>
-          <a:p>
-            <a:pPr marL="285750" indent="-285750">
-              <a:lnSpc>
-                <a:spcPct val="150000"/>
-              </a:lnSpc>
-              <a:buFont typeface="Courier New" panose="02070309020205020404" pitchFamily="49" charset="0"/>
-              <a:buChar char="o"/>
-            </a:pPr>
-            <a:r>
-              <a:rPr lang="en-IN" sz="1400" dirty="0" smtClean="0">
-                <a:solidFill>
-                  <a:schemeClr val="tx1"/>
-                </a:solidFill>
-              </a:rPr>
-              <a:t>Const</a:t>
-            </a:r>
-          </a:p>
-          <a:p>
-            <a:pPr algn="ctr"/>
-            <a:endParaRPr lang="en-IN" sz="1400" dirty="0">
-              <a:solidFill>
-                <a:schemeClr val="tx1"/>
-              </a:solidFill>
-            </a:endParaRPr>
+              <a:t>What is the call stack and how it works</a:t>
+            </a:r>
           </a:p>
         </p:txBody>
       </p:sp>
@@ -12315,7 +12660,7 @@
           <a:lstStyle/>
           <a:p>
             <a:r>
-              <a:rPr lang="en-IN" b="1" dirty="0" smtClean="0">
+              <a:rPr lang="en-IN" b="1" dirty="0">
                 <a:solidFill>
                   <a:schemeClr val="accent2">
                     <a:lumMod val="60000"/>
@@ -12367,7 +12712,7 @@
     </p:spTree>
     <p:extLst>
       <p:ext uri="{BB962C8B-B14F-4D97-AF65-F5344CB8AC3E}">
-        <p14:creationId xmlns:p14="http://schemas.microsoft.com/office/powerpoint/2010/main" xmlns="" val="3002471670"/>
+        <p14:creationId xmlns:p14="http://schemas.microsoft.com/office/powerpoint/2010/main" val="3002471670"/>
       </p:ext>
     </p:extLst>
   </p:cSld>
@@ -12385,7 +12730,7 @@
         <p:cNvPr id="1" name="">
           <a:extLst>
             <a:ext uri="{FF2B5EF4-FFF2-40B4-BE49-F238E27FC236}">
-              <a16:creationId xmlns:a16="http://schemas.microsoft.com/office/drawing/2014/main" xmlns="" id="{D210C62D-BA73-7142-9269-B229A82A227F}"/>
+              <a16:creationId xmlns:a16="http://schemas.microsoft.com/office/drawing/2014/main" id="{D210C62D-BA73-7142-9269-B229A82A227F}"/>
             </a:ext>
           </a:extLst>
         </p:cNvPr>
@@ -12405,7 +12750,7 @@
           <p:cNvPr id="2" name="Title 1">
             <a:extLst>
               <a:ext uri="{FF2B5EF4-FFF2-40B4-BE49-F238E27FC236}">
-                <a16:creationId xmlns:a16="http://schemas.microsoft.com/office/drawing/2014/main" xmlns="" id="{D5018557-B8C1-B1F3-960D-C1C68708243B}"/>
+                <a16:creationId xmlns:a16="http://schemas.microsoft.com/office/drawing/2014/main" id="{D5018557-B8C1-B1F3-960D-C1C68708243B}"/>
               </a:ext>
             </a:extLst>
           </p:cNvPr>
@@ -12445,7 +12790,7 @@
           <p:cNvPr id="3" name="Content Placeholder 2">
             <a:extLst>
               <a:ext uri="{FF2B5EF4-FFF2-40B4-BE49-F238E27FC236}">
-                <a16:creationId xmlns:a16="http://schemas.microsoft.com/office/drawing/2014/main" xmlns="" id="{24415AF3-2B9F-42C3-52C5-51254FAF8249}"/>
+                <a16:creationId xmlns:a16="http://schemas.microsoft.com/office/drawing/2014/main" id="{24415AF3-2B9F-42C3-52C5-51254FAF8249}"/>
               </a:ext>
             </a:extLst>
           </p:cNvPr>
@@ -12511,7 +12856,7 @@
           <p:cNvPr id="6" name="Ribbon: Curved and Tilted Down 5">
             <a:extLst>
               <a:ext uri="{FF2B5EF4-FFF2-40B4-BE49-F238E27FC236}">
-                <a16:creationId xmlns:a16="http://schemas.microsoft.com/office/drawing/2014/main" xmlns="" id="{7BEA6FE3-CC31-4B69-44C6-04DF1B8559E4}"/>
+                <a16:creationId xmlns:a16="http://schemas.microsoft.com/office/drawing/2014/main" id="{7BEA6FE3-CC31-4B69-44C6-04DF1B8559E4}"/>
               </a:ext>
             </a:extLst>
           </p:cNvPr>
@@ -12584,7 +12929,7 @@
           <p:cNvPr id="8" name="Scroll: Vertical 7">
             <a:extLst>
               <a:ext uri="{FF2B5EF4-FFF2-40B4-BE49-F238E27FC236}">
-                <a16:creationId xmlns:a16="http://schemas.microsoft.com/office/drawing/2014/main" xmlns="" id="{2D8E823F-54F9-1A01-E3EF-B3211339B30B}"/>
+                <a16:creationId xmlns:a16="http://schemas.microsoft.com/office/drawing/2014/main" id="{2D8E823F-54F9-1A01-E3EF-B3211339B30B}"/>
               </a:ext>
             </a:extLst>
           </p:cNvPr>
@@ -12854,7 +13199,7 @@
     </p:spTree>
     <p:extLst>
       <p:ext uri="{BB962C8B-B14F-4D97-AF65-F5344CB8AC3E}">
-        <p14:creationId xmlns:p14="http://schemas.microsoft.com/office/powerpoint/2010/main" xmlns="" val="3274136203"/>
+        <p14:creationId xmlns:p14="http://schemas.microsoft.com/office/powerpoint/2010/main" val="3274136203"/>
       </p:ext>
     </p:extLst>
   </p:cSld>
@@ -12872,7 +13217,7 @@
         <p:cNvPr id="1" name="">
           <a:extLst>
             <a:ext uri="{FF2B5EF4-FFF2-40B4-BE49-F238E27FC236}">
-              <a16:creationId xmlns:a16="http://schemas.microsoft.com/office/drawing/2014/main" xmlns="" id="{7139B82A-D876-79BD-D559-707BFDC5D481}"/>
+              <a16:creationId xmlns:a16="http://schemas.microsoft.com/office/drawing/2014/main" id="{7139B82A-D876-79BD-D559-707BFDC5D481}"/>
             </a:ext>
           </a:extLst>
         </p:cNvPr>
@@ -12892,7 +13237,7 @@
           <p:cNvPr id="8" name="Title 1">
             <a:extLst>
               <a:ext uri="{FF2B5EF4-FFF2-40B4-BE49-F238E27FC236}">
-                <a16:creationId xmlns:a16="http://schemas.microsoft.com/office/drawing/2014/main" xmlns="" id="{4C8D5637-E45A-11BE-1BA4-F40373E8D014}"/>
+                <a16:creationId xmlns:a16="http://schemas.microsoft.com/office/drawing/2014/main" id="{4C8D5637-E45A-11BE-1BA4-F40373E8D014}"/>
               </a:ext>
             </a:extLst>
           </p:cNvPr>
@@ -12929,7 +13274,7 @@
           <p:cNvPr id="3" name="Content Placeholder 2">
             <a:extLst>
               <a:ext uri="{FF2B5EF4-FFF2-40B4-BE49-F238E27FC236}">
-                <a16:creationId xmlns:a16="http://schemas.microsoft.com/office/drawing/2014/main" xmlns="" id="{86EB63D1-C74F-75B0-CE48-A95AEA2A21A1}"/>
+                <a16:creationId xmlns:a16="http://schemas.microsoft.com/office/drawing/2014/main" id="{86EB63D1-C74F-75B0-CE48-A95AEA2A21A1}"/>
               </a:ext>
             </a:extLst>
           </p:cNvPr>
@@ -12990,7 +13335,7 @@
           <p:cNvPr id="5" name="Ribbon: Curved and Tilted Down 4">
             <a:extLst>
               <a:ext uri="{FF2B5EF4-FFF2-40B4-BE49-F238E27FC236}">
-                <a16:creationId xmlns:a16="http://schemas.microsoft.com/office/drawing/2014/main" xmlns="" id="{75419B56-A4AB-830D-A49F-7700EED8C0FA}"/>
+                <a16:creationId xmlns:a16="http://schemas.microsoft.com/office/drawing/2014/main" id="{75419B56-A4AB-830D-A49F-7700EED8C0FA}"/>
               </a:ext>
             </a:extLst>
           </p:cNvPr>
@@ -13063,7 +13408,7 @@
           <p:cNvPr id="10" name="Scroll: Vertical 9">
             <a:extLst>
               <a:ext uri="{FF2B5EF4-FFF2-40B4-BE49-F238E27FC236}">
-                <a16:creationId xmlns:a16="http://schemas.microsoft.com/office/drawing/2014/main" xmlns="" id="{CD6C5744-A805-1655-2B2A-4D4D0DD0695E}"/>
+                <a16:creationId xmlns:a16="http://schemas.microsoft.com/office/drawing/2014/main" id="{CD6C5744-A805-1655-2B2A-4D4D0DD0695E}"/>
               </a:ext>
             </a:extLst>
           </p:cNvPr>
@@ -13353,7 +13698,7 @@
           <a:lstStyle/>
           <a:p>
             <a:r>
-              <a:rPr lang="en-IN" b="1" dirty="0" smtClean="0">
+              <a:rPr lang="en-IN" b="1" dirty="0">
                 <a:solidFill>
                   <a:schemeClr val="accent2">
                     <a:lumMod val="60000"/>
@@ -13379,7 +13724,7 @@
     </p:spTree>
     <p:extLst>
       <p:ext uri="{BB962C8B-B14F-4D97-AF65-F5344CB8AC3E}">
-        <p14:creationId xmlns:p14="http://schemas.microsoft.com/office/powerpoint/2010/main" xmlns="" val="3157857213"/>
+        <p14:creationId xmlns:p14="http://schemas.microsoft.com/office/powerpoint/2010/main" val="3157857213"/>
       </p:ext>
     </p:extLst>
   </p:cSld>
@@ -13397,7 +13742,7 @@
         <p:cNvPr id="1" name="">
           <a:extLst>
             <a:ext uri="{FF2B5EF4-FFF2-40B4-BE49-F238E27FC236}">
-              <a16:creationId xmlns:a16="http://schemas.microsoft.com/office/drawing/2014/main" xmlns="" id="{53D929B9-0FF5-B5F7-0DB4-914C4F4A1BB2}"/>
+              <a16:creationId xmlns:a16="http://schemas.microsoft.com/office/drawing/2014/main" id="{53D929B9-0FF5-B5F7-0DB4-914C4F4A1BB2}"/>
             </a:ext>
           </a:extLst>
         </p:cNvPr>
@@ -13417,7 +13762,7 @@
           <p:cNvPr id="7" name="Title 1">
             <a:extLst>
               <a:ext uri="{FF2B5EF4-FFF2-40B4-BE49-F238E27FC236}">
-                <a16:creationId xmlns:a16="http://schemas.microsoft.com/office/drawing/2014/main" xmlns="" id="{2D810556-B3F2-D67B-C5C6-43963FC8DAE7}"/>
+                <a16:creationId xmlns:a16="http://schemas.microsoft.com/office/drawing/2014/main" id="{2D810556-B3F2-D67B-C5C6-43963FC8DAE7}"/>
               </a:ext>
             </a:extLst>
           </p:cNvPr>
@@ -13454,7 +13799,7 @@
           <p:cNvPr id="3" name="Content Placeholder 2">
             <a:extLst>
               <a:ext uri="{FF2B5EF4-FFF2-40B4-BE49-F238E27FC236}">
-                <a16:creationId xmlns:a16="http://schemas.microsoft.com/office/drawing/2014/main" xmlns="" id="{8F0952B2-F12D-991D-3EC9-9526D8EDED87}"/>
+                <a16:creationId xmlns:a16="http://schemas.microsoft.com/office/drawing/2014/main" id="{8F0952B2-F12D-991D-3EC9-9526D8EDED87}"/>
               </a:ext>
             </a:extLst>
           </p:cNvPr>
@@ -13529,7 +13874,7 @@
           <p:cNvPr id="8" name="Ribbon: Curved and Tilted Down 7">
             <a:extLst>
               <a:ext uri="{FF2B5EF4-FFF2-40B4-BE49-F238E27FC236}">
-                <a16:creationId xmlns:a16="http://schemas.microsoft.com/office/drawing/2014/main" xmlns="" id="{C9C1F804-0CF6-A2DC-646C-9B9441D8EBB0}"/>
+                <a16:creationId xmlns:a16="http://schemas.microsoft.com/office/drawing/2014/main" id="{C9C1F804-0CF6-A2DC-646C-9B9441D8EBB0}"/>
               </a:ext>
             </a:extLst>
           </p:cNvPr>
@@ -13602,7 +13947,7 @@
           <p:cNvPr id="9" name="Scroll: Vertical 8">
             <a:extLst>
               <a:ext uri="{FF2B5EF4-FFF2-40B4-BE49-F238E27FC236}">
-                <a16:creationId xmlns:a16="http://schemas.microsoft.com/office/drawing/2014/main" xmlns="" id="{94613FC4-1176-9125-467B-B6CE33BB59CD}"/>
+                <a16:creationId xmlns:a16="http://schemas.microsoft.com/office/drawing/2014/main" id="{94613FC4-1176-9125-467B-B6CE33BB59CD}"/>
               </a:ext>
             </a:extLst>
           </p:cNvPr>
@@ -13892,7 +14237,7 @@
           <a:lstStyle/>
           <a:p>
             <a:r>
-              <a:rPr lang="en-IN" b="1" dirty="0" smtClean="0">
+              <a:rPr lang="en-IN" b="1" dirty="0">
                 <a:solidFill>
                   <a:schemeClr val="accent2">
                     <a:lumMod val="60000"/>
@@ -13918,7 +14263,7 @@
     </p:spTree>
     <p:extLst>
       <p:ext uri="{BB962C8B-B14F-4D97-AF65-F5344CB8AC3E}">
-        <p14:creationId xmlns:p14="http://schemas.microsoft.com/office/powerpoint/2010/main" xmlns="" val="2302025808"/>
+        <p14:creationId xmlns:p14="http://schemas.microsoft.com/office/powerpoint/2010/main" val="2302025808"/>
       </p:ext>
     </p:extLst>
   </p:cSld>
@@ -13936,7 +14281,7 @@
         <p:cNvPr id="1" name="">
           <a:extLst>
             <a:ext uri="{FF2B5EF4-FFF2-40B4-BE49-F238E27FC236}">
-              <a16:creationId xmlns:a16="http://schemas.microsoft.com/office/drawing/2014/main" xmlns="" id="{744B94CD-0809-14B6-E79F-D0C06F89CA15}"/>
+              <a16:creationId xmlns:a16="http://schemas.microsoft.com/office/drawing/2014/main" id="{744B94CD-0809-14B6-E79F-D0C06F89CA15}"/>
             </a:ext>
           </a:extLst>
         </p:cNvPr>
@@ -13956,7 +14301,7 @@
           <p:cNvPr id="9" name="Title 8">
             <a:extLst>
               <a:ext uri="{FF2B5EF4-FFF2-40B4-BE49-F238E27FC236}">
-                <a16:creationId xmlns:a16="http://schemas.microsoft.com/office/drawing/2014/main" xmlns="" id="{F3A13225-B875-57E9-5CCB-88427D8711E0}"/>
+                <a16:creationId xmlns:a16="http://schemas.microsoft.com/office/drawing/2014/main" id="{F3A13225-B875-57E9-5CCB-88427D8711E0}"/>
               </a:ext>
             </a:extLst>
           </p:cNvPr>
@@ -13996,7 +14341,7 @@
           <p:cNvPr id="3" name="Content Placeholder 2">
             <a:extLst>
               <a:ext uri="{FF2B5EF4-FFF2-40B4-BE49-F238E27FC236}">
-                <a16:creationId xmlns:a16="http://schemas.microsoft.com/office/drawing/2014/main" xmlns="" id="{29D21329-5AAF-6358-9761-2C4901A09C8C}"/>
+                <a16:creationId xmlns:a16="http://schemas.microsoft.com/office/drawing/2014/main" id="{29D21329-5AAF-6358-9761-2C4901A09C8C}"/>
               </a:ext>
             </a:extLst>
           </p:cNvPr>
@@ -14043,7 +14388,7 @@
           <p:cNvPr id="5" name="Title 1">
             <a:extLst>
               <a:ext uri="{FF2B5EF4-FFF2-40B4-BE49-F238E27FC236}">
-                <a16:creationId xmlns:a16="http://schemas.microsoft.com/office/drawing/2014/main" xmlns="" id="{23B0E81A-A704-BABA-7779-F926A6BFCB35}"/>
+                <a16:creationId xmlns:a16="http://schemas.microsoft.com/office/drawing/2014/main" id="{23B0E81A-A704-BABA-7779-F926A6BFCB35}"/>
               </a:ext>
             </a:extLst>
           </p:cNvPr>
@@ -14151,7 +14496,7 @@
           <p:cNvPr id="10" name="Ribbon: Curved and Tilted Down 9">
             <a:extLst>
               <a:ext uri="{FF2B5EF4-FFF2-40B4-BE49-F238E27FC236}">
-                <a16:creationId xmlns:a16="http://schemas.microsoft.com/office/drawing/2014/main" xmlns="" id="{3DBA1B1D-2AF2-C619-7353-1037498CD788}"/>
+                <a16:creationId xmlns:a16="http://schemas.microsoft.com/office/drawing/2014/main" id="{3DBA1B1D-2AF2-C619-7353-1037498CD788}"/>
               </a:ext>
             </a:extLst>
           </p:cNvPr>
@@ -14224,7 +14569,7 @@
           <p:cNvPr id="11" name="Scroll: Vertical 10">
             <a:extLst>
               <a:ext uri="{FF2B5EF4-FFF2-40B4-BE49-F238E27FC236}">
-                <a16:creationId xmlns:a16="http://schemas.microsoft.com/office/drawing/2014/main" xmlns="" id="{BE18EA22-49FD-59C7-DB0C-3006A91F02E6}"/>
+                <a16:creationId xmlns:a16="http://schemas.microsoft.com/office/drawing/2014/main" id="{BE18EA22-49FD-59C7-DB0C-3006A91F02E6}"/>
               </a:ext>
             </a:extLst>
           </p:cNvPr>
@@ -14514,7 +14859,7 @@
           <a:lstStyle/>
           <a:p>
             <a:r>
-              <a:rPr lang="en-IN" b="1" dirty="0" smtClean="0">
+              <a:rPr lang="en-IN" b="1" dirty="0">
                 <a:solidFill>
                   <a:schemeClr val="accent2">
                     <a:lumMod val="60000"/>
@@ -14540,7 +14885,7 @@
     </p:spTree>
     <p:extLst>
       <p:ext uri="{BB962C8B-B14F-4D97-AF65-F5344CB8AC3E}">
-        <p14:creationId xmlns:p14="http://schemas.microsoft.com/office/powerpoint/2010/main" xmlns="" val="1090188544"/>
+        <p14:creationId xmlns:p14="http://schemas.microsoft.com/office/powerpoint/2010/main" val="1090188544"/>
       </p:ext>
     </p:extLst>
   </p:cSld>
@@ -14558,7 +14903,7 @@
         <p:cNvPr id="1" name="">
           <a:extLst>
             <a:ext uri="{FF2B5EF4-FFF2-40B4-BE49-F238E27FC236}">
-              <a16:creationId xmlns:a16="http://schemas.microsoft.com/office/drawing/2014/main" xmlns="" id="{DFFF01F8-A8CD-88AB-42C3-C2E632C5474A}"/>
+              <a16:creationId xmlns:a16="http://schemas.microsoft.com/office/drawing/2014/main" id="{DFFF01F8-A8CD-88AB-42C3-C2E632C5474A}"/>
             </a:ext>
           </a:extLst>
         </p:cNvPr>
@@ -14578,7 +14923,7 @@
           <p:cNvPr id="7" name="Title 8">
             <a:extLst>
               <a:ext uri="{FF2B5EF4-FFF2-40B4-BE49-F238E27FC236}">
-                <a16:creationId xmlns:a16="http://schemas.microsoft.com/office/drawing/2014/main" xmlns="" id="{2CFF87A5-7472-22DC-030C-A3CCBBC3E824}"/>
+                <a16:creationId xmlns:a16="http://schemas.microsoft.com/office/drawing/2014/main" id="{2CFF87A5-7472-22DC-030C-A3CCBBC3E824}"/>
               </a:ext>
             </a:extLst>
           </p:cNvPr>
@@ -14618,7 +14963,7 @@
           <p:cNvPr id="3" name="Content Placeholder 2">
             <a:extLst>
               <a:ext uri="{FF2B5EF4-FFF2-40B4-BE49-F238E27FC236}">
-                <a16:creationId xmlns:a16="http://schemas.microsoft.com/office/drawing/2014/main" xmlns="" id="{1702553A-B321-D7AA-C0CD-A58D1C15FC38}"/>
+                <a16:creationId xmlns:a16="http://schemas.microsoft.com/office/drawing/2014/main" id="{1702553A-B321-D7AA-C0CD-A58D1C15FC38}"/>
               </a:ext>
             </a:extLst>
           </p:cNvPr>
@@ -14691,7 +15036,7 @@
           <p:cNvPr id="8" name="Ribbon: Curved and Tilted Down 7">
             <a:extLst>
               <a:ext uri="{FF2B5EF4-FFF2-40B4-BE49-F238E27FC236}">
-                <a16:creationId xmlns:a16="http://schemas.microsoft.com/office/drawing/2014/main" xmlns="" id="{C52AE18F-E34C-AFB6-7EA6-F589DEF7B3D0}"/>
+                <a16:creationId xmlns:a16="http://schemas.microsoft.com/office/drawing/2014/main" id="{C52AE18F-E34C-AFB6-7EA6-F589DEF7B3D0}"/>
               </a:ext>
             </a:extLst>
           </p:cNvPr>
@@ -14764,7 +15109,7 @@
           <p:cNvPr id="9" name="Scroll: Vertical 8">
             <a:extLst>
               <a:ext uri="{FF2B5EF4-FFF2-40B4-BE49-F238E27FC236}">
-                <a16:creationId xmlns:a16="http://schemas.microsoft.com/office/drawing/2014/main" xmlns="" id="{18A95ECD-6D24-C669-0CF8-39F3FBCDDA47}"/>
+                <a16:creationId xmlns:a16="http://schemas.microsoft.com/office/drawing/2014/main" id="{18A95ECD-6D24-C669-0CF8-39F3FBCDDA47}"/>
               </a:ext>
             </a:extLst>
           </p:cNvPr>
@@ -15054,7 +15399,7 @@
           <a:lstStyle/>
           <a:p>
             <a:r>
-              <a:rPr lang="en-IN" b="1" dirty="0" smtClean="0">
+              <a:rPr lang="en-IN" b="1" dirty="0">
                 <a:solidFill>
                   <a:schemeClr val="accent2">
                     <a:lumMod val="60000"/>
@@ -15080,7 +15425,7 @@
     </p:spTree>
     <p:extLst>
       <p:ext uri="{BB962C8B-B14F-4D97-AF65-F5344CB8AC3E}">
-        <p14:creationId xmlns:p14="http://schemas.microsoft.com/office/powerpoint/2010/main" xmlns="" val="1870717373"/>
+        <p14:creationId xmlns:p14="http://schemas.microsoft.com/office/powerpoint/2010/main" val="1870717373"/>
       </p:ext>
     </p:extLst>
   </p:cSld>
@@ -15098,7 +15443,7 @@
         <p:cNvPr id="1" name="">
           <a:extLst>
             <a:ext uri="{FF2B5EF4-FFF2-40B4-BE49-F238E27FC236}">
-              <a16:creationId xmlns:a16="http://schemas.microsoft.com/office/drawing/2014/main" xmlns="" id="{D224F207-D856-6E6D-9995-159800F589CD}"/>
+              <a16:creationId xmlns:a16="http://schemas.microsoft.com/office/drawing/2014/main" id="{D224F207-D856-6E6D-9995-159800F589CD}"/>
             </a:ext>
           </a:extLst>
         </p:cNvPr>
@@ -15118,7 +15463,7 @@
           <p:cNvPr id="5" name="Title 8">
             <a:extLst>
               <a:ext uri="{FF2B5EF4-FFF2-40B4-BE49-F238E27FC236}">
-                <a16:creationId xmlns:a16="http://schemas.microsoft.com/office/drawing/2014/main" xmlns="" id="{2773E7F4-011C-1186-0E83-1852CC157898}"/>
+                <a16:creationId xmlns:a16="http://schemas.microsoft.com/office/drawing/2014/main" id="{2773E7F4-011C-1186-0E83-1852CC157898}"/>
               </a:ext>
             </a:extLst>
           </p:cNvPr>
@@ -15158,7 +15503,7 @@
           <p:cNvPr id="3" name="Content Placeholder 2">
             <a:extLst>
               <a:ext uri="{FF2B5EF4-FFF2-40B4-BE49-F238E27FC236}">
-                <a16:creationId xmlns:a16="http://schemas.microsoft.com/office/drawing/2014/main" xmlns="" id="{9466D7CB-A484-F4DC-1247-3B0F9708D05F}"/>
+                <a16:creationId xmlns:a16="http://schemas.microsoft.com/office/drawing/2014/main" id="{9466D7CB-A484-F4DC-1247-3B0F9708D05F}"/>
               </a:ext>
             </a:extLst>
           </p:cNvPr>
@@ -15205,7 +15550,7 @@
           <p:cNvPr id="6" name="Ribbon: Curved and Tilted Down 5">
             <a:extLst>
               <a:ext uri="{FF2B5EF4-FFF2-40B4-BE49-F238E27FC236}">
-                <a16:creationId xmlns:a16="http://schemas.microsoft.com/office/drawing/2014/main" xmlns="" id="{DA6F4F8F-5ABC-21EF-A2AB-B0F4B5058194}"/>
+                <a16:creationId xmlns:a16="http://schemas.microsoft.com/office/drawing/2014/main" id="{DA6F4F8F-5ABC-21EF-A2AB-B0F4B5058194}"/>
               </a:ext>
             </a:extLst>
           </p:cNvPr>
@@ -15278,7 +15623,7 @@
           <p:cNvPr id="7" name="Scroll: Vertical 6">
             <a:extLst>
               <a:ext uri="{FF2B5EF4-FFF2-40B4-BE49-F238E27FC236}">
-                <a16:creationId xmlns:a16="http://schemas.microsoft.com/office/drawing/2014/main" xmlns="" id="{694A0A23-21B4-6D65-E96A-AD1A0AC04FCC}"/>
+                <a16:creationId xmlns:a16="http://schemas.microsoft.com/office/drawing/2014/main" id="{694A0A23-21B4-6D65-E96A-AD1A0AC04FCC}"/>
               </a:ext>
             </a:extLst>
           </p:cNvPr>
@@ -15568,7 +15913,7 @@
           <a:lstStyle/>
           <a:p>
             <a:r>
-              <a:rPr lang="en-IN" b="1" dirty="0" smtClean="0">
+              <a:rPr lang="en-IN" b="1" dirty="0">
                 <a:solidFill>
                   <a:schemeClr val="accent2">
                     <a:lumMod val="60000"/>
@@ -15594,7 +15939,7 @@
     </p:spTree>
     <p:extLst>
       <p:ext uri="{BB962C8B-B14F-4D97-AF65-F5344CB8AC3E}">
-        <p14:creationId xmlns:p14="http://schemas.microsoft.com/office/powerpoint/2010/main" xmlns="" val="755787835"/>
+        <p14:creationId xmlns:p14="http://schemas.microsoft.com/office/powerpoint/2010/main" val="755787835"/>
       </p:ext>
     </p:extLst>
   </p:cSld>
@@ -15612,7 +15957,7 @@
         <p:cNvPr id="1" name="">
           <a:extLst>
             <a:ext uri="{FF2B5EF4-FFF2-40B4-BE49-F238E27FC236}">
-              <a16:creationId xmlns:a16="http://schemas.microsoft.com/office/drawing/2014/main" xmlns="" id="{517DE5E6-801F-A2FD-C03F-6F5486821075}"/>
+              <a16:creationId xmlns:a16="http://schemas.microsoft.com/office/drawing/2014/main" id="{517DE5E6-801F-A2FD-C03F-6F5486821075}"/>
             </a:ext>
           </a:extLst>
         </p:cNvPr>
@@ -15632,7 +15977,7 @@
           <p:cNvPr id="2" name="Title 1">
             <a:extLst>
               <a:ext uri="{FF2B5EF4-FFF2-40B4-BE49-F238E27FC236}">
-                <a16:creationId xmlns:a16="http://schemas.microsoft.com/office/drawing/2014/main" xmlns="" id="{5F9D859A-CC6B-038D-5AE0-901278C3F6CE}"/>
+                <a16:creationId xmlns:a16="http://schemas.microsoft.com/office/drawing/2014/main" id="{5F9D859A-CC6B-038D-5AE0-901278C3F6CE}"/>
               </a:ext>
             </a:extLst>
           </p:cNvPr>
@@ -15670,7 +16015,7 @@
           <p:cNvPr id="3" name="Content Placeholder 2">
             <a:extLst>
               <a:ext uri="{FF2B5EF4-FFF2-40B4-BE49-F238E27FC236}">
-                <a16:creationId xmlns:a16="http://schemas.microsoft.com/office/drawing/2014/main" xmlns="" id="{E5BE3A65-ADA6-AEAF-69B6-B9779A59851F}"/>
+                <a16:creationId xmlns:a16="http://schemas.microsoft.com/office/drawing/2014/main" id="{E5BE3A65-ADA6-AEAF-69B6-B9779A59851F}"/>
               </a:ext>
             </a:extLst>
           </p:cNvPr>
@@ -15711,7 +16056,7 @@
           <p:cNvPr id="6" name="Ribbon: Curved and Tilted Down 5">
             <a:extLst>
               <a:ext uri="{FF2B5EF4-FFF2-40B4-BE49-F238E27FC236}">
-                <a16:creationId xmlns:a16="http://schemas.microsoft.com/office/drawing/2014/main" xmlns="" id="{571A9BAF-7164-4534-E0BD-EE0EDF7090A3}"/>
+                <a16:creationId xmlns:a16="http://schemas.microsoft.com/office/drawing/2014/main" id="{571A9BAF-7164-4534-E0BD-EE0EDF7090A3}"/>
               </a:ext>
             </a:extLst>
           </p:cNvPr>
@@ -15784,7 +16129,7 @@
           <p:cNvPr id="7" name="Scroll: Vertical 6">
             <a:extLst>
               <a:ext uri="{FF2B5EF4-FFF2-40B4-BE49-F238E27FC236}">
-                <a16:creationId xmlns:a16="http://schemas.microsoft.com/office/drawing/2014/main" xmlns="" id="{82B3A4DF-1DDB-DA3D-C01E-CA4956EC89D7}"/>
+                <a16:creationId xmlns:a16="http://schemas.microsoft.com/office/drawing/2014/main" id="{82B3A4DF-1DDB-DA3D-C01E-CA4956EC89D7}"/>
               </a:ext>
             </a:extLst>
           </p:cNvPr>
@@ -16074,7 +16419,7 @@
           <a:lstStyle/>
           <a:p>
             <a:r>
-              <a:rPr lang="en-IN" b="1" dirty="0" smtClean="0">
+              <a:rPr lang="en-IN" b="1" dirty="0">
                 <a:solidFill>
                   <a:schemeClr val="accent2">
                     <a:lumMod val="60000"/>
@@ -16100,7 +16445,7 @@
     </p:spTree>
     <p:extLst>
       <p:ext uri="{BB962C8B-B14F-4D97-AF65-F5344CB8AC3E}">
-        <p14:creationId xmlns:p14="http://schemas.microsoft.com/office/powerpoint/2010/main" xmlns="" val="3160480842"/>
+        <p14:creationId xmlns:p14="http://schemas.microsoft.com/office/powerpoint/2010/main" val="3160480842"/>
       </p:ext>
     </p:extLst>
   </p:cSld>
@@ -16361,7 +16706,7 @@
   <a:extraClrSchemeLst/>
   <a:extLst>
     <a:ext uri="{05A4C25C-085E-4340-85A3-A5531E510DB2}">
-      <thm15:themeFamily xmlns:thm15="http://schemas.microsoft.com/office/thememl/2012/main" xmlns="" name="Facet" id="{C0C680CD-088A-49FC-A102-D699147F32B2}" vid="{8C59B386-999D-4CB6-B907-9F3997C027CC}"/>
+      <thm15:themeFamily xmlns:thm15="http://schemas.microsoft.com/office/thememl/2012/main" name="Facet" id="{C0C680CD-088A-49FC-A102-D699147F32B2}" vid="{8C59B386-999D-4CB6-B907-9F3997C027CC}"/>
     </a:ext>
   </a:extLst>
 </a:theme>

--- a/Javascript Tutorials.pptx
+++ b/Javascript Tutorials.pptx
@@ -26,6 +26,10 @@
     <p:sldId id="276" r:id="rId20"/>
     <p:sldId id="274" r:id="rId21"/>
     <p:sldId id="275" r:id="rId22"/>
+    <p:sldId id="277" r:id="rId23"/>
+    <p:sldId id="278" r:id="rId24"/>
+    <p:sldId id="279" r:id="rId25"/>
+    <p:sldId id="280" r:id="rId26"/>
   </p:sldIdLst>
   <p:sldSz cx="12192000" cy="6858000"/>
   <p:notesSz cx="6858000" cy="9144000"/>
@@ -126,7 +130,7 @@
   </p:defaultTextStyle>
   <p:extLst>
     <p:ext uri="{EFAFB233-063F-42B5-8137-9DF3F51BA10A}">
-      <p15:sldGuideLst xmlns:p15="http://schemas.microsoft.com/office/powerpoint/2012/main">
+      <p15:sldGuideLst xmlns:p15="http://schemas.microsoft.com/office/powerpoint/2012/main" xmlns="">
         <p15:guide id="1" orient="horz" pos="2160">
           <p15:clr>
             <a:srgbClr val="A4A3A4"/>
@@ -920,7 +924,7 @@
     </p:spTree>
     <p:extLst>
       <p:ext uri="{BB962C8B-B14F-4D97-AF65-F5344CB8AC3E}">
-        <p14:creationId xmlns:p14="http://schemas.microsoft.com/office/powerpoint/2010/main" val="2121369331"/>
+        <p14:creationId xmlns:p14="http://schemas.microsoft.com/office/powerpoint/2010/main" xmlns="" val="2121369331"/>
       </p:ext>
     </p:extLst>
   </p:cSld>
@@ -1173,7 +1177,7 @@
     </p:spTree>
     <p:extLst>
       <p:ext uri="{BB962C8B-B14F-4D97-AF65-F5344CB8AC3E}">
-        <p14:creationId xmlns:p14="http://schemas.microsoft.com/office/powerpoint/2010/main" val="4277845334"/>
+        <p14:creationId xmlns:p14="http://schemas.microsoft.com/office/powerpoint/2010/main" xmlns="" val="4277845334"/>
       </p:ext>
     </p:extLst>
   </p:cSld>
@@ -1565,7 +1569,7 @@
     </p:spTree>
     <p:extLst>
       <p:ext uri="{BB962C8B-B14F-4D97-AF65-F5344CB8AC3E}">
-        <p14:creationId xmlns:p14="http://schemas.microsoft.com/office/powerpoint/2010/main" val="4103336880"/>
+        <p14:creationId xmlns:p14="http://schemas.microsoft.com/office/powerpoint/2010/main" xmlns="" val="4103336880"/>
       </p:ext>
     </p:extLst>
   </p:cSld>
@@ -1818,7 +1822,7 @@
     </p:spTree>
     <p:extLst>
       <p:ext uri="{BB962C8B-B14F-4D97-AF65-F5344CB8AC3E}">
-        <p14:creationId xmlns:p14="http://schemas.microsoft.com/office/powerpoint/2010/main" val="2317848287"/>
+        <p14:creationId xmlns:p14="http://schemas.microsoft.com/office/powerpoint/2010/main" xmlns="" val="2317848287"/>
       </p:ext>
     </p:extLst>
   </p:cSld>
@@ -2210,7 +2214,7 @@
     </p:spTree>
     <p:extLst>
       <p:ext uri="{BB962C8B-B14F-4D97-AF65-F5344CB8AC3E}">
-        <p14:creationId xmlns:p14="http://schemas.microsoft.com/office/powerpoint/2010/main" val="4054754721"/>
+        <p14:creationId xmlns:p14="http://schemas.microsoft.com/office/powerpoint/2010/main" xmlns="" val="4054754721"/>
       </p:ext>
     </p:extLst>
   </p:cSld>
@@ -2523,7 +2527,7 @@
     </p:spTree>
     <p:extLst>
       <p:ext uri="{BB962C8B-B14F-4D97-AF65-F5344CB8AC3E}">
-        <p14:creationId xmlns:p14="http://schemas.microsoft.com/office/powerpoint/2010/main" val="3698809145"/>
+        <p14:creationId xmlns:p14="http://schemas.microsoft.com/office/powerpoint/2010/main" xmlns="" val="3698809145"/>
       </p:ext>
     </p:extLst>
   </p:cSld>
@@ -2695,7 +2699,7 @@
     </p:spTree>
     <p:extLst>
       <p:ext uri="{BB962C8B-B14F-4D97-AF65-F5344CB8AC3E}">
-        <p14:creationId xmlns:p14="http://schemas.microsoft.com/office/powerpoint/2010/main" val="4102912012"/>
+        <p14:creationId xmlns:p14="http://schemas.microsoft.com/office/powerpoint/2010/main" xmlns="" val="4102912012"/>
       </p:ext>
     </p:extLst>
   </p:cSld>
@@ -2877,7 +2881,7 @@
     </p:spTree>
     <p:extLst>
       <p:ext uri="{BB962C8B-B14F-4D97-AF65-F5344CB8AC3E}">
-        <p14:creationId xmlns:p14="http://schemas.microsoft.com/office/powerpoint/2010/main" val="1199620941"/>
+        <p14:creationId xmlns:p14="http://schemas.microsoft.com/office/powerpoint/2010/main" xmlns="" val="1199620941"/>
       </p:ext>
     </p:extLst>
   </p:cSld>
@@ -3055,7 +3059,7 @@
     </p:spTree>
     <p:extLst>
       <p:ext uri="{BB962C8B-B14F-4D97-AF65-F5344CB8AC3E}">
-        <p14:creationId xmlns:p14="http://schemas.microsoft.com/office/powerpoint/2010/main" val="901355798"/>
+        <p14:creationId xmlns:p14="http://schemas.microsoft.com/office/powerpoint/2010/main" xmlns="" val="901355798"/>
       </p:ext>
     </p:extLst>
   </p:cSld>
@@ -3304,7 +3308,7 @@
     </p:spTree>
     <p:extLst>
       <p:ext uri="{BB962C8B-B14F-4D97-AF65-F5344CB8AC3E}">
-        <p14:creationId xmlns:p14="http://schemas.microsoft.com/office/powerpoint/2010/main" val="351019068"/>
+        <p14:creationId xmlns:p14="http://schemas.microsoft.com/office/powerpoint/2010/main" xmlns="" val="351019068"/>
       </p:ext>
     </p:extLst>
   </p:cSld>
@@ -3538,7 +3542,7 @@
     </p:spTree>
     <p:extLst>
       <p:ext uri="{BB962C8B-B14F-4D97-AF65-F5344CB8AC3E}">
-        <p14:creationId xmlns:p14="http://schemas.microsoft.com/office/powerpoint/2010/main" val="3037334119"/>
+        <p14:creationId xmlns:p14="http://schemas.microsoft.com/office/powerpoint/2010/main" xmlns="" val="3037334119"/>
       </p:ext>
     </p:extLst>
   </p:cSld>
@@ -3914,7 +3918,7 @@
     </p:spTree>
     <p:extLst>
       <p:ext uri="{BB962C8B-B14F-4D97-AF65-F5344CB8AC3E}">
-        <p14:creationId xmlns:p14="http://schemas.microsoft.com/office/powerpoint/2010/main" val="3959179014"/>
+        <p14:creationId xmlns:p14="http://schemas.microsoft.com/office/powerpoint/2010/main" xmlns="" val="3959179014"/>
       </p:ext>
     </p:extLst>
   </p:cSld>
@@ -4039,7 +4043,7 @@
     </p:spTree>
     <p:extLst>
       <p:ext uri="{BB962C8B-B14F-4D97-AF65-F5344CB8AC3E}">
-        <p14:creationId xmlns:p14="http://schemas.microsoft.com/office/powerpoint/2010/main" val="143817896"/>
+        <p14:creationId xmlns:p14="http://schemas.microsoft.com/office/powerpoint/2010/main" xmlns="" val="143817896"/>
       </p:ext>
     </p:extLst>
   </p:cSld>
@@ -4136,7 +4140,7 @@
     </p:spTree>
     <p:extLst>
       <p:ext uri="{BB962C8B-B14F-4D97-AF65-F5344CB8AC3E}">
-        <p14:creationId xmlns:p14="http://schemas.microsoft.com/office/powerpoint/2010/main" val="1053529793"/>
+        <p14:creationId xmlns:p14="http://schemas.microsoft.com/office/powerpoint/2010/main" xmlns="" val="1053529793"/>
       </p:ext>
     </p:extLst>
   </p:cSld>
@@ -4393,7 +4397,7 @@
     </p:spTree>
     <p:extLst>
       <p:ext uri="{BB962C8B-B14F-4D97-AF65-F5344CB8AC3E}">
-        <p14:creationId xmlns:p14="http://schemas.microsoft.com/office/powerpoint/2010/main" val="1549564702"/>
+        <p14:creationId xmlns:p14="http://schemas.microsoft.com/office/powerpoint/2010/main" xmlns="" val="1549564702"/>
       </p:ext>
     </p:extLst>
   </p:cSld>
@@ -4658,7 +4662,7 @@
     </p:spTree>
     <p:extLst>
       <p:ext uri="{BB962C8B-B14F-4D97-AF65-F5344CB8AC3E}">
-        <p14:creationId xmlns:p14="http://schemas.microsoft.com/office/powerpoint/2010/main" val="1708776435"/>
+        <p14:creationId xmlns:p14="http://schemas.microsoft.com/office/powerpoint/2010/main" xmlns="" val="1708776435"/>
       </p:ext>
     </p:extLst>
   </p:cSld>
@@ -5439,7 +5443,7 @@
     </p:spTree>
     <p:extLst>
       <p:ext uri="{BB962C8B-B14F-4D97-AF65-F5344CB8AC3E}">
-        <p14:creationId xmlns:p14="http://schemas.microsoft.com/office/powerpoint/2010/main" val="121865681"/>
+        <p14:creationId xmlns:p14="http://schemas.microsoft.com/office/powerpoint/2010/main" xmlns="" val="121865681"/>
       </p:ext>
     </p:extLst>
   </p:cSld>
@@ -5883,7 +5887,7 @@
           <p:cNvPr id="2" name="Title 1">
             <a:extLst>
               <a:ext uri="{FF2B5EF4-FFF2-40B4-BE49-F238E27FC236}">
-                <a16:creationId xmlns:a16="http://schemas.microsoft.com/office/drawing/2014/main" id="{EC93423C-79E8-2701-DB3F-2D4CA67D7A87}"/>
+                <a16:creationId xmlns:a16="http://schemas.microsoft.com/office/drawing/2014/main" xmlns="" id="{EC93423C-79E8-2701-DB3F-2D4CA67D7A87}"/>
               </a:ext>
             </a:extLst>
           </p:cNvPr>
@@ -5936,7 +5940,7 @@
           <p:cNvPr id="3" name="Subtitle 2">
             <a:extLst>
               <a:ext uri="{FF2B5EF4-FFF2-40B4-BE49-F238E27FC236}">
-                <a16:creationId xmlns:a16="http://schemas.microsoft.com/office/drawing/2014/main" id="{2A629AF9-FA04-B477-0E47-5B7F12E6FC7C}"/>
+                <a16:creationId xmlns:a16="http://schemas.microsoft.com/office/drawing/2014/main" xmlns="" id="{2A629AF9-FA04-B477-0E47-5B7F12E6FC7C}"/>
               </a:ext>
             </a:extLst>
           </p:cNvPr>
@@ -5972,7 +5976,7 @@
           <p:cNvPr id="4" name="TextBox 3">
             <a:extLst>
               <a:ext uri="{FF2B5EF4-FFF2-40B4-BE49-F238E27FC236}">
-                <a16:creationId xmlns:a16="http://schemas.microsoft.com/office/drawing/2014/main" id="{4BC27C14-3D93-9CDE-B1D8-91C6ACAF4DA4}"/>
+                <a16:creationId xmlns:a16="http://schemas.microsoft.com/office/drawing/2014/main" xmlns="" id="{4BC27C14-3D93-9CDE-B1D8-91C6ACAF4DA4}"/>
               </a:ext>
             </a:extLst>
           </p:cNvPr>
@@ -6021,7 +6025,7 @@
     </p:spTree>
     <p:extLst>
       <p:ext uri="{BB962C8B-B14F-4D97-AF65-F5344CB8AC3E}">
-        <p14:creationId xmlns:p14="http://schemas.microsoft.com/office/powerpoint/2010/main" val="889777050"/>
+        <p14:creationId xmlns:p14="http://schemas.microsoft.com/office/powerpoint/2010/main" xmlns="" val="889777050"/>
       </p:ext>
     </p:extLst>
   </p:cSld>
@@ -6039,7 +6043,7 @@
         <p:cNvPr id="1" name="">
           <a:extLst>
             <a:ext uri="{FF2B5EF4-FFF2-40B4-BE49-F238E27FC236}">
-              <a16:creationId xmlns:a16="http://schemas.microsoft.com/office/drawing/2014/main" id="{253BBDB7-3E52-64BD-6E92-66253059D34C}"/>
+              <a16:creationId xmlns:a16="http://schemas.microsoft.com/office/drawing/2014/main" xmlns="" id="{253BBDB7-3E52-64BD-6E92-66253059D34C}"/>
             </a:ext>
           </a:extLst>
         </p:cNvPr>
@@ -6059,7 +6063,7 @@
           <p:cNvPr id="2" name="Title 1">
             <a:extLst>
               <a:ext uri="{FF2B5EF4-FFF2-40B4-BE49-F238E27FC236}">
-                <a16:creationId xmlns:a16="http://schemas.microsoft.com/office/drawing/2014/main" id="{E55678BE-607F-2A2B-B318-30B2DA7F29B3}"/>
+                <a16:creationId xmlns:a16="http://schemas.microsoft.com/office/drawing/2014/main" xmlns="" id="{E55678BE-607F-2A2B-B318-30B2DA7F29B3}"/>
               </a:ext>
             </a:extLst>
           </p:cNvPr>
@@ -6096,7 +6100,7 @@
           <p:cNvPr id="3" name="Content Placeholder 2">
             <a:extLst>
               <a:ext uri="{FF2B5EF4-FFF2-40B4-BE49-F238E27FC236}">
-                <a16:creationId xmlns:a16="http://schemas.microsoft.com/office/drawing/2014/main" id="{A5951AC9-1751-ACAB-8097-E6D486A5D62D}"/>
+                <a16:creationId xmlns:a16="http://schemas.microsoft.com/office/drawing/2014/main" xmlns="" id="{A5951AC9-1751-ACAB-8097-E6D486A5D62D}"/>
               </a:ext>
             </a:extLst>
           </p:cNvPr>
@@ -6151,7 +6155,7 @@
           <p:cNvPr id="5" name="Ribbon: Curved and Tilted Down 4">
             <a:extLst>
               <a:ext uri="{FF2B5EF4-FFF2-40B4-BE49-F238E27FC236}">
-                <a16:creationId xmlns:a16="http://schemas.microsoft.com/office/drawing/2014/main" id="{29648F54-4274-51BA-8F35-F8C888E0A19B}"/>
+                <a16:creationId xmlns:a16="http://schemas.microsoft.com/office/drawing/2014/main" xmlns="" id="{29648F54-4274-51BA-8F35-F8C888E0A19B}"/>
               </a:ext>
             </a:extLst>
           </p:cNvPr>
@@ -6224,7 +6228,7 @@
           <p:cNvPr id="6" name="Scroll: Vertical 5">
             <a:extLst>
               <a:ext uri="{FF2B5EF4-FFF2-40B4-BE49-F238E27FC236}">
-                <a16:creationId xmlns:a16="http://schemas.microsoft.com/office/drawing/2014/main" id="{E3C4F40D-DC8F-F75B-7F98-E5029EC432CA}"/>
+                <a16:creationId xmlns:a16="http://schemas.microsoft.com/office/drawing/2014/main" xmlns="" id="{E3C4F40D-DC8F-F75B-7F98-E5029EC432CA}"/>
               </a:ext>
             </a:extLst>
           </p:cNvPr>
@@ -6540,7 +6544,7 @@
     </p:spTree>
     <p:extLst>
       <p:ext uri="{BB962C8B-B14F-4D97-AF65-F5344CB8AC3E}">
-        <p14:creationId xmlns:p14="http://schemas.microsoft.com/office/powerpoint/2010/main" val="609828687"/>
+        <p14:creationId xmlns:p14="http://schemas.microsoft.com/office/powerpoint/2010/main" xmlns="" val="609828687"/>
       </p:ext>
     </p:extLst>
   </p:cSld>
@@ -6558,7 +6562,7 @@
         <p:cNvPr id="1" name="">
           <a:extLst>
             <a:ext uri="{FF2B5EF4-FFF2-40B4-BE49-F238E27FC236}">
-              <a16:creationId xmlns:a16="http://schemas.microsoft.com/office/drawing/2014/main" id="{4586E9D7-F5F8-14CC-9DF6-FC4AF2EA4249}"/>
+              <a16:creationId xmlns:a16="http://schemas.microsoft.com/office/drawing/2014/main" xmlns="" id="{4586E9D7-F5F8-14CC-9DF6-FC4AF2EA4249}"/>
             </a:ext>
           </a:extLst>
         </p:cNvPr>
@@ -6578,7 +6582,7 @@
           <p:cNvPr id="2" name="Title 1">
             <a:extLst>
               <a:ext uri="{FF2B5EF4-FFF2-40B4-BE49-F238E27FC236}">
-                <a16:creationId xmlns:a16="http://schemas.microsoft.com/office/drawing/2014/main" id="{D8B67155-694F-FF61-7CDD-33A20A316215}"/>
+                <a16:creationId xmlns:a16="http://schemas.microsoft.com/office/drawing/2014/main" xmlns="" id="{D8B67155-694F-FF61-7CDD-33A20A316215}"/>
               </a:ext>
             </a:extLst>
           </p:cNvPr>
@@ -6615,7 +6619,7 @@
           <p:cNvPr id="3" name="Content Placeholder 2">
             <a:extLst>
               <a:ext uri="{FF2B5EF4-FFF2-40B4-BE49-F238E27FC236}">
-                <a16:creationId xmlns:a16="http://schemas.microsoft.com/office/drawing/2014/main" id="{2A53D2DA-721D-FC7E-8E09-BCBD844B6F9F}"/>
+                <a16:creationId xmlns:a16="http://schemas.microsoft.com/office/drawing/2014/main" xmlns="" id="{2A53D2DA-721D-FC7E-8E09-BCBD844B6F9F}"/>
               </a:ext>
             </a:extLst>
           </p:cNvPr>
@@ -6723,7 +6727,7 @@
           <p:cNvPr id="5" name="Ribbon: Curved and Tilted Down 4">
             <a:extLst>
               <a:ext uri="{FF2B5EF4-FFF2-40B4-BE49-F238E27FC236}">
-                <a16:creationId xmlns:a16="http://schemas.microsoft.com/office/drawing/2014/main" id="{3FA23525-E3EA-B8CB-FD6A-53084CA847A7}"/>
+                <a16:creationId xmlns:a16="http://schemas.microsoft.com/office/drawing/2014/main" xmlns="" id="{3FA23525-E3EA-B8CB-FD6A-53084CA847A7}"/>
               </a:ext>
             </a:extLst>
           </p:cNvPr>
@@ -6796,7 +6800,7 @@
           <p:cNvPr id="6" name="Scroll: Vertical 5">
             <a:extLst>
               <a:ext uri="{FF2B5EF4-FFF2-40B4-BE49-F238E27FC236}">
-                <a16:creationId xmlns:a16="http://schemas.microsoft.com/office/drawing/2014/main" id="{1A4C732A-2840-82C8-A359-298D925E33B3}"/>
+                <a16:creationId xmlns:a16="http://schemas.microsoft.com/office/drawing/2014/main" xmlns="" id="{1A4C732A-2840-82C8-A359-298D925E33B3}"/>
               </a:ext>
             </a:extLst>
           </p:cNvPr>
@@ -7112,7 +7116,7 @@
     </p:spTree>
     <p:extLst>
       <p:ext uri="{BB962C8B-B14F-4D97-AF65-F5344CB8AC3E}">
-        <p14:creationId xmlns:p14="http://schemas.microsoft.com/office/powerpoint/2010/main" val="3002471670"/>
+        <p14:creationId xmlns:p14="http://schemas.microsoft.com/office/powerpoint/2010/main" xmlns="" val="3002471670"/>
       </p:ext>
     </p:extLst>
   </p:cSld>
@@ -7144,7 +7148,7 @@
           <p:cNvPr id="9" name="Explosion: 14 Points 8">
             <a:extLst>
               <a:ext uri="{FF2B5EF4-FFF2-40B4-BE49-F238E27FC236}">
-                <a16:creationId xmlns:a16="http://schemas.microsoft.com/office/drawing/2014/main" id="{0A2CD68B-7A56-F86D-8B6F-4A8BF99B4C9E}"/>
+                <a16:creationId xmlns:a16="http://schemas.microsoft.com/office/drawing/2014/main" xmlns="" id="{0A2CD68B-7A56-F86D-8B6F-4A8BF99B4C9E}"/>
               </a:ext>
             </a:extLst>
           </p:cNvPr>
@@ -7199,7 +7203,7 @@
           <p:cNvPr id="2" name="Title 1">
             <a:extLst>
               <a:ext uri="{FF2B5EF4-FFF2-40B4-BE49-F238E27FC236}">
-                <a16:creationId xmlns:a16="http://schemas.microsoft.com/office/drawing/2014/main" id="{62BB4F8D-44B7-9866-F7B2-6375CB902974}"/>
+                <a16:creationId xmlns:a16="http://schemas.microsoft.com/office/drawing/2014/main" xmlns="" id="{62BB4F8D-44B7-9866-F7B2-6375CB902974}"/>
               </a:ext>
             </a:extLst>
           </p:cNvPr>
@@ -7233,6 +7237,15 @@
               </a:rPr>
               <a:t>JavaScript</a:t>
             </a:r>
+            <a:r>
+              <a:rPr lang="en-US" sz="7200" b="1" dirty="0">
+                <a:solidFill>
+                  <a:schemeClr val="tx1"/>
+                </a:solidFill>
+                <a:latin typeface="Barlow Black" panose="00000A00000000000000" pitchFamily="2" charset="0"/>
+              </a:rPr>
+              <a:t/>
+            </a:r>
             <a:br>
               <a:rPr lang="en-US" sz="7200" b="1" dirty="0">
                 <a:solidFill>
@@ -7308,7 +7321,7 @@
           <p:cNvPr id="4" name="Ribbon: Curved and Tilted Down 3">
             <a:extLst>
               <a:ext uri="{FF2B5EF4-FFF2-40B4-BE49-F238E27FC236}">
-                <a16:creationId xmlns:a16="http://schemas.microsoft.com/office/drawing/2014/main" id="{909DBECF-689C-9AA7-1649-9166A578EDF9}"/>
+                <a16:creationId xmlns:a16="http://schemas.microsoft.com/office/drawing/2014/main" xmlns="" id="{909DBECF-689C-9AA7-1649-9166A578EDF9}"/>
               </a:ext>
             </a:extLst>
           </p:cNvPr>
@@ -7375,7 +7388,7 @@
           <p:cNvPr id="8" name="TextBox 7">
             <a:extLst>
               <a:ext uri="{FF2B5EF4-FFF2-40B4-BE49-F238E27FC236}">
-                <a16:creationId xmlns:a16="http://schemas.microsoft.com/office/drawing/2014/main" id="{6E6F1672-8C91-3FA6-CB80-58FD68172333}"/>
+                <a16:creationId xmlns:a16="http://schemas.microsoft.com/office/drawing/2014/main" xmlns="" id="{6E6F1672-8C91-3FA6-CB80-58FD68172333}"/>
               </a:ext>
             </a:extLst>
           </p:cNvPr>
@@ -7435,7 +7448,7 @@
           <p:cNvPr id="5" name="Scroll: Vertical 4">
             <a:extLst>
               <a:ext uri="{FF2B5EF4-FFF2-40B4-BE49-F238E27FC236}">
-                <a16:creationId xmlns:a16="http://schemas.microsoft.com/office/drawing/2014/main" id="{38EB993A-3F18-C6B7-226F-EDD62B4B31DB}"/>
+                <a16:creationId xmlns:a16="http://schemas.microsoft.com/office/drawing/2014/main" xmlns="" id="{38EB993A-3F18-C6B7-226F-EDD62B4B31DB}"/>
               </a:ext>
             </a:extLst>
           </p:cNvPr>
@@ -7591,7 +7604,7 @@
     </p:spTree>
     <p:extLst>
       <p:ext uri="{BB962C8B-B14F-4D97-AF65-F5344CB8AC3E}">
-        <p14:creationId xmlns:p14="http://schemas.microsoft.com/office/powerpoint/2010/main" val="3287175084"/>
+        <p14:creationId xmlns:p14="http://schemas.microsoft.com/office/powerpoint/2010/main" xmlns="" val="3287175084"/>
       </p:ext>
     </p:extLst>
   </p:cSld>
@@ -7609,7 +7622,7 @@
         <p:cNvPr id="1" name="">
           <a:extLst>
             <a:ext uri="{FF2B5EF4-FFF2-40B4-BE49-F238E27FC236}">
-              <a16:creationId xmlns:a16="http://schemas.microsoft.com/office/drawing/2014/main" id="{4586E9D7-F5F8-14CC-9DF6-FC4AF2EA4249}"/>
+              <a16:creationId xmlns:a16="http://schemas.microsoft.com/office/drawing/2014/main" xmlns="" id="{4586E9D7-F5F8-14CC-9DF6-FC4AF2EA4249}"/>
             </a:ext>
           </a:extLst>
         </p:cNvPr>
@@ -7629,7 +7642,7 @@
           <p:cNvPr id="2" name="Title 1">
             <a:extLst>
               <a:ext uri="{FF2B5EF4-FFF2-40B4-BE49-F238E27FC236}">
-                <a16:creationId xmlns:a16="http://schemas.microsoft.com/office/drawing/2014/main" id="{D8B67155-694F-FF61-7CDD-33A20A316215}"/>
+                <a16:creationId xmlns:a16="http://schemas.microsoft.com/office/drawing/2014/main" xmlns="" id="{D8B67155-694F-FF61-7CDD-33A20A316215}"/>
               </a:ext>
             </a:extLst>
           </p:cNvPr>
@@ -7667,7 +7680,7 @@
           <p:cNvPr id="3" name="Content Placeholder 2">
             <a:extLst>
               <a:ext uri="{FF2B5EF4-FFF2-40B4-BE49-F238E27FC236}">
-                <a16:creationId xmlns:a16="http://schemas.microsoft.com/office/drawing/2014/main" id="{2A53D2DA-721D-FC7E-8E09-BCBD844B6F9F}"/>
+                <a16:creationId xmlns:a16="http://schemas.microsoft.com/office/drawing/2014/main" xmlns="" id="{2A53D2DA-721D-FC7E-8E09-BCBD844B6F9F}"/>
               </a:ext>
             </a:extLst>
           </p:cNvPr>
@@ -7715,7 +7728,7 @@
           <p:cNvPr id="5" name="Ribbon: Curved and Tilted Down 4">
             <a:extLst>
               <a:ext uri="{FF2B5EF4-FFF2-40B4-BE49-F238E27FC236}">
-                <a16:creationId xmlns:a16="http://schemas.microsoft.com/office/drawing/2014/main" id="{3FA23525-E3EA-B8CB-FD6A-53084CA847A7}"/>
+                <a16:creationId xmlns:a16="http://schemas.microsoft.com/office/drawing/2014/main" xmlns="" id="{3FA23525-E3EA-B8CB-FD6A-53084CA847A7}"/>
               </a:ext>
             </a:extLst>
           </p:cNvPr>
@@ -7788,7 +7801,7 @@
           <p:cNvPr id="6" name="Scroll: Vertical 5">
             <a:extLst>
               <a:ext uri="{FF2B5EF4-FFF2-40B4-BE49-F238E27FC236}">
-                <a16:creationId xmlns:a16="http://schemas.microsoft.com/office/drawing/2014/main" id="{1A4C732A-2840-82C8-A359-298D925E33B3}"/>
+                <a16:creationId xmlns:a16="http://schemas.microsoft.com/office/drawing/2014/main" xmlns="" id="{1A4C732A-2840-82C8-A359-298D925E33B3}"/>
               </a:ext>
             </a:extLst>
           </p:cNvPr>
@@ -7978,7 +7991,7 @@
     </p:spTree>
     <p:extLst>
       <p:ext uri="{BB962C8B-B14F-4D97-AF65-F5344CB8AC3E}">
-        <p14:creationId xmlns:p14="http://schemas.microsoft.com/office/powerpoint/2010/main" val="3002471670"/>
+        <p14:creationId xmlns:p14="http://schemas.microsoft.com/office/powerpoint/2010/main" xmlns="" val="3002471670"/>
       </p:ext>
     </p:extLst>
   </p:cSld>
@@ -7996,7 +8009,7 @@
         <p:cNvPr id="1" name="">
           <a:extLst>
             <a:ext uri="{FF2B5EF4-FFF2-40B4-BE49-F238E27FC236}">
-              <a16:creationId xmlns:a16="http://schemas.microsoft.com/office/drawing/2014/main" id="{4586E9D7-F5F8-14CC-9DF6-FC4AF2EA4249}"/>
+              <a16:creationId xmlns:a16="http://schemas.microsoft.com/office/drawing/2014/main" xmlns="" id="{4586E9D7-F5F8-14CC-9DF6-FC4AF2EA4249}"/>
             </a:ext>
           </a:extLst>
         </p:cNvPr>
@@ -8016,7 +8029,7 @@
           <p:cNvPr id="2" name="Title 1">
             <a:extLst>
               <a:ext uri="{FF2B5EF4-FFF2-40B4-BE49-F238E27FC236}">
-                <a16:creationId xmlns:a16="http://schemas.microsoft.com/office/drawing/2014/main" id="{D8B67155-694F-FF61-7CDD-33A20A316215}"/>
+                <a16:creationId xmlns:a16="http://schemas.microsoft.com/office/drawing/2014/main" xmlns="" id="{D8B67155-694F-FF61-7CDD-33A20A316215}"/>
               </a:ext>
             </a:extLst>
           </p:cNvPr>
@@ -8054,7 +8067,7 @@
           <p:cNvPr id="3" name="Content Placeholder 2">
             <a:extLst>
               <a:ext uri="{FF2B5EF4-FFF2-40B4-BE49-F238E27FC236}">
-                <a16:creationId xmlns:a16="http://schemas.microsoft.com/office/drawing/2014/main" id="{2A53D2DA-721D-FC7E-8E09-BCBD844B6F9F}"/>
+                <a16:creationId xmlns:a16="http://schemas.microsoft.com/office/drawing/2014/main" xmlns="" id="{2A53D2DA-721D-FC7E-8E09-BCBD844B6F9F}"/>
               </a:ext>
             </a:extLst>
           </p:cNvPr>
@@ -8178,7 +8191,7 @@
           <p:cNvPr id="5" name="Ribbon: Curved and Tilted Down 4">
             <a:extLst>
               <a:ext uri="{FF2B5EF4-FFF2-40B4-BE49-F238E27FC236}">
-                <a16:creationId xmlns:a16="http://schemas.microsoft.com/office/drawing/2014/main" id="{3FA23525-E3EA-B8CB-FD6A-53084CA847A7}"/>
+                <a16:creationId xmlns:a16="http://schemas.microsoft.com/office/drawing/2014/main" xmlns="" id="{3FA23525-E3EA-B8CB-FD6A-53084CA847A7}"/>
               </a:ext>
             </a:extLst>
           </p:cNvPr>
@@ -8251,7 +8264,7 @@
           <p:cNvPr id="6" name="Scroll: Vertical 5">
             <a:extLst>
               <a:ext uri="{FF2B5EF4-FFF2-40B4-BE49-F238E27FC236}">
-                <a16:creationId xmlns:a16="http://schemas.microsoft.com/office/drawing/2014/main" id="{1A4C732A-2840-82C8-A359-298D925E33B3}"/>
+                <a16:creationId xmlns:a16="http://schemas.microsoft.com/office/drawing/2014/main" xmlns="" id="{1A4C732A-2840-82C8-A359-298D925E33B3}"/>
               </a:ext>
             </a:extLst>
           </p:cNvPr>
@@ -8441,7 +8454,7 @@
     </p:spTree>
     <p:extLst>
       <p:ext uri="{BB962C8B-B14F-4D97-AF65-F5344CB8AC3E}">
-        <p14:creationId xmlns:p14="http://schemas.microsoft.com/office/powerpoint/2010/main" val="3002471670"/>
+        <p14:creationId xmlns:p14="http://schemas.microsoft.com/office/powerpoint/2010/main" xmlns="" val="3002471670"/>
       </p:ext>
     </p:extLst>
   </p:cSld>
@@ -8459,7 +8472,7 @@
         <p:cNvPr id="1" name="">
           <a:extLst>
             <a:ext uri="{FF2B5EF4-FFF2-40B4-BE49-F238E27FC236}">
-              <a16:creationId xmlns:a16="http://schemas.microsoft.com/office/drawing/2014/main" id="{4586E9D7-F5F8-14CC-9DF6-FC4AF2EA4249}"/>
+              <a16:creationId xmlns:a16="http://schemas.microsoft.com/office/drawing/2014/main" xmlns="" id="{4586E9D7-F5F8-14CC-9DF6-FC4AF2EA4249}"/>
             </a:ext>
           </a:extLst>
         </p:cNvPr>
@@ -8479,7 +8492,7 @@
           <p:cNvPr id="2" name="Title 1">
             <a:extLst>
               <a:ext uri="{FF2B5EF4-FFF2-40B4-BE49-F238E27FC236}">
-                <a16:creationId xmlns:a16="http://schemas.microsoft.com/office/drawing/2014/main" id="{D8B67155-694F-FF61-7CDD-33A20A316215}"/>
+                <a16:creationId xmlns:a16="http://schemas.microsoft.com/office/drawing/2014/main" xmlns="" id="{D8B67155-694F-FF61-7CDD-33A20A316215}"/>
               </a:ext>
             </a:extLst>
           </p:cNvPr>
@@ -8517,7 +8530,7 @@
           <p:cNvPr id="3" name="Content Placeholder 2">
             <a:extLst>
               <a:ext uri="{FF2B5EF4-FFF2-40B4-BE49-F238E27FC236}">
-                <a16:creationId xmlns:a16="http://schemas.microsoft.com/office/drawing/2014/main" id="{2A53D2DA-721D-FC7E-8E09-BCBD844B6F9F}"/>
+                <a16:creationId xmlns:a16="http://schemas.microsoft.com/office/drawing/2014/main" xmlns="" id="{2A53D2DA-721D-FC7E-8E09-BCBD844B6F9F}"/>
               </a:ext>
             </a:extLst>
           </p:cNvPr>
@@ -8556,7 +8569,7 @@
           <p:cNvPr id="5" name="Ribbon: Curved and Tilted Down 4">
             <a:extLst>
               <a:ext uri="{FF2B5EF4-FFF2-40B4-BE49-F238E27FC236}">
-                <a16:creationId xmlns:a16="http://schemas.microsoft.com/office/drawing/2014/main" id="{3FA23525-E3EA-B8CB-FD6A-53084CA847A7}"/>
+                <a16:creationId xmlns:a16="http://schemas.microsoft.com/office/drawing/2014/main" xmlns="" id="{3FA23525-E3EA-B8CB-FD6A-53084CA847A7}"/>
               </a:ext>
             </a:extLst>
           </p:cNvPr>
@@ -8629,7 +8642,7 @@
           <p:cNvPr id="6" name="Scroll: Vertical 5">
             <a:extLst>
               <a:ext uri="{FF2B5EF4-FFF2-40B4-BE49-F238E27FC236}">
-                <a16:creationId xmlns:a16="http://schemas.microsoft.com/office/drawing/2014/main" id="{1A4C732A-2840-82C8-A359-298D925E33B3}"/>
+                <a16:creationId xmlns:a16="http://schemas.microsoft.com/office/drawing/2014/main" xmlns="" id="{1A4C732A-2840-82C8-A359-298D925E33B3}"/>
               </a:ext>
             </a:extLst>
           </p:cNvPr>
@@ -8852,7 +8865,7 @@
     </p:spTree>
     <p:extLst>
       <p:ext uri="{BB962C8B-B14F-4D97-AF65-F5344CB8AC3E}">
-        <p14:creationId xmlns:p14="http://schemas.microsoft.com/office/powerpoint/2010/main" val="3002471670"/>
+        <p14:creationId xmlns:p14="http://schemas.microsoft.com/office/powerpoint/2010/main" xmlns="" val="3002471670"/>
       </p:ext>
     </p:extLst>
   </p:cSld>
@@ -8870,7 +8883,7 @@
         <p:cNvPr id="1" name="">
           <a:extLst>
             <a:ext uri="{FF2B5EF4-FFF2-40B4-BE49-F238E27FC236}">
-              <a16:creationId xmlns:a16="http://schemas.microsoft.com/office/drawing/2014/main" id="{4586E9D7-F5F8-14CC-9DF6-FC4AF2EA4249}"/>
+              <a16:creationId xmlns:a16="http://schemas.microsoft.com/office/drawing/2014/main" xmlns="" id="{4586E9D7-F5F8-14CC-9DF6-FC4AF2EA4249}"/>
             </a:ext>
           </a:extLst>
         </p:cNvPr>
@@ -8890,7 +8903,7 @@
           <p:cNvPr id="2" name="Title 1">
             <a:extLst>
               <a:ext uri="{FF2B5EF4-FFF2-40B4-BE49-F238E27FC236}">
-                <a16:creationId xmlns:a16="http://schemas.microsoft.com/office/drawing/2014/main" id="{D8B67155-694F-FF61-7CDD-33A20A316215}"/>
+                <a16:creationId xmlns:a16="http://schemas.microsoft.com/office/drawing/2014/main" xmlns="" id="{D8B67155-694F-FF61-7CDD-33A20A316215}"/>
               </a:ext>
             </a:extLst>
           </p:cNvPr>
@@ -8928,7 +8941,7 @@
           <p:cNvPr id="3" name="Content Placeholder 2">
             <a:extLst>
               <a:ext uri="{FF2B5EF4-FFF2-40B4-BE49-F238E27FC236}">
-                <a16:creationId xmlns:a16="http://schemas.microsoft.com/office/drawing/2014/main" id="{2A53D2DA-721D-FC7E-8E09-BCBD844B6F9F}"/>
+                <a16:creationId xmlns:a16="http://schemas.microsoft.com/office/drawing/2014/main" xmlns="" id="{2A53D2DA-721D-FC7E-8E09-BCBD844B6F9F}"/>
               </a:ext>
             </a:extLst>
           </p:cNvPr>
@@ -9125,7 +9138,7 @@
           <p:cNvPr id="5" name="Ribbon: Curved and Tilted Down 4">
             <a:extLst>
               <a:ext uri="{FF2B5EF4-FFF2-40B4-BE49-F238E27FC236}">
-                <a16:creationId xmlns:a16="http://schemas.microsoft.com/office/drawing/2014/main" id="{3FA23525-E3EA-B8CB-FD6A-53084CA847A7}"/>
+                <a16:creationId xmlns:a16="http://schemas.microsoft.com/office/drawing/2014/main" xmlns="" id="{3FA23525-E3EA-B8CB-FD6A-53084CA847A7}"/>
               </a:ext>
             </a:extLst>
           </p:cNvPr>
@@ -9198,7 +9211,7 @@
           <p:cNvPr id="6" name="Scroll: Vertical 5">
             <a:extLst>
               <a:ext uri="{FF2B5EF4-FFF2-40B4-BE49-F238E27FC236}">
-                <a16:creationId xmlns:a16="http://schemas.microsoft.com/office/drawing/2014/main" id="{1A4C732A-2840-82C8-A359-298D925E33B3}"/>
+                <a16:creationId xmlns:a16="http://schemas.microsoft.com/office/drawing/2014/main" xmlns="" id="{1A4C732A-2840-82C8-A359-298D925E33B3}"/>
               </a:ext>
             </a:extLst>
           </p:cNvPr>
@@ -9388,7 +9401,7 @@
     </p:spTree>
     <p:extLst>
       <p:ext uri="{BB962C8B-B14F-4D97-AF65-F5344CB8AC3E}">
-        <p14:creationId xmlns:p14="http://schemas.microsoft.com/office/powerpoint/2010/main" val="3002471670"/>
+        <p14:creationId xmlns:p14="http://schemas.microsoft.com/office/powerpoint/2010/main" xmlns="" val="3002471670"/>
       </p:ext>
     </p:extLst>
   </p:cSld>
@@ -9420,7 +9433,7 @@
           <p:cNvPr id="9" name="Explosion: 14 Points 8">
             <a:extLst>
               <a:ext uri="{FF2B5EF4-FFF2-40B4-BE49-F238E27FC236}">
-                <a16:creationId xmlns:a16="http://schemas.microsoft.com/office/drawing/2014/main" id="{0A2CD68B-7A56-F86D-8B6F-4A8BF99B4C9E}"/>
+                <a16:creationId xmlns:a16="http://schemas.microsoft.com/office/drawing/2014/main" xmlns="" id="{0A2CD68B-7A56-F86D-8B6F-4A8BF99B4C9E}"/>
               </a:ext>
             </a:extLst>
           </p:cNvPr>
@@ -9475,7 +9488,7 @@
           <p:cNvPr id="2" name="Title 1">
             <a:extLst>
               <a:ext uri="{FF2B5EF4-FFF2-40B4-BE49-F238E27FC236}">
-                <a16:creationId xmlns:a16="http://schemas.microsoft.com/office/drawing/2014/main" id="{62BB4F8D-44B7-9866-F7B2-6375CB902974}"/>
+                <a16:creationId xmlns:a16="http://schemas.microsoft.com/office/drawing/2014/main" xmlns="" id="{62BB4F8D-44B7-9866-F7B2-6375CB902974}"/>
               </a:ext>
             </a:extLst>
           </p:cNvPr>
@@ -9509,6 +9522,15 @@
               </a:rPr>
               <a:t>JavaScript</a:t>
             </a:r>
+            <a:r>
+              <a:rPr lang="en-US" sz="7200" b="1" dirty="0">
+                <a:solidFill>
+                  <a:schemeClr val="tx1"/>
+                </a:solidFill>
+                <a:latin typeface="Barlow Black" panose="00000A00000000000000" pitchFamily="2" charset="0"/>
+              </a:rPr>
+              <a:t/>
+            </a:r>
             <a:br>
               <a:rPr lang="en-US" sz="7200" b="1" dirty="0">
                 <a:solidFill>
@@ -9584,7 +9606,7 @@
           <p:cNvPr id="4" name="Ribbon: Curved and Tilted Down 3">
             <a:extLst>
               <a:ext uri="{FF2B5EF4-FFF2-40B4-BE49-F238E27FC236}">
-                <a16:creationId xmlns:a16="http://schemas.microsoft.com/office/drawing/2014/main" id="{909DBECF-689C-9AA7-1649-9166A578EDF9}"/>
+                <a16:creationId xmlns:a16="http://schemas.microsoft.com/office/drawing/2014/main" xmlns="" id="{909DBECF-689C-9AA7-1649-9166A578EDF9}"/>
               </a:ext>
             </a:extLst>
           </p:cNvPr>
@@ -9651,7 +9673,7 @@
           <p:cNvPr id="5" name="Scroll: Vertical 4">
             <a:extLst>
               <a:ext uri="{FF2B5EF4-FFF2-40B4-BE49-F238E27FC236}">
-                <a16:creationId xmlns:a16="http://schemas.microsoft.com/office/drawing/2014/main" id="{38EB993A-3F18-C6B7-226F-EDD62B4B31DB}"/>
+                <a16:creationId xmlns:a16="http://schemas.microsoft.com/office/drawing/2014/main" xmlns="" id="{38EB993A-3F18-C6B7-226F-EDD62B4B31DB}"/>
               </a:ext>
             </a:extLst>
           </p:cNvPr>
@@ -10063,7 +10085,7 @@
           <p:cNvPr id="8" name="TextBox 7">
             <a:extLst>
               <a:ext uri="{FF2B5EF4-FFF2-40B4-BE49-F238E27FC236}">
-                <a16:creationId xmlns:a16="http://schemas.microsoft.com/office/drawing/2014/main" id="{6E6F1672-8C91-3FA6-CB80-58FD68172333}"/>
+                <a16:creationId xmlns:a16="http://schemas.microsoft.com/office/drawing/2014/main" xmlns="" id="{6E6F1672-8C91-3FA6-CB80-58FD68172333}"/>
               </a:ext>
             </a:extLst>
           </p:cNvPr>
@@ -10121,7 +10143,7 @@
     </p:spTree>
     <p:extLst>
       <p:ext uri="{BB962C8B-B14F-4D97-AF65-F5344CB8AC3E}">
-        <p14:creationId xmlns:p14="http://schemas.microsoft.com/office/powerpoint/2010/main" val="3287175084"/>
+        <p14:creationId xmlns:p14="http://schemas.microsoft.com/office/powerpoint/2010/main" xmlns="" val="3287175084"/>
       </p:ext>
     </p:extLst>
   </p:cSld>
@@ -10153,7 +10175,7 @@
           <p:cNvPr id="9" name="Explosion: 14 Points 8">
             <a:extLst>
               <a:ext uri="{FF2B5EF4-FFF2-40B4-BE49-F238E27FC236}">
-                <a16:creationId xmlns:a16="http://schemas.microsoft.com/office/drawing/2014/main" id="{0A2CD68B-7A56-F86D-8B6F-4A8BF99B4C9E}"/>
+                <a16:creationId xmlns:a16="http://schemas.microsoft.com/office/drawing/2014/main" xmlns="" id="{0A2CD68B-7A56-F86D-8B6F-4A8BF99B4C9E}"/>
               </a:ext>
             </a:extLst>
           </p:cNvPr>
@@ -10208,7 +10230,7 @@
           <p:cNvPr id="2" name="Title 1">
             <a:extLst>
               <a:ext uri="{FF2B5EF4-FFF2-40B4-BE49-F238E27FC236}">
-                <a16:creationId xmlns:a16="http://schemas.microsoft.com/office/drawing/2014/main" id="{62BB4F8D-44B7-9866-F7B2-6375CB902974}"/>
+                <a16:creationId xmlns:a16="http://schemas.microsoft.com/office/drawing/2014/main" xmlns="" id="{62BB4F8D-44B7-9866-F7B2-6375CB902974}"/>
               </a:ext>
             </a:extLst>
           </p:cNvPr>
@@ -10242,6 +10264,15 @@
               </a:rPr>
               <a:t>JavaScript</a:t>
             </a:r>
+            <a:r>
+              <a:rPr lang="en-US" sz="7200" b="1" dirty="0">
+                <a:solidFill>
+                  <a:schemeClr val="tx1"/>
+                </a:solidFill>
+                <a:latin typeface="Barlow Black" panose="00000A00000000000000" pitchFamily="2" charset="0"/>
+              </a:rPr>
+              <a:t/>
+            </a:r>
             <a:br>
               <a:rPr lang="en-US" sz="7200" b="1" dirty="0">
                 <a:solidFill>
@@ -10320,7 +10351,7 @@
           <p:cNvPr id="4" name="Ribbon: Curved and Tilted Down 3">
             <a:extLst>
               <a:ext uri="{FF2B5EF4-FFF2-40B4-BE49-F238E27FC236}">
-                <a16:creationId xmlns:a16="http://schemas.microsoft.com/office/drawing/2014/main" id="{909DBECF-689C-9AA7-1649-9166A578EDF9}"/>
+                <a16:creationId xmlns:a16="http://schemas.microsoft.com/office/drawing/2014/main" xmlns="" id="{909DBECF-689C-9AA7-1649-9166A578EDF9}"/>
               </a:ext>
             </a:extLst>
           </p:cNvPr>
@@ -10387,7 +10418,7 @@
           <p:cNvPr id="8" name="TextBox 7">
             <a:extLst>
               <a:ext uri="{FF2B5EF4-FFF2-40B4-BE49-F238E27FC236}">
-                <a16:creationId xmlns:a16="http://schemas.microsoft.com/office/drawing/2014/main" id="{6E6F1672-8C91-3FA6-CB80-58FD68172333}"/>
+                <a16:creationId xmlns:a16="http://schemas.microsoft.com/office/drawing/2014/main" xmlns="" id="{6E6F1672-8C91-3FA6-CB80-58FD68172333}"/>
               </a:ext>
             </a:extLst>
           </p:cNvPr>
@@ -10447,7 +10478,7 @@
           <p:cNvPr id="5" name="Scroll: Vertical 4">
             <a:extLst>
               <a:ext uri="{FF2B5EF4-FFF2-40B4-BE49-F238E27FC236}">
-                <a16:creationId xmlns:a16="http://schemas.microsoft.com/office/drawing/2014/main" id="{38EB993A-3F18-C6B7-226F-EDD62B4B31DB}"/>
+                <a16:creationId xmlns:a16="http://schemas.microsoft.com/office/drawing/2014/main" xmlns="" id="{38EB993A-3F18-C6B7-226F-EDD62B4B31DB}"/>
               </a:ext>
             </a:extLst>
           </p:cNvPr>
@@ -10569,7 +10600,7 @@
     </p:spTree>
     <p:extLst>
       <p:ext uri="{BB962C8B-B14F-4D97-AF65-F5344CB8AC3E}">
-        <p14:creationId xmlns:p14="http://schemas.microsoft.com/office/powerpoint/2010/main" val="3287175084"/>
+        <p14:creationId xmlns:p14="http://schemas.microsoft.com/office/powerpoint/2010/main" xmlns="" val="3287175084"/>
       </p:ext>
     </p:extLst>
   </p:cSld>
@@ -10587,7 +10618,7 @@
         <p:cNvPr id="1" name="">
           <a:extLst>
             <a:ext uri="{FF2B5EF4-FFF2-40B4-BE49-F238E27FC236}">
-              <a16:creationId xmlns:a16="http://schemas.microsoft.com/office/drawing/2014/main" id="{C5637B91-7316-D738-42FD-B6F1CC38AB90}"/>
+              <a16:creationId xmlns:a16="http://schemas.microsoft.com/office/drawing/2014/main" xmlns="" id="{C5637B91-7316-D738-42FD-B6F1CC38AB90}"/>
             </a:ext>
           </a:extLst>
         </p:cNvPr>
@@ -10607,7 +10638,7 @@
           <p:cNvPr id="2" name="Title 1">
             <a:extLst>
               <a:ext uri="{FF2B5EF4-FFF2-40B4-BE49-F238E27FC236}">
-                <a16:creationId xmlns:a16="http://schemas.microsoft.com/office/drawing/2014/main" id="{0BB42E27-7C22-C4E2-3B23-3F7F20980B00}"/>
+                <a16:creationId xmlns:a16="http://schemas.microsoft.com/office/drawing/2014/main" xmlns="" id="{0BB42E27-7C22-C4E2-3B23-3F7F20980B00}"/>
               </a:ext>
             </a:extLst>
           </p:cNvPr>
@@ -10645,7 +10676,7 @@
           <p:cNvPr id="3" name="Content Placeholder 2">
             <a:extLst>
               <a:ext uri="{FF2B5EF4-FFF2-40B4-BE49-F238E27FC236}">
-                <a16:creationId xmlns:a16="http://schemas.microsoft.com/office/drawing/2014/main" id="{514ACDD6-0D2B-0B03-F18B-91318DCF7D9A}"/>
+                <a16:creationId xmlns:a16="http://schemas.microsoft.com/office/drawing/2014/main" xmlns="" id="{514ACDD6-0D2B-0B03-F18B-91318DCF7D9A}"/>
               </a:ext>
             </a:extLst>
           </p:cNvPr>
@@ -10679,9 +10710,17 @@
               </a:rPr>
               <a:t>Single line comment</a:t>
             </a:r>
+            <a:r>
+              <a:rPr lang="en-US" sz="2000" dirty="0"/>
+              <a:t/>
+            </a:r>
             <a:br>
               <a:rPr lang="en-US" sz="2000" dirty="0"/>
             </a:br>
+            <a:r>
+              <a:rPr lang="en-US" sz="2000" dirty="0"/>
+              <a:t/>
+            </a:r>
             <a:br>
               <a:rPr lang="en-US" sz="2000" dirty="0"/>
             </a:br>
@@ -10719,6 +10758,14 @@
                 </a:solidFill>
               </a:rPr>
             </a:br>
+            <a:r>
+              <a:rPr lang="en-US" sz="2000" dirty="0">
+                <a:solidFill>
+                  <a:schemeClr val="tx1"/>
+                </a:solidFill>
+              </a:rPr>
+              <a:t/>
+            </a:r>
             <a:br>
               <a:rPr lang="en-US" sz="2000" dirty="0">
                 <a:solidFill>
@@ -10744,6 +10791,10 @@
               </a:rPr>
               <a:t>Inline comment</a:t>
             </a:r>
+            <a:r>
+              <a:rPr lang="en-US" sz="2000" dirty="0"/>
+              <a:t/>
+            </a:r>
             <a:br>
               <a:rPr lang="en-US" sz="2000" dirty="0"/>
             </a:br>
@@ -10770,6 +10821,16 @@
                 </a:solidFill>
               </a:rPr>
             </a:br>
+            <a:r>
+              <a:rPr lang="en-US" sz="2000" dirty="0">
+                <a:solidFill>
+                  <a:schemeClr val="tx1">
+                    <a:lumMod val="50000"/>
+                  </a:schemeClr>
+                </a:solidFill>
+              </a:rPr>
+              <a:t/>
+            </a:r>
             <a:br>
               <a:rPr lang="en-US" sz="2000" dirty="0">
                 <a:solidFill>
@@ -10799,6 +10860,10 @@
               </a:rPr>
               <a:t>Multiline comment</a:t>
             </a:r>
+            <a:r>
+              <a:rPr lang="en-US" sz="2000" dirty="0"/>
+              <a:t/>
+            </a:r>
             <a:br>
               <a:rPr lang="en-US" sz="2000" dirty="0"/>
             </a:br>
@@ -10913,7 +10978,7 @@
           <p:cNvPr id="5" name="Ribbon: Curved and Tilted Down 4">
             <a:extLst>
               <a:ext uri="{FF2B5EF4-FFF2-40B4-BE49-F238E27FC236}">
-                <a16:creationId xmlns:a16="http://schemas.microsoft.com/office/drawing/2014/main" id="{D1D7DB93-DBF3-0DF0-3533-AC1786837990}"/>
+                <a16:creationId xmlns:a16="http://schemas.microsoft.com/office/drawing/2014/main" xmlns="" id="{D1D7DB93-DBF3-0DF0-3533-AC1786837990}"/>
               </a:ext>
             </a:extLst>
           </p:cNvPr>
@@ -10986,7 +11051,7 @@
           <p:cNvPr id="6" name="Scroll: Vertical 5">
             <a:extLst>
               <a:ext uri="{FF2B5EF4-FFF2-40B4-BE49-F238E27FC236}">
-                <a16:creationId xmlns:a16="http://schemas.microsoft.com/office/drawing/2014/main" id="{4B810CE8-F172-ABEF-9B5B-F6C6A3F4D513}"/>
+                <a16:creationId xmlns:a16="http://schemas.microsoft.com/office/drawing/2014/main" xmlns="" id="{4B810CE8-F172-ABEF-9B5B-F6C6A3F4D513}"/>
               </a:ext>
             </a:extLst>
           </p:cNvPr>
@@ -11112,7 +11177,7 @@
           <p:cNvPr id="7" name="TextBox 6">
             <a:extLst>
               <a:ext uri="{FF2B5EF4-FFF2-40B4-BE49-F238E27FC236}">
-                <a16:creationId xmlns:a16="http://schemas.microsoft.com/office/drawing/2014/main" id="{7C7A2712-C9B9-958D-594C-39F36B75B90A}"/>
+                <a16:creationId xmlns:a16="http://schemas.microsoft.com/office/drawing/2014/main" xmlns="" id="{7C7A2712-C9B9-958D-594C-39F36B75B90A}"/>
               </a:ext>
             </a:extLst>
           </p:cNvPr>
@@ -11162,7 +11227,7 @@
     </p:spTree>
     <p:extLst>
       <p:ext uri="{BB962C8B-B14F-4D97-AF65-F5344CB8AC3E}">
-        <p14:creationId xmlns:p14="http://schemas.microsoft.com/office/powerpoint/2010/main" val="693676810"/>
+        <p14:creationId xmlns:p14="http://schemas.microsoft.com/office/powerpoint/2010/main" xmlns="" val="693676810"/>
       </p:ext>
     </p:extLst>
   </p:cSld>
@@ -11194,7 +11259,7 @@
           <p:cNvPr id="9" name="Explosion: 14 Points 8">
             <a:extLst>
               <a:ext uri="{FF2B5EF4-FFF2-40B4-BE49-F238E27FC236}">
-                <a16:creationId xmlns:a16="http://schemas.microsoft.com/office/drawing/2014/main" id="{0A2CD68B-7A56-F86D-8B6F-4A8BF99B4C9E}"/>
+                <a16:creationId xmlns:a16="http://schemas.microsoft.com/office/drawing/2014/main" xmlns="" id="{0A2CD68B-7A56-F86D-8B6F-4A8BF99B4C9E}"/>
               </a:ext>
             </a:extLst>
           </p:cNvPr>
@@ -11249,7 +11314,7 @@
           <p:cNvPr id="2" name="Title 1">
             <a:extLst>
               <a:ext uri="{FF2B5EF4-FFF2-40B4-BE49-F238E27FC236}">
-                <a16:creationId xmlns:a16="http://schemas.microsoft.com/office/drawing/2014/main" id="{62BB4F8D-44B7-9866-F7B2-6375CB902974}"/>
+                <a16:creationId xmlns:a16="http://schemas.microsoft.com/office/drawing/2014/main" xmlns="" id="{62BB4F8D-44B7-9866-F7B2-6375CB902974}"/>
               </a:ext>
             </a:extLst>
           </p:cNvPr>
@@ -11283,6 +11348,15 @@
               </a:rPr>
               <a:t>JavaScript</a:t>
             </a:r>
+            <a:r>
+              <a:rPr lang="en-US" sz="7200" b="1" dirty="0">
+                <a:solidFill>
+                  <a:schemeClr val="tx1"/>
+                </a:solidFill>
+                <a:latin typeface="Barlow Black" panose="00000A00000000000000" pitchFamily="2" charset="0"/>
+              </a:rPr>
+              <a:t/>
+            </a:r>
             <a:br>
               <a:rPr lang="en-US" sz="7200" b="1" dirty="0">
                 <a:solidFill>
@@ -11314,7 +11388,7 @@
           <p:cNvPr id="4" name="Ribbon: Curved and Tilted Down 3">
             <a:extLst>
               <a:ext uri="{FF2B5EF4-FFF2-40B4-BE49-F238E27FC236}">
-                <a16:creationId xmlns:a16="http://schemas.microsoft.com/office/drawing/2014/main" id="{909DBECF-689C-9AA7-1649-9166A578EDF9}"/>
+                <a16:creationId xmlns:a16="http://schemas.microsoft.com/office/drawing/2014/main" xmlns="" id="{909DBECF-689C-9AA7-1649-9166A578EDF9}"/>
               </a:ext>
             </a:extLst>
           </p:cNvPr>
@@ -11381,7 +11455,7 @@
           <p:cNvPr id="5" name="Scroll: Vertical 4">
             <a:extLst>
               <a:ext uri="{FF2B5EF4-FFF2-40B4-BE49-F238E27FC236}">
-                <a16:creationId xmlns:a16="http://schemas.microsoft.com/office/drawing/2014/main" id="{38EB993A-3F18-C6B7-226F-EDD62B4B31DB}"/>
+                <a16:creationId xmlns:a16="http://schemas.microsoft.com/office/drawing/2014/main" xmlns="" id="{38EB993A-3F18-C6B7-226F-EDD62B4B31DB}"/>
               </a:ext>
             </a:extLst>
           </p:cNvPr>
@@ -11641,7 +11715,7 @@
           <p:cNvPr id="8" name="TextBox 7">
             <a:extLst>
               <a:ext uri="{FF2B5EF4-FFF2-40B4-BE49-F238E27FC236}">
-                <a16:creationId xmlns:a16="http://schemas.microsoft.com/office/drawing/2014/main" id="{6E6F1672-8C91-3FA6-CB80-58FD68172333}"/>
+                <a16:creationId xmlns:a16="http://schemas.microsoft.com/office/drawing/2014/main" xmlns="" id="{6E6F1672-8C91-3FA6-CB80-58FD68172333}"/>
               </a:ext>
             </a:extLst>
           </p:cNvPr>
@@ -11699,7 +11773,7 @@
     </p:spTree>
     <p:extLst>
       <p:ext uri="{BB962C8B-B14F-4D97-AF65-F5344CB8AC3E}">
-        <p14:creationId xmlns:p14="http://schemas.microsoft.com/office/powerpoint/2010/main" val="3287175084"/>
+        <p14:creationId xmlns:p14="http://schemas.microsoft.com/office/powerpoint/2010/main" xmlns="" val="3287175084"/>
       </p:ext>
     </p:extLst>
   </p:cSld>
@@ -11731,7 +11805,7 @@
           <p:cNvPr id="9" name="Explosion: 14 Points 8">
             <a:extLst>
               <a:ext uri="{FF2B5EF4-FFF2-40B4-BE49-F238E27FC236}">
-                <a16:creationId xmlns:a16="http://schemas.microsoft.com/office/drawing/2014/main" id="{0A2CD68B-7A56-F86D-8B6F-4A8BF99B4C9E}"/>
+                <a16:creationId xmlns:a16="http://schemas.microsoft.com/office/drawing/2014/main" xmlns="" id="{0A2CD68B-7A56-F86D-8B6F-4A8BF99B4C9E}"/>
               </a:ext>
             </a:extLst>
           </p:cNvPr>
@@ -11786,7 +11860,7 @@
           <p:cNvPr id="2" name="Title 1">
             <a:extLst>
               <a:ext uri="{FF2B5EF4-FFF2-40B4-BE49-F238E27FC236}">
-                <a16:creationId xmlns:a16="http://schemas.microsoft.com/office/drawing/2014/main" id="{62BB4F8D-44B7-9866-F7B2-6375CB902974}"/>
+                <a16:creationId xmlns:a16="http://schemas.microsoft.com/office/drawing/2014/main" xmlns="" id="{62BB4F8D-44B7-9866-F7B2-6375CB902974}"/>
               </a:ext>
             </a:extLst>
           </p:cNvPr>
@@ -11820,6 +11894,15 @@
               </a:rPr>
               <a:t>JavaScript</a:t>
             </a:r>
+            <a:r>
+              <a:rPr lang="en-US" sz="7200" b="1" dirty="0">
+                <a:solidFill>
+                  <a:schemeClr val="tx1"/>
+                </a:solidFill>
+                <a:latin typeface="Barlow Black" panose="00000A00000000000000" pitchFamily="2" charset="0"/>
+              </a:rPr>
+              <a:t/>
+            </a:r>
             <a:br>
               <a:rPr lang="en-US" sz="7200" b="1" dirty="0">
                 <a:solidFill>
@@ -11898,7 +11981,7 @@
           <p:cNvPr id="4" name="Ribbon: Curved and Tilted Down 3">
             <a:extLst>
               <a:ext uri="{FF2B5EF4-FFF2-40B4-BE49-F238E27FC236}">
-                <a16:creationId xmlns:a16="http://schemas.microsoft.com/office/drawing/2014/main" id="{909DBECF-689C-9AA7-1649-9166A578EDF9}"/>
+                <a16:creationId xmlns:a16="http://schemas.microsoft.com/office/drawing/2014/main" xmlns="" id="{909DBECF-689C-9AA7-1649-9166A578EDF9}"/>
               </a:ext>
             </a:extLst>
           </p:cNvPr>
@@ -11965,7 +12048,7 @@
           <p:cNvPr id="8" name="TextBox 7">
             <a:extLst>
               <a:ext uri="{FF2B5EF4-FFF2-40B4-BE49-F238E27FC236}">
-                <a16:creationId xmlns:a16="http://schemas.microsoft.com/office/drawing/2014/main" id="{6E6F1672-8C91-3FA6-CB80-58FD68172333}"/>
+                <a16:creationId xmlns:a16="http://schemas.microsoft.com/office/drawing/2014/main" xmlns="" id="{6E6F1672-8C91-3FA6-CB80-58FD68172333}"/>
               </a:ext>
             </a:extLst>
           </p:cNvPr>
@@ -12025,7 +12108,7 @@
           <p:cNvPr id="5" name="Scroll: Vertical 4">
             <a:extLst>
               <a:ext uri="{FF2B5EF4-FFF2-40B4-BE49-F238E27FC236}">
-                <a16:creationId xmlns:a16="http://schemas.microsoft.com/office/drawing/2014/main" id="{38EB993A-3F18-C6B7-226F-EDD62B4B31DB}"/>
+                <a16:creationId xmlns:a16="http://schemas.microsoft.com/office/drawing/2014/main" xmlns="" id="{38EB993A-3F18-C6B7-226F-EDD62B4B31DB}"/>
               </a:ext>
             </a:extLst>
           </p:cNvPr>
@@ -12077,9 +12160,7 @@
             <a:r>
               <a:rPr lang="en-US" sz="3600" b="1" dirty="0">
                 <a:solidFill>
-                  <a:schemeClr val="bg1">
-                    <a:lumMod val="95000"/>
-                  </a:schemeClr>
+                  <a:schemeClr val="bg1"/>
                 </a:solidFill>
               </a:rPr>
               <a:t>Topics</a:t>
@@ -12094,22 +12175,29 @@
               <a:buChar char="o"/>
             </a:pPr>
             <a:r>
-              <a:rPr lang="en-US" sz="1600" dirty="0" err="1">
-                <a:solidFill>
-                  <a:schemeClr val="bg1">
-                    <a:lumMod val="95000"/>
-                  </a:schemeClr>
-                </a:solidFill>
-              </a:rPr>
-              <a:t>Var</a:t>
-            </a:r>
-            <a:endParaRPr lang="en-US" sz="1600" dirty="0">
-              <a:solidFill>
-                <a:schemeClr val="bg1">
-                  <a:lumMod val="95000"/>
-                </a:schemeClr>
-              </a:solidFill>
-            </a:endParaRPr>
+              <a:rPr lang="en-US" sz="1600" dirty="0" smtClean="0">
+                <a:solidFill>
+                  <a:schemeClr val="bg1"/>
+                </a:solidFill>
+              </a:rPr>
+              <a:t>What are </a:t>
+            </a:r>
+            <a:r>
+              <a:rPr lang="en-US" sz="1600" dirty="0" err="1" smtClean="0">
+                <a:solidFill>
+                  <a:schemeClr val="bg1"/>
+                </a:solidFill>
+              </a:rPr>
+              <a:t>var</a:t>
+            </a:r>
+            <a:r>
+              <a:rPr lang="en-US" sz="1600" dirty="0" smtClean="0">
+                <a:solidFill>
+                  <a:schemeClr val="bg1"/>
+                </a:solidFill>
+              </a:rPr>
+              <a:t>, let, and const?</a:t>
+            </a:r>
           </a:p>
           <a:p>
             <a:pPr marL="285750" indent="-285750">
@@ -12120,11 +12208,9 @@
               <a:buChar char="o"/>
             </a:pPr>
             <a:r>
-              <a:rPr lang="en-IN" sz="1600" dirty="0">
-                <a:solidFill>
-                  <a:schemeClr val="bg1">
-                    <a:lumMod val="95000"/>
-                  </a:schemeClr>
+              <a:rPr lang="en-IN" sz="1600" dirty="0" smtClean="0">
+                <a:solidFill>
+                  <a:schemeClr val="bg1"/>
                 </a:solidFill>
               </a:rPr>
               <a:t>What is Hoisting</a:t>
@@ -12139,31 +12225,25 @@
               <a:buChar char="o"/>
             </a:pPr>
             <a:r>
-              <a:rPr lang="en-IN" sz="1600" dirty="0">
-                <a:solidFill>
-                  <a:schemeClr val="bg1">
-                    <a:lumMod val="95000"/>
-                  </a:schemeClr>
+              <a:rPr lang="en-IN" sz="1600" dirty="0" smtClean="0">
+                <a:solidFill>
+                  <a:schemeClr val="bg1"/>
                 </a:solidFill>
               </a:rPr>
               <a:t>Undefined </a:t>
             </a:r>
             <a:r>
-              <a:rPr lang="en-IN" sz="1600" dirty="0" err="1">
-                <a:solidFill>
-                  <a:schemeClr val="bg1">
-                    <a:lumMod val="95000"/>
-                  </a:schemeClr>
+              <a:rPr lang="en-IN" sz="1600" dirty="0" err="1" smtClean="0">
+                <a:solidFill>
+                  <a:schemeClr val="bg1"/>
                 </a:solidFill>
               </a:rPr>
               <a:t>vs</a:t>
             </a:r>
             <a:r>
-              <a:rPr lang="en-IN" sz="1600" dirty="0">
-                <a:solidFill>
-                  <a:schemeClr val="bg1">
-                    <a:lumMod val="95000"/>
-                  </a:schemeClr>
+              <a:rPr lang="en-IN" sz="1600" dirty="0" smtClean="0">
+                <a:solidFill>
+                  <a:schemeClr val="bg1"/>
                 </a:solidFill>
               </a:rPr>
               <a:t> not-defined</a:t>
@@ -12178,14 +12258,20 @@
               <a:buChar char="o"/>
             </a:pPr>
             <a:r>
-              <a:rPr lang="en-IN" sz="1600" dirty="0">
-                <a:solidFill>
-                  <a:schemeClr val="bg1">
-                    <a:lumMod val="95000"/>
-                  </a:schemeClr>
-                </a:solidFill>
-              </a:rPr>
-              <a:t>With arrow function</a:t>
+              <a:rPr lang="en-IN" sz="1600" dirty="0" smtClean="0">
+                <a:solidFill>
+                  <a:schemeClr val="bg1"/>
+                </a:solidFill>
+              </a:rPr>
+              <a:t>Hoisting </a:t>
+            </a:r>
+            <a:r>
+              <a:rPr lang="en-IN" sz="1600" dirty="0" smtClean="0">
+                <a:solidFill>
+                  <a:schemeClr val="bg1"/>
+                </a:solidFill>
+              </a:rPr>
+              <a:t>arrow function</a:t>
             </a:r>
           </a:p>
           <a:p>
@@ -12197,60 +12283,25 @@
               <a:buChar char="o"/>
             </a:pPr>
             <a:r>
-              <a:rPr lang="en-IN" sz="1600" dirty="0">
-                <a:solidFill>
-                  <a:schemeClr val="bg1">
-                    <a:lumMod val="95000"/>
-                  </a:schemeClr>
-                </a:solidFill>
-              </a:rPr>
-              <a:t>What is call stack and how it works</a:t>
-            </a:r>
-          </a:p>
-          <a:p>
-            <a:pPr marL="285750" indent="-285750">
-              <a:lnSpc>
-                <a:spcPct val="150000"/>
-              </a:lnSpc>
-              <a:buFont typeface="Courier New" panose="02070309020205020404" pitchFamily="49" charset="0"/>
-              <a:buChar char="o"/>
-            </a:pPr>
-            <a:r>
-              <a:rPr lang="en-IN" sz="1600" dirty="0">
-                <a:solidFill>
-                  <a:schemeClr val="bg1">
-                    <a:lumMod val="95000"/>
-                  </a:schemeClr>
-                </a:solidFill>
-              </a:rPr>
-              <a:t>Let</a:t>
-            </a:r>
-          </a:p>
-          <a:p>
-            <a:pPr marL="285750" indent="-285750">
-              <a:lnSpc>
-                <a:spcPct val="150000"/>
-              </a:lnSpc>
-              <a:buFont typeface="Courier New" panose="02070309020205020404" pitchFamily="49" charset="0"/>
-              <a:buChar char="o"/>
-            </a:pPr>
-            <a:r>
-              <a:rPr lang="en-IN" sz="1600" dirty="0">
-                <a:solidFill>
-                  <a:schemeClr val="bg1">
-                    <a:lumMod val="95000"/>
-                  </a:schemeClr>
-                </a:solidFill>
-              </a:rPr>
-              <a:t>Const</a:t>
-            </a:r>
+              <a:rPr lang="en-IN" sz="1600" dirty="0" smtClean="0">
+                <a:solidFill>
+                  <a:schemeClr val="bg1"/>
+                </a:solidFill>
+              </a:rPr>
+              <a:t>What is the call stack and how it works</a:t>
+            </a:r>
+            <a:endParaRPr lang="en-IN" sz="1600" dirty="0">
+              <a:solidFill>
+                <a:schemeClr val="bg1"/>
+              </a:solidFill>
+            </a:endParaRPr>
           </a:p>
         </p:txBody>
       </p:sp>
     </p:spTree>
     <p:extLst>
       <p:ext uri="{BB962C8B-B14F-4D97-AF65-F5344CB8AC3E}">
-        <p14:creationId xmlns:p14="http://schemas.microsoft.com/office/powerpoint/2010/main" val="3287175084"/>
+        <p14:creationId xmlns:p14="http://schemas.microsoft.com/office/powerpoint/2010/main" xmlns="" val="3287175084"/>
       </p:ext>
     </p:extLst>
   </p:cSld>
@@ -12268,7 +12319,7 @@
         <p:cNvPr id="1" name="">
           <a:extLst>
             <a:ext uri="{FF2B5EF4-FFF2-40B4-BE49-F238E27FC236}">
-              <a16:creationId xmlns:a16="http://schemas.microsoft.com/office/drawing/2014/main" id="{4586E9D7-F5F8-14CC-9DF6-FC4AF2EA4249}"/>
+              <a16:creationId xmlns:a16="http://schemas.microsoft.com/office/drawing/2014/main" xmlns="" id="{4586E9D7-F5F8-14CC-9DF6-FC4AF2EA4249}"/>
             </a:ext>
           </a:extLst>
         </p:cNvPr>
@@ -12288,7 +12339,7 @@
           <p:cNvPr id="2" name="Title 1">
             <a:extLst>
               <a:ext uri="{FF2B5EF4-FFF2-40B4-BE49-F238E27FC236}">
-                <a16:creationId xmlns:a16="http://schemas.microsoft.com/office/drawing/2014/main" id="{D8B67155-694F-FF61-7CDD-33A20A316215}"/>
+                <a16:creationId xmlns:a16="http://schemas.microsoft.com/office/drawing/2014/main" xmlns="" id="{D8B67155-694F-FF61-7CDD-33A20A316215}"/>
               </a:ext>
             </a:extLst>
           </p:cNvPr>
@@ -12316,26 +12367,41 @@
                 </a:solidFill>
                 <a:latin typeface="Bahnschrift SemiLight" pitchFamily="34" charset="0"/>
               </a:rPr>
-              <a:t>What is </a:t>
-            </a:r>
-            <a:r>
-              <a:rPr lang="en-US" b="1" dirty="0" err="1">
+              <a:t>What </a:t>
+            </a:r>
+            <a:r>
+              <a:rPr lang="en-US" b="1" dirty="0" smtClean="0">
                 <a:solidFill>
                   <a:schemeClr val="tx1"/>
                 </a:solidFill>
                 <a:latin typeface="Bahnschrift SemiLight" pitchFamily="34" charset="0"/>
               </a:rPr>
+              <a:t>are </a:t>
+            </a:r>
+            <a:r>
+              <a:rPr lang="en-US" b="1" dirty="0" err="1" smtClean="0">
+                <a:solidFill>
+                  <a:schemeClr val="tx1"/>
+                </a:solidFill>
+                <a:latin typeface="Bahnschrift SemiLight" pitchFamily="34" charset="0"/>
+              </a:rPr>
               <a:t>var</a:t>
             </a:r>
             <a:r>
-              <a:rPr lang="en-US" b="1" dirty="0">
+              <a:rPr lang="en-US" b="1" dirty="0" smtClean="0">
                 <a:solidFill>
                   <a:schemeClr val="tx1"/>
                 </a:solidFill>
                 <a:latin typeface="Bahnschrift SemiLight" pitchFamily="34" charset="0"/>
               </a:rPr>
-              <a:t>?</a:t>
-            </a:r>
+              <a:t>, let and const?</a:t>
+            </a:r>
+            <a:endParaRPr lang="en-US" b="1" dirty="0">
+              <a:solidFill>
+                <a:schemeClr val="tx1"/>
+              </a:solidFill>
+              <a:latin typeface="Bahnschrift SemiLight" pitchFamily="34" charset="0"/>
+            </a:endParaRPr>
           </a:p>
         </p:txBody>
       </p:sp>
@@ -12344,7 +12410,7 @@
           <p:cNvPr id="3" name="Content Placeholder 2">
             <a:extLst>
               <a:ext uri="{FF2B5EF4-FFF2-40B4-BE49-F238E27FC236}">
-                <a16:creationId xmlns:a16="http://schemas.microsoft.com/office/drawing/2014/main" id="{2A53D2DA-721D-FC7E-8E09-BCBD844B6F9F}"/>
+                <a16:creationId xmlns:a16="http://schemas.microsoft.com/office/drawing/2014/main" xmlns="" id="{2A53D2DA-721D-FC7E-8E09-BCBD844B6F9F}"/>
               </a:ext>
             </a:extLst>
           </p:cNvPr>
@@ -12358,15 +12424,20 @@
         <p:spPr>
           <a:xfrm>
             <a:off x="233198" y="1259254"/>
-            <a:ext cx="7502570" cy="830804"/>
+            <a:ext cx="7502570" cy="1160096"/>
           </a:xfrm>
         </p:spPr>
         <p:txBody>
           <a:bodyPr>
-            <a:normAutofit/>
+            <a:normAutofit lnSpcReduction="10000"/>
           </a:bodyPr>
           <a:lstStyle/>
           <a:p>
+            <a:pPr>
+              <a:lnSpc>
+                <a:spcPct val="150000"/>
+              </a:lnSpc>
+            </a:pPr>
             <a:r>
               <a:rPr lang="en-US" sz="1600" dirty="0"/>
               <a:t>In JavaScript, </a:t>
@@ -12398,7 +12469,7 @@
           <p:cNvPr id="5" name="Ribbon: Curved and Tilted Down 4">
             <a:extLst>
               <a:ext uri="{FF2B5EF4-FFF2-40B4-BE49-F238E27FC236}">
-                <a16:creationId xmlns:a16="http://schemas.microsoft.com/office/drawing/2014/main" id="{3FA23525-E3EA-B8CB-FD6A-53084CA847A7}"/>
+                <a16:creationId xmlns:a16="http://schemas.microsoft.com/office/drawing/2014/main" xmlns="" id="{3FA23525-E3EA-B8CB-FD6A-53084CA847A7}"/>
               </a:ext>
             </a:extLst>
           </p:cNvPr>
@@ -12471,7 +12542,7 @@
           <p:cNvPr id="6" name="Scroll: Vertical 5">
             <a:extLst>
               <a:ext uri="{FF2B5EF4-FFF2-40B4-BE49-F238E27FC236}">
-                <a16:creationId xmlns:a16="http://schemas.microsoft.com/office/drawing/2014/main" id="{1A4C732A-2840-82C8-A359-298D925E33B3}"/>
+                <a16:creationId xmlns:a16="http://schemas.microsoft.com/office/drawing/2014/main" xmlns="" id="{1A4C732A-2840-82C8-A359-298D925E33B3}"/>
               </a:ext>
             </a:extLst>
           </p:cNvPr>
@@ -12565,7 +12636,15 @@
                   <a:schemeClr val="tx1"/>
                 </a:solidFill>
               </a:rPr>
-              <a:t>What is Hoisting</a:t>
+              <a:t>What is </a:t>
+            </a:r>
+            <a:r>
+              <a:rPr lang="en-IN" dirty="0" smtClean="0">
+                <a:solidFill>
+                  <a:schemeClr val="tx1"/>
+                </a:solidFill>
+              </a:rPr>
+              <a:t>Hoisting</a:t>
             </a:r>
           </a:p>
           <a:p>
@@ -12577,7 +12656,7 @@
               <a:buChar char="o"/>
             </a:pPr>
             <a:r>
-              <a:rPr lang="en-IN" dirty="0">
+              <a:rPr lang="en-IN" dirty="0" smtClean="0">
                 <a:solidFill>
                   <a:schemeClr val="tx1"/>
                 </a:solidFill>
@@ -12585,7 +12664,7 @@
               <a:t>Undefined </a:t>
             </a:r>
             <a:r>
-              <a:rPr lang="en-IN" dirty="0" err="1">
+              <a:rPr lang="en-IN" dirty="0" err="1" smtClean="0">
                 <a:solidFill>
                   <a:schemeClr val="tx1"/>
                 </a:solidFill>
@@ -12593,7 +12672,7 @@
               <a:t>vs</a:t>
             </a:r>
             <a:r>
-              <a:rPr lang="en-IN" dirty="0">
+              <a:rPr lang="en-IN" dirty="0" smtClean="0">
                 <a:solidFill>
                   <a:schemeClr val="tx1"/>
                 </a:solidFill>
@@ -12610,7 +12689,7 @@
               <a:buChar char="o"/>
             </a:pPr>
             <a:r>
-              <a:rPr lang="en-IN" dirty="0">
+              <a:rPr lang="en-IN" dirty="0" smtClean="0">
                 <a:solidFill>
                   <a:schemeClr val="tx1"/>
                 </a:solidFill>
@@ -12627,13 +12706,18 @@
               <a:buChar char="o"/>
             </a:pPr>
             <a:r>
-              <a:rPr lang="en-IN" dirty="0">
+              <a:rPr lang="en-IN" dirty="0" smtClean="0">
                 <a:solidFill>
                   <a:schemeClr val="tx1"/>
                 </a:solidFill>
               </a:rPr>
               <a:t>What is the call stack and how it works</a:t>
             </a:r>
+            <a:endParaRPr lang="en-IN" dirty="0">
+              <a:solidFill>
+                <a:schemeClr val="tx1"/>
+              </a:solidFill>
+            </a:endParaRPr>
           </a:p>
         </p:txBody>
       </p:sp>
@@ -12685,7 +12769,7 @@
       </p:sp>
       <p:pic>
         <p:nvPicPr>
-          <p:cNvPr id="2052" name="Picture 4" descr="C:\Users\Gautam\Downloads\Blank board - Page 1 (2).png"/>
+          <p:cNvPr id="1026" name="Picture 2" descr="C:\Users\Gautam\Downloads\Blank board - Page 1 (3).png"/>
           <p:cNvPicPr>
             <a:picLocks noChangeAspect="1" noChangeArrowheads="1"/>
           </p:cNvPicPr>
@@ -12700,8 +12784,8 @@
         </p:blipFill>
         <p:spPr bwMode="auto">
           <a:xfrm>
-            <a:off x="756743" y="2263820"/>
-            <a:ext cx="4259393" cy="3712801"/>
+            <a:off x="414294" y="2819400"/>
+            <a:ext cx="7849726" cy="2809875"/>
           </a:xfrm>
           <a:prstGeom prst="rect">
             <a:avLst/>
@@ -12712,7 +12796,2408 @@
     </p:spTree>
     <p:extLst>
       <p:ext uri="{BB962C8B-B14F-4D97-AF65-F5344CB8AC3E}">
-        <p14:creationId xmlns:p14="http://schemas.microsoft.com/office/powerpoint/2010/main" val="3002471670"/>
+        <p14:creationId xmlns:p14="http://schemas.microsoft.com/office/powerpoint/2010/main" xmlns="" val="3002471670"/>
+      </p:ext>
+    </p:extLst>
+  </p:cSld>
+  <p:clrMapOvr>
+    <a:masterClrMapping/>
+  </p:clrMapOvr>
+</p:sld>
+</file>
+
+<file path=ppt/slides/slide22.xml><?xml version="1.0" encoding="utf-8"?>
+<p:sld xmlns:a="http://schemas.openxmlformats.org/drawingml/2006/main" xmlns:r="http://schemas.openxmlformats.org/officeDocument/2006/relationships" xmlns:p="http://schemas.openxmlformats.org/presentationml/2006/main">
+  <p:cSld>
+    <p:spTree>
+      <p:nvGrpSpPr>
+        <p:cNvPr id="1" name="">
+          <a:extLst>
+            <a:ext uri="{FF2B5EF4-FFF2-40B4-BE49-F238E27FC236}">
+              <a16:creationId xmlns:a16="http://schemas.microsoft.com/office/drawing/2014/main" xmlns="" id="{4586E9D7-F5F8-14CC-9DF6-FC4AF2EA4249}"/>
+            </a:ext>
+          </a:extLst>
+        </p:cNvPr>
+        <p:cNvGrpSpPr/>
+        <p:nvPr/>
+      </p:nvGrpSpPr>
+      <p:grpSpPr>
+        <a:xfrm>
+          <a:off x="0" y="0"/>
+          <a:ext cx="0" cy="0"/>
+          <a:chOff x="0" y="0"/>
+          <a:chExt cx="0" cy="0"/>
+        </a:xfrm>
+      </p:grpSpPr>
+      <p:sp>
+        <p:nvSpPr>
+          <p:cNvPr id="2" name="Title 1">
+            <a:extLst>
+              <a:ext uri="{FF2B5EF4-FFF2-40B4-BE49-F238E27FC236}">
+                <a16:creationId xmlns:a16="http://schemas.microsoft.com/office/drawing/2014/main" xmlns="" id="{D8B67155-694F-FF61-7CDD-33A20A316215}"/>
+              </a:ext>
+            </a:extLst>
+          </p:cNvPr>
+          <p:cNvSpPr>
+            <a:spLocks noGrp="1"/>
+          </p:cNvSpPr>
+          <p:nvPr>
+            <p:ph type="title"/>
+          </p:nvPr>
+        </p:nvSpPr>
+        <p:spPr>
+          <a:xfrm>
+            <a:off x="198363" y="597199"/>
+            <a:ext cx="8596668" cy="666407"/>
+          </a:xfrm>
+        </p:spPr>
+        <p:txBody>
+          <a:bodyPr/>
+          <a:lstStyle/>
+          <a:p>
+            <a:r>
+              <a:rPr lang="en-US" b="1" dirty="0" err="1" smtClean="0">
+                <a:solidFill>
+                  <a:schemeClr val="tx1"/>
+                </a:solidFill>
+                <a:latin typeface="Bahnschrift SemiLight" pitchFamily="34" charset="0"/>
+              </a:rPr>
+              <a:t>v</a:t>
+            </a:r>
+            <a:r>
+              <a:rPr lang="en-US" b="1" dirty="0" err="1" smtClean="0">
+                <a:solidFill>
+                  <a:schemeClr val="tx1"/>
+                </a:solidFill>
+                <a:latin typeface="Bahnschrift SemiLight" pitchFamily="34" charset="0"/>
+              </a:rPr>
+              <a:t>ar</a:t>
+            </a:r>
+            <a:r>
+              <a:rPr lang="en-US" b="1" dirty="0" smtClean="0">
+                <a:solidFill>
+                  <a:schemeClr val="tx1"/>
+                </a:solidFill>
+                <a:latin typeface="Bahnschrift SemiLight" pitchFamily="34" charset="0"/>
+              </a:rPr>
+              <a:t> and let on global scope</a:t>
+            </a:r>
+            <a:endParaRPr lang="en-US" b="1" dirty="0">
+              <a:solidFill>
+                <a:schemeClr val="tx1"/>
+              </a:solidFill>
+              <a:latin typeface="Bahnschrift SemiLight" pitchFamily="34" charset="0"/>
+            </a:endParaRPr>
+          </a:p>
+        </p:txBody>
+      </p:sp>
+      <p:sp>
+        <p:nvSpPr>
+          <p:cNvPr id="3" name="Content Placeholder 2">
+            <a:extLst>
+              <a:ext uri="{FF2B5EF4-FFF2-40B4-BE49-F238E27FC236}">
+                <a16:creationId xmlns:a16="http://schemas.microsoft.com/office/drawing/2014/main" xmlns="" id="{2A53D2DA-721D-FC7E-8E09-BCBD844B6F9F}"/>
+              </a:ext>
+            </a:extLst>
+          </p:cNvPr>
+          <p:cNvSpPr>
+            <a:spLocks noGrp="1"/>
+          </p:cNvSpPr>
+          <p:nvPr>
+            <p:ph idx="1"/>
+          </p:nvPr>
+        </p:nvSpPr>
+        <p:spPr>
+          <a:xfrm>
+            <a:off x="233198" y="1259254"/>
+            <a:ext cx="7502570" cy="5389196"/>
+          </a:xfrm>
+        </p:spPr>
+        <p:txBody>
+          <a:bodyPr>
+            <a:normAutofit/>
+          </a:bodyPr>
+          <a:lstStyle/>
+          <a:p>
+            <a:r>
+              <a:rPr lang="en-US" sz="1600" dirty="0" smtClean="0"/>
+              <a:t>Global Object </a:t>
+            </a:r>
+            <a:r>
+              <a:rPr lang="en-US" sz="1600" dirty="0" smtClean="0"/>
+              <a:t>Property</a:t>
+            </a:r>
+            <a:br>
+              <a:rPr lang="en-US" sz="1600" dirty="0" smtClean="0"/>
+            </a:br>
+            <a:r>
+              <a:rPr lang="en-US" sz="1600" b="1" dirty="0" err="1" smtClean="0"/>
+              <a:t>var</a:t>
+            </a:r>
+            <a:r>
+              <a:rPr lang="en-US" sz="1600" b="1" dirty="0" smtClean="0"/>
+              <a:t>:</a:t>
+            </a:r>
+            <a:r>
+              <a:rPr lang="en-US" sz="1600" dirty="0" smtClean="0"/>
+              <a:t> When declared in the global scope (outside of any function or block), </a:t>
+            </a:r>
+            <a:r>
+              <a:rPr lang="en-US" sz="1600" dirty="0" err="1" smtClean="0"/>
+              <a:t>var</a:t>
+            </a:r>
+            <a:r>
+              <a:rPr lang="en-US" sz="1600" dirty="0" smtClean="0"/>
+              <a:t> creates a property on the global object (e.g., window in browsers, global in Node.js). This means a </a:t>
+            </a:r>
+            <a:r>
+              <a:rPr lang="en-US" sz="1600" dirty="0" err="1" smtClean="0"/>
+              <a:t>var</a:t>
+            </a:r>
+            <a:r>
+              <a:rPr lang="en-US" sz="1600" dirty="0" smtClean="0"/>
+              <a:t> declared globally can be accessed as a property of the global object</a:t>
+            </a:r>
+            <a:r>
+              <a:rPr lang="en-US" sz="1600" dirty="0" smtClean="0"/>
+              <a:t>.</a:t>
+            </a:r>
+            <a:br>
+              <a:rPr lang="en-US" sz="1600" dirty="0" smtClean="0"/>
+            </a:br>
+            <a:r>
+              <a:rPr lang="en-US" sz="1600" dirty="0" smtClean="0"/>
+              <a:t/>
+            </a:r>
+            <a:br>
+              <a:rPr lang="en-US" sz="1600" dirty="0" smtClean="0"/>
+            </a:br>
+            <a:r>
+              <a:rPr lang="en-US" sz="1600" dirty="0" smtClean="0"/>
+              <a:t/>
+            </a:r>
+            <a:br>
+              <a:rPr lang="en-US" sz="1600" dirty="0" smtClean="0"/>
+            </a:br>
+            <a:r>
+              <a:rPr lang="en-US" sz="1600" dirty="0" smtClean="0"/>
+              <a:t/>
+            </a:r>
+            <a:br>
+              <a:rPr lang="en-US" sz="1600" dirty="0" smtClean="0"/>
+            </a:br>
+            <a:r>
+              <a:rPr lang="en-US" sz="1600" b="1" dirty="0" smtClean="0"/>
+              <a:t>let:</a:t>
+            </a:r>
+            <a:r>
+              <a:rPr lang="en-US" sz="1600" dirty="0" smtClean="0"/>
+              <a:t> In contrast, let declared in the global scope does not create a property on the global object. It still exists in the global scope and is accessible, but not as a direct property of window or global.</a:t>
+            </a:r>
+          </a:p>
+          <a:p>
+            <a:endParaRPr lang="en-US" sz="1600" dirty="0" smtClean="0"/>
+          </a:p>
+          <a:p>
+            <a:pPr>
+              <a:lnSpc>
+                <a:spcPct val="150000"/>
+              </a:lnSpc>
+            </a:pPr>
+            <a:endParaRPr lang="en-US" sz="1600" dirty="0"/>
+          </a:p>
+        </p:txBody>
+      </p:sp>
+      <p:sp>
+        <p:nvSpPr>
+          <p:cNvPr id="5" name="Ribbon: Curved and Tilted Down 4">
+            <a:extLst>
+              <a:ext uri="{FF2B5EF4-FFF2-40B4-BE49-F238E27FC236}">
+                <a16:creationId xmlns:a16="http://schemas.microsoft.com/office/drawing/2014/main" xmlns="" id="{3FA23525-E3EA-B8CB-FD6A-53084CA847A7}"/>
+              </a:ext>
+            </a:extLst>
+          </p:cNvPr>
+          <p:cNvSpPr/>
+          <p:nvPr/>
+        </p:nvSpPr>
+        <p:spPr>
+          <a:xfrm>
+            <a:off x="198362" y="149779"/>
+            <a:ext cx="3337317" cy="424987"/>
+          </a:xfrm>
+          <a:prstGeom prst="ellipseRibbon">
+            <a:avLst/>
+          </a:prstGeom>
+          <a:solidFill>
+            <a:schemeClr val="bg1">
+              <a:lumMod val="85000"/>
+              <a:lumOff val="15000"/>
+            </a:schemeClr>
+          </a:solidFill>
+          <a:ln>
+            <a:noFill/>
+          </a:ln>
+        </p:spPr>
+        <p:style>
+          <a:lnRef idx="2">
+            <a:schemeClr val="accent1">
+              <a:shade val="15000"/>
+            </a:schemeClr>
+          </a:lnRef>
+          <a:fillRef idx="1">
+            <a:schemeClr val="accent1"/>
+          </a:fillRef>
+          <a:effectRef idx="0">
+            <a:schemeClr val="accent1"/>
+          </a:effectRef>
+          <a:fontRef idx="minor">
+            <a:schemeClr val="lt1"/>
+          </a:fontRef>
+        </p:style>
+        <p:txBody>
+          <a:bodyPr rtlCol="0" anchor="ctr"/>
+          <a:lstStyle/>
+          <a:p>
+            <a:pPr algn="ctr"/>
+            <a:r>
+              <a:rPr lang="en-US" sz="1100" dirty="0">
+                <a:solidFill>
+                  <a:schemeClr val="tx1">
+                    <a:lumMod val="65000"/>
+                    <a:lumOff val="35000"/>
+                  </a:schemeClr>
+                </a:solidFill>
+              </a:rPr>
+              <a:t>JavaScript Tutorials</a:t>
+            </a:r>
+            <a:endParaRPr lang="en-IN" sz="1100" dirty="0">
+              <a:solidFill>
+                <a:schemeClr val="tx1">
+                  <a:lumMod val="65000"/>
+                  <a:lumOff val="35000"/>
+                </a:schemeClr>
+              </a:solidFill>
+            </a:endParaRPr>
+          </a:p>
+        </p:txBody>
+      </p:sp>
+      <p:sp>
+        <p:nvSpPr>
+          <p:cNvPr id="6" name="Scroll: Vertical 5">
+            <a:extLst>
+              <a:ext uri="{FF2B5EF4-FFF2-40B4-BE49-F238E27FC236}">
+                <a16:creationId xmlns:a16="http://schemas.microsoft.com/office/drawing/2014/main" xmlns="" id="{1A4C732A-2840-82C8-A359-298D925E33B3}"/>
+              </a:ext>
+            </a:extLst>
+          </p:cNvPr>
+          <p:cNvSpPr/>
+          <p:nvPr/>
+        </p:nvSpPr>
+        <p:spPr>
+          <a:xfrm>
+            <a:off x="7851914" y="715617"/>
+            <a:ext cx="4240696" cy="4989444"/>
+          </a:xfrm>
+          <a:prstGeom prst="verticalScroll">
+            <a:avLst/>
+          </a:prstGeom>
+          <a:solidFill>
+            <a:schemeClr val="bg1">
+              <a:lumMod val="85000"/>
+            </a:schemeClr>
+          </a:solidFill>
+          <a:ln>
+            <a:solidFill>
+              <a:schemeClr val="bg1">
+                <a:lumMod val="75000"/>
+                <a:lumOff val="25000"/>
+              </a:schemeClr>
+            </a:solidFill>
+          </a:ln>
+        </p:spPr>
+        <p:style>
+          <a:lnRef idx="2">
+            <a:schemeClr val="accent1">
+              <a:shade val="15000"/>
+            </a:schemeClr>
+          </a:lnRef>
+          <a:fillRef idx="1">
+            <a:schemeClr val="accent1"/>
+          </a:fillRef>
+          <a:effectRef idx="0">
+            <a:schemeClr val="accent1"/>
+          </a:effectRef>
+          <a:fontRef idx="minor">
+            <a:schemeClr val="lt1"/>
+          </a:fontRef>
+        </p:style>
+        <p:txBody>
+          <a:bodyPr rtlCol="0" anchor="t"/>
+          <a:lstStyle/>
+          <a:p>
+            <a:pPr>
+              <a:lnSpc>
+                <a:spcPct val="150000"/>
+              </a:lnSpc>
+            </a:pPr>
+            <a:r>
+              <a:rPr lang="en-US" sz="2400" b="1" dirty="0">
+                <a:solidFill>
+                  <a:schemeClr val="tx1"/>
+                </a:solidFill>
+              </a:rPr>
+              <a:t>Topics</a:t>
+            </a:r>
+          </a:p>
+          <a:p>
+            <a:pPr marL="285750" indent="-285750">
+              <a:lnSpc>
+                <a:spcPct val="150000"/>
+              </a:lnSpc>
+              <a:buFont typeface="Courier New" panose="02070309020205020404" pitchFamily="49" charset="0"/>
+              <a:buChar char="o"/>
+            </a:pPr>
+            <a:r>
+              <a:rPr lang="en-US" dirty="0">
+                <a:solidFill>
+                  <a:schemeClr val="tx1"/>
+                </a:solidFill>
+              </a:rPr>
+              <a:t>What are var, let, and const?</a:t>
+            </a:r>
+          </a:p>
+          <a:p>
+            <a:pPr marL="285750" indent="-285750">
+              <a:lnSpc>
+                <a:spcPct val="150000"/>
+              </a:lnSpc>
+              <a:buFont typeface="Courier New" panose="02070309020205020404" pitchFamily="49" charset="0"/>
+              <a:buChar char="o"/>
+            </a:pPr>
+            <a:r>
+              <a:rPr lang="en-IN" dirty="0">
+                <a:solidFill>
+                  <a:schemeClr val="tx1"/>
+                </a:solidFill>
+              </a:rPr>
+              <a:t>What is </a:t>
+            </a:r>
+            <a:r>
+              <a:rPr lang="en-IN" dirty="0" smtClean="0">
+                <a:solidFill>
+                  <a:schemeClr val="tx1"/>
+                </a:solidFill>
+              </a:rPr>
+              <a:t>Hoisting</a:t>
+            </a:r>
+            <a:endParaRPr lang="en-IN" dirty="0">
+              <a:solidFill>
+                <a:schemeClr val="tx1"/>
+              </a:solidFill>
+            </a:endParaRPr>
+          </a:p>
+        </p:txBody>
+      </p:sp>
+      <p:sp>
+        <p:nvSpPr>
+          <p:cNvPr id="7" name="TextBox 6"/>
+          <p:cNvSpPr txBox="1"/>
+          <p:nvPr/>
+        </p:nvSpPr>
+        <p:spPr>
+          <a:xfrm>
+            <a:off x="9614263" y="801189"/>
+            <a:ext cx="1401346" cy="369332"/>
+          </a:xfrm>
+          <a:prstGeom prst="rect">
+            <a:avLst/>
+          </a:prstGeom>
+          <a:noFill/>
+        </p:spPr>
+        <p:txBody>
+          <a:bodyPr wrap="none" rtlCol="0">
+            <a:spAutoFit/>
+          </a:bodyPr>
+          <a:lstStyle/>
+          <a:p>
+            <a:r>
+              <a:rPr lang="en-IN" b="1" dirty="0">
+                <a:solidFill>
+                  <a:schemeClr val="accent2">
+                    <a:lumMod val="60000"/>
+                    <a:lumOff val="40000"/>
+                  </a:schemeClr>
+                </a:solidFill>
+                <a:latin typeface="Bahnschrift SemiLight" pitchFamily="34" charset="0"/>
+              </a:rPr>
+              <a:t>Chapter - 5</a:t>
+            </a:r>
+            <a:endParaRPr lang="en-US" b="1" dirty="0">
+              <a:solidFill>
+                <a:schemeClr val="accent2">
+                  <a:lumMod val="60000"/>
+                  <a:lumOff val="40000"/>
+                </a:schemeClr>
+              </a:solidFill>
+              <a:latin typeface="Bahnschrift SemiLight" pitchFamily="34" charset="0"/>
+            </a:endParaRPr>
+          </a:p>
+        </p:txBody>
+      </p:sp>
+      <p:pic>
+        <p:nvPicPr>
+          <p:cNvPr id="2050" name="Picture 2"/>
+          <p:cNvPicPr>
+            <a:picLocks noChangeAspect="1" noChangeArrowheads="1"/>
+          </p:cNvPicPr>
+          <p:nvPr/>
+        </p:nvPicPr>
+        <p:blipFill>
+          <a:blip r:embed="rId2"/>
+          <a:srcRect/>
+          <a:stretch>
+            <a:fillRect/>
+          </a:stretch>
+        </p:blipFill>
+        <p:spPr bwMode="auto">
+          <a:xfrm>
+            <a:off x="671513" y="2643188"/>
+            <a:ext cx="5133975" cy="447675"/>
+          </a:xfrm>
+          <a:prstGeom prst="rect">
+            <a:avLst/>
+          </a:prstGeom>
+          <a:noFill/>
+          <a:ln w="9525">
+            <a:noFill/>
+            <a:miter lim="800000"/>
+            <a:headEnd/>
+            <a:tailEnd/>
+          </a:ln>
+          <a:effectLst/>
+        </p:spPr>
+      </p:pic>
+      <p:pic>
+        <p:nvPicPr>
+          <p:cNvPr id="2051" name="Picture 3"/>
+          <p:cNvPicPr>
+            <a:picLocks noChangeAspect="1" noChangeArrowheads="1"/>
+          </p:cNvPicPr>
+          <p:nvPr/>
+        </p:nvPicPr>
+        <p:blipFill>
+          <a:blip r:embed="rId3"/>
+          <a:srcRect/>
+          <a:stretch>
+            <a:fillRect/>
+          </a:stretch>
+        </p:blipFill>
+        <p:spPr bwMode="auto">
+          <a:xfrm>
+            <a:off x="676275" y="4162425"/>
+            <a:ext cx="4857750" cy="457200"/>
+          </a:xfrm>
+          <a:prstGeom prst="rect">
+            <a:avLst/>
+          </a:prstGeom>
+          <a:noFill/>
+          <a:ln w="9525">
+            <a:noFill/>
+            <a:miter lim="800000"/>
+            <a:headEnd/>
+            <a:tailEnd/>
+          </a:ln>
+          <a:effectLst/>
+        </p:spPr>
+      </p:pic>
+    </p:spTree>
+    <p:extLst>
+      <p:ext uri="{BB962C8B-B14F-4D97-AF65-F5344CB8AC3E}">
+        <p14:creationId xmlns:p14="http://schemas.microsoft.com/office/powerpoint/2010/main" xmlns="" val="3002471670"/>
+      </p:ext>
+    </p:extLst>
+  </p:cSld>
+  <p:clrMapOvr>
+    <a:masterClrMapping/>
+  </p:clrMapOvr>
+</p:sld>
+</file>
+
+<file path=ppt/slides/slide23.xml><?xml version="1.0" encoding="utf-8"?>
+<p:sld xmlns:a="http://schemas.openxmlformats.org/drawingml/2006/main" xmlns:r="http://schemas.openxmlformats.org/officeDocument/2006/relationships" xmlns:p="http://schemas.openxmlformats.org/presentationml/2006/main">
+  <p:cSld>
+    <p:spTree>
+      <p:nvGrpSpPr>
+        <p:cNvPr id="1" name="">
+          <a:extLst>
+            <a:ext uri="{FF2B5EF4-FFF2-40B4-BE49-F238E27FC236}">
+              <a16:creationId xmlns:a16="http://schemas.microsoft.com/office/drawing/2014/main" xmlns="" id="{4586E9D7-F5F8-14CC-9DF6-FC4AF2EA4249}"/>
+            </a:ext>
+          </a:extLst>
+        </p:cNvPr>
+        <p:cNvGrpSpPr/>
+        <p:nvPr/>
+      </p:nvGrpSpPr>
+      <p:grpSpPr>
+        <a:xfrm>
+          <a:off x="0" y="0"/>
+          <a:ext cx="0" cy="0"/>
+          <a:chOff x="0" y="0"/>
+          <a:chExt cx="0" cy="0"/>
+        </a:xfrm>
+      </p:grpSpPr>
+      <p:sp>
+        <p:nvSpPr>
+          <p:cNvPr id="2" name="Title 1">
+            <a:extLst>
+              <a:ext uri="{FF2B5EF4-FFF2-40B4-BE49-F238E27FC236}">
+                <a16:creationId xmlns:a16="http://schemas.microsoft.com/office/drawing/2014/main" xmlns="" id="{D8B67155-694F-FF61-7CDD-33A20A316215}"/>
+              </a:ext>
+            </a:extLst>
+          </p:cNvPr>
+          <p:cNvSpPr>
+            <a:spLocks noGrp="1"/>
+          </p:cNvSpPr>
+          <p:nvPr>
+            <p:ph type="title"/>
+          </p:nvPr>
+        </p:nvSpPr>
+        <p:spPr>
+          <a:xfrm>
+            <a:off x="236463" y="901999"/>
+            <a:ext cx="8596668" cy="666407"/>
+          </a:xfrm>
+        </p:spPr>
+        <p:txBody>
+          <a:bodyPr>
+            <a:normAutofit/>
+          </a:bodyPr>
+          <a:lstStyle/>
+          <a:p>
+            <a:r>
+              <a:rPr lang="en-US" b="1" dirty="0" smtClean="0">
+                <a:solidFill>
+                  <a:schemeClr val="tx1"/>
+                </a:solidFill>
+                <a:latin typeface="Bahnschrift SemiLight" pitchFamily="34" charset="0"/>
+              </a:rPr>
+              <a:t>Re-</a:t>
+            </a:r>
+            <a:r>
+              <a:rPr lang="en-US" b="1" dirty="0" err="1" smtClean="0">
+                <a:solidFill>
+                  <a:schemeClr val="tx1"/>
+                </a:solidFill>
+                <a:latin typeface="Bahnschrift SemiLight" pitchFamily="34" charset="0"/>
+              </a:rPr>
+              <a:t>declartion</a:t>
+            </a:r>
+            <a:r>
+              <a:rPr lang="en-US" b="1" dirty="0" smtClean="0">
+                <a:solidFill>
+                  <a:schemeClr val="tx1"/>
+                </a:solidFill>
+                <a:latin typeface="Bahnschrift SemiLight" pitchFamily="34" charset="0"/>
+              </a:rPr>
+              <a:t> of </a:t>
+            </a:r>
+            <a:r>
+              <a:rPr lang="en-US" b="1" dirty="0" err="1" smtClean="0">
+                <a:solidFill>
+                  <a:schemeClr val="tx1"/>
+                </a:solidFill>
+                <a:latin typeface="Bahnschrift SemiLight" pitchFamily="34" charset="0"/>
+              </a:rPr>
+              <a:t>v</a:t>
+            </a:r>
+            <a:r>
+              <a:rPr lang="en-US" b="1" dirty="0" err="1" smtClean="0">
+                <a:solidFill>
+                  <a:schemeClr val="tx1"/>
+                </a:solidFill>
+                <a:latin typeface="Bahnschrift SemiLight" pitchFamily="34" charset="0"/>
+              </a:rPr>
+              <a:t>ar</a:t>
+            </a:r>
+            <a:r>
+              <a:rPr lang="en-US" b="1" dirty="0" smtClean="0">
+                <a:solidFill>
+                  <a:schemeClr val="tx1"/>
+                </a:solidFill>
+                <a:latin typeface="Bahnschrift SemiLight" pitchFamily="34" charset="0"/>
+              </a:rPr>
+              <a:t> and let</a:t>
+            </a:r>
+            <a:endParaRPr lang="en-US" b="1" dirty="0">
+              <a:solidFill>
+                <a:schemeClr val="tx1"/>
+              </a:solidFill>
+              <a:latin typeface="Bahnschrift SemiLight" pitchFamily="34" charset="0"/>
+            </a:endParaRPr>
+          </a:p>
+        </p:txBody>
+      </p:sp>
+      <p:sp>
+        <p:nvSpPr>
+          <p:cNvPr id="5" name="Ribbon: Curved and Tilted Down 4">
+            <a:extLst>
+              <a:ext uri="{FF2B5EF4-FFF2-40B4-BE49-F238E27FC236}">
+                <a16:creationId xmlns:a16="http://schemas.microsoft.com/office/drawing/2014/main" xmlns="" id="{3FA23525-E3EA-B8CB-FD6A-53084CA847A7}"/>
+              </a:ext>
+            </a:extLst>
+          </p:cNvPr>
+          <p:cNvSpPr/>
+          <p:nvPr/>
+        </p:nvSpPr>
+        <p:spPr>
+          <a:xfrm>
+            <a:off x="255512" y="216454"/>
+            <a:ext cx="3678313" cy="583646"/>
+          </a:xfrm>
+          <a:prstGeom prst="ellipseRibbon">
+            <a:avLst/>
+          </a:prstGeom>
+          <a:solidFill>
+            <a:schemeClr val="bg1">
+              <a:lumMod val="85000"/>
+              <a:lumOff val="15000"/>
+            </a:schemeClr>
+          </a:solidFill>
+          <a:ln>
+            <a:noFill/>
+          </a:ln>
+        </p:spPr>
+        <p:style>
+          <a:lnRef idx="2">
+            <a:schemeClr val="accent1">
+              <a:shade val="15000"/>
+            </a:schemeClr>
+          </a:lnRef>
+          <a:fillRef idx="1">
+            <a:schemeClr val="accent1"/>
+          </a:fillRef>
+          <a:effectRef idx="0">
+            <a:schemeClr val="accent1"/>
+          </a:effectRef>
+          <a:fontRef idx="minor">
+            <a:schemeClr val="lt1"/>
+          </a:fontRef>
+        </p:style>
+        <p:txBody>
+          <a:bodyPr rtlCol="0" anchor="ctr"/>
+          <a:lstStyle/>
+          <a:p>
+            <a:pPr algn="ctr"/>
+            <a:r>
+              <a:rPr lang="en-US" sz="1100" dirty="0">
+                <a:solidFill>
+                  <a:schemeClr val="tx1">
+                    <a:lumMod val="65000"/>
+                    <a:lumOff val="35000"/>
+                  </a:schemeClr>
+                </a:solidFill>
+              </a:rPr>
+              <a:t>JavaScript Tutorials</a:t>
+            </a:r>
+            <a:endParaRPr lang="en-IN" sz="1100" dirty="0">
+              <a:solidFill>
+                <a:schemeClr val="tx1">
+                  <a:lumMod val="65000"/>
+                  <a:lumOff val="35000"/>
+                </a:schemeClr>
+              </a:solidFill>
+            </a:endParaRPr>
+          </a:p>
+        </p:txBody>
+      </p:sp>
+      <p:sp>
+        <p:nvSpPr>
+          <p:cNvPr id="6" name="Scroll: Vertical 5">
+            <a:extLst>
+              <a:ext uri="{FF2B5EF4-FFF2-40B4-BE49-F238E27FC236}">
+                <a16:creationId xmlns:a16="http://schemas.microsoft.com/office/drawing/2014/main" xmlns="" id="{1A4C732A-2840-82C8-A359-298D925E33B3}"/>
+              </a:ext>
+            </a:extLst>
+          </p:cNvPr>
+          <p:cNvSpPr/>
+          <p:nvPr/>
+        </p:nvSpPr>
+        <p:spPr>
+          <a:xfrm>
+            <a:off x="7851914" y="715617"/>
+            <a:ext cx="4240696" cy="4989444"/>
+          </a:xfrm>
+          <a:prstGeom prst="verticalScroll">
+            <a:avLst/>
+          </a:prstGeom>
+          <a:solidFill>
+            <a:schemeClr val="bg1">
+              <a:lumMod val="85000"/>
+            </a:schemeClr>
+          </a:solidFill>
+          <a:ln>
+            <a:solidFill>
+              <a:schemeClr val="bg1">
+                <a:lumMod val="75000"/>
+                <a:lumOff val="25000"/>
+              </a:schemeClr>
+            </a:solidFill>
+          </a:ln>
+        </p:spPr>
+        <p:style>
+          <a:lnRef idx="2">
+            <a:schemeClr val="accent1">
+              <a:shade val="15000"/>
+            </a:schemeClr>
+          </a:lnRef>
+          <a:fillRef idx="1">
+            <a:schemeClr val="accent1"/>
+          </a:fillRef>
+          <a:effectRef idx="0">
+            <a:schemeClr val="accent1"/>
+          </a:effectRef>
+          <a:fontRef idx="minor">
+            <a:schemeClr val="lt1"/>
+          </a:fontRef>
+        </p:style>
+        <p:txBody>
+          <a:bodyPr rtlCol="0" anchor="t"/>
+          <a:lstStyle/>
+          <a:p>
+            <a:pPr>
+              <a:lnSpc>
+                <a:spcPct val="150000"/>
+              </a:lnSpc>
+            </a:pPr>
+            <a:r>
+              <a:rPr lang="en-US" sz="2400" b="1" dirty="0">
+                <a:solidFill>
+                  <a:schemeClr val="tx1"/>
+                </a:solidFill>
+              </a:rPr>
+              <a:t>Topics</a:t>
+            </a:r>
+          </a:p>
+          <a:p>
+            <a:pPr marL="285750" indent="-285750">
+              <a:lnSpc>
+                <a:spcPct val="150000"/>
+              </a:lnSpc>
+              <a:buFont typeface="Courier New" panose="02070309020205020404" pitchFamily="49" charset="0"/>
+              <a:buChar char="o"/>
+            </a:pPr>
+            <a:r>
+              <a:rPr lang="en-US" dirty="0">
+                <a:solidFill>
+                  <a:schemeClr val="tx1"/>
+                </a:solidFill>
+              </a:rPr>
+              <a:t>What are var, let, and const?</a:t>
+            </a:r>
+          </a:p>
+          <a:p>
+            <a:pPr marL="285750" indent="-285750">
+              <a:lnSpc>
+                <a:spcPct val="150000"/>
+              </a:lnSpc>
+              <a:buFont typeface="Courier New" panose="02070309020205020404" pitchFamily="49" charset="0"/>
+              <a:buChar char="o"/>
+            </a:pPr>
+            <a:r>
+              <a:rPr lang="en-IN" dirty="0">
+                <a:solidFill>
+                  <a:schemeClr val="tx1"/>
+                </a:solidFill>
+              </a:rPr>
+              <a:t>What is </a:t>
+            </a:r>
+            <a:r>
+              <a:rPr lang="en-IN" dirty="0" smtClean="0">
+                <a:solidFill>
+                  <a:schemeClr val="tx1"/>
+                </a:solidFill>
+              </a:rPr>
+              <a:t>Hoisting</a:t>
+            </a:r>
+            <a:endParaRPr lang="en-IN" dirty="0">
+              <a:solidFill>
+                <a:schemeClr val="tx1"/>
+              </a:solidFill>
+            </a:endParaRPr>
+          </a:p>
+        </p:txBody>
+      </p:sp>
+      <p:sp>
+        <p:nvSpPr>
+          <p:cNvPr id="7" name="TextBox 6"/>
+          <p:cNvSpPr txBox="1"/>
+          <p:nvPr/>
+        </p:nvSpPr>
+        <p:spPr>
+          <a:xfrm>
+            <a:off x="9614263" y="801189"/>
+            <a:ext cx="1401346" cy="369332"/>
+          </a:xfrm>
+          <a:prstGeom prst="rect">
+            <a:avLst/>
+          </a:prstGeom>
+          <a:noFill/>
+        </p:spPr>
+        <p:txBody>
+          <a:bodyPr wrap="none" rtlCol="0">
+            <a:spAutoFit/>
+          </a:bodyPr>
+          <a:lstStyle/>
+          <a:p>
+            <a:r>
+              <a:rPr lang="en-IN" b="1" dirty="0">
+                <a:solidFill>
+                  <a:schemeClr val="accent2">
+                    <a:lumMod val="60000"/>
+                    <a:lumOff val="40000"/>
+                  </a:schemeClr>
+                </a:solidFill>
+                <a:latin typeface="Bahnschrift SemiLight" pitchFamily="34" charset="0"/>
+              </a:rPr>
+              <a:t>Chapter - 5</a:t>
+            </a:r>
+            <a:endParaRPr lang="en-US" b="1" dirty="0">
+              <a:solidFill>
+                <a:schemeClr val="accent2">
+                  <a:lumMod val="60000"/>
+                  <a:lumOff val="40000"/>
+                </a:schemeClr>
+              </a:solidFill>
+              <a:latin typeface="Bahnschrift SemiLight" pitchFamily="34" charset="0"/>
+            </a:endParaRPr>
+          </a:p>
+        </p:txBody>
+      </p:sp>
+      <p:sp>
+        <p:nvSpPr>
+          <p:cNvPr id="9" name="Content Placeholder 2">
+            <a:extLst>
+              <a:ext uri="{FF2B5EF4-FFF2-40B4-BE49-F238E27FC236}">
+                <a16:creationId xmlns:a16="http://schemas.microsoft.com/office/drawing/2014/main" xmlns="" id="{2A53D2DA-721D-FC7E-8E09-BCBD844B6F9F}"/>
+              </a:ext>
+            </a:extLst>
+          </p:cNvPr>
+          <p:cNvSpPr txBox="1">
+            <a:spLocks/>
+          </p:cNvSpPr>
+          <p:nvPr/>
+        </p:nvSpPr>
+        <p:spPr>
+          <a:xfrm>
+            <a:off x="366548" y="3192829"/>
+            <a:ext cx="7502570" cy="569546"/>
+          </a:xfrm>
+          <a:prstGeom prst="rect">
+            <a:avLst/>
+          </a:prstGeom>
+        </p:spPr>
+        <p:txBody>
+          <a:bodyPr vert="horz" lIns="91440" tIns="45720" rIns="91440" bIns="45720" rtlCol="0">
+            <a:normAutofit lnSpcReduction="10000"/>
+          </a:bodyPr>
+          <a:lstStyle/>
+          <a:p>
+            <a:r>
+              <a:rPr lang="en-US" sz="1600" b="1" dirty="0" smtClean="0">
+                <a:solidFill>
+                  <a:schemeClr val="accent2">
+                    <a:lumMod val="60000"/>
+                    <a:lumOff val="40000"/>
+                  </a:schemeClr>
+                </a:solidFill>
+              </a:rPr>
+              <a:t>let:</a:t>
+            </a:r>
+            <a:r>
+              <a:rPr lang="en-US" sz="1600" dirty="0" smtClean="0"/>
+              <a:t> Does not allow re-declaration of the same variable within the same scope. Attempting to do so will result in a </a:t>
+            </a:r>
+            <a:r>
+              <a:rPr lang="en-US" sz="1600" dirty="0" err="1" smtClean="0"/>
+              <a:t>SyntaxError</a:t>
+            </a:r>
+            <a:r>
+              <a:rPr lang="en-US" sz="1600" dirty="0" smtClean="0"/>
+              <a:t>.</a:t>
+            </a:r>
+          </a:p>
+          <a:p>
+            <a:pPr marL="342900" marR="0" lvl="0" indent="-342900" algn="l" defTabSz="457200" rtl="0" eaLnBrk="1" fontAlgn="auto" latinLnBrk="0" hangingPunct="1">
+              <a:lnSpc>
+                <a:spcPct val="100000"/>
+              </a:lnSpc>
+              <a:spcBef>
+                <a:spcPts val="1000"/>
+              </a:spcBef>
+              <a:spcAft>
+                <a:spcPts val="0"/>
+              </a:spcAft>
+              <a:buClr>
+                <a:schemeClr val="accent1"/>
+              </a:buClr>
+              <a:buSzPct val="80000"/>
+              <a:buFont typeface="Wingdings 3" charset="2"/>
+              <a:buNone/>
+              <a:tabLst/>
+              <a:defRPr/>
+            </a:pPr>
+            <a:endParaRPr kumimoji="0" lang="en-US" sz="1600" b="0" i="0" u="none" strike="noStrike" kern="1200" cap="none" spc="0" normalizeH="0" baseline="0" noProof="0" dirty="0" smtClean="0">
+              <a:ln>
+                <a:noFill/>
+              </a:ln>
+              <a:solidFill>
+                <a:schemeClr val="tx1">
+                  <a:lumMod val="75000"/>
+                  <a:lumOff val="25000"/>
+                </a:schemeClr>
+              </a:solidFill>
+              <a:effectLst/>
+              <a:uLnTx/>
+              <a:uFillTx/>
+              <a:latin typeface="+mn-lt"/>
+              <a:ea typeface="+mn-ea"/>
+              <a:cs typeface="+mn-cs"/>
+            </a:endParaRPr>
+          </a:p>
+          <a:p>
+            <a:pPr marL="342900" marR="0" lvl="0" indent="-342900" algn="l" defTabSz="457200" rtl="0" eaLnBrk="1" fontAlgn="auto" latinLnBrk="0" hangingPunct="1">
+              <a:lnSpc>
+                <a:spcPct val="150000"/>
+              </a:lnSpc>
+              <a:spcBef>
+                <a:spcPts val="1000"/>
+              </a:spcBef>
+              <a:spcAft>
+                <a:spcPts val="0"/>
+              </a:spcAft>
+              <a:buClr>
+                <a:schemeClr val="accent1"/>
+              </a:buClr>
+              <a:buSzPct val="80000"/>
+              <a:buFont typeface="Wingdings 3" charset="2"/>
+              <a:buChar char=""/>
+              <a:tabLst/>
+              <a:defRPr/>
+            </a:pPr>
+            <a:endParaRPr kumimoji="0" lang="en-US" sz="1600" b="0" i="0" u="none" strike="noStrike" kern="1200" cap="none" spc="0" normalizeH="0" baseline="0" noProof="0" dirty="0">
+              <a:ln>
+                <a:noFill/>
+              </a:ln>
+              <a:solidFill>
+                <a:schemeClr val="tx1">
+                  <a:lumMod val="75000"/>
+                  <a:lumOff val="25000"/>
+                </a:schemeClr>
+              </a:solidFill>
+              <a:effectLst/>
+              <a:uLnTx/>
+              <a:uFillTx/>
+              <a:latin typeface="+mn-lt"/>
+              <a:ea typeface="+mn-ea"/>
+              <a:cs typeface="+mn-cs"/>
+            </a:endParaRPr>
+          </a:p>
+        </p:txBody>
+      </p:sp>
+      <p:sp>
+        <p:nvSpPr>
+          <p:cNvPr id="11" name="Content Placeholder 2">
+            <a:extLst>
+              <a:ext uri="{FF2B5EF4-FFF2-40B4-BE49-F238E27FC236}">
+                <a16:creationId xmlns:a16="http://schemas.microsoft.com/office/drawing/2014/main" xmlns="" id="{2A53D2DA-721D-FC7E-8E09-BCBD844B6F9F}"/>
+              </a:ext>
+            </a:extLst>
+          </p:cNvPr>
+          <p:cNvSpPr txBox="1">
+            <a:spLocks/>
+          </p:cNvSpPr>
+          <p:nvPr/>
+        </p:nvSpPr>
+        <p:spPr>
+          <a:xfrm>
+            <a:off x="299873" y="1611679"/>
+            <a:ext cx="7502570" cy="569546"/>
+          </a:xfrm>
+          <a:prstGeom prst="rect">
+            <a:avLst/>
+          </a:prstGeom>
+        </p:spPr>
+        <p:txBody>
+          <a:bodyPr vert="horz" lIns="91440" tIns="45720" rIns="91440" bIns="45720" rtlCol="0">
+            <a:normAutofit lnSpcReduction="10000"/>
+          </a:bodyPr>
+          <a:lstStyle/>
+          <a:p>
+            <a:r>
+              <a:rPr lang="en-US" sz="1600" b="1" dirty="0" err="1" smtClean="0">
+                <a:solidFill>
+                  <a:schemeClr val="accent2">
+                    <a:lumMod val="60000"/>
+                    <a:lumOff val="40000"/>
+                  </a:schemeClr>
+                </a:solidFill>
+              </a:rPr>
+              <a:t>var</a:t>
+            </a:r>
+            <a:r>
+              <a:rPr lang="en-US" sz="1600" b="1" dirty="0" smtClean="0">
+                <a:solidFill>
+                  <a:schemeClr val="accent2">
+                    <a:lumMod val="60000"/>
+                    <a:lumOff val="40000"/>
+                  </a:schemeClr>
+                </a:solidFill>
+              </a:rPr>
+              <a:t>:</a:t>
+            </a:r>
+            <a:r>
+              <a:rPr lang="en-US" sz="1600" dirty="0" smtClean="0"/>
+              <a:t> Allows re-declaration of the same variable within the same </a:t>
+            </a:r>
+            <a:r>
+              <a:rPr lang="en-US" sz="1600" dirty="0" smtClean="0"/>
+              <a:t>scope</a:t>
+            </a:r>
+            <a:br>
+              <a:rPr lang="en-US" sz="1600" dirty="0" smtClean="0"/>
+            </a:br>
+            <a:r>
+              <a:rPr lang="en-US" sz="1600" dirty="0" smtClean="0"/>
+              <a:t>without </a:t>
+            </a:r>
+            <a:r>
+              <a:rPr lang="en-US" sz="1600" dirty="0" smtClean="0"/>
+              <a:t>an error. The later declaration simply overwrites the previous one.</a:t>
+            </a:r>
+          </a:p>
+          <a:p>
+            <a:pPr marL="342900" marR="0" lvl="0" indent="-342900" algn="l" defTabSz="457200" rtl="0" eaLnBrk="1" fontAlgn="auto" latinLnBrk="0" hangingPunct="1">
+              <a:lnSpc>
+                <a:spcPct val="100000"/>
+              </a:lnSpc>
+              <a:spcBef>
+                <a:spcPts val="1000"/>
+              </a:spcBef>
+              <a:spcAft>
+                <a:spcPts val="0"/>
+              </a:spcAft>
+              <a:buClr>
+                <a:schemeClr val="accent1"/>
+              </a:buClr>
+              <a:buSzPct val="80000"/>
+              <a:buFont typeface="Wingdings 3" charset="2"/>
+              <a:buNone/>
+              <a:tabLst/>
+              <a:defRPr/>
+            </a:pPr>
+            <a:endParaRPr kumimoji="0" lang="en-US" sz="1600" b="0" i="0" u="none" strike="noStrike" kern="1200" cap="none" spc="0" normalizeH="0" baseline="0" noProof="0" dirty="0" smtClean="0">
+              <a:ln>
+                <a:noFill/>
+              </a:ln>
+              <a:solidFill>
+                <a:schemeClr val="tx1">
+                  <a:lumMod val="75000"/>
+                  <a:lumOff val="25000"/>
+                </a:schemeClr>
+              </a:solidFill>
+              <a:effectLst/>
+              <a:uLnTx/>
+              <a:uFillTx/>
+              <a:latin typeface="+mn-lt"/>
+              <a:ea typeface="+mn-ea"/>
+              <a:cs typeface="+mn-cs"/>
+            </a:endParaRPr>
+          </a:p>
+          <a:p>
+            <a:pPr marL="342900" marR="0" lvl="0" indent="-342900" algn="l" defTabSz="457200" rtl="0" eaLnBrk="1" fontAlgn="auto" latinLnBrk="0" hangingPunct="1">
+              <a:lnSpc>
+                <a:spcPct val="150000"/>
+              </a:lnSpc>
+              <a:spcBef>
+                <a:spcPts val="1000"/>
+              </a:spcBef>
+              <a:spcAft>
+                <a:spcPts val="0"/>
+              </a:spcAft>
+              <a:buClr>
+                <a:schemeClr val="accent1"/>
+              </a:buClr>
+              <a:buSzPct val="80000"/>
+              <a:buFont typeface="Wingdings 3" charset="2"/>
+              <a:buChar char=""/>
+              <a:tabLst/>
+              <a:defRPr/>
+            </a:pPr>
+            <a:endParaRPr kumimoji="0" lang="en-US" sz="1600" b="0" i="0" u="none" strike="noStrike" kern="1200" cap="none" spc="0" normalizeH="0" baseline="0" noProof="0" dirty="0">
+              <a:ln>
+                <a:noFill/>
+              </a:ln>
+              <a:solidFill>
+                <a:schemeClr val="tx1">
+                  <a:lumMod val="75000"/>
+                  <a:lumOff val="25000"/>
+                </a:schemeClr>
+              </a:solidFill>
+              <a:effectLst/>
+              <a:uLnTx/>
+              <a:uFillTx/>
+              <a:latin typeface="+mn-lt"/>
+              <a:ea typeface="+mn-ea"/>
+              <a:cs typeface="+mn-cs"/>
+            </a:endParaRPr>
+          </a:p>
+        </p:txBody>
+      </p:sp>
+      <p:pic>
+        <p:nvPicPr>
+          <p:cNvPr id="3074" name="Picture 2"/>
+          <p:cNvPicPr>
+            <a:picLocks noChangeAspect="1" noChangeArrowheads="1"/>
+          </p:cNvPicPr>
+          <p:nvPr/>
+        </p:nvPicPr>
+        <p:blipFill>
+          <a:blip r:embed="rId2"/>
+          <a:srcRect/>
+          <a:stretch>
+            <a:fillRect/>
+          </a:stretch>
+        </p:blipFill>
+        <p:spPr bwMode="auto">
+          <a:xfrm>
+            <a:off x="428625" y="2286000"/>
+            <a:ext cx="2838450" cy="457200"/>
+          </a:xfrm>
+          <a:prstGeom prst="rect">
+            <a:avLst/>
+          </a:prstGeom>
+          <a:noFill/>
+          <a:ln w="9525">
+            <a:noFill/>
+            <a:miter lim="800000"/>
+            <a:headEnd/>
+            <a:tailEnd/>
+          </a:ln>
+          <a:effectLst/>
+        </p:spPr>
+      </p:pic>
+      <p:pic>
+        <p:nvPicPr>
+          <p:cNvPr id="3076" name="Picture 4"/>
+          <p:cNvPicPr>
+            <a:picLocks noChangeAspect="1" noChangeArrowheads="1"/>
+          </p:cNvPicPr>
+          <p:nvPr/>
+        </p:nvPicPr>
+        <p:blipFill>
+          <a:blip r:embed="rId3"/>
+          <a:srcRect/>
+          <a:stretch>
+            <a:fillRect/>
+          </a:stretch>
+        </p:blipFill>
+        <p:spPr bwMode="auto">
+          <a:xfrm>
+            <a:off x="457200" y="3819525"/>
+            <a:ext cx="5334000" cy="476250"/>
+          </a:xfrm>
+          <a:prstGeom prst="rect">
+            <a:avLst/>
+          </a:prstGeom>
+          <a:noFill/>
+          <a:ln w="9525">
+            <a:noFill/>
+            <a:miter lim="800000"/>
+            <a:headEnd/>
+            <a:tailEnd/>
+          </a:ln>
+          <a:effectLst/>
+        </p:spPr>
+      </p:pic>
+    </p:spTree>
+    <p:extLst>
+      <p:ext uri="{BB962C8B-B14F-4D97-AF65-F5344CB8AC3E}">
+        <p14:creationId xmlns:p14="http://schemas.microsoft.com/office/powerpoint/2010/main" xmlns="" val="3002471670"/>
+      </p:ext>
+    </p:extLst>
+  </p:cSld>
+  <p:clrMapOvr>
+    <a:masterClrMapping/>
+  </p:clrMapOvr>
+</p:sld>
+</file>
+
+<file path=ppt/slides/slide24.xml><?xml version="1.0" encoding="utf-8"?>
+<p:sld xmlns:a="http://schemas.openxmlformats.org/drawingml/2006/main" xmlns:r="http://schemas.openxmlformats.org/officeDocument/2006/relationships" xmlns:p="http://schemas.openxmlformats.org/presentationml/2006/main">
+  <p:cSld>
+    <p:spTree>
+      <p:nvGrpSpPr>
+        <p:cNvPr id="1" name="">
+          <a:extLst>
+            <a:ext uri="{FF2B5EF4-FFF2-40B4-BE49-F238E27FC236}">
+              <a16:creationId xmlns:a16="http://schemas.microsoft.com/office/drawing/2014/main" xmlns="" id="{4586E9D7-F5F8-14CC-9DF6-FC4AF2EA4249}"/>
+            </a:ext>
+          </a:extLst>
+        </p:cNvPr>
+        <p:cNvGrpSpPr/>
+        <p:nvPr/>
+      </p:nvGrpSpPr>
+      <p:grpSpPr>
+        <a:xfrm>
+          <a:off x="0" y="0"/>
+          <a:ext cx="0" cy="0"/>
+          <a:chOff x="0" y="0"/>
+          <a:chExt cx="0" cy="0"/>
+        </a:xfrm>
+      </p:grpSpPr>
+      <p:sp>
+        <p:nvSpPr>
+          <p:cNvPr id="2" name="Title 1">
+            <a:extLst>
+              <a:ext uri="{FF2B5EF4-FFF2-40B4-BE49-F238E27FC236}">
+                <a16:creationId xmlns:a16="http://schemas.microsoft.com/office/drawing/2014/main" xmlns="" id="{D8B67155-694F-FF61-7CDD-33A20A316215}"/>
+              </a:ext>
+            </a:extLst>
+          </p:cNvPr>
+          <p:cNvSpPr>
+            <a:spLocks noGrp="1"/>
+          </p:cNvSpPr>
+          <p:nvPr>
+            <p:ph type="title"/>
+          </p:nvPr>
+        </p:nvSpPr>
+        <p:spPr>
+          <a:xfrm>
+            <a:off x="236463" y="901999"/>
+            <a:ext cx="8596668" cy="666407"/>
+          </a:xfrm>
+        </p:spPr>
+        <p:txBody>
+          <a:bodyPr>
+            <a:normAutofit/>
+          </a:bodyPr>
+          <a:lstStyle/>
+          <a:p>
+            <a:r>
+              <a:rPr lang="en-US" b="1" dirty="0" smtClean="0">
+                <a:solidFill>
+                  <a:schemeClr val="tx1"/>
+                </a:solidFill>
+                <a:latin typeface="Bahnschrift SemiLight" pitchFamily="34" charset="0"/>
+              </a:rPr>
+              <a:t>What is hoisting?</a:t>
+            </a:r>
+            <a:endParaRPr lang="en-US" b="1" dirty="0">
+              <a:solidFill>
+                <a:schemeClr val="tx1"/>
+              </a:solidFill>
+              <a:latin typeface="Bahnschrift SemiLight" pitchFamily="34" charset="0"/>
+            </a:endParaRPr>
+          </a:p>
+        </p:txBody>
+      </p:sp>
+      <p:sp>
+        <p:nvSpPr>
+          <p:cNvPr id="5" name="Ribbon: Curved and Tilted Down 4">
+            <a:extLst>
+              <a:ext uri="{FF2B5EF4-FFF2-40B4-BE49-F238E27FC236}">
+                <a16:creationId xmlns:a16="http://schemas.microsoft.com/office/drawing/2014/main" xmlns="" id="{3FA23525-E3EA-B8CB-FD6A-53084CA847A7}"/>
+              </a:ext>
+            </a:extLst>
+          </p:cNvPr>
+          <p:cNvSpPr/>
+          <p:nvPr/>
+        </p:nvSpPr>
+        <p:spPr>
+          <a:xfrm>
+            <a:off x="255512" y="216454"/>
+            <a:ext cx="3678313" cy="583646"/>
+          </a:xfrm>
+          <a:prstGeom prst="ellipseRibbon">
+            <a:avLst/>
+          </a:prstGeom>
+          <a:solidFill>
+            <a:schemeClr val="bg1">
+              <a:lumMod val="85000"/>
+              <a:lumOff val="15000"/>
+            </a:schemeClr>
+          </a:solidFill>
+          <a:ln>
+            <a:noFill/>
+          </a:ln>
+        </p:spPr>
+        <p:style>
+          <a:lnRef idx="2">
+            <a:schemeClr val="accent1">
+              <a:shade val="15000"/>
+            </a:schemeClr>
+          </a:lnRef>
+          <a:fillRef idx="1">
+            <a:schemeClr val="accent1"/>
+          </a:fillRef>
+          <a:effectRef idx="0">
+            <a:schemeClr val="accent1"/>
+          </a:effectRef>
+          <a:fontRef idx="minor">
+            <a:schemeClr val="lt1"/>
+          </a:fontRef>
+        </p:style>
+        <p:txBody>
+          <a:bodyPr rtlCol="0" anchor="ctr"/>
+          <a:lstStyle/>
+          <a:p>
+            <a:pPr algn="ctr"/>
+            <a:r>
+              <a:rPr lang="en-US" sz="1100" dirty="0">
+                <a:solidFill>
+                  <a:schemeClr val="tx1">
+                    <a:lumMod val="65000"/>
+                    <a:lumOff val="35000"/>
+                  </a:schemeClr>
+                </a:solidFill>
+              </a:rPr>
+              <a:t>JavaScript Tutorials</a:t>
+            </a:r>
+            <a:endParaRPr lang="en-IN" sz="1100" dirty="0">
+              <a:solidFill>
+                <a:schemeClr val="tx1">
+                  <a:lumMod val="65000"/>
+                  <a:lumOff val="35000"/>
+                </a:schemeClr>
+              </a:solidFill>
+            </a:endParaRPr>
+          </a:p>
+        </p:txBody>
+      </p:sp>
+      <p:sp>
+        <p:nvSpPr>
+          <p:cNvPr id="6" name="Scroll: Vertical 5">
+            <a:extLst>
+              <a:ext uri="{FF2B5EF4-FFF2-40B4-BE49-F238E27FC236}">
+                <a16:creationId xmlns:a16="http://schemas.microsoft.com/office/drawing/2014/main" xmlns="" id="{1A4C732A-2840-82C8-A359-298D925E33B3}"/>
+              </a:ext>
+            </a:extLst>
+          </p:cNvPr>
+          <p:cNvSpPr/>
+          <p:nvPr/>
+        </p:nvSpPr>
+        <p:spPr>
+          <a:xfrm>
+            <a:off x="7851914" y="715617"/>
+            <a:ext cx="4240696" cy="4989444"/>
+          </a:xfrm>
+          <a:prstGeom prst="verticalScroll">
+            <a:avLst/>
+          </a:prstGeom>
+          <a:solidFill>
+            <a:schemeClr val="bg1">
+              <a:lumMod val="85000"/>
+            </a:schemeClr>
+          </a:solidFill>
+          <a:ln>
+            <a:solidFill>
+              <a:schemeClr val="bg1">
+                <a:lumMod val="75000"/>
+                <a:lumOff val="25000"/>
+              </a:schemeClr>
+            </a:solidFill>
+          </a:ln>
+        </p:spPr>
+        <p:style>
+          <a:lnRef idx="2">
+            <a:schemeClr val="accent1">
+              <a:shade val="15000"/>
+            </a:schemeClr>
+          </a:lnRef>
+          <a:fillRef idx="1">
+            <a:schemeClr val="accent1"/>
+          </a:fillRef>
+          <a:effectRef idx="0">
+            <a:schemeClr val="accent1"/>
+          </a:effectRef>
+          <a:fontRef idx="minor">
+            <a:schemeClr val="lt1"/>
+          </a:fontRef>
+        </p:style>
+        <p:txBody>
+          <a:bodyPr rtlCol="0" anchor="t"/>
+          <a:lstStyle/>
+          <a:p>
+            <a:pPr>
+              <a:lnSpc>
+                <a:spcPct val="150000"/>
+              </a:lnSpc>
+            </a:pPr>
+            <a:r>
+              <a:rPr lang="en-US" sz="2400" b="1" dirty="0">
+                <a:solidFill>
+                  <a:schemeClr val="tx1"/>
+                </a:solidFill>
+              </a:rPr>
+              <a:t>Topics</a:t>
+            </a:r>
+          </a:p>
+          <a:p>
+            <a:pPr marL="285750" indent="-285750">
+              <a:lnSpc>
+                <a:spcPct val="150000"/>
+              </a:lnSpc>
+              <a:buFont typeface="Courier New" panose="02070309020205020404" pitchFamily="49" charset="0"/>
+              <a:buChar char="o"/>
+            </a:pPr>
+            <a:r>
+              <a:rPr lang="en-US" strike="sngStrike" dirty="0">
+                <a:solidFill>
+                  <a:schemeClr val="tx1"/>
+                </a:solidFill>
+              </a:rPr>
+              <a:t>What are var, let, and const?</a:t>
+            </a:r>
+          </a:p>
+          <a:p>
+            <a:pPr marL="285750" indent="-285750">
+              <a:lnSpc>
+                <a:spcPct val="150000"/>
+              </a:lnSpc>
+              <a:buFont typeface="Courier New" panose="02070309020205020404" pitchFamily="49" charset="0"/>
+              <a:buChar char="o"/>
+            </a:pPr>
+            <a:r>
+              <a:rPr lang="en-IN" dirty="0">
+                <a:solidFill>
+                  <a:schemeClr val="tx1"/>
+                </a:solidFill>
+              </a:rPr>
+              <a:t>What is </a:t>
+            </a:r>
+            <a:r>
+              <a:rPr lang="en-IN" dirty="0" smtClean="0">
+                <a:solidFill>
+                  <a:schemeClr val="tx1"/>
+                </a:solidFill>
+              </a:rPr>
+              <a:t>Hoisting</a:t>
+            </a:r>
+            <a:endParaRPr lang="en-IN" dirty="0">
+              <a:solidFill>
+                <a:schemeClr val="tx1"/>
+              </a:solidFill>
+            </a:endParaRPr>
+          </a:p>
+        </p:txBody>
+      </p:sp>
+      <p:sp>
+        <p:nvSpPr>
+          <p:cNvPr id="7" name="TextBox 6"/>
+          <p:cNvSpPr txBox="1"/>
+          <p:nvPr/>
+        </p:nvSpPr>
+        <p:spPr>
+          <a:xfrm>
+            <a:off x="9614263" y="801189"/>
+            <a:ext cx="1401346" cy="369332"/>
+          </a:xfrm>
+          <a:prstGeom prst="rect">
+            <a:avLst/>
+          </a:prstGeom>
+          <a:noFill/>
+        </p:spPr>
+        <p:txBody>
+          <a:bodyPr wrap="none" rtlCol="0">
+            <a:spAutoFit/>
+          </a:bodyPr>
+          <a:lstStyle/>
+          <a:p>
+            <a:r>
+              <a:rPr lang="en-IN" b="1" dirty="0">
+                <a:solidFill>
+                  <a:schemeClr val="accent2">
+                    <a:lumMod val="60000"/>
+                    <a:lumOff val="40000"/>
+                  </a:schemeClr>
+                </a:solidFill>
+                <a:latin typeface="Bahnschrift SemiLight" pitchFamily="34" charset="0"/>
+              </a:rPr>
+              <a:t>Chapter - 5</a:t>
+            </a:r>
+            <a:endParaRPr lang="en-US" b="1" dirty="0">
+              <a:solidFill>
+                <a:schemeClr val="accent2">
+                  <a:lumMod val="60000"/>
+                  <a:lumOff val="40000"/>
+                </a:schemeClr>
+              </a:solidFill>
+              <a:latin typeface="Bahnschrift SemiLight" pitchFamily="34" charset="0"/>
+            </a:endParaRPr>
+          </a:p>
+        </p:txBody>
+      </p:sp>
+      <p:sp>
+        <p:nvSpPr>
+          <p:cNvPr id="9" name="Content Placeholder 2">
+            <a:extLst>
+              <a:ext uri="{FF2B5EF4-FFF2-40B4-BE49-F238E27FC236}">
+                <a16:creationId xmlns:a16="http://schemas.microsoft.com/office/drawing/2014/main" xmlns="" id="{2A53D2DA-721D-FC7E-8E09-BCBD844B6F9F}"/>
+              </a:ext>
+            </a:extLst>
+          </p:cNvPr>
+          <p:cNvSpPr txBox="1">
+            <a:spLocks/>
+          </p:cNvSpPr>
+          <p:nvPr/>
+        </p:nvSpPr>
+        <p:spPr>
+          <a:xfrm>
+            <a:off x="376073" y="3249978"/>
+            <a:ext cx="7502570" cy="1274397"/>
+          </a:xfrm>
+          <a:prstGeom prst="rect">
+            <a:avLst/>
+          </a:prstGeom>
+        </p:spPr>
+        <p:txBody>
+          <a:bodyPr vert="horz" lIns="91440" tIns="45720" rIns="91440" bIns="45720" rtlCol="0">
+            <a:normAutofit/>
+          </a:bodyPr>
+          <a:lstStyle/>
+          <a:p>
+            <a:r>
+              <a:rPr lang="en-US" sz="1600" b="1" dirty="0" smtClean="0">
+                <a:solidFill>
+                  <a:schemeClr val="accent2">
+                    <a:lumMod val="60000"/>
+                    <a:lumOff val="40000"/>
+                  </a:schemeClr>
+                </a:solidFill>
+              </a:rPr>
+              <a:t>let:</a:t>
+            </a:r>
+            <a:r>
+              <a:rPr lang="en-US" sz="1600" dirty="0" smtClean="0"/>
+              <a:t>  Variables declared with let are also hoisted, but they are not initialized. They enter a "Temporal Dead Zone" from the beginning of their scope until their declaration line. Accessing them before their declaration will result in a </a:t>
+            </a:r>
+            <a:r>
+              <a:rPr lang="en-US" sz="1600" dirty="0" err="1" smtClean="0"/>
+              <a:t>ReferenceError</a:t>
+            </a:r>
+            <a:r>
+              <a:rPr lang="en-US" sz="1600" dirty="0" smtClean="0"/>
+              <a:t>.</a:t>
+            </a:r>
+          </a:p>
+          <a:p>
+            <a:pPr marL="342900" marR="0" lvl="0" indent="-342900" algn="l" defTabSz="457200" rtl="0" eaLnBrk="1" fontAlgn="auto" latinLnBrk="0" hangingPunct="1">
+              <a:lnSpc>
+                <a:spcPct val="100000"/>
+              </a:lnSpc>
+              <a:spcBef>
+                <a:spcPts val="1000"/>
+              </a:spcBef>
+              <a:spcAft>
+                <a:spcPts val="0"/>
+              </a:spcAft>
+              <a:buClr>
+                <a:schemeClr val="accent1"/>
+              </a:buClr>
+              <a:buSzPct val="80000"/>
+              <a:buFont typeface="Wingdings 3" charset="2"/>
+              <a:buNone/>
+              <a:tabLst/>
+              <a:defRPr/>
+            </a:pPr>
+            <a:endParaRPr kumimoji="0" lang="en-US" sz="1600" b="0" i="0" u="none" strike="noStrike" kern="1200" cap="none" spc="0" normalizeH="0" baseline="0" noProof="0" dirty="0" smtClean="0">
+              <a:ln>
+                <a:noFill/>
+              </a:ln>
+              <a:solidFill>
+                <a:schemeClr val="tx1">
+                  <a:lumMod val="75000"/>
+                  <a:lumOff val="25000"/>
+                </a:schemeClr>
+              </a:solidFill>
+              <a:effectLst/>
+              <a:uLnTx/>
+              <a:uFillTx/>
+              <a:latin typeface="+mn-lt"/>
+              <a:ea typeface="+mn-ea"/>
+              <a:cs typeface="+mn-cs"/>
+            </a:endParaRPr>
+          </a:p>
+          <a:p>
+            <a:pPr marL="342900" marR="0" lvl="0" indent="-342900" algn="l" defTabSz="457200" rtl="0" eaLnBrk="1" fontAlgn="auto" latinLnBrk="0" hangingPunct="1">
+              <a:lnSpc>
+                <a:spcPct val="150000"/>
+              </a:lnSpc>
+              <a:spcBef>
+                <a:spcPts val="1000"/>
+              </a:spcBef>
+              <a:spcAft>
+                <a:spcPts val="0"/>
+              </a:spcAft>
+              <a:buClr>
+                <a:schemeClr val="accent1"/>
+              </a:buClr>
+              <a:buSzPct val="80000"/>
+              <a:buFont typeface="Wingdings 3" charset="2"/>
+              <a:buChar char=""/>
+              <a:tabLst/>
+              <a:defRPr/>
+            </a:pPr>
+            <a:endParaRPr kumimoji="0" lang="en-US" sz="1600" b="0" i="0" u="none" strike="noStrike" kern="1200" cap="none" spc="0" normalizeH="0" baseline="0" noProof="0" dirty="0">
+              <a:ln>
+                <a:noFill/>
+              </a:ln>
+              <a:solidFill>
+                <a:schemeClr val="tx1">
+                  <a:lumMod val="75000"/>
+                  <a:lumOff val="25000"/>
+                </a:schemeClr>
+              </a:solidFill>
+              <a:effectLst/>
+              <a:uLnTx/>
+              <a:uFillTx/>
+              <a:latin typeface="+mn-lt"/>
+              <a:ea typeface="+mn-ea"/>
+              <a:cs typeface="+mn-cs"/>
+            </a:endParaRPr>
+          </a:p>
+        </p:txBody>
+      </p:sp>
+      <p:sp>
+        <p:nvSpPr>
+          <p:cNvPr id="11" name="Content Placeholder 2">
+            <a:extLst>
+              <a:ext uri="{FF2B5EF4-FFF2-40B4-BE49-F238E27FC236}">
+                <a16:creationId xmlns:a16="http://schemas.microsoft.com/office/drawing/2014/main" xmlns="" id="{2A53D2DA-721D-FC7E-8E09-BCBD844B6F9F}"/>
+              </a:ext>
+            </a:extLst>
+          </p:cNvPr>
+          <p:cNvSpPr txBox="1">
+            <a:spLocks/>
+          </p:cNvSpPr>
+          <p:nvPr/>
+        </p:nvSpPr>
+        <p:spPr>
+          <a:xfrm>
+            <a:off x="299873" y="1611678"/>
+            <a:ext cx="7502570" cy="941022"/>
+          </a:xfrm>
+          <a:prstGeom prst="rect">
+            <a:avLst/>
+          </a:prstGeom>
+        </p:spPr>
+        <p:txBody>
+          <a:bodyPr vert="horz" lIns="91440" tIns="45720" rIns="91440" bIns="45720" rtlCol="0">
+            <a:normAutofit/>
+          </a:bodyPr>
+          <a:lstStyle/>
+          <a:p>
+            <a:r>
+              <a:rPr lang="en-US" sz="1600" b="1" dirty="0" err="1" smtClean="0">
+                <a:solidFill>
+                  <a:schemeClr val="accent2">
+                    <a:lumMod val="60000"/>
+                    <a:lumOff val="40000"/>
+                  </a:schemeClr>
+                </a:solidFill>
+              </a:rPr>
+              <a:t>var</a:t>
+            </a:r>
+            <a:r>
+              <a:rPr lang="en-US" sz="1600" b="1" dirty="0" smtClean="0">
+                <a:solidFill>
+                  <a:schemeClr val="accent2">
+                    <a:lumMod val="60000"/>
+                    <a:lumOff val="40000"/>
+                  </a:schemeClr>
+                </a:solidFill>
+              </a:rPr>
+              <a:t>:</a:t>
+            </a:r>
+            <a:r>
+              <a:rPr lang="en-US" sz="1600" dirty="0" smtClean="0"/>
+              <a:t> </a:t>
+            </a:r>
+            <a:r>
+              <a:rPr lang="en-US" sz="1600" dirty="0" smtClean="0"/>
+              <a:t>Variables </a:t>
+            </a:r>
+            <a:r>
+              <a:rPr lang="en-US" sz="1600" dirty="0" smtClean="0"/>
+              <a:t>declared with </a:t>
+            </a:r>
+            <a:r>
+              <a:rPr lang="en-US" sz="1600" dirty="0" err="1" smtClean="0"/>
+              <a:t>var</a:t>
+            </a:r>
+            <a:r>
+              <a:rPr lang="en-US" sz="1600" dirty="0" smtClean="0"/>
+              <a:t> are hoisted to the top of their scope and are initialized with undefined. This means they can be accessed before their declaration line, although their value will be undefined. </a:t>
+            </a:r>
+          </a:p>
+          <a:p>
+            <a:endParaRPr lang="en-US" sz="1600" dirty="0" smtClean="0"/>
+          </a:p>
+          <a:p>
+            <a:pPr marL="342900" marR="0" lvl="0" indent="-342900" algn="l" defTabSz="457200" rtl="0" eaLnBrk="1" fontAlgn="auto" latinLnBrk="0" hangingPunct="1">
+              <a:lnSpc>
+                <a:spcPct val="100000"/>
+              </a:lnSpc>
+              <a:spcBef>
+                <a:spcPts val="1000"/>
+              </a:spcBef>
+              <a:spcAft>
+                <a:spcPts val="0"/>
+              </a:spcAft>
+              <a:buClr>
+                <a:schemeClr val="accent1"/>
+              </a:buClr>
+              <a:buSzPct val="80000"/>
+              <a:buFont typeface="Wingdings 3" charset="2"/>
+              <a:buNone/>
+              <a:tabLst/>
+              <a:defRPr/>
+            </a:pPr>
+            <a:endParaRPr kumimoji="0" lang="en-US" sz="1600" b="0" i="0" u="none" strike="noStrike" kern="1200" cap="none" spc="0" normalizeH="0" baseline="0" noProof="0" dirty="0" smtClean="0">
+              <a:ln>
+                <a:noFill/>
+              </a:ln>
+              <a:solidFill>
+                <a:schemeClr val="tx1">
+                  <a:lumMod val="75000"/>
+                  <a:lumOff val="25000"/>
+                </a:schemeClr>
+              </a:solidFill>
+              <a:effectLst/>
+              <a:uLnTx/>
+              <a:uFillTx/>
+              <a:latin typeface="+mn-lt"/>
+              <a:ea typeface="+mn-ea"/>
+              <a:cs typeface="+mn-cs"/>
+            </a:endParaRPr>
+          </a:p>
+          <a:p>
+            <a:pPr marL="342900" marR="0" lvl="0" indent="-342900" algn="l" defTabSz="457200" rtl="0" eaLnBrk="1" fontAlgn="auto" latinLnBrk="0" hangingPunct="1">
+              <a:lnSpc>
+                <a:spcPct val="150000"/>
+              </a:lnSpc>
+              <a:spcBef>
+                <a:spcPts val="1000"/>
+              </a:spcBef>
+              <a:spcAft>
+                <a:spcPts val="0"/>
+              </a:spcAft>
+              <a:buClr>
+                <a:schemeClr val="accent1"/>
+              </a:buClr>
+              <a:buSzPct val="80000"/>
+              <a:tabLst/>
+              <a:defRPr/>
+            </a:pPr>
+            <a:endParaRPr kumimoji="0" lang="en-US" sz="1600" b="0" i="0" u="none" strike="noStrike" kern="1200" cap="none" spc="0" normalizeH="0" baseline="0" noProof="0" dirty="0">
+              <a:ln>
+                <a:noFill/>
+              </a:ln>
+              <a:solidFill>
+                <a:schemeClr val="tx1">
+                  <a:lumMod val="75000"/>
+                  <a:lumOff val="25000"/>
+                </a:schemeClr>
+              </a:solidFill>
+              <a:effectLst/>
+              <a:uLnTx/>
+              <a:uFillTx/>
+              <a:latin typeface="+mn-lt"/>
+              <a:ea typeface="+mn-ea"/>
+              <a:cs typeface="+mn-cs"/>
+            </a:endParaRPr>
+          </a:p>
+        </p:txBody>
+      </p:sp>
+      <p:pic>
+        <p:nvPicPr>
+          <p:cNvPr id="4098" name="Picture 2"/>
+          <p:cNvPicPr>
+            <a:picLocks noChangeAspect="1" noChangeArrowheads="1"/>
+          </p:cNvPicPr>
+          <p:nvPr/>
+        </p:nvPicPr>
+        <p:blipFill>
+          <a:blip r:embed="rId2"/>
+          <a:srcRect/>
+          <a:stretch>
+            <a:fillRect/>
+          </a:stretch>
+        </p:blipFill>
+        <p:spPr bwMode="auto">
+          <a:xfrm>
+            <a:off x="381000" y="2643188"/>
+            <a:ext cx="2857500" cy="447675"/>
+          </a:xfrm>
+          <a:prstGeom prst="rect">
+            <a:avLst/>
+          </a:prstGeom>
+          <a:noFill/>
+          <a:ln w="9525">
+            <a:noFill/>
+            <a:miter lim="800000"/>
+            <a:headEnd/>
+            <a:tailEnd/>
+          </a:ln>
+          <a:effectLst/>
+        </p:spPr>
+      </p:pic>
+      <p:pic>
+        <p:nvPicPr>
+          <p:cNvPr id="4099" name="Picture 3"/>
+          <p:cNvPicPr>
+            <a:picLocks noChangeAspect="1" noChangeArrowheads="1"/>
+          </p:cNvPicPr>
+          <p:nvPr/>
+        </p:nvPicPr>
+        <p:blipFill>
+          <a:blip r:embed="rId3"/>
+          <a:srcRect/>
+          <a:stretch>
+            <a:fillRect/>
+          </a:stretch>
+        </p:blipFill>
+        <p:spPr bwMode="auto">
+          <a:xfrm>
+            <a:off x="460375" y="4443413"/>
+            <a:ext cx="5745163" cy="466725"/>
+          </a:xfrm>
+          <a:prstGeom prst="rect">
+            <a:avLst/>
+          </a:prstGeom>
+          <a:noFill/>
+          <a:ln w="9525">
+            <a:noFill/>
+            <a:miter lim="800000"/>
+            <a:headEnd/>
+            <a:tailEnd/>
+          </a:ln>
+          <a:effectLst/>
+        </p:spPr>
+      </p:pic>
+      <p:sp>
+        <p:nvSpPr>
+          <p:cNvPr id="12" name="TextBox 11"/>
+          <p:cNvSpPr txBox="1"/>
+          <p:nvPr/>
+        </p:nvSpPr>
+        <p:spPr>
+          <a:xfrm>
+            <a:off x="447676" y="5172075"/>
+            <a:ext cx="6972300" cy="1077218"/>
+          </a:xfrm>
+          <a:prstGeom prst="rect">
+            <a:avLst/>
+          </a:prstGeom>
+          <a:noFill/>
+          <a:ln>
+            <a:solidFill>
+              <a:schemeClr val="accent1">
+                <a:lumMod val="20000"/>
+                <a:lumOff val="80000"/>
+              </a:schemeClr>
+            </a:solidFill>
+            <a:prstDash val="sysDash"/>
+          </a:ln>
+        </p:spPr>
+        <p:txBody>
+          <a:bodyPr wrap="square" rtlCol="0">
+            <a:spAutoFit/>
+          </a:bodyPr>
+          <a:lstStyle/>
+          <a:p>
+            <a:r>
+              <a:rPr lang="en-US" sz="1600" dirty="0" smtClean="0">
+                <a:solidFill>
+                  <a:schemeClr val="accent2">
+                    <a:lumMod val="20000"/>
+                    <a:lumOff val="80000"/>
+                  </a:schemeClr>
+                </a:solidFill>
+              </a:rPr>
+              <a:t>In summary, while both </a:t>
+            </a:r>
+            <a:r>
+              <a:rPr lang="en-US" sz="1600" dirty="0" err="1" smtClean="0">
+                <a:solidFill>
+                  <a:schemeClr val="accent2">
+                    <a:lumMod val="20000"/>
+                    <a:lumOff val="80000"/>
+                  </a:schemeClr>
+                </a:solidFill>
+              </a:rPr>
+              <a:t>var</a:t>
+            </a:r>
+            <a:r>
+              <a:rPr lang="en-US" sz="1600" dirty="0" smtClean="0">
+                <a:solidFill>
+                  <a:schemeClr val="accent2">
+                    <a:lumMod val="20000"/>
+                    <a:lumOff val="80000"/>
+                  </a:schemeClr>
+                </a:solidFill>
+              </a:rPr>
+              <a:t> and let can declare global variables, let offers more predictable and safer behavior by enforcing stricter rules regarding re-declaration and access before initialization, and by avoiding pollution of the global object.</a:t>
+            </a:r>
+            <a:endParaRPr lang="en-US" sz="1600" dirty="0">
+              <a:solidFill>
+                <a:schemeClr val="accent2">
+                  <a:lumMod val="20000"/>
+                  <a:lumOff val="80000"/>
+                </a:schemeClr>
+              </a:solidFill>
+            </a:endParaRPr>
+          </a:p>
+        </p:txBody>
+      </p:sp>
+    </p:spTree>
+    <p:extLst>
+      <p:ext uri="{BB962C8B-B14F-4D97-AF65-F5344CB8AC3E}">
+        <p14:creationId xmlns:p14="http://schemas.microsoft.com/office/powerpoint/2010/main" xmlns="" val="3002471670"/>
+      </p:ext>
+    </p:extLst>
+  </p:cSld>
+  <p:clrMapOvr>
+    <a:masterClrMapping/>
+  </p:clrMapOvr>
+</p:sld>
+</file>
+
+<file path=ppt/slides/slide25.xml><?xml version="1.0" encoding="utf-8"?>
+<p:sld xmlns:a="http://schemas.openxmlformats.org/drawingml/2006/main" xmlns:r="http://schemas.openxmlformats.org/officeDocument/2006/relationships" xmlns:p="http://schemas.openxmlformats.org/presentationml/2006/main">
+  <p:cSld>
+    <p:spTree>
+      <p:nvGrpSpPr>
+        <p:cNvPr id="1" name="">
+          <a:extLst>
+            <a:ext uri="{FF2B5EF4-FFF2-40B4-BE49-F238E27FC236}">
+              <a16:creationId xmlns:a16="http://schemas.microsoft.com/office/drawing/2014/main" xmlns="" id="{4586E9D7-F5F8-14CC-9DF6-FC4AF2EA4249}"/>
+            </a:ext>
+          </a:extLst>
+        </p:cNvPr>
+        <p:cNvGrpSpPr/>
+        <p:nvPr/>
+      </p:nvGrpSpPr>
+      <p:grpSpPr>
+        <a:xfrm>
+          <a:off x="0" y="0"/>
+          <a:ext cx="0" cy="0"/>
+          <a:chOff x="0" y="0"/>
+          <a:chExt cx="0" cy="0"/>
+        </a:xfrm>
+      </p:grpSpPr>
+      <p:sp>
+        <p:nvSpPr>
+          <p:cNvPr id="2" name="Title 1">
+            <a:extLst>
+              <a:ext uri="{FF2B5EF4-FFF2-40B4-BE49-F238E27FC236}">
+                <a16:creationId xmlns:a16="http://schemas.microsoft.com/office/drawing/2014/main" xmlns="" id="{D8B67155-694F-FF61-7CDD-33A20A316215}"/>
+              </a:ext>
+            </a:extLst>
+          </p:cNvPr>
+          <p:cNvSpPr>
+            <a:spLocks noGrp="1"/>
+          </p:cNvSpPr>
+          <p:nvPr>
+            <p:ph type="title"/>
+          </p:nvPr>
+        </p:nvSpPr>
+        <p:spPr>
+          <a:xfrm>
+            <a:off x="334435" y="1057275"/>
+            <a:ext cx="8596668" cy="742950"/>
+          </a:xfrm>
+        </p:spPr>
+        <p:txBody>
+          <a:bodyPr>
+            <a:normAutofit fontScale="90000"/>
+          </a:bodyPr>
+          <a:lstStyle/>
+          <a:p>
+            <a:r>
+              <a:rPr lang="en-US" b="1" dirty="0" smtClean="0">
+                <a:solidFill>
+                  <a:schemeClr val="tx1"/>
+                </a:solidFill>
+                <a:latin typeface="Bahnschrift SemiLight" pitchFamily="34" charset="0"/>
+              </a:rPr>
+              <a:t>What is hoisting? </a:t>
+            </a:r>
+            <a:r>
+              <a:rPr lang="en-US" dirty="0" smtClean="0">
+                <a:solidFill>
+                  <a:schemeClr val="bg1">
+                    <a:lumMod val="65000"/>
+                    <a:lumOff val="35000"/>
+                  </a:schemeClr>
+                </a:solidFill>
+                <a:latin typeface="Bahnschrift Light Condensed" pitchFamily="34" charset="0"/>
+              </a:rPr>
+              <a:t>- continues</a:t>
+            </a:r>
+            <a:endParaRPr lang="en-US" dirty="0">
+              <a:solidFill>
+                <a:schemeClr val="bg1">
+                  <a:lumMod val="65000"/>
+                  <a:lumOff val="35000"/>
+                </a:schemeClr>
+              </a:solidFill>
+              <a:latin typeface="Bahnschrift Light Condensed" pitchFamily="34" charset="0"/>
+            </a:endParaRPr>
+          </a:p>
+        </p:txBody>
+      </p:sp>
+      <p:sp>
+        <p:nvSpPr>
+          <p:cNvPr id="13" name="Text Placeholder 12"/>
+          <p:cNvSpPr>
+            <a:spLocks noGrp="1"/>
+          </p:cNvSpPr>
+          <p:nvPr>
+            <p:ph type="body" idx="1"/>
+          </p:nvPr>
+        </p:nvSpPr>
+        <p:spPr>
+          <a:xfrm>
+            <a:off x="410635" y="1889124"/>
+            <a:ext cx="5275790" cy="1968501"/>
+          </a:xfrm>
+        </p:spPr>
+        <p:txBody>
+          <a:bodyPr>
+            <a:normAutofit/>
+          </a:bodyPr>
+          <a:lstStyle/>
+          <a:p>
+            <a:pPr marL="285750" indent="-285750">
+              <a:lnSpc>
+                <a:spcPct val="150000"/>
+              </a:lnSpc>
+              <a:buFont typeface="Wingdings" pitchFamily="2" charset="2"/>
+              <a:buChar char="v"/>
+            </a:pPr>
+            <a:r>
+              <a:rPr lang="en-IN" dirty="0" smtClean="0">
+                <a:solidFill>
+                  <a:schemeClr val="tx1"/>
+                </a:solidFill>
+              </a:rPr>
+              <a:t>Undefined </a:t>
+            </a:r>
+            <a:r>
+              <a:rPr lang="en-IN" dirty="0" err="1" smtClean="0">
+                <a:solidFill>
+                  <a:schemeClr val="tx1"/>
+                </a:solidFill>
+              </a:rPr>
+              <a:t>vs</a:t>
+            </a:r>
+            <a:r>
+              <a:rPr lang="en-IN" dirty="0" smtClean="0">
+                <a:solidFill>
+                  <a:schemeClr val="tx1"/>
+                </a:solidFill>
+              </a:rPr>
+              <a:t> not-defined</a:t>
+            </a:r>
+          </a:p>
+          <a:p>
+            <a:pPr marL="285750" indent="-285750">
+              <a:lnSpc>
+                <a:spcPct val="150000"/>
+              </a:lnSpc>
+              <a:buFont typeface="Wingdings" pitchFamily="2" charset="2"/>
+              <a:buChar char="v"/>
+            </a:pPr>
+            <a:r>
+              <a:rPr lang="en-IN" dirty="0" smtClean="0">
+                <a:solidFill>
+                  <a:schemeClr val="tx1"/>
+                </a:solidFill>
+              </a:rPr>
+              <a:t>Variable with arrow </a:t>
+            </a:r>
+            <a:r>
+              <a:rPr lang="en-IN" dirty="0" smtClean="0">
+                <a:solidFill>
+                  <a:schemeClr val="tx1"/>
+                </a:solidFill>
+              </a:rPr>
+              <a:t>function</a:t>
+            </a:r>
+          </a:p>
+          <a:p>
+            <a:pPr marL="285750" indent="-285750">
+              <a:lnSpc>
+                <a:spcPct val="150000"/>
+              </a:lnSpc>
+              <a:buFont typeface="Wingdings" pitchFamily="2" charset="2"/>
+              <a:buChar char="v"/>
+            </a:pPr>
+            <a:r>
+              <a:rPr lang="en-IN" dirty="0" smtClean="0">
+                <a:solidFill>
+                  <a:schemeClr val="tx1"/>
+                </a:solidFill>
+              </a:rPr>
+              <a:t>What is the call stack and how it works</a:t>
+            </a:r>
+          </a:p>
+          <a:p>
+            <a:endParaRPr lang="en-US" dirty="0"/>
+          </a:p>
+        </p:txBody>
+      </p:sp>
+      <p:sp>
+        <p:nvSpPr>
+          <p:cNvPr id="5" name="Ribbon: Curved and Tilted Down 4">
+            <a:extLst>
+              <a:ext uri="{FF2B5EF4-FFF2-40B4-BE49-F238E27FC236}">
+                <a16:creationId xmlns:a16="http://schemas.microsoft.com/office/drawing/2014/main" xmlns="" id="{3FA23525-E3EA-B8CB-FD6A-53084CA847A7}"/>
+              </a:ext>
+            </a:extLst>
+          </p:cNvPr>
+          <p:cNvSpPr/>
+          <p:nvPr/>
+        </p:nvSpPr>
+        <p:spPr>
+          <a:xfrm>
+            <a:off x="255512" y="216454"/>
+            <a:ext cx="3678313" cy="583646"/>
+          </a:xfrm>
+          <a:prstGeom prst="ellipseRibbon">
+            <a:avLst/>
+          </a:prstGeom>
+          <a:solidFill>
+            <a:schemeClr val="bg1">
+              <a:lumMod val="85000"/>
+              <a:lumOff val="15000"/>
+            </a:schemeClr>
+          </a:solidFill>
+          <a:ln>
+            <a:noFill/>
+          </a:ln>
+        </p:spPr>
+        <p:style>
+          <a:lnRef idx="2">
+            <a:schemeClr val="accent1">
+              <a:shade val="15000"/>
+            </a:schemeClr>
+          </a:lnRef>
+          <a:fillRef idx="1">
+            <a:schemeClr val="accent1"/>
+          </a:fillRef>
+          <a:effectRef idx="0">
+            <a:schemeClr val="accent1"/>
+          </a:effectRef>
+          <a:fontRef idx="minor">
+            <a:schemeClr val="lt1"/>
+          </a:fontRef>
+        </p:style>
+        <p:txBody>
+          <a:bodyPr rtlCol="0" anchor="ctr"/>
+          <a:lstStyle/>
+          <a:p>
+            <a:pPr algn="ctr"/>
+            <a:r>
+              <a:rPr lang="en-US" sz="1100" dirty="0">
+                <a:solidFill>
+                  <a:schemeClr val="tx1">
+                    <a:lumMod val="65000"/>
+                    <a:lumOff val="35000"/>
+                  </a:schemeClr>
+                </a:solidFill>
+              </a:rPr>
+              <a:t>JavaScript Tutorials</a:t>
+            </a:r>
+            <a:endParaRPr lang="en-IN" sz="1100" dirty="0">
+              <a:solidFill>
+                <a:schemeClr val="tx1">
+                  <a:lumMod val="65000"/>
+                  <a:lumOff val="35000"/>
+                </a:schemeClr>
+              </a:solidFill>
+            </a:endParaRPr>
+          </a:p>
+        </p:txBody>
+      </p:sp>
+      <p:sp>
+        <p:nvSpPr>
+          <p:cNvPr id="6" name="Scroll: Vertical 5">
+            <a:extLst>
+              <a:ext uri="{FF2B5EF4-FFF2-40B4-BE49-F238E27FC236}">
+                <a16:creationId xmlns:a16="http://schemas.microsoft.com/office/drawing/2014/main" xmlns="" id="{1A4C732A-2840-82C8-A359-298D925E33B3}"/>
+              </a:ext>
+            </a:extLst>
+          </p:cNvPr>
+          <p:cNvSpPr/>
+          <p:nvPr/>
+        </p:nvSpPr>
+        <p:spPr>
+          <a:xfrm>
+            <a:off x="7851914" y="715617"/>
+            <a:ext cx="4240696" cy="4989444"/>
+          </a:xfrm>
+          <a:prstGeom prst="verticalScroll">
+            <a:avLst/>
+          </a:prstGeom>
+          <a:solidFill>
+            <a:schemeClr val="bg1">
+              <a:lumMod val="85000"/>
+            </a:schemeClr>
+          </a:solidFill>
+          <a:ln>
+            <a:solidFill>
+              <a:schemeClr val="bg1">
+                <a:lumMod val="75000"/>
+                <a:lumOff val="25000"/>
+              </a:schemeClr>
+            </a:solidFill>
+          </a:ln>
+        </p:spPr>
+        <p:style>
+          <a:lnRef idx="2">
+            <a:schemeClr val="accent1">
+              <a:shade val="15000"/>
+            </a:schemeClr>
+          </a:lnRef>
+          <a:fillRef idx="1">
+            <a:schemeClr val="accent1"/>
+          </a:fillRef>
+          <a:effectRef idx="0">
+            <a:schemeClr val="accent1"/>
+          </a:effectRef>
+          <a:fontRef idx="minor">
+            <a:schemeClr val="lt1"/>
+          </a:fontRef>
+        </p:style>
+        <p:txBody>
+          <a:bodyPr rtlCol="0" anchor="t"/>
+          <a:lstStyle/>
+          <a:p>
+            <a:pPr>
+              <a:lnSpc>
+                <a:spcPct val="150000"/>
+              </a:lnSpc>
+            </a:pPr>
+            <a:r>
+              <a:rPr lang="en-US" sz="2400" b="1" dirty="0">
+                <a:solidFill>
+                  <a:schemeClr val="tx1"/>
+                </a:solidFill>
+              </a:rPr>
+              <a:t>Topics</a:t>
+            </a:r>
+          </a:p>
+          <a:p>
+            <a:pPr marL="285750" indent="-285750">
+              <a:lnSpc>
+                <a:spcPct val="150000"/>
+              </a:lnSpc>
+              <a:buFont typeface="Courier New" panose="02070309020205020404" pitchFamily="49" charset="0"/>
+              <a:buChar char="o"/>
+            </a:pPr>
+            <a:r>
+              <a:rPr lang="en-US" strike="sngStrike" dirty="0">
+                <a:solidFill>
+                  <a:schemeClr val="tx1"/>
+                </a:solidFill>
+              </a:rPr>
+              <a:t>What are var, let, and const?</a:t>
+            </a:r>
+          </a:p>
+          <a:p>
+            <a:pPr marL="285750" indent="-285750">
+              <a:lnSpc>
+                <a:spcPct val="150000"/>
+              </a:lnSpc>
+              <a:buFont typeface="Courier New" panose="02070309020205020404" pitchFamily="49" charset="0"/>
+              <a:buChar char="o"/>
+            </a:pPr>
+            <a:r>
+              <a:rPr lang="en-IN" dirty="0">
+                <a:solidFill>
+                  <a:schemeClr val="tx1"/>
+                </a:solidFill>
+              </a:rPr>
+              <a:t>What is </a:t>
+            </a:r>
+            <a:r>
+              <a:rPr lang="en-IN" dirty="0" smtClean="0">
+                <a:solidFill>
+                  <a:schemeClr val="tx1"/>
+                </a:solidFill>
+              </a:rPr>
+              <a:t>Hoisting</a:t>
+            </a:r>
+            <a:endParaRPr lang="en-IN" dirty="0">
+              <a:solidFill>
+                <a:schemeClr val="tx1"/>
+              </a:solidFill>
+            </a:endParaRPr>
+          </a:p>
+        </p:txBody>
+      </p:sp>
+      <p:sp>
+        <p:nvSpPr>
+          <p:cNvPr id="7" name="TextBox 6"/>
+          <p:cNvSpPr txBox="1"/>
+          <p:nvPr/>
+        </p:nvSpPr>
+        <p:spPr>
+          <a:xfrm>
+            <a:off x="9614263" y="801189"/>
+            <a:ext cx="1401346" cy="369332"/>
+          </a:xfrm>
+          <a:prstGeom prst="rect">
+            <a:avLst/>
+          </a:prstGeom>
+          <a:noFill/>
+        </p:spPr>
+        <p:txBody>
+          <a:bodyPr wrap="none" rtlCol="0">
+            <a:spAutoFit/>
+          </a:bodyPr>
+          <a:lstStyle/>
+          <a:p>
+            <a:r>
+              <a:rPr lang="en-IN" b="1" dirty="0">
+                <a:solidFill>
+                  <a:schemeClr val="accent2">
+                    <a:lumMod val="60000"/>
+                    <a:lumOff val="40000"/>
+                  </a:schemeClr>
+                </a:solidFill>
+                <a:latin typeface="Bahnschrift SemiLight" pitchFamily="34" charset="0"/>
+              </a:rPr>
+              <a:t>Chapter - 5</a:t>
+            </a:r>
+            <a:endParaRPr lang="en-US" b="1" dirty="0">
+              <a:solidFill>
+                <a:schemeClr val="accent2">
+                  <a:lumMod val="60000"/>
+                  <a:lumOff val="40000"/>
+                </a:schemeClr>
+              </a:solidFill>
+              <a:latin typeface="Bahnschrift SemiLight" pitchFamily="34" charset="0"/>
+            </a:endParaRPr>
+          </a:p>
+        </p:txBody>
+      </p:sp>
+    </p:spTree>
+    <p:extLst>
+      <p:ext uri="{BB962C8B-B14F-4D97-AF65-F5344CB8AC3E}">
+        <p14:creationId xmlns:p14="http://schemas.microsoft.com/office/powerpoint/2010/main" xmlns="" val="3002471670"/>
       </p:ext>
     </p:extLst>
   </p:cSld>
@@ -12730,7 +15215,7 @@
         <p:cNvPr id="1" name="">
           <a:extLst>
             <a:ext uri="{FF2B5EF4-FFF2-40B4-BE49-F238E27FC236}">
-              <a16:creationId xmlns:a16="http://schemas.microsoft.com/office/drawing/2014/main" id="{D210C62D-BA73-7142-9269-B229A82A227F}"/>
+              <a16:creationId xmlns:a16="http://schemas.microsoft.com/office/drawing/2014/main" xmlns="" id="{D210C62D-BA73-7142-9269-B229A82A227F}"/>
             </a:ext>
           </a:extLst>
         </p:cNvPr>
@@ -12750,7 +15235,7 @@
           <p:cNvPr id="2" name="Title 1">
             <a:extLst>
               <a:ext uri="{FF2B5EF4-FFF2-40B4-BE49-F238E27FC236}">
-                <a16:creationId xmlns:a16="http://schemas.microsoft.com/office/drawing/2014/main" id="{D5018557-B8C1-B1F3-960D-C1C68708243B}"/>
+                <a16:creationId xmlns:a16="http://schemas.microsoft.com/office/drawing/2014/main" xmlns="" id="{D5018557-B8C1-B1F3-960D-C1C68708243B}"/>
               </a:ext>
             </a:extLst>
           </p:cNvPr>
@@ -12790,7 +15275,7 @@
           <p:cNvPr id="3" name="Content Placeholder 2">
             <a:extLst>
               <a:ext uri="{FF2B5EF4-FFF2-40B4-BE49-F238E27FC236}">
-                <a16:creationId xmlns:a16="http://schemas.microsoft.com/office/drawing/2014/main" id="{24415AF3-2B9F-42C3-52C5-51254FAF8249}"/>
+                <a16:creationId xmlns:a16="http://schemas.microsoft.com/office/drawing/2014/main" xmlns="" id="{24415AF3-2B9F-42C3-52C5-51254FAF8249}"/>
               </a:ext>
             </a:extLst>
           </p:cNvPr>
@@ -12856,7 +15341,7 @@
           <p:cNvPr id="6" name="Ribbon: Curved and Tilted Down 5">
             <a:extLst>
               <a:ext uri="{FF2B5EF4-FFF2-40B4-BE49-F238E27FC236}">
-                <a16:creationId xmlns:a16="http://schemas.microsoft.com/office/drawing/2014/main" id="{7BEA6FE3-CC31-4B69-44C6-04DF1B8559E4}"/>
+                <a16:creationId xmlns:a16="http://schemas.microsoft.com/office/drawing/2014/main" xmlns="" id="{7BEA6FE3-CC31-4B69-44C6-04DF1B8559E4}"/>
               </a:ext>
             </a:extLst>
           </p:cNvPr>
@@ -12929,7 +15414,7 @@
           <p:cNvPr id="8" name="Scroll: Vertical 7">
             <a:extLst>
               <a:ext uri="{FF2B5EF4-FFF2-40B4-BE49-F238E27FC236}">
-                <a16:creationId xmlns:a16="http://schemas.microsoft.com/office/drawing/2014/main" id="{2D8E823F-54F9-1A01-E3EF-B3211339B30B}"/>
+                <a16:creationId xmlns:a16="http://schemas.microsoft.com/office/drawing/2014/main" xmlns="" id="{2D8E823F-54F9-1A01-E3EF-B3211339B30B}"/>
               </a:ext>
             </a:extLst>
           </p:cNvPr>
@@ -13199,7 +15684,7 @@
     </p:spTree>
     <p:extLst>
       <p:ext uri="{BB962C8B-B14F-4D97-AF65-F5344CB8AC3E}">
-        <p14:creationId xmlns:p14="http://schemas.microsoft.com/office/powerpoint/2010/main" val="3274136203"/>
+        <p14:creationId xmlns:p14="http://schemas.microsoft.com/office/powerpoint/2010/main" xmlns="" val="3274136203"/>
       </p:ext>
     </p:extLst>
   </p:cSld>
@@ -13217,7 +15702,7 @@
         <p:cNvPr id="1" name="">
           <a:extLst>
             <a:ext uri="{FF2B5EF4-FFF2-40B4-BE49-F238E27FC236}">
-              <a16:creationId xmlns:a16="http://schemas.microsoft.com/office/drawing/2014/main" id="{7139B82A-D876-79BD-D559-707BFDC5D481}"/>
+              <a16:creationId xmlns:a16="http://schemas.microsoft.com/office/drawing/2014/main" xmlns="" id="{7139B82A-D876-79BD-D559-707BFDC5D481}"/>
             </a:ext>
           </a:extLst>
         </p:cNvPr>
@@ -13237,7 +15722,7 @@
           <p:cNvPr id="8" name="Title 1">
             <a:extLst>
               <a:ext uri="{FF2B5EF4-FFF2-40B4-BE49-F238E27FC236}">
-                <a16:creationId xmlns:a16="http://schemas.microsoft.com/office/drawing/2014/main" id="{4C8D5637-E45A-11BE-1BA4-F40373E8D014}"/>
+                <a16:creationId xmlns:a16="http://schemas.microsoft.com/office/drawing/2014/main" xmlns="" id="{4C8D5637-E45A-11BE-1BA4-F40373E8D014}"/>
               </a:ext>
             </a:extLst>
           </p:cNvPr>
@@ -13274,7 +15759,7 @@
           <p:cNvPr id="3" name="Content Placeholder 2">
             <a:extLst>
               <a:ext uri="{FF2B5EF4-FFF2-40B4-BE49-F238E27FC236}">
-                <a16:creationId xmlns:a16="http://schemas.microsoft.com/office/drawing/2014/main" id="{86EB63D1-C74F-75B0-CE48-A95AEA2A21A1}"/>
+                <a16:creationId xmlns:a16="http://schemas.microsoft.com/office/drawing/2014/main" xmlns="" id="{86EB63D1-C74F-75B0-CE48-A95AEA2A21A1}"/>
               </a:ext>
             </a:extLst>
           </p:cNvPr>
@@ -13335,7 +15820,7 @@
           <p:cNvPr id="5" name="Ribbon: Curved and Tilted Down 4">
             <a:extLst>
               <a:ext uri="{FF2B5EF4-FFF2-40B4-BE49-F238E27FC236}">
-                <a16:creationId xmlns:a16="http://schemas.microsoft.com/office/drawing/2014/main" id="{75419B56-A4AB-830D-A49F-7700EED8C0FA}"/>
+                <a16:creationId xmlns:a16="http://schemas.microsoft.com/office/drawing/2014/main" xmlns="" id="{75419B56-A4AB-830D-A49F-7700EED8C0FA}"/>
               </a:ext>
             </a:extLst>
           </p:cNvPr>
@@ -13408,7 +15893,7 @@
           <p:cNvPr id="10" name="Scroll: Vertical 9">
             <a:extLst>
               <a:ext uri="{FF2B5EF4-FFF2-40B4-BE49-F238E27FC236}">
-                <a16:creationId xmlns:a16="http://schemas.microsoft.com/office/drawing/2014/main" id="{CD6C5744-A805-1655-2B2A-4D4D0DD0695E}"/>
+                <a16:creationId xmlns:a16="http://schemas.microsoft.com/office/drawing/2014/main" xmlns="" id="{CD6C5744-A805-1655-2B2A-4D4D0DD0695E}"/>
               </a:ext>
             </a:extLst>
           </p:cNvPr>
@@ -13724,7 +16209,7 @@
     </p:spTree>
     <p:extLst>
       <p:ext uri="{BB962C8B-B14F-4D97-AF65-F5344CB8AC3E}">
-        <p14:creationId xmlns:p14="http://schemas.microsoft.com/office/powerpoint/2010/main" val="3157857213"/>
+        <p14:creationId xmlns:p14="http://schemas.microsoft.com/office/powerpoint/2010/main" xmlns="" val="3157857213"/>
       </p:ext>
     </p:extLst>
   </p:cSld>
@@ -13742,7 +16227,7 @@
         <p:cNvPr id="1" name="">
           <a:extLst>
             <a:ext uri="{FF2B5EF4-FFF2-40B4-BE49-F238E27FC236}">
-              <a16:creationId xmlns:a16="http://schemas.microsoft.com/office/drawing/2014/main" id="{53D929B9-0FF5-B5F7-0DB4-914C4F4A1BB2}"/>
+              <a16:creationId xmlns:a16="http://schemas.microsoft.com/office/drawing/2014/main" xmlns="" id="{53D929B9-0FF5-B5F7-0DB4-914C4F4A1BB2}"/>
             </a:ext>
           </a:extLst>
         </p:cNvPr>
@@ -13762,7 +16247,7 @@
           <p:cNvPr id="7" name="Title 1">
             <a:extLst>
               <a:ext uri="{FF2B5EF4-FFF2-40B4-BE49-F238E27FC236}">
-                <a16:creationId xmlns:a16="http://schemas.microsoft.com/office/drawing/2014/main" id="{2D810556-B3F2-D67B-C5C6-43963FC8DAE7}"/>
+                <a16:creationId xmlns:a16="http://schemas.microsoft.com/office/drawing/2014/main" xmlns="" id="{2D810556-B3F2-D67B-C5C6-43963FC8DAE7}"/>
               </a:ext>
             </a:extLst>
           </p:cNvPr>
@@ -13799,7 +16284,7 @@
           <p:cNvPr id="3" name="Content Placeholder 2">
             <a:extLst>
               <a:ext uri="{FF2B5EF4-FFF2-40B4-BE49-F238E27FC236}">
-                <a16:creationId xmlns:a16="http://schemas.microsoft.com/office/drawing/2014/main" id="{8F0952B2-F12D-991D-3EC9-9526D8EDED87}"/>
+                <a16:creationId xmlns:a16="http://schemas.microsoft.com/office/drawing/2014/main" xmlns="" id="{8F0952B2-F12D-991D-3EC9-9526D8EDED87}"/>
               </a:ext>
             </a:extLst>
           </p:cNvPr>
@@ -13874,7 +16359,7 @@
           <p:cNvPr id="8" name="Ribbon: Curved and Tilted Down 7">
             <a:extLst>
               <a:ext uri="{FF2B5EF4-FFF2-40B4-BE49-F238E27FC236}">
-                <a16:creationId xmlns:a16="http://schemas.microsoft.com/office/drawing/2014/main" id="{C9C1F804-0CF6-A2DC-646C-9B9441D8EBB0}"/>
+                <a16:creationId xmlns:a16="http://schemas.microsoft.com/office/drawing/2014/main" xmlns="" id="{C9C1F804-0CF6-A2DC-646C-9B9441D8EBB0}"/>
               </a:ext>
             </a:extLst>
           </p:cNvPr>
@@ -13947,7 +16432,7 @@
           <p:cNvPr id="9" name="Scroll: Vertical 8">
             <a:extLst>
               <a:ext uri="{FF2B5EF4-FFF2-40B4-BE49-F238E27FC236}">
-                <a16:creationId xmlns:a16="http://schemas.microsoft.com/office/drawing/2014/main" id="{94613FC4-1176-9125-467B-B6CE33BB59CD}"/>
+                <a16:creationId xmlns:a16="http://schemas.microsoft.com/office/drawing/2014/main" xmlns="" id="{94613FC4-1176-9125-467B-B6CE33BB59CD}"/>
               </a:ext>
             </a:extLst>
           </p:cNvPr>
@@ -14263,7 +16748,7 @@
     </p:spTree>
     <p:extLst>
       <p:ext uri="{BB962C8B-B14F-4D97-AF65-F5344CB8AC3E}">
-        <p14:creationId xmlns:p14="http://schemas.microsoft.com/office/powerpoint/2010/main" val="2302025808"/>
+        <p14:creationId xmlns:p14="http://schemas.microsoft.com/office/powerpoint/2010/main" xmlns="" val="2302025808"/>
       </p:ext>
     </p:extLst>
   </p:cSld>
@@ -14281,7 +16766,7 @@
         <p:cNvPr id="1" name="">
           <a:extLst>
             <a:ext uri="{FF2B5EF4-FFF2-40B4-BE49-F238E27FC236}">
-              <a16:creationId xmlns:a16="http://schemas.microsoft.com/office/drawing/2014/main" id="{744B94CD-0809-14B6-E79F-D0C06F89CA15}"/>
+              <a16:creationId xmlns:a16="http://schemas.microsoft.com/office/drawing/2014/main" xmlns="" id="{744B94CD-0809-14B6-E79F-D0C06F89CA15}"/>
             </a:ext>
           </a:extLst>
         </p:cNvPr>
@@ -14301,7 +16786,7 @@
           <p:cNvPr id="9" name="Title 8">
             <a:extLst>
               <a:ext uri="{FF2B5EF4-FFF2-40B4-BE49-F238E27FC236}">
-                <a16:creationId xmlns:a16="http://schemas.microsoft.com/office/drawing/2014/main" id="{F3A13225-B875-57E9-5CCB-88427D8711E0}"/>
+                <a16:creationId xmlns:a16="http://schemas.microsoft.com/office/drawing/2014/main" xmlns="" id="{F3A13225-B875-57E9-5CCB-88427D8711E0}"/>
               </a:ext>
             </a:extLst>
           </p:cNvPr>
@@ -14341,7 +16826,7 @@
           <p:cNvPr id="3" name="Content Placeholder 2">
             <a:extLst>
               <a:ext uri="{FF2B5EF4-FFF2-40B4-BE49-F238E27FC236}">
-                <a16:creationId xmlns:a16="http://schemas.microsoft.com/office/drawing/2014/main" id="{29D21329-5AAF-6358-9761-2C4901A09C8C}"/>
+                <a16:creationId xmlns:a16="http://schemas.microsoft.com/office/drawing/2014/main" xmlns="" id="{29D21329-5AAF-6358-9761-2C4901A09C8C}"/>
               </a:ext>
             </a:extLst>
           </p:cNvPr>
@@ -14388,7 +16873,7 @@
           <p:cNvPr id="5" name="Title 1">
             <a:extLst>
               <a:ext uri="{FF2B5EF4-FFF2-40B4-BE49-F238E27FC236}">
-                <a16:creationId xmlns:a16="http://schemas.microsoft.com/office/drawing/2014/main" id="{23B0E81A-A704-BABA-7779-F926A6BFCB35}"/>
+                <a16:creationId xmlns:a16="http://schemas.microsoft.com/office/drawing/2014/main" xmlns="" id="{23B0E81A-A704-BABA-7779-F926A6BFCB35}"/>
               </a:ext>
             </a:extLst>
           </p:cNvPr>
@@ -14496,7 +16981,7 @@
           <p:cNvPr id="10" name="Ribbon: Curved and Tilted Down 9">
             <a:extLst>
               <a:ext uri="{FF2B5EF4-FFF2-40B4-BE49-F238E27FC236}">
-                <a16:creationId xmlns:a16="http://schemas.microsoft.com/office/drawing/2014/main" id="{3DBA1B1D-2AF2-C619-7353-1037498CD788}"/>
+                <a16:creationId xmlns:a16="http://schemas.microsoft.com/office/drawing/2014/main" xmlns="" id="{3DBA1B1D-2AF2-C619-7353-1037498CD788}"/>
               </a:ext>
             </a:extLst>
           </p:cNvPr>
@@ -14569,7 +17054,7 @@
           <p:cNvPr id="11" name="Scroll: Vertical 10">
             <a:extLst>
               <a:ext uri="{FF2B5EF4-FFF2-40B4-BE49-F238E27FC236}">
-                <a16:creationId xmlns:a16="http://schemas.microsoft.com/office/drawing/2014/main" id="{BE18EA22-49FD-59C7-DB0C-3006A91F02E6}"/>
+                <a16:creationId xmlns:a16="http://schemas.microsoft.com/office/drawing/2014/main" xmlns="" id="{BE18EA22-49FD-59C7-DB0C-3006A91F02E6}"/>
               </a:ext>
             </a:extLst>
           </p:cNvPr>
@@ -14885,7 +17370,7 @@
     </p:spTree>
     <p:extLst>
       <p:ext uri="{BB962C8B-B14F-4D97-AF65-F5344CB8AC3E}">
-        <p14:creationId xmlns:p14="http://schemas.microsoft.com/office/powerpoint/2010/main" val="1090188544"/>
+        <p14:creationId xmlns:p14="http://schemas.microsoft.com/office/powerpoint/2010/main" xmlns="" val="1090188544"/>
       </p:ext>
     </p:extLst>
   </p:cSld>
@@ -14903,7 +17388,7 @@
         <p:cNvPr id="1" name="">
           <a:extLst>
             <a:ext uri="{FF2B5EF4-FFF2-40B4-BE49-F238E27FC236}">
-              <a16:creationId xmlns:a16="http://schemas.microsoft.com/office/drawing/2014/main" id="{DFFF01F8-A8CD-88AB-42C3-C2E632C5474A}"/>
+              <a16:creationId xmlns:a16="http://schemas.microsoft.com/office/drawing/2014/main" xmlns="" id="{DFFF01F8-A8CD-88AB-42C3-C2E632C5474A}"/>
             </a:ext>
           </a:extLst>
         </p:cNvPr>
@@ -14923,7 +17408,7 @@
           <p:cNvPr id="7" name="Title 8">
             <a:extLst>
               <a:ext uri="{FF2B5EF4-FFF2-40B4-BE49-F238E27FC236}">
-                <a16:creationId xmlns:a16="http://schemas.microsoft.com/office/drawing/2014/main" id="{2CFF87A5-7472-22DC-030C-A3CCBBC3E824}"/>
+                <a16:creationId xmlns:a16="http://schemas.microsoft.com/office/drawing/2014/main" xmlns="" id="{2CFF87A5-7472-22DC-030C-A3CCBBC3E824}"/>
               </a:ext>
             </a:extLst>
           </p:cNvPr>
@@ -14963,7 +17448,7 @@
           <p:cNvPr id="3" name="Content Placeholder 2">
             <a:extLst>
               <a:ext uri="{FF2B5EF4-FFF2-40B4-BE49-F238E27FC236}">
-                <a16:creationId xmlns:a16="http://schemas.microsoft.com/office/drawing/2014/main" id="{1702553A-B321-D7AA-C0CD-A58D1C15FC38}"/>
+                <a16:creationId xmlns:a16="http://schemas.microsoft.com/office/drawing/2014/main" xmlns="" id="{1702553A-B321-D7AA-C0CD-A58D1C15FC38}"/>
               </a:ext>
             </a:extLst>
           </p:cNvPr>
@@ -15036,7 +17521,7 @@
           <p:cNvPr id="8" name="Ribbon: Curved and Tilted Down 7">
             <a:extLst>
               <a:ext uri="{FF2B5EF4-FFF2-40B4-BE49-F238E27FC236}">
-                <a16:creationId xmlns:a16="http://schemas.microsoft.com/office/drawing/2014/main" id="{C52AE18F-E34C-AFB6-7EA6-F589DEF7B3D0}"/>
+                <a16:creationId xmlns:a16="http://schemas.microsoft.com/office/drawing/2014/main" xmlns="" id="{C52AE18F-E34C-AFB6-7EA6-F589DEF7B3D0}"/>
               </a:ext>
             </a:extLst>
           </p:cNvPr>
@@ -15109,7 +17594,7 @@
           <p:cNvPr id="9" name="Scroll: Vertical 8">
             <a:extLst>
               <a:ext uri="{FF2B5EF4-FFF2-40B4-BE49-F238E27FC236}">
-                <a16:creationId xmlns:a16="http://schemas.microsoft.com/office/drawing/2014/main" id="{18A95ECD-6D24-C669-0CF8-39F3FBCDDA47}"/>
+                <a16:creationId xmlns:a16="http://schemas.microsoft.com/office/drawing/2014/main" xmlns="" id="{18A95ECD-6D24-C669-0CF8-39F3FBCDDA47}"/>
               </a:ext>
             </a:extLst>
           </p:cNvPr>
@@ -15425,7 +17910,7 @@
     </p:spTree>
     <p:extLst>
       <p:ext uri="{BB962C8B-B14F-4D97-AF65-F5344CB8AC3E}">
-        <p14:creationId xmlns:p14="http://schemas.microsoft.com/office/powerpoint/2010/main" val="1870717373"/>
+        <p14:creationId xmlns:p14="http://schemas.microsoft.com/office/powerpoint/2010/main" xmlns="" val="1870717373"/>
       </p:ext>
     </p:extLst>
   </p:cSld>
@@ -15443,7 +17928,7 @@
         <p:cNvPr id="1" name="">
           <a:extLst>
             <a:ext uri="{FF2B5EF4-FFF2-40B4-BE49-F238E27FC236}">
-              <a16:creationId xmlns:a16="http://schemas.microsoft.com/office/drawing/2014/main" id="{D224F207-D856-6E6D-9995-159800F589CD}"/>
+              <a16:creationId xmlns:a16="http://schemas.microsoft.com/office/drawing/2014/main" xmlns="" id="{D224F207-D856-6E6D-9995-159800F589CD}"/>
             </a:ext>
           </a:extLst>
         </p:cNvPr>
@@ -15463,7 +17948,7 @@
           <p:cNvPr id="5" name="Title 8">
             <a:extLst>
               <a:ext uri="{FF2B5EF4-FFF2-40B4-BE49-F238E27FC236}">
-                <a16:creationId xmlns:a16="http://schemas.microsoft.com/office/drawing/2014/main" id="{2773E7F4-011C-1186-0E83-1852CC157898}"/>
+                <a16:creationId xmlns:a16="http://schemas.microsoft.com/office/drawing/2014/main" xmlns="" id="{2773E7F4-011C-1186-0E83-1852CC157898}"/>
               </a:ext>
             </a:extLst>
           </p:cNvPr>
@@ -15503,7 +17988,7 @@
           <p:cNvPr id="3" name="Content Placeholder 2">
             <a:extLst>
               <a:ext uri="{FF2B5EF4-FFF2-40B4-BE49-F238E27FC236}">
-                <a16:creationId xmlns:a16="http://schemas.microsoft.com/office/drawing/2014/main" id="{9466D7CB-A484-F4DC-1247-3B0F9708D05F}"/>
+                <a16:creationId xmlns:a16="http://schemas.microsoft.com/office/drawing/2014/main" xmlns="" id="{9466D7CB-A484-F4DC-1247-3B0F9708D05F}"/>
               </a:ext>
             </a:extLst>
           </p:cNvPr>
@@ -15550,7 +18035,7 @@
           <p:cNvPr id="6" name="Ribbon: Curved and Tilted Down 5">
             <a:extLst>
               <a:ext uri="{FF2B5EF4-FFF2-40B4-BE49-F238E27FC236}">
-                <a16:creationId xmlns:a16="http://schemas.microsoft.com/office/drawing/2014/main" id="{DA6F4F8F-5ABC-21EF-A2AB-B0F4B5058194}"/>
+                <a16:creationId xmlns:a16="http://schemas.microsoft.com/office/drawing/2014/main" xmlns="" id="{DA6F4F8F-5ABC-21EF-A2AB-B0F4B5058194}"/>
               </a:ext>
             </a:extLst>
           </p:cNvPr>
@@ -15623,7 +18108,7 @@
           <p:cNvPr id="7" name="Scroll: Vertical 6">
             <a:extLst>
               <a:ext uri="{FF2B5EF4-FFF2-40B4-BE49-F238E27FC236}">
-                <a16:creationId xmlns:a16="http://schemas.microsoft.com/office/drawing/2014/main" id="{694A0A23-21B4-6D65-E96A-AD1A0AC04FCC}"/>
+                <a16:creationId xmlns:a16="http://schemas.microsoft.com/office/drawing/2014/main" xmlns="" id="{694A0A23-21B4-6D65-E96A-AD1A0AC04FCC}"/>
               </a:ext>
             </a:extLst>
           </p:cNvPr>
@@ -15939,7 +18424,7 @@
     </p:spTree>
     <p:extLst>
       <p:ext uri="{BB962C8B-B14F-4D97-AF65-F5344CB8AC3E}">
-        <p14:creationId xmlns:p14="http://schemas.microsoft.com/office/powerpoint/2010/main" val="755787835"/>
+        <p14:creationId xmlns:p14="http://schemas.microsoft.com/office/powerpoint/2010/main" xmlns="" val="755787835"/>
       </p:ext>
     </p:extLst>
   </p:cSld>
@@ -15957,7 +18442,7 @@
         <p:cNvPr id="1" name="">
           <a:extLst>
             <a:ext uri="{FF2B5EF4-FFF2-40B4-BE49-F238E27FC236}">
-              <a16:creationId xmlns:a16="http://schemas.microsoft.com/office/drawing/2014/main" id="{517DE5E6-801F-A2FD-C03F-6F5486821075}"/>
+              <a16:creationId xmlns:a16="http://schemas.microsoft.com/office/drawing/2014/main" xmlns="" id="{517DE5E6-801F-A2FD-C03F-6F5486821075}"/>
             </a:ext>
           </a:extLst>
         </p:cNvPr>
@@ -15977,7 +18462,7 @@
           <p:cNvPr id="2" name="Title 1">
             <a:extLst>
               <a:ext uri="{FF2B5EF4-FFF2-40B4-BE49-F238E27FC236}">
-                <a16:creationId xmlns:a16="http://schemas.microsoft.com/office/drawing/2014/main" id="{5F9D859A-CC6B-038D-5AE0-901278C3F6CE}"/>
+                <a16:creationId xmlns:a16="http://schemas.microsoft.com/office/drawing/2014/main" xmlns="" id="{5F9D859A-CC6B-038D-5AE0-901278C3F6CE}"/>
               </a:ext>
             </a:extLst>
           </p:cNvPr>
@@ -16015,7 +18500,7 @@
           <p:cNvPr id="3" name="Content Placeholder 2">
             <a:extLst>
               <a:ext uri="{FF2B5EF4-FFF2-40B4-BE49-F238E27FC236}">
-                <a16:creationId xmlns:a16="http://schemas.microsoft.com/office/drawing/2014/main" id="{E5BE3A65-ADA6-AEAF-69B6-B9779A59851F}"/>
+                <a16:creationId xmlns:a16="http://schemas.microsoft.com/office/drawing/2014/main" xmlns="" id="{E5BE3A65-ADA6-AEAF-69B6-B9779A59851F}"/>
               </a:ext>
             </a:extLst>
           </p:cNvPr>
@@ -16056,7 +18541,7 @@
           <p:cNvPr id="6" name="Ribbon: Curved and Tilted Down 5">
             <a:extLst>
               <a:ext uri="{FF2B5EF4-FFF2-40B4-BE49-F238E27FC236}">
-                <a16:creationId xmlns:a16="http://schemas.microsoft.com/office/drawing/2014/main" id="{571A9BAF-7164-4534-E0BD-EE0EDF7090A3}"/>
+                <a16:creationId xmlns:a16="http://schemas.microsoft.com/office/drawing/2014/main" xmlns="" id="{571A9BAF-7164-4534-E0BD-EE0EDF7090A3}"/>
               </a:ext>
             </a:extLst>
           </p:cNvPr>
@@ -16129,7 +18614,7 @@
           <p:cNvPr id="7" name="Scroll: Vertical 6">
             <a:extLst>
               <a:ext uri="{FF2B5EF4-FFF2-40B4-BE49-F238E27FC236}">
-                <a16:creationId xmlns:a16="http://schemas.microsoft.com/office/drawing/2014/main" id="{82B3A4DF-1DDB-DA3D-C01E-CA4956EC89D7}"/>
+                <a16:creationId xmlns:a16="http://schemas.microsoft.com/office/drawing/2014/main" xmlns="" id="{82B3A4DF-1DDB-DA3D-C01E-CA4956EC89D7}"/>
               </a:ext>
             </a:extLst>
           </p:cNvPr>
@@ -16445,7 +18930,7 @@
     </p:spTree>
     <p:extLst>
       <p:ext uri="{BB962C8B-B14F-4D97-AF65-F5344CB8AC3E}">
-        <p14:creationId xmlns:p14="http://schemas.microsoft.com/office/powerpoint/2010/main" val="3160480842"/>
+        <p14:creationId xmlns:p14="http://schemas.microsoft.com/office/powerpoint/2010/main" xmlns="" val="3160480842"/>
       </p:ext>
     </p:extLst>
   </p:cSld>
@@ -16706,7 +19191,7 @@
   <a:extraClrSchemeLst/>
   <a:extLst>
     <a:ext uri="{05A4C25C-085E-4340-85A3-A5531E510DB2}">
-      <thm15:themeFamily xmlns:thm15="http://schemas.microsoft.com/office/thememl/2012/main" name="Facet" id="{C0C680CD-088A-49FC-A102-D699147F32B2}" vid="{8C59B386-999D-4CB6-B907-9F3997C027CC}"/>
+      <thm15:themeFamily xmlns:thm15="http://schemas.microsoft.com/office/thememl/2012/main" xmlns="" name="Facet" id="{C0C680CD-088A-49FC-A102-D699147F32B2}" vid="{8C59B386-999D-4CB6-B907-9F3997C027CC}"/>
     </a:ext>
   </a:extLst>
 </a:theme>

--- a/Javascript Tutorials.pptx
+++ b/Javascript Tutorials.pptx
@@ -868,7 +868,7 @@
             <a:fld id="{48A87A34-81AB-432B-8DAE-1953F412C126}" type="datetimeFigureOut">
               <a:rPr lang="en-US" smtClean="0"/>
               <a:pPr/>
-              <a:t>8/27/2025</a:t>
+              <a:t>8/28/2025</a:t>
             </a:fld>
             <a:endParaRPr lang="en-US" dirty="0"/>
           </a:p>
@@ -1121,7 +1121,7 @@
             <a:fld id="{48A87A34-81AB-432B-8DAE-1953F412C126}" type="datetimeFigureOut">
               <a:rPr lang="en-US" smtClean="0"/>
               <a:pPr/>
-              <a:t>8/27/2025</a:t>
+              <a:t>8/28/2025</a:t>
             </a:fld>
             <a:endParaRPr lang="en-US" dirty="0"/>
           </a:p>
@@ -1437,7 +1437,7 @@
             <a:fld id="{48A87A34-81AB-432B-8DAE-1953F412C126}" type="datetimeFigureOut">
               <a:rPr lang="en-US" smtClean="0"/>
               <a:pPr/>
-              <a:t>8/27/2025</a:t>
+              <a:t>8/28/2025</a:t>
             </a:fld>
             <a:endParaRPr lang="en-US" dirty="0"/>
           </a:p>
@@ -1766,7 +1766,7 @@
             <a:fld id="{48A87A34-81AB-432B-8DAE-1953F412C126}" type="datetimeFigureOut">
               <a:rPr lang="en-US" smtClean="0"/>
               <a:pPr/>
-              <a:t>8/27/2025</a:t>
+              <a:t>8/28/2025</a:t>
             </a:fld>
             <a:endParaRPr lang="en-US" dirty="0"/>
           </a:p>
@@ -2082,7 +2082,7 @@
             <a:fld id="{48A87A34-81AB-432B-8DAE-1953F412C126}" type="datetimeFigureOut">
               <a:rPr lang="en-US" smtClean="0"/>
               <a:pPr/>
-              <a:t>8/27/2025</a:t>
+              <a:t>8/28/2025</a:t>
             </a:fld>
             <a:endParaRPr lang="en-US" dirty="0"/>
           </a:p>
@@ -2471,7 +2471,7 @@
             <a:fld id="{48A87A34-81AB-432B-8DAE-1953F412C126}" type="datetimeFigureOut">
               <a:rPr lang="en-US" smtClean="0"/>
               <a:pPr/>
-              <a:t>8/27/2025</a:t>
+              <a:t>8/28/2025</a:t>
             </a:fld>
             <a:endParaRPr lang="en-US" dirty="0"/>
           </a:p>
@@ -2643,7 +2643,7 @@
             <a:fld id="{48A87A34-81AB-432B-8DAE-1953F412C126}" type="datetimeFigureOut">
               <a:rPr lang="en-US" smtClean="0"/>
               <a:pPr/>
-              <a:t>8/27/2025</a:t>
+              <a:t>8/28/2025</a:t>
             </a:fld>
             <a:endParaRPr lang="en-US" dirty="0"/>
           </a:p>
@@ -2825,7 +2825,7 @@
             <a:fld id="{48A87A34-81AB-432B-8DAE-1953F412C126}" type="datetimeFigureOut">
               <a:rPr lang="en-US" smtClean="0"/>
               <a:pPr/>
-              <a:t>8/27/2025</a:t>
+              <a:t>8/28/2025</a:t>
             </a:fld>
             <a:endParaRPr lang="en-US" dirty="0"/>
           </a:p>
@@ -3003,7 +3003,7 @@
             <a:fld id="{48A87A34-81AB-432B-8DAE-1953F412C126}" type="datetimeFigureOut">
               <a:rPr lang="en-US" smtClean="0"/>
               <a:pPr/>
-              <a:t>8/27/2025</a:t>
+              <a:t>8/28/2025</a:t>
             </a:fld>
             <a:endParaRPr lang="en-US" dirty="0"/>
           </a:p>
@@ -3252,7 +3252,7 @@
             <a:fld id="{48A87A34-81AB-432B-8DAE-1953F412C126}" type="datetimeFigureOut">
               <a:rPr lang="en-US" smtClean="0"/>
               <a:pPr/>
-              <a:t>8/27/2025</a:t>
+              <a:t>8/28/2025</a:t>
             </a:fld>
             <a:endParaRPr lang="en-US" dirty="0"/>
           </a:p>
@@ -3486,7 +3486,7 @@
             <a:fld id="{48A87A34-81AB-432B-8DAE-1953F412C126}" type="datetimeFigureOut">
               <a:rPr lang="en-US" smtClean="0"/>
               <a:pPr/>
-              <a:t>8/27/2025</a:t>
+              <a:t>8/28/2025</a:t>
             </a:fld>
             <a:endParaRPr lang="en-US" dirty="0"/>
           </a:p>
@@ -3862,7 +3862,7 @@
             <a:fld id="{48A87A34-81AB-432B-8DAE-1953F412C126}" type="datetimeFigureOut">
               <a:rPr lang="en-US" smtClean="0"/>
               <a:pPr/>
-              <a:t>8/27/2025</a:t>
+              <a:t>8/28/2025</a:t>
             </a:fld>
             <a:endParaRPr lang="en-US" dirty="0"/>
           </a:p>
@@ -3987,7 +3987,7 @@
             <a:fld id="{48A87A34-81AB-432B-8DAE-1953F412C126}" type="datetimeFigureOut">
               <a:rPr lang="en-US" smtClean="0"/>
               <a:pPr/>
-              <a:t>8/27/2025</a:t>
+              <a:t>8/28/2025</a:t>
             </a:fld>
             <a:endParaRPr lang="en-US" dirty="0"/>
           </a:p>
@@ -4084,7 +4084,7 @@
             <a:fld id="{48A87A34-81AB-432B-8DAE-1953F412C126}" type="datetimeFigureOut">
               <a:rPr lang="en-US" smtClean="0"/>
               <a:pPr/>
-              <a:t>8/27/2025</a:t>
+              <a:t>8/28/2025</a:t>
             </a:fld>
             <a:endParaRPr lang="en-US" dirty="0"/>
           </a:p>
@@ -4341,7 +4341,7 @@
             <a:fld id="{48A87A34-81AB-432B-8DAE-1953F412C126}" type="datetimeFigureOut">
               <a:rPr lang="en-US" smtClean="0"/>
               <a:pPr/>
-              <a:t>8/27/2025</a:t>
+              <a:t>8/28/2025</a:t>
             </a:fld>
             <a:endParaRPr lang="en-US" dirty="0"/>
           </a:p>
@@ -4606,7 +4606,7 @@
             <a:fld id="{48A87A34-81AB-432B-8DAE-1953F412C126}" type="datetimeFigureOut">
               <a:rPr lang="en-US" smtClean="0"/>
               <a:pPr/>
-              <a:t>8/27/2025</a:t>
+              <a:t>8/28/2025</a:t>
             </a:fld>
             <a:endParaRPr lang="en-US" dirty="0"/>
           </a:p>
@@ -5353,7 +5353,7 @@
             <a:fld id="{48A87A34-81AB-432B-8DAE-1953F412C126}" type="datetimeFigureOut">
               <a:rPr lang="en-US" smtClean="0"/>
               <a:pPr/>
-              <a:t>8/27/2025</a:t>
+              <a:t>8/28/2025</a:t>
             </a:fld>
             <a:endParaRPr lang="en-US" dirty="0"/>
           </a:p>
@@ -9488,14 +9488,14 @@
         </p:nvSpPr>
         <p:spPr>
           <a:xfrm>
-            <a:off x="1131736" y="1913287"/>
-            <a:ext cx="4809066" cy="3810095"/>
+            <a:off x="0" y="1913287"/>
+            <a:ext cx="6244059" cy="3810095"/>
           </a:xfrm>
           <a:noFill/>
         </p:spPr>
         <p:txBody>
           <a:bodyPr anchor="ctr">
-            <a:normAutofit fontScale="90000"/>
+            <a:normAutofit/>
           </a:bodyPr>
           <a:lstStyle/>
           <a:p>
@@ -9518,7 +9518,7 @@
               </a:rPr>
             </a:br>
             <a:r>
-              <a:rPr lang="en-US" sz="7200" b="1" dirty="0">
+              <a:rPr lang="en-US" sz="8000" b="1" dirty="0">
                 <a:solidFill>
                   <a:schemeClr val="tx1"/>
                 </a:solidFill>
@@ -9527,7 +9527,7 @@
               <a:t>Chapter – 3</a:t>
             </a:r>
             <a:br>
-              <a:rPr lang="en-US" sz="7200" b="1" dirty="0">
+              <a:rPr lang="en-US" sz="8000" b="1" dirty="0">
                 <a:solidFill>
                   <a:schemeClr val="tx1"/>
                 </a:solidFill>
@@ -9641,6 +9641,61 @@
             <a:endParaRPr lang="en-IN" dirty="0">
               <a:solidFill>
                 <a:schemeClr val="tx1"/>
+              </a:solidFill>
+            </a:endParaRPr>
+          </a:p>
+        </p:txBody>
+      </p:sp>
+      <p:sp>
+        <p:nvSpPr>
+          <p:cNvPr id="3" name="TextBox 2">
+            <a:extLst>
+              <a:ext uri="{FF2B5EF4-FFF2-40B4-BE49-F238E27FC236}">
+                <a16:creationId xmlns:a16="http://schemas.microsoft.com/office/drawing/2014/main" id="{2730E33A-35E0-0E5A-5F63-BBACEF5E855C}"/>
+              </a:ext>
+            </a:extLst>
+          </p:cNvPr>
+          <p:cNvSpPr txBox="1"/>
+          <p:nvPr/>
+        </p:nvSpPr>
+        <p:spPr>
+          <a:xfrm>
+            <a:off x="0" y="6060338"/>
+            <a:ext cx="6244059" cy="369332"/>
+          </a:xfrm>
+          <a:prstGeom prst="rect">
+            <a:avLst/>
+          </a:prstGeom>
+          <a:noFill/>
+        </p:spPr>
+        <p:txBody>
+          <a:bodyPr wrap="square" rtlCol="0">
+            <a:spAutoFit/>
+          </a:bodyPr>
+          <a:lstStyle/>
+          <a:p>
+            <a:pPr algn="ctr"/>
+            <a:r>
+              <a:rPr lang="en-US" b="1" dirty="0"/>
+              <a:t>Gautam Kumar- </a:t>
+            </a:r>
+            <a:r>
+              <a:rPr lang="en-US" dirty="0">
+                <a:solidFill>
+                  <a:schemeClr val="tx1">
+                    <a:lumMod val="50000"/>
+                    <a:lumOff val="50000"/>
+                  </a:schemeClr>
+                </a:solidFill>
+              </a:rPr>
+              <a:t>uidhtml.com</a:t>
+            </a:r>
+            <a:endParaRPr lang="en-IN" dirty="0">
+              <a:solidFill>
+                <a:schemeClr val="tx1">
+                  <a:lumMod val="50000"/>
+                  <a:lumOff val="50000"/>
+                </a:schemeClr>
               </a:solidFill>
             </a:endParaRPr>
           </a:p>
@@ -10058,66 +10113,6 @@
           </a:p>
         </p:txBody>
       </p:sp>
-      <p:sp>
-        <p:nvSpPr>
-          <p:cNvPr id="8" name="TextBox 7">
-            <a:extLst>
-              <a:ext uri="{FF2B5EF4-FFF2-40B4-BE49-F238E27FC236}">
-                <a16:creationId xmlns:a16="http://schemas.microsoft.com/office/drawing/2014/main" id="{6E6F1672-8C91-3FA6-CB80-58FD68172333}"/>
-              </a:ext>
-            </a:extLst>
-          </p:cNvPr>
-          <p:cNvSpPr txBox="1"/>
-          <p:nvPr/>
-        </p:nvSpPr>
-        <p:spPr>
-          <a:xfrm>
-            <a:off x="1719470" y="5842623"/>
-            <a:ext cx="3842170" cy="369332"/>
-          </a:xfrm>
-          <a:prstGeom prst="rect">
-            <a:avLst/>
-          </a:prstGeom>
-          <a:solidFill>
-            <a:schemeClr val="bg1">
-              <a:lumMod val="75000"/>
-              <a:lumOff val="25000"/>
-            </a:schemeClr>
-          </a:solidFill>
-        </p:spPr>
-        <p:txBody>
-          <a:bodyPr wrap="square" rtlCol="0">
-            <a:spAutoFit/>
-          </a:bodyPr>
-          <a:lstStyle/>
-          <a:p>
-            <a:pPr algn="ctr"/>
-            <a:r>
-              <a:rPr lang="en-US" b="1" dirty="0"/>
-              <a:t>Gautam Kumar- </a:t>
-            </a:r>
-            <a:r>
-              <a:rPr lang="en-US" dirty="0">
-                <a:solidFill>
-                  <a:schemeClr val="tx1">
-                    <a:lumMod val="50000"/>
-                    <a:lumOff val="50000"/>
-                  </a:schemeClr>
-                </a:solidFill>
-              </a:rPr>
-              <a:t>uidhtml.com</a:t>
-            </a:r>
-            <a:endParaRPr lang="en-IN" dirty="0">
-              <a:solidFill>
-                <a:schemeClr val="tx1">
-                  <a:lumMod val="50000"/>
-                  <a:lumOff val="50000"/>
-                </a:schemeClr>
-              </a:solidFill>
-            </a:endParaRPr>
-          </a:p>
-        </p:txBody>
-      </p:sp>
     </p:spTree>
     <p:extLst>
       <p:ext uri="{BB962C8B-B14F-4D97-AF65-F5344CB8AC3E}">
@@ -10221,8 +10216,8 @@
         </p:nvSpPr>
         <p:spPr>
           <a:xfrm>
-            <a:off x="775063" y="1913287"/>
-            <a:ext cx="5165739" cy="3810095"/>
+            <a:off x="1" y="1913287"/>
+            <a:ext cx="6244058" cy="3810095"/>
           </a:xfrm>
           <a:noFill/>
         </p:spPr>
@@ -10251,7 +10246,7 @@
               </a:rPr>
             </a:br>
             <a:r>
-              <a:rPr lang="en-US" sz="7200" b="1" dirty="0">
+              <a:rPr lang="en-US" sz="8000" b="1" dirty="0">
                 <a:solidFill>
                   <a:schemeClr val="tx1"/>
                 </a:solidFill>
@@ -10260,7 +10255,7 @@
               <a:t>Chapter – 4</a:t>
             </a:r>
             <a:br>
-              <a:rPr lang="en-US" sz="7200" b="1" dirty="0">
+              <a:rPr lang="en-US" sz="8000" b="1" dirty="0">
                 <a:solidFill>
                   <a:schemeClr val="tx1"/>
                 </a:solidFill>
@@ -10377,66 +10372,6 @@
             <a:endParaRPr lang="en-IN" dirty="0">
               <a:solidFill>
                 <a:schemeClr val="tx1"/>
-              </a:solidFill>
-            </a:endParaRPr>
-          </a:p>
-        </p:txBody>
-      </p:sp>
-      <p:sp>
-        <p:nvSpPr>
-          <p:cNvPr id="8" name="TextBox 7">
-            <a:extLst>
-              <a:ext uri="{FF2B5EF4-FFF2-40B4-BE49-F238E27FC236}">
-                <a16:creationId xmlns:a16="http://schemas.microsoft.com/office/drawing/2014/main" id="{6E6F1672-8C91-3FA6-CB80-58FD68172333}"/>
-              </a:ext>
-            </a:extLst>
-          </p:cNvPr>
-          <p:cNvSpPr txBox="1"/>
-          <p:nvPr/>
-        </p:nvSpPr>
-        <p:spPr>
-          <a:xfrm>
-            <a:off x="1884932" y="6060338"/>
-            <a:ext cx="3842170" cy="369332"/>
-          </a:xfrm>
-          <a:prstGeom prst="rect">
-            <a:avLst/>
-          </a:prstGeom>
-          <a:solidFill>
-            <a:schemeClr val="bg1">
-              <a:lumMod val="75000"/>
-              <a:lumOff val="25000"/>
-            </a:schemeClr>
-          </a:solidFill>
-        </p:spPr>
-        <p:txBody>
-          <a:bodyPr wrap="square" rtlCol="0">
-            <a:spAutoFit/>
-          </a:bodyPr>
-          <a:lstStyle/>
-          <a:p>
-            <a:pPr algn="ctr"/>
-            <a:r>
-              <a:rPr lang="en-US" b="1" dirty="0"/>
-              <a:t>Gautam Kumar- </a:t>
-            </a:r>
-            <a:r>
-              <a:rPr lang="en-US" dirty="0">
-                <a:solidFill>
-                  <a:schemeClr val="tx1">
-                    <a:lumMod val="50000"/>
-                    <a:lumOff val="50000"/>
-                  </a:schemeClr>
-                </a:solidFill>
-              </a:rPr>
-              <a:t>uidhtml.com</a:t>
-            </a:r>
-            <a:endParaRPr lang="en-IN" dirty="0">
-              <a:solidFill>
-                <a:schemeClr val="tx1">
-                  <a:lumMod val="50000"/>
-                  <a:lumOff val="50000"/>
-                </a:schemeClr>
               </a:solidFill>
             </a:endParaRPr>
           </a:p>
@@ -10566,6 +10501,61 @@
           </a:p>
         </p:txBody>
       </p:sp>
+      <p:sp>
+        <p:nvSpPr>
+          <p:cNvPr id="3" name="TextBox 2">
+            <a:extLst>
+              <a:ext uri="{FF2B5EF4-FFF2-40B4-BE49-F238E27FC236}">
+                <a16:creationId xmlns:a16="http://schemas.microsoft.com/office/drawing/2014/main" id="{38047C42-C1DD-CAAE-C5C9-F31A690B4BCA}"/>
+              </a:ext>
+            </a:extLst>
+          </p:cNvPr>
+          <p:cNvSpPr txBox="1"/>
+          <p:nvPr/>
+        </p:nvSpPr>
+        <p:spPr>
+          <a:xfrm>
+            <a:off x="0" y="6060338"/>
+            <a:ext cx="6244059" cy="369332"/>
+          </a:xfrm>
+          <a:prstGeom prst="rect">
+            <a:avLst/>
+          </a:prstGeom>
+          <a:noFill/>
+        </p:spPr>
+        <p:txBody>
+          <a:bodyPr wrap="square" rtlCol="0">
+            <a:spAutoFit/>
+          </a:bodyPr>
+          <a:lstStyle/>
+          <a:p>
+            <a:pPr algn="ctr"/>
+            <a:r>
+              <a:rPr lang="en-US" b="1" dirty="0"/>
+              <a:t>Gautam Kumar- </a:t>
+            </a:r>
+            <a:r>
+              <a:rPr lang="en-US" dirty="0">
+                <a:solidFill>
+                  <a:schemeClr val="tx1">
+                    <a:lumMod val="50000"/>
+                    <a:lumOff val="50000"/>
+                  </a:schemeClr>
+                </a:solidFill>
+              </a:rPr>
+              <a:t>uidhtml.com</a:t>
+            </a:r>
+            <a:endParaRPr lang="en-IN" dirty="0">
+              <a:solidFill>
+                <a:schemeClr val="tx1">
+                  <a:lumMod val="50000"/>
+                  <a:lumOff val="50000"/>
+                </a:schemeClr>
+              </a:solidFill>
+            </a:endParaRPr>
+          </a:p>
+        </p:txBody>
+      </p:sp>
     </p:spTree>
     <p:extLst>
       <p:ext uri="{BB962C8B-B14F-4D97-AF65-F5344CB8AC3E}">
@@ -11799,8 +11789,8 @@
         </p:nvSpPr>
         <p:spPr>
           <a:xfrm>
-            <a:off x="775063" y="1913287"/>
-            <a:ext cx="5165739" cy="3810095"/>
+            <a:off x="1" y="1913287"/>
+            <a:ext cx="6244058" cy="3810095"/>
           </a:xfrm>
           <a:noFill/>
         </p:spPr>
@@ -11829,7 +11819,7 @@
               </a:rPr>
             </a:br>
             <a:r>
-              <a:rPr lang="en-US" sz="7200" b="1" dirty="0">
+              <a:rPr lang="en-US" sz="8000" b="1" dirty="0">
                 <a:solidFill>
                   <a:schemeClr val="tx1"/>
                 </a:solidFill>
@@ -11838,7 +11828,7 @@
               <a:t>Chapter – 5</a:t>
             </a:r>
             <a:br>
-              <a:rPr lang="en-US" sz="7200" b="1" dirty="0">
+              <a:rPr lang="en-US" sz="8000" b="1" dirty="0">
                 <a:solidFill>
                   <a:schemeClr val="tx1"/>
                 </a:solidFill>
@@ -11955,66 +11945,6 @@
             <a:endParaRPr lang="en-IN" dirty="0">
               <a:solidFill>
                 <a:schemeClr val="tx1"/>
-              </a:solidFill>
-            </a:endParaRPr>
-          </a:p>
-        </p:txBody>
-      </p:sp>
-      <p:sp>
-        <p:nvSpPr>
-          <p:cNvPr id="8" name="TextBox 7">
-            <a:extLst>
-              <a:ext uri="{FF2B5EF4-FFF2-40B4-BE49-F238E27FC236}">
-                <a16:creationId xmlns:a16="http://schemas.microsoft.com/office/drawing/2014/main" id="{6E6F1672-8C91-3FA6-CB80-58FD68172333}"/>
-              </a:ext>
-            </a:extLst>
-          </p:cNvPr>
-          <p:cNvSpPr txBox="1"/>
-          <p:nvPr/>
-        </p:nvSpPr>
-        <p:spPr>
-          <a:xfrm>
-            <a:off x="1884932" y="6060338"/>
-            <a:ext cx="3842170" cy="369332"/>
-          </a:xfrm>
-          <a:prstGeom prst="rect">
-            <a:avLst/>
-          </a:prstGeom>
-          <a:solidFill>
-            <a:schemeClr val="bg1">
-              <a:lumMod val="75000"/>
-              <a:lumOff val="25000"/>
-            </a:schemeClr>
-          </a:solidFill>
-        </p:spPr>
-        <p:txBody>
-          <a:bodyPr wrap="square" rtlCol="0">
-            <a:spAutoFit/>
-          </a:bodyPr>
-          <a:lstStyle/>
-          <a:p>
-            <a:pPr algn="ctr"/>
-            <a:r>
-              <a:rPr lang="en-US" b="1" dirty="0"/>
-              <a:t>Gautam Kumar- </a:t>
-            </a:r>
-            <a:r>
-              <a:rPr lang="en-US" dirty="0">
-                <a:solidFill>
-                  <a:schemeClr val="tx1">
-                    <a:lumMod val="50000"/>
-                    <a:lumOff val="50000"/>
-                  </a:schemeClr>
-                </a:solidFill>
-              </a:rPr>
-              <a:t>uidhtml.com</a:t>
-            </a:r>
-            <a:endParaRPr lang="en-IN" dirty="0">
-              <a:solidFill>
-                <a:schemeClr val="tx1">
-                  <a:lumMod val="50000"/>
-                  <a:lumOff val="50000"/>
-                </a:schemeClr>
               </a:solidFill>
             </a:endParaRPr>
           </a:p>
@@ -12244,6 +12174,61 @@
               </a:rPr>
               <a:t>Const</a:t>
             </a:r>
+          </a:p>
+        </p:txBody>
+      </p:sp>
+      <p:sp>
+        <p:nvSpPr>
+          <p:cNvPr id="3" name="TextBox 2">
+            <a:extLst>
+              <a:ext uri="{FF2B5EF4-FFF2-40B4-BE49-F238E27FC236}">
+                <a16:creationId xmlns:a16="http://schemas.microsoft.com/office/drawing/2014/main" id="{DD5598AA-6861-E19B-DE7F-5492D6CEC73C}"/>
+              </a:ext>
+            </a:extLst>
+          </p:cNvPr>
+          <p:cNvSpPr txBox="1"/>
+          <p:nvPr/>
+        </p:nvSpPr>
+        <p:spPr>
+          <a:xfrm>
+            <a:off x="0" y="6060338"/>
+            <a:ext cx="6244059" cy="369332"/>
+          </a:xfrm>
+          <a:prstGeom prst="rect">
+            <a:avLst/>
+          </a:prstGeom>
+          <a:noFill/>
+        </p:spPr>
+        <p:txBody>
+          <a:bodyPr wrap="square" rtlCol="0">
+            <a:spAutoFit/>
+          </a:bodyPr>
+          <a:lstStyle/>
+          <a:p>
+            <a:pPr algn="ctr"/>
+            <a:r>
+              <a:rPr lang="en-US" b="1" dirty="0"/>
+              <a:t>Gautam Kumar- </a:t>
+            </a:r>
+            <a:r>
+              <a:rPr lang="en-US" dirty="0">
+                <a:solidFill>
+                  <a:schemeClr val="tx1">
+                    <a:lumMod val="50000"/>
+                    <a:lumOff val="50000"/>
+                  </a:schemeClr>
+                </a:solidFill>
+              </a:rPr>
+              <a:t>uidhtml.com</a:t>
+            </a:r>
+            <a:endParaRPr lang="en-IN" dirty="0">
+              <a:solidFill>
+                <a:schemeClr val="tx1">
+                  <a:lumMod val="50000"/>
+                  <a:lumOff val="50000"/>
+                </a:schemeClr>
+              </a:solidFill>
+            </a:endParaRPr>
           </a:p>
         </p:txBody>
       </p:sp>

--- a/Javascript Tutorials.pptx
+++ b/Javascript Tutorials.pptx
@@ -26,6 +26,10 @@
     <p:sldId id="276" r:id="rId20"/>
     <p:sldId id="274" r:id="rId21"/>
     <p:sldId id="275" r:id="rId22"/>
+    <p:sldId id="277" r:id="rId23"/>
+    <p:sldId id="278" r:id="rId24"/>
+    <p:sldId id="279" r:id="rId25"/>
+    <p:sldId id="280" r:id="rId26"/>
   </p:sldIdLst>
   <p:sldSz cx="12192000" cy="6858000"/>
   <p:notesSz cx="6858000" cy="9144000"/>
@@ -126,7 +130,7 @@
   </p:defaultTextStyle>
   <p:extLst>
     <p:ext uri="{EFAFB233-063F-42B5-8137-9DF3F51BA10A}">
-      <p15:sldGuideLst xmlns:p15="http://schemas.microsoft.com/office/powerpoint/2012/main">
+      <p15:sldGuideLst xmlns:p15="http://schemas.microsoft.com/office/powerpoint/2012/main" xmlns="">
         <p15:guide id="1" orient="horz" pos="2160">
           <p15:clr>
             <a:srgbClr val="A4A3A4"/>
@@ -868,7 +872,7 @@
             <a:fld id="{48A87A34-81AB-432B-8DAE-1953F412C126}" type="datetimeFigureOut">
               <a:rPr lang="en-US" smtClean="0"/>
               <a:pPr/>
-              <a:t>8/28/2025</a:t>
+              <a:t>8/27/2025</a:t>
             </a:fld>
             <a:endParaRPr lang="en-US" dirty="0"/>
           </a:p>
@@ -920,7 +924,7 @@
     </p:spTree>
     <p:extLst>
       <p:ext uri="{BB962C8B-B14F-4D97-AF65-F5344CB8AC3E}">
-        <p14:creationId xmlns:p14="http://schemas.microsoft.com/office/powerpoint/2010/main" val="2121369331"/>
+        <p14:creationId xmlns:p14="http://schemas.microsoft.com/office/powerpoint/2010/main" xmlns="" val="2121369331"/>
       </p:ext>
     </p:extLst>
   </p:cSld>
@@ -1121,7 +1125,7 @@
             <a:fld id="{48A87A34-81AB-432B-8DAE-1953F412C126}" type="datetimeFigureOut">
               <a:rPr lang="en-US" smtClean="0"/>
               <a:pPr/>
-              <a:t>8/28/2025</a:t>
+              <a:t>8/27/2025</a:t>
             </a:fld>
             <a:endParaRPr lang="en-US" dirty="0"/>
           </a:p>
@@ -1173,7 +1177,7 @@
     </p:spTree>
     <p:extLst>
       <p:ext uri="{BB962C8B-B14F-4D97-AF65-F5344CB8AC3E}">
-        <p14:creationId xmlns:p14="http://schemas.microsoft.com/office/powerpoint/2010/main" val="4277845334"/>
+        <p14:creationId xmlns:p14="http://schemas.microsoft.com/office/powerpoint/2010/main" xmlns="" val="4277845334"/>
       </p:ext>
     </p:extLst>
   </p:cSld>
@@ -1437,7 +1441,7 @@
             <a:fld id="{48A87A34-81AB-432B-8DAE-1953F412C126}" type="datetimeFigureOut">
               <a:rPr lang="en-US" smtClean="0"/>
               <a:pPr/>
-              <a:t>8/28/2025</a:t>
+              <a:t>8/27/2025</a:t>
             </a:fld>
             <a:endParaRPr lang="en-US" dirty="0"/>
           </a:p>
@@ -1565,7 +1569,7 @@
     </p:spTree>
     <p:extLst>
       <p:ext uri="{BB962C8B-B14F-4D97-AF65-F5344CB8AC3E}">
-        <p14:creationId xmlns:p14="http://schemas.microsoft.com/office/powerpoint/2010/main" val="4103336880"/>
+        <p14:creationId xmlns:p14="http://schemas.microsoft.com/office/powerpoint/2010/main" xmlns="" val="4103336880"/>
       </p:ext>
     </p:extLst>
   </p:cSld>
@@ -1766,7 +1770,7 @@
             <a:fld id="{48A87A34-81AB-432B-8DAE-1953F412C126}" type="datetimeFigureOut">
               <a:rPr lang="en-US" smtClean="0"/>
               <a:pPr/>
-              <a:t>8/28/2025</a:t>
+              <a:t>8/27/2025</a:t>
             </a:fld>
             <a:endParaRPr lang="en-US" dirty="0"/>
           </a:p>
@@ -1818,7 +1822,7 @@
     </p:spTree>
     <p:extLst>
       <p:ext uri="{BB962C8B-B14F-4D97-AF65-F5344CB8AC3E}">
-        <p14:creationId xmlns:p14="http://schemas.microsoft.com/office/powerpoint/2010/main" val="2317848287"/>
+        <p14:creationId xmlns:p14="http://schemas.microsoft.com/office/powerpoint/2010/main" xmlns="" val="2317848287"/>
       </p:ext>
     </p:extLst>
   </p:cSld>
@@ -2082,7 +2086,7 @@
             <a:fld id="{48A87A34-81AB-432B-8DAE-1953F412C126}" type="datetimeFigureOut">
               <a:rPr lang="en-US" smtClean="0"/>
               <a:pPr/>
-              <a:t>8/28/2025</a:t>
+              <a:t>8/27/2025</a:t>
             </a:fld>
             <a:endParaRPr lang="en-US" dirty="0"/>
           </a:p>
@@ -2210,7 +2214,7 @@
     </p:spTree>
     <p:extLst>
       <p:ext uri="{BB962C8B-B14F-4D97-AF65-F5344CB8AC3E}">
-        <p14:creationId xmlns:p14="http://schemas.microsoft.com/office/powerpoint/2010/main" val="4054754721"/>
+        <p14:creationId xmlns:p14="http://schemas.microsoft.com/office/powerpoint/2010/main" xmlns="" val="4054754721"/>
       </p:ext>
     </p:extLst>
   </p:cSld>
@@ -2471,7 +2475,7 @@
             <a:fld id="{48A87A34-81AB-432B-8DAE-1953F412C126}" type="datetimeFigureOut">
               <a:rPr lang="en-US" smtClean="0"/>
               <a:pPr/>
-              <a:t>8/28/2025</a:t>
+              <a:t>8/27/2025</a:t>
             </a:fld>
             <a:endParaRPr lang="en-US" dirty="0"/>
           </a:p>
@@ -2523,7 +2527,7 @@
     </p:spTree>
     <p:extLst>
       <p:ext uri="{BB962C8B-B14F-4D97-AF65-F5344CB8AC3E}">
-        <p14:creationId xmlns:p14="http://schemas.microsoft.com/office/powerpoint/2010/main" val="3698809145"/>
+        <p14:creationId xmlns:p14="http://schemas.microsoft.com/office/powerpoint/2010/main" xmlns="" val="3698809145"/>
       </p:ext>
     </p:extLst>
   </p:cSld>
@@ -2643,7 +2647,7 @@
             <a:fld id="{48A87A34-81AB-432B-8DAE-1953F412C126}" type="datetimeFigureOut">
               <a:rPr lang="en-US" smtClean="0"/>
               <a:pPr/>
-              <a:t>8/28/2025</a:t>
+              <a:t>8/27/2025</a:t>
             </a:fld>
             <a:endParaRPr lang="en-US" dirty="0"/>
           </a:p>
@@ -2695,7 +2699,7 @@
     </p:spTree>
     <p:extLst>
       <p:ext uri="{BB962C8B-B14F-4D97-AF65-F5344CB8AC3E}">
-        <p14:creationId xmlns:p14="http://schemas.microsoft.com/office/powerpoint/2010/main" val="4102912012"/>
+        <p14:creationId xmlns:p14="http://schemas.microsoft.com/office/powerpoint/2010/main" xmlns="" val="4102912012"/>
       </p:ext>
     </p:extLst>
   </p:cSld>
@@ -2825,7 +2829,7 @@
             <a:fld id="{48A87A34-81AB-432B-8DAE-1953F412C126}" type="datetimeFigureOut">
               <a:rPr lang="en-US" smtClean="0"/>
               <a:pPr/>
-              <a:t>8/28/2025</a:t>
+              <a:t>8/27/2025</a:t>
             </a:fld>
             <a:endParaRPr lang="en-US" dirty="0"/>
           </a:p>
@@ -2877,7 +2881,7 @@
     </p:spTree>
     <p:extLst>
       <p:ext uri="{BB962C8B-B14F-4D97-AF65-F5344CB8AC3E}">
-        <p14:creationId xmlns:p14="http://schemas.microsoft.com/office/powerpoint/2010/main" val="1199620941"/>
+        <p14:creationId xmlns:p14="http://schemas.microsoft.com/office/powerpoint/2010/main" xmlns="" val="1199620941"/>
       </p:ext>
     </p:extLst>
   </p:cSld>
@@ -3003,7 +3007,7 @@
             <a:fld id="{48A87A34-81AB-432B-8DAE-1953F412C126}" type="datetimeFigureOut">
               <a:rPr lang="en-US" smtClean="0"/>
               <a:pPr/>
-              <a:t>8/28/2025</a:t>
+              <a:t>8/27/2025</a:t>
             </a:fld>
             <a:endParaRPr lang="en-US" dirty="0"/>
           </a:p>
@@ -3055,7 +3059,7 @@
     </p:spTree>
     <p:extLst>
       <p:ext uri="{BB962C8B-B14F-4D97-AF65-F5344CB8AC3E}">
-        <p14:creationId xmlns:p14="http://schemas.microsoft.com/office/powerpoint/2010/main" val="901355798"/>
+        <p14:creationId xmlns:p14="http://schemas.microsoft.com/office/powerpoint/2010/main" xmlns="" val="901355798"/>
       </p:ext>
     </p:extLst>
   </p:cSld>
@@ -3252,7 +3256,7 @@
             <a:fld id="{48A87A34-81AB-432B-8DAE-1953F412C126}" type="datetimeFigureOut">
               <a:rPr lang="en-US" smtClean="0"/>
               <a:pPr/>
-              <a:t>8/28/2025</a:t>
+              <a:t>8/27/2025</a:t>
             </a:fld>
             <a:endParaRPr lang="en-US" dirty="0"/>
           </a:p>
@@ -3304,7 +3308,7 @@
     </p:spTree>
     <p:extLst>
       <p:ext uri="{BB962C8B-B14F-4D97-AF65-F5344CB8AC3E}">
-        <p14:creationId xmlns:p14="http://schemas.microsoft.com/office/powerpoint/2010/main" val="351019068"/>
+        <p14:creationId xmlns:p14="http://schemas.microsoft.com/office/powerpoint/2010/main" xmlns="" val="351019068"/>
       </p:ext>
     </p:extLst>
   </p:cSld>
@@ -3486,7 +3490,7 @@
             <a:fld id="{48A87A34-81AB-432B-8DAE-1953F412C126}" type="datetimeFigureOut">
               <a:rPr lang="en-US" smtClean="0"/>
               <a:pPr/>
-              <a:t>8/28/2025</a:t>
+              <a:t>8/27/2025</a:t>
             </a:fld>
             <a:endParaRPr lang="en-US" dirty="0"/>
           </a:p>
@@ -3538,7 +3542,7 @@
     </p:spTree>
     <p:extLst>
       <p:ext uri="{BB962C8B-B14F-4D97-AF65-F5344CB8AC3E}">
-        <p14:creationId xmlns:p14="http://schemas.microsoft.com/office/powerpoint/2010/main" val="3037334119"/>
+        <p14:creationId xmlns:p14="http://schemas.microsoft.com/office/powerpoint/2010/main" xmlns="" val="3037334119"/>
       </p:ext>
     </p:extLst>
   </p:cSld>
@@ -3862,7 +3866,7 @@
             <a:fld id="{48A87A34-81AB-432B-8DAE-1953F412C126}" type="datetimeFigureOut">
               <a:rPr lang="en-US" smtClean="0"/>
               <a:pPr/>
-              <a:t>8/28/2025</a:t>
+              <a:t>8/27/2025</a:t>
             </a:fld>
             <a:endParaRPr lang="en-US" dirty="0"/>
           </a:p>
@@ -3914,7 +3918,7 @@
     </p:spTree>
     <p:extLst>
       <p:ext uri="{BB962C8B-B14F-4D97-AF65-F5344CB8AC3E}">
-        <p14:creationId xmlns:p14="http://schemas.microsoft.com/office/powerpoint/2010/main" val="3959179014"/>
+        <p14:creationId xmlns:p14="http://schemas.microsoft.com/office/powerpoint/2010/main" xmlns="" val="3959179014"/>
       </p:ext>
     </p:extLst>
   </p:cSld>
@@ -3987,7 +3991,7 @@
             <a:fld id="{48A87A34-81AB-432B-8DAE-1953F412C126}" type="datetimeFigureOut">
               <a:rPr lang="en-US" smtClean="0"/>
               <a:pPr/>
-              <a:t>8/28/2025</a:t>
+              <a:t>8/27/2025</a:t>
             </a:fld>
             <a:endParaRPr lang="en-US" dirty="0"/>
           </a:p>
@@ -4039,7 +4043,7 @@
     </p:spTree>
     <p:extLst>
       <p:ext uri="{BB962C8B-B14F-4D97-AF65-F5344CB8AC3E}">
-        <p14:creationId xmlns:p14="http://schemas.microsoft.com/office/powerpoint/2010/main" val="143817896"/>
+        <p14:creationId xmlns:p14="http://schemas.microsoft.com/office/powerpoint/2010/main" xmlns="" val="143817896"/>
       </p:ext>
     </p:extLst>
   </p:cSld>
@@ -4084,7 +4088,7 @@
             <a:fld id="{48A87A34-81AB-432B-8DAE-1953F412C126}" type="datetimeFigureOut">
               <a:rPr lang="en-US" smtClean="0"/>
               <a:pPr/>
-              <a:t>8/28/2025</a:t>
+              <a:t>8/27/2025</a:t>
             </a:fld>
             <a:endParaRPr lang="en-US" dirty="0"/>
           </a:p>
@@ -4136,7 +4140,7 @@
     </p:spTree>
     <p:extLst>
       <p:ext uri="{BB962C8B-B14F-4D97-AF65-F5344CB8AC3E}">
-        <p14:creationId xmlns:p14="http://schemas.microsoft.com/office/powerpoint/2010/main" val="1053529793"/>
+        <p14:creationId xmlns:p14="http://schemas.microsoft.com/office/powerpoint/2010/main" xmlns="" val="1053529793"/>
       </p:ext>
     </p:extLst>
   </p:cSld>
@@ -4341,7 +4345,7 @@
             <a:fld id="{48A87A34-81AB-432B-8DAE-1953F412C126}" type="datetimeFigureOut">
               <a:rPr lang="en-US" smtClean="0"/>
               <a:pPr/>
-              <a:t>8/28/2025</a:t>
+              <a:t>8/27/2025</a:t>
             </a:fld>
             <a:endParaRPr lang="en-US" dirty="0"/>
           </a:p>
@@ -4393,7 +4397,7 @@
     </p:spTree>
     <p:extLst>
       <p:ext uri="{BB962C8B-B14F-4D97-AF65-F5344CB8AC3E}">
-        <p14:creationId xmlns:p14="http://schemas.microsoft.com/office/powerpoint/2010/main" val="1549564702"/>
+        <p14:creationId xmlns:p14="http://schemas.microsoft.com/office/powerpoint/2010/main" xmlns="" val="1549564702"/>
       </p:ext>
     </p:extLst>
   </p:cSld>
@@ -4606,7 +4610,7 @@
             <a:fld id="{48A87A34-81AB-432B-8DAE-1953F412C126}" type="datetimeFigureOut">
               <a:rPr lang="en-US" smtClean="0"/>
               <a:pPr/>
-              <a:t>8/28/2025</a:t>
+              <a:t>8/27/2025</a:t>
             </a:fld>
             <a:endParaRPr lang="en-US" dirty="0"/>
           </a:p>
@@ -4658,7 +4662,7 @@
     </p:spTree>
     <p:extLst>
       <p:ext uri="{BB962C8B-B14F-4D97-AF65-F5344CB8AC3E}">
-        <p14:creationId xmlns:p14="http://schemas.microsoft.com/office/powerpoint/2010/main" val="1708776435"/>
+        <p14:creationId xmlns:p14="http://schemas.microsoft.com/office/powerpoint/2010/main" xmlns="" val="1708776435"/>
       </p:ext>
     </p:extLst>
   </p:cSld>
@@ -5353,7 +5357,7 @@
             <a:fld id="{48A87A34-81AB-432B-8DAE-1953F412C126}" type="datetimeFigureOut">
               <a:rPr lang="en-US" smtClean="0"/>
               <a:pPr/>
-              <a:t>8/28/2025</a:t>
+              <a:t>8/27/2025</a:t>
             </a:fld>
             <a:endParaRPr lang="en-US" dirty="0"/>
           </a:p>
@@ -5439,7 +5443,7 @@
     </p:spTree>
     <p:extLst>
       <p:ext uri="{BB962C8B-B14F-4D97-AF65-F5344CB8AC3E}">
-        <p14:creationId xmlns:p14="http://schemas.microsoft.com/office/powerpoint/2010/main" val="121865681"/>
+        <p14:creationId xmlns:p14="http://schemas.microsoft.com/office/powerpoint/2010/main" xmlns="" val="121865681"/>
       </p:ext>
     </p:extLst>
   </p:cSld>
@@ -5883,7 +5887,7 @@
           <p:cNvPr id="2" name="Title 1">
             <a:extLst>
               <a:ext uri="{FF2B5EF4-FFF2-40B4-BE49-F238E27FC236}">
-                <a16:creationId xmlns:a16="http://schemas.microsoft.com/office/drawing/2014/main" id="{EC93423C-79E8-2701-DB3F-2D4CA67D7A87}"/>
+                <a16:creationId xmlns:a16="http://schemas.microsoft.com/office/drawing/2014/main" xmlns="" id="{EC93423C-79E8-2701-DB3F-2D4CA67D7A87}"/>
               </a:ext>
             </a:extLst>
           </p:cNvPr>
@@ -5936,7 +5940,7 @@
           <p:cNvPr id="3" name="Subtitle 2">
             <a:extLst>
               <a:ext uri="{FF2B5EF4-FFF2-40B4-BE49-F238E27FC236}">
-                <a16:creationId xmlns:a16="http://schemas.microsoft.com/office/drawing/2014/main" id="{2A629AF9-FA04-B477-0E47-5B7F12E6FC7C}"/>
+                <a16:creationId xmlns:a16="http://schemas.microsoft.com/office/drawing/2014/main" xmlns="" id="{2A629AF9-FA04-B477-0E47-5B7F12E6FC7C}"/>
               </a:ext>
             </a:extLst>
           </p:cNvPr>
@@ -5972,7 +5976,7 @@
           <p:cNvPr id="4" name="TextBox 3">
             <a:extLst>
               <a:ext uri="{FF2B5EF4-FFF2-40B4-BE49-F238E27FC236}">
-                <a16:creationId xmlns:a16="http://schemas.microsoft.com/office/drawing/2014/main" id="{4BC27C14-3D93-9CDE-B1D8-91C6ACAF4DA4}"/>
+                <a16:creationId xmlns:a16="http://schemas.microsoft.com/office/drawing/2014/main" xmlns="" id="{4BC27C14-3D93-9CDE-B1D8-91C6ACAF4DA4}"/>
               </a:ext>
             </a:extLst>
           </p:cNvPr>
@@ -6021,7 +6025,7 @@
     </p:spTree>
     <p:extLst>
       <p:ext uri="{BB962C8B-B14F-4D97-AF65-F5344CB8AC3E}">
-        <p14:creationId xmlns:p14="http://schemas.microsoft.com/office/powerpoint/2010/main" val="889777050"/>
+        <p14:creationId xmlns:p14="http://schemas.microsoft.com/office/powerpoint/2010/main" xmlns="" val="889777050"/>
       </p:ext>
     </p:extLst>
   </p:cSld>
@@ -6039,7 +6043,7 @@
         <p:cNvPr id="1" name="">
           <a:extLst>
             <a:ext uri="{FF2B5EF4-FFF2-40B4-BE49-F238E27FC236}">
-              <a16:creationId xmlns:a16="http://schemas.microsoft.com/office/drawing/2014/main" id="{253BBDB7-3E52-64BD-6E92-66253059D34C}"/>
+              <a16:creationId xmlns:a16="http://schemas.microsoft.com/office/drawing/2014/main" xmlns="" id="{253BBDB7-3E52-64BD-6E92-66253059D34C}"/>
             </a:ext>
           </a:extLst>
         </p:cNvPr>
@@ -6059,7 +6063,7 @@
           <p:cNvPr id="2" name="Title 1">
             <a:extLst>
               <a:ext uri="{FF2B5EF4-FFF2-40B4-BE49-F238E27FC236}">
-                <a16:creationId xmlns:a16="http://schemas.microsoft.com/office/drawing/2014/main" id="{E55678BE-607F-2A2B-B318-30B2DA7F29B3}"/>
+                <a16:creationId xmlns:a16="http://schemas.microsoft.com/office/drawing/2014/main" xmlns="" id="{E55678BE-607F-2A2B-B318-30B2DA7F29B3}"/>
               </a:ext>
             </a:extLst>
           </p:cNvPr>
@@ -6096,7 +6100,7 @@
           <p:cNvPr id="3" name="Content Placeholder 2">
             <a:extLst>
               <a:ext uri="{FF2B5EF4-FFF2-40B4-BE49-F238E27FC236}">
-                <a16:creationId xmlns:a16="http://schemas.microsoft.com/office/drawing/2014/main" id="{A5951AC9-1751-ACAB-8097-E6D486A5D62D}"/>
+                <a16:creationId xmlns:a16="http://schemas.microsoft.com/office/drawing/2014/main" xmlns="" id="{A5951AC9-1751-ACAB-8097-E6D486A5D62D}"/>
               </a:ext>
             </a:extLst>
           </p:cNvPr>
@@ -6151,7 +6155,7 @@
           <p:cNvPr id="5" name="Ribbon: Curved and Tilted Down 4">
             <a:extLst>
               <a:ext uri="{FF2B5EF4-FFF2-40B4-BE49-F238E27FC236}">
-                <a16:creationId xmlns:a16="http://schemas.microsoft.com/office/drawing/2014/main" id="{29648F54-4274-51BA-8F35-F8C888E0A19B}"/>
+                <a16:creationId xmlns:a16="http://schemas.microsoft.com/office/drawing/2014/main" xmlns="" id="{29648F54-4274-51BA-8F35-F8C888E0A19B}"/>
               </a:ext>
             </a:extLst>
           </p:cNvPr>
@@ -6224,7 +6228,7 @@
           <p:cNvPr id="6" name="Scroll: Vertical 5">
             <a:extLst>
               <a:ext uri="{FF2B5EF4-FFF2-40B4-BE49-F238E27FC236}">
-                <a16:creationId xmlns:a16="http://schemas.microsoft.com/office/drawing/2014/main" id="{E3C4F40D-DC8F-F75B-7F98-E5029EC432CA}"/>
+                <a16:creationId xmlns:a16="http://schemas.microsoft.com/office/drawing/2014/main" xmlns="" id="{E3C4F40D-DC8F-F75B-7F98-E5029EC432CA}"/>
               </a:ext>
             </a:extLst>
           </p:cNvPr>
@@ -6540,7 +6544,7 @@
     </p:spTree>
     <p:extLst>
       <p:ext uri="{BB962C8B-B14F-4D97-AF65-F5344CB8AC3E}">
-        <p14:creationId xmlns:p14="http://schemas.microsoft.com/office/powerpoint/2010/main" val="609828687"/>
+        <p14:creationId xmlns:p14="http://schemas.microsoft.com/office/powerpoint/2010/main" xmlns="" val="609828687"/>
       </p:ext>
     </p:extLst>
   </p:cSld>
@@ -6558,7 +6562,7 @@
         <p:cNvPr id="1" name="">
           <a:extLst>
             <a:ext uri="{FF2B5EF4-FFF2-40B4-BE49-F238E27FC236}">
-              <a16:creationId xmlns:a16="http://schemas.microsoft.com/office/drawing/2014/main" id="{4586E9D7-F5F8-14CC-9DF6-FC4AF2EA4249}"/>
+              <a16:creationId xmlns:a16="http://schemas.microsoft.com/office/drawing/2014/main" xmlns="" id="{4586E9D7-F5F8-14CC-9DF6-FC4AF2EA4249}"/>
             </a:ext>
           </a:extLst>
         </p:cNvPr>
@@ -6578,7 +6582,7 @@
           <p:cNvPr id="2" name="Title 1">
             <a:extLst>
               <a:ext uri="{FF2B5EF4-FFF2-40B4-BE49-F238E27FC236}">
-                <a16:creationId xmlns:a16="http://schemas.microsoft.com/office/drawing/2014/main" id="{D8B67155-694F-FF61-7CDD-33A20A316215}"/>
+                <a16:creationId xmlns:a16="http://schemas.microsoft.com/office/drawing/2014/main" xmlns="" id="{D8B67155-694F-FF61-7CDD-33A20A316215}"/>
               </a:ext>
             </a:extLst>
           </p:cNvPr>
@@ -6615,7 +6619,7 @@
           <p:cNvPr id="3" name="Content Placeholder 2">
             <a:extLst>
               <a:ext uri="{FF2B5EF4-FFF2-40B4-BE49-F238E27FC236}">
-                <a16:creationId xmlns:a16="http://schemas.microsoft.com/office/drawing/2014/main" id="{2A53D2DA-721D-FC7E-8E09-BCBD844B6F9F}"/>
+                <a16:creationId xmlns:a16="http://schemas.microsoft.com/office/drawing/2014/main" xmlns="" id="{2A53D2DA-721D-FC7E-8E09-BCBD844B6F9F}"/>
               </a:ext>
             </a:extLst>
           </p:cNvPr>
@@ -6723,7 +6727,7 @@
           <p:cNvPr id="5" name="Ribbon: Curved and Tilted Down 4">
             <a:extLst>
               <a:ext uri="{FF2B5EF4-FFF2-40B4-BE49-F238E27FC236}">
-                <a16:creationId xmlns:a16="http://schemas.microsoft.com/office/drawing/2014/main" id="{3FA23525-E3EA-B8CB-FD6A-53084CA847A7}"/>
+                <a16:creationId xmlns:a16="http://schemas.microsoft.com/office/drawing/2014/main" xmlns="" id="{3FA23525-E3EA-B8CB-FD6A-53084CA847A7}"/>
               </a:ext>
             </a:extLst>
           </p:cNvPr>
@@ -6796,7 +6800,7 @@
           <p:cNvPr id="6" name="Scroll: Vertical 5">
             <a:extLst>
               <a:ext uri="{FF2B5EF4-FFF2-40B4-BE49-F238E27FC236}">
-                <a16:creationId xmlns:a16="http://schemas.microsoft.com/office/drawing/2014/main" id="{1A4C732A-2840-82C8-A359-298D925E33B3}"/>
+                <a16:creationId xmlns:a16="http://schemas.microsoft.com/office/drawing/2014/main" xmlns="" id="{1A4C732A-2840-82C8-A359-298D925E33B3}"/>
               </a:ext>
             </a:extLst>
           </p:cNvPr>
@@ -7112,7 +7116,7 @@
     </p:spTree>
     <p:extLst>
       <p:ext uri="{BB962C8B-B14F-4D97-AF65-F5344CB8AC3E}">
-        <p14:creationId xmlns:p14="http://schemas.microsoft.com/office/powerpoint/2010/main" val="3002471670"/>
+        <p14:creationId xmlns:p14="http://schemas.microsoft.com/office/powerpoint/2010/main" xmlns="" val="3002471670"/>
       </p:ext>
     </p:extLst>
   </p:cSld>
@@ -7144,7 +7148,7 @@
           <p:cNvPr id="9" name="Explosion: 14 Points 8">
             <a:extLst>
               <a:ext uri="{FF2B5EF4-FFF2-40B4-BE49-F238E27FC236}">
-                <a16:creationId xmlns:a16="http://schemas.microsoft.com/office/drawing/2014/main" id="{0A2CD68B-7A56-F86D-8B6F-4A8BF99B4C9E}"/>
+                <a16:creationId xmlns:a16="http://schemas.microsoft.com/office/drawing/2014/main" xmlns="" id="{0A2CD68B-7A56-F86D-8B6F-4A8BF99B4C9E}"/>
               </a:ext>
             </a:extLst>
           </p:cNvPr>
@@ -7199,7 +7203,7 @@
           <p:cNvPr id="2" name="Title 1">
             <a:extLst>
               <a:ext uri="{FF2B5EF4-FFF2-40B4-BE49-F238E27FC236}">
-                <a16:creationId xmlns:a16="http://schemas.microsoft.com/office/drawing/2014/main" id="{62BB4F8D-44B7-9866-F7B2-6375CB902974}"/>
+                <a16:creationId xmlns:a16="http://schemas.microsoft.com/office/drawing/2014/main" xmlns="" id="{62BB4F8D-44B7-9866-F7B2-6375CB902974}"/>
               </a:ext>
             </a:extLst>
           </p:cNvPr>
@@ -7212,14 +7216,14 @@
         </p:nvSpPr>
         <p:spPr>
           <a:xfrm>
-            <a:off x="0" y="1913287"/>
-            <a:ext cx="6244058" cy="3810095"/>
+            <a:off x="1131736" y="1913287"/>
+            <a:ext cx="4809066" cy="3810095"/>
           </a:xfrm>
           <a:noFill/>
         </p:spPr>
         <p:txBody>
           <a:bodyPr anchor="ctr">
-            <a:normAutofit/>
+            <a:normAutofit fontScale="90000"/>
           </a:bodyPr>
           <a:lstStyle/>
           <a:p>
@@ -7233,6 +7237,15 @@
               </a:rPr>
               <a:t>JavaScript</a:t>
             </a:r>
+            <a:r>
+              <a:rPr lang="en-US" sz="7200" b="1" dirty="0">
+                <a:solidFill>
+                  <a:schemeClr val="tx1"/>
+                </a:solidFill>
+                <a:latin typeface="Barlow Black" panose="00000A00000000000000" pitchFamily="2" charset="0"/>
+              </a:rPr>
+              <a:t/>
+            </a:r>
             <a:br>
               <a:rPr lang="en-US" sz="7200" b="1" dirty="0">
                 <a:solidFill>
@@ -7242,7 +7255,7 @@
               </a:rPr>
             </a:br>
             <a:r>
-              <a:rPr lang="en-US" sz="8000" b="1" dirty="0">
+              <a:rPr lang="en-US" sz="7200" b="1" dirty="0">
                 <a:solidFill>
                   <a:schemeClr val="tx1"/>
                 </a:solidFill>
@@ -7308,7 +7321,7 @@
           <p:cNvPr id="4" name="Ribbon: Curved and Tilted Down 3">
             <a:extLst>
               <a:ext uri="{FF2B5EF4-FFF2-40B4-BE49-F238E27FC236}">
-                <a16:creationId xmlns:a16="http://schemas.microsoft.com/office/drawing/2014/main" id="{909DBECF-689C-9AA7-1649-9166A578EDF9}"/>
+                <a16:creationId xmlns:a16="http://schemas.microsoft.com/office/drawing/2014/main" xmlns="" id="{909DBECF-689C-9AA7-1649-9166A578EDF9}"/>
               </a:ext>
             </a:extLst>
           </p:cNvPr>
@@ -7372,10 +7385,70 @@
       </p:sp>
       <p:sp>
         <p:nvSpPr>
+          <p:cNvPr id="8" name="TextBox 7">
+            <a:extLst>
+              <a:ext uri="{FF2B5EF4-FFF2-40B4-BE49-F238E27FC236}">
+                <a16:creationId xmlns:a16="http://schemas.microsoft.com/office/drawing/2014/main" xmlns="" id="{6E6F1672-8C91-3FA6-CB80-58FD68172333}"/>
+              </a:ext>
+            </a:extLst>
+          </p:cNvPr>
+          <p:cNvSpPr txBox="1"/>
+          <p:nvPr/>
+        </p:nvSpPr>
+        <p:spPr>
+          <a:xfrm>
+            <a:off x="1791180" y="6045586"/>
+            <a:ext cx="3842170" cy="369332"/>
+          </a:xfrm>
+          <a:prstGeom prst="rect">
+            <a:avLst/>
+          </a:prstGeom>
+          <a:solidFill>
+            <a:schemeClr val="bg1">
+              <a:lumMod val="75000"/>
+              <a:lumOff val="25000"/>
+            </a:schemeClr>
+          </a:solidFill>
+        </p:spPr>
+        <p:txBody>
+          <a:bodyPr wrap="square" rtlCol="0">
+            <a:spAutoFit/>
+          </a:bodyPr>
+          <a:lstStyle/>
+          <a:p>
+            <a:pPr algn="ctr"/>
+            <a:r>
+              <a:rPr lang="en-US" b="1" dirty="0"/>
+              <a:t>Gautam Kumar- </a:t>
+            </a:r>
+            <a:r>
+              <a:rPr lang="en-US" dirty="0">
+                <a:solidFill>
+                  <a:schemeClr val="tx1">
+                    <a:lumMod val="50000"/>
+                    <a:lumOff val="50000"/>
+                  </a:schemeClr>
+                </a:solidFill>
+              </a:rPr>
+              <a:t>uidhtml.com</a:t>
+            </a:r>
+            <a:endParaRPr lang="en-IN" dirty="0">
+              <a:solidFill>
+                <a:schemeClr val="tx1">
+                  <a:lumMod val="50000"/>
+                  <a:lumOff val="50000"/>
+                </a:schemeClr>
+              </a:solidFill>
+            </a:endParaRPr>
+          </a:p>
+        </p:txBody>
+      </p:sp>
+      <p:sp>
+        <p:nvSpPr>
           <p:cNvPr id="5" name="Scroll: Vertical 4">
             <a:extLst>
               <a:ext uri="{FF2B5EF4-FFF2-40B4-BE49-F238E27FC236}">
-                <a16:creationId xmlns:a16="http://schemas.microsoft.com/office/drawing/2014/main" id="{38EB993A-3F18-C6B7-226F-EDD62B4B31DB}"/>
+                <a16:creationId xmlns:a16="http://schemas.microsoft.com/office/drawing/2014/main" xmlns="" id="{38EB993A-3F18-C6B7-226F-EDD62B4B31DB}"/>
               </a:ext>
             </a:extLst>
           </p:cNvPr>
@@ -7528,65 +7601,10 @@
           </a:p>
         </p:txBody>
       </p:sp>
-      <p:sp>
-        <p:nvSpPr>
-          <p:cNvPr id="3" name="TextBox 2">
-            <a:extLst>
-              <a:ext uri="{FF2B5EF4-FFF2-40B4-BE49-F238E27FC236}">
-                <a16:creationId xmlns:a16="http://schemas.microsoft.com/office/drawing/2014/main" id="{A113C514-AC8E-C36A-4B46-42A71C6C8EB6}"/>
-              </a:ext>
-            </a:extLst>
-          </p:cNvPr>
-          <p:cNvSpPr txBox="1"/>
-          <p:nvPr/>
-        </p:nvSpPr>
-        <p:spPr>
-          <a:xfrm>
-            <a:off x="0" y="6060338"/>
-            <a:ext cx="6244059" cy="369332"/>
-          </a:xfrm>
-          <a:prstGeom prst="rect">
-            <a:avLst/>
-          </a:prstGeom>
-          <a:noFill/>
-        </p:spPr>
-        <p:txBody>
-          <a:bodyPr wrap="square" rtlCol="0">
-            <a:spAutoFit/>
-          </a:bodyPr>
-          <a:lstStyle/>
-          <a:p>
-            <a:pPr algn="ctr"/>
-            <a:r>
-              <a:rPr lang="en-US" b="1" dirty="0"/>
-              <a:t>Gautam Kumar- </a:t>
-            </a:r>
-            <a:r>
-              <a:rPr lang="en-US" dirty="0">
-                <a:solidFill>
-                  <a:schemeClr val="tx1">
-                    <a:lumMod val="50000"/>
-                    <a:lumOff val="50000"/>
-                  </a:schemeClr>
-                </a:solidFill>
-              </a:rPr>
-              <a:t>uidhtml.com</a:t>
-            </a:r>
-            <a:endParaRPr lang="en-IN" dirty="0">
-              <a:solidFill>
-                <a:schemeClr val="tx1">
-                  <a:lumMod val="50000"/>
-                  <a:lumOff val="50000"/>
-                </a:schemeClr>
-              </a:solidFill>
-            </a:endParaRPr>
-          </a:p>
-        </p:txBody>
-      </p:sp>
     </p:spTree>
     <p:extLst>
       <p:ext uri="{BB962C8B-B14F-4D97-AF65-F5344CB8AC3E}">
-        <p14:creationId xmlns:p14="http://schemas.microsoft.com/office/powerpoint/2010/main" val="3287175084"/>
+        <p14:creationId xmlns:p14="http://schemas.microsoft.com/office/powerpoint/2010/main" xmlns="" val="3287175084"/>
       </p:ext>
     </p:extLst>
   </p:cSld>
@@ -7604,7 +7622,7 @@
         <p:cNvPr id="1" name="">
           <a:extLst>
             <a:ext uri="{FF2B5EF4-FFF2-40B4-BE49-F238E27FC236}">
-              <a16:creationId xmlns:a16="http://schemas.microsoft.com/office/drawing/2014/main" id="{4586E9D7-F5F8-14CC-9DF6-FC4AF2EA4249}"/>
+              <a16:creationId xmlns:a16="http://schemas.microsoft.com/office/drawing/2014/main" xmlns="" id="{4586E9D7-F5F8-14CC-9DF6-FC4AF2EA4249}"/>
             </a:ext>
           </a:extLst>
         </p:cNvPr>
@@ -7624,7 +7642,7 @@
           <p:cNvPr id="2" name="Title 1">
             <a:extLst>
               <a:ext uri="{FF2B5EF4-FFF2-40B4-BE49-F238E27FC236}">
-                <a16:creationId xmlns:a16="http://schemas.microsoft.com/office/drawing/2014/main" id="{D8B67155-694F-FF61-7CDD-33A20A316215}"/>
+                <a16:creationId xmlns:a16="http://schemas.microsoft.com/office/drawing/2014/main" xmlns="" id="{D8B67155-694F-FF61-7CDD-33A20A316215}"/>
               </a:ext>
             </a:extLst>
           </p:cNvPr>
@@ -7662,7 +7680,7 @@
           <p:cNvPr id="3" name="Content Placeholder 2">
             <a:extLst>
               <a:ext uri="{FF2B5EF4-FFF2-40B4-BE49-F238E27FC236}">
-                <a16:creationId xmlns:a16="http://schemas.microsoft.com/office/drawing/2014/main" id="{2A53D2DA-721D-FC7E-8E09-BCBD844B6F9F}"/>
+                <a16:creationId xmlns:a16="http://schemas.microsoft.com/office/drawing/2014/main" xmlns="" id="{2A53D2DA-721D-FC7E-8E09-BCBD844B6F9F}"/>
               </a:ext>
             </a:extLst>
           </p:cNvPr>
@@ -7710,7 +7728,7 @@
           <p:cNvPr id="5" name="Ribbon: Curved and Tilted Down 4">
             <a:extLst>
               <a:ext uri="{FF2B5EF4-FFF2-40B4-BE49-F238E27FC236}">
-                <a16:creationId xmlns:a16="http://schemas.microsoft.com/office/drawing/2014/main" id="{3FA23525-E3EA-B8CB-FD6A-53084CA847A7}"/>
+                <a16:creationId xmlns:a16="http://schemas.microsoft.com/office/drawing/2014/main" xmlns="" id="{3FA23525-E3EA-B8CB-FD6A-53084CA847A7}"/>
               </a:ext>
             </a:extLst>
           </p:cNvPr>
@@ -7783,7 +7801,7 @@
           <p:cNvPr id="6" name="Scroll: Vertical 5">
             <a:extLst>
               <a:ext uri="{FF2B5EF4-FFF2-40B4-BE49-F238E27FC236}">
-                <a16:creationId xmlns:a16="http://schemas.microsoft.com/office/drawing/2014/main" id="{1A4C732A-2840-82C8-A359-298D925E33B3}"/>
+                <a16:creationId xmlns:a16="http://schemas.microsoft.com/office/drawing/2014/main" xmlns="" id="{1A4C732A-2840-82C8-A359-298D925E33B3}"/>
               </a:ext>
             </a:extLst>
           </p:cNvPr>
@@ -7973,7 +7991,7 @@
     </p:spTree>
     <p:extLst>
       <p:ext uri="{BB962C8B-B14F-4D97-AF65-F5344CB8AC3E}">
-        <p14:creationId xmlns:p14="http://schemas.microsoft.com/office/powerpoint/2010/main" val="3002471670"/>
+        <p14:creationId xmlns:p14="http://schemas.microsoft.com/office/powerpoint/2010/main" xmlns="" val="3002471670"/>
       </p:ext>
     </p:extLst>
   </p:cSld>
@@ -7991,7 +8009,7 @@
         <p:cNvPr id="1" name="">
           <a:extLst>
             <a:ext uri="{FF2B5EF4-FFF2-40B4-BE49-F238E27FC236}">
-              <a16:creationId xmlns:a16="http://schemas.microsoft.com/office/drawing/2014/main" id="{4586E9D7-F5F8-14CC-9DF6-FC4AF2EA4249}"/>
+              <a16:creationId xmlns:a16="http://schemas.microsoft.com/office/drawing/2014/main" xmlns="" id="{4586E9D7-F5F8-14CC-9DF6-FC4AF2EA4249}"/>
             </a:ext>
           </a:extLst>
         </p:cNvPr>
@@ -8011,7 +8029,7 @@
           <p:cNvPr id="2" name="Title 1">
             <a:extLst>
               <a:ext uri="{FF2B5EF4-FFF2-40B4-BE49-F238E27FC236}">
-                <a16:creationId xmlns:a16="http://schemas.microsoft.com/office/drawing/2014/main" id="{D8B67155-694F-FF61-7CDD-33A20A316215}"/>
+                <a16:creationId xmlns:a16="http://schemas.microsoft.com/office/drawing/2014/main" xmlns="" id="{D8B67155-694F-FF61-7CDD-33A20A316215}"/>
               </a:ext>
             </a:extLst>
           </p:cNvPr>
@@ -8049,7 +8067,7 @@
           <p:cNvPr id="3" name="Content Placeholder 2">
             <a:extLst>
               <a:ext uri="{FF2B5EF4-FFF2-40B4-BE49-F238E27FC236}">
-                <a16:creationId xmlns:a16="http://schemas.microsoft.com/office/drawing/2014/main" id="{2A53D2DA-721D-FC7E-8E09-BCBD844B6F9F}"/>
+                <a16:creationId xmlns:a16="http://schemas.microsoft.com/office/drawing/2014/main" xmlns="" id="{2A53D2DA-721D-FC7E-8E09-BCBD844B6F9F}"/>
               </a:ext>
             </a:extLst>
           </p:cNvPr>
@@ -8173,7 +8191,7 @@
           <p:cNvPr id="5" name="Ribbon: Curved and Tilted Down 4">
             <a:extLst>
               <a:ext uri="{FF2B5EF4-FFF2-40B4-BE49-F238E27FC236}">
-                <a16:creationId xmlns:a16="http://schemas.microsoft.com/office/drawing/2014/main" id="{3FA23525-E3EA-B8CB-FD6A-53084CA847A7}"/>
+                <a16:creationId xmlns:a16="http://schemas.microsoft.com/office/drawing/2014/main" xmlns="" id="{3FA23525-E3EA-B8CB-FD6A-53084CA847A7}"/>
               </a:ext>
             </a:extLst>
           </p:cNvPr>
@@ -8246,7 +8264,7 @@
           <p:cNvPr id="6" name="Scroll: Vertical 5">
             <a:extLst>
               <a:ext uri="{FF2B5EF4-FFF2-40B4-BE49-F238E27FC236}">
-                <a16:creationId xmlns:a16="http://schemas.microsoft.com/office/drawing/2014/main" id="{1A4C732A-2840-82C8-A359-298D925E33B3}"/>
+                <a16:creationId xmlns:a16="http://schemas.microsoft.com/office/drawing/2014/main" xmlns="" id="{1A4C732A-2840-82C8-A359-298D925E33B3}"/>
               </a:ext>
             </a:extLst>
           </p:cNvPr>
@@ -8436,7 +8454,7 @@
     </p:spTree>
     <p:extLst>
       <p:ext uri="{BB962C8B-B14F-4D97-AF65-F5344CB8AC3E}">
-        <p14:creationId xmlns:p14="http://schemas.microsoft.com/office/powerpoint/2010/main" val="3002471670"/>
+        <p14:creationId xmlns:p14="http://schemas.microsoft.com/office/powerpoint/2010/main" xmlns="" val="3002471670"/>
       </p:ext>
     </p:extLst>
   </p:cSld>
@@ -8454,7 +8472,7 @@
         <p:cNvPr id="1" name="">
           <a:extLst>
             <a:ext uri="{FF2B5EF4-FFF2-40B4-BE49-F238E27FC236}">
-              <a16:creationId xmlns:a16="http://schemas.microsoft.com/office/drawing/2014/main" id="{4586E9D7-F5F8-14CC-9DF6-FC4AF2EA4249}"/>
+              <a16:creationId xmlns:a16="http://schemas.microsoft.com/office/drawing/2014/main" xmlns="" id="{4586E9D7-F5F8-14CC-9DF6-FC4AF2EA4249}"/>
             </a:ext>
           </a:extLst>
         </p:cNvPr>
@@ -8474,7 +8492,7 @@
           <p:cNvPr id="2" name="Title 1">
             <a:extLst>
               <a:ext uri="{FF2B5EF4-FFF2-40B4-BE49-F238E27FC236}">
-                <a16:creationId xmlns:a16="http://schemas.microsoft.com/office/drawing/2014/main" id="{D8B67155-694F-FF61-7CDD-33A20A316215}"/>
+                <a16:creationId xmlns:a16="http://schemas.microsoft.com/office/drawing/2014/main" xmlns="" id="{D8B67155-694F-FF61-7CDD-33A20A316215}"/>
               </a:ext>
             </a:extLst>
           </p:cNvPr>
@@ -8512,7 +8530,7 @@
           <p:cNvPr id="3" name="Content Placeholder 2">
             <a:extLst>
               <a:ext uri="{FF2B5EF4-FFF2-40B4-BE49-F238E27FC236}">
-                <a16:creationId xmlns:a16="http://schemas.microsoft.com/office/drawing/2014/main" id="{2A53D2DA-721D-FC7E-8E09-BCBD844B6F9F}"/>
+                <a16:creationId xmlns:a16="http://schemas.microsoft.com/office/drawing/2014/main" xmlns="" id="{2A53D2DA-721D-FC7E-8E09-BCBD844B6F9F}"/>
               </a:ext>
             </a:extLst>
           </p:cNvPr>
@@ -8551,7 +8569,7 @@
           <p:cNvPr id="5" name="Ribbon: Curved and Tilted Down 4">
             <a:extLst>
               <a:ext uri="{FF2B5EF4-FFF2-40B4-BE49-F238E27FC236}">
-                <a16:creationId xmlns:a16="http://schemas.microsoft.com/office/drawing/2014/main" id="{3FA23525-E3EA-B8CB-FD6A-53084CA847A7}"/>
+                <a16:creationId xmlns:a16="http://schemas.microsoft.com/office/drawing/2014/main" xmlns="" id="{3FA23525-E3EA-B8CB-FD6A-53084CA847A7}"/>
               </a:ext>
             </a:extLst>
           </p:cNvPr>
@@ -8624,7 +8642,7 @@
           <p:cNvPr id="6" name="Scroll: Vertical 5">
             <a:extLst>
               <a:ext uri="{FF2B5EF4-FFF2-40B4-BE49-F238E27FC236}">
-                <a16:creationId xmlns:a16="http://schemas.microsoft.com/office/drawing/2014/main" id="{1A4C732A-2840-82C8-A359-298D925E33B3}"/>
+                <a16:creationId xmlns:a16="http://schemas.microsoft.com/office/drawing/2014/main" xmlns="" id="{1A4C732A-2840-82C8-A359-298D925E33B3}"/>
               </a:ext>
             </a:extLst>
           </p:cNvPr>
@@ -8847,7 +8865,7 @@
     </p:spTree>
     <p:extLst>
       <p:ext uri="{BB962C8B-B14F-4D97-AF65-F5344CB8AC3E}">
-        <p14:creationId xmlns:p14="http://schemas.microsoft.com/office/powerpoint/2010/main" val="3002471670"/>
+        <p14:creationId xmlns:p14="http://schemas.microsoft.com/office/powerpoint/2010/main" xmlns="" val="3002471670"/>
       </p:ext>
     </p:extLst>
   </p:cSld>
@@ -8865,7 +8883,7 @@
         <p:cNvPr id="1" name="">
           <a:extLst>
             <a:ext uri="{FF2B5EF4-FFF2-40B4-BE49-F238E27FC236}">
-              <a16:creationId xmlns:a16="http://schemas.microsoft.com/office/drawing/2014/main" id="{4586E9D7-F5F8-14CC-9DF6-FC4AF2EA4249}"/>
+              <a16:creationId xmlns:a16="http://schemas.microsoft.com/office/drawing/2014/main" xmlns="" id="{4586E9D7-F5F8-14CC-9DF6-FC4AF2EA4249}"/>
             </a:ext>
           </a:extLst>
         </p:cNvPr>
@@ -8885,7 +8903,7 @@
           <p:cNvPr id="2" name="Title 1">
             <a:extLst>
               <a:ext uri="{FF2B5EF4-FFF2-40B4-BE49-F238E27FC236}">
-                <a16:creationId xmlns:a16="http://schemas.microsoft.com/office/drawing/2014/main" id="{D8B67155-694F-FF61-7CDD-33A20A316215}"/>
+                <a16:creationId xmlns:a16="http://schemas.microsoft.com/office/drawing/2014/main" xmlns="" id="{D8B67155-694F-FF61-7CDD-33A20A316215}"/>
               </a:ext>
             </a:extLst>
           </p:cNvPr>
@@ -8923,7 +8941,7 @@
           <p:cNvPr id="3" name="Content Placeholder 2">
             <a:extLst>
               <a:ext uri="{FF2B5EF4-FFF2-40B4-BE49-F238E27FC236}">
-                <a16:creationId xmlns:a16="http://schemas.microsoft.com/office/drawing/2014/main" id="{2A53D2DA-721D-FC7E-8E09-BCBD844B6F9F}"/>
+                <a16:creationId xmlns:a16="http://schemas.microsoft.com/office/drawing/2014/main" xmlns="" id="{2A53D2DA-721D-FC7E-8E09-BCBD844B6F9F}"/>
               </a:ext>
             </a:extLst>
           </p:cNvPr>
@@ -9120,7 +9138,7 @@
           <p:cNvPr id="5" name="Ribbon: Curved and Tilted Down 4">
             <a:extLst>
               <a:ext uri="{FF2B5EF4-FFF2-40B4-BE49-F238E27FC236}">
-                <a16:creationId xmlns:a16="http://schemas.microsoft.com/office/drawing/2014/main" id="{3FA23525-E3EA-B8CB-FD6A-53084CA847A7}"/>
+                <a16:creationId xmlns:a16="http://schemas.microsoft.com/office/drawing/2014/main" xmlns="" id="{3FA23525-E3EA-B8CB-FD6A-53084CA847A7}"/>
               </a:ext>
             </a:extLst>
           </p:cNvPr>
@@ -9193,7 +9211,7 @@
           <p:cNvPr id="6" name="Scroll: Vertical 5">
             <a:extLst>
               <a:ext uri="{FF2B5EF4-FFF2-40B4-BE49-F238E27FC236}">
-                <a16:creationId xmlns:a16="http://schemas.microsoft.com/office/drawing/2014/main" id="{1A4C732A-2840-82C8-A359-298D925E33B3}"/>
+                <a16:creationId xmlns:a16="http://schemas.microsoft.com/office/drawing/2014/main" xmlns="" id="{1A4C732A-2840-82C8-A359-298D925E33B3}"/>
               </a:ext>
             </a:extLst>
           </p:cNvPr>
@@ -9383,7 +9401,7 @@
     </p:spTree>
     <p:extLst>
       <p:ext uri="{BB962C8B-B14F-4D97-AF65-F5344CB8AC3E}">
-        <p14:creationId xmlns:p14="http://schemas.microsoft.com/office/powerpoint/2010/main" val="3002471670"/>
+        <p14:creationId xmlns:p14="http://schemas.microsoft.com/office/powerpoint/2010/main" xmlns="" val="3002471670"/>
       </p:ext>
     </p:extLst>
   </p:cSld>
@@ -9415,7 +9433,7 @@
           <p:cNvPr id="9" name="Explosion: 14 Points 8">
             <a:extLst>
               <a:ext uri="{FF2B5EF4-FFF2-40B4-BE49-F238E27FC236}">
-                <a16:creationId xmlns:a16="http://schemas.microsoft.com/office/drawing/2014/main" id="{0A2CD68B-7A56-F86D-8B6F-4A8BF99B4C9E}"/>
+                <a16:creationId xmlns:a16="http://schemas.microsoft.com/office/drawing/2014/main" xmlns="" id="{0A2CD68B-7A56-F86D-8B6F-4A8BF99B4C9E}"/>
               </a:ext>
             </a:extLst>
           </p:cNvPr>
@@ -9470,7 +9488,7 @@
           <p:cNvPr id="2" name="Title 1">
             <a:extLst>
               <a:ext uri="{FF2B5EF4-FFF2-40B4-BE49-F238E27FC236}">
-                <a16:creationId xmlns:a16="http://schemas.microsoft.com/office/drawing/2014/main" id="{62BB4F8D-44B7-9866-F7B2-6375CB902974}"/>
+                <a16:creationId xmlns:a16="http://schemas.microsoft.com/office/drawing/2014/main" xmlns="" id="{62BB4F8D-44B7-9866-F7B2-6375CB902974}"/>
               </a:ext>
             </a:extLst>
           </p:cNvPr>
@@ -9483,14 +9501,14 @@
         </p:nvSpPr>
         <p:spPr>
           <a:xfrm>
-            <a:off x="0" y="1913287"/>
-            <a:ext cx="6244059" cy="3810095"/>
+            <a:off x="1131736" y="1913287"/>
+            <a:ext cx="4809066" cy="3810095"/>
           </a:xfrm>
           <a:noFill/>
         </p:spPr>
         <p:txBody>
           <a:bodyPr anchor="ctr">
-            <a:normAutofit/>
+            <a:normAutofit fontScale="90000"/>
           </a:bodyPr>
           <a:lstStyle/>
           <a:p>
@@ -9504,6 +9522,15 @@
               </a:rPr>
               <a:t>JavaScript</a:t>
             </a:r>
+            <a:r>
+              <a:rPr lang="en-US" sz="7200" b="1" dirty="0">
+                <a:solidFill>
+                  <a:schemeClr val="tx1"/>
+                </a:solidFill>
+                <a:latin typeface="Barlow Black" panose="00000A00000000000000" pitchFamily="2" charset="0"/>
+              </a:rPr>
+              <a:t/>
+            </a:r>
             <a:br>
               <a:rPr lang="en-US" sz="7200" b="1" dirty="0">
                 <a:solidFill>
@@ -9513,7 +9540,7 @@
               </a:rPr>
             </a:br>
             <a:r>
-              <a:rPr lang="en-US" sz="8000" b="1" dirty="0">
+              <a:rPr lang="en-US" sz="7200" b="1" dirty="0">
                 <a:solidFill>
                   <a:schemeClr val="tx1"/>
                 </a:solidFill>
@@ -9522,7 +9549,7 @@
               <a:t>Chapter – 3</a:t>
             </a:r>
             <a:br>
-              <a:rPr lang="en-US" sz="8000" b="1" dirty="0">
+              <a:rPr lang="en-US" sz="7200" b="1" dirty="0">
                 <a:solidFill>
                   <a:schemeClr val="tx1"/>
                 </a:solidFill>
@@ -9579,7 +9606,7 @@
           <p:cNvPr id="4" name="Ribbon: Curved and Tilted Down 3">
             <a:extLst>
               <a:ext uri="{FF2B5EF4-FFF2-40B4-BE49-F238E27FC236}">
-                <a16:creationId xmlns:a16="http://schemas.microsoft.com/office/drawing/2014/main" id="{909DBECF-689C-9AA7-1649-9166A578EDF9}"/>
+                <a16:creationId xmlns:a16="http://schemas.microsoft.com/office/drawing/2014/main" xmlns="" id="{909DBECF-689C-9AA7-1649-9166A578EDF9}"/>
               </a:ext>
             </a:extLst>
           </p:cNvPr>
@@ -9643,65 +9670,10 @@
       </p:sp>
       <p:sp>
         <p:nvSpPr>
-          <p:cNvPr id="3" name="TextBox 2">
-            <a:extLst>
-              <a:ext uri="{FF2B5EF4-FFF2-40B4-BE49-F238E27FC236}">
-                <a16:creationId xmlns:a16="http://schemas.microsoft.com/office/drawing/2014/main" id="{2730E33A-35E0-0E5A-5F63-BBACEF5E855C}"/>
-              </a:ext>
-            </a:extLst>
-          </p:cNvPr>
-          <p:cNvSpPr txBox="1"/>
-          <p:nvPr/>
-        </p:nvSpPr>
-        <p:spPr>
-          <a:xfrm>
-            <a:off x="0" y="6060338"/>
-            <a:ext cx="6244059" cy="369332"/>
-          </a:xfrm>
-          <a:prstGeom prst="rect">
-            <a:avLst/>
-          </a:prstGeom>
-          <a:noFill/>
-        </p:spPr>
-        <p:txBody>
-          <a:bodyPr wrap="square" rtlCol="0">
-            <a:spAutoFit/>
-          </a:bodyPr>
-          <a:lstStyle/>
-          <a:p>
-            <a:pPr algn="ctr"/>
-            <a:r>
-              <a:rPr lang="en-US" b="1" dirty="0"/>
-              <a:t>Gautam Kumar- </a:t>
-            </a:r>
-            <a:r>
-              <a:rPr lang="en-US" dirty="0">
-                <a:solidFill>
-                  <a:schemeClr val="tx1">
-                    <a:lumMod val="50000"/>
-                    <a:lumOff val="50000"/>
-                  </a:schemeClr>
-                </a:solidFill>
-              </a:rPr>
-              <a:t>uidhtml.com</a:t>
-            </a:r>
-            <a:endParaRPr lang="en-IN" dirty="0">
-              <a:solidFill>
-                <a:schemeClr val="tx1">
-                  <a:lumMod val="50000"/>
-                  <a:lumOff val="50000"/>
-                </a:schemeClr>
-              </a:solidFill>
-            </a:endParaRPr>
-          </a:p>
-        </p:txBody>
-      </p:sp>
-      <p:sp>
-        <p:nvSpPr>
           <p:cNvPr id="5" name="Scroll: Vertical 4">
             <a:extLst>
               <a:ext uri="{FF2B5EF4-FFF2-40B4-BE49-F238E27FC236}">
-                <a16:creationId xmlns:a16="http://schemas.microsoft.com/office/drawing/2014/main" id="{38EB993A-3F18-C6B7-226F-EDD62B4B31DB}"/>
+                <a16:creationId xmlns:a16="http://schemas.microsoft.com/office/drawing/2014/main" xmlns="" id="{38EB993A-3F18-C6B7-226F-EDD62B4B31DB}"/>
               </a:ext>
             </a:extLst>
           </p:cNvPr>
@@ -10108,10 +10080,70 @@
           </a:p>
         </p:txBody>
       </p:sp>
+      <p:sp>
+        <p:nvSpPr>
+          <p:cNvPr id="8" name="TextBox 7">
+            <a:extLst>
+              <a:ext uri="{FF2B5EF4-FFF2-40B4-BE49-F238E27FC236}">
+                <a16:creationId xmlns:a16="http://schemas.microsoft.com/office/drawing/2014/main" xmlns="" id="{6E6F1672-8C91-3FA6-CB80-58FD68172333}"/>
+              </a:ext>
+            </a:extLst>
+          </p:cNvPr>
+          <p:cNvSpPr txBox="1"/>
+          <p:nvPr/>
+        </p:nvSpPr>
+        <p:spPr>
+          <a:xfrm>
+            <a:off x="1719470" y="5842623"/>
+            <a:ext cx="3842170" cy="369332"/>
+          </a:xfrm>
+          <a:prstGeom prst="rect">
+            <a:avLst/>
+          </a:prstGeom>
+          <a:solidFill>
+            <a:schemeClr val="bg1">
+              <a:lumMod val="75000"/>
+              <a:lumOff val="25000"/>
+            </a:schemeClr>
+          </a:solidFill>
+        </p:spPr>
+        <p:txBody>
+          <a:bodyPr wrap="square" rtlCol="0">
+            <a:spAutoFit/>
+          </a:bodyPr>
+          <a:lstStyle/>
+          <a:p>
+            <a:pPr algn="ctr"/>
+            <a:r>
+              <a:rPr lang="en-US" b="1" dirty="0"/>
+              <a:t>Gautam Kumar- </a:t>
+            </a:r>
+            <a:r>
+              <a:rPr lang="en-US" dirty="0">
+                <a:solidFill>
+                  <a:schemeClr val="tx1">
+                    <a:lumMod val="50000"/>
+                    <a:lumOff val="50000"/>
+                  </a:schemeClr>
+                </a:solidFill>
+              </a:rPr>
+              <a:t>uidhtml.com</a:t>
+            </a:r>
+            <a:endParaRPr lang="en-IN" dirty="0">
+              <a:solidFill>
+                <a:schemeClr val="tx1">
+                  <a:lumMod val="50000"/>
+                  <a:lumOff val="50000"/>
+                </a:schemeClr>
+              </a:solidFill>
+            </a:endParaRPr>
+          </a:p>
+        </p:txBody>
+      </p:sp>
     </p:spTree>
     <p:extLst>
       <p:ext uri="{BB962C8B-B14F-4D97-AF65-F5344CB8AC3E}">
-        <p14:creationId xmlns:p14="http://schemas.microsoft.com/office/powerpoint/2010/main" val="3287175084"/>
+        <p14:creationId xmlns:p14="http://schemas.microsoft.com/office/powerpoint/2010/main" xmlns="" val="3287175084"/>
       </p:ext>
     </p:extLst>
   </p:cSld>
@@ -10143,7 +10175,7 @@
           <p:cNvPr id="9" name="Explosion: 14 Points 8">
             <a:extLst>
               <a:ext uri="{FF2B5EF4-FFF2-40B4-BE49-F238E27FC236}">
-                <a16:creationId xmlns:a16="http://schemas.microsoft.com/office/drawing/2014/main" id="{0A2CD68B-7A56-F86D-8B6F-4A8BF99B4C9E}"/>
+                <a16:creationId xmlns:a16="http://schemas.microsoft.com/office/drawing/2014/main" xmlns="" id="{0A2CD68B-7A56-F86D-8B6F-4A8BF99B4C9E}"/>
               </a:ext>
             </a:extLst>
           </p:cNvPr>
@@ -10198,7 +10230,7 @@
           <p:cNvPr id="2" name="Title 1">
             <a:extLst>
               <a:ext uri="{FF2B5EF4-FFF2-40B4-BE49-F238E27FC236}">
-                <a16:creationId xmlns:a16="http://schemas.microsoft.com/office/drawing/2014/main" id="{62BB4F8D-44B7-9866-F7B2-6375CB902974}"/>
+                <a16:creationId xmlns:a16="http://schemas.microsoft.com/office/drawing/2014/main" xmlns="" id="{62BB4F8D-44B7-9866-F7B2-6375CB902974}"/>
               </a:ext>
             </a:extLst>
           </p:cNvPr>
@@ -10211,8 +10243,8 @@
         </p:nvSpPr>
         <p:spPr>
           <a:xfrm>
-            <a:off x="1" y="1913287"/>
-            <a:ext cx="6244058" cy="3810095"/>
+            <a:off x="775063" y="1913287"/>
+            <a:ext cx="5165739" cy="3810095"/>
           </a:xfrm>
           <a:noFill/>
         </p:spPr>
@@ -10232,6 +10264,15 @@
               </a:rPr>
               <a:t>JavaScript</a:t>
             </a:r>
+            <a:r>
+              <a:rPr lang="en-US" sz="7200" b="1" dirty="0">
+                <a:solidFill>
+                  <a:schemeClr val="tx1"/>
+                </a:solidFill>
+                <a:latin typeface="Barlow Black" panose="00000A00000000000000" pitchFamily="2" charset="0"/>
+              </a:rPr>
+              <a:t/>
+            </a:r>
             <a:br>
               <a:rPr lang="en-US" sz="7200" b="1" dirty="0">
                 <a:solidFill>
@@ -10241,7 +10282,7 @@
               </a:rPr>
             </a:br>
             <a:r>
-              <a:rPr lang="en-US" sz="8000" b="1" dirty="0">
+              <a:rPr lang="en-US" sz="7200" b="1" dirty="0">
                 <a:solidFill>
                   <a:schemeClr val="tx1"/>
                 </a:solidFill>
@@ -10250,7 +10291,7 @@
               <a:t>Chapter – 4</a:t>
             </a:r>
             <a:br>
-              <a:rPr lang="en-US" sz="8000" b="1" dirty="0">
+              <a:rPr lang="en-US" sz="7200" b="1" dirty="0">
                 <a:solidFill>
                   <a:schemeClr val="tx1"/>
                 </a:solidFill>
@@ -10310,7 +10351,7 @@
           <p:cNvPr id="4" name="Ribbon: Curved and Tilted Down 3">
             <a:extLst>
               <a:ext uri="{FF2B5EF4-FFF2-40B4-BE49-F238E27FC236}">
-                <a16:creationId xmlns:a16="http://schemas.microsoft.com/office/drawing/2014/main" id="{909DBECF-689C-9AA7-1649-9166A578EDF9}"/>
+                <a16:creationId xmlns:a16="http://schemas.microsoft.com/office/drawing/2014/main" xmlns="" id="{909DBECF-689C-9AA7-1649-9166A578EDF9}"/>
               </a:ext>
             </a:extLst>
           </p:cNvPr>
@@ -10374,10 +10415,70 @@
       </p:sp>
       <p:sp>
         <p:nvSpPr>
+          <p:cNvPr id="8" name="TextBox 7">
+            <a:extLst>
+              <a:ext uri="{FF2B5EF4-FFF2-40B4-BE49-F238E27FC236}">
+                <a16:creationId xmlns:a16="http://schemas.microsoft.com/office/drawing/2014/main" xmlns="" id="{6E6F1672-8C91-3FA6-CB80-58FD68172333}"/>
+              </a:ext>
+            </a:extLst>
+          </p:cNvPr>
+          <p:cNvSpPr txBox="1"/>
+          <p:nvPr/>
+        </p:nvSpPr>
+        <p:spPr>
+          <a:xfrm>
+            <a:off x="1884932" y="6060338"/>
+            <a:ext cx="3842170" cy="369332"/>
+          </a:xfrm>
+          <a:prstGeom prst="rect">
+            <a:avLst/>
+          </a:prstGeom>
+          <a:solidFill>
+            <a:schemeClr val="bg1">
+              <a:lumMod val="75000"/>
+              <a:lumOff val="25000"/>
+            </a:schemeClr>
+          </a:solidFill>
+        </p:spPr>
+        <p:txBody>
+          <a:bodyPr wrap="square" rtlCol="0">
+            <a:spAutoFit/>
+          </a:bodyPr>
+          <a:lstStyle/>
+          <a:p>
+            <a:pPr algn="ctr"/>
+            <a:r>
+              <a:rPr lang="en-US" b="1" dirty="0"/>
+              <a:t>Gautam Kumar- </a:t>
+            </a:r>
+            <a:r>
+              <a:rPr lang="en-US" dirty="0">
+                <a:solidFill>
+                  <a:schemeClr val="tx1">
+                    <a:lumMod val="50000"/>
+                    <a:lumOff val="50000"/>
+                  </a:schemeClr>
+                </a:solidFill>
+              </a:rPr>
+              <a:t>uidhtml.com</a:t>
+            </a:r>
+            <a:endParaRPr lang="en-IN" dirty="0">
+              <a:solidFill>
+                <a:schemeClr val="tx1">
+                  <a:lumMod val="50000"/>
+                  <a:lumOff val="50000"/>
+                </a:schemeClr>
+              </a:solidFill>
+            </a:endParaRPr>
+          </a:p>
+        </p:txBody>
+      </p:sp>
+      <p:sp>
+        <p:nvSpPr>
           <p:cNvPr id="5" name="Scroll: Vertical 4">
             <a:extLst>
               <a:ext uri="{FF2B5EF4-FFF2-40B4-BE49-F238E27FC236}">
-                <a16:creationId xmlns:a16="http://schemas.microsoft.com/office/drawing/2014/main" id="{38EB993A-3F18-C6B7-226F-EDD62B4B31DB}"/>
+                <a16:creationId xmlns:a16="http://schemas.microsoft.com/office/drawing/2014/main" xmlns="" id="{38EB993A-3F18-C6B7-226F-EDD62B4B31DB}"/>
               </a:ext>
             </a:extLst>
           </p:cNvPr>
@@ -10496,65 +10597,10 @@
           </a:p>
         </p:txBody>
       </p:sp>
-      <p:sp>
-        <p:nvSpPr>
-          <p:cNvPr id="3" name="TextBox 2">
-            <a:extLst>
-              <a:ext uri="{FF2B5EF4-FFF2-40B4-BE49-F238E27FC236}">
-                <a16:creationId xmlns:a16="http://schemas.microsoft.com/office/drawing/2014/main" id="{38047C42-C1DD-CAAE-C5C9-F31A690B4BCA}"/>
-              </a:ext>
-            </a:extLst>
-          </p:cNvPr>
-          <p:cNvSpPr txBox="1"/>
-          <p:nvPr/>
-        </p:nvSpPr>
-        <p:spPr>
-          <a:xfrm>
-            <a:off x="0" y="6060338"/>
-            <a:ext cx="6244059" cy="369332"/>
-          </a:xfrm>
-          <a:prstGeom prst="rect">
-            <a:avLst/>
-          </a:prstGeom>
-          <a:noFill/>
-        </p:spPr>
-        <p:txBody>
-          <a:bodyPr wrap="square" rtlCol="0">
-            <a:spAutoFit/>
-          </a:bodyPr>
-          <a:lstStyle/>
-          <a:p>
-            <a:pPr algn="ctr"/>
-            <a:r>
-              <a:rPr lang="en-US" b="1" dirty="0"/>
-              <a:t>Gautam Kumar- </a:t>
-            </a:r>
-            <a:r>
-              <a:rPr lang="en-US" dirty="0">
-                <a:solidFill>
-                  <a:schemeClr val="tx1">
-                    <a:lumMod val="50000"/>
-                    <a:lumOff val="50000"/>
-                  </a:schemeClr>
-                </a:solidFill>
-              </a:rPr>
-              <a:t>uidhtml.com</a:t>
-            </a:r>
-            <a:endParaRPr lang="en-IN" dirty="0">
-              <a:solidFill>
-                <a:schemeClr val="tx1">
-                  <a:lumMod val="50000"/>
-                  <a:lumOff val="50000"/>
-                </a:schemeClr>
-              </a:solidFill>
-            </a:endParaRPr>
-          </a:p>
-        </p:txBody>
-      </p:sp>
     </p:spTree>
     <p:extLst>
       <p:ext uri="{BB962C8B-B14F-4D97-AF65-F5344CB8AC3E}">
-        <p14:creationId xmlns:p14="http://schemas.microsoft.com/office/powerpoint/2010/main" val="3287175084"/>
+        <p14:creationId xmlns:p14="http://schemas.microsoft.com/office/powerpoint/2010/main" xmlns="" val="3287175084"/>
       </p:ext>
     </p:extLst>
   </p:cSld>
@@ -10572,7 +10618,7 @@
         <p:cNvPr id="1" name="">
           <a:extLst>
             <a:ext uri="{FF2B5EF4-FFF2-40B4-BE49-F238E27FC236}">
-              <a16:creationId xmlns:a16="http://schemas.microsoft.com/office/drawing/2014/main" id="{C5637B91-7316-D738-42FD-B6F1CC38AB90}"/>
+              <a16:creationId xmlns:a16="http://schemas.microsoft.com/office/drawing/2014/main" xmlns="" id="{C5637B91-7316-D738-42FD-B6F1CC38AB90}"/>
             </a:ext>
           </a:extLst>
         </p:cNvPr>
@@ -10592,7 +10638,7 @@
           <p:cNvPr id="2" name="Title 1">
             <a:extLst>
               <a:ext uri="{FF2B5EF4-FFF2-40B4-BE49-F238E27FC236}">
-                <a16:creationId xmlns:a16="http://schemas.microsoft.com/office/drawing/2014/main" id="{0BB42E27-7C22-C4E2-3B23-3F7F20980B00}"/>
+                <a16:creationId xmlns:a16="http://schemas.microsoft.com/office/drawing/2014/main" xmlns="" id="{0BB42E27-7C22-C4E2-3B23-3F7F20980B00}"/>
               </a:ext>
             </a:extLst>
           </p:cNvPr>
@@ -10630,7 +10676,7 @@
           <p:cNvPr id="3" name="Content Placeholder 2">
             <a:extLst>
               <a:ext uri="{FF2B5EF4-FFF2-40B4-BE49-F238E27FC236}">
-                <a16:creationId xmlns:a16="http://schemas.microsoft.com/office/drawing/2014/main" id="{514ACDD6-0D2B-0B03-F18B-91318DCF7D9A}"/>
+                <a16:creationId xmlns:a16="http://schemas.microsoft.com/office/drawing/2014/main" xmlns="" id="{514ACDD6-0D2B-0B03-F18B-91318DCF7D9A}"/>
               </a:ext>
             </a:extLst>
           </p:cNvPr>
@@ -10664,9 +10710,17 @@
               </a:rPr>
               <a:t>Single line comment</a:t>
             </a:r>
+            <a:r>
+              <a:rPr lang="en-US" sz="2000" dirty="0"/>
+              <a:t/>
+            </a:r>
             <a:br>
               <a:rPr lang="en-US" sz="2000" dirty="0"/>
             </a:br>
+            <a:r>
+              <a:rPr lang="en-US" sz="2000" dirty="0"/>
+              <a:t/>
+            </a:r>
             <a:br>
               <a:rPr lang="en-US" sz="2000" dirty="0"/>
             </a:br>
@@ -10704,6 +10758,14 @@
                 </a:solidFill>
               </a:rPr>
             </a:br>
+            <a:r>
+              <a:rPr lang="en-US" sz="2000" dirty="0">
+                <a:solidFill>
+                  <a:schemeClr val="tx1"/>
+                </a:solidFill>
+              </a:rPr>
+              <a:t/>
+            </a:r>
             <a:br>
               <a:rPr lang="en-US" sz="2000" dirty="0">
                 <a:solidFill>
@@ -10729,6 +10791,10 @@
               </a:rPr>
               <a:t>Inline comment</a:t>
             </a:r>
+            <a:r>
+              <a:rPr lang="en-US" sz="2000" dirty="0"/>
+              <a:t/>
+            </a:r>
             <a:br>
               <a:rPr lang="en-US" sz="2000" dirty="0"/>
             </a:br>
@@ -10755,6 +10821,16 @@
                 </a:solidFill>
               </a:rPr>
             </a:br>
+            <a:r>
+              <a:rPr lang="en-US" sz="2000" dirty="0">
+                <a:solidFill>
+                  <a:schemeClr val="tx1">
+                    <a:lumMod val="50000"/>
+                  </a:schemeClr>
+                </a:solidFill>
+              </a:rPr>
+              <a:t/>
+            </a:r>
             <a:br>
               <a:rPr lang="en-US" sz="2000" dirty="0">
                 <a:solidFill>
@@ -10784,6 +10860,10 @@
               </a:rPr>
               <a:t>Multiline comment</a:t>
             </a:r>
+            <a:r>
+              <a:rPr lang="en-US" sz="2000" dirty="0"/>
+              <a:t/>
+            </a:r>
             <a:br>
               <a:rPr lang="en-US" sz="2000" dirty="0"/>
             </a:br>
@@ -10898,7 +10978,7 @@
           <p:cNvPr id="5" name="Ribbon: Curved and Tilted Down 4">
             <a:extLst>
               <a:ext uri="{FF2B5EF4-FFF2-40B4-BE49-F238E27FC236}">
-                <a16:creationId xmlns:a16="http://schemas.microsoft.com/office/drawing/2014/main" id="{D1D7DB93-DBF3-0DF0-3533-AC1786837990}"/>
+                <a16:creationId xmlns:a16="http://schemas.microsoft.com/office/drawing/2014/main" xmlns="" id="{D1D7DB93-DBF3-0DF0-3533-AC1786837990}"/>
               </a:ext>
             </a:extLst>
           </p:cNvPr>
@@ -10971,7 +11051,7 @@
           <p:cNvPr id="6" name="Scroll: Vertical 5">
             <a:extLst>
               <a:ext uri="{FF2B5EF4-FFF2-40B4-BE49-F238E27FC236}">
-                <a16:creationId xmlns:a16="http://schemas.microsoft.com/office/drawing/2014/main" id="{4B810CE8-F172-ABEF-9B5B-F6C6A3F4D513}"/>
+                <a16:creationId xmlns:a16="http://schemas.microsoft.com/office/drawing/2014/main" xmlns="" id="{4B810CE8-F172-ABEF-9B5B-F6C6A3F4D513}"/>
               </a:ext>
             </a:extLst>
           </p:cNvPr>
@@ -11097,7 +11177,7 @@
           <p:cNvPr id="7" name="TextBox 6">
             <a:extLst>
               <a:ext uri="{FF2B5EF4-FFF2-40B4-BE49-F238E27FC236}">
-                <a16:creationId xmlns:a16="http://schemas.microsoft.com/office/drawing/2014/main" id="{7C7A2712-C9B9-958D-594C-39F36B75B90A}"/>
+                <a16:creationId xmlns:a16="http://schemas.microsoft.com/office/drawing/2014/main" xmlns="" id="{7C7A2712-C9B9-958D-594C-39F36B75B90A}"/>
               </a:ext>
             </a:extLst>
           </p:cNvPr>
@@ -11147,7 +11227,7 @@
     </p:spTree>
     <p:extLst>
       <p:ext uri="{BB962C8B-B14F-4D97-AF65-F5344CB8AC3E}">
-        <p14:creationId xmlns:p14="http://schemas.microsoft.com/office/powerpoint/2010/main" val="693676810"/>
+        <p14:creationId xmlns:p14="http://schemas.microsoft.com/office/powerpoint/2010/main" xmlns="" val="693676810"/>
       </p:ext>
     </p:extLst>
   </p:cSld>
@@ -11179,7 +11259,7 @@
           <p:cNvPr id="9" name="Explosion: 14 Points 8">
             <a:extLst>
               <a:ext uri="{FF2B5EF4-FFF2-40B4-BE49-F238E27FC236}">
-                <a16:creationId xmlns:a16="http://schemas.microsoft.com/office/drawing/2014/main" id="{0A2CD68B-7A56-F86D-8B6F-4A8BF99B4C9E}"/>
+                <a16:creationId xmlns:a16="http://schemas.microsoft.com/office/drawing/2014/main" xmlns="" id="{0A2CD68B-7A56-F86D-8B6F-4A8BF99B4C9E}"/>
               </a:ext>
             </a:extLst>
           </p:cNvPr>
@@ -11234,7 +11314,7 @@
           <p:cNvPr id="2" name="Title 1">
             <a:extLst>
               <a:ext uri="{FF2B5EF4-FFF2-40B4-BE49-F238E27FC236}">
-                <a16:creationId xmlns:a16="http://schemas.microsoft.com/office/drawing/2014/main" id="{62BB4F8D-44B7-9866-F7B2-6375CB902974}"/>
+                <a16:creationId xmlns:a16="http://schemas.microsoft.com/office/drawing/2014/main" xmlns="" id="{62BB4F8D-44B7-9866-F7B2-6375CB902974}"/>
               </a:ext>
             </a:extLst>
           </p:cNvPr>
@@ -11268,6 +11348,15 @@
               </a:rPr>
               <a:t>JavaScript</a:t>
             </a:r>
+            <a:r>
+              <a:rPr lang="en-US" sz="7200" b="1" dirty="0">
+                <a:solidFill>
+                  <a:schemeClr val="tx1"/>
+                </a:solidFill>
+                <a:latin typeface="Barlow Black" panose="00000A00000000000000" pitchFamily="2" charset="0"/>
+              </a:rPr>
+              <a:t/>
+            </a:r>
             <a:br>
               <a:rPr lang="en-US" sz="7200" b="1" dirty="0">
                 <a:solidFill>
@@ -11299,7 +11388,7 @@
           <p:cNvPr id="4" name="Ribbon: Curved and Tilted Down 3">
             <a:extLst>
               <a:ext uri="{FF2B5EF4-FFF2-40B4-BE49-F238E27FC236}">
-                <a16:creationId xmlns:a16="http://schemas.microsoft.com/office/drawing/2014/main" id="{909DBECF-689C-9AA7-1649-9166A578EDF9}"/>
+                <a16:creationId xmlns:a16="http://schemas.microsoft.com/office/drawing/2014/main" xmlns="" id="{909DBECF-689C-9AA7-1649-9166A578EDF9}"/>
               </a:ext>
             </a:extLst>
           </p:cNvPr>
@@ -11366,7 +11455,7 @@
           <p:cNvPr id="5" name="Scroll: Vertical 4">
             <a:extLst>
               <a:ext uri="{FF2B5EF4-FFF2-40B4-BE49-F238E27FC236}">
-                <a16:creationId xmlns:a16="http://schemas.microsoft.com/office/drawing/2014/main" id="{38EB993A-3F18-C6B7-226F-EDD62B4B31DB}"/>
+                <a16:creationId xmlns:a16="http://schemas.microsoft.com/office/drawing/2014/main" xmlns="" id="{38EB993A-3F18-C6B7-226F-EDD62B4B31DB}"/>
               </a:ext>
             </a:extLst>
           </p:cNvPr>
@@ -11626,7 +11715,7 @@
           <p:cNvPr id="8" name="TextBox 7">
             <a:extLst>
               <a:ext uri="{FF2B5EF4-FFF2-40B4-BE49-F238E27FC236}">
-                <a16:creationId xmlns:a16="http://schemas.microsoft.com/office/drawing/2014/main" id="{6E6F1672-8C91-3FA6-CB80-58FD68172333}"/>
+                <a16:creationId xmlns:a16="http://schemas.microsoft.com/office/drawing/2014/main" xmlns="" id="{6E6F1672-8C91-3FA6-CB80-58FD68172333}"/>
               </a:ext>
             </a:extLst>
           </p:cNvPr>
@@ -11684,7 +11773,7 @@
     </p:spTree>
     <p:extLst>
       <p:ext uri="{BB962C8B-B14F-4D97-AF65-F5344CB8AC3E}">
-        <p14:creationId xmlns:p14="http://schemas.microsoft.com/office/powerpoint/2010/main" val="3287175084"/>
+        <p14:creationId xmlns:p14="http://schemas.microsoft.com/office/powerpoint/2010/main" xmlns="" val="3287175084"/>
       </p:ext>
     </p:extLst>
   </p:cSld>
@@ -11716,7 +11805,7 @@
           <p:cNvPr id="9" name="Explosion: 14 Points 8">
             <a:extLst>
               <a:ext uri="{FF2B5EF4-FFF2-40B4-BE49-F238E27FC236}">
-                <a16:creationId xmlns:a16="http://schemas.microsoft.com/office/drawing/2014/main" id="{0A2CD68B-7A56-F86D-8B6F-4A8BF99B4C9E}"/>
+                <a16:creationId xmlns:a16="http://schemas.microsoft.com/office/drawing/2014/main" xmlns="" id="{0A2CD68B-7A56-F86D-8B6F-4A8BF99B4C9E}"/>
               </a:ext>
             </a:extLst>
           </p:cNvPr>
@@ -11771,7 +11860,7 @@
           <p:cNvPr id="2" name="Title 1">
             <a:extLst>
               <a:ext uri="{FF2B5EF4-FFF2-40B4-BE49-F238E27FC236}">
-                <a16:creationId xmlns:a16="http://schemas.microsoft.com/office/drawing/2014/main" id="{62BB4F8D-44B7-9866-F7B2-6375CB902974}"/>
+                <a16:creationId xmlns:a16="http://schemas.microsoft.com/office/drawing/2014/main" xmlns="" id="{62BB4F8D-44B7-9866-F7B2-6375CB902974}"/>
               </a:ext>
             </a:extLst>
           </p:cNvPr>
@@ -11784,8 +11873,8 @@
         </p:nvSpPr>
         <p:spPr>
           <a:xfrm>
-            <a:off x="1" y="1913287"/>
-            <a:ext cx="6244058" cy="3810095"/>
+            <a:off x="775063" y="1913287"/>
+            <a:ext cx="5165739" cy="3810095"/>
           </a:xfrm>
           <a:noFill/>
         </p:spPr>
@@ -11805,6 +11894,15 @@
               </a:rPr>
               <a:t>JavaScript</a:t>
             </a:r>
+            <a:r>
+              <a:rPr lang="en-US" sz="7200" b="1" dirty="0">
+                <a:solidFill>
+                  <a:schemeClr val="tx1"/>
+                </a:solidFill>
+                <a:latin typeface="Barlow Black" panose="00000A00000000000000" pitchFamily="2" charset="0"/>
+              </a:rPr>
+              <a:t/>
+            </a:r>
             <a:br>
               <a:rPr lang="en-US" sz="7200" b="1" dirty="0">
                 <a:solidFill>
@@ -11814,7 +11912,7 @@
               </a:rPr>
             </a:br>
             <a:r>
-              <a:rPr lang="en-US" sz="8000" b="1" dirty="0">
+              <a:rPr lang="en-US" sz="7200" b="1" dirty="0">
                 <a:solidFill>
                   <a:schemeClr val="tx1"/>
                 </a:solidFill>
@@ -11823,7 +11921,7 @@
               <a:t>Chapter – 5</a:t>
             </a:r>
             <a:br>
-              <a:rPr lang="en-US" sz="8000" b="1" dirty="0">
+              <a:rPr lang="en-US" sz="7200" b="1" dirty="0">
                 <a:solidFill>
                   <a:schemeClr val="tx1"/>
                 </a:solidFill>
@@ -11883,7 +11981,7 @@
           <p:cNvPr id="4" name="Ribbon: Curved and Tilted Down 3">
             <a:extLst>
               <a:ext uri="{FF2B5EF4-FFF2-40B4-BE49-F238E27FC236}">
-                <a16:creationId xmlns:a16="http://schemas.microsoft.com/office/drawing/2014/main" id="{909DBECF-689C-9AA7-1649-9166A578EDF9}"/>
+                <a16:creationId xmlns:a16="http://schemas.microsoft.com/office/drawing/2014/main" xmlns="" id="{909DBECF-689C-9AA7-1649-9166A578EDF9}"/>
               </a:ext>
             </a:extLst>
           </p:cNvPr>
@@ -11947,10 +12045,70 @@
       </p:sp>
       <p:sp>
         <p:nvSpPr>
+          <p:cNvPr id="8" name="TextBox 7">
+            <a:extLst>
+              <a:ext uri="{FF2B5EF4-FFF2-40B4-BE49-F238E27FC236}">
+                <a16:creationId xmlns:a16="http://schemas.microsoft.com/office/drawing/2014/main" xmlns="" id="{6E6F1672-8C91-3FA6-CB80-58FD68172333}"/>
+              </a:ext>
+            </a:extLst>
+          </p:cNvPr>
+          <p:cNvSpPr txBox="1"/>
+          <p:nvPr/>
+        </p:nvSpPr>
+        <p:spPr>
+          <a:xfrm>
+            <a:off x="1884932" y="6060338"/>
+            <a:ext cx="3842170" cy="369332"/>
+          </a:xfrm>
+          <a:prstGeom prst="rect">
+            <a:avLst/>
+          </a:prstGeom>
+          <a:solidFill>
+            <a:schemeClr val="bg1">
+              <a:lumMod val="75000"/>
+              <a:lumOff val="25000"/>
+            </a:schemeClr>
+          </a:solidFill>
+        </p:spPr>
+        <p:txBody>
+          <a:bodyPr wrap="square" rtlCol="0">
+            <a:spAutoFit/>
+          </a:bodyPr>
+          <a:lstStyle/>
+          <a:p>
+            <a:pPr algn="ctr"/>
+            <a:r>
+              <a:rPr lang="en-US" b="1" dirty="0"/>
+              <a:t>Gautam Kumar- </a:t>
+            </a:r>
+            <a:r>
+              <a:rPr lang="en-US" dirty="0">
+                <a:solidFill>
+                  <a:schemeClr val="tx1">
+                    <a:lumMod val="50000"/>
+                    <a:lumOff val="50000"/>
+                  </a:schemeClr>
+                </a:solidFill>
+              </a:rPr>
+              <a:t>uidhtml.com</a:t>
+            </a:r>
+            <a:endParaRPr lang="en-IN" dirty="0">
+              <a:solidFill>
+                <a:schemeClr val="tx1">
+                  <a:lumMod val="50000"/>
+                  <a:lumOff val="50000"/>
+                </a:schemeClr>
+              </a:solidFill>
+            </a:endParaRPr>
+          </a:p>
+        </p:txBody>
+      </p:sp>
+      <p:sp>
+        <p:nvSpPr>
           <p:cNvPr id="5" name="Scroll: Vertical 4">
             <a:extLst>
               <a:ext uri="{FF2B5EF4-FFF2-40B4-BE49-F238E27FC236}">
-                <a16:creationId xmlns:a16="http://schemas.microsoft.com/office/drawing/2014/main" id="{38EB993A-3F18-C6B7-226F-EDD62B4B31DB}"/>
+                <a16:creationId xmlns:a16="http://schemas.microsoft.com/office/drawing/2014/main" xmlns="" id="{38EB993A-3F18-C6B7-226F-EDD62B4B31DB}"/>
               </a:ext>
             </a:extLst>
           </p:cNvPr>
@@ -12002,9 +12160,7 @@
             <a:r>
               <a:rPr lang="en-US" sz="3600" b="1" dirty="0">
                 <a:solidFill>
-                  <a:schemeClr val="bg1">
-                    <a:lumMod val="95000"/>
-                  </a:schemeClr>
+                  <a:schemeClr val="bg1"/>
                 </a:solidFill>
               </a:rPr>
               <a:t>Topics</a:t>
@@ -12019,22 +12175,29 @@
               <a:buChar char="o"/>
             </a:pPr>
             <a:r>
-              <a:rPr lang="en-US" sz="1600" dirty="0" err="1">
-                <a:solidFill>
-                  <a:schemeClr val="bg1">
-                    <a:lumMod val="95000"/>
-                  </a:schemeClr>
-                </a:solidFill>
-              </a:rPr>
-              <a:t>Var</a:t>
-            </a:r>
-            <a:endParaRPr lang="en-US" sz="1600" dirty="0">
-              <a:solidFill>
-                <a:schemeClr val="bg1">
-                  <a:lumMod val="95000"/>
-                </a:schemeClr>
-              </a:solidFill>
-            </a:endParaRPr>
+              <a:rPr lang="en-US" sz="1600" dirty="0" smtClean="0">
+                <a:solidFill>
+                  <a:schemeClr val="bg1"/>
+                </a:solidFill>
+              </a:rPr>
+              <a:t>What are </a:t>
+            </a:r>
+            <a:r>
+              <a:rPr lang="en-US" sz="1600" dirty="0" err="1" smtClean="0">
+                <a:solidFill>
+                  <a:schemeClr val="bg1"/>
+                </a:solidFill>
+              </a:rPr>
+              <a:t>var</a:t>
+            </a:r>
+            <a:r>
+              <a:rPr lang="en-US" sz="1600" dirty="0" smtClean="0">
+                <a:solidFill>
+                  <a:schemeClr val="bg1"/>
+                </a:solidFill>
+              </a:rPr>
+              <a:t>, let, and const?</a:t>
+            </a:r>
           </a:p>
           <a:p>
             <a:pPr marL="285750" indent="-285750">
@@ -12045,11 +12208,9 @@
               <a:buChar char="o"/>
             </a:pPr>
             <a:r>
-              <a:rPr lang="en-IN" sz="1600" dirty="0">
-                <a:solidFill>
-                  <a:schemeClr val="bg1">
-                    <a:lumMod val="95000"/>
-                  </a:schemeClr>
+              <a:rPr lang="en-IN" sz="1600" dirty="0" smtClean="0">
+                <a:solidFill>
+                  <a:schemeClr val="bg1"/>
                 </a:solidFill>
               </a:rPr>
               <a:t>What is Hoisting</a:t>
@@ -12064,31 +12225,25 @@
               <a:buChar char="o"/>
             </a:pPr>
             <a:r>
-              <a:rPr lang="en-IN" sz="1600" dirty="0">
-                <a:solidFill>
-                  <a:schemeClr val="bg1">
-                    <a:lumMod val="95000"/>
-                  </a:schemeClr>
+              <a:rPr lang="en-IN" sz="1600" dirty="0" smtClean="0">
+                <a:solidFill>
+                  <a:schemeClr val="bg1"/>
                 </a:solidFill>
               </a:rPr>
               <a:t>Undefined </a:t>
             </a:r>
             <a:r>
-              <a:rPr lang="en-IN" sz="1600" dirty="0" err="1">
-                <a:solidFill>
-                  <a:schemeClr val="bg1">
-                    <a:lumMod val="95000"/>
-                  </a:schemeClr>
+              <a:rPr lang="en-IN" sz="1600" dirty="0" err="1" smtClean="0">
+                <a:solidFill>
+                  <a:schemeClr val="bg1"/>
                 </a:solidFill>
               </a:rPr>
               <a:t>vs</a:t>
             </a:r>
             <a:r>
-              <a:rPr lang="en-IN" sz="1600" dirty="0">
-                <a:solidFill>
-                  <a:schemeClr val="bg1">
-                    <a:lumMod val="95000"/>
-                  </a:schemeClr>
+              <a:rPr lang="en-IN" sz="1600" dirty="0" smtClean="0">
+                <a:solidFill>
+                  <a:schemeClr val="bg1"/>
                 </a:solidFill>
               </a:rPr>
               <a:t> not-defined</a:t>
@@ -12103,14 +12258,20 @@
               <a:buChar char="o"/>
             </a:pPr>
             <a:r>
-              <a:rPr lang="en-IN" sz="1600" dirty="0">
-                <a:solidFill>
-                  <a:schemeClr val="bg1">
-                    <a:lumMod val="95000"/>
-                  </a:schemeClr>
-                </a:solidFill>
-              </a:rPr>
-              <a:t>With arrow function</a:t>
+              <a:rPr lang="en-IN" sz="1600" dirty="0" smtClean="0">
+                <a:solidFill>
+                  <a:schemeClr val="bg1"/>
+                </a:solidFill>
+              </a:rPr>
+              <a:t>Hoisting </a:t>
+            </a:r>
+            <a:r>
+              <a:rPr lang="en-IN" sz="1600" dirty="0" smtClean="0">
+                <a:solidFill>
+                  <a:schemeClr val="bg1"/>
+                </a:solidFill>
+              </a:rPr>
+              <a:t>arrow function</a:t>
             </a:r>
           </a:p>
           <a:p>
@@ -12122,106 +12283,16 @@
               <a:buChar char="o"/>
             </a:pPr>
             <a:r>
-              <a:rPr lang="en-IN" sz="1600" dirty="0">
-                <a:solidFill>
-                  <a:schemeClr val="bg1">
-                    <a:lumMod val="95000"/>
-                  </a:schemeClr>
-                </a:solidFill>
-              </a:rPr>
-              <a:t>What is call stack and how it works</a:t>
-            </a:r>
-          </a:p>
-          <a:p>
-            <a:pPr marL="285750" indent="-285750">
-              <a:lnSpc>
-                <a:spcPct val="150000"/>
-              </a:lnSpc>
-              <a:buFont typeface="Courier New" panose="02070309020205020404" pitchFamily="49" charset="0"/>
-              <a:buChar char="o"/>
-            </a:pPr>
-            <a:r>
-              <a:rPr lang="en-IN" sz="1600" dirty="0">
-                <a:solidFill>
-                  <a:schemeClr val="bg1">
-                    <a:lumMod val="95000"/>
-                  </a:schemeClr>
-                </a:solidFill>
-              </a:rPr>
-              <a:t>Let</a:t>
-            </a:r>
-          </a:p>
-          <a:p>
-            <a:pPr marL="285750" indent="-285750">
-              <a:lnSpc>
-                <a:spcPct val="150000"/>
-              </a:lnSpc>
-              <a:buFont typeface="Courier New" panose="02070309020205020404" pitchFamily="49" charset="0"/>
-              <a:buChar char="o"/>
-            </a:pPr>
-            <a:r>
-              <a:rPr lang="en-IN" sz="1600" dirty="0">
-                <a:solidFill>
-                  <a:schemeClr val="bg1">
-                    <a:lumMod val="95000"/>
-                  </a:schemeClr>
-                </a:solidFill>
-              </a:rPr>
-              <a:t>Const</a:t>
-            </a:r>
-          </a:p>
-        </p:txBody>
-      </p:sp>
-      <p:sp>
-        <p:nvSpPr>
-          <p:cNvPr id="3" name="TextBox 2">
-            <a:extLst>
-              <a:ext uri="{FF2B5EF4-FFF2-40B4-BE49-F238E27FC236}">
-                <a16:creationId xmlns:a16="http://schemas.microsoft.com/office/drawing/2014/main" id="{DD5598AA-6861-E19B-DE7F-5492D6CEC73C}"/>
-              </a:ext>
-            </a:extLst>
-          </p:cNvPr>
-          <p:cNvSpPr txBox="1"/>
-          <p:nvPr/>
-        </p:nvSpPr>
-        <p:spPr>
-          <a:xfrm>
-            <a:off x="0" y="6060338"/>
-            <a:ext cx="6244059" cy="369332"/>
-          </a:xfrm>
-          <a:prstGeom prst="rect">
-            <a:avLst/>
-          </a:prstGeom>
-          <a:noFill/>
-        </p:spPr>
-        <p:txBody>
-          <a:bodyPr wrap="square" rtlCol="0">
-            <a:spAutoFit/>
-          </a:bodyPr>
-          <a:lstStyle/>
-          <a:p>
-            <a:pPr algn="ctr"/>
-            <a:r>
-              <a:rPr lang="en-US" b="1" dirty="0"/>
-              <a:t>Gautam Kumar- </a:t>
-            </a:r>
-            <a:r>
-              <a:rPr lang="en-US" dirty="0">
-                <a:solidFill>
-                  <a:schemeClr val="tx1">
-                    <a:lumMod val="50000"/>
-                    <a:lumOff val="50000"/>
-                  </a:schemeClr>
-                </a:solidFill>
-              </a:rPr>
-              <a:t>uidhtml.com</a:t>
-            </a:r>
-            <a:endParaRPr lang="en-IN" dirty="0">
+              <a:rPr lang="en-IN" sz="1600" dirty="0" smtClean="0">
+                <a:solidFill>
+                  <a:schemeClr val="bg1"/>
+                </a:solidFill>
+              </a:rPr>
+              <a:t>What is the call stack and how it works</a:t>
+            </a:r>
+            <a:endParaRPr lang="en-IN" sz="1600" dirty="0">
               <a:solidFill>
-                <a:schemeClr val="tx1">
-                  <a:lumMod val="50000"/>
-                  <a:lumOff val="50000"/>
-                </a:schemeClr>
+                <a:schemeClr val="bg1"/>
               </a:solidFill>
             </a:endParaRPr>
           </a:p>
@@ -12230,7 +12301,7 @@
     </p:spTree>
     <p:extLst>
       <p:ext uri="{BB962C8B-B14F-4D97-AF65-F5344CB8AC3E}">
-        <p14:creationId xmlns:p14="http://schemas.microsoft.com/office/powerpoint/2010/main" val="3287175084"/>
+        <p14:creationId xmlns:p14="http://schemas.microsoft.com/office/powerpoint/2010/main" xmlns="" val="3287175084"/>
       </p:ext>
     </p:extLst>
   </p:cSld>
@@ -12248,7 +12319,7 @@
         <p:cNvPr id="1" name="">
           <a:extLst>
             <a:ext uri="{FF2B5EF4-FFF2-40B4-BE49-F238E27FC236}">
-              <a16:creationId xmlns:a16="http://schemas.microsoft.com/office/drawing/2014/main" id="{4586E9D7-F5F8-14CC-9DF6-FC4AF2EA4249}"/>
+              <a16:creationId xmlns:a16="http://schemas.microsoft.com/office/drawing/2014/main" xmlns="" id="{4586E9D7-F5F8-14CC-9DF6-FC4AF2EA4249}"/>
             </a:ext>
           </a:extLst>
         </p:cNvPr>
@@ -12268,7 +12339,7 @@
           <p:cNvPr id="2" name="Title 1">
             <a:extLst>
               <a:ext uri="{FF2B5EF4-FFF2-40B4-BE49-F238E27FC236}">
-                <a16:creationId xmlns:a16="http://schemas.microsoft.com/office/drawing/2014/main" id="{D8B67155-694F-FF61-7CDD-33A20A316215}"/>
+                <a16:creationId xmlns:a16="http://schemas.microsoft.com/office/drawing/2014/main" xmlns="" id="{D8B67155-694F-FF61-7CDD-33A20A316215}"/>
               </a:ext>
             </a:extLst>
           </p:cNvPr>
@@ -12296,26 +12367,41 @@
                 </a:solidFill>
                 <a:latin typeface="Bahnschrift SemiLight" pitchFamily="34" charset="0"/>
               </a:rPr>
-              <a:t>What is </a:t>
-            </a:r>
-            <a:r>
-              <a:rPr lang="en-US" b="1" dirty="0" err="1">
+              <a:t>What </a:t>
+            </a:r>
+            <a:r>
+              <a:rPr lang="en-US" b="1" dirty="0" smtClean="0">
                 <a:solidFill>
                   <a:schemeClr val="tx1"/>
                 </a:solidFill>
                 <a:latin typeface="Bahnschrift SemiLight" pitchFamily="34" charset="0"/>
               </a:rPr>
+              <a:t>are </a:t>
+            </a:r>
+            <a:r>
+              <a:rPr lang="en-US" b="1" dirty="0" err="1" smtClean="0">
+                <a:solidFill>
+                  <a:schemeClr val="tx1"/>
+                </a:solidFill>
+                <a:latin typeface="Bahnschrift SemiLight" pitchFamily="34" charset="0"/>
+              </a:rPr>
               <a:t>var</a:t>
             </a:r>
             <a:r>
-              <a:rPr lang="en-US" b="1" dirty="0">
+              <a:rPr lang="en-US" b="1" dirty="0" smtClean="0">
                 <a:solidFill>
                   <a:schemeClr val="tx1"/>
                 </a:solidFill>
                 <a:latin typeface="Bahnschrift SemiLight" pitchFamily="34" charset="0"/>
               </a:rPr>
-              <a:t>?</a:t>
-            </a:r>
+              <a:t>, let and const?</a:t>
+            </a:r>
+            <a:endParaRPr lang="en-US" b="1" dirty="0">
+              <a:solidFill>
+                <a:schemeClr val="tx1"/>
+              </a:solidFill>
+              <a:latin typeface="Bahnschrift SemiLight" pitchFamily="34" charset="0"/>
+            </a:endParaRPr>
           </a:p>
         </p:txBody>
       </p:sp>
@@ -12324,7 +12410,7 @@
           <p:cNvPr id="3" name="Content Placeholder 2">
             <a:extLst>
               <a:ext uri="{FF2B5EF4-FFF2-40B4-BE49-F238E27FC236}">
-                <a16:creationId xmlns:a16="http://schemas.microsoft.com/office/drawing/2014/main" id="{2A53D2DA-721D-FC7E-8E09-BCBD844B6F9F}"/>
+                <a16:creationId xmlns:a16="http://schemas.microsoft.com/office/drawing/2014/main" xmlns="" id="{2A53D2DA-721D-FC7E-8E09-BCBD844B6F9F}"/>
               </a:ext>
             </a:extLst>
           </p:cNvPr>
@@ -12338,15 +12424,20 @@
         <p:spPr>
           <a:xfrm>
             <a:off x="233198" y="1259254"/>
-            <a:ext cx="7502570" cy="830804"/>
+            <a:ext cx="7502570" cy="1160096"/>
           </a:xfrm>
         </p:spPr>
         <p:txBody>
           <a:bodyPr>
-            <a:normAutofit/>
+            <a:normAutofit lnSpcReduction="10000"/>
           </a:bodyPr>
           <a:lstStyle/>
           <a:p>
+            <a:pPr>
+              <a:lnSpc>
+                <a:spcPct val="150000"/>
+              </a:lnSpc>
+            </a:pPr>
             <a:r>
               <a:rPr lang="en-US" sz="1600" dirty="0"/>
               <a:t>In JavaScript, </a:t>
@@ -12378,7 +12469,7 @@
           <p:cNvPr id="5" name="Ribbon: Curved and Tilted Down 4">
             <a:extLst>
               <a:ext uri="{FF2B5EF4-FFF2-40B4-BE49-F238E27FC236}">
-                <a16:creationId xmlns:a16="http://schemas.microsoft.com/office/drawing/2014/main" id="{3FA23525-E3EA-B8CB-FD6A-53084CA847A7}"/>
+                <a16:creationId xmlns:a16="http://schemas.microsoft.com/office/drawing/2014/main" xmlns="" id="{3FA23525-E3EA-B8CB-FD6A-53084CA847A7}"/>
               </a:ext>
             </a:extLst>
           </p:cNvPr>
@@ -12451,7 +12542,7 @@
           <p:cNvPr id="6" name="Scroll: Vertical 5">
             <a:extLst>
               <a:ext uri="{FF2B5EF4-FFF2-40B4-BE49-F238E27FC236}">
-                <a16:creationId xmlns:a16="http://schemas.microsoft.com/office/drawing/2014/main" id="{1A4C732A-2840-82C8-A359-298D925E33B3}"/>
+                <a16:creationId xmlns:a16="http://schemas.microsoft.com/office/drawing/2014/main" xmlns="" id="{1A4C732A-2840-82C8-A359-298D925E33B3}"/>
               </a:ext>
             </a:extLst>
           </p:cNvPr>
@@ -12545,7 +12636,15 @@
                   <a:schemeClr val="tx1"/>
                 </a:solidFill>
               </a:rPr>
-              <a:t>What is Hoisting</a:t>
+              <a:t>What is </a:t>
+            </a:r>
+            <a:r>
+              <a:rPr lang="en-IN" dirty="0" smtClean="0">
+                <a:solidFill>
+                  <a:schemeClr val="tx1"/>
+                </a:solidFill>
+              </a:rPr>
+              <a:t>Hoisting</a:t>
             </a:r>
           </a:p>
           <a:p>
@@ -12557,7 +12656,7 @@
               <a:buChar char="o"/>
             </a:pPr>
             <a:r>
-              <a:rPr lang="en-IN" dirty="0">
+              <a:rPr lang="en-IN" dirty="0" smtClean="0">
                 <a:solidFill>
                   <a:schemeClr val="tx1"/>
                 </a:solidFill>
@@ -12565,7 +12664,7 @@
               <a:t>Undefined </a:t>
             </a:r>
             <a:r>
-              <a:rPr lang="en-IN" dirty="0" err="1">
+              <a:rPr lang="en-IN" dirty="0" err="1" smtClean="0">
                 <a:solidFill>
                   <a:schemeClr val="tx1"/>
                 </a:solidFill>
@@ -12573,7 +12672,7 @@
               <a:t>vs</a:t>
             </a:r>
             <a:r>
-              <a:rPr lang="en-IN" dirty="0">
+              <a:rPr lang="en-IN" dirty="0" smtClean="0">
                 <a:solidFill>
                   <a:schemeClr val="tx1"/>
                 </a:solidFill>
@@ -12590,7 +12689,7 @@
               <a:buChar char="o"/>
             </a:pPr>
             <a:r>
-              <a:rPr lang="en-IN" dirty="0">
+              <a:rPr lang="en-IN" dirty="0" smtClean="0">
                 <a:solidFill>
                   <a:schemeClr val="tx1"/>
                 </a:solidFill>
@@ -12607,13 +12706,18 @@
               <a:buChar char="o"/>
             </a:pPr>
             <a:r>
-              <a:rPr lang="en-IN" dirty="0">
+              <a:rPr lang="en-IN" dirty="0" smtClean="0">
                 <a:solidFill>
                   <a:schemeClr val="tx1"/>
                 </a:solidFill>
               </a:rPr>
               <a:t>What is the call stack and how it works</a:t>
             </a:r>
+            <a:endParaRPr lang="en-IN" dirty="0">
+              <a:solidFill>
+                <a:schemeClr val="tx1"/>
+              </a:solidFill>
+            </a:endParaRPr>
           </a:p>
         </p:txBody>
       </p:sp>
@@ -12665,7 +12769,7 @@
       </p:sp>
       <p:pic>
         <p:nvPicPr>
-          <p:cNvPr id="2052" name="Picture 4" descr="C:\Users\Gautam\Downloads\Blank board - Page 1 (2).png"/>
+          <p:cNvPr id="1026" name="Picture 2" descr="C:\Users\Gautam\Downloads\Blank board - Page 1 (3).png"/>
           <p:cNvPicPr>
             <a:picLocks noChangeAspect="1" noChangeArrowheads="1"/>
           </p:cNvPicPr>
@@ -12680,8 +12784,8 @@
         </p:blipFill>
         <p:spPr bwMode="auto">
           <a:xfrm>
-            <a:off x="756743" y="2263820"/>
-            <a:ext cx="4259393" cy="3712801"/>
+            <a:off x="414294" y="2819400"/>
+            <a:ext cx="7849726" cy="2809875"/>
           </a:xfrm>
           <a:prstGeom prst="rect">
             <a:avLst/>
@@ -12692,7 +12796,2408 @@
     </p:spTree>
     <p:extLst>
       <p:ext uri="{BB962C8B-B14F-4D97-AF65-F5344CB8AC3E}">
-        <p14:creationId xmlns:p14="http://schemas.microsoft.com/office/powerpoint/2010/main" val="3002471670"/>
+        <p14:creationId xmlns:p14="http://schemas.microsoft.com/office/powerpoint/2010/main" xmlns="" val="3002471670"/>
+      </p:ext>
+    </p:extLst>
+  </p:cSld>
+  <p:clrMapOvr>
+    <a:masterClrMapping/>
+  </p:clrMapOvr>
+</p:sld>
+</file>
+
+<file path=ppt/slides/slide22.xml><?xml version="1.0" encoding="utf-8"?>
+<p:sld xmlns:a="http://schemas.openxmlformats.org/drawingml/2006/main" xmlns:r="http://schemas.openxmlformats.org/officeDocument/2006/relationships" xmlns:p="http://schemas.openxmlformats.org/presentationml/2006/main">
+  <p:cSld>
+    <p:spTree>
+      <p:nvGrpSpPr>
+        <p:cNvPr id="1" name="">
+          <a:extLst>
+            <a:ext uri="{FF2B5EF4-FFF2-40B4-BE49-F238E27FC236}">
+              <a16:creationId xmlns:a16="http://schemas.microsoft.com/office/drawing/2014/main" xmlns="" id="{4586E9D7-F5F8-14CC-9DF6-FC4AF2EA4249}"/>
+            </a:ext>
+          </a:extLst>
+        </p:cNvPr>
+        <p:cNvGrpSpPr/>
+        <p:nvPr/>
+      </p:nvGrpSpPr>
+      <p:grpSpPr>
+        <a:xfrm>
+          <a:off x="0" y="0"/>
+          <a:ext cx="0" cy="0"/>
+          <a:chOff x="0" y="0"/>
+          <a:chExt cx="0" cy="0"/>
+        </a:xfrm>
+      </p:grpSpPr>
+      <p:sp>
+        <p:nvSpPr>
+          <p:cNvPr id="2" name="Title 1">
+            <a:extLst>
+              <a:ext uri="{FF2B5EF4-FFF2-40B4-BE49-F238E27FC236}">
+                <a16:creationId xmlns:a16="http://schemas.microsoft.com/office/drawing/2014/main" xmlns="" id="{D8B67155-694F-FF61-7CDD-33A20A316215}"/>
+              </a:ext>
+            </a:extLst>
+          </p:cNvPr>
+          <p:cNvSpPr>
+            <a:spLocks noGrp="1"/>
+          </p:cNvSpPr>
+          <p:nvPr>
+            <p:ph type="title"/>
+          </p:nvPr>
+        </p:nvSpPr>
+        <p:spPr>
+          <a:xfrm>
+            <a:off x="198363" y="597199"/>
+            <a:ext cx="8596668" cy="666407"/>
+          </a:xfrm>
+        </p:spPr>
+        <p:txBody>
+          <a:bodyPr/>
+          <a:lstStyle/>
+          <a:p>
+            <a:r>
+              <a:rPr lang="en-US" b="1" dirty="0" err="1" smtClean="0">
+                <a:solidFill>
+                  <a:schemeClr val="tx1"/>
+                </a:solidFill>
+                <a:latin typeface="Bahnschrift SemiLight" pitchFamily="34" charset="0"/>
+              </a:rPr>
+              <a:t>v</a:t>
+            </a:r>
+            <a:r>
+              <a:rPr lang="en-US" b="1" dirty="0" err="1" smtClean="0">
+                <a:solidFill>
+                  <a:schemeClr val="tx1"/>
+                </a:solidFill>
+                <a:latin typeface="Bahnschrift SemiLight" pitchFamily="34" charset="0"/>
+              </a:rPr>
+              <a:t>ar</a:t>
+            </a:r>
+            <a:r>
+              <a:rPr lang="en-US" b="1" dirty="0" smtClean="0">
+                <a:solidFill>
+                  <a:schemeClr val="tx1"/>
+                </a:solidFill>
+                <a:latin typeface="Bahnschrift SemiLight" pitchFamily="34" charset="0"/>
+              </a:rPr>
+              <a:t> and let on global scope</a:t>
+            </a:r>
+            <a:endParaRPr lang="en-US" b="1" dirty="0">
+              <a:solidFill>
+                <a:schemeClr val="tx1"/>
+              </a:solidFill>
+              <a:latin typeface="Bahnschrift SemiLight" pitchFamily="34" charset="0"/>
+            </a:endParaRPr>
+          </a:p>
+        </p:txBody>
+      </p:sp>
+      <p:sp>
+        <p:nvSpPr>
+          <p:cNvPr id="3" name="Content Placeholder 2">
+            <a:extLst>
+              <a:ext uri="{FF2B5EF4-FFF2-40B4-BE49-F238E27FC236}">
+                <a16:creationId xmlns:a16="http://schemas.microsoft.com/office/drawing/2014/main" xmlns="" id="{2A53D2DA-721D-FC7E-8E09-BCBD844B6F9F}"/>
+              </a:ext>
+            </a:extLst>
+          </p:cNvPr>
+          <p:cNvSpPr>
+            <a:spLocks noGrp="1"/>
+          </p:cNvSpPr>
+          <p:nvPr>
+            <p:ph idx="1"/>
+          </p:nvPr>
+        </p:nvSpPr>
+        <p:spPr>
+          <a:xfrm>
+            <a:off x="233198" y="1259254"/>
+            <a:ext cx="7502570" cy="5389196"/>
+          </a:xfrm>
+        </p:spPr>
+        <p:txBody>
+          <a:bodyPr>
+            <a:normAutofit/>
+          </a:bodyPr>
+          <a:lstStyle/>
+          <a:p>
+            <a:r>
+              <a:rPr lang="en-US" sz="1600" dirty="0" smtClean="0"/>
+              <a:t>Global Object </a:t>
+            </a:r>
+            <a:r>
+              <a:rPr lang="en-US" sz="1600" dirty="0" smtClean="0"/>
+              <a:t>Property</a:t>
+            </a:r>
+            <a:br>
+              <a:rPr lang="en-US" sz="1600" dirty="0" smtClean="0"/>
+            </a:br>
+            <a:r>
+              <a:rPr lang="en-US" sz="1600" b="1" dirty="0" err="1" smtClean="0"/>
+              <a:t>var</a:t>
+            </a:r>
+            <a:r>
+              <a:rPr lang="en-US" sz="1600" b="1" dirty="0" smtClean="0"/>
+              <a:t>:</a:t>
+            </a:r>
+            <a:r>
+              <a:rPr lang="en-US" sz="1600" dirty="0" smtClean="0"/>
+              <a:t> When declared in the global scope (outside of any function or block), </a:t>
+            </a:r>
+            <a:r>
+              <a:rPr lang="en-US" sz="1600" dirty="0" err="1" smtClean="0"/>
+              <a:t>var</a:t>
+            </a:r>
+            <a:r>
+              <a:rPr lang="en-US" sz="1600" dirty="0" smtClean="0"/>
+              <a:t> creates a property on the global object (e.g., window in browsers, global in Node.js). This means a </a:t>
+            </a:r>
+            <a:r>
+              <a:rPr lang="en-US" sz="1600" dirty="0" err="1" smtClean="0"/>
+              <a:t>var</a:t>
+            </a:r>
+            <a:r>
+              <a:rPr lang="en-US" sz="1600" dirty="0" smtClean="0"/>
+              <a:t> declared globally can be accessed as a property of the global object</a:t>
+            </a:r>
+            <a:r>
+              <a:rPr lang="en-US" sz="1600" dirty="0" smtClean="0"/>
+              <a:t>.</a:t>
+            </a:r>
+            <a:br>
+              <a:rPr lang="en-US" sz="1600" dirty="0" smtClean="0"/>
+            </a:br>
+            <a:r>
+              <a:rPr lang="en-US" sz="1600" dirty="0" smtClean="0"/>
+              <a:t/>
+            </a:r>
+            <a:br>
+              <a:rPr lang="en-US" sz="1600" dirty="0" smtClean="0"/>
+            </a:br>
+            <a:r>
+              <a:rPr lang="en-US" sz="1600" dirty="0" smtClean="0"/>
+              <a:t/>
+            </a:r>
+            <a:br>
+              <a:rPr lang="en-US" sz="1600" dirty="0" smtClean="0"/>
+            </a:br>
+            <a:r>
+              <a:rPr lang="en-US" sz="1600" dirty="0" smtClean="0"/>
+              <a:t/>
+            </a:r>
+            <a:br>
+              <a:rPr lang="en-US" sz="1600" dirty="0" smtClean="0"/>
+            </a:br>
+            <a:r>
+              <a:rPr lang="en-US" sz="1600" b="1" dirty="0" smtClean="0"/>
+              <a:t>let:</a:t>
+            </a:r>
+            <a:r>
+              <a:rPr lang="en-US" sz="1600" dirty="0" smtClean="0"/>
+              <a:t> In contrast, let declared in the global scope does not create a property on the global object. It still exists in the global scope and is accessible, but not as a direct property of window or global.</a:t>
+            </a:r>
+          </a:p>
+          <a:p>
+            <a:endParaRPr lang="en-US" sz="1600" dirty="0" smtClean="0"/>
+          </a:p>
+          <a:p>
+            <a:pPr>
+              <a:lnSpc>
+                <a:spcPct val="150000"/>
+              </a:lnSpc>
+            </a:pPr>
+            <a:endParaRPr lang="en-US" sz="1600" dirty="0"/>
+          </a:p>
+        </p:txBody>
+      </p:sp>
+      <p:sp>
+        <p:nvSpPr>
+          <p:cNvPr id="5" name="Ribbon: Curved and Tilted Down 4">
+            <a:extLst>
+              <a:ext uri="{FF2B5EF4-FFF2-40B4-BE49-F238E27FC236}">
+                <a16:creationId xmlns:a16="http://schemas.microsoft.com/office/drawing/2014/main" xmlns="" id="{3FA23525-E3EA-B8CB-FD6A-53084CA847A7}"/>
+              </a:ext>
+            </a:extLst>
+          </p:cNvPr>
+          <p:cNvSpPr/>
+          <p:nvPr/>
+        </p:nvSpPr>
+        <p:spPr>
+          <a:xfrm>
+            <a:off x="198362" y="149779"/>
+            <a:ext cx="3337317" cy="424987"/>
+          </a:xfrm>
+          <a:prstGeom prst="ellipseRibbon">
+            <a:avLst/>
+          </a:prstGeom>
+          <a:solidFill>
+            <a:schemeClr val="bg1">
+              <a:lumMod val="85000"/>
+              <a:lumOff val="15000"/>
+            </a:schemeClr>
+          </a:solidFill>
+          <a:ln>
+            <a:noFill/>
+          </a:ln>
+        </p:spPr>
+        <p:style>
+          <a:lnRef idx="2">
+            <a:schemeClr val="accent1">
+              <a:shade val="15000"/>
+            </a:schemeClr>
+          </a:lnRef>
+          <a:fillRef idx="1">
+            <a:schemeClr val="accent1"/>
+          </a:fillRef>
+          <a:effectRef idx="0">
+            <a:schemeClr val="accent1"/>
+          </a:effectRef>
+          <a:fontRef idx="minor">
+            <a:schemeClr val="lt1"/>
+          </a:fontRef>
+        </p:style>
+        <p:txBody>
+          <a:bodyPr rtlCol="0" anchor="ctr"/>
+          <a:lstStyle/>
+          <a:p>
+            <a:pPr algn="ctr"/>
+            <a:r>
+              <a:rPr lang="en-US" sz="1100" dirty="0">
+                <a:solidFill>
+                  <a:schemeClr val="tx1">
+                    <a:lumMod val="65000"/>
+                    <a:lumOff val="35000"/>
+                  </a:schemeClr>
+                </a:solidFill>
+              </a:rPr>
+              <a:t>JavaScript Tutorials</a:t>
+            </a:r>
+            <a:endParaRPr lang="en-IN" sz="1100" dirty="0">
+              <a:solidFill>
+                <a:schemeClr val="tx1">
+                  <a:lumMod val="65000"/>
+                  <a:lumOff val="35000"/>
+                </a:schemeClr>
+              </a:solidFill>
+            </a:endParaRPr>
+          </a:p>
+        </p:txBody>
+      </p:sp>
+      <p:sp>
+        <p:nvSpPr>
+          <p:cNvPr id="6" name="Scroll: Vertical 5">
+            <a:extLst>
+              <a:ext uri="{FF2B5EF4-FFF2-40B4-BE49-F238E27FC236}">
+                <a16:creationId xmlns:a16="http://schemas.microsoft.com/office/drawing/2014/main" xmlns="" id="{1A4C732A-2840-82C8-A359-298D925E33B3}"/>
+              </a:ext>
+            </a:extLst>
+          </p:cNvPr>
+          <p:cNvSpPr/>
+          <p:nvPr/>
+        </p:nvSpPr>
+        <p:spPr>
+          <a:xfrm>
+            <a:off x="7851914" y="715617"/>
+            <a:ext cx="4240696" cy="4989444"/>
+          </a:xfrm>
+          <a:prstGeom prst="verticalScroll">
+            <a:avLst/>
+          </a:prstGeom>
+          <a:solidFill>
+            <a:schemeClr val="bg1">
+              <a:lumMod val="85000"/>
+            </a:schemeClr>
+          </a:solidFill>
+          <a:ln>
+            <a:solidFill>
+              <a:schemeClr val="bg1">
+                <a:lumMod val="75000"/>
+                <a:lumOff val="25000"/>
+              </a:schemeClr>
+            </a:solidFill>
+          </a:ln>
+        </p:spPr>
+        <p:style>
+          <a:lnRef idx="2">
+            <a:schemeClr val="accent1">
+              <a:shade val="15000"/>
+            </a:schemeClr>
+          </a:lnRef>
+          <a:fillRef idx="1">
+            <a:schemeClr val="accent1"/>
+          </a:fillRef>
+          <a:effectRef idx="0">
+            <a:schemeClr val="accent1"/>
+          </a:effectRef>
+          <a:fontRef idx="minor">
+            <a:schemeClr val="lt1"/>
+          </a:fontRef>
+        </p:style>
+        <p:txBody>
+          <a:bodyPr rtlCol="0" anchor="t"/>
+          <a:lstStyle/>
+          <a:p>
+            <a:pPr>
+              <a:lnSpc>
+                <a:spcPct val="150000"/>
+              </a:lnSpc>
+            </a:pPr>
+            <a:r>
+              <a:rPr lang="en-US" sz="2400" b="1" dirty="0">
+                <a:solidFill>
+                  <a:schemeClr val="tx1"/>
+                </a:solidFill>
+              </a:rPr>
+              <a:t>Topics</a:t>
+            </a:r>
+          </a:p>
+          <a:p>
+            <a:pPr marL="285750" indent="-285750">
+              <a:lnSpc>
+                <a:spcPct val="150000"/>
+              </a:lnSpc>
+              <a:buFont typeface="Courier New" panose="02070309020205020404" pitchFamily="49" charset="0"/>
+              <a:buChar char="o"/>
+            </a:pPr>
+            <a:r>
+              <a:rPr lang="en-US" dirty="0">
+                <a:solidFill>
+                  <a:schemeClr val="tx1"/>
+                </a:solidFill>
+              </a:rPr>
+              <a:t>What are var, let, and const?</a:t>
+            </a:r>
+          </a:p>
+          <a:p>
+            <a:pPr marL="285750" indent="-285750">
+              <a:lnSpc>
+                <a:spcPct val="150000"/>
+              </a:lnSpc>
+              <a:buFont typeface="Courier New" panose="02070309020205020404" pitchFamily="49" charset="0"/>
+              <a:buChar char="o"/>
+            </a:pPr>
+            <a:r>
+              <a:rPr lang="en-IN" dirty="0">
+                <a:solidFill>
+                  <a:schemeClr val="tx1"/>
+                </a:solidFill>
+              </a:rPr>
+              <a:t>What is </a:t>
+            </a:r>
+            <a:r>
+              <a:rPr lang="en-IN" dirty="0" smtClean="0">
+                <a:solidFill>
+                  <a:schemeClr val="tx1"/>
+                </a:solidFill>
+              </a:rPr>
+              <a:t>Hoisting</a:t>
+            </a:r>
+            <a:endParaRPr lang="en-IN" dirty="0">
+              <a:solidFill>
+                <a:schemeClr val="tx1"/>
+              </a:solidFill>
+            </a:endParaRPr>
+          </a:p>
+        </p:txBody>
+      </p:sp>
+      <p:sp>
+        <p:nvSpPr>
+          <p:cNvPr id="7" name="TextBox 6"/>
+          <p:cNvSpPr txBox="1"/>
+          <p:nvPr/>
+        </p:nvSpPr>
+        <p:spPr>
+          <a:xfrm>
+            <a:off x="9614263" y="801189"/>
+            <a:ext cx="1401346" cy="369332"/>
+          </a:xfrm>
+          <a:prstGeom prst="rect">
+            <a:avLst/>
+          </a:prstGeom>
+          <a:noFill/>
+        </p:spPr>
+        <p:txBody>
+          <a:bodyPr wrap="none" rtlCol="0">
+            <a:spAutoFit/>
+          </a:bodyPr>
+          <a:lstStyle/>
+          <a:p>
+            <a:r>
+              <a:rPr lang="en-IN" b="1" dirty="0">
+                <a:solidFill>
+                  <a:schemeClr val="accent2">
+                    <a:lumMod val="60000"/>
+                    <a:lumOff val="40000"/>
+                  </a:schemeClr>
+                </a:solidFill>
+                <a:latin typeface="Bahnschrift SemiLight" pitchFamily="34" charset="0"/>
+              </a:rPr>
+              <a:t>Chapter - 5</a:t>
+            </a:r>
+            <a:endParaRPr lang="en-US" b="1" dirty="0">
+              <a:solidFill>
+                <a:schemeClr val="accent2">
+                  <a:lumMod val="60000"/>
+                  <a:lumOff val="40000"/>
+                </a:schemeClr>
+              </a:solidFill>
+              <a:latin typeface="Bahnschrift SemiLight" pitchFamily="34" charset="0"/>
+            </a:endParaRPr>
+          </a:p>
+        </p:txBody>
+      </p:sp>
+      <p:pic>
+        <p:nvPicPr>
+          <p:cNvPr id="2050" name="Picture 2"/>
+          <p:cNvPicPr>
+            <a:picLocks noChangeAspect="1" noChangeArrowheads="1"/>
+          </p:cNvPicPr>
+          <p:nvPr/>
+        </p:nvPicPr>
+        <p:blipFill>
+          <a:blip r:embed="rId2"/>
+          <a:srcRect/>
+          <a:stretch>
+            <a:fillRect/>
+          </a:stretch>
+        </p:blipFill>
+        <p:spPr bwMode="auto">
+          <a:xfrm>
+            <a:off x="671513" y="2643188"/>
+            <a:ext cx="5133975" cy="447675"/>
+          </a:xfrm>
+          <a:prstGeom prst="rect">
+            <a:avLst/>
+          </a:prstGeom>
+          <a:noFill/>
+          <a:ln w="9525">
+            <a:noFill/>
+            <a:miter lim="800000"/>
+            <a:headEnd/>
+            <a:tailEnd/>
+          </a:ln>
+          <a:effectLst/>
+        </p:spPr>
+      </p:pic>
+      <p:pic>
+        <p:nvPicPr>
+          <p:cNvPr id="2051" name="Picture 3"/>
+          <p:cNvPicPr>
+            <a:picLocks noChangeAspect="1" noChangeArrowheads="1"/>
+          </p:cNvPicPr>
+          <p:nvPr/>
+        </p:nvPicPr>
+        <p:blipFill>
+          <a:blip r:embed="rId3"/>
+          <a:srcRect/>
+          <a:stretch>
+            <a:fillRect/>
+          </a:stretch>
+        </p:blipFill>
+        <p:spPr bwMode="auto">
+          <a:xfrm>
+            <a:off x="676275" y="4162425"/>
+            <a:ext cx="4857750" cy="457200"/>
+          </a:xfrm>
+          <a:prstGeom prst="rect">
+            <a:avLst/>
+          </a:prstGeom>
+          <a:noFill/>
+          <a:ln w="9525">
+            <a:noFill/>
+            <a:miter lim="800000"/>
+            <a:headEnd/>
+            <a:tailEnd/>
+          </a:ln>
+          <a:effectLst/>
+        </p:spPr>
+      </p:pic>
+    </p:spTree>
+    <p:extLst>
+      <p:ext uri="{BB962C8B-B14F-4D97-AF65-F5344CB8AC3E}">
+        <p14:creationId xmlns:p14="http://schemas.microsoft.com/office/powerpoint/2010/main" xmlns="" val="3002471670"/>
+      </p:ext>
+    </p:extLst>
+  </p:cSld>
+  <p:clrMapOvr>
+    <a:masterClrMapping/>
+  </p:clrMapOvr>
+</p:sld>
+</file>
+
+<file path=ppt/slides/slide23.xml><?xml version="1.0" encoding="utf-8"?>
+<p:sld xmlns:a="http://schemas.openxmlformats.org/drawingml/2006/main" xmlns:r="http://schemas.openxmlformats.org/officeDocument/2006/relationships" xmlns:p="http://schemas.openxmlformats.org/presentationml/2006/main">
+  <p:cSld>
+    <p:spTree>
+      <p:nvGrpSpPr>
+        <p:cNvPr id="1" name="">
+          <a:extLst>
+            <a:ext uri="{FF2B5EF4-FFF2-40B4-BE49-F238E27FC236}">
+              <a16:creationId xmlns:a16="http://schemas.microsoft.com/office/drawing/2014/main" xmlns="" id="{4586E9D7-F5F8-14CC-9DF6-FC4AF2EA4249}"/>
+            </a:ext>
+          </a:extLst>
+        </p:cNvPr>
+        <p:cNvGrpSpPr/>
+        <p:nvPr/>
+      </p:nvGrpSpPr>
+      <p:grpSpPr>
+        <a:xfrm>
+          <a:off x="0" y="0"/>
+          <a:ext cx="0" cy="0"/>
+          <a:chOff x="0" y="0"/>
+          <a:chExt cx="0" cy="0"/>
+        </a:xfrm>
+      </p:grpSpPr>
+      <p:sp>
+        <p:nvSpPr>
+          <p:cNvPr id="2" name="Title 1">
+            <a:extLst>
+              <a:ext uri="{FF2B5EF4-FFF2-40B4-BE49-F238E27FC236}">
+                <a16:creationId xmlns:a16="http://schemas.microsoft.com/office/drawing/2014/main" xmlns="" id="{D8B67155-694F-FF61-7CDD-33A20A316215}"/>
+              </a:ext>
+            </a:extLst>
+          </p:cNvPr>
+          <p:cNvSpPr>
+            <a:spLocks noGrp="1"/>
+          </p:cNvSpPr>
+          <p:nvPr>
+            <p:ph type="title"/>
+          </p:nvPr>
+        </p:nvSpPr>
+        <p:spPr>
+          <a:xfrm>
+            <a:off x="236463" y="901999"/>
+            <a:ext cx="8596668" cy="666407"/>
+          </a:xfrm>
+        </p:spPr>
+        <p:txBody>
+          <a:bodyPr>
+            <a:normAutofit/>
+          </a:bodyPr>
+          <a:lstStyle/>
+          <a:p>
+            <a:r>
+              <a:rPr lang="en-US" b="1" dirty="0" smtClean="0">
+                <a:solidFill>
+                  <a:schemeClr val="tx1"/>
+                </a:solidFill>
+                <a:latin typeface="Bahnschrift SemiLight" pitchFamily="34" charset="0"/>
+              </a:rPr>
+              <a:t>Re-</a:t>
+            </a:r>
+            <a:r>
+              <a:rPr lang="en-US" b="1" dirty="0" err="1" smtClean="0">
+                <a:solidFill>
+                  <a:schemeClr val="tx1"/>
+                </a:solidFill>
+                <a:latin typeface="Bahnschrift SemiLight" pitchFamily="34" charset="0"/>
+              </a:rPr>
+              <a:t>declartion</a:t>
+            </a:r>
+            <a:r>
+              <a:rPr lang="en-US" b="1" dirty="0" smtClean="0">
+                <a:solidFill>
+                  <a:schemeClr val="tx1"/>
+                </a:solidFill>
+                <a:latin typeface="Bahnschrift SemiLight" pitchFamily="34" charset="0"/>
+              </a:rPr>
+              <a:t> of </a:t>
+            </a:r>
+            <a:r>
+              <a:rPr lang="en-US" b="1" dirty="0" err="1" smtClean="0">
+                <a:solidFill>
+                  <a:schemeClr val="tx1"/>
+                </a:solidFill>
+                <a:latin typeface="Bahnschrift SemiLight" pitchFamily="34" charset="0"/>
+              </a:rPr>
+              <a:t>v</a:t>
+            </a:r>
+            <a:r>
+              <a:rPr lang="en-US" b="1" dirty="0" err="1" smtClean="0">
+                <a:solidFill>
+                  <a:schemeClr val="tx1"/>
+                </a:solidFill>
+                <a:latin typeface="Bahnschrift SemiLight" pitchFamily="34" charset="0"/>
+              </a:rPr>
+              <a:t>ar</a:t>
+            </a:r>
+            <a:r>
+              <a:rPr lang="en-US" b="1" dirty="0" smtClean="0">
+                <a:solidFill>
+                  <a:schemeClr val="tx1"/>
+                </a:solidFill>
+                <a:latin typeface="Bahnschrift SemiLight" pitchFamily="34" charset="0"/>
+              </a:rPr>
+              <a:t> and let</a:t>
+            </a:r>
+            <a:endParaRPr lang="en-US" b="1" dirty="0">
+              <a:solidFill>
+                <a:schemeClr val="tx1"/>
+              </a:solidFill>
+              <a:latin typeface="Bahnschrift SemiLight" pitchFamily="34" charset="0"/>
+            </a:endParaRPr>
+          </a:p>
+        </p:txBody>
+      </p:sp>
+      <p:sp>
+        <p:nvSpPr>
+          <p:cNvPr id="5" name="Ribbon: Curved and Tilted Down 4">
+            <a:extLst>
+              <a:ext uri="{FF2B5EF4-FFF2-40B4-BE49-F238E27FC236}">
+                <a16:creationId xmlns:a16="http://schemas.microsoft.com/office/drawing/2014/main" xmlns="" id="{3FA23525-E3EA-B8CB-FD6A-53084CA847A7}"/>
+              </a:ext>
+            </a:extLst>
+          </p:cNvPr>
+          <p:cNvSpPr/>
+          <p:nvPr/>
+        </p:nvSpPr>
+        <p:spPr>
+          <a:xfrm>
+            <a:off x="255512" y="216454"/>
+            <a:ext cx="3678313" cy="583646"/>
+          </a:xfrm>
+          <a:prstGeom prst="ellipseRibbon">
+            <a:avLst/>
+          </a:prstGeom>
+          <a:solidFill>
+            <a:schemeClr val="bg1">
+              <a:lumMod val="85000"/>
+              <a:lumOff val="15000"/>
+            </a:schemeClr>
+          </a:solidFill>
+          <a:ln>
+            <a:noFill/>
+          </a:ln>
+        </p:spPr>
+        <p:style>
+          <a:lnRef idx="2">
+            <a:schemeClr val="accent1">
+              <a:shade val="15000"/>
+            </a:schemeClr>
+          </a:lnRef>
+          <a:fillRef idx="1">
+            <a:schemeClr val="accent1"/>
+          </a:fillRef>
+          <a:effectRef idx="0">
+            <a:schemeClr val="accent1"/>
+          </a:effectRef>
+          <a:fontRef idx="minor">
+            <a:schemeClr val="lt1"/>
+          </a:fontRef>
+        </p:style>
+        <p:txBody>
+          <a:bodyPr rtlCol="0" anchor="ctr"/>
+          <a:lstStyle/>
+          <a:p>
+            <a:pPr algn="ctr"/>
+            <a:r>
+              <a:rPr lang="en-US" sz="1100" dirty="0">
+                <a:solidFill>
+                  <a:schemeClr val="tx1">
+                    <a:lumMod val="65000"/>
+                    <a:lumOff val="35000"/>
+                  </a:schemeClr>
+                </a:solidFill>
+              </a:rPr>
+              <a:t>JavaScript Tutorials</a:t>
+            </a:r>
+            <a:endParaRPr lang="en-IN" sz="1100" dirty="0">
+              <a:solidFill>
+                <a:schemeClr val="tx1">
+                  <a:lumMod val="65000"/>
+                  <a:lumOff val="35000"/>
+                </a:schemeClr>
+              </a:solidFill>
+            </a:endParaRPr>
+          </a:p>
+        </p:txBody>
+      </p:sp>
+      <p:sp>
+        <p:nvSpPr>
+          <p:cNvPr id="6" name="Scroll: Vertical 5">
+            <a:extLst>
+              <a:ext uri="{FF2B5EF4-FFF2-40B4-BE49-F238E27FC236}">
+                <a16:creationId xmlns:a16="http://schemas.microsoft.com/office/drawing/2014/main" xmlns="" id="{1A4C732A-2840-82C8-A359-298D925E33B3}"/>
+              </a:ext>
+            </a:extLst>
+          </p:cNvPr>
+          <p:cNvSpPr/>
+          <p:nvPr/>
+        </p:nvSpPr>
+        <p:spPr>
+          <a:xfrm>
+            <a:off x="7851914" y="715617"/>
+            <a:ext cx="4240696" cy="4989444"/>
+          </a:xfrm>
+          <a:prstGeom prst="verticalScroll">
+            <a:avLst/>
+          </a:prstGeom>
+          <a:solidFill>
+            <a:schemeClr val="bg1">
+              <a:lumMod val="85000"/>
+            </a:schemeClr>
+          </a:solidFill>
+          <a:ln>
+            <a:solidFill>
+              <a:schemeClr val="bg1">
+                <a:lumMod val="75000"/>
+                <a:lumOff val="25000"/>
+              </a:schemeClr>
+            </a:solidFill>
+          </a:ln>
+        </p:spPr>
+        <p:style>
+          <a:lnRef idx="2">
+            <a:schemeClr val="accent1">
+              <a:shade val="15000"/>
+            </a:schemeClr>
+          </a:lnRef>
+          <a:fillRef idx="1">
+            <a:schemeClr val="accent1"/>
+          </a:fillRef>
+          <a:effectRef idx="0">
+            <a:schemeClr val="accent1"/>
+          </a:effectRef>
+          <a:fontRef idx="minor">
+            <a:schemeClr val="lt1"/>
+          </a:fontRef>
+        </p:style>
+        <p:txBody>
+          <a:bodyPr rtlCol="0" anchor="t"/>
+          <a:lstStyle/>
+          <a:p>
+            <a:pPr>
+              <a:lnSpc>
+                <a:spcPct val="150000"/>
+              </a:lnSpc>
+            </a:pPr>
+            <a:r>
+              <a:rPr lang="en-US" sz="2400" b="1" dirty="0">
+                <a:solidFill>
+                  <a:schemeClr val="tx1"/>
+                </a:solidFill>
+              </a:rPr>
+              <a:t>Topics</a:t>
+            </a:r>
+          </a:p>
+          <a:p>
+            <a:pPr marL="285750" indent="-285750">
+              <a:lnSpc>
+                <a:spcPct val="150000"/>
+              </a:lnSpc>
+              <a:buFont typeface="Courier New" panose="02070309020205020404" pitchFamily="49" charset="0"/>
+              <a:buChar char="o"/>
+            </a:pPr>
+            <a:r>
+              <a:rPr lang="en-US" dirty="0">
+                <a:solidFill>
+                  <a:schemeClr val="tx1"/>
+                </a:solidFill>
+              </a:rPr>
+              <a:t>What are var, let, and const?</a:t>
+            </a:r>
+          </a:p>
+          <a:p>
+            <a:pPr marL="285750" indent="-285750">
+              <a:lnSpc>
+                <a:spcPct val="150000"/>
+              </a:lnSpc>
+              <a:buFont typeface="Courier New" panose="02070309020205020404" pitchFamily="49" charset="0"/>
+              <a:buChar char="o"/>
+            </a:pPr>
+            <a:r>
+              <a:rPr lang="en-IN" dirty="0">
+                <a:solidFill>
+                  <a:schemeClr val="tx1"/>
+                </a:solidFill>
+              </a:rPr>
+              <a:t>What is </a:t>
+            </a:r>
+            <a:r>
+              <a:rPr lang="en-IN" dirty="0" smtClean="0">
+                <a:solidFill>
+                  <a:schemeClr val="tx1"/>
+                </a:solidFill>
+              </a:rPr>
+              <a:t>Hoisting</a:t>
+            </a:r>
+            <a:endParaRPr lang="en-IN" dirty="0">
+              <a:solidFill>
+                <a:schemeClr val="tx1"/>
+              </a:solidFill>
+            </a:endParaRPr>
+          </a:p>
+        </p:txBody>
+      </p:sp>
+      <p:sp>
+        <p:nvSpPr>
+          <p:cNvPr id="7" name="TextBox 6"/>
+          <p:cNvSpPr txBox="1"/>
+          <p:nvPr/>
+        </p:nvSpPr>
+        <p:spPr>
+          <a:xfrm>
+            <a:off x="9614263" y="801189"/>
+            <a:ext cx="1401346" cy="369332"/>
+          </a:xfrm>
+          <a:prstGeom prst="rect">
+            <a:avLst/>
+          </a:prstGeom>
+          <a:noFill/>
+        </p:spPr>
+        <p:txBody>
+          <a:bodyPr wrap="none" rtlCol="0">
+            <a:spAutoFit/>
+          </a:bodyPr>
+          <a:lstStyle/>
+          <a:p>
+            <a:r>
+              <a:rPr lang="en-IN" b="1" dirty="0">
+                <a:solidFill>
+                  <a:schemeClr val="accent2">
+                    <a:lumMod val="60000"/>
+                    <a:lumOff val="40000"/>
+                  </a:schemeClr>
+                </a:solidFill>
+                <a:latin typeface="Bahnschrift SemiLight" pitchFamily="34" charset="0"/>
+              </a:rPr>
+              <a:t>Chapter - 5</a:t>
+            </a:r>
+            <a:endParaRPr lang="en-US" b="1" dirty="0">
+              <a:solidFill>
+                <a:schemeClr val="accent2">
+                  <a:lumMod val="60000"/>
+                  <a:lumOff val="40000"/>
+                </a:schemeClr>
+              </a:solidFill>
+              <a:latin typeface="Bahnschrift SemiLight" pitchFamily="34" charset="0"/>
+            </a:endParaRPr>
+          </a:p>
+        </p:txBody>
+      </p:sp>
+      <p:sp>
+        <p:nvSpPr>
+          <p:cNvPr id="9" name="Content Placeholder 2">
+            <a:extLst>
+              <a:ext uri="{FF2B5EF4-FFF2-40B4-BE49-F238E27FC236}">
+                <a16:creationId xmlns:a16="http://schemas.microsoft.com/office/drawing/2014/main" xmlns="" id="{2A53D2DA-721D-FC7E-8E09-BCBD844B6F9F}"/>
+              </a:ext>
+            </a:extLst>
+          </p:cNvPr>
+          <p:cNvSpPr txBox="1">
+            <a:spLocks/>
+          </p:cNvSpPr>
+          <p:nvPr/>
+        </p:nvSpPr>
+        <p:spPr>
+          <a:xfrm>
+            <a:off x="366548" y="3192829"/>
+            <a:ext cx="7502570" cy="569546"/>
+          </a:xfrm>
+          <a:prstGeom prst="rect">
+            <a:avLst/>
+          </a:prstGeom>
+        </p:spPr>
+        <p:txBody>
+          <a:bodyPr vert="horz" lIns="91440" tIns="45720" rIns="91440" bIns="45720" rtlCol="0">
+            <a:normAutofit lnSpcReduction="10000"/>
+          </a:bodyPr>
+          <a:lstStyle/>
+          <a:p>
+            <a:r>
+              <a:rPr lang="en-US" sz="1600" b="1" dirty="0" smtClean="0">
+                <a:solidFill>
+                  <a:schemeClr val="accent2">
+                    <a:lumMod val="60000"/>
+                    <a:lumOff val="40000"/>
+                  </a:schemeClr>
+                </a:solidFill>
+              </a:rPr>
+              <a:t>let:</a:t>
+            </a:r>
+            <a:r>
+              <a:rPr lang="en-US" sz="1600" dirty="0" smtClean="0"/>
+              <a:t> Does not allow re-declaration of the same variable within the same scope. Attempting to do so will result in a </a:t>
+            </a:r>
+            <a:r>
+              <a:rPr lang="en-US" sz="1600" dirty="0" err="1" smtClean="0"/>
+              <a:t>SyntaxError</a:t>
+            </a:r>
+            <a:r>
+              <a:rPr lang="en-US" sz="1600" dirty="0" smtClean="0"/>
+              <a:t>.</a:t>
+            </a:r>
+          </a:p>
+          <a:p>
+            <a:pPr marL="342900" marR="0" lvl="0" indent="-342900" algn="l" defTabSz="457200" rtl="0" eaLnBrk="1" fontAlgn="auto" latinLnBrk="0" hangingPunct="1">
+              <a:lnSpc>
+                <a:spcPct val="100000"/>
+              </a:lnSpc>
+              <a:spcBef>
+                <a:spcPts val="1000"/>
+              </a:spcBef>
+              <a:spcAft>
+                <a:spcPts val="0"/>
+              </a:spcAft>
+              <a:buClr>
+                <a:schemeClr val="accent1"/>
+              </a:buClr>
+              <a:buSzPct val="80000"/>
+              <a:buFont typeface="Wingdings 3" charset="2"/>
+              <a:buNone/>
+              <a:tabLst/>
+              <a:defRPr/>
+            </a:pPr>
+            <a:endParaRPr kumimoji="0" lang="en-US" sz="1600" b="0" i="0" u="none" strike="noStrike" kern="1200" cap="none" spc="0" normalizeH="0" baseline="0" noProof="0" dirty="0" smtClean="0">
+              <a:ln>
+                <a:noFill/>
+              </a:ln>
+              <a:solidFill>
+                <a:schemeClr val="tx1">
+                  <a:lumMod val="75000"/>
+                  <a:lumOff val="25000"/>
+                </a:schemeClr>
+              </a:solidFill>
+              <a:effectLst/>
+              <a:uLnTx/>
+              <a:uFillTx/>
+              <a:latin typeface="+mn-lt"/>
+              <a:ea typeface="+mn-ea"/>
+              <a:cs typeface="+mn-cs"/>
+            </a:endParaRPr>
+          </a:p>
+          <a:p>
+            <a:pPr marL="342900" marR="0" lvl="0" indent="-342900" algn="l" defTabSz="457200" rtl="0" eaLnBrk="1" fontAlgn="auto" latinLnBrk="0" hangingPunct="1">
+              <a:lnSpc>
+                <a:spcPct val="150000"/>
+              </a:lnSpc>
+              <a:spcBef>
+                <a:spcPts val="1000"/>
+              </a:spcBef>
+              <a:spcAft>
+                <a:spcPts val="0"/>
+              </a:spcAft>
+              <a:buClr>
+                <a:schemeClr val="accent1"/>
+              </a:buClr>
+              <a:buSzPct val="80000"/>
+              <a:buFont typeface="Wingdings 3" charset="2"/>
+              <a:buChar char=""/>
+              <a:tabLst/>
+              <a:defRPr/>
+            </a:pPr>
+            <a:endParaRPr kumimoji="0" lang="en-US" sz="1600" b="0" i="0" u="none" strike="noStrike" kern="1200" cap="none" spc="0" normalizeH="0" baseline="0" noProof="0" dirty="0">
+              <a:ln>
+                <a:noFill/>
+              </a:ln>
+              <a:solidFill>
+                <a:schemeClr val="tx1">
+                  <a:lumMod val="75000"/>
+                  <a:lumOff val="25000"/>
+                </a:schemeClr>
+              </a:solidFill>
+              <a:effectLst/>
+              <a:uLnTx/>
+              <a:uFillTx/>
+              <a:latin typeface="+mn-lt"/>
+              <a:ea typeface="+mn-ea"/>
+              <a:cs typeface="+mn-cs"/>
+            </a:endParaRPr>
+          </a:p>
+        </p:txBody>
+      </p:sp>
+      <p:sp>
+        <p:nvSpPr>
+          <p:cNvPr id="11" name="Content Placeholder 2">
+            <a:extLst>
+              <a:ext uri="{FF2B5EF4-FFF2-40B4-BE49-F238E27FC236}">
+                <a16:creationId xmlns:a16="http://schemas.microsoft.com/office/drawing/2014/main" xmlns="" id="{2A53D2DA-721D-FC7E-8E09-BCBD844B6F9F}"/>
+              </a:ext>
+            </a:extLst>
+          </p:cNvPr>
+          <p:cNvSpPr txBox="1">
+            <a:spLocks/>
+          </p:cNvSpPr>
+          <p:nvPr/>
+        </p:nvSpPr>
+        <p:spPr>
+          <a:xfrm>
+            <a:off x="299873" y="1611679"/>
+            <a:ext cx="7502570" cy="569546"/>
+          </a:xfrm>
+          <a:prstGeom prst="rect">
+            <a:avLst/>
+          </a:prstGeom>
+        </p:spPr>
+        <p:txBody>
+          <a:bodyPr vert="horz" lIns="91440" tIns="45720" rIns="91440" bIns="45720" rtlCol="0">
+            <a:normAutofit lnSpcReduction="10000"/>
+          </a:bodyPr>
+          <a:lstStyle/>
+          <a:p>
+            <a:r>
+              <a:rPr lang="en-US" sz="1600" b="1" dirty="0" err="1" smtClean="0">
+                <a:solidFill>
+                  <a:schemeClr val="accent2">
+                    <a:lumMod val="60000"/>
+                    <a:lumOff val="40000"/>
+                  </a:schemeClr>
+                </a:solidFill>
+              </a:rPr>
+              <a:t>var</a:t>
+            </a:r>
+            <a:r>
+              <a:rPr lang="en-US" sz="1600" b="1" dirty="0" smtClean="0">
+                <a:solidFill>
+                  <a:schemeClr val="accent2">
+                    <a:lumMod val="60000"/>
+                    <a:lumOff val="40000"/>
+                  </a:schemeClr>
+                </a:solidFill>
+              </a:rPr>
+              <a:t>:</a:t>
+            </a:r>
+            <a:r>
+              <a:rPr lang="en-US" sz="1600" dirty="0" smtClean="0"/>
+              <a:t> Allows re-declaration of the same variable within the same </a:t>
+            </a:r>
+            <a:r>
+              <a:rPr lang="en-US" sz="1600" dirty="0" smtClean="0"/>
+              <a:t>scope</a:t>
+            </a:r>
+            <a:br>
+              <a:rPr lang="en-US" sz="1600" dirty="0" smtClean="0"/>
+            </a:br>
+            <a:r>
+              <a:rPr lang="en-US" sz="1600" dirty="0" smtClean="0"/>
+              <a:t>without </a:t>
+            </a:r>
+            <a:r>
+              <a:rPr lang="en-US" sz="1600" dirty="0" smtClean="0"/>
+              <a:t>an error. The later declaration simply overwrites the previous one.</a:t>
+            </a:r>
+          </a:p>
+          <a:p>
+            <a:pPr marL="342900" marR="0" lvl="0" indent="-342900" algn="l" defTabSz="457200" rtl="0" eaLnBrk="1" fontAlgn="auto" latinLnBrk="0" hangingPunct="1">
+              <a:lnSpc>
+                <a:spcPct val="100000"/>
+              </a:lnSpc>
+              <a:spcBef>
+                <a:spcPts val="1000"/>
+              </a:spcBef>
+              <a:spcAft>
+                <a:spcPts val="0"/>
+              </a:spcAft>
+              <a:buClr>
+                <a:schemeClr val="accent1"/>
+              </a:buClr>
+              <a:buSzPct val="80000"/>
+              <a:buFont typeface="Wingdings 3" charset="2"/>
+              <a:buNone/>
+              <a:tabLst/>
+              <a:defRPr/>
+            </a:pPr>
+            <a:endParaRPr kumimoji="0" lang="en-US" sz="1600" b="0" i="0" u="none" strike="noStrike" kern="1200" cap="none" spc="0" normalizeH="0" baseline="0" noProof="0" dirty="0" smtClean="0">
+              <a:ln>
+                <a:noFill/>
+              </a:ln>
+              <a:solidFill>
+                <a:schemeClr val="tx1">
+                  <a:lumMod val="75000"/>
+                  <a:lumOff val="25000"/>
+                </a:schemeClr>
+              </a:solidFill>
+              <a:effectLst/>
+              <a:uLnTx/>
+              <a:uFillTx/>
+              <a:latin typeface="+mn-lt"/>
+              <a:ea typeface="+mn-ea"/>
+              <a:cs typeface="+mn-cs"/>
+            </a:endParaRPr>
+          </a:p>
+          <a:p>
+            <a:pPr marL="342900" marR="0" lvl="0" indent="-342900" algn="l" defTabSz="457200" rtl="0" eaLnBrk="1" fontAlgn="auto" latinLnBrk="0" hangingPunct="1">
+              <a:lnSpc>
+                <a:spcPct val="150000"/>
+              </a:lnSpc>
+              <a:spcBef>
+                <a:spcPts val="1000"/>
+              </a:spcBef>
+              <a:spcAft>
+                <a:spcPts val="0"/>
+              </a:spcAft>
+              <a:buClr>
+                <a:schemeClr val="accent1"/>
+              </a:buClr>
+              <a:buSzPct val="80000"/>
+              <a:buFont typeface="Wingdings 3" charset="2"/>
+              <a:buChar char=""/>
+              <a:tabLst/>
+              <a:defRPr/>
+            </a:pPr>
+            <a:endParaRPr kumimoji="0" lang="en-US" sz="1600" b="0" i="0" u="none" strike="noStrike" kern="1200" cap="none" spc="0" normalizeH="0" baseline="0" noProof="0" dirty="0">
+              <a:ln>
+                <a:noFill/>
+              </a:ln>
+              <a:solidFill>
+                <a:schemeClr val="tx1">
+                  <a:lumMod val="75000"/>
+                  <a:lumOff val="25000"/>
+                </a:schemeClr>
+              </a:solidFill>
+              <a:effectLst/>
+              <a:uLnTx/>
+              <a:uFillTx/>
+              <a:latin typeface="+mn-lt"/>
+              <a:ea typeface="+mn-ea"/>
+              <a:cs typeface="+mn-cs"/>
+            </a:endParaRPr>
+          </a:p>
+        </p:txBody>
+      </p:sp>
+      <p:pic>
+        <p:nvPicPr>
+          <p:cNvPr id="3074" name="Picture 2"/>
+          <p:cNvPicPr>
+            <a:picLocks noChangeAspect="1" noChangeArrowheads="1"/>
+          </p:cNvPicPr>
+          <p:nvPr/>
+        </p:nvPicPr>
+        <p:blipFill>
+          <a:blip r:embed="rId2"/>
+          <a:srcRect/>
+          <a:stretch>
+            <a:fillRect/>
+          </a:stretch>
+        </p:blipFill>
+        <p:spPr bwMode="auto">
+          <a:xfrm>
+            <a:off x="428625" y="2286000"/>
+            <a:ext cx="2838450" cy="457200"/>
+          </a:xfrm>
+          <a:prstGeom prst="rect">
+            <a:avLst/>
+          </a:prstGeom>
+          <a:noFill/>
+          <a:ln w="9525">
+            <a:noFill/>
+            <a:miter lim="800000"/>
+            <a:headEnd/>
+            <a:tailEnd/>
+          </a:ln>
+          <a:effectLst/>
+        </p:spPr>
+      </p:pic>
+      <p:pic>
+        <p:nvPicPr>
+          <p:cNvPr id="3076" name="Picture 4"/>
+          <p:cNvPicPr>
+            <a:picLocks noChangeAspect="1" noChangeArrowheads="1"/>
+          </p:cNvPicPr>
+          <p:nvPr/>
+        </p:nvPicPr>
+        <p:blipFill>
+          <a:blip r:embed="rId3"/>
+          <a:srcRect/>
+          <a:stretch>
+            <a:fillRect/>
+          </a:stretch>
+        </p:blipFill>
+        <p:spPr bwMode="auto">
+          <a:xfrm>
+            <a:off x="457200" y="3819525"/>
+            <a:ext cx="5334000" cy="476250"/>
+          </a:xfrm>
+          <a:prstGeom prst="rect">
+            <a:avLst/>
+          </a:prstGeom>
+          <a:noFill/>
+          <a:ln w="9525">
+            <a:noFill/>
+            <a:miter lim="800000"/>
+            <a:headEnd/>
+            <a:tailEnd/>
+          </a:ln>
+          <a:effectLst/>
+        </p:spPr>
+      </p:pic>
+    </p:spTree>
+    <p:extLst>
+      <p:ext uri="{BB962C8B-B14F-4D97-AF65-F5344CB8AC3E}">
+        <p14:creationId xmlns:p14="http://schemas.microsoft.com/office/powerpoint/2010/main" xmlns="" val="3002471670"/>
+      </p:ext>
+    </p:extLst>
+  </p:cSld>
+  <p:clrMapOvr>
+    <a:masterClrMapping/>
+  </p:clrMapOvr>
+</p:sld>
+</file>
+
+<file path=ppt/slides/slide24.xml><?xml version="1.0" encoding="utf-8"?>
+<p:sld xmlns:a="http://schemas.openxmlformats.org/drawingml/2006/main" xmlns:r="http://schemas.openxmlformats.org/officeDocument/2006/relationships" xmlns:p="http://schemas.openxmlformats.org/presentationml/2006/main">
+  <p:cSld>
+    <p:spTree>
+      <p:nvGrpSpPr>
+        <p:cNvPr id="1" name="">
+          <a:extLst>
+            <a:ext uri="{FF2B5EF4-FFF2-40B4-BE49-F238E27FC236}">
+              <a16:creationId xmlns:a16="http://schemas.microsoft.com/office/drawing/2014/main" xmlns="" id="{4586E9D7-F5F8-14CC-9DF6-FC4AF2EA4249}"/>
+            </a:ext>
+          </a:extLst>
+        </p:cNvPr>
+        <p:cNvGrpSpPr/>
+        <p:nvPr/>
+      </p:nvGrpSpPr>
+      <p:grpSpPr>
+        <a:xfrm>
+          <a:off x="0" y="0"/>
+          <a:ext cx="0" cy="0"/>
+          <a:chOff x="0" y="0"/>
+          <a:chExt cx="0" cy="0"/>
+        </a:xfrm>
+      </p:grpSpPr>
+      <p:sp>
+        <p:nvSpPr>
+          <p:cNvPr id="2" name="Title 1">
+            <a:extLst>
+              <a:ext uri="{FF2B5EF4-FFF2-40B4-BE49-F238E27FC236}">
+                <a16:creationId xmlns:a16="http://schemas.microsoft.com/office/drawing/2014/main" xmlns="" id="{D8B67155-694F-FF61-7CDD-33A20A316215}"/>
+              </a:ext>
+            </a:extLst>
+          </p:cNvPr>
+          <p:cNvSpPr>
+            <a:spLocks noGrp="1"/>
+          </p:cNvSpPr>
+          <p:nvPr>
+            <p:ph type="title"/>
+          </p:nvPr>
+        </p:nvSpPr>
+        <p:spPr>
+          <a:xfrm>
+            <a:off x="236463" y="901999"/>
+            <a:ext cx="8596668" cy="666407"/>
+          </a:xfrm>
+        </p:spPr>
+        <p:txBody>
+          <a:bodyPr>
+            <a:normAutofit/>
+          </a:bodyPr>
+          <a:lstStyle/>
+          <a:p>
+            <a:r>
+              <a:rPr lang="en-US" b="1" dirty="0" smtClean="0">
+                <a:solidFill>
+                  <a:schemeClr val="tx1"/>
+                </a:solidFill>
+                <a:latin typeface="Bahnschrift SemiLight" pitchFamily="34" charset="0"/>
+              </a:rPr>
+              <a:t>What is hoisting?</a:t>
+            </a:r>
+            <a:endParaRPr lang="en-US" b="1" dirty="0">
+              <a:solidFill>
+                <a:schemeClr val="tx1"/>
+              </a:solidFill>
+              <a:latin typeface="Bahnschrift SemiLight" pitchFamily="34" charset="0"/>
+            </a:endParaRPr>
+          </a:p>
+        </p:txBody>
+      </p:sp>
+      <p:sp>
+        <p:nvSpPr>
+          <p:cNvPr id="5" name="Ribbon: Curved and Tilted Down 4">
+            <a:extLst>
+              <a:ext uri="{FF2B5EF4-FFF2-40B4-BE49-F238E27FC236}">
+                <a16:creationId xmlns:a16="http://schemas.microsoft.com/office/drawing/2014/main" xmlns="" id="{3FA23525-E3EA-B8CB-FD6A-53084CA847A7}"/>
+              </a:ext>
+            </a:extLst>
+          </p:cNvPr>
+          <p:cNvSpPr/>
+          <p:nvPr/>
+        </p:nvSpPr>
+        <p:spPr>
+          <a:xfrm>
+            <a:off x="255512" y="216454"/>
+            <a:ext cx="3678313" cy="583646"/>
+          </a:xfrm>
+          <a:prstGeom prst="ellipseRibbon">
+            <a:avLst/>
+          </a:prstGeom>
+          <a:solidFill>
+            <a:schemeClr val="bg1">
+              <a:lumMod val="85000"/>
+              <a:lumOff val="15000"/>
+            </a:schemeClr>
+          </a:solidFill>
+          <a:ln>
+            <a:noFill/>
+          </a:ln>
+        </p:spPr>
+        <p:style>
+          <a:lnRef idx="2">
+            <a:schemeClr val="accent1">
+              <a:shade val="15000"/>
+            </a:schemeClr>
+          </a:lnRef>
+          <a:fillRef idx="1">
+            <a:schemeClr val="accent1"/>
+          </a:fillRef>
+          <a:effectRef idx="0">
+            <a:schemeClr val="accent1"/>
+          </a:effectRef>
+          <a:fontRef idx="minor">
+            <a:schemeClr val="lt1"/>
+          </a:fontRef>
+        </p:style>
+        <p:txBody>
+          <a:bodyPr rtlCol="0" anchor="ctr"/>
+          <a:lstStyle/>
+          <a:p>
+            <a:pPr algn="ctr"/>
+            <a:r>
+              <a:rPr lang="en-US" sz="1100" dirty="0">
+                <a:solidFill>
+                  <a:schemeClr val="tx1">
+                    <a:lumMod val="65000"/>
+                    <a:lumOff val="35000"/>
+                  </a:schemeClr>
+                </a:solidFill>
+              </a:rPr>
+              <a:t>JavaScript Tutorials</a:t>
+            </a:r>
+            <a:endParaRPr lang="en-IN" sz="1100" dirty="0">
+              <a:solidFill>
+                <a:schemeClr val="tx1">
+                  <a:lumMod val="65000"/>
+                  <a:lumOff val="35000"/>
+                </a:schemeClr>
+              </a:solidFill>
+            </a:endParaRPr>
+          </a:p>
+        </p:txBody>
+      </p:sp>
+      <p:sp>
+        <p:nvSpPr>
+          <p:cNvPr id="6" name="Scroll: Vertical 5">
+            <a:extLst>
+              <a:ext uri="{FF2B5EF4-FFF2-40B4-BE49-F238E27FC236}">
+                <a16:creationId xmlns:a16="http://schemas.microsoft.com/office/drawing/2014/main" xmlns="" id="{1A4C732A-2840-82C8-A359-298D925E33B3}"/>
+              </a:ext>
+            </a:extLst>
+          </p:cNvPr>
+          <p:cNvSpPr/>
+          <p:nvPr/>
+        </p:nvSpPr>
+        <p:spPr>
+          <a:xfrm>
+            <a:off x="7851914" y="715617"/>
+            <a:ext cx="4240696" cy="4989444"/>
+          </a:xfrm>
+          <a:prstGeom prst="verticalScroll">
+            <a:avLst/>
+          </a:prstGeom>
+          <a:solidFill>
+            <a:schemeClr val="bg1">
+              <a:lumMod val="85000"/>
+            </a:schemeClr>
+          </a:solidFill>
+          <a:ln>
+            <a:solidFill>
+              <a:schemeClr val="bg1">
+                <a:lumMod val="75000"/>
+                <a:lumOff val="25000"/>
+              </a:schemeClr>
+            </a:solidFill>
+          </a:ln>
+        </p:spPr>
+        <p:style>
+          <a:lnRef idx="2">
+            <a:schemeClr val="accent1">
+              <a:shade val="15000"/>
+            </a:schemeClr>
+          </a:lnRef>
+          <a:fillRef idx="1">
+            <a:schemeClr val="accent1"/>
+          </a:fillRef>
+          <a:effectRef idx="0">
+            <a:schemeClr val="accent1"/>
+          </a:effectRef>
+          <a:fontRef idx="minor">
+            <a:schemeClr val="lt1"/>
+          </a:fontRef>
+        </p:style>
+        <p:txBody>
+          <a:bodyPr rtlCol="0" anchor="t"/>
+          <a:lstStyle/>
+          <a:p>
+            <a:pPr>
+              <a:lnSpc>
+                <a:spcPct val="150000"/>
+              </a:lnSpc>
+            </a:pPr>
+            <a:r>
+              <a:rPr lang="en-US" sz="2400" b="1" dirty="0">
+                <a:solidFill>
+                  <a:schemeClr val="tx1"/>
+                </a:solidFill>
+              </a:rPr>
+              <a:t>Topics</a:t>
+            </a:r>
+          </a:p>
+          <a:p>
+            <a:pPr marL="285750" indent="-285750">
+              <a:lnSpc>
+                <a:spcPct val="150000"/>
+              </a:lnSpc>
+              <a:buFont typeface="Courier New" panose="02070309020205020404" pitchFamily="49" charset="0"/>
+              <a:buChar char="o"/>
+            </a:pPr>
+            <a:r>
+              <a:rPr lang="en-US" strike="sngStrike" dirty="0">
+                <a:solidFill>
+                  <a:schemeClr val="tx1"/>
+                </a:solidFill>
+              </a:rPr>
+              <a:t>What are var, let, and const?</a:t>
+            </a:r>
+          </a:p>
+          <a:p>
+            <a:pPr marL="285750" indent="-285750">
+              <a:lnSpc>
+                <a:spcPct val="150000"/>
+              </a:lnSpc>
+              <a:buFont typeface="Courier New" panose="02070309020205020404" pitchFamily="49" charset="0"/>
+              <a:buChar char="o"/>
+            </a:pPr>
+            <a:r>
+              <a:rPr lang="en-IN" dirty="0">
+                <a:solidFill>
+                  <a:schemeClr val="tx1"/>
+                </a:solidFill>
+              </a:rPr>
+              <a:t>What is </a:t>
+            </a:r>
+            <a:r>
+              <a:rPr lang="en-IN" dirty="0" smtClean="0">
+                <a:solidFill>
+                  <a:schemeClr val="tx1"/>
+                </a:solidFill>
+              </a:rPr>
+              <a:t>Hoisting</a:t>
+            </a:r>
+            <a:endParaRPr lang="en-IN" dirty="0">
+              <a:solidFill>
+                <a:schemeClr val="tx1"/>
+              </a:solidFill>
+            </a:endParaRPr>
+          </a:p>
+        </p:txBody>
+      </p:sp>
+      <p:sp>
+        <p:nvSpPr>
+          <p:cNvPr id="7" name="TextBox 6"/>
+          <p:cNvSpPr txBox="1"/>
+          <p:nvPr/>
+        </p:nvSpPr>
+        <p:spPr>
+          <a:xfrm>
+            <a:off x="9614263" y="801189"/>
+            <a:ext cx="1401346" cy="369332"/>
+          </a:xfrm>
+          <a:prstGeom prst="rect">
+            <a:avLst/>
+          </a:prstGeom>
+          <a:noFill/>
+        </p:spPr>
+        <p:txBody>
+          <a:bodyPr wrap="none" rtlCol="0">
+            <a:spAutoFit/>
+          </a:bodyPr>
+          <a:lstStyle/>
+          <a:p>
+            <a:r>
+              <a:rPr lang="en-IN" b="1" dirty="0">
+                <a:solidFill>
+                  <a:schemeClr val="accent2">
+                    <a:lumMod val="60000"/>
+                    <a:lumOff val="40000"/>
+                  </a:schemeClr>
+                </a:solidFill>
+                <a:latin typeface="Bahnschrift SemiLight" pitchFamily="34" charset="0"/>
+              </a:rPr>
+              <a:t>Chapter - 5</a:t>
+            </a:r>
+            <a:endParaRPr lang="en-US" b="1" dirty="0">
+              <a:solidFill>
+                <a:schemeClr val="accent2">
+                  <a:lumMod val="60000"/>
+                  <a:lumOff val="40000"/>
+                </a:schemeClr>
+              </a:solidFill>
+              <a:latin typeface="Bahnschrift SemiLight" pitchFamily="34" charset="0"/>
+            </a:endParaRPr>
+          </a:p>
+        </p:txBody>
+      </p:sp>
+      <p:sp>
+        <p:nvSpPr>
+          <p:cNvPr id="9" name="Content Placeholder 2">
+            <a:extLst>
+              <a:ext uri="{FF2B5EF4-FFF2-40B4-BE49-F238E27FC236}">
+                <a16:creationId xmlns:a16="http://schemas.microsoft.com/office/drawing/2014/main" xmlns="" id="{2A53D2DA-721D-FC7E-8E09-BCBD844B6F9F}"/>
+              </a:ext>
+            </a:extLst>
+          </p:cNvPr>
+          <p:cNvSpPr txBox="1">
+            <a:spLocks/>
+          </p:cNvSpPr>
+          <p:nvPr/>
+        </p:nvSpPr>
+        <p:spPr>
+          <a:xfrm>
+            <a:off x="376073" y="3249978"/>
+            <a:ext cx="7502570" cy="1274397"/>
+          </a:xfrm>
+          <a:prstGeom prst="rect">
+            <a:avLst/>
+          </a:prstGeom>
+        </p:spPr>
+        <p:txBody>
+          <a:bodyPr vert="horz" lIns="91440" tIns="45720" rIns="91440" bIns="45720" rtlCol="0">
+            <a:normAutofit/>
+          </a:bodyPr>
+          <a:lstStyle/>
+          <a:p>
+            <a:r>
+              <a:rPr lang="en-US" sz="1600" b="1" dirty="0" smtClean="0">
+                <a:solidFill>
+                  <a:schemeClr val="accent2">
+                    <a:lumMod val="60000"/>
+                    <a:lumOff val="40000"/>
+                  </a:schemeClr>
+                </a:solidFill>
+              </a:rPr>
+              <a:t>let:</a:t>
+            </a:r>
+            <a:r>
+              <a:rPr lang="en-US" sz="1600" dirty="0" smtClean="0"/>
+              <a:t>  Variables declared with let are also hoisted, but they are not initialized. They enter a "Temporal Dead Zone" from the beginning of their scope until their declaration line. Accessing them before their declaration will result in a </a:t>
+            </a:r>
+            <a:r>
+              <a:rPr lang="en-US" sz="1600" dirty="0" err="1" smtClean="0"/>
+              <a:t>ReferenceError</a:t>
+            </a:r>
+            <a:r>
+              <a:rPr lang="en-US" sz="1600" dirty="0" smtClean="0"/>
+              <a:t>.</a:t>
+            </a:r>
+          </a:p>
+          <a:p>
+            <a:pPr marL="342900" marR="0" lvl="0" indent="-342900" algn="l" defTabSz="457200" rtl="0" eaLnBrk="1" fontAlgn="auto" latinLnBrk="0" hangingPunct="1">
+              <a:lnSpc>
+                <a:spcPct val="100000"/>
+              </a:lnSpc>
+              <a:spcBef>
+                <a:spcPts val="1000"/>
+              </a:spcBef>
+              <a:spcAft>
+                <a:spcPts val="0"/>
+              </a:spcAft>
+              <a:buClr>
+                <a:schemeClr val="accent1"/>
+              </a:buClr>
+              <a:buSzPct val="80000"/>
+              <a:buFont typeface="Wingdings 3" charset="2"/>
+              <a:buNone/>
+              <a:tabLst/>
+              <a:defRPr/>
+            </a:pPr>
+            <a:endParaRPr kumimoji="0" lang="en-US" sz="1600" b="0" i="0" u="none" strike="noStrike" kern="1200" cap="none" spc="0" normalizeH="0" baseline="0" noProof="0" dirty="0" smtClean="0">
+              <a:ln>
+                <a:noFill/>
+              </a:ln>
+              <a:solidFill>
+                <a:schemeClr val="tx1">
+                  <a:lumMod val="75000"/>
+                  <a:lumOff val="25000"/>
+                </a:schemeClr>
+              </a:solidFill>
+              <a:effectLst/>
+              <a:uLnTx/>
+              <a:uFillTx/>
+              <a:latin typeface="+mn-lt"/>
+              <a:ea typeface="+mn-ea"/>
+              <a:cs typeface="+mn-cs"/>
+            </a:endParaRPr>
+          </a:p>
+          <a:p>
+            <a:pPr marL="342900" marR="0" lvl="0" indent="-342900" algn="l" defTabSz="457200" rtl="0" eaLnBrk="1" fontAlgn="auto" latinLnBrk="0" hangingPunct="1">
+              <a:lnSpc>
+                <a:spcPct val="150000"/>
+              </a:lnSpc>
+              <a:spcBef>
+                <a:spcPts val="1000"/>
+              </a:spcBef>
+              <a:spcAft>
+                <a:spcPts val="0"/>
+              </a:spcAft>
+              <a:buClr>
+                <a:schemeClr val="accent1"/>
+              </a:buClr>
+              <a:buSzPct val="80000"/>
+              <a:buFont typeface="Wingdings 3" charset="2"/>
+              <a:buChar char=""/>
+              <a:tabLst/>
+              <a:defRPr/>
+            </a:pPr>
+            <a:endParaRPr kumimoji="0" lang="en-US" sz="1600" b="0" i="0" u="none" strike="noStrike" kern="1200" cap="none" spc="0" normalizeH="0" baseline="0" noProof="0" dirty="0">
+              <a:ln>
+                <a:noFill/>
+              </a:ln>
+              <a:solidFill>
+                <a:schemeClr val="tx1">
+                  <a:lumMod val="75000"/>
+                  <a:lumOff val="25000"/>
+                </a:schemeClr>
+              </a:solidFill>
+              <a:effectLst/>
+              <a:uLnTx/>
+              <a:uFillTx/>
+              <a:latin typeface="+mn-lt"/>
+              <a:ea typeface="+mn-ea"/>
+              <a:cs typeface="+mn-cs"/>
+            </a:endParaRPr>
+          </a:p>
+        </p:txBody>
+      </p:sp>
+      <p:sp>
+        <p:nvSpPr>
+          <p:cNvPr id="11" name="Content Placeholder 2">
+            <a:extLst>
+              <a:ext uri="{FF2B5EF4-FFF2-40B4-BE49-F238E27FC236}">
+                <a16:creationId xmlns:a16="http://schemas.microsoft.com/office/drawing/2014/main" xmlns="" id="{2A53D2DA-721D-FC7E-8E09-BCBD844B6F9F}"/>
+              </a:ext>
+            </a:extLst>
+          </p:cNvPr>
+          <p:cNvSpPr txBox="1">
+            <a:spLocks/>
+          </p:cNvSpPr>
+          <p:nvPr/>
+        </p:nvSpPr>
+        <p:spPr>
+          <a:xfrm>
+            <a:off x="299873" y="1611678"/>
+            <a:ext cx="7502570" cy="941022"/>
+          </a:xfrm>
+          <a:prstGeom prst="rect">
+            <a:avLst/>
+          </a:prstGeom>
+        </p:spPr>
+        <p:txBody>
+          <a:bodyPr vert="horz" lIns="91440" tIns="45720" rIns="91440" bIns="45720" rtlCol="0">
+            <a:normAutofit/>
+          </a:bodyPr>
+          <a:lstStyle/>
+          <a:p>
+            <a:r>
+              <a:rPr lang="en-US" sz="1600" b="1" dirty="0" err="1" smtClean="0">
+                <a:solidFill>
+                  <a:schemeClr val="accent2">
+                    <a:lumMod val="60000"/>
+                    <a:lumOff val="40000"/>
+                  </a:schemeClr>
+                </a:solidFill>
+              </a:rPr>
+              <a:t>var</a:t>
+            </a:r>
+            <a:r>
+              <a:rPr lang="en-US" sz="1600" b="1" dirty="0" smtClean="0">
+                <a:solidFill>
+                  <a:schemeClr val="accent2">
+                    <a:lumMod val="60000"/>
+                    <a:lumOff val="40000"/>
+                  </a:schemeClr>
+                </a:solidFill>
+              </a:rPr>
+              <a:t>:</a:t>
+            </a:r>
+            <a:r>
+              <a:rPr lang="en-US" sz="1600" dirty="0" smtClean="0"/>
+              <a:t> </a:t>
+            </a:r>
+            <a:r>
+              <a:rPr lang="en-US" sz="1600" dirty="0" smtClean="0"/>
+              <a:t>Variables </a:t>
+            </a:r>
+            <a:r>
+              <a:rPr lang="en-US" sz="1600" dirty="0" smtClean="0"/>
+              <a:t>declared with </a:t>
+            </a:r>
+            <a:r>
+              <a:rPr lang="en-US" sz="1600" dirty="0" err="1" smtClean="0"/>
+              <a:t>var</a:t>
+            </a:r>
+            <a:r>
+              <a:rPr lang="en-US" sz="1600" dirty="0" smtClean="0"/>
+              <a:t> are hoisted to the top of their scope and are initialized with undefined. This means they can be accessed before their declaration line, although their value will be undefined. </a:t>
+            </a:r>
+          </a:p>
+          <a:p>
+            <a:endParaRPr lang="en-US" sz="1600" dirty="0" smtClean="0"/>
+          </a:p>
+          <a:p>
+            <a:pPr marL="342900" marR="0" lvl="0" indent="-342900" algn="l" defTabSz="457200" rtl="0" eaLnBrk="1" fontAlgn="auto" latinLnBrk="0" hangingPunct="1">
+              <a:lnSpc>
+                <a:spcPct val="100000"/>
+              </a:lnSpc>
+              <a:spcBef>
+                <a:spcPts val="1000"/>
+              </a:spcBef>
+              <a:spcAft>
+                <a:spcPts val="0"/>
+              </a:spcAft>
+              <a:buClr>
+                <a:schemeClr val="accent1"/>
+              </a:buClr>
+              <a:buSzPct val="80000"/>
+              <a:buFont typeface="Wingdings 3" charset="2"/>
+              <a:buNone/>
+              <a:tabLst/>
+              <a:defRPr/>
+            </a:pPr>
+            <a:endParaRPr kumimoji="0" lang="en-US" sz="1600" b="0" i="0" u="none" strike="noStrike" kern="1200" cap="none" spc="0" normalizeH="0" baseline="0" noProof="0" dirty="0" smtClean="0">
+              <a:ln>
+                <a:noFill/>
+              </a:ln>
+              <a:solidFill>
+                <a:schemeClr val="tx1">
+                  <a:lumMod val="75000"/>
+                  <a:lumOff val="25000"/>
+                </a:schemeClr>
+              </a:solidFill>
+              <a:effectLst/>
+              <a:uLnTx/>
+              <a:uFillTx/>
+              <a:latin typeface="+mn-lt"/>
+              <a:ea typeface="+mn-ea"/>
+              <a:cs typeface="+mn-cs"/>
+            </a:endParaRPr>
+          </a:p>
+          <a:p>
+            <a:pPr marL="342900" marR="0" lvl="0" indent="-342900" algn="l" defTabSz="457200" rtl="0" eaLnBrk="1" fontAlgn="auto" latinLnBrk="0" hangingPunct="1">
+              <a:lnSpc>
+                <a:spcPct val="150000"/>
+              </a:lnSpc>
+              <a:spcBef>
+                <a:spcPts val="1000"/>
+              </a:spcBef>
+              <a:spcAft>
+                <a:spcPts val="0"/>
+              </a:spcAft>
+              <a:buClr>
+                <a:schemeClr val="accent1"/>
+              </a:buClr>
+              <a:buSzPct val="80000"/>
+              <a:tabLst/>
+              <a:defRPr/>
+            </a:pPr>
+            <a:endParaRPr kumimoji="0" lang="en-US" sz="1600" b="0" i="0" u="none" strike="noStrike" kern="1200" cap="none" spc="0" normalizeH="0" baseline="0" noProof="0" dirty="0">
+              <a:ln>
+                <a:noFill/>
+              </a:ln>
+              <a:solidFill>
+                <a:schemeClr val="tx1">
+                  <a:lumMod val="75000"/>
+                  <a:lumOff val="25000"/>
+                </a:schemeClr>
+              </a:solidFill>
+              <a:effectLst/>
+              <a:uLnTx/>
+              <a:uFillTx/>
+              <a:latin typeface="+mn-lt"/>
+              <a:ea typeface="+mn-ea"/>
+              <a:cs typeface="+mn-cs"/>
+            </a:endParaRPr>
+          </a:p>
+        </p:txBody>
+      </p:sp>
+      <p:pic>
+        <p:nvPicPr>
+          <p:cNvPr id="4098" name="Picture 2"/>
+          <p:cNvPicPr>
+            <a:picLocks noChangeAspect="1" noChangeArrowheads="1"/>
+          </p:cNvPicPr>
+          <p:nvPr/>
+        </p:nvPicPr>
+        <p:blipFill>
+          <a:blip r:embed="rId2"/>
+          <a:srcRect/>
+          <a:stretch>
+            <a:fillRect/>
+          </a:stretch>
+        </p:blipFill>
+        <p:spPr bwMode="auto">
+          <a:xfrm>
+            <a:off x="381000" y="2643188"/>
+            <a:ext cx="2857500" cy="447675"/>
+          </a:xfrm>
+          <a:prstGeom prst="rect">
+            <a:avLst/>
+          </a:prstGeom>
+          <a:noFill/>
+          <a:ln w="9525">
+            <a:noFill/>
+            <a:miter lim="800000"/>
+            <a:headEnd/>
+            <a:tailEnd/>
+          </a:ln>
+          <a:effectLst/>
+        </p:spPr>
+      </p:pic>
+      <p:pic>
+        <p:nvPicPr>
+          <p:cNvPr id="4099" name="Picture 3"/>
+          <p:cNvPicPr>
+            <a:picLocks noChangeAspect="1" noChangeArrowheads="1"/>
+          </p:cNvPicPr>
+          <p:nvPr/>
+        </p:nvPicPr>
+        <p:blipFill>
+          <a:blip r:embed="rId3"/>
+          <a:srcRect/>
+          <a:stretch>
+            <a:fillRect/>
+          </a:stretch>
+        </p:blipFill>
+        <p:spPr bwMode="auto">
+          <a:xfrm>
+            <a:off x="460375" y="4443413"/>
+            <a:ext cx="5745163" cy="466725"/>
+          </a:xfrm>
+          <a:prstGeom prst="rect">
+            <a:avLst/>
+          </a:prstGeom>
+          <a:noFill/>
+          <a:ln w="9525">
+            <a:noFill/>
+            <a:miter lim="800000"/>
+            <a:headEnd/>
+            <a:tailEnd/>
+          </a:ln>
+          <a:effectLst/>
+        </p:spPr>
+      </p:pic>
+      <p:sp>
+        <p:nvSpPr>
+          <p:cNvPr id="12" name="TextBox 11"/>
+          <p:cNvSpPr txBox="1"/>
+          <p:nvPr/>
+        </p:nvSpPr>
+        <p:spPr>
+          <a:xfrm>
+            <a:off x="447676" y="5172075"/>
+            <a:ext cx="6972300" cy="1077218"/>
+          </a:xfrm>
+          <a:prstGeom prst="rect">
+            <a:avLst/>
+          </a:prstGeom>
+          <a:noFill/>
+          <a:ln>
+            <a:solidFill>
+              <a:schemeClr val="accent1">
+                <a:lumMod val="20000"/>
+                <a:lumOff val="80000"/>
+              </a:schemeClr>
+            </a:solidFill>
+            <a:prstDash val="sysDash"/>
+          </a:ln>
+        </p:spPr>
+        <p:txBody>
+          <a:bodyPr wrap="square" rtlCol="0">
+            <a:spAutoFit/>
+          </a:bodyPr>
+          <a:lstStyle/>
+          <a:p>
+            <a:r>
+              <a:rPr lang="en-US" sz="1600" dirty="0" smtClean="0">
+                <a:solidFill>
+                  <a:schemeClr val="accent2">
+                    <a:lumMod val="20000"/>
+                    <a:lumOff val="80000"/>
+                  </a:schemeClr>
+                </a:solidFill>
+              </a:rPr>
+              <a:t>In summary, while both </a:t>
+            </a:r>
+            <a:r>
+              <a:rPr lang="en-US" sz="1600" dirty="0" err="1" smtClean="0">
+                <a:solidFill>
+                  <a:schemeClr val="accent2">
+                    <a:lumMod val="20000"/>
+                    <a:lumOff val="80000"/>
+                  </a:schemeClr>
+                </a:solidFill>
+              </a:rPr>
+              <a:t>var</a:t>
+            </a:r>
+            <a:r>
+              <a:rPr lang="en-US" sz="1600" dirty="0" smtClean="0">
+                <a:solidFill>
+                  <a:schemeClr val="accent2">
+                    <a:lumMod val="20000"/>
+                    <a:lumOff val="80000"/>
+                  </a:schemeClr>
+                </a:solidFill>
+              </a:rPr>
+              <a:t> and let can declare global variables, let offers more predictable and safer behavior by enforcing stricter rules regarding re-declaration and access before initialization, and by avoiding pollution of the global object.</a:t>
+            </a:r>
+            <a:endParaRPr lang="en-US" sz="1600" dirty="0">
+              <a:solidFill>
+                <a:schemeClr val="accent2">
+                  <a:lumMod val="20000"/>
+                  <a:lumOff val="80000"/>
+                </a:schemeClr>
+              </a:solidFill>
+            </a:endParaRPr>
+          </a:p>
+        </p:txBody>
+      </p:sp>
+    </p:spTree>
+    <p:extLst>
+      <p:ext uri="{BB962C8B-B14F-4D97-AF65-F5344CB8AC3E}">
+        <p14:creationId xmlns:p14="http://schemas.microsoft.com/office/powerpoint/2010/main" xmlns="" val="3002471670"/>
+      </p:ext>
+    </p:extLst>
+  </p:cSld>
+  <p:clrMapOvr>
+    <a:masterClrMapping/>
+  </p:clrMapOvr>
+</p:sld>
+</file>
+
+<file path=ppt/slides/slide25.xml><?xml version="1.0" encoding="utf-8"?>
+<p:sld xmlns:a="http://schemas.openxmlformats.org/drawingml/2006/main" xmlns:r="http://schemas.openxmlformats.org/officeDocument/2006/relationships" xmlns:p="http://schemas.openxmlformats.org/presentationml/2006/main">
+  <p:cSld>
+    <p:spTree>
+      <p:nvGrpSpPr>
+        <p:cNvPr id="1" name="">
+          <a:extLst>
+            <a:ext uri="{FF2B5EF4-FFF2-40B4-BE49-F238E27FC236}">
+              <a16:creationId xmlns:a16="http://schemas.microsoft.com/office/drawing/2014/main" xmlns="" id="{4586E9D7-F5F8-14CC-9DF6-FC4AF2EA4249}"/>
+            </a:ext>
+          </a:extLst>
+        </p:cNvPr>
+        <p:cNvGrpSpPr/>
+        <p:nvPr/>
+      </p:nvGrpSpPr>
+      <p:grpSpPr>
+        <a:xfrm>
+          <a:off x="0" y="0"/>
+          <a:ext cx="0" cy="0"/>
+          <a:chOff x="0" y="0"/>
+          <a:chExt cx="0" cy="0"/>
+        </a:xfrm>
+      </p:grpSpPr>
+      <p:sp>
+        <p:nvSpPr>
+          <p:cNvPr id="2" name="Title 1">
+            <a:extLst>
+              <a:ext uri="{FF2B5EF4-FFF2-40B4-BE49-F238E27FC236}">
+                <a16:creationId xmlns:a16="http://schemas.microsoft.com/office/drawing/2014/main" xmlns="" id="{D8B67155-694F-FF61-7CDD-33A20A316215}"/>
+              </a:ext>
+            </a:extLst>
+          </p:cNvPr>
+          <p:cNvSpPr>
+            <a:spLocks noGrp="1"/>
+          </p:cNvSpPr>
+          <p:nvPr>
+            <p:ph type="title"/>
+          </p:nvPr>
+        </p:nvSpPr>
+        <p:spPr>
+          <a:xfrm>
+            <a:off x="334435" y="1057275"/>
+            <a:ext cx="8596668" cy="742950"/>
+          </a:xfrm>
+        </p:spPr>
+        <p:txBody>
+          <a:bodyPr>
+            <a:normAutofit fontScale="90000"/>
+          </a:bodyPr>
+          <a:lstStyle/>
+          <a:p>
+            <a:r>
+              <a:rPr lang="en-US" b="1" dirty="0" smtClean="0">
+                <a:solidFill>
+                  <a:schemeClr val="tx1"/>
+                </a:solidFill>
+                <a:latin typeface="Bahnschrift SemiLight" pitchFamily="34" charset="0"/>
+              </a:rPr>
+              <a:t>What is hoisting? </a:t>
+            </a:r>
+            <a:r>
+              <a:rPr lang="en-US" dirty="0" smtClean="0">
+                <a:solidFill>
+                  <a:schemeClr val="bg1">
+                    <a:lumMod val="65000"/>
+                    <a:lumOff val="35000"/>
+                  </a:schemeClr>
+                </a:solidFill>
+                <a:latin typeface="Bahnschrift Light Condensed" pitchFamily="34" charset="0"/>
+              </a:rPr>
+              <a:t>- continues</a:t>
+            </a:r>
+            <a:endParaRPr lang="en-US" dirty="0">
+              <a:solidFill>
+                <a:schemeClr val="bg1">
+                  <a:lumMod val="65000"/>
+                  <a:lumOff val="35000"/>
+                </a:schemeClr>
+              </a:solidFill>
+              <a:latin typeface="Bahnschrift Light Condensed" pitchFamily="34" charset="0"/>
+            </a:endParaRPr>
+          </a:p>
+        </p:txBody>
+      </p:sp>
+      <p:sp>
+        <p:nvSpPr>
+          <p:cNvPr id="13" name="Text Placeholder 12"/>
+          <p:cNvSpPr>
+            <a:spLocks noGrp="1"/>
+          </p:cNvSpPr>
+          <p:nvPr>
+            <p:ph type="body" idx="1"/>
+          </p:nvPr>
+        </p:nvSpPr>
+        <p:spPr>
+          <a:xfrm>
+            <a:off x="410635" y="1889124"/>
+            <a:ext cx="5275790" cy="1968501"/>
+          </a:xfrm>
+        </p:spPr>
+        <p:txBody>
+          <a:bodyPr>
+            <a:normAutofit/>
+          </a:bodyPr>
+          <a:lstStyle/>
+          <a:p>
+            <a:pPr marL="285750" indent="-285750">
+              <a:lnSpc>
+                <a:spcPct val="150000"/>
+              </a:lnSpc>
+              <a:buFont typeface="Wingdings" pitchFamily="2" charset="2"/>
+              <a:buChar char="v"/>
+            </a:pPr>
+            <a:r>
+              <a:rPr lang="en-IN" dirty="0" smtClean="0">
+                <a:solidFill>
+                  <a:schemeClr val="tx1"/>
+                </a:solidFill>
+              </a:rPr>
+              <a:t>Undefined </a:t>
+            </a:r>
+            <a:r>
+              <a:rPr lang="en-IN" dirty="0" err="1" smtClean="0">
+                <a:solidFill>
+                  <a:schemeClr val="tx1"/>
+                </a:solidFill>
+              </a:rPr>
+              <a:t>vs</a:t>
+            </a:r>
+            <a:r>
+              <a:rPr lang="en-IN" dirty="0" smtClean="0">
+                <a:solidFill>
+                  <a:schemeClr val="tx1"/>
+                </a:solidFill>
+              </a:rPr>
+              <a:t> not-defined</a:t>
+            </a:r>
+          </a:p>
+          <a:p>
+            <a:pPr marL="285750" indent="-285750">
+              <a:lnSpc>
+                <a:spcPct val="150000"/>
+              </a:lnSpc>
+              <a:buFont typeface="Wingdings" pitchFamily="2" charset="2"/>
+              <a:buChar char="v"/>
+            </a:pPr>
+            <a:r>
+              <a:rPr lang="en-IN" dirty="0" smtClean="0">
+                <a:solidFill>
+                  <a:schemeClr val="tx1"/>
+                </a:solidFill>
+              </a:rPr>
+              <a:t>Variable with arrow </a:t>
+            </a:r>
+            <a:r>
+              <a:rPr lang="en-IN" dirty="0" smtClean="0">
+                <a:solidFill>
+                  <a:schemeClr val="tx1"/>
+                </a:solidFill>
+              </a:rPr>
+              <a:t>function</a:t>
+            </a:r>
+          </a:p>
+          <a:p>
+            <a:pPr marL="285750" indent="-285750">
+              <a:lnSpc>
+                <a:spcPct val="150000"/>
+              </a:lnSpc>
+              <a:buFont typeface="Wingdings" pitchFamily="2" charset="2"/>
+              <a:buChar char="v"/>
+            </a:pPr>
+            <a:r>
+              <a:rPr lang="en-IN" dirty="0" smtClean="0">
+                <a:solidFill>
+                  <a:schemeClr val="tx1"/>
+                </a:solidFill>
+              </a:rPr>
+              <a:t>What is the call stack and how it works</a:t>
+            </a:r>
+          </a:p>
+          <a:p>
+            <a:endParaRPr lang="en-US" dirty="0"/>
+          </a:p>
+        </p:txBody>
+      </p:sp>
+      <p:sp>
+        <p:nvSpPr>
+          <p:cNvPr id="5" name="Ribbon: Curved and Tilted Down 4">
+            <a:extLst>
+              <a:ext uri="{FF2B5EF4-FFF2-40B4-BE49-F238E27FC236}">
+                <a16:creationId xmlns:a16="http://schemas.microsoft.com/office/drawing/2014/main" xmlns="" id="{3FA23525-E3EA-B8CB-FD6A-53084CA847A7}"/>
+              </a:ext>
+            </a:extLst>
+          </p:cNvPr>
+          <p:cNvSpPr/>
+          <p:nvPr/>
+        </p:nvSpPr>
+        <p:spPr>
+          <a:xfrm>
+            <a:off x="255512" y="216454"/>
+            <a:ext cx="3678313" cy="583646"/>
+          </a:xfrm>
+          <a:prstGeom prst="ellipseRibbon">
+            <a:avLst/>
+          </a:prstGeom>
+          <a:solidFill>
+            <a:schemeClr val="bg1">
+              <a:lumMod val="85000"/>
+              <a:lumOff val="15000"/>
+            </a:schemeClr>
+          </a:solidFill>
+          <a:ln>
+            <a:noFill/>
+          </a:ln>
+        </p:spPr>
+        <p:style>
+          <a:lnRef idx="2">
+            <a:schemeClr val="accent1">
+              <a:shade val="15000"/>
+            </a:schemeClr>
+          </a:lnRef>
+          <a:fillRef idx="1">
+            <a:schemeClr val="accent1"/>
+          </a:fillRef>
+          <a:effectRef idx="0">
+            <a:schemeClr val="accent1"/>
+          </a:effectRef>
+          <a:fontRef idx="minor">
+            <a:schemeClr val="lt1"/>
+          </a:fontRef>
+        </p:style>
+        <p:txBody>
+          <a:bodyPr rtlCol="0" anchor="ctr"/>
+          <a:lstStyle/>
+          <a:p>
+            <a:pPr algn="ctr"/>
+            <a:r>
+              <a:rPr lang="en-US" sz="1100" dirty="0">
+                <a:solidFill>
+                  <a:schemeClr val="tx1">
+                    <a:lumMod val="65000"/>
+                    <a:lumOff val="35000"/>
+                  </a:schemeClr>
+                </a:solidFill>
+              </a:rPr>
+              <a:t>JavaScript Tutorials</a:t>
+            </a:r>
+            <a:endParaRPr lang="en-IN" sz="1100" dirty="0">
+              <a:solidFill>
+                <a:schemeClr val="tx1">
+                  <a:lumMod val="65000"/>
+                  <a:lumOff val="35000"/>
+                </a:schemeClr>
+              </a:solidFill>
+            </a:endParaRPr>
+          </a:p>
+        </p:txBody>
+      </p:sp>
+      <p:sp>
+        <p:nvSpPr>
+          <p:cNvPr id="6" name="Scroll: Vertical 5">
+            <a:extLst>
+              <a:ext uri="{FF2B5EF4-FFF2-40B4-BE49-F238E27FC236}">
+                <a16:creationId xmlns:a16="http://schemas.microsoft.com/office/drawing/2014/main" xmlns="" id="{1A4C732A-2840-82C8-A359-298D925E33B3}"/>
+              </a:ext>
+            </a:extLst>
+          </p:cNvPr>
+          <p:cNvSpPr/>
+          <p:nvPr/>
+        </p:nvSpPr>
+        <p:spPr>
+          <a:xfrm>
+            <a:off x="7851914" y="715617"/>
+            <a:ext cx="4240696" cy="4989444"/>
+          </a:xfrm>
+          <a:prstGeom prst="verticalScroll">
+            <a:avLst/>
+          </a:prstGeom>
+          <a:solidFill>
+            <a:schemeClr val="bg1">
+              <a:lumMod val="85000"/>
+            </a:schemeClr>
+          </a:solidFill>
+          <a:ln>
+            <a:solidFill>
+              <a:schemeClr val="bg1">
+                <a:lumMod val="75000"/>
+                <a:lumOff val="25000"/>
+              </a:schemeClr>
+            </a:solidFill>
+          </a:ln>
+        </p:spPr>
+        <p:style>
+          <a:lnRef idx="2">
+            <a:schemeClr val="accent1">
+              <a:shade val="15000"/>
+            </a:schemeClr>
+          </a:lnRef>
+          <a:fillRef idx="1">
+            <a:schemeClr val="accent1"/>
+          </a:fillRef>
+          <a:effectRef idx="0">
+            <a:schemeClr val="accent1"/>
+          </a:effectRef>
+          <a:fontRef idx="minor">
+            <a:schemeClr val="lt1"/>
+          </a:fontRef>
+        </p:style>
+        <p:txBody>
+          <a:bodyPr rtlCol="0" anchor="t"/>
+          <a:lstStyle/>
+          <a:p>
+            <a:pPr>
+              <a:lnSpc>
+                <a:spcPct val="150000"/>
+              </a:lnSpc>
+            </a:pPr>
+            <a:r>
+              <a:rPr lang="en-US" sz="2400" b="1" dirty="0">
+                <a:solidFill>
+                  <a:schemeClr val="tx1"/>
+                </a:solidFill>
+              </a:rPr>
+              <a:t>Topics</a:t>
+            </a:r>
+          </a:p>
+          <a:p>
+            <a:pPr marL="285750" indent="-285750">
+              <a:lnSpc>
+                <a:spcPct val="150000"/>
+              </a:lnSpc>
+              <a:buFont typeface="Courier New" panose="02070309020205020404" pitchFamily="49" charset="0"/>
+              <a:buChar char="o"/>
+            </a:pPr>
+            <a:r>
+              <a:rPr lang="en-US" strike="sngStrike" dirty="0">
+                <a:solidFill>
+                  <a:schemeClr val="tx1"/>
+                </a:solidFill>
+              </a:rPr>
+              <a:t>What are var, let, and const?</a:t>
+            </a:r>
+          </a:p>
+          <a:p>
+            <a:pPr marL="285750" indent="-285750">
+              <a:lnSpc>
+                <a:spcPct val="150000"/>
+              </a:lnSpc>
+              <a:buFont typeface="Courier New" panose="02070309020205020404" pitchFamily="49" charset="0"/>
+              <a:buChar char="o"/>
+            </a:pPr>
+            <a:r>
+              <a:rPr lang="en-IN" dirty="0">
+                <a:solidFill>
+                  <a:schemeClr val="tx1"/>
+                </a:solidFill>
+              </a:rPr>
+              <a:t>What is </a:t>
+            </a:r>
+            <a:r>
+              <a:rPr lang="en-IN" dirty="0" smtClean="0">
+                <a:solidFill>
+                  <a:schemeClr val="tx1"/>
+                </a:solidFill>
+              </a:rPr>
+              <a:t>Hoisting</a:t>
+            </a:r>
+            <a:endParaRPr lang="en-IN" dirty="0">
+              <a:solidFill>
+                <a:schemeClr val="tx1"/>
+              </a:solidFill>
+            </a:endParaRPr>
+          </a:p>
+        </p:txBody>
+      </p:sp>
+      <p:sp>
+        <p:nvSpPr>
+          <p:cNvPr id="7" name="TextBox 6"/>
+          <p:cNvSpPr txBox="1"/>
+          <p:nvPr/>
+        </p:nvSpPr>
+        <p:spPr>
+          <a:xfrm>
+            <a:off x="9614263" y="801189"/>
+            <a:ext cx="1401346" cy="369332"/>
+          </a:xfrm>
+          <a:prstGeom prst="rect">
+            <a:avLst/>
+          </a:prstGeom>
+          <a:noFill/>
+        </p:spPr>
+        <p:txBody>
+          <a:bodyPr wrap="none" rtlCol="0">
+            <a:spAutoFit/>
+          </a:bodyPr>
+          <a:lstStyle/>
+          <a:p>
+            <a:r>
+              <a:rPr lang="en-IN" b="1" dirty="0">
+                <a:solidFill>
+                  <a:schemeClr val="accent2">
+                    <a:lumMod val="60000"/>
+                    <a:lumOff val="40000"/>
+                  </a:schemeClr>
+                </a:solidFill>
+                <a:latin typeface="Bahnschrift SemiLight" pitchFamily="34" charset="0"/>
+              </a:rPr>
+              <a:t>Chapter - 5</a:t>
+            </a:r>
+            <a:endParaRPr lang="en-US" b="1" dirty="0">
+              <a:solidFill>
+                <a:schemeClr val="accent2">
+                  <a:lumMod val="60000"/>
+                  <a:lumOff val="40000"/>
+                </a:schemeClr>
+              </a:solidFill>
+              <a:latin typeface="Bahnschrift SemiLight" pitchFamily="34" charset="0"/>
+            </a:endParaRPr>
+          </a:p>
+        </p:txBody>
+      </p:sp>
+    </p:spTree>
+    <p:extLst>
+      <p:ext uri="{BB962C8B-B14F-4D97-AF65-F5344CB8AC3E}">
+        <p14:creationId xmlns:p14="http://schemas.microsoft.com/office/powerpoint/2010/main" xmlns="" val="3002471670"/>
       </p:ext>
     </p:extLst>
   </p:cSld>
@@ -12710,7 +15215,7 @@
         <p:cNvPr id="1" name="">
           <a:extLst>
             <a:ext uri="{FF2B5EF4-FFF2-40B4-BE49-F238E27FC236}">
-              <a16:creationId xmlns:a16="http://schemas.microsoft.com/office/drawing/2014/main" id="{D210C62D-BA73-7142-9269-B229A82A227F}"/>
+              <a16:creationId xmlns:a16="http://schemas.microsoft.com/office/drawing/2014/main" xmlns="" id="{D210C62D-BA73-7142-9269-B229A82A227F}"/>
             </a:ext>
           </a:extLst>
         </p:cNvPr>
@@ -12730,7 +15235,7 @@
           <p:cNvPr id="2" name="Title 1">
             <a:extLst>
               <a:ext uri="{FF2B5EF4-FFF2-40B4-BE49-F238E27FC236}">
-                <a16:creationId xmlns:a16="http://schemas.microsoft.com/office/drawing/2014/main" id="{D5018557-B8C1-B1F3-960D-C1C68708243B}"/>
+                <a16:creationId xmlns:a16="http://schemas.microsoft.com/office/drawing/2014/main" xmlns="" id="{D5018557-B8C1-B1F3-960D-C1C68708243B}"/>
               </a:ext>
             </a:extLst>
           </p:cNvPr>
@@ -12770,7 +15275,7 @@
           <p:cNvPr id="3" name="Content Placeholder 2">
             <a:extLst>
               <a:ext uri="{FF2B5EF4-FFF2-40B4-BE49-F238E27FC236}">
-                <a16:creationId xmlns:a16="http://schemas.microsoft.com/office/drawing/2014/main" id="{24415AF3-2B9F-42C3-52C5-51254FAF8249}"/>
+                <a16:creationId xmlns:a16="http://schemas.microsoft.com/office/drawing/2014/main" xmlns="" id="{24415AF3-2B9F-42C3-52C5-51254FAF8249}"/>
               </a:ext>
             </a:extLst>
           </p:cNvPr>
@@ -12836,7 +15341,7 @@
           <p:cNvPr id="6" name="Ribbon: Curved and Tilted Down 5">
             <a:extLst>
               <a:ext uri="{FF2B5EF4-FFF2-40B4-BE49-F238E27FC236}">
-                <a16:creationId xmlns:a16="http://schemas.microsoft.com/office/drawing/2014/main" id="{7BEA6FE3-CC31-4B69-44C6-04DF1B8559E4}"/>
+                <a16:creationId xmlns:a16="http://schemas.microsoft.com/office/drawing/2014/main" xmlns="" id="{7BEA6FE3-CC31-4B69-44C6-04DF1B8559E4}"/>
               </a:ext>
             </a:extLst>
           </p:cNvPr>
@@ -12909,7 +15414,7 @@
           <p:cNvPr id="8" name="Scroll: Vertical 7">
             <a:extLst>
               <a:ext uri="{FF2B5EF4-FFF2-40B4-BE49-F238E27FC236}">
-                <a16:creationId xmlns:a16="http://schemas.microsoft.com/office/drawing/2014/main" id="{2D8E823F-54F9-1A01-E3EF-B3211339B30B}"/>
+                <a16:creationId xmlns:a16="http://schemas.microsoft.com/office/drawing/2014/main" xmlns="" id="{2D8E823F-54F9-1A01-E3EF-B3211339B30B}"/>
               </a:ext>
             </a:extLst>
           </p:cNvPr>
@@ -13179,7 +15684,7 @@
     </p:spTree>
     <p:extLst>
       <p:ext uri="{BB962C8B-B14F-4D97-AF65-F5344CB8AC3E}">
-        <p14:creationId xmlns:p14="http://schemas.microsoft.com/office/powerpoint/2010/main" val="3274136203"/>
+        <p14:creationId xmlns:p14="http://schemas.microsoft.com/office/powerpoint/2010/main" xmlns="" val="3274136203"/>
       </p:ext>
     </p:extLst>
   </p:cSld>
@@ -13197,7 +15702,7 @@
         <p:cNvPr id="1" name="">
           <a:extLst>
             <a:ext uri="{FF2B5EF4-FFF2-40B4-BE49-F238E27FC236}">
-              <a16:creationId xmlns:a16="http://schemas.microsoft.com/office/drawing/2014/main" id="{7139B82A-D876-79BD-D559-707BFDC5D481}"/>
+              <a16:creationId xmlns:a16="http://schemas.microsoft.com/office/drawing/2014/main" xmlns="" id="{7139B82A-D876-79BD-D559-707BFDC5D481}"/>
             </a:ext>
           </a:extLst>
         </p:cNvPr>
@@ -13217,7 +15722,7 @@
           <p:cNvPr id="8" name="Title 1">
             <a:extLst>
               <a:ext uri="{FF2B5EF4-FFF2-40B4-BE49-F238E27FC236}">
-                <a16:creationId xmlns:a16="http://schemas.microsoft.com/office/drawing/2014/main" id="{4C8D5637-E45A-11BE-1BA4-F40373E8D014}"/>
+                <a16:creationId xmlns:a16="http://schemas.microsoft.com/office/drawing/2014/main" xmlns="" id="{4C8D5637-E45A-11BE-1BA4-F40373E8D014}"/>
               </a:ext>
             </a:extLst>
           </p:cNvPr>
@@ -13254,7 +15759,7 @@
           <p:cNvPr id="3" name="Content Placeholder 2">
             <a:extLst>
               <a:ext uri="{FF2B5EF4-FFF2-40B4-BE49-F238E27FC236}">
-                <a16:creationId xmlns:a16="http://schemas.microsoft.com/office/drawing/2014/main" id="{86EB63D1-C74F-75B0-CE48-A95AEA2A21A1}"/>
+                <a16:creationId xmlns:a16="http://schemas.microsoft.com/office/drawing/2014/main" xmlns="" id="{86EB63D1-C74F-75B0-CE48-A95AEA2A21A1}"/>
               </a:ext>
             </a:extLst>
           </p:cNvPr>
@@ -13315,7 +15820,7 @@
           <p:cNvPr id="5" name="Ribbon: Curved and Tilted Down 4">
             <a:extLst>
               <a:ext uri="{FF2B5EF4-FFF2-40B4-BE49-F238E27FC236}">
-                <a16:creationId xmlns:a16="http://schemas.microsoft.com/office/drawing/2014/main" id="{75419B56-A4AB-830D-A49F-7700EED8C0FA}"/>
+                <a16:creationId xmlns:a16="http://schemas.microsoft.com/office/drawing/2014/main" xmlns="" id="{75419B56-A4AB-830D-A49F-7700EED8C0FA}"/>
               </a:ext>
             </a:extLst>
           </p:cNvPr>
@@ -13388,7 +15893,7 @@
           <p:cNvPr id="10" name="Scroll: Vertical 9">
             <a:extLst>
               <a:ext uri="{FF2B5EF4-FFF2-40B4-BE49-F238E27FC236}">
-                <a16:creationId xmlns:a16="http://schemas.microsoft.com/office/drawing/2014/main" id="{CD6C5744-A805-1655-2B2A-4D4D0DD0695E}"/>
+                <a16:creationId xmlns:a16="http://schemas.microsoft.com/office/drawing/2014/main" xmlns="" id="{CD6C5744-A805-1655-2B2A-4D4D0DD0695E}"/>
               </a:ext>
             </a:extLst>
           </p:cNvPr>
@@ -13704,7 +16209,7 @@
     </p:spTree>
     <p:extLst>
       <p:ext uri="{BB962C8B-B14F-4D97-AF65-F5344CB8AC3E}">
-        <p14:creationId xmlns:p14="http://schemas.microsoft.com/office/powerpoint/2010/main" val="3157857213"/>
+        <p14:creationId xmlns:p14="http://schemas.microsoft.com/office/powerpoint/2010/main" xmlns="" val="3157857213"/>
       </p:ext>
     </p:extLst>
   </p:cSld>
@@ -13722,7 +16227,7 @@
         <p:cNvPr id="1" name="">
           <a:extLst>
             <a:ext uri="{FF2B5EF4-FFF2-40B4-BE49-F238E27FC236}">
-              <a16:creationId xmlns:a16="http://schemas.microsoft.com/office/drawing/2014/main" id="{53D929B9-0FF5-B5F7-0DB4-914C4F4A1BB2}"/>
+              <a16:creationId xmlns:a16="http://schemas.microsoft.com/office/drawing/2014/main" xmlns="" id="{53D929B9-0FF5-B5F7-0DB4-914C4F4A1BB2}"/>
             </a:ext>
           </a:extLst>
         </p:cNvPr>
@@ -13742,7 +16247,7 @@
           <p:cNvPr id="7" name="Title 1">
             <a:extLst>
               <a:ext uri="{FF2B5EF4-FFF2-40B4-BE49-F238E27FC236}">
-                <a16:creationId xmlns:a16="http://schemas.microsoft.com/office/drawing/2014/main" id="{2D810556-B3F2-D67B-C5C6-43963FC8DAE7}"/>
+                <a16:creationId xmlns:a16="http://schemas.microsoft.com/office/drawing/2014/main" xmlns="" id="{2D810556-B3F2-D67B-C5C6-43963FC8DAE7}"/>
               </a:ext>
             </a:extLst>
           </p:cNvPr>
@@ -13779,7 +16284,7 @@
           <p:cNvPr id="3" name="Content Placeholder 2">
             <a:extLst>
               <a:ext uri="{FF2B5EF4-FFF2-40B4-BE49-F238E27FC236}">
-                <a16:creationId xmlns:a16="http://schemas.microsoft.com/office/drawing/2014/main" id="{8F0952B2-F12D-991D-3EC9-9526D8EDED87}"/>
+                <a16:creationId xmlns:a16="http://schemas.microsoft.com/office/drawing/2014/main" xmlns="" id="{8F0952B2-F12D-991D-3EC9-9526D8EDED87}"/>
               </a:ext>
             </a:extLst>
           </p:cNvPr>
@@ -13854,7 +16359,7 @@
           <p:cNvPr id="8" name="Ribbon: Curved and Tilted Down 7">
             <a:extLst>
               <a:ext uri="{FF2B5EF4-FFF2-40B4-BE49-F238E27FC236}">
-                <a16:creationId xmlns:a16="http://schemas.microsoft.com/office/drawing/2014/main" id="{C9C1F804-0CF6-A2DC-646C-9B9441D8EBB0}"/>
+                <a16:creationId xmlns:a16="http://schemas.microsoft.com/office/drawing/2014/main" xmlns="" id="{C9C1F804-0CF6-A2DC-646C-9B9441D8EBB0}"/>
               </a:ext>
             </a:extLst>
           </p:cNvPr>
@@ -13927,7 +16432,7 @@
           <p:cNvPr id="9" name="Scroll: Vertical 8">
             <a:extLst>
               <a:ext uri="{FF2B5EF4-FFF2-40B4-BE49-F238E27FC236}">
-                <a16:creationId xmlns:a16="http://schemas.microsoft.com/office/drawing/2014/main" id="{94613FC4-1176-9125-467B-B6CE33BB59CD}"/>
+                <a16:creationId xmlns:a16="http://schemas.microsoft.com/office/drawing/2014/main" xmlns="" id="{94613FC4-1176-9125-467B-B6CE33BB59CD}"/>
               </a:ext>
             </a:extLst>
           </p:cNvPr>
@@ -14243,7 +16748,7 @@
     </p:spTree>
     <p:extLst>
       <p:ext uri="{BB962C8B-B14F-4D97-AF65-F5344CB8AC3E}">
-        <p14:creationId xmlns:p14="http://schemas.microsoft.com/office/powerpoint/2010/main" val="2302025808"/>
+        <p14:creationId xmlns:p14="http://schemas.microsoft.com/office/powerpoint/2010/main" xmlns="" val="2302025808"/>
       </p:ext>
     </p:extLst>
   </p:cSld>
@@ -14261,7 +16766,7 @@
         <p:cNvPr id="1" name="">
           <a:extLst>
             <a:ext uri="{FF2B5EF4-FFF2-40B4-BE49-F238E27FC236}">
-              <a16:creationId xmlns:a16="http://schemas.microsoft.com/office/drawing/2014/main" id="{744B94CD-0809-14B6-E79F-D0C06F89CA15}"/>
+              <a16:creationId xmlns:a16="http://schemas.microsoft.com/office/drawing/2014/main" xmlns="" id="{744B94CD-0809-14B6-E79F-D0C06F89CA15}"/>
             </a:ext>
           </a:extLst>
         </p:cNvPr>
@@ -14281,7 +16786,7 @@
           <p:cNvPr id="9" name="Title 8">
             <a:extLst>
               <a:ext uri="{FF2B5EF4-FFF2-40B4-BE49-F238E27FC236}">
-                <a16:creationId xmlns:a16="http://schemas.microsoft.com/office/drawing/2014/main" id="{F3A13225-B875-57E9-5CCB-88427D8711E0}"/>
+                <a16:creationId xmlns:a16="http://schemas.microsoft.com/office/drawing/2014/main" xmlns="" id="{F3A13225-B875-57E9-5CCB-88427D8711E0}"/>
               </a:ext>
             </a:extLst>
           </p:cNvPr>
@@ -14321,7 +16826,7 @@
           <p:cNvPr id="3" name="Content Placeholder 2">
             <a:extLst>
               <a:ext uri="{FF2B5EF4-FFF2-40B4-BE49-F238E27FC236}">
-                <a16:creationId xmlns:a16="http://schemas.microsoft.com/office/drawing/2014/main" id="{29D21329-5AAF-6358-9761-2C4901A09C8C}"/>
+                <a16:creationId xmlns:a16="http://schemas.microsoft.com/office/drawing/2014/main" xmlns="" id="{29D21329-5AAF-6358-9761-2C4901A09C8C}"/>
               </a:ext>
             </a:extLst>
           </p:cNvPr>
@@ -14368,7 +16873,7 @@
           <p:cNvPr id="5" name="Title 1">
             <a:extLst>
               <a:ext uri="{FF2B5EF4-FFF2-40B4-BE49-F238E27FC236}">
-                <a16:creationId xmlns:a16="http://schemas.microsoft.com/office/drawing/2014/main" id="{23B0E81A-A704-BABA-7779-F926A6BFCB35}"/>
+                <a16:creationId xmlns:a16="http://schemas.microsoft.com/office/drawing/2014/main" xmlns="" id="{23B0E81A-A704-BABA-7779-F926A6BFCB35}"/>
               </a:ext>
             </a:extLst>
           </p:cNvPr>
@@ -14476,7 +16981,7 @@
           <p:cNvPr id="10" name="Ribbon: Curved and Tilted Down 9">
             <a:extLst>
               <a:ext uri="{FF2B5EF4-FFF2-40B4-BE49-F238E27FC236}">
-                <a16:creationId xmlns:a16="http://schemas.microsoft.com/office/drawing/2014/main" id="{3DBA1B1D-2AF2-C619-7353-1037498CD788}"/>
+                <a16:creationId xmlns:a16="http://schemas.microsoft.com/office/drawing/2014/main" xmlns="" id="{3DBA1B1D-2AF2-C619-7353-1037498CD788}"/>
               </a:ext>
             </a:extLst>
           </p:cNvPr>
@@ -14549,7 +17054,7 @@
           <p:cNvPr id="11" name="Scroll: Vertical 10">
             <a:extLst>
               <a:ext uri="{FF2B5EF4-FFF2-40B4-BE49-F238E27FC236}">
-                <a16:creationId xmlns:a16="http://schemas.microsoft.com/office/drawing/2014/main" id="{BE18EA22-49FD-59C7-DB0C-3006A91F02E6}"/>
+                <a16:creationId xmlns:a16="http://schemas.microsoft.com/office/drawing/2014/main" xmlns="" id="{BE18EA22-49FD-59C7-DB0C-3006A91F02E6}"/>
               </a:ext>
             </a:extLst>
           </p:cNvPr>
@@ -14865,7 +17370,7 @@
     </p:spTree>
     <p:extLst>
       <p:ext uri="{BB962C8B-B14F-4D97-AF65-F5344CB8AC3E}">
-        <p14:creationId xmlns:p14="http://schemas.microsoft.com/office/powerpoint/2010/main" val="1090188544"/>
+        <p14:creationId xmlns:p14="http://schemas.microsoft.com/office/powerpoint/2010/main" xmlns="" val="1090188544"/>
       </p:ext>
     </p:extLst>
   </p:cSld>
@@ -14883,7 +17388,7 @@
         <p:cNvPr id="1" name="">
           <a:extLst>
             <a:ext uri="{FF2B5EF4-FFF2-40B4-BE49-F238E27FC236}">
-              <a16:creationId xmlns:a16="http://schemas.microsoft.com/office/drawing/2014/main" id="{DFFF01F8-A8CD-88AB-42C3-C2E632C5474A}"/>
+              <a16:creationId xmlns:a16="http://schemas.microsoft.com/office/drawing/2014/main" xmlns="" id="{DFFF01F8-A8CD-88AB-42C3-C2E632C5474A}"/>
             </a:ext>
           </a:extLst>
         </p:cNvPr>
@@ -14903,7 +17408,7 @@
           <p:cNvPr id="7" name="Title 8">
             <a:extLst>
               <a:ext uri="{FF2B5EF4-FFF2-40B4-BE49-F238E27FC236}">
-                <a16:creationId xmlns:a16="http://schemas.microsoft.com/office/drawing/2014/main" id="{2CFF87A5-7472-22DC-030C-A3CCBBC3E824}"/>
+                <a16:creationId xmlns:a16="http://schemas.microsoft.com/office/drawing/2014/main" xmlns="" id="{2CFF87A5-7472-22DC-030C-A3CCBBC3E824}"/>
               </a:ext>
             </a:extLst>
           </p:cNvPr>
@@ -14943,7 +17448,7 @@
           <p:cNvPr id="3" name="Content Placeholder 2">
             <a:extLst>
               <a:ext uri="{FF2B5EF4-FFF2-40B4-BE49-F238E27FC236}">
-                <a16:creationId xmlns:a16="http://schemas.microsoft.com/office/drawing/2014/main" id="{1702553A-B321-D7AA-C0CD-A58D1C15FC38}"/>
+                <a16:creationId xmlns:a16="http://schemas.microsoft.com/office/drawing/2014/main" xmlns="" id="{1702553A-B321-D7AA-C0CD-A58D1C15FC38}"/>
               </a:ext>
             </a:extLst>
           </p:cNvPr>
@@ -15016,7 +17521,7 @@
           <p:cNvPr id="8" name="Ribbon: Curved and Tilted Down 7">
             <a:extLst>
               <a:ext uri="{FF2B5EF4-FFF2-40B4-BE49-F238E27FC236}">
-                <a16:creationId xmlns:a16="http://schemas.microsoft.com/office/drawing/2014/main" id="{C52AE18F-E34C-AFB6-7EA6-F589DEF7B3D0}"/>
+                <a16:creationId xmlns:a16="http://schemas.microsoft.com/office/drawing/2014/main" xmlns="" id="{C52AE18F-E34C-AFB6-7EA6-F589DEF7B3D0}"/>
               </a:ext>
             </a:extLst>
           </p:cNvPr>
@@ -15089,7 +17594,7 @@
           <p:cNvPr id="9" name="Scroll: Vertical 8">
             <a:extLst>
               <a:ext uri="{FF2B5EF4-FFF2-40B4-BE49-F238E27FC236}">
-                <a16:creationId xmlns:a16="http://schemas.microsoft.com/office/drawing/2014/main" id="{18A95ECD-6D24-C669-0CF8-39F3FBCDDA47}"/>
+                <a16:creationId xmlns:a16="http://schemas.microsoft.com/office/drawing/2014/main" xmlns="" id="{18A95ECD-6D24-C669-0CF8-39F3FBCDDA47}"/>
               </a:ext>
             </a:extLst>
           </p:cNvPr>
@@ -15405,7 +17910,7 @@
     </p:spTree>
     <p:extLst>
       <p:ext uri="{BB962C8B-B14F-4D97-AF65-F5344CB8AC3E}">
-        <p14:creationId xmlns:p14="http://schemas.microsoft.com/office/powerpoint/2010/main" val="1870717373"/>
+        <p14:creationId xmlns:p14="http://schemas.microsoft.com/office/powerpoint/2010/main" xmlns="" val="1870717373"/>
       </p:ext>
     </p:extLst>
   </p:cSld>
@@ -15423,7 +17928,7 @@
         <p:cNvPr id="1" name="">
           <a:extLst>
             <a:ext uri="{FF2B5EF4-FFF2-40B4-BE49-F238E27FC236}">
-              <a16:creationId xmlns:a16="http://schemas.microsoft.com/office/drawing/2014/main" id="{D224F207-D856-6E6D-9995-159800F589CD}"/>
+              <a16:creationId xmlns:a16="http://schemas.microsoft.com/office/drawing/2014/main" xmlns="" id="{D224F207-D856-6E6D-9995-159800F589CD}"/>
             </a:ext>
           </a:extLst>
         </p:cNvPr>
@@ -15443,7 +17948,7 @@
           <p:cNvPr id="5" name="Title 8">
             <a:extLst>
               <a:ext uri="{FF2B5EF4-FFF2-40B4-BE49-F238E27FC236}">
-                <a16:creationId xmlns:a16="http://schemas.microsoft.com/office/drawing/2014/main" id="{2773E7F4-011C-1186-0E83-1852CC157898}"/>
+                <a16:creationId xmlns:a16="http://schemas.microsoft.com/office/drawing/2014/main" xmlns="" id="{2773E7F4-011C-1186-0E83-1852CC157898}"/>
               </a:ext>
             </a:extLst>
           </p:cNvPr>
@@ -15483,7 +17988,7 @@
           <p:cNvPr id="3" name="Content Placeholder 2">
             <a:extLst>
               <a:ext uri="{FF2B5EF4-FFF2-40B4-BE49-F238E27FC236}">
-                <a16:creationId xmlns:a16="http://schemas.microsoft.com/office/drawing/2014/main" id="{9466D7CB-A484-F4DC-1247-3B0F9708D05F}"/>
+                <a16:creationId xmlns:a16="http://schemas.microsoft.com/office/drawing/2014/main" xmlns="" id="{9466D7CB-A484-F4DC-1247-3B0F9708D05F}"/>
               </a:ext>
             </a:extLst>
           </p:cNvPr>
@@ -15530,7 +18035,7 @@
           <p:cNvPr id="6" name="Ribbon: Curved and Tilted Down 5">
             <a:extLst>
               <a:ext uri="{FF2B5EF4-FFF2-40B4-BE49-F238E27FC236}">
-                <a16:creationId xmlns:a16="http://schemas.microsoft.com/office/drawing/2014/main" id="{DA6F4F8F-5ABC-21EF-A2AB-B0F4B5058194}"/>
+                <a16:creationId xmlns:a16="http://schemas.microsoft.com/office/drawing/2014/main" xmlns="" id="{DA6F4F8F-5ABC-21EF-A2AB-B0F4B5058194}"/>
               </a:ext>
             </a:extLst>
           </p:cNvPr>
@@ -15603,7 +18108,7 @@
           <p:cNvPr id="7" name="Scroll: Vertical 6">
             <a:extLst>
               <a:ext uri="{FF2B5EF4-FFF2-40B4-BE49-F238E27FC236}">
-                <a16:creationId xmlns:a16="http://schemas.microsoft.com/office/drawing/2014/main" id="{694A0A23-21B4-6D65-E96A-AD1A0AC04FCC}"/>
+                <a16:creationId xmlns:a16="http://schemas.microsoft.com/office/drawing/2014/main" xmlns="" id="{694A0A23-21B4-6D65-E96A-AD1A0AC04FCC}"/>
               </a:ext>
             </a:extLst>
           </p:cNvPr>
@@ -15919,7 +18424,7 @@
     </p:spTree>
     <p:extLst>
       <p:ext uri="{BB962C8B-B14F-4D97-AF65-F5344CB8AC3E}">
-        <p14:creationId xmlns:p14="http://schemas.microsoft.com/office/powerpoint/2010/main" val="755787835"/>
+        <p14:creationId xmlns:p14="http://schemas.microsoft.com/office/powerpoint/2010/main" xmlns="" val="755787835"/>
       </p:ext>
     </p:extLst>
   </p:cSld>
@@ -15937,7 +18442,7 @@
         <p:cNvPr id="1" name="">
           <a:extLst>
             <a:ext uri="{FF2B5EF4-FFF2-40B4-BE49-F238E27FC236}">
-              <a16:creationId xmlns:a16="http://schemas.microsoft.com/office/drawing/2014/main" id="{517DE5E6-801F-A2FD-C03F-6F5486821075}"/>
+              <a16:creationId xmlns:a16="http://schemas.microsoft.com/office/drawing/2014/main" xmlns="" id="{517DE5E6-801F-A2FD-C03F-6F5486821075}"/>
             </a:ext>
           </a:extLst>
         </p:cNvPr>
@@ -15957,7 +18462,7 @@
           <p:cNvPr id="2" name="Title 1">
             <a:extLst>
               <a:ext uri="{FF2B5EF4-FFF2-40B4-BE49-F238E27FC236}">
-                <a16:creationId xmlns:a16="http://schemas.microsoft.com/office/drawing/2014/main" id="{5F9D859A-CC6B-038D-5AE0-901278C3F6CE}"/>
+                <a16:creationId xmlns:a16="http://schemas.microsoft.com/office/drawing/2014/main" xmlns="" id="{5F9D859A-CC6B-038D-5AE0-901278C3F6CE}"/>
               </a:ext>
             </a:extLst>
           </p:cNvPr>
@@ -15995,7 +18500,7 @@
           <p:cNvPr id="3" name="Content Placeholder 2">
             <a:extLst>
               <a:ext uri="{FF2B5EF4-FFF2-40B4-BE49-F238E27FC236}">
-                <a16:creationId xmlns:a16="http://schemas.microsoft.com/office/drawing/2014/main" id="{E5BE3A65-ADA6-AEAF-69B6-B9779A59851F}"/>
+                <a16:creationId xmlns:a16="http://schemas.microsoft.com/office/drawing/2014/main" xmlns="" id="{E5BE3A65-ADA6-AEAF-69B6-B9779A59851F}"/>
               </a:ext>
             </a:extLst>
           </p:cNvPr>
@@ -16036,7 +18541,7 @@
           <p:cNvPr id="6" name="Ribbon: Curved and Tilted Down 5">
             <a:extLst>
               <a:ext uri="{FF2B5EF4-FFF2-40B4-BE49-F238E27FC236}">
-                <a16:creationId xmlns:a16="http://schemas.microsoft.com/office/drawing/2014/main" id="{571A9BAF-7164-4534-E0BD-EE0EDF7090A3}"/>
+                <a16:creationId xmlns:a16="http://schemas.microsoft.com/office/drawing/2014/main" xmlns="" id="{571A9BAF-7164-4534-E0BD-EE0EDF7090A3}"/>
               </a:ext>
             </a:extLst>
           </p:cNvPr>
@@ -16109,7 +18614,7 @@
           <p:cNvPr id="7" name="Scroll: Vertical 6">
             <a:extLst>
               <a:ext uri="{FF2B5EF4-FFF2-40B4-BE49-F238E27FC236}">
-                <a16:creationId xmlns:a16="http://schemas.microsoft.com/office/drawing/2014/main" id="{82B3A4DF-1DDB-DA3D-C01E-CA4956EC89D7}"/>
+                <a16:creationId xmlns:a16="http://schemas.microsoft.com/office/drawing/2014/main" xmlns="" id="{82B3A4DF-1DDB-DA3D-C01E-CA4956EC89D7}"/>
               </a:ext>
             </a:extLst>
           </p:cNvPr>
@@ -16425,7 +18930,7 @@
     </p:spTree>
     <p:extLst>
       <p:ext uri="{BB962C8B-B14F-4D97-AF65-F5344CB8AC3E}">
-        <p14:creationId xmlns:p14="http://schemas.microsoft.com/office/powerpoint/2010/main" val="3160480842"/>
+        <p14:creationId xmlns:p14="http://schemas.microsoft.com/office/powerpoint/2010/main" xmlns="" val="3160480842"/>
       </p:ext>
     </p:extLst>
   </p:cSld>
@@ -16686,7 +19191,7 @@
   <a:extraClrSchemeLst/>
   <a:extLst>
     <a:ext uri="{05A4C25C-085E-4340-85A3-A5531E510DB2}">
-      <thm15:themeFamily xmlns:thm15="http://schemas.microsoft.com/office/thememl/2012/main" name="Facet" id="{C0C680CD-088A-49FC-A102-D699147F32B2}" vid="{8C59B386-999D-4CB6-B907-9F3997C027CC}"/>
+      <thm15:themeFamily xmlns:thm15="http://schemas.microsoft.com/office/thememl/2012/main" xmlns="" name="Facet" id="{C0C680CD-088A-49FC-A102-D699147F32B2}" vid="{8C59B386-999D-4CB6-B907-9F3997C027CC}"/>
     </a:ext>
   </a:extLst>
 </a:theme>

--- a/Javascript Tutorials.pptx
+++ b/Javascript Tutorials.pptx
@@ -130,7 +130,7 @@
   </p:defaultTextStyle>
   <p:extLst>
     <p:ext uri="{EFAFB233-063F-42B5-8137-9DF3F51BA10A}">
-      <p15:sldGuideLst xmlns:p15="http://schemas.microsoft.com/office/powerpoint/2012/main" xmlns="">
+      <p15:sldGuideLst xmlns:p15="http://schemas.microsoft.com/office/powerpoint/2012/main">
         <p15:guide id="1" orient="horz" pos="2160">
           <p15:clr>
             <a:srgbClr val="A4A3A4"/>
@@ -872,7 +872,7 @@
             <a:fld id="{48A87A34-81AB-432B-8DAE-1953F412C126}" type="datetimeFigureOut">
               <a:rPr lang="en-US" smtClean="0"/>
               <a:pPr/>
-              <a:t>8/27/2025</a:t>
+              <a:t>8/28/2025</a:t>
             </a:fld>
             <a:endParaRPr lang="en-US" dirty="0"/>
           </a:p>
@@ -924,7 +924,7 @@
     </p:spTree>
     <p:extLst>
       <p:ext uri="{BB962C8B-B14F-4D97-AF65-F5344CB8AC3E}">
-        <p14:creationId xmlns:p14="http://schemas.microsoft.com/office/powerpoint/2010/main" xmlns="" val="2121369331"/>
+        <p14:creationId xmlns:p14="http://schemas.microsoft.com/office/powerpoint/2010/main" val="2121369331"/>
       </p:ext>
     </p:extLst>
   </p:cSld>
@@ -1125,7 +1125,7 @@
             <a:fld id="{48A87A34-81AB-432B-8DAE-1953F412C126}" type="datetimeFigureOut">
               <a:rPr lang="en-US" smtClean="0"/>
               <a:pPr/>
-              <a:t>8/27/2025</a:t>
+              <a:t>8/28/2025</a:t>
             </a:fld>
             <a:endParaRPr lang="en-US" dirty="0"/>
           </a:p>
@@ -1177,7 +1177,7 @@
     </p:spTree>
     <p:extLst>
       <p:ext uri="{BB962C8B-B14F-4D97-AF65-F5344CB8AC3E}">
-        <p14:creationId xmlns:p14="http://schemas.microsoft.com/office/powerpoint/2010/main" xmlns="" val="4277845334"/>
+        <p14:creationId xmlns:p14="http://schemas.microsoft.com/office/powerpoint/2010/main" val="4277845334"/>
       </p:ext>
     </p:extLst>
   </p:cSld>
@@ -1441,7 +1441,7 @@
             <a:fld id="{48A87A34-81AB-432B-8DAE-1953F412C126}" type="datetimeFigureOut">
               <a:rPr lang="en-US" smtClean="0"/>
               <a:pPr/>
-              <a:t>8/27/2025</a:t>
+              <a:t>8/28/2025</a:t>
             </a:fld>
             <a:endParaRPr lang="en-US" dirty="0"/>
           </a:p>
@@ -1569,7 +1569,7 @@
     </p:spTree>
     <p:extLst>
       <p:ext uri="{BB962C8B-B14F-4D97-AF65-F5344CB8AC3E}">
-        <p14:creationId xmlns:p14="http://schemas.microsoft.com/office/powerpoint/2010/main" xmlns="" val="4103336880"/>
+        <p14:creationId xmlns:p14="http://schemas.microsoft.com/office/powerpoint/2010/main" val="4103336880"/>
       </p:ext>
     </p:extLst>
   </p:cSld>
@@ -1770,7 +1770,7 @@
             <a:fld id="{48A87A34-81AB-432B-8DAE-1953F412C126}" type="datetimeFigureOut">
               <a:rPr lang="en-US" smtClean="0"/>
               <a:pPr/>
-              <a:t>8/27/2025</a:t>
+              <a:t>8/28/2025</a:t>
             </a:fld>
             <a:endParaRPr lang="en-US" dirty="0"/>
           </a:p>
@@ -1822,7 +1822,7 @@
     </p:spTree>
     <p:extLst>
       <p:ext uri="{BB962C8B-B14F-4D97-AF65-F5344CB8AC3E}">
-        <p14:creationId xmlns:p14="http://schemas.microsoft.com/office/powerpoint/2010/main" xmlns="" val="2317848287"/>
+        <p14:creationId xmlns:p14="http://schemas.microsoft.com/office/powerpoint/2010/main" val="2317848287"/>
       </p:ext>
     </p:extLst>
   </p:cSld>
@@ -2086,7 +2086,7 @@
             <a:fld id="{48A87A34-81AB-432B-8DAE-1953F412C126}" type="datetimeFigureOut">
               <a:rPr lang="en-US" smtClean="0"/>
               <a:pPr/>
-              <a:t>8/27/2025</a:t>
+              <a:t>8/28/2025</a:t>
             </a:fld>
             <a:endParaRPr lang="en-US" dirty="0"/>
           </a:p>
@@ -2214,7 +2214,7 @@
     </p:spTree>
     <p:extLst>
       <p:ext uri="{BB962C8B-B14F-4D97-AF65-F5344CB8AC3E}">
-        <p14:creationId xmlns:p14="http://schemas.microsoft.com/office/powerpoint/2010/main" xmlns="" val="4054754721"/>
+        <p14:creationId xmlns:p14="http://schemas.microsoft.com/office/powerpoint/2010/main" val="4054754721"/>
       </p:ext>
     </p:extLst>
   </p:cSld>
@@ -2475,7 +2475,7 @@
             <a:fld id="{48A87A34-81AB-432B-8DAE-1953F412C126}" type="datetimeFigureOut">
               <a:rPr lang="en-US" smtClean="0"/>
               <a:pPr/>
-              <a:t>8/27/2025</a:t>
+              <a:t>8/28/2025</a:t>
             </a:fld>
             <a:endParaRPr lang="en-US" dirty="0"/>
           </a:p>
@@ -2527,7 +2527,7 @@
     </p:spTree>
     <p:extLst>
       <p:ext uri="{BB962C8B-B14F-4D97-AF65-F5344CB8AC3E}">
-        <p14:creationId xmlns:p14="http://schemas.microsoft.com/office/powerpoint/2010/main" xmlns="" val="3698809145"/>
+        <p14:creationId xmlns:p14="http://schemas.microsoft.com/office/powerpoint/2010/main" val="3698809145"/>
       </p:ext>
     </p:extLst>
   </p:cSld>
@@ -2647,7 +2647,7 @@
             <a:fld id="{48A87A34-81AB-432B-8DAE-1953F412C126}" type="datetimeFigureOut">
               <a:rPr lang="en-US" smtClean="0"/>
               <a:pPr/>
-              <a:t>8/27/2025</a:t>
+              <a:t>8/28/2025</a:t>
             </a:fld>
             <a:endParaRPr lang="en-US" dirty="0"/>
           </a:p>
@@ -2699,7 +2699,7 @@
     </p:spTree>
     <p:extLst>
       <p:ext uri="{BB962C8B-B14F-4D97-AF65-F5344CB8AC3E}">
-        <p14:creationId xmlns:p14="http://schemas.microsoft.com/office/powerpoint/2010/main" xmlns="" val="4102912012"/>
+        <p14:creationId xmlns:p14="http://schemas.microsoft.com/office/powerpoint/2010/main" val="4102912012"/>
       </p:ext>
     </p:extLst>
   </p:cSld>
@@ -2829,7 +2829,7 @@
             <a:fld id="{48A87A34-81AB-432B-8DAE-1953F412C126}" type="datetimeFigureOut">
               <a:rPr lang="en-US" smtClean="0"/>
               <a:pPr/>
-              <a:t>8/27/2025</a:t>
+              <a:t>8/28/2025</a:t>
             </a:fld>
             <a:endParaRPr lang="en-US" dirty="0"/>
           </a:p>
@@ -2881,7 +2881,7 @@
     </p:spTree>
     <p:extLst>
       <p:ext uri="{BB962C8B-B14F-4D97-AF65-F5344CB8AC3E}">
-        <p14:creationId xmlns:p14="http://schemas.microsoft.com/office/powerpoint/2010/main" xmlns="" val="1199620941"/>
+        <p14:creationId xmlns:p14="http://schemas.microsoft.com/office/powerpoint/2010/main" val="1199620941"/>
       </p:ext>
     </p:extLst>
   </p:cSld>
@@ -3007,7 +3007,7 @@
             <a:fld id="{48A87A34-81AB-432B-8DAE-1953F412C126}" type="datetimeFigureOut">
               <a:rPr lang="en-US" smtClean="0"/>
               <a:pPr/>
-              <a:t>8/27/2025</a:t>
+              <a:t>8/28/2025</a:t>
             </a:fld>
             <a:endParaRPr lang="en-US" dirty="0"/>
           </a:p>
@@ -3059,7 +3059,7 @@
     </p:spTree>
     <p:extLst>
       <p:ext uri="{BB962C8B-B14F-4D97-AF65-F5344CB8AC3E}">
-        <p14:creationId xmlns:p14="http://schemas.microsoft.com/office/powerpoint/2010/main" xmlns="" val="901355798"/>
+        <p14:creationId xmlns:p14="http://schemas.microsoft.com/office/powerpoint/2010/main" val="901355798"/>
       </p:ext>
     </p:extLst>
   </p:cSld>
@@ -3256,7 +3256,7 @@
             <a:fld id="{48A87A34-81AB-432B-8DAE-1953F412C126}" type="datetimeFigureOut">
               <a:rPr lang="en-US" smtClean="0"/>
               <a:pPr/>
-              <a:t>8/27/2025</a:t>
+              <a:t>8/28/2025</a:t>
             </a:fld>
             <a:endParaRPr lang="en-US" dirty="0"/>
           </a:p>
@@ -3308,7 +3308,7 @@
     </p:spTree>
     <p:extLst>
       <p:ext uri="{BB962C8B-B14F-4D97-AF65-F5344CB8AC3E}">
-        <p14:creationId xmlns:p14="http://schemas.microsoft.com/office/powerpoint/2010/main" xmlns="" val="351019068"/>
+        <p14:creationId xmlns:p14="http://schemas.microsoft.com/office/powerpoint/2010/main" val="351019068"/>
       </p:ext>
     </p:extLst>
   </p:cSld>
@@ -3490,7 +3490,7 @@
             <a:fld id="{48A87A34-81AB-432B-8DAE-1953F412C126}" type="datetimeFigureOut">
               <a:rPr lang="en-US" smtClean="0"/>
               <a:pPr/>
-              <a:t>8/27/2025</a:t>
+              <a:t>8/28/2025</a:t>
             </a:fld>
             <a:endParaRPr lang="en-US" dirty="0"/>
           </a:p>
@@ -3542,7 +3542,7 @@
     </p:spTree>
     <p:extLst>
       <p:ext uri="{BB962C8B-B14F-4D97-AF65-F5344CB8AC3E}">
-        <p14:creationId xmlns:p14="http://schemas.microsoft.com/office/powerpoint/2010/main" xmlns="" val="3037334119"/>
+        <p14:creationId xmlns:p14="http://schemas.microsoft.com/office/powerpoint/2010/main" val="3037334119"/>
       </p:ext>
     </p:extLst>
   </p:cSld>
@@ -3866,7 +3866,7 @@
             <a:fld id="{48A87A34-81AB-432B-8DAE-1953F412C126}" type="datetimeFigureOut">
               <a:rPr lang="en-US" smtClean="0"/>
               <a:pPr/>
-              <a:t>8/27/2025</a:t>
+              <a:t>8/28/2025</a:t>
             </a:fld>
             <a:endParaRPr lang="en-US" dirty="0"/>
           </a:p>
@@ -3918,7 +3918,7 @@
     </p:spTree>
     <p:extLst>
       <p:ext uri="{BB962C8B-B14F-4D97-AF65-F5344CB8AC3E}">
-        <p14:creationId xmlns:p14="http://schemas.microsoft.com/office/powerpoint/2010/main" xmlns="" val="3959179014"/>
+        <p14:creationId xmlns:p14="http://schemas.microsoft.com/office/powerpoint/2010/main" val="3959179014"/>
       </p:ext>
     </p:extLst>
   </p:cSld>
@@ -3991,7 +3991,7 @@
             <a:fld id="{48A87A34-81AB-432B-8DAE-1953F412C126}" type="datetimeFigureOut">
               <a:rPr lang="en-US" smtClean="0"/>
               <a:pPr/>
-              <a:t>8/27/2025</a:t>
+              <a:t>8/28/2025</a:t>
             </a:fld>
             <a:endParaRPr lang="en-US" dirty="0"/>
           </a:p>
@@ -4043,7 +4043,7 @@
     </p:spTree>
     <p:extLst>
       <p:ext uri="{BB962C8B-B14F-4D97-AF65-F5344CB8AC3E}">
-        <p14:creationId xmlns:p14="http://schemas.microsoft.com/office/powerpoint/2010/main" xmlns="" val="143817896"/>
+        <p14:creationId xmlns:p14="http://schemas.microsoft.com/office/powerpoint/2010/main" val="143817896"/>
       </p:ext>
     </p:extLst>
   </p:cSld>
@@ -4088,7 +4088,7 @@
             <a:fld id="{48A87A34-81AB-432B-8DAE-1953F412C126}" type="datetimeFigureOut">
               <a:rPr lang="en-US" smtClean="0"/>
               <a:pPr/>
-              <a:t>8/27/2025</a:t>
+              <a:t>8/28/2025</a:t>
             </a:fld>
             <a:endParaRPr lang="en-US" dirty="0"/>
           </a:p>
@@ -4140,7 +4140,7 @@
     </p:spTree>
     <p:extLst>
       <p:ext uri="{BB962C8B-B14F-4D97-AF65-F5344CB8AC3E}">
-        <p14:creationId xmlns:p14="http://schemas.microsoft.com/office/powerpoint/2010/main" xmlns="" val="1053529793"/>
+        <p14:creationId xmlns:p14="http://schemas.microsoft.com/office/powerpoint/2010/main" val="1053529793"/>
       </p:ext>
     </p:extLst>
   </p:cSld>
@@ -4345,7 +4345,7 @@
             <a:fld id="{48A87A34-81AB-432B-8DAE-1953F412C126}" type="datetimeFigureOut">
               <a:rPr lang="en-US" smtClean="0"/>
               <a:pPr/>
-              <a:t>8/27/2025</a:t>
+              <a:t>8/28/2025</a:t>
             </a:fld>
             <a:endParaRPr lang="en-US" dirty="0"/>
           </a:p>
@@ -4397,7 +4397,7 @@
     </p:spTree>
     <p:extLst>
       <p:ext uri="{BB962C8B-B14F-4D97-AF65-F5344CB8AC3E}">
-        <p14:creationId xmlns:p14="http://schemas.microsoft.com/office/powerpoint/2010/main" xmlns="" val="1549564702"/>
+        <p14:creationId xmlns:p14="http://schemas.microsoft.com/office/powerpoint/2010/main" val="1549564702"/>
       </p:ext>
     </p:extLst>
   </p:cSld>
@@ -4610,7 +4610,7 @@
             <a:fld id="{48A87A34-81AB-432B-8DAE-1953F412C126}" type="datetimeFigureOut">
               <a:rPr lang="en-US" smtClean="0"/>
               <a:pPr/>
-              <a:t>8/27/2025</a:t>
+              <a:t>8/28/2025</a:t>
             </a:fld>
             <a:endParaRPr lang="en-US" dirty="0"/>
           </a:p>
@@ -4662,7 +4662,7 @@
     </p:spTree>
     <p:extLst>
       <p:ext uri="{BB962C8B-B14F-4D97-AF65-F5344CB8AC3E}">
-        <p14:creationId xmlns:p14="http://schemas.microsoft.com/office/powerpoint/2010/main" xmlns="" val="1708776435"/>
+        <p14:creationId xmlns:p14="http://schemas.microsoft.com/office/powerpoint/2010/main" val="1708776435"/>
       </p:ext>
     </p:extLst>
   </p:cSld>
@@ -5357,7 +5357,7 @@
             <a:fld id="{48A87A34-81AB-432B-8DAE-1953F412C126}" type="datetimeFigureOut">
               <a:rPr lang="en-US" smtClean="0"/>
               <a:pPr/>
-              <a:t>8/27/2025</a:t>
+              <a:t>8/28/2025</a:t>
             </a:fld>
             <a:endParaRPr lang="en-US" dirty="0"/>
           </a:p>
@@ -5443,7 +5443,7 @@
     </p:spTree>
     <p:extLst>
       <p:ext uri="{BB962C8B-B14F-4D97-AF65-F5344CB8AC3E}">
-        <p14:creationId xmlns:p14="http://schemas.microsoft.com/office/powerpoint/2010/main" xmlns="" val="121865681"/>
+        <p14:creationId xmlns:p14="http://schemas.microsoft.com/office/powerpoint/2010/main" val="121865681"/>
       </p:ext>
     </p:extLst>
   </p:cSld>
@@ -5887,7 +5887,7 @@
           <p:cNvPr id="2" name="Title 1">
             <a:extLst>
               <a:ext uri="{FF2B5EF4-FFF2-40B4-BE49-F238E27FC236}">
-                <a16:creationId xmlns:a16="http://schemas.microsoft.com/office/drawing/2014/main" xmlns="" id="{EC93423C-79E8-2701-DB3F-2D4CA67D7A87}"/>
+                <a16:creationId xmlns:a16="http://schemas.microsoft.com/office/drawing/2014/main" id="{EC93423C-79E8-2701-DB3F-2D4CA67D7A87}"/>
               </a:ext>
             </a:extLst>
           </p:cNvPr>
@@ -5940,7 +5940,7 @@
           <p:cNvPr id="3" name="Subtitle 2">
             <a:extLst>
               <a:ext uri="{FF2B5EF4-FFF2-40B4-BE49-F238E27FC236}">
-                <a16:creationId xmlns:a16="http://schemas.microsoft.com/office/drawing/2014/main" xmlns="" id="{2A629AF9-FA04-B477-0E47-5B7F12E6FC7C}"/>
+                <a16:creationId xmlns:a16="http://schemas.microsoft.com/office/drawing/2014/main" id="{2A629AF9-FA04-B477-0E47-5B7F12E6FC7C}"/>
               </a:ext>
             </a:extLst>
           </p:cNvPr>
@@ -5976,7 +5976,7 @@
           <p:cNvPr id="4" name="TextBox 3">
             <a:extLst>
               <a:ext uri="{FF2B5EF4-FFF2-40B4-BE49-F238E27FC236}">
-                <a16:creationId xmlns:a16="http://schemas.microsoft.com/office/drawing/2014/main" xmlns="" id="{4BC27C14-3D93-9CDE-B1D8-91C6ACAF4DA4}"/>
+                <a16:creationId xmlns:a16="http://schemas.microsoft.com/office/drawing/2014/main" id="{4BC27C14-3D93-9CDE-B1D8-91C6ACAF4DA4}"/>
               </a:ext>
             </a:extLst>
           </p:cNvPr>
@@ -6025,7 +6025,7 @@
     </p:spTree>
     <p:extLst>
       <p:ext uri="{BB962C8B-B14F-4D97-AF65-F5344CB8AC3E}">
-        <p14:creationId xmlns:p14="http://schemas.microsoft.com/office/powerpoint/2010/main" xmlns="" val="889777050"/>
+        <p14:creationId xmlns:p14="http://schemas.microsoft.com/office/powerpoint/2010/main" val="889777050"/>
       </p:ext>
     </p:extLst>
   </p:cSld>
@@ -6043,7 +6043,7 @@
         <p:cNvPr id="1" name="">
           <a:extLst>
             <a:ext uri="{FF2B5EF4-FFF2-40B4-BE49-F238E27FC236}">
-              <a16:creationId xmlns:a16="http://schemas.microsoft.com/office/drawing/2014/main" xmlns="" id="{253BBDB7-3E52-64BD-6E92-66253059D34C}"/>
+              <a16:creationId xmlns:a16="http://schemas.microsoft.com/office/drawing/2014/main" id="{253BBDB7-3E52-64BD-6E92-66253059D34C}"/>
             </a:ext>
           </a:extLst>
         </p:cNvPr>
@@ -6063,7 +6063,7 @@
           <p:cNvPr id="2" name="Title 1">
             <a:extLst>
               <a:ext uri="{FF2B5EF4-FFF2-40B4-BE49-F238E27FC236}">
-                <a16:creationId xmlns:a16="http://schemas.microsoft.com/office/drawing/2014/main" xmlns="" id="{E55678BE-607F-2A2B-B318-30B2DA7F29B3}"/>
+                <a16:creationId xmlns:a16="http://schemas.microsoft.com/office/drawing/2014/main" id="{E55678BE-607F-2A2B-B318-30B2DA7F29B3}"/>
               </a:ext>
             </a:extLst>
           </p:cNvPr>
@@ -6100,7 +6100,7 @@
           <p:cNvPr id="3" name="Content Placeholder 2">
             <a:extLst>
               <a:ext uri="{FF2B5EF4-FFF2-40B4-BE49-F238E27FC236}">
-                <a16:creationId xmlns:a16="http://schemas.microsoft.com/office/drawing/2014/main" xmlns="" id="{A5951AC9-1751-ACAB-8097-E6D486A5D62D}"/>
+                <a16:creationId xmlns:a16="http://schemas.microsoft.com/office/drawing/2014/main" id="{A5951AC9-1751-ACAB-8097-E6D486A5D62D}"/>
               </a:ext>
             </a:extLst>
           </p:cNvPr>
@@ -6155,7 +6155,7 @@
           <p:cNvPr id="5" name="Ribbon: Curved and Tilted Down 4">
             <a:extLst>
               <a:ext uri="{FF2B5EF4-FFF2-40B4-BE49-F238E27FC236}">
-                <a16:creationId xmlns:a16="http://schemas.microsoft.com/office/drawing/2014/main" xmlns="" id="{29648F54-4274-51BA-8F35-F8C888E0A19B}"/>
+                <a16:creationId xmlns:a16="http://schemas.microsoft.com/office/drawing/2014/main" id="{29648F54-4274-51BA-8F35-F8C888E0A19B}"/>
               </a:ext>
             </a:extLst>
           </p:cNvPr>
@@ -6228,7 +6228,7 @@
           <p:cNvPr id="6" name="Scroll: Vertical 5">
             <a:extLst>
               <a:ext uri="{FF2B5EF4-FFF2-40B4-BE49-F238E27FC236}">
-                <a16:creationId xmlns:a16="http://schemas.microsoft.com/office/drawing/2014/main" xmlns="" id="{E3C4F40D-DC8F-F75B-7F98-E5029EC432CA}"/>
+                <a16:creationId xmlns:a16="http://schemas.microsoft.com/office/drawing/2014/main" id="{E3C4F40D-DC8F-F75B-7F98-E5029EC432CA}"/>
               </a:ext>
             </a:extLst>
           </p:cNvPr>
@@ -6544,7 +6544,7 @@
     </p:spTree>
     <p:extLst>
       <p:ext uri="{BB962C8B-B14F-4D97-AF65-F5344CB8AC3E}">
-        <p14:creationId xmlns:p14="http://schemas.microsoft.com/office/powerpoint/2010/main" xmlns="" val="609828687"/>
+        <p14:creationId xmlns:p14="http://schemas.microsoft.com/office/powerpoint/2010/main" val="609828687"/>
       </p:ext>
     </p:extLst>
   </p:cSld>
@@ -6562,7 +6562,7 @@
         <p:cNvPr id="1" name="">
           <a:extLst>
             <a:ext uri="{FF2B5EF4-FFF2-40B4-BE49-F238E27FC236}">
-              <a16:creationId xmlns:a16="http://schemas.microsoft.com/office/drawing/2014/main" xmlns="" id="{4586E9D7-F5F8-14CC-9DF6-FC4AF2EA4249}"/>
+              <a16:creationId xmlns:a16="http://schemas.microsoft.com/office/drawing/2014/main" id="{4586E9D7-F5F8-14CC-9DF6-FC4AF2EA4249}"/>
             </a:ext>
           </a:extLst>
         </p:cNvPr>
@@ -6582,7 +6582,7 @@
           <p:cNvPr id="2" name="Title 1">
             <a:extLst>
               <a:ext uri="{FF2B5EF4-FFF2-40B4-BE49-F238E27FC236}">
-                <a16:creationId xmlns:a16="http://schemas.microsoft.com/office/drawing/2014/main" xmlns="" id="{D8B67155-694F-FF61-7CDD-33A20A316215}"/>
+                <a16:creationId xmlns:a16="http://schemas.microsoft.com/office/drawing/2014/main" id="{D8B67155-694F-FF61-7CDD-33A20A316215}"/>
               </a:ext>
             </a:extLst>
           </p:cNvPr>
@@ -6619,7 +6619,7 @@
           <p:cNvPr id="3" name="Content Placeholder 2">
             <a:extLst>
               <a:ext uri="{FF2B5EF4-FFF2-40B4-BE49-F238E27FC236}">
-                <a16:creationId xmlns:a16="http://schemas.microsoft.com/office/drawing/2014/main" xmlns="" id="{2A53D2DA-721D-FC7E-8E09-BCBD844B6F9F}"/>
+                <a16:creationId xmlns:a16="http://schemas.microsoft.com/office/drawing/2014/main" id="{2A53D2DA-721D-FC7E-8E09-BCBD844B6F9F}"/>
               </a:ext>
             </a:extLst>
           </p:cNvPr>
@@ -6727,7 +6727,7 @@
           <p:cNvPr id="5" name="Ribbon: Curved and Tilted Down 4">
             <a:extLst>
               <a:ext uri="{FF2B5EF4-FFF2-40B4-BE49-F238E27FC236}">
-                <a16:creationId xmlns:a16="http://schemas.microsoft.com/office/drawing/2014/main" xmlns="" id="{3FA23525-E3EA-B8CB-FD6A-53084CA847A7}"/>
+                <a16:creationId xmlns:a16="http://schemas.microsoft.com/office/drawing/2014/main" id="{3FA23525-E3EA-B8CB-FD6A-53084CA847A7}"/>
               </a:ext>
             </a:extLst>
           </p:cNvPr>
@@ -6800,7 +6800,7 @@
           <p:cNvPr id="6" name="Scroll: Vertical 5">
             <a:extLst>
               <a:ext uri="{FF2B5EF4-FFF2-40B4-BE49-F238E27FC236}">
-                <a16:creationId xmlns:a16="http://schemas.microsoft.com/office/drawing/2014/main" xmlns="" id="{1A4C732A-2840-82C8-A359-298D925E33B3}"/>
+                <a16:creationId xmlns:a16="http://schemas.microsoft.com/office/drawing/2014/main" id="{1A4C732A-2840-82C8-A359-298D925E33B3}"/>
               </a:ext>
             </a:extLst>
           </p:cNvPr>
@@ -7116,7 +7116,7 @@
     </p:spTree>
     <p:extLst>
       <p:ext uri="{BB962C8B-B14F-4D97-AF65-F5344CB8AC3E}">
-        <p14:creationId xmlns:p14="http://schemas.microsoft.com/office/powerpoint/2010/main" xmlns="" val="3002471670"/>
+        <p14:creationId xmlns:p14="http://schemas.microsoft.com/office/powerpoint/2010/main" val="3002471670"/>
       </p:ext>
     </p:extLst>
   </p:cSld>
@@ -7148,7 +7148,7 @@
           <p:cNvPr id="9" name="Explosion: 14 Points 8">
             <a:extLst>
               <a:ext uri="{FF2B5EF4-FFF2-40B4-BE49-F238E27FC236}">
-                <a16:creationId xmlns:a16="http://schemas.microsoft.com/office/drawing/2014/main" xmlns="" id="{0A2CD68B-7A56-F86D-8B6F-4A8BF99B4C9E}"/>
+                <a16:creationId xmlns:a16="http://schemas.microsoft.com/office/drawing/2014/main" id="{0A2CD68B-7A56-F86D-8B6F-4A8BF99B4C9E}"/>
               </a:ext>
             </a:extLst>
           </p:cNvPr>
@@ -7200,128 +7200,10 @@
       </p:sp>
       <p:sp>
         <p:nvSpPr>
-          <p:cNvPr id="2" name="Title 1">
-            <a:extLst>
-              <a:ext uri="{FF2B5EF4-FFF2-40B4-BE49-F238E27FC236}">
-                <a16:creationId xmlns:a16="http://schemas.microsoft.com/office/drawing/2014/main" xmlns="" id="{62BB4F8D-44B7-9866-F7B2-6375CB902974}"/>
-              </a:ext>
-            </a:extLst>
-          </p:cNvPr>
-          <p:cNvSpPr>
-            <a:spLocks noGrp="1"/>
-          </p:cNvSpPr>
-          <p:nvPr>
-            <p:ph type="title"/>
-          </p:nvPr>
-        </p:nvSpPr>
-        <p:spPr>
-          <a:xfrm>
-            <a:off x="1131736" y="1913287"/>
-            <a:ext cx="4809066" cy="3810095"/>
-          </a:xfrm>
-          <a:noFill/>
-        </p:spPr>
-        <p:txBody>
-          <a:bodyPr anchor="ctr">
-            <a:normAutofit fontScale="90000"/>
-          </a:bodyPr>
-          <a:lstStyle/>
-          <a:p>
-            <a:pPr algn="ctr"/>
-            <a:r>
-              <a:rPr lang="en-US" sz="7200" b="1" dirty="0">
-                <a:solidFill>
-                  <a:schemeClr val="tx1"/>
-                </a:solidFill>
-                <a:latin typeface="Barlow Condensed ExtraLight" panose="00000306000000000000" pitchFamily="2" charset="0"/>
-              </a:rPr>
-              <a:t>JavaScript</a:t>
-            </a:r>
-            <a:r>
-              <a:rPr lang="en-US" sz="7200" b="1" dirty="0">
-                <a:solidFill>
-                  <a:schemeClr val="tx1"/>
-                </a:solidFill>
-                <a:latin typeface="Barlow Black" panose="00000A00000000000000" pitchFamily="2" charset="0"/>
-              </a:rPr>
-              <a:t/>
-            </a:r>
-            <a:br>
-              <a:rPr lang="en-US" sz="7200" b="1" dirty="0">
-                <a:solidFill>
-                  <a:schemeClr val="tx1"/>
-                </a:solidFill>
-                <a:latin typeface="Barlow Black" panose="00000A00000000000000" pitchFamily="2" charset="0"/>
-              </a:rPr>
-            </a:br>
-            <a:r>
-              <a:rPr lang="en-US" sz="7200" b="1" dirty="0">
-                <a:solidFill>
-                  <a:schemeClr val="tx1"/>
-                </a:solidFill>
-                <a:latin typeface="Barlow Black" panose="00000A00000000000000" pitchFamily="2" charset="0"/>
-              </a:rPr>
-              <a:t>Chapter – 2</a:t>
-            </a:r>
-            <a:br>
-              <a:rPr lang="en-US" sz="7200" b="1" dirty="0">
-                <a:solidFill>
-                  <a:schemeClr val="tx1"/>
-                </a:solidFill>
-                <a:latin typeface="Barlow Black" panose="00000A00000000000000" pitchFamily="2" charset="0"/>
-              </a:rPr>
-            </a:br>
-            <a:r>
-              <a:rPr lang="en-US" sz="2800" dirty="0">
-                <a:solidFill>
-                  <a:schemeClr val="accent2">
-                    <a:lumMod val="60000"/>
-                    <a:lumOff val="40000"/>
-                  </a:schemeClr>
-                </a:solidFill>
-                <a:latin typeface="Bahnschrift Light Condensed" pitchFamily="34" charset="0"/>
-              </a:rPr>
-              <a:t> (</a:t>
-            </a:r>
-            <a:r>
-              <a:rPr lang="en-US" dirty="0">
-                <a:solidFill>
-                  <a:schemeClr val="accent2">
-                    <a:lumMod val="60000"/>
-                    <a:lumOff val="40000"/>
-                  </a:schemeClr>
-                </a:solidFill>
-                <a:latin typeface="Bahnschrift Light Condensed" pitchFamily="34" charset="0"/>
-              </a:rPr>
-              <a:t>first look</a:t>
-            </a:r>
-            <a:r>
-              <a:rPr lang="en-US" sz="2800" dirty="0">
-                <a:solidFill>
-                  <a:schemeClr val="accent2">
-                    <a:lumMod val="60000"/>
-                    <a:lumOff val="40000"/>
-                  </a:schemeClr>
-                </a:solidFill>
-                <a:latin typeface="Bahnschrift Light Condensed" pitchFamily="34" charset="0"/>
-              </a:rPr>
-              <a:t>)</a:t>
-            </a:r>
-            <a:endParaRPr lang="en-IN" b="1" dirty="0">
-              <a:solidFill>
-                <a:schemeClr val="tx1"/>
-              </a:solidFill>
-              <a:latin typeface="Barlow Black" panose="00000A00000000000000" pitchFamily="2" charset="0"/>
-            </a:endParaRPr>
-          </a:p>
-        </p:txBody>
-      </p:sp>
-      <p:sp>
-        <p:nvSpPr>
           <p:cNvPr id="4" name="Ribbon: Curved and Tilted Down 3">
             <a:extLst>
               <a:ext uri="{FF2B5EF4-FFF2-40B4-BE49-F238E27FC236}">
-                <a16:creationId xmlns:a16="http://schemas.microsoft.com/office/drawing/2014/main" xmlns="" id="{909DBECF-689C-9AA7-1649-9166A578EDF9}"/>
+                <a16:creationId xmlns:a16="http://schemas.microsoft.com/office/drawing/2014/main" id="{909DBECF-689C-9AA7-1649-9166A578EDF9}"/>
               </a:ext>
             </a:extLst>
           </p:cNvPr>
@@ -7385,70 +7267,10 @@
       </p:sp>
       <p:sp>
         <p:nvSpPr>
-          <p:cNvPr id="8" name="TextBox 7">
-            <a:extLst>
-              <a:ext uri="{FF2B5EF4-FFF2-40B4-BE49-F238E27FC236}">
-                <a16:creationId xmlns:a16="http://schemas.microsoft.com/office/drawing/2014/main" xmlns="" id="{6E6F1672-8C91-3FA6-CB80-58FD68172333}"/>
-              </a:ext>
-            </a:extLst>
-          </p:cNvPr>
-          <p:cNvSpPr txBox="1"/>
-          <p:nvPr/>
-        </p:nvSpPr>
-        <p:spPr>
-          <a:xfrm>
-            <a:off x="1791180" y="6045586"/>
-            <a:ext cx="3842170" cy="369332"/>
-          </a:xfrm>
-          <a:prstGeom prst="rect">
-            <a:avLst/>
-          </a:prstGeom>
-          <a:solidFill>
-            <a:schemeClr val="bg1">
-              <a:lumMod val="75000"/>
-              <a:lumOff val="25000"/>
-            </a:schemeClr>
-          </a:solidFill>
-        </p:spPr>
-        <p:txBody>
-          <a:bodyPr wrap="square" rtlCol="0">
-            <a:spAutoFit/>
-          </a:bodyPr>
-          <a:lstStyle/>
-          <a:p>
-            <a:pPr algn="ctr"/>
-            <a:r>
-              <a:rPr lang="en-US" b="1" dirty="0"/>
-              <a:t>Gautam Kumar- </a:t>
-            </a:r>
-            <a:r>
-              <a:rPr lang="en-US" dirty="0">
-                <a:solidFill>
-                  <a:schemeClr val="tx1">
-                    <a:lumMod val="50000"/>
-                    <a:lumOff val="50000"/>
-                  </a:schemeClr>
-                </a:solidFill>
-              </a:rPr>
-              <a:t>uidhtml.com</a:t>
-            </a:r>
-            <a:endParaRPr lang="en-IN" dirty="0">
-              <a:solidFill>
-                <a:schemeClr val="tx1">
-                  <a:lumMod val="50000"/>
-                  <a:lumOff val="50000"/>
-                </a:schemeClr>
-              </a:solidFill>
-            </a:endParaRPr>
-          </a:p>
-        </p:txBody>
-      </p:sp>
-      <p:sp>
-        <p:nvSpPr>
           <p:cNvPr id="5" name="Scroll: Vertical 4">
             <a:extLst>
               <a:ext uri="{FF2B5EF4-FFF2-40B4-BE49-F238E27FC236}">
-                <a16:creationId xmlns:a16="http://schemas.microsoft.com/office/drawing/2014/main" xmlns="" id="{38EB993A-3F18-C6B7-226F-EDD62B4B31DB}"/>
+                <a16:creationId xmlns:a16="http://schemas.microsoft.com/office/drawing/2014/main" id="{38EB993A-3F18-C6B7-226F-EDD62B4B31DB}"/>
               </a:ext>
             </a:extLst>
           </p:cNvPr>
@@ -7601,10 +7423,227 @@
           </a:p>
         </p:txBody>
       </p:sp>
+      <p:sp>
+        <p:nvSpPr>
+          <p:cNvPr id="3" name="TextBox 2">
+            <a:extLst>
+              <a:ext uri="{FF2B5EF4-FFF2-40B4-BE49-F238E27FC236}">
+                <a16:creationId xmlns:a16="http://schemas.microsoft.com/office/drawing/2014/main" id="{97CE9E2B-4371-68F6-75AF-957039BA75DC}"/>
+              </a:ext>
+            </a:extLst>
+          </p:cNvPr>
+          <p:cNvSpPr txBox="1"/>
+          <p:nvPr/>
+        </p:nvSpPr>
+        <p:spPr>
+          <a:xfrm>
+            <a:off x="-1" y="6060338"/>
+            <a:ext cx="6271591" cy="369332"/>
+          </a:xfrm>
+          <a:prstGeom prst="rect">
+            <a:avLst/>
+          </a:prstGeom>
+          <a:noFill/>
+        </p:spPr>
+        <p:txBody>
+          <a:bodyPr wrap="square" rtlCol="0">
+            <a:spAutoFit/>
+          </a:bodyPr>
+          <a:lstStyle/>
+          <a:p>
+            <a:pPr algn="ctr"/>
+            <a:r>
+              <a:rPr lang="en-US" b="1" dirty="0"/>
+              <a:t>Gautam Kumar- </a:t>
+            </a:r>
+            <a:r>
+              <a:rPr lang="en-US" dirty="0">
+                <a:solidFill>
+                  <a:schemeClr val="tx1">
+                    <a:lumMod val="50000"/>
+                    <a:lumOff val="50000"/>
+                  </a:schemeClr>
+                </a:solidFill>
+              </a:rPr>
+              <a:t>uidhtml.com</a:t>
+            </a:r>
+            <a:endParaRPr lang="en-IN" dirty="0">
+              <a:solidFill>
+                <a:schemeClr val="tx1">
+                  <a:lumMod val="50000"/>
+                  <a:lumOff val="50000"/>
+                </a:schemeClr>
+              </a:solidFill>
+            </a:endParaRPr>
+          </a:p>
+        </p:txBody>
+      </p:sp>
+      <p:sp>
+        <p:nvSpPr>
+          <p:cNvPr id="7" name="Title 6">
+            <a:extLst>
+              <a:ext uri="{FF2B5EF4-FFF2-40B4-BE49-F238E27FC236}">
+                <a16:creationId xmlns:a16="http://schemas.microsoft.com/office/drawing/2014/main" id="{77434EED-AEE3-6743-9008-B43A222A1CE2}"/>
+              </a:ext>
+            </a:extLst>
+          </p:cNvPr>
+          <p:cNvSpPr>
+            <a:spLocks noGrp="1"/>
+          </p:cNvSpPr>
+          <p:nvPr>
+            <p:ph type="title"/>
+          </p:nvPr>
+        </p:nvSpPr>
+        <p:spPr/>
+        <p:txBody>
+          <a:bodyPr/>
+          <a:lstStyle/>
+          <a:p>
+            <a:endParaRPr lang="en-IN"/>
+          </a:p>
+        </p:txBody>
+      </p:sp>
+      <p:sp>
+        <p:nvSpPr>
+          <p:cNvPr id="10" name="Title 1">
+            <a:extLst>
+              <a:ext uri="{FF2B5EF4-FFF2-40B4-BE49-F238E27FC236}">
+                <a16:creationId xmlns:a16="http://schemas.microsoft.com/office/drawing/2014/main" id="{6D70E990-115A-D697-159B-C41288490798}"/>
+              </a:ext>
+            </a:extLst>
+          </p:cNvPr>
+          <p:cNvSpPr txBox="1">
+            <a:spLocks/>
+          </p:cNvSpPr>
+          <p:nvPr/>
+        </p:nvSpPr>
+        <p:spPr>
+          <a:xfrm>
+            <a:off x="0" y="1913287"/>
+            <a:ext cx="6271590" cy="3810095"/>
+          </a:xfrm>
+          <a:prstGeom prst="rect">
+            <a:avLst/>
+          </a:prstGeom>
+          <a:noFill/>
+        </p:spPr>
+        <p:txBody>
+          <a:bodyPr vert="horz" lIns="91440" tIns="45720" rIns="91440" bIns="45720" rtlCol="0" anchor="ctr">
+            <a:normAutofit/>
+          </a:bodyPr>
+          <a:lstStyle>
+            <a:lvl1pPr algn="l" defTabSz="457200" rtl="0" eaLnBrk="1" latinLnBrk="0" hangingPunct="1">
+              <a:spcBef>
+                <a:spcPct val="0"/>
+              </a:spcBef>
+              <a:buNone/>
+              <a:defRPr sz="3600" kern="1200">
+                <a:solidFill>
+                  <a:schemeClr val="accent1"/>
+                </a:solidFill>
+                <a:latin typeface="+mj-lt"/>
+                <a:ea typeface="+mj-ea"/>
+                <a:cs typeface="+mj-cs"/>
+              </a:defRPr>
+            </a:lvl1pPr>
+            <a:lvl2pPr eaLnBrk="1" hangingPunct="1">
+              <a:defRPr>
+                <a:solidFill>
+                  <a:schemeClr val="tx2"/>
+                </a:solidFill>
+              </a:defRPr>
+            </a:lvl2pPr>
+            <a:lvl3pPr eaLnBrk="1" hangingPunct="1">
+              <a:defRPr>
+                <a:solidFill>
+                  <a:schemeClr val="tx2"/>
+                </a:solidFill>
+              </a:defRPr>
+            </a:lvl3pPr>
+            <a:lvl4pPr eaLnBrk="1" hangingPunct="1">
+              <a:defRPr>
+                <a:solidFill>
+                  <a:schemeClr val="tx2"/>
+                </a:solidFill>
+              </a:defRPr>
+            </a:lvl4pPr>
+            <a:lvl5pPr eaLnBrk="1" hangingPunct="1">
+              <a:defRPr>
+                <a:solidFill>
+                  <a:schemeClr val="tx2"/>
+                </a:solidFill>
+              </a:defRPr>
+            </a:lvl5pPr>
+            <a:lvl6pPr eaLnBrk="1" hangingPunct="1">
+              <a:defRPr>
+                <a:solidFill>
+                  <a:schemeClr val="tx2"/>
+                </a:solidFill>
+              </a:defRPr>
+            </a:lvl6pPr>
+            <a:lvl7pPr eaLnBrk="1" hangingPunct="1">
+              <a:defRPr>
+                <a:solidFill>
+                  <a:schemeClr val="tx2"/>
+                </a:solidFill>
+              </a:defRPr>
+            </a:lvl7pPr>
+            <a:lvl8pPr eaLnBrk="1" hangingPunct="1">
+              <a:defRPr>
+                <a:solidFill>
+                  <a:schemeClr val="tx2"/>
+                </a:solidFill>
+              </a:defRPr>
+            </a:lvl8pPr>
+            <a:lvl9pPr eaLnBrk="1" hangingPunct="1">
+              <a:defRPr>
+                <a:solidFill>
+                  <a:schemeClr val="tx2"/>
+                </a:solidFill>
+              </a:defRPr>
+            </a:lvl9pPr>
+          </a:lstStyle>
+          <a:p>
+            <a:pPr algn="ctr"/>
+            <a:r>
+              <a:rPr lang="en-US" sz="7200" b="1" dirty="0">
+                <a:solidFill>
+                  <a:schemeClr val="tx1"/>
+                </a:solidFill>
+                <a:latin typeface="Barlow Condensed ExtraLight" panose="00000306000000000000" pitchFamily="2" charset="0"/>
+              </a:rPr>
+              <a:t>JavaScript</a:t>
+            </a:r>
+            <a:br>
+              <a:rPr lang="en-US" sz="7200" b="1" dirty="0">
+                <a:solidFill>
+                  <a:schemeClr val="tx1"/>
+                </a:solidFill>
+                <a:latin typeface="Barlow Black" panose="00000A00000000000000" pitchFamily="2" charset="0"/>
+              </a:rPr>
+            </a:br>
+            <a:r>
+              <a:rPr lang="en-US" sz="7200" b="1" dirty="0">
+                <a:solidFill>
+                  <a:schemeClr val="tx1"/>
+                </a:solidFill>
+                <a:latin typeface="Barlow Black" panose="00000A00000000000000" pitchFamily="2" charset="0"/>
+              </a:rPr>
+              <a:t>Chapter -2</a:t>
+            </a:r>
+            <a:endParaRPr lang="en-IN" b="1" dirty="0">
+              <a:solidFill>
+                <a:schemeClr val="tx1"/>
+              </a:solidFill>
+              <a:latin typeface="Barlow Black" panose="00000A00000000000000" pitchFamily="2" charset="0"/>
+            </a:endParaRPr>
+          </a:p>
+        </p:txBody>
+      </p:sp>
     </p:spTree>
     <p:extLst>
       <p:ext uri="{BB962C8B-B14F-4D97-AF65-F5344CB8AC3E}">
-        <p14:creationId xmlns:p14="http://schemas.microsoft.com/office/powerpoint/2010/main" xmlns="" val="3287175084"/>
+        <p14:creationId xmlns:p14="http://schemas.microsoft.com/office/powerpoint/2010/main" val="3287175084"/>
       </p:ext>
     </p:extLst>
   </p:cSld>
@@ -7622,7 +7661,7 @@
         <p:cNvPr id="1" name="">
           <a:extLst>
             <a:ext uri="{FF2B5EF4-FFF2-40B4-BE49-F238E27FC236}">
-              <a16:creationId xmlns:a16="http://schemas.microsoft.com/office/drawing/2014/main" xmlns="" id="{4586E9D7-F5F8-14CC-9DF6-FC4AF2EA4249}"/>
+              <a16:creationId xmlns:a16="http://schemas.microsoft.com/office/drawing/2014/main" id="{4586E9D7-F5F8-14CC-9DF6-FC4AF2EA4249}"/>
             </a:ext>
           </a:extLst>
         </p:cNvPr>
@@ -7642,7 +7681,7 @@
           <p:cNvPr id="2" name="Title 1">
             <a:extLst>
               <a:ext uri="{FF2B5EF4-FFF2-40B4-BE49-F238E27FC236}">
-                <a16:creationId xmlns:a16="http://schemas.microsoft.com/office/drawing/2014/main" xmlns="" id="{D8B67155-694F-FF61-7CDD-33A20A316215}"/>
+                <a16:creationId xmlns:a16="http://schemas.microsoft.com/office/drawing/2014/main" id="{D8B67155-694F-FF61-7CDD-33A20A316215}"/>
               </a:ext>
             </a:extLst>
           </p:cNvPr>
@@ -7680,7 +7719,7 @@
           <p:cNvPr id="3" name="Content Placeholder 2">
             <a:extLst>
               <a:ext uri="{FF2B5EF4-FFF2-40B4-BE49-F238E27FC236}">
-                <a16:creationId xmlns:a16="http://schemas.microsoft.com/office/drawing/2014/main" xmlns="" id="{2A53D2DA-721D-FC7E-8E09-BCBD844B6F9F}"/>
+                <a16:creationId xmlns:a16="http://schemas.microsoft.com/office/drawing/2014/main" id="{2A53D2DA-721D-FC7E-8E09-BCBD844B6F9F}"/>
               </a:ext>
             </a:extLst>
           </p:cNvPr>
@@ -7728,7 +7767,7 @@
           <p:cNvPr id="5" name="Ribbon: Curved and Tilted Down 4">
             <a:extLst>
               <a:ext uri="{FF2B5EF4-FFF2-40B4-BE49-F238E27FC236}">
-                <a16:creationId xmlns:a16="http://schemas.microsoft.com/office/drawing/2014/main" xmlns="" id="{3FA23525-E3EA-B8CB-FD6A-53084CA847A7}"/>
+                <a16:creationId xmlns:a16="http://schemas.microsoft.com/office/drawing/2014/main" id="{3FA23525-E3EA-B8CB-FD6A-53084CA847A7}"/>
               </a:ext>
             </a:extLst>
           </p:cNvPr>
@@ -7801,7 +7840,7 @@
           <p:cNvPr id="6" name="Scroll: Vertical 5">
             <a:extLst>
               <a:ext uri="{FF2B5EF4-FFF2-40B4-BE49-F238E27FC236}">
-                <a16:creationId xmlns:a16="http://schemas.microsoft.com/office/drawing/2014/main" xmlns="" id="{1A4C732A-2840-82C8-A359-298D925E33B3}"/>
+                <a16:creationId xmlns:a16="http://schemas.microsoft.com/office/drawing/2014/main" id="{1A4C732A-2840-82C8-A359-298D925E33B3}"/>
               </a:ext>
             </a:extLst>
           </p:cNvPr>
@@ -7991,7 +8030,7 @@
     </p:spTree>
     <p:extLst>
       <p:ext uri="{BB962C8B-B14F-4D97-AF65-F5344CB8AC3E}">
-        <p14:creationId xmlns:p14="http://schemas.microsoft.com/office/powerpoint/2010/main" xmlns="" val="3002471670"/>
+        <p14:creationId xmlns:p14="http://schemas.microsoft.com/office/powerpoint/2010/main" val="3002471670"/>
       </p:ext>
     </p:extLst>
   </p:cSld>
@@ -8009,7 +8048,7 @@
         <p:cNvPr id="1" name="">
           <a:extLst>
             <a:ext uri="{FF2B5EF4-FFF2-40B4-BE49-F238E27FC236}">
-              <a16:creationId xmlns:a16="http://schemas.microsoft.com/office/drawing/2014/main" xmlns="" id="{4586E9D7-F5F8-14CC-9DF6-FC4AF2EA4249}"/>
+              <a16:creationId xmlns:a16="http://schemas.microsoft.com/office/drawing/2014/main" id="{4586E9D7-F5F8-14CC-9DF6-FC4AF2EA4249}"/>
             </a:ext>
           </a:extLst>
         </p:cNvPr>
@@ -8029,7 +8068,7 @@
           <p:cNvPr id="2" name="Title 1">
             <a:extLst>
               <a:ext uri="{FF2B5EF4-FFF2-40B4-BE49-F238E27FC236}">
-                <a16:creationId xmlns:a16="http://schemas.microsoft.com/office/drawing/2014/main" xmlns="" id="{D8B67155-694F-FF61-7CDD-33A20A316215}"/>
+                <a16:creationId xmlns:a16="http://schemas.microsoft.com/office/drawing/2014/main" id="{D8B67155-694F-FF61-7CDD-33A20A316215}"/>
               </a:ext>
             </a:extLst>
           </p:cNvPr>
@@ -8067,7 +8106,7 @@
           <p:cNvPr id="3" name="Content Placeholder 2">
             <a:extLst>
               <a:ext uri="{FF2B5EF4-FFF2-40B4-BE49-F238E27FC236}">
-                <a16:creationId xmlns:a16="http://schemas.microsoft.com/office/drawing/2014/main" xmlns="" id="{2A53D2DA-721D-FC7E-8E09-BCBD844B6F9F}"/>
+                <a16:creationId xmlns:a16="http://schemas.microsoft.com/office/drawing/2014/main" id="{2A53D2DA-721D-FC7E-8E09-BCBD844B6F9F}"/>
               </a:ext>
             </a:extLst>
           </p:cNvPr>
@@ -8191,7 +8230,7 @@
           <p:cNvPr id="5" name="Ribbon: Curved and Tilted Down 4">
             <a:extLst>
               <a:ext uri="{FF2B5EF4-FFF2-40B4-BE49-F238E27FC236}">
-                <a16:creationId xmlns:a16="http://schemas.microsoft.com/office/drawing/2014/main" xmlns="" id="{3FA23525-E3EA-B8CB-FD6A-53084CA847A7}"/>
+                <a16:creationId xmlns:a16="http://schemas.microsoft.com/office/drawing/2014/main" id="{3FA23525-E3EA-B8CB-FD6A-53084CA847A7}"/>
               </a:ext>
             </a:extLst>
           </p:cNvPr>
@@ -8264,7 +8303,7 @@
           <p:cNvPr id="6" name="Scroll: Vertical 5">
             <a:extLst>
               <a:ext uri="{FF2B5EF4-FFF2-40B4-BE49-F238E27FC236}">
-                <a16:creationId xmlns:a16="http://schemas.microsoft.com/office/drawing/2014/main" xmlns="" id="{1A4C732A-2840-82C8-A359-298D925E33B3}"/>
+                <a16:creationId xmlns:a16="http://schemas.microsoft.com/office/drawing/2014/main" id="{1A4C732A-2840-82C8-A359-298D925E33B3}"/>
               </a:ext>
             </a:extLst>
           </p:cNvPr>
@@ -8454,7 +8493,7 @@
     </p:spTree>
     <p:extLst>
       <p:ext uri="{BB962C8B-B14F-4D97-AF65-F5344CB8AC3E}">
-        <p14:creationId xmlns:p14="http://schemas.microsoft.com/office/powerpoint/2010/main" xmlns="" val="3002471670"/>
+        <p14:creationId xmlns:p14="http://schemas.microsoft.com/office/powerpoint/2010/main" val="3002471670"/>
       </p:ext>
     </p:extLst>
   </p:cSld>
@@ -8472,7 +8511,7 @@
         <p:cNvPr id="1" name="">
           <a:extLst>
             <a:ext uri="{FF2B5EF4-FFF2-40B4-BE49-F238E27FC236}">
-              <a16:creationId xmlns:a16="http://schemas.microsoft.com/office/drawing/2014/main" xmlns="" id="{4586E9D7-F5F8-14CC-9DF6-FC4AF2EA4249}"/>
+              <a16:creationId xmlns:a16="http://schemas.microsoft.com/office/drawing/2014/main" id="{4586E9D7-F5F8-14CC-9DF6-FC4AF2EA4249}"/>
             </a:ext>
           </a:extLst>
         </p:cNvPr>
@@ -8492,7 +8531,7 @@
           <p:cNvPr id="2" name="Title 1">
             <a:extLst>
               <a:ext uri="{FF2B5EF4-FFF2-40B4-BE49-F238E27FC236}">
-                <a16:creationId xmlns:a16="http://schemas.microsoft.com/office/drawing/2014/main" xmlns="" id="{D8B67155-694F-FF61-7CDD-33A20A316215}"/>
+                <a16:creationId xmlns:a16="http://schemas.microsoft.com/office/drawing/2014/main" id="{D8B67155-694F-FF61-7CDD-33A20A316215}"/>
               </a:ext>
             </a:extLst>
           </p:cNvPr>
@@ -8530,7 +8569,7 @@
           <p:cNvPr id="3" name="Content Placeholder 2">
             <a:extLst>
               <a:ext uri="{FF2B5EF4-FFF2-40B4-BE49-F238E27FC236}">
-                <a16:creationId xmlns:a16="http://schemas.microsoft.com/office/drawing/2014/main" xmlns="" id="{2A53D2DA-721D-FC7E-8E09-BCBD844B6F9F}"/>
+                <a16:creationId xmlns:a16="http://schemas.microsoft.com/office/drawing/2014/main" id="{2A53D2DA-721D-FC7E-8E09-BCBD844B6F9F}"/>
               </a:ext>
             </a:extLst>
           </p:cNvPr>
@@ -8569,7 +8608,7 @@
           <p:cNvPr id="5" name="Ribbon: Curved and Tilted Down 4">
             <a:extLst>
               <a:ext uri="{FF2B5EF4-FFF2-40B4-BE49-F238E27FC236}">
-                <a16:creationId xmlns:a16="http://schemas.microsoft.com/office/drawing/2014/main" xmlns="" id="{3FA23525-E3EA-B8CB-FD6A-53084CA847A7}"/>
+                <a16:creationId xmlns:a16="http://schemas.microsoft.com/office/drawing/2014/main" id="{3FA23525-E3EA-B8CB-FD6A-53084CA847A7}"/>
               </a:ext>
             </a:extLst>
           </p:cNvPr>
@@ -8642,7 +8681,7 @@
           <p:cNvPr id="6" name="Scroll: Vertical 5">
             <a:extLst>
               <a:ext uri="{FF2B5EF4-FFF2-40B4-BE49-F238E27FC236}">
-                <a16:creationId xmlns:a16="http://schemas.microsoft.com/office/drawing/2014/main" xmlns="" id="{1A4C732A-2840-82C8-A359-298D925E33B3}"/>
+                <a16:creationId xmlns:a16="http://schemas.microsoft.com/office/drawing/2014/main" id="{1A4C732A-2840-82C8-A359-298D925E33B3}"/>
               </a:ext>
             </a:extLst>
           </p:cNvPr>
@@ -8865,7 +8904,7 @@
     </p:spTree>
     <p:extLst>
       <p:ext uri="{BB962C8B-B14F-4D97-AF65-F5344CB8AC3E}">
-        <p14:creationId xmlns:p14="http://schemas.microsoft.com/office/powerpoint/2010/main" xmlns="" val="3002471670"/>
+        <p14:creationId xmlns:p14="http://schemas.microsoft.com/office/powerpoint/2010/main" val="3002471670"/>
       </p:ext>
     </p:extLst>
   </p:cSld>
@@ -8883,7 +8922,7 @@
         <p:cNvPr id="1" name="">
           <a:extLst>
             <a:ext uri="{FF2B5EF4-FFF2-40B4-BE49-F238E27FC236}">
-              <a16:creationId xmlns:a16="http://schemas.microsoft.com/office/drawing/2014/main" xmlns="" id="{4586E9D7-F5F8-14CC-9DF6-FC4AF2EA4249}"/>
+              <a16:creationId xmlns:a16="http://schemas.microsoft.com/office/drawing/2014/main" id="{4586E9D7-F5F8-14CC-9DF6-FC4AF2EA4249}"/>
             </a:ext>
           </a:extLst>
         </p:cNvPr>
@@ -8903,7 +8942,7 @@
           <p:cNvPr id="2" name="Title 1">
             <a:extLst>
               <a:ext uri="{FF2B5EF4-FFF2-40B4-BE49-F238E27FC236}">
-                <a16:creationId xmlns:a16="http://schemas.microsoft.com/office/drawing/2014/main" xmlns="" id="{D8B67155-694F-FF61-7CDD-33A20A316215}"/>
+                <a16:creationId xmlns:a16="http://schemas.microsoft.com/office/drawing/2014/main" id="{D8B67155-694F-FF61-7CDD-33A20A316215}"/>
               </a:ext>
             </a:extLst>
           </p:cNvPr>
@@ -8941,7 +8980,7 @@
           <p:cNvPr id="3" name="Content Placeholder 2">
             <a:extLst>
               <a:ext uri="{FF2B5EF4-FFF2-40B4-BE49-F238E27FC236}">
-                <a16:creationId xmlns:a16="http://schemas.microsoft.com/office/drawing/2014/main" xmlns="" id="{2A53D2DA-721D-FC7E-8E09-BCBD844B6F9F}"/>
+                <a16:creationId xmlns:a16="http://schemas.microsoft.com/office/drawing/2014/main" id="{2A53D2DA-721D-FC7E-8E09-BCBD844B6F9F}"/>
               </a:ext>
             </a:extLst>
           </p:cNvPr>
@@ -9138,7 +9177,7 @@
           <p:cNvPr id="5" name="Ribbon: Curved and Tilted Down 4">
             <a:extLst>
               <a:ext uri="{FF2B5EF4-FFF2-40B4-BE49-F238E27FC236}">
-                <a16:creationId xmlns:a16="http://schemas.microsoft.com/office/drawing/2014/main" xmlns="" id="{3FA23525-E3EA-B8CB-FD6A-53084CA847A7}"/>
+                <a16:creationId xmlns:a16="http://schemas.microsoft.com/office/drawing/2014/main" id="{3FA23525-E3EA-B8CB-FD6A-53084CA847A7}"/>
               </a:ext>
             </a:extLst>
           </p:cNvPr>
@@ -9211,7 +9250,7 @@
           <p:cNvPr id="6" name="Scroll: Vertical 5">
             <a:extLst>
               <a:ext uri="{FF2B5EF4-FFF2-40B4-BE49-F238E27FC236}">
-                <a16:creationId xmlns:a16="http://schemas.microsoft.com/office/drawing/2014/main" xmlns="" id="{1A4C732A-2840-82C8-A359-298D925E33B3}"/>
+                <a16:creationId xmlns:a16="http://schemas.microsoft.com/office/drawing/2014/main" id="{1A4C732A-2840-82C8-A359-298D925E33B3}"/>
               </a:ext>
             </a:extLst>
           </p:cNvPr>
@@ -9401,7 +9440,7 @@
     </p:spTree>
     <p:extLst>
       <p:ext uri="{BB962C8B-B14F-4D97-AF65-F5344CB8AC3E}">
-        <p14:creationId xmlns:p14="http://schemas.microsoft.com/office/powerpoint/2010/main" xmlns="" val="3002471670"/>
+        <p14:creationId xmlns:p14="http://schemas.microsoft.com/office/powerpoint/2010/main" val="3002471670"/>
       </p:ext>
     </p:extLst>
   </p:cSld>
@@ -9433,7 +9472,7 @@
           <p:cNvPr id="9" name="Explosion: 14 Points 8">
             <a:extLst>
               <a:ext uri="{FF2B5EF4-FFF2-40B4-BE49-F238E27FC236}">
-                <a16:creationId xmlns:a16="http://schemas.microsoft.com/office/drawing/2014/main" xmlns="" id="{0A2CD68B-7A56-F86D-8B6F-4A8BF99B4C9E}"/>
+                <a16:creationId xmlns:a16="http://schemas.microsoft.com/office/drawing/2014/main" id="{0A2CD68B-7A56-F86D-8B6F-4A8BF99B4C9E}"/>
               </a:ext>
             </a:extLst>
           </p:cNvPr>
@@ -9488,7 +9527,7 @@
           <p:cNvPr id="2" name="Title 1">
             <a:extLst>
               <a:ext uri="{FF2B5EF4-FFF2-40B4-BE49-F238E27FC236}">
-                <a16:creationId xmlns:a16="http://schemas.microsoft.com/office/drawing/2014/main" xmlns="" id="{62BB4F8D-44B7-9866-F7B2-6375CB902974}"/>
+                <a16:creationId xmlns:a16="http://schemas.microsoft.com/office/drawing/2014/main" id="{62BB4F8D-44B7-9866-F7B2-6375CB902974}"/>
               </a:ext>
             </a:extLst>
           </p:cNvPr>
@@ -9501,14 +9540,14 @@
         </p:nvSpPr>
         <p:spPr>
           <a:xfrm>
-            <a:off x="1131736" y="1913287"/>
-            <a:ext cx="4809066" cy="3810095"/>
+            <a:off x="-1" y="1913287"/>
+            <a:ext cx="6244059" cy="3810095"/>
           </a:xfrm>
           <a:noFill/>
         </p:spPr>
         <p:txBody>
           <a:bodyPr anchor="ctr">
-            <a:normAutofit fontScale="90000"/>
+            <a:normAutofit/>
           </a:bodyPr>
           <a:lstStyle/>
           <a:p>
@@ -9521,15 +9560,6 @@
                 <a:latin typeface="Barlow Condensed ExtraLight" panose="00000306000000000000" pitchFamily="2" charset="0"/>
               </a:rPr>
               <a:t>JavaScript</a:t>
-            </a:r>
-            <a:r>
-              <a:rPr lang="en-US" sz="7200" b="1" dirty="0">
-                <a:solidFill>
-                  <a:schemeClr val="tx1"/>
-                </a:solidFill>
-                <a:latin typeface="Barlow Black" panose="00000A00000000000000" pitchFamily="2" charset="0"/>
-              </a:rPr>
-              <a:t/>
             </a:r>
             <a:br>
               <a:rPr lang="en-US" sz="7200" b="1" dirty="0">
@@ -9606,7 +9636,7 @@
           <p:cNvPr id="4" name="Ribbon: Curved and Tilted Down 3">
             <a:extLst>
               <a:ext uri="{FF2B5EF4-FFF2-40B4-BE49-F238E27FC236}">
-                <a16:creationId xmlns:a16="http://schemas.microsoft.com/office/drawing/2014/main" xmlns="" id="{909DBECF-689C-9AA7-1649-9166A578EDF9}"/>
+                <a16:creationId xmlns:a16="http://schemas.microsoft.com/office/drawing/2014/main" id="{909DBECF-689C-9AA7-1649-9166A578EDF9}"/>
               </a:ext>
             </a:extLst>
           </p:cNvPr>
@@ -9673,7 +9703,7 @@
           <p:cNvPr id="5" name="Scroll: Vertical 4">
             <a:extLst>
               <a:ext uri="{FF2B5EF4-FFF2-40B4-BE49-F238E27FC236}">
-                <a16:creationId xmlns:a16="http://schemas.microsoft.com/office/drawing/2014/main" xmlns="" id="{38EB993A-3F18-C6B7-226F-EDD62B4B31DB}"/>
+                <a16:creationId xmlns:a16="http://schemas.microsoft.com/office/drawing/2014/main" id="{38EB993A-3F18-C6B7-226F-EDD62B4B31DB}"/>
               </a:ext>
             </a:extLst>
           </p:cNvPr>
@@ -10082,10 +10112,10 @@
       </p:sp>
       <p:sp>
         <p:nvSpPr>
-          <p:cNvPr id="8" name="TextBox 7">
+          <p:cNvPr id="3" name="TextBox 2">
             <a:extLst>
               <a:ext uri="{FF2B5EF4-FFF2-40B4-BE49-F238E27FC236}">
-                <a16:creationId xmlns:a16="http://schemas.microsoft.com/office/drawing/2014/main" xmlns="" id="{6E6F1672-8C91-3FA6-CB80-58FD68172333}"/>
+                <a16:creationId xmlns:a16="http://schemas.microsoft.com/office/drawing/2014/main" id="{17C06F8A-D1E5-957B-796C-892968B95A50}"/>
               </a:ext>
             </a:extLst>
           </p:cNvPr>
@@ -10094,18 +10124,13 @@
         </p:nvSpPr>
         <p:spPr>
           <a:xfrm>
-            <a:off x="1719470" y="5842623"/>
-            <a:ext cx="3842170" cy="369332"/>
+            <a:off x="-1" y="6060338"/>
+            <a:ext cx="6271591" cy="369332"/>
           </a:xfrm>
           <a:prstGeom prst="rect">
             <a:avLst/>
           </a:prstGeom>
-          <a:solidFill>
-            <a:schemeClr val="bg1">
-              <a:lumMod val="75000"/>
-              <a:lumOff val="25000"/>
-            </a:schemeClr>
-          </a:solidFill>
+          <a:noFill/>
         </p:spPr>
         <p:txBody>
           <a:bodyPr wrap="square" rtlCol="0">
@@ -10143,7 +10168,7 @@
     </p:spTree>
     <p:extLst>
       <p:ext uri="{BB962C8B-B14F-4D97-AF65-F5344CB8AC3E}">
-        <p14:creationId xmlns:p14="http://schemas.microsoft.com/office/powerpoint/2010/main" xmlns="" val="3287175084"/>
+        <p14:creationId xmlns:p14="http://schemas.microsoft.com/office/powerpoint/2010/main" val="3287175084"/>
       </p:ext>
     </p:extLst>
   </p:cSld>
@@ -10175,7 +10200,7 @@
           <p:cNvPr id="9" name="Explosion: 14 Points 8">
             <a:extLst>
               <a:ext uri="{FF2B5EF4-FFF2-40B4-BE49-F238E27FC236}">
-                <a16:creationId xmlns:a16="http://schemas.microsoft.com/office/drawing/2014/main" xmlns="" id="{0A2CD68B-7A56-F86D-8B6F-4A8BF99B4C9E}"/>
+                <a16:creationId xmlns:a16="http://schemas.microsoft.com/office/drawing/2014/main" id="{0A2CD68B-7A56-F86D-8B6F-4A8BF99B4C9E}"/>
               </a:ext>
             </a:extLst>
           </p:cNvPr>
@@ -10230,7 +10255,7 @@
           <p:cNvPr id="2" name="Title 1">
             <a:extLst>
               <a:ext uri="{FF2B5EF4-FFF2-40B4-BE49-F238E27FC236}">
-                <a16:creationId xmlns:a16="http://schemas.microsoft.com/office/drawing/2014/main" xmlns="" id="{62BB4F8D-44B7-9866-F7B2-6375CB902974}"/>
+                <a16:creationId xmlns:a16="http://schemas.microsoft.com/office/drawing/2014/main" id="{62BB4F8D-44B7-9866-F7B2-6375CB902974}"/>
               </a:ext>
             </a:extLst>
           </p:cNvPr>
@@ -10243,8 +10268,8 @@
         </p:nvSpPr>
         <p:spPr>
           <a:xfrm>
-            <a:off x="775063" y="1913287"/>
-            <a:ext cx="5165739" cy="3810095"/>
+            <a:off x="1" y="1913287"/>
+            <a:ext cx="6244058" cy="3810095"/>
           </a:xfrm>
           <a:noFill/>
         </p:spPr>
@@ -10263,15 +10288,6 @@
                 <a:latin typeface="Barlow Condensed ExtraLight" panose="00000306000000000000" pitchFamily="2" charset="0"/>
               </a:rPr>
               <a:t>JavaScript</a:t>
-            </a:r>
-            <a:r>
-              <a:rPr lang="en-US" sz="7200" b="1" dirty="0">
-                <a:solidFill>
-                  <a:schemeClr val="tx1"/>
-                </a:solidFill>
-                <a:latin typeface="Barlow Black" panose="00000A00000000000000" pitchFamily="2" charset="0"/>
-              </a:rPr>
-              <a:t/>
             </a:r>
             <a:br>
               <a:rPr lang="en-US" sz="7200" b="1" dirty="0">
@@ -10351,7 +10367,7 @@
           <p:cNvPr id="4" name="Ribbon: Curved and Tilted Down 3">
             <a:extLst>
               <a:ext uri="{FF2B5EF4-FFF2-40B4-BE49-F238E27FC236}">
-                <a16:creationId xmlns:a16="http://schemas.microsoft.com/office/drawing/2014/main" xmlns="" id="{909DBECF-689C-9AA7-1649-9166A578EDF9}"/>
+                <a16:creationId xmlns:a16="http://schemas.microsoft.com/office/drawing/2014/main" id="{909DBECF-689C-9AA7-1649-9166A578EDF9}"/>
               </a:ext>
             </a:extLst>
           </p:cNvPr>
@@ -10415,70 +10431,10 @@
       </p:sp>
       <p:sp>
         <p:nvSpPr>
-          <p:cNvPr id="8" name="TextBox 7">
-            <a:extLst>
-              <a:ext uri="{FF2B5EF4-FFF2-40B4-BE49-F238E27FC236}">
-                <a16:creationId xmlns:a16="http://schemas.microsoft.com/office/drawing/2014/main" xmlns="" id="{6E6F1672-8C91-3FA6-CB80-58FD68172333}"/>
-              </a:ext>
-            </a:extLst>
-          </p:cNvPr>
-          <p:cNvSpPr txBox="1"/>
-          <p:nvPr/>
-        </p:nvSpPr>
-        <p:spPr>
-          <a:xfrm>
-            <a:off x="1884932" y="6060338"/>
-            <a:ext cx="3842170" cy="369332"/>
-          </a:xfrm>
-          <a:prstGeom prst="rect">
-            <a:avLst/>
-          </a:prstGeom>
-          <a:solidFill>
-            <a:schemeClr val="bg1">
-              <a:lumMod val="75000"/>
-              <a:lumOff val="25000"/>
-            </a:schemeClr>
-          </a:solidFill>
-        </p:spPr>
-        <p:txBody>
-          <a:bodyPr wrap="square" rtlCol="0">
-            <a:spAutoFit/>
-          </a:bodyPr>
-          <a:lstStyle/>
-          <a:p>
-            <a:pPr algn="ctr"/>
-            <a:r>
-              <a:rPr lang="en-US" b="1" dirty="0"/>
-              <a:t>Gautam Kumar- </a:t>
-            </a:r>
-            <a:r>
-              <a:rPr lang="en-US" dirty="0">
-                <a:solidFill>
-                  <a:schemeClr val="tx1">
-                    <a:lumMod val="50000"/>
-                    <a:lumOff val="50000"/>
-                  </a:schemeClr>
-                </a:solidFill>
-              </a:rPr>
-              <a:t>uidhtml.com</a:t>
-            </a:r>
-            <a:endParaRPr lang="en-IN" dirty="0">
-              <a:solidFill>
-                <a:schemeClr val="tx1">
-                  <a:lumMod val="50000"/>
-                  <a:lumOff val="50000"/>
-                </a:schemeClr>
-              </a:solidFill>
-            </a:endParaRPr>
-          </a:p>
-        </p:txBody>
-      </p:sp>
-      <p:sp>
-        <p:nvSpPr>
           <p:cNvPr id="5" name="Scroll: Vertical 4">
             <a:extLst>
               <a:ext uri="{FF2B5EF4-FFF2-40B4-BE49-F238E27FC236}">
-                <a16:creationId xmlns:a16="http://schemas.microsoft.com/office/drawing/2014/main" xmlns="" id="{38EB993A-3F18-C6B7-226F-EDD62B4B31DB}"/>
+                <a16:creationId xmlns:a16="http://schemas.microsoft.com/office/drawing/2014/main" id="{38EB993A-3F18-C6B7-226F-EDD62B4B31DB}"/>
               </a:ext>
             </a:extLst>
           </p:cNvPr>
@@ -10597,10 +10553,65 @@
           </a:p>
         </p:txBody>
       </p:sp>
+      <p:sp>
+        <p:nvSpPr>
+          <p:cNvPr id="3" name="TextBox 2">
+            <a:extLst>
+              <a:ext uri="{FF2B5EF4-FFF2-40B4-BE49-F238E27FC236}">
+                <a16:creationId xmlns:a16="http://schemas.microsoft.com/office/drawing/2014/main" id="{3D319B42-23F8-5263-DE6F-22326C838292}"/>
+              </a:ext>
+            </a:extLst>
+          </p:cNvPr>
+          <p:cNvSpPr txBox="1"/>
+          <p:nvPr/>
+        </p:nvSpPr>
+        <p:spPr>
+          <a:xfrm>
+            <a:off x="-1" y="6060338"/>
+            <a:ext cx="6271591" cy="369332"/>
+          </a:xfrm>
+          <a:prstGeom prst="rect">
+            <a:avLst/>
+          </a:prstGeom>
+          <a:noFill/>
+        </p:spPr>
+        <p:txBody>
+          <a:bodyPr wrap="square" rtlCol="0">
+            <a:spAutoFit/>
+          </a:bodyPr>
+          <a:lstStyle/>
+          <a:p>
+            <a:pPr algn="ctr"/>
+            <a:r>
+              <a:rPr lang="en-US" b="1" dirty="0"/>
+              <a:t>Gautam Kumar- </a:t>
+            </a:r>
+            <a:r>
+              <a:rPr lang="en-US" dirty="0">
+                <a:solidFill>
+                  <a:schemeClr val="tx1">
+                    <a:lumMod val="50000"/>
+                    <a:lumOff val="50000"/>
+                  </a:schemeClr>
+                </a:solidFill>
+              </a:rPr>
+              <a:t>uidhtml.com</a:t>
+            </a:r>
+            <a:endParaRPr lang="en-IN" dirty="0">
+              <a:solidFill>
+                <a:schemeClr val="tx1">
+                  <a:lumMod val="50000"/>
+                  <a:lumOff val="50000"/>
+                </a:schemeClr>
+              </a:solidFill>
+            </a:endParaRPr>
+          </a:p>
+        </p:txBody>
+      </p:sp>
     </p:spTree>
     <p:extLst>
       <p:ext uri="{BB962C8B-B14F-4D97-AF65-F5344CB8AC3E}">
-        <p14:creationId xmlns:p14="http://schemas.microsoft.com/office/powerpoint/2010/main" xmlns="" val="3287175084"/>
+        <p14:creationId xmlns:p14="http://schemas.microsoft.com/office/powerpoint/2010/main" val="3287175084"/>
       </p:ext>
     </p:extLst>
   </p:cSld>
@@ -10618,7 +10629,7 @@
         <p:cNvPr id="1" name="">
           <a:extLst>
             <a:ext uri="{FF2B5EF4-FFF2-40B4-BE49-F238E27FC236}">
-              <a16:creationId xmlns:a16="http://schemas.microsoft.com/office/drawing/2014/main" xmlns="" id="{C5637B91-7316-D738-42FD-B6F1CC38AB90}"/>
+              <a16:creationId xmlns:a16="http://schemas.microsoft.com/office/drawing/2014/main" id="{C5637B91-7316-D738-42FD-B6F1CC38AB90}"/>
             </a:ext>
           </a:extLst>
         </p:cNvPr>
@@ -10638,7 +10649,7 @@
           <p:cNvPr id="2" name="Title 1">
             <a:extLst>
               <a:ext uri="{FF2B5EF4-FFF2-40B4-BE49-F238E27FC236}">
-                <a16:creationId xmlns:a16="http://schemas.microsoft.com/office/drawing/2014/main" xmlns="" id="{0BB42E27-7C22-C4E2-3B23-3F7F20980B00}"/>
+                <a16:creationId xmlns:a16="http://schemas.microsoft.com/office/drawing/2014/main" id="{0BB42E27-7C22-C4E2-3B23-3F7F20980B00}"/>
               </a:ext>
             </a:extLst>
           </p:cNvPr>
@@ -10676,7 +10687,7 @@
           <p:cNvPr id="3" name="Content Placeholder 2">
             <a:extLst>
               <a:ext uri="{FF2B5EF4-FFF2-40B4-BE49-F238E27FC236}">
-                <a16:creationId xmlns:a16="http://schemas.microsoft.com/office/drawing/2014/main" xmlns="" id="{514ACDD6-0D2B-0B03-F18B-91318DCF7D9A}"/>
+                <a16:creationId xmlns:a16="http://schemas.microsoft.com/office/drawing/2014/main" id="{514ACDD6-0D2B-0B03-F18B-91318DCF7D9A}"/>
               </a:ext>
             </a:extLst>
           </p:cNvPr>
@@ -10710,17 +10721,9 @@
               </a:rPr>
               <a:t>Single line comment</a:t>
             </a:r>
-            <a:r>
-              <a:rPr lang="en-US" sz="2000" dirty="0"/>
-              <a:t/>
-            </a:r>
             <a:br>
               <a:rPr lang="en-US" sz="2000" dirty="0"/>
             </a:br>
-            <a:r>
-              <a:rPr lang="en-US" sz="2000" dirty="0"/>
-              <a:t/>
-            </a:r>
             <a:br>
               <a:rPr lang="en-US" sz="2000" dirty="0"/>
             </a:br>
@@ -10758,14 +10761,6 @@
                 </a:solidFill>
               </a:rPr>
             </a:br>
-            <a:r>
-              <a:rPr lang="en-US" sz="2000" dirty="0">
-                <a:solidFill>
-                  <a:schemeClr val="tx1"/>
-                </a:solidFill>
-              </a:rPr>
-              <a:t/>
-            </a:r>
             <a:br>
               <a:rPr lang="en-US" sz="2000" dirty="0">
                 <a:solidFill>
@@ -10791,10 +10786,6 @@
               </a:rPr>
               <a:t>Inline comment</a:t>
             </a:r>
-            <a:r>
-              <a:rPr lang="en-US" sz="2000" dirty="0"/>
-              <a:t/>
-            </a:r>
             <a:br>
               <a:rPr lang="en-US" sz="2000" dirty="0"/>
             </a:br>
@@ -10821,16 +10812,6 @@
                 </a:solidFill>
               </a:rPr>
             </a:br>
-            <a:r>
-              <a:rPr lang="en-US" sz="2000" dirty="0">
-                <a:solidFill>
-                  <a:schemeClr val="tx1">
-                    <a:lumMod val="50000"/>
-                  </a:schemeClr>
-                </a:solidFill>
-              </a:rPr>
-              <a:t/>
-            </a:r>
             <a:br>
               <a:rPr lang="en-US" sz="2000" dirty="0">
                 <a:solidFill>
@@ -10860,10 +10841,6 @@
               </a:rPr>
               <a:t>Multiline comment</a:t>
             </a:r>
-            <a:r>
-              <a:rPr lang="en-US" sz="2000" dirty="0"/>
-              <a:t/>
-            </a:r>
             <a:br>
               <a:rPr lang="en-US" sz="2000" dirty="0"/>
             </a:br>
@@ -10978,7 +10955,7 @@
           <p:cNvPr id="5" name="Ribbon: Curved and Tilted Down 4">
             <a:extLst>
               <a:ext uri="{FF2B5EF4-FFF2-40B4-BE49-F238E27FC236}">
-                <a16:creationId xmlns:a16="http://schemas.microsoft.com/office/drawing/2014/main" xmlns="" id="{D1D7DB93-DBF3-0DF0-3533-AC1786837990}"/>
+                <a16:creationId xmlns:a16="http://schemas.microsoft.com/office/drawing/2014/main" id="{D1D7DB93-DBF3-0DF0-3533-AC1786837990}"/>
               </a:ext>
             </a:extLst>
           </p:cNvPr>
@@ -11051,7 +11028,7 @@
           <p:cNvPr id="6" name="Scroll: Vertical 5">
             <a:extLst>
               <a:ext uri="{FF2B5EF4-FFF2-40B4-BE49-F238E27FC236}">
-                <a16:creationId xmlns:a16="http://schemas.microsoft.com/office/drawing/2014/main" xmlns="" id="{4B810CE8-F172-ABEF-9B5B-F6C6A3F4D513}"/>
+                <a16:creationId xmlns:a16="http://schemas.microsoft.com/office/drawing/2014/main" id="{4B810CE8-F172-ABEF-9B5B-F6C6A3F4D513}"/>
               </a:ext>
             </a:extLst>
           </p:cNvPr>
@@ -11177,7 +11154,7 @@
           <p:cNvPr id="7" name="TextBox 6">
             <a:extLst>
               <a:ext uri="{FF2B5EF4-FFF2-40B4-BE49-F238E27FC236}">
-                <a16:creationId xmlns:a16="http://schemas.microsoft.com/office/drawing/2014/main" xmlns="" id="{7C7A2712-C9B9-958D-594C-39F36B75B90A}"/>
+                <a16:creationId xmlns:a16="http://schemas.microsoft.com/office/drawing/2014/main" id="{7C7A2712-C9B9-958D-594C-39F36B75B90A}"/>
               </a:ext>
             </a:extLst>
           </p:cNvPr>
@@ -11227,7 +11204,7 @@
     </p:spTree>
     <p:extLst>
       <p:ext uri="{BB962C8B-B14F-4D97-AF65-F5344CB8AC3E}">
-        <p14:creationId xmlns:p14="http://schemas.microsoft.com/office/powerpoint/2010/main" xmlns="" val="693676810"/>
+        <p14:creationId xmlns:p14="http://schemas.microsoft.com/office/powerpoint/2010/main" val="693676810"/>
       </p:ext>
     </p:extLst>
   </p:cSld>
@@ -11259,7 +11236,7 @@
           <p:cNvPr id="9" name="Explosion: 14 Points 8">
             <a:extLst>
               <a:ext uri="{FF2B5EF4-FFF2-40B4-BE49-F238E27FC236}">
-                <a16:creationId xmlns:a16="http://schemas.microsoft.com/office/drawing/2014/main" xmlns="" id="{0A2CD68B-7A56-F86D-8B6F-4A8BF99B4C9E}"/>
+                <a16:creationId xmlns:a16="http://schemas.microsoft.com/office/drawing/2014/main" id="{0A2CD68B-7A56-F86D-8B6F-4A8BF99B4C9E}"/>
               </a:ext>
             </a:extLst>
           </p:cNvPr>
@@ -11314,7 +11291,7 @@
           <p:cNvPr id="2" name="Title 1">
             <a:extLst>
               <a:ext uri="{FF2B5EF4-FFF2-40B4-BE49-F238E27FC236}">
-                <a16:creationId xmlns:a16="http://schemas.microsoft.com/office/drawing/2014/main" xmlns="" id="{62BB4F8D-44B7-9866-F7B2-6375CB902974}"/>
+                <a16:creationId xmlns:a16="http://schemas.microsoft.com/office/drawing/2014/main" id="{62BB4F8D-44B7-9866-F7B2-6375CB902974}"/>
               </a:ext>
             </a:extLst>
           </p:cNvPr>
@@ -11327,8 +11304,8 @@
         </p:nvSpPr>
         <p:spPr>
           <a:xfrm>
-            <a:off x="1131736" y="1913287"/>
-            <a:ext cx="4809066" cy="3810095"/>
+            <a:off x="0" y="1913287"/>
+            <a:ext cx="6271590" cy="3810095"/>
           </a:xfrm>
           <a:noFill/>
         </p:spPr>
@@ -11347,15 +11324,6 @@
                 <a:latin typeface="Barlow Condensed ExtraLight" panose="00000306000000000000" pitchFamily="2" charset="0"/>
               </a:rPr>
               <a:t>JavaScript</a:t>
-            </a:r>
-            <a:r>
-              <a:rPr lang="en-US" sz="7200" b="1" dirty="0">
-                <a:solidFill>
-                  <a:schemeClr val="tx1"/>
-                </a:solidFill>
-                <a:latin typeface="Barlow Black" panose="00000A00000000000000" pitchFamily="2" charset="0"/>
-              </a:rPr>
-              <a:t/>
             </a:r>
             <a:br>
               <a:rPr lang="en-US" sz="7200" b="1" dirty="0">
@@ -11388,7 +11356,7 @@
           <p:cNvPr id="4" name="Ribbon: Curved and Tilted Down 3">
             <a:extLst>
               <a:ext uri="{FF2B5EF4-FFF2-40B4-BE49-F238E27FC236}">
-                <a16:creationId xmlns:a16="http://schemas.microsoft.com/office/drawing/2014/main" xmlns="" id="{909DBECF-689C-9AA7-1649-9166A578EDF9}"/>
+                <a16:creationId xmlns:a16="http://schemas.microsoft.com/office/drawing/2014/main" id="{909DBECF-689C-9AA7-1649-9166A578EDF9}"/>
               </a:ext>
             </a:extLst>
           </p:cNvPr>
@@ -11455,7 +11423,7 @@
           <p:cNvPr id="5" name="Scroll: Vertical 4">
             <a:extLst>
               <a:ext uri="{FF2B5EF4-FFF2-40B4-BE49-F238E27FC236}">
-                <a16:creationId xmlns:a16="http://schemas.microsoft.com/office/drawing/2014/main" xmlns="" id="{38EB993A-3F18-C6B7-226F-EDD62B4B31DB}"/>
+                <a16:creationId xmlns:a16="http://schemas.microsoft.com/office/drawing/2014/main" id="{38EB993A-3F18-C6B7-226F-EDD62B4B31DB}"/>
               </a:ext>
             </a:extLst>
           </p:cNvPr>
@@ -11712,10 +11680,10 @@
       </p:sp>
       <p:sp>
         <p:nvSpPr>
-          <p:cNvPr id="8" name="TextBox 7">
+          <p:cNvPr id="3" name="TextBox 2">
             <a:extLst>
               <a:ext uri="{FF2B5EF4-FFF2-40B4-BE49-F238E27FC236}">
-                <a16:creationId xmlns:a16="http://schemas.microsoft.com/office/drawing/2014/main" xmlns="" id="{6E6F1672-8C91-3FA6-CB80-58FD68172333}"/>
+                <a16:creationId xmlns:a16="http://schemas.microsoft.com/office/drawing/2014/main" id="{3BE32085-0497-60C5-6142-8DF6C2C12813}"/>
               </a:ext>
             </a:extLst>
           </p:cNvPr>
@@ -11724,18 +11692,13 @@
         </p:nvSpPr>
         <p:spPr>
           <a:xfrm>
-            <a:off x="1719470" y="5842623"/>
-            <a:ext cx="3842170" cy="369332"/>
+            <a:off x="-1" y="6060338"/>
+            <a:ext cx="6271591" cy="369332"/>
           </a:xfrm>
           <a:prstGeom prst="rect">
             <a:avLst/>
           </a:prstGeom>
-          <a:solidFill>
-            <a:schemeClr val="bg1">
-              <a:lumMod val="75000"/>
-              <a:lumOff val="25000"/>
-            </a:schemeClr>
-          </a:solidFill>
+          <a:noFill/>
         </p:spPr>
         <p:txBody>
           <a:bodyPr wrap="square" rtlCol="0">
@@ -11773,7 +11736,7 @@
     </p:spTree>
     <p:extLst>
       <p:ext uri="{BB962C8B-B14F-4D97-AF65-F5344CB8AC3E}">
-        <p14:creationId xmlns:p14="http://schemas.microsoft.com/office/powerpoint/2010/main" xmlns="" val="3287175084"/>
+        <p14:creationId xmlns:p14="http://schemas.microsoft.com/office/powerpoint/2010/main" val="3287175084"/>
       </p:ext>
     </p:extLst>
   </p:cSld>
@@ -11805,7 +11768,7 @@
           <p:cNvPr id="9" name="Explosion: 14 Points 8">
             <a:extLst>
               <a:ext uri="{FF2B5EF4-FFF2-40B4-BE49-F238E27FC236}">
-                <a16:creationId xmlns:a16="http://schemas.microsoft.com/office/drawing/2014/main" xmlns="" id="{0A2CD68B-7A56-F86D-8B6F-4A8BF99B4C9E}"/>
+                <a16:creationId xmlns:a16="http://schemas.microsoft.com/office/drawing/2014/main" id="{0A2CD68B-7A56-F86D-8B6F-4A8BF99B4C9E}"/>
               </a:ext>
             </a:extLst>
           </p:cNvPr>
@@ -11860,7 +11823,7 @@
           <p:cNvPr id="2" name="Title 1">
             <a:extLst>
               <a:ext uri="{FF2B5EF4-FFF2-40B4-BE49-F238E27FC236}">
-                <a16:creationId xmlns:a16="http://schemas.microsoft.com/office/drawing/2014/main" xmlns="" id="{62BB4F8D-44B7-9866-F7B2-6375CB902974}"/>
+                <a16:creationId xmlns:a16="http://schemas.microsoft.com/office/drawing/2014/main" id="{62BB4F8D-44B7-9866-F7B2-6375CB902974}"/>
               </a:ext>
             </a:extLst>
           </p:cNvPr>
@@ -11873,8 +11836,8 @@
         </p:nvSpPr>
         <p:spPr>
           <a:xfrm>
-            <a:off x="775063" y="1913287"/>
-            <a:ext cx="5165739" cy="3810095"/>
+            <a:off x="0" y="1913287"/>
+            <a:ext cx="6271589" cy="3810095"/>
           </a:xfrm>
           <a:noFill/>
         </p:spPr>
@@ -11893,15 +11856,6 @@
                 <a:latin typeface="Barlow Condensed ExtraLight" panose="00000306000000000000" pitchFamily="2" charset="0"/>
               </a:rPr>
               <a:t>JavaScript</a:t>
-            </a:r>
-            <a:r>
-              <a:rPr lang="en-US" sz="7200" b="1" dirty="0">
-                <a:solidFill>
-                  <a:schemeClr val="tx1"/>
-                </a:solidFill>
-                <a:latin typeface="Barlow Black" panose="00000A00000000000000" pitchFamily="2" charset="0"/>
-              </a:rPr>
-              <a:t/>
             </a:r>
             <a:br>
               <a:rPr lang="en-US" sz="7200" b="1" dirty="0">
@@ -11981,7 +11935,7 @@
           <p:cNvPr id="4" name="Ribbon: Curved and Tilted Down 3">
             <a:extLst>
               <a:ext uri="{FF2B5EF4-FFF2-40B4-BE49-F238E27FC236}">
-                <a16:creationId xmlns:a16="http://schemas.microsoft.com/office/drawing/2014/main" xmlns="" id="{909DBECF-689C-9AA7-1649-9166A578EDF9}"/>
+                <a16:creationId xmlns:a16="http://schemas.microsoft.com/office/drawing/2014/main" id="{909DBECF-689C-9AA7-1649-9166A578EDF9}"/>
               </a:ext>
             </a:extLst>
           </p:cNvPr>
@@ -12048,7 +12002,7 @@
           <p:cNvPr id="8" name="TextBox 7">
             <a:extLst>
               <a:ext uri="{FF2B5EF4-FFF2-40B4-BE49-F238E27FC236}">
-                <a16:creationId xmlns:a16="http://schemas.microsoft.com/office/drawing/2014/main" xmlns="" id="{6E6F1672-8C91-3FA6-CB80-58FD68172333}"/>
+                <a16:creationId xmlns:a16="http://schemas.microsoft.com/office/drawing/2014/main" id="{6E6F1672-8C91-3FA6-CB80-58FD68172333}"/>
               </a:ext>
             </a:extLst>
           </p:cNvPr>
@@ -12057,18 +12011,13 @@
         </p:nvSpPr>
         <p:spPr>
           <a:xfrm>
-            <a:off x="1884932" y="6060338"/>
-            <a:ext cx="3842170" cy="369332"/>
+            <a:off x="-1" y="6060338"/>
+            <a:ext cx="6271591" cy="369332"/>
           </a:xfrm>
           <a:prstGeom prst="rect">
             <a:avLst/>
           </a:prstGeom>
-          <a:solidFill>
-            <a:schemeClr val="bg1">
-              <a:lumMod val="75000"/>
-              <a:lumOff val="25000"/>
-            </a:schemeClr>
-          </a:solidFill>
+          <a:noFill/>
         </p:spPr>
         <p:txBody>
           <a:bodyPr wrap="square" rtlCol="0">
@@ -12108,7 +12057,7 @@
           <p:cNvPr id="5" name="Scroll: Vertical 4">
             <a:extLst>
               <a:ext uri="{FF2B5EF4-FFF2-40B4-BE49-F238E27FC236}">
-                <a16:creationId xmlns:a16="http://schemas.microsoft.com/office/drawing/2014/main" xmlns="" id="{38EB993A-3F18-C6B7-226F-EDD62B4B31DB}"/>
+                <a16:creationId xmlns:a16="http://schemas.microsoft.com/office/drawing/2014/main" id="{38EB993A-3F18-C6B7-226F-EDD62B4B31DB}"/>
               </a:ext>
             </a:extLst>
           </p:cNvPr>
@@ -12175,7 +12124,7 @@
               <a:buChar char="o"/>
             </a:pPr>
             <a:r>
-              <a:rPr lang="en-US" sz="1600" dirty="0" smtClean="0">
+              <a:rPr lang="en-US" sz="1600" dirty="0">
                 <a:solidFill>
                   <a:schemeClr val="bg1"/>
                 </a:solidFill>
@@ -12183,7 +12132,7 @@
               <a:t>What are </a:t>
             </a:r>
             <a:r>
-              <a:rPr lang="en-US" sz="1600" dirty="0" err="1" smtClean="0">
+              <a:rPr lang="en-US" sz="1600" dirty="0" err="1">
                 <a:solidFill>
                   <a:schemeClr val="bg1"/>
                 </a:solidFill>
@@ -12191,7 +12140,7 @@
               <a:t>var</a:t>
             </a:r>
             <a:r>
-              <a:rPr lang="en-US" sz="1600" dirty="0" smtClean="0">
+              <a:rPr lang="en-US" sz="1600" dirty="0">
                 <a:solidFill>
                   <a:schemeClr val="bg1"/>
                 </a:solidFill>
@@ -12208,7 +12157,7 @@
               <a:buChar char="o"/>
             </a:pPr>
             <a:r>
-              <a:rPr lang="en-IN" sz="1600" dirty="0" smtClean="0">
+              <a:rPr lang="en-IN" sz="1600" dirty="0">
                 <a:solidFill>
                   <a:schemeClr val="bg1"/>
                 </a:solidFill>
@@ -12225,7 +12174,7 @@
               <a:buChar char="o"/>
             </a:pPr>
             <a:r>
-              <a:rPr lang="en-IN" sz="1600" dirty="0" smtClean="0">
+              <a:rPr lang="en-IN" sz="1600" dirty="0">
                 <a:solidFill>
                   <a:schemeClr val="bg1"/>
                 </a:solidFill>
@@ -12233,7 +12182,7 @@
               <a:t>Undefined </a:t>
             </a:r>
             <a:r>
-              <a:rPr lang="en-IN" sz="1600" dirty="0" err="1" smtClean="0">
+              <a:rPr lang="en-IN" sz="1600" dirty="0" err="1">
                 <a:solidFill>
                   <a:schemeClr val="bg1"/>
                 </a:solidFill>
@@ -12241,7 +12190,7 @@
               <a:t>vs</a:t>
             </a:r>
             <a:r>
-              <a:rPr lang="en-IN" sz="1600" dirty="0" smtClean="0">
+              <a:rPr lang="en-IN" sz="1600" dirty="0">
                 <a:solidFill>
                   <a:schemeClr val="bg1"/>
                 </a:solidFill>
@@ -12258,20 +12207,12 @@
               <a:buChar char="o"/>
             </a:pPr>
             <a:r>
-              <a:rPr lang="en-IN" sz="1600" dirty="0" smtClean="0">
+              <a:rPr lang="en-IN" sz="1600" dirty="0">
                 <a:solidFill>
                   <a:schemeClr val="bg1"/>
                 </a:solidFill>
               </a:rPr>
-              <a:t>Hoisting </a:t>
-            </a:r>
-            <a:r>
-              <a:rPr lang="en-IN" sz="1600" dirty="0" smtClean="0">
-                <a:solidFill>
-                  <a:schemeClr val="bg1"/>
-                </a:solidFill>
-              </a:rPr>
-              <a:t>arrow function</a:t>
+              <a:t>Hoisting arrow function</a:t>
             </a:r>
           </a:p>
           <a:p>
@@ -12283,25 +12224,20 @@
               <a:buChar char="o"/>
             </a:pPr>
             <a:r>
-              <a:rPr lang="en-IN" sz="1600" dirty="0" smtClean="0">
+              <a:rPr lang="en-IN" sz="1600" dirty="0">
                 <a:solidFill>
                   <a:schemeClr val="bg1"/>
                 </a:solidFill>
               </a:rPr>
               <a:t>What is the call stack and how it works</a:t>
             </a:r>
-            <a:endParaRPr lang="en-IN" sz="1600" dirty="0">
-              <a:solidFill>
-                <a:schemeClr val="bg1"/>
-              </a:solidFill>
-            </a:endParaRPr>
           </a:p>
         </p:txBody>
       </p:sp>
     </p:spTree>
     <p:extLst>
       <p:ext uri="{BB962C8B-B14F-4D97-AF65-F5344CB8AC3E}">
-        <p14:creationId xmlns:p14="http://schemas.microsoft.com/office/powerpoint/2010/main" xmlns="" val="3287175084"/>
+        <p14:creationId xmlns:p14="http://schemas.microsoft.com/office/powerpoint/2010/main" val="3287175084"/>
       </p:ext>
     </p:extLst>
   </p:cSld>
@@ -12319,7 +12255,7 @@
         <p:cNvPr id="1" name="">
           <a:extLst>
             <a:ext uri="{FF2B5EF4-FFF2-40B4-BE49-F238E27FC236}">
-              <a16:creationId xmlns:a16="http://schemas.microsoft.com/office/drawing/2014/main" xmlns="" id="{4586E9D7-F5F8-14CC-9DF6-FC4AF2EA4249}"/>
+              <a16:creationId xmlns:a16="http://schemas.microsoft.com/office/drawing/2014/main" id="{4586E9D7-F5F8-14CC-9DF6-FC4AF2EA4249}"/>
             </a:ext>
           </a:extLst>
         </p:cNvPr>
@@ -12339,7 +12275,7 @@
           <p:cNvPr id="2" name="Title 1">
             <a:extLst>
               <a:ext uri="{FF2B5EF4-FFF2-40B4-BE49-F238E27FC236}">
-                <a16:creationId xmlns:a16="http://schemas.microsoft.com/office/drawing/2014/main" xmlns="" id="{D8B67155-694F-FF61-7CDD-33A20A316215}"/>
+                <a16:creationId xmlns:a16="http://schemas.microsoft.com/office/drawing/2014/main" id="{D8B67155-694F-FF61-7CDD-33A20A316215}"/>
               </a:ext>
             </a:extLst>
           </p:cNvPr>
@@ -12367,41 +12303,26 @@
                 </a:solidFill>
                 <a:latin typeface="Bahnschrift SemiLight" pitchFamily="34" charset="0"/>
               </a:rPr>
-              <a:t>What </a:t>
-            </a:r>
-            <a:r>
-              <a:rPr lang="en-US" b="1" dirty="0" smtClean="0">
+              <a:t>What are </a:t>
+            </a:r>
+            <a:r>
+              <a:rPr lang="en-US" b="1" dirty="0" err="1">
                 <a:solidFill>
                   <a:schemeClr val="tx1"/>
                 </a:solidFill>
                 <a:latin typeface="Bahnschrift SemiLight" pitchFamily="34" charset="0"/>
               </a:rPr>
-              <a:t>are </a:t>
-            </a:r>
-            <a:r>
-              <a:rPr lang="en-US" b="1" dirty="0" err="1" smtClean="0">
+              <a:t>var</a:t>
+            </a:r>
+            <a:r>
+              <a:rPr lang="en-US" b="1" dirty="0">
                 <a:solidFill>
                   <a:schemeClr val="tx1"/>
                 </a:solidFill>
                 <a:latin typeface="Bahnschrift SemiLight" pitchFamily="34" charset="0"/>
               </a:rPr>
-              <a:t>var</a:t>
-            </a:r>
-            <a:r>
-              <a:rPr lang="en-US" b="1" dirty="0" smtClean="0">
-                <a:solidFill>
-                  <a:schemeClr val="tx1"/>
-                </a:solidFill>
-                <a:latin typeface="Bahnschrift SemiLight" pitchFamily="34" charset="0"/>
-              </a:rPr>
               <a:t>, let and const?</a:t>
             </a:r>
-            <a:endParaRPr lang="en-US" b="1" dirty="0">
-              <a:solidFill>
-                <a:schemeClr val="tx1"/>
-              </a:solidFill>
-              <a:latin typeface="Bahnschrift SemiLight" pitchFamily="34" charset="0"/>
-            </a:endParaRPr>
           </a:p>
         </p:txBody>
       </p:sp>
@@ -12410,7 +12331,7 @@
           <p:cNvPr id="3" name="Content Placeholder 2">
             <a:extLst>
               <a:ext uri="{FF2B5EF4-FFF2-40B4-BE49-F238E27FC236}">
-                <a16:creationId xmlns:a16="http://schemas.microsoft.com/office/drawing/2014/main" xmlns="" id="{2A53D2DA-721D-FC7E-8E09-BCBD844B6F9F}"/>
+                <a16:creationId xmlns:a16="http://schemas.microsoft.com/office/drawing/2014/main" id="{2A53D2DA-721D-FC7E-8E09-BCBD844B6F9F}"/>
               </a:ext>
             </a:extLst>
           </p:cNvPr>
@@ -12469,7 +12390,7 @@
           <p:cNvPr id="5" name="Ribbon: Curved and Tilted Down 4">
             <a:extLst>
               <a:ext uri="{FF2B5EF4-FFF2-40B4-BE49-F238E27FC236}">
-                <a16:creationId xmlns:a16="http://schemas.microsoft.com/office/drawing/2014/main" xmlns="" id="{3FA23525-E3EA-B8CB-FD6A-53084CA847A7}"/>
+                <a16:creationId xmlns:a16="http://schemas.microsoft.com/office/drawing/2014/main" id="{3FA23525-E3EA-B8CB-FD6A-53084CA847A7}"/>
               </a:ext>
             </a:extLst>
           </p:cNvPr>
@@ -12542,7 +12463,7 @@
           <p:cNvPr id="6" name="Scroll: Vertical 5">
             <a:extLst>
               <a:ext uri="{FF2B5EF4-FFF2-40B4-BE49-F238E27FC236}">
-                <a16:creationId xmlns:a16="http://schemas.microsoft.com/office/drawing/2014/main" xmlns="" id="{1A4C732A-2840-82C8-A359-298D925E33B3}"/>
+                <a16:creationId xmlns:a16="http://schemas.microsoft.com/office/drawing/2014/main" id="{1A4C732A-2840-82C8-A359-298D925E33B3}"/>
               </a:ext>
             </a:extLst>
           </p:cNvPr>
@@ -12636,15 +12557,7 @@
                   <a:schemeClr val="tx1"/>
                 </a:solidFill>
               </a:rPr>
-              <a:t>What is </a:t>
-            </a:r>
-            <a:r>
-              <a:rPr lang="en-IN" dirty="0" smtClean="0">
-                <a:solidFill>
-                  <a:schemeClr val="tx1"/>
-                </a:solidFill>
-              </a:rPr>
-              <a:t>Hoisting</a:t>
+              <a:t>What is Hoisting</a:t>
             </a:r>
           </a:p>
           <a:p>
@@ -12656,7 +12569,7 @@
               <a:buChar char="o"/>
             </a:pPr>
             <a:r>
-              <a:rPr lang="en-IN" dirty="0" smtClean="0">
+              <a:rPr lang="en-IN" dirty="0">
                 <a:solidFill>
                   <a:schemeClr val="tx1"/>
                 </a:solidFill>
@@ -12664,7 +12577,7 @@
               <a:t>Undefined </a:t>
             </a:r>
             <a:r>
-              <a:rPr lang="en-IN" dirty="0" err="1" smtClean="0">
+              <a:rPr lang="en-IN" dirty="0" err="1">
                 <a:solidFill>
                   <a:schemeClr val="tx1"/>
                 </a:solidFill>
@@ -12672,7 +12585,7 @@
               <a:t>vs</a:t>
             </a:r>
             <a:r>
-              <a:rPr lang="en-IN" dirty="0" smtClean="0">
+              <a:rPr lang="en-IN" dirty="0">
                 <a:solidFill>
                   <a:schemeClr val="tx1"/>
                 </a:solidFill>
@@ -12689,7 +12602,7 @@
               <a:buChar char="o"/>
             </a:pPr>
             <a:r>
-              <a:rPr lang="en-IN" dirty="0" smtClean="0">
+              <a:rPr lang="en-IN" dirty="0">
                 <a:solidFill>
                   <a:schemeClr val="tx1"/>
                 </a:solidFill>
@@ -12706,18 +12619,13 @@
               <a:buChar char="o"/>
             </a:pPr>
             <a:r>
-              <a:rPr lang="en-IN" dirty="0" smtClean="0">
+              <a:rPr lang="en-IN" dirty="0">
                 <a:solidFill>
                   <a:schemeClr val="tx1"/>
                 </a:solidFill>
               </a:rPr>
               <a:t>What is the call stack and how it works</a:t>
             </a:r>
-            <a:endParaRPr lang="en-IN" dirty="0">
-              <a:solidFill>
-                <a:schemeClr val="tx1"/>
-              </a:solidFill>
-            </a:endParaRPr>
           </a:p>
         </p:txBody>
       </p:sp>
@@ -12796,7 +12704,7 @@
     </p:spTree>
     <p:extLst>
       <p:ext uri="{BB962C8B-B14F-4D97-AF65-F5344CB8AC3E}">
-        <p14:creationId xmlns:p14="http://schemas.microsoft.com/office/powerpoint/2010/main" xmlns="" val="3002471670"/>
+        <p14:creationId xmlns:p14="http://schemas.microsoft.com/office/powerpoint/2010/main" val="3002471670"/>
       </p:ext>
     </p:extLst>
   </p:cSld>
@@ -12814,7 +12722,7 @@
         <p:cNvPr id="1" name="">
           <a:extLst>
             <a:ext uri="{FF2B5EF4-FFF2-40B4-BE49-F238E27FC236}">
-              <a16:creationId xmlns:a16="http://schemas.microsoft.com/office/drawing/2014/main" xmlns="" id="{4586E9D7-F5F8-14CC-9DF6-FC4AF2EA4249}"/>
+              <a16:creationId xmlns:a16="http://schemas.microsoft.com/office/drawing/2014/main" id="{4586E9D7-F5F8-14CC-9DF6-FC4AF2EA4249}"/>
             </a:ext>
           </a:extLst>
         </p:cNvPr>
@@ -12834,7 +12742,7 @@
           <p:cNvPr id="2" name="Title 1">
             <a:extLst>
               <a:ext uri="{FF2B5EF4-FFF2-40B4-BE49-F238E27FC236}">
-                <a16:creationId xmlns:a16="http://schemas.microsoft.com/office/drawing/2014/main" xmlns="" id="{D8B67155-694F-FF61-7CDD-33A20A316215}"/>
+                <a16:creationId xmlns:a16="http://schemas.microsoft.com/office/drawing/2014/main" id="{D8B67155-694F-FF61-7CDD-33A20A316215}"/>
               </a:ext>
             </a:extLst>
           </p:cNvPr>
@@ -12856,38 +12764,23 @@
           <a:lstStyle/>
           <a:p>
             <a:r>
-              <a:rPr lang="en-US" b="1" dirty="0" err="1" smtClean="0">
+              <a:rPr lang="en-US" b="1" dirty="0" err="1">
                 <a:solidFill>
                   <a:schemeClr val="tx1"/>
                 </a:solidFill>
                 <a:latin typeface="Bahnschrift SemiLight" pitchFamily="34" charset="0"/>
               </a:rPr>
-              <a:t>v</a:t>
-            </a:r>
-            <a:r>
-              <a:rPr lang="en-US" b="1" dirty="0" err="1" smtClean="0">
+              <a:t>var</a:t>
+            </a:r>
+            <a:r>
+              <a:rPr lang="en-US" b="1" dirty="0">
                 <a:solidFill>
                   <a:schemeClr val="tx1"/>
                 </a:solidFill>
                 <a:latin typeface="Bahnschrift SemiLight" pitchFamily="34" charset="0"/>
               </a:rPr>
-              <a:t>ar</a:t>
-            </a:r>
-            <a:r>
-              <a:rPr lang="en-US" b="1" dirty="0" smtClean="0">
-                <a:solidFill>
-                  <a:schemeClr val="tx1"/>
-                </a:solidFill>
-                <a:latin typeface="Bahnschrift SemiLight" pitchFamily="34" charset="0"/>
-              </a:rPr>
               <a:t> and let on global scope</a:t>
             </a:r>
-            <a:endParaRPr lang="en-US" b="1" dirty="0">
-              <a:solidFill>
-                <a:schemeClr val="tx1"/>
-              </a:solidFill>
-              <a:latin typeface="Bahnschrift SemiLight" pitchFamily="34" charset="0"/>
-            </a:endParaRPr>
           </a:p>
         </p:txBody>
       </p:sp>
@@ -12896,7 +12789,7 @@
           <p:cNvPr id="3" name="Content Placeholder 2">
             <a:extLst>
               <a:ext uri="{FF2B5EF4-FFF2-40B4-BE49-F238E27FC236}">
-                <a16:creationId xmlns:a16="http://schemas.microsoft.com/office/drawing/2014/main" xmlns="" id="{2A53D2DA-721D-FC7E-8E09-BCBD844B6F9F}"/>
+                <a16:creationId xmlns:a16="http://schemas.microsoft.com/office/drawing/2014/main" id="{2A53D2DA-721D-FC7E-8E09-BCBD844B6F9F}"/>
               </a:ext>
             </a:extLst>
           </p:cNvPr>
@@ -12920,83 +12813,63 @@
           <a:lstStyle/>
           <a:p>
             <a:r>
-              <a:rPr lang="en-US" sz="1600" dirty="0" smtClean="0"/>
-              <a:t>Global Object </a:t>
-            </a:r>
-            <a:r>
-              <a:rPr lang="en-US" sz="1600" dirty="0" smtClean="0"/>
-              <a:t>Property</a:t>
+              <a:rPr lang="en-US" sz="1600" dirty="0"/>
+              <a:t>Global Object Property</a:t>
             </a:r>
             <a:br>
-              <a:rPr lang="en-US" sz="1600" dirty="0" smtClean="0"/>
+              <a:rPr lang="en-US" sz="1600" dirty="0"/>
             </a:br>
             <a:r>
-              <a:rPr lang="en-US" sz="1600" b="1" dirty="0" err="1" smtClean="0"/>
+              <a:rPr lang="en-US" sz="1600" b="1" dirty="0" err="1"/>
               <a:t>var</a:t>
             </a:r>
             <a:r>
-              <a:rPr lang="en-US" sz="1600" b="1" dirty="0" smtClean="0"/>
+              <a:rPr lang="en-US" sz="1600" b="1" dirty="0"/>
               <a:t>:</a:t>
             </a:r>
             <a:r>
-              <a:rPr lang="en-US" sz="1600" dirty="0" smtClean="0"/>
+              <a:rPr lang="en-US" sz="1600" dirty="0"/>
               <a:t> When declared in the global scope (outside of any function or block), </a:t>
             </a:r>
             <a:r>
-              <a:rPr lang="en-US" sz="1600" dirty="0" err="1" smtClean="0"/>
+              <a:rPr lang="en-US" sz="1600" dirty="0" err="1"/>
               <a:t>var</a:t>
             </a:r>
             <a:r>
-              <a:rPr lang="en-US" sz="1600" dirty="0" smtClean="0"/>
+              <a:rPr lang="en-US" sz="1600" dirty="0"/>
               <a:t> creates a property on the global object (e.g., window in browsers, global in Node.js). This means a </a:t>
             </a:r>
             <a:r>
-              <a:rPr lang="en-US" sz="1600" dirty="0" err="1" smtClean="0"/>
+              <a:rPr lang="en-US" sz="1600" dirty="0" err="1"/>
               <a:t>var</a:t>
             </a:r>
             <a:r>
-              <a:rPr lang="en-US" sz="1600" dirty="0" smtClean="0"/>
-              <a:t> declared globally can be accessed as a property of the global object</a:t>
-            </a:r>
-            <a:r>
-              <a:rPr lang="en-US" sz="1600" dirty="0" smtClean="0"/>
-              <a:t>.</a:t>
+              <a:rPr lang="en-US" sz="1600" dirty="0"/>
+              <a:t> declared globally can be accessed as a property of the global object.</a:t>
             </a:r>
             <a:br>
-              <a:rPr lang="en-US" sz="1600" dirty="0" smtClean="0"/>
+              <a:rPr lang="en-US" sz="1600" dirty="0"/>
             </a:br>
-            <a:r>
-              <a:rPr lang="en-US" sz="1600" dirty="0" smtClean="0"/>
-              <a:t/>
-            </a:r>
             <a:br>
-              <a:rPr lang="en-US" sz="1600" dirty="0" smtClean="0"/>
+              <a:rPr lang="en-US" sz="1600" dirty="0"/>
             </a:br>
-            <a:r>
-              <a:rPr lang="en-US" sz="1600" dirty="0" smtClean="0"/>
-              <a:t/>
-            </a:r>
             <a:br>
-              <a:rPr lang="en-US" sz="1600" dirty="0" smtClean="0"/>
+              <a:rPr lang="en-US" sz="1600" dirty="0"/>
             </a:br>
-            <a:r>
-              <a:rPr lang="en-US" sz="1600" dirty="0" smtClean="0"/>
-              <a:t/>
-            </a:r>
             <a:br>
-              <a:rPr lang="en-US" sz="1600" dirty="0" smtClean="0"/>
+              <a:rPr lang="en-US" sz="1600" dirty="0"/>
             </a:br>
             <a:r>
-              <a:rPr lang="en-US" sz="1600" b="1" dirty="0" smtClean="0"/>
+              <a:rPr lang="en-US" sz="1600" b="1" dirty="0"/>
               <a:t>let:</a:t>
             </a:r>
             <a:r>
-              <a:rPr lang="en-US" sz="1600" dirty="0" smtClean="0"/>
+              <a:rPr lang="en-US" sz="1600" dirty="0"/>
               <a:t> In contrast, let declared in the global scope does not create a property on the global object. It still exists in the global scope and is accessible, but not as a direct property of window or global.</a:t>
             </a:r>
           </a:p>
           <a:p>
-            <a:endParaRPr lang="en-US" sz="1600" dirty="0" smtClean="0"/>
+            <a:endParaRPr lang="en-US" sz="1600" dirty="0"/>
           </a:p>
           <a:p>
             <a:pPr>
@@ -13013,7 +12886,7 @@
           <p:cNvPr id="5" name="Ribbon: Curved and Tilted Down 4">
             <a:extLst>
               <a:ext uri="{FF2B5EF4-FFF2-40B4-BE49-F238E27FC236}">
-                <a16:creationId xmlns:a16="http://schemas.microsoft.com/office/drawing/2014/main" xmlns="" id="{3FA23525-E3EA-B8CB-FD6A-53084CA847A7}"/>
+                <a16:creationId xmlns:a16="http://schemas.microsoft.com/office/drawing/2014/main" id="{3FA23525-E3EA-B8CB-FD6A-53084CA847A7}"/>
               </a:ext>
             </a:extLst>
           </p:cNvPr>
@@ -13086,7 +12959,7 @@
           <p:cNvPr id="6" name="Scroll: Vertical 5">
             <a:extLst>
               <a:ext uri="{FF2B5EF4-FFF2-40B4-BE49-F238E27FC236}">
-                <a16:creationId xmlns:a16="http://schemas.microsoft.com/office/drawing/2014/main" xmlns="" id="{1A4C732A-2840-82C8-A359-298D925E33B3}"/>
+                <a16:creationId xmlns:a16="http://schemas.microsoft.com/office/drawing/2014/main" id="{1A4C732A-2840-82C8-A359-298D925E33B3}"/>
               </a:ext>
             </a:extLst>
           </p:cNvPr>
@@ -13180,21 +13053,8 @@
                   <a:schemeClr val="tx1"/>
                 </a:solidFill>
               </a:rPr>
-              <a:t>What is </a:t>
-            </a:r>
-            <a:r>
-              <a:rPr lang="en-IN" dirty="0" smtClean="0">
-                <a:solidFill>
-                  <a:schemeClr val="tx1"/>
-                </a:solidFill>
-              </a:rPr>
-              <a:t>Hoisting</a:t>
-            </a:r>
-            <a:endParaRPr lang="en-IN" dirty="0">
-              <a:solidFill>
-                <a:schemeClr val="tx1"/>
-              </a:solidFill>
-            </a:endParaRPr>
+              <a:t>What is Hoisting</a:t>
+            </a:r>
           </a:p>
         </p:txBody>
       </p:sp>
@@ -13313,7 +13173,7 @@
     </p:spTree>
     <p:extLst>
       <p:ext uri="{BB962C8B-B14F-4D97-AF65-F5344CB8AC3E}">
-        <p14:creationId xmlns:p14="http://schemas.microsoft.com/office/powerpoint/2010/main" xmlns="" val="3002471670"/>
+        <p14:creationId xmlns:p14="http://schemas.microsoft.com/office/powerpoint/2010/main" val="3002471670"/>
       </p:ext>
     </p:extLst>
   </p:cSld>
@@ -13331,7 +13191,7 @@
         <p:cNvPr id="1" name="">
           <a:extLst>
             <a:ext uri="{FF2B5EF4-FFF2-40B4-BE49-F238E27FC236}">
-              <a16:creationId xmlns:a16="http://schemas.microsoft.com/office/drawing/2014/main" xmlns="" id="{4586E9D7-F5F8-14CC-9DF6-FC4AF2EA4249}"/>
+              <a16:creationId xmlns:a16="http://schemas.microsoft.com/office/drawing/2014/main" id="{4586E9D7-F5F8-14CC-9DF6-FC4AF2EA4249}"/>
             </a:ext>
           </a:extLst>
         </p:cNvPr>
@@ -13351,7 +13211,7 @@
           <p:cNvPr id="2" name="Title 1">
             <a:extLst>
               <a:ext uri="{FF2B5EF4-FFF2-40B4-BE49-F238E27FC236}">
-                <a16:creationId xmlns:a16="http://schemas.microsoft.com/office/drawing/2014/main" xmlns="" id="{D8B67155-694F-FF61-7CDD-33A20A316215}"/>
+                <a16:creationId xmlns:a16="http://schemas.microsoft.com/office/drawing/2014/main" id="{D8B67155-694F-FF61-7CDD-33A20A316215}"/>
               </a:ext>
             </a:extLst>
           </p:cNvPr>
@@ -13375,7 +13235,7 @@
           <a:lstStyle/>
           <a:p>
             <a:r>
-              <a:rPr lang="en-US" b="1" dirty="0" smtClean="0">
+              <a:rPr lang="en-US" b="1" dirty="0">
                 <a:solidFill>
                   <a:schemeClr val="tx1"/>
                 </a:solidFill>
@@ -13384,7 +13244,7 @@
               <a:t>Re-</a:t>
             </a:r>
             <a:r>
-              <a:rPr lang="en-US" b="1" dirty="0" err="1" smtClean="0">
+              <a:rPr lang="en-US" b="1" dirty="0" err="1">
                 <a:solidFill>
                   <a:schemeClr val="tx1"/>
                 </a:solidFill>
@@ -13393,7 +13253,7 @@
               <a:t>declartion</a:t>
             </a:r>
             <a:r>
-              <a:rPr lang="en-US" b="1" dirty="0" smtClean="0">
+              <a:rPr lang="en-US" b="1" dirty="0">
                 <a:solidFill>
                   <a:schemeClr val="tx1"/>
                 </a:solidFill>
@@ -13402,38 +13262,23 @@
               <a:t> of </a:t>
             </a:r>
             <a:r>
-              <a:rPr lang="en-US" b="1" dirty="0" err="1" smtClean="0">
+              <a:rPr lang="en-US" b="1" dirty="0" err="1">
                 <a:solidFill>
                   <a:schemeClr val="tx1"/>
                 </a:solidFill>
                 <a:latin typeface="Bahnschrift SemiLight" pitchFamily="34" charset="0"/>
               </a:rPr>
-              <a:t>v</a:t>
-            </a:r>
-            <a:r>
-              <a:rPr lang="en-US" b="1" dirty="0" err="1" smtClean="0">
+              <a:t>var</a:t>
+            </a:r>
+            <a:r>
+              <a:rPr lang="en-US" b="1" dirty="0">
                 <a:solidFill>
                   <a:schemeClr val="tx1"/>
                 </a:solidFill>
                 <a:latin typeface="Bahnschrift SemiLight" pitchFamily="34" charset="0"/>
               </a:rPr>
-              <a:t>ar</a:t>
-            </a:r>
-            <a:r>
-              <a:rPr lang="en-US" b="1" dirty="0" smtClean="0">
-                <a:solidFill>
-                  <a:schemeClr val="tx1"/>
-                </a:solidFill>
-                <a:latin typeface="Bahnschrift SemiLight" pitchFamily="34" charset="0"/>
-              </a:rPr>
               <a:t> and let</a:t>
             </a:r>
-            <a:endParaRPr lang="en-US" b="1" dirty="0">
-              <a:solidFill>
-                <a:schemeClr val="tx1"/>
-              </a:solidFill>
-              <a:latin typeface="Bahnschrift SemiLight" pitchFamily="34" charset="0"/>
-            </a:endParaRPr>
           </a:p>
         </p:txBody>
       </p:sp>
@@ -13442,7 +13287,7 @@
           <p:cNvPr id="5" name="Ribbon: Curved and Tilted Down 4">
             <a:extLst>
               <a:ext uri="{FF2B5EF4-FFF2-40B4-BE49-F238E27FC236}">
-                <a16:creationId xmlns:a16="http://schemas.microsoft.com/office/drawing/2014/main" xmlns="" id="{3FA23525-E3EA-B8CB-FD6A-53084CA847A7}"/>
+                <a16:creationId xmlns:a16="http://schemas.microsoft.com/office/drawing/2014/main" id="{3FA23525-E3EA-B8CB-FD6A-53084CA847A7}"/>
               </a:ext>
             </a:extLst>
           </p:cNvPr>
@@ -13515,7 +13360,7 @@
           <p:cNvPr id="6" name="Scroll: Vertical 5">
             <a:extLst>
               <a:ext uri="{FF2B5EF4-FFF2-40B4-BE49-F238E27FC236}">
-                <a16:creationId xmlns:a16="http://schemas.microsoft.com/office/drawing/2014/main" xmlns="" id="{1A4C732A-2840-82C8-A359-298D925E33B3}"/>
+                <a16:creationId xmlns:a16="http://schemas.microsoft.com/office/drawing/2014/main" id="{1A4C732A-2840-82C8-A359-298D925E33B3}"/>
               </a:ext>
             </a:extLst>
           </p:cNvPr>
@@ -13609,21 +13454,8 @@
                   <a:schemeClr val="tx1"/>
                 </a:solidFill>
               </a:rPr>
-              <a:t>What is </a:t>
-            </a:r>
-            <a:r>
-              <a:rPr lang="en-IN" dirty="0" smtClean="0">
-                <a:solidFill>
-                  <a:schemeClr val="tx1"/>
-                </a:solidFill>
-              </a:rPr>
-              <a:t>Hoisting</a:t>
-            </a:r>
-            <a:endParaRPr lang="en-IN" dirty="0">
-              <a:solidFill>
-                <a:schemeClr val="tx1"/>
-              </a:solidFill>
-            </a:endParaRPr>
+              <a:t>What is Hoisting</a:t>
+            </a:r>
           </a:p>
         </p:txBody>
       </p:sp>
@@ -13678,7 +13510,7 @@
           <p:cNvPr id="9" name="Content Placeholder 2">
             <a:extLst>
               <a:ext uri="{FF2B5EF4-FFF2-40B4-BE49-F238E27FC236}">
-                <a16:creationId xmlns:a16="http://schemas.microsoft.com/office/drawing/2014/main" xmlns="" id="{2A53D2DA-721D-FC7E-8E09-BCBD844B6F9F}"/>
+                <a16:creationId xmlns:a16="http://schemas.microsoft.com/office/drawing/2014/main" id="{2A53D2DA-721D-FC7E-8E09-BCBD844B6F9F}"/>
               </a:ext>
             </a:extLst>
           </p:cNvPr>
@@ -13703,7 +13535,7 @@
           <a:lstStyle/>
           <a:p>
             <a:r>
-              <a:rPr lang="en-US" sz="1600" b="1" dirty="0" smtClean="0">
+              <a:rPr lang="en-US" sz="1600" b="1" dirty="0">
                 <a:solidFill>
                   <a:schemeClr val="accent2">
                     <a:lumMod val="60000"/>
@@ -13714,15 +13546,15 @@
               <a:t>let:</a:t>
             </a:r>
             <a:r>
-              <a:rPr lang="en-US" sz="1600" dirty="0" smtClean="0"/>
+              <a:rPr lang="en-US" sz="1600" dirty="0"/>
               <a:t> Does not allow re-declaration of the same variable within the same scope. Attempting to do so will result in a </a:t>
             </a:r>
             <a:r>
-              <a:rPr lang="en-US" sz="1600" dirty="0" err="1" smtClean="0"/>
+              <a:rPr lang="en-US" sz="1600" dirty="0" err="1"/>
               <a:t>SyntaxError</a:t>
             </a:r>
             <a:r>
-              <a:rPr lang="en-US" sz="1600" dirty="0" smtClean="0"/>
+              <a:rPr lang="en-US" sz="1600" dirty="0"/>
               <a:t>.</a:t>
             </a:r>
           </a:p>
@@ -13746,7 +13578,7 @@
               <a:tabLst/>
               <a:defRPr/>
             </a:pPr>
-            <a:endParaRPr kumimoji="0" lang="en-US" sz="1600" b="0" i="0" u="none" strike="noStrike" kern="1200" cap="none" spc="0" normalizeH="0" baseline="0" noProof="0" dirty="0" smtClean="0">
+            <a:endParaRPr kumimoji="0" lang="en-US" sz="1600" b="0" i="0" u="none" strike="noStrike" kern="1200" cap="none" spc="0" normalizeH="0" baseline="0" noProof="0" dirty="0">
               <a:ln>
                 <a:noFill/>
               </a:ln>
@@ -13809,7 +13641,7 @@
           <p:cNvPr id="11" name="Content Placeholder 2">
             <a:extLst>
               <a:ext uri="{FF2B5EF4-FFF2-40B4-BE49-F238E27FC236}">
-                <a16:creationId xmlns:a16="http://schemas.microsoft.com/office/drawing/2014/main" xmlns="" id="{2A53D2DA-721D-FC7E-8E09-BCBD844B6F9F}"/>
+                <a16:creationId xmlns:a16="http://schemas.microsoft.com/office/drawing/2014/main" id="{2A53D2DA-721D-FC7E-8E09-BCBD844B6F9F}"/>
               </a:ext>
             </a:extLst>
           </p:cNvPr>
@@ -13834,7 +13666,7 @@
           <a:lstStyle/>
           <a:p>
             <a:r>
-              <a:rPr lang="en-US" sz="1600" b="1" dirty="0" err="1" smtClean="0">
+              <a:rPr lang="en-US" sz="1600" b="1" dirty="0" err="1">
                 <a:solidFill>
                   <a:schemeClr val="accent2">
                     <a:lumMod val="60000"/>
@@ -13845,7 +13677,7 @@
               <a:t>var</a:t>
             </a:r>
             <a:r>
-              <a:rPr lang="en-US" sz="1600" b="1" dirty="0" smtClean="0">
+              <a:rPr lang="en-US" sz="1600" b="1" dirty="0">
                 <a:solidFill>
                   <a:schemeClr val="accent2">
                     <a:lumMod val="60000"/>
@@ -13856,23 +13688,15 @@
               <a:t>:</a:t>
             </a:r>
             <a:r>
-              <a:rPr lang="en-US" sz="1600" dirty="0" smtClean="0"/>
-              <a:t> Allows re-declaration of the same variable within the same </a:t>
-            </a:r>
-            <a:r>
-              <a:rPr lang="en-US" sz="1600" dirty="0" smtClean="0"/>
-              <a:t>scope</a:t>
+              <a:rPr lang="en-US" sz="1600" dirty="0"/>
+              <a:t> Allows re-declaration of the same variable within the same scope</a:t>
             </a:r>
             <a:br>
-              <a:rPr lang="en-US" sz="1600" dirty="0" smtClean="0"/>
+              <a:rPr lang="en-US" sz="1600" dirty="0"/>
             </a:br>
             <a:r>
-              <a:rPr lang="en-US" sz="1600" dirty="0" smtClean="0"/>
-              <a:t>without </a:t>
-            </a:r>
-            <a:r>
-              <a:rPr lang="en-US" sz="1600" dirty="0" smtClean="0"/>
-              <a:t>an error. The later declaration simply overwrites the previous one.</a:t>
+              <a:rPr lang="en-US" sz="1600" dirty="0"/>
+              <a:t>without an error. The later declaration simply overwrites the previous one.</a:t>
             </a:r>
           </a:p>
           <a:p>
@@ -13895,7 +13719,7 @@
               <a:tabLst/>
               <a:defRPr/>
             </a:pPr>
-            <a:endParaRPr kumimoji="0" lang="en-US" sz="1600" b="0" i="0" u="none" strike="noStrike" kern="1200" cap="none" spc="0" normalizeH="0" baseline="0" noProof="0" dirty="0" smtClean="0">
+            <a:endParaRPr kumimoji="0" lang="en-US" sz="1600" b="0" i="0" u="none" strike="noStrike" kern="1200" cap="none" spc="0" normalizeH="0" baseline="0" noProof="0" dirty="0">
               <a:ln>
                 <a:noFill/>
               </a:ln>
@@ -14022,7 +13846,7 @@
     </p:spTree>
     <p:extLst>
       <p:ext uri="{BB962C8B-B14F-4D97-AF65-F5344CB8AC3E}">
-        <p14:creationId xmlns:p14="http://schemas.microsoft.com/office/powerpoint/2010/main" xmlns="" val="3002471670"/>
+        <p14:creationId xmlns:p14="http://schemas.microsoft.com/office/powerpoint/2010/main" val="3002471670"/>
       </p:ext>
     </p:extLst>
   </p:cSld>
@@ -14040,7 +13864,7 @@
         <p:cNvPr id="1" name="">
           <a:extLst>
             <a:ext uri="{FF2B5EF4-FFF2-40B4-BE49-F238E27FC236}">
-              <a16:creationId xmlns:a16="http://schemas.microsoft.com/office/drawing/2014/main" xmlns="" id="{4586E9D7-F5F8-14CC-9DF6-FC4AF2EA4249}"/>
+              <a16:creationId xmlns:a16="http://schemas.microsoft.com/office/drawing/2014/main" id="{4586E9D7-F5F8-14CC-9DF6-FC4AF2EA4249}"/>
             </a:ext>
           </a:extLst>
         </p:cNvPr>
@@ -14060,7 +13884,7 @@
           <p:cNvPr id="2" name="Title 1">
             <a:extLst>
               <a:ext uri="{FF2B5EF4-FFF2-40B4-BE49-F238E27FC236}">
-                <a16:creationId xmlns:a16="http://schemas.microsoft.com/office/drawing/2014/main" xmlns="" id="{D8B67155-694F-FF61-7CDD-33A20A316215}"/>
+                <a16:creationId xmlns:a16="http://schemas.microsoft.com/office/drawing/2014/main" id="{D8B67155-694F-FF61-7CDD-33A20A316215}"/>
               </a:ext>
             </a:extLst>
           </p:cNvPr>
@@ -14084,7 +13908,7 @@
           <a:lstStyle/>
           <a:p>
             <a:r>
-              <a:rPr lang="en-US" b="1" dirty="0" smtClean="0">
+              <a:rPr lang="en-US" b="1" dirty="0">
                 <a:solidFill>
                   <a:schemeClr val="tx1"/>
                 </a:solidFill>
@@ -14092,12 +13916,6 @@
               </a:rPr>
               <a:t>What is hoisting?</a:t>
             </a:r>
-            <a:endParaRPr lang="en-US" b="1" dirty="0">
-              <a:solidFill>
-                <a:schemeClr val="tx1"/>
-              </a:solidFill>
-              <a:latin typeface="Bahnschrift SemiLight" pitchFamily="34" charset="0"/>
-            </a:endParaRPr>
           </a:p>
         </p:txBody>
       </p:sp>
@@ -14106,7 +13924,7 @@
           <p:cNvPr id="5" name="Ribbon: Curved and Tilted Down 4">
             <a:extLst>
               <a:ext uri="{FF2B5EF4-FFF2-40B4-BE49-F238E27FC236}">
-                <a16:creationId xmlns:a16="http://schemas.microsoft.com/office/drawing/2014/main" xmlns="" id="{3FA23525-E3EA-B8CB-FD6A-53084CA847A7}"/>
+                <a16:creationId xmlns:a16="http://schemas.microsoft.com/office/drawing/2014/main" id="{3FA23525-E3EA-B8CB-FD6A-53084CA847A7}"/>
               </a:ext>
             </a:extLst>
           </p:cNvPr>
@@ -14179,7 +13997,7 @@
           <p:cNvPr id="6" name="Scroll: Vertical 5">
             <a:extLst>
               <a:ext uri="{FF2B5EF4-FFF2-40B4-BE49-F238E27FC236}">
-                <a16:creationId xmlns:a16="http://schemas.microsoft.com/office/drawing/2014/main" xmlns="" id="{1A4C732A-2840-82C8-A359-298D925E33B3}"/>
+                <a16:creationId xmlns:a16="http://schemas.microsoft.com/office/drawing/2014/main" id="{1A4C732A-2840-82C8-A359-298D925E33B3}"/>
               </a:ext>
             </a:extLst>
           </p:cNvPr>
@@ -14273,21 +14091,8 @@
                   <a:schemeClr val="tx1"/>
                 </a:solidFill>
               </a:rPr>
-              <a:t>What is </a:t>
-            </a:r>
-            <a:r>
-              <a:rPr lang="en-IN" dirty="0" smtClean="0">
-                <a:solidFill>
-                  <a:schemeClr val="tx1"/>
-                </a:solidFill>
-              </a:rPr>
-              <a:t>Hoisting</a:t>
-            </a:r>
-            <a:endParaRPr lang="en-IN" dirty="0">
-              <a:solidFill>
-                <a:schemeClr val="tx1"/>
-              </a:solidFill>
-            </a:endParaRPr>
+              <a:t>What is Hoisting</a:t>
+            </a:r>
           </a:p>
         </p:txBody>
       </p:sp>
@@ -14342,7 +14147,7 @@
           <p:cNvPr id="9" name="Content Placeholder 2">
             <a:extLst>
               <a:ext uri="{FF2B5EF4-FFF2-40B4-BE49-F238E27FC236}">
-                <a16:creationId xmlns:a16="http://schemas.microsoft.com/office/drawing/2014/main" xmlns="" id="{2A53D2DA-721D-FC7E-8E09-BCBD844B6F9F}"/>
+                <a16:creationId xmlns:a16="http://schemas.microsoft.com/office/drawing/2014/main" id="{2A53D2DA-721D-FC7E-8E09-BCBD844B6F9F}"/>
               </a:ext>
             </a:extLst>
           </p:cNvPr>
@@ -14367,7 +14172,7 @@
           <a:lstStyle/>
           <a:p>
             <a:r>
-              <a:rPr lang="en-US" sz="1600" b="1" dirty="0" smtClean="0">
+              <a:rPr lang="en-US" sz="1600" b="1" dirty="0">
                 <a:solidFill>
                   <a:schemeClr val="accent2">
                     <a:lumMod val="60000"/>
@@ -14378,15 +14183,15 @@
               <a:t>let:</a:t>
             </a:r>
             <a:r>
-              <a:rPr lang="en-US" sz="1600" dirty="0" smtClean="0"/>
+              <a:rPr lang="en-US" sz="1600" dirty="0"/>
               <a:t>  Variables declared with let are also hoisted, but they are not initialized. They enter a "Temporal Dead Zone" from the beginning of their scope until their declaration line. Accessing them before their declaration will result in a </a:t>
             </a:r>
             <a:r>
-              <a:rPr lang="en-US" sz="1600" dirty="0" err="1" smtClean="0"/>
+              <a:rPr lang="en-US" sz="1600" dirty="0" err="1"/>
               <a:t>ReferenceError</a:t>
             </a:r>
             <a:r>
-              <a:rPr lang="en-US" sz="1600" dirty="0" smtClean="0"/>
+              <a:rPr lang="en-US" sz="1600" dirty="0"/>
               <a:t>.</a:t>
             </a:r>
           </a:p>
@@ -14410,7 +14215,7 @@
               <a:tabLst/>
               <a:defRPr/>
             </a:pPr>
-            <a:endParaRPr kumimoji="0" lang="en-US" sz="1600" b="0" i="0" u="none" strike="noStrike" kern="1200" cap="none" spc="0" normalizeH="0" baseline="0" noProof="0" dirty="0" smtClean="0">
+            <a:endParaRPr kumimoji="0" lang="en-US" sz="1600" b="0" i="0" u="none" strike="noStrike" kern="1200" cap="none" spc="0" normalizeH="0" baseline="0" noProof="0" dirty="0">
               <a:ln>
                 <a:noFill/>
               </a:ln>
@@ -14473,7 +14278,7 @@
           <p:cNvPr id="11" name="Content Placeholder 2">
             <a:extLst>
               <a:ext uri="{FF2B5EF4-FFF2-40B4-BE49-F238E27FC236}">
-                <a16:creationId xmlns:a16="http://schemas.microsoft.com/office/drawing/2014/main" xmlns="" id="{2A53D2DA-721D-FC7E-8E09-BCBD844B6F9F}"/>
+                <a16:creationId xmlns:a16="http://schemas.microsoft.com/office/drawing/2014/main" id="{2A53D2DA-721D-FC7E-8E09-BCBD844B6F9F}"/>
               </a:ext>
             </a:extLst>
           </p:cNvPr>
@@ -14498,7 +14303,7 @@
           <a:lstStyle/>
           <a:p>
             <a:r>
-              <a:rPr lang="en-US" sz="1600" b="1" dirty="0" err="1" smtClean="0">
+              <a:rPr lang="en-US" sz="1600" b="1" dirty="0" err="1">
                 <a:solidFill>
                   <a:schemeClr val="accent2">
                     <a:lumMod val="60000"/>
@@ -14509,7 +14314,7 @@
               <a:t>var</a:t>
             </a:r>
             <a:r>
-              <a:rPr lang="en-US" sz="1600" b="1" dirty="0" smtClean="0">
+              <a:rPr lang="en-US" sz="1600" b="1" dirty="0">
                 <a:solidFill>
                   <a:schemeClr val="accent2">
                     <a:lumMod val="60000"/>
@@ -14520,28 +14325,20 @@
               <a:t>:</a:t>
             </a:r>
             <a:r>
-              <a:rPr lang="en-US" sz="1600" dirty="0" smtClean="0"/>
-              <a:t> </a:t>
-            </a:r>
-            <a:r>
-              <a:rPr lang="en-US" sz="1600" dirty="0" smtClean="0"/>
-              <a:t>Variables </a:t>
-            </a:r>
-            <a:r>
-              <a:rPr lang="en-US" sz="1600" dirty="0" smtClean="0"/>
-              <a:t>declared with </a:t>
-            </a:r>
-            <a:r>
-              <a:rPr lang="en-US" sz="1600" dirty="0" err="1" smtClean="0"/>
+              <a:rPr lang="en-US" sz="1600" dirty="0"/>
+              <a:t> Variables declared with </a:t>
+            </a:r>
+            <a:r>
+              <a:rPr lang="en-US" sz="1600" dirty="0" err="1"/>
               <a:t>var</a:t>
             </a:r>
             <a:r>
-              <a:rPr lang="en-US" sz="1600" dirty="0" smtClean="0"/>
+              <a:rPr lang="en-US" sz="1600" dirty="0"/>
               <a:t> are hoisted to the top of their scope and are initialized with undefined. This means they can be accessed before their declaration line, although their value will be undefined. </a:t>
             </a:r>
           </a:p>
           <a:p>
-            <a:endParaRPr lang="en-US" sz="1600" dirty="0" smtClean="0"/>
+            <a:endParaRPr lang="en-US" sz="1600" dirty="0"/>
           </a:p>
           <a:p>
             <a:pPr marL="342900" marR="0" lvl="0" indent="-342900" algn="l" defTabSz="457200" rtl="0" eaLnBrk="1" fontAlgn="auto" latinLnBrk="0" hangingPunct="1">
@@ -14563,7 +14360,7 @@
               <a:tabLst/>
               <a:defRPr/>
             </a:pPr>
-            <a:endParaRPr kumimoji="0" lang="en-US" sz="1600" b="0" i="0" u="none" strike="noStrike" kern="1200" cap="none" spc="0" normalizeH="0" baseline="0" noProof="0" dirty="0" smtClean="0">
+            <a:endParaRPr kumimoji="0" lang="en-US" sz="1600" b="0" i="0" u="none" strike="noStrike" kern="1200" cap="none" spc="0" normalizeH="0" baseline="0" noProof="0" dirty="0">
               <a:ln>
                 <a:noFill/>
               </a:ln>
@@ -14717,7 +14514,7 @@
           <a:lstStyle/>
           <a:p>
             <a:r>
-              <a:rPr lang="en-US" sz="1600" dirty="0" smtClean="0">
+              <a:rPr lang="en-US" sz="1600" dirty="0">
                 <a:solidFill>
                   <a:schemeClr val="accent2">
                     <a:lumMod val="20000"/>
@@ -14728,7 +14525,7 @@
               <a:t>In summary, while both </a:t>
             </a:r>
             <a:r>
-              <a:rPr lang="en-US" sz="1600" dirty="0" err="1" smtClean="0">
+              <a:rPr lang="en-US" sz="1600" dirty="0" err="1">
                 <a:solidFill>
                   <a:schemeClr val="accent2">
                     <a:lumMod val="20000"/>
@@ -14739,7 +14536,7 @@
               <a:t>var</a:t>
             </a:r>
             <a:r>
-              <a:rPr lang="en-US" sz="1600" dirty="0" smtClean="0">
+              <a:rPr lang="en-US" sz="1600" dirty="0">
                 <a:solidFill>
                   <a:schemeClr val="accent2">
                     <a:lumMod val="20000"/>
@@ -14749,21 +14546,13 @@
               </a:rPr>
               <a:t> and let can declare global variables, let offers more predictable and safer behavior by enforcing stricter rules regarding re-declaration and access before initialization, and by avoiding pollution of the global object.</a:t>
             </a:r>
-            <a:endParaRPr lang="en-US" sz="1600" dirty="0">
-              <a:solidFill>
-                <a:schemeClr val="accent2">
-                  <a:lumMod val="20000"/>
-                  <a:lumOff val="80000"/>
-                </a:schemeClr>
-              </a:solidFill>
-            </a:endParaRPr>
           </a:p>
         </p:txBody>
       </p:sp>
     </p:spTree>
     <p:extLst>
       <p:ext uri="{BB962C8B-B14F-4D97-AF65-F5344CB8AC3E}">
-        <p14:creationId xmlns:p14="http://schemas.microsoft.com/office/powerpoint/2010/main" xmlns="" val="3002471670"/>
+        <p14:creationId xmlns:p14="http://schemas.microsoft.com/office/powerpoint/2010/main" val="3002471670"/>
       </p:ext>
     </p:extLst>
   </p:cSld>
@@ -14781,7 +14570,7 @@
         <p:cNvPr id="1" name="">
           <a:extLst>
             <a:ext uri="{FF2B5EF4-FFF2-40B4-BE49-F238E27FC236}">
-              <a16:creationId xmlns:a16="http://schemas.microsoft.com/office/drawing/2014/main" xmlns="" id="{4586E9D7-F5F8-14CC-9DF6-FC4AF2EA4249}"/>
+              <a16:creationId xmlns:a16="http://schemas.microsoft.com/office/drawing/2014/main" id="{4586E9D7-F5F8-14CC-9DF6-FC4AF2EA4249}"/>
             </a:ext>
           </a:extLst>
         </p:cNvPr>
@@ -14801,7 +14590,7 @@
           <p:cNvPr id="2" name="Title 1">
             <a:extLst>
               <a:ext uri="{FF2B5EF4-FFF2-40B4-BE49-F238E27FC236}">
-                <a16:creationId xmlns:a16="http://schemas.microsoft.com/office/drawing/2014/main" xmlns="" id="{D8B67155-694F-FF61-7CDD-33A20A316215}"/>
+                <a16:creationId xmlns:a16="http://schemas.microsoft.com/office/drawing/2014/main" id="{D8B67155-694F-FF61-7CDD-33A20A316215}"/>
               </a:ext>
             </a:extLst>
           </p:cNvPr>
@@ -14825,7 +14614,7 @@
           <a:lstStyle/>
           <a:p>
             <a:r>
-              <a:rPr lang="en-US" b="1" dirty="0" smtClean="0">
+              <a:rPr lang="en-US" b="1" dirty="0">
                 <a:solidFill>
                   <a:schemeClr val="tx1"/>
                 </a:solidFill>
@@ -14834,7 +14623,7 @@
               <a:t>What is hoisting? </a:t>
             </a:r>
             <a:r>
-              <a:rPr lang="en-US" dirty="0" smtClean="0">
+              <a:rPr lang="en-US" dirty="0">
                 <a:solidFill>
                   <a:schemeClr val="bg1">
                     <a:lumMod val="65000"/>
@@ -14845,15 +14634,6 @@
               </a:rPr>
               <a:t>- continues</a:t>
             </a:r>
-            <a:endParaRPr lang="en-US" dirty="0">
-              <a:solidFill>
-                <a:schemeClr val="bg1">
-                  <a:lumMod val="65000"/>
-                  <a:lumOff val="35000"/>
-                </a:schemeClr>
-              </a:solidFill>
-              <a:latin typeface="Bahnschrift Light Condensed" pitchFamily="34" charset="0"/>
-            </a:endParaRPr>
           </a:p>
         </p:txBody>
       </p:sp>
@@ -14887,7 +14667,7 @@
               <a:buChar char="v"/>
             </a:pPr>
             <a:r>
-              <a:rPr lang="en-IN" dirty="0" smtClean="0">
+              <a:rPr lang="en-IN" dirty="0">
                 <a:solidFill>
                   <a:schemeClr val="tx1"/>
                 </a:solidFill>
@@ -14895,7 +14675,7 @@
               <a:t>Undefined </a:t>
             </a:r>
             <a:r>
-              <a:rPr lang="en-IN" dirty="0" err="1" smtClean="0">
+              <a:rPr lang="en-IN" dirty="0" err="1">
                 <a:solidFill>
                   <a:schemeClr val="tx1"/>
                 </a:solidFill>
@@ -14903,7 +14683,7 @@
               <a:t>vs</a:t>
             </a:r>
             <a:r>
-              <a:rPr lang="en-IN" dirty="0" smtClean="0">
+              <a:rPr lang="en-IN" dirty="0">
                 <a:solidFill>
                   <a:schemeClr val="tx1"/>
                 </a:solidFill>
@@ -14920,20 +14700,12 @@
               <a:buChar char="v"/>
             </a:pPr>
             <a:r>
-              <a:rPr lang="en-IN" dirty="0" smtClean="0">
+              <a:rPr lang="en-IN" dirty="0">
                 <a:solidFill>
                   <a:schemeClr val="tx1"/>
                 </a:solidFill>
               </a:rPr>
-              <a:t>Variable with arrow </a:t>
-            </a:r>
-            <a:r>
-              <a:rPr lang="en-IN" dirty="0" smtClean="0">
-                <a:solidFill>
-                  <a:schemeClr val="tx1"/>
-                </a:solidFill>
-              </a:rPr>
-              <a:t>function</a:t>
+              <a:t>Variable with arrow function</a:t>
             </a:r>
           </a:p>
           <a:p>
@@ -14945,7 +14717,7 @@
               <a:buChar char="v"/>
             </a:pPr>
             <a:r>
-              <a:rPr lang="en-IN" dirty="0" smtClean="0">
+              <a:rPr lang="en-IN" dirty="0">
                 <a:solidFill>
                   <a:schemeClr val="tx1"/>
                 </a:solidFill>
@@ -14963,7 +14735,7 @@
           <p:cNvPr id="5" name="Ribbon: Curved and Tilted Down 4">
             <a:extLst>
               <a:ext uri="{FF2B5EF4-FFF2-40B4-BE49-F238E27FC236}">
-                <a16:creationId xmlns:a16="http://schemas.microsoft.com/office/drawing/2014/main" xmlns="" id="{3FA23525-E3EA-B8CB-FD6A-53084CA847A7}"/>
+                <a16:creationId xmlns:a16="http://schemas.microsoft.com/office/drawing/2014/main" id="{3FA23525-E3EA-B8CB-FD6A-53084CA847A7}"/>
               </a:ext>
             </a:extLst>
           </p:cNvPr>
@@ -15036,7 +14808,7 @@
           <p:cNvPr id="6" name="Scroll: Vertical 5">
             <a:extLst>
               <a:ext uri="{FF2B5EF4-FFF2-40B4-BE49-F238E27FC236}">
-                <a16:creationId xmlns:a16="http://schemas.microsoft.com/office/drawing/2014/main" xmlns="" id="{1A4C732A-2840-82C8-A359-298D925E33B3}"/>
+                <a16:creationId xmlns:a16="http://schemas.microsoft.com/office/drawing/2014/main" id="{1A4C732A-2840-82C8-A359-298D925E33B3}"/>
               </a:ext>
             </a:extLst>
           </p:cNvPr>
@@ -15130,21 +14902,8 @@
                   <a:schemeClr val="tx1"/>
                 </a:solidFill>
               </a:rPr>
-              <a:t>What is </a:t>
-            </a:r>
-            <a:r>
-              <a:rPr lang="en-IN" dirty="0" smtClean="0">
-                <a:solidFill>
-                  <a:schemeClr val="tx1"/>
-                </a:solidFill>
-              </a:rPr>
-              <a:t>Hoisting</a:t>
-            </a:r>
-            <a:endParaRPr lang="en-IN" dirty="0">
-              <a:solidFill>
-                <a:schemeClr val="tx1"/>
-              </a:solidFill>
-            </a:endParaRPr>
+              <a:t>What is Hoisting</a:t>
+            </a:r>
           </a:p>
         </p:txBody>
       </p:sp>
@@ -15197,7 +14956,7 @@
     </p:spTree>
     <p:extLst>
       <p:ext uri="{BB962C8B-B14F-4D97-AF65-F5344CB8AC3E}">
-        <p14:creationId xmlns:p14="http://schemas.microsoft.com/office/powerpoint/2010/main" xmlns="" val="3002471670"/>
+        <p14:creationId xmlns:p14="http://schemas.microsoft.com/office/powerpoint/2010/main" val="3002471670"/>
       </p:ext>
     </p:extLst>
   </p:cSld>
@@ -15215,7 +14974,7 @@
         <p:cNvPr id="1" name="">
           <a:extLst>
             <a:ext uri="{FF2B5EF4-FFF2-40B4-BE49-F238E27FC236}">
-              <a16:creationId xmlns:a16="http://schemas.microsoft.com/office/drawing/2014/main" xmlns="" id="{D210C62D-BA73-7142-9269-B229A82A227F}"/>
+              <a16:creationId xmlns:a16="http://schemas.microsoft.com/office/drawing/2014/main" id="{D210C62D-BA73-7142-9269-B229A82A227F}"/>
             </a:ext>
           </a:extLst>
         </p:cNvPr>
@@ -15235,7 +14994,7 @@
           <p:cNvPr id="2" name="Title 1">
             <a:extLst>
               <a:ext uri="{FF2B5EF4-FFF2-40B4-BE49-F238E27FC236}">
-                <a16:creationId xmlns:a16="http://schemas.microsoft.com/office/drawing/2014/main" xmlns="" id="{D5018557-B8C1-B1F3-960D-C1C68708243B}"/>
+                <a16:creationId xmlns:a16="http://schemas.microsoft.com/office/drawing/2014/main" id="{D5018557-B8C1-B1F3-960D-C1C68708243B}"/>
               </a:ext>
             </a:extLst>
           </p:cNvPr>
@@ -15275,7 +15034,7 @@
           <p:cNvPr id="3" name="Content Placeholder 2">
             <a:extLst>
               <a:ext uri="{FF2B5EF4-FFF2-40B4-BE49-F238E27FC236}">
-                <a16:creationId xmlns:a16="http://schemas.microsoft.com/office/drawing/2014/main" xmlns="" id="{24415AF3-2B9F-42C3-52C5-51254FAF8249}"/>
+                <a16:creationId xmlns:a16="http://schemas.microsoft.com/office/drawing/2014/main" id="{24415AF3-2B9F-42C3-52C5-51254FAF8249}"/>
               </a:ext>
             </a:extLst>
           </p:cNvPr>
@@ -15341,7 +15100,7 @@
           <p:cNvPr id="6" name="Ribbon: Curved and Tilted Down 5">
             <a:extLst>
               <a:ext uri="{FF2B5EF4-FFF2-40B4-BE49-F238E27FC236}">
-                <a16:creationId xmlns:a16="http://schemas.microsoft.com/office/drawing/2014/main" xmlns="" id="{7BEA6FE3-CC31-4B69-44C6-04DF1B8559E4}"/>
+                <a16:creationId xmlns:a16="http://schemas.microsoft.com/office/drawing/2014/main" id="{7BEA6FE3-CC31-4B69-44C6-04DF1B8559E4}"/>
               </a:ext>
             </a:extLst>
           </p:cNvPr>
@@ -15414,7 +15173,7 @@
           <p:cNvPr id="8" name="Scroll: Vertical 7">
             <a:extLst>
               <a:ext uri="{FF2B5EF4-FFF2-40B4-BE49-F238E27FC236}">
-                <a16:creationId xmlns:a16="http://schemas.microsoft.com/office/drawing/2014/main" xmlns="" id="{2D8E823F-54F9-1A01-E3EF-B3211339B30B}"/>
+                <a16:creationId xmlns:a16="http://schemas.microsoft.com/office/drawing/2014/main" id="{2D8E823F-54F9-1A01-E3EF-B3211339B30B}"/>
               </a:ext>
             </a:extLst>
           </p:cNvPr>
@@ -15684,7 +15443,7 @@
     </p:spTree>
     <p:extLst>
       <p:ext uri="{BB962C8B-B14F-4D97-AF65-F5344CB8AC3E}">
-        <p14:creationId xmlns:p14="http://schemas.microsoft.com/office/powerpoint/2010/main" xmlns="" val="3274136203"/>
+        <p14:creationId xmlns:p14="http://schemas.microsoft.com/office/powerpoint/2010/main" val="3274136203"/>
       </p:ext>
     </p:extLst>
   </p:cSld>
@@ -15702,7 +15461,7 @@
         <p:cNvPr id="1" name="">
           <a:extLst>
             <a:ext uri="{FF2B5EF4-FFF2-40B4-BE49-F238E27FC236}">
-              <a16:creationId xmlns:a16="http://schemas.microsoft.com/office/drawing/2014/main" xmlns="" id="{7139B82A-D876-79BD-D559-707BFDC5D481}"/>
+              <a16:creationId xmlns:a16="http://schemas.microsoft.com/office/drawing/2014/main" id="{7139B82A-D876-79BD-D559-707BFDC5D481}"/>
             </a:ext>
           </a:extLst>
         </p:cNvPr>
@@ -15722,7 +15481,7 @@
           <p:cNvPr id="8" name="Title 1">
             <a:extLst>
               <a:ext uri="{FF2B5EF4-FFF2-40B4-BE49-F238E27FC236}">
-                <a16:creationId xmlns:a16="http://schemas.microsoft.com/office/drawing/2014/main" xmlns="" id="{4C8D5637-E45A-11BE-1BA4-F40373E8D014}"/>
+                <a16:creationId xmlns:a16="http://schemas.microsoft.com/office/drawing/2014/main" id="{4C8D5637-E45A-11BE-1BA4-F40373E8D014}"/>
               </a:ext>
             </a:extLst>
           </p:cNvPr>
@@ -15759,7 +15518,7 @@
           <p:cNvPr id="3" name="Content Placeholder 2">
             <a:extLst>
               <a:ext uri="{FF2B5EF4-FFF2-40B4-BE49-F238E27FC236}">
-                <a16:creationId xmlns:a16="http://schemas.microsoft.com/office/drawing/2014/main" xmlns="" id="{86EB63D1-C74F-75B0-CE48-A95AEA2A21A1}"/>
+                <a16:creationId xmlns:a16="http://schemas.microsoft.com/office/drawing/2014/main" id="{86EB63D1-C74F-75B0-CE48-A95AEA2A21A1}"/>
               </a:ext>
             </a:extLst>
           </p:cNvPr>
@@ -15820,7 +15579,7 @@
           <p:cNvPr id="5" name="Ribbon: Curved and Tilted Down 4">
             <a:extLst>
               <a:ext uri="{FF2B5EF4-FFF2-40B4-BE49-F238E27FC236}">
-                <a16:creationId xmlns:a16="http://schemas.microsoft.com/office/drawing/2014/main" xmlns="" id="{75419B56-A4AB-830D-A49F-7700EED8C0FA}"/>
+                <a16:creationId xmlns:a16="http://schemas.microsoft.com/office/drawing/2014/main" id="{75419B56-A4AB-830D-A49F-7700EED8C0FA}"/>
               </a:ext>
             </a:extLst>
           </p:cNvPr>
@@ -15893,7 +15652,7 @@
           <p:cNvPr id="10" name="Scroll: Vertical 9">
             <a:extLst>
               <a:ext uri="{FF2B5EF4-FFF2-40B4-BE49-F238E27FC236}">
-                <a16:creationId xmlns:a16="http://schemas.microsoft.com/office/drawing/2014/main" xmlns="" id="{CD6C5744-A805-1655-2B2A-4D4D0DD0695E}"/>
+                <a16:creationId xmlns:a16="http://schemas.microsoft.com/office/drawing/2014/main" id="{CD6C5744-A805-1655-2B2A-4D4D0DD0695E}"/>
               </a:ext>
             </a:extLst>
           </p:cNvPr>
@@ -16209,7 +15968,7 @@
     </p:spTree>
     <p:extLst>
       <p:ext uri="{BB962C8B-B14F-4D97-AF65-F5344CB8AC3E}">
-        <p14:creationId xmlns:p14="http://schemas.microsoft.com/office/powerpoint/2010/main" xmlns="" val="3157857213"/>
+        <p14:creationId xmlns:p14="http://schemas.microsoft.com/office/powerpoint/2010/main" val="3157857213"/>
       </p:ext>
     </p:extLst>
   </p:cSld>
@@ -16227,7 +15986,7 @@
         <p:cNvPr id="1" name="">
           <a:extLst>
             <a:ext uri="{FF2B5EF4-FFF2-40B4-BE49-F238E27FC236}">
-              <a16:creationId xmlns:a16="http://schemas.microsoft.com/office/drawing/2014/main" xmlns="" id="{53D929B9-0FF5-B5F7-0DB4-914C4F4A1BB2}"/>
+              <a16:creationId xmlns:a16="http://schemas.microsoft.com/office/drawing/2014/main" id="{53D929B9-0FF5-B5F7-0DB4-914C4F4A1BB2}"/>
             </a:ext>
           </a:extLst>
         </p:cNvPr>
@@ -16247,7 +16006,7 @@
           <p:cNvPr id="7" name="Title 1">
             <a:extLst>
               <a:ext uri="{FF2B5EF4-FFF2-40B4-BE49-F238E27FC236}">
-                <a16:creationId xmlns:a16="http://schemas.microsoft.com/office/drawing/2014/main" xmlns="" id="{2D810556-B3F2-D67B-C5C6-43963FC8DAE7}"/>
+                <a16:creationId xmlns:a16="http://schemas.microsoft.com/office/drawing/2014/main" id="{2D810556-B3F2-D67B-C5C6-43963FC8DAE7}"/>
               </a:ext>
             </a:extLst>
           </p:cNvPr>
@@ -16284,7 +16043,7 @@
           <p:cNvPr id="3" name="Content Placeholder 2">
             <a:extLst>
               <a:ext uri="{FF2B5EF4-FFF2-40B4-BE49-F238E27FC236}">
-                <a16:creationId xmlns:a16="http://schemas.microsoft.com/office/drawing/2014/main" xmlns="" id="{8F0952B2-F12D-991D-3EC9-9526D8EDED87}"/>
+                <a16:creationId xmlns:a16="http://schemas.microsoft.com/office/drawing/2014/main" id="{8F0952B2-F12D-991D-3EC9-9526D8EDED87}"/>
               </a:ext>
             </a:extLst>
           </p:cNvPr>
@@ -16359,7 +16118,7 @@
           <p:cNvPr id="8" name="Ribbon: Curved and Tilted Down 7">
             <a:extLst>
               <a:ext uri="{FF2B5EF4-FFF2-40B4-BE49-F238E27FC236}">
-                <a16:creationId xmlns:a16="http://schemas.microsoft.com/office/drawing/2014/main" xmlns="" id="{C9C1F804-0CF6-A2DC-646C-9B9441D8EBB0}"/>
+                <a16:creationId xmlns:a16="http://schemas.microsoft.com/office/drawing/2014/main" id="{C9C1F804-0CF6-A2DC-646C-9B9441D8EBB0}"/>
               </a:ext>
             </a:extLst>
           </p:cNvPr>
@@ -16432,7 +16191,7 @@
           <p:cNvPr id="9" name="Scroll: Vertical 8">
             <a:extLst>
               <a:ext uri="{FF2B5EF4-FFF2-40B4-BE49-F238E27FC236}">
-                <a16:creationId xmlns:a16="http://schemas.microsoft.com/office/drawing/2014/main" xmlns="" id="{94613FC4-1176-9125-467B-B6CE33BB59CD}"/>
+                <a16:creationId xmlns:a16="http://schemas.microsoft.com/office/drawing/2014/main" id="{94613FC4-1176-9125-467B-B6CE33BB59CD}"/>
               </a:ext>
             </a:extLst>
           </p:cNvPr>
@@ -16748,7 +16507,7 @@
     </p:spTree>
     <p:extLst>
       <p:ext uri="{BB962C8B-B14F-4D97-AF65-F5344CB8AC3E}">
-        <p14:creationId xmlns:p14="http://schemas.microsoft.com/office/powerpoint/2010/main" xmlns="" val="2302025808"/>
+        <p14:creationId xmlns:p14="http://schemas.microsoft.com/office/powerpoint/2010/main" val="2302025808"/>
       </p:ext>
     </p:extLst>
   </p:cSld>
@@ -16766,7 +16525,7 @@
         <p:cNvPr id="1" name="">
           <a:extLst>
             <a:ext uri="{FF2B5EF4-FFF2-40B4-BE49-F238E27FC236}">
-              <a16:creationId xmlns:a16="http://schemas.microsoft.com/office/drawing/2014/main" xmlns="" id="{744B94CD-0809-14B6-E79F-D0C06F89CA15}"/>
+              <a16:creationId xmlns:a16="http://schemas.microsoft.com/office/drawing/2014/main" id="{744B94CD-0809-14B6-E79F-D0C06F89CA15}"/>
             </a:ext>
           </a:extLst>
         </p:cNvPr>
@@ -16786,7 +16545,7 @@
           <p:cNvPr id="9" name="Title 8">
             <a:extLst>
               <a:ext uri="{FF2B5EF4-FFF2-40B4-BE49-F238E27FC236}">
-                <a16:creationId xmlns:a16="http://schemas.microsoft.com/office/drawing/2014/main" xmlns="" id="{F3A13225-B875-57E9-5CCB-88427D8711E0}"/>
+                <a16:creationId xmlns:a16="http://schemas.microsoft.com/office/drawing/2014/main" id="{F3A13225-B875-57E9-5CCB-88427D8711E0}"/>
               </a:ext>
             </a:extLst>
           </p:cNvPr>
@@ -16826,7 +16585,7 @@
           <p:cNvPr id="3" name="Content Placeholder 2">
             <a:extLst>
               <a:ext uri="{FF2B5EF4-FFF2-40B4-BE49-F238E27FC236}">
-                <a16:creationId xmlns:a16="http://schemas.microsoft.com/office/drawing/2014/main" xmlns="" id="{29D21329-5AAF-6358-9761-2C4901A09C8C}"/>
+                <a16:creationId xmlns:a16="http://schemas.microsoft.com/office/drawing/2014/main" id="{29D21329-5AAF-6358-9761-2C4901A09C8C}"/>
               </a:ext>
             </a:extLst>
           </p:cNvPr>
@@ -16873,7 +16632,7 @@
           <p:cNvPr id="5" name="Title 1">
             <a:extLst>
               <a:ext uri="{FF2B5EF4-FFF2-40B4-BE49-F238E27FC236}">
-                <a16:creationId xmlns:a16="http://schemas.microsoft.com/office/drawing/2014/main" xmlns="" id="{23B0E81A-A704-BABA-7779-F926A6BFCB35}"/>
+                <a16:creationId xmlns:a16="http://schemas.microsoft.com/office/drawing/2014/main" id="{23B0E81A-A704-BABA-7779-F926A6BFCB35}"/>
               </a:ext>
             </a:extLst>
           </p:cNvPr>
@@ -16981,7 +16740,7 @@
           <p:cNvPr id="10" name="Ribbon: Curved and Tilted Down 9">
             <a:extLst>
               <a:ext uri="{FF2B5EF4-FFF2-40B4-BE49-F238E27FC236}">
-                <a16:creationId xmlns:a16="http://schemas.microsoft.com/office/drawing/2014/main" xmlns="" id="{3DBA1B1D-2AF2-C619-7353-1037498CD788}"/>
+                <a16:creationId xmlns:a16="http://schemas.microsoft.com/office/drawing/2014/main" id="{3DBA1B1D-2AF2-C619-7353-1037498CD788}"/>
               </a:ext>
             </a:extLst>
           </p:cNvPr>
@@ -17054,7 +16813,7 @@
           <p:cNvPr id="11" name="Scroll: Vertical 10">
             <a:extLst>
               <a:ext uri="{FF2B5EF4-FFF2-40B4-BE49-F238E27FC236}">
-                <a16:creationId xmlns:a16="http://schemas.microsoft.com/office/drawing/2014/main" xmlns="" id="{BE18EA22-49FD-59C7-DB0C-3006A91F02E6}"/>
+                <a16:creationId xmlns:a16="http://schemas.microsoft.com/office/drawing/2014/main" id="{BE18EA22-49FD-59C7-DB0C-3006A91F02E6}"/>
               </a:ext>
             </a:extLst>
           </p:cNvPr>
@@ -17370,7 +17129,7 @@
     </p:spTree>
     <p:extLst>
       <p:ext uri="{BB962C8B-B14F-4D97-AF65-F5344CB8AC3E}">
-        <p14:creationId xmlns:p14="http://schemas.microsoft.com/office/powerpoint/2010/main" xmlns="" val="1090188544"/>
+        <p14:creationId xmlns:p14="http://schemas.microsoft.com/office/powerpoint/2010/main" val="1090188544"/>
       </p:ext>
     </p:extLst>
   </p:cSld>
@@ -17388,7 +17147,7 @@
         <p:cNvPr id="1" name="">
           <a:extLst>
             <a:ext uri="{FF2B5EF4-FFF2-40B4-BE49-F238E27FC236}">
-              <a16:creationId xmlns:a16="http://schemas.microsoft.com/office/drawing/2014/main" xmlns="" id="{DFFF01F8-A8CD-88AB-42C3-C2E632C5474A}"/>
+              <a16:creationId xmlns:a16="http://schemas.microsoft.com/office/drawing/2014/main" id="{DFFF01F8-A8CD-88AB-42C3-C2E632C5474A}"/>
             </a:ext>
           </a:extLst>
         </p:cNvPr>
@@ -17408,7 +17167,7 @@
           <p:cNvPr id="7" name="Title 8">
             <a:extLst>
               <a:ext uri="{FF2B5EF4-FFF2-40B4-BE49-F238E27FC236}">
-                <a16:creationId xmlns:a16="http://schemas.microsoft.com/office/drawing/2014/main" xmlns="" id="{2CFF87A5-7472-22DC-030C-A3CCBBC3E824}"/>
+                <a16:creationId xmlns:a16="http://schemas.microsoft.com/office/drawing/2014/main" id="{2CFF87A5-7472-22DC-030C-A3CCBBC3E824}"/>
               </a:ext>
             </a:extLst>
           </p:cNvPr>
@@ -17448,7 +17207,7 @@
           <p:cNvPr id="3" name="Content Placeholder 2">
             <a:extLst>
               <a:ext uri="{FF2B5EF4-FFF2-40B4-BE49-F238E27FC236}">
-                <a16:creationId xmlns:a16="http://schemas.microsoft.com/office/drawing/2014/main" xmlns="" id="{1702553A-B321-D7AA-C0CD-A58D1C15FC38}"/>
+                <a16:creationId xmlns:a16="http://schemas.microsoft.com/office/drawing/2014/main" id="{1702553A-B321-D7AA-C0CD-A58D1C15FC38}"/>
               </a:ext>
             </a:extLst>
           </p:cNvPr>
@@ -17521,7 +17280,7 @@
           <p:cNvPr id="8" name="Ribbon: Curved and Tilted Down 7">
             <a:extLst>
               <a:ext uri="{FF2B5EF4-FFF2-40B4-BE49-F238E27FC236}">
-                <a16:creationId xmlns:a16="http://schemas.microsoft.com/office/drawing/2014/main" xmlns="" id="{C52AE18F-E34C-AFB6-7EA6-F589DEF7B3D0}"/>
+                <a16:creationId xmlns:a16="http://schemas.microsoft.com/office/drawing/2014/main" id="{C52AE18F-E34C-AFB6-7EA6-F589DEF7B3D0}"/>
               </a:ext>
             </a:extLst>
           </p:cNvPr>
@@ -17594,7 +17353,7 @@
           <p:cNvPr id="9" name="Scroll: Vertical 8">
             <a:extLst>
               <a:ext uri="{FF2B5EF4-FFF2-40B4-BE49-F238E27FC236}">
-                <a16:creationId xmlns:a16="http://schemas.microsoft.com/office/drawing/2014/main" xmlns="" id="{18A95ECD-6D24-C669-0CF8-39F3FBCDDA47}"/>
+                <a16:creationId xmlns:a16="http://schemas.microsoft.com/office/drawing/2014/main" id="{18A95ECD-6D24-C669-0CF8-39F3FBCDDA47}"/>
               </a:ext>
             </a:extLst>
           </p:cNvPr>
@@ -17910,7 +17669,7 @@
     </p:spTree>
     <p:extLst>
       <p:ext uri="{BB962C8B-B14F-4D97-AF65-F5344CB8AC3E}">
-        <p14:creationId xmlns:p14="http://schemas.microsoft.com/office/powerpoint/2010/main" xmlns="" val="1870717373"/>
+        <p14:creationId xmlns:p14="http://schemas.microsoft.com/office/powerpoint/2010/main" val="1870717373"/>
       </p:ext>
     </p:extLst>
   </p:cSld>
@@ -17928,7 +17687,7 @@
         <p:cNvPr id="1" name="">
           <a:extLst>
             <a:ext uri="{FF2B5EF4-FFF2-40B4-BE49-F238E27FC236}">
-              <a16:creationId xmlns:a16="http://schemas.microsoft.com/office/drawing/2014/main" xmlns="" id="{D224F207-D856-6E6D-9995-159800F589CD}"/>
+              <a16:creationId xmlns:a16="http://schemas.microsoft.com/office/drawing/2014/main" id="{D224F207-D856-6E6D-9995-159800F589CD}"/>
             </a:ext>
           </a:extLst>
         </p:cNvPr>
@@ -17948,7 +17707,7 @@
           <p:cNvPr id="5" name="Title 8">
             <a:extLst>
               <a:ext uri="{FF2B5EF4-FFF2-40B4-BE49-F238E27FC236}">
-                <a16:creationId xmlns:a16="http://schemas.microsoft.com/office/drawing/2014/main" xmlns="" id="{2773E7F4-011C-1186-0E83-1852CC157898}"/>
+                <a16:creationId xmlns:a16="http://schemas.microsoft.com/office/drawing/2014/main" id="{2773E7F4-011C-1186-0E83-1852CC157898}"/>
               </a:ext>
             </a:extLst>
           </p:cNvPr>
@@ -17988,7 +17747,7 @@
           <p:cNvPr id="3" name="Content Placeholder 2">
             <a:extLst>
               <a:ext uri="{FF2B5EF4-FFF2-40B4-BE49-F238E27FC236}">
-                <a16:creationId xmlns:a16="http://schemas.microsoft.com/office/drawing/2014/main" xmlns="" id="{9466D7CB-A484-F4DC-1247-3B0F9708D05F}"/>
+                <a16:creationId xmlns:a16="http://schemas.microsoft.com/office/drawing/2014/main" id="{9466D7CB-A484-F4DC-1247-3B0F9708D05F}"/>
               </a:ext>
             </a:extLst>
           </p:cNvPr>
@@ -18035,7 +17794,7 @@
           <p:cNvPr id="6" name="Ribbon: Curved and Tilted Down 5">
             <a:extLst>
               <a:ext uri="{FF2B5EF4-FFF2-40B4-BE49-F238E27FC236}">
-                <a16:creationId xmlns:a16="http://schemas.microsoft.com/office/drawing/2014/main" xmlns="" id="{DA6F4F8F-5ABC-21EF-A2AB-B0F4B5058194}"/>
+                <a16:creationId xmlns:a16="http://schemas.microsoft.com/office/drawing/2014/main" id="{DA6F4F8F-5ABC-21EF-A2AB-B0F4B5058194}"/>
               </a:ext>
             </a:extLst>
           </p:cNvPr>
@@ -18108,7 +17867,7 @@
           <p:cNvPr id="7" name="Scroll: Vertical 6">
             <a:extLst>
               <a:ext uri="{FF2B5EF4-FFF2-40B4-BE49-F238E27FC236}">
-                <a16:creationId xmlns:a16="http://schemas.microsoft.com/office/drawing/2014/main" xmlns="" id="{694A0A23-21B4-6D65-E96A-AD1A0AC04FCC}"/>
+                <a16:creationId xmlns:a16="http://schemas.microsoft.com/office/drawing/2014/main" id="{694A0A23-21B4-6D65-E96A-AD1A0AC04FCC}"/>
               </a:ext>
             </a:extLst>
           </p:cNvPr>
@@ -18424,7 +18183,7 @@
     </p:spTree>
     <p:extLst>
       <p:ext uri="{BB962C8B-B14F-4D97-AF65-F5344CB8AC3E}">
-        <p14:creationId xmlns:p14="http://schemas.microsoft.com/office/powerpoint/2010/main" xmlns="" val="755787835"/>
+        <p14:creationId xmlns:p14="http://schemas.microsoft.com/office/powerpoint/2010/main" val="755787835"/>
       </p:ext>
     </p:extLst>
   </p:cSld>
@@ -18442,7 +18201,7 @@
         <p:cNvPr id="1" name="">
           <a:extLst>
             <a:ext uri="{FF2B5EF4-FFF2-40B4-BE49-F238E27FC236}">
-              <a16:creationId xmlns:a16="http://schemas.microsoft.com/office/drawing/2014/main" xmlns="" id="{517DE5E6-801F-A2FD-C03F-6F5486821075}"/>
+              <a16:creationId xmlns:a16="http://schemas.microsoft.com/office/drawing/2014/main" id="{517DE5E6-801F-A2FD-C03F-6F5486821075}"/>
             </a:ext>
           </a:extLst>
         </p:cNvPr>
@@ -18462,7 +18221,7 @@
           <p:cNvPr id="2" name="Title 1">
             <a:extLst>
               <a:ext uri="{FF2B5EF4-FFF2-40B4-BE49-F238E27FC236}">
-                <a16:creationId xmlns:a16="http://schemas.microsoft.com/office/drawing/2014/main" xmlns="" id="{5F9D859A-CC6B-038D-5AE0-901278C3F6CE}"/>
+                <a16:creationId xmlns:a16="http://schemas.microsoft.com/office/drawing/2014/main" id="{5F9D859A-CC6B-038D-5AE0-901278C3F6CE}"/>
               </a:ext>
             </a:extLst>
           </p:cNvPr>
@@ -18500,7 +18259,7 @@
           <p:cNvPr id="3" name="Content Placeholder 2">
             <a:extLst>
               <a:ext uri="{FF2B5EF4-FFF2-40B4-BE49-F238E27FC236}">
-                <a16:creationId xmlns:a16="http://schemas.microsoft.com/office/drawing/2014/main" xmlns="" id="{E5BE3A65-ADA6-AEAF-69B6-B9779A59851F}"/>
+                <a16:creationId xmlns:a16="http://schemas.microsoft.com/office/drawing/2014/main" id="{E5BE3A65-ADA6-AEAF-69B6-B9779A59851F}"/>
               </a:ext>
             </a:extLst>
           </p:cNvPr>
@@ -18541,7 +18300,7 @@
           <p:cNvPr id="6" name="Ribbon: Curved and Tilted Down 5">
             <a:extLst>
               <a:ext uri="{FF2B5EF4-FFF2-40B4-BE49-F238E27FC236}">
-                <a16:creationId xmlns:a16="http://schemas.microsoft.com/office/drawing/2014/main" xmlns="" id="{571A9BAF-7164-4534-E0BD-EE0EDF7090A3}"/>
+                <a16:creationId xmlns:a16="http://schemas.microsoft.com/office/drawing/2014/main" id="{571A9BAF-7164-4534-E0BD-EE0EDF7090A3}"/>
               </a:ext>
             </a:extLst>
           </p:cNvPr>
@@ -18614,7 +18373,7 @@
           <p:cNvPr id="7" name="Scroll: Vertical 6">
             <a:extLst>
               <a:ext uri="{FF2B5EF4-FFF2-40B4-BE49-F238E27FC236}">
-                <a16:creationId xmlns:a16="http://schemas.microsoft.com/office/drawing/2014/main" xmlns="" id="{82B3A4DF-1DDB-DA3D-C01E-CA4956EC89D7}"/>
+                <a16:creationId xmlns:a16="http://schemas.microsoft.com/office/drawing/2014/main" id="{82B3A4DF-1DDB-DA3D-C01E-CA4956EC89D7}"/>
               </a:ext>
             </a:extLst>
           </p:cNvPr>
@@ -18930,7 +18689,7 @@
     </p:spTree>
     <p:extLst>
       <p:ext uri="{BB962C8B-B14F-4D97-AF65-F5344CB8AC3E}">
-        <p14:creationId xmlns:p14="http://schemas.microsoft.com/office/powerpoint/2010/main" xmlns="" val="3160480842"/>
+        <p14:creationId xmlns:p14="http://schemas.microsoft.com/office/powerpoint/2010/main" val="3160480842"/>
       </p:ext>
     </p:extLst>
   </p:cSld>
@@ -19191,7 +18950,7 @@
   <a:extraClrSchemeLst/>
   <a:extLst>
     <a:ext uri="{05A4C25C-085E-4340-85A3-A5531E510DB2}">
-      <thm15:themeFamily xmlns:thm15="http://schemas.microsoft.com/office/thememl/2012/main" xmlns="" name="Facet" id="{C0C680CD-088A-49FC-A102-D699147F32B2}" vid="{8C59B386-999D-4CB6-B907-9F3997C027CC}"/>
+      <thm15:themeFamily xmlns:thm15="http://schemas.microsoft.com/office/thememl/2012/main" name="Facet" id="{C0C680CD-088A-49FC-A102-D699147F32B2}" vid="{8C59B386-999D-4CB6-B907-9F3997C027CC}"/>
     </a:ext>
   </a:extLst>
 </a:theme>

--- a/Javascript Tutorials.pptx
+++ b/Javascript Tutorials.pptx
@@ -30,6 +30,11 @@
     <p:sldId id="278" r:id="rId24"/>
     <p:sldId id="279" r:id="rId25"/>
     <p:sldId id="280" r:id="rId26"/>
+    <p:sldId id="281" r:id="rId27"/>
+    <p:sldId id="282" r:id="rId28"/>
+    <p:sldId id="283" r:id="rId29"/>
+    <p:sldId id="284" r:id="rId30"/>
+    <p:sldId id="285" r:id="rId31"/>
   </p:sldIdLst>
   <p:sldSz cx="12192000" cy="6858000"/>
   <p:notesSz cx="6858000" cy="9144000"/>
@@ -130,7 +135,7 @@
   </p:defaultTextStyle>
   <p:extLst>
     <p:ext uri="{EFAFB233-063F-42B5-8137-9DF3F51BA10A}">
-      <p15:sldGuideLst xmlns:p15="http://schemas.microsoft.com/office/powerpoint/2012/main">
+      <p15:sldGuideLst xmlns:p15="http://schemas.microsoft.com/office/powerpoint/2012/main" xmlns="">
         <p15:guide id="1" orient="horz" pos="2160">
           <p15:clr>
             <a:srgbClr val="A4A3A4"/>
@@ -924,7 +929,7 @@
     </p:spTree>
     <p:extLst>
       <p:ext uri="{BB962C8B-B14F-4D97-AF65-F5344CB8AC3E}">
-        <p14:creationId xmlns:p14="http://schemas.microsoft.com/office/powerpoint/2010/main" val="2121369331"/>
+        <p14:creationId xmlns:p14="http://schemas.microsoft.com/office/powerpoint/2010/main" xmlns="" val="2121369331"/>
       </p:ext>
     </p:extLst>
   </p:cSld>
@@ -1177,7 +1182,7 @@
     </p:spTree>
     <p:extLst>
       <p:ext uri="{BB962C8B-B14F-4D97-AF65-F5344CB8AC3E}">
-        <p14:creationId xmlns:p14="http://schemas.microsoft.com/office/powerpoint/2010/main" val="4277845334"/>
+        <p14:creationId xmlns:p14="http://schemas.microsoft.com/office/powerpoint/2010/main" xmlns="" val="4277845334"/>
       </p:ext>
     </p:extLst>
   </p:cSld>
@@ -1569,7 +1574,7 @@
     </p:spTree>
     <p:extLst>
       <p:ext uri="{BB962C8B-B14F-4D97-AF65-F5344CB8AC3E}">
-        <p14:creationId xmlns:p14="http://schemas.microsoft.com/office/powerpoint/2010/main" val="4103336880"/>
+        <p14:creationId xmlns:p14="http://schemas.microsoft.com/office/powerpoint/2010/main" xmlns="" val="4103336880"/>
       </p:ext>
     </p:extLst>
   </p:cSld>
@@ -1822,7 +1827,7 @@
     </p:spTree>
     <p:extLst>
       <p:ext uri="{BB962C8B-B14F-4D97-AF65-F5344CB8AC3E}">
-        <p14:creationId xmlns:p14="http://schemas.microsoft.com/office/powerpoint/2010/main" val="2317848287"/>
+        <p14:creationId xmlns:p14="http://schemas.microsoft.com/office/powerpoint/2010/main" xmlns="" val="2317848287"/>
       </p:ext>
     </p:extLst>
   </p:cSld>
@@ -2214,7 +2219,7 @@
     </p:spTree>
     <p:extLst>
       <p:ext uri="{BB962C8B-B14F-4D97-AF65-F5344CB8AC3E}">
-        <p14:creationId xmlns:p14="http://schemas.microsoft.com/office/powerpoint/2010/main" val="4054754721"/>
+        <p14:creationId xmlns:p14="http://schemas.microsoft.com/office/powerpoint/2010/main" xmlns="" val="4054754721"/>
       </p:ext>
     </p:extLst>
   </p:cSld>
@@ -2527,7 +2532,7 @@
     </p:spTree>
     <p:extLst>
       <p:ext uri="{BB962C8B-B14F-4D97-AF65-F5344CB8AC3E}">
-        <p14:creationId xmlns:p14="http://schemas.microsoft.com/office/powerpoint/2010/main" val="3698809145"/>
+        <p14:creationId xmlns:p14="http://schemas.microsoft.com/office/powerpoint/2010/main" xmlns="" val="3698809145"/>
       </p:ext>
     </p:extLst>
   </p:cSld>
@@ -2699,7 +2704,7 @@
     </p:spTree>
     <p:extLst>
       <p:ext uri="{BB962C8B-B14F-4D97-AF65-F5344CB8AC3E}">
-        <p14:creationId xmlns:p14="http://schemas.microsoft.com/office/powerpoint/2010/main" val="4102912012"/>
+        <p14:creationId xmlns:p14="http://schemas.microsoft.com/office/powerpoint/2010/main" xmlns="" val="4102912012"/>
       </p:ext>
     </p:extLst>
   </p:cSld>
@@ -2881,7 +2886,7 @@
     </p:spTree>
     <p:extLst>
       <p:ext uri="{BB962C8B-B14F-4D97-AF65-F5344CB8AC3E}">
-        <p14:creationId xmlns:p14="http://schemas.microsoft.com/office/powerpoint/2010/main" val="1199620941"/>
+        <p14:creationId xmlns:p14="http://schemas.microsoft.com/office/powerpoint/2010/main" xmlns="" val="1199620941"/>
       </p:ext>
     </p:extLst>
   </p:cSld>
@@ -3059,7 +3064,7 @@
     </p:spTree>
     <p:extLst>
       <p:ext uri="{BB962C8B-B14F-4D97-AF65-F5344CB8AC3E}">
-        <p14:creationId xmlns:p14="http://schemas.microsoft.com/office/powerpoint/2010/main" val="901355798"/>
+        <p14:creationId xmlns:p14="http://schemas.microsoft.com/office/powerpoint/2010/main" xmlns="" val="901355798"/>
       </p:ext>
     </p:extLst>
   </p:cSld>
@@ -3308,7 +3313,7 @@
     </p:spTree>
     <p:extLst>
       <p:ext uri="{BB962C8B-B14F-4D97-AF65-F5344CB8AC3E}">
-        <p14:creationId xmlns:p14="http://schemas.microsoft.com/office/powerpoint/2010/main" val="351019068"/>
+        <p14:creationId xmlns:p14="http://schemas.microsoft.com/office/powerpoint/2010/main" xmlns="" val="351019068"/>
       </p:ext>
     </p:extLst>
   </p:cSld>
@@ -3542,7 +3547,7 @@
     </p:spTree>
     <p:extLst>
       <p:ext uri="{BB962C8B-B14F-4D97-AF65-F5344CB8AC3E}">
-        <p14:creationId xmlns:p14="http://schemas.microsoft.com/office/powerpoint/2010/main" val="3037334119"/>
+        <p14:creationId xmlns:p14="http://schemas.microsoft.com/office/powerpoint/2010/main" xmlns="" val="3037334119"/>
       </p:ext>
     </p:extLst>
   </p:cSld>
@@ -3918,7 +3923,7 @@
     </p:spTree>
     <p:extLst>
       <p:ext uri="{BB962C8B-B14F-4D97-AF65-F5344CB8AC3E}">
-        <p14:creationId xmlns:p14="http://schemas.microsoft.com/office/powerpoint/2010/main" val="3959179014"/>
+        <p14:creationId xmlns:p14="http://schemas.microsoft.com/office/powerpoint/2010/main" xmlns="" val="3959179014"/>
       </p:ext>
     </p:extLst>
   </p:cSld>
@@ -4043,7 +4048,7 @@
     </p:spTree>
     <p:extLst>
       <p:ext uri="{BB962C8B-B14F-4D97-AF65-F5344CB8AC3E}">
-        <p14:creationId xmlns:p14="http://schemas.microsoft.com/office/powerpoint/2010/main" val="143817896"/>
+        <p14:creationId xmlns:p14="http://schemas.microsoft.com/office/powerpoint/2010/main" xmlns="" val="143817896"/>
       </p:ext>
     </p:extLst>
   </p:cSld>
@@ -4140,7 +4145,7 @@
     </p:spTree>
     <p:extLst>
       <p:ext uri="{BB962C8B-B14F-4D97-AF65-F5344CB8AC3E}">
-        <p14:creationId xmlns:p14="http://schemas.microsoft.com/office/powerpoint/2010/main" val="1053529793"/>
+        <p14:creationId xmlns:p14="http://schemas.microsoft.com/office/powerpoint/2010/main" xmlns="" val="1053529793"/>
       </p:ext>
     </p:extLst>
   </p:cSld>
@@ -4397,7 +4402,7 @@
     </p:spTree>
     <p:extLst>
       <p:ext uri="{BB962C8B-B14F-4D97-AF65-F5344CB8AC3E}">
-        <p14:creationId xmlns:p14="http://schemas.microsoft.com/office/powerpoint/2010/main" val="1549564702"/>
+        <p14:creationId xmlns:p14="http://schemas.microsoft.com/office/powerpoint/2010/main" xmlns="" val="1549564702"/>
       </p:ext>
     </p:extLst>
   </p:cSld>
@@ -4662,7 +4667,7 @@
     </p:spTree>
     <p:extLst>
       <p:ext uri="{BB962C8B-B14F-4D97-AF65-F5344CB8AC3E}">
-        <p14:creationId xmlns:p14="http://schemas.microsoft.com/office/powerpoint/2010/main" val="1708776435"/>
+        <p14:creationId xmlns:p14="http://schemas.microsoft.com/office/powerpoint/2010/main" xmlns="" val="1708776435"/>
       </p:ext>
     </p:extLst>
   </p:cSld>
@@ -5443,7 +5448,7 @@
     </p:spTree>
     <p:extLst>
       <p:ext uri="{BB962C8B-B14F-4D97-AF65-F5344CB8AC3E}">
-        <p14:creationId xmlns:p14="http://schemas.microsoft.com/office/powerpoint/2010/main" val="121865681"/>
+        <p14:creationId xmlns:p14="http://schemas.microsoft.com/office/powerpoint/2010/main" xmlns="" val="121865681"/>
       </p:ext>
     </p:extLst>
   </p:cSld>
@@ -5887,7 +5892,7 @@
           <p:cNvPr id="2" name="Title 1">
             <a:extLst>
               <a:ext uri="{FF2B5EF4-FFF2-40B4-BE49-F238E27FC236}">
-                <a16:creationId xmlns:a16="http://schemas.microsoft.com/office/drawing/2014/main" id="{EC93423C-79E8-2701-DB3F-2D4CA67D7A87}"/>
+                <a16:creationId xmlns:a16="http://schemas.microsoft.com/office/drawing/2014/main" xmlns="" id="{EC93423C-79E8-2701-DB3F-2D4CA67D7A87}"/>
               </a:ext>
             </a:extLst>
           </p:cNvPr>
@@ -5940,7 +5945,7 @@
           <p:cNvPr id="3" name="Subtitle 2">
             <a:extLst>
               <a:ext uri="{FF2B5EF4-FFF2-40B4-BE49-F238E27FC236}">
-                <a16:creationId xmlns:a16="http://schemas.microsoft.com/office/drawing/2014/main" id="{2A629AF9-FA04-B477-0E47-5B7F12E6FC7C}"/>
+                <a16:creationId xmlns:a16="http://schemas.microsoft.com/office/drawing/2014/main" xmlns="" id="{2A629AF9-FA04-B477-0E47-5B7F12E6FC7C}"/>
               </a:ext>
             </a:extLst>
           </p:cNvPr>
@@ -5976,7 +5981,7 @@
           <p:cNvPr id="4" name="TextBox 3">
             <a:extLst>
               <a:ext uri="{FF2B5EF4-FFF2-40B4-BE49-F238E27FC236}">
-                <a16:creationId xmlns:a16="http://schemas.microsoft.com/office/drawing/2014/main" id="{4BC27C14-3D93-9CDE-B1D8-91C6ACAF4DA4}"/>
+                <a16:creationId xmlns:a16="http://schemas.microsoft.com/office/drawing/2014/main" xmlns="" id="{4BC27C14-3D93-9CDE-B1D8-91C6ACAF4DA4}"/>
               </a:ext>
             </a:extLst>
           </p:cNvPr>
@@ -6025,7 +6030,7 @@
     </p:spTree>
     <p:extLst>
       <p:ext uri="{BB962C8B-B14F-4D97-AF65-F5344CB8AC3E}">
-        <p14:creationId xmlns:p14="http://schemas.microsoft.com/office/powerpoint/2010/main" val="889777050"/>
+        <p14:creationId xmlns:p14="http://schemas.microsoft.com/office/powerpoint/2010/main" xmlns="" val="889777050"/>
       </p:ext>
     </p:extLst>
   </p:cSld>
@@ -6043,7 +6048,7 @@
         <p:cNvPr id="1" name="">
           <a:extLst>
             <a:ext uri="{FF2B5EF4-FFF2-40B4-BE49-F238E27FC236}">
-              <a16:creationId xmlns:a16="http://schemas.microsoft.com/office/drawing/2014/main" id="{253BBDB7-3E52-64BD-6E92-66253059D34C}"/>
+              <a16:creationId xmlns:a16="http://schemas.microsoft.com/office/drawing/2014/main" xmlns="" id="{253BBDB7-3E52-64BD-6E92-66253059D34C}"/>
             </a:ext>
           </a:extLst>
         </p:cNvPr>
@@ -6063,7 +6068,7 @@
           <p:cNvPr id="2" name="Title 1">
             <a:extLst>
               <a:ext uri="{FF2B5EF4-FFF2-40B4-BE49-F238E27FC236}">
-                <a16:creationId xmlns:a16="http://schemas.microsoft.com/office/drawing/2014/main" id="{E55678BE-607F-2A2B-B318-30B2DA7F29B3}"/>
+                <a16:creationId xmlns:a16="http://schemas.microsoft.com/office/drawing/2014/main" xmlns="" id="{E55678BE-607F-2A2B-B318-30B2DA7F29B3}"/>
               </a:ext>
             </a:extLst>
           </p:cNvPr>
@@ -6100,7 +6105,7 @@
           <p:cNvPr id="3" name="Content Placeholder 2">
             <a:extLst>
               <a:ext uri="{FF2B5EF4-FFF2-40B4-BE49-F238E27FC236}">
-                <a16:creationId xmlns:a16="http://schemas.microsoft.com/office/drawing/2014/main" id="{A5951AC9-1751-ACAB-8097-E6D486A5D62D}"/>
+                <a16:creationId xmlns:a16="http://schemas.microsoft.com/office/drawing/2014/main" xmlns="" id="{A5951AC9-1751-ACAB-8097-E6D486A5D62D}"/>
               </a:ext>
             </a:extLst>
           </p:cNvPr>
@@ -6155,7 +6160,7 @@
           <p:cNvPr id="5" name="Ribbon: Curved and Tilted Down 4">
             <a:extLst>
               <a:ext uri="{FF2B5EF4-FFF2-40B4-BE49-F238E27FC236}">
-                <a16:creationId xmlns:a16="http://schemas.microsoft.com/office/drawing/2014/main" id="{29648F54-4274-51BA-8F35-F8C888E0A19B}"/>
+                <a16:creationId xmlns:a16="http://schemas.microsoft.com/office/drawing/2014/main" xmlns="" id="{29648F54-4274-51BA-8F35-F8C888E0A19B}"/>
               </a:ext>
             </a:extLst>
           </p:cNvPr>
@@ -6228,7 +6233,7 @@
           <p:cNvPr id="6" name="Scroll: Vertical 5">
             <a:extLst>
               <a:ext uri="{FF2B5EF4-FFF2-40B4-BE49-F238E27FC236}">
-                <a16:creationId xmlns:a16="http://schemas.microsoft.com/office/drawing/2014/main" id="{E3C4F40D-DC8F-F75B-7F98-E5029EC432CA}"/>
+                <a16:creationId xmlns:a16="http://schemas.microsoft.com/office/drawing/2014/main" xmlns="" id="{E3C4F40D-DC8F-F75B-7F98-E5029EC432CA}"/>
               </a:ext>
             </a:extLst>
           </p:cNvPr>
@@ -6544,7 +6549,7 @@
     </p:spTree>
     <p:extLst>
       <p:ext uri="{BB962C8B-B14F-4D97-AF65-F5344CB8AC3E}">
-        <p14:creationId xmlns:p14="http://schemas.microsoft.com/office/powerpoint/2010/main" val="609828687"/>
+        <p14:creationId xmlns:p14="http://schemas.microsoft.com/office/powerpoint/2010/main" xmlns="" val="609828687"/>
       </p:ext>
     </p:extLst>
   </p:cSld>
@@ -6562,7 +6567,7 @@
         <p:cNvPr id="1" name="">
           <a:extLst>
             <a:ext uri="{FF2B5EF4-FFF2-40B4-BE49-F238E27FC236}">
-              <a16:creationId xmlns:a16="http://schemas.microsoft.com/office/drawing/2014/main" id="{4586E9D7-F5F8-14CC-9DF6-FC4AF2EA4249}"/>
+              <a16:creationId xmlns:a16="http://schemas.microsoft.com/office/drawing/2014/main" xmlns="" id="{4586E9D7-F5F8-14CC-9DF6-FC4AF2EA4249}"/>
             </a:ext>
           </a:extLst>
         </p:cNvPr>
@@ -6582,7 +6587,7 @@
           <p:cNvPr id="2" name="Title 1">
             <a:extLst>
               <a:ext uri="{FF2B5EF4-FFF2-40B4-BE49-F238E27FC236}">
-                <a16:creationId xmlns:a16="http://schemas.microsoft.com/office/drawing/2014/main" id="{D8B67155-694F-FF61-7CDD-33A20A316215}"/>
+                <a16:creationId xmlns:a16="http://schemas.microsoft.com/office/drawing/2014/main" xmlns="" id="{D8B67155-694F-FF61-7CDD-33A20A316215}"/>
               </a:ext>
             </a:extLst>
           </p:cNvPr>
@@ -6619,7 +6624,7 @@
           <p:cNvPr id="3" name="Content Placeholder 2">
             <a:extLst>
               <a:ext uri="{FF2B5EF4-FFF2-40B4-BE49-F238E27FC236}">
-                <a16:creationId xmlns:a16="http://schemas.microsoft.com/office/drawing/2014/main" id="{2A53D2DA-721D-FC7E-8E09-BCBD844B6F9F}"/>
+                <a16:creationId xmlns:a16="http://schemas.microsoft.com/office/drawing/2014/main" xmlns="" id="{2A53D2DA-721D-FC7E-8E09-BCBD844B6F9F}"/>
               </a:ext>
             </a:extLst>
           </p:cNvPr>
@@ -6727,7 +6732,7 @@
           <p:cNvPr id="5" name="Ribbon: Curved and Tilted Down 4">
             <a:extLst>
               <a:ext uri="{FF2B5EF4-FFF2-40B4-BE49-F238E27FC236}">
-                <a16:creationId xmlns:a16="http://schemas.microsoft.com/office/drawing/2014/main" id="{3FA23525-E3EA-B8CB-FD6A-53084CA847A7}"/>
+                <a16:creationId xmlns:a16="http://schemas.microsoft.com/office/drawing/2014/main" xmlns="" id="{3FA23525-E3EA-B8CB-FD6A-53084CA847A7}"/>
               </a:ext>
             </a:extLst>
           </p:cNvPr>
@@ -6800,7 +6805,7 @@
           <p:cNvPr id="6" name="Scroll: Vertical 5">
             <a:extLst>
               <a:ext uri="{FF2B5EF4-FFF2-40B4-BE49-F238E27FC236}">
-                <a16:creationId xmlns:a16="http://schemas.microsoft.com/office/drawing/2014/main" id="{1A4C732A-2840-82C8-A359-298D925E33B3}"/>
+                <a16:creationId xmlns:a16="http://schemas.microsoft.com/office/drawing/2014/main" xmlns="" id="{1A4C732A-2840-82C8-A359-298D925E33B3}"/>
               </a:ext>
             </a:extLst>
           </p:cNvPr>
@@ -7116,7 +7121,7 @@
     </p:spTree>
     <p:extLst>
       <p:ext uri="{BB962C8B-B14F-4D97-AF65-F5344CB8AC3E}">
-        <p14:creationId xmlns:p14="http://schemas.microsoft.com/office/powerpoint/2010/main" val="3002471670"/>
+        <p14:creationId xmlns:p14="http://schemas.microsoft.com/office/powerpoint/2010/main" xmlns="" val="3002471670"/>
       </p:ext>
     </p:extLst>
   </p:cSld>
@@ -7148,7 +7153,7 @@
           <p:cNvPr id="9" name="Explosion: 14 Points 8">
             <a:extLst>
               <a:ext uri="{FF2B5EF4-FFF2-40B4-BE49-F238E27FC236}">
-                <a16:creationId xmlns:a16="http://schemas.microsoft.com/office/drawing/2014/main" id="{0A2CD68B-7A56-F86D-8B6F-4A8BF99B4C9E}"/>
+                <a16:creationId xmlns:a16="http://schemas.microsoft.com/office/drawing/2014/main" xmlns="" id="{0A2CD68B-7A56-F86D-8B6F-4A8BF99B4C9E}"/>
               </a:ext>
             </a:extLst>
           </p:cNvPr>
@@ -7203,7 +7208,7 @@
           <p:cNvPr id="4" name="Ribbon: Curved and Tilted Down 3">
             <a:extLst>
               <a:ext uri="{FF2B5EF4-FFF2-40B4-BE49-F238E27FC236}">
-                <a16:creationId xmlns:a16="http://schemas.microsoft.com/office/drawing/2014/main" id="{909DBECF-689C-9AA7-1649-9166A578EDF9}"/>
+                <a16:creationId xmlns:a16="http://schemas.microsoft.com/office/drawing/2014/main" xmlns="" id="{909DBECF-689C-9AA7-1649-9166A578EDF9}"/>
               </a:ext>
             </a:extLst>
           </p:cNvPr>
@@ -7270,7 +7275,7 @@
           <p:cNvPr id="5" name="Scroll: Vertical 4">
             <a:extLst>
               <a:ext uri="{FF2B5EF4-FFF2-40B4-BE49-F238E27FC236}">
-                <a16:creationId xmlns:a16="http://schemas.microsoft.com/office/drawing/2014/main" id="{38EB993A-3F18-C6B7-226F-EDD62B4B31DB}"/>
+                <a16:creationId xmlns:a16="http://schemas.microsoft.com/office/drawing/2014/main" xmlns="" id="{38EB993A-3F18-C6B7-226F-EDD62B4B31DB}"/>
               </a:ext>
             </a:extLst>
           </p:cNvPr>
@@ -7428,7 +7433,7 @@
           <p:cNvPr id="3" name="TextBox 2">
             <a:extLst>
               <a:ext uri="{FF2B5EF4-FFF2-40B4-BE49-F238E27FC236}">
-                <a16:creationId xmlns:a16="http://schemas.microsoft.com/office/drawing/2014/main" id="{97CE9E2B-4371-68F6-75AF-957039BA75DC}"/>
+                <a16:creationId xmlns:a16="http://schemas.microsoft.com/office/drawing/2014/main" xmlns="" id="{97CE9E2B-4371-68F6-75AF-957039BA75DC}"/>
               </a:ext>
             </a:extLst>
           </p:cNvPr>
@@ -7483,7 +7488,7 @@
           <p:cNvPr id="7" name="Title 6">
             <a:extLst>
               <a:ext uri="{FF2B5EF4-FFF2-40B4-BE49-F238E27FC236}">
-                <a16:creationId xmlns:a16="http://schemas.microsoft.com/office/drawing/2014/main" id="{77434EED-AEE3-6743-9008-B43A222A1CE2}"/>
+                <a16:creationId xmlns:a16="http://schemas.microsoft.com/office/drawing/2014/main" xmlns="" id="{77434EED-AEE3-6743-9008-B43A222A1CE2}"/>
               </a:ext>
             </a:extLst>
           </p:cNvPr>
@@ -7508,7 +7513,7 @@
           <p:cNvPr id="10" name="Title 1">
             <a:extLst>
               <a:ext uri="{FF2B5EF4-FFF2-40B4-BE49-F238E27FC236}">
-                <a16:creationId xmlns:a16="http://schemas.microsoft.com/office/drawing/2014/main" id="{6D70E990-115A-D697-159B-C41288490798}"/>
+                <a16:creationId xmlns:a16="http://schemas.microsoft.com/office/drawing/2014/main" xmlns="" id="{6D70E990-115A-D697-159B-C41288490798}"/>
               </a:ext>
             </a:extLst>
           </p:cNvPr>
@@ -7614,6 +7619,15 @@
               </a:rPr>
               <a:t>JavaScript</a:t>
             </a:r>
+            <a:r>
+              <a:rPr lang="en-US" sz="7200" b="1" dirty="0">
+                <a:solidFill>
+                  <a:schemeClr val="tx1"/>
+                </a:solidFill>
+                <a:latin typeface="Barlow Black" panose="00000A00000000000000" pitchFamily="2" charset="0"/>
+              </a:rPr>
+              <a:t/>
+            </a:r>
             <a:br>
               <a:rPr lang="en-US" sz="7200" b="1" dirty="0">
                 <a:solidFill>
@@ -7643,7 +7657,7 @@
     </p:spTree>
     <p:extLst>
       <p:ext uri="{BB962C8B-B14F-4D97-AF65-F5344CB8AC3E}">
-        <p14:creationId xmlns:p14="http://schemas.microsoft.com/office/powerpoint/2010/main" val="3287175084"/>
+        <p14:creationId xmlns:p14="http://schemas.microsoft.com/office/powerpoint/2010/main" xmlns="" val="3287175084"/>
       </p:ext>
     </p:extLst>
   </p:cSld>
@@ -7661,7 +7675,7 @@
         <p:cNvPr id="1" name="">
           <a:extLst>
             <a:ext uri="{FF2B5EF4-FFF2-40B4-BE49-F238E27FC236}">
-              <a16:creationId xmlns:a16="http://schemas.microsoft.com/office/drawing/2014/main" id="{4586E9D7-F5F8-14CC-9DF6-FC4AF2EA4249}"/>
+              <a16:creationId xmlns:a16="http://schemas.microsoft.com/office/drawing/2014/main" xmlns="" id="{4586E9D7-F5F8-14CC-9DF6-FC4AF2EA4249}"/>
             </a:ext>
           </a:extLst>
         </p:cNvPr>
@@ -7681,7 +7695,7 @@
           <p:cNvPr id="2" name="Title 1">
             <a:extLst>
               <a:ext uri="{FF2B5EF4-FFF2-40B4-BE49-F238E27FC236}">
-                <a16:creationId xmlns:a16="http://schemas.microsoft.com/office/drawing/2014/main" id="{D8B67155-694F-FF61-7CDD-33A20A316215}"/>
+                <a16:creationId xmlns:a16="http://schemas.microsoft.com/office/drawing/2014/main" xmlns="" id="{D8B67155-694F-FF61-7CDD-33A20A316215}"/>
               </a:ext>
             </a:extLst>
           </p:cNvPr>
@@ -7719,7 +7733,7 @@
           <p:cNvPr id="3" name="Content Placeholder 2">
             <a:extLst>
               <a:ext uri="{FF2B5EF4-FFF2-40B4-BE49-F238E27FC236}">
-                <a16:creationId xmlns:a16="http://schemas.microsoft.com/office/drawing/2014/main" id="{2A53D2DA-721D-FC7E-8E09-BCBD844B6F9F}"/>
+                <a16:creationId xmlns:a16="http://schemas.microsoft.com/office/drawing/2014/main" xmlns="" id="{2A53D2DA-721D-FC7E-8E09-BCBD844B6F9F}"/>
               </a:ext>
             </a:extLst>
           </p:cNvPr>
@@ -7767,7 +7781,7 @@
           <p:cNvPr id="5" name="Ribbon: Curved and Tilted Down 4">
             <a:extLst>
               <a:ext uri="{FF2B5EF4-FFF2-40B4-BE49-F238E27FC236}">
-                <a16:creationId xmlns:a16="http://schemas.microsoft.com/office/drawing/2014/main" id="{3FA23525-E3EA-B8CB-FD6A-53084CA847A7}"/>
+                <a16:creationId xmlns:a16="http://schemas.microsoft.com/office/drawing/2014/main" xmlns="" id="{3FA23525-E3EA-B8CB-FD6A-53084CA847A7}"/>
               </a:ext>
             </a:extLst>
           </p:cNvPr>
@@ -7840,7 +7854,7 @@
           <p:cNvPr id="6" name="Scroll: Vertical 5">
             <a:extLst>
               <a:ext uri="{FF2B5EF4-FFF2-40B4-BE49-F238E27FC236}">
-                <a16:creationId xmlns:a16="http://schemas.microsoft.com/office/drawing/2014/main" id="{1A4C732A-2840-82C8-A359-298D925E33B3}"/>
+                <a16:creationId xmlns:a16="http://schemas.microsoft.com/office/drawing/2014/main" xmlns="" id="{1A4C732A-2840-82C8-A359-298D925E33B3}"/>
               </a:ext>
             </a:extLst>
           </p:cNvPr>
@@ -8030,7 +8044,7 @@
     </p:spTree>
     <p:extLst>
       <p:ext uri="{BB962C8B-B14F-4D97-AF65-F5344CB8AC3E}">
-        <p14:creationId xmlns:p14="http://schemas.microsoft.com/office/powerpoint/2010/main" val="3002471670"/>
+        <p14:creationId xmlns:p14="http://schemas.microsoft.com/office/powerpoint/2010/main" xmlns="" val="3002471670"/>
       </p:ext>
     </p:extLst>
   </p:cSld>
@@ -8048,7 +8062,7 @@
         <p:cNvPr id="1" name="">
           <a:extLst>
             <a:ext uri="{FF2B5EF4-FFF2-40B4-BE49-F238E27FC236}">
-              <a16:creationId xmlns:a16="http://schemas.microsoft.com/office/drawing/2014/main" id="{4586E9D7-F5F8-14CC-9DF6-FC4AF2EA4249}"/>
+              <a16:creationId xmlns:a16="http://schemas.microsoft.com/office/drawing/2014/main" xmlns="" id="{4586E9D7-F5F8-14CC-9DF6-FC4AF2EA4249}"/>
             </a:ext>
           </a:extLst>
         </p:cNvPr>
@@ -8068,7 +8082,7 @@
           <p:cNvPr id="2" name="Title 1">
             <a:extLst>
               <a:ext uri="{FF2B5EF4-FFF2-40B4-BE49-F238E27FC236}">
-                <a16:creationId xmlns:a16="http://schemas.microsoft.com/office/drawing/2014/main" id="{D8B67155-694F-FF61-7CDD-33A20A316215}"/>
+                <a16:creationId xmlns:a16="http://schemas.microsoft.com/office/drawing/2014/main" xmlns="" id="{D8B67155-694F-FF61-7CDD-33A20A316215}"/>
               </a:ext>
             </a:extLst>
           </p:cNvPr>
@@ -8106,7 +8120,7 @@
           <p:cNvPr id="3" name="Content Placeholder 2">
             <a:extLst>
               <a:ext uri="{FF2B5EF4-FFF2-40B4-BE49-F238E27FC236}">
-                <a16:creationId xmlns:a16="http://schemas.microsoft.com/office/drawing/2014/main" id="{2A53D2DA-721D-FC7E-8E09-BCBD844B6F9F}"/>
+                <a16:creationId xmlns:a16="http://schemas.microsoft.com/office/drawing/2014/main" xmlns="" id="{2A53D2DA-721D-FC7E-8E09-BCBD844B6F9F}"/>
               </a:ext>
             </a:extLst>
           </p:cNvPr>
@@ -8230,7 +8244,7 @@
           <p:cNvPr id="5" name="Ribbon: Curved and Tilted Down 4">
             <a:extLst>
               <a:ext uri="{FF2B5EF4-FFF2-40B4-BE49-F238E27FC236}">
-                <a16:creationId xmlns:a16="http://schemas.microsoft.com/office/drawing/2014/main" id="{3FA23525-E3EA-B8CB-FD6A-53084CA847A7}"/>
+                <a16:creationId xmlns:a16="http://schemas.microsoft.com/office/drawing/2014/main" xmlns="" id="{3FA23525-E3EA-B8CB-FD6A-53084CA847A7}"/>
               </a:ext>
             </a:extLst>
           </p:cNvPr>
@@ -8303,7 +8317,7 @@
           <p:cNvPr id="6" name="Scroll: Vertical 5">
             <a:extLst>
               <a:ext uri="{FF2B5EF4-FFF2-40B4-BE49-F238E27FC236}">
-                <a16:creationId xmlns:a16="http://schemas.microsoft.com/office/drawing/2014/main" id="{1A4C732A-2840-82C8-A359-298D925E33B3}"/>
+                <a16:creationId xmlns:a16="http://schemas.microsoft.com/office/drawing/2014/main" xmlns="" id="{1A4C732A-2840-82C8-A359-298D925E33B3}"/>
               </a:ext>
             </a:extLst>
           </p:cNvPr>
@@ -8493,7 +8507,7 @@
     </p:spTree>
     <p:extLst>
       <p:ext uri="{BB962C8B-B14F-4D97-AF65-F5344CB8AC3E}">
-        <p14:creationId xmlns:p14="http://schemas.microsoft.com/office/powerpoint/2010/main" val="3002471670"/>
+        <p14:creationId xmlns:p14="http://schemas.microsoft.com/office/powerpoint/2010/main" xmlns="" val="3002471670"/>
       </p:ext>
     </p:extLst>
   </p:cSld>
@@ -8511,7 +8525,7 @@
         <p:cNvPr id="1" name="">
           <a:extLst>
             <a:ext uri="{FF2B5EF4-FFF2-40B4-BE49-F238E27FC236}">
-              <a16:creationId xmlns:a16="http://schemas.microsoft.com/office/drawing/2014/main" id="{4586E9D7-F5F8-14CC-9DF6-FC4AF2EA4249}"/>
+              <a16:creationId xmlns:a16="http://schemas.microsoft.com/office/drawing/2014/main" xmlns="" id="{4586E9D7-F5F8-14CC-9DF6-FC4AF2EA4249}"/>
             </a:ext>
           </a:extLst>
         </p:cNvPr>
@@ -8531,7 +8545,7 @@
           <p:cNvPr id="2" name="Title 1">
             <a:extLst>
               <a:ext uri="{FF2B5EF4-FFF2-40B4-BE49-F238E27FC236}">
-                <a16:creationId xmlns:a16="http://schemas.microsoft.com/office/drawing/2014/main" id="{D8B67155-694F-FF61-7CDD-33A20A316215}"/>
+                <a16:creationId xmlns:a16="http://schemas.microsoft.com/office/drawing/2014/main" xmlns="" id="{D8B67155-694F-FF61-7CDD-33A20A316215}"/>
               </a:ext>
             </a:extLst>
           </p:cNvPr>
@@ -8569,7 +8583,7 @@
           <p:cNvPr id="3" name="Content Placeholder 2">
             <a:extLst>
               <a:ext uri="{FF2B5EF4-FFF2-40B4-BE49-F238E27FC236}">
-                <a16:creationId xmlns:a16="http://schemas.microsoft.com/office/drawing/2014/main" id="{2A53D2DA-721D-FC7E-8E09-BCBD844B6F9F}"/>
+                <a16:creationId xmlns:a16="http://schemas.microsoft.com/office/drawing/2014/main" xmlns="" id="{2A53D2DA-721D-FC7E-8E09-BCBD844B6F9F}"/>
               </a:ext>
             </a:extLst>
           </p:cNvPr>
@@ -8608,7 +8622,7 @@
           <p:cNvPr id="5" name="Ribbon: Curved and Tilted Down 4">
             <a:extLst>
               <a:ext uri="{FF2B5EF4-FFF2-40B4-BE49-F238E27FC236}">
-                <a16:creationId xmlns:a16="http://schemas.microsoft.com/office/drawing/2014/main" id="{3FA23525-E3EA-B8CB-FD6A-53084CA847A7}"/>
+                <a16:creationId xmlns:a16="http://schemas.microsoft.com/office/drawing/2014/main" xmlns="" id="{3FA23525-E3EA-B8CB-FD6A-53084CA847A7}"/>
               </a:ext>
             </a:extLst>
           </p:cNvPr>
@@ -8681,7 +8695,7 @@
           <p:cNvPr id="6" name="Scroll: Vertical 5">
             <a:extLst>
               <a:ext uri="{FF2B5EF4-FFF2-40B4-BE49-F238E27FC236}">
-                <a16:creationId xmlns:a16="http://schemas.microsoft.com/office/drawing/2014/main" id="{1A4C732A-2840-82C8-A359-298D925E33B3}"/>
+                <a16:creationId xmlns:a16="http://schemas.microsoft.com/office/drawing/2014/main" xmlns="" id="{1A4C732A-2840-82C8-A359-298D925E33B3}"/>
               </a:ext>
             </a:extLst>
           </p:cNvPr>
@@ -8904,7 +8918,7 @@
     </p:spTree>
     <p:extLst>
       <p:ext uri="{BB962C8B-B14F-4D97-AF65-F5344CB8AC3E}">
-        <p14:creationId xmlns:p14="http://schemas.microsoft.com/office/powerpoint/2010/main" val="3002471670"/>
+        <p14:creationId xmlns:p14="http://schemas.microsoft.com/office/powerpoint/2010/main" xmlns="" val="3002471670"/>
       </p:ext>
     </p:extLst>
   </p:cSld>
@@ -8922,7 +8936,7 @@
         <p:cNvPr id="1" name="">
           <a:extLst>
             <a:ext uri="{FF2B5EF4-FFF2-40B4-BE49-F238E27FC236}">
-              <a16:creationId xmlns:a16="http://schemas.microsoft.com/office/drawing/2014/main" id="{4586E9D7-F5F8-14CC-9DF6-FC4AF2EA4249}"/>
+              <a16:creationId xmlns:a16="http://schemas.microsoft.com/office/drawing/2014/main" xmlns="" id="{4586E9D7-F5F8-14CC-9DF6-FC4AF2EA4249}"/>
             </a:ext>
           </a:extLst>
         </p:cNvPr>
@@ -8942,7 +8956,7 @@
           <p:cNvPr id="2" name="Title 1">
             <a:extLst>
               <a:ext uri="{FF2B5EF4-FFF2-40B4-BE49-F238E27FC236}">
-                <a16:creationId xmlns:a16="http://schemas.microsoft.com/office/drawing/2014/main" id="{D8B67155-694F-FF61-7CDD-33A20A316215}"/>
+                <a16:creationId xmlns:a16="http://schemas.microsoft.com/office/drawing/2014/main" xmlns="" id="{D8B67155-694F-FF61-7CDD-33A20A316215}"/>
               </a:ext>
             </a:extLst>
           </p:cNvPr>
@@ -8980,7 +8994,7 @@
           <p:cNvPr id="3" name="Content Placeholder 2">
             <a:extLst>
               <a:ext uri="{FF2B5EF4-FFF2-40B4-BE49-F238E27FC236}">
-                <a16:creationId xmlns:a16="http://schemas.microsoft.com/office/drawing/2014/main" id="{2A53D2DA-721D-FC7E-8E09-BCBD844B6F9F}"/>
+                <a16:creationId xmlns:a16="http://schemas.microsoft.com/office/drawing/2014/main" xmlns="" id="{2A53D2DA-721D-FC7E-8E09-BCBD844B6F9F}"/>
               </a:ext>
             </a:extLst>
           </p:cNvPr>
@@ -9177,7 +9191,7 @@
           <p:cNvPr id="5" name="Ribbon: Curved and Tilted Down 4">
             <a:extLst>
               <a:ext uri="{FF2B5EF4-FFF2-40B4-BE49-F238E27FC236}">
-                <a16:creationId xmlns:a16="http://schemas.microsoft.com/office/drawing/2014/main" id="{3FA23525-E3EA-B8CB-FD6A-53084CA847A7}"/>
+                <a16:creationId xmlns:a16="http://schemas.microsoft.com/office/drawing/2014/main" xmlns="" id="{3FA23525-E3EA-B8CB-FD6A-53084CA847A7}"/>
               </a:ext>
             </a:extLst>
           </p:cNvPr>
@@ -9250,7 +9264,7 @@
           <p:cNvPr id="6" name="Scroll: Vertical 5">
             <a:extLst>
               <a:ext uri="{FF2B5EF4-FFF2-40B4-BE49-F238E27FC236}">
-                <a16:creationId xmlns:a16="http://schemas.microsoft.com/office/drawing/2014/main" id="{1A4C732A-2840-82C8-A359-298D925E33B3}"/>
+                <a16:creationId xmlns:a16="http://schemas.microsoft.com/office/drawing/2014/main" xmlns="" id="{1A4C732A-2840-82C8-A359-298D925E33B3}"/>
               </a:ext>
             </a:extLst>
           </p:cNvPr>
@@ -9440,7 +9454,7 @@
     </p:spTree>
     <p:extLst>
       <p:ext uri="{BB962C8B-B14F-4D97-AF65-F5344CB8AC3E}">
-        <p14:creationId xmlns:p14="http://schemas.microsoft.com/office/powerpoint/2010/main" val="3002471670"/>
+        <p14:creationId xmlns:p14="http://schemas.microsoft.com/office/powerpoint/2010/main" xmlns="" val="3002471670"/>
       </p:ext>
     </p:extLst>
   </p:cSld>
@@ -9472,7 +9486,7 @@
           <p:cNvPr id="9" name="Explosion: 14 Points 8">
             <a:extLst>
               <a:ext uri="{FF2B5EF4-FFF2-40B4-BE49-F238E27FC236}">
-                <a16:creationId xmlns:a16="http://schemas.microsoft.com/office/drawing/2014/main" id="{0A2CD68B-7A56-F86D-8B6F-4A8BF99B4C9E}"/>
+                <a16:creationId xmlns:a16="http://schemas.microsoft.com/office/drawing/2014/main" xmlns="" id="{0A2CD68B-7A56-F86D-8B6F-4A8BF99B4C9E}"/>
               </a:ext>
             </a:extLst>
           </p:cNvPr>
@@ -9527,7 +9541,7 @@
           <p:cNvPr id="2" name="Title 1">
             <a:extLst>
               <a:ext uri="{FF2B5EF4-FFF2-40B4-BE49-F238E27FC236}">
-                <a16:creationId xmlns:a16="http://schemas.microsoft.com/office/drawing/2014/main" id="{62BB4F8D-44B7-9866-F7B2-6375CB902974}"/>
+                <a16:creationId xmlns:a16="http://schemas.microsoft.com/office/drawing/2014/main" xmlns="" id="{62BB4F8D-44B7-9866-F7B2-6375CB902974}"/>
               </a:ext>
             </a:extLst>
           </p:cNvPr>
@@ -9561,6 +9575,15 @@
               </a:rPr>
               <a:t>JavaScript</a:t>
             </a:r>
+            <a:r>
+              <a:rPr lang="en-US" sz="7200" b="1" dirty="0">
+                <a:solidFill>
+                  <a:schemeClr val="tx1"/>
+                </a:solidFill>
+                <a:latin typeface="Barlow Black" panose="00000A00000000000000" pitchFamily="2" charset="0"/>
+              </a:rPr>
+              <a:t/>
+            </a:r>
             <a:br>
               <a:rPr lang="en-US" sz="7200" b="1" dirty="0">
                 <a:solidFill>
@@ -9636,7 +9659,7 @@
           <p:cNvPr id="4" name="Ribbon: Curved and Tilted Down 3">
             <a:extLst>
               <a:ext uri="{FF2B5EF4-FFF2-40B4-BE49-F238E27FC236}">
-                <a16:creationId xmlns:a16="http://schemas.microsoft.com/office/drawing/2014/main" id="{909DBECF-689C-9AA7-1649-9166A578EDF9}"/>
+                <a16:creationId xmlns:a16="http://schemas.microsoft.com/office/drawing/2014/main" xmlns="" id="{909DBECF-689C-9AA7-1649-9166A578EDF9}"/>
               </a:ext>
             </a:extLst>
           </p:cNvPr>
@@ -9703,7 +9726,7 @@
           <p:cNvPr id="5" name="Scroll: Vertical 4">
             <a:extLst>
               <a:ext uri="{FF2B5EF4-FFF2-40B4-BE49-F238E27FC236}">
-                <a16:creationId xmlns:a16="http://schemas.microsoft.com/office/drawing/2014/main" id="{38EB993A-3F18-C6B7-226F-EDD62B4B31DB}"/>
+                <a16:creationId xmlns:a16="http://schemas.microsoft.com/office/drawing/2014/main" xmlns="" id="{38EB993A-3F18-C6B7-226F-EDD62B4B31DB}"/>
               </a:ext>
             </a:extLst>
           </p:cNvPr>
@@ -10115,7 +10138,7 @@
           <p:cNvPr id="3" name="TextBox 2">
             <a:extLst>
               <a:ext uri="{FF2B5EF4-FFF2-40B4-BE49-F238E27FC236}">
-                <a16:creationId xmlns:a16="http://schemas.microsoft.com/office/drawing/2014/main" id="{17C06F8A-D1E5-957B-796C-892968B95A50}"/>
+                <a16:creationId xmlns:a16="http://schemas.microsoft.com/office/drawing/2014/main" xmlns="" id="{17C06F8A-D1E5-957B-796C-892968B95A50}"/>
               </a:ext>
             </a:extLst>
           </p:cNvPr>
@@ -10168,7 +10191,7 @@
     </p:spTree>
     <p:extLst>
       <p:ext uri="{BB962C8B-B14F-4D97-AF65-F5344CB8AC3E}">
-        <p14:creationId xmlns:p14="http://schemas.microsoft.com/office/powerpoint/2010/main" val="3287175084"/>
+        <p14:creationId xmlns:p14="http://schemas.microsoft.com/office/powerpoint/2010/main" xmlns="" val="3287175084"/>
       </p:ext>
     </p:extLst>
   </p:cSld>
@@ -10200,7 +10223,7 @@
           <p:cNvPr id="9" name="Explosion: 14 Points 8">
             <a:extLst>
               <a:ext uri="{FF2B5EF4-FFF2-40B4-BE49-F238E27FC236}">
-                <a16:creationId xmlns:a16="http://schemas.microsoft.com/office/drawing/2014/main" id="{0A2CD68B-7A56-F86D-8B6F-4A8BF99B4C9E}"/>
+                <a16:creationId xmlns:a16="http://schemas.microsoft.com/office/drawing/2014/main" xmlns="" id="{0A2CD68B-7A56-F86D-8B6F-4A8BF99B4C9E}"/>
               </a:ext>
             </a:extLst>
           </p:cNvPr>
@@ -10255,7 +10278,7 @@
           <p:cNvPr id="2" name="Title 1">
             <a:extLst>
               <a:ext uri="{FF2B5EF4-FFF2-40B4-BE49-F238E27FC236}">
-                <a16:creationId xmlns:a16="http://schemas.microsoft.com/office/drawing/2014/main" id="{62BB4F8D-44B7-9866-F7B2-6375CB902974}"/>
+                <a16:creationId xmlns:a16="http://schemas.microsoft.com/office/drawing/2014/main" xmlns="" id="{62BB4F8D-44B7-9866-F7B2-6375CB902974}"/>
               </a:ext>
             </a:extLst>
           </p:cNvPr>
@@ -10289,6 +10312,15 @@
               </a:rPr>
               <a:t>JavaScript</a:t>
             </a:r>
+            <a:r>
+              <a:rPr lang="en-US" sz="7200" b="1" dirty="0">
+                <a:solidFill>
+                  <a:schemeClr val="tx1"/>
+                </a:solidFill>
+                <a:latin typeface="Barlow Black" panose="00000A00000000000000" pitchFamily="2" charset="0"/>
+              </a:rPr>
+              <a:t/>
+            </a:r>
             <a:br>
               <a:rPr lang="en-US" sz="7200" b="1" dirty="0">
                 <a:solidFill>
@@ -10367,7 +10399,7 @@
           <p:cNvPr id="4" name="Ribbon: Curved and Tilted Down 3">
             <a:extLst>
               <a:ext uri="{FF2B5EF4-FFF2-40B4-BE49-F238E27FC236}">
-                <a16:creationId xmlns:a16="http://schemas.microsoft.com/office/drawing/2014/main" id="{909DBECF-689C-9AA7-1649-9166A578EDF9}"/>
+                <a16:creationId xmlns:a16="http://schemas.microsoft.com/office/drawing/2014/main" xmlns="" id="{909DBECF-689C-9AA7-1649-9166A578EDF9}"/>
               </a:ext>
             </a:extLst>
           </p:cNvPr>
@@ -10434,7 +10466,7 @@
           <p:cNvPr id="5" name="Scroll: Vertical 4">
             <a:extLst>
               <a:ext uri="{FF2B5EF4-FFF2-40B4-BE49-F238E27FC236}">
-                <a16:creationId xmlns:a16="http://schemas.microsoft.com/office/drawing/2014/main" id="{38EB993A-3F18-C6B7-226F-EDD62B4B31DB}"/>
+                <a16:creationId xmlns:a16="http://schemas.microsoft.com/office/drawing/2014/main" xmlns="" id="{38EB993A-3F18-C6B7-226F-EDD62B4B31DB}"/>
               </a:ext>
             </a:extLst>
           </p:cNvPr>
@@ -10558,7 +10590,7 @@
           <p:cNvPr id="3" name="TextBox 2">
             <a:extLst>
               <a:ext uri="{FF2B5EF4-FFF2-40B4-BE49-F238E27FC236}">
-                <a16:creationId xmlns:a16="http://schemas.microsoft.com/office/drawing/2014/main" id="{3D319B42-23F8-5263-DE6F-22326C838292}"/>
+                <a16:creationId xmlns:a16="http://schemas.microsoft.com/office/drawing/2014/main" xmlns="" id="{3D319B42-23F8-5263-DE6F-22326C838292}"/>
               </a:ext>
             </a:extLst>
           </p:cNvPr>
@@ -10611,7 +10643,7 @@
     </p:spTree>
     <p:extLst>
       <p:ext uri="{BB962C8B-B14F-4D97-AF65-F5344CB8AC3E}">
-        <p14:creationId xmlns:p14="http://schemas.microsoft.com/office/powerpoint/2010/main" val="3287175084"/>
+        <p14:creationId xmlns:p14="http://schemas.microsoft.com/office/powerpoint/2010/main" xmlns="" val="3287175084"/>
       </p:ext>
     </p:extLst>
   </p:cSld>
@@ -10629,7 +10661,7 @@
         <p:cNvPr id="1" name="">
           <a:extLst>
             <a:ext uri="{FF2B5EF4-FFF2-40B4-BE49-F238E27FC236}">
-              <a16:creationId xmlns:a16="http://schemas.microsoft.com/office/drawing/2014/main" id="{C5637B91-7316-D738-42FD-B6F1CC38AB90}"/>
+              <a16:creationId xmlns:a16="http://schemas.microsoft.com/office/drawing/2014/main" xmlns="" id="{C5637B91-7316-D738-42FD-B6F1CC38AB90}"/>
             </a:ext>
           </a:extLst>
         </p:cNvPr>
@@ -10649,7 +10681,7 @@
           <p:cNvPr id="2" name="Title 1">
             <a:extLst>
               <a:ext uri="{FF2B5EF4-FFF2-40B4-BE49-F238E27FC236}">
-                <a16:creationId xmlns:a16="http://schemas.microsoft.com/office/drawing/2014/main" id="{0BB42E27-7C22-C4E2-3B23-3F7F20980B00}"/>
+                <a16:creationId xmlns:a16="http://schemas.microsoft.com/office/drawing/2014/main" xmlns="" id="{0BB42E27-7C22-C4E2-3B23-3F7F20980B00}"/>
               </a:ext>
             </a:extLst>
           </p:cNvPr>
@@ -10687,7 +10719,7 @@
           <p:cNvPr id="3" name="Content Placeholder 2">
             <a:extLst>
               <a:ext uri="{FF2B5EF4-FFF2-40B4-BE49-F238E27FC236}">
-                <a16:creationId xmlns:a16="http://schemas.microsoft.com/office/drawing/2014/main" id="{514ACDD6-0D2B-0B03-F18B-91318DCF7D9A}"/>
+                <a16:creationId xmlns:a16="http://schemas.microsoft.com/office/drawing/2014/main" xmlns="" id="{514ACDD6-0D2B-0B03-F18B-91318DCF7D9A}"/>
               </a:ext>
             </a:extLst>
           </p:cNvPr>
@@ -10721,9 +10753,17 @@
               </a:rPr>
               <a:t>Single line comment</a:t>
             </a:r>
+            <a:r>
+              <a:rPr lang="en-US" sz="2000" dirty="0"/>
+              <a:t/>
+            </a:r>
             <a:br>
               <a:rPr lang="en-US" sz="2000" dirty="0"/>
             </a:br>
+            <a:r>
+              <a:rPr lang="en-US" sz="2000" dirty="0"/>
+              <a:t/>
+            </a:r>
             <a:br>
               <a:rPr lang="en-US" sz="2000" dirty="0"/>
             </a:br>
@@ -10761,6 +10801,14 @@
                 </a:solidFill>
               </a:rPr>
             </a:br>
+            <a:r>
+              <a:rPr lang="en-US" sz="2000" dirty="0">
+                <a:solidFill>
+                  <a:schemeClr val="tx1"/>
+                </a:solidFill>
+              </a:rPr>
+              <a:t/>
+            </a:r>
             <a:br>
               <a:rPr lang="en-US" sz="2000" dirty="0">
                 <a:solidFill>
@@ -10786,6 +10834,10 @@
               </a:rPr>
               <a:t>Inline comment</a:t>
             </a:r>
+            <a:r>
+              <a:rPr lang="en-US" sz="2000" dirty="0"/>
+              <a:t/>
+            </a:r>
             <a:br>
               <a:rPr lang="en-US" sz="2000" dirty="0"/>
             </a:br>
@@ -10812,6 +10864,16 @@
                 </a:solidFill>
               </a:rPr>
             </a:br>
+            <a:r>
+              <a:rPr lang="en-US" sz="2000" dirty="0">
+                <a:solidFill>
+                  <a:schemeClr val="tx1">
+                    <a:lumMod val="50000"/>
+                  </a:schemeClr>
+                </a:solidFill>
+              </a:rPr>
+              <a:t/>
+            </a:r>
             <a:br>
               <a:rPr lang="en-US" sz="2000" dirty="0">
                 <a:solidFill>
@@ -10841,6 +10903,10 @@
               </a:rPr>
               <a:t>Multiline comment</a:t>
             </a:r>
+            <a:r>
+              <a:rPr lang="en-US" sz="2000" dirty="0"/>
+              <a:t/>
+            </a:r>
             <a:br>
               <a:rPr lang="en-US" sz="2000" dirty="0"/>
             </a:br>
@@ -10955,7 +11021,7 @@
           <p:cNvPr id="5" name="Ribbon: Curved and Tilted Down 4">
             <a:extLst>
               <a:ext uri="{FF2B5EF4-FFF2-40B4-BE49-F238E27FC236}">
-                <a16:creationId xmlns:a16="http://schemas.microsoft.com/office/drawing/2014/main" id="{D1D7DB93-DBF3-0DF0-3533-AC1786837990}"/>
+                <a16:creationId xmlns:a16="http://schemas.microsoft.com/office/drawing/2014/main" xmlns="" id="{D1D7DB93-DBF3-0DF0-3533-AC1786837990}"/>
               </a:ext>
             </a:extLst>
           </p:cNvPr>
@@ -11028,7 +11094,7 @@
           <p:cNvPr id="6" name="Scroll: Vertical 5">
             <a:extLst>
               <a:ext uri="{FF2B5EF4-FFF2-40B4-BE49-F238E27FC236}">
-                <a16:creationId xmlns:a16="http://schemas.microsoft.com/office/drawing/2014/main" id="{4B810CE8-F172-ABEF-9B5B-F6C6A3F4D513}"/>
+                <a16:creationId xmlns:a16="http://schemas.microsoft.com/office/drawing/2014/main" xmlns="" id="{4B810CE8-F172-ABEF-9B5B-F6C6A3F4D513}"/>
               </a:ext>
             </a:extLst>
           </p:cNvPr>
@@ -11154,7 +11220,7 @@
           <p:cNvPr id="7" name="TextBox 6">
             <a:extLst>
               <a:ext uri="{FF2B5EF4-FFF2-40B4-BE49-F238E27FC236}">
-                <a16:creationId xmlns:a16="http://schemas.microsoft.com/office/drawing/2014/main" id="{7C7A2712-C9B9-958D-594C-39F36B75B90A}"/>
+                <a16:creationId xmlns:a16="http://schemas.microsoft.com/office/drawing/2014/main" xmlns="" id="{7C7A2712-C9B9-958D-594C-39F36B75B90A}"/>
               </a:ext>
             </a:extLst>
           </p:cNvPr>
@@ -11204,7 +11270,7 @@
     </p:spTree>
     <p:extLst>
       <p:ext uri="{BB962C8B-B14F-4D97-AF65-F5344CB8AC3E}">
-        <p14:creationId xmlns:p14="http://schemas.microsoft.com/office/powerpoint/2010/main" val="693676810"/>
+        <p14:creationId xmlns:p14="http://schemas.microsoft.com/office/powerpoint/2010/main" xmlns="" val="693676810"/>
       </p:ext>
     </p:extLst>
   </p:cSld>
@@ -11236,7 +11302,7 @@
           <p:cNvPr id="9" name="Explosion: 14 Points 8">
             <a:extLst>
               <a:ext uri="{FF2B5EF4-FFF2-40B4-BE49-F238E27FC236}">
-                <a16:creationId xmlns:a16="http://schemas.microsoft.com/office/drawing/2014/main" id="{0A2CD68B-7A56-F86D-8B6F-4A8BF99B4C9E}"/>
+                <a16:creationId xmlns:a16="http://schemas.microsoft.com/office/drawing/2014/main" xmlns="" id="{0A2CD68B-7A56-F86D-8B6F-4A8BF99B4C9E}"/>
               </a:ext>
             </a:extLst>
           </p:cNvPr>
@@ -11291,7 +11357,7 @@
           <p:cNvPr id="2" name="Title 1">
             <a:extLst>
               <a:ext uri="{FF2B5EF4-FFF2-40B4-BE49-F238E27FC236}">
-                <a16:creationId xmlns:a16="http://schemas.microsoft.com/office/drawing/2014/main" id="{62BB4F8D-44B7-9866-F7B2-6375CB902974}"/>
+                <a16:creationId xmlns:a16="http://schemas.microsoft.com/office/drawing/2014/main" xmlns="" id="{62BB4F8D-44B7-9866-F7B2-6375CB902974}"/>
               </a:ext>
             </a:extLst>
           </p:cNvPr>
@@ -11325,6 +11391,15 @@
               </a:rPr>
               <a:t>JavaScript</a:t>
             </a:r>
+            <a:r>
+              <a:rPr lang="en-US" sz="7200" b="1" dirty="0">
+                <a:solidFill>
+                  <a:schemeClr val="tx1"/>
+                </a:solidFill>
+                <a:latin typeface="Barlow Black" panose="00000A00000000000000" pitchFamily="2" charset="0"/>
+              </a:rPr>
+              <a:t/>
+            </a:r>
             <a:br>
               <a:rPr lang="en-US" sz="7200" b="1" dirty="0">
                 <a:solidFill>
@@ -11356,7 +11431,7 @@
           <p:cNvPr id="4" name="Ribbon: Curved and Tilted Down 3">
             <a:extLst>
               <a:ext uri="{FF2B5EF4-FFF2-40B4-BE49-F238E27FC236}">
-                <a16:creationId xmlns:a16="http://schemas.microsoft.com/office/drawing/2014/main" id="{909DBECF-689C-9AA7-1649-9166A578EDF9}"/>
+                <a16:creationId xmlns:a16="http://schemas.microsoft.com/office/drawing/2014/main" xmlns="" id="{909DBECF-689C-9AA7-1649-9166A578EDF9}"/>
               </a:ext>
             </a:extLst>
           </p:cNvPr>
@@ -11423,7 +11498,7 @@
           <p:cNvPr id="5" name="Scroll: Vertical 4">
             <a:extLst>
               <a:ext uri="{FF2B5EF4-FFF2-40B4-BE49-F238E27FC236}">
-                <a16:creationId xmlns:a16="http://schemas.microsoft.com/office/drawing/2014/main" id="{38EB993A-3F18-C6B7-226F-EDD62B4B31DB}"/>
+                <a16:creationId xmlns:a16="http://schemas.microsoft.com/office/drawing/2014/main" xmlns="" id="{38EB993A-3F18-C6B7-226F-EDD62B4B31DB}"/>
               </a:ext>
             </a:extLst>
           </p:cNvPr>
@@ -11683,7 +11758,7 @@
           <p:cNvPr id="3" name="TextBox 2">
             <a:extLst>
               <a:ext uri="{FF2B5EF4-FFF2-40B4-BE49-F238E27FC236}">
-                <a16:creationId xmlns:a16="http://schemas.microsoft.com/office/drawing/2014/main" id="{3BE32085-0497-60C5-6142-8DF6C2C12813}"/>
+                <a16:creationId xmlns:a16="http://schemas.microsoft.com/office/drawing/2014/main" xmlns="" id="{3BE32085-0497-60C5-6142-8DF6C2C12813}"/>
               </a:ext>
             </a:extLst>
           </p:cNvPr>
@@ -11736,7 +11811,7 @@
     </p:spTree>
     <p:extLst>
       <p:ext uri="{BB962C8B-B14F-4D97-AF65-F5344CB8AC3E}">
-        <p14:creationId xmlns:p14="http://schemas.microsoft.com/office/powerpoint/2010/main" val="3287175084"/>
+        <p14:creationId xmlns:p14="http://schemas.microsoft.com/office/powerpoint/2010/main" xmlns="" val="3287175084"/>
       </p:ext>
     </p:extLst>
   </p:cSld>
@@ -11768,7 +11843,7 @@
           <p:cNvPr id="9" name="Explosion: 14 Points 8">
             <a:extLst>
               <a:ext uri="{FF2B5EF4-FFF2-40B4-BE49-F238E27FC236}">
-                <a16:creationId xmlns:a16="http://schemas.microsoft.com/office/drawing/2014/main" id="{0A2CD68B-7A56-F86D-8B6F-4A8BF99B4C9E}"/>
+                <a16:creationId xmlns:a16="http://schemas.microsoft.com/office/drawing/2014/main" xmlns="" id="{0A2CD68B-7A56-F86D-8B6F-4A8BF99B4C9E}"/>
               </a:ext>
             </a:extLst>
           </p:cNvPr>
@@ -11823,7 +11898,7 @@
           <p:cNvPr id="2" name="Title 1">
             <a:extLst>
               <a:ext uri="{FF2B5EF4-FFF2-40B4-BE49-F238E27FC236}">
-                <a16:creationId xmlns:a16="http://schemas.microsoft.com/office/drawing/2014/main" id="{62BB4F8D-44B7-9866-F7B2-6375CB902974}"/>
+                <a16:creationId xmlns:a16="http://schemas.microsoft.com/office/drawing/2014/main" xmlns="" id="{62BB4F8D-44B7-9866-F7B2-6375CB902974}"/>
               </a:ext>
             </a:extLst>
           </p:cNvPr>
@@ -11857,6 +11932,15 @@
               </a:rPr>
               <a:t>JavaScript</a:t>
             </a:r>
+            <a:r>
+              <a:rPr lang="en-US" sz="7200" b="1" dirty="0">
+                <a:solidFill>
+                  <a:schemeClr val="tx1"/>
+                </a:solidFill>
+                <a:latin typeface="Barlow Black" panose="00000A00000000000000" pitchFamily="2" charset="0"/>
+              </a:rPr>
+              <a:t/>
+            </a:r>
             <a:br>
               <a:rPr lang="en-US" sz="7200" b="1" dirty="0">
                 <a:solidFill>
@@ -11935,7 +12019,7 @@
           <p:cNvPr id="4" name="Ribbon: Curved and Tilted Down 3">
             <a:extLst>
               <a:ext uri="{FF2B5EF4-FFF2-40B4-BE49-F238E27FC236}">
-                <a16:creationId xmlns:a16="http://schemas.microsoft.com/office/drawing/2014/main" id="{909DBECF-689C-9AA7-1649-9166A578EDF9}"/>
+                <a16:creationId xmlns:a16="http://schemas.microsoft.com/office/drawing/2014/main" xmlns="" id="{909DBECF-689C-9AA7-1649-9166A578EDF9}"/>
               </a:ext>
             </a:extLst>
           </p:cNvPr>
@@ -12002,7 +12086,7 @@
           <p:cNvPr id="8" name="TextBox 7">
             <a:extLst>
               <a:ext uri="{FF2B5EF4-FFF2-40B4-BE49-F238E27FC236}">
-                <a16:creationId xmlns:a16="http://schemas.microsoft.com/office/drawing/2014/main" id="{6E6F1672-8C91-3FA6-CB80-58FD68172333}"/>
+                <a16:creationId xmlns:a16="http://schemas.microsoft.com/office/drawing/2014/main" xmlns="" id="{6E6F1672-8C91-3FA6-CB80-58FD68172333}"/>
               </a:ext>
             </a:extLst>
           </p:cNvPr>
@@ -12057,7 +12141,7 @@
           <p:cNvPr id="5" name="Scroll: Vertical 4">
             <a:extLst>
               <a:ext uri="{FF2B5EF4-FFF2-40B4-BE49-F238E27FC236}">
-                <a16:creationId xmlns:a16="http://schemas.microsoft.com/office/drawing/2014/main" id="{38EB993A-3F18-C6B7-226F-EDD62B4B31DB}"/>
+                <a16:creationId xmlns:a16="http://schemas.microsoft.com/office/drawing/2014/main" xmlns="" id="{38EB993A-3F18-C6B7-226F-EDD62B4B31DB}"/>
               </a:ext>
             </a:extLst>
           </p:cNvPr>
@@ -12237,7 +12321,7 @@
     </p:spTree>
     <p:extLst>
       <p:ext uri="{BB962C8B-B14F-4D97-AF65-F5344CB8AC3E}">
-        <p14:creationId xmlns:p14="http://schemas.microsoft.com/office/powerpoint/2010/main" val="3287175084"/>
+        <p14:creationId xmlns:p14="http://schemas.microsoft.com/office/powerpoint/2010/main" xmlns="" val="3287175084"/>
       </p:ext>
     </p:extLst>
   </p:cSld>
@@ -12255,7 +12339,7 @@
         <p:cNvPr id="1" name="">
           <a:extLst>
             <a:ext uri="{FF2B5EF4-FFF2-40B4-BE49-F238E27FC236}">
-              <a16:creationId xmlns:a16="http://schemas.microsoft.com/office/drawing/2014/main" id="{4586E9D7-F5F8-14CC-9DF6-FC4AF2EA4249}"/>
+              <a16:creationId xmlns:a16="http://schemas.microsoft.com/office/drawing/2014/main" xmlns="" id="{4586E9D7-F5F8-14CC-9DF6-FC4AF2EA4249}"/>
             </a:ext>
           </a:extLst>
         </p:cNvPr>
@@ -12275,7 +12359,7 @@
           <p:cNvPr id="2" name="Title 1">
             <a:extLst>
               <a:ext uri="{FF2B5EF4-FFF2-40B4-BE49-F238E27FC236}">
-                <a16:creationId xmlns:a16="http://schemas.microsoft.com/office/drawing/2014/main" id="{D8B67155-694F-FF61-7CDD-33A20A316215}"/>
+                <a16:creationId xmlns:a16="http://schemas.microsoft.com/office/drawing/2014/main" xmlns="" id="{D8B67155-694F-FF61-7CDD-33A20A316215}"/>
               </a:ext>
             </a:extLst>
           </p:cNvPr>
@@ -12331,7 +12415,7 @@
           <p:cNvPr id="3" name="Content Placeholder 2">
             <a:extLst>
               <a:ext uri="{FF2B5EF4-FFF2-40B4-BE49-F238E27FC236}">
-                <a16:creationId xmlns:a16="http://schemas.microsoft.com/office/drawing/2014/main" id="{2A53D2DA-721D-FC7E-8E09-BCBD844B6F9F}"/>
+                <a16:creationId xmlns:a16="http://schemas.microsoft.com/office/drawing/2014/main" xmlns="" id="{2A53D2DA-721D-FC7E-8E09-BCBD844B6F9F}"/>
               </a:ext>
             </a:extLst>
           </p:cNvPr>
@@ -12377,8 +12461,13 @@
             </a:r>
             <a:r>
               <a:rPr lang="en-US" sz="1600" dirty="0"/>
-              <a:t> 2015</a:t>
-            </a:r>
+              <a:t> </a:t>
+            </a:r>
+            <a:r>
+              <a:rPr lang="en-US" sz="1600" dirty="0" smtClean="0"/>
+              <a:t>2015)</a:t>
+            </a:r>
+            <a:endParaRPr lang="en-US" sz="1600" dirty="0"/>
           </a:p>
           <a:p>
             <a:endParaRPr lang="en-US" sz="1600" dirty="0"/>
@@ -12390,7 +12479,7 @@
           <p:cNvPr id="5" name="Ribbon: Curved and Tilted Down 4">
             <a:extLst>
               <a:ext uri="{FF2B5EF4-FFF2-40B4-BE49-F238E27FC236}">
-                <a16:creationId xmlns:a16="http://schemas.microsoft.com/office/drawing/2014/main" id="{3FA23525-E3EA-B8CB-FD6A-53084CA847A7}"/>
+                <a16:creationId xmlns:a16="http://schemas.microsoft.com/office/drawing/2014/main" xmlns="" id="{3FA23525-E3EA-B8CB-FD6A-53084CA847A7}"/>
               </a:ext>
             </a:extLst>
           </p:cNvPr>
@@ -12463,7 +12552,7 @@
           <p:cNvPr id="6" name="Scroll: Vertical 5">
             <a:extLst>
               <a:ext uri="{FF2B5EF4-FFF2-40B4-BE49-F238E27FC236}">
-                <a16:creationId xmlns:a16="http://schemas.microsoft.com/office/drawing/2014/main" id="{1A4C732A-2840-82C8-A359-298D925E33B3}"/>
+                <a16:creationId xmlns:a16="http://schemas.microsoft.com/office/drawing/2014/main" xmlns="" id="{1A4C732A-2840-82C8-A359-298D925E33B3}"/>
               </a:ext>
             </a:extLst>
           </p:cNvPr>
@@ -12704,7 +12793,7 @@
     </p:spTree>
     <p:extLst>
       <p:ext uri="{BB962C8B-B14F-4D97-AF65-F5344CB8AC3E}">
-        <p14:creationId xmlns:p14="http://schemas.microsoft.com/office/powerpoint/2010/main" val="3002471670"/>
+        <p14:creationId xmlns:p14="http://schemas.microsoft.com/office/powerpoint/2010/main" xmlns="" val="3002471670"/>
       </p:ext>
     </p:extLst>
   </p:cSld>
@@ -12722,7 +12811,7 @@
         <p:cNvPr id="1" name="">
           <a:extLst>
             <a:ext uri="{FF2B5EF4-FFF2-40B4-BE49-F238E27FC236}">
-              <a16:creationId xmlns:a16="http://schemas.microsoft.com/office/drawing/2014/main" id="{4586E9D7-F5F8-14CC-9DF6-FC4AF2EA4249}"/>
+              <a16:creationId xmlns:a16="http://schemas.microsoft.com/office/drawing/2014/main" xmlns="" id="{4586E9D7-F5F8-14CC-9DF6-FC4AF2EA4249}"/>
             </a:ext>
           </a:extLst>
         </p:cNvPr>
@@ -12742,7 +12831,7 @@
           <p:cNvPr id="2" name="Title 1">
             <a:extLst>
               <a:ext uri="{FF2B5EF4-FFF2-40B4-BE49-F238E27FC236}">
-                <a16:creationId xmlns:a16="http://schemas.microsoft.com/office/drawing/2014/main" id="{D8B67155-694F-FF61-7CDD-33A20A316215}"/>
+                <a16:creationId xmlns:a16="http://schemas.microsoft.com/office/drawing/2014/main" xmlns="" id="{D8B67155-694F-FF61-7CDD-33A20A316215}"/>
               </a:ext>
             </a:extLst>
           </p:cNvPr>
@@ -12789,7 +12878,7 @@
           <p:cNvPr id="3" name="Content Placeholder 2">
             <a:extLst>
               <a:ext uri="{FF2B5EF4-FFF2-40B4-BE49-F238E27FC236}">
-                <a16:creationId xmlns:a16="http://schemas.microsoft.com/office/drawing/2014/main" id="{2A53D2DA-721D-FC7E-8E09-BCBD844B6F9F}"/>
+                <a16:creationId xmlns:a16="http://schemas.microsoft.com/office/drawing/2014/main" xmlns="" id="{2A53D2DA-721D-FC7E-8E09-BCBD844B6F9F}"/>
               </a:ext>
             </a:extLst>
           </p:cNvPr>
@@ -12850,12 +12939,24 @@
             <a:br>
               <a:rPr lang="en-US" sz="1600" dirty="0"/>
             </a:br>
+            <a:r>
+              <a:rPr lang="en-US" sz="1600" dirty="0"/>
+              <a:t/>
+            </a:r>
             <a:br>
               <a:rPr lang="en-US" sz="1600" dirty="0"/>
             </a:br>
+            <a:r>
+              <a:rPr lang="en-US" sz="1600" dirty="0"/>
+              <a:t/>
+            </a:r>
             <a:br>
               <a:rPr lang="en-US" sz="1600" dirty="0"/>
             </a:br>
+            <a:r>
+              <a:rPr lang="en-US" sz="1600" dirty="0"/>
+              <a:t/>
+            </a:r>
             <a:br>
               <a:rPr lang="en-US" sz="1600" dirty="0"/>
             </a:br>
@@ -12886,7 +12987,7 @@
           <p:cNvPr id="5" name="Ribbon: Curved and Tilted Down 4">
             <a:extLst>
               <a:ext uri="{FF2B5EF4-FFF2-40B4-BE49-F238E27FC236}">
-                <a16:creationId xmlns:a16="http://schemas.microsoft.com/office/drawing/2014/main" id="{3FA23525-E3EA-B8CB-FD6A-53084CA847A7}"/>
+                <a16:creationId xmlns:a16="http://schemas.microsoft.com/office/drawing/2014/main" xmlns="" id="{3FA23525-E3EA-B8CB-FD6A-53084CA847A7}"/>
               </a:ext>
             </a:extLst>
           </p:cNvPr>
@@ -12959,7 +13060,7 @@
           <p:cNvPr id="6" name="Scroll: Vertical 5">
             <a:extLst>
               <a:ext uri="{FF2B5EF4-FFF2-40B4-BE49-F238E27FC236}">
-                <a16:creationId xmlns:a16="http://schemas.microsoft.com/office/drawing/2014/main" id="{1A4C732A-2840-82C8-A359-298D925E33B3}"/>
+                <a16:creationId xmlns:a16="http://schemas.microsoft.com/office/drawing/2014/main" xmlns="" id="{1A4C732A-2840-82C8-A359-298D925E33B3}"/>
               </a:ext>
             </a:extLst>
           </p:cNvPr>
@@ -13173,7 +13274,7 @@
     </p:spTree>
     <p:extLst>
       <p:ext uri="{BB962C8B-B14F-4D97-AF65-F5344CB8AC3E}">
-        <p14:creationId xmlns:p14="http://schemas.microsoft.com/office/powerpoint/2010/main" val="3002471670"/>
+        <p14:creationId xmlns:p14="http://schemas.microsoft.com/office/powerpoint/2010/main" xmlns="" val="3002471670"/>
       </p:ext>
     </p:extLst>
   </p:cSld>
@@ -13191,7 +13292,7 @@
         <p:cNvPr id="1" name="">
           <a:extLst>
             <a:ext uri="{FF2B5EF4-FFF2-40B4-BE49-F238E27FC236}">
-              <a16:creationId xmlns:a16="http://schemas.microsoft.com/office/drawing/2014/main" id="{4586E9D7-F5F8-14CC-9DF6-FC4AF2EA4249}"/>
+              <a16:creationId xmlns:a16="http://schemas.microsoft.com/office/drawing/2014/main" xmlns="" id="{4586E9D7-F5F8-14CC-9DF6-FC4AF2EA4249}"/>
             </a:ext>
           </a:extLst>
         </p:cNvPr>
@@ -13211,7 +13312,7 @@
           <p:cNvPr id="2" name="Title 1">
             <a:extLst>
               <a:ext uri="{FF2B5EF4-FFF2-40B4-BE49-F238E27FC236}">
-                <a16:creationId xmlns:a16="http://schemas.microsoft.com/office/drawing/2014/main" id="{D8B67155-694F-FF61-7CDD-33A20A316215}"/>
+                <a16:creationId xmlns:a16="http://schemas.microsoft.com/office/drawing/2014/main" xmlns="" id="{D8B67155-694F-FF61-7CDD-33A20A316215}"/>
               </a:ext>
             </a:extLst>
           </p:cNvPr>
@@ -13287,7 +13388,7 @@
           <p:cNvPr id="5" name="Ribbon: Curved and Tilted Down 4">
             <a:extLst>
               <a:ext uri="{FF2B5EF4-FFF2-40B4-BE49-F238E27FC236}">
-                <a16:creationId xmlns:a16="http://schemas.microsoft.com/office/drawing/2014/main" id="{3FA23525-E3EA-B8CB-FD6A-53084CA847A7}"/>
+                <a16:creationId xmlns:a16="http://schemas.microsoft.com/office/drawing/2014/main" xmlns="" id="{3FA23525-E3EA-B8CB-FD6A-53084CA847A7}"/>
               </a:ext>
             </a:extLst>
           </p:cNvPr>
@@ -13360,7 +13461,7 @@
           <p:cNvPr id="6" name="Scroll: Vertical 5">
             <a:extLst>
               <a:ext uri="{FF2B5EF4-FFF2-40B4-BE49-F238E27FC236}">
-                <a16:creationId xmlns:a16="http://schemas.microsoft.com/office/drawing/2014/main" id="{1A4C732A-2840-82C8-A359-298D925E33B3}"/>
+                <a16:creationId xmlns:a16="http://schemas.microsoft.com/office/drawing/2014/main" xmlns="" id="{1A4C732A-2840-82C8-A359-298D925E33B3}"/>
               </a:ext>
             </a:extLst>
           </p:cNvPr>
@@ -13510,7 +13611,7 @@
           <p:cNvPr id="9" name="Content Placeholder 2">
             <a:extLst>
               <a:ext uri="{FF2B5EF4-FFF2-40B4-BE49-F238E27FC236}">
-                <a16:creationId xmlns:a16="http://schemas.microsoft.com/office/drawing/2014/main" id="{2A53D2DA-721D-FC7E-8E09-BCBD844B6F9F}"/>
+                <a16:creationId xmlns:a16="http://schemas.microsoft.com/office/drawing/2014/main" xmlns="" id="{2A53D2DA-721D-FC7E-8E09-BCBD844B6F9F}"/>
               </a:ext>
             </a:extLst>
           </p:cNvPr>
@@ -13641,7 +13742,7 @@
           <p:cNvPr id="11" name="Content Placeholder 2">
             <a:extLst>
               <a:ext uri="{FF2B5EF4-FFF2-40B4-BE49-F238E27FC236}">
-                <a16:creationId xmlns:a16="http://schemas.microsoft.com/office/drawing/2014/main" id="{2A53D2DA-721D-FC7E-8E09-BCBD844B6F9F}"/>
+                <a16:creationId xmlns:a16="http://schemas.microsoft.com/office/drawing/2014/main" xmlns="" id="{2A53D2DA-721D-FC7E-8E09-BCBD844B6F9F}"/>
               </a:ext>
             </a:extLst>
           </p:cNvPr>
@@ -13846,7 +13947,7 @@
     </p:spTree>
     <p:extLst>
       <p:ext uri="{BB962C8B-B14F-4D97-AF65-F5344CB8AC3E}">
-        <p14:creationId xmlns:p14="http://schemas.microsoft.com/office/powerpoint/2010/main" val="3002471670"/>
+        <p14:creationId xmlns:p14="http://schemas.microsoft.com/office/powerpoint/2010/main" xmlns="" val="3002471670"/>
       </p:ext>
     </p:extLst>
   </p:cSld>
@@ -13864,7 +13965,7 @@
         <p:cNvPr id="1" name="">
           <a:extLst>
             <a:ext uri="{FF2B5EF4-FFF2-40B4-BE49-F238E27FC236}">
-              <a16:creationId xmlns:a16="http://schemas.microsoft.com/office/drawing/2014/main" id="{4586E9D7-F5F8-14CC-9DF6-FC4AF2EA4249}"/>
+              <a16:creationId xmlns:a16="http://schemas.microsoft.com/office/drawing/2014/main" xmlns="" id="{4586E9D7-F5F8-14CC-9DF6-FC4AF2EA4249}"/>
             </a:ext>
           </a:extLst>
         </p:cNvPr>
@@ -13884,7 +13985,7 @@
           <p:cNvPr id="2" name="Title 1">
             <a:extLst>
               <a:ext uri="{FF2B5EF4-FFF2-40B4-BE49-F238E27FC236}">
-                <a16:creationId xmlns:a16="http://schemas.microsoft.com/office/drawing/2014/main" id="{D8B67155-694F-FF61-7CDD-33A20A316215}"/>
+                <a16:creationId xmlns:a16="http://schemas.microsoft.com/office/drawing/2014/main" xmlns="" id="{D8B67155-694F-FF61-7CDD-33A20A316215}"/>
               </a:ext>
             </a:extLst>
           </p:cNvPr>
@@ -13924,7 +14025,7 @@
           <p:cNvPr id="5" name="Ribbon: Curved and Tilted Down 4">
             <a:extLst>
               <a:ext uri="{FF2B5EF4-FFF2-40B4-BE49-F238E27FC236}">
-                <a16:creationId xmlns:a16="http://schemas.microsoft.com/office/drawing/2014/main" id="{3FA23525-E3EA-B8CB-FD6A-53084CA847A7}"/>
+                <a16:creationId xmlns:a16="http://schemas.microsoft.com/office/drawing/2014/main" xmlns="" id="{3FA23525-E3EA-B8CB-FD6A-53084CA847A7}"/>
               </a:ext>
             </a:extLst>
           </p:cNvPr>
@@ -13997,7 +14098,7 @@
           <p:cNvPr id="6" name="Scroll: Vertical 5">
             <a:extLst>
               <a:ext uri="{FF2B5EF4-FFF2-40B4-BE49-F238E27FC236}">
-                <a16:creationId xmlns:a16="http://schemas.microsoft.com/office/drawing/2014/main" id="{1A4C732A-2840-82C8-A359-298D925E33B3}"/>
+                <a16:creationId xmlns:a16="http://schemas.microsoft.com/office/drawing/2014/main" xmlns="" id="{1A4C732A-2840-82C8-A359-298D925E33B3}"/>
               </a:ext>
             </a:extLst>
           </p:cNvPr>
@@ -14147,7 +14248,7 @@
           <p:cNvPr id="9" name="Content Placeholder 2">
             <a:extLst>
               <a:ext uri="{FF2B5EF4-FFF2-40B4-BE49-F238E27FC236}">
-                <a16:creationId xmlns:a16="http://schemas.microsoft.com/office/drawing/2014/main" id="{2A53D2DA-721D-FC7E-8E09-BCBD844B6F9F}"/>
+                <a16:creationId xmlns:a16="http://schemas.microsoft.com/office/drawing/2014/main" xmlns="" id="{2A53D2DA-721D-FC7E-8E09-BCBD844B6F9F}"/>
               </a:ext>
             </a:extLst>
           </p:cNvPr>
@@ -14278,7 +14379,7 @@
           <p:cNvPr id="11" name="Content Placeholder 2">
             <a:extLst>
               <a:ext uri="{FF2B5EF4-FFF2-40B4-BE49-F238E27FC236}">
-                <a16:creationId xmlns:a16="http://schemas.microsoft.com/office/drawing/2014/main" id="{2A53D2DA-721D-FC7E-8E09-BCBD844B6F9F}"/>
+                <a16:creationId xmlns:a16="http://schemas.microsoft.com/office/drawing/2014/main" xmlns="" id="{2A53D2DA-721D-FC7E-8E09-BCBD844B6F9F}"/>
               </a:ext>
             </a:extLst>
           </p:cNvPr>
@@ -14552,7 +14653,7 @@
     </p:spTree>
     <p:extLst>
       <p:ext uri="{BB962C8B-B14F-4D97-AF65-F5344CB8AC3E}">
-        <p14:creationId xmlns:p14="http://schemas.microsoft.com/office/powerpoint/2010/main" val="3002471670"/>
+        <p14:creationId xmlns:p14="http://schemas.microsoft.com/office/powerpoint/2010/main" xmlns="" val="3002471670"/>
       </p:ext>
     </p:extLst>
   </p:cSld>
@@ -14570,7 +14671,7 @@
         <p:cNvPr id="1" name="">
           <a:extLst>
             <a:ext uri="{FF2B5EF4-FFF2-40B4-BE49-F238E27FC236}">
-              <a16:creationId xmlns:a16="http://schemas.microsoft.com/office/drawing/2014/main" id="{4586E9D7-F5F8-14CC-9DF6-FC4AF2EA4249}"/>
+              <a16:creationId xmlns:a16="http://schemas.microsoft.com/office/drawing/2014/main" xmlns="" id="{4586E9D7-F5F8-14CC-9DF6-FC4AF2EA4249}"/>
             </a:ext>
           </a:extLst>
         </p:cNvPr>
@@ -14590,7 +14691,7 @@
           <p:cNvPr id="2" name="Title 1">
             <a:extLst>
               <a:ext uri="{FF2B5EF4-FFF2-40B4-BE49-F238E27FC236}">
-                <a16:creationId xmlns:a16="http://schemas.microsoft.com/office/drawing/2014/main" id="{D8B67155-694F-FF61-7CDD-33A20A316215}"/>
+                <a16:creationId xmlns:a16="http://schemas.microsoft.com/office/drawing/2014/main" xmlns="" id="{D8B67155-694F-FF61-7CDD-33A20A316215}"/>
               </a:ext>
             </a:extLst>
           </p:cNvPr>
@@ -14735,7 +14836,7 @@
           <p:cNvPr id="5" name="Ribbon: Curved and Tilted Down 4">
             <a:extLst>
               <a:ext uri="{FF2B5EF4-FFF2-40B4-BE49-F238E27FC236}">
-                <a16:creationId xmlns:a16="http://schemas.microsoft.com/office/drawing/2014/main" id="{3FA23525-E3EA-B8CB-FD6A-53084CA847A7}"/>
+                <a16:creationId xmlns:a16="http://schemas.microsoft.com/office/drawing/2014/main" xmlns="" id="{3FA23525-E3EA-B8CB-FD6A-53084CA847A7}"/>
               </a:ext>
             </a:extLst>
           </p:cNvPr>
@@ -14808,7 +14909,7 @@
           <p:cNvPr id="6" name="Scroll: Vertical 5">
             <a:extLst>
               <a:ext uri="{FF2B5EF4-FFF2-40B4-BE49-F238E27FC236}">
-                <a16:creationId xmlns:a16="http://schemas.microsoft.com/office/drawing/2014/main" id="{1A4C732A-2840-82C8-A359-298D925E33B3}"/>
+                <a16:creationId xmlns:a16="http://schemas.microsoft.com/office/drawing/2014/main" xmlns="" id="{1A4C732A-2840-82C8-A359-298D925E33B3}"/>
               </a:ext>
             </a:extLst>
           </p:cNvPr>
@@ -14956,7 +15057,1578 @@
     </p:spTree>
     <p:extLst>
       <p:ext uri="{BB962C8B-B14F-4D97-AF65-F5344CB8AC3E}">
-        <p14:creationId xmlns:p14="http://schemas.microsoft.com/office/powerpoint/2010/main" val="3002471670"/>
+        <p14:creationId xmlns:p14="http://schemas.microsoft.com/office/powerpoint/2010/main" xmlns="" val="3002471670"/>
+      </p:ext>
+    </p:extLst>
+  </p:cSld>
+  <p:clrMapOvr>
+    <a:masterClrMapping/>
+  </p:clrMapOvr>
+</p:sld>
+</file>
+
+<file path=ppt/slides/slide26.xml><?xml version="1.0" encoding="utf-8"?>
+<p:sld xmlns:a="http://schemas.openxmlformats.org/drawingml/2006/main" xmlns:r="http://schemas.openxmlformats.org/officeDocument/2006/relationships" xmlns:p="http://schemas.openxmlformats.org/presentationml/2006/main">
+  <p:cSld>
+    <p:spTree>
+      <p:nvGrpSpPr>
+        <p:cNvPr id="1" name=""/>
+        <p:cNvGrpSpPr/>
+        <p:nvPr/>
+      </p:nvGrpSpPr>
+      <p:grpSpPr>
+        <a:xfrm>
+          <a:off x="0" y="0"/>
+          <a:ext cx="0" cy="0"/>
+          <a:chOff x="0" y="0"/>
+          <a:chExt cx="0" cy="0"/>
+        </a:xfrm>
+      </p:grpSpPr>
+      <p:sp>
+        <p:nvSpPr>
+          <p:cNvPr id="9" name="Explosion: 14 Points 8">
+            <a:extLst>
+              <a:ext uri="{FF2B5EF4-FFF2-40B4-BE49-F238E27FC236}">
+                <a16:creationId xmlns:a16="http://schemas.microsoft.com/office/drawing/2014/main" xmlns="" id="{0A2CD68B-7A56-F86D-8B6F-4A8BF99B4C9E}"/>
+              </a:ext>
+            </a:extLst>
+          </p:cNvPr>
+          <p:cNvSpPr/>
+          <p:nvPr/>
+        </p:nvSpPr>
+        <p:spPr>
+          <a:xfrm>
+            <a:off x="1440796" y="2058655"/>
+            <a:ext cx="3985591" cy="3985591"/>
+          </a:xfrm>
+          <a:prstGeom prst="irregularSeal2">
+            <a:avLst/>
+          </a:prstGeom>
+          <a:solidFill>
+            <a:schemeClr val="bg1">
+              <a:lumMod val="75000"/>
+              <a:lumOff val="25000"/>
+            </a:schemeClr>
+          </a:solidFill>
+          <a:ln>
+            <a:noFill/>
+          </a:ln>
+        </p:spPr>
+        <p:style>
+          <a:lnRef idx="2">
+            <a:schemeClr val="accent1">
+              <a:shade val="15000"/>
+            </a:schemeClr>
+          </a:lnRef>
+          <a:fillRef idx="1">
+            <a:schemeClr val="accent1"/>
+          </a:fillRef>
+          <a:effectRef idx="0">
+            <a:schemeClr val="accent1"/>
+          </a:effectRef>
+          <a:fontRef idx="minor">
+            <a:schemeClr val="lt1"/>
+          </a:fontRef>
+        </p:style>
+        <p:txBody>
+          <a:bodyPr rtlCol="0" anchor="ctr"/>
+          <a:lstStyle/>
+          <a:p>
+            <a:pPr algn="ctr"/>
+            <a:endParaRPr lang="en-IN"/>
+          </a:p>
+        </p:txBody>
+      </p:sp>
+      <p:sp>
+        <p:nvSpPr>
+          <p:cNvPr id="2" name="Title 1">
+            <a:extLst>
+              <a:ext uri="{FF2B5EF4-FFF2-40B4-BE49-F238E27FC236}">
+                <a16:creationId xmlns:a16="http://schemas.microsoft.com/office/drawing/2014/main" xmlns="" id="{62BB4F8D-44B7-9866-F7B2-6375CB902974}"/>
+              </a:ext>
+            </a:extLst>
+          </p:cNvPr>
+          <p:cNvSpPr>
+            <a:spLocks noGrp="1"/>
+          </p:cNvSpPr>
+          <p:nvPr>
+            <p:ph type="title"/>
+          </p:nvPr>
+        </p:nvSpPr>
+        <p:spPr>
+          <a:xfrm>
+            <a:off x="0" y="1913287"/>
+            <a:ext cx="6271589" cy="3810095"/>
+          </a:xfrm>
+          <a:noFill/>
+        </p:spPr>
+        <p:txBody>
+          <a:bodyPr anchor="ctr">
+            <a:normAutofit/>
+          </a:bodyPr>
+          <a:lstStyle/>
+          <a:p>
+            <a:pPr algn="ctr"/>
+            <a:r>
+              <a:rPr lang="en-US" sz="7200" b="1" dirty="0">
+                <a:solidFill>
+                  <a:schemeClr val="tx1"/>
+                </a:solidFill>
+                <a:latin typeface="Barlow Condensed ExtraLight" panose="00000306000000000000" pitchFamily="2" charset="0"/>
+              </a:rPr>
+              <a:t>JavaScript</a:t>
+            </a:r>
+            <a:r>
+              <a:rPr lang="en-US" sz="7200" b="1" dirty="0">
+                <a:solidFill>
+                  <a:schemeClr val="tx1"/>
+                </a:solidFill>
+                <a:latin typeface="Barlow Black" panose="00000A00000000000000" pitchFamily="2" charset="0"/>
+              </a:rPr>
+              <a:t/>
+            </a:r>
+            <a:br>
+              <a:rPr lang="en-US" sz="7200" b="1" dirty="0">
+                <a:solidFill>
+                  <a:schemeClr val="tx1"/>
+                </a:solidFill>
+                <a:latin typeface="Barlow Black" panose="00000A00000000000000" pitchFamily="2" charset="0"/>
+              </a:rPr>
+            </a:br>
+            <a:r>
+              <a:rPr lang="en-US" sz="7200" b="1" dirty="0">
+                <a:solidFill>
+                  <a:schemeClr val="tx1"/>
+                </a:solidFill>
+                <a:latin typeface="Barlow Black" panose="00000A00000000000000" pitchFamily="2" charset="0"/>
+              </a:rPr>
+              <a:t>Chapter – </a:t>
+            </a:r>
+            <a:r>
+              <a:rPr lang="en-US" sz="7200" b="1" dirty="0" smtClean="0">
+                <a:solidFill>
+                  <a:schemeClr val="tx1"/>
+                </a:solidFill>
+                <a:latin typeface="Barlow Black" panose="00000A00000000000000" pitchFamily="2" charset="0"/>
+              </a:rPr>
+              <a:t>6</a:t>
+            </a:r>
+            <a:r>
+              <a:rPr lang="en-US" sz="7200" b="1" dirty="0">
+                <a:solidFill>
+                  <a:schemeClr val="tx1"/>
+                </a:solidFill>
+                <a:latin typeface="Barlow Black" panose="00000A00000000000000" pitchFamily="2" charset="0"/>
+              </a:rPr>
+              <a:t/>
+            </a:r>
+            <a:br>
+              <a:rPr lang="en-US" sz="7200" b="1" dirty="0">
+                <a:solidFill>
+                  <a:schemeClr val="tx1"/>
+                </a:solidFill>
+                <a:latin typeface="Barlow Black" panose="00000A00000000000000" pitchFamily="2" charset="0"/>
+              </a:rPr>
+            </a:br>
+            <a:r>
+              <a:rPr lang="en-US" sz="2800" dirty="0" smtClean="0">
+                <a:solidFill>
+                  <a:schemeClr val="accent2">
+                    <a:lumMod val="60000"/>
+                    <a:lumOff val="40000"/>
+                  </a:schemeClr>
+                </a:solidFill>
+                <a:latin typeface="Bahnschrift Light Condensed" pitchFamily="34" charset="0"/>
+              </a:rPr>
+              <a:t>(</a:t>
+            </a:r>
+            <a:r>
+              <a:rPr lang="en-US" dirty="0" smtClean="0">
+                <a:solidFill>
+                  <a:schemeClr val="accent2">
+                    <a:lumMod val="60000"/>
+                    <a:lumOff val="40000"/>
+                  </a:schemeClr>
+                </a:solidFill>
+                <a:latin typeface="Bahnschrift Light Condensed" pitchFamily="34" charset="0"/>
+              </a:rPr>
+              <a:t>data types</a:t>
+            </a:r>
+            <a:r>
+              <a:rPr lang="en-US" sz="2800" dirty="0" smtClean="0">
+                <a:solidFill>
+                  <a:schemeClr val="accent2">
+                    <a:lumMod val="60000"/>
+                    <a:lumOff val="40000"/>
+                  </a:schemeClr>
+                </a:solidFill>
+                <a:latin typeface="Bahnschrift Light Condensed" pitchFamily="34" charset="0"/>
+              </a:rPr>
+              <a:t>)</a:t>
+            </a:r>
+            <a:endParaRPr lang="en-IN" sz="2800" dirty="0">
+              <a:solidFill>
+                <a:schemeClr val="accent2">
+                  <a:lumMod val="60000"/>
+                  <a:lumOff val="40000"/>
+                </a:schemeClr>
+              </a:solidFill>
+              <a:latin typeface="Bahnschrift Light Condensed" pitchFamily="34" charset="0"/>
+            </a:endParaRPr>
+          </a:p>
+        </p:txBody>
+      </p:sp>
+      <p:sp>
+        <p:nvSpPr>
+          <p:cNvPr id="4" name="Ribbon: Curved and Tilted Down 3">
+            <a:extLst>
+              <a:ext uri="{FF2B5EF4-FFF2-40B4-BE49-F238E27FC236}">
+                <a16:creationId xmlns:a16="http://schemas.microsoft.com/office/drawing/2014/main" xmlns="" id="{909DBECF-689C-9AA7-1649-9166A578EDF9}"/>
+              </a:ext>
+            </a:extLst>
+          </p:cNvPr>
+          <p:cNvSpPr/>
+          <p:nvPr/>
+        </p:nvSpPr>
+        <p:spPr>
+          <a:xfrm>
+            <a:off x="1124594" y="1134618"/>
+            <a:ext cx="4823349" cy="778670"/>
+          </a:xfrm>
+          <a:prstGeom prst="ellipseRibbon">
+            <a:avLst/>
+          </a:prstGeom>
+          <a:solidFill>
+            <a:schemeClr val="bg1">
+              <a:lumMod val="65000"/>
+              <a:lumOff val="35000"/>
+            </a:schemeClr>
+          </a:solidFill>
+          <a:ln>
+            <a:noFill/>
+          </a:ln>
+        </p:spPr>
+        <p:style>
+          <a:lnRef idx="2">
+            <a:schemeClr val="accent1">
+              <a:shade val="15000"/>
+            </a:schemeClr>
+          </a:lnRef>
+          <a:fillRef idx="1">
+            <a:schemeClr val="accent1"/>
+          </a:fillRef>
+          <a:effectRef idx="0">
+            <a:schemeClr val="accent1"/>
+          </a:effectRef>
+          <a:fontRef idx="minor">
+            <a:schemeClr val="lt1"/>
+          </a:fontRef>
+        </p:style>
+        <p:txBody>
+          <a:bodyPr rtlCol="0" anchor="ctr"/>
+          <a:lstStyle/>
+          <a:p>
+            <a:pPr algn="ctr"/>
+            <a:r>
+              <a:rPr lang="en-US" dirty="0">
+                <a:solidFill>
+                  <a:schemeClr val="tx1"/>
+                </a:solidFill>
+              </a:rPr>
+              <a:t>JavaScript Tutorials</a:t>
+            </a:r>
+            <a:endParaRPr lang="en-IN" dirty="0">
+              <a:solidFill>
+                <a:schemeClr val="tx1"/>
+              </a:solidFill>
+            </a:endParaRPr>
+          </a:p>
+        </p:txBody>
+      </p:sp>
+      <p:sp>
+        <p:nvSpPr>
+          <p:cNvPr id="8" name="TextBox 7">
+            <a:extLst>
+              <a:ext uri="{FF2B5EF4-FFF2-40B4-BE49-F238E27FC236}">
+                <a16:creationId xmlns:a16="http://schemas.microsoft.com/office/drawing/2014/main" xmlns="" id="{6E6F1672-8C91-3FA6-CB80-58FD68172333}"/>
+              </a:ext>
+            </a:extLst>
+          </p:cNvPr>
+          <p:cNvSpPr txBox="1"/>
+          <p:nvPr/>
+        </p:nvSpPr>
+        <p:spPr>
+          <a:xfrm>
+            <a:off x="-1" y="6060338"/>
+            <a:ext cx="6271591" cy="369332"/>
+          </a:xfrm>
+          <a:prstGeom prst="rect">
+            <a:avLst/>
+          </a:prstGeom>
+          <a:noFill/>
+        </p:spPr>
+        <p:txBody>
+          <a:bodyPr wrap="square" rtlCol="0">
+            <a:spAutoFit/>
+          </a:bodyPr>
+          <a:lstStyle/>
+          <a:p>
+            <a:pPr algn="ctr"/>
+            <a:r>
+              <a:rPr lang="en-US" b="1" dirty="0"/>
+              <a:t>Gautam Kumar- </a:t>
+            </a:r>
+            <a:r>
+              <a:rPr lang="en-US" dirty="0">
+                <a:solidFill>
+                  <a:schemeClr val="tx1">
+                    <a:lumMod val="50000"/>
+                    <a:lumOff val="50000"/>
+                  </a:schemeClr>
+                </a:solidFill>
+              </a:rPr>
+              <a:t>uidhtml.com</a:t>
+            </a:r>
+            <a:endParaRPr lang="en-IN" dirty="0">
+              <a:solidFill>
+                <a:schemeClr val="tx1">
+                  <a:lumMod val="50000"/>
+                  <a:lumOff val="50000"/>
+                </a:schemeClr>
+              </a:solidFill>
+            </a:endParaRPr>
+          </a:p>
+        </p:txBody>
+      </p:sp>
+      <p:sp>
+        <p:nvSpPr>
+          <p:cNvPr id="5" name="Scroll: Vertical 4">
+            <a:extLst>
+              <a:ext uri="{FF2B5EF4-FFF2-40B4-BE49-F238E27FC236}">
+                <a16:creationId xmlns:a16="http://schemas.microsoft.com/office/drawing/2014/main" xmlns="" id="{38EB993A-3F18-C6B7-226F-EDD62B4B31DB}"/>
+              </a:ext>
+            </a:extLst>
+          </p:cNvPr>
+          <p:cNvSpPr/>
+          <p:nvPr/>
+        </p:nvSpPr>
+        <p:spPr>
+          <a:xfrm>
+            <a:off x="5561640" y="477079"/>
+            <a:ext cx="5616326" cy="6122504"/>
+          </a:xfrm>
+          <a:prstGeom prst="verticalScroll">
+            <a:avLst/>
+          </a:prstGeom>
+          <a:solidFill>
+            <a:schemeClr val="tx1">
+              <a:lumMod val="65000"/>
+              <a:lumOff val="35000"/>
+            </a:schemeClr>
+          </a:solidFill>
+          <a:ln>
+            <a:solidFill>
+              <a:schemeClr val="bg1">
+                <a:lumMod val="95000"/>
+              </a:schemeClr>
+            </a:solidFill>
+          </a:ln>
+        </p:spPr>
+        <p:style>
+          <a:lnRef idx="2">
+            <a:schemeClr val="accent1">
+              <a:shade val="15000"/>
+            </a:schemeClr>
+          </a:lnRef>
+          <a:fillRef idx="1">
+            <a:schemeClr val="accent1"/>
+          </a:fillRef>
+          <a:effectRef idx="0">
+            <a:schemeClr val="accent1"/>
+          </a:effectRef>
+          <a:fontRef idx="minor">
+            <a:schemeClr val="lt1"/>
+          </a:fontRef>
+        </p:style>
+        <p:txBody>
+          <a:bodyPr rtlCol="0" anchor="t"/>
+          <a:lstStyle/>
+          <a:p>
+            <a:r>
+              <a:rPr lang="en-US" sz="3600" b="1" dirty="0">
+                <a:solidFill>
+                  <a:schemeClr val="bg1"/>
+                </a:solidFill>
+              </a:rPr>
+              <a:t>Topics</a:t>
+            </a:r>
+          </a:p>
+          <a:p>
+            <a:pPr marL="285750" indent="-285750">
+              <a:lnSpc>
+                <a:spcPct val="150000"/>
+              </a:lnSpc>
+              <a:buFont typeface="Courier New" panose="02070309020205020404" pitchFamily="49" charset="0"/>
+              <a:buChar char="o"/>
+            </a:pPr>
+            <a:r>
+              <a:rPr lang="en-IN" sz="1600" dirty="0" smtClean="0">
+                <a:solidFill>
+                  <a:schemeClr val="bg1"/>
+                </a:solidFill>
+              </a:rPr>
+              <a:t>Primitive </a:t>
+            </a:r>
+            <a:r>
+              <a:rPr lang="en-IN" sz="1600" dirty="0" smtClean="0">
+                <a:solidFill>
+                  <a:schemeClr val="bg1"/>
+                </a:solidFill>
+              </a:rPr>
+              <a:t>d</a:t>
+            </a:r>
+            <a:r>
+              <a:rPr lang="en-IN" sz="1600" dirty="0" smtClean="0">
+                <a:solidFill>
+                  <a:schemeClr val="bg1"/>
+                </a:solidFill>
+              </a:rPr>
+              <a:t>ata types</a:t>
+            </a:r>
+          </a:p>
+          <a:p>
+            <a:pPr marL="285750" indent="-285750">
+              <a:lnSpc>
+                <a:spcPct val="150000"/>
+              </a:lnSpc>
+              <a:buFont typeface="Courier New" panose="02070309020205020404" pitchFamily="49" charset="0"/>
+              <a:buChar char="o"/>
+            </a:pPr>
+            <a:r>
+              <a:rPr lang="en-IN" sz="1600" dirty="0" smtClean="0">
+                <a:solidFill>
+                  <a:schemeClr val="bg1"/>
+                </a:solidFill>
+              </a:rPr>
+              <a:t>Composite data types</a:t>
+            </a:r>
+            <a:endParaRPr lang="en-IN" sz="1600" dirty="0">
+              <a:solidFill>
+                <a:schemeClr val="bg1"/>
+              </a:solidFill>
+            </a:endParaRPr>
+          </a:p>
+        </p:txBody>
+      </p:sp>
+    </p:spTree>
+    <p:extLst>
+      <p:ext uri="{BB962C8B-B14F-4D97-AF65-F5344CB8AC3E}">
+        <p14:creationId xmlns:p14="http://schemas.microsoft.com/office/powerpoint/2010/main" xmlns="" val="3287175084"/>
+      </p:ext>
+    </p:extLst>
+  </p:cSld>
+  <p:clrMapOvr>
+    <a:masterClrMapping/>
+  </p:clrMapOvr>
+</p:sld>
+</file>
+
+<file path=ppt/slides/slide27.xml><?xml version="1.0" encoding="utf-8"?>
+<p:sld xmlns:a="http://schemas.openxmlformats.org/drawingml/2006/main" xmlns:r="http://schemas.openxmlformats.org/officeDocument/2006/relationships" xmlns:p="http://schemas.openxmlformats.org/presentationml/2006/main">
+  <p:cSld>
+    <p:spTree>
+      <p:nvGrpSpPr>
+        <p:cNvPr id="1" name="">
+          <a:extLst>
+            <a:ext uri="{FF2B5EF4-FFF2-40B4-BE49-F238E27FC236}">
+              <a16:creationId xmlns:a16="http://schemas.microsoft.com/office/drawing/2014/main" xmlns="" id="{4586E9D7-F5F8-14CC-9DF6-FC4AF2EA4249}"/>
+            </a:ext>
+          </a:extLst>
+        </p:cNvPr>
+        <p:cNvGrpSpPr/>
+        <p:nvPr/>
+      </p:nvGrpSpPr>
+      <p:grpSpPr>
+        <a:xfrm>
+          <a:off x="0" y="0"/>
+          <a:ext cx="0" cy="0"/>
+          <a:chOff x="0" y="0"/>
+          <a:chExt cx="0" cy="0"/>
+        </a:xfrm>
+      </p:grpSpPr>
+      <p:sp>
+        <p:nvSpPr>
+          <p:cNvPr id="2" name="Title 1">
+            <a:extLst>
+              <a:ext uri="{FF2B5EF4-FFF2-40B4-BE49-F238E27FC236}">
+                <a16:creationId xmlns:a16="http://schemas.microsoft.com/office/drawing/2014/main" xmlns="" id="{D8B67155-694F-FF61-7CDD-33A20A316215}"/>
+              </a:ext>
+            </a:extLst>
+          </p:cNvPr>
+          <p:cNvSpPr>
+            <a:spLocks noGrp="1"/>
+          </p:cNvSpPr>
+          <p:nvPr>
+            <p:ph type="title"/>
+          </p:nvPr>
+        </p:nvSpPr>
+        <p:spPr>
+          <a:xfrm>
+            <a:off x="334435" y="1057275"/>
+            <a:ext cx="8596668" cy="742950"/>
+          </a:xfrm>
+        </p:spPr>
+        <p:txBody>
+          <a:bodyPr>
+            <a:normAutofit fontScale="90000"/>
+          </a:bodyPr>
+          <a:lstStyle/>
+          <a:p>
+            <a:r>
+              <a:rPr lang="en-US" b="1" dirty="0">
+                <a:solidFill>
+                  <a:schemeClr val="tx1"/>
+                </a:solidFill>
+                <a:latin typeface="Bahnschrift SemiLight" pitchFamily="34" charset="0"/>
+              </a:rPr>
+              <a:t>What </a:t>
+            </a:r>
+            <a:r>
+              <a:rPr lang="en-US" b="1" dirty="0" smtClean="0">
+                <a:solidFill>
+                  <a:schemeClr val="tx1"/>
+                </a:solidFill>
+                <a:latin typeface="Bahnschrift SemiLight" pitchFamily="34" charset="0"/>
+              </a:rPr>
+              <a:t>are primitive data types?</a:t>
+            </a:r>
+            <a:endParaRPr lang="en-US" dirty="0">
+              <a:solidFill>
+                <a:schemeClr val="bg1">
+                  <a:lumMod val="65000"/>
+                  <a:lumOff val="35000"/>
+                </a:schemeClr>
+              </a:solidFill>
+              <a:latin typeface="Bahnschrift Light Condensed" pitchFamily="34" charset="0"/>
+            </a:endParaRPr>
+          </a:p>
+        </p:txBody>
+      </p:sp>
+      <p:sp>
+        <p:nvSpPr>
+          <p:cNvPr id="5" name="Ribbon: Curved and Tilted Down 4">
+            <a:extLst>
+              <a:ext uri="{FF2B5EF4-FFF2-40B4-BE49-F238E27FC236}">
+                <a16:creationId xmlns:a16="http://schemas.microsoft.com/office/drawing/2014/main" xmlns="" id="{3FA23525-E3EA-B8CB-FD6A-53084CA847A7}"/>
+              </a:ext>
+            </a:extLst>
+          </p:cNvPr>
+          <p:cNvSpPr/>
+          <p:nvPr/>
+        </p:nvSpPr>
+        <p:spPr>
+          <a:xfrm>
+            <a:off x="255512" y="216454"/>
+            <a:ext cx="3678313" cy="583646"/>
+          </a:xfrm>
+          <a:prstGeom prst="ellipseRibbon">
+            <a:avLst/>
+          </a:prstGeom>
+          <a:solidFill>
+            <a:schemeClr val="bg1">
+              <a:lumMod val="85000"/>
+              <a:lumOff val="15000"/>
+            </a:schemeClr>
+          </a:solidFill>
+          <a:ln>
+            <a:noFill/>
+          </a:ln>
+        </p:spPr>
+        <p:style>
+          <a:lnRef idx="2">
+            <a:schemeClr val="accent1">
+              <a:shade val="15000"/>
+            </a:schemeClr>
+          </a:lnRef>
+          <a:fillRef idx="1">
+            <a:schemeClr val="accent1"/>
+          </a:fillRef>
+          <a:effectRef idx="0">
+            <a:schemeClr val="accent1"/>
+          </a:effectRef>
+          <a:fontRef idx="minor">
+            <a:schemeClr val="lt1"/>
+          </a:fontRef>
+        </p:style>
+        <p:txBody>
+          <a:bodyPr rtlCol="0" anchor="ctr"/>
+          <a:lstStyle/>
+          <a:p>
+            <a:pPr algn="ctr"/>
+            <a:r>
+              <a:rPr lang="en-US" sz="1100" dirty="0">
+                <a:solidFill>
+                  <a:schemeClr val="tx1">
+                    <a:lumMod val="65000"/>
+                    <a:lumOff val="35000"/>
+                  </a:schemeClr>
+                </a:solidFill>
+              </a:rPr>
+              <a:t>JavaScript Tutorials</a:t>
+            </a:r>
+            <a:endParaRPr lang="en-IN" sz="1100" dirty="0">
+              <a:solidFill>
+                <a:schemeClr val="tx1">
+                  <a:lumMod val="65000"/>
+                  <a:lumOff val="35000"/>
+                </a:schemeClr>
+              </a:solidFill>
+            </a:endParaRPr>
+          </a:p>
+        </p:txBody>
+      </p:sp>
+      <p:sp>
+        <p:nvSpPr>
+          <p:cNvPr id="6" name="Scroll: Vertical 5">
+            <a:extLst>
+              <a:ext uri="{FF2B5EF4-FFF2-40B4-BE49-F238E27FC236}">
+                <a16:creationId xmlns:a16="http://schemas.microsoft.com/office/drawing/2014/main" xmlns="" id="{1A4C732A-2840-82C8-A359-298D925E33B3}"/>
+              </a:ext>
+            </a:extLst>
+          </p:cNvPr>
+          <p:cNvSpPr/>
+          <p:nvPr/>
+        </p:nvSpPr>
+        <p:spPr>
+          <a:xfrm>
+            <a:off x="7851914" y="715617"/>
+            <a:ext cx="4240696" cy="4989444"/>
+          </a:xfrm>
+          <a:prstGeom prst="verticalScroll">
+            <a:avLst/>
+          </a:prstGeom>
+          <a:solidFill>
+            <a:schemeClr val="bg1">
+              <a:lumMod val="85000"/>
+            </a:schemeClr>
+          </a:solidFill>
+          <a:ln>
+            <a:solidFill>
+              <a:schemeClr val="bg1">
+                <a:lumMod val="75000"/>
+                <a:lumOff val="25000"/>
+              </a:schemeClr>
+            </a:solidFill>
+          </a:ln>
+        </p:spPr>
+        <p:style>
+          <a:lnRef idx="2">
+            <a:schemeClr val="accent1">
+              <a:shade val="15000"/>
+            </a:schemeClr>
+          </a:lnRef>
+          <a:fillRef idx="1">
+            <a:schemeClr val="accent1"/>
+          </a:fillRef>
+          <a:effectRef idx="0">
+            <a:schemeClr val="accent1"/>
+          </a:effectRef>
+          <a:fontRef idx="minor">
+            <a:schemeClr val="lt1"/>
+          </a:fontRef>
+        </p:style>
+        <p:txBody>
+          <a:bodyPr rtlCol="0" anchor="t"/>
+          <a:lstStyle/>
+          <a:p>
+            <a:pPr>
+              <a:lnSpc>
+                <a:spcPct val="150000"/>
+              </a:lnSpc>
+            </a:pPr>
+            <a:r>
+              <a:rPr lang="en-US" sz="2400" b="1" dirty="0">
+                <a:solidFill>
+                  <a:schemeClr val="tx1"/>
+                </a:solidFill>
+              </a:rPr>
+              <a:t>Topics</a:t>
+            </a:r>
+          </a:p>
+          <a:p>
+            <a:pPr marL="285750" indent="-285750">
+              <a:lnSpc>
+                <a:spcPct val="150000"/>
+              </a:lnSpc>
+              <a:buFont typeface="Courier New" panose="02070309020205020404" pitchFamily="49" charset="0"/>
+              <a:buChar char="o"/>
+            </a:pPr>
+            <a:r>
+              <a:rPr lang="en-US" dirty="0" smtClean="0">
+                <a:solidFill>
+                  <a:schemeClr val="tx1"/>
+                </a:solidFill>
+              </a:rPr>
+              <a:t>Primitive data types</a:t>
+            </a:r>
+            <a:endParaRPr lang="en-US" dirty="0">
+              <a:solidFill>
+                <a:schemeClr val="tx1"/>
+              </a:solidFill>
+            </a:endParaRPr>
+          </a:p>
+          <a:p>
+            <a:pPr marL="285750" indent="-285750">
+              <a:lnSpc>
+                <a:spcPct val="150000"/>
+              </a:lnSpc>
+              <a:buFont typeface="Courier New" panose="02070309020205020404" pitchFamily="49" charset="0"/>
+              <a:buChar char="o"/>
+            </a:pPr>
+            <a:r>
+              <a:rPr lang="en-IN" dirty="0" smtClean="0">
+                <a:solidFill>
+                  <a:schemeClr val="tx1"/>
+                </a:solidFill>
+              </a:rPr>
+              <a:t>Composite data types</a:t>
+            </a:r>
+            <a:endParaRPr lang="en-IN" dirty="0">
+              <a:solidFill>
+                <a:schemeClr val="tx1"/>
+              </a:solidFill>
+            </a:endParaRPr>
+          </a:p>
+        </p:txBody>
+      </p:sp>
+      <p:sp>
+        <p:nvSpPr>
+          <p:cNvPr id="7" name="TextBox 6"/>
+          <p:cNvSpPr txBox="1"/>
+          <p:nvPr/>
+        </p:nvSpPr>
+        <p:spPr>
+          <a:xfrm>
+            <a:off x="9614263" y="801189"/>
+            <a:ext cx="1401346" cy="369332"/>
+          </a:xfrm>
+          <a:prstGeom prst="rect">
+            <a:avLst/>
+          </a:prstGeom>
+          <a:noFill/>
+        </p:spPr>
+        <p:txBody>
+          <a:bodyPr wrap="none" rtlCol="0">
+            <a:spAutoFit/>
+          </a:bodyPr>
+          <a:lstStyle/>
+          <a:p>
+            <a:r>
+              <a:rPr lang="en-IN" b="1" dirty="0">
+                <a:solidFill>
+                  <a:schemeClr val="accent2">
+                    <a:lumMod val="60000"/>
+                    <a:lumOff val="40000"/>
+                  </a:schemeClr>
+                </a:solidFill>
+                <a:latin typeface="Bahnschrift SemiLight" pitchFamily="34" charset="0"/>
+              </a:rPr>
+              <a:t>Chapter - </a:t>
+            </a:r>
+            <a:r>
+              <a:rPr lang="en-IN" b="1" dirty="0" smtClean="0">
+                <a:solidFill>
+                  <a:schemeClr val="accent2">
+                    <a:lumMod val="60000"/>
+                    <a:lumOff val="40000"/>
+                  </a:schemeClr>
+                </a:solidFill>
+                <a:latin typeface="Bahnschrift SemiLight" pitchFamily="34" charset="0"/>
+              </a:rPr>
+              <a:t>6</a:t>
+            </a:r>
+            <a:endParaRPr lang="en-US" b="1" dirty="0">
+              <a:solidFill>
+                <a:schemeClr val="accent2">
+                  <a:lumMod val="60000"/>
+                  <a:lumOff val="40000"/>
+                </a:schemeClr>
+              </a:solidFill>
+              <a:latin typeface="Bahnschrift SemiLight" pitchFamily="34" charset="0"/>
+            </a:endParaRPr>
+          </a:p>
+        </p:txBody>
+      </p:sp>
+      <p:sp>
+        <p:nvSpPr>
+          <p:cNvPr id="8" name="Text Placeholder 7"/>
+          <p:cNvSpPr>
+            <a:spLocks noGrp="1"/>
+          </p:cNvSpPr>
+          <p:nvPr>
+            <p:ph type="body" idx="1"/>
+          </p:nvPr>
+        </p:nvSpPr>
+        <p:spPr>
+          <a:xfrm>
+            <a:off x="416078" y="1796869"/>
+            <a:ext cx="7134253" cy="989874"/>
+          </a:xfrm>
+        </p:spPr>
+        <p:txBody>
+          <a:bodyPr anchor="t"/>
+          <a:lstStyle/>
+          <a:p>
+            <a:r>
+              <a:rPr lang="en-US" dirty="0" smtClean="0"/>
+              <a:t>In JavaScript, a primitive data type (or primitive value) is a piece of data that is not an object and has no methods or properties. All primitive values are immutable, meaning they cannot be altered. </a:t>
+            </a:r>
+            <a:endParaRPr lang="en-US" dirty="0"/>
+          </a:p>
+        </p:txBody>
+      </p:sp>
+      <p:pic>
+        <p:nvPicPr>
+          <p:cNvPr id="1027" name="Picture 3" descr="C:\Users\Gautam\Downloads\Blank board - Page 1.png"/>
+          <p:cNvPicPr>
+            <a:picLocks noChangeAspect="1" noChangeArrowheads="1"/>
+          </p:cNvPicPr>
+          <p:nvPr/>
+        </p:nvPicPr>
+        <p:blipFill>
+          <a:blip r:embed="rId2"/>
+          <a:srcRect/>
+          <a:stretch>
+            <a:fillRect/>
+          </a:stretch>
+        </p:blipFill>
+        <p:spPr bwMode="auto">
+          <a:xfrm>
+            <a:off x="570870" y="2939833"/>
+            <a:ext cx="6663762" cy="3399328"/>
+          </a:xfrm>
+          <a:prstGeom prst="rect">
+            <a:avLst/>
+          </a:prstGeom>
+          <a:noFill/>
+        </p:spPr>
+      </p:pic>
+    </p:spTree>
+    <p:extLst>
+      <p:ext uri="{BB962C8B-B14F-4D97-AF65-F5344CB8AC3E}">
+        <p14:creationId xmlns:p14="http://schemas.microsoft.com/office/powerpoint/2010/main" xmlns="" val="3002471670"/>
+      </p:ext>
+    </p:extLst>
+  </p:cSld>
+  <p:clrMapOvr>
+    <a:masterClrMapping/>
+  </p:clrMapOvr>
+</p:sld>
+</file>
+
+<file path=ppt/slides/slide28.xml><?xml version="1.0" encoding="utf-8"?>
+<p:sld xmlns:a="http://schemas.openxmlformats.org/drawingml/2006/main" xmlns:r="http://schemas.openxmlformats.org/officeDocument/2006/relationships" xmlns:p="http://schemas.openxmlformats.org/presentationml/2006/main">
+  <p:cSld>
+    <p:spTree>
+      <p:nvGrpSpPr>
+        <p:cNvPr id="1" name="">
+          <a:extLst>
+            <a:ext uri="{FF2B5EF4-FFF2-40B4-BE49-F238E27FC236}">
+              <a16:creationId xmlns:a16="http://schemas.microsoft.com/office/drawing/2014/main" xmlns="" id="{4586E9D7-F5F8-14CC-9DF6-FC4AF2EA4249}"/>
+            </a:ext>
+          </a:extLst>
+        </p:cNvPr>
+        <p:cNvGrpSpPr/>
+        <p:nvPr/>
+      </p:nvGrpSpPr>
+      <p:grpSpPr>
+        <a:xfrm>
+          <a:off x="0" y="0"/>
+          <a:ext cx="0" cy="0"/>
+          <a:chOff x="0" y="0"/>
+          <a:chExt cx="0" cy="0"/>
+        </a:xfrm>
+      </p:grpSpPr>
+      <p:sp>
+        <p:nvSpPr>
+          <p:cNvPr id="2" name="Title 1">
+            <a:extLst>
+              <a:ext uri="{FF2B5EF4-FFF2-40B4-BE49-F238E27FC236}">
+                <a16:creationId xmlns:a16="http://schemas.microsoft.com/office/drawing/2014/main" xmlns="" id="{D8B67155-694F-FF61-7CDD-33A20A316215}"/>
+              </a:ext>
+            </a:extLst>
+          </p:cNvPr>
+          <p:cNvSpPr>
+            <a:spLocks noGrp="1"/>
+          </p:cNvSpPr>
+          <p:nvPr>
+            <p:ph type="title"/>
+          </p:nvPr>
+        </p:nvSpPr>
+        <p:spPr>
+          <a:xfrm>
+            <a:off x="334435" y="1057275"/>
+            <a:ext cx="8596668" cy="742950"/>
+          </a:xfrm>
+        </p:spPr>
+        <p:txBody>
+          <a:bodyPr>
+            <a:normAutofit fontScale="90000"/>
+          </a:bodyPr>
+          <a:lstStyle/>
+          <a:p>
+            <a:r>
+              <a:rPr lang="en-US" b="1" dirty="0">
+                <a:solidFill>
+                  <a:schemeClr val="tx1"/>
+                </a:solidFill>
+                <a:latin typeface="Bahnschrift SemiLight" pitchFamily="34" charset="0"/>
+              </a:rPr>
+              <a:t>What </a:t>
+            </a:r>
+            <a:r>
+              <a:rPr lang="en-US" b="1" dirty="0" smtClean="0">
+                <a:solidFill>
+                  <a:schemeClr val="tx1"/>
+                </a:solidFill>
+                <a:latin typeface="Bahnschrift SemiLight" pitchFamily="34" charset="0"/>
+              </a:rPr>
+              <a:t>are composite data types?</a:t>
+            </a:r>
+            <a:endParaRPr lang="en-US" dirty="0">
+              <a:solidFill>
+                <a:schemeClr val="bg1">
+                  <a:lumMod val="65000"/>
+                  <a:lumOff val="35000"/>
+                </a:schemeClr>
+              </a:solidFill>
+              <a:latin typeface="Bahnschrift Light Condensed" pitchFamily="34" charset="0"/>
+            </a:endParaRPr>
+          </a:p>
+        </p:txBody>
+      </p:sp>
+      <p:sp>
+        <p:nvSpPr>
+          <p:cNvPr id="13" name="Text Placeholder 12"/>
+          <p:cNvSpPr>
+            <a:spLocks noGrp="1"/>
+          </p:cNvSpPr>
+          <p:nvPr>
+            <p:ph type="body" idx="1"/>
+          </p:nvPr>
+        </p:nvSpPr>
+        <p:spPr>
+          <a:xfrm>
+            <a:off x="410634" y="1889124"/>
+            <a:ext cx="7453205" cy="1506009"/>
+          </a:xfrm>
+        </p:spPr>
+        <p:txBody>
+          <a:bodyPr anchor="t">
+            <a:normAutofit/>
+          </a:bodyPr>
+          <a:lstStyle/>
+          <a:p>
+            <a:pPr marL="285750" indent="-285750">
+              <a:buFont typeface="Arial" pitchFamily="34" charset="0"/>
+              <a:buChar char="•"/>
+            </a:pPr>
+            <a:r>
+              <a:rPr lang="en-US" dirty="0" smtClean="0"/>
+              <a:t>In JavaScript, composite data types, also known as non-primitive or reference types, can store collections of values and more complex entities. These types do not hold the actual value directly in the variable; instead, they store a reference to the memory location where the data is stored</a:t>
+            </a:r>
+            <a:r>
+              <a:rPr lang="en-US" dirty="0" smtClean="0"/>
+              <a:t>.</a:t>
+            </a:r>
+            <a:endParaRPr lang="en-IN" dirty="0" smtClean="0">
+              <a:solidFill>
+                <a:schemeClr val="tx1"/>
+              </a:solidFill>
+            </a:endParaRPr>
+          </a:p>
+        </p:txBody>
+      </p:sp>
+      <p:sp>
+        <p:nvSpPr>
+          <p:cNvPr id="5" name="Ribbon: Curved and Tilted Down 4">
+            <a:extLst>
+              <a:ext uri="{FF2B5EF4-FFF2-40B4-BE49-F238E27FC236}">
+                <a16:creationId xmlns:a16="http://schemas.microsoft.com/office/drawing/2014/main" xmlns="" id="{3FA23525-E3EA-B8CB-FD6A-53084CA847A7}"/>
+              </a:ext>
+            </a:extLst>
+          </p:cNvPr>
+          <p:cNvSpPr/>
+          <p:nvPr/>
+        </p:nvSpPr>
+        <p:spPr>
+          <a:xfrm>
+            <a:off x="255512" y="216454"/>
+            <a:ext cx="3678313" cy="583646"/>
+          </a:xfrm>
+          <a:prstGeom prst="ellipseRibbon">
+            <a:avLst/>
+          </a:prstGeom>
+          <a:solidFill>
+            <a:schemeClr val="bg1">
+              <a:lumMod val="85000"/>
+              <a:lumOff val="15000"/>
+            </a:schemeClr>
+          </a:solidFill>
+          <a:ln>
+            <a:noFill/>
+          </a:ln>
+        </p:spPr>
+        <p:style>
+          <a:lnRef idx="2">
+            <a:schemeClr val="accent1">
+              <a:shade val="15000"/>
+            </a:schemeClr>
+          </a:lnRef>
+          <a:fillRef idx="1">
+            <a:schemeClr val="accent1"/>
+          </a:fillRef>
+          <a:effectRef idx="0">
+            <a:schemeClr val="accent1"/>
+          </a:effectRef>
+          <a:fontRef idx="minor">
+            <a:schemeClr val="lt1"/>
+          </a:fontRef>
+        </p:style>
+        <p:txBody>
+          <a:bodyPr rtlCol="0" anchor="ctr"/>
+          <a:lstStyle/>
+          <a:p>
+            <a:pPr algn="ctr"/>
+            <a:r>
+              <a:rPr lang="en-US" sz="1100" dirty="0">
+                <a:solidFill>
+                  <a:schemeClr val="tx1">
+                    <a:lumMod val="65000"/>
+                    <a:lumOff val="35000"/>
+                  </a:schemeClr>
+                </a:solidFill>
+              </a:rPr>
+              <a:t>JavaScript Tutorials</a:t>
+            </a:r>
+            <a:endParaRPr lang="en-IN" sz="1100" dirty="0">
+              <a:solidFill>
+                <a:schemeClr val="tx1">
+                  <a:lumMod val="65000"/>
+                  <a:lumOff val="35000"/>
+                </a:schemeClr>
+              </a:solidFill>
+            </a:endParaRPr>
+          </a:p>
+        </p:txBody>
+      </p:sp>
+      <p:sp>
+        <p:nvSpPr>
+          <p:cNvPr id="6" name="Scroll: Vertical 5">
+            <a:extLst>
+              <a:ext uri="{FF2B5EF4-FFF2-40B4-BE49-F238E27FC236}">
+                <a16:creationId xmlns:a16="http://schemas.microsoft.com/office/drawing/2014/main" xmlns="" id="{1A4C732A-2840-82C8-A359-298D925E33B3}"/>
+              </a:ext>
+            </a:extLst>
+          </p:cNvPr>
+          <p:cNvSpPr/>
+          <p:nvPr/>
+        </p:nvSpPr>
+        <p:spPr>
+          <a:xfrm>
+            <a:off x="7851914" y="715617"/>
+            <a:ext cx="4240696" cy="4989444"/>
+          </a:xfrm>
+          <a:prstGeom prst="verticalScroll">
+            <a:avLst/>
+          </a:prstGeom>
+          <a:solidFill>
+            <a:schemeClr val="bg1">
+              <a:lumMod val="85000"/>
+            </a:schemeClr>
+          </a:solidFill>
+          <a:ln>
+            <a:solidFill>
+              <a:schemeClr val="bg1">
+                <a:lumMod val="75000"/>
+                <a:lumOff val="25000"/>
+              </a:schemeClr>
+            </a:solidFill>
+          </a:ln>
+        </p:spPr>
+        <p:style>
+          <a:lnRef idx="2">
+            <a:schemeClr val="accent1">
+              <a:shade val="15000"/>
+            </a:schemeClr>
+          </a:lnRef>
+          <a:fillRef idx="1">
+            <a:schemeClr val="accent1"/>
+          </a:fillRef>
+          <a:effectRef idx="0">
+            <a:schemeClr val="accent1"/>
+          </a:effectRef>
+          <a:fontRef idx="minor">
+            <a:schemeClr val="lt1"/>
+          </a:fontRef>
+        </p:style>
+        <p:txBody>
+          <a:bodyPr rtlCol="0" anchor="t"/>
+          <a:lstStyle/>
+          <a:p>
+            <a:pPr>
+              <a:lnSpc>
+                <a:spcPct val="150000"/>
+              </a:lnSpc>
+            </a:pPr>
+            <a:r>
+              <a:rPr lang="en-US" sz="2400" b="1" dirty="0">
+                <a:solidFill>
+                  <a:schemeClr val="tx1"/>
+                </a:solidFill>
+              </a:rPr>
+              <a:t>Topics</a:t>
+            </a:r>
+          </a:p>
+          <a:p>
+            <a:pPr marL="285750" indent="-285750">
+              <a:lnSpc>
+                <a:spcPct val="150000"/>
+              </a:lnSpc>
+              <a:buFont typeface="Courier New" panose="02070309020205020404" pitchFamily="49" charset="0"/>
+              <a:buChar char="o"/>
+            </a:pPr>
+            <a:r>
+              <a:rPr lang="en-US" strike="sngStrike" dirty="0" smtClean="0">
+                <a:solidFill>
+                  <a:schemeClr val="tx1"/>
+                </a:solidFill>
+              </a:rPr>
+              <a:t>Primitive data types</a:t>
+            </a:r>
+            <a:endParaRPr lang="en-US" strike="sngStrike" dirty="0">
+              <a:solidFill>
+                <a:schemeClr val="tx1"/>
+              </a:solidFill>
+            </a:endParaRPr>
+          </a:p>
+          <a:p>
+            <a:pPr marL="285750" indent="-285750">
+              <a:lnSpc>
+                <a:spcPct val="150000"/>
+              </a:lnSpc>
+              <a:buFont typeface="Courier New" panose="02070309020205020404" pitchFamily="49" charset="0"/>
+              <a:buChar char="o"/>
+            </a:pPr>
+            <a:r>
+              <a:rPr lang="en-IN" dirty="0" smtClean="0">
+                <a:solidFill>
+                  <a:schemeClr val="tx1"/>
+                </a:solidFill>
+              </a:rPr>
+              <a:t>Composite data types</a:t>
+            </a:r>
+            <a:endParaRPr lang="en-IN" dirty="0">
+              <a:solidFill>
+                <a:schemeClr val="tx1"/>
+              </a:solidFill>
+            </a:endParaRPr>
+          </a:p>
+        </p:txBody>
+      </p:sp>
+      <p:sp>
+        <p:nvSpPr>
+          <p:cNvPr id="7" name="TextBox 6"/>
+          <p:cNvSpPr txBox="1"/>
+          <p:nvPr/>
+        </p:nvSpPr>
+        <p:spPr>
+          <a:xfrm>
+            <a:off x="9614263" y="801189"/>
+            <a:ext cx="1401346" cy="369332"/>
+          </a:xfrm>
+          <a:prstGeom prst="rect">
+            <a:avLst/>
+          </a:prstGeom>
+          <a:noFill/>
+        </p:spPr>
+        <p:txBody>
+          <a:bodyPr wrap="none" rtlCol="0">
+            <a:spAutoFit/>
+          </a:bodyPr>
+          <a:lstStyle/>
+          <a:p>
+            <a:r>
+              <a:rPr lang="en-IN" b="1" dirty="0">
+                <a:solidFill>
+                  <a:schemeClr val="accent2">
+                    <a:lumMod val="60000"/>
+                    <a:lumOff val="40000"/>
+                  </a:schemeClr>
+                </a:solidFill>
+                <a:latin typeface="Bahnschrift SemiLight" pitchFamily="34" charset="0"/>
+              </a:rPr>
+              <a:t>Chapter - </a:t>
+            </a:r>
+            <a:r>
+              <a:rPr lang="en-IN" b="1" dirty="0" smtClean="0">
+                <a:solidFill>
+                  <a:schemeClr val="accent2">
+                    <a:lumMod val="60000"/>
+                    <a:lumOff val="40000"/>
+                  </a:schemeClr>
+                </a:solidFill>
+                <a:latin typeface="Bahnschrift SemiLight" pitchFamily="34" charset="0"/>
+              </a:rPr>
+              <a:t>6</a:t>
+            </a:r>
+            <a:endParaRPr lang="en-US" b="1" dirty="0">
+              <a:solidFill>
+                <a:schemeClr val="accent2">
+                  <a:lumMod val="60000"/>
+                  <a:lumOff val="40000"/>
+                </a:schemeClr>
+              </a:solidFill>
+              <a:latin typeface="Bahnschrift SemiLight" pitchFamily="34" charset="0"/>
+            </a:endParaRPr>
+          </a:p>
+        </p:txBody>
+      </p:sp>
+      <p:pic>
+        <p:nvPicPr>
+          <p:cNvPr id="2052" name="Picture 4" descr="C:\Users\Gautam\Downloads\Blank board - Page 1 (1).png"/>
+          <p:cNvPicPr>
+            <a:picLocks noChangeAspect="1" noChangeArrowheads="1"/>
+          </p:cNvPicPr>
+          <p:nvPr/>
+        </p:nvPicPr>
+        <p:blipFill>
+          <a:blip r:embed="rId2"/>
+          <a:srcRect/>
+          <a:stretch>
+            <a:fillRect/>
+          </a:stretch>
+        </p:blipFill>
+        <p:spPr bwMode="auto">
+          <a:xfrm>
+            <a:off x="954190" y="3238501"/>
+            <a:ext cx="6159638" cy="3294882"/>
+          </a:xfrm>
+          <a:prstGeom prst="rect">
+            <a:avLst/>
+          </a:prstGeom>
+          <a:noFill/>
+        </p:spPr>
+      </p:pic>
+    </p:spTree>
+    <p:extLst>
+      <p:ext uri="{BB962C8B-B14F-4D97-AF65-F5344CB8AC3E}">
+        <p14:creationId xmlns:p14="http://schemas.microsoft.com/office/powerpoint/2010/main" xmlns="" val="3002471670"/>
+      </p:ext>
+    </p:extLst>
+  </p:cSld>
+  <p:clrMapOvr>
+    <a:masterClrMapping/>
+  </p:clrMapOvr>
+</p:sld>
+</file>
+
+<file path=ppt/slides/slide29.xml><?xml version="1.0" encoding="utf-8"?>
+<p:sld xmlns:a="http://schemas.openxmlformats.org/drawingml/2006/main" xmlns:r="http://schemas.openxmlformats.org/officeDocument/2006/relationships" xmlns:p="http://schemas.openxmlformats.org/presentationml/2006/main">
+  <p:cSld>
+    <p:spTree>
+      <p:nvGrpSpPr>
+        <p:cNvPr id="1" name=""/>
+        <p:cNvGrpSpPr/>
+        <p:nvPr/>
+      </p:nvGrpSpPr>
+      <p:grpSpPr>
+        <a:xfrm>
+          <a:off x="0" y="0"/>
+          <a:ext cx="0" cy="0"/>
+          <a:chOff x="0" y="0"/>
+          <a:chExt cx="0" cy="0"/>
+        </a:xfrm>
+      </p:grpSpPr>
+      <p:sp>
+        <p:nvSpPr>
+          <p:cNvPr id="9" name="Explosion: 14 Points 8">
+            <a:extLst>
+              <a:ext uri="{FF2B5EF4-FFF2-40B4-BE49-F238E27FC236}">
+                <a16:creationId xmlns:a16="http://schemas.microsoft.com/office/drawing/2014/main" xmlns="" id="{0A2CD68B-7A56-F86D-8B6F-4A8BF99B4C9E}"/>
+              </a:ext>
+            </a:extLst>
+          </p:cNvPr>
+          <p:cNvSpPr/>
+          <p:nvPr/>
+        </p:nvSpPr>
+        <p:spPr>
+          <a:xfrm>
+            <a:off x="4336395" y="0"/>
+            <a:ext cx="3669087" cy="3707684"/>
+          </a:xfrm>
+          <a:prstGeom prst="irregularSeal2">
+            <a:avLst/>
+          </a:prstGeom>
+          <a:solidFill>
+            <a:schemeClr val="bg1">
+              <a:lumMod val="75000"/>
+              <a:lumOff val="25000"/>
+            </a:schemeClr>
+          </a:solidFill>
+          <a:ln>
+            <a:noFill/>
+          </a:ln>
+        </p:spPr>
+        <p:style>
+          <a:lnRef idx="2">
+            <a:schemeClr val="accent1">
+              <a:shade val="15000"/>
+            </a:schemeClr>
+          </a:lnRef>
+          <a:fillRef idx="1">
+            <a:schemeClr val="accent1"/>
+          </a:fillRef>
+          <a:effectRef idx="0">
+            <a:schemeClr val="accent1"/>
+          </a:effectRef>
+          <a:fontRef idx="minor">
+            <a:schemeClr val="lt1"/>
+          </a:fontRef>
+        </p:style>
+        <p:txBody>
+          <a:bodyPr rtlCol="0" anchor="ctr"/>
+          <a:lstStyle/>
+          <a:p>
+            <a:pPr algn="ctr"/>
+            <a:endParaRPr lang="en-IN"/>
+          </a:p>
+        </p:txBody>
+      </p:sp>
+      <p:sp>
+        <p:nvSpPr>
+          <p:cNvPr id="2" name="Title 1">
+            <a:extLst>
+              <a:ext uri="{FF2B5EF4-FFF2-40B4-BE49-F238E27FC236}">
+                <a16:creationId xmlns:a16="http://schemas.microsoft.com/office/drawing/2014/main" xmlns="" id="{62BB4F8D-44B7-9866-F7B2-6375CB902974}"/>
+              </a:ext>
+            </a:extLst>
+          </p:cNvPr>
+          <p:cNvSpPr>
+            <a:spLocks noGrp="1"/>
+          </p:cNvSpPr>
+          <p:nvPr>
+            <p:ph type="title"/>
+          </p:nvPr>
+        </p:nvSpPr>
+        <p:spPr>
+          <a:xfrm>
+            <a:off x="0" y="-134470"/>
+            <a:ext cx="12192000" cy="3630705"/>
+          </a:xfrm>
+          <a:noFill/>
+        </p:spPr>
+        <p:txBody>
+          <a:bodyPr anchor="ctr">
+            <a:normAutofit/>
+          </a:bodyPr>
+          <a:lstStyle/>
+          <a:p>
+            <a:pPr algn="ctr"/>
+            <a:r>
+              <a:rPr lang="en-US" sz="7200" b="1" dirty="0">
+                <a:solidFill>
+                  <a:schemeClr val="tx1"/>
+                </a:solidFill>
+                <a:latin typeface="Barlow Condensed ExtraLight" panose="00000306000000000000" pitchFamily="2" charset="0"/>
+              </a:rPr>
+              <a:t>JavaScript</a:t>
+            </a:r>
+            <a:r>
+              <a:rPr lang="en-US" sz="7200" b="1" dirty="0">
+                <a:solidFill>
+                  <a:schemeClr val="tx1"/>
+                </a:solidFill>
+                <a:latin typeface="Barlow Black" panose="00000A00000000000000" pitchFamily="2" charset="0"/>
+              </a:rPr>
+              <a:t/>
+            </a:r>
+            <a:br>
+              <a:rPr lang="en-US" sz="7200" b="1" dirty="0">
+                <a:solidFill>
+                  <a:schemeClr val="tx1"/>
+                </a:solidFill>
+                <a:latin typeface="Barlow Black" panose="00000A00000000000000" pitchFamily="2" charset="0"/>
+              </a:rPr>
+            </a:br>
+            <a:r>
+              <a:rPr lang="en-US" sz="7200" b="1" dirty="0">
+                <a:solidFill>
+                  <a:schemeClr val="tx1"/>
+                </a:solidFill>
+                <a:latin typeface="Barlow Black" panose="00000A00000000000000" pitchFamily="2" charset="0"/>
+              </a:rPr>
+              <a:t>Chapter – </a:t>
+            </a:r>
+            <a:r>
+              <a:rPr lang="en-US" sz="7200" b="1" dirty="0" smtClean="0">
+                <a:solidFill>
+                  <a:schemeClr val="tx1"/>
+                </a:solidFill>
+                <a:latin typeface="Barlow Black" panose="00000A00000000000000" pitchFamily="2" charset="0"/>
+              </a:rPr>
+              <a:t>6</a:t>
+            </a:r>
+            <a:r>
+              <a:rPr lang="en-US" sz="7200" b="1" dirty="0">
+                <a:solidFill>
+                  <a:schemeClr val="tx1"/>
+                </a:solidFill>
+                <a:latin typeface="Barlow Black" panose="00000A00000000000000" pitchFamily="2" charset="0"/>
+              </a:rPr>
+              <a:t/>
+            </a:r>
+            <a:br>
+              <a:rPr lang="en-US" sz="7200" b="1" dirty="0">
+                <a:solidFill>
+                  <a:schemeClr val="tx1"/>
+                </a:solidFill>
+                <a:latin typeface="Barlow Black" panose="00000A00000000000000" pitchFamily="2" charset="0"/>
+              </a:rPr>
+            </a:br>
+            <a:r>
+              <a:rPr lang="en-US" sz="2800" dirty="0" smtClean="0">
+                <a:solidFill>
+                  <a:schemeClr val="accent2">
+                    <a:lumMod val="60000"/>
+                    <a:lumOff val="40000"/>
+                  </a:schemeClr>
+                </a:solidFill>
+                <a:latin typeface="Bahnschrift Light Condensed" pitchFamily="34" charset="0"/>
+              </a:rPr>
+              <a:t>(</a:t>
+            </a:r>
+            <a:r>
+              <a:rPr lang="en-US" dirty="0" smtClean="0">
+                <a:solidFill>
+                  <a:schemeClr val="accent2">
+                    <a:lumMod val="60000"/>
+                    <a:lumOff val="40000"/>
+                  </a:schemeClr>
+                </a:solidFill>
+                <a:latin typeface="Bahnschrift Light Condensed" pitchFamily="34" charset="0"/>
+              </a:rPr>
+              <a:t>Type conversion</a:t>
+            </a:r>
+            <a:r>
+              <a:rPr lang="en-US" sz="2800" dirty="0" smtClean="0">
+                <a:solidFill>
+                  <a:schemeClr val="accent2">
+                    <a:lumMod val="60000"/>
+                    <a:lumOff val="40000"/>
+                  </a:schemeClr>
+                </a:solidFill>
+                <a:latin typeface="Bahnschrift Light Condensed" pitchFamily="34" charset="0"/>
+              </a:rPr>
+              <a:t>)</a:t>
+            </a:r>
+            <a:endParaRPr lang="en-IN" sz="2800" dirty="0">
+              <a:solidFill>
+                <a:schemeClr val="accent2">
+                  <a:lumMod val="60000"/>
+                  <a:lumOff val="40000"/>
+                </a:schemeClr>
+              </a:solidFill>
+              <a:latin typeface="Bahnschrift Light Condensed" pitchFamily="34" charset="0"/>
+            </a:endParaRPr>
+          </a:p>
+        </p:txBody>
+      </p:sp>
+      <p:sp>
+        <p:nvSpPr>
+          <p:cNvPr id="8" name="TextBox 7">
+            <a:extLst>
+              <a:ext uri="{FF2B5EF4-FFF2-40B4-BE49-F238E27FC236}">
+                <a16:creationId xmlns:a16="http://schemas.microsoft.com/office/drawing/2014/main" xmlns="" id="{6E6F1672-8C91-3FA6-CB80-58FD68172333}"/>
+              </a:ext>
+            </a:extLst>
+          </p:cNvPr>
+          <p:cNvSpPr txBox="1"/>
+          <p:nvPr/>
+        </p:nvSpPr>
+        <p:spPr>
+          <a:xfrm>
+            <a:off x="0" y="6013537"/>
+            <a:ext cx="12192000" cy="369332"/>
+          </a:xfrm>
+          <a:prstGeom prst="rect">
+            <a:avLst/>
+          </a:prstGeom>
+          <a:noFill/>
+        </p:spPr>
+        <p:txBody>
+          <a:bodyPr wrap="square" rtlCol="0">
+            <a:spAutoFit/>
+          </a:bodyPr>
+          <a:lstStyle/>
+          <a:p>
+            <a:pPr algn="ctr"/>
+            <a:r>
+              <a:rPr lang="en-US" b="1" dirty="0"/>
+              <a:t>Gautam Kumar- </a:t>
+            </a:r>
+            <a:r>
+              <a:rPr lang="en-US" dirty="0">
+                <a:solidFill>
+                  <a:schemeClr val="tx1">
+                    <a:lumMod val="50000"/>
+                    <a:lumOff val="50000"/>
+                  </a:schemeClr>
+                </a:solidFill>
+              </a:rPr>
+              <a:t>uidhtml.com</a:t>
+            </a:r>
+            <a:endParaRPr lang="en-IN" dirty="0">
+              <a:solidFill>
+                <a:schemeClr val="tx1">
+                  <a:lumMod val="50000"/>
+                  <a:lumOff val="50000"/>
+                </a:schemeClr>
+              </a:solidFill>
+            </a:endParaRPr>
+          </a:p>
+        </p:txBody>
+      </p:sp>
+      <p:pic>
+        <p:nvPicPr>
+          <p:cNvPr id="3074" name="Picture 2" descr="C:\Users\Gautam\Downloads\Blank board - Page 1 (2).png"/>
+          <p:cNvPicPr>
+            <a:picLocks noChangeAspect="1" noChangeArrowheads="1"/>
+          </p:cNvPicPr>
+          <p:nvPr/>
+        </p:nvPicPr>
+        <p:blipFill>
+          <a:blip r:embed="rId2"/>
+          <a:srcRect/>
+          <a:stretch>
+            <a:fillRect/>
+          </a:stretch>
+        </p:blipFill>
+        <p:spPr bwMode="auto">
+          <a:xfrm>
+            <a:off x="1947226" y="3818966"/>
+            <a:ext cx="8172052" cy="1568821"/>
+          </a:xfrm>
+          <a:prstGeom prst="rect">
+            <a:avLst/>
+          </a:prstGeom>
+          <a:noFill/>
+        </p:spPr>
+      </p:pic>
+    </p:spTree>
+    <p:extLst>
+      <p:ext uri="{BB962C8B-B14F-4D97-AF65-F5344CB8AC3E}">
+        <p14:creationId xmlns:p14="http://schemas.microsoft.com/office/powerpoint/2010/main" xmlns="" val="3287175084"/>
       </p:ext>
     </p:extLst>
   </p:cSld>
@@ -14974,7 +16646,7 @@
         <p:cNvPr id="1" name="">
           <a:extLst>
             <a:ext uri="{FF2B5EF4-FFF2-40B4-BE49-F238E27FC236}">
-              <a16:creationId xmlns:a16="http://schemas.microsoft.com/office/drawing/2014/main" id="{D210C62D-BA73-7142-9269-B229A82A227F}"/>
+              <a16:creationId xmlns:a16="http://schemas.microsoft.com/office/drawing/2014/main" xmlns="" id="{D210C62D-BA73-7142-9269-B229A82A227F}"/>
             </a:ext>
           </a:extLst>
         </p:cNvPr>
@@ -14994,7 +16666,7 @@
           <p:cNvPr id="2" name="Title 1">
             <a:extLst>
               <a:ext uri="{FF2B5EF4-FFF2-40B4-BE49-F238E27FC236}">
-                <a16:creationId xmlns:a16="http://schemas.microsoft.com/office/drawing/2014/main" id="{D5018557-B8C1-B1F3-960D-C1C68708243B}"/>
+                <a16:creationId xmlns:a16="http://schemas.microsoft.com/office/drawing/2014/main" xmlns="" id="{D5018557-B8C1-B1F3-960D-C1C68708243B}"/>
               </a:ext>
             </a:extLst>
           </p:cNvPr>
@@ -15034,7 +16706,7 @@
           <p:cNvPr id="3" name="Content Placeholder 2">
             <a:extLst>
               <a:ext uri="{FF2B5EF4-FFF2-40B4-BE49-F238E27FC236}">
-                <a16:creationId xmlns:a16="http://schemas.microsoft.com/office/drawing/2014/main" id="{24415AF3-2B9F-42C3-52C5-51254FAF8249}"/>
+                <a16:creationId xmlns:a16="http://schemas.microsoft.com/office/drawing/2014/main" xmlns="" id="{24415AF3-2B9F-42C3-52C5-51254FAF8249}"/>
               </a:ext>
             </a:extLst>
           </p:cNvPr>
@@ -15100,7 +16772,7 @@
           <p:cNvPr id="6" name="Ribbon: Curved and Tilted Down 5">
             <a:extLst>
               <a:ext uri="{FF2B5EF4-FFF2-40B4-BE49-F238E27FC236}">
-                <a16:creationId xmlns:a16="http://schemas.microsoft.com/office/drawing/2014/main" id="{7BEA6FE3-CC31-4B69-44C6-04DF1B8559E4}"/>
+                <a16:creationId xmlns:a16="http://schemas.microsoft.com/office/drawing/2014/main" xmlns="" id="{7BEA6FE3-CC31-4B69-44C6-04DF1B8559E4}"/>
               </a:ext>
             </a:extLst>
           </p:cNvPr>
@@ -15173,7 +16845,7 @@
           <p:cNvPr id="8" name="Scroll: Vertical 7">
             <a:extLst>
               <a:ext uri="{FF2B5EF4-FFF2-40B4-BE49-F238E27FC236}">
-                <a16:creationId xmlns:a16="http://schemas.microsoft.com/office/drawing/2014/main" id="{2D8E823F-54F9-1A01-E3EF-B3211339B30B}"/>
+                <a16:creationId xmlns:a16="http://schemas.microsoft.com/office/drawing/2014/main" xmlns="" id="{2D8E823F-54F9-1A01-E3EF-B3211339B30B}"/>
               </a:ext>
             </a:extLst>
           </p:cNvPr>
@@ -15443,7 +17115,623 @@
     </p:spTree>
     <p:extLst>
       <p:ext uri="{BB962C8B-B14F-4D97-AF65-F5344CB8AC3E}">
-        <p14:creationId xmlns:p14="http://schemas.microsoft.com/office/powerpoint/2010/main" val="3274136203"/>
+        <p14:creationId xmlns:p14="http://schemas.microsoft.com/office/powerpoint/2010/main" xmlns="" val="3274136203"/>
+      </p:ext>
+    </p:extLst>
+  </p:cSld>
+  <p:clrMapOvr>
+    <a:masterClrMapping/>
+  </p:clrMapOvr>
+</p:sld>
+</file>
+
+<file path=ppt/slides/slide30.xml><?xml version="1.0" encoding="utf-8"?>
+<p:sld xmlns:a="http://schemas.openxmlformats.org/drawingml/2006/main" xmlns:r="http://schemas.openxmlformats.org/officeDocument/2006/relationships" xmlns:p="http://schemas.openxmlformats.org/presentationml/2006/main">
+  <p:cSld>
+    <p:spTree>
+      <p:nvGrpSpPr>
+        <p:cNvPr id="1" name="">
+          <a:extLst>
+            <a:ext uri="{FF2B5EF4-FFF2-40B4-BE49-F238E27FC236}">
+              <a16:creationId xmlns:a16="http://schemas.microsoft.com/office/drawing/2014/main" xmlns="" id="{4586E9D7-F5F8-14CC-9DF6-FC4AF2EA4249}"/>
+            </a:ext>
+          </a:extLst>
+        </p:cNvPr>
+        <p:cNvGrpSpPr/>
+        <p:nvPr/>
+      </p:nvGrpSpPr>
+      <p:grpSpPr>
+        <a:xfrm>
+          <a:off x="0" y="0"/>
+          <a:ext cx="0" cy="0"/>
+          <a:chOff x="0" y="0"/>
+          <a:chExt cx="0" cy="0"/>
+        </a:xfrm>
+      </p:grpSpPr>
+      <p:sp>
+        <p:nvSpPr>
+          <p:cNvPr id="2" name="Title 1">
+            <a:extLst>
+              <a:ext uri="{FF2B5EF4-FFF2-40B4-BE49-F238E27FC236}">
+                <a16:creationId xmlns:a16="http://schemas.microsoft.com/office/drawing/2014/main" xmlns="" id="{D8B67155-694F-FF61-7CDD-33A20A316215}"/>
+              </a:ext>
+            </a:extLst>
+          </p:cNvPr>
+          <p:cNvSpPr>
+            <a:spLocks noGrp="1"/>
+          </p:cNvSpPr>
+          <p:nvPr>
+            <p:ph type="title"/>
+          </p:nvPr>
+        </p:nvSpPr>
+        <p:spPr>
+          <a:xfrm>
+            <a:off x="334435" y="1057275"/>
+            <a:ext cx="8596668" cy="742950"/>
+          </a:xfrm>
+        </p:spPr>
+        <p:txBody>
+          <a:bodyPr>
+            <a:normAutofit fontScale="90000"/>
+          </a:bodyPr>
+          <a:lstStyle/>
+          <a:p>
+            <a:r>
+              <a:rPr lang="en-US" b="1" dirty="0" smtClean="0">
+                <a:solidFill>
+                  <a:schemeClr val="tx1"/>
+                </a:solidFill>
+                <a:latin typeface="Bahnschrift SemiLight" pitchFamily="34" charset="0"/>
+              </a:rPr>
+              <a:t>Implicit data type conversion</a:t>
+            </a:r>
+            <a:endParaRPr lang="en-US" dirty="0">
+              <a:solidFill>
+                <a:schemeClr val="bg1">
+                  <a:lumMod val="65000"/>
+                  <a:lumOff val="35000"/>
+                </a:schemeClr>
+              </a:solidFill>
+              <a:latin typeface="Bahnschrift Light Condensed" pitchFamily="34" charset="0"/>
+            </a:endParaRPr>
+          </a:p>
+        </p:txBody>
+      </p:sp>
+      <p:sp>
+        <p:nvSpPr>
+          <p:cNvPr id="6" name="Scroll: Vertical 5">
+            <a:extLst>
+              <a:ext uri="{FF2B5EF4-FFF2-40B4-BE49-F238E27FC236}">
+                <a16:creationId xmlns:a16="http://schemas.microsoft.com/office/drawing/2014/main" xmlns="" id="{1A4C732A-2840-82C8-A359-298D925E33B3}"/>
+              </a:ext>
+            </a:extLst>
+          </p:cNvPr>
+          <p:cNvSpPr/>
+          <p:nvPr/>
+        </p:nvSpPr>
+        <p:spPr>
+          <a:xfrm>
+            <a:off x="7851914" y="715617"/>
+            <a:ext cx="4240696" cy="4989444"/>
+          </a:xfrm>
+          <a:prstGeom prst="verticalScroll">
+            <a:avLst/>
+          </a:prstGeom>
+          <a:solidFill>
+            <a:schemeClr val="bg2">
+              <a:lumMod val="75000"/>
+            </a:schemeClr>
+          </a:solidFill>
+          <a:ln>
+            <a:solidFill>
+              <a:schemeClr val="bg1">
+                <a:lumMod val="75000"/>
+                <a:lumOff val="25000"/>
+              </a:schemeClr>
+            </a:solidFill>
+          </a:ln>
+        </p:spPr>
+        <p:style>
+          <a:lnRef idx="2">
+            <a:schemeClr val="accent1">
+              <a:shade val="15000"/>
+            </a:schemeClr>
+          </a:lnRef>
+          <a:fillRef idx="1">
+            <a:schemeClr val="accent1"/>
+          </a:fillRef>
+          <a:effectRef idx="0">
+            <a:schemeClr val="accent1"/>
+          </a:effectRef>
+          <a:fontRef idx="minor">
+            <a:schemeClr val="lt1"/>
+          </a:fontRef>
+        </p:style>
+        <p:txBody>
+          <a:bodyPr rtlCol="0" anchor="t"/>
+          <a:lstStyle/>
+          <a:p>
+            <a:pPr>
+              <a:lnSpc>
+                <a:spcPct val="150000"/>
+              </a:lnSpc>
+            </a:pPr>
+            <a:r>
+              <a:rPr lang="en-US" sz="2400" b="1" dirty="0" smtClean="0">
+                <a:solidFill>
+                  <a:schemeClr val="tx1"/>
+                </a:solidFill>
+              </a:rPr>
+              <a:t>Type conversion </a:t>
+            </a:r>
+            <a:br>
+              <a:rPr lang="en-US" sz="2400" b="1" dirty="0" smtClean="0">
+                <a:solidFill>
+                  <a:schemeClr val="tx1"/>
+                </a:solidFill>
+              </a:rPr>
+            </a:br>
+            <a:r>
+              <a:rPr lang="en-US" b="1" dirty="0" smtClean="0">
+                <a:solidFill>
+                  <a:schemeClr val="accent1">
+                    <a:lumMod val="60000"/>
+                    <a:lumOff val="40000"/>
+                  </a:schemeClr>
+                </a:solidFill>
+              </a:rPr>
+              <a:t>Topics</a:t>
+            </a:r>
+            <a:endParaRPr lang="en-US" b="1" dirty="0">
+              <a:solidFill>
+                <a:schemeClr val="accent1">
+                  <a:lumMod val="60000"/>
+                  <a:lumOff val="40000"/>
+                </a:schemeClr>
+              </a:solidFill>
+            </a:endParaRPr>
+          </a:p>
+          <a:p>
+            <a:pPr marL="285750" indent="-285750">
+              <a:lnSpc>
+                <a:spcPct val="150000"/>
+              </a:lnSpc>
+              <a:buFont typeface="Courier New" panose="02070309020205020404" pitchFamily="49" charset="0"/>
+              <a:buChar char="o"/>
+            </a:pPr>
+            <a:r>
+              <a:rPr lang="en-US" sz="1400" dirty="0" smtClean="0"/>
+              <a:t>Implicit Conversion (Coercion)</a:t>
+            </a:r>
+            <a:endParaRPr lang="en-US" sz="1400" dirty="0">
+              <a:solidFill>
+                <a:schemeClr val="tx1">
+                  <a:lumMod val="85000"/>
+                </a:schemeClr>
+              </a:solidFill>
+            </a:endParaRPr>
+          </a:p>
+          <a:p>
+            <a:pPr marL="285750" indent="-285750">
+              <a:lnSpc>
+                <a:spcPct val="150000"/>
+              </a:lnSpc>
+              <a:buFont typeface="Courier New" panose="02070309020205020404" pitchFamily="49" charset="0"/>
+              <a:buChar char="o"/>
+            </a:pPr>
+            <a:r>
+              <a:rPr lang="en-US" sz="1400" dirty="0" smtClean="0"/>
+              <a:t>Explicit Conversion (Casting)</a:t>
+            </a:r>
+            <a:endParaRPr lang="en-IN" sz="1400" dirty="0">
+              <a:solidFill>
+                <a:schemeClr val="tx1">
+                  <a:lumMod val="85000"/>
+                </a:schemeClr>
+              </a:solidFill>
+            </a:endParaRPr>
+          </a:p>
+        </p:txBody>
+      </p:sp>
+      <p:sp>
+        <p:nvSpPr>
+          <p:cNvPr id="7" name="TextBox 6"/>
+          <p:cNvSpPr txBox="1"/>
+          <p:nvPr/>
+        </p:nvSpPr>
+        <p:spPr>
+          <a:xfrm>
+            <a:off x="9614263" y="801189"/>
+            <a:ext cx="1401346" cy="369332"/>
+          </a:xfrm>
+          <a:prstGeom prst="rect">
+            <a:avLst/>
+          </a:prstGeom>
+          <a:noFill/>
+        </p:spPr>
+        <p:txBody>
+          <a:bodyPr wrap="none" rtlCol="0">
+            <a:spAutoFit/>
+          </a:bodyPr>
+          <a:lstStyle/>
+          <a:p>
+            <a:r>
+              <a:rPr lang="en-IN" b="1" dirty="0">
+                <a:solidFill>
+                  <a:schemeClr val="accent2">
+                    <a:lumMod val="60000"/>
+                    <a:lumOff val="40000"/>
+                  </a:schemeClr>
+                </a:solidFill>
+                <a:latin typeface="Bahnschrift SemiLight" pitchFamily="34" charset="0"/>
+              </a:rPr>
+              <a:t>Chapter - </a:t>
+            </a:r>
+            <a:r>
+              <a:rPr lang="en-IN" b="1" dirty="0" smtClean="0">
+                <a:solidFill>
+                  <a:schemeClr val="accent2">
+                    <a:lumMod val="60000"/>
+                    <a:lumOff val="40000"/>
+                  </a:schemeClr>
+                </a:solidFill>
+                <a:latin typeface="Bahnschrift SemiLight" pitchFamily="34" charset="0"/>
+              </a:rPr>
+              <a:t>6</a:t>
+            </a:r>
+            <a:endParaRPr lang="en-US" b="1" dirty="0">
+              <a:solidFill>
+                <a:schemeClr val="accent2">
+                  <a:lumMod val="60000"/>
+                  <a:lumOff val="40000"/>
+                </a:schemeClr>
+              </a:solidFill>
+              <a:latin typeface="Bahnschrift SemiLight" pitchFamily="34" charset="0"/>
+            </a:endParaRPr>
+          </a:p>
+        </p:txBody>
+      </p:sp>
+      <p:sp>
+        <p:nvSpPr>
+          <p:cNvPr id="8" name="Text Placeholder 7"/>
+          <p:cNvSpPr>
+            <a:spLocks noGrp="1"/>
+          </p:cNvSpPr>
+          <p:nvPr>
+            <p:ph type="body" idx="1"/>
+          </p:nvPr>
+        </p:nvSpPr>
+        <p:spPr>
+          <a:xfrm>
+            <a:off x="416078" y="1796868"/>
+            <a:ext cx="7134253" cy="1618685"/>
+          </a:xfrm>
+        </p:spPr>
+        <p:txBody>
+          <a:bodyPr anchor="t">
+            <a:normAutofit/>
+          </a:bodyPr>
+          <a:lstStyle/>
+          <a:p>
+            <a:r>
+              <a:rPr lang="en-US" dirty="0" smtClean="0"/>
+              <a:t>When type conversion is done by JavaScript automatically, it is called </a:t>
+            </a:r>
+            <a:r>
+              <a:rPr lang="en-US" b="1" dirty="0" smtClean="0"/>
+              <a:t>implicit type</a:t>
+            </a:r>
+            <a:r>
+              <a:rPr lang="en-US" dirty="0" smtClean="0"/>
+              <a:t> conversion. For example, when we use the '</a:t>
+            </a:r>
+            <a:r>
+              <a:rPr lang="en-US" b="1" dirty="0" smtClean="0"/>
+              <a:t>+</a:t>
+            </a:r>
+            <a:r>
+              <a:rPr lang="en-US" dirty="0" smtClean="0"/>
+              <a:t>' operator with the </a:t>
+            </a:r>
+            <a:r>
+              <a:rPr lang="en-US" b="1" dirty="0" smtClean="0"/>
+              <a:t>string</a:t>
+            </a:r>
+            <a:r>
+              <a:rPr lang="en-US" dirty="0" smtClean="0"/>
+              <a:t> and </a:t>
+            </a:r>
+            <a:r>
+              <a:rPr lang="en-US" b="1" dirty="0" smtClean="0"/>
+              <a:t>number</a:t>
+            </a:r>
+            <a:r>
+              <a:rPr lang="en-US" dirty="0" smtClean="0"/>
+              <a:t> operands, JavaScript converts the </a:t>
+            </a:r>
+            <a:r>
+              <a:rPr lang="en-US" b="1" dirty="0" smtClean="0"/>
+              <a:t>number</a:t>
+            </a:r>
+            <a:r>
+              <a:rPr lang="en-US" dirty="0" smtClean="0"/>
+              <a:t> to a </a:t>
+            </a:r>
+            <a:r>
+              <a:rPr lang="en-US" b="1" dirty="0" smtClean="0"/>
+              <a:t>string</a:t>
+            </a:r>
+            <a:r>
+              <a:rPr lang="en-US" dirty="0" smtClean="0"/>
+              <a:t> and concatenates it with the string.</a:t>
+            </a:r>
+            <a:endParaRPr lang="en-US" dirty="0"/>
+          </a:p>
+        </p:txBody>
+      </p:sp>
+      <p:sp>
+        <p:nvSpPr>
+          <p:cNvPr id="9" name="TextBox 8"/>
+          <p:cNvSpPr txBox="1"/>
+          <p:nvPr/>
+        </p:nvSpPr>
+        <p:spPr>
+          <a:xfrm>
+            <a:off x="322729" y="493057"/>
+            <a:ext cx="2991525" cy="584775"/>
+          </a:xfrm>
+          <a:prstGeom prst="rect">
+            <a:avLst/>
+          </a:prstGeom>
+          <a:noFill/>
+        </p:spPr>
+        <p:txBody>
+          <a:bodyPr wrap="none" rtlCol="0">
+            <a:spAutoFit/>
+          </a:bodyPr>
+          <a:lstStyle/>
+          <a:p>
+            <a:r>
+              <a:rPr lang="en-US" sz="3200" dirty="0" smtClean="0">
+                <a:solidFill>
+                  <a:schemeClr val="tx1">
+                    <a:lumMod val="65000"/>
+                    <a:lumOff val="35000"/>
+                  </a:schemeClr>
+                </a:solidFill>
+                <a:latin typeface="Barlow Condensed" pitchFamily="2" charset="0"/>
+              </a:rPr>
+              <a:t>JavaScript </a:t>
+            </a:r>
+            <a:r>
+              <a:rPr lang="en-US" sz="3200" dirty="0" smtClean="0">
+                <a:solidFill>
+                  <a:schemeClr val="tx1">
+                    <a:lumMod val="65000"/>
+                    <a:lumOff val="35000"/>
+                  </a:schemeClr>
+                </a:solidFill>
+                <a:latin typeface="Barlow Condensed" pitchFamily="2" charset="0"/>
+              </a:rPr>
+              <a:t>Tutorials</a:t>
+            </a:r>
+            <a:endParaRPr lang="en-IN" sz="3200" dirty="0" smtClean="0">
+              <a:solidFill>
+                <a:schemeClr val="tx1">
+                  <a:lumMod val="65000"/>
+                  <a:lumOff val="35000"/>
+                </a:schemeClr>
+              </a:solidFill>
+              <a:latin typeface="Barlow Condensed" pitchFamily="2" charset="0"/>
+            </a:endParaRPr>
+          </a:p>
+        </p:txBody>
+      </p:sp>
+      <p:sp>
+        <p:nvSpPr>
+          <p:cNvPr id="10" name="Title 1">
+            <a:extLst>
+              <a:ext uri="{FF2B5EF4-FFF2-40B4-BE49-F238E27FC236}">
+                <a16:creationId xmlns:a16="http://schemas.microsoft.com/office/drawing/2014/main" xmlns="" id="{D8B67155-694F-FF61-7CDD-33A20A316215}"/>
+              </a:ext>
+            </a:extLst>
+          </p:cNvPr>
+          <p:cNvSpPr txBox="1">
+            <a:spLocks/>
+          </p:cNvSpPr>
+          <p:nvPr/>
+        </p:nvSpPr>
+        <p:spPr>
+          <a:xfrm>
+            <a:off x="343400" y="3540499"/>
+            <a:ext cx="8596668" cy="742950"/>
+          </a:xfrm>
+          <a:prstGeom prst="rect">
+            <a:avLst/>
+          </a:prstGeom>
+        </p:spPr>
+        <p:txBody>
+          <a:bodyPr vert="horz" lIns="91440" tIns="45720" rIns="91440" bIns="45720" rtlCol="0" anchor="ctr">
+            <a:normAutofit fontScale="97500" lnSpcReduction="10000"/>
+          </a:bodyPr>
+          <a:lstStyle/>
+          <a:p>
+            <a:pPr marL="0" marR="0" lvl="0" indent="0" algn="l" defTabSz="457200" rtl="0" eaLnBrk="1" fontAlgn="auto" latinLnBrk="0" hangingPunct="1">
+              <a:lnSpc>
+                <a:spcPct val="100000"/>
+              </a:lnSpc>
+              <a:spcBef>
+                <a:spcPct val="0"/>
+              </a:spcBef>
+              <a:spcAft>
+                <a:spcPts val="0"/>
+              </a:spcAft>
+              <a:buClrTx/>
+              <a:buSzTx/>
+              <a:buFontTx/>
+              <a:buNone/>
+              <a:tabLst/>
+              <a:defRPr/>
+            </a:pPr>
+            <a:r>
+              <a:rPr kumimoji="0" lang="en-US" sz="4400" b="1" i="0" u="none" strike="noStrike" kern="1200" cap="none" spc="0" normalizeH="0" baseline="0" noProof="0" dirty="0" smtClean="0">
+                <a:ln>
+                  <a:noFill/>
+                </a:ln>
+                <a:solidFill>
+                  <a:schemeClr val="tx1"/>
+                </a:solidFill>
+                <a:effectLst/>
+                <a:uLnTx/>
+                <a:uFillTx/>
+                <a:latin typeface="Bahnschrift SemiLight" pitchFamily="34" charset="0"/>
+                <a:ea typeface="+mj-ea"/>
+                <a:cs typeface="+mj-cs"/>
+              </a:rPr>
+              <a:t>Explicit data type conversion</a:t>
+            </a:r>
+            <a:endParaRPr kumimoji="0" lang="en-US" sz="4400" b="0" i="0" u="none" strike="noStrike" kern="1200" cap="none" spc="0" normalizeH="0" baseline="0" noProof="0" dirty="0">
+              <a:ln>
+                <a:noFill/>
+              </a:ln>
+              <a:solidFill>
+                <a:schemeClr val="bg1">
+                  <a:lumMod val="65000"/>
+                  <a:lumOff val="35000"/>
+                </a:schemeClr>
+              </a:solidFill>
+              <a:effectLst/>
+              <a:uLnTx/>
+              <a:uFillTx/>
+              <a:latin typeface="Bahnschrift Light Condensed" pitchFamily="34" charset="0"/>
+              <a:ea typeface="+mj-ea"/>
+              <a:cs typeface="+mj-cs"/>
+            </a:endParaRPr>
+          </a:p>
+        </p:txBody>
+      </p:sp>
+      <p:sp>
+        <p:nvSpPr>
+          <p:cNvPr id="11" name="Text Placeholder 7"/>
+          <p:cNvSpPr txBox="1">
+            <a:spLocks/>
+          </p:cNvSpPr>
+          <p:nvPr/>
+        </p:nvSpPr>
+        <p:spPr>
+          <a:xfrm>
+            <a:off x="478831" y="4351809"/>
+            <a:ext cx="7134253" cy="1618685"/>
+          </a:xfrm>
+          <a:prstGeom prst="rect">
+            <a:avLst/>
+          </a:prstGeom>
+        </p:spPr>
+        <p:txBody>
+          <a:bodyPr vert="horz" lIns="91440" tIns="45720" rIns="91440" bIns="45720" rtlCol="0" anchor="t">
+            <a:normAutofit/>
+          </a:bodyPr>
+          <a:lstStyle/>
+          <a:p>
+            <a:pPr lvl="0">
+              <a:spcBef>
+                <a:spcPts val="1000"/>
+              </a:spcBef>
+              <a:buClr>
+                <a:schemeClr val="accent1"/>
+              </a:buClr>
+              <a:buSzPct val="80000"/>
+            </a:pPr>
+            <a:r>
+              <a:rPr lang="en-US" dirty="0" smtClean="0"/>
+              <a:t>In many cases, programmers are required to convert the data type of the variable manually. It is called the </a:t>
+            </a:r>
+            <a:r>
+              <a:rPr lang="en-US" b="1" dirty="0" smtClean="0"/>
+              <a:t>explicit type</a:t>
+            </a:r>
+            <a:r>
+              <a:rPr lang="en-US" dirty="0" smtClean="0"/>
+              <a:t> conversion</a:t>
+            </a:r>
+            <a:r>
+              <a:rPr lang="en-US" dirty="0" smtClean="0"/>
+              <a:t>.</a:t>
+            </a:r>
+            <a:br>
+              <a:rPr lang="en-US" dirty="0" smtClean="0"/>
+            </a:br>
+            <a:r>
+              <a:rPr lang="en-US" dirty="0" smtClean="0"/>
+              <a:t/>
+            </a:r>
+            <a:br>
+              <a:rPr lang="en-US" dirty="0" smtClean="0"/>
+            </a:br>
+            <a:r>
+              <a:rPr lang="en-US" dirty="0" smtClean="0"/>
+              <a:t>String(), </a:t>
+            </a:r>
+            <a:r>
+              <a:rPr lang="en-US" dirty="0" err="1" smtClean="0"/>
+              <a:t>toString</a:t>
+            </a:r>
+            <a:r>
+              <a:rPr lang="en-US" dirty="0" smtClean="0"/>
+              <a:t>(), </a:t>
+            </a:r>
+            <a:r>
+              <a:rPr lang="en-US" smtClean="0"/>
+              <a:t>number(), + sign, </a:t>
+            </a:r>
+            <a:r>
+              <a:rPr lang="en-US" dirty="0" err="1" smtClean="0"/>
+              <a:t>parseInt</a:t>
+            </a:r>
+            <a:r>
+              <a:rPr lang="en-US" dirty="0" smtClean="0"/>
+              <a:t>(), </a:t>
+            </a:r>
+            <a:r>
+              <a:rPr lang="en-US" dirty="0" err="1" smtClean="0"/>
+              <a:t>parseFloat</a:t>
+            </a:r>
+            <a:r>
+              <a:rPr lang="en-US" dirty="0" smtClean="0"/>
+              <a:t>(), </a:t>
+            </a:r>
+            <a:r>
+              <a:rPr lang="en-US" dirty="0" err="1" smtClean="0"/>
+              <a:t>boolean</a:t>
+            </a:r>
+            <a:r>
+              <a:rPr lang="en-US" dirty="0" smtClean="0"/>
+              <a:t>(), !! sign </a:t>
+            </a:r>
+            <a:endParaRPr kumimoji="0" lang="en-US" sz="1800" b="0" i="0" u="none" strike="noStrike" kern="1200" cap="none" spc="0" normalizeH="0" baseline="0" noProof="0" dirty="0">
+              <a:ln>
+                <a:noFill/>
+              </a:ln>
+              <a:solidFill>
+                <a:schemeClr val="tx1">
+                  <a:lumMod val="75000"/>
+                  <a:lumOff val="25000"/>
+                </a:schemeClr>
+              </a:solidFill>
+              <a:effectLst/>
+              <a:uLnTx/>
+              <a:uFillTx/>
+              <a:latin typeface="+mn-lt"/>
+              <a:ea typeface="+mn-ea"/>
+              <a:cs typeface="+mn-cs"/>
+            </a:endParaRPr>
+          </a:p>
+        </p:txBody>
+      </p:sp>
+    </p:spTree>
+    <p:extLst>
+      <p:ext uri="{BB962C8B-B14F-4D97-AF65-F5344CB8AC3E}">
+        <p14:creationId xmlns:p14="http://schemas.microsoft.com/office/powerpoint/2010/main" xmlns="" val="3002471670"/>
       </p:ext>
     </p:extLst>
   </p:cSld>
@@ -15461,7 +17749,7 @@
         <p:cNvPr id="1" name="">
           <a:extLst>
             <a:ext uri="{FF2B5EF4-FFF2-40B4-BE49-F238E27FC236}">
-              <a16:creationId xmlns:a16="http://schemas.microsoft.com/office/drawing/2014/main" id="{7139B82A-D876-79BD-D559-707BFDC5D481}"/>
+              <a16:creationId xmlns:a16="http://schemas.microsoft.com/office/drawing/2014/main" xmlns="" id="{7139B82A-D876-79BD-D559-707BFDC5D481}"/>
             </a:ext>
           </a:extLst>
         </p:cNvPr>
@@ -15481,7 +17769,7 @@
           <p:cNvPr id="8" name="Title 1">
             <a:extLst>
               <a:ext uri="{FF2B5EF4-FFF2-40B4-BE49-F238E27FC236}">
-                <a16:creationId xmlns:a16="http://schemas.microsoft.com/office/drawing/2014/main" id="{4C8D5637-E45A-11BE-1BA4-F40373E8D014}"/>
+                <a16:creationId xmlns:a16="http://schemas.microsoft.com/office/drawing/2014/main" xmlns="" id="{4C8D5637-E45A-11BE-1BA4-F40373E8D014}"/>
               </a:ext>
             </a:extLst>
           </p:cNvPr>
@@ -15518,7 +17806,7 @@
           <p:cNvPr id="3" name="Content Placeholder 2">
             <a:extLst>
               <a:ext uri="{FF2B5EF4-FFF2-40B4-BE49-F238E27FC236}">
-                <a16:creationId xmlns:a16="http://schemas.microsoft.com/office/drawing/2014/main" id="{86EB63D1-C74F-75B0-CE48-A95AEA2A21A1}"/>
+                <a16:creationId xmlns:a16="http://schemas.microsoft.com/office/drawing/2014/main" xmlns="" id="{86EB63D1-C74F-75B0-CE48-A95AEA2A21A1}"/>
               </a:ext>
             </a:extLst>
           </p:cNvPr>
@@ -15579,7 +17867,7 @@
           <p:cNvPr id="5" name="Ribbon: Curved and Tilted Down 4">
             <a:extLst>
               <a:ext uri="{FF2B5EF4-FFF2-40B4-BE49-F238E27FC236}">
-                <a16:creationId xmlns:a16="http://schemas.microsoft.com/office/drawing/2014/main" id="{75419B56-A4AB-830D-A49F-7700EED8C0FA}"/>
+                <a16:creationId xmlns:a16="http://schemas.microsoft.com/office/drawing/2014/main" xmlns="" id="{75419B56-A4AB-830D-A49F-7700EED8C0FA}"/>
               </a:ext>
             </a:extLst>
           </p:cNvPr>
@@ -15652,7 +17940,7 @@
           <p:cNvPr id="10" name="Scroll: Vertical 9">
             <a:extLst>
               <a:ext uri="{FF2B5EF4-FFF2-40B4-BE49-F238E27FC236}">
-                <a16:creationId xmlns:a16="http://schemas.microsoft.com/office/drawing/2014/main" id="{CD6C5744-A805-1655-2B2A-4D4D0DD0695E}"/>
+                <a16:creationId xmlns:a16="http://schemas.microsoft.com/office/drawing/2014/main" xmlns="" id="{CD6C5744-A805-1655-2B2A-4D4D0DD0695E}"/>
               </a:ext>
             </a:extLst>
           </p:cNvPr>
@@ -15968,7 +18256,7 @@
     </p:spTree>
     <p:extLst>
       <p:ext uri="{BB962C8B-B14F-4D97-AF65-F5344CB8AC3E}">
-        <p14:creationId xmlns:p14="http://schemas.microsoft.com/office/powerpoint/2010/main" val="3157857213"/>
+        <p14:creationId xmlns:p14="http://schemas.microsoft.com/office/powerpoint/2010/main" xmlns="" val="3157857213"/>
       </p:ext>
     </p:extLst>
   </p:cSld>
@@ -15986,7 +18274,7 @@
         <p:cNvPr id="1" name="">
           <a:extLst>
             <a:ext uri="{FF2B5EF4-FFF2-40B4-BE49-F238E27FC236}">
-              <a16:creationId xmlns:a16="http://schemas.microsoft.com/office/drawing/2014/main" id="{53D929B9-0FF5-B5F7-0DB4-914C4F4A1BB2}"/>
+              <a16:creationId xmlns:a16="http://schemas.microsoft.com/office/drawing/2014/main" xmlns="" id="{53D929B9-0FF5-B5F7-0DB4-914C4F4A1BB2}"/>
             </a:ext>
           </a:extLst>
         </p:cNvPr>
@@ -16006,7 +18294,7 @@
           <p:cNvPr id="7" name="Title 1">
             <a:extLst>
               <a:ext uri="{FF2B5EF4-FFF2-40B4-BE49-F238E27FC236}">
-                <a16:creationId xmlns:a16="http://schemas.microsoft.com/office/drawing/2014/main" id="{2D810556-B3F2-D67B-C5C6-43963FC8DAE7}"/>
+                <a16:creationId xmlns:a16="http://schemas.microsoft.com/office/drawing/2014/main" xmlns="" id="{2D810556-B3F2-D67B-C5C6-43963FC8DAE7}"/>
               </a:ext>
             </a:extLst>
           </p:cNvPr>
@@ -16043,7 +18331,7 @@
           <p:cNvPr id="3" name="Content Placeholder 2">
             <a:extLst>
               <a:ext uri="{FF2B5EF4-FFF2-40B4-BE49-F238E27FC236}">
-                <a16:creationId xmlns:a16="http://schemas.microsoft.com/office/drawing/2014/main" id="{8F0952B2-F12D-991D-3EC9-9526D8EDED87}"/>
+                <a16:creationId xmlns:a16="http://schemas.microsoft.com/office/drawing/2014/main" xmlns="" id="{8F0952B2-F12D-991D-3EC9-9526D8EDED87}"/>
               </a:ext>
             </a:extLst>
           </p:cNvPr>
@@ -16118,7 +18406,7 @@
           <p:cNvPr id="8" name="Ribbon: Curved and Tilted Down 7">
             <a:extLst>
               <a:ext uri="{FF2B5EF4-FFF2-40B4-BE49-F238E27FC236}">
-                <a16:creationId xmlns:a16="http://schemas.microsoft.com/office/drawing/2014/main" id="{C9C1F804-0CF6-A2DC-646C-9B9441D8EBB0}"/>
+                <a16:creationId xmlns:a16="http://schemas.microsoft.com/office/drawing/2014/main" xmlns="" id="{C9C1F804-0CF6-A2DC-646C-9B9441D8EBB0}"/>
               </a:ext>
             </a:extLst>
           </p:cNvPr>
@@ -16191,7 +18479,7 @@
           <p:cNvPr id="9" name="Scroll: Vertical 8">
             <a:extLst>
               <a:ext uri="{FF2B5EF4-FFF2-40B4-BE49-F238E27FC236}">
-                <a16:creationId xmlns:a16="http://schemas.microsoft.com/office/drawing/2014/main" id="{94613FC4-1176-9125-467B-B6CE33BB59CD}"/>
+                <a16:creationId xmlns:a16="http://schemas.microsoft.com/office/drawing/2014/main" xmlns="" id="{94613FC4-1176-9125-467B-B6CE33BB59CD}"/>
               </a:ext>
             </a:extLst>
           </p:cNvPr>
@@ -16507,7 +18795,7 @@
     </p:spTree>
     <p:extLst>
       <p:ext uri="{BB962C8B-B14F-4D97-AF65-F5344CB8AC3E}">
-        <p14:creationId xmlns:p14="http://schemas.microsoft.com/office/powerpoint/2010/main" val="2302025808"/>
+        <p14:creationId xmlns:p14="http://schemas.microsoft.com/office/powerpoint/2010/main" xmlns="" val="2302025808"/>
       </p:ext>
     </p:extLst>
   </p:cSld>
@@ -16525,7 +18813,7 @@
         <p:cNvPr id="1" name="">
           <a:extLst>
             <a:ext uri="{FF2B5EF4-FFF2-40B4-BE49-F238E27FC236}">
-              <a16:creationId xmlns:a16="http://schemas.microsoft.com/office/drawing/2014/main" id="{744B94CD-0809-14B6-E79F-D0C06F89CA15}"/>
+              <a16:creationId xmlns:a16="http://schemas.microsoft.com/office/drawing/2014/main" xmlns="" id="{744B94CD-0809-14B6-E79F-D0C06F89CA15}"/>
             </a:ext>
           </a:extLst>
         </p:cNvPr>
@@ -16545,7 +18833,7 @@
           <p:cNvPr id="9" name="Title 8">
             <a:extLst>
               <a:ext uri="{FF2B5EF4-FFF2-40B4-BE49-F238E27FC236}">
-                <a16:creationId xmlns:a16="http://schemas.microsoft.com/office/drawing/2014/main" id="{F3A13225-B875-57E9-5CCB-88427D8711E0}"/>
+                <a16:creationId xmlns:a16="http://schemas.microsoft.com/office/drawing/2014/main" xmlns="" id="{F3A13225-B875-57E9-5CCB-88427D8711E0}"/>
               </a:ext>
             </a:extLst>
           </p:cNvPr>
@@ -16585,7 +18873,7 @@
           <p:cNvPr id="3" name="Content Placeholder 2">
             <a:extLst>
               <a:ext uri="{FF2B5EF4-FFF2-40B4-BE49-F238E27FC236}">
-                <a16:creationId xmlns:a16="http://schemas.microsoft.com/office/drawing/2014/main" id="{29D21329-5AAF-6358-9761-2C4901A09C8C}"/>
+                <a16:creationId xmlns:a16="http://schemas.microsoft.com/office/drawing/2014/main" xmlns="" id="{29D21329-5AAF-6358-9761-2C4901A09C8C}"/>
               </a:ext>
             </a:extLst>
           </p:cNvPr>
@@ -16632,7 +18920,7 @@
           <p:cNvPr id="5" name="Title 1">
             <a:extLst>
               <a:ext uri="{FF2B5EF4-FFF2-40B4-BE49-F238E27FC236}">
-                <a16:creationId xmlns:a16="http://schemas.microsoft.com/office/drawing/2014/main" id="{23B0E81A-A704-BABA-7779-F926A6BFCB35}"/>
+                <a16:creationId xmlns:a16="http://schemas.microsoft.com/office/drawing/2014/main" xmlns="" id="{23B0E81A-A704-BABA-7779-F926A6BFCB35}"/>
               </a:ext>
             </a:extLst>
           </p:cNvPr>
@@ -16740,7 +19028,7 @@
           <p:cNvPr id="10" name="Ribbon: Curved and Tilted Down 9">
             <a:extLst>
               <a:ext uri="{FF2B5EF4-FFF2-40B4-BE49-F238E27FC236}">
-                <a16:creationId xmlns:a16="http://schemas.microsoft.com/office/drawing/2014/main" id="{3DBA1B1D-2AF2-C619-7353-1037498CD788}"/>
+                <a16:creationId xmlns:a16="http://schemas.microsoft.com/office/drawing/2014/main" xmlns="" id="{3DBA1B1D-2AF2-C619-7353-1037498CD788}"/>
               </a:ext>
             </a:extLst>
           </p:cNvPr>
@@ -16813,7 +19101,7 @@
           <p:cNvPr id="11" name="Scroll: Vertical 10">
             <a:extLst>
               <a:ext uri="{FF2B5EF4-FFF2-40B4-BE49-F238E27FC236}">
-                <a16:creationId xmlns:a16="http://schemas.microsoft.com/office/drawing/2014/main" id="{BE18EA22-49FD-59C7-DB0C-3006A91F02E6}"/>
+                <a16:creationId xmlns:a16="http://schemas.microsoft.com/office/drawing/2014/main" xmlns="" id="{BE18EA22-49FD-59C7-DB0C-3006A91F02E6}"/>
               </a:ext>
             </a:extLst>
           </p:cNvPr>
@@ -17129,7 +19417,7 @@
     </p:spTree>
     <p:extLst>
       <p:ext uri="{BB962C8B-B14F-4D97-AF65-F5344CB8AC3E}">
-        <p14:creationId xmlns:p14="http://schemas.microsoft.com/office/powerpoint/2010/main" val="1090188544"/>
+        <p14:creationId xmlns:p14="http://schemas.microsoft.com/office/powerpoint/2010/main" xmlns="" val="1090188544"/>
       </p:ext>
     </p:extLst>
   </p:cSld>
@@ -17147,7 +19435,7 @@
         <p:cNvPr id="1" name="">
           <a:extLst>
             <a:ext uri="{FF2B5EF4-FFF2-40B4-BE49-F238E27FC236}">
-              <a16:creationId xmlns:a16="http://schemas.microsoft.com/office/drawing/2014/main" id="{DFFF01F8-A8CD-88AB-42C3-C2E632C5474A}"/>
+              <a16:creationId xmlns:a16="http://schemas.microsoft.com/office/drawing/2014/main" xmlns="" id="{DFFF01F8-A8CD-88AB-42C3-C2E632C5474A}"/>
             </a:ext>
           </a:extLst>
         </p:cNvPr>
@@ -17167,7 +19455,7 @@
           <p:cNvPr id="7" name="Title 8">
             <a:extLst>
               <a:ext uri="{FF2B5EF4-FFF2-40B4-BE49-F238E27FC236}">
-                <a16:creationId xmlns:a16="http://schemas.microsoft.com/office/drawing/2014/main" id="{2CFF87A5-7472-22DC-030C-A3CCBBC3E824}"/>
+                <a16:creationId xmlns:a16="http://schemas.microsoft.com/office/drawing/2014/main" xmlns="" id="{2CFF87A5-7472-22DC-030C-A3CCBBC3E824}"/>
               </a:ext>
             </a:extLst>
           </p:cNvPr>
@@ -17207,7 +19495,7 @@
           <p:cNvPr id="3" name="Content Placeholder 2">
             <a:extLst>
               <a:ext uri="{FF2B5EF4-FFF2-40B4-BE49-F238E27FC236}">
-                <a16:creationId xmlns:a16="http://schemas.microsoft.com/office/drawing/2014/main" id="{1702553A-B321-D7AA-C0CD-A58D1C15FC38}"/>
+                <a16:creationId xmlns:a16="http://schemas.microsoft.com/office/drawing/2014/main" xmlns="" id="{1702553A-B321-D7AA-C0CD-A58D1C15FC38}"/>
               </a:ext>
             </a:extLst>
           </p:cNvPr>
@@ -17280,7 +19568,7 @@
           <p:cNvPr id="8" name="Ribbon: Curved and Tilted Down 7">
             <a:extLst>
               <a:ext uri="{FF2B5EF4-FFF2-40B4-BE49-F238E27FC236}">
-                <a16:creationId xmlns:a16="http://schemas.microsoft.com/office/drawing/2014/main" id="{C52AE18F-E34C-AFB6-7EA6-F589DEF7B3D0}"/>
+                <a16:creationId xmlns:a16="http://schemas.microsoft.com/office/drawing/2014/main" xmlns="" id="{C52AE18F-E34C-AFB6-7EA6-F589DEF7B3D0}"/>
               </a:ext>
             </a:extLst>
           </p:cNvPr>
@@ -17353,7 +19641,7 @@
           <p:cNvPr id="9" name="Scroll: Vertical 8">
             <a:extLst>
               <a:ext uri="{FF2B5EF4-FFF2-40B4-BE49-F238E27FC236}">
-                <a16:creationId xmlns:a16="http://schemas.microsoft.com/office/drawing/2014/main" id="{18A95ECD-6D24-C669-0CF8-39F3FBCDDA47}"/>
+                <a16:creationId xmlns:a16="http://schemas.microsoft.com/office/drawing/2014/main" xmlns="" id="{18A95ECD-6D24-C669-0CF8-39F3FBCDDA47}"/>
               </a:ext>
             </a:extLst>
           </p:cNvPr>
@@ -17669,7 +19957,7 @@
     </p:spTree>
     <p:extLst>
       <p:ext uri="{BB962C8B-B14F-4D97-AF65-F5344CB8AC3E}">
-        <p14:creationId xmlns:p14="http://schemas.microsoft.com/office/powerpoint/2010/main" val="1870717373"/>
+        <p14:creationId xmlns:p14="http://schemas.microsoft.com/office/powerpoint/2010/main" xmlns="" val="1870717373"/>
       </p:ext>
     </p:extLst>
   </p:cSld>
@@ -17687,7 +19975,7 @@
         <p:cNvPr id="1" name="">
           <a:extLst>
             <a:ext uri="{FF2B5EF4-FFF2-40B4-BE49-F238E27FC236}">
-              <a16:creationId xmlns:a16="http://schemas.microsoft.com/office/drawing/2014/main" id="{D224F207-D856-6E6D-9995-159800F589CD}"/>
+              <a16:creationId xmlns:a16="http://schemas.microsoft.com/office/drawing/2014/main" xmlns="" id="{D224F207-D856-6E6D-9995-159800F589CD}"/>
             </a:ext>
           </a:extLst>
         </p:cNvPr>
@@ -17707,7 +19995,7 @@
           <p:cNvPr id="5" name="Title 8">
             <a:extLst>
               <a:ext uri="{FF2B5EF4-FFF2-40B4-BE49-F238E27FC236}">
-                <a16:creationId xmlns:a16="http://schemas.microsoft.com/office/drawing/2014/main" id="{2773E7F4-011C-1186-0E83-1852CC157898}"/>
+                <a16:creationId xmlns:a16="http://schemas.microsoft.com/office/drawing/2014/main" xmlns="" id="{2773E7F4-011C-1186-0E83-1852CC157898}"/>
               </a:ext>
             </a:extLst>
           </p:cNvPr>
@@ -17747,7 +20035,7 @@
           <p:cNvPr id="3" name="Content Placeholder 2">
             <a:extLst>
               <a:ext uri="{FF2B5EF4-FFF2-40B4-BE49-F238E27FC236}">
-                <a16:creationId xmlns:a16="http://schemas.microsoft.com/office/drawing/2014/main" id="{9466D7CB-A484-F4DC-1247-3B0F9708D05F}"/>
+                <a16:creationId xmlns:a16="http://schemas.microsoft.com/office/drawing/2014/main" xmlns="" id="{9466D7CB-A484-F4DC-1247-3B0F9708D05F}"/>
               </a:ext>
             </a:extLst>
           </p:cNvPr>
@@ -17794,7 +20082,7 @@
           <p:cNvPr id="6" name="Ribbon: Curved and Tilted Down 5">
             <a:extLst>
               <a:ext uri="{FF2B5EF4-FFF2-40B4-BE49-F238E27FC236}">
-                <a16:creationId xmlns:a16="http://schemas.microsoft.com/office/drawing/2014/main" id="{DA6F4F8F-5ABC-21EF-A2AB-B0F4B5058194}"/>
+                <a16:creationId xmlns:a16="http://schemas.microsoft.com/office/drawing/2014/main" xmlns="" id="{DA6F4F8F-5ABC-21EF-A2AB-B0F4B5058194}"/>
               </a:ext>
             </a:extLst>
           </p:cNvPr>
@@ -17867,7 +20155,7 @@
           <p:cNvPr id="7" name="Scroll: Vertical 6">
             <a:extLst>
               <a:ext uri="{FF2B5EF4-FFF2-40B4-BE49-F238E27FC236}">
-                <a16:creationId xmlns:a16="http://schemas.microsoft.com/office/drawing/2014/main" id="{694A0A23-21B4-6D65-E96A-AD1A0AC04FCC}"/>
+                <a16:creationId xmlns:a16="http://schemas.microsoft.com/office/drawing/2014/main" xmlns="" id="{694A0A23-21B4-6D65-E96A-AD1A0AC04FCC}"/>
               </a:ext>
             </a:extLst>
           </p:cNvPr>
@@ -18183,7 +20471,7 @@
     </p:spTree>
     <p:extLst>
       <p:ext uri="{BB962C8B-B14F-4D97-AF65-F5344CB8AC3E}">
-        <p14:creationId xmlns:p14="http://schemas.microsoft.com/office/powerpoint/2010/main" val="755787835"/>
+        <p14:creationId xmlns:p14="http://schemas.microsoft.com/office/powerpoint/2010/main" xmlns="" val="755787835"/>
       </p:ext>
     </p:extLst>
   </p:cSld>
@@ -18201,7 +20489,7 @@
         <p:cNvPr id="1" name="">
           <a:extLst>
             <a:ext uri="{FF2B5EF4-FFF2-40B4-BE49-F238E27FC236}">
-              <a16:creationId xmlns:a16="http://schemas.microsoft.com/office/drawing/2014/main" id="{517DE5E6-801F-A2FD-C03F-6F5486821075}"/>
+              <a16:creationId xmlns:a16="http://schemas.microsoft.com/office/drawing/2014/main" xmlns="" id="{517DE5E6-801F-A2FD-C03F-6F5486821075}"/>
             </a:ext>
           </a:extLst>
         </p:cNvPr>
@@ -18221,7 +20509,7 @@
           <p:cNvPr id="2" name="Title 1">
             <a:extLst>
               <a:ext uri="{FF2B5EF4-FFF2-40B4-BE49-F238E27FC236}">
-                <a16:creationId xmlns:a16="http://schemas.microsoft.com/office/drawing/2014/main" id="{5F9D859A-CC6B-038D-5AE0-901278C3F6CE}"/>
+                <a16:creationId xmlns:a16="http://schemas.microsoft.com/office/drawing/2014/main" xmlns="" id="{5F9D859A-CC6B-038D-5AE0-901278C3F6CE}"/>
               </a:ext>
             </a:extLst>
           </p:cNvPr>
@@ -18259,7 +20547,7 @@
           <p:cNvPr id="3" name="Content Placeholder 2">
             <a:extLst>
               <a:ext uri="{FF2B5EF4-FFF2-40B4-BE49-F238E27FC236}">
-                <a16:creationId xmlns:a16="http://schemas.microsoft.com/office/drawing/2014/main" id="{E5BE3A65-ADA6-AEAF-69B6-B9779A59851F}"/>
+                <a16:creationId xmlns:a16="http://schemas.microsoft.com/office/drawing/2014/main" xmlns="" id="{E5BE3A65-ADA6-AEAF-69B6-B9779A59851F}"/>
               </a:ext>
             </a:extLst>
           </p:cNvPr>
@@ -18300,7 +20588,7 @@
           <p:cNvPr id="6" name="Ribbon: Curved and Tilted Down 5">
             <a:extLst>
               <a:ext uri="{FF2B5EF4-FFF2-40B4-BE49-F238E27FC236}">
-                <a16:creationId xmlns:a16="http://schemas.microsoft.com/office/drawing/2014/main" id="{571A9BAF-7164-4534-E0BD-EE0EDF7090A3}"/>
+                <a16:creationId xmlns:a16="http://schemas.microsoft.com/office/drawing/2014/main" xmlns="" id="{571A9BAF-7164-4534-E0BD-EE0EDF7090A3}"/>
               </a:ext>
             </a:extLst>
           </p:cNvPr>
@@ -18373,7 +20661,7 @@
           <p:cNvPr id="7" name="Scroll: Vertical 6">
             <a:extLst>
               <a:ext uri="{FF2B5EF4-FFF2-40B4-BE49-F238E27FC236}">
-                <a16:creationId xmlns:a16="http://schemas.microsoft.com/office/drawing/2014/main" id="{82B3A4DF-1DDB-DA3D-C01E-CA4956EC89D7}"/>
+                <a16:creationId xmlns:a16="http://schemas.microsoft.com/office/drawing/2014/main" xmlns="" id="{82B3A4DF-1DDB-DA3D-C01E-CA4956EC89D7}"/>
               </a:ext>
             </a:extLst>
           </p:cNvPr>
@@ -18689,7 +20977,7 @@
     </p:spTree>
     <p:extLst>
       <p:ext uri="{BB962C8B-B14F-4D97-AF65-F5344CB8AC3E}">
-        <p14:creationId xmlns:p14="http://schemas.microsoft.com/office/powerpoint/2010/main" val="3160480842"/>
+        <p14:creationId xmlns:p14="http://schemas.microsoft.com/office/powerpoint/2010/main" xmlns="" val="3160480842"/>
       </p:ext>
     </p:extLst>
   </p:cSld>
@@ -18950,7 +21238,7 @@
   <a:extraClrSchemeLst/>
   <a:extLst>
     <a:ext uri="{05A4C25C-085E-4340-85A3-A5531E510DB2}">
-      <thm15:themeFamily xmlns:thm15="http://schemas.microsoft.com/office/thememl/2012/main" name="Facet" id="{C0C680CD-088A-49FC-A102-D699147F32B2}" vid="{8C59B386-999D-4CB6-B907-9F3997C027CC}"/>
+      <thm15:themeFamily xmlns:thm15="http://schemas.microsoft.com/office/thememl/2012/main" xmlns="" name="Facet" id="{C0C680CD-088A-49FC-A102-D699147F32B2}" vid="{8C59B386-999D-4CB6-B907-9F3997C027CC}"/>
     </a:ext>
   </a:extLst>
 </a:theme>

--- a/Javascript Tutorials.pptx
+++ b/Javascript Tutorials.pptx
@@ -22,9 +22,9 @@
     <p:sldId id="270" r:id="rId16"/>
     <p:sldId id="271" r:id="rId17"/>
     <p:sldId id="272" r:id="rId18"/>
-    <p:sldId id="273" r:id="rId19"/>
+    <p:sldId id="274" r:id="rId19"/>
     <p:sldId id="276" r:id="rId20"/>
-    <p:sldId id="274" r:id="rId21"/>
+    <p:sldId id="286" r:id="rId21"/>
     <p:sldId id="275" r:id="rId22"/>
     <p:sldId id="277" r:id="rId23"/>
     <p:sldId id="278" r:id="rId24"/>
@@ -135,7 +135,7 @@
   </p:defaultTextStyle>
   <p:extLst>
     <p:ext uri="{EFAFB233-063F-42B5-8137-9DF3F51BA10A}">
-      <p15:sldGuideLst xmlns:p15="http://schemas.microsoft.com/office/powerpoint/2012/main" xmlns="">
+      <p15:sldGuideLst xmlns:p15="http://schemas.microsoft.com/office/powerpoint/2012/main">
         <p15:guide id="1" orient="horz" pos="2160">
           <p15:clr>
             <a:srgbClr val="A4A3A4"/>
@@ -877,7 +877,7 @@
             <a:fld id="{48A87A34-81AB-432B-8DAE-1953F412C126}" type="datetimeFigureOut">
               <a:rPr lang="en-US" smtClean="0"/>
               <a:pPr/>
-              <a:t>8/28/2025</a:t>
+              <a:t>8/31/2025</a:t>
             </a:fld>
             <a:endParaRPr lang="en-US" dirty="0"/>
           </a:p>
@@ -929,7 +929,7 @@
     </p:spTree>
     <p:extLst>
       <p:ext uri="{BB962C8B-B14F-4D97-AF65-F5344CB8AC3E}">
-        <p14:creationId xmlns:p14="http://schemas.microsoft.com/office/powerpoint/2010/main" xmlns="" val="2121369331"/>
+        <p14:creationId xmlns:p14="http://schemas.microsoft.com/office/powerpoint/2010/main" val="2121369331"/>
       </p:ext>
     </p:extLst>
   </p:cSld>
@@ -1130,7 +1130,7 @@
             <a:fld id="{48A87A34-81AB-432B-8DAE-1953F412C126}" type="datetimeFigureOut">
               <a:rPr lang="en-US" smtClean="0"/>
               <a:pPr/>
-              <a:t>8/28/2025</a:t>
+              <a:t>8/31/2025</a:t>
             </a:fld>
             <a:endParaRPr lang="en-US" dirty="0"/>
           </a:p>
@@ -1182,7 +1182,7 @@
     </p:spTree>
     <p:extLst>
       <p:ext uri="{BB962C8B-B14F-4D97-AF65-F5344CB8AC3E}">
-        <p14:creationId xmlns:p14="http://schemas.microsoft.com/office/powerpoint/2010/main" xmlns="" val="4277845334"/>
+        <p14:creationId xmlns:p14="http://schemas.microsoft.com/office/powerpoint/2010/main" val="4277845334"/>
       </p:ext>
     </p:extLst>
   </p:cSld>
@@ -1446,7 +1446,7 @@
             <a:fld id="{48A87A34-81AB-432B-8DAE-1953F412C126}" type="datetimeFigureOut">
               <a:rPr lang="en-US" smtClean="0"/>
               <a:pPr/>
-              <a:t>8/28/2025</a:t>
+              <a:t>8/31/2025</a:t>
             </a:fld>
             <a:endParaRPr lang="en-US" dirty="0"/>
           </a:p>
@@ -1574,7 +1574,7 @@
     </p:spTree>
     <p:extLst>
       <p:ext uri="{BB962C8B-B14F-4D97-AF65-F5344CB8AC3E}">
-        <p14:creationId xmlns:p14="http://schemas.microsoft.com/office/powerpoint/2010/main" xmlns="" val="4103336880"/>
+        <p14:creationId xmlns:p14="http://schemas.microsoft.com/office/powerpoint/2010/main" val="4103336880"/>
       </p:ext>
     </p:extLst>
   </p:cSld>
@@ -1775,7 +1775,7 @@
             <a:fld id="{48A87A34-81AB-432B-8DAE-1953F412C126}" type="datetimeFigureOut">
               <a:rPr lang="en-US" smtClean="0"/>
               <a:pPr/>
-              <a:t>8/28/2025</a:t>
+              <a:t>8/31/2025</a:t>
             </a:fld>
             <a:endParaRPr lang="en-US" dirty="0"/>
           </a:p>
@@ -1827,7 +1827,7 @@
     </p:spTree>
     <p:extLst>
       <p:ext uri="{BB962C8B-B14F-4D97-AF65-F5344CB8AC3E}">
-        <p14:creationId xmlns:p14="http://schemas.microsoft.com/office/powerpoint/2010/main" xmlns="" val="2317848287"/>
+        <p14:creationId xmlns:p14="http://schemas.microsoft.com/office/powerpoint/2010/main" val="2317848287"/>
       </p:ext>
     </p:extLst>
   </p:cSld>
@@ -2091,7 +2091,7 @@
             <a:fld id="{48A87A34-81AB-432B-8DAE-1953F412C126}" type="datetimeFigureOut">
               <a:rPr lang="en-US" smtClean="0"/>
               <a:pPr/>
-              <a:t>8/28/2025</a:t>
+              <a:t>8/31/2025</a:t>
             </a:fld>
             <a:endParaRPr lang="en-US" dirty="0"/>
           </a:p>
@@ -2219,7 +2219,7 @@
     </p:spTree>
     <p:extLst>
       <p:ext uri="{BB962C8B-B14F-4D97-AF65-F5344CB8AC3E}">
-        <p14:creationId xmlns:p14="http://schemas.microsoft.com/office/powerpoint/2010/main" xmlns="" val="4054754721"/>
+        <p14:creationId xmlns:p14="http://schemas.microsoft.com/office/powerpoint/2010/main" val="4054754721"/>
       </p:ext>
     </p:extLst>
   </p:cSld>
@@ -2480,7 +2480,7 @@
             <a:fld id="{48A87A34-81AB-432B-8DAE-1953F412C126}" type="datetimeFigureOut">
               <a:rPr lang="en-US" smtClean="0"/>
               <a:pPr/>
-              <a:t>8/28/2025</a:t>
+              <a:t>8/31/2025</a:t>
             </a:fld>
             <a:endParaRPr lang="en-US" dirty="0"/>
           </a:p>
@@ -2532,7 +2532,7 @@
     </p:spTree>
     <p:extLst>
       <p:ext uri="{BB962C8B-B14F-4D97-AF65-F5344CB8AC3E}">
-        <p14:creationId xmlns:p14="http://schemas.microsoft.com/office/powerpoint/2010/main" xmlns="" val="3698809145"/>
+        <p14:creationId xmlns:p14="http://schemas.microsoft.com/office/powerpoint/2010/main" val="3698809145"/>
       </p:ext>
     </p:extLst>
   </p:cSld>
@@ -2652,7 +2652,7 @@
             <a:fld id="{48A87A34-81AB-432B-8DAE-1953F412C126}" type="datetimeFigureOut">
               <a:rPr lang="en-US" smtClean="0"/>
               <a:pPr/>
-              <a:t>8/28/2025</a:t>
+              <a:t>8/31/2025</a:t>
             </a:fld>
             <a:endParaRPr lang="en-US" dirty="0"/>
           </a:p>
@@ -2704,7 +2704,7 @@
     </p:spTree>
     <p:extLst>
       <p:ext uri="{BB962C8B-B14F-4D97-AF65-F5344CB8AC3E}">
-        <p14:creationId xmlns:p14="http://schemas.microsoft.com/office/powerpoint/2010/main" xmlns="" val="4102912012"/>
+        <p14:creationId xmlns:p14="http://schemas.microsoft.com/office/powerpoint/2010/main" val="4102912012"/>
       </p:ext>
     </p:extLst>
   </p:cSld>
@@ -2834,7 +2834,7 @@
             <a:fld id="{48A87A34-81AB-432B-8DAE-1953F412C126}" type="datetimeFigureOut">
               <a:rPr lang="en-US" smtClean="0"/>
               <a:pPr/>
-              <a:t>8/28/2025</a:t>
+              <a:t>8/31/2025</a:t>
             </a:fld>
             <a:endParaRPr lang="en-US" dirty="0"/>
           </a:p>
@@ -2886,7 +2886,7 @@
     </p:spTree>
     <p:extLst>
       <p:ext uri="{BB962C8B-B14F-4D97-AF65-F5344CB8AC3E}">
-        <p14:creationId xmlns:p14="http://schemas.microsoft.com/office/powerpoint/2010/main" xmlns="" val="1199620941"/>
+        <p14:creationId xmlns:p14="http://schemas.microsoft.com/office/powerpoint/2010/main" val="1199620941"/>
       </p:ext>
     </p:extLst>
   </p:cSld>
@@ -3012,7 +3012,7 @@
             <a:fld id="{48A87A34-81AB-432B-8DAE-1953F412C126}" type="datetimeFigureOut">
               <a:rPr lang="en-US" smtClean="0"/>
               <a:pPr/>
-              <a:t>8/28/2025</a:t>
+              <a:t>8/31/2025</a:t>
             </a:fld>
             <a:endParaRPr lang="en-US" dirty="0"/>
           </a:p>
@@ -3064,7 +3064,7 @@
     </p:spTree>
     <p:extLst>
       <p:ext uri="{BB962C8B-B14F-4D97-AF65-F5344CB8AC3E}">
-        <p14:creationId xmlns:p14="http://schemas.microsoft.com/office/powerpoint/2010/main" xmlns="" val="901355798"/>
+        <p14:creationId xmlns:p14="http://schemas.microsoft.com/office/powerpoint/2010/main" val="901355798"/>
       </p:ext>
     </p:extLst>
   </p:cSld>
@@ -3261,7 +3261,7 @@
             <a:fld id="{48A87A34-81AB-432B-8DAE-1953F412C126}" type="datetimeFigureOut">
               <a:rPr lang="en-US" smtClean="0"/>
               <a:pPr/>
-              <a:t>8/28/2025</a:t>
+              <a:t>8/31/2025</a:t>
             </a:fld>
             <a:endParaRPr lang="en-US" dirty="0"/>
           </a:p>
@@ -3313,7 +3313,7 @@
     </p:spTree>
     <p:extLst>
       <p:ext uri="{BB962C8B-B14F-4D97-AF65-F5344CB8AC3E}">
-        <p14:creationId xmlns:p14="http://schemas.microsoft.com/office/powerpoint/2010/main" xmlns="" val="351019068"/>
+        <p14:creationId xmlns:p14="http://schemas.microsoft.com/office/powerpoint/2010/main" val="351019068"/>
       </p:ext>
     </p:extLst>
   </p:cSld>
@@ -3495,7 +3495,7 @@
             <a:fld id="{48A87A34-81AB-432B-8DAE-1953F412C126}" type="datetimeFigureOut">
               <a:rPr lang="en-US" smtClean="0"/>
               <a:pPr/>
-              <a:t>8/28/2025</a:t>
+              <a:t>8/31/2025</a:t>
             </a:fld>
             <a:endParaRPr lang="en-US" dirty="0"/>
           </a:p>
@@ -3547,7 +3547,7 @@
     </p:spTree>
     <p:extLst>
       <p:ext uri="{BB962C8B-B14F-4D97-AF65-F5344CB8AC3E}">
-        <p14:creationId xmlns:p14="http://schemas.microsoft.com/office/powerpoint/2010/main" xmlns="" val="3037334119"/>
+        <p14:creationId xmlns:p14="http://schemas.microsoft.com/office/powerpoint/2010/main" val="3037334119"/>
       </p:ext>
     </p:extLst>
   </p:cSld>
@@ -3871,7 +3871,7 @@
             <a:fld id="{48A87A34-81AB-432B-8DAE-1953F412C126}" type="datetimeFigureOut">
               <a:rPr lang="en-US" smtClean="0"/>
               <a:pPr/>
-              <a:t>8/28/2025</a:t>
+              <a:t>8/31/2025</a:t>
             </a:fld>
             <a:endParaRPr lang="en-US" dirty="0"/>
           </a:p>
@@ -3923,7 +3923,7 @@
     </p:spTree>
     <p:extLst>
       <p:ext uri="{BB962C8B-B14F-4D97-AF65-F5344CB8AC3E}">
-        <p14:creationId xmlns:p14="http://schemas.microsoft.com/office/powerpoint/2010/main" xmlns="" val="3959179014"/>
+        <p14:creationId xmlns:p14="http://schemas.microsoft.com/office/powerpoint/2010/main" val="3959179014"/>
       </p:ext>
     </p:extLst>
   </p:cSld>
@@ -3996,7 +3996,7 @@
             <a:fld id="{48A87A34-81AB-432B-8DAE-1953F412C126}" type="datetimeFigureOut">
               <a:rPr lang="en-US" smtClean="0"/>
               <a:pPr/>
-              <a:t>8/28/2025</a:t>
+              <a:t>8/31/2025</a:t>
             </a:fld>
             <a:endParaRPr lang="en-US" dirty="0"/>
           </a:p>
@@ -4048,7 +4048,7 @@
     </p:spTree>
     <p:extLst>
       <p:ext uri="{BB962C8B-B14F-4D97-AF65-F5344CB8AC3E}">
-        <p14:creationId xmlns:p14="http://schemas.microsoft.com/office/powerpoint/2010/main" xmlns="" val="143817896"/>
+        <p14:creationId xmlns:p14="http://schemas.microsoft.com/office/powerpoint/2010/main" val="143817896"/>
       </p:ext>
     </p:extLst>
   </p:cSld>
@@ -4093,7 +4093,7 @@
             <a:fld id="{48A87A34-81AB-432B-8DAE-1953F412C126}" type="datetimeFigureOut">
               <a:rPr lang="en-US" smtClean="0"/>
               <a:pPr/>
-              <a:t>8/28/2025</a:t>
+              <a:t>8/31/2025</a:t>
             </a:fld>
             <a:endParaRPr lang="en-US" dirty="0"/>
           </a:p>
@@ -4145,7 +4145,7 @@
     </p:spTree>
     <p:extLst>
       <p:ext uri="{BB962C8B-B14F-4D97-AF65-F5344CB8AC3E}">
-        <p14:creationId xmlns:p14="http://schemas.microsoft.com/office/powerpoint/2010/main" xmlns="" val="1053529793"/>
+        <p14:creationId xmlns:p14="http://schemas.microsoft.com/office/powerpoint/2010/main" val="1053529793"/>
       </p:ext>
     </p:extLst>
   </p:cSld>
@@ -4350,7 +4350,7 @@
             <a:fld id="{48A87A34-81AB-432B-8DAE-1953F412C126}" type="datetimeFigureOut">
               <a:rPr lang="en-US" smtClean="0"/>
               <a:pPr/>
-              <a:t>8/28/2025</a:t>
+              <a:t>8/31/2025</a:t>
             </a:fld>
             <a:endParaRPr lang="en-US" dirty="0"/>
           </a:p>
@@ -4402,7 +4402,7 @@
     </p:spTree>
     <p:extLst>
       <p:ext uri="{BB962C8B-B14F-4D97-AF65-F5344CB8AC3E}">
-        <p14:creationId xmlns:p14="http://schemas.microsoft.com/office/powerpoint/2010/main" xmlns="" val="1549564702"/>
+        <p14:creationId xmlns:p14="http://schemas.microsoft.com/office/powerpoint/2010/main" val="1549564702"/>
       </p:ext>
     </p:extLst>
   </p:cSld>
@@ -4615,7 +4615,7 @@
             <a:fld id="{48A87A34-81AB-432B-8DAE-1953F412C126}" type="datetimeFigureOut">
               <a:rPr lang="en-US" smtClean="0"/>
               <a:pPr/>
-              <a:t>8/28/2025</a:t>
+              <a:t>8/31/2025</a:t>
             </a:fld>
             <a:endParaRPr lang="en-US" dirty="0"/>
           </a:p>
@@ -4667,7 +4667,7 @@
     </p:spTree>
     <p:extLst>
       <p:ext uri="{BB962C8B-B14F-4D97-AF65-F5344CB8AC3E}">
-        <p14:creationId xmlns:p14="http://schemas.microsoft.com/office/powerpoint/2010/main" xmlns="" val="1708776435"/>
+        <p14:creationId xmlns:p14="http://schemas.microsoft.com/office/powerpoint/2010/main" val="1708776435"/>
       </p:ext>
     </p:extLst>
   </p:cSld>
@@ -5362,7 +5362,7 @@
             <a:fld id="{48A87A34-81AB-432B-8DAE-1953F412C126}" type="datetimeFigureOut">
               <a:rPr lang="en-US" smtClean="0"/>
               <a:pPr/>
-              <a:t>8/28/2025</a:t>
+              <a:t>8/31/2025</a:t>
             </a:fld>
             <a:endParaRPr lang="en-US" dirty="0"/>
           </a:p>
@@ -5448,7 +5448,7 @@
     </p:spTree>
     <p:extLst>
       <p:ext uri="{BB962C8B-B14F-4D97-AF65-F5344CB8AC3E}">
-        <p14:creationId xmlns:p14="http://schemas.microsoft.com/office/powerpoint/2010/main" xmlns="" val="121865681"/>
+        <p14:creationId xmlns:p14="http://schemas.microsoft.com/office/powerpoint/2010/main" val="121865681"/>
       </p:ext>
     </p:extLst>
   </p:cSld>
@@ -5892,7 +5892,7 @@
           <p:cNvPr id="2" name="Title 1">
             <a:extLst>
               <a:ext uri="{FF2B5EF4-FFF2-40B4-BE49-F238E27FC236}">
-                <a16:creationId xmlns:a16="http://schemas.microsoft.com/office/drawing/2014/main" xmlns="" id="{EC93423C-79E8-2701-DB3F-2D4CA67D7A87}"/>
+                <a16:creationId xmlns:a16="http://schemas.microsoft.com/office/drawing/2014/main" id="{EC93423C-79E8-2701-DB3F-2D4CA67D7A87}"/>
               </a:ext>
             </a:extLst>
           </p:cNvPr>
@@ -5945,7 +5945,7 @@
           <p:cNvPr id="3" name="Subtitle 2">
             <a:extLst>
               <a:ext uri="{FF2B5EF4-FFF2-40B4-BE49-F238E27FC236}">
-                <a16:creationId xmlns:a16="http://schemas.microsoft.com/office/drawing/2014/main" xmlns="" id="{2A629AF9-FA04-B477-0E47-5B7F12E6FC7C}"/>
+                <a16:creationId xmlns:a16="http://schemas.microsoft.com/office/drawing/2014/main" id="{2A629AF9-FA04-B477-0E47-5B7F12E6FC7C}"/>
               </a:ext>
             </a:extLst>
           </p:cNvPr>
@@ -5981,7 +5981,7 @@
           <p:cNvPr id="4" name="TextBox 3">
             <a:extLst>
               <a:ext uri="{FF2B5EF4-FFF2-40B4-BE49-F238E27FC236}">
-                <a16:creationId xmlns:a16="http://schemas.microsoft.com/office/drawing/2014/main" xmlns="" id="{4BC27C14-3D93-9CDE-B1D8-91C6ACAF4DA4}"/>
+                <a16:creationId xmlns:a16="http://schemas.microsoft.com/office/drawing/2014/main" id="{4BC27C14-3D93-9CDE-B1D8-91C6ACAF4DA4}"/>
               </a:ext>
             </a:extLst>
           </p:cNvPr>
@@ -6030,7 +6030,7 @@
     </p:spTree>
     <p:extLst>
       <p:ext uri="{BB962C8B-B14F-4D97-AF65-F5344CB8AC3E}">
-        <p14:creationId xmlns:p14="http://schemas.microsoft.com/office/powerpoint/2010/main" xmlns="" val="889777050"/>
+        <p14:creationId xmlns:p14="http://schemas.microsoft.com/office/powerpoint/2010/main" val="889777050"/>
       </p:ext>
     </p:extLst>
   </p:cSld>
@@ -6048,7 +6048,7 @@
         <p:cNvPr id="1" name="">
           <a:extLst>
             <a:ext uri="{FF2B5EF4-FFF2-40B4-BE49-F238E27FC236}">
-              <a16:creationId xmlns:a16="http://schemas.microsoft.com/office/drawing/2014/main" xmlns="" id="{253BBDB7-3E52-64BD-6E92-66253059D34C}"/>
+              <a16:creationId xmlns:a16="http://schemas.microsoft.com/office/drawing/2014/main" id="{253BBDB7-3E52-64BD-6E92-66253059D34C}"/>
             </a:ext>
           </a:extLst>
         </p:cNvPr>
@@ -6068,7 +6068,7 @@
           <p:cNvPr id="2" name="Title 1">
             <a:extLst>
               <a:ext uri="{FF2B5EF4-FFF2-40B4-BE49-F238E27FC236}">
-                <a16:creationId xmlns:a16="http://schemas.microsoft.com/office/drawing/2014/main" xmlns="" id="{E55678BE-607F-2A2B-B318-30B2DA7F29B3}"/>
+                <a16:creationId xmlns:a16="http://schemas.microsoft.com/office/drawing/2014/main" id="{E55678BE-607F-2A2B-B318-30B2DA7F29B3}"/>
               </a:ext>
             </a:extLst>
           </p:cNvPr>
@@ -6105,7 +6105,7 @@
           <p:cNvPr id="3" name="Content Placeholder 2">
             <a:extLst>
               <a:ext uri="{FF2B5EF4-FFF2-40B4-BE49-F238E27FC236}">
-                <a16:creationId xmlns:a16="http://schemas.microsoft.com/office/drawing/2014/main" xmlns="" id="{A5951AC9-1751-ACAB-8097-E6D486A5D62D}"/>
+                <a16:creationId xmlns:a16="http://schemas.microsoft.com/office/drawing/2014/main" id="{A5951AC9-1751-ACAB-8097-E6D486A5D62D}"/>
               </a:ext>
             </a:extLst>
           </p:cNvPr>
@@ -6160,7 +6160,7 @@
           <p:cNvPr id="5" name="Ribbon: Curved and Tilted Down 4">
             <a:extLst>
               <a:ext uri="{FF2B5EF4-FFF2-40B4-BE49-F238E27FC236}">
-                <a16:creationId xmlns:a16="http://schemas.microsoft.com/office/drawing/2014/main" xmlns="" id="{29648F54-4274-51BA-8F35-F8C888E0A19B}"/>
+                <a16:creationId xmlns:a16="http://schemas.microsoft.com/office/drawing/2014/main" id="{29648F54-4274-51BA-8F35-F8C888E0A19B}"/>
               </a:ext>
             </a:extLst>
           </p:cNvPr>
@@ -6233,7 +6233,7 @@
           <p:cNvPr id="6" name="Scroll: Vertical 5">
             <a:extLst>
               <a:ext uri="{FF2B5EF4-FFF2-40B4-BE49-F238E27FC236}">
-                <a16:creationId xmlns:a16="http://schemas.microsoft.com/office/drawing/2014/main" xmlns="" id="{E3C4F40D-DC8F-F75B-7F98-E5029EC432CA}"/>
+                <a16:creationId xmlns:a16="http://schemas.microsoft.com/office/drawing/2014/main" id="{E3C4F40D-DC8F-F75B-7F98-E5029EC432CA}"/>
               </a:ext>
             </a:extLst>
           </p:cNvPr>
@@ -6549,7 +6549,7 @@
     </p:spTree>
     <p:extLst>
       <p:ext uri="{BB962C8B-B14F-4D97-AF65-F5344CB8AC3E}">
-        <p14:creationId xmlns:p14="http://schemas.microsoft.com/office/powerpoint/2010/main" xmlns="" val="609828687"/>
+        <p14:creationId xmlns:p14="http://schemas.microsoft.com/office/powerpoint/2010/main" val="609828687"/>
       </p:ext>
     </p:extLst>
   </p:cSld>
@@ -6567,7 +6567,7 @@
         <p:cNvPr id="1" name="">
           <a:extLst>
             <a:ext uri="{FF2B5EF4-FFF2-40B4-BE49-F238E27FC236}">
-              <a16:creationId xmlns:a16="http://schemas.microsoft.com/office/drawing/2014/main" xmlns="" id="{4586E9D7-F5F8-14CC-9DF6-FC4AF2EA4249}"/>
+              <a16:creationId xmlns:a16="http://schemas.microsoft.com/office/drawing/2014/main" id="{4586E9D7-F5F8-14CC-9DF6-FC4AF2EA4249}"/>
             </a:ext>
           </a:extLst>
         </p:cNvPr>
@@ -6587,7 +6587,7 @@
           <p:cNvPr id="2" name="Title 1">
             <a:extLst>
               <a:ext uri="{FF2B5EF4-FFF2-40B4-BE49-F238E27FC236}">
-                <a16:creationId xmlns:a16="http://schemas.microsoft.com/office/drawing/2014/main" xmlns="" id="{D8B67155-694F-FF61-7CDD-33A20A316215}"/>
+                <a16:creationId xmlns:a16="http://schemas.microsoft.com/office/drawing/2014/main" id="{D8B67155-694F-FF61-7CDD-33A20A316215}"/>
               </a:ext>
             </a:extLst>
           </p:cNvPr>
@@ -6624,7 +6624,7 @@
           <p:cNvPr id="3" name="Content Placeholder 2">
             <a:extLst>
               <a:ext uri="{FF2B5EF4-FFF2-40B4-BE49-F238E27FC236}">
-                <a16:creationId xmlns:a16="http://schemas.microsoft.com/office/drawing/2014/main" xmlns="" id="{2A53D2DA-721D-FC7E-8E09-BCBD844B6F9F}"/>
+                <a16:creationId xmlns:a16="http://schemas.microsoft.com/office/drawing/2014/main" id="{2A53D2DA-721D-FC7E-8E09-BCBD844B6F9F}"/>
               </a:ext>
             </a:extLst>
           </p:cNvPr>
@@ -6732,7 +6732,7 @@
           <p:cNvPr id="5" name="Ribbon: Curved and Tilted Down 4">
             <a:extLst>
               <a:ext uri="{FF2B5EF4-FFF2-40B4-BE49-F238E27FC236}">
-                <a16:creationId xmlns:a16="http://schemas.microsoft.com/office/drawing/2014/main" xmlns="" id="{3FA23525-E3EA-B8CB-FD6A-53084CA847A7}"/>
+                <a16:creationId xmlns:a16="http://schemas.microsoft.com/office/drawing/2014/main" id="{3FA23525-E3EA-B8CB-FD6A-53084CA847A7}"/>
               </a:ext>
             </a:extLst>
           </p:cNvPr>
@@ -6805,7 +6805,7 @@
           <p:cNvPr id="6" name="Scroll: Vertical 5">
             <a:extLst>
               <a:ext uri="{FF2B5EF4-FFF2-40B4-BE49-F238E27FC236}">
-                <a16:creationId xmlns:a16="http://schemas.microsoft.com/office/drawing/2014/main" xmlns="" id="{1A4C732A-2840-82C8-A359-298D925E33B3}"/>
+                <a16:creationId xmlns:a16="http://schemas.microsoft.com/office/drawing/2014/main" id="{1A4C732A-2840-82C8-A359-298D925E33B3}"/>
               </a:ext>
             </a:extLst>
           </p:cNvPr>
@@ -7121,7 +7121,7 @@
     </p:spTree>
     <p:extLst>
       <p:ext uri="{BB962C8B-B14F-4D97-AF65-F5344CB8AC3E}">
-        <p14:creationId xmlns:p14="http://schemas.microsoft.com/office/powerpoint/2010/main" xmlns="" val="3002471670"/>
+        <p14:creationId xmlns:p14="http://schemas.microsoft.com/office/powerpoint/2010/main" val="3002471670"/>
       </p:ext>
     </p:extLst>
   </p:cSld>
@@ -7153,7 +7153,7 @@
           <p:cNvPr id="9" name="Explosion: 14 Points 8">
             <a:extLst>
               <a:ext uri="{FF2B5EF4-FFF2-40B4-BE49-F238E27FC236}">
-                <a16:creationId xmlns:a16="http://schemas.microsoft.com/office/drawing/2014/main" xmlns="" id="{0A2CD68B-7A56-F86D-8B6F-4A8BF99B4C9E}"/>
+                <a16:creationId xmlns:a16="http://schemas.microsoft.com/office/drawing/2014/main" id="{0A2CD68B-7A56-F86D-8B6F-4A8BF99B4C9E}"/>
               </a:ext>
             </a:extLst>
           </p:cNvPr>
@@ -7208,7 +7208,7 @@
           <p:cNvPr id="4" name="Ribbon: Curved and Tilted Down 3">
             <a:extLst>
               <a:ext uri="{FF2B5EF4-FFF2-40B4-BE49-F238E27FC236}">
-                <a16:creationId xmlns:a16="http://schemas.microsoft.com/office/drawing/2014/main" xmlns="" id="{909DBECF-689C-9AA7-1649-9166A578EDF9}"/>
+                <a16:creationId xmlns:a16="http://schemas.microsoft.com/office/drawing/2014/main" id="{909DBECF-689C-9AA7-1649-9166A578EDF9}"/>
               </a:ext>
             </a:extLst>
           </p:cNvPr>
@@ -7275,7 +7275,7 @@
           <p:cNvPr id="5" name="Scroll: Vertical 4">
             <a:extLst>
               <a:ext uri="{FF2B5EF4-FFF2-40B4-BE49-F238E27FC236}">
-                <a16:creationId xmlns:a16="http://schemas.microsoft.com/office/drawing/2014/main" xmlns="" id="{38EB993A-3F18-C6B7-226F-EDD62B4B31DB}"/>
+                <a16:creationId xmlns:a16="http://schemas.microsoft.com/office/drawing/2014/main" id="{38EB993A-3F18-C6B7-226F-EDD62B4B31DB}"/>
               </a:ext>
             </a:extLst>
           </p:cNvPr>
@@ -7433,7 +7433,7 @@
           <p:cNvPr id="3" name="TextBox 2">
             <a:extLst>
               <a:ext uri="{FF2B5EF4-FFF2-40B4-BE49-F238E27FC236}">
-                <a16:creationId xmlns:a16="http://schemas.microsoft.com/office/drawing/2014/main" xmlns="" id="{97CE9E2B-4371-68F6-75AF-957039BA75DC}"/>
+                <a16:creationId xmlns:a16="http://schemas.microsoft.com/office/drawing/2014/main" id="{97CE9E2B-4371-68F6-75AF-957039BA75DC}"/>
               </a:ext>
             </a:extLst>
           </p:cNvPr>
@@ -7488,7 +7488,7 @@
           <p:cNvPr id="7" name="Title 6">
             <a:extLst>
               <a:ext uri="{FF2B5EF4-FFF2-40B4-BE49-F238E27FC236}">
-                <a16:creationId xmlns:a16="http://schemas.microsoft.com/office/drawing/2014/main" xmlns="" id="{77434EED-AEE3-6743-9008-B43A222A1CE2}"/>
+                <a16:creationId xmlns:a16="http://schemas.microsoft.com/office/drawing/2014/main" id="{77434EED-AEE3-6743-9008-B43A222A1CE2}"/>
               </a:ext>
             </a:extLst>
           </p:cNvPr>
@@ -7513,7 +7513,7 @@
           <p:cNvPr id="10" name="Title 1">
             <a:extLst>
               <a:ext uri="{FF2B5EF4-FFF2-40B4-BE49-F238E27FC236}">
-                <a16:creationId xmlns:a16="http://schemas.microsoft.com/office/drawing/2014/main" xmlns="" id="{6D70E990-115A-D697-159B-C41288490798}"/>
+                <a16:creationId xmlns:a16="http://schemas.microsoft.com/office/drawing/2014/main" id="{6D70E990-115A-D697-159B-C41288490798}"/>
               </a:ext>
             </a:extLst>
           </p:cNvPr>
@@ -7619,15 +7619,6 @@
               </a:rPr>
               <a:t>JavaScript</a:t>
             </a:r>
-            <a:r>
-              <a:rPr lang="en-US" sz="7200" b="1" dirty="0">
-                <a:solidFill>
-                  <a:schemeClr val="tx1"/>
-                </a:solidFill>
-                <a:latin typeface="Barlow Black" panose="00000A00000000000000" pitchFamily="2" charset="0"/>
-              </a:rPr>
-              <a:t/>
-            </a:r>
             <a:br>
               <a:rPr lang="en-US" sz="7200" b="1" dirty="0">
                 <a:solidFill>
@@ -7657,7 +7648,7 @@
     </p:spTree>
     <p:extLst>
       <p:ext uri="{BB962C8B-B14F-4D97-AF65-F5344CB8AC3E}">
-        <p14:creationId xmlns:p14="http://schemas.microsoft.com/office/powerpoint/2010/main" xmlns="" val="3287175084"/>
+        <p14:creationId xmlns:p14="http://schemas.microsoft.com/office/powerpoint/2010/main" val="3287175084"/>
       </p:ext>
     </p:extLst>
   </p:cSld>
@@ -7675,7 +7666,7 @@
         <p:cNvPr id="1" name="">
           <a:extLst>
             <a:ext uri="{FF2B5EF4-FFF2-40B4-BE49-F238E27FC236}">
-              <a16:creationId xmlns:a16="http://schemas.microsoft.com/office/drawing/2014/main" xmlns="" id="{4586E9D7-F5F8-14CC-9DF6-FC4AF2EA4249}"/>
+              <a16:creationId xmlns:a16="http://schemas.microsoft.com/office/drawing/2014/main" id="{4586E9D7-F5F8-14CC-9DF6-FC4AF2EA4249}"/>
             </a:ext>
           </a:extLst>
         </p:cNvPr>
@@ -7695,7 +7686,7 @@
           <p:cNvPr id="2" name="Title 1">
             <a:extLst>
               <a:ext uri="{FF2B5EF4-FFF2-40B4-BE49-F238E27FC236}">
-                <a16:creationId xmlns:a16="http://schemas.microsoft.com/office/drawing/2014/main" xmlns="" id="{D8B67155-694F-FF61-7CDD-33A20A316215}"/>
+                <a16:creationId xmlns:a16="http://schemas.microsoft.com/office/drawing/2014/main" id="{D8B67155-694F-FF61-7CDD-33A20A316215}"/>
               </a:ext>
             </a:extLst>
           </p:cNvPr>
@@ -7733,7 +7724,7 @@
           <p:cNvPr id="3" name="Content Placeholder 2">
             <a:extLst>
               <a:ext uri="{FF2B5EF4-FFF2-40B4-BE49-F238E27FC236}">
-                <a16:creationId xmlns:a16="http://schemas.microsoft.com/office/drawing/2014/main" xmlns="" id="{2A53D2DA-721D-FC7E-8E09-BCBD844B6F9F}"/>
+                <a16:creationId xmlns:a16="http://schemas.microsoft.com/office/drawing/2014/main" id="{2A53D2DA-721D-FC7E-8E09-BCBD844B6F9F}"/>
               </a:ext>
             </a:extLst>
           </p:cNvPr>
@@ -7781,7 +7772,7 @@
           <p:cNvPr id="5" name="Ribbon: Curved and Tilted Down 4">
             <a:extLst>
               <a:ext uri="{FF2B5EF4-FFF2-40B4-BE49-F238E27FC236}">
-                <a16:creationId xmlns:a16="http://schemas.microsoft.com/office/drawing/2014/main" xmlns="" id="{3FA23525-E3EA-B8CB-FD6A-53084CA847A7}"/>
+                <a16:creationId xmlns:a16="http://schemas.microsoft.com/office/drawing/2014/main" id="{3FA23525-E3EA-B8CB-FD6A-53084CA847A7}"/>
               </a:ext>
             </a:extLst>
           </p:cNvPr>
@@ -7854,7 +7845,7 @@
           <p:cNvPr id="6" name="Scroll: Vertical 5">
             <a:extLst>
               <a:ext uri="{FF2B5EF4-FFF2-40B4-BE49-F238E27FC236}">
-                <a16:creationId xmlns:a16="http://schemas.microsoft.com/office/drawing/2014/main" xmlns="" id="{1A4C732A-2840-82C8-A359-298D925E33B3}"/>
+                <a16:creationId xmlns:a16="http://schemas.microsoft.com/office/drawing/2014/main" id="{1A4C732A-2840-82C8-A359-298D925E33B3}"/>
               </a:ext>
             </a:extLst>
           </p:cNvPr>
@@ -8044,7 +8035,7 @@
     </p:spTree>
     <p:extLst>
       <p:ext uri="{BB962C8B-B14F-4D97-AF65-F5344CB8AC3E}">
-        <p14:creationId xmlns:p14="http://schemas.microsoft.com/office/powerpoint/2010/main" xmlns="" val="3002471670"/>
+        <p14:creationId xmlns:p14="http://schemas.microsoft.com/office/powerpoint/2010/main" val="3002471670"/>
       </p:ext>
     </p:extLst>
   </p:cSld>
@@ -8062,7 +8053,7 @@
         <p:cNvPr id="1" name="">
           <a:extLst>
             <a:ext uri="{FF2B5EF4-FFF2-40B4-BE49-F238E27FC236}">
-              <a16:creationId xmlns:a16="http://schemas.microsoft.com/office/drawing/2014/main" xmlns="" id="{4586E9D7-F5F8-14CC-9DF6-FC4AF2EA4249}"/>
+              <a16:creationId xmlns:a16="http://schemas.microsoft.com/office/drawing/2014/main" id="{4586E9D7-F5F8-14CC-9DF6-FC4AF2EA4249}"/>
             </a:ext>
           </a:extLst>
         </p:cNvPr>
@@ -8082,7 +8073,7 @@
           <p:cNvPr id="2" name="Title 1">
             <a:extLst>
               <a:ext uri="{FF2B5EF4-FFF2-40B4-BE49-F238E27FC236}">
-                <a16:creationId xmlns:a16="http://schemas.microsoft.com/office/drawing/2014/main" xmlns="" id="{D8B67155-694F-FF61-7CDD-33A20A316215}"/>
+                <a16:creationId xmlns:a16="http://schemas.microsoft.com/office/drawing/2014/main" id="{D8B67155-694F-FF61-7CDD-33A20A316215}"/>
               </a:ext>
             </a:extLst>
           </p:cNvPr>
@@ -8120,7 +8111,7 @@
           <p:cNvPr id="3" name="Content Placeholder 2">
             <a:extLst>
               <a:ext uri="{FF2B5EF4-FFF2-40B4-BE49-F238E27FC236}">
-                <a16:creationId xmlns:a16="http://schemas.microsoft.com/office/drawing/2014/main" xmlns="" id="{2A53D2DA-721D-FC7E-8E09-BCBD844B6F9F}"/>
+                <a16:creationId xmlns:a16="http://schemas.microsoft.com/office/drawing/2014/main" id="{2A53D2DA-721D-FC7E-8E09-BCBD844B6F9F}"/>
               </a:ext>
             </a:extLst>
           </p:cNvPr>
@@ -8244,7 +8235,7 @@
           <p:cNvPr id="5" name="Ribbon: Curved and Tilted Down 4">
             <a:extLst>
               <a:ext uri="{FF2B5EF4-FFF2-40B4-BE49-F238E27FC236}">
-                <a16:creationId xmlns:a16="http://schemas.microsoft.com/office/drawing/2014/main" xmlns="" id="{3FA23525-E3EA-B8CB-FD6A-53084CA847A7}"/>
+                <a16:creationId xmlns:a16="http://schemas.microsoft.com/office/drawing/2014/main" id="{3FA23525-E3EA-B8CB-FD6A-53084CA847A7}"/>
               </a:ext>
             </a:extLst>
           </p:cNvPr>
@@ -8317,7 +8308,7 @@
           <p:cNvPr id="6" name="Scroll: Vertical 5">
             <a:extLst>
               <a:ext uri="{FF2B5EF4-FFF2-40B4-BE49-F238E27FC236}">
-                <a16:creationId xmlns:a16="http://schemas.microsoft.com/office/drawing/2014/main" xmlns="" id="{1A4C732A-2840-82C8-A359-298D925E33B3}"/>
+                <a16:creationId xmlns:a16="http://schemas.microsoft.com/office/drawing/2014/main" id="{1A4C732A-2840-82C8-A359-298D925E33B3}"/>
               </a:ext>
             </a:extLst>
           </p:cNvPr>
@@ -8507,7 +8498,7 @@
     </p:spTree>
     <p:extLst>
       <p:ext uri="{BB962C8B-B14F-4D97-AF65-F5344CB8AC3E}">
-        <p14:creationId xmlns:p14="http://schemas.microsoft.com/office/powerpoint/2010/main" xmlns="" val="3002471670"/>
+        <p14:creationId xmlns:p14="http://schemas.microsoft.com/office/powerpoint/2010/main" val="3002471670"/>
       </p:ext>
     </p:extLst>
   </p:cSld>
@@ -8525,7 +8516,7 @@
         <p:cNvPr id="1" name="">
           <a:extLst>
             <a:ext uri="{FF2B5EF4-FFF2-40B4-BE49-F238E27FC236}">
-              <a16:creationId xmlns:a16="http://schemas.microsoft.com/office/drawing/2014/main" xmlns="" id="{4586E9D7-F5F8-14CC-9DF6-FC4AF2EA4249}"/>
+              <a16:creationId xmlns:a16="http://schemas.microsoft.com/office/drawing/2014/main" id="{4586E9D7-F5F8-14CC-9DF6-FC4AF2EA4249}"/>
             </a:ext>
           </a:extLst>
         </p:cNvPr>
@@ -8545,7 +8536,7 @@
           <p:cNvPr id="2" name="Title 1">
             <a:extLst>
               <a:ext uri="{FF2B5EF4-FFF2-40B4-BE49-F238E27FC236}">
-                <a16:creationId xmlns:a16="http://schemas.microsoft.com/office/drawing/2014/main" xmlns="" id="{D8B67155-694F-FF61-7CDD-33A20A316215}"/>
+                <a16:creationId xmlns:a16="http://schemas.microsoft.com/office/drawing/2014/main" id="{D8B67155-694F-FF61-7CDD-33A20A316215}"/>
               </a:ext>
             </a:extLst>
           </p:cNvPr>
@@ -8583,7 +8574,7 @@
           <p:cNvPr id="3" name="Content Placeholder 2">
             <a:extLst>
               <a:ext uri="{FF2B5EF4-FFF2-40B4-BE49-F238E27FC236}">
-                <a16:creationId xmlns:a16="http://schemas.microsoft.com/office/drawing/2014/main" xmlns="" id="{2A53D2DA-721D-FC7E-8E09-BCBD844B6F9F}"/>
+                <a16:creationId xmlns:a16="http://schemas.microsoft.com/office/drawing/2014/main" id="{2A53D2DA-721D-FC7E-8E09-BCBD844B6F9F}"/>
               </a:ext>
             </a:extLst>
           </p:cNvPr>
@@ -8622,7 +8613,7 @@
           <p:cNvPr id="5" name="Ribbon: Curved and Tilted Down 4">
             <a:extLst>
               <a:ext uri="{FF2B5EF4-FFF2-40B4-BE49-F238E27FC236}">
-                <a16:creationId xmlns:a16="http://schemas.microsoft.com/office/drawing/2014/main" xmlns="" id="{3FA23525-E3EA-B8CB-FD6A-53084CA847A7}"/>
+                <a16:creationId xmlns:a16="http://schemas.microsoft.com/office/drawing/2014/main" id="{3FA23525-E3EA-B8CB-FD6A-53084CA847A7}"/>
               </a:ext>
             </a:extLst>
           </p:cNvPr>
@@ -8695,7 +8686,7 @@
           <p:cNvPr id="6" name="Scroll: Vertical 5">
             <a:extLst>
               <a:ext uri="{FF2B5EF4-FFF2-40B4-BE49-F238E27FC236}">
-                <a16:creationId xmlns:a16="http://schemas.microsoft.com/office/drawing/2014/main" xmlns="" id="{1A4C732A-2840-82C8-A359-298D925E33B3}"/>
+                <a16:creationId xmlns:a16="http://schemas.microsoft.com/office/drawing/2014/main" id="{1A4C732A-2840-82C8-A359-298D925E33B3}"/>
               </a:ext>
             </a:extLst>
           </p:cNvPr>
@@ -8918,7 +8909,7 @@
     </p:spTree>
     <p:extLst>
       <p:ext uri="{BB962C8B-B14F-4D97-AF65-F5344CB8AC3E}">
-        <p14:creationId xmlns:p14="http://schemas.microsoft.com/office/powerpoint/2010/main" xmlns="" val="3002471670"/>
+        <p14:creationId xmlns:p14="http://schemas.microsoft.com/office/powerpoint/2010/main" val="3002471670"/>
       </p:ext>
     </p:extLst>
   </p:cSld>
@@ -8936,7 +8927,7 @@
         <p:cNvPr id="1" name="">
           <a:extLst>
             <a:ext uri="{FF2B5EF4-FFF2-40B4-BE49-F238E27FC236}">
-              <a16:creationId xmlns:a16="http://schemas.microsoft.com/office/drawing/2014/main" xmlns="" id="{4586E9D7-F5F8-14CC-9DF6-FC4AF2EA4249}"/>
+              <a16:creationId xmlns:a16="http://schemas.microsoft.com/office/drawing/2014/main" id="{4586E9D7-F5F8-14CC-9DF6-FC4AF2EA4249}"/>
             </a:ext>
           </a:extLst>
         </p:cNvPr>
@@ -8956,7 +8947,7 @@
           <p:cNvPr id="2" name="Title 1">
             <a:extLst>
               <a:ext uri="{FF2B5EF4-FFF2-40B4-BE49-F238E27FC236}">
-                <a16:creationId xmlns:a16="http://schemas.microsoft.com/office/drawing/2014/main" xmlns="" id="{D8B67155-694F-FF61-7CDD-33A20A316215}"/>
+                <a16:creationId xmlns:a16="http://schemas.microsoft.com/office/drawing/2014/main" id="{D8B67155-694F-FF61-7CDD-33A20A316215}"/>
               </a:ext>
             </a:extLst>
           </p:cNvPr>
@@ -8994,7 +8985,7 @@
           <p:cNvPr id="3" name="Content Placeholder 2">
             <a:extLst>
               <a:ext uri="{FF2B5EF4-FFF2-40B4-BE49-F238E27FC236}">
-                <a16:creationId xmlns:a16="http://schemas.microsoft.com/office/drawing/2014/main" xmlns="" id="{2A53D2DA-721D-FC7E-8E09-BCBD844B6F9F}"/>
+                <a16:creationId xmlns:a16="http://schemas.microsoft.com/office/drawing/2014/main" id="{2A53D2DA-721D-FC7E-8E09-BCBD844B6F9F}"/>
               </a:ext>
             </a:extLst>
           </p:cNvPr>
@@ -9191,7 +9182,7 @@
           <p:cNvPr id="5" name="Ribbon: Curved and Tilted Down 4">
             <a:extLst>
               <a:ext uri="{FF2B5EF4-FFF2-40B4-BE49-F238E27FC236}">
-                <a16:creationId xmlns:a16="http://schemas.microsoft.com/office/drawing/2014/main" xmlns="" id="{3FA23525-E3EA-B8CB-FD6A-53084CA847A7}"/>
+                <a16:creationId xmlns:a16="http://schemas.microsoft.com/office/drawing/2014/main" id="{3FA23525-E3EA-B8CB-FD6A-53084CA847A7}"/>
               </a:ext>
             </a:extLst>
           </p:cNvPr>
@@ -9264,7 +9255,7 @@
           <p:cNvPr id="6" name="Scroll: Vertical 5">
             <a:extLst>
               <a:ext uri="{FF2B5EF4-FFF2-40B4-BE49-F238E27FC236}">
-                <a16:creationId xmlns:a16="http://schemas.microsoft.com/office/drawing/2014/main" xmlns="" id="{1A4C732A-2840-82C8-A359-298D925E33B3}"/>
+                <a16:creationId xmlns:a16="http://schemas.microsoft.com/office/drawing/2014/main" id="{1A4C732A-2840-82C8-A359-298D925E33B3}"/>
               </a:ext>
             </a:extLst>
           </p:cNvPr>
@@ -9454,7 +9445,7 @@
     </p:spTree>
     <p:extLst>
       <p:ext uri="{BB962C8B-B14F-4D97-AF65-F5344CB8AC3E}">
-        <p14:creationId xmlns:p14="http://schemas.microsoft.com/office/powerpoint/2010/main" xmlns="" val="3002471670"/>
+        <p14:creationId xmlns:p14="http://schemas.microsoft.com/office/powerpoint/2010/main" val="3002471670"/>
       </p:ext>
     </p:extLst>
   </p:cSld>
@@ -9486,7 +9477,7 @@
           <p:cNvPr id="9" name="Explosion: 14 Points 8">
             <a:extLst>
               <a:ext uri="{FF2B5EF4-FFF2-40B4-BE49-F238E27FC236}">
-                <a16:creationId xmlns:a16="http://schemas.microsoft.com/office/drawing/2014/main" xmlns="" id="{0A2CD68B-7A56-F86D-8B6F-4A8BF99B4C9E}"/>
+                <a16:creationId xmlns:a16="http://schemas.microsoft.com/office/drawing/2014/main" id="{0A2CD68B-7A56-F86D-8B6F-4A8BF99B4C9E}"/>
               </a:ext>
             </a:extLst>
           </p:cNvPr>
@@ -9541,7 +9532,7 @@
           <p:cNvPr id="2" name="Title 1">
             <a:extLst>
               <a:ext uri="{FF2B5EF4-FFF2-40B4-BE49-F238E27FC236}">
-                <a16:creationId xmlns:a16="http://schemas.microsoft.com/office/drawing/2014/main" xmlns="" id="{62BB4F8D-44B7-9866-F7B2-6375CB902974}"/>
+                <a16:creationId xmlns:a16="http://schemas.microsoft.com/office/drawing/2014/main" id="{62BB4F8D-44B7-9866-F7B2-6375CB902974}"/>
               </a:ext>
             </a:extLst>
           </p:cNvPr>
@@ -9575,15 +9566,6 @@
               </a:rPr>
               <a:t>JavaScript</a:t>
             </a:r>
-            <a:r>
-              <a:rPr lang="en-US" sz="7200" b="1" dirty="0">
-                <a:solidFill>
-                  <a:schemeClr val="tx1"/>
-                </a:solidFill>
-                <a:latin typeface="Barlow Black" panose="00000A00000000000000" pitchFamily="2" charset="0"/>
-              </a:rPr>
-              <a:t/>
-            </a:r>
             <a:br>
               <a:rPr lang="en-US" sz="7200" b="1" dirty="0">
                 <a:solidFill>
@@ -9659,7 +9641,7 @@
           <p:cNvPr id="4" name="Ribbon: Curved and Tilted Down 3">
             <a:extLst>
               <a:ext uri="{FF2B5EF4-FFF2-40B4-BE49-F238E27FC236}">
-                <a16:creationId xmlns:a16="http://schemas.microsoft.com/office/drawing/2014/main" xmlns="" id="{909DBECF-689C-9AA7-1649-9166A578EDF9}"/>
+                <a16:creationId xmlns:a16="http://schemas.microsoft.com/office/drawing/2014/main" id="{909DBECF-689C-9AA7-1649-9166A578EDF9}"/>
               </a:ext>
             </a:extLst>
           </p:cNvPr>
@@ -9726,7 +9708,7 @@
           <p:cNvPr id="5" name="Scroll: Vertical 4">
             <a:extLst>
               <a:ext uri="{FF2B5EF4-FFF2-40B4-BE49-F238E27FC236}">
-                <a16:creationId xmlns:a16="http://schemas.microsoft.com/office/drawing/2014/main" xmlns="" id="{38EB993A-3F18-C6B7-226F-EDD62B4B31DB}"/>
+                <a16:creationId xmlns:a16="http://schemas.microsoft.com/office/drawing/2014/main" id="{38EB993A-3F18-C6B7-226F-EDD62B4B31DB}"/>
               </a:ext>
             </a:extLst>
           </p:cNvPr>
@@ -10113,6 +10095,35 @@
               </a:rPr>
               <a:t>()</a:t>
             </a:r>
+          </a:p>
+          <a:p>
+            <a:pPr marL="285750" indent="-285750">
+              <a:lnSpc>
+                <a:spcPct val="150000"/>
+              </a:lnSpc>
+              <a:buFont typeface="Courier New" panose="02070309020205020404" pitchFamily="49" charset="0"/>
+              <a:buChar char="o"/>
+            </a:pPr>
+            <a:r>
+              <a:rPr lang="en-IN" sz="1600" dirty="0" err="1">
+                <a:solidFill>
+                  <a:schemeClr val="bg1">
+                    <a:lumMod val="95000"/>
+                  </a:schemeClr>
+                </a:solidFill>
+              </a:rPr>
+              <a:t>Console.debug</a:t>
+            </a:r>
+            <a:r>
+              <a:rPr lang="en-IN" sz="1600" dirty="0">
+                <a:solidFill>
+                  <a:schemeClr val="bg1">
+                    <a:lumMod val="95000"/>
+                  </a:schemeClr>
+                </a:solidFill>
+              </a:rPr>
+              <a:t>()</a:t>
+            </a:r>
             <a:endParaRPr lang="en-US" sz="1600" dirty="0">
               <a:solidFill>
                 <a:schemeClr val="bg1">
@@ -10138,7 +10149,7 @@
           <p:cNvPr id="3" name="TextBox 2">
             <a:extLst>
               <a:ext uri="{FF2B5EF4-FFF2-40B4-BE49-F238E27FC236}">
-                <a16:creationId xmlns:a16="http://schemas.microsoft.com/office/drawing/2014/main" xmlns="" id="{17C06F8A-D1E5-957B-796C-892968B95A50}"/>
+                <a16:creationId xmlns:a16="http://schemas.microsoft.com/office/drawing/2014/main" id="{17C06F8A-D1E5-957B-796C-892968B95A50}"/>
               </a:ext>
             </a:extLst>
           </p:cNvPr>
@@ -10191,7 +10202,7 @@
     </p:spTree>
     <p:extLst>
       <p:ext uri="{BB962C8B-B14F-4D97-AF65-F5344CB8AC3E}">
-        <p14:creationId xmlns:p14="http://schemas.microsoft.com/office/powerpoint/2010/main" xmlns="" val="3287175084"/>
+        <p14:creationId xmlns:p14="http://schemas.microsoft.com/office/powerpoint/2010/main" val="3287175084"/>
       </p:ext>
     </p:extLst>
   </p:cSld>
@@ -10223,7 +10234,7 @@
           <p:cNvPr id="9" name="Explosion: 14 Points 8">
             <a:extLst>
               <a:ext uri="{FF2B5EF4-FFF2-40B4-BE49-F238E27FC236}">
-                <a16:creationId xmlns:a16="http://schemas.microsoft.com/office/drawing/2014/main" xmlns="" id="{0A2CD68B-7A56-F86D-8B6F-4A8BF99B4C9E}"/>
+                <a16:creationId xmlns:a16="http://schemas.microsoft.com/office/drawing/2014/main" id="{0A2CD68B-7A56-F86D-8B6F-4A8BF99B4C9E}"/>
               </a:ext>
             </a:extLst>
           </p:cNvPr>
@@ -10232,7 +10243,1010 @@
         </p:nvSpPr>
         <p:spPr>
           <a:xfrm>
-            <a:off x="1440796" y="2058655"/>
+            <a:off x="6522239" y="1226263"/>
+            <a:ext cx="3607904" cy="3607904"/>
+          </a:xfrm>
+          <a:prstGeom prst="irregularSeal2">
+            <a:avLst/>
+          </a:prstGeom>
+          <a:solidFill>
+            <a:schemeClr val="bg1">
+              <a:lumMod val="75000"/>
+              <a:lumOff val="25000"/>
+            </a:schemeClr>
+          </a:solidFill>
+          <a:ln>
+            <a:noFill/>
+          </a:ln>
+        </p:spPr>
+        <p:style>
+          <a:lnRef idx="2">
+            <a:schemeClr val="accent1">
+              <a:shade val="15000"/>
+            </a:schemeClr>
+          </a:lnRef>
+          <a:fillRef idx="1">
+            <a:schemeClr val="accent1"/>
+          </a:fillRef>
+          <a:effectRef idx="0">
+            <a:schemeClr val="accent1"/>
+          </a:effectRef>
+          <a:fontRef idx="minor">
+            <a:schemeClr val="lt1"/>
+          </a:fontRef>
+        </p:style>
+        <p:txBody>
+          <a:bodyPr rtlCol="0" anchor="ctr"/>
+          <a:lstStyle/>
+          <a:p>
+            <a:pPr algn="ctr"/>
+            <a:endParaRPr lang="en-IN"/>
+          </a:p>
+        </p:txBody>
+      </p:sp>
+      <p:sp>
+        <p:nvSpPr>
+          <p:cNvPr id="2" name="Title 1">
+            <a:extLst>
+              <a:ext uri="{FF2B5EF4-FFF2-40B4-BE49-F238E27FC236}">
+                <a16:creationId xmlns:a16="http://schemas.microsoft.com/office/drawing/2014/main" id="{62BB4F8D-44B7-9866-F7B2-6375CB902974}"/>
+              </a:ext>
+            </a:extLst>
+          </p:cNvPr>
+          <p:cNvSpPr>
+            <a:spLocks noGrp="1"/>
+          </p:cNvSpPr>
+          <p:nvPr>
+            <p:ph type="title"/>
+          </p:nvPr>
+        </p:nvSpPr>
+        <p:spPr>
+          <a:xfrm>
+            <a:off x="4830417" y="1475915"/>
+            <a:ext cx="6536635" cy="2780712"/>
+          </a:xfrm>
+          <a:noFill/>
+        </p:spPr>
+        <p:txBody>
+          <a:bodyPr anchor="ctr">
+            <a:normAutofit/>
+          </a:bodyPr>
+          <a:lstStyle/>
+          <a:p>
+            <a:pPr algn="ctr"/>
+            <a:r>
+              <a:rPr lang="en-US" sz="8000" b="1" dirty="0">
+                <a:solidFill>
+                  <a:schemeClr val="tx1"/>
+                </a:solidFill>
+                <a:latin typeface="Barlow Black" panose="00000A00000000000000" pitchFamily="2" charset="0"/>
+              </a:rPr>
+              <a:t>Chapter– 4</a:t>
+            </a:r>
+            <a:endParaRPr lang="en-IN" sz="8000" dirty="0">
+              <a:solidFill>
+                <a:schemeClr val="accent2">
+                  <a:lumMod val="60000"/>
+                  <a:lumOff val="40000"/>
+                </a:schemeClr>
+              </a:solidFill>
+              <a:latin typeface="Bahnschrift Light Condensed" pitchFamily="34" charset="0"/>
+            </a:endParaRPr>
+          </a:p>
+        </p:txBody>
+      </p:sp>
+      <p:sp>
+        <p:nvSpPr>
+          <p:cNvPr id="8" name="TextBox 7">
+            <a:extLst>
+              <a:ext uri="{FF2B5EF4-FFF2-40B4-BE49-F238E27FC236}">
+                <a16:creationId xmlns:a16="http://schemas.microsoft.com/office/drawing/2014/main" id="{6E6F1672-8C91-3FA6-CB80-58FD68172333}"/>
+              </a:ext>
+            </a:extLst>
+          </p:cNvPr>
+          <p:cNvSpPr txBox="1"/>
+          <p:nvPr/>
+        </p:nvSpPr>
+        <p:spPr>
+          <a:xfrm>
+            <a:off x="521177" y="6053391"/>
+            <a:ext cx="11584684" cy="646331"/>
+          </a:xfrm>
+          <a:prstGeom prst="rect">
+            <a:avLst/>
+          </a:prstGeom>
+          <a:noFill/>
+        </p:spPr>
+        <p:txBody>
+          <a:bodyPr wrap="square" rtlCol="0">
+            <a:spAutoFit/>
+          </a:bodyPr>
+          <a:lstStyle/>
+          <a:p>
+            <a:pPr algn="r"/>
+            <a:r>
+              <a:rPr lang="en-US" b="1" dirty="0">
+                <a:solidFill>
+                  <a:schemeClr val="tx1">
+                    <a:lumMod val="95000"/>
+                  </a:schemeClr>
+                </a:solidFill>
+              </a:rPr>
+              <a:t>By - </a:t>
+            </a:r>
+            <a:r>
+              <a:rPr lang="en-US" b="1" dirty="0">
+                <a:solidFill>
+                  <a:schemeClr val="tx1">
+                    <a:lumMod val="95000"/>
+                  </a:schemeClr>
+                </a:solidFill>
+                <a:latin typeface="Bahnschrift Light" panose="020B0502040204020203" pitchFamily="34" charset="0"/>
+              </a:rPr>
+              <a:t>Gautam Kumar</a:t>
+            </a:r>
+            <a:br>
+              <a:rPr lang="en-US" b="1" dirty="0">
+                <a:solidFill>
+                  <a:schemeClr val="tx1">
+                    <a:lumMod val="95000"/>
+                  </a:schemeClr>
+                </a:solidFill>
+                <a:latin typeface="Bahnschrift Light" panose="020B0502040204020203" pitchFamily="34" charset="0"/>
+              </a:rPr>
+            </a:br>
+            <a:r>
+              <a:rPr lang="en-US" b="1" dirty="0">
+                <a:solidFill>
+                  <a:schemeClr val="tx1">
+                    <a:lumMod val="95000"/>
+                  </a:schemeClr>
+                </a:solidFill>
+              </a:rPr>
+              <a:t>u</a:t>
+            </a:r>
+            <a:r>
+              <a:rPr lang="en-US" dirty="0">
+                <a:solidFill>
+                  <a:schemeClr val="tx1">
+                    <a:lumMod val="95000"/>
+                  </a:schemeClr>
+                </a:solidFill>
+              </a:rPr>
+              <a:t>idhtml.com</a:t>
+            </a:r>
+            <a:endParaRPr lang="en-IN" dirty="0">
+              <a:solidFill>
+                <a:schemeClr val="tx1">
+                  <a:lumMod val="95000"/>
+                </a:schemeClr>
+              </a:solidFill>
+            </a:endParaRPr>
+          </a:p>
+        </p:txBody>
+      </p:sp>
+      <p:sp>
+        <p:nvSpPr>
+          <p:cNvPr id="6" name="TextBox 5">
+            <a:extLst>
+              <a:ext uri="{FF2B5EF4-FFF2-40B4-BE49-F238E27FC236}">
+                <a16:creationId xmlns:a16="http://schemas.microsoft.com/office/drawing/2014/main" id="{495A9901-477B-C97F-A901-69DB36BFD5B2}"/>
+              </a:ext>
+            </a:extLst>
+          </p:cNvPr>
+          <p:cNvSpPr txBox="1"/>
+          <p:nvPr/>
+        </p:nvSpPr>
+        <p:spPr>
+          <a:xfrm>
+            <a:off x="521177" y="1083025"/>
+            <a:ext cx="7042501" cy="3323987"/>
+          </a:xfrm>
+          <a:prstGeom prst="rect">
+            <a:avLst/>
+          </a:prstGeom>
+          <a:noFill/>
+        </p:spPr>
+        <p:txBody>
+          <a:bodyPr wrap="square">
+            <a:spAutoFit/>
+          </a:bodyPr>
+          <a:lstStyle/>
+          <a:p>
+            <a:r>
+              <a:rPr lang="en-US" sz="5400" b="1" dirty="0">
+                <a:solidFill>
+                  <a:srgbClr val="FFFF00"/>
+                </a:solidFill>
+                <a:latin typeface="Montserrat ExtraLight" panose="00000300000000000000" pitchFamily="2" charset="0"/>
+              </a:rPr>
+              <a:t>Comments</a:t>
+            </a:r>
+            <a:br>
+              <a:rPr lang="en-US" sz="4000" b="1" dirty="0"/>
+            </a:br>
+            <a:r>
+              <a:rPr lang="en-US" sz="2400" b="1" dirty="0"/>
+              <a:t>Topics</a:t>
+            </a:r>
+          </a:p>
+          <a:p>
+            <a:pPr marL="285750" indent="-285750">
+              <a:lnSpc>
+                <a:spcPct val="150000"/>
+              </a:lnSpc>
+              <a:buFont typeface="Courier New" panose="02070309020205020404" pitchFamily="49" charset="0"/>
+              <a:buChar char="o"/>
+            </a:pPr>
+            <a:r>
+              <a:rPr lang="en-US" sz="2400" dirty="0"/>
+              <a:t>Single line comments</a:t>
+            </a:r>
+          </a:p>
+          <a:p>
+            <a:pPr marL="285750" indent="-285750">
+              <a:lnSpc>
+                <a:spcPct val="150000"/>
+              </a:lnSpc>
+              <a:buFont typeface="Courier New" panose="02070309020205020404" pitchFamily="49" charset="0"/>
+              <a:buChar char="o"/>
+            </a:pPr>
+            <a:r>
+              <a:rPr lang="en-IN" sz="2400" dirty="0"/>
+              <a:t>Inline comments</a:t>
+            </a:r>
+            <a:endParaRPr lang="en-US" sz="2400" dirty="0"/>
+          </a:p>
+          <a:p>
+            <a:pPr marL="285750" lvl="1" indent="-285750">
+              <a:lnSpc>
+                <a:spcPct val="150000"/>
+              </a:lnSpc>
+              <a:buFont typeface="Courier New" panose="02070309020205020404" pitchFamily="49" charset="0"/>
+              <a:buChar char="o"/>
+            </a:pPr>
+            <a:r>
+              <a:rPr lang="en-IN" sz="2400" dirty="0"/>
+              <a:t>Multiline comments</a:t>
+            </a:r>
+          </a:p>
+          <a:p>
+            <a:pPr marL="285750" indent="-285750">
+              <a:buFont typeface="Courier New" panose="02070309020205020404" pitchFamily="49" charset="0"/>
+              <a:buChar char="o"/>
+            </a:pPr>
+            <a:r>
+              <a:rPr lang="en-IN" sz="2400" dirty="0"/>
+              <a:t>Special type of multiline comments for </a:t>
+            </a:r>
+            <a:r>
+              <a:rPr lang="en-IN" sz="2400" b="1" dirty="0" err="1"/>
+              <a:t>JSDoc</a:t>
+            </a:r>
+            <a:endParaRPr lang="en-IN" sz="2400" dirty="0"/>
+          </a:p>
+        </p:txBody>
+      </p:sp>
+      <p:sp>
+        <p:nvSpPr>
+          <p:cNvPr id="7" name="TextBox 6">
+            <a:extLst>
+              <a:ext uri="{FF2B5EF4-FFF2-40B4-BE49-F238E27FC236}">
+                <a16:creationId xmlns:a16="http://schemas.microsoft.com/office/drawing/2014/main" id="{92B06DD2-7BEE-395B-132A-29A06C63B5E8}"/>
+              </a:ext>
+            </a:extLst>
+          </p:cNvPr>
+          <p:cNvSpPr txBox="1"/>
+          <p:nvPr/>
+        </p:nvSpPr>
+        <p:spPr>
+          <a:xfrm>
+            <a:off x="-49697" y="-23017"/>
+            <a:ext cx="12291392" cy="769441"/>
+          </a:xfrm>
+          <a:prstGeom prst="rect">
+            <a:avLst/>
+          </a:prstGeom>
+          <a:solidFill>
+            <a:schemeClr val="bg1">
+              <a:lumMod val="85000"/>
+              <a:lumOff val="15000"/>
+            </a:schemeClr>
+          </a:solidFill>
+        </p:spPr>
+        <p:txBody>
+          <a:bodyPr wrap="square" rtlCol="0">
+            <a:spAutoFit/>
+          </a:bodyPr>
+          <a:lstStyle/>
+          <a:p>
+            <a:pPr algn="ctr"/>
+            <a:r>
+              <a:rPr lang="en-US" sz="4400" dirty="0">
+                <a:latin typeface="Montserrat ExtraBold" panose="00000900000000000000" pitchFamily="2" charset="0"/>
+              </a:rPr>
+              <a:t>JavaScript</a:t>
+            </a:r>
+            <a:r>
+              <a:rPr lang="en-US" sz="4400" dirty="0">
+                <a:latin typeface="Montserrat ExtraLight" panose="00000300000000000000" pitchFamily="2" charset="0"/>
+              </a:rPr>
+              <a:t> Tutorials</a:t>
+            </a:r>
+            <a:endParaRPr lang="en-IN" sz="4400" dirty="0">
+              <a:latin typeface="Montserrat ExtraLight" panose="00000300000000000000" pitchFamily="2" charset="0"/>
+            </a:endParaRPr>
+          </a:p>
+        </p:txBody>
+      </p:sp>
+      <p:pic>
+        <p:nvPicPr>
+          <p:cNvPr id="10" name="Picture 9">
+            <a:extLst>
+              <a:ext uri="{FF2B5EF4-FFF2-40B4-BE49-F238E27FC236}">
+                <a16:creationId xmlns:a16="http://schemas.microsoft.com/office/drawing/2014/main" id="{45A84455-06EA-2224-C377-E67CDC7D7497}"/>
+              </a:ext>
+            </a:extLst>
+          </p:cNvPr>
+          <p:cNvPicPr>
+            <a:picLocks noChangeAspect="1"/>
+          </p:cNvPicPr>
+          <p:nvPr/>
+        </p:nvPicPr>
+        <p:blipFill>
+          <a:blip r:embed="rId2"/>
+          <a:stretch>
+            <a:fillRect/>
+          </a:stretch>
+        </p:blipFill>
+        <p:spPr>
+          <a:xfrm>
+            <a:off x="920512" y="4450357"/>
+            <a:ext cx="4749250" cy="2259294"/>
+          </a:xfrm>
+          <a:prstGeom prst="rect">
+            <a:avLst/>
+          </a:prstGeom>
+        </p:spPr>
+      </p:pic>
+    </p:spTree>
+    <p:extLst>
+      <p:ext uri="{BB962C8B-B14F-4D97-AF65-F5344CB8AC3E}">
+        <p14:creationId xmlns:p14="http://schemas.microsoft.com/office/powerpoint/2010/main" val="3287175084"/>
+      </p:ext>
+    </p:extLst>
+  </p:cSld>
+  <p:clrMapOvr>
+    <a:masterClrMapping/>
+  </p:clrMapOvr>
+</p:sld>
+</file>
+
+<file path=ppt/slides/slide19.xml><?xml version="1.0" encoding="utf-8"?>
+<p:sld xmlns:a="http://schemas.openxmlformats.org/drawingml/2006/main" xmlns:r="http://schemas.openxmlformats.org/officeDocument/2006/relationships" xmlns:p="http://schemas.openxmlformats.org/presentationml/2006/main">
+  <p:cSld>
+    <p:spTree>
+      <p:nvGrpSpPr>
+        <p:cNvPr id="1" name="">
+          <a:extLst>
+            <a:ext uri="{FF2B5EF4-FFF2-40B4-BE49-F238E27FC236}">
+              <a16:creationId xmlns:a16="http://schemas.microsoft.com/office/drawing/2014/main" id="{C5637B91-7316-D738-42FD-B6F1CC38AB90}"/>
+            </a:ext>
+          </a:extLst>
+        </p:cNvPr>
+        <p:cNvGrpSpPr/>
+        <p:nvPr/>
+      </p:nvGrpSpPr>
+      <p:grpSpPr>
+        <a:xfrm>
+          <a:off x="0" y="0"/>
+          <a:ext cx="0" cy="0"/>
+          <a:chOff x="0" y="0"/>
+          <a:chExt cx="0" cy="0"/>
+        </a:xfrm>
+      </p:grpSpPr>
+      <p:sp>
+        <p:nvSpPr>
+          <p:cNvPr id="2" name="Title 1">
+            <a:extLst>
+              <a:ext uri="{FF2B5EF4-FFF2-40B4-BE49-F238E27FC236}">
+                <a16:creationId xmlns:a16="http://schemas.microsoft.com/office/drawing/2014/main" id="{0BB42E27-7C22-C4E2-3B23-3F7F20980B00}"/>
+              </a:ext>
+            </a:extLst>
+          </p:cNvPr>
+          <p:cNvSpPr>
+            <a:spLocks noGrp="1"/>
+          </p:cNvSpPr>
+          <p:nvPr>
+            <p:ph type="title"/>
+          </p:nvPr>
+        </p:nvSpPr>
+        <p:spPr>
+          <a:xfrm>
+            <a:off x="198362" y="837317"/>
+            <a:ext cx="8596668" cy="666407"/>
+          </a:xfrm>
+        </p:spPr>
+        <p:txBody>
+          <a:bodyPr/>
+          <a:lstStyle/>
+          <a:p>
+            <a:r>
+              <a:rPr lang="en-US" b="1" dirty="0">
+                <a:solidFill>
+                  <a:schemeClr val="tx1"/>
+                </a:solidFill>
+                <a:latin typeface="Bahnschrift SemiLight" pitchFamily="34" charset="0"/>
+              </a:rPr>
+              <a:t>Comments in JavaScript</a:t>
+            </a:r>
+          </a:p>
+        </p:txBody>
+      </p:sp>
+      <p:sp>
+        <p:nvSpPr>
+          <p:cNvPr id="3" name="Content Placeholder 2">
+            <a:extLst>
+              <a:ext uri="{FF2B5EF4-FFF2-40B4-BE49-F238E27FC236}">
+                <a16:creationId xmlns:a16="http://schemas.microsoft.com/office/drawing/2014/main" id="{514ACDD6-0D2B-0B03-F18B-91318DCF7D9A}"/>
+              </a:ext>
+            </a:extLst>
+          </p:cNvPr>
+          <p:cNvSpPr>
+            <a:spLocks noGrp="1"/>
+          </p:cNvSpPr>
+          <p:nvPr>
+            <p:ph idx="1"/>
+          </p:nvPr>
+        </p:nvSpPr>
+        <p:spPr>
+          <a:xfrm>
+            <a:off x="198362" y="1537549"/>
+            <a:ext cx="8115673" cy="5424577"/>
+          </a:xfrm>
+        </p:spPr>
+        <p:txBody>
+          <a:bodyPr>
+            <a:normAutofit lnSpcReduction="10000"/>
+          </a:bodyPr>
+          <a:lstStyle/>
+          <a:p>
+            <a:r>
+              <a:rPr lang="en-US" sz="2000" dirty="0">
+                <a:solidFill>
+                  <a:schemeClr val="accent2">
+                    <a:lumMod val="40000"/>
+                    <a:lumOff val="60000"/>
+                  </a:schemeClr>
+                </a:solidFill>
+              </a:rPr>
+              <a:t>Single line comment</a:t>
+            </a:r>
+            <a:br>
+              <a:rPr lang="en-US" sz="2000" dirty="0"/>
+            </a:br>
+            <a:br>
+              <a:rPr lang="en-US" sz="2000" dirty="0"/>
+            </a:br>
+            <a:r>
+              <a:rPr lang="en-US" sz="2000" dirty="0">
+                <a:solidFill>
+                  <a:schemeClr val="tx1">
+                    <a:lumMod val="50000"/>
+                  </a:schemeClr>
+                </a:solidFill>
+              </a:rPr>
+              <a:t>// This is single-line comment to the code</a:t>
+            </a:r>
+            <a:br>
+              <a:rPr lang="en-US" sz="2000" dirty="0">
+                <a:solidFill>
+                  <a:schemeClr val="tx1">
+                    <a:lumMod val="50000"/>
+                  </a:schemeClr>
+                </a:solidFill>
+              </a:rPr>
+            </a:br>
+            <a:r>
+              <a:rPr lang="en-US" sz="2000" dirty="0">
+                <a:solidFill>
+                  <a:schemeClr val="tx1"/>
+                </a:solidFill>
+              </a:rPr>
+              <a:t>let x = 20;</a:t>
+            </a:r>
+            <a:br>
+              <a:rPr lang="en-US" sz="2000" dirty="0">
+                <a:solidFill>
+                  <a:schemeClr val="tx1"/>
+                </a:solidFill>
+              </a:rPr>
+            </a:br>
+            <a:br>
+              <a:rPr lang="en-US" sz="2000" dirty="0">
+                <a:solidFill>
+                  <a:schemeClr val="tx1"/>
+                </a:solidFill>
+              </a:rPr>
+            </a:br>
+            <a:endParaRPr lang="en-US" sz="2000" dirty="0">
+              <a:solidFill>
+                <a:schemeClr val="tx1"/>
+              </a:solidFill>
+            </a:endParaRPr>
+          </a:p>
+          <a:p>
+            <a:r>
+              <a:rPr lang="en-US" sz="2000" dirty="0">
+                <a:solidFill>
+                  <a:schemeClr val="accent2">
+                    <a:lumMod val="40000"/>
+                    <a:lumOff val="60000"/>
+                  </a:schemeClr>
+                </a:solidFill>
+              </a:rPr>
+              <a:t>Inline comment</a:t>
+            </a:r>
+            <a:br>
+              <a:rPr lang="en-US" sz="2000" dirty="0"/>
+            </a:br>
+            <a:r>
+              <a:rPr lang="en-US" sz="2000" dirty="0"/>
+              <a:t>let x = 20; </a:t>
+            </a:r>
+            <a:r>
+              <a:rPr lang="en-US" sz="2000" dirty="0">
+                <a:solidFill>
+                  <a:schemeClr val="tx1">
+                    <a:lumMod val="50000"/>
+                  </a:schemeClr>
+                </a:solidFill>
+              </a:rPr>
+              <a:t>// This is inline comment</a:t>
+            </a:r>
+            <a:br>
+              <a:rPr lang="en-US" sz="2000" dirty="0">
+                <a:solidFill>
+                  <a:schemeClr val="tx1">
+                    <a:lumMod val="50000"/>
+                  </a:schemeClr>
+                </a:solidFill>
+              </a:rPr>
+            </a:br>
+            <a:br>
+              <a:rPr lang="en-US" sz="2000" dirty="0">
+                <a:solidFill>
+                  <a:schemeClr val="tx1">
+                    <a:lumMod val="50000"/>
+                  </a:schemeClr>
+                </a:solidFill>
+              </a:rPr>
+            </a:br>
+            <a:endParaRPr lang="en-US" sz="2000" dirty="0">
+              <a:solidFill>
+                <a:schemeClr val="tx1">
+                  <a:lumMod val="50000"/>
+                </a:schemeClr>
+              </a:solidFill>
+            </a:endParaRPr>
+          </a:p>
+          <a:p>
+            <a:r>
+              <a:rPr lang="en-US" sz="2000" dirty="0">
+                <a:solidFill>
+                  <a:schemeClr val="accent2">
+                    <a:lumMod val="40000"/>
+                    <a:lumOff val="60000"/>
+                  </a:schemeClr>
+                </a:solidFill>
+              </a:rPr>
+              <a:t>Multiline comment</a:t>
+            </a:r>
+            <a:br>
+              <a:rPr lang="en-US" sz="2000" dirty="0"/>
+            </a:br>
+            <a:r>
+              <a:rPr lang="en-US" sz="2000" dirty="0">
+                <a:solidFill>
+                  <a:schemeClr val="tx1">
+                    <a:lumMod val="50000"/>
+                  </a:schemeClr>
+                </a:solidFill>
+              </a:rPr>
+              <a:t>/*</a:t>
+            </a:r>
+            <a:br>
+              <a:rPr lang="en-US" sz="2000" dirty="0">
+                <a:solidFill>
+                  <a:schemeClr val="tx1">
+                    <a:lumMod val="50000"/>
+                  </a:schemeClr>
+                </a:solidFill>
+              </a:rPr>
+            </a:br>
+            <a:r>
+              <a:rPr lang="en-US" sz="2000" dirty="0">
+                <a:solidFill>
+                  <a:schemeClr val="tx1">
+                    <a:lumMod val="50000"/>
+                  </a:schemeClr>
+                </a:solidFill>
+              </a:rPr>
+              <a:t>		This is a multi-line comment for JavaScript code.</a:t>
+            </a:r>
+            <a:br>
+              <a:rPr lang="en-US" sz="2000" dirty="0">
+                <a:solidFill>
+                  <a:schemeClr val="tx1">
+                    <a:lumMod val="50000"/>
+                  </a:schemeClr>
+                </a:solidFill>
+              </a:rPr>
+            </a:br>
+            <a:r>
+              <a:rPr lang="en-US" sz="2000" dirty="0">
+                <a:solidFill>
+                  <a:schemeClr val="tx1">
+                    <a:lumMod val="50000"/>
+                  </a:schemeClr>
+                </a:solidFill>
+              </a:rPr>
+              <a:t>		This is very useful whenever you want to organize your </a:t>
+            </a:r>
+            <a:br>
+              <a:rPr lang="en-US" sz="2000" dirty="0">
+                <a:solidFill>
+                  <a:schemeClr val="tx1">
+                    <a:lumMod val="50000"/>
+                  </a:schemeClr>
+                </a:solidFill>
+              </a:rPr>
+            </a:br>
+            <a:r>
+              <a:rPr lang="en-US" sz="2000" dirty="0">
+                <a:solidFill>
+                  <a:schemeClr val="tx1">
+                    <a:lumMod val="50000"/>
+                  </a:schemeClr>
+                </a:solidFill>
+              </a:rPr>
+              <a:t>		JavaScript comments.</a:t>
+            </a:r>
+            <a:br>
+              <a:rPr lang="en-US" sz="2000" dirty="0">
+                <a:solidFill>
+                  <a:schemeClr val="tx1">
+                    <a:lumMod val="50000"/>
+                  </a:schemeClr>
+                </a:solidFill>
+              </a:rPr>
+            </a:br>
+            <a:r>
+              <a:rPr lang="en-US" sz="2000" dirty="0">
+                <a:solidFill>
+                  <a:schemeClr val="tx1">
+                    <a:lumMod val="50000"/>
+                  </a:schemeClr>
+                </a:solidFill>
+              </a:rPr>
+              <a:t>*/</a:t>
+            </a:r>
+            <a:br>
+              <a:rPr lang="en-US" sz="2000" dirty="0">
+                <a:solidFill>
+                  <a:schemeClr val="tx1">
+                    <a:lumMod val="50000"/>
+                  </a:schemeClr>
+                </a:solidFill>
+              </a:rPr>
+            </a:br>
+            <a:r>
+              <a:rPr lang="en-US" sz="2000" dirty="0">
+                <a:solidFill>
+                  <a:schemeClr val="tx1"/>
+                </a:solidFill>
+              </a:rPr>
+              <a:t>let x = 20;</a:t>
+            </a:r>
+          </a:p>
+        </p:txBody>
+      </p:sp>
+      <p:sp>
+        <p:nvSpPr>
+          <p:cNvPr id="5" name="Ribbon: Curved and Tilted Down 4">
+            <a:extLst>
+              <a:ext uri="{FF2B5EF4-FFF2-40B4-BE49-F238E27FC236}">
+                <a16:creationId xmlns:a16="http://schemas.microsoft.com/office/drawing/2014/main" id="{D1D7DB93-DBF3-0DF0-3533-AC1786837990}"/>
+              </a:ext>
+            </a:extLst>
+          </p:cNvPr>
+          <p:cNvSpPr/>
+          <p:nvPr/>
+        </p:nvSpPr>
+        <p:spPr>
+          <a:xfrm>
+            <a:off x="198362" y="149779"/>
+            <a:ext cx="5233128" cy="666407"/>
+          </a:xfrm>
+          <a:prstGeom prst="ellipseRibbon">
+            <a:avLst/>
+          </a:prstGeom>
+          <a:solidFill>
+            <a:schemeClr val="bg1">
+              <a:lumMod val="85000"/>
+              <a:lumOff val="15000"/>
+            </a:schemeClr>
+          </a:solidFill>
+          <a:ln>
+            <a:noFill/>
+          </a:ln>
+        </p:spPr>
+        <p:style>
+          <a:lnRef idx="2">
+            <a:schemeClr val="accent1">
+              <a:shade val="15000"/>
+            </a:schemeClr>
+          </a:lnRef>
+          <a:fillRef idx="1">
+            <a:schemeClr val="accent1"/>
+          </a:fillRef>
+          <a:effectRef idx="0">
+            <a:schemeClr val="accent1"/>
+          </a:effectRef>
+          <a:fontRef idx="minor">
+            <a:schemeClr val="lt1"/>
+          </a:fontRef>
+        </p:style>
+        <p:txBody>
+          <a:bodyPr rtlCol="0" anchor="ctr"/>
+          <a:lstStyle/>
+          <a:p>
+            <a:pPr algn="ctr"/>
+            <a:r>
+              <a:rPr lang="en-US" sz="2000" dirty="0">
+                <a:solidFill>
+                  <a:schemeClr val="tx1">
+                    <a:lumMod val="65000"/>
+                    <a:lumOff val="35000"/>
+                  </a:schemeClr>
+                </a:solidFill>
+              </a:rPr>
+              <a:t>JavaScript Tutorials</a:t>
+            </a:r>
+            <a:endParaRPr lang="en-IN" sz="2000" dirty="0">
+              <a:solidFill>
+                <a:schemeClr val="tx1">
+                  <a:lumMod val="65000"/>
+                  <a:lumOff val="35000"/>
+                </a:schemeClr>
+              </a:solidFill>
+            </a:endParaRPr>
+          </a:p>
+        </p:txBody>
+      </p:sp>
+      <p:sp>
+        <p:nvSpPr>
+          <p:cNvPr id="6" name="Scroll: Vertical 5">
+            <a:extLst>
+              <a:ext uri="{FF2B5EF4-FFF2-40B4-BE49-F238E27FC236}">
+                <a16:creationId xmlns:a16="http://schemas.microsoft.com/office/drawing/2014/main" id="{4B810CE8-F172-ABEF-9B5B-F6C6A3F4D513}"/>
+              </a:ext>
+            </a:extLst>
+          </p:cNvPr>
+          <p:cNvSpPr/>
+          <p:nvPr/>
+        </p:nvSpPr>
+        <p:spPr>
+          <a:xfrm>
+            <a:off x="7851914" y="715617"/>
+            <a:ext cx="4240696" cy="4989444"/>
+          </a:xfrm>
+          <a:prstGeom prst="verticalScroll">
+            <a:avLst/>
+          </a:prstGeom>
+          <a:solidFill>
+            <a:schemeClr val="bg1">
+              <a:lumMod val="85000"/>
+            </a:schemeClr>
+          </a:solidFill>
+          <a:ln>
+            <a:solidFill>
+              <a:schemeClr val="bg1">
+                <a:lumMod val="75000"/>
+                <a:lumOff val="25000"/>
+              </a:schemeClr>
+            </a:solidFill>
+          </a:ln>
+        </p:spPr>
+        <p:style>
+          <a:lnRef idx="2">
+            <a:schemeClr val="accent1">
+              <a:shade val="15000"/>
+            </a:schemeClr>
+          </a:lnRef>
+          <a:fillRef idx="1">
+            <a:schemeClr val="accent1"/>
+          </a:fillRef>
+          <a:effectRef idx="0">
+            <a:schemeClr val="accent1"/>
+          </a:effectRef>
+          <a:fontRef idx="minor">
+            <a:schemeClr val="lt1"/>
+          </a:fontRef>
+        </p:style>
+        <p:txBody>
+          <a:bodyPr rtlCol="0" anchor="t"/>
+          <a:lstStyle/>
+          <a:p>
+            <a:pPr>
+              <a:lnSpc>
+                <a:spcPct val="150000"/>
+              </a:lnSpc>
+            </a:pPr>
+            <a:r>
+              <a:rPr lang="en-US" sz="2000" b="1" dirty="0">
+                <a:solidFill>
+                  <a:schemeClr val="tx1"/>
+                </a:solidFill>
+              </a:rPr>
+              <a:t>Topics</a:t>
+            </a:r>
+          </a:p>
+          <a:p>
+            <a:pPr marL="285750" indent="-285750">
+              <a:lnSpc>
+                <a:spcPct val="150000"/>
+              </a:lnSpc>
+              <a:buFont typeface="Courier New" panose="02070309020205020404" pitchFamily="49" charset="0"/>
+              <a:buChar char="o"/>
+            </a:pPr>
+            <a:r>
+              <a:rPr lang="en-US" sz="2000" dirty="0">
+                <a:solidFill>
+                  <a:schemeClr val="tx1"/>
+                </a:solidFill>
+              </a:rPr>
+              <a:t>Single line comments</a:t>
+            </a:r>
+          </a:p>
+          <a:p>
+            <a:pPr marL="285750" indent="-285750">
+              <a:lnSpc>
+                <a:spcPct val="150000"/>
+              </a:lnSpc>
+              <a:buFont typeface="Courier New" panose="02070309020205020404" pitchFamily="49" charset="0"/>
+              <a:buChar char="o"/>
+            </a:pPr>
+            <a:r>
+              <a:rPr lang="en-IN" sz="2000" dirty="0">
+                <a:solidFill>
+                  <a:schemeClr val="tx1"/>
+                </a:solidFill>
+              </a:rPr>
+              <a:t>Inline comments</a:t>
+            </a:r>
+            <a:endParaRPr lang="en-US" sz="2000" dirty="0">
+              <a:solidFill>
+                <a:schemeClr val="tx1"/>
+              </a:solidFill>
+            </a:endParaRPr>
+          </a:p>
+          <a:p>
+            <a:pPr marL="285750" indent="-285750">
+              <a:lnSpc>
+                <a:spcPct val="150000"/>
+              </a:lnSpc>
+              <a:buFont typeface="Courier New" panose="02070309020205020404" pitchFamily="49" charset="0"/>
+              <a:buChar char="o"/>
+            </a:pPr>
+            <a:r>
+              <a:rPr lang="en-IN" sz="2000" dirty="0">
+                <a:solidFill>
+                  <a:schemeClr val="tx1"/>
+                </a:solidFill>
+              </a:rPr>
+              <a:t>Multiline comments</a:t>
+            </a:r>
+          </a:p>
+        </p:txBody>
+      </p:sp>
+      <p:sp>
+        <p:nvSpPr>
+          <p:cNvPr id="7" name="TextBox 6">
+            <a:extLst>
+              <a:ext uri="{FF2B5EF4-FFF2-40B4-BE49-F238E27FC236}">
+                <a16:creationId xmlns:a16="http://schemas.microsoft.com/office/drawing/2014/main" id="{7C7A2712-C9B9-958D-594C-39F36B75B90A}"/>
+              </a:ext>
+            </a:extLst>
+          </p:cNvPr>
+          <p:cNvSpPr txBox="1"/>
+          <p:nvPr/>
+        </p:nvSpPr>
+        <p:spPr>
+          <a:xfrm>
+            <a:off x="9614263" y="801189"/>
+            <a:ext cx="1401346" cy="369332"/>
+          </a:xfrm>
+          <a:prstGeom prst="rect">
+            <a:avLst/>
+          </a:prstGeom>
+          <a:noFill/>
+        </p:spPr>
+        <p:txBody>
+          <a:bodyPr wrap="none" rtlCol="0">
+            <a:spAutoFit/>
+          </a:bodyPr>
+          <a:lstStyle/>
+          <a:p>
+            <a:r>
+              <a:rPr lang="en-IN" b="1" dirty="0">
+                <a:solidFill>
+                  <a:schemeClr val="accent2">
+                    <a:lumMod val="60000"/>
+                    <a:lumOff val="40000"/>
+                  </a:schemeClr>
+                </a:solidFill>
+                <a:latin typeface="Bahnschrift SemiLight" pitchFamily="34" charset="0"/>
+              </a:rPr>
+              <a:t>Chapter - 4</a:t>
+            </a:r>
+            <a:endParaRPr lang="en-US" b="1" dirty="0">
+              <a:solidFill>
+                <a:schemeClr val="accent2">
+                  <a:lumMod val="60000"/>
+                  <a:lumOff val="40000"/>
+                </a:schemeClr>
+              </a:solidFill>
+              <a:latin typeface="Bahnschrift SemiLight" pitchFamily="34" charset="0"/>
+            </a:endParaRPr>
+          </a:p>
+        </p:txBody>
+      </p:sp>
+    </p:spTree>
+    <p:extLst>
+      <p:ext uri="{BB962C8B-B14F-4D97-AF65-F5344CB8AC3E}">
+        <p14:creationId xmlns:p14="http://schemas.microsoft.com/office/powerpoint/2010/main" val="693676810"/>
+      </p:ext>
+    </p:extLst>
+  </p:cSld>
+  <p:clrMapOvr>
+    <a:masterClrMapping/>
+  </p:clrMapOvr>
+</p:sld>
+</file>
+
+<file path=ppt/slides/slide2.xml><?xml version="1.0" encoding="utf-8"?>
+<p:sld xmlns:a="http://schemas.openxmlformats.org/drawingml/2006/main" xmlns:r="http://schemas.openxmlformats.org/officeDocument/2006/relationships" xmlns:p="http://schemas.openxmlformats.org/presentationml/2006/main">
+  <p:cSld>
+    <p:spTree>
+      <p:nvGrpSpPr>
+        <p:cNvPr id="1" name=""/>
+        <p:cNvGrpSpPr/>
+        <p:nvPr/>
+      </p:nvGrpSpPr>
+      <p:grpSpPr>
+        <a:xfrm>
+          <a:off x="0" y="0"/>
+          <a:ext cx="0" cy="0"/>
+          <a:chOff x="0" y="0"/>
+          <a:chExt cx="0" cy="0"/>
+        </a:xfrm>
+      </p:grpSpPr>
+      <p:sp>
+        <p:nvSpPr>
+          <p:cNvPr id="9" name="Explosion: 14 Points 8">
+            <a:extLst>
+              <a:ext uri="{FF2B5EF4-FFF2-40B4-BE49-F238E27FC236}">
+                <a16:creationId xmlns:a16="http://schemas.microsoft.com/office/drawing/2014/main" id="{0A2CD68B-7A56-F86D-8B6F-4A8BF99B4C9E}"/>
+              </a:ext>
+            </a:extLst>
+          </p:cNvPr>
+          <p:cNvSpPr/>
+          <p:nvPr/>
+        </p:nvSpPr>
+        <p:spPr>
+          <a:xfrm>
+            <a:off x="1719470" y="2032529"/>
             <a:ext cx="3985591" cy="3985591"/>
           </a:xfrm>
           <a:prstGeom prst="irregularSeal2">
@@ -10278,7 +11292,7 @@
           <p:cNvPr id="2" name="Title 1">
             <a:extLst>
               <a:ext uri="{FF2B5EF4-FFF2-40B4-BE49-F238E27FC236}">
-                <a16:creationId xmlns:a16="http://schemas.microsoft.com/office/drawing/2014/main" xmlns="" id="{62BB4F8D-44B7-9866-F7B2-6375CB902974}"/>
+                <a16:creationId xmlns:a16="http://schemas.microsoft.com/office/drawing/2014/main" id="{62BB4F8D-44B7-9866-F7B2-6375CB902974}"/>
               </a:ext>
             </a:extLst>
           </p:cNvPr>
@@ -10291,8 +11305,8 @@
         </p:nvSpPr>
         <p:spPr>
           <a:xfrm>
-            <a:off x="1" y="1913287"/>
-            <a:ext cx="6244058" cy="3810095"/>
+            <a:off x="0" y="1913287"/>
+            <a:ext cx="6271590" cy="3810095"/>
           </a:xfrm>
           <a:noFill/>
         </p:spPr>
@@ -10312,15 +11326,6 @@
               </a:rPr>
               <a:t>JavaScript</a:t>
             </a:r>
-            <a:r>
-              <a:rPr lang="en-US" sz="7200" b="1" dirty="0">
-                <a:solidFill>
-                  <a:schemeClr val="tx1"/>
-                </a:solidFill>
-                <a:latin typeface="Barlow Black" panose="00000A00000000000000" pitchFamily="2" charset="0"/>
-              </a:rPr>
-              <a:t/>
-            </a:r>
             <a:br>
               <a:rPr lang="en-US" sz="7200" b="1" dirty="0">
                 <a:solidFill>
@@ -10336,60 +11341,13 @@
                 </a:solidFill>
                 <a:latin typeface="Barlow Black" panose="00000A00000000000000" pitchFamily="2" charset="0"/>
               </a:rPr>
-              <a:t>Chapter – 4</a:t>
-            </a:r>
-            <a:br>
-              <a:rPr lang="en-US" sz="7200" b="1" dirty="0">
-                <a:solidFill>
-                  <a:schemeClr val="tx1"/>
-                </a:solidFill>
-                <a:latin typeface="Barlow Black" panose="00000A00000000000000" pitchFamily="2" charset="0"/>
-              </a:rPr>
-            </a:br>
-            <a:r>
-              <a:rPr lang="en-US" sz="2800" dirty="0">
-                <a:solidFill>
-                  <a:schemeClr val="accent2">
-                    <a:lumMod val="60000"/>
-                    <a:lumOff val="40000"/>
-                  </a:schemeClr>
-                </a:solidFill>
-                <a:latin typeface="Bahnschrift Light Condensed" pitchFamily="34" charset="0"/>
-              </a:rPr>
-              <a:t>(</a:t>
-            </a:r>
-            <a:r>
-              <a:rPr lang="en-US" dirty="0">
-                <a:solidFill>
-                  <a:schemeClr val="accent2">
-                    <a:lumMod val="60000"/>
-                    <a:lumOff val="40000"/>
-                  </a:schemeClr>
-                </a:solidFill>
-                <a:latin typeface="Bahnschrift Light Condensed" pitchFamily="34" charset="0"/>
-              </a:rPr>
-              <a:t>comments</a:t>
-            </a:r>
-            <a:r>
-              <a:rPr lang="en-US" sz="2800" dirty="0">
-                <a:solidFill>
-                  <a:schemeClr val="accent2">
-                    <a:lumMod val="60000"/>
-                    <a:lumOff val="40000"/>
-                  </a:schemeClr>
-                </a:solidFill>
-                <a:latin typeface="Bahnschrift Light Condensed" pitchFamily="34" charset="0"/>
-              </a:rPr>
-              <a:t>)</a:t>
-            </a:r>
-            <a:endParaRPr lang="en-IN" sz="2800" dirty="0">
+              <a:t>Chapter -1</a:t>
+            </a:r>
+            <a:endParaRPr lang="en-IN" b="1" dirty="0">
               <a:solidFill>
-                <a:schemeClr val="accent2">
-                  <a:lumMod val="60000"/>
-                  <a:lumOff val="40000"/>
-                </a:schemeClr>
+                <a:schemeClr val="tx1"/>
               </a:solidFill>
-              <a:latin typeface="Bahnschrift Light Condensed" pitchFamily="34" charset="0"/>
+              <a:latin typeface="Barlow Black" panose="00000A00000000000000" pitchFamily="2" charset="0"/>
             </a:endParaRPr>
           </a:p>
         </p:txBody>
@@ -10399,7 +11357,7 @@
           <p:cNvPr id="4" name="Ribbon: Curved and Tilted Down 3">
             <a:extLst>
               <a:ext uri="{FF2B5EF4-FFF2-40B4-BE49-F238E27FC236}">
-                <a16:creationId xmlns:a16="http://schemas.microsoft.com/office/drawing/2014/main" xmlns="" id="{909DBECF-689C-9AA7-1649-9166A578EDF9}"/>
+                <a16:creationId xmlns:a16="http://schemas.microsoft.com/office/drawing/2014/main" id="{909DBECF-689C-9AA7-1649-9166A578EDF9}"/>
               </a:ext>
             </a:extLst>
           </p:cNvPr>
@@ -10466,7 +11424,7 @@
           <p:cNvPr id="5" name="Scroll: Vertical 4">
             <a:extLst>
               <a:ext uri="{FF2B5EF4-FFF2-40B4-BE49-F238E27FC236}">
-                <a16:creationId xmlns:a16="http://schemas.microsoft.com/office/drawing/2014/main" xmlns="" id="{38EB993A-3F18-C6B7-226F-EDD62B4B31DB}"/>
+                <a16:creationId xmlns:a16="http://schemas.microsoft.com/office/drawing/2014/main" id="{38EB993A-3F18-C6B7-226F-EDD62B4B31DB}"/>
               </a:ext>
             </a:extLst>
           </p:cNvPr>
@@ -10512,11 +11470,16 @@
           </a:fontRef>
         </p:style>
         <p:txBody>
-          <a:bodyPr rtlCol="0" anchor="t"/>
-          <a:lstStyle/>
-          <a:p>
-            <a:r>
-              <a:rPr lang="en-US" sz="3600" b="1" dirty="0">
+          <a:bodyPr rtlCol="0" anchor="ctr"/>
+          <a:lstStyle/>
+          <a:p>
+            <a:pPr>
+              <a:lnSpc>
+                <a:spcPct val="150000"/>
+              </a:lnSpc>
+            </a:pPr>
+            <a:r>
+              <a:rPr lang="en-US" sz="4000" b="1" dirty="0">
                 <a:solidFill>
                   <a:schemeClr val="bg1">
                     <a:lumMod val="95000"/>
@@ -10535,14 +11498,14 @@
               <a:buChar char="o"/>
             </a:pPr>
             <a:r>
-              <a:rPr lang="en-US" sz="1600" dirty="0">
+              <a:rPr lang="en-US" dirty="0">
                 <a:solidFill>
                   <a:schemeClr val="bg1">
                     <a:lumMod val="95000"/>
                   </a:schemeClr>
                 </a:solidFill>
               </a:rPr>
-              <a:t>Single line comments</a:t>
+              <a:t>What is JavaScript</a:t>
             </a:r>
           </a:p>
           <a:p>
@@ -10554,14 +11517,14 @@
               <a:buChar char="o"/>
             </a:pPr>
             <a:r>
-              <a:rPr lang="en-IN" sz="1600" dirty="0">
+              <a:rPr lang="en-US" dirty="0">
                 <a:solidFill>
                   <a:schemeClr val="bg1">
                     <a:lumMod val="95000"/>
                   </a:schemeClr>
                 </a:solidFill>
               </a:rPr>
-              <a:t>Multiline comments</a:t>
+              <a:t>History</a:t>
             </a:r>
           </a:p>
           <a:p>
@@ -10573,15 +11536,146 @@
               <a:buChar char="o"/>
             </a:pPr>
             <a:r>
-              <a:rPr lang="en-IN" sz="1600" dirty="0">
+              <a:rPr lang="en-US" dirty="0">
                 <a:solidFill>
                   <a:schemeClr val="bg1">
                     <a:lumMod val="95000"/>
                   </a:schemeClr>
                 </a:solidFill>
               </a:rPr>
-              <a:t>Inline comments</a:t>
-            </a:r>
+              <a:t>Client-side</a:t>
+            </a:r>
+          </a:p>
+          <a:p>
+            <a:pPr marL="285750" indent="-285750">
+              <a:lnSpc>
+                <a:spcPct val="150000"/>
+              </a:lnSpc>
+              <a:buFont typeface="Courier New" panose="02070309020205020404" pitchFamily="49" charset="0"/>
+              <a:buChar char="o"/>
+            </a:pPr>
+            <a:r>
+              <a:rPr lang="en-US" dirty="0">
+                <a:solidFill>
+                  <a:schemeClr val="bg1">
+                    <a:lumMod val="95000"/>
+                  </a:schemeClr>
+                </a:solidFill>
+              </a:rPr>
+              <a:t>Server Side</a:t>
+            </a:r>
+          </a:p>
+          <a:p>
+            <a:pPr marL="285750" indent="-285750">
+              <a:lnSpc>
+                <a:spcPct val="150000"/>
+              </a:lnSpc>
+              <a:buFont typeface="Courier New" panose="02070309020205020404" pitchFamily="49" charset="0"/>
+              <a:buChar char="o"/>
+            </a:pPr>
+            <a:r>
+              <a:rPr lang="en-US" dirty="0">
+                <a:solidFill>
+                  <a:schemeClr val="bg1">
+                    <a:lumMod val="95000"/>
+                  </a:schemeClr>
+                </a:solidFill>
+              </a:rPr>
+              <a:t>Advantages of JavaScript</a:t>
+            </a:r>
+          </a:p>
+          <a:p>
+            <a:pPr marL="285750" indent="-285750">
+              <a:lnSpc>
+                <a:spcPct val="150000"/>
+              </a:lnSpc>
+              <a:buFont typeface="Courier New" panose="02070309020205020404" pitchFamily="49" charset="0"/>
+              <a:buChar char="o"/>
+            </a:pPr>
+            <a:r>
+              <a:rPr lang="en-US" dirty="0">
+                <a:solidFill>
+                  <a:schemeClr val="bg1">
+                    <a:lumMod val="95000"/>
+                  </a:schemeClr>
+                </a:solidFill>
+              </a:rPr>
+              <a:t>Limitations of JavaScript</a:t>
+            </a:r>
+          </a:p>
+          <a:p>
+            <a:pPr marL="285750" indent="-285750">
+              <a:lnSpc>
+                <a:spcPct val="150000"/>
+              </a:lnSpc>
+              <a:buFont typeface="Courier New" panose="02070309020205020404" pitchFamily="49" charset="0"/>
+              <a:buChar char="o"/>
+            </a:pPr>
+            <a:r>
+              <a:rPr lang="en-US" dirty="0">
+                <a:solidFill>
+                  <a:schemeClr val="bg1">
+                    <a:lumMod val="95000"/>
+                  </a:schemeClr>
+                </a:solidFill>
+              </a:rPr>
+              <a:t>Imperative vs Declarative JavaScript</a:t>
+            </a:r>
+          </a:p>
+          <a:p>
+            <a:pPr marL="285750" indent="-285750">
+              <a:lnSpc>
+                <a:spcPct val="150000"/>
+              </a:lnSpc>
+              <a:buFont typeface="Courier New" panose="02070309020205020404" pitchFamily="49" charset="0"/>
+              <a:buChar char="o"/>
+            </a:pPr>
+            <a:r>
+              <a:rPr lang="en-US" dirty="0">
+                <a:solidFill>
+                  <a:schemeClr val="bg1">
+                    <a:lumMod val="95000"/>
+                  </a:schemeClr>
+                </a:solidFill>
+              </a:rPr>
+              <a:t>JavaScript Development tools</a:t>
+            </a:r>
+          </a:p>
+          <a:p>
+            <a:pPr marL="285750" indent="-285750">
+              <a:lnSpc>
+                <a:spcPct val="150000"/>
+              </a:lnSpc>
+              <a:buFont typeface="Courier New" panose="02070309020205020404" pitchFamily="49" charset="0"/>
+              <a:buChar char="o"/>
+            </a:pPr>
+            <a:r>
+              <a:rPr lang="en-US" dirty="0">
+                <a:solidFill>
+                  <a:schemeClr val="bg1">
+                    <a:lumMod val="95000"/>
+                  </a:schemeClr>
+                </a:solidFill>
+              </a:rPr>
+              <a:t>JavaScript at the current time</a:t>
+            </a:r>
+            <a:endParaRPr lang="en-IN" dirty="0">
+              <a:solidFill>
+                <a:schemeClr val="bg1">
+                  <a:lumMod val="95000"/>
+                </a:schemeClr>
+              </a:solidFill>
+            </a:endParaRPr>
+          </a:p>
+          <a:p>
+            <a:pPr algn="ctr"/>
+            <a:endParaRPr lang="en-IN" dirty="0">
+              <a:solidFill>
+                <a:schemeClr val="bg1">
+                  <a:lumMod val="95000"/>
+                </a:schemeClr>
+              </a:solidFill>
+            </a:endParaRPr>
           </a:p>
         </p:txBody>
       </p:sp>
@@ -10590,7 +11684,7 @@
           <p:cNvPr id="3" name="TextBox 2">
             <a:extLst>
               <a:ext uri="{FF2B5EF4-FFF2-40B4-BE49-F238E27FC236}">
-                <a16:creationId xmlns:a16="http://schemas.microsoft.com/office/drawing/2014/main" xmlns="" id="{3D319B42-23F8-5263-DE6F-22326C838292}"/>
+                <a16:creationId xmlns:a16="http://schemas.microsoft.com/office/drawing/2014/main" id="{3BE32085-0497-60C5-6142-8DF6C2C12813}"/>
               </a:ext>
             </a:extLst>
           </p:cNvPr>
@@ -10643,7 +11737,7 @@
     </p:spTree>
     <p:extLst>
       <p:ext uri="{BB962C8B-B14F-4D97-AF65-F5344CB8AC3E}">
-        <p14:creationId xmlns:p14="http://schemas.microsoft.com/office/powerpoint/2010/main" xmlns="" val="3287175084"/>
+        <p14:creationId xmlns:p14="http://schemas.microsoft.com/office/powerpoint/2010/main" val="3287175084"/>
       </p:ext>
     </p:extLst>
   </p:cSld>
@@ -10653,7 +11747,7 @@
 </p:sld>
 </file>
 
-<file path=ppt/slides/slide19.xml><?xml version="1.0" encoding="utf-8"?>
+<file path=ppt/slides/slide20.xml><?xml version="1.0" encoding="utf-8"?>
 <p:sld xmlns:a="http://schemas.openxmlformats.org/drawingml/2006/main" xmlns:r="http://schemas.openxmlformats.org/officeDocument/2006/relationships" xmlns:p="http://schemas.openxmlformats.org/presentationml/2006/main">
   <p:cSld>
     <p:spTree>
@@ -10661,7 +11755,7 @@
         <p:cNvPr id="1" name="">
           <a:extLst>
             <a:ext uri="{FF2B5EF4-FFF2-40B4-BE49-F238E27FC236}">
-              <a16:creationId xmlns:a16="http://schemas.microsoft.com/office/drawing/2014/main" xmlns="" id="{C5637B91-7316-D738-42FD-B6F1CC38AB90}"/>
+              <a16:creationId xmlns:a16="http://schemas.microsoft.com/office/drawing/2014/main" id="{79B025B7-4DA3-A446-31EA-A5DEDC117DC5}"/>
             </a:ext>
           </a:extLst>
         </p:cNvPr>
@@ -10678,10 +11772,65 @@
       </p:grpSpPr>
       <p:sp>
         <p:nvSpPr>
+          <p:cNvPr id="9" name="Explosion: 14 Points 8">
+            <a:extLst>
+              <a:ext uri="{FF2B5EF4-FFF2-40B4-BE49-F238E27FC236}">
+                <a16:creationId xmlns:a16="http://schemas.microsoft.com/office/drawing/2014/main" id="{A4B9C08F-6C0C-1415-F17D-13C4B239276C}"/>
+              </a:ext>
+            </a:extLst>
+          </p:cNvPr>
+          <p:cNvSpPr/>
+          <p:nvPr/>
+        </p:nvSpPr>
+        <p:spPr>
+          <a:xfrm>
+            <a:off x="6420680" y="1919121"/>
+            <a:ext cx="3607904" cy="3607904"/>
+          </a:xfrm>
+          <a:prstGeom prst="irregularSeal2">
+            <a:avLst/>
+          </a:prstGeom>
+          <a:solidFill>
+            <a:schemeClr val="bg1">
+              <a:lumMod val="75000"/>
+              <a:lumOff val="25000"/>
+            </a:schemeClr>
+          </a:solidFill>
+          <a:ln>
+            <a:noFill/>
+          </a:ln>
+        </p:spPr>
+        <p:style>
+          <a:lnRef idx="2">
+            <a:schemeClr val="accent1">
+              <a:shade val="15000"/>
+            </a:schemeClr>
+          </a:lnRef>
+          <a:fillRef idx="1">
+            <a:schemeClr val="accent1"/>
+          </a:fillRef>
+          <a:effectRef idx="0">
+            <a:schemeClr val="accent1"/>
+          </a:effectRef>
+          <a:fontRef idx="minor">
+            <a:schemeClr val="lt1"/>
+          </a:fontRef>
+        </p:style>
+        <p:txBody>
+          <a:bodyPr rtlCol="0" anchor="ctr"/>
+          <a:lstStyle/>
+          <a:p>
+            <a:pPr algn="ctr"/>
+            <a:endParaRPr lang="en-IN"/>
+          </a:p>
+        </p:txBody>
+      </p:sp>
+      <p:sp>
+        <p:nvSpPr>
           <p:cNvPr id="2" name="Title 1">
             <a:extLst>
               <a:ext uri="{FF2B5EF4-FFF2-40B4-BE49-F238E27FC236}">
-                <a16:creationId xmlns:a16="http://schemas.microsoft.com/office/drawing/2014/main" xmlns="" id="{0BB42E27-7C22-C4E2-3B23-3F7F20980B00}"/>
+                <a16:creationId xmlns:a16="http://schemas.microsoft.com/office/drawing/2014/main" id="{E4C1AD32-8865-06CA-3080-307648FE0657}"/>
               </a:ext>
             </a:extLst>
           </p:cNvPr>
@@ -10694,7 +11843,648 @@
         </p:nvSpPr>
         <p:spPr>
           <a:xfrm>
-            <a:off x="198362" y="837317"/>
+            <a:off x="4591878" y="2411781"/>
+            <a:ext cx="6536635" cy="2780712"/>
+          </a:xfrm>
+          <a:noFill/>
+        </p:spPr>
+        <p:txBody>
+          <a:bodyPr anchor="ctr">
+            <a:normAutofit/>
+          </a:bodyPr>
+          <a:lstStyle/>
+          <a:p>
+            <a:pPr algn="ctr"/>
+            <a:r>
+              <a:rPr lang="en-US" sz="8000" b="1" dirty="0">
+                <a:solidFill>
+                  <a:schemeClr val="tx1"/>
+                </a:solidFill>
+                <a:latin typeface="Barlow Black" panose="00000A00000000000000" pitchFamily="2" charset="0"/>
+              </a:rPr>
+              <a:t>Chapter– 5</a:t>
+            </a:r>
+            <a:endParaRPr lang="en-IN" sz="8000" dirty="0">
+              <a:solidFill>
+                <a:schemeClr val="accent2">
+                  <a:lumMod val="60000"/>
+                  <a:lumOff val="40000"/>
+                </a:schemeClr>
+              </a:solidFill>
+              <a:latin typeface="Bahnschrift Light Condensed" pitchFamily="34" charset="0"/>
+            </a:endParaRPr>
+          </a:p>
+        </p:txBody>
+      </p:sp>
+      <p:sp>
+        <p:nvSpPr>
+          <p:cNvPr id="8" name="TextBox 7">
+            <a:extLst>
+              <a:ext uri="{FF2B5EF4-FFF2-40B4-BE49-F238E27FC236}">
+                <a16:creationId xmlns:a16="http://schemas.microsoft.com/office/drawing/2014/main" id="{94E32E50-5C96-6B3B-09CE-3381248CAB48}"/>
+              </a:ext>
+            </a:extLst>
+          </p:cNvPr>
+          <p:cNvSpPr txBox="1"/>
+          <p:nvPr/>
+        </p:nvSpPr>
+        <p:spPr>
+          <a:xfrm>
+            <a:off x="521177" y="6053391"/>
+            <a:ext cx="11584684" cy="646331"/>
+          </a:xfrm>
+          <a:prstGeom prst="rect">
+            <a:avLst/>
+          </a:prstGeom>
+          <a:noFill/>
+        </p:spPr>
+        <p:txBody>
+          <a:bodyPr wrap="square" rtlCol="0">
+            <a:spAutoFit/>
+          </a:bodyPr>
+          <a:lstStyle/>
+          <a:p>
+            <a:pPr algn="r"/>
+            <a:r>
+              <a:rPr lang="en-US" b="1" dirty="0">
+                <a:solidFill>
+                  <a:schemeClr val="tx1">
+                    <a:lumMod val="95000"/>
+                  </a:schemeClr>
+                </a:solidFill>
+              </a:rPr>
+              <a:t>By - </a:t>
+            </a:r>
+            <a:r>
+              <a:rPr lang="en-US" b="1" dirty="0">
+                <a:solidFill>
+                  <a:schemeClr val="tx1">
+                    <a:lumMod val="95000"/>
+                  </a:schemeClr>
+                </a:solidFill>
+                <a:latin typeface="Bahnschrift Light" panose="020B0502040204020203" pitchFamily="34" charset="0"/>
+              </a:rPr>
+              <a:t>Gautam Kumar</a:t>
+            </a:r>
+            <a:br>
+              <a:rPr lang="en-US" b="1" dirty="0">
+                <a:solidFill>
+                  <a:schemeClr val="tx1">
+                    <a:lumMod val="95000"/>
+                  </a:schemeClr>
+                </a:solidFill>
+                <a:latin typeface="Bahnschrift Light" panose="020B0502040204020203" pitchFamily="34" charset="0"/>
+              </a:rPr>
+            </a:br>
+            <a:r>
+              <a:rPr lang="en-US" b="1" dirty="0">
+                <a:solidFill>
+                  <a:schemeClr val="tx1">
+                    <a:lumMod val="95000"/>
+                  </a:schemeClr>
+                </a:solidFill>
+              </a:rPr>
+              <a:t>u</a:t>
+            </a:r>
+            <a:r>
+              <a:rPr lang="en-US" dirty="0">
+                <a:solidFill>
+                  <a:schemeClr val="tx1">
+                    <a:lumMod val="95000"/>
+                  </a:schemeClr>
+                </a:solidFill>
+              </a:rPr>
+              <a:t>idhtml.com</a:t>
+            </a:r>
+            <a:endParaRPr lang="en-IN" dirty="0">
+              <a:solidFill>
+                <a:schemeClr val="tx1">
+                  <a:lumMod val="95000"/>
+                </a:schemeClr>
+              </a:solidFill>
+            </a:endParaRPr>
+          </a:p>
+        </p:txBody>
+      </p:sp>
+      <p:sp>
+        <p:nvSpPr>
+          <p:cNvPr id="6" name="TextBox 5">
+            <a:extLst>
+              <a:ext uri="{FF2B5EF4-FFF2-40B4-BE49-F238E27FC236}">
+                <a16:creationId xmlns:a16="http://schemas.microsoft.com/office/drawing/2014/main" id="{A8FE787F-2B83-4190-C4A4-D0B28CC9B81C}"/>
+              </a:ext>
+            </a:extLst>
+          </p:cNvPr>
+          <p:cNvSpPr txBox="1"/>
+          <p:nvPr/>
+        </p:nvSpPr>
+        <p:spPr>
+          <a:xfrm>
+            <a:off x="521177" y="1482838"/>
+            <a:ext cx="6102626" cy="4241033"/>
+          </a:xfrm>
+          <a:prstGeom prst="rect">
+            <a:avLst/>
+          </a:prstGeom>
+          <a:noFill/>
+        </p:spPr>
+        <p:txBody>
+          <a:bodyPr wrap="square">
+            <a:spAutoFit/>
+          </a:bodyPr>
+          <a:lstStyle/>
+          <a:p>
+            <a:r>
+              <a:rPr lang="en-US" sz="5400" b="1" dirty="0">
+                <a:solidFill>
+                  <a:srgbClr val="FFFF00"/>
+                </a:solidFill>
+                <a:latin typeface="Montserrat ExtraLight" panose="00000300000000000000" pitchFamily="2" charset="0"/>
+              </a:rPr>
+              <a:t>Variables</a:t>
+            </a:r>
+            <a:br>
+              <a:rPr lang="en-US" sz="4000" b="1" dirty="0"/>
+            </a:br>
+            <a:r>
+              <a:rPr lang="en-US" sz="3600" b="1" dirty="0"/>
+              <a:t>Topics</a:t>
+            </a:r>
+          </a:p>
+          <a:p>
+            <a:pPr marL="285750" indent="-285750">
+              <a:lnSpc>
+                <a:spcPct val="150000"/>
+              </a:lnSpc>
+              <a:buFont typeface="Courier New" panose="02070309020205020404" pitchFamily="49" charset="0"/>
+              <a:buChar char="o"/>
+            </a:pPr>
+            <a:r>
+              <a:rPr lang="en-US" sz="2400" dirty="0"/>
+              <a:t>What are var, let, and const?</a:t>
+            </a:r>
+          </a:p>
+          <a:p>
+            <a:pPr marL="285750" indent="-285750">
+              <a:lnSpc>
+                <a:spcPct val="150000"/>
+              </a:lnSpc>
+              <a:buFont typeface="Courier New" panose="02070309020205020404" pitchFamily="49" charset="0"/>
+              <a:buChar char="o"/>
+            </a:pPr>
+            <a:r>
+              <a:rPr lang="en-IN" sz="2400" dirty="0"/>
+              <a:t>What is Hoisting</a:t>
+            </a:r>
+          </a:p>
+          <a:p>
+            <a:pPr marL="285750" indent="-285750">
+              <a:lnSpc>
+                <a:spcPct val="150000"/>
+              </a:lnSpc>
+              <a:buFont typeface="Courier New" panose="02070309020205020404" pitchFamily="49" charset="0"/>
+              <a:buChar char="o"/>
+            </a:pPr>
+            <a:r>
+              <a:rPr lang="en-IN" sz="2400" dirty="0"/>
+              <a:t>Undefined vs not-defined</a:t>
+            </a:r>
+          </a:p>
+          <a:p>
+            <a:pPr marL="285750" indent="-285750">
+              <a:lnSpc>
+                <a:spcPct val="150000"/>
+              </a:lnSpc>
+              <a:buFont typeface="Courier New" panose="02070309020205020404" pitchFamily="49" charset="0"/>
+              <a:buChar char="o"/>
+            </a:pPr>
+            <a:r>
+              <a:rPr lang="en-IN" sz="2400" dirty="0"/>
+              <a:t>Hoisting arrow function</a:t>
+            </a:r>
+          </a:p>
+          <a:p>
+            <a:pPr marL="285750" indent="-285750">
+              <a:lnSpc>
+                <a:spcPct val="150000"/>
+              </a:lnSpc>
+              <a:buFont typeface="Courier New" panose="02070309020205020404" pitchFamily="49" charset="0"/>
+              <a:buChar char="o"/>
+            </a:pPr>
+            <a:r>
+              <a:rPr lang="en-IN" sz="2400" dirty="0"/>
+              <a:t>What is the call stack and how it works</a:t>
+            </a:r>
+          </a:p>
+        </p:txBody>
+      </p:sp>
+      <p:sp>
+        <p:nvSpPr>
+          <p:cNvPr id="7" name="TextBox 6">
+            <a:extLst>
+              <a:ext uri="{FF2B5EF4-FFF2-40B4-BE49-F238E27FC236}">
+                <a16:creationId xmlns:a16="http://schemas.microsoft.com/office/drawing/2014/main" id="{36F89629-A747-61BA-C9F7-7820142FC641}"/>
+              </a:ext>
+            </a:extLst>
+          </p:cNvPr>
+          <p:cNvSpPr txBox="1"/>
+          <p:nvPr/>
+        </p:nvSpPr>
+        <p:spPr>
+          <a:xfrm>
+            <a:off x="-49697" y="-23017"/>
+            <a:ext cx="12291392" cy="769441"/>
+          </a:xfrm>
+          <a:prstGeom prst="rect">
+            <a:avLst/>
+          </a:prstGeom>
+          <a:solidFill>
+            <a:schemeClr val="bg1">
+              <a:lumMod val="85000"/>
+              <a:lumOff val="15000"/>
+            </a:schemeClr>
+          </a:solidFill>
+        </p:spPr>
+        <p:txBody>
+          <a:bodyPr wrap="square" rtlCol="0">
+            <a:spAutoFit/>
+          </a:bodyPr>
+          <a:lstStyle/>
+          <a:p>
+            <a:pPr algn="ctr"/>
+            <a:r>
+              <a:rPr lang="en-US" sz="4400" dirty="0">
+                <a:latin typeface="Montserrat ExtraBold" panose="00000900000000000000" pitchFamily="2" charset="0"/>
+              </a:rPr>
+              <a:t>JavaScript</a:t>
+            </a:r>
+            <a:r>
+              <a:rPr lang="en-US" sz="4400" dirty="0">
+                <a:latin typeface="Montserrat ExtraLight" panose="00000300000000000000" pitchFamily="2" charset="0"/>
+              </a:rPr>
+              <a:t> Tutorials</a:t>
+            </a:r>
+            <a:endParaRPr lang="en-IN" sz="4400" dirty="0">
+              <a:latin typeface="Montserrat ExtraLight" panose="00000300000000000000" pitchFamily="2" charset="0"/>
+            </a:endParaRPr>
+          </a:p>
+        </p:txBody>
+      </p:sp>
+      <p:sp>
+        <p:nvSpPr>
+          <p:cNvPr id="3" name="TextBox 2">
+            <a:extLst>
+              <a:ext uri="{FF2B5EF4-FFF2-40B4-BE49-F238E27FC236}">
+                <a16:creationId xmlns:a16="http://schemas.microsoft.com/office/drawing/2014/main" id="{B852B927-5257-F948-0DCA-B390F79696A0}"/>
+              </a:ext>
+            </a:extLst>
+          </p:cNvPr>
+          <p:cNvSpPr txBox="1"/>
+          <p:nvPr/>
+        </p:nvSpPr>
+        <p:spPr>
+          <a:xfrm>
+            <a:off x="6544291" y="5346646"/>
+            <a:ext cx="2985113" cy="923330"/>
+          </a:xfrm>
+          <a:prstGeom prst="rect">
+            <a:avLst/>
+          </a:prstGeom>
+          <a:noFill/>
+        </p:spPr>
+        <p:txBody>
+          <a:bodyPr wrap="none" rtlCol="0">
+            <a:spAutoFit/>
+          </a:bodyPr>
+          <a:lstStyle/>
+          <a:p>
+            <a:r>
+              <a:rPr lang="en-US" sz="5400" dirty="0">
+                <a:solidFill>
+                  <a:srgbClr val="FFFF00"/>
+                </a:solidFill>
+                <a:effectLst>
+                  <a:outerShdw blurRad="63500" dist="63500" dir="3900000" algn="ctr" rotWithShape="0">
+                    <a:schemeClr val="bg1"/>
+                  </a:outerShdw>
+                </a:effectLst>
+                <a:latin typeface="ADLaM Display" panose="02010000000000000000" pitchFamily="2" charset="0"/>
+                <a:ea typeface="ADLaM Display" panose="02010000000000000000" pitchFamily="2" charset="0"/>
+                <a:cs typeface="ADLaM Display" panose="02010000000000000000" pitchFamily="2" charset="0"/>
+              </a:rPr>
+              <a:t>Hoisting</a:t>
+            </a:r>
+            <a:endParaRPr lang="en-IN" sz="5400" dirty="0">
+              <a:solidFill>
+                <a:srgbClr val="FFFF00"/>
+              </a:solidFill>
+              <a:effectLst>
+                <a:outerShdw blurRad="63500" dist="63500" dir="3900000" algn="ctr" rotWithShape="0">
+                  <a:schemeClr val="bg1"/>
+                </a:outerShdw>
+              </a:effectLst>
+              <a:latin typeface="ADLaM Display" panose="02010000000000000000" pitchFamily="2" charset="0"/>
+              <a:ea typeface="ADLaM Display" panose="02010000000000000000" pitchFamily="2" charset="0"/>
+              <a:cs typeface="ADLaM Display" panose="02010000000000000000" pitchFamily="2" charset="0"/>
+            </a:endParaRPr>
+          </a:p>
+        </p:txBody>
+      </p:sp>
+      <p:sp>
+        <p:nvSpPr>
+          <p:cNvPr id="11" name="TextBox 10">
+            <a:extLst>
+              <a:ext uri="{FF2B5EF4-FFF2-40B4-BE49-F238E27FC236}">
+                <a16:creationId xmlns:a16="http://schemas.microsoft.com/office/drawing/2014/main" id="{308D0D1D-C348-9043-2A3C-F5E8462CC473}"/>
+              </a:ext>
+            </a:extLst>
+          </p:cNvPr>
+          <p:cNvSpPr txBox="1"/>
+          <p:nvPr/>
+        </p:nvSpPr>
+        <p:spPr>
+          <a:xfrm>
+            <a:off x="5482118" y="1880403"/>
+            <a:ext cx="2047355" cy="584775"/>
+          </a:xfrm>
+          <a:prstGeom prst="rect">
+            <a:avLst/>
+          </a:prstGeom>
+          <a:noFill/>
+        </p:spPr>
+        <p:txBody>
+          <a:bodyPr wrap="none" rtlCol="0">
+            <a:spAutoFit/>
+          </a:bodyPr>
+          <a:lstStyle/>
+          <a:p>
+            <a:r>
+              <a:rPr lang="en-US" sz="3200" dirty="0">
+                <a:solidFill>
+                  <a:srgbClr val="FFFF00"/>
+                </a:solidFill>
+                <a:effectLst>
+                  <a:outerShdw blurRad="63500" dist="63500" dir="3900000" algn="ctr" rotWithShape="0">
+                    <a:schemeClr val="bg1"/>
+                  </a:outerShdw>
+                </a:effectLst>
+                <a:latin typeface="ADLaM Display" panose="02010000000000000000" pitchFamily="2" charset="0"/>
+                <a:ea typeface="ADLaM Display" panose="02010000000000000000" pitchFamily="2" charset="0"/>
+                <a:cs typeface="ADLaM Display" panose="02010000000000000000" pitchFamily="2" charset="0"/>
+              </a:rPr>
+              <a:t>Call stack</a:t>
+            </a:r>
+            <a:endParaRPr lang="en-IN" sz="3200" dirty="0">
+              <a:solidFill>
+                <a:srgbClr val="FFFF00"/>
+              </a:solidFill>
+              <a:effectLst>
+                <a:outerShdw blurRad="63500" dist="63500" dir="3900000" algn="ctr" rotWithShape="0">
+                  <a:schemeClr val="bg1"/>
+                </a:outerShdw>
+              </a:effectLst>
+              <a:latin typeface="ADLaM Display" panose="02010000000000000000" pitchFamily="2" charset="0"/>
+              <a:ea typeface="ADLaM Display" panose="02010000000000000000" pitchFamily="2" charset="0"/>
+              <a:cs typeface="ADLaM Display" panose="02010000000000000000" pitchFamily="2" charset="0"/>
+            </a:endParaRPr>
+          </a:p>
+        </p:txBody>
+      </p:sp>
+      <p:sp>
+        <p:nvSpPr>
+          <p:cNvPr id="12" name="TextBox 11">
+            <a:extLst>
+              <a:ext uri="{FF2B5EF4-FFF2-40B4-BE49-F238E27FC236}">
+                <a16:creationId xmlns:a16="http://schemas.microsoft.com/office/drawing/2014/main" id="{0592EDF6-78EF-EB15-B201-CE5E3A8450E3}"/>
+              </a:ext>
+            </a:extLst>
+          </p:cNvPr>
+          <p:cNvSpPr txBox="1"/>
+          <p:nvPr/>
+        </p:nvSpPr>
+        <p:spPr>
+          <a:xfrm>
+            <a:off x="6068818" y="2533088"/>
+            <a:ext cx="2932213" cy="523220"/>
+          </a:xfrm>
+          <a:prstGeom prst="rect">
+            <a:avLst/>
+          </a:prstGeom>
+          <a:noFill/>
+        </p:spPr>
+        <p:txBody>
+          <a:bodyPr wrap="none" rtlCol="0">
+            <a:spAutoFit/>
+          </a:bodyPr>
+          <a:lstStyle/>
+          <a:p>
+            <a:r>
+              <a:rPr lang="en-US" sz="2800" dirty="0">
+                <a:solidFill>
+                  <a:srgbClr val="FFFF00"/>
+                </a:solidFill>
+                <a:effectLst>
+                  <a:outerShdw blurRad="63500" dist="63500" dir="3900000" algn="ctr" rotWithShape="0">
+                    <a:schemeClr val="bg1"/>
+                  </a:outerShdw>
+                </a:effectLst>
+                <a:latin typeface="ADLaM Display" panose="02010000000000000000" pitchFamily="2" charset="0"/>
+                <a:ea typeface="ADLaM Display" panose="02010000000000000000" pitchFamily="2" charset="0"/>
+                <a:cs typeface="ADLaM Display" panose="02010000000000000000" pitchFamily="2" charset="0"/>
+              </a:rPr>
+              <a:t>Function scopes</a:t>
+            </a:r>
+            <a:endParaRPr lang="en-IN" sz="2800" dirty="0">
+              <a:solidFill>
+                <a:srgbClr val="FFFF00"/>
+              </a:solidFill>
+              <a:effectLst>
+                <a:outerShdw blurRad="63500" dist="63500" dir="3900000" algn="ctr" rotWithShape="0">
+                  <a:schemeClr val="bg1"/>
+                </a:outerShdw>
+              </a:effectLst>
+              <a:latin typeface="ADLaM Display" panose="02010000000000000000" pitchFamily="2" charset="0"/>
+              <a:ea typeface="ADLaM Display" panose="02010000000000000000" pitchFamily="2" charset="0"/>
+              <a:cs typeface="ADLaM Display" panose="02010000000000000000" pitchFamily="2" charset="0"/>
+            </a:endParaRPr>
+          </a:p>
+        </p:txBody>
+      </p:sp>
+      <p:sp>
+        <p:nvSpPr>
+          <p:cNvPr id="13" name="TextBox 12">
+            <a:extLst>
+              <a:ext uri="{FF2B5EF4-FFF2-40B4-BE49-F238E27FC236}">
+                <a16:creationId xmlns:a16="http://schemas.microsoft.com/office/drawing/2014/main" id="{07F3D46B-3FB5-00BB-D736-9AA0BB944406}"/>
+              </a:ext>
+            </a:extLst>
+          </p:cNvPr>
+          <p:cNvSpPr txBox="1"/>
+          <p:nvPr/>
+        </p:nvSpPr>
+        <p:spPr>
+          <a:xfrm>
+            <a:off x="8372495" y="1728899"/>
+            <a:ext cx="2206053" cy="523220"/>
+          </a:xfrm>
+          <a:prstGeom prst="rect">
+            <a:avLst/>
+          </a:prstGeom>
+          <a:noFill/>
+        </p:spPr>
+        <p:txBody>
+          <a:bodyPr wrap="none" rtlCol="0">
+            <a:spAutoFit/>
+          </a:bodyPr>
+          <a:lstStyle/>
+          <a:p>
+            <a:r>
+              <a:rPr lang="en-US" sz="2800" dirty="0">
+                <a:solidFill>
+                  <a:srgbClr val="FFFF00"/>
+                </a:solidFill>
+                <a:effectLst>
+                  <a:outerShdw blurRad="63500" dist="63500" dir="3900000" algn="ctr" rotWithShape="0">
+                    <a:schemeClr val="bg1"/>
+                  </a:outerShdw>
+                </a:effectLst>
+                <a:latin typeface="ADLaM Display" panose="02010000000000000000" pitchFamily="2" charset="0"/>
+                <a:ea typeface="ADLaM Display" panose="02010000000000000000" pitchFamily="2" charset="0"/>
+                <a:cs typeface="ADLaM Display" panose="02010000000000000000" pitchFamily="2" charset="0"/>
+              </a:rPr>
+              <a:t>Block scope</a:t>
+            </a:r>
+            <a:endParaRPr lang="en-IN" sz="2800" dirty="0">
+              <a:solidFill>
+                <a:srgbClr val="FFFF00"/>
+              </a:solidFill>
+              <a:effectLst>
+                <a:outerShdw blurRad="63500" dist="63500" dir="3900000" algn="ctr" rotWithShape="0">
+                  <a:schemeClr val="bg1"/>
+                </a:outerShdw>
+              </a:effectLst>
+              <a:latin typeface="ADLaM Display" panose="02010000000000000000" pitchFamily="2" charset="0"/>
+              <a:ea typeface="ADLaM Display" panose="02010000000000000000" pitchFamily="2" charset="0"/>
+              <a:cs typeface="ADLaM Display" panose="02010000000000000000" pitchFamily="2" charset="0"/>
+            </a:endParaRPr>
+          </a:p>
+        </p:txBody>
+      </p:sp>
+      <p:sp>
+        <p:nvSpPr>
+          <p:cNvPr id="14" name="TextBox 13">
+            <a:extLst>
+              <a:ext uri="{FF2B5EF4-FFF2-40B4-BE49-F238E27FC236}">
+                <a16:creationId xmlns:a16="http://schemas.microsoft.com/office/drawing/2014/main" id="{09B555CF-B639-431F-43B2-2FC58FFBF425}"/>
+              </a:ext>
+            </a:extLst>
+          </p:cNvPr>
+          <p:cNvSpPr txBox="1"/>
+          <p:nvPr/>
+        </p:nvSpPr>
+        <p:spPr>
+          <a:xfrm>
+            <a:off x="7383443" y="4767696"/>
+            <a:ext cx="3195105" cy="523220"/>
+          </a:xfrm>
+          <a:prstGeom prst="rect">
+            <a:avLst/>
+          </a:prstGeom>
+          <a:noFill/>
+        </p:spPr>
+        <p:txBody>
+          <a:bodyPr wrap="none" rtlCol="0">
+            <a:spAutoFit/>
+          </a:bodyPr>
+          <a:lstStyle/>
+          <a:p>
+            <a:r>
+              <a:rPr lang="en-US" sz="2800" dirty="0">
+                <a:solidFill>
+                  <a:srgbClr val="FFFF00"/>
+                </a:solidFill>
+                <a:effectLst>
+                  <a:outerShdw blurRad="63500" dist="63500" dir="3900000" algn="ctr" rotWithShape="0">
+                    <a:schemeClr val="bg1"/>
+                  </a:outerShdw>
+                </a:effectLst>
+                <a:latin typeface="ADLaM Display" panose="02010000000000000000" pitchFamily="2" charset="0"/>
+                <a:ea typeface="ADLaM Display" panose="02010000000000000000" pitchFamily="2" charset="0"/>
+                <a:cs typeface="ADLaM Display" panose="02010000000000000000" pitchFamily="2" charset="0"/>
+              </a:rPr>
+              <a:t>Var, let and const</a:t>
+            </a:r>
+            <a:endParaRPr lang="en-IN" sz="2800" dirty="0">
+              <a:solidFill>
+                <a:srgbClr val="FFFF00"/>
+              </a:solidFill>
+              <a:effectLst>
+                <a:outerShdw blurRad="63500" dist="63500" dir="3900000" algn="ctr" rotWithShape="0">
+                  <a:schemeClr val="bg1"/>
+                </a:outerShdw>
+              </a:effectLst>
+              <a:latin typeface="ADLaM Display" panose="02010000000000000000" pitchFamily="2" charset="0"/>
+              <a:ea typeface="ADLaM Display" panose="02010000000000000000" pitchFamily="2" charset="0"/>
+              <a:cs typeface="ADLaM Display" panose="02010000000000000000" pitchFamily="2" charset="0"/>
+            </a:endParaRPr>
+          </a:p>
+        </p:txBody>
+      </p:sp>
+    </p:spTree>
+    <p:extLst>
+      <p:ext uri="{BB962C8B-B14F-4D97-AF65-F5344CB8AC3E}">
+        <p14:creationId xmlns:p14="http://schemas.microsoft.com/office/powerpoint/2010/main" val="1906364119"/>
+      </p:ext>
+    </p:extLst>
+  </p:cSld>
+  <p:clrMapOvr>
+    <a:masterClrMapping/>
+  </p:clrMapOvr>
+</p:sld>
+</file>
+
+<file path=ppt/slides/slide21.xml><?xml version="1.0" encoding="utf-8"?>
+<p:sld xmlns:a="http://schemas.openxmlformats.org/drawingml/2006/main" xmlns:r="http://schemas.openxmlformats.org/officeDocument/2006/relationships" xmlns:p="http://schemas.openxmlformats.org/presentationml/2006/main">
+  <p:cSld>
+    <p:spTree>
+      <p:nvGrpSpPr>
+        <p:cNvPr id="1" name="">
+          <a:extLst>
+            <a:ext uri="{FF2B5EF4-FFF2-40B4-BE49-F238E27FC236}">
+              <a16:creationId xmlns:a16="http://schemas.microsoft.com/office/drawing/2014/main" id="{4586E9D7-F5F8-14CC-9DF6-FC4AF2EA4249}"/>
+            </a:ext>
+          </a:extLst>
+        </p:cNvPr>
+        <p:cNvGrpSpPr/>
+        <p:nvPr/>
+      </p:nvGrpSpPr>
+      <p:grpSpPr>
+        <a:xfrm>
+          <a:off x="0" y="0"/>
+          <a:ext cx="0" cy="0"/>
+          <a:chOff x="0" y="0"/>
+          <a:chExt cx="0" cy="0"/>
+        </a:xfrm>
+      </p:grpSpPr>
+      <p:sp>
+        <p:nvSpPr>
+          <p:cNvPr id="2" name="Title 1">
+            <a:extLst>
+              <a:ext uri="{FF2B5EF4-FFF2-40B4-BE49-F238E27FC236}">
+                <a16:creationId xmlns:a16="http://schemas.microsoft.com/office/drawing/2014/main" id="{D8B67155-694F-FF61-7CDD-33A20A316215}"/>
+              </a:ext>
+            </a:extLst>
+          </p:cNvPr>
+          <p:cNvSpPr>
+            <a:spLocks noGrp="1"/>
+          </p:cNvSpPr>
+          <p:nvPr>
+            <p:ph type="title"/>
+          </p:nvPr>
+        </p:nvSpPr>
+        <p:spPr>
+          <a:xfrm>
+            <a:off x="198363" y="597199"/>
             <a:ext cx="8596668" cy="666407"/>
           </a:xfrm>
         </p:spPr>
@@ -10709,7 +12499,25 @@
                 </a:solidFill>
                 <a:latin typeface="Bahnschrift SemiLight" pitchFamily="34" charset="0"/>
               </a:rPr>
-              <a:t>Literal in JavaScript</a:t>
+              <a:t>What are </a:t>
+            </a:r>
+            <a:r>
+              <a:rPr lang="en-US" b="1" dirty="0" err="1">
+                <a:solidFill>
+                  <a:schemeClr val="tx1"/>
+                </a:solidFill>
+                <a:latin typeface="Bahnschrift SemiLight" pitchFamily="34" charset="0"/>
+              </a:rPr>
+              <a:t>var</a:t>
+            </a:r>
+            <a:r>
+              <a:rPr lang="en-US" b="1" dirty="0">
+                <a:solidFill>
+                  <a:schemeClr val="tx1"/>
+                </a:solidFill>
+                <a:latin typeface="Bahnschrift SemiLight" pitchFamily="34" charset="0"/>
+              </a:rPr>
+              <a:t>, let and const?</a:t>
             </a:r>
           </a:p>
         </p:txBody>
@@ -10719,7 +12527,7 @@
           <p:cNvPr id="3" name="Content Placeholder 2">
             <a:extLst>
               <a:ext uri="{FF2B5EF4-FFF2-40B4-BE49-F238E27FC236}">
-                <a16:creationId xmlns:a16="http://schemas.microsoft.com/office/drawing/2014/main" xmlns="" id="{514ACDD6-0D2B-0B03-F18B-91318DCF7D9A}"/>
+                <a16:creationId xmlns:a16="http://schemas.microsoft.com/office/drawing/2014/main" id="{2A53D2DA-721D-FC7E-8E09-BCBD844B6F9F}"/>
               </a:ext>
             </a:extLst>
           </p:cNvPr>
@@ -10732,8 +12540,8 @@
         </p:nvSpPr>
         <p:spPr>
           <a:xfrm>
-            <a:off x="198362" y="1537549"/>
-            <a:ext cx="8115673" cy="5424577"/>
+            <a:off x="233198" y="1259254"/>
+            <a:ext cx="7502570" cy="1160096"/>
           </a:xfrm>
         </p:spPr>
         <p:txBody>
@@ -10742,277 +12550,34 @@
           </a:bodyPr>
           <a:lstStyle/>
           <a:p>
-            <a:r>
-              <a:rPr lang="en-US" sz="2000" dirty="0">
-                <a:solidFill>
-                  <a:schemeClr val="accent2">
-                    <a:lumMod val="40000"/>
-                    <a:lumOff val="60000"/>
-                  </a:schemeClr>
-                </a:solidFill>
-              </a:rPr>
-              <a:t>Single line comment</a:t>
-            </a:r>
-            <a:r>
-              <a:rPr lang="en-US" sz="2000" dirty="0"/>
-              <a:t/>
-            </a:r>
-            <a:br>
-              <a:rPr lang="en-US" sz="2000" dirty="0"/>
-            </a:br>
-            <a:r>
-              <a:rPr lang="en-US" sz="2000" dirty="0"/>
-              <a:t/>
-            </a:r>
-            <a:br>
-              <a:rPr lang="en-US" sz="2000" dirty="0"/>
-            </a:br>
-            <a:r>
-              <a:rPr lang="en-US" sz="2000" dirty="0">
-                <a:solidFill>
-                  <a:schemeClr val="tx1">
-                    <a:lumMod val="50000"/>
-                  </a:schemeClr>
-                </a:solidFill>
-              </a:rPr>
-              <a:t>// This is single-line comment to the code</a:t>
-            </a:r>
-            <a:br>
-              <a:rPr lang="en-US" sz="2000" dirty="0">
-                <a:solidFill>
-                  <a:schemeClr val="tx1">
-                    <a:lumMod val="50000"/>
-                  </a:schemeClr>
-                </a:solidFill>
-              </a:rPr>
-            </a:br>
-            <a:r>
-              <a:rPr lang="en-US" sz="2000" dirty="0">
-                <a:solidFill>
-                  <a:schemeClr val="tx1"/>
-                </a:solidFill>
-              </a:rPr>
-              <a:t>let x = 20;</a:t>
-            </a:r>
-            <a:br>
-              <a:rPr lang="en-US" sz="2000" dirty="0">
-                <a:solidFill>
-                  <a:schemeClr val="tx1"/>
-                </a:solidFill>
-              </a:rPr>
-            </a:br>
-            <a:r>
-              <a:rPr lang="en-US" sz="2000" dirty="0">
-                <a:solidFill>
-                  <a:schemeClr val="tx1"/>
-                </a:solidFill>
-              </a:rPr>
-              <a:t/>
-            </a:r>
-            <a:br>
-              <a:rPr lang="en-US" sz="2000" dirty="0">
-                <a:solidFill>
-                  <a:schemeClr val="tx1"/>
-                </a:solidFill>
-              </a:rPr>
-            </a:br>
-            <a:endParaRPr lang="en-US" sz="2000" dirty="0">
-              <a:solidFill>
-                <a:schemeClr val="tx1"/>
-              </a:solidFill>
-            </a:endParaRPr>
-          </a:p>
-          <a:p>
-            <a:r>
-              <a:rPr lang="en-US" sz="2000" dirty="0">
-                <a:solidFill>
-                  <a:schemeClr val="accent2">
-                    <a:lumMod val="40000"/>
-                    <a:lumOff val="60000"/>
-                  </a:schemeClr>
-                </a:solidFill>
-              </a:rPr>
-              <a:t>Inline comment</a:t>
-            </a:r>
-            <a:r>
-              <a:rPr lang="en-US" sz="2000" dirty="0"/>
-              <a:t/>
-            </a:r>
-            <a:br>
-              <a:rPr lang="en-US" sz="2000" dirty="0"/>
-            </a:br>
-            <a:r>
-              <a:rPr lang="en-US" sz="2000" dirty="0"/>
-              <a:t>let x = 20; </a:t>
-            </a:r>
-            <a:r>
-              <a:rPr lang="en-US" sz="2000" dirty="0">
-                <a:solidFill>
-                  <a:schemeClr val="tx1">
-                    <a:lumMod val="50000"/>
-                  </a:schemeClr>
-                </a:solidFill>
-              </a:rPr>
-              <a:t>// This is inline comment</a:t>
-            </a:r>
-            <a:br>
-              <a:rPr lang="en-US" sz="2000" dirty="0">
-                <a:solidFill>
-                  <a:schemeClr val="tx1">
-                    <a:lumMod val="50000"/>
-                  </a:schemeClr>
-                </a:solidFill>
-              </a:rPr>
-            </a:br>
-            <a:r>
-              <a:rPr lang="en-US" sz="2000" dirty="0">
-                <a:solidFill>
-                  <a:schemeClr val="tx1">
-                    <a:lumMod val="50000"/>
-                  </a:schemeClr>
-                </a:solidFill>
-              </a:rPr>
-              <a:t/>
-            </a:r>
-            <a:br>
-              <a:rPr lang="en-US" sz="2000" dirty="0">
-                <a:solidFill>
-                  <a:schemeClr val="tx1">
-                    <a:lumMod val="50000"/>
-                  </a:schemeClr>
-                </a:solidFill>
-              </a:rPr>
-            </a:br>
-            <a:endParaRPr lang="en-US" sz="2000" dirty="0">
-              <a:solidFill>
-                <a:schemeClr val="tx1">
-                  <a:lumMod val="50000"/>
-                </a:schemeClr>
-              </a:solidFill>
-            </a:endParaRPr>
-          </a:p>
-          <a:p>
-            <a:r>
-              <a:rPr lang="en-US" sz="2000" dirty="0">
-                <a:solidFill>
-                  <a:schemeClr val="accent2">
-                    <a:lumMod val="40000"/>
-                    <a:lumOff val="60000"/>
-                  </a:schemeClr>
-                </a:solidFill>
-              </a:rPr>
-              <a:t>Multiline comment</a:t>
-            </a:r>
-            <a:r>
-              <a:rPr lang="en-US" sz="2000" dirty="0"/>
-              <a:t/>
-            </a:r>
-            <a:br>
-              <a:rPr lang="en-US" sz="2000" dirty="0"/>
-            </a:br>
-            <a:r>
-              <a:rPr lang="en-US" sz="2000" dirty="0">
-                <a:solidFill>
-                  <a:schemeClr val="tx1">
-                    <a:lumMod val="50000"/>
-                  </a:schemeClr>
-                </a:solidFill>
-              </a:rPr>
-              <a:t>/*</a:t>
-            </a:r>
-            <a:br>
-              <a:rPr lang="en-US" sz="2000" dirty="0">
-                <a:solidFill>
-                  <a:schemeClr val="tx1">
-                    <a:lumMod val="50000"/>
-                  </a:schemeClr>
-                </a:solidFill>
-              </a:rPr>
-            </a:br>
-            <a:r>
-              <a:rPr lang="en-US" sz="2000" dirty="0">
-                <a:solidFill>
-                  <a:schemeClr val="tx1">
-                    <a:lumMod val="50000"/>
-                  </a:schemeClr>
-                </a:solidFill>
-              </a:rPr>
-              <a:t>		This is a multi-line comment for JavaScript code.</a:t>
-            </a:r>
-            <a:br>
-              <a:rPr lang="en-US" sz="2000" dirty="0">
-                <a:solidFill>
-                  <a:schemeClr val="tx1">
-                    <a:lumMod val="50000"/>
-                  </a:schemeClr>
-                </a:solidFill>
-              </a:rPr>
-            </a:br>
-            <a:r>
-              <a:rPr lang="en-US" sz="2000" dirty="0">
-                <a:solidFill>
-                  <a:schemeClr val="tx1">
-                    <a:lumMod val="50000"/>
-                  </a:schemeClr>
-                </a:solidFill>
-              </a:rPr>
-              <a:t>		This is very useful whenever you want to organize your </a:t>
-            </a:r>
-            <a:br>
-              <a:rPr lang="en-US" sz="2000" dirty="0">
-                <a:solidFill>
-                  <a:schemeClr val="tx1">
-                    <a:lumMod val="50000"/>
-                  </a:schemeClr>
-                </a:solidFill>
-              </a:rPr>
-            </a:br>
-            <a:r>
-              <a:rPr lang="en-US" sz="2000" dirty="0">
-                <a:solidFill>
-                  <a:schemeClr val="tx1">
-                    <a:lumMod val="50000"/>
-                  </a:schemeClr>
-                </a:solidFill>
-              </a:rPr>
-              <a:t>		JavaScript comments.</a:t>
-            </a:r>
-            <a:br>
-              <a:rPr lang="en-US" sz="2000" dirty="0">
-                <a:solidFill>
-                  <a:schemeClr val="tx1">
-                    <a:lumMod val="50000"/>
-                  </a:schemeClr>
-                </a:solidFill>
-              </a:rPr>
-            </a:br>
-            <a:r>
-              <a:rPr lang="en-US" sz="2000" dirty="0">
-                <a:solidFill>
-                  <a:schemeClr val="tx1">
-                    <a:lumMod val="50000"/>
-                  </a:schemeClr>
-                </a:solidFill>
-              </a:rPr>
-              <a:t>*/</a:t>
-            </a:r>
-            <a:br>
-              <a:rPr lang="en-US" sz="2000" dirty="0">
-                <a:solidFill>
-                  <a:schemeClr val="tx1">
-                    <a:lumMod val="50000"/>
-                  </a:schemeClr>
-                </a:solidFill>
-              </a:rPr>
-            </a:br>
-            <a:r>
-              <a:rPr lang="en-US" sz="2000" dirty="0">
-                <a:solidFill>
-                  <a:schemeClr val="tx1"/>
-                </a:solidFill>
-              </a:rPr>
-              <a:t>let x = 20;</a:t>
-            </a:r>
+            <a:pPr>
+              <a:lnSpc>
+                <a:spcPct val="150000"/>
+              </a:lnSpc>
+            </a:pPr>
+            <a:r>
+              <a:rPr lang="en-US" sz="1600" dirty="0"/>
+              <a:t>In JavaScript, </a:t>
+            </a:r>
+            <a:r>
+              <a:rPr lang="en-US" sz="1600" dirty="0" err="1"/>
+              <a:t>var</a:t>
+            </a:r>
+            <a:r>
+              <a:rPr lang="en-US" sz="1600" dirty="0"/>
+              <a:t> is a keyword used to declare variables. It was the primary way to declare variables before the introduction of let and const in ES6 (</a:t>
+            </a:r>
+            <a:r>
+              <a:rPr lang="en-US" sz="1600" dirty="0" err="1"/>
+              <a:t>ECMAScript</a:t>
+            </a:r>
+            <a:r>
+              <a:rPr lang="en-US" sz="1600" dirty="0"/>
+              <a:t> 2015)</a:t>
+            </a:r>
+          </a:p>
+          <a:p>
+            <a:endParaRPr lang="en-US" sz="1600" dirty="0"/>
           </a:p>
         </p:txBody>
       </p:sp>
@@ -11021,7 +12586,7 @@
           <p:cNvPr id="5" name="Ribbon: Curved and Tilted Down 4">
             <a:extLst>
               <a:ext uri="{FF2B5EF4-FFF2-40B4-BE49-F238E27FC236}">
-                <a16:creationId xmlns:a16="http://schemas.microsoft.com/office/drawing/2014/main" xmlns="" id="{D1D7DB93-DBF3-0DF0-3533-AC1786837990}"/>
+                <a16:creationId xmlns:a16="http://schemas.microsoft.com/office/drawing/2014/main" id="{3FA23525-E3EA-B8CB-FD6A-53084CA847A7}"/>
               </a:ext>
             </a:extLst>
           </p:cNvPr>
@@ -11031,7 +12596,7 @@
         <p:spPr>
           <a:xfrm>
             <a:off x="198362" y="149779"/>
-            <a:ext cx="5233128" cy="666407"/>
+            <a:ext cx="3337317" cy="424987"/>
           </a:xfrm>
           <a:prstGeom prst="ellipseRibbon">
             <a:avLst/>
@@ -11068,7 +12633,7 @@
           <a:p>
             <a:pPr algn="ctr"/>
             <a:r>
-              <a:rPr lang="en-US" sz="2000" dirty="0">
+              <a:rPr lang="en-US" sz="1100" dirty="0">
                 <a:solidFill>
                   <a:schemeClr val="tx1">
                     <a:lumMod val="65000"/>
@@ -11078,7 +12643,7 @@
               </a:rPr>
               <a:t>JavaScript Tutorials</a:t>
             </a:r>
-            <a:endParaRPr lang="en-IN" sz="2000" dirty="0">
+            <a:endParaRPr lang="en-IN" sz="1100" dirty="0">
               <a:solidFill>
                 <a:schemeClr val="tx1">
                   <a:lumMod val="65000"/>
@@ -11094,7 +12659,7 @@
           <p:cNvPr id="6" name="Scroll: Vertical 5">
             <a:extLst>
               <a:ext uri="{FF2B5EF4-FFF2-40B4-BE49-F238E27FC236}">
-                <a16:creationId xmlns:a16="http://schemas.microsoft.com/office/drawing/2014/main" xmlns="" id="{4B810CE8-F172-ABEF-9B5B-F6C6A3F4D513}"/>
+                <a16:creationId xmlns:a16="http://schemas.microsoft.com/office/drawing/2014/main" id="{1A4C732A-2840-82C8-A359-298D925E33B3}"/>
               </a:ext>
             </a:extLst>
           </p:cNvPr>
@@ -11149,7 +12714,7 @@
               </a:lnSpc>
             </a:pPr>
             <a:r>
-              <a:rPr lang="en-US" sz="2000" b="1" dirty="0">
+              <a:rPr lang="en-US" sz="2400" b="1" dirty="0">
                 <a:solidFill>
                   <a:schemeClr val="tx1"/>
                 </a:solidFill>
@@ -11166,12 +12731,12 @@
               <a:buChar char="o"/>
             </a:pPr>
             <a:r>
-              <a:rPr lang="en-US" sz="2000" dirty="0">
+              <a:rPr lang="en-US" dirty="0">
                 <a:solidFill>
                   <a:schemeClr val="tx1"/>
                 </a:solidFill>
               </a:rPr>
-              <a:t>Single line comments</a:t>
+              <a:t>What are var, let, and const?</a:t>
             </a:r>
           </a:p>
           <a:p>
@@ -11183,18 +12748,13 @@
               <a:buChar char="o"/>
             </a:pPr>
             <a:r>
-              <a:rPr lang="en-IN" sz="2000" dirty="0">
+              <a:rPr lang="en-IN" dirty="0">
                 <a:solidFill>
                   <a:schemeClr val="tx1"/>
                 </a:solidFill>
               </a:rPr>
-              <a:t>Inline comments</a:t>
-            </a:r>
-            <a:endParaRPr lang="en-US" sz="2000" dirty="0">
-              <a:solidFill>
-                <a:schemeClr val="tx1"/>
-              </a:solidFill>
-            </a:endParaRPr>
+              <a:t>What is Hoisting</a:t>
+            </a:r>
           </a:p>
           <a:p>
             <a:pPr marL="285750" indent="-285750">
@@ -11205,25 +12765,69 @@
               <a:buChar char="o"/>
             </a:pPr>
             <a:r>
-              <a:rPr lang="en-IN" sz="2000" dirty="0">
+              <a:rPr lang="en-IN" dirty="0">
                 <a:solidFill>
                   <a:schemeClr val="tx1"/>
                 </a:solidFill>
               </a:rPr>
-              <a:t>Multiline comments</a:t>
-            </a:r>
-          </a:p>
-        </p:txBody>
-      </p:sp>
-      <p:sp>
-        <p:nvSpPr>
-          <p:cNvPr id="7" name="TextBox 6">
-            <a:extLst>
-              <a:ext uri="{FF2B5EF4-FFF2-40B4-BE49-F238E27FC236}">
-                <a16:creationId xmlns:a16="http://schemas.microsoft.com/office/drawing/2014/main" xmlns="" id="{7C7A2712-C9B9-958D-594C-39F36B75B90A}"/>
-              </a:ext>
-            </a:extLst>
-          </p:cNvPr>
+              <a:t>Undefined </a:t>
+            </a:r>
+            <a:r>
+              <a:rPr lang="en-IN" dirty="0" err="1">
+                <a:solidFill>
+                  <a:schemeClr val="tx1"/>
+                </a:solidFill>
+              </a:rPr>
+              <a:t>vs</a:t>
+            </a:r>
+            <a:r>
+              <a:rPr lang="en-IN" dirty="0">
+                <a:solidFill>
+                  <a:schemeClr val="tx1"/>
+                </a:solidFill>
+              </a:rPr>
+              <a:t> not-defined</a:t>
+            </a:r>
+          </a:p>
+          <a:p>
+            <a:pPr marL="285750" indent="-285750">
+              <a:lnSpc>
+                <a:spcPct val="150000"/>
+              </a:lnSpc>
+              <a:buFont typeface="Courier New" panose="02070309020205020404" pitchFamily="49" charset="0"/>
+              <a:buChar char="o"/>
+            </a:pPr>
+            <a:r>
+              <a:rPr lang="en-IN" dirty="0">
+                <a:solidFill>
+                  <a:schemeClr val="tx1"/>
+                </a:solidFill>
+              </a:rPr>
+              <a:t>With arrow function</a:t>
+            </a:r>
+          </a:p>
+          <a:p>
+            <a:pPr marL="285750" indent="-285750">
+              <a:lnSpc>
+                <a:spcPct val="150000"/>
+              </a:lnSpc>
+              <a:buFont typeface="Courier New" panose="02070309020205020404" pitchFamily="49" charset="0"/>
+              <a:buChar char="o"/>
+            </a:pPr>
+            <a:r>
+              <a:rPr lang="en-IN" dirty="0">
+                <a:solidFill>
+                  <a:schemeClr val="tx1"/>
+                </a:solidFill>
+              </a:rPr>
+              <a:t>What is the call stack and how it works</a:t>
+            </a:r>
+          </a:p>
+        </p:txBody>
+      </p:sp>
+      <p:sp>
+        <p:nvSpPr>
+          <p:cNvPr id="7" name="TextBox 6"/>
           <p:cNvSpPr txBox="1"/>
           <p:nvPr/>
         </p:nvSpPr>
@@ -11253,7 +12857,7 @@
                 </a:solidFill>
                 <a:latin typeface="Bahnschrift SemiLight" pitchFamily="34" charset="0"/>
               </a:rPr>
-              <a:t>Chapter - 4</a:t>
+              <a:t>Chapter - 5</a:t>
             </a:r>
             <a:endParaRPr lang="en-US" b="1" dirty="0">
               <a:solidFill>
@@ -11267,10 +12871,36 @@
           </a:p>
         </p:txBody>
       </p:sp>
+      <p:pic>
+        <p:nvPicPr>
+          <p:cNvPr id="1026" name="Picture 2" descr="C:\Users\Gautam\Downloads\Blank board - Page 1 (3).png"/>
+          <p:cNvPicPr>
+            <a:picLocks noChangeAspect="1" noChangeArrowheads="1"/>
+          </p:cNvPicPr>
+          <p:nvPr/>
+        </p:nvPicPr>
+        <p:blipFill>
+          <a:blip r:embed="rId2"/>
+          <a:srcRect/>
+          <a:stretch>
+            <a:fillRect/>
+          </a:stretch>
+        </p:blipFill>
+        <p:spPr bwMode="auto">
+          <a:xfrm>
+            <a:off x="414294" y="2819400"/>
+            <a:ext cx="7849726" cy="2809875"/>
+          </a:xfrm>
+          <a:prstGeom prst="rect">
+            <a:avLst/>
+          </a:prstGeom>
+          <a:noFill/>
+        </p:spPr>
+      </p:pic>
     </p:spTree>
     <p:extLst>
       <p:ext uri="{BB962C8B-B14F-4D97-AF65-F5344CB8AC3E}">
-        <p14:creationId xmlns:p14="http://schemas.microsoft.com/office/powerpoint/2010/main" xmlns="" val="693676810"/>
+        <p14:creationId xmlns:p14="http://schemas.microsoft.com/office/powerpoint/2010/main" val="3002471670"/>
       </p:ext>
     </p:extLst>
   </p:cSld>
@@ -11280,1058 +12910,7 @@
 </p:sld>
 </file>
 
-<file path=ppt/slides/slide2.xml><?xml version="1.0" encoding="utf-8"?>
-<p:sld xmlns:a="http://schemas.openxmlformats.org/drawingml/2006/main" xmlns:r="http://schemas.openxmlformats.org/officeDocument/2006/relationships" xmlns:p="http://schemas.openxmlformats.org/presentationml/2006/main">
-  <p:cSld>
-    <p:spTree>
-      <p:nvGrpSpPr>
-        <p:cNvPr id="1" name=""/>
-        <p:cNvGrpSpPr/>
-        <p:nvPr/>
-      </p:nvGrpSpPr>
-      <p:grpSpPr>
-        <a:xfrm>
-          <a:off x="0" y="0"/>
-          <a:ext cx="0" cy="0"/>
-          <a:chOff x="0" y="0"/>
-          <a:chExt cx="0" cy="0"/>
-        </a:xfrm>
-      </p:grpSpPr>
-      <p:sp>
-        <p:nvSpPr>
-          <p:cNvPr id="9" name="Explosion: 14 Points 8">
-            <a:extLst>
-              <a:ext uri="{FF2B5EF4-FFF2-40B4-BE49-F238E27FC236}">
-                <a16:creationId xmlns:a16="http://schemas.microsoft.com/office/drawing/2014/main" xmlns="" id="{0A2CD68B-7A56-F86D-8B6F-4A8BF99B4C9E}"/>
-              </a:ext>
-            </a:extLst>
-          </p:cNvPr>
-          <p:cNvSpPr/>
-          <p:nvPr/>
-        </p:nvSpPr>
-        <p:spPr>
-          <a:xfrm>
-            <a:off x="1719470" y="2032529"/>
-            <a:ext cx="3985591" cy="3985591"/>
-          </a:xfrm>
-          <a:prstGeom prst="irregularSeal2">
-            <a:avLst/>
-          </a:prstGeom>
-          <a:solidFill>
-            <a:schemeClr val="bg1">
-              <a:lumMod val="75000"/>
-              <a:lumOff val="25000"/>
-            </a:schemeClr>
-          </a:solidFill>
-          <a:ln>
-            <a:noFill/>
-          </a:ln>
-        </p:spPr>
-        <p:style>
-          <a:lnRef idx="2">
-            <a:schemeClr val="accent1">
-              <a:shade val="15000"/>
-            </a:schemeClr>
-          </a:lnRef>
-          <a:fillRef idx="1">
-            <a:schemeClr val="accent1"/>
-          </a:fillRef>
-          <a:effectRef idx="0">
-            <a:schemeClr val="accent1"/>
-          </a:effectRef>
-          <a:fontRef idx="minor">
-            <a:schemeClr val="lt1"/>
-          </a:fontRef>
-        </p:style>
-        <p:txBody>
-          <a:bodyPr rtlCol="0" anchor="ctr"/>
-          <a:lstStyle/>
-          <a:p>
-            <a:pPr algn="ctr"/>
-            <a:endParaRPr lang="en-IN"/>
-          </a:p>
-        </p:txBody>
-      </p:sp>
-      <p:sp>
-        <p:nvSpPr>
-          <p:cNvPr id="2" name="Title 1">
-            <a:extLst>
-              <a:ext uri="{FF2B5EF4-FFF2-40B4-BE49-F238E27FC236}">
-                <a16:creationId xmlns:a16="http://schemas.microsoft.com/office/drawing/2014/main" xmlns="" id="{62BB4F8D-44B7-9866-F7B2-6375CB902974}"/>
-              </a:ext>
-            </a:extLst>
-          </p:cNvPr>
-          <p:cNvSpPr>
-            <a:spLocks noGrp="1"/>
-          </p:cNvSpPr>
-          <p:nvPr>
-            <p:ph type="title"/>
-          </p:nvPr>
-        </p:nvSpPr>
-        <p:spPr>
-          <a:xfrm>
-            <a:off x="0" y="1913287"/>
-            <a:ext cx="6271590" cy="3810095"/>
-          </a:xfrm>
-          <a:noFill/>
-        </p:spPr>
-        <p:txBody>
-          <a:bodyPr anchor="ctr">
-            <a:normAutofit/>
-          </a:bodyPr>
-          <a:lstStyle/>
-          <a:p>
-            <a:pPr algn="ctr"/>
-            <a:r>
-              <a:rPr lang="en-US" sz="7200" b="1" dirty="0">
-                <a:solidFill>
-                  <a:schemeClr val="tx1"/>
-                </a:solidFill>
-                <a:latin typeface="Barlow Condensed ExtraLight" panose="00000306000000000000" pitchFamily="2" charset="0"/>
-              </a:rPr>
-              <a:t>JavaScript</a:t>
-            </a:r>
-            <a:r>
-              <a:rPr lang="en-US" sz="7200" b="1" dirty="0">
-                <a:solidFill>
-                  <a:schemeClr val="tx1"/>
-                </a:solidFill>
-                <a:latin typeface="Barlow Black" panose="00000A00000000000000" pitchFamily="2" charset="0"/>
-              </a:rPr>
-              <a:t/>
-            </a:r>
-            <a:br>
-              <a:rPr lang="en-US" sz="7200" b="1" dirty="0">
-                <a:solidFill>
-                  <a:schemeClr val="tx1"/>
-                </a:solidFill>
-                <a:latin typeface="Barlow Black" panose="00000A00000000000000" pitchFamily="2" charset="0"/>
-              </a:rPr>
-            </a:br>
-            <a:r>
-              <a:rPr lang="en-US" sz="7200" b="1" dirty="0">
-                <a:solidFill>
-                  <a:schemeClr val="tx1"/>
-                </a:solidFill>
-                <a:latin typeface="Barlow Black" panose="00000A00000000000000" pitchFamily="2" charset="0"/>
-              </a:rPr>
-              <a:t>Chapter -1</a:t>
-            </a:r>
-            <a:endParaRPr lang="en-IN" b="1" dirty="0">
-              <a:solidFill>
-                <a:schemeClr val="tx1"/>
-              </a:solidFill>
-              <a:latin typeface="Barlow Black" panose="00000A00000000000000" pitchFamily="2" charset="0"/>
-            </a:endParaRPr>
-          </a:p>
-        </p:txBody>
-      </p:sp>
-      <p:sp>
-        <p:nvSpPr>
-          <p:cNvPr id="4" name="Ribbon: Curved and Tilted Down 3">
-            <a:extLst>
-              <a:ext uri="{FF2B5EF4-FFF2-40B4-BE49-F238E27FC236}">
-                <a16:creationId xmlns:a16="http://schemas.microsoft.com/office/drawing/2014/main" xmlns="" id="{909DBECF-689C-9AA7-1649-9166A578EDF9}"/>
-              </a:ext>
-            </a:extLst>
-          </p:cNvPr>
-          <p:cNvSpPr/>
-          <p:nvPr/>
-        </p:nvSpPr>
-        <p:spPr>
-          <a:xfrm>
-            <a:off x="1124594" y="1134618"/>
-            <a:ext cx="4823349" cy="778670"/>
-          </a:xfrm>
-          <a:prstGeom prst="ellipseRibbon">
-            <a:avLst/>
-          </a:prstGeom>
-          <a:solidFill>
-            <a:schemeClr val="bg1">
-              <a:lumMod val="65000"/>
-              <a:lumOff val="35000"/>
-            </a:schemeClr>
-          </a:solidFill>
-          <a:ln>
-            <a:noFill/>
-          </a:ln>
-        </p:spPr>
-        <p:style>
-          <a:lnRef idx="2">
-            <a:schemeClr val="accent1">
-              <a:shade val="15000"/>
-            </a:schemeClr>
-          </a:lnRef>
-          <a:fillRef idx="1">
-            <a:schemeClr val="accent1"/>
-          </a:fillRef>
-          <a:effectRef idx="0">
-            <a:schemeClr val="accent1"/>
-          </a:effectRef>
-          <a:fontRef idx="minor">
-            <a:schemeClr val="lt1"/>
-          </a:fontRef>
-        </p:style>
-        <p:txBody>
-          <a:bodyPr rtlCol="0" anchor="ctr"/>
-          <a:lstStyle/>
-          <a:p>
-            <a:pPr algn="ctr"/>
-            <a:r>
-              <a:rPr lang="en-US" dirty="0">
-                <a:solidFill>
-                  <a:schemeClr val="tx1"/>
-                </a:solidFill>
-              </a:rPr>
-              <a:t>JavaScript Tutorials</a:t>
-            </a:r>
-            <a:endParaRPr lang="en-IN" dirty="0">
-              <a:solidFill>
-                <a:schemeClr val="tx1"/>
-              </a:solidFill>
-            </a:endParaRPr>
-          </a:p>
-        </p:txBody>
-      </p:sp>
-      <p:sp>
-        <p:nvSpPr>
-          <p:cNvPr id="5" name="Scroll: Vertical 4">
-            <a:extLst>
-              <a:ext uri="{FF2B5EF4-FFF2-40B4-BE49-F238E27FC236}">
-                <a16:creationId xmlns:a16="http://schemas.microsoft.com/office/drawing/2014/main" xmlns="" id="{38EB993A-3F18-C6B7-226F-EDD62B4B31DB}"/>
-              </a:ext>
-            </a:extLst>
-          </p:cNvPr>
-          <p:cNvSpPr/>
-          <p:nvPr/>
-        </p:nvSpPr>
-        <p:spPr>
-          <a:xfrm>
-            <a:off x="5561640" y="477079"/>
-            <a:ext cx="5616326" cy="6122504"/>
-          </a:xfrm>
-          <a:prstGeom prst="verticalScroll">
-            <a:avLst/>
-          </a:prstGeom>
-          <a:solidFill>
-            <a:schemeClr val="tx1">
-              <a:lumMod val="65000"/>
-              <a:lumOff val="35000"/>
-            </a:schemeClr>
-          </a:solidFill>
-          <a:ln>
-            <a:solidFill>
-              <a:schemeClr val="bg1">
-                <a:lumMod val="95000"/>
-              </a:schemeClr>
-            </a:solidFill>
-          </a:ln>
-        </p:spPr>
-        <p:style>
-          <a:lnRef idx="2">
-            <a:schemeClr val="accent1">
-              <a:shade val="15000"/>
-            </a:schemeClr>
-          </a:lnRef>
-          <a:fillRef idx="1">
-            <a:schemeClr val="accent1"/>
-          </a:fillRef>
-          <a:effectRef idx="0">
-            <a:schemeClr val="accent1"/>
-          </a:effectRef>
-          <a:fontRef idx="minor">
-            <a:schemeClr val="lt1"/>
-          </a:fontRef>
-        </p:style>
-        <p:txBody>
-          <a:bodyPr rtlCol="0" anchor="ctr"/>
-          <a:lstStyle/>
-          <a:p>
-            <a:pPr>
-              <a:lnSpc>
-                <a:spcPct val="150000"/>
-              </a:lnSpc>
-            </a:pPr>
-            <a:r>
-              <a:rPr lang="en-US" sz="4000" b="1" dirty="0">
-                <a:solidFill>
-                  <a:schemeClr val="bg1">
-                    <a:lumMod val="95000"/>
-                  </a:schemeClr>
-                </a:solidFill>
-              </a:rPr>
-              <a:t>Topics</a:t>
-            </a:r>
-          </a:p>
-          <a:p>
-            <a:pPr marL="285750" indent="-285750">
-              <a:lnSpc>
-                <a:spcPct val="150000"/>
-              </a:lnSpc>
-              <a:buFont typeface="Courier New" panose="02070309020205020404" pitchFamily="49" charset="0"/>
-              <a:buChar char="o"/>
-            </a:pPr>
-            <a:r>
-              <a:rPr lang="en-US" dirty="0">
-                <a:solidFill>
-                  <a:schemeClr val="bg1">
-                    <a:lumMod val="95000"/>
-                  </a:schemeClr>
-                </a:solidFill>
-              </a:rPr>
-              <a:t>What is JavaScript</a:t>
-            </a:r>
-          </a:p>
-          <a:p>
-            <a:pPr marL="285750" indent="-285750">
-              <a:lnSpc>
-                <a:spcPct val="150000"/>
-              </a:lnSpc>
-              <a:buFont typeface="Courier New" panose="02070309020205020404" pitchFamily="49" charset="0"/>
-              <a:buChar char="o"/>
-            </a:pPr>
-            <a:r>
-              <a:rPr lang="en-US" dirty="0">
-                <a:solidFill>
-                  <a:schemeClr val="bg1">
-                    <a:lumMod val="95000"/>
-                  </a:schemeClr>
-                </a:solidFill>
-              </a:rPr>
-              <a:t>History</a:t>
-            </a:r>
-          </a:p>
-          <a:p>
-            <a:pPr marL="285750" indent="-285750">
-              <a:lnSpc>
-                <a:spcPct val="150000"/>
-              </a:lnSpc>
-              <a:buFont typeface="Courier New" panose="02070309020205020404" pitchFamily="49" charset="0"/>
-              <a:buChar char="o"/>
-            </a:pPr>
-            <a:r>
-              <a:rPr lang="en-US" dirty="0">
-                <a:solidFill>
-                  <a:schemeClr val="bg1">
-                    <a:lumMod val="95000"/>
-                  </a:schemeClr>
-                </a:solidFill>
-              </a:rPr>
-              <a:t>Client-side</a:t>
-            </a:r>
-          </a:p>
-          <a:p>
-            <a:pPr marL="285750" indent="-285750">
-              <a:lnSpc>
-                <a:spcPct val="150000"/>
-              </a:lnSpc>
-              <a:buFont typeface="Courier New" panose="02070309020205020404" pitchFamily="49" charset="0"/>
-              <a:buChar char="o"/>
-            </a:pPr>
-            <a:r>
-              <a:rPr lang="en-US" dirty="0">
-                <a:solidFill>
-                  <a:schemeClr val="bg1">
-                    <a:lumMod val="95000"/>
-                  </a:schemeClr>
-                </a:solidFill>
-              </a:rPr>
-              <a:t>Server Side</a:t>
-            </a:r>
-          </a:p>
-          <a:p>
-            <a:pPr marL="285750" indent="-285750">
-              <a:lnSpc>
-                <a:spcPct val="150000"/>
-              </a:lnSpc>
-              <a:buFont typeface="Courier New" panose="02070309020205020404" pitchFamily="49" charset="0"/>
-              <a:buChar char="o"/>
-            </a:pPr>
-            <a:r>
-              <a:rPr lang="en-US" dirty="0">
-                <a:solidFill>
-                  <a:schemeClr val="bg1">
-                    <a:lumMod val="95000"/>
-                  </a:schemeClr>
-                </a:solidFill>
-              </a:rPr>
-              <a:t>Advantages of JavaScript</a:t>
-            </a:r>
-          </a:p>
-          <a:p>
-            <a:pPr marL="285750" indent="-285750">
-              <a:lnSpc>
-                <a:spcPct val="150000"/>
-              </a:lnSpc>
-              <a:buFont typeface="Courier New" panose="02070309020205020404" pitchFamily="49" charset="0"/>
-              <a:buChar char="o"/>
-            </a:pPr>
-            <a:r>
-              <a:rPr lang="en-US" dirty="0">
-                <a:solidFill>
-                  <a:schemeClr val="bg1">
-                    <a:lumMod val="95000"/>
-                  </a:schemeClr>
-                </a:solidFill>
-              </a:rPr>
-              <a:t>Limitations of JavaScript</a:t>
-            </a:r>
-          </a:p>
-          <a:p>
-            <a:pPr marL="285750" indent="-285750">
-              <a:lnSpc>
-                <a:spcPct val="150000"/>
-              </a:lnSpc>
-              <a:buFont typeface="Courier New" panose="02070309020205020404" pitchFamily="49" charset="0"/>
-              <a:buChar char="o"/>
-            </a:pPr>
-            <a:r>
-              <a:rPr lang="en-US" dirty="0">
-                <a:solidFill>
-                  <a:schemeClr val="bg1">
-                    <a:lumMod val="95000"/>
-                  </a:schemeClr>
-                </a:solidFill>
-              </a:rPr>
-              <a:t>Imperative vs Declarative JavaScript</a:t>
-            </a:r>
-          </a:p>
-          <a:p>
-            <a:pPr marL="285750" indent="-285750">
-              <a:lnSpc>
-                <a:spcPct val="150000"/>
-              </a:lnSpc>
-              <a:buFont typeface="Courier New" panose="02070309020205020404" pitchFamily="49" charset="0"/>
-              <a:buChar char="o"/>
-            </a:pPr>
-            <a:r>
-              <a:rPr lang="en-US" dirty="0">
-                <a:solidFill>
-                  <a:schemeClr val="bg1">
-                    <a:lumMod val="95000"/>
-                  </a:schemeClr>
-                </a:solidFill>
-              </a:rPr>
-              <a:t>JavaScript Development tools</a:t>
-            </a:r>
-          </a:p>
-          <a:p>
-            <a:pPr marL="285750" indent="-285750">
-              <a:lnSpc>
-                <a:spcPct val="150000"/>
-              </a:lnSpc>
-              <a:buFont typeface="Courier New" panose="02070309020205020404" pitchFamily="49" charset="0"/>
-              <a:buChar char="o"/>
-            </a:pPr>
-            <a:r>
-              <a:rPr lang="en-US" dirty="0">
-                <a:solidFill>
-                  <a:schemeClr val="bg1">
-                    <a:lumMod val="95000"/>
-                  </a:schemeClr>
-                </a:solidFill>
-              </a:rPr>
-              <a:t>JavaScript at the current time</a:t>
-            </a:r>
-            <a:endParaRPr lang="en-IN" dirty="0">
-              <a:solidFill>
-                <a:schemeClr val="bg1">
-                  <a:lumMod val="95000"/>
-                </a:schemeClr>
-              </a:solidFill>
-            </a:endParaRPr>
-          </a:p>
-          <a:p>
-            <a:pPr algn="ctr"/>
-            <a:endParaRPr lang="en-IN" dirty="0">
-              <a:solidFill>
-                <a:schemeClr val="bg1">
-                  <a:lumMod val="95000"/>
-                </a:schemeClr>
-              </a:solidFill>
-            </a:endParaRPr>
-          </a:p>
-        </p:txBody>
-      </p:sp>
-      <p:sp>
-        <p:nvSpPr>
-          <p:cNvPr id="3" name="TextBox 2">
-            <a:extLst>
-              <a:ext uri="{FF2B5EF4-FFF2-40B4-BE49-F238E27FC236}">
-                <a16:creationId xmlns:a16="http://schemas.microsoft.com/office/drawing/2014/main" xmlns="" id="{3BE32085-0497-60C5-6142-8DF6C2C12813}"/>
-              </a:ext>
-            </a:extLst>
-          </p:cNvPr>
-          <p:cNvSpPr txBox="1"/>
-          <p:nvPr/>
-        </p:nvSpPr>
-        <p:spPr>
-          <a:xfrm>
-            <a:off x="-1" y="6060338"/>
-            <a:ext cx="6271591" cy="369332"/>
-          </a:xfrm>
-          <a:prstGeom prst="rect">
-            <a:avLst/>
-          </a:prstGeom>
-          <a:noFill/>
-        </p:spPr>
-        <p:txBody>
-          <a:bodyPr wrap="square" rtlCol="0">
-            <a:spAutoFit/>
-          </a:bodyPr>
-          <a:lstStyle/>
-          <a:p>
-            <a:pPr algn="ctr"/>
-            <a:r>
-              <a:rPr lang="en-US" b="1" dirty="0"/>
-              <a:t>Gautam Kumar- </a:t>
-            </a:r>
-            <a:r>
-              <a:rPr lang="en-US" dirty="0">
-                <a:solidFill>
-                  <a:schemeClr val="tx1">
-                    <a:lumMod val="50000"/>
-                    <a:lumOff val="50000"/>
-                  </a:schemeClr>
-                </a:solidFill>
-              </a:rPr>
-              <a:t>uidhtml.com</a:t>
-            </a:r>
-            <a:endParaRPr lang="en-IN" dirty="0">
-              <a:solidFill>
-                <a:schemeClr val="tx1">
-                  <a:lumMod val="50000"/>
-                  <a:lumOff val="50000"/>
-                </a:schemeClr>
-              </a:solidFill>
-            </a:endParaRPr>
-          </a:p>
-        </p:txBody>
-      </p:sp>
-    </p:spTree>
-    <p:extLst>
-      <p:ext uri="{BB962C8B-B14F-4D97-AF65-F5344CB8AC3E}">
-        <p14:creationId xmlns:p14="http://schemas.microsoft.com/office/powerpoint/2010/main" xmlns="" val="3287175084"/>
-      </p:ext>
-    </p:extLst>
-  </p:cSld>
-  <p:clrMapOvr>
-    <a:masterClrMapping/>
-  </p:clrMapOvr>
-</p:sld>
-</file>
-
-<file path=ppt/slides/slide20.xml><?xml version="1.0" encoding="utf-8"?>
-<p:sld xmlns:a="http://schemas.openxmlformats.org/drawingml/2006/main" xmlns:r="http://schemas.openxmlformats.org/officeDocument/2006/relationships" xmlns:p="http://schemas.openxmlformats.org/presentationml/2006/main">
-  <p:cSld>
-    <p:spTree>
-      <p:nvGrpSpPr>
-        <p:cNvPr id="1" name=""/>
-        <p:cNvGrpSpPr/>
-        <p:nvPr/>
-      </p:nvGrpSpPr>
-      <p:grpSpPr>
-        <a:xfrm>
-          <a:off x="0" y="0"/>
-          <a:ext cx="0" cy="0"/>
-          <a:chOff x="0" y="0"/>
-          <a:chExt cx="0" cy="0"/>
-        </a:xfrm>
-      </p:grpSpPr>
-      <p:sp>
-        <p:nvSpPr>
-          <p:cNvPr id="9" name="Explosion: 14 Points 8">
-            <a:extLst>
-              <a:ext uri="{FF2B5EF4-FFF2-40B4-BE49-F238E27FC236}">
-                <a16:creationId xmlns:a16="http://schemas.microsoft.com/office/drawing/2014/main" xmlns="" id="{0A2CD68B-7A56-F86D-8B6F-4A8BF99B4C9E}"/>
-              </a:ext>
-            </a:extLst>
-          </p:cNvPr>
-          <p:cNvSpPr/>
-          <p:nvPr/>
-        </p:nvSpPr>
-        <p:spPr>
-          <a:xfrm>
-            <a:off x="1440796" y="2058655"/>
-            <a:ext cx="3985591" cy="3985591"/>
-          </a:xfrm>
-          <a:prstGeom prst="irregularSeal2">
-            <a:avLst/>
-          </a:prstGeom>
-          <a:solidFill>
-            <a:schemeClr val="bg1">
-              <a:lumMod val="75000"/>
-              <a:lumOff val="25000"/>
-            </a:schemeClr>
-          </a:solidFill>
-          <a:ln>
-            <a:noFill/>
-          </a:ln>
-        </p:spPr>
-        <p:style>
-          <a:lnRef idx="2">
-            <a:schemeClr val="accent1">
-              <a:shade val="15000"/>
-            </a:schemeClr>
-          </a:lnRef>
-          <a:fillRef idx="1">
-            <a:schemeClr val="accent1"/>
-          </a:fillRef>
-          <a:effectRef idx="0">
-            <a:schemeClr val="accent1"/>
-          </a:effectRef>
-          <a:fontRef idx="minor">
-            <a:schemeClr val="lt1"/>
-          </a:fontRef>
-        </p:style>
-        <p:txBody>
-          <a:bodyPr rtlCol="0" anchor="ctr"/>
-          <a:lstStyle/>
-          <a:p>
-            <a:pPr algn="ctr"/>
-            <a:endParaRPr lang="en-IN"/>
-          </a:p>
-        </p:txBody>
-      </p:sp>
-      <p:sp>
-        <p:nvSpPr>
-          <p:cNvPr id="2" name="Title 1">
-            <a:extLst>
-              <a:ext uri="{FF2B5EF4-FFF2-40B4-BE49-F238E27FC236}">
-                <a16:creationId xmlns:a16="http://schemas.microsoft.com/office/drawing/2014/main" xmlns="" id="{62BB4F8D-44B7-9866-F7B2-6375CB902974}"/>
-              </a:ext>
-            </a:extLst>
-          </p:cNvPr>
-          <p:cNvSpPr>
-            <a:spLocks noGrp="1"/>
-          </p:cNvSpPr>
-          <p:nvPr>
-            <p:ph type="title"/>
-          </p:nvPr>
-        </p:nvSpPr>
-        <p:spPr>
-          <a:xfrm>
-            <a:off x="0" y="1913287"/>
-            <a:ext cx="6271589" cy="3810095"/>
-          </a:xfrm>
-          <a:noFill/>
-        </p:spPr>
-        <p:txBody>
-          <a:bodyPr anchor="ctr">
-            <a:normAutofit/>
-          </a:bodyPr>
-          <a:lstStyle/>
-          <a:p>
-            <a:pPr algn="ctr"/>
-            <a:r>
-              <a:rPr lang="en-US" sz="7200" b="1" dirty="0">
-                <a:solidFill>
-                  <a:schemeClr val="tx1"/>
-                </a:solidFill>
-                <a:latin typeface="Barlow Condensed ExtraLight" panose="00000306000000000000" pitchFamily="2" charset="0"/>
-              </a:rPr>
-              <a:t>JavaScript</a:t>
-            </a:r>
-            <a:r>
-              <a:rPr lang="en-US" sz="7200" b="1" dirty="0">
-                <a:solidFill>
-                  <a:schemeClr val="tx1"/>
-                </a:solidFill>
-                <a:latin typeface="Barlow Black" panose="00000A00000000000000" pitchFamily="2" charset="0"/>
-              </a:rPr>
-              <a:t/>
-            </a:r>
-            <a:br>
-              <a:rPr lang="en-US" sz="7200" b="1" dirty="0">
-                <a:solidFill>
-                  <a:schemeClr val="tx1"/>
-                </a:solidFill>
-                <a:latin typeface="Barlow Black" panose="00000A00000000000000" pitchFamily="2" charset="0"/>
-              </a:rPr>
-            </a:br>
-            <a:r>
-              <a:rPr lang="en-US" sz="7200" b="1" dirty="0">
-                <a:solidFill>
-                  <a:schemeClr val="tx1"/>
-                </a:solidFill>
-                <a:latin typeface="Barlow Black" panose="00000A00000000000000" pitchFamily="2" charset="0"/>
-              </a:rPr>
-              <a:t>Chapter – 5</a:t>
-            </a:r>
-            <a:br>
-              <a:rPr lang="en-US" sz="7200" b="1" dirty="0">
-                <a:solidFill>
-                  <a:schemeClr val="tx1"/>
-                </a:solidFill>
-                <a:latin typeface="Barlow Black" panose="00000A00000000000000" pitchFamily="2" charset="0"/>
-              </a:rPr>
-            </a:br>
-            <a:r>
-              <a:rPr lang="en-US" sz="2800" dirty="0">
-                <a:solidFill>
-                  <a:schemeClr val="accent2">
-                    <a:lumMod val="60000"/>
-                    <a:lumOff val="40000"/>
-                  </a:schemeClr>
-                </a:solidFill>
-                <a:latin typeface="Bahnschrift Light Condensed" pitchFamily="34" charset="0"/>
-              </a:rPr>
-              <a:t>(</a:t>
-            </a:r>
-            <a:r>
-              <a:rPr lang="en-US" dirty="0">
-                <a:solidFill>
-                  <a:schemeClr val="accent2">
-                    <a:lumMod val="60000"/>
-                    <a:lumOff val="40000"/>
-                  </a:schemeClr>
-                </a:solidFill>
-                <a:latin typeface="Bahnschrift Light Condensed" pitchFamily="34" charset="0"/>
-              </a:rPr>
-              <a:t>variables</a:t>
-            </a:r>
-            <a:r>
-              <a:rPr lang="en-US" sz="2800" dirty="0">
-                <a:solidFill>
-                  <a:schemeClr val="accent2">
-                    <a:lumMod val="60000"/>
-                    <a:lumOff val="40000"/>
-                  </a:schemeClr>
-                </a:solidFill>
-                <a:latin typeface="Bahnschrift Light Condensed" pitchFamily="34" charset="0"/>
-              </a:rPr>
-              <a:t>)</a:t>
-            </a:r>
-            <a:endParaRPr lang="en-IN" sz="2800" dirty="0">
-              <a:solidFill>
-                <a:schemeClr val="accent2">
-                  <a:lumMod val="60000"/>
-                  <a:lumOff val="40000"/>
-                </a:schemeClr>
-              </a:solidFill>
-              <a:latin typeface="Bahnschrift Light Condensed" pitchFamily="34" charset="0"/>
-            </a:endParaRPr>
-          </a:p>
-        </p:txBody>
-      </p:sp>
-      <p:sp>
-        <p:nvSpPr>
-          <p:cNvPr id="4" name="Ribbon: Curved and Tilted Down 3">
-            <a:extLst>
-              <a:ext uri="{FF2B5EF4-FFF2-40B4-BE49-F238E27FC236}">
-                <a16:creationId xmlns:a16="http://schemas.microsoft.com/office/drawing/2014/main" xmlns="" id="{909DBECF-689C-9AA7-1649-9166A578EDF9}"/>
-              </a:ext>
-            </a:extLst>
-          </p:cNvPr>
-          <p:cNvSpPr/>
-          <p:nvPr/>
-        </p:nvSpPr>
-        <p:spPr>
-          <a:xfrm>
-            <a:off x="1124594" y="1134618"/>
-            <a:ext cx="4823349" cy="778670"/>
-          </a:xfrm>
-          <a:prstGeom prst="ellipseRibbon">
-            <a:avLst/>
-          </a:prstGeom>
-          <a:solidFill>
-            <a:schemeClr val="bg1">
-              <a:lumMod val="65000"/>
-              <a:lumOff val="35000"/>
-            </a:schemeClr>
-          </a:solidFill>
-          <a:ln>
-            <a:noFill/>
-          </a:ln>
-        </p:spPr>
-        <p:style>
-          <a:lnRef idx="2">
-            <a:schemeClr val="accent1">
-              <a:shade val="15000"/>
-            </a:schemeClr>
-          </a:lnRef>
-          <a:fillRef idx="1">
-            <a:schemeClr val="accent1"/>
-          </a:fillRef>
-          <a:effectRef idx="0">
-            <a:schemeClr val="accent1"/>
-          </a:effectRef>
-          <a:fontRef idx="minor">
-            <a:schemeClr val="lt1"/>
-          </a:fontRef>
-        </p:style>
-        <p:txBody>
-          <a:bodyPr rtlCol="0" anchor="ctr"/>
-          <a:lstStyle/>
-          <a:p>
-            <a:pPr algn="ctr"/>
-            <a:r>
-              <a:rPr lang="en-US" dirty="0">
-                <a:solidFill>
-                  <a:schemeClr val="tx1"/>
-                </a:solidFill>
-              </a:rPr>
-              <a:t>JavaScript Tutorials</a:t>
-            </a:r>
-            <a:endParaRPr lang="en-IN" dirty="0">
-              <a:solidFill>
-                <a:schemeClr val="tx1"/>
-              </a:solidFill>
-            </a:endParaRPr>
-          </a:p>
-        </p:txBody>
-      </p:sp>
-      <p:sp>
-        <p:nvSpPr>
-          <p:cNvPr id="8" name="TextBox 7">
-            <a:extLst>
-              <a:ext uri="{FF2B5EF4-FFF2-40B4-BE49-F238E27FC236}">
-                <a16:creationId xmlns:a16="http://schemas.microsoft.com/office/drawing/2014/main" xmlns="" id="{6E6F1672-8C91-3FA6-CB80-58FD68172333}"/>
-              </a:ext>
-            </a:extLst>
-          </p:cNvPr>
-          <p:cNvSpPr txBox="1"/>
-          <p:nvPr/>
-        </p:nvSpPr>
-        <p:spPr>
-          <a:xfrm>
-            <a:off x="-1" y="6060338"/>
-            <a:ext cx="6271591" cy="369332"/>
-          </a:xfrm>
-          <a:prstGeom prst="rect">
-            <a:avLst/>
-          </a:prstGeom>
-          <a:noFill/>
-        </p:spPr>
-        <p:txBody>
-          <a:bodyPr wrap="square" rtlCol="0">
-            <a:spAutoFit/>
-          </a:bodyPr>
-          <a:lstStyle/>
-          <a:p>
-            <a:pPr algn="ctr"/>
-            <a:r>
-              <a:rPr lang="en-US" b="1" dirty="0"/>
-              <a:t>Gautam Kumar- </a:t>
-            </a:r>
-            <a:r>
-              <a:rPr lang="en-US" dirty="0">
-                <a:solidFill>
-                  <a:schemeClr val="tx1">
-                    <a:lumMod val="50000"/>
-                    <a:lumOff val="50000"/>
-                  </a:schemeClr>
-                </a:solidFill>
-              </a:rPr>
-              <a:t>uidhtml.com</a:t>
-            </a:r>
-            <a:endParaRPr lang="en-IN" dirty="0">
-              <a:solidFill>
-                <a:schemeClr val="tx1">
-                  <a:lumMod val="50000"/>
-                  <a:lumOff val="50000"/>
-                </a:schemeClr>
-              </a:solidFill>
-            </a:endParaRPr>
-          </a:p>
-        </p:txBody>
-      </p:sp>
-      <p:sp>
-        <p:nvSpPr>
-          <p:cNvPr id="5" name="Scroll: Vertical 4">
-            <a:extLst>
-              <a:ext uri="{FF2B5EF4-FFF2-40B4-BE49-F238E27FC236}">
-                <a16:creationId xmlns:a16="http://schemas.microsoft.com/office/drawing/2014/main" xmlns="" id="{38EB993A-3F18-C6B7-226F-EDD62B4B31DB}"/>
-              </a:ext>
-            </a:extLst>
-          </p:cNvPr>
-          <p:cNvSpPr/>
-          <p:nvPr/>
-        </p:nvSpPr>
-        <p:spPr>
-          <a:xfrm>
-            <a:off x="5561640" y="477079"/>
-            <a:ext cx="5616326" cy="6122504"/>
-          </a:xfrm>
-          <a:prstGeom prst="verticalScroll">
-            <a:avLst/>
-          </a:prstGeom>
-          <a:solidFill>
-            <a:schemeClr val="tx1">
-              <a:lumMod val="65000"/>
-              <a:lumOff val="35000"/>
-            </a:schemeClr>
-          </a:solidFill>
-          <a:ln>
-            <a:solidFill>
-              <a:schemeClr val="bg1">
-                <a:lumMod val="95000"/>
-              </a:schemeClr>
-            </a:solidFill>
-          </a:ln>
-        </p:spPr>
-        <p:style>
-          <a:lnRef idx="2">
-            <a:schemeClr val="accent1">
-              <a:shade val="15000"/>
-            </a:schemeClr>
-          </a:lnRef>
-          <a:fillRef idx="1">
-            <a:schemeClr val="accent1"/>
-          </a:fillRef>
-          <a:effectRef idx="0">
-            <a:schemeClr val="accent1"/>
-          </a:effectRef>
-          <a:fontRef idx="minor">
-            <a:schemeClr val="lt1"/>
-          </a:fontRef>
-        </p:style>
-        <p:txBody>
-          <a:bodyPr rtlCol="0" anchor="t"/>
-          <a:lstStyle/>
-          <a:p>
-            <a:r>
-              <a:rPr lang="en-US" sz="3600" b="1" dirty="0">
-                <a:solidFill>
-                  <a:schemeClr val="bg1"/>
-                </a:solidFill>
-              </a:rPr>
-              <a:t>Topics</a:t>
-            </a:r>
-          </a:p>
-          <a:p>
-            <a:pPr marL="285750" indent="-285750">
-              <a:lnSpc>
-                <a:spcPct val="150000"/>
-              </a:lnSpc>
-              <a:buFont typeface="Courier New" panose="02070309020205020404" pitchFamily="49" charset="0"/>
-              <a:buChar char="o"/>
-            </a:pPr>
-            <a:r>
-              <a:rPr lang="en-US" sz="1600" dirty="0">
-                <a:solidFill>
-                  <a:schemeClr val="bg1"/>
-                </a:solidFill>
-              </a:rPr>
-              <a:t>What are </a:t>
-            </a:r>
-            <a:r>
-              <a:rPr lang="en-US" sz="1600" dirty="0" err="1">
-                <a:solidFill>
-                  <a:schemeClr val="bg1"/>
-                </a:solidFill>
-              </a:rPr>
-              <a:t>var</a:t>
-            </a:r>
-            <a:r>
-              <a:rPr lang="en-US" sz="1600" dirty="0">
-                <a:solidFill>
-                  <a:schemeClr val="bg1"/>
-                </a:solidFill>
-              </a:rPr>
-              <a:t>, let, and const?</a:t>
-            </a:r>
-          </a:p>
-          <a:p>
-            <a:pPr marL="285750" indent="-285750">
-              <a:lnSpc>
-                <a:spcPct val="150000"/>
-              </a:lnSpc>
-              <a:buFont typeface="Courier New" panose="02070309020205020404" pitchFamily="49" charset="0"/>
-              <a:buChar char="o"/>
-            </a:pPr>
-            <a:r>
-              <a:rPr lang="en-IN" sz="1600" dirty="0">
-                <a:solidFill>
-                  <a:schemeClr val="bg1"/>
-                </a:solidFill>
-              </a:rPr>
-              <a:t>What is Hoisting</a:t>
-            </a:r>
-          </a:p>
-          <a:p>
-            <a:pPr marL="285750" indent="-285750">
-              <a:lnSpc>
-                <a:spcPct val="150000"/>
-              </a:lnSpc>
-              <a:buFont typeface="Courier New" panose="02070309020205020404" pitchFamily="49" charset="0"/>
-              <a:buChar char="o"/>
-            </a:pPr>
-            <a:r>
-              <a:rPr lang="en-IN" sz="1600" dirty="0">
-                <a:solidFill>
-                  <a:schemeClr val="bg1"/>
-                </a:solidFill>
-              </a:rPr>
-              <a:t>Undefined </a:t>
-            </a:r>
-            <a:r>
-              <a:rPr lang="en-IN" sz="1600" dirty="0" err="1">
-                <a:solidFill>
-                  <a:schemeClr val="bg1"/>
-                </a:solidFill>
-              </a:rPr>
-              <a:t>vs</a:t>
-            </a:r>
-            <a:r>
-              <a:rPr lang="en-IN" sz="1600" dirty="0">
-                <a:solidFill>
-                  <a:schemeClr val="bg1"/>
-                </a:solidFill>
-              </a:rPr>
-              <a:t> not-defined</a:t>
-            </a:r>
-          </a:p>
-          <a:p>
-            <a:pPr marL="285750" indent="-285750">
-              <a:lnSpc>
-                <a:spcPct val="150000"/>
-              </a:lnSpc>
-              <a:buFont typeface="Courier New" panose="02070309020205020404" pitchFamily="49" charset="0"/>
-              <a:buChar char="o"/>
-            </a:pPr>
-            <a:r>
-              <a:rPr lang="en-IN" sz="1600" dirty="0">
-                <a:solidFill>
-                  <a:schemeClr val="bg1"/>
-                </a:solidFill>
-              </a:rPr>
-              <a:t>Hoisting arrow function</a:t>
-            </a:r>
-          </a:p>
-          <a:p>
-            <a:pPr marL="285750" indent="-285750">
-              <a:lnSpc>
-                <a:spcPct val="150000"/>
-              </a:lnSpc>
-              <a:buFont typeface="Courier New" panose="02070309020205020404" pitchFamily="49" charset="0"/>
-              <a:buChar char="o"/>
-            </a:pPr>
-            <a:r>
-              <a:rPr lang="en-IN" sz="1600" dirty="0">
-                <a:solidFill>
-                  <a:schemeClr val="bg1"/>
-                </a:solidFill>
-              </a:rPr>
-              <a:t>What is the call stack and how it works</a:t>
-            </a:r>
-          </a:p>
-        </p:txBody>
-      </p:sp>
-    </p:spTree>
-    <p:extLst>
-      <p:ext uri="{BB962C8B-B14F-4D97-AF65-F5344CB8AC3E}">
-        <p14:creationId xmlns:p14="http://schemas.microsoft.com/office/powerpoint/2010/main" xmlns="" val="3287175084"/>
-      </p:ext>
-    </p:extLst>
-  </p:cSld>
-  <p:clrMapOvr>
-    <a:masterClrMapping/>
-  </p:clrMapOvr>
-</p:sld>
-</file>
-
-<file path=ppt/slides/slide21.xml><?xml version="1.0" encoding="utf-8"?>
+<file path=ppt/slides/slide22.xml><?xml version="1.0" encoding="utf-8"?>
 <p:sld xmlns:a="http://schemas.openxmlformats.org/drawingml/2006/main" xmlns:r="http://schemas.openxmlformats.org/officeDocument/2006/relationships" xmlns:p="http://schemas.openxmlformats.org/presentationml/2006/main">
   <p:cSld>
     <p:spTree>
@@ -12339,7 +12918,7 @@
         <p:cNvPr id="1" name="">
           <a:extLst>
             <a:ext uri="{FF2B5EF4-FFF2-40B4-BE49-F238E27FC236}">
-              <a16:creationId xmlns:a16="http://schemas.microsoft.com/office/drawing/2014/main" xmlns="" id="{4586E9D7-F5F8-14CC-9DF6-FC4AF2EA4249}"/>
+              <a16:creationId xmlns:a16="http://schemas.microsoft.com/office/drawing/2014/main" id="{4586E9D7-F5F8-14CC-9DF6-FC4AF2EA4249}"/>
             </a:ext>
           </a:extLst>
         </p:cNvPr>
@@ -12359,7 +12938,7 @@
           <p:cNvPr id="2" name="Title 1">
             <a:extLst>
               <a:ext uri="{FF2B5EF4-FFF2-40B4-BE49-F238E27FC236}">
-                <a16:creationId xmlns:a16="http://schemas.microsoft.com/office/drawing/2014/main" xmlns="" id="{D8B67155-694F-FF61-7CDD-33A20A316215}"/>
+                <a16:creationId xmlns:a16="http://schemas.microsoft.com/office/drawing/2014/main" id="{D8B67155-694F-FF61-7CDD-33A20A316215}"/>
               </a:ext>
             </a:extLst>
           </p:cNvPr>
@@ -12381,31 +12960,22 @@
           <a:lstStyle/>
           <a:p>
             <a:r>
+              <a:rPr lang="en-US" b="1" dirty="0" err="1">
+                <a:solidFill>
+                  <a:schemeClr val="tx1"/>
+                </a:solidFill>
+                <a:latin typeface="Bahnschrift SemiLight" pitchFamily="34" charset="0"/>
+              </a:rPr>
+              <a:t>var</a:t>
+            </a:r>
+            <a:r>
               <a:rPr lang="en-US" b="1" dirty="0">
                 <a:solidFill>
                   <a:schemeClr val="tx1"/>
                 </a:solidFill>
                 <a:latin typeface="Bahnschrift SemiLight" pitchFamily="34" charset="0"/>
               </a:rPr>
-              <a:t>What are </a:t>
-            </a:r>
-            <a:r>
-              <a:rPr lang="en-US" b="1" dirty="0" err="1">
-                <a:solidFill>
-                  <a:schemeClr val="tx1"/>
-                </a:solidFill>
-                <a:latin typeface="Bahnschrift SemiLight" pitchFamily="34" charset="0"/>
-              </a:rPr>
-              <a:t>var</a:t>
-            </a:r>
-            <a:r>
-              <a:rPr lang="en-US" b="1" dirty="0">
-                <a:solidFill>
-                  <a:schemeClr val="tx1"/>
-                </a:solidFill>
-                <a:latin typeface="Bahnschrift SemiLight" pitchFamily="34" charset="0"/>
-              </a:rPr>
-              <a:t>, let and const?</a:t>
+              <a:t> and let on global scope</a:t>
             </a:r>
           </a:p>
         </p:txBody>
@@ -12415,7 +12985,7 @@
           <p:cNvPr id="3" name="Content Placeholder 2">
             <a:extLst>
               <a:ext uri="{FF2B5EF4-FFF2-40B4-BE49-F238E27FC236}">
-                <a16:creationId xmlns:a16="http://schemas.microsoft.com/office/drawing/2014/main" xmlns="" id="{2A53D2DA-721D-FC7E-8E09-BCBD844B6F9F}"/>
+                <a16:creationId xmlns:a16="http://schemas.microsoft.com/office/drawing/2014/main" id="{2A53D2DA-721D-FC7E-8E09-BCBD844B6F9F}"/>
               </a:ext>
             </a:extLst>
           </p:cNvPr>
@@ -12429,47 +12999,80 @@
         <p:spPr>
           <a:xfrm>
             <a:off x="233198" y="1259254"/>
-            <a:ext cx="7502570" cy="1160096"/>
+            <a:ext cx="7502570" cy="5389196"/>
           </a:xfrm>
         </p:spPr>
         <p:txBody>
           <a:bodyPr>
-            <a:normAutofit lnSpcReduction="10000"/>
+            <a:normAutofit/>
           </a:bodyPr>
           <a:lstStyle/>
+          <a:p>
+            <a:r>
+              <a:rPr lang="en-US" sz="1600" dirty="0"/>
+              <a:t>Global Object Property</a:t>
+            </a:r>
+            <a:br>
+              <a:rPr lang="en-US" sz="1600" dirty="0"/>
+            </a:br>
+            <a:r>
+              <a:rPr lang="en-US" sz="1600" b="1" dirty="0" err="1"/>
+              <a:t>var</a:t>
+            </a:r>
+            <a:r>
+              <a:rPr lang="en-US" sz="1600" b="1" dirty="0"/>
+              <a:t>:</a:t>
+            </a:r>
+            <a:r>
+              <a:rPr lang="en-US" sz="1600" dirty="0"/>
+              <a:t> When declared in the global scope (outside of any function or block), </a:t>
+            </a:r>
+            <a:r>
+              <a:rPr lang="en-US" sz="1600" dirty="0" err="1"/>
+              <a:t>var</a:t>
+            </a:r>
+            <a:r>
+              <a:rPr lang="en-US" sz="1600" dirty="0"/>
+              <a:t> creates a property on the global object (e.g., window in browsers, global in Node.js). This means a </a:t>
+            </a:r>
+            <a:r>
+              <a:rPr lang="en-US" sz="1600" dirty="0" err="1"/>
+              <a:t>var</a:t>
+            </a:r>
+            <a:r>
+              <a:rPr lang="en-US" sz="1600" dirty="0"/>
+              <a:t> declared globally can be accessed as a property of the global object.</a:t>
+            </a:r>
+            <a:br>
+              <a:rPr lang="en-US" sz="1600" dirty="0"/>
+            </a:br>
+            <a:br>
+              <a:rPr lang="en-US" sz="1600" dirty="0"/>
+            </a:br>
+            <a:br>
+              <a:rPr lang="en-US" sz="1600" dirty="0"/>
+            </a:br>
+            <a:br>
+              <a:rPr lang="en-US" sz="1600" dirty="0"/>
+            </a:br>
+            <a:r>
+              <a:rPr lang="en-US" sz="1600" b="1" dirty="0"/>
+              <a:t>let:</a:t>
+            </a:r>
+            <a:r>
+              <a:rPr lang="en-US" sz="1600" dirty="0"/>
+              <a:t> In contrast, let declared in the global scope does not create a property on the global object. It still exists in the global scope and is accessible, but not as a direct property of window or global.</a:t>
+            </a:r>
+          </a:p>
+          <a:p>
+            <a:endParaRPr lang="en-US" sz="1600" dirty="0"/>
+          </a:p>
           <a:p>
             <a:pPr>
               <a:lnSpc>
                 <a:spcPct val="150000"/>
               </a:lnSpc>
             </a:pPr>
-            <a:r>
-              <a:rPr lang="en-US" sz="1600" dirty="0"/>
-              <a:t>In JavaScript, </a:t>
-            </a:r>
-            <a:r>
-              <a:rPr lang="en-US" sz="1600" dirty="0" err="1"/>
-              <a:t>var</a:t>
-            </a:r>
-            <a:r>
-              <a:rPr lang="en-US" sz="1600" dirty="0"/>
-              <a:t> is a keyword used to declare variables. It was the primary way to declare variables before the introduction of let and const in ES6 (</a:t>
-            </a:r>
-            <a:r>
-              <a:rPr lang="en-US" sz="1600" dirty="0" err="1"/>
-              <a:t>ECMAScript</a:t>
-            </a:r>
-            <a:r>
-              <a:rPr lang="en-US" sz="1600" dirty="0"/>
-              <a:t> </a:t>
-            </a:r>
-            <a:r>
-              <a:rPr lang="en-US" sz="1600" dirty="0" smtClean="0"/>
-              <a:t>2015)</a:t>
-            </a:r>
-            <a:endParaRPr lang="en-US" sz="1600" dirty="0"/>
-          </a:p>
-          <a:p>
             <a:endParaRPr lang="en-US" sz="1600" dirty="0"/>
           </a:p>
         </p:txBody>
@@ -12479,7 +13082,7 @@
           <p:cNvPr id="5" name="Ribbon: Curved and Tilted Down 4">
             <a:extLst>
               <a:ext uri="{FF2B5EF4-FFF2-40B4-BE49-F238E27FC236}">
-                <a16:creationId xmlns:a16="http://schemas.microsoft.com/office/drawing/2014/main" xmlns="" id="{3FA23525-E3EA-B8CB-FD6A-53084CA847A7}"/>
+                <a16:creationId xmlns:a16="http://schemas.microsoft.com/office/drawing/2014/main" id="{3FA23525-E3EA-B8CB-FD6A-53084CA847A7}"/>
               </a:ext>
             </a:extLst>
           </p:cNvPr>
@@ -12552,515 +13155,7 @@
           <p:cNvPr id="6" name="Scroll: Vertical 5">
             <a:extLst>
               <a:ext uri="{FF2B5EF4-FFF2-40B4-BE49-F238E27FC236}">
-                <a16:creationId xmlns:a16="http://schemas.microsoft.com/office/drawing/2014/main" xmlns="" id="{1A4C732A-2840-82C8-A359-298D925E33B3}"/>
-              </a:ext>
-            </a:extLst>
-          </p:cNvPr>
-          <p:cNvSpPr/>
-          <p:nvPr/>
-        </p:nvSpPr>
-        <p:spPr>
-          <a:xfrm>
-            <a:off x="7851914" y="715617"/>
-            <a:ext cx="4240696" cy="4989444"/>
-          </a:xfrm>
-          <a:prstGeom prst="verticalScroll">
-            <a:avLst/>
-          </a:prstGeom>
-          <a:solidFill>
-            <a:schemeClr val="bg1">
-              <a:lumMod val="85000"/>
-            </a:schemeClr>
-          </a:solidFill>
-          <a:ln>
-            <a:solidFill>
-              <a:schemeClr val="bg1">
-                <a:lumMod val="75000"/>
-                <a:lumOff val="25000"/>
-              </a:schemeClr>
-            </a:solidFill>
-          </a:ln>
-        </p:spPr>
-        <p:style>
-          <a:lnRef idx="2">
-            <a:schemeClr val="accent1">
-              <a:shade val="15000"/>
-            </a:schemeClr>
-          </a:lnRef>
-          <a:fillRef idx="1">
-            <a:schemeClr val="accent1"/>
-          </a:fillRef>
-          <a:effectRef idx="0">
-            <a:schemeClr val="accent1"/>
-          </a:effectRef>
-          <a:fontRef idx="minor">
-            <a:schemeClr val="lt1"/>
-          </a:fontRef>
-        </p:style>
-        <p:txBody>
-          <a:bodyPr rtlCol="0" anchor="t"/>
-          <a:lstStyle/>
-          <a:p>
-            <a:pPr>
-              <a:lnSpc>
-                <a:spcPct val="150000"/>
-              </a:lnSpc>
-            </a:pPr>
-            <a:r>
-              <a:rPr lang="en-US" sz="2400" b="1" dirty="0">
-                <a:solidFill>
-                  <a:schemeClr val="tx1"/>
-                </a:solidFill>
-              </a:rPr>
-              <a:t>Topics</a:t>
-            </a:r>
-          </a:p>
-          <a:p>
-            <a:pPr marL="285750" indent="-285750">
-              <a:lnSpc>
-                <a:spcPct val="150000"/>
-              </a:lnSpc>
-              <a:buFont typeface="Courier New" panose="02070309020205020404" pitchFamily="49" charset="0"/>
-              <a:buChar char="o"/>
-            </a:pPr>
-            <a:r>
-              <a:rPr lang="en-US" dirty="0">
-                <a:solidFill>
-                  <a:schemeClr val="tx1"/>
-                </a:solidFill>
-              </a:rPr>
-              <a:t>What are var, let, and const?</a:t>
-            </a:r>
-          </a:p>
-          <a:p>
-            <a:pPr marL="285750" indent="-285750">
-              <a:lnSpc>
-                <a:spcPct val="150000"/>
-              </a:lnSpc>
-              <a:buFont typeface="Courier New" panose="02070309020205020404" pitchFamily="49" charset="0"/>
-              <a:buChar char="o"/>
-            </a:pPr>
-            <a:r>
-              <a:rPr lang="en-IN" dirty="0">
-                <a:solidFill>
-                  <a:schemeClr val="tx1"/>
-                </a:solidFill>
-              </a:rPr>
-              <a:t>What is Hoisting</a:t>
-            </a:r>
-          </a:p>
-          <a:p>
-            <a:pPr marL="285750" indent="-285750">
-              <a:lnSpc>
-                <a:spcPct val="150000"/>
-              </a:lnSpc>
-              <a:buFont typeface="Courier New" panose="02070309020205020404" pitchFamily="49" charset="0"/>
-              <a:buChar char="o"/>
-            </a:pPr>
-            <a:r>
-              <a:rPr lang="en-IN" dirty="0">
-                <a:solidFill>
-                  <a:schemeClr val="tx1"/>
-                </a:solidFill>
-              </a:rPr>
-              <a:t>Undefined </a:t>
-            </a:r>
-            <a:r>
-              <a:rPr lang="en-IN" dirty="0" err="1">
-                <a:solidFill>
-                  <a:schemeClr val="tx1"/>
-                </a:solidFill>
-              </a:rPr>
-              <a:t>vs</a:t>
-            </a:r>
-            <a:r>
-              <a:rPr lang="en-IN" dirty="0">
-                <a:solidFill>
-                  <a:schemeClr val="tx1"/>
-                </a:solidFill>
-              </a:rPr>
-              <a:t> not-defined</a:t>
-            </a:r>
-          </a:p>
-          <a:p>
-            <a:pPr marL="285750" indent="-285750">
-              <a:lnSpc>
-                <a:spcPct val="150000"/>
-              </a:lnSpc>
-              <a:buFont typeface="Courier New" panose="02070309020205020404" pitchFamily="49" charset="0"/>
-              <a:buChar char="o"/>
-            </a:pPr>
-            <a:r>
-              <a:rPr lang="en-IN" dirty="0">
-                <a:solidFill>
-                  <a:schemeClr val="tx1"/>
-                </a:solidFill>
-              </a:rPr>
-              <a:t>With arrow function</a:t>
-            </a:r>
-          </a:p>
-          <a:p>
-            <a:pPr marL="285750" indent="-285750">
-              <a:lnSpc>
-                <a:spcPct val="150000"/>
-              </a:lnSpc>
-              <a:buFont typeface="Courier New" panose="02070309020205020404" pitchFamily="49" charset="0"/>
-              <a:buChar char="o"/>
-            </a:pPr>
-            <a:r>
-              <a:rPr lang="en-IN" dirty="0">
-                <a:solidFill>
-                  <a:schemeClr val="tx1"/>
-                </a:solidFill>
-              </a:rPr>
-              <a:t>What is the call stack and how it works</a:t>
-            </a:r>
-          </a:p>
-        </p:txBody>
-      </p:sp>
-      <p:sp>
-        <p:nvSpPr>
-          <p:cNvPr id="7" name="TextBox 6"/>
-          <p:cNvSpPr txBox="1"/>
-          <p:nvPr/>
-        </p:nvSpPr>
-        <p:spPr>
-          <a:xfrm>
-            <a:off x="9614263" y="801189"/>
-            <a:ext cx="1401346" cy="369332"/>
-          </a:xfrm>
-          <a:prstGeom prst="rect">
-            <a:avLst/>
-          </a:prstGeom>
-          <a:noFill/>
-        </p:spPr>
-        <p:txBody>
-          <a:bodyPr wrap="none" rtlCol="0">
-            <a:spAutoFit/>
-          </a:bodyPr>
-          <a:lstStyle/>
-          <a:p>
-            <a:r>
-              <a:rPr lang="en-IN" b="1" dirty="0">
-                <a:solidFill>
-                  <a:schemeClr val="accent2">
-                    <a:lumMod val="60000"/>
-                    <a:lumOff val="40000"/>
-                  </a:schemeClr>
-                </a:solidFill>
-                <a:latin typeface="Bahnschrift SemiLight" pitchFamily="34" charset="0"/>
-              </a:rPr>
-              <a:t>Chapter - 5</a:t>
-            </a:r>
-            <a:endParaRPr lang="en-US" b="1" dirty="0">
-              <a:solidFill>
-                <a:schemeClr val="accent2">
-                  <a:lumMod val="60000"/>
-                  <a:lumOff val="40000"/>
-                </a:schemeClr>
-              </a:solidFill>
-              <a:latin typeface="Bahnschrift SemiLight" pitchFamily="34" charset="0"/>
-            </a:endParaRPr>
-          </a:p>
-        </p:txBody>
-      </p:sp>
-      <p:pic>
-        <p:nvPicPr>
-          <p:cNvPr id="1026" name="Picture 2" descr="C:\Users\Gautam\Downloads\Blank board - Page 1 (3).png"/>
-          <p:cNvPicPr>
-            <a:picLocks noChangeAspect="1" noChangeArrowheads="1"/>
-          </p:cNvPicPr>
-          <p:nvPr/>
-        </p:nvPicPr>
-        <p:blipFill>
-          <a:blip r:embed="rId2"/>
-          <a:srcRect/>
-          <a:stretch>
-            <a:fillRect/>
-          </a:stretch>
-        </p:blipFill>
-        <p:spPr bwMode="auto">
-          <a:xfrm>
-            <a:off x="414294" y="2819400"/>
-            <a:ext cx="7849726" cy="2809875"/>
-          </a:xfrm>
-          <a:prstGeom prst="rect">
-            <a:avLst/>
-          </a:prstGeom>
-          <a:noFill/>
-        </p:spPr>
-      </p:pic>
-    </p:spTree>
-    <p:extLst>
-      <p:ext uri="{BB962C8B-B14F-4D97-AF65-F5344CB8AC3E}">
-        <p14:creationId xmlns:p14="http://schemas.microsoft.com/office/powerpoint/2010/main" xmlns="" val="3002471670"/>
-      </p:ext>
-    </p:extLst>
-  </p:cSld>
-  <p:clrMapOvr>
-    <a:masterClrMapping/>
-  </p:clrMapOvr>
-</p:sld>
-</file>
-
-<file path=ppt/slides/slide22.xml><?xml version="1.0" encoding="utf-8"?>
-<p:sld xmlns:a="http://schemas.openxmlformats.org/drawingml/2006/main" xmlns:r="http://schemas.openxmlformats.org/officeDocument/2006/relationships" xmlns:p="http://schemas.openxmlformats.org/presentationml/2006/main">
-  <p:cSld>
-    <p:spTree>
-      <p:nvGrpSpPr>
-        <p:cNvPr id="1" name="">
-          <a:extLst>
-            <a:ext uri="{FF2B5EF4-FFF2-40B4-BE49-F238E27FC236}">
-              <a16:creationId xmlns:a16="http://schemas.microsoft.com/office/drawing/2014/main" xmlns="" id="{4586E9D7-F5F8-14CC-9DF6-FC4AF2EA4249}"/>
-            </a:ext>
-          </a:extLst>
-        </p:cNvPr>
-        <p:cNvGrpSpPr/>
-        <p:nvPr/>
-      </p:nvGrpSpPr>
-      <p:grpSpPr>
-        <a:xfrm>
-          <a:off x="0" y="0"/>
-          <a:ext cx="0" cy="0"/>
-          <a:chOff x="0" y="0"/>
-          <a:chExt cx="0" cy="0"/>
-        </a:xfrm>
-      </p:grpSpPr>
-      <p:sp>
-        <p:nvSpPr>
-          <p:cNvPr id="2" name="Title 1">
-            <a:extLst>
-              <a:ext uri="{FF2B5EF4-FFF2-40B4-BE49-F238E27FC236}">
-                <a16:creationId xmlns:a16="http://schemas.microsoft.com/office/drawing/2014/main" xmlns="" id="{D8B67155-694F-FF61-7CDD-33A20A316215}"/>
-              </a:ext>
-            </a:extLst>
-          </p:cNvPr>
-          <p:cNvSpPr>
-            <a:spLocks noGrp="1"/>
-          </p:cNvSpPr>
-          <p:nvPr>
-            <p:ph type="title"/>
-          </p:nvPr>
-        </p:nvSpPr>
-        <p:spPr>
-          <a:xfrm>
-            <a:off x="198363" y="597199"/>
-            <a:ext cx="8596668" cy="666407"/>
-          </a:xfrm>
-        </p:spPr>
-        <p:txBody>
-          <a:bodyPr/>
-          <a:lstStyle/>
-          <a:p>
-            <a:r>
-              <a:rPr lang="en-US" b="1" dirty="0" err="1">
-                <a:solidFill>
-                  <a:schemeClr val="tx1"/>
-                </a:solidFill>
-                <a:latin typeface="Bahnschrift SemiLight" pitchFamily="34" charset="0"/>
-              </a:rPr>
-              <a:t>var</a:t>
-            </a:r>
-            <a:r>
-              <a:rPr lang="en-US" b="1" dirty="0">
-                <a:solidFill>
-                  <a:schemeClr val="tx1"/>
-                </a:solidFill>
-                <a:latin typeface="Bahnschrift SemiLight" pitchFamily="34" charset="0"/>
-              </a:rPr>
-              <a:t> and let on global scope</a:t>
-            </a:r>
-          </a:p>
-        </p:txBody>
-      </p:sp>
-      <p:sp>
-        <p:nvSpPr>
-          <p:cNvPr id="3" name="Content Placeholder 2">
-            <a:extLst>
-              <a:ext uri="{FF2B5EF4-FFF2-40B4-BE49-F238E27FC236}">
-                <a16:creationId xmlns:a16="http://schemas.microsoft.com/office/drawing/2014/main" xmlns="" id="{2A53D2DA-721D-FC7E-8E09-BCBD844B6F9F}"/>
-              </a:ext>
-            </a:extLst>
-          </p:cNvPr>
-          <p:cNvSpPr>
-            <a:spLocks noGrp="1"/>
-          </p:cNvSpPr>
-          <p:nvPr>
-            <p:ph idx="1"/>
-          </p:nvPr>
-        </p:nvSpPr>
-        <p:spPr>
-          <a:xfrm>
-            <a:off x="233198" y="1259254"/>
-            <a:ext cx="7502570" cy="5389196"/>
-          </a:xfrm>
-        </p:spPr>
-        <p:txBody>
-          <a:bodyPr>
-            <a:normAutofit/>
-          </a:bodyPr>
-          <a:lstStyle/>
-          <a:p>
-            <a:r>
-              <a:rPr lang="en-US" sz="1600" dirty="0"/>
-              <a:t>Global Object Property</a:t>
-            </a:r>
-            <a:br>
-              <a:rPr lang="en-US" sz="1600" dirty="0"/>
-            </a:br>
-            <a:r>
-              <a:rPr lang="en-US" sz="1600" b="1" dirty="0" err="1"/>
-              <a:t>var</a:t>
-            </a:r>
-            <a:r>
-              <a:rPr lang="en-US" sz="1600" b="1" dirty="0"/>
-              <a:t>:</a:t>
-            </a:r>
-            <a:r>
-              <a:rPr lang="en-US" sz="1600" dirty="0"/>
-              <a:t> When declared in the global scope (outside of any function or block), </a:t>
-            </a:r>
-            <a:r>
-              <a:rPr lang="en-US" sz="1600" dirty="0" err="1"/>
-              <a:t>var</a:t>
-            </a:r>
-            <a:r>
-              <a:rPr lang="en-US" sz="1600" dirty="0"/>
-              <a:t> creates a property on the global object (e.g., window in browsers, global in Node.js). This means a </a:t>
-            </a:r>
-            <a:r>
-              <a:rPr lang="en-US" sz="1600" dirty="0" err="1"/>
-              <a:t>var</a:t>
-            </a:r>
-            <a:r>
-              <a:rPr lang="en-US" sz="1600" dirty="0"/>
-              <a:t> declared globally can be accessed as a property of the global object.</a:t>
-            </a:r>
-            <a:br>
-              <a:rPr lang="en-US" sz="1600" dirty="0"/>
-            </a:br>
-            <a:r>
-              <a:rPr lang="en-US" sz="1600" dirty="0"/>
-              <a:t/>
-            </a:r>
-            <a:br>
-              <a:rPr lang="en-US" sz="1600" dirty="0"/>
-            </a:br>
-            <a:r>
-              <a:rPr lang="en-US" sz="1600" dirty="0"/>
-              <a:t/>
-            </a:r>
-            <a:br>
-              <a:rPr lang="en-US" sz="1600" dirty="0"/>
-            </a:br>
-            <a:r>
-              <a:rPr lang="en-US" sz="1600" dirty="0"/>
-              <a:t/>
-            </a:r>
-            <a:br>
-              <a:rPr lang="en-US" sz="1600" dirty="0"/>
-            </a:br>
-            <a:r>
-              <a:rPr lang="en-US" sz="1600" b="1" dirty="0"/>
-              <a:t>let:</a:t>
-            </a:r>
-            <a:r>
-              <a:rPr lang="en-US" sz="1600" dirty="0"/>
-              <a:t> In contrast, let declared in the global scope does not create a property on the global object. It still exists in the global scope and is accessible, but not as a direct property of window or global.</a:t>
-            </a:r>
-          </a:p>
-          <a:p>
-            <a:endParaRPr lang="en-US" sz="1600" dirty="0"/>
-          </a:p>
-          <a:p>
-            <a:pPr>
-              <a:lnSpc>
-                <a:spcPct val="150000"/>
-              </a:lnSpc>
-            </a:pPr>
-            <a:endParaRPr lang="en-US" sz="1600" dirty="0"/>
-          </a:p>
-        </p:txBody>
-      </p:sp>
-      <p:sp>
-        <p:nvSpPr>
-          <p:cNvPr id="5" name="Ribbon: Curved and Tilted Down 4">
-            <a:extLst>
-              <a:ext uri="{FF2B5EF4-FFF2-40B4-BE49-F238E27FC236}">
-                <a16:creationId xmlns:a16="http://schemas.microsoft.com/office/drawing/2014/main" xmlns="" id="{3FA23525-E3EA-B8CB-FD6A-53084CA847A7}"/>
-              </a:ext>
-            </a:extLst>
-          </p:cNvPr>
-          <p:cNvSpPr/>
-          <p:nvPr/>
-        </p:nvSpPr>
-        <p:spPr>
-          <a:xfrm>
-            <a:off x="198362" y="149779"/>
-            <a:ext cx="3337317" cy="424987"/>
-          </a:xfrm>
-          <a:prstGeom prst="ellipseRibbon">
-            <a:avLst/>
-          </a:prstGeom>
-          <a:solidFill>
-            <a:schemeClr val="bg1">
-              <a:lumMod val="85000"/>
-              <a:lumOff val="15000"/>
-            </a:schemeClr>
-          </a:solidFill>
-          <a:ln>
-            <a:noFill/>
-          </a:ln>
-        </p:spPr>
-        <p:style>
-          <a:lnRef idx="2">
-            <a:schemeClr val="accent1">
-              <a:shade val="15000"/>
-            </a:schemeClr>
-          </a:lnRef>
-          <a:fillRef idx="1">
-            <a:schemeClr val="accent1"/>
-          </a:fillRef>
-          <a:effectRef idx="0">
-            <a:schemeClr val="accent1"/>
-          </a:effectRef>
-          <a:fontRef idx="minor">
-            <a:schemeClr val="lt1"/>
-          </a:fontRef>
-        </p:style>
-        <p:txBody>
-          <a:bodyPr rtlCol="0" anchor="ctr"/>
-          <a:lstStyle/>
-          <a:p>
-            <a:pPr algn="ctr"/>
-            <a:r>
-              <a:rPr lang="en-US" sz="1100" dirty="0">
-                <a:solidFill>
-                  <a:schemeClr val="tx1">
-                    <a:lumMod val="65000"/>
-                    <a:lumOff val="35000"/>
-                  </a:schemeClr>
-                </a:solidFill>
-              </a:rPr>
-              <a:t>JavaScript Tutorials</a:t>
-            </a:r>
-            <a:endParaRPr lang="en-IN" sz="1100" dirty="0">
-              <a:solidFill>
-                <a:schemeClr val="tx1">
-                  <a:lumMod val="65000"/>
-                  <a:lumOff val="35000"/>
-                </a:schemeClr>
-              </a:solidFill>
-            </a:endParaRPr>
-          </a:p>
-        </p:txBody>
-      </p:sp>
-      <p:sp>
-        <p:nvSpPr>
-          <p:cNvPr id="6" name="Scroll: Vertical 5">
-            <a:extLst>
-              <a:ext uri="{FF2B5EF4-FFF2-40B4-BE49-F238E27FC236}">
-                <a16:creationId xmlns:a16="http://schemas.microsoft.com/office/drawing/2014/main" xmlns="" id="{1A4C732A-2840-82C8-A359-298D925E33B3}"/>
+                <a16:creationId xmlns:a16="http://schemas.microsoft.com/office/drawing/2014/main" id="{1A4C732A-2840-82C8-A359-298D925E33B3}"/>
               </a:ext>
             </a:extLst>
           </p:cNvPr>
@@ -13274,7 +13369,7 @@
     </p:spTree>
     <p:extLst>
       <p:ext uri="{BB962C8B-B14F-4D97-AF65-F5344CB8AC3E}">
-        <p14:creationId xmlns:p14="http://schemas.microsoft.com/office/powerpoint/2010/main" xmlns="" val="3002471670"/>
+        <p14:creationId xmlns:p14="http://schemas.microsoft.com/office/powerpoint/2010/main" val="3002471670"/>
       </p:ext>
     </p:extLst>
   </p:cSld>
@@ -13292,7 +13387,7 @@
         <p:cNvPr id="1" name="">
           <a:extLst>
             <a:ext uri="{FF2B5EF4-FFF2-40B4-BE49-F238E27FC236}">
-              <a16:creationId xmlns:a16="http://schemas.microsoft.com/office/drawing/2014/main" xmlns="" id="{4586E9D7-F5F8-14CC-9DF6-FC4AF2EA4249}"/>
+              <a16:creationId xmlns:a16="http://schemas.microsoft.com/office/drawing/2014/main" id="{4586E9D7-F5F8-14CC-9DF6-FC4AF2EA4249}"/>
             </a:ext>
           </a:extLst>
         </p:cNvPr>
@@ -13312,7 +13407,7 @@
           <p:cNvPr id="2" name="Title 1">
             <a:extLst>
               <a:ext uri="{FF2B5EF4-FFF2-40B4-BE49-F238E27FC236}">
-                <a16:creationId xmlns:a16="http://schemas.microsoft.com/office/drawing/2014/main" xmlns="" id="{D8B67155-694F-FF61-7CDD-33A20A316215}"/>
+                <a16:creationId xmlns:a16="http://schemas.microsoft.com/office/drawing/2014/main" id="{D8B67155-694F-FF61-7CDD-33A20A316215}"/>
               </a:ext>
             </a:extLst>
           </p:cNvPr>
@@ -13388,7 +13483,7 @@
           <p:cNvPr id="5" name="Ribbon: Curved and Tilted Down 4">
             <a:extLst>
               <a:ext uri="{FF2B5EF4-FFF2-40B4-BE49-F238E27FC236}">
-                <a16:creationId xmlns:a16="http://schemas.microsoft.com/office/drawing/2014/main" xmlns="" id="{3FA23525-E3EA-B8CB-FD6A-53084CA847A7}"/>
+                <a16:creationId xmlns:a16="http://schemas.microsoft.com/office/drawing/2014/main" id="{3FA23525-E3EA-B8CB-FD6A-53084CA847A7}"/>
               </a:ext>
             </a:extLst>
           </p:cNvPr>
@@ -13461,7 +13556,7 @@
           <p:cNvPr id="6" name="Scroll: Vertical 5">
             <a:extLst>
               <a:ext uri="{FF2B5EF4-FFF2-40B4-BE49-F238E27FC236}">
-                <a16:creationId xmlns:a16="http://schemas.microsoft.com/office/drawing/2014/main" xmlns="" id="{1A4C732A-2840-82C8-A359-298D925E33B3}"/>
+                <a16:creationId xmlns:a16="http://schemas.microsoft.com/office/drawing/2014/main" id="{1A4C732A-2840-82C8-A359-298D925E33B3}"/>
               </a:ext>
             </a:extLst>
           </p:cNvPr>
@@ -13611,7 +13706,7 @@
           <p:cNvPr id="9" name="Content Placeholder 2">
             <a:extLst>
               <a:ext uri="{FF2B5EF4-FFF2-40B4-BE49-F238E27FC236}">
-                <a16:creationId xmlns:a16="http://schemas.microsoft.com/office/drawing/2014/main" xmlns="" id="{2A53D2DA-721D-FC7E-8E09-BCBD844B6F9F}"/>
+                <a16:creationId xmlns:a16="http://schemas.microsoft.com/office/drawing/2014/main" id="{2A53D2DA-721D-FC7E-8E09-BCBD844B6F9F}"/>
               </a:ext>
             </a:extLst>
           </p:cNvPr>
@@ -13742,7 +13837,7 @@
           <p:cNvPr id="11" name="Content Placeholder 2">
             <a:extLst>
               <a:ext uri="{FF2B5EF4-FFF2-40B4-BE49-F238E27FC236}">
-                <a16:creationId xmlns:a16="http://schemas.microsoft.com/office/drawing/2014/main" xmlns="" id="{2A53D2DA-721D-FC7E-8E09-BCBD844B6F9F}"/>
+                <a16:creationId xmlns:a16="http://schemas.microsoft.com/office/drawing/2014/main" id="{2A53D2DA-721D-FC7E-8E09-BCBD844B6F9F}"/>
               </a:ext>
             </a:extLst>
           </p:cNvPr>
@@ -13947,7 +14042,7 @@
     </p:spTree>
     <p:extLst>
       <p:ext uri="{BB962C8B-B14F-4D97-AF65-F5344CB8AC3E}">
-        <p14:creationId xmlns:p14="http://schemas.microsoft.com/office/powerpoint/2010/main" xmlns="" val="3002471670"/>
+        <p14:creationId xmlns:p14="http://schemas.microsoft.com/office/powerpoint/2010/main" val="3002471670"/>
       </p:ext>
     </p:extLst>
   </p:cSld>
@@ -13965,7 +14060,7 @@
         <p:cNvPr id="1" name="">
           <a:extLst>
             <a:ext uri="{FF2B5EF4-FFF2-40B4-BE49-F238E27FC236}">
-              <a16:creationId xmlns:a16="http://schemas.microsoft.com/office/drawing/2014/main" xmlns="" id="{4586E9D7-F5F8-14CC-9DF6-FC4AF2EA4249}"/>
+              <a16:creationId xmlns:a16="http://schemas.microsoft.com/office/drawing/2014/main" id="{4586E9D7-F5F8-14CC-9DF6-FC4AF2EA4249}"/>
             </a:ext>
           </a:extLst>
         </p:cNvPr>
@@ -13985,7 +14080,7 @@
           <p:cNvPr id="2" name="Title 1">
             <a:extLst>
               <a:ext uri="{FF2B5EF4-FFF2-40B4-BE49-F238E27FC236}">
-                <a16:creationId xmlns:a16="http://schemas.microsoft.com/office/drawing/2014/main" xmlns="" id="{D8B67155-694F-FF61-7CDD-33A20A316215}"/>
+                <a16:creationId xmlns:a16="http://schemas.microsoft.com/office/drawing/2014/main" id="{D8B67155-694F-FF61-7CDD-33A20A316215}"/>
               </a:ext>
             </a:extLst>
           </p:cNvPr>
@@ -14025,7 +14120,7 @@
           <p:cNvPr id="5" name="Ribbon: Curved and Tilted Down 4">
             <a:extLst>
               <a:ext uri="{FF2B5EF4-FFF2-40B4-BE49-F238E27FC236}">
-                <a16:creationId xmlns:a16="http://schemas.microsoft.com/office/drawing/2014/main" xmlns="" id="{3FA23525-E3EA-B8CB-FD6A-53084CA847A7}"/>
+                <a16:creationId xmlns:a16="http://schemas.microsoft.com/office/drawing/2014/main" id="{3FA23525-E3EA-B8CB-FD6A-53084CA847A7}"/>
               </a:ext>
             </a:extLst>
           </p:cNvPr>
@@ -14098,7 +14193,7 @@
           <p:cNvPr id="6" name="Scroll: Vertical 5">
             <a:extLst>
               <a:ext uri="{FF2B5EF4-FFF2-40B4-BE49-F238E27FC236}">
-                <a16:creationId xmlns:a16="http://schemas.microsoft.com/office/drawing/2014/main" xmlns="" id="{1A4C732A-2840-82C8-A359-298D925E33B3}"/>
+                <a16:creationId xmlns:a16="http://schemas.microsoft.com/office/drawing/2014/main" id="{1A4C732A-2840-82C8-A359-298D925E33B3}"/>
               </a:ext>
             </a:extLst>
           </p:cNvPr>
@@ -14248,7 +14343,7 @@
           <p:cNvPr id="9" name="Content Placeholder 2">
             <a:extLst>
               <a:ext uri="{FF2B5EF4-FFF2-40B4-BE49-F238E27FC236}">
-                <a16:creationId xmlns:a16="http://schemas.microsoft.com/office/drawing/2014/main" xmlns="" id="{2A53D2DA-721D-FC7E-8E09-BCBD844B6F9F}"/>
+                <a16:creationId xmlns:a16="http://schemas.microsoft.com/office/drawing/2014/main" id="{2A53D2DA-721D-FC7E-8E09-BCBD844B6F9F}"/>
               </a:ext>
             </a:extLst>
           </p:cNvPr>
@@ -14379,7 +14474,7 @@
           <p:cNvPr id="11" name="Content Placeholder 2">
             <a:extLst>
               <a:ext uri="{FF2B5EF4-FFF2-40B4-BE49-F238E27FC236}">
-                <a16:creationId xmlns:a16="http://schemas.microsoft.com/office/drawing/2014/main" xmlns="" id="{2A53D2DA-721D-FC7E-8E09-BCBD844B6F9F}"/>
+                <a16:creationId xmlns:a16="http://schemas.microsoft.com/office/drawing/2014/main" id="{2A53D2DA-721D-FC7E-8E09-BCBD844B6F9F}"/>
               </a:ext>
             </a:extLst>
           </p:cNvPr>
@@ -14653,7 +14748,7 @@
     </p:spTree>
     <p:extLst>
       <p:ext uri="{BB962C8B-B14F-4D97-AF65-F5344CB8AC3E}">
-        <p14:creationId xmlns:p14="http://schemas.microsoft.com/office/powerpoint/2010/main" xmlns="" val="3002471670"/>
+        <p14:creationId xmlns:p14="http://schemas.microsoft.com/office/powerpoint/2010/main" val="3002471670"/>
       </p:ext>
     </p:extLst>
   </p:cSld>
@@ -14671,7 +14766,7 @@
         <p:cNvPr id="1" name="">
           <a:extLst>
             <a:ext uri="{FF2B5EF4-FFF2-40B4-BE49-F238E27FC236}">
-              <a16:creationId xmlns:a16="http://schemas.microsoft.com/office/drawing/2014/main" xmlns="" id="{4586E9D7-F5F8-14CC-9DF6-FC4AF2EA4249}"/>
+              <a16:creationId xmlns:a16="http://schemas.microsoft.com/office/drawing/2014/main" id="{4586E9D7-F5F8-14CC-9DF6-FC4AF2EA4249}"/>
             </a:ext>
           </a:extLst>
         </p:cNvPr>
@@ -14691,7 +14786,7 @@
           <p:cNvPr id="2" name="Title 1">
             <a:extLst>
               <a:ext uri="{FF2B5EF4-FFF2-40B4-BE49-F238E27FC236}">
-                <a16:creationId xmlns:a16="http://schemas.microsoft.com/office/drawing/2014/main" xmlns="" id="{D8B67155-694F-FF61-7CDD-33A20A316215}"/>
+                <a16:creationId xmlns:a16="http://schemas.microsoft.com/office/drawing/2014/main" id="{D8B67155-694F-FF61-7CDD-33A20A316215}"/>
               </a:ext>
             </a:extLst>
           </p:cNvPr>
@@ -14836,7 +14931,7 @@
           <p:cNvPr id="5" name="Ribbon: Curved and Tilted Down 4">
             <a:extLst>
               <a:ext uri="{FF2B5EF4-FFF2-40B4-BE49-F238E27FC236}">
-                <a16:creationId xmlns:a16="http://schemas.microsoft.com/office/drawing/2014/main" xmlns="" id="{3FA23525-E3EA-B8CB-FD6A-53084CA847A7}"/>
+                <a16:creationId xmlns:a16="http://schemas.microsoft.com/office/drawing/2014/main" id="{3FA23525-E3EA-B8CB-FD6A-53084CA847A7}"/>
               </a:ext>
             </a:extLst>
           </p:cNvPr>
@@ -14909,7 +15004,7 @@
           <p:cNvPr id="6" name="Scroll: Vertical 5">
             <a:extLst>
               <a:ext uri="{FF2B5EF4-FFF2-40B4-BE49-F238E27FC236}">
-                <a16:creationId xmlns:a16="http://schemas.microsoft.com/office/drawing/2014/main" xmlns="" id="{1A4C732A-2840-82C8-A359-298D925E33B3}"/>
+                <a16:creationId xmlns:a16="http://schemas.microsoft.com/office/drawing/2014/main" id="{1A4C732A-2840-82C8-A359-298D925E33B3}"/>
               </a:ext>
             </a:extLst>
           </p:cNvPr>
@@ -15057,7 +15152,7 @@
     </p:spTree>
     <p:extLst>
       <p:ext uri="{BB962C8B-B14F-4D97-AF65-F5344CB8AC3E}">
-        <p14:creationId xmlns:p14="http://schemas.microsoft.com/office/powerpoint/2010/main" xmlns="" val="3002471670"/>
+        <p14:creationId xmlns:p14="http://schemas.microsoft.com/office/powerpoint/2010/main" val="3002471670"/>
       </p:ext>
     </p:extLst>
   </p:cSld>
@@ -15089,7 +15184,7 @@
           <p:cNvPr id="9" name="Explosion: 14 Points 8">
             <a:extLst>
               <a:ext uri="{FF2B5EF4-FFF2-40B4-BE49-F238E27FC236}">
-                <a16:creationId xmlns:a16="http://schemas.microsoft.com/office/drawing/2014/main" xmlns="" id="{0A2CD68B-7A56-F86D-8B6F-4A8BF99B4C9E}"/>
+                <a16:creationId xmlns:a16="http://schemas.microsoft.com/office/drawing/2014/main" id="{0A2CD68B-7A56-F86D-8B6F-4A8BF99B4C9E}"/>
               </a:ext>
             </a:extLst>
           </p:cNvPr>
@@ -15144,7 +15239,7 @@
           <p:cNvPr id="2" name="Title 1">
             <a:extLst>
               <a:ext uri="{FF2B5EF4-FFF2-40B4-BE49-F238E27FC236}">
-                <a16:creationId xmlns:a16="http://schemas.microsoft.com/office/drawing/2014/main" xmlns="" id="{62BB4F8D-44B7-9866-F7B2-6375CB902974}"/>
+                <a16:creationId xmlns:a16="http://schemas.microsoft.com/office/drawing/2014/main" id="{62BB4F8D-44B7-9866-F7B2-6375CB902974}"/>
               </a:ext>
             </a:extLst>
           </p:cNvPr>
@@ -15178,15 +15273,6 @@
               </a:rPr>
               <a:t>JavaScript</a:t>
             </a:r>
-            <a:r>
-              <a:rPr lang="en-US" sz="7200" b="1" dirty="0">
-                <a:solidFill>
-                  <a:schemeClr val="tx1"/>
-                </a:solidFill>
-                <a:latin typeface="Barlow Black" panose="00000A00000000000000" pitchFamily="2" charset="0"/>
-              </a:rPr>
-              <a:t/>
-            </a:r>
             <a:br>
               <a:rPr lang="en-US" sz="7200" b="1" dirty="0">
                 <a:solidFill>
@@ -15202,25 +15288,7 @@
                 </a:solidFill>
                 <a:latin typeface="Barlow Black" panose="00000A00000000000000" pitchFamily="2" charset="0"/>
               </a:rPr>
-              <a:t>Chapter – </a:t>
-            </a:r>
-            <a:r>
-              <a:rPr lang="en-US" sz="7200" b="1" dirty="0" smtClean="0">
-                <a:solidFill>
-                  <a:schemeClr val="tx1"/>
-                </a:solidFill>
-                <a:latin typeface="Barlow Black" panose="00000A00000000000000" pitchFamily="2" charset="0"/>
-              </a:rPr>
-              <a:t>6</a:t>
-            </a:r>
-            <a:r>
-              <a:rPr lang="en-US" sz="7200" b="1" dirty="0">
-                <a:solidFill>
-                  <a:schemeClr val="tx1"/>
-                </a:solidFill>
-                <a:latin typeface="Barlow Black" panose="00000A00000000000000" pitchFamily="2" charset="0"/>
-              </a:rPr>
-              <a:t/>
+              <a:t>Chapter – 6</a:t>
             </a:r>
             <a:br>
               <a:rPr lang="en-US" sz="7200" b="1" dirty="0">
@@ -15231,7 +15299,7 @@
               </a:rPr>
             </a:br>
             <a:r>
-              <a:rPr lang="en-US" sz="2800" dirty="0" smtClean="0">
+              <a:rPr lang="en-US" sz="5400" dirty="0">
                 <a:solidFill>
                   <a:schemeClr val="accent2">
                     <a:lumMod val="60000"/>
@@ -15243,7 +15311,7 @@
               <a:t>(</a:t>
             </a:r>
             <a:r>
-              <a:rPr lang="en-US" dirty="0" smtClean="0">
+              <a:rPr lang="en-US" sz="6000" dirty="0">
                 <a:solidFill>
                   <a:schemeClr val="accent2">
                     <a:lumMod val="60000"/>
@@ -15255,7 +15323,7 @@
               <a:t>data types</a:t>
             </a:r>
             <a:r>
-              <a:rPr lang="en-US" sz="2800" dirty="0" smtClean="0">
+              <a:rPr lang="en-US" sz="5400" dirty="0">
                 <a:solidFill>
                   <a:schemeClr val="accent2">
                     <a:lumMod val="60000"/>
@@ -15266,7 +15334,7 @@
               </a:rPr>
               <a:t>)</a:t>
             </a:r>
-            <a:endParaRPr lang="en-IN" sz="2800" dirty="0">
+            <a:endParaRPr lang="en-IN" sz="5400" dirty="0">
               <a:solidFill>
                 <a:schemeClr val="accent2">
                   <a:lumMod val="60000"/>
@@ -15283,7 +15351,7 @@
           <p:cNvPr id="4" name="Ribbon: Curved and Tilted Down 3">
             <a:extLst>
               <a:ext uri="{FF2B5EF4-FFF2-40B4-BE49-F238E27FC236}">
-                <a16:creationId xmlns:a16="http://schemas.microsoft.com/office/drawing/2014/main" xmlns="" id="{909DBECF-689C-9AA7-1649-9166A578EDF9}"/>
+                <a16:creationId xmlns:a16="http://schemas.microsoft.com/office/drawing/2014/main" id="{909DBECF-689C-9AA7-1649-9166A578EDF9}"/>
               </a:ext>
             </a:extLst>
           </p:cNvPr>
@@ -15350,7 +15418,7 @@
           <p:cNvPr id="8" name="TextBox 7">
             <a:extLst>
               <a:ext uri="{FF2B5EF4-FFF2-40B4-BE49-F238E27FC236}">
-                <a16:creationId xmlns:a16="http://schemas.microsoft.com/office/drawing/2014/main" xmlns="" id="{6E6F1672-8C91-3FA6-CB80-58FD68172333}"/>
+                <a16:creationId xmlns:a16="http://schemas.microsoft.com/office/drawing/2014/main" id="{6E6F1672-8C91-3FA6-CB80-58FD68172333}"/>
               </a:ext>
             </a:extLst>
           </p:cNvPr>
@@ -15405,7 +15473,7 @@
           <p:cNvPr id="5" name="Scroll: Vertical 4">
             <a:extLst>
               <a:ext uri="{FF2B5EF4-FFF2-40B4-BE49-F238E27FC236}">
-                <a16:creationId xmlns:a16="http://schemas.microsoft.com/office/drawing/2014/main" xmlns="" id="{38EB993A-3F18-C6B7-226F-EDD62B4B31DB}"/>
+                <a16:creationId xmlns:a16="http://schemas.microsoft.com/office/drawing/2014/main" id="{38EB993A-3F18-C6B7-226F-EDD62B4B31DB}"/>
               </a:ext>
             </a:extLst>
           </p:cNvPr>
@@ -15455,7 +15523,23 @@
           <a:lstStyle/>
           <a:p>
             <a:r>
+              <a:rPr lang="en-US" sz="3200" b="1" dirty="0">
+                <a:solidFill>
+                  <a:schemeClr val="bg1"/>
+                </a:solidFill>
+                <a:latin typeface="Barlow Black" panose="00000A00000000000000" pitchFamily="2" charset="0"/>
+              </a:rPr>
+              <a:t>Data types</a:t>
+            </a:r>
+            <a:br>
               <a:rPr lang="en-US" sz="3600" b="1" dirty="0">
+                <a:solidFill>
+                  <a:schemeClr val="bg1"/>
+                </a:solidFill>
+              </a:rPr>
+            </a:br>
+            <a:r>
+              <a:rPr lang="en-US" sz="2400" b="1" dirty="0">
                 <a:solidFill>
                   <a:schemeClr val="bg1"/>
                 </a:solidFill>
@@ -15468,32 +15552,121 @@
               <a:lnSpc>
                 <a:spcPct val="150000"/>
               </a:lnSpc>
-              <a:buFont typeface="Courier New" panose="02070309020205020404" pitchFamily="49" charset="0"/>
-              <a:buChar char="o"/>
+              <a:buFont typeface="Wingdings" panose="05000000000000000000" pitchFamily="2" charset="2"/>
+              <a:buChar char="q"/>
             </a:pPr>
             <a:r>
-              <a:rPr lang="en-IN" sz="1600" dirty="0" smtClean="0">
+              <a:rPr lang="en-IN" sz="1600" b="1" dirty="0">
                 <a:solidFill>
                   <a:schemeClr val="bg1"/>
                 </a:solidFill>
               </a:rPr>
-              <a:t>Primitive </a:t>
-            </a:r>
-            <a:r>
-              <a:rPr lang="en-IN" sz="1600" dirty="0" smtClean="0">
+              <a:t>Primitive data types</a:t>
+            </a:r>
+            <a:br>
+              <a:rPr lang="en-IN" sz="1600" dirty="0">
                 <a:solidFill>
                   <a:schemeClr val="bg1"/>
                 </a:solidFill>
               </a:rPr>
-              <a:t>d</a:t>
-            </a:r>
-            <a:r>
-              <a:rPr lang="en-IN" sz="1600" dirty="0" smtClean="0">
+            </a:br>
+            <a:r>
+              <a:rPr lang="en-IN" sz="1400" dirty="0">
                 <a:solidFill>
                   <a:schemeClr val="bg1"/>
                 </a:solidFill>
               </a:rPr>
-              <a:t>ata types</a:t>
+              <a:t>Number</a:t>
+            </a:r>
+            <a:br>
+              <a:rPr lang="en-IN" sz="1400" dirty="0">
+                <a:solidFill>
+                  <a:schemeClr val="bg1"/>
+                </a:solidFill>
+              </a:rPr>
+            </a:br>
+            <a:r>
+              <a:rPr lang="en-IN" sz="1400" dirty="0">
+                <a:solidFill>
+                  <a:schemeClr val="bg1"/>
+                </a:solidFill>
+              </a:rPr>
+              <a:t>String</a:t>
+            </a:r>
+            <a:br>
+              <a:rPr lang="en-IN" sz="1400" dirty="0">
+                <a:solidFill>
+                  <a:schemeClr val="bg1"/>
+                </a:solidFill>
+              </a:rPr>
+            </a:br>
+            <a:r>
+              <a:rPr lang="en-IN" sz="1400" dirty="0">
+                <a:solidFill>
+                  <a:schemeClr val="bg1"/>
+                </a:solidFill>
+              </a:rPr>
+              <a:t>Boolean</a:t>
+            </a:r>
+            <a:br>
+              <a:rPr lang="en-IN" sz="1400" dirty="0">
+                <a:solidFill>
+                  <a:schemeClr val="bg1"/>
+                </a:solidFill>
+              </a:rPr>
+            </a:br>
+            <a:r>
+              <a:rPr lang="en-IN" sz="1400" dirty="0">
+                <a:solidFill>
+                  <a:schemeClr val="bg1"/>
+                </a:solidFill>
+              </a:rPr>
+              <a:t>undefined</a:t>
+            </a:r>
+            <a:br>
+              <a:rPr lang="en-IN" sz="1400" dirty="0">
+                <a:solidFill>
+                  <a:schemeClr val="bg1"/>
+                </a:solidFill>
+              </a:rPr>
+            </a:br>
+            <a:r>
+              <a:rPr lang="en-IN" sz="1400" dirty="0">
+                <a:solidFill>
+                  <a:schemeClr val="bg1"/>
+                </a:solidFill>
+              </a:rPr>
+              <a:t>null</a:t>
+            </a:r>
+            <a:br>
+              <a:rPr lang="en-IN" sz="1400" dirty="0">
+                <a:solidFill>
+                  <a:schemeClr val="bg1"/>
+                </a:solidFill>
+              </a:rPr>
+            </a:br>
+            <a:r>
+              <a:rPr lang="en-IN" sz="1400" dirty="0" err="1">
+                <a:solidFill>
+                  <a:schemeClr val="bg1"/>
+                </a:solidFill>
+              </a:rPr>
+              <a:t>BigInt</a:t>
+            </a:r>
+            <a:br>
+              <a:rPr lang="en-IN" sz="1400" dirty="0">
+                <a:solidFill>
+                  <a:schemeClr val="bg1"/>
+                </a:solidFill>
+              </a:rPr>
+            </a:br>
+            <a:r>
+              <a:rPr lang="en-IN" sz="1400" dirty="0">
+                <a:solidFill>
+                  <a:schemeClr val="bg1"/>
+                </a:solidFill>
+              </a:rPr>
+              <a:t>Symbols</a:t>
             </a:r>
           </a:p>
           <a:p>
@@ -15501,29 +15674,69 @@
               <a:lnSpc>
                 <a:spcPct val="150000"/>
               </a:lnSpc>
-              <a:buFont typeface="Courier New" panose="02070309020205020404" pitchFamily="49" charset="0"/>
-              <a:buChar char="o"/>
+              <a:buFont typeface="Wingdings" panose="05000000000000000000" pitchFamily="2" charset="2"/>
+              <a:buChar char="q"/>
             </a:pPr>
             <a:r>
-              <a:rPr lang="en-IN" sz="1600" dirty="0" smtClean="0">
+              <a:rPr lang="en-IN" sz="1600" b="1" dirty="0">
                 <a:solidFill>
                   <a:schemeClr val="bg1"/>
                 </a:solidFill>
               </a:rPr>
               <a:t>Composite data types</a:t>
             </a:r>
-            <a:endParaRPr lang="en-IN" sz="1600" dirty="0">
-              <a:solidFill>
-                <a:schemeClr val="bg1"/>
-              </a:solidFill>
-            </a:endParaRPr>
+            <a:br>
+              <a:rPr lang="en-IN" sz="1600" dirty="0">
+                <a:solidFill>
+                  <a:schemeClr val="bg1"/>
+                </a:solidFill>
+              </a:rPr>
+            </a:br>
+            <a:r>
+              <a:rPr lang="en-IN" sz="1400" dirty="0">
+                <a:solidFill>
+                  <a:schemeClr val="bg1"/>
+                </a:solidFill>
+              </a:rPr>
+              <a:t>Object</a:t>
+            </a:r>
+            <a:br>
+              <a:rPr lang="en-IN" sz="1400" dirty="0">
+                <a:solidFill>
+                  <a:schemeClr val="bg1"/>
+                </a:solidFill>
+              </a:rPr>
+            </a:br>
+            <a:r>
+              <a:rPr lang="en-IN" sz="1400" dirty="0">
+                <a:solidFill>
+                  <a:schemeClr val="bg1"/>
+                </a:solidFill>
+              </a:rPr>
+              <a:t>Arrays</a:t>
+            </a:r>
+            <a:br>
+              <a:rPr lang="en-IN" sz="1400" dirty="0">
+                <a:solidFill>
+                  <a:schemeClr val="bg1"/>
+                </a:solidFill>
+              </a:rPr>
+            </a:br>
+            <a:r>
+              <a:rPr lang="en-IN" sz="1400" dirty="0">
+                <a:solidFill>
+                  <a:schemeClr val="bg1"/>
+                </a:solidFill>
+              </a:rPr>
+              <a:t>Function</a:t>
+            </a:r>
           </a:p>
         </p:txBody>
       </p:sp>
     </p:spTree>
     <p:extLst>
       <p:ext uri="{BB962C8B-B14F-4D97-AF65-F5344CB8AC3E}">
-        <p14:creationId xmlns:p14="http://schemas.microsoft.com/office/powerpoint/2010/main" xmlns="" val="3287175084"/>
+        <p14:creationId xmlns:p14="http://schemas.microsoft.com/office/powerpoint/2010/main" val="3287175084"/>
       </p:ext>
     </p:extLst>
   </p:cSld>
@@ -15541,7 +15754,7 @@
         <p:cNvPr id="1" name="">
           <a:extLst>
             <a:ext uri="{FF2B5EF4-FFF2-40B4-BE49-F238E27FC236}">
-              <a16:creationId xmlns:a16="http://schemas.microsoft.com/office/drawing/2014/main" xmlns="" id="{4586E9D7-F5F8-14CC-9DF6-FC4AF2EA4249}"/>
+              <a16:creationId xmlns:a16="http://schemas.microsoft.com/office/drawing/2014/main" id="{4586E9D7-F5F8-14CC-9DF6-FC4AF2EA4249}"/>
             </a:ext>
           </a:extLst>
         </p:cNvPr>
@@ -15561,7 +15774,7 @@
           <p:cNvPr id="2" name="Title 1">
             <a:extLst>
               <a:ext uri="{FF2B5EF4-FFF2-40B4-BE49-F238E27FC236}">
-                <a16:creationId xmlns:a16="http://schemas.microsoft.com/office/drawing/2014/main" xmlns="" id="{D8B67155-694F-FF61-7CDD-33A20A316215}"/>
+                <a16:creationId xmlns:a16="http://schemas.microsoft.com/office/drawing/2014/main" id="{D8B67155-694F-FF61-7CDD-33A20A316215}"/>
               </a:ext>
             </a:extLst>
           </p:cNvPr>
@@ -15591,16 +15804,7 @@
                 </a:solidFill>
                 <a:latin typeface="Bahnschrift SemiLight" pitchFamily="34" charset="0"/>
               </a:rPr>
-              <a:t>What </a:t>
-            </a:r>
-            <a:r>
-              <a:rPr lang="en-US" b="1" dirty="0" smtClean="0">
-                <a:solidFill>
-                  <a:schemeClr val="tx1"/>
-                </a:solidFill>
-                <a:latin typeface="Bahnschrift SemiLight" pitchFamily="34" charset="0"/>
-              </a:rPr>
-              <a:t>are primitive data types?</a:t>
+              <a:t>What are primitive data types?</a:t>
             </a:r>
             <a:endParaRPr lang="en-US" dirty="0">
               <a:solidFill>
@@ -15619,7 +15823,7 @@
           <p:cNvPr id="5" name="Ribbon: Curved and Tilted Down 4">
             <a:extLst>
               <a:ext uri="{FF2B5EF4-FFF2-40B4-BE49-F238E27FC236}">
-                <a16:creationId xmlns:a16="http://schemas.microsoft.com/office/drawing/2014/main" xmlns="" id="{3FA23525-E3EA-B8CB-FD6A-53084CA847A7}"/>
+                <a16:creationId xmlns:a16="http://schemas.microsoft.com/office/drawing/2014/main" id="{3FA23525-E3EA-B8CB-FD6A-53084CA847A7}"/>
               </a:ext>
             </a:extLst>
           </p:cNvPr>
@@ -15692,7 +15896,7 @@
           <p:cNvPr id="6" name="Scroll: Vertical 5">
             <a:extLst>
               <a:ext uri="{FF2B5EF4-FFF2-40B4-BE49-F238E27FC236}">
-                <a16:creationId xmlns:a16="http://schemas.microsoft.com/office/drawing/2014/main" xmlns="" id="{1A4C732A-2840-82C8-A359-298D925E33B3}"/>
+                <a16:creationId xmlns:a16="http://schemas.microsoft.com/office/drawing/2014/main" id="{1A4C732A-2840-82C8-A359-298D925E33B3}"/>
               </a:ext>
             </a:extLst>
           </p:cNvPr>
@@ -15764,18 +15968,13 @@
               <a:buChar char="o"/>
             </a:pPr>
             <a:r>
-              <a:rPr lang="en-US" dirty="0" smtClean="0">
+              <a:rPr lang="en-US" dirty="0">
                 <a:solidFill>
                   <a:schemeClr val="tx1"/>
                 </a:solidFill>
               </a:rPr>
               <a:t>Primitive data types</a:t>
             </a:r>
-            <a:endParaRPr lang="en-US" dirty="0">
-              <a:solidFill>
-                <a:schemeClr val="tx1"/>
-              </a:solidFill>
-            </a:endParaRPr>
           </a:p>
           <a:p>
             <a:pPr marL="285750" indent="-285750">
@@ -15786,18 +15985,13 @@
               <a:buChar char="o"/>
             </a:pPr>
             <a:r>
-              <a:rPr lang="en-IN" dirty="0" smtClean="0">
+              <a:rPr lang="en-IN" dirty="0">
                 <a:solidFill>
                   <a:schemeClr val="tx1"/>
                 </a:solidFill>
               </a:rPr>
               <a:t>Composite data types</a:t>
             </a:r>
-            <a:endParaRPr lang="en-IN" dirty="0">
-              <a:solidFill>
-                <a:schemeClr val="tx1"/>
-              </a:solidFill>
-            </a:endParaRPr>
           </a:p>
         </p:txBody>
       </p:sp>
@@ -15833,19 +16027,7 @@
                 </a:solidFill>
                 <a:latin typeface="Bahnschrift SemiLight" pitchFamily="34" charset="0"/>
               </a:rPr>
-              <a:t>Chapter - </a:t>
-            </a:r>
-            <a:r>
-              <a:rPr lang="en-IN" b="1" dirty="0" smtClean="0">
-                <a:solidFill>
-                  <a:schemeClr val="accent2">
-                    <a:lumMod val="60000"/>
-                    <a:lumOff val="40000"/>
-                  </a:schemeClr>
-                </a:solidFill>
-                <a:latin typeface="Bahnschrift SemiLight" pitchFamily="34" charset="0"/>
-              </a:rPr>
-              <a:t>6</a:t>
+              <a:t>Chapter - 6</a:t>
             </a:r>
             <a:endParaRPr lang="en-US" b="1" dirty="0">
               <a:solidFill>
@@ -15876,14 +16058,15 @@
           </a:xfrm>
         </p:spPr>
         <p:txBody>
-          <a:bodyPr anchor="t"/>
-          <a:lstStyle/>
-          <a:p>
-            <a:r>
-              <a:rPr lang="en-US" dirty="0" smtClean="0"/>
-              <a:t>In JavaScript, a primitive data type (or primitive value) is a piece of data that is not an object and has no methods or properties. All primitive values are immutable, meaning they cannot be altered. </a:t>
-            </a:r>
-            <a:endParaRPr lang="en-US" dirty="0"/>
+          <a:bodyPr anchor="t">
+            <a:normAutofit fontScale="92500"/>
+          </a:bodyPr>
+          <a:lstStyle/>
+          <a:p>
+            <a:r>
+              <a:rPr lang="en-US" dirty="0"/>
+              <a:t>In JavaScript, a primitive data type (or primitive value) is a piece of actual data that does not have its own properties and methods. All primitive values are immutable, meaning they cannot be altered. </a:t>
+            </a:r>
           </a:p>
         </p:txBody>
       </p:sp>
@@ -15916,7 +16099,7 @@
     </p:spTree>
     <p:extLst>
       <p:ext uri="{BB962C8B-B14F-4D97-AF65-F5344CB8AC3E}">
-        <p14:creationId xmlns:p14="http://schemas.microsoft.com/office/powerpoint/2010/main" xmlns="" val="3002471670"/>
+        <p14:creationId xmlns:p14="http://schemas.microsoft.com/office/powerpoint/2010/main" val="3002471670"/>
       </p:ext>
     </p:extLst>
   </p:cSld>
@@ -15934,7 +16117,7 @@
         <p:cNvPr id="1" name="">
           <a:extLst>
             <a:ext uri="{FF2B5EF4-FFF2-40B4-BE49-F238E27FC236}">
-              <a16:creationId xmlns:a16="http://schemas.microsoft.com/office/drawing/2014/main" xmlns="" id="{4586E9D7-F5F8-14CC-9DF6-FC4AF2EA4249}"/>
+              <a16:creationId xmlns:a16="http://schemas.microsoft.com/office/drawing/2014/main" id="{4586E9D7-F5F8-14CC-9DF6-FC4AF2EA4249}"/>
             </a:ext>
           </a:extLst>
         </p:cNvPr>
@@ -15954,7 +16137,7 @@
           <p:cNvPr id="2" name="Title 1">
             <a:extLst>
               <a:ext uri="{FF2B5EF4-FFF2-40B4-BE49-F238E27FC236}">
-                <a16:creationId xmlns:a16="http://schemas.microsoft.com/office/drawing/2014/main" xmlns="" id="{D8B67155-694F-FF61-7CDD-33A20A316215}"/>
+                <a16:creationId xmlns:a16="http://schemas.microsoft.com/office/drawing/2014/main" id="{D8B67155-694F-FF61-7CDD-33A20A316215}"/>
               </a:ext>
             </a:extLst>
           </p:cNvPr>
@@ -15984,16 +16167,7 @@
                 </a:solidFill>
                 <a:latin typeface="Bahnschrift SemiLight" pitchFamily="34" charset="0"/>
               </a:rPr>
-              <a:t>What </a:t>
-            </a:r>
-            <a:r>
-              <a:rPr lang="en-US" b="1" dirty="0" smtClean="0">
-                <a:solidFill>
-                  <a:schemeClr val="tx1"/>
-                </a:solidFill>
-                <a:latin typeface="Bahnschrift SemiLight" pitchFamily="34" charset="0"/>
-              </a:rPr>
-              <a:t>are composite data types?</a:t>
+              <a:t>What are composite data types?</a:t>
             </a:r>
             <a:endParaRPr lang="en-US" dirty="0">
               <a:solidFill>
@@ -16034,14 +16208,10 @@
               <a:buChar char="•"/>
             </a:pPr>
             <a:r>
-              <a:rPr lang="en-US" dirty="0" smtClean="0"/>
-              <a:t>In JavaScript, composite data types, also known as non-primitive or reference types, can store collections of values and more complex entities. These types do not hold the actual value directly in the variable; instead, they store a reference to the memory location where the data is stored</a:t>
-            </a:r>
-            <a:r>
-              <a:rPr lang="en-US" dirty="0" smtClean="0"/>
-              <a:t>.</a:t>
-            </a:r>
-            <a:endParaRPr lang="en-IN" dirty="0" smtClean="0">
+              <a:rPr lang="en-US" dirty="0"/>
+              <a:t>In JavaScript, composite data types, also known as non-primitive or reference types, can store collections of values and more complex entities. These types do not hold the actual value directly in the variable; instead, they store a reference to the memory location where the data is stored.</a:t>
+            </a:r>
+            <a:endParaRPr lang="en-IN" dirty="0">
               <a:solidFill>
                 <a:schemeClr val="tx1"/>
               </a:solidFill>
@@ -16054,7 +16224,7 @@
           <p:cNvPr id="5" name="Ribbon: Curved and Tilted Down 4">
             <a:extLst>
               <a:ext uri="{FF2B5EF4-FFF2-40B4-BE49-F238E27FC236}">
-                <a16:creationId xmlns:a16="http://schemas.microsoft.com/office/drawing/2014/main" xmlns="" id="{3FA23525-E3EA-B8CB-FD6A-53084CA847A7}"/>
+                <a16:creationId xmlns:a16="http://schemas.microsoft.com/office/drawing/2014/main" id="{3FA23525-E3EA-B8CB-FD6A-53084CA847A7}"/>
               </a:ext>
             </a:extLst>
           </p:cNvPr>
@@ -16127,7 +16297,7 @@
           <p:cNvPr id="6" name="Scroll: Vertical 5">
             <a:extLst>
               <a:ext uri="{FF2B5EF4-FFF2-40B4-BE49-F238E27FC236}">
-                <a16:creationId xmlns:a16="http://schemas.microsoft.com/office/drawing/2014/main" xmlns="" id="{1A4C732A-2840-82C8-A359-298D925E33B3}"/>
+                <a16:creationId xmlns:a16="http://schemas.microsoft.com/office/drawing/2014/main" id="{1A4C732A-2840-82C8-A359-298D925E33B3}"/>
               </a:ext>
             </a:extLst>
           </p:cNvPr>
@@ -16199,18 +16369,13 @@
               <a:buChar char="o"/>
             </a:pPr>
             <a:r>
-              <a:rPr lang="en-US" strike="sngStrike" dirty="0" smtClean="0">
+              <a:rPr lang="en-US" strike="sngStrike" dirty="0">
                 <a:solidFill>
                   <a:schemeClr val="tx1"/>
                 </a:solidFill>
               </a:rPr>
               <a:t>Primitive data types</a:t>
             </a:r>
-            <a:endParaRPr lang="en-US" strike="sngStrike" dirty="0">
-              <a:solidFill>
-                <a:schemeClr val="tx1"/>
-              </a:solidFill>
-            </a:endParaRPr>
           </a:p>
           <a:p>
             <a:pPr marL="285750" indent="-285750">
@@ -16221,18 +16386,13 @@
               <a:buChar char="o"/>
             </a:pPr>
             <a:r>
-              <a:rPr lang="en-IN" dirty="0" smtClean="0">
+              <a:rPr lang="en-IN" dirty="0">
                 <a:solidFill>
                   <a:schemeClr val="tx1"/>
                 </a:solidFill>
               </a:rPr>
               <a:t>Composite data types</a:t>
             </a:r>
-            <a:endParaRPr lang="en-IN" dirty="0">
-              <a:solidFill>
-                <a:schemeClr val="tx1"/>
-              </a:solidFill>
-            </a:endParaRPr>
           </a:p>
         </p:txBody>
       </p:sp>
@@ -16268,19 +16428,7 @@
                 </a:solidFill>
                 <a:latin typeface="Bahnschrift SemiLight" pitchFamily="34" charset="0"/>
               </a:rPr>
-              <a:t>Chapter - </a:t>
-            </a:r>
-            <a:r>
-              <a:rPr lang="en-IN" b="1" dirty="0" smtClean="0">
-                <a:solidFill>
-                  <a:schemeClr val="accent2">
-                    <a:lumMod val="60000"/>
-                    <a:lumOff val="40000"/>
-                  </a:schemeClr>
-                </a:solidFill>
-                <a:latin typeface="Bahnschrift SemiLight" pitchFamily="34" charset="0"/>
-              </a:rPr>
-              <a:t>6</a:t>
+              <a:t>Chapter - 6</a:t>
             </a:r>
             <a:endParaRPr lang="en-US" b="1" dirty="0">
               <a:solidFill>
@@ -16323,7 +16471,7 @@
     </p:spTree>
     <p:extLst>
       <p:ext uri="{BB962C8B-B14F-4D97-AF65-F5344CB8AC3E}">
-        <p14:creationId xmlns:p14="http://schemas.microsoft.com/office/powerpoint/2010/main" xmlns="" val="3002471670"/>
+        <p14:creationId xmlns:p14="http://schemas.microsoft.com/office/powerpoint/2010/main" val="3002471670"/>
       </p:ext>
     </p:extLst>
   </p:cSld>
@@ -16355,7 +16503,7 @@
           <p:cNvPr id="9" name="Explosion: 14 Points 8">
             <a:extLst>
               <a:ext uri="{FF2B5EF4-FFF2-40B4-BE49-F238E27FC236}">
-                <a16:creationId xmlns:a16="http://schemas.microsoft.com/office/drawing/2014/main" xmlns="" id="{0A2CD68B-7A56-F86D-8B6F-4A8BF99B4C9E}"/>
+                <a16:creationId xmlns:a16="http://schemas.microsoft.com/office/drawing/2014/main" id="{0A2CD68B-7A56-F86D-8B6F-4A8BF99B4C9E}"/>
               </a:ext>
             </a:extLst>
           </p:cNvPr>
@@ -16410,7 +16558,7 @@
           <p:cNvPr id="2" name="Title 1">
             <a:extLst>
               <a:ext uri="{FF2B5EF4-FFF2-40B4-BE49-F238E27FC236}">
-                <a16:creationId xmlns:a16="http://schemas.microsoft.com/office/drawing/2014/main" xmlns="" id="{62BB4F8D-44B7-9866-F7B2-6375CB902974}"/>
+                <a16:creationId xmlns:a16="http://schemas.microsoft.com/office/drawing/2014/main" id="{62BB4F8D-44B7-9866-F7B2-6375CB902974}"/>
               </a:ext>
             </a:extLst>
           </p:cNvPr>
@@ -16444,15 +16592,6 @@
               </a:rPr>
               <a:t>JavaScript</a:t>
             </a:r>
-            <a:r>
-              <a:rPr lang="en-US" sz="7200" b="1" dirty="0">
-                <a:solidFill>
-                  <a:schemeClr val="tx1"/>
-                </a:solidFill>
-                <a:latin typeface="Barlow Black" panose="00000A00000000000000" pitchFamily="2" charset="0"/>
-              </a:rPr>
-              <a:t/>
-            </a:r>
             <a:br>
               <a:rPr lang="en-US" sz="7200" b="1" dirty="0">
                 <a:solidFill>
@@ -16468,25 +16607,16 @@
                 </a:solidFill>
                 <a:latin typeface="Barlow Black" panose="00000A00000000000000" pitchFamily="2" charset="0"/>
               </a:rPr>
-              <a:t>Chapter – </a:t>
-            </a:r>
-            <a:r>
-              <a:rPr lang="en-US" sz="7200" b="1" dirty="0" smtClean="0">
+              <a:t>Chapter </a:t>
+            </a:r>
+            <a:r>
+              <a:rPr lang="en-US" sz="7200" b="1">
                 <a:solidFill>
                   <a:schemeClr val="tx1"/>
                 </a:solidFill>
                 <a:latin typeface="Barlow Black" panose="00000A00000000000000" pitchFamily="2" charset="0"/>
               </a:rPr>
-              <a:t>6</a:t>
-            </a:r>
-            <a:r>
-              <a:rPr lang="en-US" sz="7200" b="1" dirty="0">
-                <a:solidFill>
-                  <a:schemeClr val="tx1"/>
-                </a:solidFill>
-                <a:latin typeface="Barlow Black" panose="00000A00000000000000" pitchFamily="2" charset="0"/>
-              </a:rPr>
-              <a:t/>
+              <a:t>– 7</a:t>
             </a:r>
             <a:br>
               <a:rPr lang="en-US" sz="7200" b="1" dirty="0">
@@ -16497,7 +16627,7 @@
               </a:rPr>
             </a:br>
             <a:r>
-              <a:rPr lang="en-US" sz="2800" dirty="0" smtClean="0">
+              <a:rPr lang="en-US" sz="2800" dirty="0">
                 <a:solidFill>
                   <a:schemeClr val="accent2">
                     <a:lumMod val="60000"/>
@@ -16509,7 +16639,7 @@
               <a:t>(</a:t>
             </a:r>
             <a:r>
-              <a:rPr lang="en-US" dirty="0" smtClean="0">
+              <a:rPr lang="en-US" dirty="0">
                 <a:solidFill>
                   <a:schemeClr val="accent2">
                     <a:lumMod val="60000"/>
@@ -16521,7 +16651,7 @@
               <a:t>Type conversion</a:t>
             </a:r>
             <a:r>
-              <a:rPr lang="en-US" sz="2800" dirty="0" smtClean="0">
+              <a:rPr lang="en-US" sz="2800" dirty="0">
                 <a:solidFill>
                   <a:schemeClr val="accent2">
                     <a:lumMod val="60000"/>
@@ -16549,7 +16679,7 @@
           <p:cNvPr id="8" name="TextBox 7">
             <a:extLst>
               <a:ext uri="{FF2B5EF4-FFF2-40B4-BE49-F238E27FC236}">
-                <a16:creationId xmlns:a16="http://schemas.microsoft.com/office/drawing/2014/main" xmlns="" id="{6E6F1672-8C91-3FA6-CB80-58FD68172333}"/>
+                <a16:creationId xmlns:a16="http://schemas.microsoft.com/office/drawing/2014/main" id="{6E6F1672-8C91-3FA6-CB80-58FD68172333}"/>
               </a:ext>
             </a:extLst>
           </p:cNvPr>
@@ -16628,7 +16758,7 @@
     </p:spTree>
     <p:extLst>
       <p:ext uri="{BB962C8B-B14F-4D97-AF65-F5344CB8AC3E}">
-        <p14:creationId xmlns:p14="http://schemas.microsoft.com/office/powerpoint/2010/main" xmlns="" val="3287175084"/>
+        <p14:creationId xmlns:p14="http://schemas.microsoft.com/office/powerpoint/2010/main" val="3287175084"/>
       </p:ext>
     </p:extLst>
   </p:cSld>
@@ -16646,7 +16776,7 @@
         <p:cNvPr id="1" name="">
           <a:extLst>
             <a:ext uri="{FF2B5EF4-FFF2-40B4-BE49-F238E27FC236}">
-              <a16:creationId xmlns:a16="http://schemas.microsoft.com/office/drawing/2014/main" xmlns="" id="{D210C62D-BA73-7142-9269-B229A82A227F}"/>
+              <a16:creationId xmlns:a16="http://schemas.microsoft.com/office/drawing/2014/main" id="{D210C62D-BA73-7142-9269-B229A82A227F}"/>
             </a:ext>
           </a:extLst>
         </p:cNvPr>
@@ -16666,7 +16796,7 @@
           <p:cNvPr id="2" name="Title 1">
             <a:extLst>
               <a:ext uri="{FF2B5EF4-FFF2-40B4-BE49-F238E27FC236}">
-                <a16:creationId xmlns:a16="http://schemas.microsoft.com/office/drawing/2014/main" xmlns="" id="{D5018557-B8C1-B1F3-960D-C1C68708243B}"/>
+                <a16:creationId xmlns:a16="http://schemas.microsoft.com/office/drawing/2014/main" id="{D5018557-B8C1-B1F3-960D-C1C68708243B}"/>
               </a:ext>
             </a:extLst>
           </p:cNvPr>
@@ -16706,7 +16836,7 @@
           <p:cNvPr id="3" name="Content Placeholder 2">
             <a:extLst>
               <a:ext uri="{FF2B5EF4-FFF2-40B4-BE49-F238E27FC236}">
-                <a16:creationId xmlns:a16="http://schemas.microsoft.com/office/drawing/2014/main" xmlns="" id="{24415AF3-2B9F-42C3-52C5-51254FAF8249}"/>
+                <a16:creationId xmlns:a16="http://schemas.microsoft.com/office/drawing/2014/main" id="{24415AF3-2B9F-42C3-52C5-51254FAF8249}"/>
               </a:ext>
             </a:extLst>
           </p:cNvPr>
@@ -16772,7 +16902,7 @@
           <p:cNvPr id="6" name="Ribbon: Curved and Tilted Down 5">
             <a:extLst>
               <a:ext uri="{FF2B5EF4-FFF2-40B4-BE49-F238E27FC236}">
-                <a16:creationId xmlns:a16="http://schemas.microsoft.com/office/drawing/2014/main" xmlns="" id="{7BEA6FE3-CC31-4B69-44C6-04DF1B8559E4}"/>
+                <a16:creationId xmlns:a16="http://schemas.microsoft.com/office/drawing/2014/main" id="{7BEA6FE3-CC31-4B69-44C6-04DF1B8559E4}"/>
               </a:ext>
             </a:extLst>
           </p:cNvPr>
@@ -16845,7 +16975,7 @@
           <p:cNvPr id="8" name="Scroll: Vertical 7">
             <a:extLst>
               <a:ext uri="{FF2B5EF4-FFF2-40B4-BE49-F238E27FC236}">
-                <a16:creationId xmlns:a16="http://schemas.microsoft.com/office/drawing/2014/main" xmlns="" id="{2D8E823F-54F9-1A01-E3EF-B3211339B30B}"/>
+                <a16:creationId xmlns:a16="http://schemas.microsoft.com/office/drawing/2014/main" id="{2D8E823F-54F9-1A01-E3EF-B3211339B30B}"/>
               </a:ext>
             </a:extLst>
           </p:cNvPr>
@@ -17115,7 +17245,7 @@
     </p:spTree>
     <p:extLst>
       <p:ext uri="{BB962C8B-B14F-4D97-AF65-F5344CB8AC3E}">
-        <p14:creationId xmlns:p14="http://schemas.microsoft.com/office/powerpoint/2010/main" xmlns="" val="3274136203"/>
+        <p14:creationId xmlns:p14="http://schemas.microsoft.com/office/powerpoint/2010/main" val="3274136203"/>
       </p:ext>
     </p:extLst>
   </p:cSld>
@@ -17133,7 +17263,7 @@
         <p:cNvPr id="1" name="">
           <a:extLst>
             <a:ext uri="{FF2B5EF4-FFF2-40B4-BE49-F238E27FC236}">
-              <a16:creationId xmlns:a16="http://schemas.microsoft.com/office/drawing/2014/main" xmlns="" id="{4586E9D7-F5F8-14CC-9DF6-FC4AF2EA4249}"/>
+              <a16:creationId xmlns:a16="http://schemas.microsoft.com/office/drawing/2014/main" id="{4586E9D7-F5F8-14CC-9DF6-FC4AF2EA4249}"/>
             </a:ext>
           </a:extLst>
         </p:cNvPr>
@@ -17153,7 +17283,7 @@
           <p:cNvPr id="2" name="Title 1">
             <a:extLst>
               <a:ext uri="{FF2B5EF4-FFF2-40B4-BE49-F238E27FC236}">
-                <a16:creationId xmlns:a16="http://schemas.microsoft.com/office/drawing/2014/main" xmlns="" id="{D8B67155-694F-FF61-7CDD-33A20A316215}"/>
+                <a16:creationId xmlns:a16="http://schemas.microsoft.com/office/drawing/2014/main" id="{D8B67155-694F-FF61-7CDD-33A20A316215}"/>
               </a:ext>
             </a:extLst>
           </p:cNvPr>
@@ -17177,7 +17307,7 @@
           <a:lstStyle/>
           <a:p>
             <a:r>
-              <a:rPr lang="en-US" b="1" dirty="0" smtClean="0">
+              <a:rPr lang="en-US" b="1" dirty="0">
                 <a:solidFill>
                   <a:schemeClr val="tx1"/>
                 </a:solidFill>
@@ -17202,7 +17332,7 @@
           <p:cNvPr id="6" name="Scroll: Vertical 5">
             <a:extLst>
               <a:ext uri="{FF2B5EF4-FFF2-40B4-BE49-F238E27FC236}">
-                <a16:creationId xmlns:a16="http://schemas.microsoft.com/office/drawing/2014/main" xmlns="" id="{1A4C732A-2840-82C8-A359-298D925E33B3}"/>
+                <a16:creationId xmlns:a16="http://schemas.microsoft.com/office/drawing/2014/main" id="{1A4C732A-2840-82C8-A359-298D925E33B3}"/>
               </a:ext>
             </a:extLst>
           </p:cNvPr>
@@ -17257,7 +17387,7 @@
               </a:lnSpc>
             </a:pPr>
             <a:r>
-              <a:rPr lang="en-US" sz="2400" b="1" dirty="0" smtClean="0">
+              <a:rPr lang="en-US" sz="2400" b="1" dirty="0">
                 <a:solidFill>
                   <a:schemeClr val="tx1"/>
                 </a:solidFill>
@@ -17265,14 +17395,14 @@
               <a:t>Type conversion </a:t>
             </a:r>
             <a:br>
-              <a:rPr lang="en-US" sz="2400" b="1" dirty="0" smtClean="0">
+              <a:rPr lang="en-US" sz="2400" b="1" dirty="0">
                 <a:solidFill>
                   <a:schemeClr val="tx1"/>
                 </a:solidFill>
               </a:rPr>
             </a:br>
             <a:r>
-              <a:rPr lang="en-US" b="1" dirty="0" smtClean="0">
+              <a:rPr lang="en-US" b="1" dirty="0">
                 <a:solidFill>
                   <a:schemeClr val="accent1">
                     <a:lumMod val="60000"/>
@@ -17282,14 +17412,6 @@
               </a:rPr>
               <a:t>Topics</a:t>
             </a:r>
-            <a:endParaRPr lang="en-US" b="1" dirty="0">
-              <a:solidFill>
-                <a:schemeClr val="accent1">
-                  <a:lumMod val="60000"/>
-                  <a:lumOff val="40000"/>
-                </a:schemeClr>
-              </a:solidFill>
-            </a:endParaRPr>
           </a:p>
           <a:p>
             <a:pPr marL="285750" indent="-285750">
@@ -17300,7 +17422,7 @@
               <a:buChar char="o"/>
             </a:pPr>
             <a:r>
-              <a:rPr lang="en-US" sz="1400" dirty="0" smtClean="0"/>
+              <a:rPr lang="en-US" sz="1400" dirty="0"/>
               <a:t>Implicit Conversion (Coercion)</a:t>
             </a:r>
             <a:endParaRPr lang="en-US" sz="1400" dirty="0">
@@ -17320,7 +17442,7 @@
               <a:buChar char="o"/>
             </a:pPr>
             <a:r>
-              <a:rPr lang="en-US" sz="1400" dirty="0" smtClean="0"/>
+              <a:rPr lang="en-US" sz="1400" dirty="0"/>
               <a:t>Explicit Conversion (Casting)</a:t>
             </a:r>
             <a:endParaRPr lang="en-IN" sz="1400" dirty="0">
@@ -17365,19 +17487,7 @@
                 </a:solidFill>
                 <a:latin typeface="Bahnschrift SemiLight" pitchFamily="34" charset="0"/>
               </a:rPr>
-              <a:t>Chapter - </a:t>
-            </a:r>
-            <a:r>
-              <a:rPr lang="en-IN" b="1" dirty="0" smtClean="0">
-                <a:solidFill>
-                  <a:schemeClr val="accent2">
-                    <a:lumMod val="60000"/>
-                    <a:lumOff val="40000"/>
-                  </a:schemeClr>
-                </a:solidFill>
-                <a:latin typeface="Bahnschrift SemiLight" pitchFamily="34" charset="0"/>
-              </a:rPr>
-              <a:t>6</a:t>
+              <a:t>Chapter - 6</a:t>
             </a:r>
             <a:endParaRPr lang="en-US" b="1" dirty="0">
               <a:solidFill>
@@ -17414,58 +17524,57 @@
           <a:lstStyle/>
           <a:p>
             <a:r>
-              <a:rPr lang="en-US" dirty="0" smtClean="0"/>
+              <a:rPr lang="en-US" dirty="0"/>
               <a:t>When type conversion is done by JavaScript automatically, it is called </a:t>
             </a:r>
             <a:r>
-              <a:rPr lang="en-US" b="1" dirty="0" smtClean="0"/>
+              <a:rPr lang="en-US" b="1" dirty="0"/>
               <a:t>implicit type</a:t>
             </a:r>
             <a:r>
-              <a:rPr lang="en-US" dirty="0" smtClean="0"/>
+              <a:rPr lang="en-US" dirty="0"/>
               <a:t> conversion. For example, when we use the '</a:t>
             </a:r>
             <a:r>
-              <a:rPr lang="en-US" b="1" dirty="0" smtClean="0"/>
+              <a:rPr lang="en-US" b="1" dirty="0"/>
               <a:t>+</a:t>
             </a:r>
             <a:r>
-              <a:rPr lang="en-US" dirty="0" smtClean="0"/>
+              <a:rPr lang="en-US" dirty="0"/>
               <a:t>' operator with the </a:t>
             </a:r>
             <a:r>
-              <a:rPr lang="en-US" b="1" dirty="0" smtClean="0"/>
+              <a:rPr lang="en-US" b="1" dirty="0"/>
               <a:t>string</a:t>
             </a:r>
             <a:r>
-              <a:rPr lang="en-US" dirty="0" smtClean="0"/>
+              <a:rPr lang="en-US" dirty="0"/>
               <a:t> and </a:t>
             </a:r>
             <a:r>
-              <a:rPr lang="en-US" b="1" dirty="0" smtClean="0"/>
+              <a:rPr lang="en-US" b="1" dirty="0"/>
               <a:t>number</a:t>
             </a:r>
             <a:r>
-              <a:rPr lang="en-US" dirty="0" smtClean="0"/>
+              <a:rPr lang="en-US" dirty="0"/>
               <a:t> operands, JavaScript converts the </a:t>
             </a:r>
             <a:r>
-              <a:rPr lang="en-US" b="1" dirty="0" smtClean="0"/>
+              <a:rPr lang="en-US" b="1" dirty="0"/>
               <a:t>number</a:t>
             </a:r>
             <a:r>
-              <a:rPr lang="en-US" dirty="0" smtClean="0"/>
+              <a:rPr lang="en-US" dirty="0"/>
               <a:t> to a </a:t>
             </a:r>
             <a:r>
-              <a:rPr lang="en-US" b="1" dirty="0" smtClean="0"/>
+              <a:rPr lang="en-US" b="1" dirty="0"/>
               <a:t>string</a:t>
             </a:r>
             <a:r>
-              <a:rPr lang="en-US" dirty="0" smtClean="0"/>
+              <a:rPr lang="en-US" dirty="0"/>
               <a:t> and concatenates it with the string.</a:t>
             </a:r>
-            <a:endParaRPr lang="en-US" dirty="0"/>
           </a:p>
         </p:txBody>
       </p:sp>
@@ -17492,7 +17601,7 @@
           <a:lstStyle/>
           <a:p>
             <a:r>
-              <a:rPr lang="en-US" sz="3200" dirty="0" smtClean="0">
+              <a:rPr lang="en-US" sz="3200" dirty="0">
                 <a:solidFill>
                   <a:schemeClr val="tx1">
                     <a:lumMod val="65000"/>
@@ -17501,21 +17610,9 @@
                 </a:solidFill>
                 <a:latin typeface="Barlow Condensed" pitchFamily="2" charset="0"/>
               </a:rPr>
-              <a:t>JavaScript </a:t>
-            </a:r>
-            <a:r>
-              <a:rPr lang="en-US" sz="3200" dirty="0" smtClean="0">
-                <a:solidFill>
-                  <a:schemeClr val="tx1">
-                    <a:lumMod val="65000"/>
-                    <a:lumOff val="35000"/>
-                  </a:schemeClr>
-                </a:solidFill>
-                <a:latin typeface="Barlow Condensed" pitchFamily="2" charset="0"/>
-              </a:rPr>
-              <a:t>Tutorials</a:t>
-            </a:r>
-            <a:endParaRPr lang="en-IN" sz="3200" dirty="0" smtClean="0">
+              <a:t>JavaScript Tutorials</a:t>
+            </a:r>
+            <a:endParaRPr lang="en-IN" sz="3200" dirty="0">
               <a:solidFill>
                 <a:schemeClr val="tx1">
                   <a:lumMod val="65000"/>
@@ -17532,7 +17629,7 @@
           <p:cNvPr id="10" name="Title 1">
             <a:extLst>
               <a:ext uri="{FF2B5EF4-FFF2-40B4-BE49-F238E27FC236}">
-                <a16:creationId xmlns:a16="http://schemas.microsoft.com/office/drawing/2014/main" xmlns="" id="{D8B67155-694F-FF61-7CDD-33A20A316215}"/>
+                <a16:creationId xmlns:a16="http://schemas.microsoft.com/office/drawing/2014/main" id="{D8B67155-694F-FF61-7CDD-33A20A316215}"/>
               </a:ext>
             </a:extLst>
           </p:cNvPr>
@@ -17574,7 +17671,7 @@
               <a:defRPr/>
             </a:pPr>
             <a:r>
-              <a:rPr kumimoji="0" lang="en-US" sz="4400" b="1" i="0" u="none" strike="noStrike" kern="1200" cap="none" spc="0" normalizeH="0" baseline="0" noProof="0" dirty="0" smtClean="0">
+              <a:rPr kumimoji="0" lang="en-US" sz="4400" b="1" i="0" u="none" strike="noStrike" kern="1200" cap="none" spc="0" normalizeH="0" baseline="0" noProof="0" dirty="0">
                 <a:ln>
                   <a:noFill/>
                 </a:ln>
@@ -17643,69 +17740,61 @@
               <a:buSzPct val="80000"/>
             </a:pPr>
             <a:r>
-              <a:rPr lang="en-US" dirty="0" smtClean="0"/>
+              <a:rPr lang="en-US" dirty="0"/>
               <a:t>In many cases, programmers are required to convert the data type of the variable manually. It is called the </a:t>
             </a:r>
             <a:r>
-              <a:rPr lang="en-US" b="1" dirty="0" smtClean="0"/>
+              <a:rPr lang="en-US" b="1" dirty="0"/>
               <a:t>explicit type</a:t>
             </a:r>
             <a:r>
-              <a:rPr lang="en-US" dirty="0" smtClean="0"/>
-              <a:t> conversion</a:t>
-            </a:r>
-            <a:r>
-              <a:rPr lang="en-US" dirty="0" smtClean="0"/>
-              <a:t>.</a:t>
+              <a:rPr lang="en-US" dirty="0"/>
+              <a:t> conversion.</a:t>
             </a:r>
             <a:br>
-              <a:rPr lang="en-US" dirty="0" smtClean="0"/>
+              <a:rPr lang="en-US" dirty="0"/>
             </a:br>
-            <a:r>
-              <a:rPr lang="en-US" dirty="0" smtClean="0"/>
-              <a:t/>
-            </a:r>
             <a:br>
-              <a:rPr lang="en-US" dirty="0" smtClean="0"/>
+              <a:rPr lang="en-US" dirty="0"/>
             </a:br>
             <a:r>
-              <a:rPr lang="en-US" dirty="0" smtClean="0"/>
+              <a:rPr lang="en-US" dirty="0"/>
               <a:t>String(), </a:t>
             </a:r>
             <a:r>
-              <a:rPr lang="en-US" dirty="0" err="1" smtClean="0"/>
+              <a:rPr lang="en-US" dirty="0" err="1"/>
               <a:t>toString</a:t>
             </a:r>
             <a:r>
-              <a:rPr lang="en-US" dirty="0" smtClean="0"/>
+              <a:rPr lang="en-US" dirty="0"/>
               <a:t>(), </a:t>
             </a:r>
             <a:r>
-              <a:rPr lang="en-US" smtClean="0"/>
+              <a:rPr lang="en-US"/>
               <a:t>number(), + sign, </a:t>
             </a:r>
             <a:r>
-              <a:rPr lang="en-US" dirty="0" err="1" smtClean="0"/>
+              <a:rPr lang="en-US" dirty="0" err="1"/>
               <a:t>parseInt</a:t>
             </a:r>
             <a:r>
-              <a:rPr lang="en-US" dirty="0" smtClean="0"/>
+              <a:rPr lang="en-US" dirty="0"/>
               <a:t>(), </a:t>
             </a:r>
             <a:r>
-              <a:rPr lang="en-US" dirty="0" err="1" smtClean="0"/>
+              <a:rPr lang="en-US" dirty="0" err="1"/>
               <a:t>parseFloat</a:t>
             </a:r>
             <a:r>
-              <a:rPr lang="en-US" dirty="0" smtClean="0"/>
+              <a:rPr lang="en-US" dirty="0"/>
               <a:t>(), </a:t>
             </a:r>
             <a:r>
-              <a:rPr lang="en-US" dirty="0" err="1" smtClean="0"/>
+              <a:rPr lang="en-US" dirty="0" err="1"/>
               <a:t>boolean</a:t>
             </a:r>
             <a:r>
-              <a:rPr lang="en-US" dirty="0" smtClean="0"/>
+              <a:rPr lang="en-US" dirty="0"/>
               <a:t>(), !! sign </a:t>
             </a:r>
             <a:endParaRPr kumimoji="0" lang="en-US" sz="1800" b="0" i="0" u="none" strike="noStrike" kern="1200" cap="none" spc="0" normalizeH="0" baseline="0" noProof="0" dirty="0">
@@ -17731,7 +17820,7 @@
     </p:spTree>
     <p:extLst>
       <p:ext uri="{BB962C8B-B14F-4D97-AF65-F5344CB8AC3E}">
-        <p14:creationId xmlns:p14="http://schemas.microsoft.com/office/powerpoint/2010/main" xmlns="" val="3002471670"/>
+        <p14:creationId xmlns:p14="http://schemas.microsoft.com/office/powerpoint/2010/main" val="3002471670"/>
       </p:ext>
     </p:extLst>
   </p:cSld>
@@ -17749,7 +17838,7 @@
         <p:cNvPr id="1" name="">
           <a:extLst>
             <a:ext uri="{FF2B5EF4-FFF2-40B4-BE49-F238E27FC236}">
-              <a16:creationId xmlns:a16="http://schemas.microsoft.com/office/drawing/2014/main" xmlns="" id="{7139B82A-D876-79BD-D559-707BFDC5D481}"/>
+              <a16:creationId xmlns:a16="http://schemas.microsoft.com/office/drawing/2014/main" id="{7139B82A-D876-79BD-D559-707BFDC5D481}"/>
             </a:ext>
           </a:extLst>
         </p:cNvPr>
@@ -17769,7 +17858,7 @@
           <p:cNvPr id="8" name="Title 1">
             <a:extLst>
               <a:ext uri="{FF2B5EF4-FFF2-40B4-BE49-F238E27FC236}">
-                <a16:creationId xmlns:a16="http://schemas.microsoft.com/office/drawing/2014/main" xmlns="" id="{4C8D5637-E45A-11BE-1BA4-F40373E8D014}"/>
+                <a16:creationId xmlns:a16="http://schemas.microsoft.com/office/drawing/2014/main" id="{4C8D5637-E45A-11BE-1BA4-F40373E8D014}"/>
               </a:ext>
             </a:extLst>
           </p:cNvPr>
@@ -17806,7 +17895,7 @@
           <p:cNvPr id="3" name="Content Placeholder 2">
             <a:extLst>
               <a:ext uri="{FF2B5EF4-FFF2-40B4-BE49-F238E27FC236}">
-                <a16:creationId xmlns:a16="http://schemas.microsoft.com/office/drawing/2014/main" xmlns="" id="{86EB63D1-C74F-75B0-CE48-A95AEA2A21A1}"/>
+                <a16:creationId xmlns:a16="http://schemas.microsoft.com/office/drawing/2014/main" id="{86EB63D1-C74F-75B0-CE48-A95AEA2A21A1}"/>
               </a:ext>
             </a:extLst>
           </p:cNvPr>
@@ -17867,7 +17956,7 @@
           <p:cNvPr id="5" name="Ribbon: Curved and Tilted Down 4">
             <a:extLst>
               <a:ext uri="{FF2B5EF4-FFF2-40B4-BE49-F238E27FC236}">
-                <a16:creationId xmlns:a16="http://schemas.microsoft.com/office/drawing/2014/main" xmlns="" id="{75419B56-A4AB-830D-A49F-7700EED8C0FA}"/>
+                <a16:creationId xmlns:a16="http://schemas.microsoft.com/office/drawing/2014/main" id="{75419B56-A4AB-830D-A49F-7700EED8C0FA}"/>
               </a:ext>
             </a:extLst>
           </p:cNvPr>
@@ -17940,7 +18029,7 @@
           <p:cNvPr id="10" name="Scroll: Vertical 9">
             <a:extLst>
               <a:ext uri="{FF2B5EF4-FFF2-40B4-BE49-F238E27FC236}">
-                <a16:creationId xmlns:a16="http://schemas.microsoft.com/office/drawing/2014/main" xmlns="" id="{CD6C5744-A805-1655-2B2A-4D4D0DD0695E}"/>
+                <a16:creationId xmlns:a16="http://schemas.microsoft.com/office/drawing/2014/main" id="{CD6C5744-A805-1655-2B2A-4D4D0DD0695E}"/>
               </a:ext>
             </a:extLst>
           </p:cNvPr>
@@ -18256,7 +18345,7 @@
     </p:spTree>
     <p:extLst>
       <p:ext uri="{BB962C8B-B14F-4D97-AF65-F5344CB8AC3E}">
-        <p14:creationId xmlns:p14="http://schemas.microsoft.com/office/powerpoint/2010/main" xmlns="" val="3157857213"/>
+        <p14:creationId xmlns:p14="http://schemas.microsoft.com/office/powerpoint/2010/main" val="3157857213"/>
       </p:ext>
     </p:extLst>
   </p:cSld>
@@ -18274,7 +18363,7 @@
         <p:cNvPr id="1" name="">
           <a:extLst>
             <a:ext uri="{FF2B5EF4-FFF2-40B4-BE49-F238E27FC236}">
-              <a16:creationId xmlns:a16="http://schemas.microsoft.com/office/drawing/2014/main" xmlns="" id="{53D929B9-0FF5-B5F7-0DB4-914C4F4A1BB2}"/>
+              <a16:creationId xmlns:a16="http://schemas.microsoft.com/office/drawing/2014/main" id="{53D929B9-0FF5-B5F7-0DB4-914C4F4A1BB2}"/>
             </a:ext>
           </a:extLst>
         </p:cNvPr>
@@ -18294,7 +18383,7 @@
           <p:cNvPr id="7" name="Title 1">
             <a:extLst>
               <a:ext uri="{FF2B5EF4-FFF2-40B4-BE49-F238E27FC236}">
-                <a16:creationId xmlns:a16="http://schemas.microsoft.com/office/drawing/2014/main" xmlns="" id="{2D810556-B3F2-D67B-C5C6-43963FC8DAE7}"/>
+                <a16:creationId xmlns:a16="http://schemas.microsoft.com/office/drawing/2014/main" id="{2D810556-B3F2-D67B-C5C6-43963FC8DAE7}"/>
               </a:ext>
             </a:extLst>
           </p:cNvPr>
@@ -18331,7 +18420,7 @@
           <p:cNvPr id="3" name="Content Placeholder 2">
             <a:extLst>
               <a:ext uri="{FF2B5EF4-FFF2-40B4-BE49-F238E27FC236}">
-                <a16:creationId xmlns:a16="http://schemas.microsoft.com/office/drawing/2014/main" xmlns="" id="{8F0952B2-F12D-991D-3EC9-9526D8EDED87}"/>
+                <a16:creationId xmlns:a16="http://schemas.microsoft.com/office/drawing/2014/main" id="{8F0952B2-F12D-991D-3EC9-9526D8EDED87}"/>
               </a:ext>
             </a:extLst>
           </p:cNvPr>
@@ -18406,7 +18495,7 @@
           <p:cNvPr id="8" name="Ribbon: Curved and Tilted Down 7">
             <a:extLst>
               <a:ext uri="{FF2B5EF4-FFF2-40B4-BE49-F238E27FC236}">
-                <a16:creationId xmlns:a16="http://schemas.microsoft.com/office/drawing/2014/main" xmlns="" id="{C9C1F804-0CF6-A2DC-646C-9B9441D8EBB0}"/>
+                <a16:creationId xmlns:a16="http://schemas.microsoft.com/office/drawing/2014/main" id="{C9C1F804-0CF6-A2DC-646C-9B9441D8EBB0}"/>
               </a:ext>
             </a:extLst>
           </p:cNvPr>
@@ -18479,7 +18568,7 @@
           <p:cNvPr id="9" name="Scroll: Vertical 8">
             <a:extLst>
               <a:ext uri="{FF2B5EF4-FFF2-40B4-BE49-F238E27FC236}">
-                <a16:creationId xmlns:a16="http://schemas.microsoft.com/office/drawing/2014/main" xmlns="" id="{94613FC4-1176-9125-467B-B6CE33BB59CD}"/>
+                <a16:creationId xmlns:a16="http://schemas.microsoft.com/office/drawing/2014/main" id="{94613FC4-1176-9125-467B-B6CE33BB59CD}"/>
               </a:ext>
             </a:extLst>
           </p:cNvPr>
@@ -18795,7 +18884,7 @@
     </p:spTree>
     <p:extLst>
       <p:ext uri="{BB962C8B-B14F-4D97-AF65-F5344CB8AC3E}">
-        <p14:creationId xmlns:p14="http://schemas.microsoft.com/office/powerpoint/2010/main" xmlns="" val="2302025808"/>
+        <p14:creationId xmlns:p14="http://schemas.microsoft.com/office/powerpoint/2010/main" val="2302025808"/>
       </p:ext>
     </p:extLst>
   </p:cSld>
@@ -18813,7 +18902,7 @@
         <p:cNvPr id="1" name="">
           <a:extLst>
             <a:ext uri="{FF2B5EF4-FFF2-40B4-BE49-F238E27FC236}">
-              <a16:creationId xmlns:a16="http://schemas.microsoft.com/office/drawing/2014/main" xmlns="" id="{744B94CD-0809-14B6-E79F-D0C06F89CA15}"/>
+              <a16:creationId xmlns:a16="http://schemas.microsoft.com/office/drawing/2014/main" id="{744B94CD-0809-14B6-E79F-D0C06F89CA15}"/>
             </a:ext>
           </a:extLst>
         </p:cNvPr>
@@ -18833,7 +18922,7 @@
           <p:cNvPr id="9" name="Title 8">
             <a:extLst>
               <a:ext uri="{FF2B5EF4-FFF2-40B4-BE49-F238E27FC236}">
-                <a16:creationId xmlns:a16="http://schemas.microsoft.com/office/drawing/2014/main" xmlns="" id="{F3A13225-B875-57E9-5CCB-88427D8711E0}"/>
+                <a16:creationId xmlns:a16="http://schemas.microsoft.com/office/drawing/2014/main" id="{F3A13225-B875-57E9-5CCB-88427D8711E0}"/>
               </a:ext>
             </a:extLst>
           </p:cNvPr>
@@ -18873,7 +18962,7 @@
           <p:cNvPr id="3" name="Content Placeholder 2">
             <a:extLst>
               <a:ext uri="{FF2B5EF4-FFF2-40B4-BE49-F238E27FC236}">
-                <a16:creationId xmlns:a16="http://schemas.microsoft.com/office/drawing/2014/main" xmlns="" id="{29D21329-5AAF-6358-9761-2C4901A09C8C}"/>
+                <a16:creationId xmlns:a16="http://schemas.microsoft.com/office/drawing/2014/main" id="{29D21329-5AAF-6358-9761-2C4901A09C8C}"/>
               </a:ext>
             </a:extLst>
           </p:cNvPr>
@@ -18920,7 +19009,7 @@
           <p:cNvPr id="5" name="Title 1">
             <a:extLst>
               <a:ext uri="{FF2B5EF4-FFF2-40B4-BE49-F238E27FC236}">
-                <a16:creationId xmlns:a16="http://schemas.microsoft.com/office/drawing/2014/main" xmlns="" id="{23B0E81A-A704-BABA-7779-F926A6BFCB35}"/>
+                <a16:creationId xmlns:a16="http://schemas.microsoft.com/office/drawing/2014/main" id="{23B0E81A-A704-BABA-7779-F926A6BFCB35}"/>
               </a:ext>
             </a:extLst>
           </p:cNvPr>
@@ -19028,7 +19117,7 @@
           <p:cNvPr id="10" name="Ribbon: Curved and Tilted Down 9">
             <a:extLst>
               <a:ext uri="{FF2B5EF4-FFF2-40B4-BE49-F238E27FC236}">
-                <a16:creationId xmlns:a16="http://schemas.microsoft.com/office/drawing/2014/main" xmlns="" id="{3DBA1B1D-2AF2-C619-7353-1037498CD788}"/>
+                <a16:creationId xmlns:a16="http://schemas.microsoft.com/office/drawing/2014/main" id="{3DBA1B1D-2AF2-C619-7353-1037498CD788}"/>
               </a:ext>
             </a:extLst>
           </p:cNvPr>
@@ -19101,7 +19190,7 @@
           <p:cNvPr id="11" name="Scroll: Vertical 10">
             <a:extLst>
               <a:ext uri="{FF2B5EF4-FFF2-40B4-BE49-F238E27FC236}">
-                <a16:creationId xmlns:a16="http://schemas.microsoft.com/office/drawing/2014/main" xmlns="" id="{BE18EA22-49FD-59C7-DB0C-3006A91F02E6}"/>
+                <a16:creationId xmlns:a16="http://schemas.microsoft.com/office/drawing/2014/main" id="{BE18EA22-49FD-59C7-DB0C-3006A91F02E6}"/>
               </a:ext>
             </a:extLst>
           </p:cNvPr>
@@ -19417,7 +19506,7 @@
     </p:spTree>
     <p:extLst>
       <p:ext uri="{BB962C8B-B14F-4D97-AF65-F5344CB8AC3E}">
-        <p14:creationId xmlns:p14="http://schemas.microsoft.com/office/powerpoint/2010/main" xmlns="" val="1090188544"/>
+        <p14:creationId xmlns:p14="http://schemas.microsoft.com/office/powerpoint/2010/main" val="1090188544"/>
       </p:ext>
     </p:extLst>
   </p:cSld>
@@ -19435,7 +19524,7 @@
         <p:cNvPr id="1" name="">
           <a:extLst>
             <a:ext uri="{FF2B5EF4-FFF2-40B4-BE49-F238E27FC236}">
-              <a16:creationId xmlns:a16="http://schemas.microsoft.com/office/drawing/2014/main" xmlns="" id="{DFFF01F8-A8CD-88AB-42C3-C2E632C5474A}"/>
+              <a16:creationId xmlns:a16="http://schemas.microsoft.com/office/drawing/2014/main" id="{DFFF01F8-A8CD-88AB-42C3-C2E632C5474A}"/>
             </a:ext>
           </a:extLst>
         </p:cNvPr>
@@ -19455,7 +19544,7 @@
           <p:cNvPr id="7" name="Title 8">
             <a:extLst>
               <a:ext uri="{FF2B5EF4-FFF2-40B4-BE49-F238E27FC236}">
-                <a16:creationId xmlns:a16="http://schemas.microsoft.com/office/drawing/2014/main" xmlns="" id="{2CFF87A5-7472-22DC-030C-A3CCBBC3E824}"/>
+                <a16:creationId xmlns:a16="http://schemas.microsoft.com/office/drawing/2014/main" id="{2CFF87A5-7472-22DC-030C-A3CCBBC3E824}"/>
               </a:ext>
             </a:extLst>
           </p:cNvPr>
@@ -19495,7 +19584,7 @@
           <p:cNvPr id="3" name="Content Placeholder 2">
             <a:extLst>
               <a:ext uri="{FF2B5EF4-FFF2-40B4-BE49-F238E27FC236}">
-                <a16:creationId xmlns:a16="http://schemas.microsoft.com/office/drawing/2014/main" xmlns="" id="{1702553A-B321-D7AA-C0CD-A58D1C15FC38}"/>
+                <a16:creationId xmlns:a16="http://schemas.microsoft.com/office/drawing/2014/main" id="{1702553A-B321-D7AA-C0CD-A58D1C15FC38}"/>
               </a:ext>
             </a:extLst>
           </p:cNvPr>
@@ -19568,7 +19657,7 @@
           <p:cNvPr id="8" name="Ribbon: Curved and Tilted Down 7">
             <a:extLst>
               <a:ext uri="{FF2B5EF4-FFF2-40B4-BE49-F238E27FC236}">
-                <a16:creationId xmlns:a16="http://schemas.microsoft.com/office/drawing/2014/main" xmlns="" id="{C52AE18F-E34C-AFB6-7EA6-F589DEF7B3D0}"/>
+                <a16:creationId xmlns:a16="http://schemas.microsoft.com/office/drawing/2014/main" id="{C52AE18F-E34C-AFB6-7EA6-F589DEF7B3D0}"/>
               </a:ext>
             </a:extLst>
           </p:cNvPr>
@@ -19641,7 +19730,7 @@
           <p:cNvPr id="9" name="Scroll: Vertical 8">
             <a:extLst>
               <a:ext uri="{FF2B5EF4-FFF2-40B4-BE49-F238E27FC236}">
-                <a16:creationId xmlns:a16="http://schemas.microsoft.com/office/drawing/2014/main" xmlns="" id="{18A95ECD-6D24-C669-0CF8-39F3FBCDDA47}"/>
+                <a16:creationId xmlns:a16="http://schemas.microsoft.com/office/drawing/2014/main" id="{18A95ECD-6D24-C669-0CF8-39F3FBCDDA47}"/>
               </a:ext>
             </a:extLst>
           </p:cNvPr>
@@ -19957,7 +20046,7 @@
     </p:spTree>
     <p:extLst>
       <p:ext uri="{BB962C8B-B14F-4D97-AF65-F5344CB8AC3E}">
-        <p14:creationId xmlns:p14="http://schemas.microsoft.com/office/powerpoint/2010/main" xmlns="" val="1870717373"/>
+        <p14:creationId xmlns:p14="http://schemas.microsoft.com/office/powerpoint/2010/main" val="1870717373"/>
       </p:ext>
     </p:extLst>
   </p:cSld>
@@ -19975,7 +20064,7 @@
         <p:cNvPr id="1" name="">
           <a:extLst>
             <a:ext uri="{FF2B5EF4-FFF2-40B4-BE49-F238E27FC236}">
-              <a16:creationId xmlns:a16="http://schemas.microsoft.com/office/drawing/2014/main" xmlns="" id="{D224F207-D856-6E6D-9995-159800F589CD}"/>
+              <a16:creationId xmlns:a16="http://schemas.microsoft.com/office/drawing/2014/main" id="{D224F207-D856-6E6D-9995-159800F589CD}"/>
             </a:ext>
           </a:extLst>
         </p:cNvPr>
@@ -19995,7 +20084,7 @@
           <p:cNvPr id="5" name="Title 8">
             <a:extLst>
               <a:ext uri="{FF2B5EF4-FFF2-40B4-BE49-F238E27FC236}">
-                <a16:creationId xmlns:a16="http://schemas.microsoft.com/office/drawing/2014/main" xmlns="" id="{2773E7F4-011C-1186-0E83-1852CC157898}"/>
+                <a16:creationId xmlns:a16="http://schemas.microsoft.com/office/drawing/2014/main" id="{2773E7F4-011C-1186-0E83-1852CC157898}"/>
               </a:ext>
             </a:extLst>
           </p:cNvPr>
@@ -20035,7 +20124,7 @@
           <p:cNvPr id="3" name="Content Placeholder 2">
             <a:extLst>
               <a:ext uri="{FF2B5EF4-FFF2-40B4-BE49-F238E27FC236}">
-                <a16:creationId xmlns:a16="http://schemas.microsoft.com/office/drawing/2014/main" xmlns="" id="{9466D7CB-A484-F4DC-1247-3B0F9708D05F}"/>
+                <a16:creationId xmlns:a16="http://schemas.microsoft.com/office/drawing/2014/main" id="{9466D7CB-A484-F4DC-1247-3B0F9708D05F}"/>
               </a:ext>
             </a:extLst>
           </p:cNvPr>
@@ -20082,7 +20171,7 @@
           <p:cNvPr id="6" name="Ribbon: Curved and Tilted Down 5">
             <a:extLst>
               <a:ext uri="{FF2B5EF4-FFF2-40B4-BE49-F238E27FC236}">
-                <a16:creationId xmlns:a16="http://schemas.microsoft.com/office/drawing/2014/main" xmlns="" id="{DA6F4F8F-5ABC-21EF-A2AB-B0F4B5058194}"/>
+                <a16:creationId xmlns:a16="http://schemas.microsoft.com/office/drawing/2014/main" id="{DA6F4F8F-5ABC-21EF-A2AB-B0F4B5058194}"/>
               </a:ext>
             </a:extLst>
           </p:cNvPr>
@@ -20155,7 +20244,7 @@
           <p:cNvPr id="7" name="Scroll: Vertical 6">
             <a:extLst>
               <a:ext uri="{FF2B5EF4-FFF2-40B4-BE49-F238E27FC236}">
-                <a16:creationId xmlns:a16="http://schemas.microsoft.com/office/drawing/2014/main" xmlns="" id="{694A0A23-21B4-6D65-E96A-AD1A0AC04FCC}"/>
+                <a16:creationId xmlns:a16="http://schemas.microsoft.com/office/drawing/2014/main" id="{694A0A23-21B4-6D65-E96A-AD1A0AC04FCC}"/>
               </a:ext>
             </a:extLst>
           </p:cNvPr>
@@ -20471,7 +20560,7 @@
     </p:spTree>
     <p:extLst>
       <p:ext uri="{BB962C8B-B14F-4D97-AF65-F5344CB8AC3E}">
-        <p14:creationId xmlns:p14="http://schemas.microsoft.com/office/powerpoint/2010/main" xmlns="" val="755787835"/>
+        <p14:creationId xmlns:p14="http://schemas.microsoft.com/office/powerpoint/2010/main" val="755787835"/>
       </p:ext>
     </p:extLst>
   </p:cSld>
@@ -20489,7 +20578,7 @@
         <p:cNvPr id="1" name="">
           <a:extLst>
             <a:ext uri="{FF2B5EF4-FFF2-40B4-BE49-F238E27FC236}">
-              <a16:creationId xmlns:a16="http://schemas.microsoft.com/office/drawing/2014/main" xmlns="" id="{517DE5E6-801F-A2FD-C03F-6F5486821075}"/>
+              <a16:creationId xmlns:a16="http://schemas.microsoft.com/office/drawing/2014/main" id="{517DE5E6-801F-A2FD-C03F-6F5486821075}"/>
             </a:ext>
           </a:extLst>
         </p:cNvPr>
@@ -20509,7 +20598,7 @@
           <p:cNvPr id="2" name="Title 1">
             <a:extLst>
               <a:ext uri="{FF2B5EF4-FFF2-40B4-BE49-F238E27FC236}">
-                <a16:creationId xmlns:a16="http://schemas.microsoft.com/office/drawing/2014/main" xmlns="" id="{5F9D859A-CC6B-038D-5AE0-901278C3F6CE}"/>
+                <a16:creationId xmlns:a16="http://schemas.microsoft.com/office/drawing/2014/main" id="{5F9D859A-CC6B-038D-5AE0-901278C3F6CE}"/>
               </a:ext>
             </a:extLst>
           </p:cNvPr>
@@ -20547,7 +20636,7 @@
           <p:cNvPr id="3" name="Content Placeholder 2">
             <a:extLst>
               <a:ext uri="{FF2B5EF4-FFF2-40B4-BE49-F238E27FC236}">
-                <a16:creationId xmlns:a16="http://schemas.microsoft.com/office/drawing/2014/main" xmlns="" id="{E5BE3A65-ADA6-AEAF-69B6-B9779A59851F}"/>
+                <a16:creationId xmlns:a16="http://schemas.microsoft.com/office/drawing/2014/main" id="{E5BE3A65-ADA6-AEAF-69B6-B9779A59851F}"/>
               </a:ext>
             </a:extLst>
           </p:cNvPr>
@@ -20588,7 +20677,7 @@
           <p:cNvPr id="6" name="Ribbon: Curved and Tilted Down 5">
             <a:extLst>
               <a:ext uri="{FF2B5EF4-FFF2-40B4-BE49-F238E27FC236}">
-                <a16:creationId xmlns:a16="http://schemas.microsoft.com/office/drawing/2014/main" xmlns="" id="{571A9BAF-7164-4534-E0BD-EE0EDF7090A3}"/>
+                <a16:creationId xmlns:a16="http://schemas.microsoft.com/office/drawing/2014/main" id="{571A9BAF-7164-4534-E0BD-EE0EDF7090A3}"/>
               </a:ext>
             </a:extLst>
           </p:cNvPr>
@@ -20661,7 +20750,7 @@
           <p:cNvPr id="7" name="Scroll: Vertical 6">
             <a:extLst>
               <a:ext uri="{FF2B5EF4-FFF2-40B4-BE49-F238E27FC236}">
-                <a16:creationId xmlns:a16="http://schemas.microsoft.com/office/drawing/2014/main" xmlns="" id="{82B3A4DF-1DDB-DA3D-C01E-CA4956EC89D7}"/>
+                <a16:creationId xmlns:a16="http://schemas.microsoft.com/office/drawing/2014/main" id="{82B3A4DF-1DDB-DA3D-C01E-CA4956EC89D7}"/>
               </a:ext>
             </a:extLst>
           </p:cNvPr>
@@ -20977,7 +21066,7 @@
     </p:spTree>
     <p:extLst>
       <p:ext uri="{BB962C8B-B14F-4D97-AF65-F5344CB8AC3E}">
-        <p14:creationId xmlns:p14="http://schemas.microsoft.com/office/powerpoint/2010/main" xmlns="" val="3160480842"/>
+        <p14:creationId xmlns:p14="http://schemas.microsoft.com/office/powerpoint/2010/main" val="3160480842"/>
       </p:ext>
     </p:extLst>
   </p:cSld>
@@ -21238,7 +21327,7 @@
   <a:extraClrSchemeLst/>
   <a:extLst>
     <a:ext uri="{05A4C25C-085E-4340-85A3-A5531E510DB2}">
-      <thm15:themeFamily xmlns:thm15="http://schemas.microsoft.com/office/thememl/2012/main" xmlns="" name="Facet" id="{C0C680CD-088A-49FC-A102-D699147F32B2}" vid="{8C59B386-999D-4CB6-B907-9F3997C027CC}"/>
+      <thm15:themeFamily xmlns:thm15="http://schemas.microsoft.com/office/thememl/2012/main" name="Facet" id="{C0C680CD-088A-49FC-A102-D699147F32B2}" vid="{8C59B386-999D-4CB6-B907-9F3997C027CC}"/>
     </a:ext>
   </a:extLst>
 </a:theme>

--- a/Javascript Tutorials.pptx
+++ b/Javascript Tutorials.pptx
@@ -22,9 +22,9 @@
     <p:sldId id="270" r:id="rId16"/>
     <p:sldId id="271" r:id="rId17"/>
     <p:sldId id="272" r:id="rId18"/>
-    <p:sldId id="274" r:id="rId19"/>
+    <p:sldId id="287" r:id="rId19"/>
     <p:sldId id="276" r:id="rId20"/>
-    <p:sldId id="286" r:id="rId21"/>
+    <p:sldId id="288" r:id="rId21"/>
     <p:sldId id="275" r:id="rId22"/>
     <p:sldId id="277" r:id="rId23"/>
     <p:sldId id="278" r:id="rId24"/>
@@ -135,7 +135,7 @@
   </p:defaultTextStyle>
   <p:extLst>
     <p:ext uri="{EFAFB233-063F-42B5-8137-9DF3F51BA10A}">
-      <p15:sldGuideLst xmlns:p15="http://schemas.microsoft.com/office/powerpoint/2012/main">
+      <p15:sldGuideLst xmlns:p15="http://schemas.microsoft.com/office/powerpoint/2012/main" xmlns="">
         <p15:guide id="1" orient="horz" pos="2160">
           <p15:clr>
             <a:srgbClr val="A4A3A4"/>
@@ -877,7 +877,7 @@
             <a:fld id="{48A87A34-81AB-432B-8DAE-1953F412C126}" type="datetimeFigureOut">
               <a:rPr lang="en-US" smtClean="0"/>
               <a:pPr/>
-              <a:t>8/31/2025</a:t>
+              <a:t>9/9/2025</a:t>
             </a:fld>
             <a:endParaRPr lang="en-US" dirty="0"/>
           </a:p>
@@ -929,7 +929,7 @@
     </p:spTree>
     <p:extLst>
       <p:ext uri="{BB962C8B-B14F-4D97-AF65-F5344CB8AC3E}">
-        <p14:creationId xmlns:p14="http://schemas.microsoft.com/office/powerpoint/2010/main" val="2121369331"/>
+        <p14:creationId xmlns:p14="http://schemas.microsoft.com/office/powerpoint/2010/main" xmlns="" val="2121369331"/>
       </p:ext>
     </p:extLst>
   </p:cSld>
@@ -1130,7 +1130,7 @@
             <a:fld id="{48A87A34-81AB-432B-8DAE-1953F412C126}" type="datetimeFigureOut">
               <a:rPr lang="en-US" smtClean="0"/>
               <a:pPr/>
-              <a:t>8/31/2025</a:t>
+              <a:t>9/9/2025</a:t>
             </a:fld>
             <a:endParaRPr lang="en-US" dirty="0"/>
           </a:p>
@@ -1182,7 +1182,7 @@
     </p:spTree>
     <p:extLst>
       <p:ext uri="{BB962C8B-B14F-4D97-AF65-F5344CB8AC3E}">
-        <p14:creationId xmlns:p14="http://schemas.microsoft.com/office/powerpoint/2010/main" val="4277845334"/>
+        <p14:creationId xmlns:p14="http://schemas.microsoft.com/office/powerpoint/2010/main" xmlns="" val="4277845334"/>
       </p:ext>
     </p:extLst>
   </p:cSld>
@@ -1446,7 +1446,7 @@
             <a:fld id="{48A87A34-81AB-432B-8DAE-1953F412C126}" type="datetimeFigureOut">
               <a:rPr lang="en-US" smtClean="0"/>
               <a:pPr/>
-              <a:t>8/31/2025</a:t>
+              <a:t>9/9/2025</a:t>
             </a:fld>
             <a:endParaRPr lang="en-US" dirty="0"/>
           </a:p>
@@ -1574,7 +1574,7 @@
     </p:spTree>
     <p:extLst>
       <p:ext uri="{BB962C8B-B14F-4D97-AF65-F5344CB8AC3E}">
-        <p14:creationId xmlns:p14="http://schemas.microsoft.com/office/powerpoint/2010/main" val="4103336880"/>
+        <p14:creationId xmlns:p14="http://schemas.microsoft.com/office/powerpoint/2010/main" xmlns="" val="4103336880"/>
       </p:ext>
     </p:extLst>
   </p:cSld>
@@ -1775,7 +1775,7 @@
             <a:fld id="{48A87A34-81AB-432B-8DAE-1953F412C126}" type="datetimeFigureOut">
               <a:rPr lang="en-US" smtClean="0"/>
               <a:pPr/>
-              <a:t>8/31/2025</a:t>
+              <a:t>9/9/2025</a:t>
             </a:fld>
             <a:endParaRPr lang="en-US" dirty="0"/>
           </a:p>
@@ -1827,7 +1827,7 @@
     </p:spTree>
     <p:extLst>
       <p:ext uri="{BB962C8B-B14F-4D97-AF65-F5344CB8AC3E}">
-        <p14:creationId xmlns:p14="http://schemas.microsoft.com/office/powerpoint/2010/main" val="2317848287"/>
+        <p14:creationId xmlns:p14="http://schemas.microsoft.com/office/powerpoint/2010/main" xmlns="" val="2317848287"/>
       </p:ext>
     </p:extLst>
   </p:cSld>
@@ -2091,7 +2091,7 @@
             <a:fld id="{48A87A34-81AB-432B-8DAE-1953F412C126}" type="datetimeFigureOut">
               <a:rPr lang="en-US" smtClean="0"/>
               <a:pPr/>
-              <a:t>8/31/2025</a:t>
+              <a:t>9/9/2025</a:t>
             </a:fld>
             <a:endParaRPr lang="en-US" dirty="0"/>
           </a:p>
@@ -2219,7 +2219,7 @@
     </p:spTree>
     <p:extLst>
       <p:ext uri="{BB962C8B-B14F-4D97-AF65-F5344CB8AC3E}">
-        <p14:creationId xmlns:p14="http://schemas.microsoft.com/office/powerpoint/2010/main" val="4054754721"/>
+        <p14:creationId xmlns:p14="http://schemas.microsoft.com/office/powerpoint/2010/main" xmlns="" val="4054754721"/>
       </p:ext>
     </p:extLst>
   </p:cSld>
@@ -2480,7 +2480,7 @@
             <a:fld id="{48A87A34-81AB-432B-8DAE-1953F412C126}" type="datetimeFigureOut">
               <a:rPr lang="en-US" smtClean="0"/>
               <a:pPr/>
-              <a:t>8/31/2025</a:t>
+              <a:t>9/9/2025</a:t>
             </a:fld>
             <a:endParaRPr lang="en-US" dirty="0"/>
           </a:p>
@@ -2532,7 +2532,7 @@
     </p:spTree>
     <p:extLst>
       <p:ext uri="{BB962C8B-B14F-4D97-AF65-F5344CB8AC3E}">
-        <p14:creationId xmlns:p14="http://schemas.microsoft.com/office/powerpoint/2010/main" val="3698809145"/>
+        <p14:creationId xmlns:p14="http://schemas.microsoft.com/office/powerpoint/2010/main" xmlns="" val="3698809145"/>
       </p:ext>
     </p:extLst>
   </p:cSld>
@@ -2652,7 +2652,7 @@
             <a:fld id="{48A87A34-81AB-432B-8DAE-1953F412C126}" type="datetimeFigureOut">
               <a:rPr lang="en-US" smtClean="0"/>
               <a:pPr/>
-              <a:t>8/31/2025</a:t>
+              <a:t>9/9/2025</a:t>
             </a:fld>
             <a:endParaRPr lang="en-US" dirty="0"/>
           </a:p>
@@ -2704,7 +2704,7 @@
     </p:spTree>
     <p:extLst>
       <p:ext uri="{BB962C8B-B14F-4D97-AF65-F5344CB8AC3E}">
-        <p14:creationId xmlns:p14="http://schemas.microsoft.com/office/powerpoint/2010/main" val="4102912012"/>
+        <p14:creationId xmlns:p14="http://schemas.microsoft.com/office/powerpoint/2010/main" xmlns="" val="4102912012"/>
       </p:ext>
     </p:extLst>
   </p:cSld>
@@ -2834,7 +2834,7 @@
             <a:fld id="{48A87A34-81AB-432B-8DAE-1953F412C126}" type="datetimeFigureOut">
               <a:rPr lang="en-US" smtClean="0"/>
               <a:pPr/>
-              <a:t>8/31/2025</a:t>
+              <a:t>9/9/2025</a:t>
             </a:fld>
             <a:endParaRPr lang="en-US" dirty="0"/>
           </a:p>
@@ -2886,7 +2886,7 @@
     </p:spTree>
     <p:extLst>
       <p:ext uri="{BB962C8B-B14F-4D97-AF65-F5344CB8AC3E}">
-        <p14:creationId xmlns:p14="http://schemas.microsoft.com/office/powerpoint/2010/main" val="1199620941"/>
+        <p14:creationId xmlns:p14="http://schemas.microsoft.com/office/powerpoint/2010/main" xmlns="" val="1199620941"/>
       </p:ext>
     </p:extLst>
   </p:cSld>
@@ -3012,7 +3012,7 @@
             <a:fld id="{48A87A34-81AB-432B-8DAE-1953F412C126}" type="datetimeFigureOut">
               <a:rPr lang="en-US" smtClean="0"/>
               <a:pPr/>
-              <a:t>8/31/2025</a:t>
+              <a:t>9/9/2025</a:t>
             </a:fld>
             <a:endParaRPr lang="en-US" dirty="0"/>
           </a:p>
@@ -3064,7 +3064,7 @@
     </p:spTree>
     <p:extLst>
       <p:ext uri="{BB962C8B-B14F-4D97-AF65-F5344CB8AC3E}">
-        <p14:creationId xmlns:p14="http://schemas.microsoft.com/office/powerpoint/2010/main" val="901355798"/>
+        <p14:creationId xmlns:p14="http://schemas.microsoft.com/office/powerpoint/2010/main" xmlns="" val="901355798"/>
       </p:ext>
     </p:extLst>
   </p:cSld>
@@ -3261,7 +3261,7 @@
             <a:fld id="{48A87A34-81AB-432B-8DAE-1953F412C126}" type="datetimeFigureOut">
               <a:rPr lang="en-US" smtClean="0"/>
               <a:pPr/>
-              <a:t>8/31/2025</a:t>
+              <a:t>9/9/2025</a:t>
             </a:fld>
             <a:endParaRPr lang="en-US" dirty="0"/>
           </a:p>
@@ -3313,7 +3313,7 @@
     </p:spTree>
     <p:extLst>
       <p:ext uri="{BB962C8B-B14F-4D97-AF65-F5344CB8AC3E}">
-        <p14:creationId xmlns:p14="http://schemas.microsoft.com/office/powerpoint/2010/main" val="351019068"/>
+        <p14:creationId xmlns:p14="http://schemas.microsoft.com/office/powerpoint/2010/main" xmlns="" val="351019068"/>
       </p:ext>
     </p:extLst>
   </p:cSld>
@@ -3495,7 +3495,7 @@
             <a:fld id="{48A87A34-81AB-432B-8DAE-1953F412C126}" type="datetimeFigureOut">
               <a:rPr lang="en-US" smtClean="0"/>
               <a:pPr/>
-              <a:t>8/31/2025</a:t>
+              <a:t>9/9/2025</a:t>
             </a:fld>
             <a:endParaRPr lang="en-US" dirty="0"/>
           </a:p>
@@ -3547,7 +3547,7 @@
     </p:spTree>
     <p:extLst>
       <p:ext uri="{BB962C8B-B14F-4D97-AF65-F5344CB8AC3E}">
-        <p14:creationId xmlns:p14="http://schemas.microsoft.com/office/powerpoint/2010/main" val="3037334119"/>
+        <p14:creationId xmlns:p14="http://schemas.microsoft.com/office/powerpoint/2010/main" xmlns="" val="3037334119"/>
       </p:ext>
     </p:extLst>
   </p:cSld>
@@ -3871,7 +3871,7 @@
             <a:fld id="{48A87A34-81AB-432B-8DAE-1953F412C126}" type="datetimeFigureOut">
               <a:rPr lang="en-US" smtClean="0"/>
               <a:pPr/>
-              <a:t>8/31/2025</a:t>
+              <a:t>9/9/2025</a:t>
             </a:fld>
             <a:endParaRPr lang="en-US" dirty="0"/>
           </a:p>
@@ -3923,7 +3923,7 @@
     </p:spTree>
     <p:extLst>
       <p:ext uri="{BB962C8B-B14F-4D97-AF65-F5344CB8AC3E}">
-        <p14:creationId xmlns:p14="http://schemas.microsoft.com/office/powerpoint/2010/main" val="3959179014"/>
+        <p14:creationId xmlns:p14="http://schemas.microsoft.com/office/powerpoint/2010/main" xmlns="" val="3959179014"/>
       </p:ext>
     </p:extLst>
   </p:cSld>
@@ -3996,7 +3996,7 @@
             <a:fld id="{48A87A34-81AB-432B-8DAE-1953F412C126}" type="datetimeFigureOut">
               <a:rPr lang="en-US" smtClean="0"/>
               <a:pPr/>
-              <a:t>8/31/2025</a:t>
+              <a:t>9/9/2025</a:t>
             </a:fld>
             <a:endParaRPr lang="en-US" dirty="0"/>
           </a:p>
@@ -4048,7 +4048,7 @@
     </p:spTree>
     <p:extLst>
       <p:ext uri="{BB962C8B-B14F-4D97-AF65-F5344CB8AC3E}">
-        <p14:creationId xmlns:p14="http://schemas.microsoft.com/office/powerpoint/2010/main" val="143817896"/>
+        <p14:creationId xmlns:p14="http://schemas.microsoft.com/office/powerpoint/2010/main" xmlns="" val="143817896"/>
       </p:ext>
     </p:extLst>
   </p:cSld>
@@ -4093,7 +4093,7 @@
             <a:fld id="{48A87A34-81AB-432B-8DAE-1953F412C126}" type="datetimeFigureOut">
               <a:rPr lang="en-US" smtClean="0"/>
               <a:pPr/>
-              <a:t>8/31/2025</a:t>
+              <a:t>9/9/2025</a:t>
             </a:fld>
             <a:endParaRPr lang="en-US" dirty="0"/>
           </a:p>
@@ -4145,7 +4145,7 @@
     </p:spTree>
     <p:extLst>
       <p:ext uri="{BB962C8B-B14F-4D97-AF65-F5344CB8AC3E}">
-        <p14:creationId xmlns:p14="http://schemas.microsoft.com/office/powerpoint/2010/main" val="1053529793"/>
+        <p14:creationId xmlns:p14="http://schemas.microsoft.com/office/powerpoint/2010/main" xmlns="" val="1053529793"/>
       </p:ext>
     </p:extLst>
   </p:cSld>
@@ -4350,7 +4350,7 @@
             <a:fld id="{48A87A34-81AB-432B-8DAE-1953F412C126}" type="datetimeFigureOut">
               <a:rPr lang="en-US" smtClean="0"/>
               <a:pPr/>
-              <a:t>8/31/2025</a:t>
+              <a:t>9/9/2025</a:t>
             </a:fld>
             <a:endParaRPr lang="en-US" dirty="0"/>
           </a:p>
@@ -4402,7 +4402,7 @@
     </p:spTree>
     <p:extLst>
       <p:ext uri="{BB962C8B-B14F-4D97-AF65-F5344CB8AC3E}">
-        <p14:creationId xmlns:p14="http://schemas.microsoft.com/office/powerpoint/2010/main" val="1549564702"/>
+        <p14:creationId xmlns:p14="http://schemas.microsoft.com/office/powerpoint/2010/main" xmlns="" val="1549564702"/>
       </p:ext>
     </p:extLst>
   </p:cSld>
@@ -4615,7 +4615,7 @@
             <a:fld id="{48A87A34-81AB-432B-8DAE-1953F412C126}" type="datetimeFigureOut">
               <a:rPr lang="en-US" smtClean="0"/>
               <a:pPr/>
-              <a:t>8/31/2025</a:t>
+              <a:t>9/9/2025</a:t>
             </a:fld>
             <a:endParaRPr lang="en-US" dirty="0"/>
           </a:p>
@@ -4667,7 +4667,7 @@
     </p:spTree>
     <p:extLst>
       <p:ext uri="{BB962C8B-B14F-4D97-AF65-F5344CB8AC3E}">
-        <p14:creationId xmlns:p14="http://schemas.microsoft.com/office/powerpoint/2010/main" val="1708776435"/>
+        <p14:creationId xmlns:p14="http://schemas.microsoft.com/office/powerpoint/2010/main" xmlns="" val="1708776435"/>
       </p:ext>
     </p:extLst>
   </p:cSld>
@@ -5362,7 +5362,7 @@
             <a:fld id="{48A87A34-81AB-432B-8DAE-1953F412C126}" type="datetimeFigureOut">
               <a:rPr lang="en-US" smtClean="0"/>
               <a:pPr/>
-              <a:t>8/31/2025</a:t>
+              <a:t>9/9/2025</a:t>
             </a:fld>
             <a:endParaRPr lang="en-US" dirty="0"/>
           </a:p>
@@ -5448,7 +5448,7 @@
     </p:spTree>
     <p:extLst>
       <p:ext uri="{BB962C8B-B14F-4D97-AF65-F5344CB8AC3E}">
-        <p14:creationId xmlns:p14="http://schemas.microsoft.com/office/powerpoint/2010/main" val="121865681"/>
+        <p14:creationId xmlns:p14="http://schemas.microsoft.com/office/powerpoint/2010/main" xmlns="" val="121865681"/>
       </p:ext>
     </p:extLst>
   </p:cSld>
@@ -5892,7 +5892,7 @@
           <p:cNvPr id="2" name="Title 1">
             <a:extLst>
               <a:ext uri="{FF2B5EF4-FFF2-40B4-BE49-F238E27FC236}">
-                <a16:creationId xmlns:a16="http://schemas.microsoft.com/office/drawing/2014/main" id="{EC93423C-79E8-2701-DB3F-2D4CA67D7A87}"/>
+                <a16:creationId xmlns:a16="http://schemas.microsoft.com/office/drawing/2014/main" xmlns="" id="{EC93423C-79E8-2701-DB3F-2D4CA67D7A87}"/>
               </a:ext>
             </a:extLst>
           </p:cNvPr>
@@ -5945,7 +5945,7 @@
           <p:cNvPr id="3" name="Subtitle 2">
             <a:extLst>
               <a:ext uri="{FF2B5EF4-FFF2-40B4-BE49-F238E27FC236}">
-                <a16:creationId xmlns:a16="http://schemas.microsoft.com/office/drawing/2014/main" id="{2A629AF9-FA04-B477-0E47-5B7F12E6FC7C}"/>
+                <a16:creationId xmlns:a16="http://schemas.microsoft.com/office/drawing/2014/main" xmlns="" id="{2A629AF9-FA04-B477-0E47-5B7F12E6FC7C}"/>
               </a:ext>
             </a:extLst>
           </p:cNvPr>
@@ -5981,7 +5981,7 @@
           <p:cNvPr id="4" name="TextBox 3">
             <a:extLst>
               <a:ext uri="{FF2B5EF4-FFF2-40B4-BE49-F238E27FC236}">
-                <a16:creationId xmlns:a16="http://schemas.microsoft.com/office/drawing/2014/main" id="{4BC27C14-3D93-9CDE-B1D8-91C6ACAF4DA4}"/>
+                <a16:creationId xmlns:a16="http://schemas.microsoft.com/office/drawing/2014/main" xmlns="" id="{4BC27C14-3D93-9CDE-B1D8-91C6ACAF4DA4}"/>
               </a:ext>
             </a:extLst>
           </p:cNvPr>
@@ -6030,7 +6030,7 @@
     </p:spTree>
     <p:extLst>
       <p:ext uri="{BB962C8B-B14F-4D97-AF65-F5344CB8AC3E}">
-        <p14:creationId xmlns:p14="http://schemas.microsoft.com/office/powerpoint/2010/main" val="889777050"/>
+        <p14:creationId xmlns:p14="http://schemas.microsoft.com/office/powerpoint/2010/main" xmlns="" val="889777050"/>
       </p:ext>
     </p:extLst>
   </p:cSld>
@@ -6048,7 +6048,7 @@
         <p:cNvPr id="1" name="">
           <a:extLst>
             <a:ext uri="{FF2B5EF4-FFF2-40B4-BE49-F238E27FC236}">
-              <a16:creationId xmlns:a16="http://schemas.microsoft.com/office/drawing/2014/main" id="{253BBDB7-3E52-64BD-6E92-66253059D34C}"/>
+              <a16:creationId xmlns:a16="http://schemas.microsoft.com/office/drawing/2014/main" xmlns="" id="{253BBDB7-3E52-64BD-6E92-66253059D34C}"/>
             </a:ext>
           </a:extLst>
         </p:cNvPr>
@@ -6068,7 +6068,7 @@
           <p:cNvPr id="2" name="Title 1">
             <a:extLst>
               <a:ext uri="{FF2B5EF4-FFF2-40B4-BE49-F238E27FC236}">
-                <a16:creationId xmlns:a16="http://schemas.microsoft.com/office/drawing/2014/main" id="{E55678BE-607F-2A2B-B318-30B2DA7F29B3}"/>
+                <a16:creationId xmlns:a16="http://schemas.microsoft.com/office/drawing/2014/main" xmlns="" id="{E55678BE-607F-2A2B-B318-30B2DA7F29B3}"/>
               </a:ext>
             </a:extLst>
           </p:cNvPr>
@@ -6105,7 +6105,7 @@
           <p:cNvPr id="3" name="Content Placeholder 2">
             <a:extLst>
               <a:ext uri="{FF2B5EF4-FFF2-40B4-BE49-F238E27FC236}">
-                <a16:creationId xmlns:a16="http://schemas.microsoft.com/office/drawing/2014/main" id="{A5951AC9-1751-ACAB-8097-E6D486A5D62D}"/>
+                <a16:creationId xmlns:a16="http://schemas.microsoft.com/office/drawing/2014/main" xmlns="" id="{A5951AC9-1751-ACAB-8097-E6D486A5D62D}"/>
               </a:ext>
             </a:extLst>
           </p:cNvPr>
@@ -6160,7 +6160,7 @@
           <p:cNvPr id="5" name="Ribbon: Curved and Tilted Down 4">
             <a:extLst>
               <a:ext uri="{FF2B5EF4-FFF2-40B4-BE49-F238E27FC236}">
-                <a16:creationId xmlns:a16="http://schemas.microsoft.com/office/drawing/2014/main" id="{29648F54-4274-51BA-8F35-F8C888E0A19B}"/>
+                <a16:creationId xmlns:a16="http://schemas.microsoft.com/office/drawing/2014/main" xmlns="" id="{29648F54-4274-51BA-8F35-F8C888E0A19B}"/>
               </a:ext>
             </a:extLst>
           </p:cNvPr>
@@ -6233,7 +6233,7 @@
           <p:cNvPr id="6" name="Scroll: Vertical 5">
             <a:extLst>
               <a:ext uri="{FF2B5EF4-FFF2-40B4-BE49-F238E27FC236}">
-                <a16:creationId xmlns:a16="http://schemas.microsoft.com/office/drawing/2014/main" id="{E3C4F40D-DC8F-F75B-7F98-E5029EC432CA}"/>
+                <a16:creationId xmlns:a16="http://schemas.microsoft.com/office/drawing/2014/main" xmlns="" id="{E3C4F40D-DC8F-F75B-7F98-E5029EC432CA}"/>
               </a:ext>
             </a:extLst>
           </p:cNvPr>
@@ -6549,7 +6549,7 @@
     </p:spTree>
     <p:extLst>
       <p:ext uri="{BB962C8B-B14F-4D97-AF65-F5344CB8AC3E}">
-        <p14:creationId xmlns:p14="http://schemas.microsoft.com/office/powerpoint/2010/main" val="609828687"/>
+        <p14:creationId xmlns:p14="http://schemas.microsoft.com/office/powerpoint/2010/main" xmlns="" val="609828687"/>
       </p:ext>
     </p:extLst>
   </p:cSld>
@@ -6567,7 +6567,7 @@
         <p:cNvPr id="1" name="">
           <a:extLst>
             <a:ext uri="{FF2B5EF4-FFF2-40B4-BE49-F238E27FC236}">
-              <a16:creationId xmlns:a16="http://schemas.microsoft.com/office/drawing/2014/main" id="{4586E9D7-F5F8-14CC-9DF6-FC4AF2EA4249}"/>
+              <a16:creationId xmlns:a16="http://schemas.microsoft.com/office/drawing/2014/main" xmlns="" id="{4586E9D7-F5F8-14CC-9DF6-FC4AF2EA4249}"/>
             </a:ext>
           </a:extLst>
         </p:cNvPr>
@@ -6587,7 +6587,7 @@
           <p:cNvPr id="2" name="Title 1">
             <a:extLst>
               <a:ext uri="{FF2B5EF4-FFF2-40B4-BE49-F238E27FC236}">
-                <a16:creationId xmlns:a16="http://schemas.microsoft.com/office/drawing/2014/main" id="{D8B67155-694F-FF61-7CDD-33A20A316215}"/>
+                <a16:creationId xmlns:a16="http://schemas.microsoft.com/office/drawing/2014/main" xmlns="" id="{D8B67155-694F-FF61-7CDD-33A20A316215}"/>
               </a:ext>
             </a:extLst>
           </p:cNvPr>
@@ -6624,7 +6624,7 @@
           <p:cNvPr id="3" name="Content Placeholder 2">
             <a:extLst>
               <a:ext uri="{FF2B5EF4-FFF2-40B4-BE49-F238E27FC236}">
-                <a16:creationId xmlns:a16="http://schemas.microsoft.com/office/drawing/2014/main" id="{2A53D2DA-721D-FC7E-8E09-BCBD844B6F9F}"/>
+                <a16:creationId xmlns:a16="http://schemas.microsoft.com/office/drawing/2014/main" xmlns="" id="{2A53D2DA-721D-FC7E-8E09-BCBD844B6F9F}"/>
               </a:ext>
             </a:extLst>
           </p:cNvPr>
@@ -6732,7 +6732,7 @@
           <p:cNvPr id="5" name="Ribbon: Curved and Tilted Down 4">
             <a:extLst>
               <a:ext uri="{FF2B5EF4-FFF2-40B4-BE49-F238E27FC236}">
-                <a16:creationId xmlns:a16="http://schemas.microsoft.com/office/drawing/2014/main" id="{3FA23525-E3EA-B8CB-FD6A-53084CA847A7}"/>
+                <a16:creationId xmlns:a16="http://schemas.microsoft.com/office/drawing/2014/main" xmlns="" id="{3FA23525-E3EA-B8CB-FD6A-53084CA847A7}"/>
               </a:ext>
             </a:extLst>
           </p:cNvPr>
@@ -6805,7 +6805,7 @@
           <p:cNvPr id="6" name="Scroll: Vertical 5">
             <a:extLst>
               <a:ext uri="{FF2B5EF4-FFF2-40B4-BE49-F238E27FC236}">
-                <a16:creationId xmlns:a16="http://schemas.microsoft.com/office/drawing/2014/main" id="{1A4C732A-2840-82C8-A359-298D925E33B3}"/>
+                <a16:creationId xmlns:a16="http://schemas.microsoft.com/office/drawing/2014/main" xmlns="" id="{1A4C732A-2840-82C8-A359-298D925E33B3}"/>
               </a:ext>
             </a:extLst>
           </p:cNvPr>
@@ -7121,7 +7121,7 @@
     </p:spTree>
     <p:extLst>
       <p:ext uri="{BB962C8B-B14F-4D97-AF65-F5344CB8AC3E}">
-        <p14:creationId xmlns:p14="http://schemas.microsoft.com/office/powerpoint/2010/main" val="3002471670"/>
+        <p14:creationId xmlns:p14="http://schemas.microsoft.com/office/powerpoint/2010/main" xmlns="" val="3002471670"/>
       </p:ext>
     </p:extLst>
   </p:cSld>
@@ -7153,7 +7153,7 @@
           <p:cNvPr id="9" name="Explosion: 14 Points 8">
             <a:extLst>
               <a:ext uri="{FF2B5EF4-FFF2-40B4-BE49-F238E27FC236}">
-                <a16:creationId xmlns:a16="http://schemas.microsoft.com/office/drawing/2014/main" id="{0A2CD68B-7A56-F86D-8B6F-4A8BF99B4C9E}"/>
+                <a16:creationId xmlns:a16="http://schemas.microsoft.com/office/drawing/2014/main" xmlns="" id="{0A2CD68B-7A56-F86D-8B6F-4A8BF99B4C9E}"/>
               </a:ext>
             </a:extLst>
           </p:cNvPr>
@@ -7208,7 +7208,7 @@
           <p:cNvPr id="4" name="Ribbon: Curved and Tilted Down 3">
             <a:extLst>
               <a:ext uri="{FF2B5EF4-FFF2-40B4-BE49-F238E27FC236}">
-                <a16:creationId xmlns:a16="http://schemas.microsoft.com/office/drawing/2014/main" id="{909DBECF-689C-9AA7-1649-9166A578EDF9}"/>
+                <a16:creationId xmlns:a16="http://schemas.microsoft.com/office/drawing/2014/main" xmlns="" id="{909DBECF-689C-9AA7-1649-9166A578EDF9}"/>
               </a:ext>
             </a:extLst>
           </p:cNvPr>
@@ -7275,7 +7275,7 @@
           <p:cNvPr id="5" name="Scroll: Vertical 4">
             <a:extLst>
               <a:ext uri="{FF2B5EF4-FFF2-40B4-BE49-F238E27FC236}">
-                <a16:creationId xmlns:a16="http://schemas.microsoft.com/office/drawing/2014/main" id="{38EB993A-3F18-C6B7-226F-EDD62B4B31DB}"/>
+                <a16:creationId xmlns:a16="http://schemas.microsoft.com/office/drawing/2014/main" xmlns="" id="{38EB993A-3F18-C6B7-226F-EDD62B4B31DB}"/>
               </a:ext>
             </a:extLst>
           </p:cNvPr>
@@ -7433,7 +7433,7 @@
           <p:cNvPr id="3" name="TextBox 2">
             <a:extLst>
               <a:ext uri="{FF2B5EF4-FFF2-40B4-BE49-F238E27FC236}">
-                <a16:creationId xmlns:a16="http://schemas.microsoft.com/office/drawing/2014/main" id="{97CE9E2B-4371-68F6-75AF-957039BA75DC}"/>
+                <a16:creationId xmlns:a16="http://schemas.microsoft.com/office/drawing/2014/main" xmlns="" id="{97CE9E2B-4371-68F6-75AF-957039BA75DC}"/>
               </a:ext>
             </a:extLst>
           </p:cNvPr>
@@ -7488,7 +7488,7 @@
           <p:cNvPr id="7" name="Title 6">
             <a:extLst>
               <a:ext uri="{FF2B5EF4-FFF2-40B4-BE49-F238E27FC236}">
-                <a16:creationId xmlns:a16="http://schemas.microsoft.com/office/drawing/2014/main" id="{77434EED-AEE3-6743-9008-B43A222A1CE2}"/>
+                <a16:creationId xmlns:a16="http://schemas.microsoft.com/office/drawing/2014/main" xmlns="" id="{77434EED-AEE3-6743-9008-B43A222A1CE2}"/>
               </a:ext>
             </a:extLst>
           </p:cNvPr>
@@ -7513,7 +7513,7 @@
           <p:cNvPr id="10" name="Title 1">
             <a:extLst>
               <a:ext uri="{FF2B5EF4-FFF2-40B4-BE49-F238E27FC236}">
-                <a16:creationId xmlns:a16="http://schemas.microsoft.com/office/drawing/2014/main" id="{6D70E990-115A-D697-159B-C41288490798}"/>
+                <a16:creationId xmlns:a16="http://schemas.microsoft.com/office/drawing/2014/main" xmlns="" id="{6D70E990-115A-D697-159B-C41288490798}"/>
               </a:ext>
             </a:extLst>
           </p:cNvPr>
@@ -7619,6 +7619,15 @@
               </a:rPr>
               <a:t>JavaScript</a:t>
             </a:r>
+            <a:r>
+              <a:rPr lang="en-US" sz="7200" b="1" dirty="0">
+                <a:solidFill>
+                  <a:schemeClr val="tx1"/>
+                </a:solidFill>
+                <a:latin typeface="Barlow Black" panose="00000A00000000000000" pitchFamily="2" charset="0"/>
+              </a:rPr>
+              <a:t/>
+            </a:r>
             <a:br>
               <a:rPr lang="en-US" sz="7200" b="1" dirty="0">
                 <a:solidFill>
@@ -7648,7 +7657,7 @@
     </p:spTree>
     <p:extLst>
       <p:ext uri="{BB962C8B-B14F-4D97-AF65-F5344CB8AC3E}">
-        <p14:creationId xmlns:p14="http://schemas.microsoft.com/office/powerpoint/2010/main" val="3287175084"/>
+        <p14:creationId xmlns:p14="http://schemas.microsoft.com/office/powerpoint/2010/main" xmlns="" val="3287175084"/>
       </p:ext>
     </p:extLst>
   </p:cSld>
@@ -7666,7 +7675,7 @@
         <p:cNvPr id="1" name="">
           <a:extLst>
             <a:ext uri="{FF2B5EF4-FFF2-40B4-BE49-F238E27FC236}">
-              <a16:creationId xmlns:a16="http://schemas.microsoft.com/office/drawing/2014/main" id="{4586E9D7-F5F8-14CC-9DF6-FC4AF2EA4249}"/>
+              <a16:creationId xmlns:a16="http://schemas.microsoft.com/office/drawing/2014/main" xmlns="" id="{4586E9D7-F5F8-14CC-9DF6-FC4AF2EA4249}"/>
             </a:ext>
           </a:extLst>
         </p:cNvPr>
@@ -7686,7 +7695,7 @@
           <p:cNvPr id="2" name="Title 1">
             <a:extLst>
               <a:ext uri="{FF2B5EF4-FFF2-40B4-BE49-F238E27FC236}">
-                <a16:creationId xmlns:a16="http://schemas.microsoft.com/office/drawing/2014/main" id="{D8B67155-694F-FF61-7CDD-33A20A316215}"/>
+                <a16:creationId xmlns:a16="http://schemas.microsoft.com/office/drawing/2014/main" xmlns="" id="{D8B67155-694F-FF61-7CDD-33A20A316215}"/>
               </a:ext>
             </a:extLst>
           </p:cNvPr>
@@ -7724,7 +7733,7 @@
           <p:cNvPr id="3" name="Content Placeholder 2">
             <a:extLst>
               <a:ext uri="{FF2B5EF4-FFF2-40B4-BE49-F238E27FC236}">
-                <a16:creationId xmlns:a16="http://schemas.microsoft.com/office/drawing/2014/main" id="{2A53D2DA-721D-FC7E-8E09-BCBD844B6F9F}"/>
+                <a16:creationId xmlns:a16="http://schemas.microsoft.com/office/drawing/2014/main" xmlns="" id="{2A53D2DA-721D-FC7E-8E09-BCBD844B6F9F}"/>
               </a:ext>
             </a:extLst>
           </p:cNvPr>
@@ -7772,7 +7781,7 @@
           <p:cNvPr id="5" name="Ribbon: Curved and Tilted Down 4">
             <a:extLst>
               <a:ext uri="{FF2B5EF4-FFF2-40B4-BE49-F238E27FC236}">
-                <a16:creationId xmlns:a16="http://schemas.microsoft.com/office/drawing/2014/main" id="{3FA23525-E3EA-B8CB-FD6A-53084CA847A7}"/>
+                <a16:creationId xmlns:a16="http://schemas.microsoft.com/office/drawing/2014/main" xmlns="" id="{3FA23525-E3EA-B8CB-FD6A-53084CA847A7}"/>
               </a:ext>
             </a:extLst>
           </p:cNvPr>
@@ -7845,7 +7854,7 @@
           <p:cNvPr id="6" name="Scroll: Vertical 5">
             <a:extLst>
               <a:ext uri="{FF2B5EF4-FFF2-40B4-BE49-F238E27FC236}">
-                <a16:creationId xmlns:a16="http://schemas.microsoft.com/office/drawing/2014/main" id="{1A4C732A-2840-82C8-A359-298D925E33B3}"/>
+                <a16:creationId xmlns:a16="http://schemas.microsoft.com/office/drawing/2014/main" xmlns="" id="{1A4C732A-2840-82C8-A359-298D925E33B3}"/>
               </a:ext>
             </a:extLst>
           </p:cNvPr>
@@ -8035,7 +8044,7 @@
     </p:spTree>
     <p:extLst>
       <p:ext uri="{BB962C8B-B14F-4D97-AF65-F5344CB8AC3E}">
-        <p14:creationId xmlns:p14="http://schemas.microsoft.com/office/powerpoint/2010/main" val="3002471670"/>
+        <p14:creationId xmlns:p14="http://schemas.microsoft.com/office/powerpoint/2010/main" xmlns="" val="3002471670"/>
       </p:ext>
     </p:extLst>
   </p:cSld>
@@ -8053,7 +8062,7 @@
         <p:cNvPr id="1" name="">
           <a:extLst>
             <a:ext uri="{FF2B5EF4-FFF2-40B4-BE49-F238E27FC236}">
-              <a16:creationId xmlns:a16="http://schemas.microsoft.com/office/drawing/2014/main" id="{4586E9D7-F5F8-14CC-9DF6-FC4AF2EA4249}"/>
+              <a16:creationId xmlns:a16="http://schemas.microsoft.com/office/drawing/2014/main" xmlns="" id="{4586E9D7-F5F8-14CC-9DF6-FC4AF2EA4249}"/>
             </a:ext>
           </a:extLst>
         </p:cNvPr>
@@ -8073,7 +8082,7 @@
           <p:cNvPr id="2" name="Title 1">
             <a:extLst>
               <a:ext uri="{FF2B5EF4-FFF2-40B4-BE49-F238E27FC236}">
-                <a16:creationId xmlns:a16="http://schemas.microsoft.com/office/drawing/2014/main" id="{D8B67155-694F-FF61-7CDD-33A20A316215}"/>
+                <a16:creationId xmlns:a16="http://schemas.microsoft.com/office/drawing/2014/main" xmlns="" id="{D8B67155-694F-FF61-7CDD-33A20A316215}"/>
               </a:ext>
             </a:extLst>
           </p:cNvPr>
@@ -8111,7 +8120,7 @@
           <p:cNvPr id="3" name="Content Placeholder 2">
             <a:extLst>
               <a:ext uri="{FF2B5EF4-FFF2-40B4-BE49-F238E27FC236}">
-                <a16:creationId xmlns:a16="http://schemas.microsoft.com/office/drawing/2014/main" id="{2A53D2DA-721D-FC7E-8E09-BCBD844B6F9F}"/>
+                <a16:creationId xmlns:a16="http://schemas.microsoft.com/office/drawing/2014/main" xmlns="" id="{2A53D2DA-721D-FC7E-8E09-BCBD844B6F9F}"/>
               </a:ext>
             </a:extLst>
           </p:cNvPr>
@@ -8235,7 +8244,7 @@
           <p:cNvPr id="5" name="Ribbon: Curved and Tilted Down 4">
             <a:extLst>
               <a:ext uri="{FF2B5EF4-FFF2-40B4-BE49-F238E27FC236}">
-                <a16:creationId xmlns:a16="http://schemas.microsoft.com/office/drawing/2014/main" id="{3FA23525-E3EA-B8CB-FD6A-53084CA847A7}"/>
+                <a16:creationId xmlns:a16="http://schemas.microsoft.com/office/drawing/2014/main" xmlns="" id="{3FA23525-E3EA-B8CB-FD6A-53084CA847A7}"/>
               </a:ext>
             </a:extLst>
           </p:cNvPr>
@@ -8308,7 +8317,7 @@
           <p:cNvPr id="6" name="Scroll: Vertical 5">
             <a:extLst>
               <a:ext uri="{FF2B5EF4-FFF2-40B4-BE49-F238E27FC236}">
-                <a16:creationId xmlns:a16="http://schemas.microsoft.com/office/drawing/2014/main" id="{1A4C732A-2840-82C8-A359-298D925E33B3}"/>
+                <a16:creationId xmlns:a16="http://schemas.microsoft.com/office/drawing/2014/main" xmlns="" id="{1A4C732A-2840-82C8-A359-298D925E33B3}"/>
               </a:ext>
             </a:extLst>
           </p:cNvPr>
@@ -8498,7 +8507,7 @@
     </p:spTree>
     <p:extLst>
       <p:ext uri="{BB962C8B-B14F-4D97-AF65-F5344CB8AC3E}">
-        <p14:creationId xmlns:p14="http://schemas.microsoft.com/office/powerpoint/2010/main" val="3002471670"/>
+        <p14:creationId xmlns:p14="http://schemas.microsoft.com/office/powerpoint/2010/main" xmlns="" val="3002471670"/>
       </p:ext>
     </p:extLst>
   </p:cSld>
@@ -8516,7 +8525,7 @@
         <p:cNvPr id="1" name="">
           <a:extLst>
             <a:ext uri="{FF2B5EF4-FFF2-40B4-BE49-F238E27FC236}">
-              <a16:creationId xmlns:a16="http://schemas.microsoft.com/office/drawing/2014/main" id="{4586E9D7-F5F8-14CC-9DF6-FC4AF2EA4249}"/>
+              <a16:creationId xmlns:a16="http://schemas.microsoft.com/office/drawing/2014/main" xmlns="" id="{4586E9D7-F5F8-14CC-9DF6-FC4AF2EA4249}"/>
             </a:ext>
           </a:extLst>
         </p:cNvPr>
@@ -8536,7 +8545,7 @@
           <p:cNvPr id="2" name="Title 1">
             <a:extLst>
               <a:ext uri="{FF2B5EF4-FFF2-40B4-BE49-F238E27FC236}">
-                <a16:creationId xmlns:a16="http://schemas.microsoft.com/office/drawing/2014/main" id="{D8B67155-694F-FF61-7CDD-33A20A316215}"/>
+                <a16:creationId xmlns:a16="http://schemas.microsoft.com/office/drawing/2014/main" xmlns="" id="{D8B67155-694F-FF61-7CDD-33A20A316215}"/>
               </a:ext>
             </a:extLst>
           </p:cNvPr>
@@ -8574,7 +8583,7 @@
           <p:cNvPr id="3" name="Content Placeholder 2">
             <a:extLst>
               <a:ext uri="{FF2B5EF4-FFF2-40B4-BE49-F238E27FC236}">
-                <a16:creationId xmlns:a16="http://schemas.microsoft.com/office/drawing/2014/main" id="{2A53D2DA-721D-FC7E-8E09-BCBD844B6F9F}"/>
+                <a16:creationId xmlns:a16="http://schemas.microsoft.com/office/drawing/2014/main" xmlns="" id="{2A53D2DA-721D-FC7E-8E09-BCBD844B6F9F}"/>
               </a:ext>
             </a:extLst>
           </p:cNvPr>
@@ -8613,7 +8622,7 @@
           <p:cNvPr id="5" name="Ribbon: Curved and Tilted Down 4">
             <a:extLst>
               <a:ext uri="{FF2B5EF4-FFF2-40B4-BE49-F238E27FC236}">
-                <a16:creationId xmlns:a16="http://schemas.microsoft.com/office/drawing/2014/main" id="{3FA23525-E3EA-B8CB-FD6A-53084CA847A7}"/>
+                <a16:creationId xmlns:a16="http://schemas.microsoft.com/office/drawing/2014/main" xmlns="" id="{3FA23525-E3EA-B8CB-FD6A-53084CA847A7}"/>
               </a:ext>
             </a:extLst>
           </p:cNvPr>
@@ -8686,7 +8695,7 @@
           <p:cNvPr id="6" name="Scroll: Vertical 5">
             <a:extLst>
               <a:ext uri="{FF2B5EF4-FFF2-40B4-BE49-F238E27FC236}">
-                <a16:creationId xmlns:a16="http://schemas.microsoft.com/office/drawing/2014/main" id="{1A4C732A-2840-82C8-A359-298D925E33B3}"/>
+                <a16:creationId xmlns:a16="http://schemas.microsoft.com/office/drawing/2014/main" xmlns="" id="{1A4C732A-2840-82C8-A359-298D925E33B3}"/>
               </a:ext>
             </a:extLst>
           </p:cNvPr>
@@ -8909,7 +8918,7 @@
     </p:spTree>
     <p:extLst>
       <p:ext uri="{BB962C8B-B14F-4D97-AF65-F5344CB8AC3E}">
-        <p14:creationId xmlns:p14="http://schemas.microsoft.com/office/powerpoint/2010/main" val="3002471670"/>
+        <p14:creationId xmlns:p14="http://schemas.microsoft.com/office/powerpoint/2010/main" xmlns="" val="3002471670"/>
       </p:ext>
     </p:extLst>
   </p:cSld>
@@ -8927,7 +8936,7 @@
         <p:cNvPr id="1" name="">
           <a:extLst>
             <a:ext uri="{FF2B5EF4-FFF2-40B4-BE49-F238E27FC236}">
-              <a16:creationId xmlns:a16="http://schemas.microsoft.com/office/drawing/2014/main" id="{4586E9D7-F5F8-14CC-9DF6-FC4AF2EA4249}"/>
+              <a16:creationId xmlns:a16="http://schemas.microsoft.com/office/drawing/2014/main" xmlns="" id="{4586E9D7-F5F8-14CC-9DF6-FC4AF2EA4249}"/>
             </a:ext>
           </a:extLst>
         </p:cNvPr>
@@ -8947,7 +8956,7 @@
           <p:cNvPr id="2" name="Title 1">
             <a:extLst>
               <a:ext uri="{FF2B5EF4-FFF2-40B4-BE49-F238E27FC236}">
-                <a16:creationId xmlns:a16="http://schemas.microsoft.com/office/drawing/2014/main" id="{D8B67155-694F-FF61-7CDD-33A20A316215}"/>
+                <a16:creationId xmlns:a16="http://schemas.microsoft.com/office/drawing/2014/main" xmlns="" id="{D8B67155-694F-FF61-7CDD-33A20A316215}"/>
               </a:ext>
             </a:extLst>
           </p:cNvPr>
@@ -8985,7 +8994,7 @@
           <p:cNvPr id="3" name="Content Placeholder 2">
             <a:extLst>
               <a:ext uri="{FF2B5EF4-FFF2-40B4-BE49-F238E27FC236}">
-                <a16:creationId xmlns:a16="http://schemas.microsoft.com/office/drawing/2014/main" id="{2A53D2DA-721D-FC7E-8E09-BCBD844B6F9F}"/>
+                <a16:creationId xmlns:a16="http://schemas.microsoft.com/office/drawing/2014/main" xmlns="" id="{2A53D2DA-721D-FC7E-8E09-BCBD844B6F9F}"/>
               </a:ext>
             </a:extLst>
           </p:cNvPr>
@@ -9182,7 +9191,7 @@
           <p:cNvPr id="5" name="Ribbon: Curved and Tilted Down 4">
             <a:extLst>
               <a:ext uri="{FF2B5EF4-FFF2-40B4-BE49-F238E27FC236}">
-                <a16:creationId xmlns:a16="http://schemas.microsoft.com/office/drawing/2014/main" id="{3FA23525-E3EA-B8CB-FD6A-53084CA847A7}"/>
+                <a16:creationId xmlns:a16="http://schemas.microsoft.com/office/drawing/2014/main" xmlns="" id="{3FA23525-E3EA-B8CB-FD6A-53084CA847A7}"/>
               </a:ext>
             </a:extLst>
           </p:cNvPr>
@@ -9255,7 +9264,7 @@
           <p:cNvPr id="6" name="Scroll: Vertical 5">
             <a:extLst>
               <a:ext uri="{FF2B5EF4-FFF2-40B4-BE49-F238E27FC236}">
-                <a16:creationId xmlns:a16="http://schemas.microsoft.com/office/drawing/2014/main" id="{1A4C732A-2840-82C8-A359-298D925E33B3}"/>
+                <a16:creationId xmlns:a16="http://schemas.microsoft.com/office/drawing/2014/main" xmlns="" id="{1A4C732A-2840-82C8-A359-298D925E33B3}"/>
               </a:ext>
             </a:extLst>
           </p:cNvPr>
@@ -9445,7 +9454,7 @@
     </p:spTree>
     <p:extLst>
       <p:ext uri="{BB962C8B-B14F-4D97-AF65-F5344CB8AC3E}">
-        <p14:creationId xmlns:p14="http://schemas.microsoft.com/office/powerpoint/2010/main" val="3002471670"/>
+        <p14:creationId xmlns:p14="http://schemas.microsoft.com/office/powerpoint/2010/main" xmlns="" val="3002471670"/>
       </p:ext>
     </p:extLst>
   </p:cSld>
@@ -9477,7 +9486,7 @@
           <p:cNvPr id="9" name="Explosion: 14 Points 8">
             <a:extLst>
               <a:ext uri="{FF2B5EF4-FFF2-40B4-BE49-F238E27FC236}">
-                <a16:creationId xmlns:a16="http://schemas.microsoft.com/office/drawing/2014/main" id="{0A2CD68B-7A56-F86D-8B6F-4A8BF99B4C9E}"/>
+                <a16:creationId xmlns:a16="http://schemas.microsoft.com/office/drawing/2014/main" xmlns="" id="{0A2CD68B-7A56-F86D-8B6F-4A8BF99B4C9E}"/>
               </a:ext>
             </a:extLst>
           </p:cNvPr>
@@ -9532,7 +9541,7 @@
           <p:cNvPr id="2" name="Title 1">
             <a:extLst>
               <a:ext uri="{FF2B5EF4-FFF2-40B4-BE49-F238E27FC236}">
-                <a16:creationId xmlns:a16="http://schemas.microsoft.com/office/drawing/2014/main" id="{62BB4F8D-44B7-9866-F7B2-6375CB902974}"/>
+                <a16:creationId xmlns:a16="http://schemas.microsoft.com/office/drawing/2014/main" xmlns="" id="{62BB4F8D-44B7-9866-F7B2-6375CB902974}"/>
               </a:ext>
             </a:extLst>
           </p:cNvPr>
@@ -9566,6 +9575,15 @@
               </a:rPr>
               <a:t>JavaScript</a:t>
             </a:r>
+            <a:r>
+              <a:rPr lang="en-US" sz="7200" b="1" dirty="0">
+                <a:solidFill>
+                  <a:schemeClr val="tx1"/>
+                </a:solidFill>
+                <a:latin typeface="Barlow Black" panose="00000A00000000000000" pitchFamily="2" charset="0"/>
+              </a:rPr>
+              <a:t/>
+            </a:r>
             <a:br>
               <a:rPr lang="en-US" sz="7200" b="1" dirty="0">
                 <a:solidFill>
@@ -9641,7 +9659,7 @@
           <p:cNvPr id="4" name="Ribbon: Curved and Tilted Down 3">
             <a:extLst>
               <a:ext uri="{FF2B5EF4-FFF2-40B4-BE49-F238E27FC236}">
-                <a16:creationId xmlns:a16="http://schemas.microsoft.com/office/drawing/2014/main" id="{909DBECF-689C-9AA7-1649-9166A578EDF9}"/>
+                <a16:creationId xmlns:a16="http://schemas.microsoft.com/office/drawing/2014/main" xmlns="" id="{909DBECF-689C-9AA7-1649-9166A578EDF9}"/>
               </a:ext>
             </a:extLst>
           </p:cNvPr>
@@ -9708,7 +9726,7 @@
           <p:cNvPr id="5" name="Scroll: Vertical 4">
             <a:extLst>
               <a:ext uri="{FF2B5EF4-FFF2-40B4-BE49-F238E27FC236}">
-                <a16:creationId xmlns:a16="http://schemas.microsoft.com/office/drawing/2014/main" id="{38EB993A-3F18-C6B7-226F-EDD62B4B31DB}"/>
+                <a16:creationId xmlns:a16="http://schemas.microsoft.com/office/drawing/2014/main" xmlns="" id="{38EB993A-3F18-C6B7-226F-EDD62B4B31DB}"/>
               </a:ext>
             </a:extLst>
           </p:cNvPr>
@@ -10149,7 +10167,7 @@
           <p:cNvPr id="3" name="TextBox 2">
             <a:extLst>
               <a:ext uri="{FF2B5EF4-FFF2-40B4-BE49-F238E27FC236}">
-                <a16:creationId xmlns:a16="http://schemas.microsoft.com/office/drawing/2014/main" id="{17C06F8A-D1E5-957B-796C-892968B95A50}"/>
+                <a16:creationId xmlns:a16="http://schemas.microsoft.com/office/drawing/2014/main" xmlns="" id="{17C06F8A-D1E5-957B-796C-892968B95A50}"/>
               </a:ext>
             </a:extLst>
           </p:cNvPr>
@@ -10202,7 +10220,7 @@
     </p:spTree>
     <p:extLst>
       <p:ext uri="{BB962C8B-B14F-4D97-AF65-F5344CB8AC3E}">
-        <p14:creationId xmlns:p14="http://schemas.microsoft.com/office/powerpoint/2010/main" val="3287175084"/>
+        <p14:creationId xmlns:p14="http://schemas.microsoft.com/office/powerpoint/2010/main" xmlns="" val="3287175084"/>
       </p:ext>
     </p:extLst>
   </p:cSld>
@@ -10234,7 +10252,7 @@
           <p:cNvPr id="9" name="Explosion: 14 Points 8">
             <a:extLst>
               <a:ext uri="{FF2B5EF4-FFF2-40B4-BE49-F238E27FC236}">
-                <a16:creationId xmlns:a16="http://schemas.microsoft.com/office/drawing/2014/main" id="{0A2CD68B-7A56-F86D-8B6F-4A8BF99B4C9E}"/>
+                <a16:creationId xmlns:a16="http://schemas.microsoft.com/office/drawing/2014/main" xmlns="" id="{0A2CD68B-7A56-F86D-8B6F-4A8BF99B4C9E}"/>
               </a:ext>
             </a:extLst>
           </p:cNvPr>
@@ -10243,8 +10261,8 @@
         </p:nvSpPr>
         <p:spPr>
           <a:xfrm>
-            <a:off x="6522239" y="1226263"/>
-            <a:ext cx="3607904" cy="3607904"/>
+            <a:off x="1719470" y="2032529"/>
+            <a:ext cx="3985591" cy="3985591"/>
           </a:xfrm>
           <a:prstGeom prst="irregularSeal2">
             <a:avLst/>
@@ -10289,7 +10307,7 @@
           <p:cNvPr id="2" name="Title 1">
             <a:extLst>
               <a:ext uri="{FF2B5EF4-FFF2-40B4-BE49-F238E27FC236}">
-                <a16:creationId xmlns:a16="http://schemas.microsoft.com/office/drawing/2014/main" id="{62BB4F8D-44B7-9866-F7B2-6375CB902974}"/>
+                <a16:creationId xmlns:a16="http://schemas.microsoft.com/office/drawing/2014/main" xmlns="" id="{62BB4F8D-44B7-9866-F7B2-6375CB902974}"/>
               </a:ext>
             </a:extLst>
           </p:cNvPr>
@@ -10302,8 +10320,8 @@
         </p:nvSpPr>
         <p:spPr>
           <a:xfrm>
-            <a:off x="4830417" y="1475915"/>
-            <a:ext cx="6536635" cy="2780712"/>
+            <a:off x="-1" y="1913287"/>
+            <a:ext cx="6244059" cy="3810095"/>
           </a:xfrm>
           <a:noFill/>
         </p:spPr>
@@ -10315,111 +10333,173 @@
           <a:p>
             <a:pPr algn="ctr"/>
             <a:r>
-              <a:rPr lang="en-US" sz="8000" b="1" dirty="0">
+              <a:rPr lang="en-US" sz="7200" b="1" dirty="0">
                 <a:solidFill>
                   <a:schemeClr val="tx1"/>
                 </a:solidFill>
+                <a:latin typeface="Barlow Condensed ExtraLight" panose="00000306000000000000" pitchFamily="2" charset="0"/>
+              </a:rPr>
+              <a:t>JavaScript</a:t>
+            </a:r>
+            <a:r>
+              <a:rPr lang="en-US" sz="7200" b="1" dirty="0">
+                <a:solidFill>
+                  <a:schemeClr val="tx1"/>
+                </a:solidFill>
                 <a:latin typeface="Barlow Black" panose="00000A00000000000000" pitchFamily="2" charset="0"/>
               </a:rPr>
-              <a:t>Chapter– 4</a:t>
-            </a:r>
-            <a:endParaRPr lang="en-IN" sz="8000" dirty="0">
+              <a:t/>
+            </a:r>
+            <a:br>
+              <a:rPr lang="en-US" sz="7200" b="1" dirty="0">
+                <a:solidFill>
+                  <a:schemeClr val="tx1"/>
+                </a:solidFill>
+                <a:latin typeface="Barlow Black" panose="00000A00000000000000" pitchFamily="2" charset="0"/>
+              </a:rPr>
+            </a:br>
+            <a:r>
+              <a:rPr lang="en-US" sz="7200" b="1" dirty="0">
+                <a:solidFill>
+                  <a:schemeClr val="tx1"/>
+                </a:solidFill>
+                <a:latin typeface="Barlow Black" panose="00000A00000000000000" pitchFamily="2" charset="0"/>
+              </a:rPr>
+              <a:t>Chapter – </a:t>
+            </a:r>
+            <a:r>
+              <a:rPr lang="en-US" sz="7200" b="1" dirty="0" smtClean="0">
+                <a:solidFill>
+                  <a:schemeClr val="tx1"/>
+                </a:solidFill>
+                <a:latin typeface="Barlow Black" panose="00000A00000000000000" pitchFamily="2" charset="0"/>
+              </a:rPr>
+              <a:t>4</a:t>
+            </a:r>
+            <a:r>
+              <a:rPr lang="en-US" sz="7200" b="1" dirty="0">
+                <a:solidFill>
+                  <a:schemeClr val="tx1"/>
+                </a:solidFill>
+                <a:latin typeface="Barlow Black" panose="00000A00000000000000" pitchFamily="2" charset="0"/>
+              </a:rPr>
+              <a:t/>
+            </a:r>
+            <a:br>
+              <a:rPr lang="en-US" sz="7200" b="1" dirty="0">
+                <a:solidFill>
+                  <a:schemeClr val="tx1"/>
+                </a:solidFill>
+                <a:latin typeface="Barlow Black" panose="00000A00000000000000" pitchFamily="2" charset="0"/>
+              </a:rPr>
+            </a:br>
+            <a:r>
+              <a:rPr lang="en-US" sz="2800" dirty="0">
+                <a:solidFill>
+                  <a:schemeClr val="accent2">
+                    <a:lumMod val="60000"/>
+                    <a:lumOff val="40000"/>
+                  </a:schemeClr>
+                </a:solidFill>
+                <a:latin typeface="Bahnschrift Light Condensed" pitchFamily="34" charset="0"/>
+              </a:rPr>
+              <a:t> (</a:t>
+            </a:r>
+            <a:r>
+              <a:rPr lang="en-US" dirty="0" smtClean="0">
+                <a:solidFill>
+                  <a:schemeClr val="accent2">
+                    <a:lumMod val="60000"/>
+                    <a:lumOff val="40000"/>
+                  </a:schemeClr>
+                </a:solidFill>
+                <a:latin typeface="Bahnschrift Light Condensed" pitchFamily="34" charset="0"/>
+              </a:rPr>
+              <a:t>comments</a:t>
+            </a:r>
+            <a:r>
+              <a:rPr lang="en-US" sz="2800" dirty="0" smtClean="0">
+                <a:solidFill>
+                  <a:schemeClr val="accent2">
+                    <a:lumMod val="60000"/>
+                    <a:lumOff val="40000"/>
+                  </a:schemeClr>
+                </a:solidFill>
+                <a:latin typeface="Bahnschrift Light Condensed" pitchFamily="34" charset="0"/>
+              </a:rPr>
+              <a:t>)</a:t>
+            </a:r>
+            <a:endParaRPr lang="en-IN" b="1" dirty="0">
               <a:solidFill>
-                <a:schemeClr val="accent2">
-                  <a:lumMod val="60000"/>
-                  <a:lumOff val="40000"/>
-                </a:schemeClr>
+                <a:schemeClr val="tx1"/>
               </a:solidFill>
-              <a:latin typeface="Bahnschrift Light Condensed" pitchFamily="34" charset="0"/>
+              <a:latin typeface="Barlow Black" panose="00000A00000000000000" pitchFamily="2" charset="0"/>
             </a:endParaRPr>
           </a:p>
         </p:txBody>
       </p:sp>
       <p:sp>
         <p:nvSpPr>
-          <p:cNvPr id="8" name="TextBox 7">
+          <p:cNvPr id="4" name="Ribbon: Curved and Tilted Down 3">
             <a:extLst>
               <a:ext uri="{FF2B5EF4-FFF2-40B4-BE49-F238E27FC236}">
-                <a16:creationId xmlns:a16="http://schemas.microsoft.com/office/drawing/2014/main" id="{6E6F1672-8C91-3FA6-CB80-58FD68172333}"/>
+                <a16:creationId xmlns:a16="http://schemas.microsoft.com/office/drawing/2014/main" xmlns="" id="{909DBECF-689C-9AA7-1649-9166A578EDF9}"/>
               </a:ext>
             </a:extLst>
           </p:cNvPr>
-          <p:cNvSpPr txBox="1"/>
+          <p:cNvSpPr/>
           <p:nvPr/>
         </p:nvSpPr>
         <p:spPr>
           <a:xfrm>
-            <a:off x="521177" y="6053391"/>
-            <a:ext cx="11584684" cy="646331"/>
+            <a:off x="1124594" y="1134618"/>
+            <a:ext cx="4823349" cy="778670"/>
           </a:xfrm>
-          <a:prstGeom prst="rect">
+          <a:prstGeom prst="ellipseRibbon">
             <a:avLst/>
           </a:prstGeom>
-          <a:noFill/>
+          <a:solidFill>
+            <a:schemeClr val="bg1">
+              <a:lumMod val="65000"/>
+              <a:lumOff val="35000"/>
+            </a:schemeClr>
+          </a:solidFill>
+          <a:ln>
+            <a:noFill/>
+          </a:ln>
         </p:spPr>
-        <p:txBody>
-          <a:bodyPr wrap="square" rtlCol="0">
-            <a:spAutoFit/>
-          </a:bodyPr>
+        <p:style>
+          <a:lnRef idx="2">
+            <a:schemeClr val="accent1">
+              <a:shade val="15000"/>
+            </a:schemeClr>
+          </a:lnRef>
+          <a:fillRef idx="1">
+            <a:schemeClr val="accent1"/>
+          </a:fillRef>
+          <a:effectRef idx="0">
+            <a:schemeClr val="accent1"/>
+          </a:effectRef>
+          <a:fontRef idx="minor">
+            <a:schemeClr val="lt1"/>
+          </a:fontRef>
+        </p:style>
+        <p:txBody>
+          <a:bodyPr rtlCol="0" anchor="ctr"/>
           <a:lstStyle/>
           <a:p>
-            <a:pPr algn="r"/>
-            <a:r>
-              <a:rPr lang="en-US" b="1" dirty="0">
-                <a:solidFill>
-                  <a:schemeClr val="tx1">
-                    <a:lumMod val="95000"/>
-                  </a:schemeClr>
-                </a:solidFill>
-              </a:rPr>
-              <a:t>By - </a:t>
-            </a:r>
-            <a:r>
-              <a:rPr lang="en-US" b="1" dirty="0">
-                <a:solidFill>
-                  <a:schemeClr val="tx1">
-                    <a:lumMod val="95000"/>
-                  </a:schemeClr>
-                </a:solidFill>
-                <a:latin typeface="Bahnschrift Light" panose="020B0502040204020203" pitchFamily="34" charset="0"/>
-              </a:rPr>
-              <a:t>Gautam Kumar</a:t>
-            </a:r>
-            <a:br>
-              <a:rPr lang="en-US" b="1" dirty="0">
-                <a:solidFill>
-                  <a:schemeClr val="tx1">
-                    <a:lumMod val="95000"/>
-                  </a:schemeClr>
-                </a:solidFill>
-                <a:latin typeface="Bahnschrift Light" panose="020B0502040204020203" pitchFamily="34" charset="0"/>
-              </a:rPr>
-            </a:br>
-            <a:r>
-              <a:rPr lang="en-US" b="1" dirty="0">
-                <a:solidFill>
-                  <a:schemeClr val="tx1">
-                    <a:lumMod val="95000"/>
-                  </a:schemeClr>
-                </a:solidFill>
-              </a:rPr>
-              <a:t>u</a:t>
-            </a:r>
+            <a:pPr algn="ctr"/>
             <a:r>
               <a:rPr lang="en-US" dirty="0">
                 <a:solidFill>
-                  <a:schemeClr val="tx1">
-                    <a:lumMod val="95000"/>
-                  </a:schemeClr>
-                </a:solidFill>
-              </a:rPr>
-              <a:t>idhtml.com</a:t>
+                  <a:schemeClr val="tx1"/>
+                </a:solidFill>
+              </a:rPr>
+              <a:t>JavaScript Tutorials</a:t>
             </a:r>
             <a:endParaRPr lang="en-IN" dirty="0">
               <a:solidFill>
-                <a:schemeClr val="tx1">
-                  <a:lumMod val="95000"/>
-                </a:schemeClr>
+                <a:schemeClr val="tx1"/>
               </a:solidFill>
             </a:endParaRPr>
           </a:p>
@@ -10427,46 +10507,66 @@
       </p:sp>
       <p:sp>
         <p:nvSpPr>
-          <p:cNvPr id="6" name="TextBox 5">
+          <p:cNvPr id="5" name="Scroll: Vertical 4">
             <a:extLst>
               <a:ext uri="{FF2B5EF4-FFF2-40B4-BE49-F238E27FC236}">
-                <a16:creationId xmlns:a16="http://schemas.microsoft.com/office/drawing/2014/main" id="{495A9901-477B-C97F-A901-69DB36BFD5B2}"/>
+                <a16:creationId xmlns:a16="http://schemas.microsoft.com/office/drawing/2014/main" xmlns="" id="{38EB993A-3F18-C6B7-226F-EDD62B4B31DB}"/>
               </a:ext>
             </a:extLst>
           </p:cNvPr>
-          <p:cNvSpPr txBox="1"/>
+          <p:cNvSpPr/>
           <p:nvPr/>
         </p:nvSpPr>
         <p:spPr>
           <a:xfrm>
-            <a:off x="521177" y="1083025"/>
-            <a:ext cx="7042501" cy="3323987"/>
+            <a:off x="5561640" y="477079"/>
+            <a:ext cx="5616326" cy="6122504"/>
           </a:xfrm>
-          <a:prstGeom prst="rect">
+          <a:prstGeom prst="verticalScroll">
             <a:avLst/>
           </a:prstGeom>
-          <a:noFill/>
+          <a:solidFill>
+            <a:schemeClr val="tx1">
+              <a:lumMod val="65000"/>
+              <a:lumOff val="35000"/>
+            </a:schemeClr>
+          </a:solidFill>
+          <a:ln>
+            <a:solidFill>
+              <a:schemeClr val="bg1">
+                <a:lumMod val="95000"/>
+              </a:schemeClr>
+            </a:solidFill>
+          </a:ln>
         </p:spPr>
-        <p:txBody>
-          <a:bodyPr wrap="square">
-            <a:spAutoFit/>
-          </a:bodyPr>
+        <p:style>
+          <a:lnRef idx="2">
+            <a:schemeClr val="accent1">
+              <a:shade val="15000"/>
+            </a:schemeClr>
+          </a:lnRef>
+          <a:fillRef idx="1">
+            <a:schemeClr val="accent1"/>
+          </a:fillRef>
+          <a:effectRef idx="0">
+            <a:schemeClr val="accent1"/>
+          </a:effectRef>
+          <a:fontRef idx="minor">
+            <a:schemeClr val="lt1"/>
+          </a:fontRef>
+        </p:style>
+        <p:txBody>
+          <a:bodyPr rtlCol="0" anchor="t"/>
           <a:lstStyle/>
           <a:p>
             <a:r>
-              <a:rPr lang="en-US" sz="5400" b="1" dirty="0">
-                <a:solidFill>
-                  <a:srgbClr val="FFFF00"/>
-                </a:solidFill>
-                <a:latin typeface="Montserrat ExtraLight" panose="00000300000000000000" pitchFamily="2" charset="0"/>
-              </a:rPr>
-              <a:t>Comments</a:t>
-            </a:r>
-            <a:br>
-              <a:rPr lang="en-US" sz="4000" b="1" dirty="0"/>
-            </a:br>
-            <a:r>
-              <a:rPr lang="en-US" sz="2400" b="1" dirty="0"/>
+              <a:rPr lang="en-US" sz="3600" b="1" dirty="0">
+                <a:solidFill>
+                  <a:schemeClr val="bg1">
+                    <a:lumMod val="95000"/>
+                  </a:schemeClr>
+                </a:solidFill>
+              </a:rPr>
               <a:t>Topics</a:t>
             </a:r>
           </a:p>
@@ -10479,9 +10579,22 @@
               <a:buChar char="o"/>
             </a:pPr>
             <a:r>
-              <a:rPr lang="en-US" sz="2400" dirty="0"/>
-              <a:t>Single line comments</a:t>
-            </a:r>
+              <a:rPr lang="en-US" sz="2800" dirty="0" smtClean="0">
+                <a:solidFill>
+                  <a:schemeClr val="bg1">
+                    <a:lumMod val="95000"/>
+                  </a:schemeClr>
+                </a:solidFill>
+              </a:rPr>
+              <a:t>Single line</a:t>
+            </a:r>
+            <a:endParaRPr lang="en-US" sz="2800" dirty="0">
+              <a:solidFill>
+                <a:schemeClr val="bg1">
+                  <a:lumMod val="95000"/>
+                </a:schemeClr>
+              </a:solidFill>
+            </a:endParaRPr>
           </a:p>
           <a:p>
             <a:pPr marL="285750" indent="-285750">
@@ -10492,13 +10605,25 @@
               <a:buChar char="o"/>
             </a:pPr>
             <a:r>
-              <a:rPr lang="en-IN" sz="2400" dirty="0"/>
-              <a:t>Inline comments</a:t>
-            </a:r>
-            <a:endParaRPr lang="en-US" sz="2400" dirty="0"/>
-          </a:p>
-          <a:p>
-            <a:pPr marL="285750" lvl="1" indent="-285750">
+              <a:rPr lang="en-IN" sz="2800" dirty="0" smtClean="0">
+                <a:solidFill>
+                  <a:schemeClr val="bg1">
+                    <a:lumMod val="95000"/>
+                  </a:schemeClr>
+                </a:solidFill>
+              </a:rPr>
+              <a:t>Inline</a:t>
+            </a:r>
+            <a:endParaRPr lang="en-IN" sz="2800" dirty="0">
+              <a:solidFill>
+                <a:schemeClr val="bg1">
+                  <a:lumMod val="95000"/>
+                </a:schemeClr>
+              </a:solidFill>
+            </a:endParaRPr>
+          </a:p>
+          <a:p>
+            <a:pPr marL="285750" indent="-285750">
               <a:lnSpc>
                 <a:spcPct val="150000"/>
               </a:lnSpc>
@@ -10506,33 +10631,67 @@
               <a:buChar char="o"/>
             </a:pPr>
             <a:r>
-              <a:rPr lang="en-IN" sz="2400" dirty="0"/>
-              <a:t>Multiline comments</a:t>
-            </a:r>
+              <a:rPr lang="en-IN" sz="2800" dirty="0" smtClean="0">
+                <a:solidFill>
+                  <a:schemeClr val="bg1">
+                    <a:lumMod val="95000"/>
+                  </a:schemeClr>
+                </a:solidFill>
+              </a:rPr>
+              <a:t>Multiline</a:t>
+            </a:r>
+            <a:endParaRPr lang="en-IN" sz="2800" dirty="0">
+              <a:solidFill>
+                <a:schemeClr val="bg1">
+                  <a:lumMod val="95000"/>
+                </a:schemeClr>
+              </a:solidFill>
+            </a:endParaRPr>
           </a:p>
           <a:p>
             <a:pPr marL="285750" indent="-285750">
+              <a:lnSpc>
+                <a:spcPct val="150000"/>
+              </a:lnSpc>
               <a:buFont typeface="Courier New" panose="02070309020205020404" pitchFamily="49" charset="0"/>
               <a:buChar char="o"/>
             </a:pPr>
             <a:r>
-              <a:rPr lang="en-IN" sz="2400" dirty="0"/>
-              <a:t>Special type of multiline comments for </a:t>
-            </a:r>
-            <a:r>
-              <a:rPr lang="en-IN" sz="2400" b="1" dirty="0" err="1"/>
+              <a:rPr lang="en-IN" sz="2800" dirty="0" err="1" smtClean="0">
+                <a:solidFill>
+                  <a:schemeClr val="bg1">
+                    <a:lumMod val="95000"/>
+                  </a:schemeClr>
+                </a:solidFill>
+              </a:rPr>
               <a:t>JSDoc</a:t>
             </a:r>
-            <a:endParaRPr lang="en-IN" sz="2400" dirty="0"/>
-          </a:p>
-        </p:txBody>
-      </p:sp>
-      <p:sp>
-        <p:nvSpPr>
-          <p:cNvPr id="7" name="TextBox 6">
+            <a:r>
+              <a:rPr lang="en-IN" sz="2800" dirty="0" smtClean="0">
+                <a:solidFill>
+                  <a:schemeClr val="bg1">
+                    <a:lumMod val="95000"/>
+                  </a:schemeClr>
+                </a:solidFill>
+              </a:rPr>
+              <a:t> Comment</a:t>
+            </a:r>
+            <a:endParaRPr lang="en-IN" sz="2800" dirty="0">
+              <a:solidFill>
+                <a:schemeClr val="bg1">
+                  <a:lumMod val="95000"/>
+                </a:schemeClr>
+              </a:solidFill>
+            </a:endParaRPr>
+          </a:p>
+        </p:txBody>
+      </p:sp>
+      <p:sp>
+        <p:nvSpPr>
+          <p:cNvPr id="3" name="TextBox 2">
             <a:extLst>
               <a:ext uri="{FF2B5EF4-FFF2-40B4-BE49-F238E27FC236}">
-                <a16:creationId xmlns:a16="http://schemas.microsoft.com/office/drawing/2014/main" id="{92B06DD2-7BEE-395B-132A-29A06C63B5E8}"/>
+                <a16:creationId xmlns:a16="http://schemas.microsoft.com/office/drawing/2014/main" xmlns="" id="{17C06F8A-D1E5-957B-796C-892968B95A50}"/>
               </a:ext>
             </a:extLst>
           </p:cNvPr>
@@ -10541,18 +10700,13 @@
         </p:nvSpPr>
         <p:spPr>
           <a:xfrm>
-            <a:off x="-49697" y="-23017"/>
-            <a:ext cx="12291392" cy="769441"/>
+            <a:off x="-1" y="6060338"/>
+            <a:ext cx="6271591" cy="369332"/>
           </a:xfrm>
           <a:prstGeom prst="rect">
             <a:avLst/>
           </a:prstGeom>
-          <a:solidFill>
-            <a:schemeClr val="bg1">
-              <a:lumMod val="85000"/>
-              <a:lumOff val="15000"/>
-            </a:schemeClr>
-          </a:solidFill>
+          <a:noFill/>
         </p:spPr>
         <p:txBody>
           <a:bodyPr wrap="square" rtlCol="0">
@@ -10562,29 +10716,37 @@
           <a:p>
             <a:pPr algn="ctr"/>
             <a:r>
-              <a:rPr lang="en-US" sz="4400" dirty="0">
-                <a:latin typeface="Montserrat ExtraBold" panose="00000900000000000000" pitchFamily="2" charset="0"/>
-              </a:rPr>
-              <a:t>JavaScript</a:t>
-            </a:r>
-            <a:r>
-              <a:rPr lang="en-US" sz="4400" dirty="0">
-                <a:latin typeface="Montserrat ExtraLight" panose="00000300000000000000" pitchFamily="2" charset="0"/>
-              </a:rPr>
-              <a:t> Tutorials</a:t>
-            </a:r>
-            <a:endParaRPr lang="en-IN" sz="4400" dirty="0">
-              <a:latin typeface="Montserrat ExtraLight" panose="00000300000000000000" pitchFamily="2" charset="0"/>
+              <a:rPr lang="en-US" b="1" dirty="0"/>
+              <a:t>Gautam Kumar- </a:t>
+            </a:r>
+            <a:r>
+              <a:rPr lang="en-US" dirty="0">
+                <a:solidFill>
+                  <a:schemeClr val="tx1">
+                    <a:lumMod val="50000"/>
+                    <a:lumOff val="50000"/>
+                  </a:schemeClr>
+                </a:solidFill>
+              </a:rPr>
+              <a:t>uidhtml.com</a:t>
+            </a:r>
+            <a:endParaRPr lang="en-IN" dirty="0">
+              <a:solidFill>
+                <a:schemeClr val="tx1">
+                  <a:lumMod val="50000"/>
+                  <a:lumOff val="50000"/>
+                </a:schemeClr>
+              </a:solidFill>
             </a:endParaRPr>
           </a:p>
         </p:txBody>
       </p:sp>
       <p:pic>
         <p:nvPicPr>
-          <p:cNvPr id="10" name="Picture 9">
+          <p:cNvPr id="7" name="Picture 6">
             <a:extLst>
               <a:ext uri="{FF2B5EF4-FFF2-40B4-BE49-F238E27FC236}">
-                <a16:creationId xmlns:a16="http://schemas.microsoft.com/office/drawing/2014/main" id="{45A84455-06EA-2224-C377-E67CDC7D7497}"/>
+                <a16:creationId xmlns:a16="http://schemas.microsoft.com/office/drawing/2014/main" xmlns="" id="{45A84455-06EA-2224-C377-E67CDC7D7497}"/>
               </a:ext>
             </a:extLst>
           </p:cNvPr>
@@ -10601,8 +10763,8 @@
         </p:blipFill>
         <p:spPr>
           <a:xfrm>
-            <a:off x="920512" y="4450357"/>
-            <a:ext cx="4749250" cy="2259294"/>
+            <a:off x="6378337" y="4469407"/>
+            <a:ext cx="3918188" cy="1863945"/>
           </a:xfrm>
           <a:prstGeom prst="rect">
             <a:avLst/>
@@ -10612,13 +10774,20 @@
     </p:spTree>
     <p:extLst>
       <p:ext uri="{BB962C8B-B14F-4D97-AF65-F5344CB8AC3E}">
-        <p14:creationId xmlns:p14="http://schemas.microsoft.com/office/powerpoint/2010/main" val="3287175084"/>
+        <p14:creationId xmlns:p14="http://schemas.microsoft.com/office/powerpoint/2010/main" xmlns="" val="3287175084"/>
       </p:ext>
     </p:extLst>
   </p:cSld>
   <p:clrMapOvr>
     <a:masterClrMapping/>
   </p:clrMapOvr>
+  <p:timing>
+    <p:tnLst>
+      <p:par>
+        <p:cTn id="1" dur="indefinite" restart="never" nodeType="tmRoot"/>
+      </p:par>
+    </p:tnLst>
+  </p:timing>
 </p:sld>
 </file>
 
@@ -10630,7 +10799,7 @@
         <p:cNvPr id="1" name="">
           <a:extLst>
             <a:ext uri="{FF2B5EF4-FFF2-40B4-BE49-F238E27FC236}">
-              <a16:creationId xmlns:a16="http://schemas.microsoft.com/office/drawing/2014/main" id="{C5637B91-7316-D738-42FD-B6F1CC38AB90}"/>
+              <a16:creationId xmlns:a16="http://schemas.microsoft.com/office/drawing/2014/main" xmlns="" id="{C5637B91-7316-D738-42FD-B6F1CC38AB90}"/>
             </a:ext>
           </a:extLst>
         </p:cNvPr>
@@ -10650,7 +10819,7 @@
           <p:cNvPr id="2" name="Title 1">
             <a:extLst>
               <a:ext uri="{FF2B5EF4-FFF2-40B4-BE49-F238E27FC236}">
-                <a16:creationId xmlns:a16="http://schemas.microsoft.com/office/drawing/2014/main" id="{0BB42E27-7C22-C4E2-3B23-3F7F20980B00}"/>
+                <a16:creationId xmlns:a16="http://schemas.microsoft.com/office/drawing/2014/main" xmlns="" id="{0BB42E27-7C22-C4E2-3B23-3F7F20980B00}"/>
               </a:ext>
             </a:extLst>
           </p:cNvPr>
@@ -10688,7 +10857,7 @@
           <p:cNvPr id="3" name="Content Placeholder 2">
             <a:extLst>
               <a:ext uri="{FF2B5EF4-FFF2-40B4-BE49-F238E27FC236}">
-                <a16:creationId xmlns:a16="http://schemas.microsoft.com/office/drawing/2014/main" id="{514ACDD6-0D2B-0B03-F18B-91318DCF7D9A}"/>
+                <a16:creationId xmlns:a16="http://schemas.microsoft.com/office/drawing/2014/main" xmlns="" id="{514ACDD6-0D2B-0B03-F18B-91318DCF7D9A}"/>
               </a:ext>
             </a:extLst>
           </p:cNvPr>
@@ -10722,9 +10891,17 @@
               </a:rPr>
               <a:t>Single line comment</a:t>
             </a:r>
+            <a:r>
+              <a:rPr lang="en-US" sz="2000" dirty="0"/>
+              <a:t/>
+            </a:r>
             <a:br>
               <a:rPr lang="en-US" sz="2000" dirty="0"/>
             </a:br>
+            <a:r>
+              <a:rPr lang="en-US" sz="2000" dirty="0"/>
+              <a:t/>
+            </a:r>
             <a:br>
               <a:rPr lang="en-US" sz="2000" dirty="0"/>
             </a:br>
@@ -10762,6 +10939,14 @@
                 </a:solidFill>
               </a:rPr>
             </a:br>
+            <a:r>
+              <a:rPr lang="en-US" sz="2000" dirty="0">
+                <a:solidFill>
+                  <a:schemeClr val="tx1"/>
+                </a:solidFill>
+              </a:rPr>
+              <a:t/>
+            </a:r>
             <a:br>
               <a:rPr lang="en-US" sz="2000" dirty="0">
                 <a:solidFill>
@@ -10787,6 +10972,10 @@
               </a:rPr>
               <a:t>Inline comment</a:t>
             </a:r>
+            <a:r>
+              <a:rPr lang="en-US" sz="2000" dirty="0"/>
+              <a:t/>
+            </a:r>
             <a:br>
               <a:rPr lang="en-US" sz="2000" dirty="0"/>
             </a:br>
@@ -10813,6 +11002,16 @@
                 </a:solidFill>
               </a:rPr>
             </a:br>
+            <a:r>
+              <a:rPr lang="en-US" sz="2000" dirty="0">
+                <a:solidFill>
+                  <a:schemeClr val="tx1">
+                    <a:lumMod val="50000"/>
+                  </a:schemeClr>
+                </a:solidFill>
+              </a:rPr>
+              <a:t/>
+            </a:r>
             <a:br>
               <a:rPr lang="en-US" sz="2000" dirty="0">
                 <a:solidFill>
@@ -10842,6 +11041,10 @@
               </a:rPr>
               <a:t>Multiline comment</a:t>
             </a:r>
+            <a:r>
+              <a:rPr lang="en-US" sz="2000" dirty="0"/>
+              <a:t/>
+            </a:r>
             <a:br>
               <a:rPr lang="en-US" sz="2000" dirty="0"/>
             </a:br>
@@ -10956,7 +11159,7 @@
           <p:cNvPr id="5" name="Ribbon: Curved and Tilted Down 4">
             <a:extLst>
               <a:ext uri="{FF2B5EF4-FFF2-40B4-BE49-F238E27FC236}">
-                <a16:creationId xmlns:a16="http://schemas.microsoft.com/office/drawing/2014/main" id="{D1D7DB93-DBF3-0DF0-3533-AC1786837990}"/>
+                <a16:creationId xmlns:a16="http://schemas.microsoft.com/office/drawing/2014/main" xmlns="" id="{D1D7DB93-DBF3-0DF0-3533-AC1786837990}"/>
               </a:ext>
             </a:extLst>
           </p:cNvPr>
@@ -11029,7 +11232,7 @@
           <p:cNvPr id="6" name="Scroll: Vertical 5">
             <a:extLst>
               <a:ext uri="{FF2B5EF4-FFF2-40B4-BE49-F238E27FC236}">
-                <a16:creationId xmlns:a16="http://schemas.microsoft.com/office/drawing/2014/main" id="{4B810CE8-F172-ABEF-9B5B-F6C6A3F4D513}"/>
+                <a16:creationId xmlns:a16="http://schemas.microsoft.com/office/drawing/2014/main" xmlns="" id="{4B810CE8-F172-ABEF-9B5B-F6C6A3F4D513}"/>
               </a:ext>
             </a:extLst>
           </p:cNvPr>
@@ -11155,7 +11358,7 @@
           <p:cNvPr id="7" name="TextBox 6">
             <a:extLst>
               <a:ext uri="{FF2B5EF4-FFF2-40B4-BE49-F238E27FC236}">
-                <a16:creationId xmlns:a16="http://schemas.microsoft.com/office/drawing/2014/main" id="{7C7A2712-C9B9-958D-594C-39F36B75B90A}"/>
+                <a16:creationId xmlns:a16="http://schemas.microsoft.com/office/drawing/2014/main" xmlns="" id="{7C7A2712-C9B9-958D-594C-39F36B75B90A}"/>
               </a:ext>
             </a:extLst>
           </p:cNvPr>
@@ -11205,13 +11408,20 @@
     </p:spTree>
     <p:extLst>
       <p:ext uri="{BB962C8B-B14F-4D97-AF65-F5344CB8AC3E}">
-        <p14:creationId xmlns:p14="http://schemas.microsoft.com/office/powerpoint/2010/main" val="693676810"/>
+        <p14:creationId xmlns:p14="http://schemas.microsoft.com/office/powerpoint/2010/main" xmlns="" val="693676810"/>
       </p:ext>
     </p:extLst>
   </p:cSld>
   <p:clrMapOvr>
     <a:masterClrMapping/>
   </p:clrMapOvr>
+  <p:timing>
+    <p:tnLst>
+      <p:par>
+        <p:cTn id="1" dur="indefinite" restart="never" nodeType="tmRoot"/>
+      </p:par>
+    </p:tnLst>
+  </p:timing>
 </p:sld>
 </file>
 
@@ -11237,7 +11447,7 @@
           <p:cNvPr id="9" name="Explosion: 14 Points 8">
             <a:extLst>
               <a:ext uri="{FF2B5EF4-FFF2-40B4-BE49-F238E27FC236}">
-                <a16:creationId xmlns:a16="http://schemas.microsoft.com/office/drawing/2014/main" id="{0A2CD68B-7A56-F86D-8B6F-4A8BF99B4C9E}"/>
+                <a16:creationId xmlns:a16="http://schemas.microsoft.com/office/drawing/2014/main" xmlns="" id="{0A2CD68B-7A56-F86D-8B6F-4A8BF99B4C9E}"/>
               </a:ext>
             </a:extLst>
           </p:cNvPr>
@@ -11292,7 +11502,7 @@
           <p:cNvPr id="2" name="Title 1">
             <a:extLst>
               <a:ext uri="{FF2B5EF4-FFF2-40B4-BE49-F238E27FC236}">
-                <a16:creationId xmlns:a16="http://schemas.microsoft.com/office/drawing/2014/main" id="{62BB4F8D-44B7-9866-F7B2-6375CB902974}"/>
+                <a16:creationId xmlns:a16="http://schemas.microsoft.com/office/drawing/2014/main" xmlns="" id="{62BB4F8D-44B7-9866-F7B2-6375CB902974}"/>
               </a:ext>
             </a:extLst>
           </p:cNvPr>
@@ -11326,6 +11536,15 @@
               </a:rPr>
               <a:t>JavaScript</a:t>
             </a:r>
+            <a:r>
+              <a:rPr lang="en-US" sz="7200" b="1" dirty="0">
+                <a:solidFill>
+                  <a:schemeClr val="tx1"/>
+                </a:solidFill>
+                <a:latin typeface="Barlow Black" panose="00000A00000000000000" pitchFamily="2" charset="0"/>
+              </a:rPr>
+              <a:t/>
+            </a:r>
             <a:br>
               <a:rPr lang="en-US" sz="7200" b="1" dirty="0">
                 <a:solidFill>
@@ -11357,7 +11576,7 @@
           <p:cNvPr id="4" name="Ribbon: Curved and Tilted Down 3">
             <a:extLst>
               <a:ext uri="{FF2B5EF4-FFF2-40B4-BE49-F238E27FC236}">
-                <a16:creationId xmlns:a16="http://schemas.microsoft.com/office/drawing/2014/main" id="{909DBECF-689C-9AA7-1649-9166A578EDF9}"/>
+                <a16:creationId xmlns:a16="http://schemas.microsoft.com/office/drawing/2014/main" xmlns="" id="{909DBECF-689C-9AA7-1649-9166A578EDF9}"/>
               </a:ext>
             </a:extLst>
           </p:cNvPr>
@@ -11424,7 +11643,7 @@
           <p:cNvPr id="5" name="Scroll: Vertical 4">
             <a:extLst>
               <a:ext uri="{FF2B5EF4-FFF2-40B4-BE49-F238E27FC236}">
-                <a16:creationId xmlns:a16="http://schemas.microsoft.com/office/drawing/2014/main" id="{38EB993A-3F18-C6B7-226F-EDD62B4B31DB}"/>
+                <a16:creationId xmlns:a16="http://schemas.microsoft.com/office/drawing/2014/main" xmlns="" id="{38EB993A-3F18-C6B7-226F-EDD62B4B31DB}"/>
               </a:ext>
             </a:extLst>
           </p:cNvPr>
@@ -11684,7 +11903,7 @@
           <p:cNvPr id="3" name="TextBox 2">
             <a:extLst>
               <a:ext uri="{FF2B5EF4-FFF2-40B4-BE49-F238E27FC236}">
-                <a16:creationId xmlns:a16="http://schemas.microsoft.com/office/drawing/2014/main" id="{3BE32085-0497-60C5-6142-8DF6C2C12813}"/>
+                <a16:creationId xmlns:a16="http://schemas.microsoft.com/office/drawing/2014/main" xmlns="" id="{3BE32085-0497-60C5-6142-8DF6C2C12813}"/>
               </a:ext>
             </a:extLst>
           </p:cNvPr>
@@ -11737,7 +11956,7 @@
     </p:spTree>
     <p:extLst>
       <p:ext uri="{BB962C8B-B14F-4D97-AF65-F5344CB8AC3E}">
-        <p14:creationId xmlns:p14="http://schemas.microsoft.com/office/powerpoint/2010/main" val="3287175084"/>
+        <p14:creationId xmlns:p14="http://schemas.microsoft.com/office/powerpoint/2010/main" xmlns="" val="3287175084"/>
       </p:ext>
     </p:extLst>
   </p:cSld>
@@ -11752,13 +11971,7 @@
   <p:cSld>
     <p:spTree>
       <p:nvGrpSpPr>
-        <p:cNvPr id="1" name="">
-          <a:extLst>
-            <a:ext uri="{FF2B5EF4-FFF2-40B4-BE49-F238E27FC236}">
-              <a16:creationId xmlns:a16="http://schemas.microsoft.com/office/drawing/2014/main" id="{79B025B7-4DA3-A446-31EA-A5DEDC117DC5}"/>
-            </a:ext>
-          </a:extLst>
-        </p:cNvPr>
+        <p:cNvPr id="1" name=""/>
         <p:cNvGrpSpPr/>
         <p:nvPr/>
       </p:nvGrpSpPr>
@@ -11775,7 +11988,7 @@
           <p:cNvPr id="9" name="Explosion: 14 Points 8">
             <a:extLst>
               <a:ext uri="{FF2B5EF4-FFF2-40B4-BE49-F238E27FC236}">
-                <a16:creationId xmlns:a16="http://schemas.microsoft.com/office/drawing/2014/main" id="{A4B9C08F-6C0C-1415-F17D-13C4B239276C}"/>
+                <a16:creationId xmlns:a16="http://schemas.microsoft.com/office/drawing/2014/main" xmlns="" id="{0A2CD68B-7A56-F86D-8B6F-4A8BF99B4C9E}"/>
               </a:ext>
             </a:extLst>
           </p:cNvPr>
@@ -11784,8 +11997,8 @@
         </p:nvSpPr>
         <p:spPr>
           <a:xfrm>
-            <a:off x="6420680" y="1919121"/>
-            <a:ext cx="3607904" cy="3607904"/>
+            <a:off x="1719470" y="2032529"/>
+            <a:ext cx="3985591" cy="3985591"/>
           </a:xfrm>
           <a:prstGeom prst="irregularSeal2">
             <a:avLst/>
@@ -11830,7 +12043,7 @@
           <p:cNvPr id="2" name="Title 1">
             <a:extLst>
               <a:ext uri="{FF2B5EF4-FFF2-40B4-BE49-F238E27FC236}">
-                <a16:creationId xmlns:a16="http://schemas.microsoft.com/office/drawing/2014/main" id="{E4C1AD32-8865-06CA-3080-307648FE0657}"/>
+                <a16:creationId xmlns:a16="http://schemas.microsoft.com/office/drawing/2014/main" xmlns="" id="{62BB4F8D-44B7-9866-F7B2-6375CB902974}"/>
               </a:ext>
             </a:extLst>
           </p:cNvPr>
@@ -11843,8 +12056,8 @@
         </p:nvSpPr>
         <p:spPr>
           <a:xfrm>
-            <a:off x="4591878" y="2411781"/>
-            <a:ext cx="6536635" cy="2780712"/>
+            <a:off x="-1" y="1913287"/>
+            <a:ext cx="6244059" cy="3810095"/>
           </a:xfrm>
           <a:noFill/>
         </p:spPr>
@@ -11856,32 +12069,486 @@
           <a:p>
             <a:pPr algn="ctr"/>
             <a:r>
-              <a:rPr lang="en-US" sz="8000" b="1" dirty="0">
+              <a:rPr lang="en-US" sz="7200" b="1" dirty="0">
                 <a:solidFill>
                   <a:schemeClr val="tx1"/>
                 </a:solidFill>
+                <a:latin typeface="Barlow Condensed ExtraLight" panose="00000306000000000000" pitchFamily="2" charset="0"/>
+              </a:rPr>
+              <a:t>JavaScript</a:t>
+            </a:r>
+            <a:r>
+              <a:rPr lang="en-US" sz="7200" b="1" dirty="0">
+                <a:solidFill>
+                  <a:schemeClr val="tx1"/>
+                </a:solidFill>
                 <a:latin typeface="Barlow Black" panose="00000A00000000000000" pitchFamily="2" charset="0"/>
               </a:rPr>
-              <a:t>Chapter– 5</a:t>
-            </a:r>
-            <a:endParaRPr lang="en-IN" sz="8000" dirty="0">
+              <a:t/>
+            </a:r>
+            <a:br>
+              <a:rPr lang="en-US" sz="7200" b="1" dirty="0">
+                <a:solidFill>
+                  <a:schemeClr val="tx1"/>
+                </a:solidFill>
+                <a:latin typeface="Barlow Black" panose="00000A00000000000000" pitchFamily="2" charset="0"/>
+              </a:rPr>
+            </a:br>
+            <a:r>
+              <a:rPr lang="en-US" sz="7200" b="1" dirty="0">
+                <a:solidFill>
+                  <a:schemeClr val="tx1"/>
+                </a:solidFill>
+                <a:latin typeface="Barlow Black" panose="00000A00000000000000" pitchFamily="2" charset="0"/>
+              </a:rPr>
+              <a:t>Chapter – </a:t>
+            </a:r>
+            <a:r>
+              <a:rPr lang="en-US" sz="7200" b="1" dirty="0" smtClean="0">
+                <a:solidFill>
+                  <a:schemeClr val="tx1"/>
+                </a:solidFill>
+                <a:latin typeface="Barlow Black" panose="00000A00000000000000" pitchFamily="2" charset="0"/>
+              </a:rPr>
+              <a:t>5</a:t>
+            </a:r>
+            <a:r>
+              <a:rPr lang="en-US" sz="7200" b="1" dirty="0">
+                <a:solidFill>
+                  <a:schemeClr val="tx1"/>
+                </a:solidFill>
+                <a:latin typeface="Barlow Black" panose="00000A00000000000000" pitchFamily="2" charset="0"/>
+              </a:rPr>
+              <a:t/>
+            </a:r>
+            <a:br>
+              <a:rPr lang="en-US" sz="7200" b="1" dirty="0">
+                <a:solidFill>
+                  <a:schemeClr val="tx1"/>
+                </a:solidFill>
+                <a:latin typeface="Barlow Black" panose="00000A00000000000000" pitchFamily="2" charset="0"/>
+              </a:rPr>
+            </a:br>
+            <a:r>
+              <a:rPr lang="en-US" sz="2800" dirty="0">
+                <a:solidFill>
+                  <a:schemeClr val="accent2">
+                    <a:lumMod val="60000"/>
+                    <a:lumOff val="40000"/>
+                  </a:schemeClr>
+                </a:solidFill>
+                <a:latin typeface="Bahnschrift Light Condensed" pitchFamily="34" charset="0"/>
+              </a:rPr>
+              <a:t> </a:t>
+            </a:r>
+            <a:r>
+              <a:rPr lang="en-US" sz="2800" dirty="0" smtClean="0">
+                <a:solidFill>
+                  <a:schemeClr val="accent2">
+                    <a:lumMod val="60000"/>
+                    <a:lumOff val="40000"/>
+                  </a:schemeClr>
+                </a:solidFill>
+                <a:latin typeface="Bahnschrift Light Condensed" pitchFamily="34" charset="0"/>
+              </a:rPr>
+              <a:t>(</a:t>
+            </a:r>
+            <a:r>
+              <a:rPr lang="en-US" dirty="0" smtClean="0">
+                <a:solidFill>
+                  <a:schemeClr val="accent2">
+                    <a:lumMod val="60000"/>
+                    <a:lumOff val="40000"/>
+                  </a:schemeClr>
+                </a:solidFill>
+                <a:latin typeface="Bahnschrift Light Condensed" pitchFamily="34" charset="0"/>
+              </a:rPr>
+              <a:t>variables</a:t>
+            </a:r>
+            <a:r>
+              <a:rPr lang="en-US" sz="2800" dirty="0" smtClean="0">
+                <a:solidFill>
+                  <a:schemeClr val="accent2">
+                    <a:lumMod val="60000"/>
+                    <a:lumOff val="40000"/>
+                  </a:schemeClr>
+                </a:solidFill>
+                <a:latin typeface="Bahnschrift Light Condensed" pitchFamily="34" charset="0"/>
+              </a:rPr>
+              <a:t>)</a:t>
+            </a:r>
+            <a:endParaRPr lang="en-IN" b="1" dirty="0">
               <a:solidFill>
-                <a:schemeClr val="accent2">
-                  <a:lumMod val="60000"/>
-                  <a:lumOff val="40000"/>
+                <a:schemeClr val="tx1"/>
+              </a:solidFill>
+              <a:latin typeface="Barlow Black" panose="00000A00000000000000" pitchFamily="2" charset="0"/>
+            </a:endParaRPr>
+          </a:p>
+        </p:txBody>
+      </p:sp>
+      <p:sp>
+        <p:nvSpPr>
+          <p:cNvPr id="4" name="Ribbon: Curved and Tilted Down 3">
+            <a:extLst>
+              <a:ext uri="{FF2B5EF4-FFF2-40B4-BE49-F238E27FC236}">
+                <a16:creationId xmlns:a16="http://schemas.microsoft.com/office/drawing/2014/main" xmlns="" id="{909DBECF-689C-9AA7-1649-9166A578EDF9}"/>
+              </a:ext>
+            </a:extLst>
+          </p:cNvPr>
+          <p:cNvSpPr/>
+          <p:nvPr/>
+        </p:nvSpPr>
+        <p:spPr>
+          <a:xfrm>
+            <a:off x="1124594" y="1134618"/>
+            <a:ext cx="4823349" cy="778670"/>
+          </a:xfrm>
+          <a:prstGeom prst="ellipseRibbon">
+            <a:avLst/>
+          </a:prstGeom>
+          <a:solidFill>
+            <a:schemeClr val="bg1">
+              <a:lumMod val="65000"/>
+              <a:lumOff val="35000"/>
+            </a:schemeClr>
+          </a:solidFill>
+          <a:ln>
+            <a:noFill/>
+          </a:ln>
+        </p:spPr>
+        <p:style>
+          <a:lnRef idx="2">
+            <a:schemeClr val="accent1">
+              <a:shade val="15000"/>
+            </a:schemeClr>
+          </a:lnRef>
+          <a:fillRef idx="1">
+            <a:schemeClr val="accent1"/>
+          </a:fillRef>
+          <a:effectRef idx="0">
+            <a:schemeClr val="accent1"/>
+          </a:effectRef>
+          <a:fontRef idx="minor">
+            <a:schemeClr val="lt1"/>
+          </a:fontRef>
+        </p:style>
+        <p:txBody>
+          <a:bodyPr rtlCol="0" anchor="ctr"/>
+          <a:lstStyle/>
+          <a:p>
+            <a:pPr algn="ctr"/>
+            <a:r>
+              <a:rPr lang="en-US" dirty="0">
+                <a:solidFill>
+                  <a:schemeClr val="tx1"/>
+                </a:solidFill>
+              </a:rPr>
+              <a:t>JavaScript Tutorials</a:t>
+            </a:r>
+            <a:endParaRPr lang="en-IN" dirty="0">
+              <a:solidFill>
+                <a:schemeClr val="tx1"/>
+              </a:solidFill>
+            </a:endParaRPr>
+          </a:p>
+        </p:txBody>
+      </p:sp>
+      <p:sp>
+        <p:nvSpPr>
+          <p:cNvPr id="5" name="Scroll: Vertical 4">
+            <a:extLst>
+              <a:ext uri="{FF2B5EF4-FFF2-40B4-BE49-F238E27FC236}">
+                <a16:creationId xmlns:a16="http://schemas.microsoft.com/office/drawing/2014/main" xmlns="" id="{38EB993A-3F18-C6B7-226F-EDD62B4B31DB}"/>
+              </a:ext>
+            </a:extLst>
+          </p:cNvPr>
+          <p:cNvSpPr/>
+          <p:nvPr/>
+        </p:nvSpPr>
+        <p:spPr>
+          <a:xfrm>
+            <a:off x="5561640" y="477079"/>
+            <a:ext cx="5616326" cy="6122504"/>
+          </a:xfrm>
+          <a:prstGeom prst="verticalScroll">
+            <a:avLst/>
+          </a:prstGeom>
+          <a:solidFill>
+            <a:schemeClr val="tx1">
+              <a:lumMod val="65000"/>
+              <a:lumOff val="35000"/>
+            </a:schemeClr>
+          </a:solidFill>
+          <a:ln>
+            <a:solidFill>
+              <a:schemeClr val="bg1">
+                <a:lumMod val="95000"/>
+              </a:schemeClr>
+            </a:solidFill>
+          </a:ln>
+        </p:spPr>
+        <p:style>
+          <a:lnRef idx="2">
+            <a:schemeClr val="accent1">
+              <a:shade val="15000"/>
+            </a:schemeClr>
+          </a:lnRef>
+          <a:fillRef idx="1">
+            <a:schemeClr val="accent1"/>
+          </a:fillRef>
+          <a:effectRef idx="0">
+            <a:schemeClr val="accent1"/>
+          </a:effectRef>
+          <a:fontRef idx="minor">
+            <a:schemeClr val="lt1"/>
+          </a:fontRef>
+        </p:style>
+        <p:txBody>
+          <a:bodyPr rtlCol="0" anchor="t"/>
+          <a:lstStyle/>
+          <a:p>
+            <a:r>
+              <a:rPr lang="en-US" sz="3600" b="1" dirty="0">
+                <a:solidFill>
+                  <a:schemeClr val="bg1">
+                    <a:lumMod val="95000"/>
+                  </a:schemeClr>
+                </a:solidFill>
+              </a:rPr>
+              <a:t>Topics</a:t>
+            </a:r>
+          </a:p>
+          <a:p>
+            <a:pPr marL="285750" indent="-285750">
+              <a:lnSpc>
+                <a:spcPct val="150000"/>
+              </a:lnSpc>
+              <a:buFont typeface="Arial" pitchFamily="34" charset="0"/>
+              <a:buChar char="•"/>
+            </a:pPr>
+            <a:r>
+              <a:rPr lang="en-US" sz="2400" b="1" dirty="0" err="1" smtClean="0">
+                <a:solidFill>
+                  <a:schemeClr val="bg1">
+                    <a:lumMod val="95000"/>
+                  </a:schemeClr>
+                </a:solidFill>
+              </a:rPr>
+              <a:t>v</a:t>
+            </a:r>
+            <a:r>
+              <a:rPr lang="en-US" sz="2400" b="1" dirty="0" err="1" smtClean="0">
+                <a:solidFill>
+                  <a:schemeClr val="bg1">
+                    <a:lumMod val="95000"/>
+                  </a:schemeClr>
+                </a:solidFill>
+              </a:rPr>
+              <a:t>ar</a:t>
+            </a:r>
+            <a:r>
+              <a:rPr lang="en-US" sz="2400" dirty="0" smtClean="0">
+                <a:solidFill>
+                  <a:schemeClr val="bg1">
+                    <a:lumMod val="95000"/>
+                  </a:schemeClr>
+                </a:solidFill>
+              </a:rPr>
+              <a:t>, </a:t>
+            </a:r>
+            <a:r>
+              <a:rPr lang="en-US" sz="2400" b="1" dirty="0" smtClean="0">
+                <a:solidFill>
+                  <a:schemeClr val="bg1">
+                    <a:lumMod val="95000"/>
+                  </a:schemeClr>
+                </a:solidFill>
+              </a:rPr>
+              <a:t>let</a:t>
+            </a:r>
+            <a:r>
+              <a:rPr lang="en-US" sz="2400" dirty="0" smtClean="0">
+                <a:solidFill>
+                  <a:schemeClr val="bg1">
+                    <a:lumMod val="95000"/>
+                  </a:schemeClr>
+                </a:solidFill>
+              </a:rPr>
+              <a:t> and </a:t>
+            </a:r>
+            <a:r>
+              <a:rPr lang="en-US" sz="2400" b="1" dirty="0" smtClean="0">
+                <a:solidFill>
+                  <a:schemeClr val="bg1">
+                    <a:lumMod val="95000"/>
+                  </a:schemeClr>
+                </a:solidFill>
+              </a:rPr>
+              <a:t>const</a:t>
+            </a:r>
+            <a:endParaRPr lang="en-US" sz="2400" b="1" dirty="0">
+              <a:solidFill>
+                <a:schemeClr val="bg1">
+                  <a:lumMod val="95000"/>
                 </a:schemeClr>
               </a:solidFill>
-              <a:latin typeface="Bahnschrift Light Condensed" pitchFamily="34" charset="0"/>
             </a:endParaRPr>
           </a:p>
-        </p:txBody>
-      </p:sp>
-      <p:sp>
-        <p:nvSpPr>
-          <p:cNvPr id="8" name="TextBox 7">
+          <a:p>
+            <a:pPr marL="285750" indent="-285750">
+              <a:lnSpc>
+                <a:spcPct val="150000"/>
+              </a:lnSpc>
+              <a:buFont typeface="Arial" pitchFamily="34" charset="0"/>
+              <a:buChar char="•"/>
+            </a:pPr>
+            <a:r>
+              <a:rPr lang="en-IN" sz="2400" dirty="0" smtClean="0">
+                <a:solidFill>
+                  <a:schemeClr val="bg1">
+                    <a:lumMod val="95000"/>
+                  </a:schemeClr>
+                </a:solidFill>
+              </a:rPr>
+              <a:t>What is </a:t>
+            </a:r>
+            <a:r>
+              <a:rPr lang="en-IN" sz="2400" b="1" dirty="0" smtClean="0">
+                <a:solidFill>
+                  <a:schemeClr val="bg1">
+                    <a:lumMod val="95000"/>
+                  </a:schemeClr>
+                </a:solidFill>
+              </a:rPr>
+              <a:t>Hoisting</a:t>
+            </a:r>
+          </a:p>
+          <a:p>
+            <a:pPr marL="285750" indent="-285750">
+              <a:lnSpc>
+                <a:spcPct val="150000"/>
+              </a:lnSpc>
+              <a:buFont typeface="Arial" pitchFamily="34" charset="0"/>
+              <a:buChar char="•"/>
+            </a:pPr>
+            <a:r>
+              <a:rPr lang="en-IN" sz="2400" b="1" dirty="0" smtClean="0">
+                <a:solidFill>
+                  <a:schemeClr val="bg1">
+                    <a:lumMod val="95000"/>
+                  </a:schemeClr>
+                </a:solidFill>
+              </a:rPr>
+              <a:t>Hoisting</a:t>
+            </a:r>
+            <a:r>
+              <a:rPr lang="en-IN" sz="2400" dirty="0" smtClean="0">
+                <a:solidFill>
+                  <a:schemeClr val="bg1">
+                    <a:lumMod val="95000"/>
+                  </a:schemeClr>
+                </a:solidFill>
+              </a:rPr>
+              <a:t> with arrow function</a:t>
+            </a:r>
+            <a:endParaRPr lang="en-IN" sz="2400" dirty="0">
+              <a:solidFill>
+                <a:schemeClr val="bg1">
+                  <a:lumMod val="95000"/>
+                </a:schemeClr>
+              </a:solidFill>
+            </a:endParaRPr>
+          </a:p>
+          <a:p>
+            <a:pPr marL="285750" indent="-285750">
+              <a:lnSpc>
+                <a:spcPct val="150000"/>
+              </a:lnSpc>
+              <a:buFont typeface="Arial" pitchFamily="34" charset="0"/>
+              <a:buChar char="•"/>
+            </a:pPr>
+            <a:r>
+              <a:rPr lang="en-IN" sz="2400" b="1" dirty="0" smtClean="0">
+                <a:solidFill>
+                  <a:schemeClr val="bg1">
+                    <a:lumMod val="95000"/>
+                  </a:schemeClr>
+                </a:solidFill>
+              </a:rPr>
+              <a:t>Undefined</a:t>
+            </a:r>
+            <a:r>
+              <a:rPr lang="en-IN" sz="2400" dirty="0" smtClean="0">
+                <a:solidFill>
+                  <a:schemeClr val="bg1">
+                    <a:lumMod val="95000"/>
+                  </a:schemeClr>
+                </a:solidFill>
+              </a:rPr>
+              <a:t> and </a:t>
+            </a:r>
+            <a:r>
+              <a:rPr lang="en-IN" sz="2400" b="1" dirty="0" smtClean="0">
+                <a:solidFill>
+                  <a:schemeClr val="bg1">
+                    <a:lumMod val="95000"/>
+                  </a:schemeClr>
+                </a:solidFill>
+              </a:rPr>
+              <a:t>not-defined</a:t>
+            </a:r>
+            <a:endParaRPr lang="en-IN" sz="2400" b="1" dirty="0">
+              <a:solidFill>
+                <a:schemeClr val="bg1">
+                  <a:lumMod val="95000"/>
+                </a:schemeClr>
+              </a:solidFill>
+            </a:endParaRPr>
+          </a:p>
+          <a:p>
+            <a:pPr marL="285750" indent="-285750">
+              <a:lnSpc>
+                <a:spcPct val="150000"/>
+              </a:lnSpc>
+              <a:buFont typeface="Arial" pitchFamily="34" charset="0"/>
+              <a:buChar char="•"/>
+            </a:pPr>
+            <a:r>
+              <a:rPr lang="en-IN" sz="2400" dirty="0" smtClean="0">
+                <a:solidFill>
+                  <a:schemeClr val="bg1">
+                    <a:lumMod val="95000"/>
+                  </a:schemeClr>
+                </a:solidFill>
+              </a:rPr>
+              <a:t>Working of </a:t>
+            </a:r>
+            <a:r>
+              <a:rPr lang="en-IN" sz="2400" b="1" dirty="0" smtClean="0">
+                <a:solidFill>
+                  <a:schemeClr val="bg1">
+                    <a:lumMod val="95000"/>
+                  </a:schemeClr>
+                </a:solidFill>
+              </a:rPr>
+              <a:t>Call stack</a:t>
+            </a:r>
+            <a:endParaRPr lang="en-IN" sz="2400" b="1" dirty="0">
+              <a:solidFill>
+                <a:schemeClr val="bg1">
+                  <a:lumMod val="95000"/>
+                </a:schemeClr>
+              </a:solidFill>
+            </a:endParaRPr>
+          </a:p>
+        </p:txBody>
+      </p:sp>
+      <p:sp>
+        <p:nvSpPr>
+          <p:cNvPr id="3" name="TextBox 2">
             <a:extLst>
               <a:ext uri="{FF2B5EF4-FFF2-40B4-BE49-F238E27FC236}">
-                <a16:creationId xmlns:a16="http://schemas.microsoft.com/office/drawing/2014/main" id="{94E32E50-5C96-6B3B-09CE-3381248CAB48}"/>
+                <a16:creationId xmlns:a16="http://schemas.microsoft.com/office/drawing/2014/main" xmlns="" id="{17C06F8A-D1E5-957B-796C-892968B95A50}"/>
               </a:ext>
             </a:extLst>
           </p:cNvPr>
@@ -11890,8 +12557,8 @@
         </p:nvSpPr>
         <p:spPr>
           <a:xfrm>
-            <a:off x="521177" y="6053391"/>
-            <a:ext cx="11584684" cy="646331"/>
+            <a:off x="-1" y="6060338"/>
+            <a:ext cx="6271591" cy="369332"/>
           </a:xfrm>
           <a:prstGeom prst="rect">
             <a:avLst/>
@@ -11904,542 +12571,50 @@
           </a:bodyPr>
           <a:lstStyle/>
           <a:p>
-            <a:pPr algn="r"/>
-            <a:r>
-              <a:rPr lang="en-US" b="1" dirty="0">
+            <a:pPr algn="ctr"/>
+            <a:r>
+              <a:rPr lang="en-US" b="1" dirty="0"/>
+              <a:t>Gautam Kumar- </a:t>
+            </a:r>
+            <a:r>
+              <a:rPr lang="en-US" dirty="0">
                 <a:solidFill>
                   <a:schemeClr val="tx1">
-                    <a:lumMod val="95000"/>
-                  </a:schemeClr>
-                </a:solidFill>
-              </a:rPr>
-              <a:t>By - </a:t>
-            </a:r>
-            <a:r>
-              <a:rPr lang="en-US" b="1" dirty="0">
-                <a:solidFill>
-                  <a:schemeClr val="tx1">
-                    <a:lumMod val="95000"/>
-                  </a:schemeClr>
-                </a:solidFill>
-                <a:latin typeface="Bahnschrift Light" panose="020B0502040204020203" pitchFamily="34" charset="0"/>
-              </a:rPr>
-              <a:t>Gautam Kumar</a:t>
-            </a:r>
-            <a:br>
-              <a:rPr lang="en-US" b="1" dirty="0">
-                <a:solidFill>
-                  <a:schemeClr val="tx1">
-                    <a:lumMod val="95000"/>
-                  </a:schemeClr>
-                </a:solidFill>
-                <a:latin typeface="Bahnschrift Light" panose="020B0502040204020203" pitchFamily="34" charset="0"/>
-              </a:rPr>
-            </a:br>
-            <a:r>
-              <a:rPr lang="en-US" b="1" dirty="0">
-                <a:solidFill>
-                  <a:schemeClr val="tx1">
-                    <a:lumMod val="95000"/>
-                  </a:schemeClr>
-                </a:solidFill>
-              </a:rPr>
-              <a:t>u</a:t>
-            </a:r>
-            <a:r>
-              <a:rPr lang="en-US" dirty="0">
-                <a:solidFill>
-                  <a:schemeClr val="tx1">
-                    <a:lumMod val="95000"/>
-                  </a:schemeClr>
-                </a:solidFill>
-              </a:rPr>
-              <a:t>idhtml.com</a:t>
+                    <a:lumMod val="50000"/>
+                    <a:lumOff val="50000"/>
+                  </a:schemeClr>
+                </a:solidFill>
+              </a:rPr>
+              <a:t>uidhtml.com</a:t>
             </a:r>
             <a:endParaRPr lang="en-IN" dirty="0">
               <a:solidFill>
                 <a:schemeClr val="tx1">
-                  <a:lumMod val="95000"/>
+                  <a:lumMod val="50000"/>
+                  <a:lumOff val="50000"/>
                 </a:schemeClr>
               </a:solidFill>
             </a:endParaRPr>
           </a:p>
         </p:txBody>
       </p:sp>
-      <p:sp>
-        <p:nvSpPr>
-          <p:cNvPr id="6" name="TextBox 5">
-            <a:extLst>
-              <a:ext uri="{FF2B5EF4-FFF2-40B4-BE49-F238E27FC236}">
-                <a16:creationId xmlns:a16="http://schemas.microsoft.com/office/drawing/2014/main" id="{A8FE787F-2B83-4190-C4A4-D0B28CC9B81C}"/>
-              </a:ext>
-            </a:extLst>
-          </p:cNvPr>
-          <p:cNvSpPr txBox="1"/>
-          <p:nvPr/>
-        </p:nvSpPr>
-        <p:spPr>
-          <a:xfrm>
-            <a:off x="521177" y="1482838"/>
-            <a:ext cx="6102626" cy="4241033"/>
-          </a:xfrm>
-          <a:prstGeom prst="rect">
-            <a:avLst/>
-          </a:prstGeom>
-          <a:noFill/>
-        </p:spPr>
-        <p:txBody>
-          <a:bodyPr wrap="square">
-            <a:spAutoFit/>
-          </a:bodyPr>
-          <a:lstStyle/>
-          <a:p>
-            <a:r>
-              <a:rPr lang="en-US" sz="5400" b="1" dirty="0">
-                <a:solidFill>
-                  <a:srgbClr val="FFFF00"/>
-                </a:solidFill>
-                <a:latin typeface="Montserrat ExtraLight" panose="00000300000000000000" pitchFamily="2" charset="0"/>
-              </a:rPr>
-              <a:t>Variables</a:t>
-            </a:r>
-            <a:br>
-              <a:rPr lang="en-US" sz="4000" b="1" dirty="0"/>
-            </a:br>
-            <a:r>
-              <a:rPr lang="en-US" sz="3600" b="1" dirty="0"/>
-              <a:t>Topics</a:t>
-            </a:r>
-          </a:p>
-          <a:p>
-            <a:pPr marL="285750" indent="-285750">
-              <a:lnSpc>
-                <a:spcPct val="150000"/>
-              </a:lnSpc>
-              <a:buFont typeface="Courier New" panose="02070309020205020404" pitchFamily="49" charset="0"/>
-              <a:buChar char="o"/>
-            </a:pPr>
-            <a:r>
-              <a:rPr lang="en-US" sz="2400" dirty="0"/>
-              <a:t>What are var, let, and const?</a:t>
-            </a:r>
-          </a:p>
-          <a:p>
-            <a:pPr marL="285750" indent="-285750">
-              <a:lnSpc>
-                <a:spcPct val="150000"/>
-              </a:lnSpc>
-              <a:buFont typeface="Courier New" panose="02070309020205020404" pitchFamily="49" charset="0"/>
-              <a:buChar char="o"/>
-            </a:pPr>
-            <a:r>
-              <a:rPr lang="en-IN" sz="2400" dirty="0"/>
-              <a:t>What is Hoisting</a:t>
-            </a:r>
-          </a:p>
-          <a:p>
-            <a:pPr marL="285750" indent="-285750">
-              <a:lnSpc>
-                <a:spcPct val="150000"/>
-              </a:lnSpc>
-              <a:buFont typeface="Courier New" panose="02070309020205020404" pitchFamily="49" charset="0"/>
-              <a:buChar char="o"/>
-            </a:pPr>
-            <a:r>
-              <a:rPr lang="en-IN" sz="2400" dirty="0"/>
-              <a:t>Undefined vs not-defined</a:t>
-            </a:r>
-          </a:p>
-          <a:p>
-            <a:pPr marL="285750" indent="-285750">
-              <a:lnSpc>
-                <a:spcPct val="150000"/>
-              </a:lnSpc>
-              <a:buFont typeface="Courier New" panose="02070309020205020404" pitchFamily="49" charset="0"/>
-              <a:buChar char="o"/>
-            </a:pPr>
-            <a:r>
-              <a:rPr lang="en-IN" sz="2400" dirty="0"/>
-              <a:t>Hoisting arrow function</a:t>
-            </a:r>
-          </a:p>
-          <a:p>
-            <a:pPr marL="285750" indent="-285750">
-              <a:lnSpc>
-                <a:spcPct val="150000"/>
-              </a:lnSpc>
-              <a:buFont typeface="Courier New" panose="02070309020205020404" pitchFamily="49" charset="0"/>
-              <a:buChar char="o"/>
-            </a:pPr>
-            <a:r>
-              <a:rPr lang="en-IN" sz="2400" dirty="0"/>
-              <a:t>What is the call stack and how it works</a:t>
-            </a:r>
-          </a:p>
-        </p:txBody>
-      </p:sp>
-      <p:sp>
-        <p:nvSpPr>
-          <p:cNvPr id="7" name="TextBox 6">
-            <a:extLst>
-              <a:ext uri="{FF2B5EF4-FFF2-40B4-BE49-F238E27FC236}">
-                <a16:creationId xmlns:a16="http://schemas.microsoft.com/office/drawing/2014/main" id="{36F89629-A747-61BA-C9F7-7820142FC641}"/>
-              </a:ext>
-            </a:extLst>
-          </p:cNvPr>
-          <p:cNvSpPr txBox="1"/>
-          <p:nvPr/>
-        </p:nvSpPr>
-        <p:spPr>
-          <a:xfrm>
-            <a:off x="-49697" y="-23017"/>
-            <a:ext cx="12291392" cy="769441"/>
-          </a:xfrm>
-          <a:prstGeom prst="rect">
-            <a:avLst/>
-          </a:prstGeom>
-          <a:solidFill>
-            <a:schemeClr val="bg1">
-              <a:lumMod val="85000"/>
-              <a:lumOff val="15000"/>
-            </a:schemeClr>
-          </a:solidFill>
-        </p:spPr>
-        <p:txBody>
-          <a:bodyPr wrap="square" rtlCol="0">
-            <a:spAutoFit/>
-          </a:bodyPr>
-          <a:lstStyle/>
-          <a:p>
-            <a:pPr algn="ctr"/>
-            <a:r>
-              <a:rPr lang="en-US" sz="4400" dirty="0">
-                <a:latin typeface="Montserrat ExtraBold" panose="00000900000000000000" pitchFamily="2" charset="0"/>
-              </a:rPr>
-              <a:t>JavaScript</a:t>
-            </a:r>
-            <a:r>
-              <a:rPr lang="en-US" sz="4400" dirty="0">
-                <a:latin typeface="Montserrat ExtraLight" panose="00000300000000000000" pitchFamily="2" charset="0"/>
-              </a:rPr>
-              <a:t> Tutorials</a:t>
-            </a:r>
-            <a:endParaRPr lang="en-IN" sz="4400" dirty="0">
-              <a:latin typeface="Montserrat ExtraLight" panose="00000300000000000000" pitchFamily="2" charset="0"/>
-            </a:endParaRPr>
-          </a:p>
-        </p:txBody>
-      </p:sp>
-      <p:sp>
-        <p:nvSpPr>
-          <p:cNvPr id="3" name="TextBox 2">
-            <a:extLst>
-              <a:ext uri="{FF2B5EF4-FFF2-40B4-BE49-F238E27FC236}">
-                <a16:creationId xmlns:a16="http://schemas.microsoft.com/office/drawing/2014/main" id="{B852B927-5257-F948-0DCA-B390F79696A0}"/>
-              </a:ext>
-            </a:extLst>
-          </p:cNvPr>
-          <p:cNvSpPr txBox="1"/>
-          <p:nvPr/>
-        </p:nvSpPr>
-        <p:spPr>
-          <a:xfrm>
-            <a:off x="6544291" y="5346646"/>
-            <a:ext cx="2985113" cy="923330"/>
-          </a:xfrm>
-          <a:prstGeom prst="rect">
-            <a:avLst/>
-          </a:prstGeom>
-          <a:noFill/>
-        </p:spPr>
-        <p:txBody>
-          <a:bodyPr wrap="none" rtlCol="0">
-            <a:spAutoFit/>
-          </a:bodyPr>
-          <a:lstStyle/>
-          <a:p>
-            <a:r>
-              <a:rPr lang="en-US" sz="5400" dirty="0">
-                <a:solidFill>
-                  <a:srgbClr val="FFFF00"/>
-                </a:solidFill>
-                <a:effectLst>
-                  <a:outerShdw blurRad="63500" dist="63500" dir="3900000" algn="ctr" rotWithShape="0">
-                    <a:schemeClr val="bg1"/>
-                  </a:outerShdw>
-                </a:effectLst>
-                <a:latin typeface="ADLaM Display" panose="02010000000000000000" pitchFamily="2" charset="0"/>
-                <a:ea typeface="ADLaM Display" panose="02010000000000000000" pitchFamily="2" charset="0"/>
-                <a:cs typeface="ADLaM Display" panose="02010000000000000000" pitchFamily="2" charset="0"/>
-              </a:rPr>
-              <a:t>Hoisting</a:t>
-            </a:r>
-            <a:endParaRPr lang="en-IN" sz="5400" dirty="0">
-              <a:solidFill>
-                <a:srgbClr val="FFFF00"/>
-              </a:solidFill>
-              <a:effectLst>
-                <a:outerShdw blurRad="63500" dist="63500" dir="3900000" algn="ctr" rotWithShape="0">
-                  <a:schemeClr val="bg1"/>
-                </a:outerShdw>
-              </a:effectLst>
-              <a:latin typeface="ADLaM Display" panose="02010000000000000000" pitchFamily="2" charset="0"/>
-              <a:ea typeface="ADLaM Display" panose="02010000000000000000" pitchFamily="2" charset="0"/>
-              <a:cs typeface="ADLaM Display" panose="02010000000000000000" pitchFamily="2" charset="0"/>
-            </a:endParaRPr>
-          </a:p>
-        </p:txBody>
-      </p:sp>
-      <p:sp>
-        <p:nvSpPr>
-          <p:cNvPr id="11" name="TextBox 10">
-            <a:extLst>
-              <a:ext uri="{FF2B5EF4-FFF2-40B4-BE49-F238E27FC236}">
-                <a16:creationId xmlns:a16="http://schemas.microsoft.com/office/drawing/2014/main" id="{308D0D1D-C348-9043-2A3C-F5E8462CC473}"/>
-              </a:ext>
-            </a:extLst>
-          </p:cNvPr>
-          <p:cNvSpPr txBox="1"/>
-          <p:nvPr/>
-        </p:nvSpPr>
-        <p:spPr>
-          <a:xfrm>
-            <a:off x="5482118" y="1880403"/>
-            <a:ext cx="2047355" cy="584775"/>
-          </a:xfrm>
-          <a:prstGeom prst="rect">
-            <a:avLst/>
-          </a:prstGeom>
-          <a:noFill/>
-        </p:spPr>
-        <p:txBody>
-          <a:bodyPr wrap="none" rtlCol="0">
-            <a:spAutoFit/>
-          </a:bodyPr>
-          <a:lstStyle/>
-          <a:p>
-            <a:r>
-              <a:rPr lang="en-US" sz="3200" dirty="0">
-                <a:solidFill>
-                  <a:srgbClr val="FFFF00"/>
-                </a:solidFill>
-                <a:effectLst>
-                  <a:outerShdw blurRad="63500" dist="63500" dir="3900000" algn="ctr" rotWithShape="0">
-                    <a:schemeClr val="bg1"/>
-                  </a:outerShdw>
-                </a:effectLst>
-                <a:latin typeface="ADLaM Display" panose="02010000000000000000" pitchFamily="2" charset="0"/>
-                <a:ea typeface="ADLaM Display" panose="02010000000000000000" pitchFamily="2" charset="0"/>
-                <a:cs typeface="ADLaM Display" panose="02010000000000000000" pitchFamily="2" charset="0"/>
-              </a:rPr>
-              <a:t>Call stack</a:t>
-            </a:r>
-            <a:endParaRPr lang="en-IN" sz="3200" dirty="0">
-              <a:solidFill>
-                <a:srgbClr val="FFFF00"/>
-              </a:solidFill>
-              <a:effectLst>
-                <a:outerShdw blurRad="63500" dist="63500" dir="3900000" algn="ctr" rotWithShape="0">
-                  <a:schemeClr val="bg1"/>
-                </a:outerShdw>
-              </a:effectLst>
-              <a:latin typeface="ADLaM Display" panose="02010000000000000000" pitchFamily="2" charset="0"/>
-              <a:ea typeface="ADLaM Display" panose="02010000000000000000" pitchFamily="2" charset="0"/>
-              <a:cs typeface="ADLaM Display" panose="02010000000000000000" pitchFamily="2" charset="0"/>
-            </a:endParaRPr>
-          </a:p>
-        </p:txBody>
-      </p:sp>
-      <p:sp>
-        <p:nvSpPr>
-          <p:cNvPr id="12" name="TextBox 11">
-            <a:extLst>
-              <a:ext uri="{FF2B5EF4-FFF2-40B4-BE49-F238E27FC236}">
-                <a16:creationId xmlns:a16="http://schemas.microsoft.com/office/drawing/2014/main" id="{0592EDF6-78EF-EB15-B201-CE5E3A8450E3}"/>
-              </a:ext>
-            </a:extLst>
-          </p:cNvPr>
-          <p:cNvSpPr txBox="1"/>
-          <p:nvPr/>
-        </p:nvSpPr>
-        <p:spPr>
-          <a:xfrm>
-            <a:off x="6068818" y="2533088"/>
-            <a:ext cx="2932213" cy="523220"/>
-          </a:xfrm>
-          <a:prstGeom prst="rect">
-            <a:avLst/>
-          </a:prstGeom>
-          <a:noFill/>
-        </p:spPr>
-        <p:txBody>
-          <a:bodyPr wrap="none" rtlCol="0">
-            <a:spAutoFit/>
-          </a:bodyPr>
-          <a:lstStyle/>
-          <a:p>
-            <a:r>
-              <a:rPr lang="en-US" sz="2800" dirty="0">
-                <a:solidFill>
-                  <a:srgbClr val="FFFF00"/>
-                </a:solidFill>
-                <a:effectLst>
-                  <a:outerShdw blurRad="63500" dist="63500" dir="3900000" algn="ctr" rotWithShape="0">
-                    <a:schemeClr val="bg1"/>
-                  </a:outerShdw>
-                </a:effectLst>
-                <a:latin typeface="ADLaM Display" panose="02010000000000000000" pitchFamily="2" charset="0"/>
-                <a:ea typeface="ADLaM Display" panose="02010000000000000000" pitchFamily="2" charset="0"/>
-                <a:cs typeface="ADLaM Display" panose="02010000000000000000" pitchFamily="2" charset="0"/>
-              </a:rPr>
-              <a:t>Function scopes</a:t>
-            </a:r>
-            <a:endParaRPr lang="en-IN" sz="2800" dirty="0">
-              <a:solidFill>
-                <a:srgbClr val="FFFF00"/>
-              </a:solidFill>
-              <a:effectLst>
-                <a:outerShdw blurRad="63500" dist="63500" dir="3900000" algn="ctr" rotWithShape="0">
-                  <a:schemeClr val="bg1"/>
-                </a:outerShdw>
-              </a:effectLst>
-              <a:latin typeface="ADLaM Display" panose="02010000000000000000" pitchFamily="2" charset="0"/>
-              <a:ea typeface="ADLaM Display" panose="02010000000000000000" pitchFamily="2" charset="0"/>
-              <a:cs typeface="ADLaM Display" panose="02010000000000000000" pitchFamily="2" charset="0"/>
-            </a:endParaRPr>
-          </a:p>
-        </p:txBody>
-      </p:sp>
-      <p:sp>
-        <p:nvSpPr>
-          <p:cNvPr id="13" name="TextBox 12">
-            <a:extLst>
-              <a:ext uri="{FF2B5EF4-FFF2-40B4-BE49-F238E27FC236}">
-                <a16:creationId xmlns:a16="http://schemas.microsoft.com/office/drawing/2014/main" id="{07F3D46B-3FB5-00BB-D736-9AA0BB944406}"/>
-              </a:ext>
-            </a:extLst>
-          </p:cNvPr>
-          <p:cNvSpPr txBox="1"/>
-          <p:nvPr/>
-        </p:nvSpPr>
-        <p:spPr>
-          <a:xfrm>
-            <a:off x="8372495" y="1728899"/>
-            <a:ext cx="2206053" cy="523220"/>
-          </a:xfrm>
-          <a:prstGeom prst="rect">
-            <a:avLst/>
-          </a:prstGeom>
-          <a:noFill/>
-        </p:spPr>
-        <p:txBody>
-          <a:bodyPr wrap="none" rtlCol="0">
-            <a:spAutoFit/>
-          </a:bodyPr>
-          <a:lstStyle/>
-          <a:p>
-            <a:r>
-              <a:rPr lang="en-US" sz="2800" dirty="0">
-                <a:solidFill>
-                  <a:srgbClr val="FFFF00"/>
-                </a:solidFill>
-                <a:effectLst>
-                  <a:outerShdw blurRad="63500" dist="63500" dir="3900000" algn="ctr" rotWithShape="0">
-                    <a:schemeClr val="bg1"/>
-                  </a:outerShdw>
-                </a:effectLst>
-                <a:latin typeface="ADLaM Display" panose="02010000000000000000" pitchFamily="2" charset="0"/>
-                <a:ea typeface="ADLaM Display" panose="02010000000000000000" pitchFamily="2" charset="0"/>
-                <a:cs typeface="ADLaM Display" panose="02010000000000000000" pitchFamily="2" charset="0"/>
-              </a:rPr>
-              <a:t>Block scope</a:t>
-            </a:r>
-            <a:endParaRPr lang="en-IN" sz="2800" dirty="0">
-              <a:solidFill>
-                <a:srgbClr val="FFFF00"/>
-              </a:solidFill>
-              <a:effectLst>
-                <a:outerShdw blurRad="63500" dist="63500" dir="3900000" algn="ctr" rotWithShape="0">
-                  <a:schemeClr val="bg1"/>
-                </a:outerShdw>
-              </a:effectLst>
-              <a:latin typeface="ADLaM Display" panose="02010000000000000000" pitchFamily="2" charset="0"/>
-              <a:ea typeface="ADLaM Display" panose="02010000000000000000" pitchFamily="2" charset="0"/>
-              <a:cs typeface="ADLaM Display" panose="02010000000000000000" pitchFamily="2" charset="0"/>
-            </a:endParaRPr>
-          </a:p>
-        </p:txBody>
-      </p:sp>
-      <p:sp>
-        <p:nvSpPr>
-          <p:cNvPr id="14" name="TextBox 13">
-            <a:extLst>
-              <a:ext uri="{FF2B5EF4-FFF2-40B4-BE49-F238E27FC236}">
-                <a16:creationId xmlns:a16="http://schemas.microsoft.com/office/drawing/2014/main" id="{09B555CF-B639-431F-43B2-2FC58FFBF425}"/>
-              </a:ext>
-            </a:extLst>
-          </p:cNvPr>
-          <p:cNvSpPr txBox="1"/>
-          <p:nvPr/>
-        </p:nvSpPr>
-        <p:spPr>
-          <a:xfrm>
-            <a:off x="7383443" y="4767696"/>
-            <a:ext cx="3195105" cy="523220"/>
-          </a:xfrm>
-          <a:prstGeom prst="rect">
-            <a:avLst/>
-          </a:prstGeom>
-          <a:noFill/>
-        </p:spPr>
-        <p:txBody>
-          <a:bodyPr wrap="none" rtlCol="0">
-            <a:spAutoFit/>
-          </a:bodyPr>
-          <a:lstStyle/>
-          <a:p>
-            <a:r>
-              <a:rPr lang="en-US" sz="2800" dirty="0">
-                <a:solidFill>
-                  <a:srgbClr val="FFFF00"/>
-                </a:solidFill>
-                <a:effectLst>
-                  <a:outerShdw blurRad="63500" dist="63500" dir="3900000" algn="ctr" rotWithShape="0">
-                    <a:schemeClr val="bg1"/>
-                  </a:outerShdw>
-                </a:effectLst>
-                <a:latin typeface="ADLaM Display" panose="02010000000000000000" pitchFamily="2" charset="0"/>
-                <a:ea typeface="ADLaM Display" panose="02010000000000000000" pitchFamily="2" charset="0"/>
-                <a:cs typeface="ADLaM Display" panose="02010000000000000000" pitchFamily="2" charset="0"/>
-              </a:rPr>
-              <a:t>Var, let and const</a:t>
-            </a:r>
-            <a:endParaRPr lang="en-IN" sz="2800" dirty="0">
-              <a:solidFill>
-                <a:srgbClr val="FFFF00"/>
-              </a:solidFill>
-              <a:effectLst>
-                <a:outerShdw blurRad="63500" dist="63500" dir="3900000" algn="ctr" rotWithShape="0">
-                  <a:schemeClr val="bg1"/>
-                </a:outerShdw>
-              </a:effectLst>
-              <a:latin typeface="ADLaM Display" panose="02010000000000000000" pitchFamily="2" charset="0"/>
-              <a:ea typeface="ADLaM Display" panose="02010000000000000000" pitchFamily="2" charset="0"/>
-              <a:cs typeface="ADLaM Display" panose="02010000000000000000" pitchFamily="2" charset="0"/>
-            </a:endParaRPr>
-          </a:p>
-        </p:txBody>
-      </p:sp>
     </p:spTree>
     <p:extLst>
       <p:ext uri="{BB962C8B-B14F-4D97-AF65-F5344CB8AC3E}">
-        <p14:creationId xmlns:p14="http://schemas.microsoft.com/office/powerpoint/2010/main" val="1906364119"/>
+        <p14:creationId xmlns:p14="http://schemas.microsoft.com/office/powerpoint/2010/main" xmlns="" val="3287175084"/>
       </p:ext>
     </p:extLst>
   </p:cSld>
   <p:clrMapOvr>
     <a:masterClrMapping/>
   </p:clrMapOvr>
+  <p:timing>
+    <p:tnLst>
+      <p:par>
+        <p:cTn id="1" dur="indefinite" restart="never" nodeType="tmRoot"/>
+      </p:par>
+    </p:tnLst>
+  </p:timing>
 </p:sld>
 </file>
 
@@ -12451,7 +12626,7 @@
         <p:cNvPr id="1" name="">
           <a:extLst>
             <a:ext uri="{FF2B5EF4-FFF2-40B4-BE49-F238E27FC236}">
-              <a16:creationId xmlns:a16="http://schemas.microsoft.com/office/drawing/2014/main" id="{4586E9D7-F5F8-14CC-9DF6-FC4AF2EA4249}"/>
+              <a16:creationId xmlns:a16="http://schemas.microsoft.com/office/drawing/2014/main" xmlns="" id="{4586E9D7-F5F8-14CC-9DF6-FC4AF2EA4249}"/>
             </a:ext>
           </a:extLst>
         </p:cNvPr>
@@ -12471,7 +12646,7 @@
           <p:cNvPr id="2" name="Title 1">
             <a:extLst>
               <a:ext uri="{FF2B5EF4-FFF2-40B4-BE49-F238E27FC236}">
-                <a16:creationId xmlns:a16="http://schemas.microsoft.com/office/drawing/2014/main" id="{D8B67155-694F-FF61-7CDD-33A20A316215}"/>
+                <a16:creationId xmlns:a16="http://schemas.microsoft.com/office/drawing/2014/main" xmlns="" id="{D8B67155-694F-FF61-7CDD-33A20A316215}"/>
               </a:ext>
             </a:extLst>
           </p:cNvPr>
@@ -12527,7 +12702,7 @@
           <p:cNvPr id="3" name="Content Placeholder 2">
             <a:extLst>
               <a:ext uri="{FF2B5EF4-FFF2-40B4-BE49-F238E27FC236}">
-                <a16:creationId xmlns:a16="http://schemas.microsoft.com/office/drawing/2014/main" id="{2A53D2DA-721D-FC7E-8E09-BCBD844B6F9F}"/>
+                <a16:creationId xmlns:a16="http://schemas.microsoft.com/office/drawing/2014/main" xmlns="" id="{2A53D2DA-721D-FC7E-8E09-BCBD844B6F9F}"/>
               </a:ext>
             </a:extLst>
           </p:cNvPr>
@@ -12586,7 +12761,7 @@
           <p:cNvPr id="5" name="Ribbon: Curved and Tilted Down 4">
             <a:extLst>
               <a:ext uri="{FF2B5EF4-FFF2-40B4-BE49-F238E27FC236}">
-                <a16:creationId xmlns:a16="http://schemas.microsoft.com/office/drawing/2014/main" id="{3FA23525-E3EA-B8CB-FD6A-53084CA847A7}"/>
+                <a16:creationId xmlns:a16="http://schemas.microsoft.com/office/drawing/2014/main" xmlns="" id="{3FA23525-E3EA-B8CB-FD6A-53084CA847A7}"/>
               </a:ext>
             </a:extLst>
           </p:cNvPr>
@@ -12659,7 +12834,7 @@
           <p:cNvPr id="6" name="Scroll: Vertical 5">
             <a:extLst>
               <a:ext uri="{FF2B5EF4-FFF2-40B4-BE49-F238E27FC236}">
-                <a16:creationId xmlns:a16="http://schemas.microsoft.com/office/drawing/2014/main" id="{1A4C732A-2840-82C8-A359-298D925E33B3}"/>
+                <a16:creationId xmlns:a16="http://schemas.microsoft.com/office/drawing/2014/main" xmlns="" id="{1A4C732A-2840-82C8-A359-298D925E33B3}"/>
               </a:ext>
             </a:extLst>
           </p:cNvPr>
@@ -12900,7 +13075,7 @@
     </p:spTree>
     <p:extLst>
       <p:ext uri="{BB962C8B-B14F-4D97-AF65-F5344CB8AC3E}">
-        <p14:creationId xmlns:p14="http://schemas.microsoft.com/office/powerpoint/2010/main" val="3002471670"/>
+        <p14:creationId xmlns:p14="http://schemas.microsoft.com/office/powerpoint/2010/main" xmlns="" val="3002471670"/>
       </p:ext>
     </p:extLst>
   </p:cSld>
@@ -12918,7 +13093,7 @@
         <p:cNvPr id="1" name="">
           <a:extLst>
             <a:ext uri="{FF2B5EF4-FFF2-40B4-BE49-F238E27FC236}">
-              <a16:creationId xmlns:a16="http://schemas.microsoft.com/office/drawing/2014/main" id="{4586E9D7-F5F8-14CC-9DF6-FC4AF2EA4249}"/>
+              <a16:creationId xmlns:a16="http://schemas.microsoft.com/office/drawing/2014/main" xmlns="" id="{4586E9D7-F5F8-14CC-9DF6-FC4AF2EA4249}"/>
             </a:ext>
           </a:extLst>
         </p:cNvPr>
@@ -12938,7 +13113,7 @@
           <p:cNvPr id="2" name="Title 1">
             <a:extLst>
               <a:ext uri="{FF2B5EF4-FFF2-40B4-BE49-F238E27FC236}">
-                <a16:creationId xmlns:a16="http://schemas.microsoft.com/office/drawing/2014/main" id="{D8B67155-694F-FF61-7CDD-33A20A316215}"/>
+                <a16:creationId xmlns:a16="http://schemas.microsoft.com/office/drawing/2014/main" xmlns="" id="{D8B67155-694F-FF61-7CDD-33A20A316215}"/>
               </a:ext>
             </a:extLst>
           </p:cNvPr>
@@ -12985,7 +13160,7 @@
           <p:cNvPr id="3" name="Content Placeholder 2">
             <a:extLst>
               <a:ext uri="{FF2B5EF4-FFF2-40B4-BE49-F238E27FC236}">
-                <a16:creationId xmlns:a16="http://schemas.microsoft.com/office/drawing/2014/main" id="{2A53D2DA-721D-FC7E-8E09-BCBD844B6F9F}"/>
+                <a16:creationId xmlns:a16="http://schemas.microsoft.com/office/drawing/2014/main" xmlns="" id="{2A53D2DA-721D-FC7E-8E09-BCBD844B6F9F}"/>
               </a:ext>
             </a:extLst>
           </p:cNvPr>
@@ -13046,12 +13221,24 @@
             <a:br>
               <a:rPr lang="en-US" sz="1600" dirty="0"/>
             </a:br>
+            <a:r>
+              <a:rPr lang="en-US" sz="1600" dirty="0"/>
+              <a:t/>
+            </a:r>
             <a:br>
               <a:rPr lang="en-US" sz="1600" dirty="0"/>
             </a:br>
+            <a:r>
+              <a:rPr lang="en-US" sz="1600" dirty="0"/>
+              <a:t/>
+            </a:r>
             <a:br>
               <a:rPr lang="en-US" sz="1600" dirty="0"/>
             </a:br>
+            <a:r>
+              <a:rPr lang="en-US" sz="1600" dirty="0"/>
+              <a:t/>
+            </a:r>
             <a:br>
               <a:rPr lang="en-US" sz="1600" dirty="0"/>
             </a:br>
@@ -13082,7 +13269,7 @@
           <p:cNvPr id="5" name="Ribbon: Curved and Tilted Down 4">
             <a:extLst>
               <a:ext uri="{FF2B5EF4-FFF2-40B4-BE49-F238E27FC236}">
-                <a16:creationId xmlns:a16="http://schemas.microsoft.com/office/drawing/2014/main" id="{3FA23525-E3EA-B8CB-FD6A-53084CA847A7}"/>
+                <a16:creationId xmlns:a16="http://schemas.microsoft.com/office/drawing/2014/main" xmlns="" id="{3FA23525-E3EA-B8CB-FD6A-53084CA847A7}"/>
               </a:ext>
             </a:extLst>
           </p:cNvPr>
@@ -13155,7 +13342,7 @@
           <p:cNvPr id="6" name="Scroll: Vertical 5">
             <a:extLst>
               <a:ext uri="{FF2B5EF4-FFF2-40B4-BE49-F238E27FC236}">
-                <a16:creationId xmlns:a16="http://schemas.microsoft.com/office/drawing/2014/main" id="{1A4C732A-2840-82C8-A359-298D925E33B3}"/>
+                <a16:creationId xmlns:a16="http://schemas.microsoft.com/office/drawing/2014/main" xmlns="" id="{1A4C732A-2840-82C8-A359-298D925E33B3}"/>
               </a:ext>
             </a:extLst>
           </p:cNvPr>
@@ -13369,7 +13556,7 @@
     </p:spTree>
     <p:extLst>
       <p:ext uri="{BB962C8B-B14F-4D97-AF65-F5344CB8AC3E}">
-        <p14:creationId xmlns:p14="http://schemas.microsoft.com/office/powerpoint/2010/main" val="3002471670"/>
+        <p14:creationId xmlns:p14="http://schemas.microsoft.com/office/powerpoint/2010/main" xmlns="" val="3002471670"/>
       </p:ext>
     </p:extLst>
   </p:cSld>
@@ -13387,7 +13574,7 @@
         <p:cNvPr id="1" name="">
           <a:extLst>
             <a:ext uri="{FF2B5EF4-FFF2-40B4-BE49-F238E27FC236}">
-              <a16:creationId xmlns:a16="http://schemas.microsoft.com/office/drawing/2014/main" id="{4586E9D7-F5F8-14CC-9DF6-FC4AF2EA4249}"/>
+              <a16:creationId xmlns:a16="http://schemas.microsoft.com/office/drawing/2014/main" xmlns="" id="{4586E9D7-F5F8-14CC-9DF6-FC4AF2EA4249}"/>
             </a:ext>
           </a:extLst>
         </p:cNvPr>
@@ -13407,7 +13594,7 @@
           <p:cNvPr id="2" name="Title 1">
             <a:extLst>
               <a:ext uri="{FF2B5EF4-FFF2-40B4-BE49-F238E27FC236}">
-                <a16:creationId xmlns:a16="http://schemas.microsoft.com/office/drawing/2014/main" id="{D8B67155-694F-FF61-7CDD-33A20A316215}"/>
+                <a16:creationId xmlns:a16="http://schemas.microsoft.com/office/drawing/2014/main" xmlns="" id="{D8B67155-694F-FF61-7CDD-33A20A316215}"/>
               </a:ext>
             </a:extLst>
           </p:cNvPr>
@@ -13483,7 +13670,7 @@
           <p:cNvPr id="5" name="Ribbon: Curved and Tilted Down 4">
             <a:extLst>
               <a:ext uri="{FF2B5EF4-FFF2-40B4-BE49-F238E27FC236}">
-                <a16:creationId xmlns:a16="http://schemas.microsoft.com/office/drawing/2014/main" id="{3FA23525-E3EA-B8CB-FD6A-53084CA847A7}"/>
+                <a16:creationId xmlns:a16="http://schemas.microsoft.com/office/drawing/2014/main" xmlns="" id="{3FA23525-E3EA-B8CB-FD6A-53084CA847A7}"/>
               </a:ext>
             </a:extLst>
           </p:cNvPr>
@@ -13556,7 +13743,7 @@
           <p:cNvPr id="6" name="Scroll: Vertical 5">
             <a:extLst>
               <a:ext uri="{FF2B5EF4-FFF2-40B4-BE49-F238E27FC236}">
-                <a16:creationId xmlns:a16="http://schemas.microsoft.com/office/drawing/2014/main" id="{1A4C732A-2840-82C8-A359-298D925E33B3}"/>
+                <a16:creationId xmlns:a16="http://schemas.microsoft.com/office/drawing/2014/main" xmlns="" id="{1A4C732A-2840-82C8-A359-298D925E33B3}"/>
               </a:ext>
             </a:extLst>
           </p:cNvPr>
@@ -13706,7 +13893,7 @@
           <p:cNvPr id="9" name="Content Placeholder 2">
             <a:extLst>
               <a:ext uri="{FF2B5EF4-FFF2-40B4-BE49-F238E27FC236}">
-                <a16:creationId xmlns:a16="http://schemas.microsoft.com/office/drawing/2014/main" id="{2A53D2DA-721D-FC7E-8E09-BCBD844B6F9F}"/>
+                <a16:creationId xmlns:a16="http://schemas.microsoft.com/office/drawing/2014/main" xmlns="" id="{2A53D2DA-721D-FC7E-8E09-BCBD844B6F9F}"/>
               </a:ext>
             </a:extLst>
           </p:cNvPr>
@@ -13837,7 +14024,7 @@
           <p:cNvPr id="11" name="Content Placeholder 2">
             <a:extLst>
               <a:ext uri="{FF2B5EF4-FFF2-40B4-BE49-F238E27FC236}">
-                <a16:creationId xmlns:a16="http://schemas.microsoft.com/office/drawing/2014/main" id="{2A53D2DA-721D-FC7E-8E09-BCBD844B6F9F}"/>
+                <a16:creationId xmlns:a16="http://schemas.microsoft.com/office/drawing/2014/main" xmlns="" id="{2A53D2DA-721D-FC7E-8E09-BCBD844B6F9F}"/>
               </a:ext>
             </a:extLst>
           </p:cNvPr>
@@ -14042,7 +14229,7 @@
     </p:spTree>
     <p:extLst>
       <p:ext uri="{BB962C8B-B14F-4D97-AF65-F5344CB8AC3E}">
-        <p14:creationId xmlns:p14="http://schemas.microsoft.com/office/powerpoint/2010/main" val="3002471670"/>
+        <p14:creationId xmlns:p14="http://schemas.microsoft.com/office/powerpoint/2010/main" xmlns="" val="3002471670"/>
       </p:ext>
     </p:extLst>
   </p:cSld>
@@ -14060,7 +14247,7 @@
         <p:cNvPr id="1" name="">
           <a:extLst>
             <a:ext uri="{FF2B5EF4-FFF2-40B4-BE49-F238E27FC236}">
-              <a16:creationId xmlns:a16="http://schemas.microsoft.com/office/drawing/2014/main" id="{4586E9D7-F5F8-14CC-9DF6-FC4AF2EA4249}"/>
+              <a16:creationId xmlns:a16="http://schemas.microsoft.com/office/drawing/2014/main" xmlns="" id="{4586E9D7-F5F8-14CC-9DF6-FC4AF2EA4249}"/>
             </a:ext>
           </a:extLst>
         </p:cNvPr>
@@ -14080,7 +14267,7 @@
           <p:cNvPr id="2" name="Title 1">
             <a:extLst>
               <a:ext uri="{FF2B5EF4-FFF2-40B4-BE49-F238E27FC236}">
-                <a16:creationId xmlns:a16="http://schemas.microsoft.com/office/drawing/2014/main" id="{D8B67155-694F-FF61-7CDD-33A20A316215}"/>
+                <a16:creationId xmlns:a16="http://schemas.microsoft.com/office/drawing/2014/main" xmlns="" id="{D8B67155-694F-FF61-7CDD-33A20A316215}"/>
               </a:ext>
             </a:extLst>
           </p:cNvPr>
@@ -14120,7 +14307,7 @@
           <p:cNvPr id="5" name="Ribbon: Curved and Tilted Down 4">
             <a:extLst>
               <a:ext uri="{FF2B5EF4-FFF2-40B4-BE49-F238E27FC236}">
-                <a16:creationId xmlns:a16="http://schemas.microsoft.com/office/drawing/2014/main" id="{3FA23525-E3EA-B8CB-FD6A-53084CA847A7}"/>
+                <a16:creationId xmlns:a16="http://schemas.microsoft.com/office/drawing/2014/main" xmlns="" id="{3FA23525-E3EA-B8CB-FD6A-53084CA847A7}"/>
               </a:ext>
             </a:extLst>
           </p:cNvPr>
@@ -14193,7 +14380,7 @@
           <p:cNvPr id="6" name="Scroll: Vertical 5">
             <a:extLst>
               <a:ext uri="{FF2B5EF4-FFF2-40B4-BE49-F238E27FC236}">
-                <a16:creationId xmlns:a16="http://schemas.microsoft.com/office/drawing/2014/main" id="{1A4C732A-2840-82C8-A359-298D925E33B3}"/>
+                <a16:creationId xmlns:a16="http://schemas.microsoft.com/office/drawing/2014/main" xmlns="" id="{1A4C732A-2840-82C8-A359-298D925E33B3}"/>
               </a:ext>
             </a:extLst>
           </p:cNvPr>
@@ -14343,7 +14530,7 @@
           <p:cNvPr id="9" name="Content Placeholder 2">
             <a:extLst>
               <a:ext uri="{FF2B5EF4-FFF2-40B4-BE49-F238E27FC236}">
-                <a16:creationId xmlns:a16="http://schemas.microsoft.com/office/drawing/2014/main" id="{2A53D2DA-721D-FC7E-8E09-BCBD844B6F9F}"/>
+                <a16:creationId xmlns:a16="http://schemas.microsoft.com/office/drawing/2014/main" xmlns="" id="{2A53D2DA-721D-FC7E-8E09-BCBD844B6F9F}"/>
               </a:ext>
             </a:extLst>
           </p:cNvPr>
@@ -14474,7 +14661,7 @@
           <p:cNvPr id="11" name="Content Placeholder 2">
             <a:extLst>
               <a:ext uri="{FF2B5EF4-FFF2-40B4-BE49-F238E27FC236}">
-                <a16:creationId xmlns:a16="http://schemas.microsoft.com/office/drawing/2014/main" id="{2A53D2DA-721D-FC7E-8E09-BCBD844B6F9F}"/>
+                <a16:creationId xmlns:a16="http://schemas.microsoft.com/office/drawing/2014/main" xmlns="" id="{2A53D2DA-721D-FC7E-8E09-BCBD844B6F9F}"/>
               </a:ext>
             </a:extLst>
           </p:cNvPr>
@@ -14748,7 +14935,7 @@
     </p:spTree>
     <p:extLst>
       <p:ext uri="{BB962C8B-B14F-4D97-AF65-F5344CB8AC3E}">
-        <p14:creationId xmlns:p14="http://schemas.microsoft.com/office/powerpoint/2010/main" val="3002471670"/>
+        <p14:creationId xmlns:p14="http://schemas.microsoft.com/office/powerpoint/2010/main" xmlns="" val="3002471670"/>
       </p:ext>
     </p:extLst>
   </p:cSld>
@@ -14766,7 +14953,7 @@
         <p:cNvPr id="1" name="">
           <a:extLst>
             <a:ext uri="{FF2B5EF4-FFF2-40B4-BE49-F238E27FC236}">
-              <a16:creationId xmlns:a16="http://schemas.microsoft.com/office/drawing/2014/main" id="{4586E9D7-F5F8-14CC-9DF6-FC4AF2EA4249}"/>
+              <a16:creationId xmlns:a16="http://schemas.microsoft.com/office/drawing/2014/main" xmlns="" id="{4586E9D7-F5F8-14CC-9DF6-FC4AF2EA4249}"/>
             </a:ext>
           </a:extLst>
         </p:cNvPr>
@@ -14786,7 +14973,7 @@
           <p:cNvPr id="2" name="Title 1">
             <a:extLst>
               <a:ext uri="{FF2B5EF4-FFF2-40B4-BE49-F238E27FC236}">
-                <a16:creationId xmlns:a16="http://schemas.microsoft.com/office/drawing/2014/main" id="{D8B67155-694F-FF61-7CDD-33A20A316215}"/>
+                <a16:creationId xmlns:a16="http://schemas.microsoft.com/office/drawing/2014/main" xmlns="" id="{D8B67155-694F-FF61-7CDD-33A20A316215}"/>
               </a:ext>
             </a:extLst>
           </p:cNvPr>
@@ -14931,7 +15118,7 @@
           <p:cNvPr id="5" name="Ribbon: Curved and Tilted Down 4">
             <a:extLst>
               <a:ext uri="{FF2B5EF4-FFF2-40B4-BE49-F238E27FC236}">
-                <a16:creationId xmlns:a16="http://schemas.microsoft.com/office/drawing/2014/main" id="{3FA23525-E3EA-B8CB-FD6A-53084CA847A7}"/>
+                <a16:creationId xmlns:a16="http://schemas.microsoft.com/office/drawing/2014/main" xmlns="" id="{3FA23525-E3EA-B8CB-FD6A-53084CA847A7}"/>
               </a:ext>
             </a:extLst>
           </p:cNvPr>
@@ -15004,7 +15191,7 @@
           <p:cNvPr id="6" name="Scroll: Vertical 5">
             <a:extLst>
               <a:ext uri="{FF2B5EF4-FFF2-40B4-BE49-F238E27FC236}">
-                <a16:creationId xmlns:a16="http://schemas.microsoft.com/office/drawing/2014/main" id="{1A4C732A-2840-82C8-A359-298D925E33B3}"/>
+                <a16:creationId xmlns:a16="http://schemas.microsoft.com/office/drawing/2014/main" xmlns="" id="{1A4C732A-2840-82C8-A359-298D925E33B3}"/>
               </a:ext>
             </a:extLst>
           </p:cNvPr>
@@ -15152,7 +15339,7 @@
     </p:spTree>
     <p:extLst>
       <p:ext uri="{BB962C8B-B14F-4D97-AF65-F5344CB8AC3E}">
-        <p14:creationId xmlns:p14="http://schemas.microsoft.com/office/powerpoint/2010/main" val="3002471670"/>
+        <p14:creationId xmlns:p14="http://schemas.microsoft.com/office/powerpoint/2010/main" xmlns="" val="3002471670"/>
       </p:ext>
     </p:extLst>
   </p:cSld>
@@ -15184,7 +15371,7 @@
           <p:cNvPr id="9" name="Explosion: 14 Points 8">
             <a:extLst>
               <a:ext uri="{FF2B5EF4-FFF2-40B4-BE49-F238E27FC236}">
-                <a16:creationId xmlns:a16="http://schemas.microsoft.com/office/drawing/2014/main" id="{0A2CD68B-7A56-F86D-8B6F-4A8BF99B4C9E}"/>
+                <a16:creationId xmlns:a16="http://schemas.microsoft.com/office/drawing/2014/main" xmlns="" id="{0A2CD68B-7A56-F86D-8B6F-4A8BF99B4C9E}"/>
               </a:ext>
             </a:extLst>
           </p:cNvPr>
@@ -15239,7 +15426,7 @@
           <p:cNvPr id="2" name="Title 1">
             <a:extLst>
               <a:ext uri="{FF2B5EF4-FFF2-40B4-BE49-F238E27FC236}">
-                <a16:creationId xmlns:a16="http://schemas.microsoft.com/office/drawing/2014/main" id="{62BB4F8D-44B7-9866-F7B2-6375CB902974}"/>
+                <a16:creationId xmlns:a16="http://schemas.microsoft.com/office/drawing/2014/main" xmlns="" id="{62BB4F8D-44B7-9866-F7B2-6375CB902974}"/>
               </a:ext>
             </a:extLst>
           </p:cNvPr>
@@ -15273,6 +15460,15 @@
               </a:rPr>
               <a:t>JavaScript</a:t>
             </a:r>
+            <a:r>
+              <a:rPr lang="en-US" sz="7200" b="1" dirty="0">
+                <a:solidFill>
+                  <a:schemeClr val="tx1"/>
+                </a:solidFill>
+                <a:latin typeface="Barlow Black" panose="00000A00000000000000" pitchFamily="2" charset="0"/>
+              </a:rPr>
+              <a:t/>
+            </a:r>
             <a:br>
               <a:rPr lang="en-US" sz="7200" b="1" dirty="0">
                 <a:solidFill>
@@ -15351,7 +15547,7 @@
           <p:cNvPr id="4" name="Ribbon: Curved and Tilted Down 3">
             <a:extLst>
               <a:ext uri="{FF2B5EF4-FFF2-40B4-BE49-F238E27FC236}">
-                <a16:creationId xmlns:a16="http://schemas.microsoft.com/office/drawing/2014/main" id="{909DBECF-689C-9AA7-1649-9166A578EDF9}"/>
+                <a16:creationId xmlns:a16="http://schemas.microsoft.com/office/drawing/2014/main" xmlns="" id="{909DBECF-689C-9AA7-1649-9166A578EDF9}"/>
               </a:ext>
             </a:extLst>
           </p:cNvPr>
@@ -15418,7 +15614,7 @@
           <p:cNvPr id="8" name="TextBox 7">
             <a:extLst>
               <a:ext uri="{FF2B5EF4-FFF2-40B4-BE49-F238E27FC236}">
-                <a16:creationId xmlns:a16="http://schemas.microsoft.com/office/drawing/2014/main" id="{6E6F1672-8C91-3FA6-CB80-58FD68172333}"/>
+                <a16:creationId xmlns:a16="http://schemas.microsoft.com/office/drawing/2014/main" xmlns="" id="{6E6F1672-8C91-3FA6-CB80-58FD68172333}"/>
               </a:ext>
             </a:extLst>
           </p:cNvPr>
@@ -15473,7 +15669,7 @@
           <p:cNvPr id="5" name="Scroll: Vertical 4">
             <a:extLst>
               <a:ext uri="{FF2B5EF4-FFF2-40B4-BE49-F238E27FC236}">
-                <a16:creationId xmlns:a16="http://schemas.microsoft.com/office/drawing/2014/main" id="{38EB993A-3F18-C6B7-226F-EDD62B4B31DB}"/>
+                <a16:creationId xmlns:a16="http://schemas.microsoft.com/office/drawing/2014/main" xmlns="" id="{38EB993A-3F18-C6B7-226F-EDD62B4B31DB}"/>
               </a:ext>
             </a:extLst>
           </p:cNvPr>
@@ -15531,6 +15727,14 @@
               </a:rPr>
               <a:t>Data types</a:t>
             </a:r>
+            <a:r>
+              <a:rPr lang="en-US" sz="3600" b="1" dirty="0">
+                <a:solidFill>
+                  <a:schemeClr val="bg1"/>
+                </a:solidFill>
+              </a:rPr>
+              <a:t/>
+            </a:r>
             <a:br>
               <a:rPr lang="en-US" sz="3600" b="1" dirty="0">
                 <a:solidFill>
@@ -15563,6 +15767,14 @@
               </a:rPr>
               <a:t>Primitive data types</a:t>
             </a:r>
+            <a:r>
+              <a:rPr lang="en-IN" sz="1600" dirty="0">
+                <a:solidFill>
+                  <a:schemeClr val="bg1"/>
+                </a:solidFill>
+              </a:rPr>
+              <a:t/>
+            </a:r>
             <a:br>
               <a:rPr lang="en-IN" sz="1600" dirty="0">
                 <a:solidFill>
@@ -15652,6 +15864,14 @@
                 </a:solidFill>
               </a:rPr>
               <a:t>BigInt</a:t>
+            </a:r>
+            <a:r>
+              <a:rPr lang="en-IN" sz="1400" dirty="0">
+                <a:solidFill>
+                  <a:schemeClr val="bg1"/>
+                </a:solidFill>
+              </a:rPr>
+              <a:t/>
             </a:r>
             <a:br>
               <a:rPr lang="en-IN" sz="1400" dirty="0">
@@ -15685,6 +15905,14 @@
               </a:rPr>
               <a:t>Composite data types</a:t>
             </a:r>
+            <a:r>
+              <a:rPr lang="en-IN" sz="1600" dirty="0">
+                <a:solidFill>
+                  <a:schemeClr val="bg1"/>
+                </a:solidFill>
+              </a:rPr>
+              <a:t/>
+            </a:r>
             <a:br>
               <a:rPr lang="en-IN" sz="1600" dirty="0">
                 <a:solidFill>
@@ -15736,7 +15964,7 @@
     </p:spTree>
     <p:extLst>
       <p:ext uri="{BB962C8B-B14F-4D97-AF65-F5344CB8AC3E}">
-        <p14:creationId xmlns:p14="http://schemas.microsoft.com/office/powerpoint/2010/main" val="3287175084"/>
+        <p14:creationId xmlns:p14="http://schemas.microsoft.com/office/powerpoint/2010/main" xmlns="" val="3287175084"/>
       </p:ext>
     </p:extLst>
   </p:cSld>
@@ -15754,7 +15982,7 @@
         <p:cNvPr id="1" name="">
           <a:extLst>
             <a:ext uri="{FF2B5EF4-FFF2-40B4-BE49-F238E27FC236}">
-              <a16:creationId xmlns:a16="http://schemas.microsoft.com/office/drawing/2014/main" id="{4586E9D7-F5F8-14CC-9DF6-FC4AF2EA4249}"/>
+              <a16:creationId xmlns:a16="http://schemas.microsoft.com/office/drawing/2014/main" xmlns="" id="{4586E9D7-F5F8-14CC-9DF6-FC4AF2EA4249}"/>
             </a:ext>
           </a:extLst>
         </p:cNvPr>
@@ -15774,7 +16002,7 @@
           <p:cNvPr id="2" name="Title 1">
             <a:extLst>
               <a:ext uri="{FF2B5EF4-FFF2-40B4-BE49-F238E27FC236}">
-                <a16:creationId xmlns:a16="http://schemas.microsoft.com/office/drawing/2014/main" id="{D8B67155-694F-FF61-7CDD-33A20A316215}"/>
+                <a16:creationId xmlns:a16="http://schemas.microsoft.com/office/drawing/2014/main" xmlns="" id="{D8B67155-694F-FF61-7CDD-33A20A316215}"/>
               </a:ext>
             </a:extLst>
           </p:cNvPr>
@@ -15823,7 +16051,7 @@
           <p:cNvPr id="5" name="Ribbon: Curved and Tilted Down 4">
             <a:extLst>
               <a:ext uri="{FF2B5EF4-FFF2-40B4-BE49-F238E27FC236}">
-                <a16:creationId xmlns:a16="http://schemas.microsoft.com/office/drawing/2014/main" id="{3FA23525-E3EA-B8CB-FD6A-53084CA847A7}"/>
+                <a16:creationId xmlns:a16="http://schemas.microsoft.com/office/drawing/2014/main" xmlns="" id="{3FA23525-E3EA-B8CB-FD6A-53084CA847A7}"/>
               </a:ext>
             </a:extLst>
           </p:cNvPr>
@@ -15896,7 +16124,7 @@
           <p:cNvPr id="6" name="Scroll: Vertical 5">
             <a:extLst>
               <a:ext uri="{FF2B5EF4-FFF2-40B4-BE49-F238E27FC236}">
-                <a16:creationId xmlns:a16="http://schemas.microsoft.com/office/drawing/2014/main" id="{1A4C732A-2840-82C8-A359-298D925E33B3}"/>
+                <a16:creationId xmlns:a16="http://schemas.microsoft.com/office/drawing/2014/main" xmlns="" id="{1A4C732A-2840-82C8-A359-298D925E33B3}"/>
               </a:ext>
             </a:extLst>
           </p:cNvPr>
@@ -16099,7 +16327,7 @@
     </p:spTree>
     <p:extLst>
       <p:ext uri="{BB962C8B-B14F-4D97-AF65-F5344CB8AC3E}">
-        <p14:creationId xmlns:p14="http://schemas.microsoft.com/office/powerpoint/2010/main" val="3002471670"/>
+        <p14:creationId xmlns:p14="http://schemas.microsoft.com/office/powerpoint/2010/main" xmlns="" val="3002471670"/>
       </p:ext>
     </p:extLst>
   </p:cSld>
@@ -16117,7 +16345,7 @@
         <p:cNvPr id="1" name="">
           <a:extLst>
             <a:ext uri="{FF2B5EF4-FFF2-40B4-BE49-F238E27FC236}">
-              <a16:creationId xmlns:a16="http://schemas.microsoft.com/office/drawing/2014/main" id="{4586E9D7-F5F8-14CC-9DF6-FC4AF2EA4249}"/>
+              <a16:creationId xmlns:a16="http://schemas.microsoft.com/office/drawing/2014/main" xmlns="" id="{4586E9D7-F5F8-14CC-9DF6-FC4AF2EA4249}"/>
             </a:ext>
           </a:extLst>
         </p:cNvPr>
@@ -16137,7 +16365,7 @@
           <p:cNvPr id="2" name="Title 1">
             <a:extLst>
               <a:ext uri="{FF2B5EF4-FFF2-40B4-BE49-F238E27FC236}">
-                <a16:creationId xmlns:a16="http://schemas.microsoft.com/office/drawing/2014/main" id="{D8B67155-694F-FF61-7CDD-33A20A316215}"/>
+                <a16:creationId xmlns:a16="http://schemas.microsoft.com/office/drawing/2014/main" xmlns="" id="{D8B67155-694F-FF61-7CDD-33A20A316215}"/>
               </a:ext>
             </a:extLst>
           </p:cNvPr>
@@ -16224,7 +16452,7 @@
           <p:cNvPr id="5" name="Ribbon: Curved and Tilted Down 4">
             <a:extLst>
               <a:ext uri="{FF2B5EF4-FFF2-40B4-BE49-F238E27FC236}">
-                <a16:creationId xmlns:a16="http://schemas.microsoft.com/office/drawing/2014/main" id="{3FA23525-E3EA-B8CB-FD6A-53084CA847A7}"/>
+                <a16:creationId xmlns:a16="http://schemas.microsoft.com/office/drawing/2014/main" xmlns="" id="{3FA23525-E3EA-B8CB-FD6A-53084CA847A7}"/>
               </a:ext>
             </a:extLst>
           </p:cNvPr>
@@ -16297,7 +16525,7 @@
           <p:cNvPr id="6" name="Scroll: Vertical 5">
             <a:extLst>
               <a:ext uri="{FF2B5EF4-FFF2-40B4-BE49-F238E27FC236}">
-                <a16:creationId xmlns:a16="http://schemas.microsoft.com/office/drawing/2014/main" id="{1A4C732A-2840-82C8-A359-298D925E33B3}"/>
+                <a16:creationId xmlns:a16="http://schemas.microsoft.com/office/drawing/2014/main" xmlns="" id="{1A4C732A-2840-82C8-A359-298D925E33B3}"/>
               </a:ext>
             </a:extLst>
           </p:cNvPr>
@@ -16471,7 +16699,7 @@
     </p:spTree>
     <p:extLst>
       <p:ext uri="{BB962C8B-B14F-4D97-AF65-F5344CB8AC3E}">
-        <p14:creationId xmlns:p14="http://schemas.microsoft.com/office/powerpoint/2010/main" val="3002471670"/>
+        <p14:creationId xmlns:p14="http://schemas.microsoft.com/office/powerpoint/2010/main" xmlns="" val="3002471670"/>
       </p:ext>
     </p:extLst>
   </p:cSld>
@@ -16503,7 +16731,7 @@
           <p:cNvPr id="9" name="Explosion: 14 Points 8">
             <a:extLst>
               <a:ext uri="{FF2B5EF4-FFF2-40B4-BE49-F238E27FC236}">
-                <a16:creationId xmlns:a16="http://schemas.microsoft.com/office/drawing/2014/main" id="{0A2CD68B-7A56-F86D-8B6F-4A8BF99B4C9E}"/>
+                <a16:creationId xmlns:a16="http://schemas.microsoft.com/office/drawing/2014/main" xmlns="" id="{0A2CD68B-7A56-F86D-8B6F-4A8BF99B4C9E}"/>
               </a:ext>
             </a:extLst>
           </p:cNvPr>
@@ -16558,7 +16786,7 @@
           <p:cNvPr id="2" name="Title 1">
             <a:extLst>
               <a:ext uri="{FF2B5EF4-FFF2-40B4-BE49-F238E27FC236}">
-                <a16:creationId xmlns:a16="http://schemas.microsoft.com/office/drawing/2014/main" id="{62BB4F8D-44B7-9866-F7B2-6375CB902974}"/>
+                <a16:creationId xmlns:a16="http://schemas.microsoft.com/office/drawing/2014/main" xmlns="" id="{62BB4F8D-44B7-9866-F7B2-6375CB902974}"/>
               </a:ext>
             </a:extLst>
           </p:cNvPr>
@@ -16592,6 +16820,15 @@
               </a:rPr>
               <a:t>JavaScript</a:t>
             </a:r>
+            <a:r>
+              <a:rPr lang="en-US" sz="7200" b="1" dirty="0">
+                <a:solidFill>
+                  <a:schemeClr val="tx1"/>
+                </a:solidFill>
+                <a:latin typeface="Barlow Black" panose="00000A00000000000000" pitchFamily="2" charset="0"/>
+              </a:rPr>
+              <a:t/>
+            </a:r>
             <a:br>
               <a:rPr lang="en-US" sz="7200" b="1" dirty="0">
                 <a:solidFill>
@@ -16617,6 +16854,15 @@
                 <a:latin typeface="Barlow Black" panose="00000A00000000000000" pitchFamily="2" charset="0"/>
               </a:rPr>
               <a:t>– 7</a:t>
+            </a:r>
+            <a:r>
+              <a:rPr lang="en-US" sz="7200" b="1" dirty="0">
+                <a:solidFill>
+                  <a:schemeClr val="tx1"/>
+                </a:solidFill>
+                <a:latin typeface="Barlow Black" panose="00000A00000000000000" pitchFamily="2" charset="0"/>
+              </a:rPr>
+              <a:t/>
             </a:r>
             <a:br>
               <a:rPr lang="en-US" sz="7200" b="1" dirty="0">
@@ -16679,7 +16925,7 @@
           <p:cNvPr id="8" name="TextBox 7">
             <a:extLst>
               <a:ext uri="{FF2B5EF4-FFF2-40B4-BE49-F238E27FC236}">
-                <a16:creationId xmlns:a16="http://schemas.microsoft.com/office/drawing/2014/main" id="{6E6F1672-8C91-3FA6-CB80-58FD68172333}"/>
+                <a16:creationId xmlns:a16="http://schemas.microsoft.com/office/drawing/2014/main" xmlns="" id="{6E6F1672-8C91-3FA6-CB80-58FD68172333}"/>
               </a:ext>
             </a:extLst>
           </p:cNvPr>
@@ -16758,13 +17004,20 @@
     </p:spTree>
     <p:extLst>
       <p:ext uri="{BB962C8B-B14F-4D97-AF65-F5344CB8AC3E}">
-        <p14:creationId xmlns:p14="http://schemas.microsoft.com/office/powerpoint/2010/main" val="3287175084"/>
+        <p14:creationId xmlns:p14="http://schemas.microsoft.com/office/powerpoint/2010/main" xmlns="" val="3287175084"/>
       </p:ext>
     </p:extLst>
   </p:cSld>
   <p:clrMapOvr>
     <a:masterClrMapping/>
   </p:clrMapOvr>
+  <p:timing>
+    <p:tnLst>
+      <p:par>
+        <p:cTn id="1" dur="indefinite" restart="never" nodeType="tmRoot"/>
+      </p:par>
+    </p:tnLst>
+  </p:timing>
 </p:sld>
 </file>
 
@@ -16776,7 +17029,7 @@
         <p:cNvPr id="1" name="">
           <a:extLst>
             <a:ext uri="{FF2B5EF4-FFF2-40B4-BE49-F238E27FC236}">
-              <a16:creationId xmlns:a16="http://schemas.microsoft.com/office/drawing/2014/main" id="{D210C62D-BA73-7142-9269-B229A82A227F}"/>
+              <a16:creationId xmlns:a16="http://schemas.microsoft.com/office/drawing/2014/main" xmlns="" id="{D210C62D-BA73-7142-9269-B229A82A227F}"/>
             </a:ext>
           </a:extLst>
         </p:cNvPr>
@@ -16796,7 +17049,7 @@
           <p:cNvPr id="2" name="Title 1">
             <a:extLst>
               <a:ext uri="{FF2B5EF4-FFF2-40B4-BE49-F238E27FC236}">
-                <a16:creationId xmlns:a16="http://schemas.microsoft.com/office/drawing/2014/main" id="{D5018557-B8C1-B1F3-960D-C1C68708243B}"/>
+                <a16:creationId xmlns:a16="http://schemas.microsoft.com/office/drawing/2014/main" xmlns="" id="{D5018557-B8C1-B1F3-960D-C1C68708243B}"/>
               </a:ext>
             </a:extLst>
           </p:cNvPr>
@@ -16836,7 +17089,7 @@
           <p:cNvPr id="3" name="Content Placeholder 2">
             <a:extLst>
               <a:ext uri="{FF2B5EF4-FFF2-40B4-BE49-F238E27FC236}">
-                <a16:creationId xmlns:a16="http://schemas.microsoft.com/office/drawing/2014/main" id="{24415AF3-2B9F-42C3-52C5-51254FAF8249}"/>
+                <a16:creationId xmlns:a16="http://schemas.microsoft.com/office/drawing/2014/main" xmlns="" id="{24415AF3-2B9F-42C3-52C5-51254FAF8249}"/>
               </a:ext>
             </a:extLst>
           </p:cNvPr>
@@ -16902,7 +17155,7 @@
           <p:cNvPr id="6" name="Ribbon: Curved and Tilted Down 5">
             <a:extLst>
               <a:ext uri="{FF2B5EF4-FFF2-40B4-BE49-F238E27FC236}">
-                <a16:creationId xmlns:a16="http://schemas.microsoft.com/office/drawing/2014/main" id="{7BEA6FE3-CC31-4B69-44C6-04DF1B8559E4}"/>
+                <a16:creationId xmlns:a16="http://schemas.microsoft.com/office/drawing/2014/main" xmlns="" id="{7BEA6FE3-CC31-4B69-44C6-04DF1B8559E4}"/>
               </a:ext>
             </a:extLst>
           </p:cNvPr>
@@ -16975,7 +17228,7 @@
           <p:cNvPr id="8" name="Scroll: Vertical 7">
             <a:extLst>
               <a:ext uri="{FF2B5EF4-FFF2-40B4-BE49-F238E27FC236}">
-                <a16:creationId xmlns:a16="http://schemas.microsoft.com/office/drawing/2014/main" id="{2D8E823F-54F9-1A01-E3EF-B3211339B30B}"/>
+                <a16:creationId xmlns:a16="http://schemas.microsoft.com/office/drawing/2014/main" xmlns="" id="{2D8E823F-54F9-1A01-E3EF-B3211339B30B}"/>
               </a:ext>
             </a:extLst>
           </p:cNvPr>
@@ -17245,7 +17498,7 @@
     </p:spTree>
     <p:extLst>
       <p:ext uri="{BB962C8B-B14F-4D97-AF65-F5344CB8AC3E}">
-        <p14:creationId xmlns:p14="http://schemas.microsoft.com/office/powerpoint/2010/main" val="3274136203"/>
+        <p14:creationId xmlns:p14="http://schemas.microsoft.com/office/powerpoint/2010/main" xmlns="" val="3274136203"/>
       </p:ext>
     </p:extLst>
   </p:cSld>
@@ -17263,7 +17516,7 @@
         <p:cNvPr id="1" name="">
           <a:extLst>
             <a:ext uri="{FF2B5EF4-FFF2-40B4-BE49-F238E27FC236}">
-              <a16:creationId xmlns:a16="http://schemas.microsoft.com/office/drawing/2014/main" id="{4586E9D7-F5F8-14CC-9DF6-FC4AF2EA4249}"/>
+              <a16:creationId xmlns:a16="http://schemas.microsoft.com/office/drawing/2014/main" xmlns="" id="{4586E9D7-F5F8-14CC-9DF6-FC4AF2EA4249}"/>
             </a:ext>
           </a:extLst>
         </p:cNvPr>
@@ -17283,7 +17536,7 @@
           <p:cNvPr id="2" name="Title 1">
             <a:extLst>
               <a:ext uri="{FF2B5EF4-FFF2-40B4-BE49-F238E27FC236}">
-                <a16:creationId xmlns:a16="http://schemas.microsoft.com/office/drawing/2014/main" id="{D8B67155-694F-FF61-7CDD-33A20A316215}"/>
+                <a16:creationId xmlns:a16="http://schemas.microsoft.com/office/drawing/2014/main" xmlns="" id="{D8B67155-694F-FF61-7CDD-33A20A316215}"/>
               </a:ext>
             </a:extLst>
           </p:cNvPr>
@@ -17332,7 +17585,7 @@
           <p:cNvPr id="6" name="Scroll: Vertical 5">
             <a:extLst>
               <a:ext uri="{FF2B5EF4-FFF2-40B4-BE49-F238E27FC236}">
-                <a16:creationId xmlns:a16="http://schemas.microsoft.com/office/drawing/2014/main" id="{1A4C732A-2840-82C8-A359-298D925E33B3}"/>
+                <a16:creationId xmlns:a16="http://schemas.microsoft.com/office/drawing/2014/main" xmlns="" id="{1A4C732A-2840-82C8-A359-298D925E33B3}"/>
               </a:ext>
             </a:extLst>
           </p:cNvPr>
@@ -17629,7 +17882,7 @@
           <p:cNvPr id="10" name="Title 1">
             <a:extLst>
               <a:ext uri="{FF2B5EF4-FFF2-40B4-BE49-F238E27FC236}">
-                <a16:creationId xmlns:a16="http://schemas.microsoft.com/office/drawing/2014/main" id="{D8B67155-694F-FF61-7CDD-33A20A316215}"/>
+                <a16:creationId xmlns:a16="http://schemas.microsoft.com/office/drawing/2014/main" xmlns="" id="{D8B67155-694F-FF61-7CDD-33A20A316215}"/>
               </a:ext>
             </a:extLst>
           </p:cNvPr>
@@ -17754,6 +18007,10 @@
             <a:br>
               <a:rPr lang="en-US" dirty="0"/>
             </a:br>
+            <a:r>
+              <a:rPr lang="en-US" dirty="0"/>
+              <a:t/>
+            </a:r>
             <a:br>
               <a:rPr lang="en-US" dirty="0"/>
             </a:br>
@@ -17820,13 +18077,20 @@
     </p:spTree>
     <p:extLst>
       <p:ext uri="{BB962C8B-B14F-4D97-AF65-F5344CB8AC3E}">
-        <p14:creationId xmlns:p14="http://schemas.microsoft.com/office/powerpoint/2010/main" val="3002471670"/>
+        <p14:creationId xmlns:p14="http://schemas.microsoft.com/office/powerpoint/2010/main" xmlns="" val="3002471670"/>
       </p:ext>
     </p:extLst>
   </p:cSld>
   <p:clrMapOvr>
     <a:masterClrMapping/>
   </p:clrMapOvr>
+  <p:timing>
+    <p:tnLst>
+      <p:par>
+        <p:cTn id="1" dur="indefinite" restart="never" nodeType="tmRoot"/>
+      </p:par>
+    </p:tnLst>
+  </p:timing>
 </p:sld>
 </file>
 
@@ -17838,7 +18102,7 @@
         <p:cNvPr id="1" name="">
           <a:extLst>
             <a:ext uri="{FF2B5EF4-FFF2-40B4-BE49-F238E27FC236}">
-              <a16:creationId xmlns:a16="http://schemas.microsoft.com/office/drawing/2014/main" id="{7139B82A-D876-79BD-D559-707BFDC5D481}"/>
+              <a16:creationId xmlns:a16="http://schemas.microsoft.com/office/drawing/2014/main" xmlns="" id="{7139B82A-D876-79BD-D559-707BFDC5D481}"/>
             </a:ext>
           </a:extLst>
         </p:cNvPr>
@@ -17858,7 +18122,7 @@
           <p:cNvPr id="8" name="Title 1">
             <a:extLst>
               <a:ext uri="{FF2B5EF4-FFF2-40B4-BE49-F238E27FC236}">
-                <a16:creationId xmlns:a16="http://schemas.microsoft.com/office/drawing/2014/main" id="{4C8D5637-E45A-11BE-1BA4-F40373E8D014}"/>
+                <a16:creationId xmlns:a16="http://schemas.microsoft.com/office/drawing/2014/main" xmlns="" id="{4C8D5637-E45A-11BE-1BA4-F40373E8D014}"/>
               </a:ext>
             </a:extLst>
           </p:cNvPr>
@@ -17895,7 +18159,7 @@
           <p:cNvPr id="3" name="Content Placeholder 2">
             <a:extLst>
               <a:ext uri="{FF2B5EF4-FFF2-40B4-BE49-F238E27FC236}">
-                <a16:creationId xmlns:a16="http://schemas.microsoft.com/office/drawing/2014/main" id="{86EB63D1-C74F-75B0-CE48-A95AEA2A21A1}"/>
+                <a16:creationId xmlns:a16="http://schemas.microsoft.com/office/drawing/2014/main" xmlns="" id="{86EB63D1-C74F-75B0-CE48-A95AEA2A21A1}"/>
               </a:ext>
             </a:extLst>
           </p:cNvPr>
@@ -17956,7 +18220,7 @@
           <p:cNvPr id="5" name="Ribbon: Curved and Tilted Down 4">
             <a:extLst>
               <a:ext uri="{FF2B5EF4-FFF2-40B4-BE49-F238E27FC236}">
-                <a16:creationId xmlns:a16="http://schemas.microsoft.com/office/drawing/2014/main" id="{75419B56-A4AB-830D-A49F-7700EED8C0FA}"/>
+                <a16:creationId xmlns:a16="http://schemas.microsoft.com/office/drawing/2014/main" xmlns="" id="{75419B56-A4AB-830D-A49F-7700EED8C0FA}"/>
               </a:ext>
             </a:extLst>
           </p:cNvPr>
@@ -18029,7 +18293,7 @@
           <p:cNvPr id="10" name="Scroll: Vertical 9">
             <a:extLst>
               <a:ext uri="{FF2B5EF4-FFF2-40B4-BE49-F238E27FC236}">
-                <a16:creationId xmlns:a16="http://schemas.microsoft.com/office/drawing/2014/main" id="{CD6C5744-A805-1655-2B2A-4D4D0DD0695E}"/>
+                <a16:creationId xmlns:a16="http://schemas.microsoft.com/office/drawing/2014/main" xmlns="" id="{CD6C5744-A805-1655-2B2A-4D4D0DD0695E}"/>
               </a:ext>
             </a:extLst>
           </p:cNvPr>
@@ -18345,7 +18609,7 @@
     </p:spTree>
     <p:extLst>
       <p:ext uri="{BB962C8B-B14F-4D97-AF65-F5344CB8AC3E}">
-        <p14:creationId xmlns:p14="http://schemas.microsoft.com/office/powerpoint/2010/main" val="3157857213"/>
+        <p14:creationId xmlns:p14="http://schemas.microsoft.com/office/powerpoint/2010/main" xmlns="" val="3157857213"/>
       </p:ext>
     </p:extLst>
   </p:cSld>
@@ -18363,7 +18627,7 @@
         <p:cNvPr id="1" name="">
           <a:extLst>
             <a:ext uri="{FF2B5EF4-FFF2-40B4-BE49-F238E27FC236}">
-              <a16:creationId xmlns:a16="http://schemas.microsoft.com/office/drawing/2014/main" id="{53D929B9-0FF5-B5F7-0DB4-914C4F4A1BB2}"/>
+              <a16:creationId xmlns:a16="http://schemas.microsoft.com/office/drawing/2014/main" xmlns="" id="{53D929B9-0FF5-B5F7-0DB4-914C4F4A1BB2}"/>
             </a:ext>
           </a:extLst>
         </p:cNvPr>
@@ -18383,7 +18647,7 @@
           <p:cNvPr id="7" name="Title 1">
             <a:extLst>
               <a:ext uri="{FF2B5EF4-FFF2-40B4-BE49-F238E27FC236}">
-                <a16:creationId xmlns:a16="http://schemas.microsoft.com/office/drawing/2014/main" id="{2D810556-B3F2-D67B-C5C6-43963FC8DAE7}"/>
+                <a16:creationId xmlns:a16="http://schemas.microsoft.com/office/drawing/2014/main" xmlns="" id="{2D810556-B3F2-D67B-C5C6-43963FC8DAE7}"/>
               </a:ext>
             </a:extLst>
           </p:cNvPr>
@@ -18420,7 +18684,7 @@
           <p:cNvPr id="3" name="Content Placeholder 2">
             <a:extLst>
               <a:ext uri="{FF2B5EF4-FFF2-40B4-BE49-F238E27FC236}">
-                <a16:creationId xmlns:a16="http://schemas.microsoft.com/office/drawing/2014/main" id="{8F0952B2-F12D-991D-3EC9-9526D8EDED87}"/>
+                <a16:creationId xmlns:a16="http://schemas.microsoft.com/office/drawing/2014/main" xmlns="" id="{8F0952B2-F12D-991D-3EC9-9526D8EDED87}"/>
               </a:ext>
             </a:extLst>
           </p:cNvPr>
@@ -18495,7 +18759,7 @@
           <p:cNvPr id="8" name="Ribbon: Curved and Tilted Down 7">
             <a:extLst>
               <a:ext uri="{FF2B5EF4-FFF2-40B4-BE49-F238E27FC236}">
-                <a16:creationId xmlns:a16="http://schemas.microsoft.com/office/drawing/2014/main" id="{C9C1F804-0CF6-A2DC-646C-9B9441D8EBB0}"/>
+                <a16:creationId xmlns:a16="http://schemas.microsoft.com/office/drawing/2014/main" xmlns="" id="{C9C1F804-0CF6-A2DC-646C-9B9441D8EBB0}"/>
               </a:ext>
             </a:extLst>
           </p:cNvPr>
@@ -18568,7 +18832,7 @@
           <p:cNvPr id="9" name="Scroll: Vertical 8">
             <a:extLst>
               <a:ext uri="{FF2B5EF4-FFF2-40B4-BE49-F238E27FC236}">
-                <a16:creationId xmlns:a16="http://schemas.microsoft.com/office/drawing/2014/main" id="{94613FC4-1176-9125-467B-B6CE33BB59CD}"/>
+                <a16:creationId xmlns:a16="http://schemas.microsoft.com/office/drawing/2014/main" xmlns="" id="{94613FC4-1176-9125-467B-B6CE33BB59CD}"/>
               </a:ext>
             </a:extLst>
           </p:cNvPr>
@@ -18884,7 +19148,7 @@
     </p:spTree>
     <p:extLst>
       <p:ext uri="{BB962C8B-B14F-4D97-AF65-F5344CB8AC3E}">
-        <p14:creationId xmlns:p14="http://schemas.microsoft.com/office/powerpoint/2010/main" val="2302025808"/>
+        <p14:creationId xmlns:p14="http://schemas.microsoft.com/office/powerpoint/2010/main" xmlns="" val="2302025808"/>
       </p:ext>
     </p:extLst>
   </p:cSld>
@@ -18902,7 +19166,7 @@
         <p:cNvPr id="1" name="">
           <a:extLst>
             <a:ext uri="{FF2B5EF4-FFF2-40B4-BE49-F238E27FC236}">
-              <a16:creationId xmlns:a16="http://schemas.microsoft.com/office/drawing/2014/main" id="{744B94CD-0809-14B6-E79F-D0C06F89CA15}"/>
+              <a16:creationId xmlns:a16="http://schemas.microsoft.com/office/drawing/2014/main" xmlns="" id="{744B94CD-0809-14B6-E79F-D0C06F89CA15}"/>
             </a:ext>
           </a:extLst>
         </p:cNvPr>
@@ -18922,7 +19186,7 @@
           <p:cNvPr id="9" name="Title 8">
             <a:extLst>
               <a:ext uri="{FF2B5EF4-FFF2-40B4-BE49-F238E27FC236}">
-                <a16:creationId xmlns:a16="http://schemas.microsoft.com/office/drawing/2014/main" id="{F3A13225-B875-57E9-5CCB-88427D8711E0}"/>
+                <a16:creationId xmlns:a16="http://schemas.microsoft.com/office/drawing/2014/main" xmlns="" id="{F3A13225-B875-57E9-5CCB-88427D8711E0}"/>
               </a:ext>
             </a:extLst>
           </p:cNvPr>
@@ -18962,7 +19226,7 @@
           <p:cNvPr id="3" name="Content Placeholder 2">
             <a:extLst>
               <a:ext uri="{FF2B5EF4-FFF2-40B4-BE49-F238E27FC236}">
-                <a16:creationId xmlns:a16="http://schemas.microsoft.com/office/drawing/2014/main" id="{29D21329-5AAF-6358-9761-2C4901A09C8C}"/>
+                <a16:creationId xmlns:a16="http://schemas.microsoft.com/office/drawing/2014/main" xmlns="" id="{29D21329-5AAF-6358-9761-2C4901A09C8C}"/>
               </a:ext>
             </a:extLst>
           </p:cNvPr>
@@ -19009,7 +19273,7 @@
           <p:cNvPr id="5" name="Title 1">
             <a:extLst>
               <a:ext uri="{FF2B5EF4-FFF2-40B4-BE49-F238E27FC236}">
-                <a16:creationId xmlns:a16="http://schemas.microsoft.com/office/drawing/2014/main" id="{23B0E81A-A704-BABA-7779-F926A6BFCB35}"/>
+                <a16:creationId xmlns:a16="http://schemas.microsoft.com/office/drawing/2014/main" xmlns="" id="{23B0E81A-A704-BABA-7779-F926A6BFCB35}"/>
               </a:ext>
             </a:extLst>
           </p:cNvPr>
@@ -19117,7 +19381,7 @@
           <p:cNvPr id="10" name="Ribbon: Curved and Tilted Down 9">
             <a:extLst>
               <a:ext uri="{FF2B5EF4-FFF2-40B4-BE49-F238E27FC236}">
-                <a16:creationId xmlns:a16="http://schemas.microsoft.com/office/drawing/2014/main" id="{3DBA1B1D-2AF2-C619-7353-1037498CD788}"/>
+                <a16:creationId xmlns:a16="http://schemas.microsoft.com/office/drawing/2014/main" xmlns="" id="{3DBA1B1D-2AF2-C619-7353-1037498CD788}"/>
               </a:ext>
             </a:extLst>
           </p:cNvPr>
@@ -19190,7 +19454,7 @@
           <p:cNvPr id="11" name="Scroll: Vertical 10">
             <a:extLst>
               <a:ext uri="{FF2B5EF4-FFF2-40B4-BE49-F238E27FC236}">
-                <a16:creationId xmlns:a16="http://schemas.microsoft.com/office/drawing/2014/main" id="{BE18EA22-49FD-59C7-DB0C-3006A91F02E6}"/>
+                <a16:creationId xmlns:a16="http://schemas.microsoft.com/office/drawing/2014/main" xmlns="" id="{BE18EA22-49FD-59C7-DB0C-3006A91F02E6}"/>
               </a:ext>
             </a:extLst>
           </p:cNvPr>
@@ -19506,7 +19770,7 @@
     </p:spTree>
     <p:extLst>
       <p:ext uri="{BB962C8B-B14F-4D97-AF65-F5344CB8AC3E}">
-        <p14:creationId xmlns:p14="http://schemas.microsoft.com/office/powerpoint/2010/main" val="1090188544"/>
+        <p14:creationId xmlns:p14="http://schemas.microsoft.com/office/powerpoint/2010/main" xmlns="" val="1090188544"/>
       </p:ext>
     </p:extLst>
   </p:cSld>
@@ -19524,7 +19788,7 @@
         <p:cNvPr id="1" name="">
           <a:extLst>
             <a:ext uri="{FF2B5EF4-FFF2-40B4-BE49-F238E27FC236}">
-              <a16:creationId xmlns:a16="http://schemas.microsoft.com/office/drawing/2014/main" id="{DFFF01F8-A8CD-88AB-42C3-C2E632C5474A}"/>
+              <a16:creationId xmlns:a16="http://schemas.microsoft.com/office/drawing/2014/main" xmlns="" id="{DFFF01F8-A8CD-88AB-42C3-C2E632C5474A}"/>
             </a:ext>
           </a:extLst>
         </p:cNvPr>
@@ -19544,7 +19808,7 @@
           <p:cNvPr id="7" name="Title 8">
             <a:extLst>
               <a:ext uri="{FF2B5EF4-FFF2-40B4-BE49-F238E27FC236}">
-                <a16:creationId xmlns:a16="http://schemas.microsoft.com/office/drawing/2014/main" id="{2CFF87A5-7472-22DC-030C-A3CCBBC3E824}"/>
+                <a16:creationId xmlns:a16="http://schemas.microsoft.com/office/drawing/2014/main" xmlns="" id="{2CFF87A5-7472-22DC-030C-A3CCBBC3E824}"/>
               </a:ext>
             </a:extLst>
           </p:cNvPr>
@@ -19584,7 +19848,7 @@
           <p:cNvPr id="3" name="Content Placeholder 2">
             <a:extLst>
               <a:ext uri="{FF2B5EF4-FFF2-40B4-BE49-F238E27FC236}">
-                <a16:creationId xmlns:a16="http://schemas.microsoft.com/office/drawing/2014/main" id="{1702553A-B321-D7AA-C0CD-A58D1C15FC38}"/>
+                <a16:creationId xmlns:a16="http://schemas.microsoft.com/office/drawing/2014/main" xmlns="" id="{1702553A-B321-D7AA-C0CD-A58D1C15FC38}"/>
               </a:ext>
             </a:extLst>
           </p:cNvPr>
@@ -19657,7 +19921,7 @@
           <p:cNvPr id="8" name="Ribbon: Curved and Tilted Down 7">
             <a:extLst>
               <a:ext uri="{FF2B5EF4-FFF2-40B4-BE49-F238E27FC236}">
-                <a16:creationId xmlns:a16="http://schemas.microsoft.com/office/drawing/2014/main" id="{C52AE18F-E34C-AFB6-7EA6-F589DEF7B3D0}"/>
+                <a16:creationId xmlns:a16="http://schemas.microsoft.com/office/drawing/2014/main" xmlns="" id="{C52AE18F-E34C-AFB6-7EA6-F589DEF7B3D0}"/>
               </a:ext>
             </a:extLst>
           </p:cNvPr>
@@ -19730,7 +19994,7 @@
           <p:cNvPr id="9" name="Scroll: Vertical 8">
             <a:extLst>
               <a:ext uri="{FF2B5EF4-FFF2-40B4-BE49-F238E27FC236}">
-                <a16:creationId xmlns:a16="http://schemas.microsoft.com/office/drawing/2014/main" id="{18A95ECD-6D24-C669-0CF8-39F3FBCDDA47}"/>
+                <a16:creationId xmlns:a16="http://schemas.microsoft.com/office/drawing/2014/main" xmlns="" id="{18A95ECD-6D24-C669-0CF8-39F3FBCDDA47}"/>
               </a:ext>
             </a:extLst>
           </p:cNvPr>
@@ -20046,7 +20310,7 @@
     </p:spTree>
     <p:extLst>
       <p:ext uri="{BB962C8B-B14F-4D97-AF65-F5344CB8AC3E}">
-        <p14:creationId xmlns:p14="http://schemas.microsoft.com/office/powerpoint/2010/main" val="1870717373"/>
+        <p14:creationId xmlns:p14="http://schemas.microsoft.com/office/powerpoint/2010/main" xmlns="" val="1870717373"/>
       </p:ext>
     </p:extLst>
   </p:cSld>
@@ -20064,7 +20328,7 @@
         <p:cNvPr id="1" name="">
           <a:extLst>
             <a:ext uri="{FF2B5EF4-FFF2-40B4-BE49-F238E27FC236}">
-              <a16:creationId xmlns:a16="http://schemas.microsoft.com/office/drawing/2014/main" id="{D224F207-D856-6E6D-9995-159800F589CD}"/>
+              <a16:creationId xmlns:a16="http://schemas.microsoft.com/office/drawing/2014/main" xmlns="" id="{D224F207-D856-6E6D-9995-159800F589CD}"/>
             </a:ext>
           </a:extLst>
         </p:cNvPr>
@@ -20084,7 +20348,7 @@
           <p:cNvPr id="5" name="Title 8">
             <a:extLst>
               <a:ext uri="{FF2B5EF4-FFF2-40B4-BE49-F238E27FC236}">
-                <a16:creationId xmlns:a16="http://schemas.microsoft.com/office/drawing/2014/main" id="{2773E7F4-011C-1186-0E83-1852CC157898}"/>
+                <a16:creationId xmlns:a16="http://schemas.microsoft.com/office/drawing/2014/main" xmlns="" id="{2773E7F4-011C-1186-0E83-1852CC157898}"/>
               </a:ext>
             </a:extLst>
           </p:cNvPr>
@@ -20124,7 +20388,7 @@
           <p:cNvPr id="3" name="Content Placeholder 2">
             <a:extLst>
               <a:ext uri="{FF2B5EF4-FFF2-40B4-BE49-F238E27FC236}">
-                <a16:creationId xmlns:a16="http://schemas.microsoft.com/office/drawing/2014/main" id="{9466D7CB-A484-F4DC-1247-3B0F9708D05F}"/>
+                <a16:creationId xmlns:a16="http://schemas.microsoft.com/office/drawing/2014/main" xmlns="" id="{9466D7CB-A484-F4DC-1247-3B0F9708D05F}"/>
               </a:ext>
             </a:extLst>
           </p:cNvPr>
@@ -20171,7 +20435,7 @@
           <p:cNvPr id="6" name="Ribbon: Curved and Tilted Down 5">
             <a:extLst>
               <a:ext uri="{FF2B5EF4-FFF2-40B4-BE49-F238E27FC236}">
-                <a16:creationId xmlns:a16="http://schemas.microsoft.com/office/drawing/2014/main" id="{DA6F4F8F-5ABC-21EF-A2AB-B0F4B5058194}"/>
+                <a16:creationId xmlns:a16="http://schemas.microsoft.com/office/drawing/2014/main" xmlns="" id="{DA6F4F8F-5ABC-21EF-A2AB-B0F4B5058194}"/>
               </a:ext>
             </a:extLst>
           </p:cNvPr>
@@ -20244,7 +20508,7 @@
           <p:cNvPr id="7" name="Scroll: Vertical 6">
             <a:extLst>
               <a:ext uri="{FF2B5EF4-FFF2-40B4-BE49-F238E27FC236}">
-                <a16:creationId xmlns:a16="http://schemas.microsoft.com/office/drawing/2014/main" id="{694A0A23-21B4-6D65-E96A-AD1A0AC04FCC}"/>
+                <a16:creationId xmlns:a16="http://schemas.microsoft.com/office/drawing/2014/main" xmlns="" id="{694A0A23-21B4-6D65-E96A-AD1A0AC04FCC}"/>
               </a:ext>
             </a:extLst>
           </p:cNvPr>
@@ -20560,7 +20824,7 @@
     </p:spTree>
     <p:extLst>
       <p:ext uri="{BB962C8B-B14F-4D97-AF65-F5344CB8AC3E}">
-        <p14:creationId xmlns:p14="http://schemas.microsoft.com/office/powerpoint/2010/main" val="755787835"/>
+        <p14:creationId xmlns:p14="http://schemas.microsoft.com/office/powerpoint/2010/main" xmlns="" val="755787835"/>
       </p:ext>
     </p:extLst>
   </p:cSld>
@@ -20578,7 +20842,7 @@
         <p:cNvPr id="1" name="">
           <a:extLst>
             <a:ext uri="{FF2B5EF4-FFF2-40B4-BE49-F238E27FC236}">
-              <a16:creationId xmlns:a16="http://schemas.microsoft.com/office/drawing/2014/main" id="{517DE5E6-801F-A2FD-C03F-6F5486821075}"/>
+              <a16:creationId xmlns:a16="http://schemas.microsoft.com/office/drawing/2014/main" xmlns="" id="{517DE5E6-801F-A2FD-C03F-6F5486821075}"/>
             </a:ext>
           </a:extLst>
         </p:cNvPr>
@@ -20598,7 +20862,7 @@
           <p:cNvPr id="2" name="Title 1">
             <a:extLst>
               <a:ext uri="{FF2B5EF4-FFF2-40B4-BE49-F238E27FC236}">
-                <a16:creationId xmlns:a16="http://schemas.microsoft.com/office/drawing/2014/main" id="{5F9D859A-CC6B-038D-5AE0-901278C3F6CE}"/>
+                <a16:creationId xmlns:a16="http://schemas.microsoft.com/office/drawing/2014/main" xmlns="" id="{5F9D859A-CC6B-038D-5AE0-901278C3F6CE}"/>
               </a:ext>
             </a:extLst>
           </p:cNvPr>
@@ -20636,7 +20900,7 @@
           <p:cNvPr id="3" name="Content Placeholder 2">
             <a:extLst>
               <a:ext uri="{FF2B5EF4-FFF2-40B4-BE49-F238E27FC236}">
-                <a16:creationId xmlns:a16="http://schemas.microsoft.com/office/drawing/2014/main" id="{E5BE3A65-ADA6-AEAF-69B6-B9779A59851F}"/>
+                <a16:creationId xmlns:a16="http://schemas.microsoft.com/office/drawing/2014/main" xmlns="" id="{E5BE3A65-ADA6-AEAF-69B6-B9779A59851F}"/>
               </a:ext>
             </a:extLst>
           </p:cNvPr>
@@ -20677,7 +20941,7 @@
           <p:cNvPr id="6" name="Ribbon: Curved and Tilted Down 5">
             <a:extLst>
               <a:ext uri="{FF2B5EF4-FFF2-40B4-BE49-F238E27FC236}">
-                <a16:creationId xmlns:a16="http://schemas.microsoft.com/office/drawing/2014/main" id="{571A9BAF-7164-4534-E0BD-EE0EDF7090A3}"/>
+                <a16:creationId xmlns:a16="http://schemas.microsoft.com/office/drawing/2014/main" xmlns="" id="{571A9BAF-7164-4534-E0BD-EE0EDF7090A3}"/>
               </a:ext>
             </a:extLst>
           </p:cNvPr>
@@ -20750,7 +21014,7 @@
           <p:cNvPr id="7" name="Scroll: Vertical 6">
             <a:extLst>
               <a:ext uri="{FF2B5EF4-FFF2-40B4-BE49-F238E27FC236}">
-                <a16:creationId xmlns:a16="http://schemas.microsoft.com/office/drawing/2014/main" id="{82B3A4DF-1DDB-DA3D-C01E-CA4956EC89D7}"/>
+                <a16:creationId xmlns:a16="http://schemas.microsoft.com/office/drawing/2014/main" xmlns="" id="{82B3A4DF-1DDB-DA3D-C01E-CA4956EC89D7}"/>
               </a:ext>
             </a:extLst>
           </p:cNvPr>
@@ -21066,7 +21330,7 @@
     </p:spTree>
     <p:extLst>
       <p:ext uri="{BB962C8B-B14F-4D97-AF65-F5344CB8AC3E}">
-        <p14:creationId xmlns:p14="http://schemas.microsoft.com/office/powerpoint/2010/main" val="3160480842"/>
+        <p14:creationId xmlns:p14="http://schemas.microsoft.com/office/powerpoint/2010/main" xmlns="" val="3160480842"/>
       </p:ext>
     </p:extLst>
   </p:cSld>
@@ -21327,7 +21591,7 @@
   <a:extraClrSchemeLst/>
   <a:extLst>
     <a:ext uri="{05A4C25C-085E-4340-85A3-A5531E510DB2}">
-      <thm15:themeFamily xmlns:thm15="http://schemas.microsoft.com/office/thememl/2012/main" name="Facet" id="{C0C680CD-088A-49FC-A102-D699147F32B2}" vid="{8C59B386-999D-4CB6-B907-9F3997C027CC}"/>
+      <thm15:themeFamily xmlns:thm15="http://schemas.microsoft.com/office/thememl/2012/main" xmlns="" name="Facet" id="{C0C680CD-088A-49FC-A102-D699147F32B2}" vid="{8C59B386-999D-4CB6-B907-9F3997C027CC}"/>
     </a:ext>
   </a:extLst>
 </a:theme>

--- a/Javascript Tutorials.pptx
+++ b/Javascript Tutorials.pptx
@@ -4,6 +4,9 @@
   <p:sldMasterIdLst>
     <p:sldMasterId id="2147483686" r:id="rId1"/>
   </p:sldMasterIdLst>
+  <p:notesMasterIdLst>
+    <p:notesMasterId r:id="rId37"/>
+  </p:notesMasterIdLst>
   <p:sldIdLst>
     <p:sldId id="256" r:id="rId2"/>
     <p:sldId id="257" r:id="rId3"/>
@@ -35,6 +38,11 @@
     <p:sldId id="283" r:id="rId29"/>
     <p:sldId id="284" r:id="rId30"/>
     <p:sldId id="285" r:id="rId31"/>
+    <p:sldId id="289" r:id="rId32"/>
+    <p:sldId id="290" r:id="rId33"/>
+    <p:sldId id="291" r:id="rId34"/>
+    <p:sldId id="292" r:id="rId35"/>
+    <p:sldId id="293" r:id="rId36"/>
   </p:sldIdLst>
   <p:sldSz cx="12192000" cy="6858000"/>
   <p:notesSz cx="6858000" cy="9144000"/>
@@ -150,6 +158,677 @@
     </p:ext>
   </p:extLst>
 </p:presentation>
+</file>
+
+<file path=ppt/notesMasters/notesMaster1.xml><?xml version="1.0" encoding="utf-8"?>
+<p:notesMaster xmlns:a="http://schemas.openxmlformats.org/drawingml/2006/main" xmlns:r="http://schemas.openxmlformats.org/officeDocument/2006/relationships" xmlns:p="http://schemas.openxmlformats.org/presentationml/2006/main">
+  <p:cSld>
+    <p:bg>
+      <p:bgRef idx="1001">
+        <a:schemeClr val="bg1"/>
+      </p:bgRef>
+    </p:bg>
+    <p:spTree>
+      <p:nvGrpSpPr>
+        <p:cNvPr id="1" name=""/>
+        <p:cNvGrpSpPr/>
+        <p:nvPr/>
+      </p:nvGrpSpPr>
+      <p:grpSpPr>
+        <a:xfrm>
+          <a:off x="0" y="0"/>
+          <a:ext cx="0" cy="0"/>
+          <a:chOff x="0" y="0"/>
+          <a:chExt cx="0" cy="0"/>
+        </a:xfrm>
+      </p:grpSpPr>
+      <p:sp>
+        <p:nvSpPr>
+          <p:cNvPr id="2" name="Header Placeholder 1"/>
+          <p:cNvSpPr>
+            <a:spLocks noGrp="1"/>
+          </p:cNvSpPr>
+          <p:nvPr>
+            <p:ph type="hdr" sz="quarter"/>
+          </p:nvPr>
+        </p:nvSpPr>
+        <p:spPr>
+          <a:xfrm>
+            <a:off x="0" y="0"/>
+            <a:ext cx="2971800" cy="457200"/>
+          </a:xfrm>
+          <a:prstGeom prst="rect">
+            <a:avLst/>
+          </a:prstGeom>
+        </p:spPr>
+        <p:txBody>
+          <a:bodyPr vert="horz" lIns="91440" tIns="45720" rIns="91440" bIns="45720" rtlCol="0"/>
+          <a:lstStyle>
+            <a:lvl1pPr algn="l">
+              <a:defRPr sz="1200"/>
+            </a:lvl1pPr>
+          </a:lstStyle>
+          <a:p>
+            <a:endParaRPr lang="en-US"/>
+          </a:p>
+        </p:txBody>
+      </p:sp>
+      <p:sp>
+        <p:nvSpPr>
+          <p:cNvPr id="3" name="Date Placeholder 2"/>
+          <p:cNvSpPr>
+            <a:spLocks noGrp="1"/>
+          </p:cNvSpPr>
+          <p:nvPr>
+            <p:ph type="dt" idx="1"/>
+          </p:nvPr>
+        </p:nvSpPr>
+        <p:spPr>
+          <a:xfrm>
+            <a:off x="3884613" y="0"/>
+            <a:ext cx="2971800" cy="457200"/>
+          </a:xfrm>
+          <a:prstGeom prst="rect">
+            <a:avLst/>
+          </a:prstGeom>
+        </p:spPr>
+        <p:txBody>
+          <a:bodyPr vert="horz" lIns="91440" tIns="45720" rIns="91440" bIns="45720" rtlCol="0"/>
+          <a:lstStyle>
+            <a:lvl1pPr algn="r">
+              <a:defRPr sz="1200"/>
+            </a:lvl1pPr>
+          </a:lstStyle>
+          <a:p>
+            <a:fld id="{792F6C33-F1A2-419B-BA2F-6679E9D9EF00}" type="datetimeFigureOut">
+              <a:rPr lang="en-US" smtClean="0"/>
+              <a:t>9/12/2025</a:t>
+            </a:fld>
+            <a:endParaRPr lang="en-US"/>
+          </a:p>
+        </p:txBody>
+      </p:sp>
+      <p:sp>
+        <p:nvSpPr>
+          <p:cNvPr id="4" name="Slide Image Placeholder 3"/>
+          <p:cNvSpPr>
+            <a:spLocks noGrp="1" noRot="1" noChangeAspect="1"/>
+          </p:cNvSpPr>
+          <p:nvPr>
+            <p:ph type="sldImg" idx="2"/>
+          </p:nvPr>
+        </p:nvSpPr>
+        <p:spPr>
+          <a:xfrm>
+            <a:off x="381000" y="685800"/>
+            <a:ext cx="6096000" cy="3429000"/>
+          </a:xfrm>
+          <a:prstGeom prst="rect">
+            <a:avLst/>
+          </a:prstGeom>
+          <a:noFill/>
+          <a:ln w="12700">
+            <a:solidFill>
+              <a:prstClr val="black"/>
+            </a:solidFill>
+          </a:ln>
+        </p:spPr>
+        <p:txBody>
+          <a:bodyPr vert="horz" lIns="91440" tIns="45720" rIns="91440" bIns="45720" rtlCol="0" anchor="ctr"/>
+          <a:lstStyle/>
+          <a:p>
+            <a:endParaRPr lang="en-US"/>
+          </a:p>
+        </p:txBody>
+      </p:sp>
+      <p:sp>
+        <p:nvSpPr>
+          <p:cNvPr id="5" name="Notes Placeholder 4"/>
+          <p:cNvSpPr>
+            <a:spLocks noGrp="1"/>
+          </p:cNvSpPr>
+          <p:nvPr>
+            <p:ph type="body" sz="quarter" idx="3"/>
+          </p:nvPr>
+        </p:nvSpPr>
+        <p:spPr>
+          <a:xfrm>
+            <a:off x="685800" y="4343400"/>
+            <a:ext cx="5486400" cy="4114800"/>
+          </a:xfrm>
+          <a:prstGeom prst="rect">
+            <a:avLst/>
+          </a:prstGeom>
+        </p:spPr>
+        <p:txBody>
+          <a:bodyPr vert="horz" lIns="91440" tIns="45720" rIns="91440" bIns="45720" rtlCol="0">
+            <a:normAutofit/>
+          </a:bodyPr>
+          <a:lstStyle/>
+          <a:p>
+            <a:pPr lvl="0"/>
+            <a:r>
+              <a:rPr lang="en-US" smtClean="0"/>
+              <a:t>Click to edit Master text styles</a:t>
+            </a:r>
+          </a:p>
+          <a:p>
+            <a:pPr lvl="1"/>
+            <a:r>
+              <a:rPr lang="en-US" smtClean="0"/>
+              <a:t>Second level</a:t>
+            </a:r>
+          </a:p>
+          <a:p>
+            <a:pPr lvl="2"/>
+            <a:r>
+              <a:rPr lang="en-US" smtClean="0"/>
+              <a:t>Third level</a:t>
+            </a:r>
+          </a:p>
+          <a:p>
+            <a:pPr lvl="3"/>
+            <a:r>
+              <a:rPr lang="en-US" smtClean="0"/>
+              <a:t>Fourth level</a:t>
+            </a:r>
+          </a:p>
+          <a:p>
+            <a:pPr lvl="4"/>
+            <a:r>
+              <a:rPr lang="en-US" smtClean="0"/>
+              <a:t>Fifth level</a:t>
+            </a:r>
+            <a:endParaRPr lang="en-US"/>
+          </a:p>
+        </p:txBody>
+      </p:sp>
+      <p:sp>
+        <p:nvSpPr>
+          <p:cNvPr id="6" name="Footer Placeholder 5"/>
+          <p:cNvSpPr>
+            <a:spLocks noGrp="1"/>
+          </p:cNvSpPr>
+          <p:nvPr>
+            <p:ph type="ftr" sz="quarter" idx="4"/>
+          </p:nvPr>
+        </p:nvSpPr>
+        <p:spPr>
+          <a:xfrm>
+            <a:off x="0" y="8685213"/>
+            <a:ext cx="2971800" cy="457200"/>
+          </a:xfrm>
+          <a:prstGeom prst="rect">
+            <a:avLst/>
+          </a:prstGeom>
+        </p:spPr>
+        <p:txBody>
+          <a:bodyPr vert="horz" lIns="91440" tIns="45720" rIns="91440" bIns="45720" rtlCol="0" anchor="b"/>
+          <a:lstStyle>
+            <a:lvl1pPr algn="l">
+              <a:defRPr sz="1200"/>
+            </a:lvl1pPr>
+          </a:lstStyle>
+          <a:p>
+            <a:endParaRPr lang="en-US"/>
+          </a:p>
+        </p:txBody>
+      </p:sp>
+      <p:sp>
+        <p:nvSpPr>
+          <p:cNvPr id="7" name="Slide Number Placeholder 6"/>
+          <p:cNvSpPr>
+            <a:spLocks noGrp="1"/>
+          </p:cNvSpPr>
+          <p:nvPr>
+            <p:ph type="sldNum" sz="quarter" idx="5"/>
+          </p:nvPr>
+        </p:nvSpPr>
+        <p:spPr>
+          <a:xfrm>
+            <a:off x="3884613" y="8685213"/>
+            <a:ext cx="2971800" cy="457200"/>
+          </a:xfrm>
+          <a:prstGeom prst="rect">
+            <a:avLst/>
+          </a:prstGeom>
+        </p:spPr>
+        <p:txBody>
+          <a:bodyPr vert="horz" lIns="91440" tIns="45720" rIns="91440" bIns="45720" rtlCol="0" anchor="b"/>
+          <a:lstStyle>
+            <a:lvl1pPr algn="r">
+              <a:defRPr sz="1200"/>
+            </a:lvl1pPr>
+          </a:lstStyle>
+          <a:p>
+            <a:fld id="{319BE468-75AD-472B-90AC-B0CB707E0D7A}" type="slidenum">
+              <a:rPr lang="en-US" smtClean="0"/>
+              <a:t>‹#›</a:t>
+            </a:fld>
+            <a:endParaRPr lang="en-US"/>
+          </a:p>
+        </p:txBody>
+      </p:sp>
+    </p:spTree>
+  </p:cSld>
+  <p:clrMap bg1="lt1" tx1="dk1" bg2="lt2" tx2="dk2" accent1="accent1" accent2="accent2" accent3="accent3" accent4="accent4" accent5="accent5" accent6="accent6" hlink="hlink" folHlink="folHlink"/>
+  <p:notesStyle>
+    <a:lvl1pPr marL="0" algn="l" defTabSz="914400" rtl="0" eaLnBrk="1" latinLnBrk="0" hangingPunct="1">
+      <a:defRPr sz="1200" kern="1200">
+        <a:solidFill>
+          <a:schemeClr val="tx1"/>
+        </a:solidFill>
+        <a:latin typeface="+mn-lt"/>
+        <a:ea typeface="+mn-ea"/>
+        <a:cs typeface="+mn-cs"/>
+      </a:defRPr>
+    </a:lvl1pPr>
+    <a:lvl2pPr marL="457200" algn="l" defTabSz="914400" rtl="0" eaLnBrk="1" latinLnBrk="0" hangingPunct="1">
+      <a:defRPr sz="1200" kern="1200">
+        <a:solidFill>
+          <a:schemeClr val="tx1"/>
+        </a:solidFill>
+        <a:latin typeface="+mn-lt"/>
+        <a:ea typeface="+mn-ea"/>
+        <a:cs typeface="+mn-cs"/>
+      </a:defRPr>
+    </a:lvl2pPr>
+    <a:lvl3pPr marL="914400" algn="l" defTabSz="914400" rtl="0" eaLnBrk="1" latinLnBrk="0" hangingPunct="1">
+      <a:defRPr sz="1200" kern="1200">
+        <a:solidFill>
+          <a:schemeClr val="tx1"/>
+        </a:solidFill>
+        <a:latin typeface="+mn-lt"/>
+        <a:ea typeface="+mn-ea"/>
+        <a:cs typeface="+mn-cs"/>
+      </a:defRPr>
+    </a:lvl3pPr>
+    <a:lvl4pPr marL="1371600" algn="l" defTabSz="914400" rtl="0" eaLnBrk="1" latinLnBrk="0" hangingPunct="1">
+      <a:defRPr sz="1200" kern="1200">
+        <a:solidFill>
+          <a:schemeClr val="tx1"/>
+        </a:solidFill>
+        <a:latin typeface="+mn-lt"/>
+        <a:ea typeface="+mn-ea"/>
+        <a:cs typeface="+mn-cs"/>
+      </a:defRPr>
+    </a:lvl4pPr>
+    <a:lvl5pPr marL="1828800" algn="l" defTabSz="914400" rtl="0" eaLnBrk="1" latinLnBrk="0" hangingPunct="1">
+      <a:defRPr sz="1200" kern="1200">
+        <a:solidFill>
+          <a:schemeClr val="tx1"/>
+        </a:solidFill>
+        <a:latin typeface="+mn-lt"/>
+        <a:ea typeface="+mn-ea"/>
+        <a:cs typeface="+mn-cs"/>
+      </a:defRPr>
+    </a:lvl5pPr>
+    <a:lvl6pPr marL="2286000" algn="l" defTabSz="914400" rtl="0" eaLnBrk="1" latinLnBrk="0" hangingPunct="1">
+      <a:defRPr sz="1200" kern="1200">
+        <a:solidFill>
+          <a:schemeClr val="tx1"/>
+        </a:solidFill>
+        <a:latin typeface="+mn-lt"/>
+        <a:ea typeface="+mn-ea"/>
+        <a:cs typeface="+mn-cs"/>
+      </a:defRPr>
+    </a:lvl6pPr>
+    <a:lvl7pPr marL="2743200" algn="l" defTabSz="914400" rtl="0" eaLnBrk="1" latinLnBrk="0" hangingPunct="1">
+      <a:defRPr sz="1200" kern="1200">
+        <a:solidFill>
+          <a:schemeClr val="tx1"/>
+        </a:solidFill>
+        <a:latin typeface="+mn-lt"/>
+        <a:ea typeface="+mn-ea"/>
+        <a:cs typeface="+mn-cs"/>
+      </a:defRPr>
+    </a:lvl7pPr>
+    <a:lvl8pPr marL="3200400" algn="l" defTabSz="914400" rtl="0" eaLnBrk="1" latinLnBrk="0" hangingPunct="1">
+      <a:defRPr sz="1200" kern="1200">
+        <a:solidFill>
+          <a:schemeClr val="tx1"/>
+        </a:solidFill>
+        <a:latin typeface="+mn-lt"/>
+        <a:ea typeface="+mn-ea"/>
+        <a:cs typeface="+mn-cs"/>
+      </a:defRPr>
+    </a:lvl8pPr>
+    <a:lvl9pPr marL="3657600" algn="l" defTabSz="914400" rtl="0" eaLnBrk="1" latinLnBrk="0" hangingPunct="1">
+      <a:defRPr sz="1200" kern="1200">
+        <a:solidFill>
+          <a:schemeClr val="tx1"/>
+        </a:solidFill>
+        <a:latin typeface="+mn-lt"/>
+        <a:ea typeface="+mn-ea"/>
+        <a:cs typeface="+mn-cs"/>
+      </a:defRPr>
+    </a:lvl9pPr>
+  </p:notesStyle>
+</p:notesMaster>
+</file>
+
+<file path=ppt/notesSlides/notesSlide1.xml><?xml version="1.0" encoding="utf-8"?>
+<p:notes xmlns:a="http://schemas.openxmlformats.org/drawingml/2006/main" xmlns:r="http://schemas.openxmlformats.org/officeDocument/2006/relationships" xmlns:p="http://schemas.openxmlformats.org/presentationml/2006/main">
+  <p:cSld>
+    <p:spTree>
+      <p:nvGrpSpPr>
+        <p:cNvPr id="1" name=""/>
+        <p:cNvGrpSpPr/>
+        <p:nvPr/>
+      </p:nvGrpSpPr>
+      <p:grpSpPr>
+        <a:xfrm>
+          <a:off x="0" y="0"/>
+          <a:ext cx="0" cy="0"/>
+          <a:chOff x="0" y="0"/>
+          <a:chExt cx="0" cy="0"/>
+        </a:xfrm>
+      </p:grpSpPr>
+      <p:sp>
+        <p:nvSpPr>
+          <p:cNvPr id="2" name="Slide Image Placeholder 1"/>
+          <p:cNvSpPr>
+            <a:spLocks noGrp="1" noRot="1" noChangeAspect="1"/>
+          </p:cNvSpPr>
+          <p:nvPr>
+            <p:ph type="sldImg"/>
+          </p:nvPr>
+        </p:nvSpPr>
+        <p:spPr/>
+      </p:sp>
+      <p:sp>
+        <p:nvSpPr>
+          <p:cNvPr id="3" name="Notes Placeholder 2"/>
+          <p:cNvSpPr>
+            <a:spLocks noGrp="1"/>
+          </p:cNvSpPr>
+          <p:nvPr>
+            <p:ph type="body" idx="1"/>
+          </p:nvPr>
+        </p:nvSpPr>
+        <p:spPr/>
+        <p:txBody>
+          <a:bodyPr>
+            <a:normAutofit/>
+          </a:bodyPr>
+          <a:lstStyle/>
+          <a:p>
+            <a:endParaRPr lang="en-US" dirty="0"/>
+          </a:p>
+        </p:txBody>
+      </p:sp>
+      <p:sp>
+        <p:nvSpPr>
+          <p:cNvPr id="4" name="Slide Number Placeholder 3"/>
+          <p:cNvSpPr>
+            <a:spLocks noGrp="1"/>
+          </p:cNvSpPr>
+          <p:nvPr>
+            <p:ph type="sldNum" sz="quarter" idx="10"/>
+          </p:nvPr>
+        </p:nvSpPr>
+        <p:spPr/>
+        <p:txBody>
+          <a:bodyPr/>
+          <a:lstStyle/>
+          <a:p>
+            <a:fld id="{319BE468-75AD-472B-90AC-B0CB707E0D7A}" type="slidenum">
+              <a:rPr lang="en-US" smtClean="0"/>
+              <a:t>32</a:t>
+            </a:fld>
+            <a:endParaRPr lang="en-US"/>
+          </a:p>
+        </p:txBody>
+      </p:sp>
+    </p:spTree>
+  </p:cSld>
+  <p:clrMapOvr>
+    <a:masterClrMapping/>
+  </p:clrMapOvr>
+</p:notes>
+</file>
+
+<file path=ppt/notesSlides/notesSlide2.xml><?xml version="1.0" encoding="utf-8"?>
+<p:notes xmlns:a="http://schemas.openxmlformats.org/drawingml/2006/main" xmlns:r="http://schemas.openxmlformats.org/officeDocument/2006/relationships" xmlns:p="http://schemas.openxmlformats.org/presentationml/2006/main">
+  <p:cSld>
+    <p:spTree>
+      <p:nvGrpSpPr>
+        <p:cNvPr id="1" name=""/>
+        <p:cNvGrpSpPr/>
+        <p:nvPr/>
+      </p:nvGrpSpPr>
+      <p:grpSpPr>
+        <a:xfrm>
+          <a:off x="0" y="0"/>
+          <a:ext cx="0" cy="0"/>
+          <a:chOff x="0" y="0"/>
+          <a:chExt cx="0" cy="0"/>
+        </a:xfrm>
+      </p:grpSpPr>
+      <p:sp>
+        <p:nvSpPr>
+          <p:cNvPr id="2" name="Slide Image Placeholder 1"/>
+          <p:cNvSpPr>
+            <a:spLocks noGrp="1" noRot="1" noChangeAspect="1"/>
+          </p:cNvSpPr>
+          <p:nvPr>
+            <p:ph type="sldImg"/>
+          </p:nvPr>
+        </p:nvSpPr>
+        <p:spPr/>
+      </p:sp>
+      <p:sp>
+        <p:nvSpPr>
+          <p:cNvPr id="3" name="Notes Placeholder 2"/>
+          <p:cNvSpPr>
+            <a:spLocks noGrp="1"/>
+          </p:cNvSpPr>
+          <p:nvPr>
+            <p:ph type="body" idx="1"/>
+          </p:nvPr>
+        </p:nvSpPr>
+        <p:spPr/>
+        <p:txBody>
+          <a:bodyPr>
+            <a:normAutofit/>
+          </a:bodyPr>
+          <a:lstStyle/>
+          <a:p>
+            <a:endParaRPr lang="en-US" dirty="0"/>
+          </a:p>
+        </p:txBody>
+      </p:sp>
+      <p:sp>
+        <p:nvSpPr>
+          <p:cNvPr id="4" name="Slide Number Placeholder 3"/>
+          <p:cNvSpPr>
+            <a:spLocks noGrp="1"/>
+          </p:cNvSpPr>
+          <p:nvPr>
+            <p:ph type="sldNum" sz="quarter" idx="10"/>
+          </p:nvPr>
+        </p:nvSpPr>
+        <p:spPr/>
+        <p:txBody>
+          <a:bodyPr/>
+          <a:lstStyle/>
+          <a:p>
+            <a:fld id="{319BE468-75AD-472B-90AC-B0CB707E0D7A}" type="slidenum">
+              <a:rPr lang="en-US" smtClean="0"/>
+              <a:t>33</a:t>
+            </a:fld>
+            <a:endParaRPr lang="en-US"/>
+          </a:p>
+        </p:txBody>
+      </p:sp>
+    </p:spTree>
+  </p:cSld>
+  <p:clrMapOvr>
+    <a:masterClrMapping/>
+  </p:clrMapOvr>
+</p:notes>
+</file>
+
+<file path=ppt/notesSlides/notesSlide3.xml><?xml version="1.0" encoding="utf-8"?>
+<p:notes xmlns:a="http://schemas.openxmlformats.org/drawingml/2006/main" xmlns:r="http://schemas.openxmlformats.org/officeDocument/2006/relationships" xmlns:p="http://schemas.openxmlformats.org/presentationml/2006/main">
+  <p:cSld>
+    <p:spTree>
+      <p:nvGrpSpPr>
+        <p:cNvPr id="1" name=""/>
+        <p:cNvGrpSpPr/>
+        <p:nvPr/>
+      </p:nvGrpSpPr>
+      <p:grpSpPr>
+        <a:xfrm>
+          <a:off x="0" y="0"/>
+          <a:ext cx="0" cy="0"/>
+          <a:chOff x="0" y="0"/>
+          <a:chExt cx="0" cy="0"/>
+        </a:xfrm>
+      </p:grpSpPr>
+      <p:sp>
+        <p:nvSpPr>
+          <p:cNvPr id="2" name="Slide Image Placeholder 1"/>
+          <p:cNvSpPr>
+            <a:spLocks noGrp="1" noRot="1" noChangeAspect="1"/>
+          </p:cNvSpPr>
+          <p:nvPr>
+            <p:ph type="sldImg"/>
+          </p:nvPr>
+        </p:nvSpPr>
+        <p:spPr/>
+      </p:sp>
+      <p:sp>
+        <p:nvSpPr>
+          <p:cNvPr id="3" name="Notes Placeholder 2"/>
+          <p:cNvSpPr>
+            <a:spLocks noGrp="1"/>
+          </p:cNvSpPr>
+          <p:nvPr>
+            <p:ph type="body" idx="1"/>
+          </p:nvPr>
+        </p:nvSpPr>
+        <p:spPr/>
+        <p:txBody>
+          <a:bodyPr>
+            <a:normAutofit/>
+          </a:bodyPr>
+          <a:lstStyle/>
+          <a:p>
+            <a:endParaRPr lang="en-US" dirty="0"/>
+          </a:p>
+        </p:txBody>
+      </p:sp>
+      <p:sp>
+        <p:nvSpPr>
+          <p:cNvPr id="4" name="Slide Number Placeholder 3"/>
+          <p:cNvSpPr>
+            <a:spLocks noGrp="1"/>
+          </p:cNvSpPr>
+          <p:nvPr>
+            <p:ph type="sldNum" sz="quarter" idx="10"/>
+          </p:nvPr>
+        </p:nvSpPr>
+        <p:spPr/>
+        <p:txBody>
+          <a:bodyPr/>
+          <a:lstStyle/>
+          <a:p>
+            <a:fld id="{319BE468-75AD-472B-90AC-B0CB707E0D7A}" type="slidenum">
+              <a:rPr lang="en-US" smtClean="0"/>
+              <a:t>34</a:t>
+            </a:fld>
+            <a:endParaRPr lang="en-US"/>
+          </a:p>
+        </p:txBody>
+      </p:sp>
+    </p:spTree>
+  </p:cSld>
+  <p:clrMapOvr>
+    <a:masterClrMapping/>
+  </p:clrMapOvr>
+</p:notes>
+</file>
+
+<file path=ppt/notesSlides/notesSlide4.xml><?xml version="1.0" encoding="utf-8"?>
+<p:notes xmlns:a="http://schemas.openxmlformats.org/drawingml/2006/main" xmlns:r="http://schemas.openxmlformats.org/officeDocument/2006/relationships" xmlns:p="http://schemas.openxmlformats.org/presentationml/2006/main">
+  <p:cSld>
+    <p:spTree>
+      <p:nvGrpSpPr>
+        <p:cNvPr id="1" name=""/>
+        <p:cNvGrpSpPr/>
+        <p:nvPr/>
+      </p:nvGrpSpPr>
+      <p:grpSpPr>
+        <a:xfrm>
+          <a:off x="0" y="0"/>
+          <a:ext cx="0" cy="0"/>
+          <a:chOff x="0" y="0"/>
+          <a:chExt cx="0" cy="0"/>
+        </a:xfrm>
+      </p:grpSpPr>
+      <p:sp>
+        <p:nvSpPr>
+          <p:cNvPr id="2" name="Slide Image Placeholder 1"/>
+          <p:cNvSpPr>
+            <a:spLocks noGrp="1" noRot="1" noChangeAspect="1"/>
+          </p:cNvSpPr>
+          <p:nvPr>
+            <p:ph type="sldImg"/>
+          </p:nvPr>
+        </p:nvSpPr>
+        <p:spPr/>
+      </p:sp>
+      <p:sp>
+        <p:nvSpPr>
+          <p:cNvPr id="3" name="Notes Placeholder 2"/>
+          <p:cNvSpPr>
+            <a:spLocks noGrp="1"/>
+          </p:cNvSpPr>
+          <p:nvPr>
+            <p:ph type="body" idx="1"/>
+          </p:nvPr>
+        </p:nvSpPr>
+        <p:spPr/>
+        <p:txBody>
+          <a:bodyPr>
+            <a:normAutofit/>
+          </a:bodyPr>
+          <a:lstStyle/>
+          <a:p>
+            <a:endParaRPr lang="en-US" dirty="0"/>
+          </a:p>
+        </p:txBody>
+      </p:sp>
+      <p:sp>
+        <p:nvSpPr>
+          <p:cNvPr id="4" name="Slide Number Placeholder 3"/>
+          <p:cNvSpPr>
+            <a:spLocks noGrp="1"/>
+          </p:cNvSpPr>
+          <p:nvPr>
+            <p:ph type="sldNum" sz="quarter" idx="10"/>
+          </p:nvPr>
+        </p:nvSpPr>
+        <p:spPr/>
+        <p:txBody>
+          <a:bodyPr/>
+          <a:lstStyle/>
+          <a:p>
+            <a:fld id="{319BE468-75AD-472B-90AC-B0CB707E0D7A}" type="slidenum">
+              <a:rPr lang="en-US" smtClean="0"/>
+              <a:t>35</a:t>
+            </a:fld>
+            <a:endParaRPr lang="en-US"/>
+          </a:p>
+        </p:txBody>
+      </p:sp>
+    </p:spTree>
+  </p:cSld>
+  <p:clrMapOvr>
+    <a:masterClrMapping/>
+  </p:clrMapOvr>
+</p:notes>
 </file>
 
 <file path=ppt/slideLayouts/slideLayout1.xml><?xml version="1.0" encoding="utf-8"?>
@@ -877,7 +1556,7 @@
             <a:fld id="{48A87A34-81AB-432B-8DAE-1953F412C126}" type="datetimeFigureOut">
               <a:rPr lang="en-US" smtClean="0"/>
               <a:pPr/>
-              <a:t>9/9/2025</a:t>
+              <a:t>9/12/2025</a:t>
             </a:fld>
             <a:endParaRPr lang="en-US" dirty="0"/>
           </a:p>
@@ -1130,7 +1809,7 @@
             <a:fld id="{48A87A34-81AB-432B-8DAE-1953F412C126}" type="datetimeFigureOut">
               <a:rPr lang="en-US" smtClean="0"/>
               <a:pPr/>
-              <a:t>9/9/2025</a:t>
+              <a:t>9/12/2025</a:t>
             </a:fld>
             <a:endParaRPr lang="en-US" dirty="0"/>
           </a:p>
@@ -1446,7 +2125,7 @@
             <a:fld id="{48A87A34-81AB-432B-8DAE-1953F412C126}" type="datetimeFigureOut">
               <a:rPr lang="en-US" smtClean="0"/>
               <a:pPr/>
-              <a:t>9/9/2025</a:t>
+              <a:t>9/12/2025</a:t>
             </a:fld>
             <a:endParaRPr lang="en-US" dirty="0"/>
           </a:p>
@@ -1775,7 +2454,7 @@
             <a:fld id="{48A87A34-81AB-432B-8DAE-1953F412C126}" type="datetimeFigureOut">
               <a:rPr lang="en-US" smtClean="0"/>
               <a:pPr/>
-              <a:t>9/9/2025</a:t>
+              <a:t>9/12/2025</a:t>
             </a:fld>
             <a:endParaRPr lang="en-US" dirty="0"/>
           </a:p>
@@ -2091,7 +2770,7 @@
             <a:fld id="{48A87A34-81AB-432B-8DAE-1953F412C126}" type="datetimeFigureOut">
               <a:rPr lang="en-US" smtClean="0"/>
               <a:pPr/>
-              <a:t>9/9/2025</a:t>
+              <a:t>9/12/2025</a:t>
             </a:fld>
             <a:endParaRPr lang="en-US" dirty="0"/>
           </a:p>
@@ -2480,7 +3159,7 @@
             <a:fld id="{48A87A34-81AB-432B-8DAE-1953F412C126}" type="datetimeFigureOut">
               <a:rPr lang="en-US" smtClean="0"/>
               <a:pPr/>
-              <a:t>9/9/2025</a:t>
+              <a:t>9/12/2025</a:t>
             </a:fld>
             <a:endParaRPr lang="en-US" dirty="0"/>
           </a:p>
@@ -2652,7 +3331,7 @@
             <a:fld id="{48A87A34-81AB-432B-8DAE-1953F412C126}" type="datetimeFigureOut">
               <a:rPr lang="en-US" smtClean="0"/>
               <a:pPr/>
-              <a:t>9/9/2025</a:t>
+              <a:t>9/12/2025</a:t>
             </a:fld>
             <a:endParaRPr lang="en-US" dirty="0"/>
           </a:p>
@@ -2834,7 +3513,7 @@
             <a:fld id="{48A87A34-81AB-432B-8DAE-1953F412C126}" type="datetimeFigureOut">
               <a:rPr lang="en-US" smtClean="0"/>
               <a:pPr/>
-              <a:t>9/9/2025</a:t>
+              <a:t>9/12/2025</a:t>
             </a:fld>
             <a:endParaRPr lang="en-US" dirty="0"/>
           </a:p>
@@ -3012,7 +3691,7 @@
             <a:fld id="{48A87A34-81AB-432B-8DAE-1953F412C126}" type="datetimeFigureOut">
               <a:rPr lang="en-US" smtClean="0"/>
               <a:pPr/>
-              <a:t>9/9/2025</a:t>
+              <a:t>9/12/2025</a:t>
             </a:fld>
             <a:endParaRPr lang="en-US" dirty="0"/>
           </a:p>
@@ -3261,7 +3940,7 @@
             <a:fld id="{48A87A34-81AB-432B-8DAE-1953F412C126}" type="datetimeFigureOut">
               <a:rPr lang="en-US" smtClean="0"/>
               <a:pPr/>
-              <a:t>9/9/2025</a:t>
+              <a:t>9/12/2025</a:t>
             </a:fld>
             <a:endParaRPr lang="en-US" dirty="0"/>
           </a:p>
@@ -3495,7 +4174,7 @@
             <a:fld id="{48A87A34-81AB-432B-8DAE-1953F412C126}" type="datetimeFigureOut">
               <a:rPr lang="en-US" smtClean="0"/>
               <a:pPr/>
-              <a:t>9/9/2025</a:t>
+              <a:t>9/12/2025</a:t>
             </a:fld>
             <a:endParaRPr lang="en-US" dirty="0"/>
           </a:p>
@@ -3871,7 +4550,7 @@
             <a:fld id="{48A87A34-81AB-432B-8DAE-1953F412C126}" type="datetimeFigureOut">
               <a:rPr lang="en-US" smtClean="0"/>
               <a:pPr/>
-              <a:t>9/9/2025</a:t>
+              <a:t>9/12/2025</a:t>
             </a:fld>
             <a:endParaRPr lang="en-US" dirty="0"/>
           </a:p>
@@ -3996,7 +4675,7 @@
             <a:fld id="{48A87A34-81AB-432B-8DAE-1953F412C126}" type="datetimeFigureOut">
               <a:rPr lang="en-US" smtClean="0"/>
               <a:pPr/>
-              <a:t>9/9/2025</a:t>
+              <a:t>9/12/2025</a:t>
             </a:fld>
             <a:endParaRPr lang="en-US" dirty="0"/>
           </a:p>
@@ -4093,7 +4772,7 @@
             <a:fld id="{48A87A34-81AB-432B-8DAE-1953F412C126}" type="datetimeFigureOut">
               <a:rPr lang="en-US" smtClean="0"/>
               <a:pPr/>
-              <a:t>9/9/2025</a:t>
+              <a:t>9/12/2025</a:t>
             </a:fld>
             <a:endParaRPr lang="en-US" dirty="0"/>
           </a:p>
@@ -4350,7 +5029,7 @@
             <a:fld id="{48A87A34-81AB-432B-8DAE-1953F412C126}" type="datetimeFigureOut">
               <a:rPr lang="en-US" smtClean="0"/>
               <a:pPr/>
-              <a:t>9/9/2025</a:t>
+              <a:t>9/12/2025</a:t>
             </a:fld>
             <a:endParaRPr lang="en-US" dirty="0"/>
           </a:p>
@@ -4615,7 +5294,7 @@
             <a:fld id="{48A87A34-81AB-432B-8DAE-1953F412C126}" type="datetimeFigureOut">
               <a:rPr lang="en-US" smtClean="0"/>
               <a:pPr/>
-              <a:t>9/9/2025</a:t>
+              <a:t>9/12/2025</a:t>
             </a:fld>
             <a:endParaRPr lang="en-US" dirty="0"/>
           </a:p>
@@ -5362,7 +6041,7 @@
             <a:fld id="{48A87A34-81AB-432B-8DAE-1953F412C126}" type="datetimeFigureOut">
               <a:rPr lang="en-US" smtClean="0"/>
               <a:pPr/>
-              <a:t>9/9/2025</a:t>
+              <a:t>9/12/2025</a:t>
             </a:fld>
             <a:endParaRPr lang="en-US" dirty="0"/>
           </a:p>
@@ -12334,17 +13013,7 @@
                   </a:schemeClr>
                 </a:solidFill>
               </a:rPr>
-              <a:t>v</a:t>
-            </a:r>
-            <a:r>
-              <a:rPr lang="en-US" sz="2400" b="1" dirty="0" err="1" smtClean="0">
-                <a:solidFill>
-                  <a:schemeClr val="bg1">
-                    <a:lumMod val="95000"/>
-                  </a:schemeClr>
-                </a:solidFill>
-              </a:rPr>
-              <a:t>ar</a:t>
+              <a:t>var</a:t>
             </a:r>
             <a:r>
               <a:rPr lang="en-US" sz="2400" dirty="0" smtClean="0">
@@ -16048,6 +16717,35 @@
       </p:sp>
       <p:sp>
         <p:nvSpPr>
+          <p:cNvPr id="8" name="Text Placeholder 7"/>
+          <p:cNvSpPr>
+            <a:spLocks noGrp="1"/>
+          </p:cNvSpPr>
+          <p:nvPr>
+            <p:ph type="body" idx="1"/>
+          </p:nvPr>
+        </p:nvSpPr>
+        <p:spPr>
+          <a:xfrm>
+            <a:off x="416078" y="1796869"/>
+            <a:ext cx="7134253" cy="989874"/>
+          </a:xfrm>
+        </p:spPr>
+        <p:txBody>
+          <a:bodyPr anchor="t">
+            <a:normAutofit fontScale="92500"/>
+          </a:bodyPr>
+          <a:lstStyle/>
+          <a:p>
+            <a:r>
+              <a:rPr lang="en-US" dirty="0"/>
+              <a:t>In JavaScript, a primitive data type (or primitive value) is a piece of actual data that does not have its own properties and methods. All primitive values are immutable, meaning they cannot be altered. </a:t>
+            </a:r>
+          </a:p>
+        </p:txBody>
+      </p:sp>
+      <p:sp>
+        <p:nvSpPr>
           <p:cNvPr id="5" name="Ribbon: Curved and Tilted Down 4">
             <a:extLst>
               <a:ext uri="{FF2B5EF4-FFF2-40B4-BE49-F238E27FC236}">
@@ -16266,35 +16964,6 @@
               </a:solidFill>
               <a:latin typeface="Bahnschrift SemiLight" pitchFamily="34" charset="0"/>
             </a:endParaRPr>
-          </a:p>
-        </p:txBody>
-      </p:sp>
-      <p:sp>
-        <p:nvSpPr>
-          <p:cNvPr id="8" name="Text Placeholder 7"/>
-          <p:cNvSpPr>
-            <a:spLocks noGrp="1"/>
-          </p:cNvSpPr>
-          <p:nvPr>
-            <p:ph type="body" idx="1"/>
-          </p:nvPr>
-        </p:nvSpPr>
-        <p:spPr>
-          <a:xfrm>
-            <a:off x="416078" y="1796869"/>
-            <a:ext cx="7134253" cy="989874"/>
-          </a:xfrm>
-        </p:spPr>
-        <p:txBody>
-          <a:bodyPr anchor="t">
-            <a:normAutofit fontScale="92500"/>
-          </a:bodyPr>
-          <a:lstStyle/>
-          <a:p>
-            <a:r>
-              <a:rPr lang="en-US" dirty="0"/>
-              <a:t>In JavaScript, a primitive data type (or primitive value) is a piece of actual data that does not have its own properties and methods. All primitive values are immutable, meaning they cannot be altered. </a:t>
-            </a:r>
           </a:p>
         </p:txBody>
       </p:sp>
@@ -17582,6 +18251,83 @@
       </p:sp>
       <p:sp>
         <p:nvSpPr>
+          <p:cNvPr id="8" name="Text Placeholder 7"/>
+          <p:cNvSpPr>
+            <a:spLocks noGrp="1"/>
+          </p:cNvSpPr>
+          <p:nvPr>
+            <p:ph type="body" idx="1"/>
+          </p:nvPr>
+        </p:nvSpPr>
+        <p:spPr>
+          <a:xfrm>
+            <a:off x="416078" y="1796868"/>
+            <a:ext cx="7134253" cy="1618685"/>
+          </a:xfrm>
+        </p:spPr>
+        <p:txBody>
+          <a:bodyPr anchor="t">
+            <a:normAutofit/>
+          </a:bodyPr>
+          <a:lstStyle/>
+          <a:p>
+            <a:r>
+              <a:rPr lang="en-US" dirty="0"/>
+              <a:t>When type conversion is done by JavaScript automatically, it is called </a:t>
+            </a:r>
+            <a:r>
+              <a:rPr lang="en-US" b="1" dirty="0"/>
+              <a:t>implicit type</a:t>
+            </a:r>
+            <a:r>
+              <a:rPr lang="en-US" dirty="0"/>
+              <a:t> conversion. For example, when we use the '</a:t>
+            </a:r>
+            <a:r>
+              <a:rPr lang="en-US" b="1" dirty="0"/>
+              <a:t>+</a:t>
+            </a:r>
+            <a:r>
+              <a:rPr lang="en-US" dirty="0"/>
+              <a:t>' operator with the </a:t>
+            </a:r>
+            <a:r>
+              <a:rPr lang="en-US" b="1" dirty="0"/>
+              <a:t>string</a:t>
+            </a:r>
+            <a:r>
+              <a:rPr lang="en-US" dirty="0"/>
+              <a:t> and </a:t>
+            </a:r>
+            <a:r>
+              <a:rPr lang="en-US" b="1" dirty="0"/>
+              <a:t>number</a:t>
+            </a:r>
+            <a:r>
+              <a:rPr lang="en-US" dirty="0"/>
+              <a:t> operands, JavaScript converts the </a:t>
+            </a:r>
+            <a:r>
+              <a:rPr lang="en-US" b="1" dirty="0"/>
+              <a:t>number</a:t>
+            </a:r>
+            <a:r>
+              <a:rPr lang="en-US" dirty="0"/>
+              <a:t> to a </a:t>
+            </a:r>
+            <a:r>
+              <a:rPr lang="en-US" b="1" dirty="0"/>
+              <a:t>string</a:t>
+            </a:r>
+            <a:r>
+              <a:rPr lang="en-US" dirty="0"/>
+              <a:t> and concatenates it with the string.</a:t>
+            </a:r>
+          </a:p>
+        </p:txBody>
+      </p:sp>
+      <p:sp>
+        <p:nvSpPr>
           <p:cNvPr id="6" name="Scroll: Vertical 5">
             <a:extLst>
               <a:ext uri="{FF2B5EF4-FFF2-40B4-BE49-F238E27FC236}">
@@ -17756,83 +18502,6 @@
       </p:sp>
       <p:sp>
         <p:nvSpPr>
-          <p:cNvPr id="8" name="Text Placeholder 7"/>
-          <p:cNvSpPr>
-            <a:spLocks noGrp="1"/>
-          </p:cNvSpPr>
-          <p:nvPr>
-            <p:ph type="body" idx="1"/>
-          </p:nvPr>
-        </p:nvSpPr>
-        <p:spPr>
-          <a:xfrm>
-            <a:off x="416078" y="1796868"/>
-            <a:ext cx="7134253" cy="1618685"/>
-          </a:xfrm>
-        </p:spPr>
-        <p:txBody>
-          <a:bodyPr anchor="t">
-            <a:normAutofit/>
-          </a:bodyPr>
-          <a:lstStyle/>
-          <a:p>
-            <a:r>
-              <a:rPr lang="en-US" dirty="0"/>
-              <a:t>When type conversion is done by JavaScript automatically, it is called </a:t>
-            </a:r>
-            <a:r>
-              <a:rPr lang="en-US" b="1" dirty="0"/>
-              <a:t>implicit type</a:t>
-            </a:r>
-            <a:r>
-              <a:rPr lang="en-US" dirty="0"/>
-              <a:t> conversion. For example, when we use the '</a:t>
-            </a:r>
-            <a:r>
-              <a:rPr lang="en-US" b="1" dirty="0"/>
-              <a:t>+</a:t>
-            </a:r>
-            <a:r>
-              <a:rPr lang="en-US" dirty="0"/>
-              <a:t>' operator with the </a:t>
-            </a:r>
-            <a:r>
-              <a:rPr lang="en-US" b="1" dirty="0"/>
-              <a:t>string</a:t>
-            </a:r>
-            <a:r>
-              <a:rPr lang="en-US" dirty="0"/>
-              <a:t> and </a:t>
-            </a:r>
-            <a:r>
-              <a:rPr lang="en-US" b="1" dirty="0"/>
-              <a:t>number</a:t>
-            </a:r>
-            <a:r>
-              <a:rPr lang="en-US" dirty="0"/>
-              <a:t> operands, JavaScript converts the </a:t>
-            </a:r>
-            <a:r>
-              <a:rPr lang="en-US" b="1" dirty="0"/>
-              <a:t>number</a:t>
-            </a:r>
-            <a:r>
-              <a:rPr lang="en-US" dirty="0"/>
-              <a:t> to a </a:t>
-            </a:r>
-            <a:r>
-              <a:rPr lang="en-US" b="1" dirty="0"/>
-              <a:t>string</a:t>
-            </a:r>
-            <a:r>
-              <a:rPr lang="en-US" dirty="0"/>
-              <a:t> and concatenates it with the string.</a:t>
-            </a:r>
-          </a:p>
-        </p:txBody>
-      </p:sp>
-      <p:sp>
-        <p:nvSpPr>
           <p:cNvPr id="9" name="TextBox 8"/>
           <p:cNvSpPr txBox="1"/>
           <p:nvPr/>
@@ -18078,6 +18747,4873 @@
     <p:extLst>
       <p:ext uri="{BB962C8B-B14F-4D97-AF65-F5344CB8AC3E}">
         <p14:creationId xmlns:p14="http://schemas.microsoft.com/office/powerpoint/2010/main" xmlns="" val="3002471670"/>
+      </p:ext>
+    </p:extLst>
+  </p:cSld>
+  <p:clrMapOvr>
+    <a:masterClrMapping/>
+  </p:clrMapOvr>
+  <p:timing>
+    <p:tnLst>
+      <p:par>
+        <p:cTn id="1" dur="indefinite" restart="never" nodeType="tmRoot"/>
+      </p:par>
+    </p:tnLst>
+  </p:timing>
+</p:sld>
+</file>
+
+<file path=ppt/slides/slide31.xml><?xml version="1.0" encoding="utf-8"?>
+<p:sld xmlns:a="http://schemas.openxmlformats.org/drawingml/2006/main" xmlns:r="http://schemas.openxmlformats.org/officeDocument/2006/relationships" xmlns:p="http://schemas.openxmlformats.org/presentationml/2006/main">
+  <p:cSld>
+    <p:spTree>
+      <p:nvGrpSpPr>
+        <p:cNvPr id="1" name=""/>
+        <p:cNvGrpSpPr/>
+        <p:nvPr/>
+      </p:nvGrpSpPr>
+      <p:grpSpPr>
+        <a:xfrm>
+          <a:off x="0" y="0"/>
+          <a:ext cx="0" cy="0"/>
+          <a:chOff x="0" y="0"/>
+          <a:chExt cx="0" cy="0"/>
+        </a:xfrm>
+      </p:grpSpPr>
+      <p:sp>
+        <p:nvSpPr>
+          <p:cNvPr id="9" name="Explosion: 14 Points 8">
+            <a:extLst>
+              <a:ext uri="{FF2B5EF4-FFF2-40B4-BE49-F238E27FC236}">
+                <a16:creationId xmlns:a16="http://schemas.microsoft.com/office/drawing/2014/main" xmlns="" id="{0A2CD68B-7A56-F86D-8B6F-4A8BF99B4C9E}"/>
+              </a:ext>
+            </a:extLst>
+          </p:cNvPr>
+          <p:cNvSpPr/>
+          <p:nvPr/>
+        </p:nvSpPr>
+        <p:spPr>
+          <a:xfrm>
+            <a:off x="4336395" y="0"/>
+            <a:ext cx="3669087" cy="3707684"/>
+          </a:xfrm>
+          <a:prstGeom prst="irregularSeal2">
+            <a:avLst/>
+          </a:prstGeom>
+          <a:solidFill>
+            <a:schemeClr val="bg1">
+              <a:lumMod val="75000"/>
+              <a:lumOff val="25000"/>
+            </a:schemeClr>
+          </a:solidFill>
+          <a:ln>
+            <a:noFill/>
+          </a:ln>
+        </p:spPr>
+        <p:style>
+          <a:lnRef idx="2">
+            <a:schemeClr val="accent1">
+              <a:shade val="15000"/>
+            </a:schemeClr>
+          </a:lnRef>
+          <a:fillRef idx="1">
+            <a:schemeClr val="accent1"/>
+          </a:fillRef>
+          <a:effectRef idx="0">
+            <a:schemeClr val="accent1"/>
+          </a:effectRef>
+          <a:fontRef idx="minor">
+            <a:schemeClr val="lt1"/>
+          </a:fontRef>
+        </p:style>
+        <p:txBody>
+          <a:bodyPr rtlCol="0" anchor="ctr"/>
+          <a:lstStyle/>
+          <a:p>
+            <a:pPr algn="ctr"/>
+            <a:endParaRPr lang="en-IN"/>
+          </a:p>
+        </p:txBody>
+      </p:sp>
+      <p:sp>
+        <p:nvSpPr>
+          <p:cNvPr id="2" name="Title 1">
+            <a:extLst>
+              <a:ext uri="{FF2B5EF4-FFF2-40B4-BE49-F238E27FC236}">
+                <a16:creationId xmlns:a16="http://schemas.microsoft.com/office/drawing/2014/main" xmlns="" id="{62BB4F8D-44B7-9866-F7B2-6375CB902974}"/>
+              </a:ext>
+            </a:extLst>
+          </p:cNvPr>
+          <p:cNvSpPr>
+            <a:spLocks noGrp="1"/>
+          </p:cNvSpPr>
+          <p:nvPr>
+            <p:ph type="title"/>
+          </p:nvPr>
+        </p:nvSpPr>
+        <p:spPr>
+          <a:xfrm>
+            <a:off x="0" y="-134470"/>
+            <a:ext cx="12192000" cy="3630705"/>
+          </a:xfrm>
+          <a:noFill/>
+        </p:spPr>
+        <p:txBody>
+          <a:bodyPr anchor="ctr">
+            <a:normAutofit/>
+          </a:bodyPr>
+          <a:lstStyle/>
+          <a:p>
+            <a:pPr algn="ctr"/>
+            <a:r>
+              <a:rPr lang="en-US" sz="7200" b="1" dirty="0" smtClean="0">
+                <a:solidFill>
+                  <a:schemeClr val="tx1"/>
+                </a:solidFill>
+                <a:latin typeface="Barlow Black" panose="00000A00000000000000" pitchFamily="2" charset="0"/>
+              </a:rPr>
+              <a:t>Chapter </a:t>
+            </a:r>
+            <a:r>
+              <a:rPr lang="en-US" sz="7200" b="1" dirty="0">
+                <a:solidFill>
+                  <a:schemeClr val="tx1"/>
+                </a:solidFill>
+                <a:latin typeface="Barlow Black" panose="00000A00000000000000" pitchFamily="2" charset="0"/>
+              </a:rPr>
+              <a:t>– </a:t>
+            </a:r>
+            <a:r>
+              <a:rPr lang="en-US" sz="7200" b="1" dirty="0" smtClean="0">
+                <a:solidFill>
+                  <a:schemeClr val="tx1"/>
+                </a:solidFill>
+                <a:latin typeface="Barlow Black" panose="00000A00000000000000" pitchFamily="2" charset="0"/>
+              </a:rPr>
+              <a:t>8</a:t>
+            </a:r>
+            <a:r>
+              <a:rPr lang="en-US" sz="7200" b="1" dirty="0">
+                <a:solidFill>
+                  <a:schemeClr val="tx1"/>
+                </a:solidFill>
+                <a:latin typeface="Barlow Black" panose="00000A00000000000000" pitchFamily="2" charset="0"/>
+              </a:rPr>
+              <a:t/>
+            </a:r>
+            <a:br>
+              <a:rPr lang="en-US" sz="7200" b="1" dirty="0">
+                <a:solidFill>
+                  <a:schemeClr val="tx1"/>
+                </a:solidFill>
+                <a:latin typeface="Barlow Black" panose="00000A00000000000000" pitchFamily="2" charset="0"/>
+              </a:rPr>
+            </a:br>
+            <a:r>
+              <a:rPr lang="en-US" sz="6600" b="1" dirty="0" smtClean="0">
+                <a:solidFill>
+                  <a:schemeClr val="accent2">
+                    <a:lumMod val="60000"/>
+                    <a:lumOff val="40000"/>
+                  </a:schemeClr>
+                </a:solidFill>
+                <a:latin typeface="Bahnschrift Light Condensed" pitchFamily="34" charset="0"/>
+              </a:rPr>
+              <a:t>(</a:t>
+            </a:r>
+            <a:r>
+              <a:rPr lang="en-US" sz="8800" b="1" dirty="0" smtClean="0">
+                <a:solidFill>
+                  <a:schemeClr val="accent2">
+                    <a:lumMod val="60000"/>
+                    <a:lumOff val="40000"/>
+                  </a:schemeClr>
+                </a:solidFill>
+                <a:latin typeface="Bahnschrift Light Condensed" pitchFamily="34" charset="0"/>
+              </a:rPr>
+              <a:t>use strict</a:t>
+            </a:r>
+            <a:r>
+              <a:rPr lang="en-US" sz="6600" b="1" dirty="0" smtClean="0">
+                <a:solidFill>
+                  <a:schemeClr val="accent2">
+                    <a:lumMod val="60000"/>
+                    <a:lumOff val="40000"/>
+                  </a:schemeClr>
+                </a:solidFill>
+                <a:latin typeface="Bahnschrift Light Condensed" pitchFamily="34" charset="0"/>
+              </a:rPr>
+              <a:t>)</a:t>
+            </a:r>
+            <a:endParaRPr lang="en-IN" sz="6600" b="1" dirty="0">
+              <a:solidFill>
+                <a:schemeClr val="accent2">
+                  <a:lumMod val="60000"/>
+                  <a:lumOff val="40000"/>
+                </a:schemeClr>
+              </a:solidFill>
+              <a:latin typeface="Bahnschrift Light Condensed" pitchFamily="34" charset="0"/>
+            </a:endParaRPr>
+          </a:p>
+        </p:txBody>
+      </p:sp>
+      <p:sp>
+        <p:nvSpPr>
+          <p:cNvPr id="8" name="TextBox 7">
+            <a:extLst>
+              <a:ext uri="{FF2B5EF4-FFF2-40B4-BE49-F238E27FC236}">
+                <a16:creationId xmlns:a16="http://schemas.microsoft.com/office/drawing/2014/main" xmlns="" id="{6E6F1672-8C91-3FA6-CB80-58FD68172333}"/>
+              </a:ext>
+            </a:extLst>
+          </p:cNvPr>
+          <p:cNvSpPr txBox="1"/>
+          <p:nvPr/>
+        </p:nvSpPr>
+        <p:spPr>
+          <a:xfrm>
+            <a:off x="0" y="6013537"/>
+            <a:ext cx="12192000" cy="369332"/>
+          </a:xfrm>
+          <a:prstGeom prst="rect">
+            <a:avLst/>
+          </a:prstGeom>
+          <a:noFill/>
+        </p:spPr>
+        <p:txBody>
+          <a:bodyPr wrap="square" rtlCol="0">
+            <a:spAutoFit/>
+          </a:bodyPr>
+          <a:lstStyle/>
+          <a:p>
+            <a:pPr algn="ctr"/>
+            <a:r>
+              <a:rPr lang="en-US" b="1" dirty="0"/>
+              <a:t>Gautam Kumar- </a:t>
+            </a:r>
+            <a:r>
+              <a:rPr lang="en-US" dirty="0">
+                <a:solidFill>
+                  <a:schemeClr val="tx1">
+                    <a:lumMod val="50000"/>
+                    <a:lumOff val="50000"/>
+                  </a:schemeClr>
+                </a:solidFill>
+              </a:rPr>
+              <a:t>uidhtml.com</a:t>
+            </a:r>
+            <a:endParaRPr lang="en-IN" dirty="0">
+              <a:solidFill>
+                <a:schemeClr val="tx1">
+                  <a:lumMod val="50000"/>
+                  <a:lumOff val="50000"/>
+                </a:schemeClr>
+              </a:solidFill>
+            </a:endParaRPr>
+          </a:p>
+        </p:txBody>
+      </p:sp>
+      <p:sp>
+        <p:nvSpPr>
+          <p:cNvPr id="7" name="TextBox 6"/>
+          <p:cNvSpPr txBox="1"/>
+          <p:nvPr/>
+        </p:nvSpPr>
+        <p:spPr>
+          <a:xfrm>
+            <a:off x="241300" y="228600"/>
+            <a:ext cx="2308645" cy="830997"/>
+          </a:xfrm>
+          <a:prstGeom prst="rect">
+            <a:avLst/>
+          </a:prstGeom>
+          <a:noFill/>
+        </p:spPr>
+        <p:txBody>
+          <a:bodyPr wrap="none" rtlCol="0">
+            <a:spAutoFit/>
+          </a:bodyPr>
+          <a:lstStyle/>
+          <a:p>
+            <a:r>
+              <a:rPr lang="en-US" sz="4800" b="1" dirty="0" smtClean="0">
+                <a:latin typeface="Barlow Condensed ExtraLight" panose="00000306000000000000" pitchFamily="2" charset="0"/>
+              </a:rPr>
+              <a:t>JavaScript</a:t>
+            </a:r>
+            <a:endParaRPr lang="en-US" sz="4800" dirty="0"/>
+          </a:p>
+        </p:txBody>
+      </p:sp>
+      <p:pic>
+        <p:nvPicPr>
+          <p:cNvPr id="1027" name="Picture 3" descr="K:\github-repo\javascript-tutorials\tutorials\chapter-7-data-conversion\assets\images\javascript-logo.png"/>
+          <p:cNvPicPr>
+            <a:picLocks noChangeAspect="1" noChangeArrowheads="1"/>
+          </p:cNvPicPr>
+          <p:nvPr/>
+        </p:nvPicPr>
+        <p:blipFill>
+          <a:blip r:embed="rId2"/>
+          <a:srcRect/>
+          <a:stretch>
+            <a:fillRect/>
+          </a:stretch>
+        </p:blipFill>
+        <p:spPr bwMode="auto">
+          <a:xfrm>
+            <a:off x="10712450" y="5353050"/>
+            <a:ext cx="1314450" cy="1314450"/>
+          </a:xfrm>
+          <a:prstGeom prst="rect">
+            <a:avLst/>
+          </a:prstGeom>
+          <a:noFill/>
+        </p:spPr>
+      </p:pic>
+      <p:pic>
+        <p:nvPicPr>
+          <p:cNvPr id="1028" name="Picture 4" descr="C:\Users\Gautam\Downloads\Blank board - Page 1 (4).png"/>
+          <p:cNvPicPr>
+            <a:picLocks noChangeAspect="1" noChangeArrowheads="1"/>
+          </p:cNvPicPr>
+          <p:nvPr/>
+        </p:nvPicPr>
+        <p:blipFill>
+          <a:blip r:embed="rId3"/>
+          <a:srcRect/>
+          <a:stretch>
+            <a:fillRect/>
+          </a:stretch>
+        </p:blipFill>
+        <p:spPr bwMode="auto">
+          <a:xfrm>
+            <a:off x="1571625" y="2949233"/>
+            <a:ext cx="9029700" cy="2984842"/>
+          </a:xfrm>
+          <a:prstGeom prst="rect">
+            <a:avLst/>
+          </a:prstGeom>
+          <a:noFill/>
+        </p:spPr>
+      </p:pic>
+    </p:spTree>
+    <p:extLst>
+      <p:ext uri="{BB962C8B-B14F-4D97-AF65-F5344CB8AC3E}">
+        <p14:creationId xmlns:p14="http://schemas.microsoft.com/office/powerpoint/2010/main" xmlns="" val="3287175084"/>
+      </p:ext>
+    </p:extLst>
+  </p:cSld>
+  <p:clrMapOvr>
+    <a:masterClrMapping/>
+  </p:clrMapOvr>
+  <p:timing>
+    <p:tnLst>
+      <p:par>
+        <p:cTn id="1" dur="indefinite" restart="never" nodeType="tmRoot"/>
+      </p:par>
+    </p:tnLst>
+  </p:timing>
+</p:sld>
+</file>
+
+<file path=ppt/slides/slide32.xml><?xml version="1.0" encoding="utf-8"?>
+<p:sld xmlns:a="http://schemas.openxmlformats.org/drawingml/2006/main" xmlns:r="http://schemas.openxmlformats.org/officeDocument/2006/relationships" xmlns:p="http://schemas.openxmlformats.org/presentationml/2006/main">
+  <p:cSld>
+    <p:spTree>
+      <p:nvGrpSpPr>
+        <p:cNvPr id="1" name=""/>
+        <p:cNvGrpSpPr/>
+        <p:nvPr/>
+      </p:nvGrpSpPr>
+      <p:grpSpPr>
+        <a:xfrm>
+          <a:off x="0" y="0"/>
+          <a:ext cx="0" cy="0"/>
+          <a:chOff x="0" y="0"/>
+          <a:chExt cx="0" cy="0"/>
+        </a:xfrm>
+      </p:grpSpPr>
+      <p:sp>
+        <p:nvSpPr>
+          <p:cNvPr id="10" name="Rectangle 9"/>
+          <p:cNvSpPr/>
+          <p:nvPr/>
+        </p:nvSpPr>
+        <p:spPr>
+          <a:xfrm>
+            <a:off x="0" y="0"/>
+            <a:ext cx="12192000" cy="6858000"/>
+          </a:xfrm>
+          <a:prstGeom prst="rect">
+            <a:avLst/>
+          </a:prstGeom>
+          <a:solidFill>
+            <a:schemeClr val="bg2">
+              <a:lumMod val="50000"/>
+            </a:schemeClr>
+          </a:solidFill>
+          <a:ln>
+            <a:noFill/>
+          </a:ln>
+        </p:spPr>
+        <p:style>
+          <a:lnRef idx="2">
+            <a:schemeClr val="accent1">
+              <a:shade val="50000"/>
+            </a:schemeClr>
+          </a:lnRef>
+          <a:fillRef idx="1">
+            <a:schemeClr val="accent1"/>
+          </a:fillRef>
+          <a:effectRef idx="0">
+            <a:schemeClr val="accent1"/>
+          </a:effectRef>
+          <a:fontRef idx="minor">
+            <a:schemeClr val="lt1"/>
+          </a:fontRef>
+        </p:style>
+        <p:txBody>
+          <a:bodyPr rtlCol="0" anchor="ctr"/>
+          <a:lstStyle/>
+          <a:p>
+            <a:pPr algn="ctr"/>
+            <a:endParaRPr lang="en-US" dirty="0"/>
+          </a:p>
+        </p:txBody>
+      </p:sp>
+      <p:sp>
+        <p:nvSpPr>
+          <p:cNvPr id="9" name="Explosion: 14 Points 8">
+            <a:extLst>
+              <a:ext uri="{FF2B5EF4-FFF2-40B4-BE49-F238E27FC236}">
+                <a16:creationId xmlns:a16="http://schemas.microsoft.com/office/drawing/2014/main" xmlns="" id="{0A2CD68B-7A56-F86D-8B6F-4A8BF99B4C9E}"/>
+              </a:ext>
+            </a:extLst>
+          </p:cNvPr>
+          <p:cNvSpPr/>
+          <p:nvPr/>
+        </p:nvSpPr>
+        <p:spPr>
+          <a:xfrm>
+            <a:off x="4336395" y="0"/>
+            <a:ext cx="3669087" cy="3707684"/>
+          </a:xfrm>
+          <a:prstGeom prst="irregularSeal2">
+            <a:avLst/>
+          </a:prstGeom>
+          <a:solidFill>
+            <a:schemeClr val="bg2">
+              <a:lumMod val="75000"/>
+            </a:schemeClr>
+          </a:solidFill>
+          <a:ln>
+            <a:noFill/>
+          </a:ln>
+        </p:spPr>
+        <p:style>
+          <a:lnRef idx="2">
+            <a:schemeClr val="accent1">
+              <a:shade val="15000"/>
+            </a:schemeClr>
+          </a:lnRef>
+          <a:fillRef idx="1">
+            <a:schemeClr val="accent1"/>
+          </a:fillRef>
+          <a:effectRef idx="0">
+            <a:schemeClr val="accent1"/>
+          </a:effectRef>
+          <a:fontRef idx="minor">
+            <a:schemeClr val="lt1"/>
+          </a:fontRef>
+        </p:style>
+        <p:txBody>
+          <a:bodyPr rtlCol="0" anchor="ctr"/>
+          <a:lstStyle/>
+          <a:p>
+            <a:pPr algn="ctr"/>
+            <a:endParaRPr lang="en-IN"/>
+          </a:p>
+        </p:txBody>
+      </p:sp>
+      <p:sp>
+        <p:nvSpPr>
+          <p:cNvPr id="2" name="Title 1">
+            <a:extLst>
+              <a:ext uri="{FF2B5EF4-FFF2-40B4-BE49-F238E27FC236}">
+                <a16:creationId xmlns:a16="http://schemas.microsoft.com/office/drawing/2014/main" xmlns="" id="{62BB4F8D-44B7-9866-F7B2-6375CB902974}"/>
+              </a:ext>
+            </a:extLst>
+          </p:cNvPr>
+          <p:cNvSpPr>
+            <a:spLocks noGrp="1"/>
+          </p:cNvSpPr>
+          <p:nvPr>
+            <p:ph type="title"/>
+          </p:nvPr>
+        </p:nvSpPr>
+        <p:spPr>
+          <a:xfrm>
+            <a:off x="0" y="-134470"/>
+            <a:ext cx="12192000" cy="3630705"/>
+          </a:xfrm>
+          <a:noFill/>
+        </p:spPr>
+        <p:txBody>
+          <a:bodyPr anchor="ctr">
+            <a:normAutofit/>
+          </a:bodyPr>
+          <a:lstStyle/>
+          <a:p>
+            <a:pPr algn="ctr"/>
+            <a:r>
+              <a:rPr lang="en-US" sz="7200" b="1" dirty="0" smtClean="0">
+                <a:solidFill>
+                  <a:schemeClr val="tx1"/>
+                </a:solidFill>
+                <a:latin typeface="Barlow Black" panose="00000A00000000000000" pitchFamily="2" charset="0"/>
+              </a:rPr>
+              <a:t>Chapter – </a:t>
+            </a:r>
+            <a:r>
+              <a:rPr lang="en-US" sz="7200" dirty="0" smtClean="0">
+                <a:solidFill>
+                  <a:schemeClr val="tx1"/>
+                </a:solidFill>
+                <a:latin typeface="Bahnschrift SemiLight" pitchFamily="34" charset="0"/>
+              </a:rPr>
+              <a:t>9</a:t>
+            </a:r>
+            <a:r>
+              <a:rPr lang="en-US" sz="7200" b="1" dirty="0" smtClean="0">
+                <a:solidFill>
+                  <a:schemeClr val="tx1"/>
+                </a:solidFill>
+                <a:latin typeface="Barlow Black" panose="00000A00000000000000" pitchFamily="2" charset="0"/>
+              </a:rPr>
+              <a:t/>
+            </a:r>
+            <a:br>
+              <a:rPr lang="en-US" sz="7200" b="1" dirty="0" smtClean="0">
+                <a:solidFill>
+                  <a:schemeClr val="tx1"/>
+                </a:solidFill>
+                <a:latin typeface="Barlow Black" panose="00000A00000000000000" pitchFamily="2" charset="0"/>
+              </a:rPr>
+            </a:br>
+            <a:r>
+              <a:rPr lang="en-US" sz="6600" b="1" dirty="0" smtClean="0">
+                <a:solidFill>
+                  <a:schemeClr val="accent2">
+                    <a:lumMod val="60000"/>
+                    <a:lumOff val="40000"/>
+                  </a:schemeClr>
+                </a:solidFill>
+                <a:latin typeface="Bahnschrift Light Condensed" pitchFamily="34" charset="0"/>
+              </a:rPr>
+              <a:t>(</a:t>
+            </a:r>
+            <a:r>
+              <a:rPr lang="en-US" sz="8800" b="1" dirty="0" smtClean="0">
+                <a:solidFill>
+                  <a:schemeClr val="accent2">
+                    <a:lumMod val="60000"/>
+                    <a:lumOff val="40000"/>
+                  </a:schemeClr>
+                </a:solidFill>
+                <a:latin typeface="Bahnschrift Light Condensed" pitchFamily="34" charset="0"/>
+              </a:rPr>
+              <a:t>Arithmetic </a:t>
+            </a:r>
+            <a:r>
+              <a:rPr lang="en-US" sz="8800" b="1" dirty="0" smtClean="0">
+                <a:solidFill>
+                  <a:schemeClr val="accent2">
+                    <a:lumMod val="60000"/>
+                    <a:lumOff val="40000"/>
+                  </a:schemeClr>
+                </a:solidFill>
+                <a:latin typeface="Bahnschrift Light Condensed" pitchFamily="34" charset="0"/>
+              </a:rPr>
+              <a:t>Operators</a:t>
+            </a:r>
+            <a:r>
+              <a:rPr lang="en-US" sz="6600" b="1" dirty="0" smtClean="0">
+                <a:solidFill>
+                  <a:schemeClr val="accent2">
+                    <a:lumMod val="60000"/>
+                    <a:lumOff val="40000"/>
+                  </a:schemeClr>
+                </a:solidFill>
+                <a:latin typeface="Bahnschrift Light Condensed" pitchFamily="34" charset="0"/>
+              </a:rPr>
+              <a:t>)</a:t>
+            </a:r>
+            <a:endParaRPr lang="en-IN" sz="6600" b="1" dirty="0">
+              <a:solidFill>
+                <a:schemeClr val="accent2">
+                  <a:lumMod val="60000"/>
+                  <a:lumOff val="40000"/>
+                </a:schemeClr>
+              </a:solidFill>
+              <a:latin typeface="Bahnschrift Light Condensed" pitchFamily="34" charset="0"/>
+            </a:endParaRPr>
+          </a:p>
+        </p:txBody>
+      </p:sp>
+      <p:sp>
+        <p:nvSpPr>
+          <p:cNvPr id="8" name="TextBox 7">
+            <a:extLst>
+              <a:ext uri="{FF2B5EF4-FFF2-40B4-BE49-F238E27FC236}">
+                <a16:creationId xmlns:a16="http://schemas.microsoft.com/office/drawing/2014/main" xmlns="" id="{6E6F1672-8C91-3FA6-CB80-58FD68172333}"/>
+              </a:ext>
+            </a:extLst>
+          </p:cNvPr>
+          <p:cNvSpPr txBox="1"/>
+          <p:nvPr/>
+        </p:nvSpPr>
+        <p:spPr>
+          <a:xfrm>
+            <a:off x="6057900" y="6308812"/>
+            <a:ext cx="6134100" cy="369332"/>
+          </a:xfrm>
+          <a:prstGeom prst="rect">
+            <a:avLst/>
+          </a:prstGeom>
+          <a:noFill/>
+        </p:spPr>
+        <p:txBody>
+          <a:bodyPr wrap="square" rtlCol="0">
+            <a:spAutoFit/>
+          </a:bodyPr>
+          <a:lstStyle/>
+          <a:p>
+            <a:pPr algn="ctr"/>
+            <a:r>
+              <a:rPr lang="en-US" b="1" dirty="0"/>
+              <a:t>Gautam Kumar- </a:t>
+            </a:r>
+            <a:r>
+              <a:rPr lang="en-US" dirty="0">
+                <a:solidFill>
+                  <a:schemeClr val="tx1">
+                    <a:lumMod val="50000"/>
+                    <a:lumOff val="50000"/>
+                  </a:schemeClr>
+                </a:solidFill>
+              </a:rPr>
+              <a:t>uidhtml.com</a:t>
+            </a:r>
+            <a:endParaRPr lang="en-IN" dirty="0">
+              <a:solidFill>
+                <a:schemeClr val="tx1">
+                  <a:lumMod val="50000"/>
+                  <a:lumOff val="50000"/>
+                </a:schemeClr>
+              </a:solidFill>
+            </a:endParaRPr>
+          </a:p>
+        </p:txBody>
+      </p:sp>
+      <p:sp>
+        <p:nvSpPr>
+          <p:cNvPr id="7" name="TextBox 6"/>
+          <p:cNvSpPr txBox="1"/>
+          <p:nvPr/>
+        </p:nvSpPr>
+        <p:spPr>
+          <a:xfrm>
+            <a:off x="241300" y="228600"/>
+            <a:ext cx="3190297" cy="584775"/>
+          </a:xfrm>
+          <a:prstGeom prst="rect">
+            <a:avLst/>
+          </a:prstGeom>
+          <a:noFill/>
+        </p:spPr>
+        <p:txBody>
+          <a:bodyPr wrap="none" rtlCol="0">
+            <a:spAutoFit/>
+          </a:bodyPr>
+          <a:lstStyle/>
+          <a:p>
+            <a:r>
+              <a:rPr lang="en-US" sz="3200" b="1" dirty="0" smtClean="0">
+                <a:latin typeface="Barlow Condensed ExtraLight" panose="00000306000000000000" pitchFamily="2" charset="0"/>
+              </a:rPr>
+              <a:t>JavaScript - </a:t>
+            </a:r>
+            <a:r>
+              <a:rPr lang="en-US" sz="3200" b="1" dirty="0" smtClean="0">
+                <a:solidFill>
+                  <a:srgbClr val="FFFF00"/>
+                </a:solidFill>
+                <a:latin typeface="Barlow Condensed ExtraLight" panose="00000306000000000000" pitchFamily="2" charset="0"/>
+              </a:rPr>
+              <a:t>Operators</a:t>
+            </a:r>
+            <a:endParaRPr lang="en-US" sz="3200" dirty="0">
+              <a:solidFill>
+                <a:srgbClr val="FFFF00"/>
+              </a:solidFill>
+            </a:endParaRPr>
+          </a:p>
+        </p:txBody>
+      </p:sp>
+      <p:pic>
+        <p:nvPicPr>
+          <p:cNvPr id="1027" name="Picture 3" descr="K:\github-repo\javascript-tutorials\tutorials\chapter-7-data-conversion\assets\images\javascript-logo.png"/>
+          <p:cNvPicPr>
+            <a:picLocks noChangeAspect="1" noChangeArrowheads="1"/>
+          </p:cNvPicPr>
+          <p:nvPr/>
+        </p:nvPicPr>
+        <p:blipFill>
+          <a:blip r:embed="rId3"/>
+          <a:srcRect/>
+          <a:stretch>
+            <a:fillRect/>
+          </a:stretch>
+        </p:blipFill>
+        <p:spPr bwMode="auto">
+          <a:xfrm>
+            <a:off x="10712450" y="5353050"/>
+            <a:ext cx="1314450" cy="1314450"/>
+          </a:xfrm>
+          <a:prstGeom prst="rect">
+            <a:avLst/>
+          </a:prstGeom>
+          <a:noFill/>
+        </p:spPr>
+      </p:pic>
+      <p:sp>
+        <p:nvSpPr>
+          <p:cNvPr id="11" name="Rectangle 10"/>
+          <p:cNvSpPr/>
+          <p:nvPr/>
+        </p:nvSpPr>
+        <p:spPr>
+          <a:xfrm>
+            <a:off x="1189502" y="3324224"/>
+            <a:ext cx="858374" cy="1569660"/>
+          </a:xfrm>
+          <a:prstGeom prst="rect">
+            <a:avLst/>
+          </a:prstGeom>
+          <a:noFill/>
+        </p:spPr>
+        <p:txBody>
+          <a:bodyPr wrap="square" lIns="91440" tIns="45720" rIns="91440" bIns="45720">
+            <a:spAutoFit/>
+          </a:bodyPr>
+          <a:lstStyle/>
+          <a:p>
+            <a:pPr algn="ctr"/>
+            <a:r>
+              <a:rPr lang="en-US" sz="9600" b="1" cap="none" spc="0" dirty="0" smtClean="0">
+                <a:ln w="12700">
+                  <a:solidFill>
+                    <a:schemeClr val="tx2">
+                      <a:satMod val="155000"/>
+                    </a:schemeClr>
+                  </a:solidFill>
+                  <a:prstDash val="solid"/>
+                </a:ln>
+                <a:solidFill>
+                  <a:schemeClr val="bg2">
+                    <a:tint val="85000"/>
+                    <a:satMod val="155000"/>
+                  </a:schemeClr>
+                </a:solidFill>
+                <a:effectLst>
+                  <a:outerShdw blurRad="41275" dist="20320" dir="1800000" algn="tl" rotWithShape="0">
+                    <a:srgbClr val="000000">
+                      <a:alpha val="40000"/>
+                    </a:srgbClr>
+                  </a:outerShdw>
+                </a:effectLst>
+              </a:rPr>
+              <a:t>+</a:t>
+            </a:r>
+            <a:endParaRPr lang="en-US" b="1" cap="none" spc="0" dirty="0">
+              <a:ln w="12700">
+                <a:solidFill>
+                  <a:schemeClr val="tx2">
+                    <a:satMod val="155000"/>
+                  </a:schemeClr>
+                </a:solidFill>
+                <a:prstDash val="solid"/>
+              </a:ln>
+              <a:solidFill>
+                <a:schemeClr val="accent1">
+                  <a:lumMod val="40000"/>
+                  <a:lumOff val="60000"/>
+                </a:schemeClr>
+              </a:solidFill>
+              <a:effectLst>
+                <a:outerShdw blurRad="41275" dist="20320" dir="1800000" algn="tl" rotWithShape="0">
+                  <a:srgbClr val="000000">
+                    <a:alpha val="40000"/>
+                  </a:srgbClr>
+                </a:outerShdw>
+              </a:effectLst>
+            </a:endParaRPr>
+          </a:p>
+        </p:txBody>
+      </p:sp>
+      <p:sp>
+        <p:nvSpPr>
+          <p:cNvPr id="19" name="TextBox 18"/>
+          <p:cNvSpPr txBox="1"/>
+          <p:nvPr/>
+        </p:nvSpPr>
+        <p:spPr>
+          <a:xfrm>
+            <a:off x="1095375" y="4457700"/>
+            <a:ext cx="1027845" cy="369332"/>
+          </a:xfrm>
+          <a:prstGeom prst="rect">
+            <a:avLst/>
+          </a:prstGeom>
+          <a:noFill/>
+        </p:spPr>
+        <p:txBody>
+          <a:bodyPr wrap="none" rtlCol="0">
+            <a:spAutoFit/>
+          </a:bodyPr>
+          <a:lstStyle/>
+          <a:p>
+            <a:r>
+              <a:rPr lang="en-IN" dirty="0" smtClean="0">
+                <a:ln w="12700">
+                  <a:solidFill>
+                    <a:schemeClr val="tx2">
+                      <a:satMod val="155000"/>
+                    </a:schemeClr>
+                  </a:solidFill>
+                  <a:prstDash val="solid"/>
+                </a:ln>
+                <a:solidFill>
+                  <a:schemeClr val="accent1">
+                    <a:lumMod val="40000"/>
+                    <a:lumOff val="60000"/>
+                  </a:schemeClr>
+                </a:solidFill>
+                <a:latin typeface="Bahnschrift Light" pitchFamily="34" charset="0"/>
+              </a:rPr>
+              <a:t>Addition</a:t>
+            </a:r>
+            <a:endParaRPr lang="en-US" dirty="0" smtClean="0">
+              <a:ln w="12700">
+                <a:solidFill>
+                  <a:schemeClr val="tx2">
+                    <a:satMod val="155000"/>
+                  </a:schemeClr>
+                </a:solidFill>
+                <a:prstDash val="solid"/>
+              </a:ln>
+              <a:solidFill>
+                <a:schemeClr val="accent1">
+                  <a:lumMod val="40000"/>
+                  <a:lumOff val="60000"/>
+                </a:schemeClr>
+              </a:solidFill>
+              <a:latin typeface="Bahnschrift Light" pitchFamily="34" charset="0"/>
+            </a:endParaRPr>
+          </a:p>
+        </p:txBody>
+      </p:sp>
+      <p:grpSp>
+        <p:nvGrpSpPr>
+          <p:cNvPr id="33" name="Group 32"/>
+          <p:cNvGrpSpPr/>
+          <p:nvPr/>
+        </p:nvGrpSpPr>
+        <p:grpSpPr>
+          <a:xfrm>
+            <a:off x="2781300" y="3038474"/>
+            <a:ext cx="1378904" cy="1569660"/>
+            <a:chOff x="2781300" y="3038474"/>
+            <a:chExt cx="1378904" cy="1569660"/>
+          </a:xfrm>
+        </p:grpSpPr>
+        <p:sp>
+          <p:nvSpPr>
+            <p:cNvPr id="12" name="Rectangle 11"/>
+            <p:cNvSpPr/>
+            <p:nvPr/>
+          </p:nvSpPr>
+          <p:spPr>
+            <a:xfrm>
+              <a:off x="2989726" y="3038474"/>
+              <a:ext cx="906018" cy="1569660"/>
+            </a:xfrm>
+            <a:prstGeom prst="rect">
+              <a:avLst/>
+            </a:prstGeom>
+            <a:noFill/>
+          </p:spPr>
+          <p:txBody>
+            <a:bodyPr wrap="square" lIns="91440" tIns="45720" rIns="91440" bIns="45720">
+              <a:spAutoFit/>
+            </a:bodyPr>
+            <a:lstStyle/>
+            <a:p>
+              <a:pPr algn="ctr"/>
+              <a:r>
+                <a:rPr lang="en-US" sz="9600" b="1" cap="none" spc="0" dirty="0" smtClean="0">
+                  <a:ln w="12700">
+                    <a:solidFill>
+                      <a:schemeClr val="tx2">
+                        <a:satMod val="155000"/>
+                      </a:schemeClr>
+                    </a:solidFill>
+                    <a:prstDash val="solid"/>
+                  </a:ln>
+                  <a:solidFill>
+                    <a:schemeClr val="bg2">
+                      <a:tint val="85000"/>
+                      <a:satMod val="155000"/>
+                    </a:schemeClr>
+                  </a:solidFill>
+                  <a:effectLst>
+                    <a:outerShdw blurRad="41275" dist="20320" dir="1800000" algn="tl" rotWithShape="0">
+                      <a:srgbClr val="000000">
+                        <a:alpha val="40000"/>
+                      </a:srgbClr>
+                    </a:outerShdw>
+                  </a:effectLst>
+                </a:rPr>
+                <a:t>-</a:t>
+              </a:r>
+              <a:endParaRPr lang="en-US" sz="9600" b="1" cap="none" spc="0" dirty="0">
+                <a:ln w="12700">
+                  <a:solidFill>
+                    <a:schemeClr val="tx2">
+                      <a:satMod val="155000"/>
+                    </a:schemeClr>
+                  </a:solidFill>
+                  <a:prstDash val="solid"/>
+                </a:ln>
+                <a:solidFill>
+                  <a:schemeClr val="bg2">
+                    <a:tint val="85000"/>
+                    <a:satMod val="155000"/>
+                  </a:schemeClr>
+                </a:solidFill>
+                <a:effectLst>
+                  <a:outerShdw blurRad="41275" dist="20320" dir="1800000" algn="tl" rotWithShape="0">
+                    <a:srgbClr val="000000">
+                      <a:alpha val="40000"/>
+                    </a:srgbClr>
+                  </a:outerShdw>
+                </a:effectLst>
+              </a:endParaRPr>
+            </a:p>
+          </p:txBody>
+        </p:sp>
+        <p:sp>
+          <p:nvSpPr>
+            <p:cNvPr id="20" name="TextBox 19"/>
+            <p:cNvSpPr txBox="1"/>
+            <p:nvPr/>
+          </p:nvSpPr>
+          <p:spPr>
+            <a:xfrm>
+              <a:off x="2781300" y="3990975"/>
+              <a:ext cx="1378904" cy="369332"/>
+            </a:xfrm>
+            <a:prstGeom prst="rect">
+              <a:avLst/>
+            </a:prstGeom>
+            <a:noFill/>
+          </p:spPr>
+          <p:txBody>
+            <a:bodyPr wrap="none" rtlCol="0">
+              <a:spAutoFit/>
+            </a:bodyPr>
+            <a:lstStyle/>
+            <a:p>
+              <a:pPr algn="ctr"/>
+              <a:r>
+                <a:rPr lang="en-IN" dirty="0" smtClean="0">
+                  <a:ln w="12700">
+                    <a:solidFill>
+                      <a:schemeClr val="tx2">
+                        <a:satMod val="155000"/>
+                      </a:schemeClr>
+                    </a:solidFill>
+                    <a:prstDash val="solid"/>
+                  </a:ln>
+                  <a:solidFill>
+                    <a:schemeClr val="accent1">
+                      <a:lumMod val="40000"/>
+                      <a:lumOff val="60000"/>
+                    </a:schemeClr>
+                  </a:solidFill>
+                  <a:latin typeface="Bahnschrift Light" pitchFamily="34" charset="0"/>
+                </a:rPr>
+                <a:t>Subtraction</a:t>
+              </a:r>
+              <a:endParaRPr lang="en-US" dirty="0" smtClean="0">
+                <a:ln w="12700">
+                  <a:solidFill>
+                    <a:schemeClr val="tx2">
+                      <a:satMod val="155000"/>
+                    </a:schemeClr>
+                  </a:solidFill>
+                  <a:prstDash val="solid"/>
+                </a:ln>
+                <a:solidFill>
+                  <a:schemeClr val="accent1">
+                    <a:lumMod val="40000"/>
+                    <a:lumOff val="60000"/>
+                  </a:schemeClr>
+                </a:solidFill>
+                <a:latin typeface="Bahnschrift Light" pitchFamily="34" charset="0"/>
+              </a:endParaRPr>
+            </a:p>
+          </p:txBody>
+        </p:sp>
+      </p:grpSp>
+      <p:grpSp>
+        <p:nvGrpSpPr>
+          <p:cNvPr id="32" name="Group 31"/>
+          <p:cNvGrpSpPr/>
+          <p:nvPr/>
+        </p:nvGrpSpPr>
+        <p:grpSpPr>
+          <a:xfrm>
+            <a:off x="5105400" y="3228974"/>
+            <a:ext cx="1568058" cy="1569660"/>
+            <a:chOff x="4733925" y="3876674"/>
+            <a:chExt cx="1568058" cy="1569660"/>
+          </a:xfrm>
+        </p:grpSpPr>
+        <p:sp>
+          <p:nvSpPr>
+            <p:cNvPr id="13" name="Rectangle 12"/>
+            <p:cNvSpPr/>
+            <p:nvPr/>
+          </p:nvSpPr>
+          <p:spPr>
+            <a:xfrm>
+              <a:off x="5066176" y="3876674"/>
+              <a:ext cx="906018" cy="1569660"/>
+            </a:xfrm>
+            <a:prstGeom prst="rect">
+              <a:avLst/>
+            </a:prstGeom>
+            <a:noFill/>
+          </p:spPr>
+          <p:txBody>
+            <a:bodyPr wrap="square" lIns="91440" tIns="45720" rIns="91440" bIns="45720">
+              <a:spAutoFit/>
+            </a:bodyPr>
+            <a:lstStyle/>
+            <a:p>
+              <a:pPr algn="ctr"/>
+              <a:r>
+                <a:rPr lang="en-US" sz="9600" b="1" cap="none" spc="0" dirty="0" smtClean="0">
+                  <a:ln w="12700">
+                    <a:solidFill>
+                      <a:schemeClr val="tx2">
+                        <a:satMod val="155000"/>
+                      </a:schemeClr>
+                    </a:solidFill>
+                    <a:prstDash val="solid"/>
+                  </a:ln>
+                  <a:solidFill>
+                    <a:schemeClr val="bg2">
+                      <a:tint val="85000"/>
+                      <a:satMod val="155000"/>
+                    </a:schemeClr>
+                  </a:solidFill>
+                  <a:effectLst>
+                    <a:outerShdw blurRad="41275" dist="20320" dir="1800000" algn="tl" rotWithShape="0">
+                      <a:srgbClr val="000000">
+                        <a:alpha val="40000"/>
+                      </a:srgbClr>
+                    </a:outerShdw>
+                  </a:effectLst>
+                </a:rPr>
+                <a:t>*</a:t>
+              </a:r>
+              <a:endParaRPr lang="en-US" sz="9600" b="1" cap="none" spc="0" dirty="0">
+                <a:ln w="12700">
+                  <a:solidFill>
+                    <a:schemeClr val="tx2">
+                      <a:satMod val="155000"/>
+                    </a:schemeClr>
+                  </a:solidFill>
+                  <a:prstDash val="solid"/>
+                </a:ln>
+                <a:solidFill>
+                  <a:schemeClr val="bg2">
+                    <a:tint val="85000"/>
+                    <a:satMod val="155000"/>
+                  </a:schemeClr>
+                </a:solidFill>
+                <a:effectLst>
+                  <a:outerShdw blurRad="41275" dist="20320" dir="1800000" algn="tl" rotWithShape="0">
+                    <a:srgbClr val="000000">
+                      <a:alpha val="40000"/>
+                    </a:srgbClr>
+                  </a:outerShdw>
+                </a:effectLst>
+              </a:endParaRPr>
+            </a:p>
+          </p:txBody>
+        </p:sp>
+        <p:sp>
+          <p:nvSpPr>
+            <p:cNvPr id="21" name="TextBox 20"/>
+            <p:cNvSpPr txBox="1"/>
+            <p:nvPr/>
+          </p:nvSpPr>
+          <p:spPr>
+            <a:xfrm>
+              <a:off x="4733925" y="4638675"/>
+              <a:ext cx="1568058" cy="369332"/>
+            </a:xfrm>
+            <a:prstGeom prst="rect">
+              <a:avLst/>
+            </a:prstGeom>
+            <a:noFill/>
+          </p:spPr>
+          <p:txBody>
+            <a:bodyPr wrap="none" rtlCol="0">
+              <a:spAutoFit/>
+            </a:bodyPr>
+            <a:lstStyle/>
+            <a:p>
+              <a:pPr algn="ctr"/>
+              <a:r>
+                <a:rPr lang="en-IN" dirty="0" smtClean="0">
+                  <a:ln w="12700">
+                    <a:solidFill>
+                      <a:schemeClr val="tx2">
+                        <a:satMod val="155000"/>
+                      </a:schemeClr>
+                    </a:solidFill>
+                    <a:prstDash val="solid"/>
+                  </a:ln>
+                  <a:solidFill>
+                    <a:schemeClr val="accent1">
+                      <a:lumMod val="40000"/>
+                      <a:lumOff val="60000"/>
+                    </a:schemeClr>
+                  </a:solidFill>
+                  <a:latin typeface="Bahnschrift Light" pitchFamily="34" charset="0"/>
+                </a:rPr>
+                <a:t>Multiplication</a:t>
+              </a:r>
+              <a:endParaRPr lang="en-US" dirty="0" smtClean="0">
+                <a:ln w="12700">
+                  <a:solidFill>
+                    <a:schemeClr val="tx2">
+                      <a:satMod val="155000"/>
+                    </a:schemeClr>
+                  </a:solidFill>
+                  <a:prstDash val="solid"/>
+                </a:ln>
+                <a:solidFill>
+                  <a:schemeClr val="accent1">
+                    <a:lumMod val="40000"/>
+                    <a:lumOff val="60000"/>
+                  </a:schemeClr>
+                </a:solidFill>
+                <a:latin typeface="Bahnschrift Light" pitchFamily="34" charset="0"/>
+              </a:endParaRPr>
+            </a:p>
+          </p:txBody>
+        </p:sp>
+      </p:grpSp>
+      <p:grpSp>
+        <p:nvGrpSpPr>
+          <p:cNvPr id="31" name="Group 30"/>
+          <p:cNvGrpSpPr/>
+          <p:nvPr/>
+        </p:nvGrpSpPr>
+        <p:grpSpPr>
+          <a:xfrm>
+            <a:off x="7790326" y="3143249"/>
+            <a:ext cx="1057266" cy="1588533"/>
+            <a:chOff x="7790326" y="3143249"/>
+            <a:chExt cx="1057266" cy="1588533"/>
+          </a:xfrm>
+        </p:grpSpPr>
+        <p:sp>
+          <p:nvSpPr>
+            <p:cNvPr id="14" name="Rectangle 13"/>
+            <p:cNvSpPr/>
+            <p:nvPr/>
+          </p:nvSpPr>
+          <p:spPr>
+            <a:xfrm>
+              <a:off x="7790326" y="3143249"/>
+              <a:ext cx="906018" cy="1569660"/>
+            </a:xfrm>
+            <a:prstGeom prst="rect">
+              <a:avLst/>
+            </a:prstGeom>
+            <a:noFill/>
+          </p:spPr>
+          <p:txBody>
+            <a:bodyPr wrap="square" lIns="91440" tIns="45720" rIns="91440" bIns="45720">
+              <a:spAutoFit/>
+            </a:bodyPr>
+            <a:lstStyle/>
+            <a:p>
+              <a:pPr algn="ctr"/>
+              <a:r>
+                <a:rPr lang="en-US" sz="9600" b="1" cap="none" spc="0" dirty="0" smtClean="0">
+                  <a:ln w="12700">
+                    <a:solidFill>
+                      <a:schemeClr val="tx2">
+                        <a:satMod val="155000"/>
+                      </a:schemeClr>
+                    </a:solidFill>
+                    <a:prstDash val="solid"/>
+                  </a:ln>
+                  <a:solidFill>
+                    <a:schemeClr val="bg2">
+                      <a:tint val="85000"/>
+                      <a:satMod val="155000"/>
+                    </a:schemeClr>
+                  </a:solidFill>
+                  <a:effectLst>
+                    <a:outerShdw blurRad="41275" dist="20320" dir="1800000" algn="tl" rotWithShape="0">
+                      <a:srgbClr val="000000">
+                        <a:alpha val="40000"/>
+                      </a:srgbClr>
+                    </a:outerShdw>
+                  </a:effectLst>
+                </a:rPr>
+                <a:t>\</a:t>
+              </a:r>
+              <a:endParaRPr lang="en-US" sz="9600" b="1" cap="none" spc="0" dirty="0">
+                <a:ln w="12700">
+                  <a:solidFill>
+                    <a:schemeClr val="tx2">
+                      <a:satMod val="155000"/>
+                    </a:schemeClr>
+                  </a:solidFill>
+                  <a:prstDash val="solid"/>
+                </a:ln>
+                <a:solidFill>
+                  <a:schemeClr val="bg2">
+                    <a:tint val="85000"/>
+                    <a:satMod val="155000"/>
+                  </a:schemeClr>
+                </a:solidFill>
+                <a:effectLst>
+                  <a:outerShdw blurRad="41275" dist="20320" dir="1800000" algn="tl" rotWithShape="0">
+                    <a:srgbClr val="000000">
+                      <a:alpha val="40000"/>
+                    </a:srgbClr>
+                  </a:outerShdw>
+                </a:effectLst>
+              </a:endParaRPr>
+            </a:p>
+          </p:txBody>
+        </p:sp>
+        <p:sp>
+          <p:nvSpPr>
+            <p:cNvPr id="22" name="TextBox 21"/>
+            <p:cNvSpPr txBox="1"/>
+            <p:nvPr/>
+          </p:nvSpPr>
+          <p:spPr>
+            <a:xfrm>
+              <a:off x="7848600" y="4362450"/>
+              <a:ext cx="998992" cy="369332"/>
+            </a:xfrm>
+            <a:prstGeom prst="rect">
+              <a:avLst/>
+            </a:prstGeom>
+            <a:noFill/>
+          </p:spPr>
+          <p:txBody>
+            <a:bodyPr wrap="none" rtlCol="0">
+              <a:spAutoFit/>
+            </a:bodyPr>
+            <a:lstStyle/>
+            <a:p>
+              <a:pPr algn="ctr"/>
+              <a:r>
+                <a:rPr lang="en-IN" dirty="0" smtClean="0">
+                  <a:ln w="12700">
+                    <a:solidFill>
+                      <a:schemeClr val="tx2">
+                        <a:satMod val="155000"/>
+                      </a:schemeClr>
+                    </a:solidFill>
+                    <a:prstDash val="solid"/>
+                  </a:ln>
+                  <a:solidFill>
+                    <a:schemeClr val="accent1">
+                      <a:lumMod val="40000"/>
+                      <a:lumOff val="60000"/>
+                    </a:schemeClr>
+                  </a:solidFill>
+                  <a:latin typeface="Bahnschrift Light" pitchFamily="34" charset="0"/>
+                </a:rPr>
+                <a:t>Division</a:t>
+              </a:r>
+              <a:endParaRPr lang="en-US" dirty="0" smtClean="0">
+                <a:ln w="12700">
+                  <a:solidFill>
+                    <a:schemeClr val="tx2">
+                      <a:satMod val="155000"/>
+                    </a:schemeClr>
+                  </a:solidFill>
+                  <a:prstDash val="solid"/>
+                </a:ln>
+                <a:solidFill>
+                  <a:schemeClr val="accent1">
+                    <a:lumMod val="40000"/>
+                    <a:lumOff val="60000"/>
+                  </a:schemeClr>
+                </a:solidFill>
+                <a:latin typeface="Bahnschrift Light" pitchFamily="34" charset="0"/>
+              </a:endParaRPr>
+            </a:p>
+          </p:txBody>
+        </p:sp>
+      </p:grpSp>
+      <p:grpSp>
+        <p:nvGrpSpPr>
+          <p:cNvPr id="29" name="Group 28"/>
+          <p:cNvGrpSpPr/>
+          <p:nvPr/>
+        </p:nvGrpSpPr>
+        <p:grpSpPr>
+          <a:xfrm>
+            <a:off x="9810750" y="3009899"/>
+            <a:ext cx="1058303" cy="1626633"/>
+            <a:chOff x="9810750" y="3009899"/>
+            <a:chExt cx="1058303" cy="1626633"/>
+          </a:xfrm>
+        </p:grpSpPr>
+        <p:sp>
+          <p:nvSpPr>
+            <p:cNvPr id="17" name="Rectangle 16"/>
+            <p:cNvSpPr/>
+            <p:nvPr/>
+          </p:nvSpPr>
+          <p:spPr>
+            <a:xfrm>
+              <a:off x="9876301" y="3009899"/>
+              <a:ext cx="906018" cy="1569660"/>
+            </a:xfrm>
+            <a:prstGeom prst="rect">
+              <a:avLst/>
+            </a:prstGeom>
+            <a:noFill/>
+          </p:spPr>
+          <p:txBody>
+            <a:bodyPr wrap="square" lIns="91440" tIns="45720" rIns="91440" bIns="45720">
+              <a:spAutoFit/>
+            </a:bodyPr>
+            <a:lstStyle/>
+            <a:p>
+              <a:pPr algn="ctr"/>
+              <a:r>
+                <a:rPr lang="en-US" sz="9600" b="1" cap="none" spc="0" dirty="0" smtClean="0">
+                  <a:ln w="12700">
+                    <a:solidFill>
+                      <a:schemeClr val="tx2">
+                        <a:satMod val="155000"/>
+                      </a:schemeClr>
+                    </a:solidFill>
+                    <a:prstDash val="solid"/>
+                  </a:ln>
+                  <a:solidFill>
+                    <a:schemeClr val="bg2">
+                      <a:tint val="85000"/>
+                      <a:satMod val="155000"/>
+                    </a:schemeClr>
+                  </a:solidFill>
+                  <a:effectLst>
+                    <a:outerShdw blurRad="41275" dist="20320" dir="1800000" algn="tl" rotWithShape="0">
+                      <a:srgbClr val="000000">
+                        <a:alpha val="40000"/>
+                      </a:srgbClr>
+                    </a:outerShdw>
+                  </a:effectLst>
+                </a:rPr>
+                <a:t>%</a:t>
+              </a:r>
+              <a:endParaRPr lang="en-US" sz="9600" b="1" cap="none" spc="0" dirty="0">
+                <a:ln w="12700">
+                  <a:solidFill>
+                    <a:schemeClr val="tx2">
+                      <a:satMod val="155000"/>
+                    </a:schemeClr>
+                  </a:solidFill>
+                  <a:prstDash val="solid"/>
+                </a:ln>
+                <a:solidFill>
+                  <a:schemeClr val="bg2">
+                    <a:tint val="85000"/>
+                    <a:satMod val="155000"/>
+                  </a:schemeClr>
+                </a:solidFill>
+                <a:effectLst>
+                  <a:outerShdw blurRad="41275" dist="20320" dir="1800000" algn="tl" rotWithShape="0">
+                    <a:srgbClr val="000000">
+                      <a:alpha val="40000"/>
+                    </a:srgbClr>
+                  </a:outerShdw>
+                </a:effectLst>
+              </a:endParaRPr>
+            </a:p>
+          </p:txBody>
+        </p:sp>
+        <p:sp>
+          <p:nvSpPr>
+            <p:cNvPr id="23" name="TextBox 22"/>
+            <p:cNvSpPr txBox="1"/>
+            <p:nvPr/>
+          </p:nvSpPr>
+          <p:spPr>
+            <a:xfrm>
+              <a:off x="9810750" y="4267200"/>
+              <a:ext cx="1058303" cy="369332"/>
+            </a:xfrm>
+            <a:prstGeom prst="rect">
+              <a:avLst/>
+            </a:prstGeom>
+            <a:noFill/>
+          </p:spPr>
+          <p:txBody>
+            <a:bodyPr wrap="none" rtlCol="0">
+              <a:spAutoFit/>
+            </a:bodyPr>
+            <a:lstStyle/>
+            <a:p>
+              <a:pPr algn="ctr"/>
+              <a:r>
+                <a:rPr lang="en-IN" dirty="0" smtClean="0">
+                  <a:ln w="12700">
+                    <a:solidFill>
+                      <a:schemeClr val="tx2">
+                        <a:satMod val="155000"/>
+                      </a:schemeClr>
+                    </a:solidFill>
+                    <a:prstDash val="solid"/>
+                  </a:ln>
+                  <a:solidFill>
+                    <a:schemeClr val="accent1">
+                      <a:lumMod val="40000"/>
+                      <a:lumOff val="60000"/>
+                    </a:schemeClr>
+                  </a:solidFill>
+                  <a:latin typeface="Bahnschrift Light" pitchFamily="34" charset="0"/>
+                </a:rPr>
+                <a:t>Modulus</a:t>
+              </a:r>
+              <a:endParaRPr lang="en-US" dirty="0" smtClean="0">
+                <a:ln w="12700">
+                  <a:solidFill>
+                    <a:schemeClr val="tx2">
+                      <a:satMod val="155000"/>
+                    </a:schemeClr>
+                  </a:solidFill>
+                  <a:prstDash val="solid"/>
+                </a:ln>
+                <a:solidFill>
+                  <a:schemeClr val="accent1">
+                    <a:lumMod val="40000"/>
+                    <a:lumOff val="60000"/>
+                  </a:schemeClr>
+                </a:solidFill>
+                <a:latin typeface="Bahnschrift Light" pitchFamily="34" charset="0"/>
+              </a:endParaRPr>
+            </a:p>
+          </p:txBody>
+        </p:sp>
+      </p:grpSp>
+      <p:grpSp>
+        <p:nvGrpSpPr>
+          <p:cNvPr id="30" name="Group 29"/>
+          <p:cNvGrpSpPr/>
+          <p:nvPr/>
+        </p:nvGrpSpPr>
+        <p:grpSpPr>
+          <a:xfrm>
+            <a:off x="5573249" y="4495799"/>
+            <a:ext cx="3067069" cy="1569660"/>
+            <a:chOff x="6620999" y="4343399"/>
+            <a:chExt cx="3067069" cy="1569660"/>
+          </a:xfrm>
+        </p:grpSpPr>
+        <p:sp>
+          <p:nvSpPr>
+            <p:cNvPr id="16" name="Rectangle 15"/>
+            <p:cNvSpPr/>
+            <p:nvPr/>
+          </p:nvSpPr>
+          <p:spPr>
+            <a:xfrm>
+              <a:off x="6620999" y="4343399"/>
+              <a:ext cx="3067069" cy="1569660"/>
+            </a:xfrm>
+            <a:prstGeom prst="rect">
+              <a:avLst/>
+            </a:prstGeom>
+            <a:noFill/>
+          </p:spPr>
+          <p:txBody>
+            <a:bodyPr wrap="square" lIns="91440" tIns="45720" rIns="91440" bIns="45720">
+              <a:spAutoFit/>
+            </a:bodyPr>
+            <a:lstStyle/>
+            <a:p>
+              <a:pPr algn="ctr"/>
+              <a:r>
+                <a:rPr lang="en-US" sz="9600" b="1" cap="none" spc="0" dirty="0" smtClean="0">
+                  <a:ln w="12700">
+                    <a:solidFill>
+                      <a:schemeClr val="tx2">
+                        <a:satMod val="155000"/>
+                      </a:schemeClr>
+                    </a:solidFill>
+                    <a:prstDash val="solid"/>
+                  </a:ln>
+                  <a:solidFill>
+                    <a:schemeClr val="bg2">
+                      <a:tint val="85000"/>
+                      <a:satMod val="155000"/>
+                    </a:schemeClr>
+                  </a:solidFill>
+                  <a:effectLst>
+                    <a:outerShdw blurRad="41275" dist="20320" dir="1800000" algn="tl" rotWithShape="0">
+                      <a:srgbClr val="000000">
+                        <a:alpha val="40000"/>
+                      </a:srgbClr>
+                    </a:outerShdw>
+                  </a:effectLst>
+                </a:rPr>
+                <a:t>--</a:t>
+              </a:r>
+              <a:endParaRPr lang="en-US" sz="9600" b="1" cap="none" spc="0" dirty="0">
+                <a:ln w="12700">
+                  <a:solidFill>
+                    <a:schemeClr val="tx2">
+                      <a:satMod val="155000"/>
+                    </a:schemeClr>
+                  </a:solidFill>
+                  <a:prstDash val="solid"/>
+                </a:ln>
+                <a:solidFill>
+                  <a:schemeClr val="bg2">
+                    <a:tint val="85000"/>
+                    <a:satMod val="155000"/>
+                  </a:schemeClr>
+                </a:solidFill>
+                <a:effectLst>
+                  <a:outerShdw blurRad="41275" dist="20320" dir="1800000" algn="tl" rotWithShape="0">
+                    <a:srgbClr val="000000">
+                      <a:alpha val="40000"/>
+                    </a:srgbClr>
+                  </a:outerShdw>
+                </a:effectLst>
+              </a:endParaRPr>
+            </a:p>
+          </p:txBody>
+        </p:sp>
+        <p:sp>
+          <p:nvSpPr>
+            <p:cNvPr id="24" name="TextBox 23"/>
+            <p:cNvSpPr txBox="1"/>
+            <p:nvPr/>
+          </p:nvSpPr>
+          <p:spPr>
+            <a:xfrm>
+              <a:off x="7505700" y="5314950"/>
+              <a:ext cx="1321196" cy="369332"/>
+            </a:xfrm>
+            <a:prstGeom prst="rect">
+              <a:avLst/>
+            </a:prstGeom>
+            <a:noFill/>
+          </p:spPr>
+          <p:txBody>
+            <a:bodyPr wrap="none" rtlCol="0">
+              <a:spAutoFit/>
+            </a:bodyPr>
+            <a:lstStyle/>
+            <a:p>
+              <a:pPr algn="ctr"/>
+              <a:r>
+                <a:rPr lang="en-IN" dirty="0" smtClean="0">
+                  <a:ln w="12700">
+                    <a:solidFill>
+                      <a:schemeClr val="tx2">
+                        <a:satMod val="155000"/>
+                      </a:schemeClr>
+                    </a:solidFill>
+                    <a:prstDash val="solid"/>
+                  </a:ln>
+                  <a:solidFill>
+                    <a:schemeClr val="accent1">
+                      <a:lumMod val="40000"/>
+                      <a:lumOff val="60000"/>
+                    </a:schemeClr>
+                  </a:solidFill>
+                  <a:latin typeface="Bahnschrift Light" pitchFamily="34" charset="0"/>
+                </a:rPr>
+                <a:t>Decrement</a:t>
+              </a:r>
+              <a:endParaRPr lang="en-US" dirty="0" smtClean="0">
+                <a:ln w="12700">
+                  <a:solidFill>
+                    <a:schemeClr val="tx2">
+                      <a:satMod val="155000"/>
+                    </a:schemeClr>
+                  </a:solidFill>
+                  <a:prstDash val="solid"/>
+                </a:ln>
+                <a:solidFill>
+                  <a:schemeClr val="accent1">
+                    <a:lumMod val="40000"/>
+                    <a:lumOff val="60000"/>
+                  </a:schemeClr>
+                </a:solidFill>
+                <a:latin typeface="Bahnschrift Light" pitchFamily="34" charset="0"/>
+              </a:endParaRPr>
+            </a:p>
+          </p:txBody>
+        </p:sp>
+      </p:grpSp>
+      <p:grpSp>
+        <p:nvGrpSpPr>
+          <p:cNvPr id="26" name="Group 25"/>
+          <p:cNvGrpSpPr/>
+          <p:nvPr/>
+        </p:nvGrpSpPr>
+        <p:grpSpPr>
+          <a:xfrm>
+            <a:off x="2571750" y="4286249"/>
+            <a:ext cx="3067069" cy="1569660"/>
+            <a:chOff x="1114425" y="4743449"/>
+            <a:chExt cx="3067069" cy="1569660"/>
+          </a:xfrm>
+        </p:grpSpPr>
+        <p:sp>
+          <p:nvSpPr>
+            <p:cNvPr id="15" name="Rectangle 14"/>
+            <p:cNvSpPr/>
+            <p:nvPr/>
+          </p:nvSpPr>
+          <p:spPr>
+            <a:xfrm>
+              <a:off x="1114425" y="4743449"/>
+              <a:ext cx="3067069" cy="1569660"/>
+            </a:xfrm>
+            <a:prstGeom prst="rect">
+              <a:avLst/>
+            </a:prstGeom>
+            <a:noFill/>
+          </p:spPr>
+          <p:txBody>
+            <a:bodyPr wrap="square" lIns="91440" tIns="45720" rIns="91440" bIns="45720">
+              <a:spAutoFit/>
+            </a:bodyPr>
+            <a:lstStyle/>
+            <a:p>
+              <a:pPr algn="ctr"/>
+              <a:r>
+                <a:rPr lang="en-US" sz="9600" b="1" cap="none" spc="0" dirty="0" smtClean="0">
+                  <a:ln w="12700">
+                    <a:solidFill>
+                      <a:schemeClr val="tx2">
+                        <a:satMod val="155000"/>
+                      </a:schemeClr>
+                    </a:solidFill>
+                    <a:prstDash val="solid"/>
+                  </a:ln>
+                  <a:solidFill>
+                    <a:schemeClr val="bg2">
+                      <a:tint val="85000"/>
+                      <a:satMod val="155000"/>
+                    </a:schemeClr>
+                  </a:solidFill>
+                  <a:effectLst>
+                    <a:outerShdw blurRad="41275" dist="20320" dir="1800000" algn="tl" rotWithShape="0">
+                      <a:srgbClr val="000000">
+                        <a:alpha val="40000"/>
+                      </a:srgbClr>
+                    </a:outerShdw>
+                  </a:effectLst>
+                </a:rPr>
+                <a:t>++</a:t>
+              </a:r>
+              <a:endParaRPr lang="en-US" sz="9600" b="1" cap="none" spc="0" dirty="0">
+                <a:ln w="12700">
+                  <a:solidFill>
+                    <a:schemeClr val="tx2">
+                      <a:satMod val="155000"/>
+                    </a:schemeClr>
+                  </a:solidFill>
+                  <a:prstDash val="solid"/>
+                </a:ln>
+                <a:solidFill>
+                  <a:schemeClr val="bg2">
+                    <a:tint val="85000"/>
+                    <a:satMod val="155000"/>
+                  </a:schemeClr>
+                </a:solidFill>
+                <a:effectLst>
+                  <a:outerShdw blurRad="41275" dist="20320" dir="1800000" algn="tl" rotWithShape="0">
+                    <a:srgbClr val="000000">
+                      <a:alpha val="40000"/>
+                    </a:srgbClr>
+                  </a:outerShdw>
+                </a:effectLst>
+              </a:endParaRPr>
+            </a:p>
+          </p:txBody>
+        </p:sp>
+        <p:sp>
+          <p:nvSpPr>
+            <p:cNvPr id="25" name="TextBox 24"/>
+            <p:cNvSpPr txBox="1"/>
+            <p:nvPr/>
+          </p:nvSpPr>
+          <p:spPr>
+            <a:xfrm>
+              <a:off x="2038350" y="5876925"/>
+              <a:ext cx="1237839" cy="369332"/>
+            </a:xfrm>
+            <a:prstGeom prst="rect">
+              <a:avLst/>
+            </a:prstGeom>
+            <a:noFill/>
+          </p:spPr>
+          <p:txBody>
+            <a:bodyPr wrap="none" rtlCol="0">
+              <a:spAutoFit/>
+            </a:bodyPr>
+            <a:lstStyle/>
+            <a:p>
+              <a:pPr algn="ctr"/>
+              <a:r>
+                <a:rPr lang="en-IN" dirty="0" smtClean="0">
+                  <a:ln w="12700">
+                    <a:solidFill>
+                      <a:schemeClr val="tx2">
+                        <a:satMod val="155000"/>
+                      </a:schemeClr>
+                    </a:solidFill>
+                    <a:prstDash val="solid"/>
+                  </a:ln>
+                  <a:solidFill>
+                    <a:schemeClr val="accent1">
+                      <a:lumMod val="40000"/>
+                      <a:lumOff val="60000"/>
+                    </a:schemeClr>
+                  </a:solidFill>
+                  <a:latin typeface="Bahnschrift Light" pitchFamily="34" charset="0"/>
+                </a:rPr>
+                <a:t>Increment</a:t>
+              </a:r>
+              <a:endParaRPr lang="en-US" dirty="0" smtClean="0">
+                <a:ln w="12700">
+                  <a:solidFill>
+                    <a:schemeClr val="tx2">
+                      <a:satMod val="155000"/>
+                    </a:schemeClr>
+                  </a:solidFill>
+                  <a:prstDash val="solid"/>
+                </a:ln>
+                <a:solidFill>
+                  <a:schemeClr val="accent1">
+                    <a:lumMod val="40000"/>
+                    <a:lumOff val="60000"/>
+                  </a:schemeClr>
+                </a:solidFill>
+                <a:latin typeface="Bahnschrift Light" pitchFamily="34" charset="0"/>
+              </a:endParaRPr>
+            </a:p>
+          </p:txBody>
+        </p:sp>
+      </p:grpSp>
+    </p:spTree>
+    <p:extLst>
+      <p:ext uri="{BB962C8B-B14F-4D97-AF65-F5344CB8AC3E}">
+        <p14:creationId xmlns:p14="http://schemas.microsoft.com/office/powerpoint/2010/main" xmlns="" val="3287175084"/>
+      </p:ext>
+    </p:extLst>
+  </p:cSld>
+  <p:clrMapOvr>
+    <a:masterClrMapping/>
+  </p:clrMapOvr>
+  <p:timing>
+    <p:tnLst>
+      <p:par>
+        <p:cTn id="1" dur="indefinite" restart="never" nodeType="tmRoot"/>
+      </p:par>
+    </p:tnLst>
+  </p:timing>
+</p:sld>
+</file>
+
+<file path=ppt/slides/slide33.xml><?xml version="1.0" encoding="utf-8"?>
+<p:sld xmlns:a="http://schemas.openxmlformats.org/drawingml/2006/main" xmlns:r="http://schemas.openxmlformats.org/officeDocument/2006/relationships" xmlns:p="http://schemas.openxmlformats.org/presentationml/2006/main">
+  <p:cSld>
+    <p:spTree>
+      <p:nvGrpSpPr>
+        <p:cNvPr id="1" name=""/>
+        <p:cNvGrpSpPr/>
+        <p:nvPr/>
+      </p:nvGrpSpPr>
+      <p:grpSpPr>
+        <a:xfrm>
+          <a:off x="0" y="0"/>
+          <a:ext cx="0" cy="0"/>
+          <a:chOff x="0" y="0"/>
+          <a:chExt cx="0" cy="0"/>
+        </a:xfrm>
+      </p:grpSpPr>
+      <p:sp>
+        <p:nvSpPr>
+          <p:cNvPr id="10" name="Rectangle 9"/>
+          <p:cNvSpPr/>
+          <p:nvPr/>
+        </p:nvSpPr>
+        <p:spPr>
+          <a:xfrm>
+            <a:off x="0" y="0"/>
+            <a:ext cx="12192000" cy="6858000"/>
+          </a:xfrm>
+          <a:prstGeom prst="rect">
+            <a:avLst/>
+          </a:prstGeom>
+          <a:solidFill>
+            <a:schemeClr val="bg2">
+              <a:lumMod val="50000"/>
+            </a:schemeClr>
+          </a:solidFill>
+          <a:ln>
+            <a:noFill/>
+          </a:ln>
+        </p:spPr>
+        <p:style>
+          <a:lnRef idx="2">
+            <a:schemeClr val="accent1">
+              <a:shade val="50000"/>
+            </a:schemeClr>
+          </a:lnRef>
+          <a:fillRef idx="1">
+            <a:schemeClr val="accent1"/>
+          </a:fillRef>
+          <a:effectRef idx="0">
+            <a:schemeClr val="accent1"/>
+          </a:effectRef>
+          <a:fontRef idx="minor">
+            <a:schemeClr val="lt1"/>
+          </a:fontRef>
+        </p:style>
+        <p:txBody>
+          <a:bodyPr rtlCol="0" anchor="ctr"/>
+          <a:lstStyle/>
+          <a:p>
+            <a:pPr algn="ctr"/>
+            <a:endParaRPr lang="en-US" dirty="0"/>
+          </a:p>
+        </p:txBody>
+      </p:sp>
+      <p:sp>
+        <p:nvSpPr>
+          <p:cNvPr id="9" name="Explosion: 14 Points 8">
+            <a:extLst>
+              <a:ext uri="{FF2B5EF4-FFF2-40B4-BE49-F238E27FC236}">
+                <a16:creationId xmlns:a16="http://schemas.microsoft.com/office/drawing/2014/main" xmlns="" id="{0A2CD68B-7A56-F86D-8B6F-4A8BF99B4C9E}"/>
+              </a:ext>
+            </a:extLst>
+          </p:cNvPr>
+          <p:cNvSpPr/>
+          <p:nvPr/>
+        </p:nvSpPr>
+        <p:spPr>
+          <a:xfrm>
+            <a:off x="4336395" y="0"/>
+            <a:ext cx="3669087" cy="3707684"/>
+          </a:xfrm>
+          <a:prstGeom prst="irregularSeal2">
+            <a:avLst/>
+          </a:prstGeom>
+          <a:solidFill>
+            <a:schemeClr val="bg2">
+              <a:lumMod val="75000"/>
+            </a:schemeClr>
+          </a:solidFill>
+          <a:ln>
+            <a:noFill/>
+          </a:ln>
+        </p:spPr>
+        <p:style>
+          <a:lnRef idx="2">
+            <a:schemeClr val="accent1">
+              <a:shade val="15000"/>
+            </a:schemeClr>
+          </a:lnRef>
+          <a:fillRef idx="1">
+            <a:schemeClr val="accent1"/>
+          </a:fillRef>
+          <a:effectRef idx="0">
+            <a:schemeClr val="accent1"/>
+          </a:effectRef>
+          <a:fontRef idx="minor">
+            <a:schemeClr val="lt1"/>
+          </a:fontRef>
+        </p:style>
+        <p:txBody>
+          <a:bodyPr rtlCol="0" anchor="ctr"/>
+          <a:lstStyle/>
+          <a:p>
+            <a:pPr algn="ctr"/>
+            <a:endParaRPr lang="en-IN"/>
+          </a:p>
+        </p:txBody>
+      </p:sp>
+      <p:sp>
+        <p:nvSpPr>
+          <p:cNvPr id="2" name="Title 1">
+            <a:extLst>
+              <a:ext uri="{FF2B5EF4-FFF2-40B4-BE49-F238E27FC236}">
+                <a16:creationId xmlns:a16="http://schemas.microsoft.com/office/drawing/2014/main" xmlns="" id="{62BB4F8D-44B7-9866-F7B2-6375CB902974}"/>
+              </a:ext>
+            </a:extLst>
+          </p:cNvPr>
+          <p:cNvSpPr>
+            <a:spLocks noGrp="1"/>
+          </p:cNvSpPr>
+          <p:nvPr>
+            <p:ph type="title"/>
+          </p:nvPr>
+        </p:nvSpPr>
+        <p:spPr>
+          <a:xfrm>
+            <a:off x="0" y="-134470"/>
+            <a:ext cx="12192000" cy="3630705"/>
+          </a:xfrm>
+          <a:noFill/>
+        </p:spPr>
+        <p:txBody>
+          <a:bodyPr anchor="ctr">
+            <a:normAutofit/>
+          </a:bodyPr>
+          <a:lstStyle/>
+          <a:p>
+            <a:pPr algn="ctr"/>
+            <a:r>
+              <a:rPr lang="en-US" sz="7200" b="1" dirty="0" smtClean="0">
+                <a:solidFill>
+                  <a:schemeClr val="tx1"/>
+                </a:solidFill>
+                <a:latin typeface="Barlow Black" panose="00000A00000000000000" pitchFamily="2" charset="0"/>
+              </a:rPr>
+              <a:t>Chapter – </a:t>
+            </a:r>
+            <a:r>
+              <a:rPr lang="en-US" sz="7200" dirty="0" smtClean="0">
+                <a:solidFill>
+                  <a:schemeClr val="tx1"/>
+                </a:solidFill>
+                <a:latin typeface="Bahnschrift SemiLight" pitchFamily="34" charset="0"/>
+              </a:rPr>
+              <a:t>10</a:t>
+            </a:r>
+            <a:r>
+              <a:rPr lang="en-US" sz="7200" b="1" dirty="0" smtClean="0">
+                <a:solidFill>
+                  <a:schemeClr val="tx1"/>
+                </a:solidFill>
+                <a:latin typeface="Barlow Black" panose="00000A00000000000000" pitchFamily="2" charset="0"/>
+              </a:rPr>
+              <a:t/>
+            </a:r>
+            <a:br>
+              <a:rPr lang="en-US" sz="7200" b="1" dirty="0" smtClean="0">
+                <a:solidFill>
+                  <a:schemeClr val="tx1"/>
+                </a:solidFill>
+                <a:latin typeface="Barlow Black" panose="00000A00000000000000" pitchFamily="2" charset="0"/>
+              </a:rPr>
+            </a:br>
+            <a:r>
+              <a:rPr lang="en-US" sz="6600" b="1" dirty="0" smtClean="0">
+                <a:solidFill>
+                  <a:schemeClr val="accent2">
+                    <a:lumMod val="60000"/>
+                    <a:lumOff val="40000"/>
+                  </a:schemeClr>
+                </a:solidFill>
+                <a:latin typeface="Bahnschrift Light Condensed" pitchFamily="34" charset="0"/>
+              </a:rPr>
+              <a:t>(</a:t>
+            </a:r>
+            <a:r>
+              <a:rPr lang="en-US" sz="8800" b="1" dirty="0" smtClean="0">
+                <a:solidFill>
+                  <a:schemeClr val="accent2">
+                    <a:lumMod val="60000"/>
+                    <a:lumOff val="40000"/>
+                  </a:schemeClr>
+                </a:solidFill>
+                <a:latin typeface="Bahnschrift Light Condensed" pitchFamily="34" charset="0"/>
+              </a:rPr>
+              <a:t>Comparison Operators</a:t>
+            </a:r>
+            <a:r>
+              <a:rPr lang="en-US" sz="6600" b="1" dirty="0" smtClean="0">
+                <a:solidFill>
+                  <a:schemeClr val="accent2">
+                    <a:lumMod val="60000"/>
+                    <a:lumOff val="40000"/>
+                  </a:schemeClr>
+                </a:solidFill>
+                <a:latin typeface="Bahnschrift Light Condensed" pitchFamily="34" charset="0"/>
+              </a:rPr>
+              <a:t>)</a:t>
+            </a:r>
+            <a:endParaRPr lang="en-IN" sz="6600" b="1" dirty="0">
+              <a:solidFill>
+                <a:schemeClr val="accent2">
+                  <a:lumMod val="60000"/>
+                  <a:lumOff val="40000"/>
+                </a:schemeClr>
+              </a:solidFill>
+              <a:latin typeface="Bahnschrift Light Condensed" pitchFamily="34" charset="0"/>
+            </a:endParaRPr>
+          </a:p>
+        </p:txBody>
+      </p:sp>
+      <p:sp>
+        <p:nvSpPr>
+          <p:cNvPr id="8" name="TextBox 7">
+            <a:extLst>
+              <a:ext uri="{FF2B5EF4-FFF2-40B4-BE49-F238E27FC236}">
+                <a16:creationId xmlns:a16="http://schemas.microsoft.com/office/drawing/2014/main" xmlns="" id="{6E6F1672-8C91-3FA6-CB80-58FD68172333}"/>
+              </a:ext>
+            </a:extLst>
+          </p:cNvPr>
+          <p:cNvSpPr txBox="1"/>
+          <p:nvPr/>
+        </p:nvSpPr>
+        <p:spPr>
+          <a:xfrm>
+            <a:off x="6057900" y="6308812"/>
+            <a:ext cx="6134100" cy="369332"/>
+          </a:xfrm>
+          <a:prstGeom prst="rect">
+            <a:avLst/>
+          </a:prstGeom>
+          <a:noFill/>
+        </p:spPr>
+        <p:txBody>
+          <a:bodyPr wrap="square" rtlCol="0">
+            <a:spAutoFit/>
+          </a:bodyPr>
+          <a:lstStyle/>
+          <a:p>
+            <a:pPr algn="ctr"/>
+            <a:r>
+              <a:rPr lang="en-US" b="1" dirty="0"/>
+              <a:t>Gautam Kumar- </a:t>
+            </a:r>
+            <a:r>
+              <a:rPr lang="en-US" dirty="0">
+                <a:solidFill>
+                  <a:schemeClr val="tx1">
+                    <a:lumMod val="50000"/>
+                    <a:lumOff val="50000"/>
+                  </a:schemeClr>
+                </a:solidFill>
+              </a:rPr>
+              <a:t>uidhtml.com</a:t>
+            </a:r>
+            <a:endParaRPr lang="en-IN" dirty="0">
+              <a:solidFill>
+                <a:schemeClr val="tx1">
+                  <a:lumMod val="50000"/>
+                  <a:lumOff val="50000"/>
+                </a:schemeClr>
+              </a:solidFill>
+            </a:endParaRPr>
+          </a:p>
+        </p:txBody>
+      </p:sp>
+      <p:sp>
+        <p:nvSpPr>
+          <p:cNvPr id="7" name="TextBox 6"/>
+          <p:cNvSpPr txBox="1"/>
+          <p:nvPr/>
+        </p:nvSpPr>
+        <p:spPr>
+          <a:xfrm>
+            <a:off x="241300" y="228600"/>
+            <a:ext cx="3190297" cy="584775"/>
+          </a:xfrm>
+          <a:prstGeom prst="rect">
+            <a:avLst/>
+          </a:prstGeom>
+          <a:noFill/>
+        </p:spPr>
+        <p:txBody>
+          <a:bodyPr wrap="none" rtlCol="0">
+            <a:spAutoFit/>
+          </a:bodyPr>
+          <a:lstStyle/>
+          <a:p>
+            <a:r>
+              <a:rPr lang="en-US" sz="3200" b="1" dirty="0" smtClean="0">
+                <a:latin typeface="Barlow Condensed ExtraLight" panose="00000306000000000000" pitchFamily="2" charset="0"/>
+              </a:rPr>
+              <a:t>JavaScript - </a:t>
+            </a:r>
+            <a:r>
+              <a:rPr lang="en-US" sz="3200" b="1" dirty="0" smtClean="0">
+                <a:solidFill>
+                  <a:srgbClr val="FFFF00"/>
+                </a:solidFill>
+                <a:latin typeface="Barlow Condensed ExtraLight" panose="00000306000000000000" pitchFamily="2" charset="0"/>
+              </a:rPr>
+              <a:t>Operators</a:t>
+            </a:r>
+            <a:endParaRPr lang="en-US" sz="3200" dirty="0">
+              <a:solidFill>
+                <a:srgbClr val="FFFF00"/>
+              </a:solidFill>
+            </a:endParaRPr>
+          </a:p>
+        </p:txBody>
+      </p:sp>
+      <p:pic>
+        <p:nvPicPr>
+          <p:cNvPr id="1027" name="Picture 3" descr="K:\github-repo\javascript-tutorials\tutorials\chapter-7-data-conversion\assets\images\javascript-logo.png"/>
+          <p:cNvPicPr>
+            <a:picLocks noChangeAspect="1" noChangeArrowheads="1"/>
+          </p:cNvPicPr>
+          <p:nvPr/>
+        </p:nvPicPr>
+        <p:blipFill>
+          <a:blip r:embed="rId3"/>
+          <a:srcRect/>
+          <a:stretch>
+            <a:fillRect/>
+          </a:stretch>
+        </p:blipFill>
+        <p:spPr bwMode="auto">
+          <a:xfrm>
+            <a:off x="10712450" y="5353050"/>
+            <a:ext cx="1314450" cy="1314450"/>
+          </a:xfrm>
+          <a:prstGeom prst="rect">
+            <a:avLst/>
+          </a:prstGeom>
+          <a:noFill/>
+        </p:spPr>
+      </p:pic>
+      <p:grpSp>
+        <p:nvGrpSpPr>
+          <p:cNvPr id="31" name="Group 30"/>
+          <p:cNvGrpSpPr/>
+          <p:nvPr/>
+        </p:nvGrpSpPr>
+        <p:grpSpPr>
+          <a:xfrm>
+            <a:off x="589427" y="3171824"/>
+            <a:ext cx="2144248" cy="1569660"/>
+            <a:chOff x="589427" y="3362324"/>
+            <a:chExt cx="2144248" cy="1569660"/>
+          </a:xfrm>
+        </p:grpSpPr>
+        <p:sp>
+          <p:nvSpPr>
+            <p:cNvPr id="11" name="Rectangle 10"/>
+            <p:cNvSpPr/>
+            <p:nvPr/>
+          </p:nvSpPr>
+          <p:spPr>
+            <a:xfrm>
+              <a:off x="589427" y="3362324"/>
+              <a:ext cx="2144248" cy="1569660"/>
+            </a:xfrm>
+            <a:prstGeom prst="rect">
+              <a:avLst/>
+            </a:prstGeom>
+            <a:noFill/>
+          </p:spPr>
+          <p:txBody>
+            <a:bodyPr wrap="square" lIns="91440" tIns="45720" rIns="91440" bIns="45720">
+              <a:spAutoFit/>
+            </a:bodyPr>
+            <a:lstStyle/>
+            <a:p>
+              <a:pPr algn="ctr"/>
+              <a:r>
+                <a:rPr lang="en-US" sz="9600" b="1" cap="none" spc="0" dirty="0" smtClean="0">
+                  <a:ln w="12700">
+                    <a:solidFill>
+                      <a:schemeClr val="tx2">
+                        <a:satMod val="155000"/>
+                      </a:schemeClr>
+                    </a:solidFill>
+                    <a:prstDash val="solid"/>
+                  </a:ln>
+                  <a:solidFill>
+                    <a:schemeClr val="bg2">
+                      <a:tint val="85000"/>
+                      <a:satMod val="155000"/>
+                    </a:schemeClr>
+                  </a:solidFill>
+                  <a:effectLst>
+                    <a:outerShdw blurRad="41275" dist="20320" dir="1800000" algn="tl" rotWithShape="0">
+                      <a:srgbClr val="000000">
+                        <a:alpha val="40000"/>
+                      </a:srgbClr>
+                    </a:outerShdw>
+                  </a:effectLst>
+                </a:rPr>
+                <a:t>==</a:t>
+              </a:r>
+              <a:endParaRPr lang="en-US" b="1" cap="none" spc="0" dirty="0">
+                <a:ln w="12700">
+                  <a:solidFill>
+                    <a:schemeClr val="tx2">
+                      <a:satMod val="155000"/>
+                    </a:schemeClr>
+                  </a:solidFill>
+                  <a:prstDash val="solid"/>
+                </a:ln>
+                <a:solidFill>
+                  <a:schemeClr val="accent1">
+                    <a:lumMod val="40000"/>
+                    <a:lumOff val="60000"/>
+                  </a:schemeClr>
+                </a:solidFill>
+                <a:effectLst>
+                  <a:outerShdw blurRad="41275" dist="20320" dir="1800000" algn="tl" rotWithShape="0">
+                    <a:srgbClr val="000000">
+                      <a:alpha val="40000"/>
+                    </a:srgbClr>
+                  </a:outerShdw>
+                </a:effectLst>
+              </a:endParaRPr>
+            </a:p>
+          </p:txBody>
+        </p:sp>
+        <p:sp>
+          <p:nvSpPr>
+            <p:cNvPr id="19" name="TextBox 18"/>
+            <p:cNvSpPr txBox="1"/>
+            <p:nvPr/>
+          </p:nvSpPr>
+          <p:spPr>
+            <a:xfrm>
+              <a:off x="1095375" y="4457700"/>
+              <a:ext cx="1200150" cy="369332"/>
+            </a:xfrm>
+            <a:prstGeom prst="rect">
+              <a:avLst/>
+            </a:prstGeom>
+            <a:noFill/>
+          </p:spPr>
+          <p:txBody>
+            <a:bodyPr wrap="square" rtlCol="0">
+              <a:spAutoFit/>
+            </a:bodyPr>
+            <a:lstStyle/>
+            <a:p>
+              <a:pPr algn="ctr"/>
+              <a:r>
+                <a:rPr lang="en-IN" dirty="0" smtClean="0">
+                  <a:ln w="12700">
+                    <a:solidFill>
+                      <a:schemeClr val="tx2">
+                        <a:satMod val="155000"/>
+                      </a:schemeClr>
+                    </a:solidFill>
+                    <a:prstDash val="solid"/>
+                  </a:ln>
+                  <a:solidFill>
+                    <a:schemeClr val="accent1">
+                      <a:lumMod val="40000"/>
+                      <a:lumOff val="60000"/>
+                    </a:schemeClr>
+                  </a:solidFill>
+                  <a:latin typeface="Bahnschrift Light" pitchFamily="34" charset="0"/>
+                </a:rPr>
+                <a:t>Equal</a:t>
+              </a:r>
+              <a:endParaRPr lang="en-US" dirty="0" smtClean="0">
+                <a:ln w="12700">
+                  <a:solidFill>
+                    <a:schemeClr val="tx2">
+                      <a:satMod val="155000"/>
+                    </a:schemeClr>
+                  </a:solidFill>
+                  <a:prstDash val="solid"/>
+                </a:ln>
+                <a:solidFill>
+                  <a:schemeClr val="accent1">
+                    <a:lumMod val="40000"/>
+                    <a:lumOff val="60000"/>
+                  </a:schemeClr>
+                </a:solidFill>
+                <a:latin typeface="Bahnschrift Light" pitchFamily="34" charset="0"/>
+              </a:endParaRPr>
+            </a:p>
+          </p:txBody>
+        </p:sp>
+      </p:grpSp>
+      <p:grpSp>
+        <p:nvGrpSpPr>
+          <p:cNvPr id="3" name="Group 32"/>
+          <p:cNvGrpSpPr/>
+          <p:nvPr/>
+        </p:nvGrpSpPr>
+        <p:grpSpPr>
+          <a:xfrm>
+            <a:off x="2676525" y="2819400"/>
+            <a:ext cx="2552700" cy="1592980"/>
+            <a:chOff x="2728081" y="3006176"/>
+            <a:chExt cx="1296654" cy="1800651"/>
+          </a:xfrm>
+        </p:grpSpPr>
+        <p:sp>
+          <p:nvSpPr>
+            <p:cNvPr id="12" name="Rectangle 11"/>
+            <p:cNvSpPr/>
+            <p:nvPr/>
+          </p:nvSpPr>
+          <p:spPr>
+            <a:xfrm>
+              <a:off x="2728081" y="3006176"/>
+              <a:ext cx="1296654" cy="1774291"/>
+            </a:xfrm>
+            <a:prstGeom prst="rect">
+              <a:avLst/>
+            </a:prstGeom>
+            <a:noFill/>
+          </p:spPr>
+          <p:txBody>
+            <a:bodyPr wrap="square" lIns="91440" tIns="45720" rIns="91440" bIns="45720">
+              <a:spAutoFit/>
+            </a:bodyPr>
+            <a:lstStyle/>
+            <a:p>
+              <a:pPr algn="ctr"/>
+              <a:r>
+                <a:rPr lang="en-US" sz="9600" b="1" cap="none" spc="0" dirty="0" smtClean="0">
+                  <a:ln w="12700">
+                    <a:solidFill>
+                      <a:schemeClr val="tx2">
+                        <a:satMod val="155000"/>
+                      </a:schemeClr>
+                    </a:solidFill>
+                    <a:prstDash val="solid"/>
+                  </a:ln>
+                  <a:solidFill>
+                    <a:schemeClr val="bg2">
+                      <a:tint val="85000"/>
+                      <a:satMod val="155000"/>
+                    </a:schemeClr>
+                  </a:solidFill>
+                  <a:effectLst>
+                    <a:outerShdw blurRad="41275" dist="20320" dir="1800000" algn="tl" rotWithShape="0">
+                      <a:srgbClr val="000000">
+                        <a:alpha val="40000"/>
+                      </a:srgbClr>
+                    </a:outerShdw>
+                  </a:effectLst>
+                </a:rPr>
+                <a:t>!=</a:t>
+              </a:r>
+              <a:endParaRPr lang="en-US" sz="9600" b="1" cap="none" spc="0" dirty="0">
+                <a:ln w="12700">
+                  <a:solidFill>
+                    <a:schemeClr val="tx2">
+                      <a:satMod val="155000"/>
+                    </a:schemeClr>
+                  </a:solidFill>
+                  <a:prstDash val="solid"/>
+                </a:ln>
+                <a:solidFill>
+                  <a:schemeClr val="bg2">
+                    <a:tint val="85000"/>
+                    <a:satMod val="155000"/>
+                  </a:schemeClr>
+                </a:solidFill>
+                <a:effectLst>
+                  <a:outerShdw blurRad="41275" dist="20320" dir="1800000" algn="tl" rotWithShape="0">
+                    <a:srgbClr val="000000">
+                      <a:alpha val="40000"/>
+                    </a:srgbClr>
+                  </a:outerShdw>
+                </a:effectLst>
+              </a:endParaRPr>
+            </a:p>
+          </p:txBody>
+        </p:sp>
+        <p:sp>
+          <p:nvSpPr>
+            <p:cNvPr id="20" name="TextBox 19"/>
+            <p:cNvSpPr txBox="1"/>
+            <p:nvPr/>
+          </p:nvSpPr>
+          <p:spPr>
+            <a:xfrm>
+              <a:off x="2771624" y="4389346"/>
+              <a:ext cx="1214404" cy="417481"/>
+            </a:xfrm>
+            <a:prstGeom prst="rect">
+              <a:avLst/>
+            </a:prstGeom>
+            <a:noFill/>
+          </p:spPr>
+          <p:txBody>
+            <a:bodyPr wrap="square" rtlCol="0">
+              <a:spAutoFit/>
+            </a:bodyPr>
+            <a:lstStyle/>
+            <a:p>
+              <a:pPr algn="ctr"/>
+              <a:r>
+                <a:rPr lang="en-IN" dirty="0" smtClean="0">
+                  <a:ln w="12700">
+                    <a:solidFill>
+                      <a:schemeClr val="tx2">
+                        <a:satMod val="155000"/>
+                      </a:schemeClr>
+                    </a:solidFill>
+                    <a:prstDash val="solid"/>
+                  </a:ln>
+                  <a:solidFill>
+                    <a:schemeClr val="accent1">
+                      <a:lumMod val="40000"/>
+                      <a:lumOff val="60000"/>
+                    </a:schemeClr>
+                  </a:solidFill>
+                  <a:latin typeface="Bahnschrift Light" pitchFamily="34" charset="0"/>
+                </a:rPr>
+                <a:t>Not Equal</a:t>
+              </a:r>
+              <a:endParaRPr lang="en-US" dirty="0" smtClean="0">
+                <a:ln w="12700">
+                  <a:solidFill>
+                    <a:schemeClr val="tx2">
+                      <a:satMod val="155000"/>
+                    </a:schemeClr>
+                  </a:solidFill>
+                  <a:prstDash val="solid"/>
+                </a:ln>
+                <a:solidFill>
+                  <a:schemeClr val="accent1">
+                    <a:lumMod val="40000"/>
+                    <a:lumOff val="60000"/>
+                  </a:schemeClr>
+                </a:solidFill>
+                <a:latin typeface="Bahnschrift Light" pitchFamily="34" charset="0"/>
+              </a:endParaRPr>
+            </a:p>
+          </p:txBody>
+        </p:sp>
+      </p:grpSp>
+      <p:grpSp>
+        <p:nvGrpSpPr>
+          <p:cNvPr id="4" name="Group 31"/>
+          <p:cNvGrpSpPr/>
+          <p:nvPr/>
+        </p:nvGrpSpPr>
+        <p:grpSpPr>
+          <a:xfrm>
+            <a:off x="5166482" y="3048000"/>
+            <a:ext cx="2377321" cy="1647826"/>
+            <a:chOff x="5066176" y="3876674"/>
+            <a:chExt cx="906018" cy="4524315"/>
+          </a:xfrm>
+        </p:grpSpPr>
+        <p:sp>
+          <p:nvSpPr>
+            <p:cNvPr id="13" name="Rectangle 12"/>
+            <p:cNvSpPr/>
+            <p:nvPr/>
+          </p:nvSpPr>
+          <p:spPr>
+            <a:xfrm>
+              <a:off x="5066176" y="3876674"/>
+              <a:ext cx="906018" cy="4524315"/>
+            </a:xfrm>
+            <a:prstGeom prst="rect">
+              <a:avLst/>
+            </a:prstGeom>
+            <a:noFill/>
+          </p:spPr>
+          <p:txBody>
+            <a:bodyPr wrap="square" lIns="91440" tIns="45720" rIns="91440" bIns="45720">
+              <a:spAutoFit/>
+            </a:bodyPr>
+            <a:lstStyle/>
+            <a:p>
+              <a:pPr algn="ctr"/>
+              <a:r>
+                <a:rPr lang="en-US" sz="9600" b="1" cap="none" spc="0" dirty="0" smtClean="0">
+                  <a:ln w="12700">
+                    <a:solidFill>
+                      <a:schemeClr val="tx2">
+                        <a:satMod val="155000"/>
+                      </a:schemeClr>
+                    </a:solidFill>
+                    <a:prstDash val="solid"/>
+                  </a:ln>
+                  <a:solidFill>
+                    <a:schemeClr val="bg2">
+                      <a:tint val="85000"/>
+                      <a:satMod val="155000"/>
+                    </a:schemeClr>
+                  </a:solidFill>
+                  <a:effectLst>
+                    <a:outerShdw blurRad="41275" dist="20320" dir="1800000" algn="tl" rotWithShape="0">
+                      <a:srgbClr val="000000">
+                        <a:alpha val="40000"/>
+                      </a:srgbClr>
+                    </a:outerShdw>
+                  </a:effectLst>
+                </a:rPr>
+                <a:t>===</a:t>
+              </a:r>
+              <a:endParaRPr lang="en-US" sz="9600" b="1" cap="none" spc="0" dirty="0">
+                <a:ln w="12700">
+                  <a:solidFill>
+                    <a:schemeClr val="tx2">
+                      <a:satMod val="155000"/>
+                    </a:schemeClr>
+                  </a:solidFill>
+                  <a:prstDash val="solid"/>
+                </a:ln>
+                <a:solidFill>
+                  <a:schemeClr val="bg2">
+                    <a:tint val="85000"/>
+                    <a:satMod val="155000"/>
+                  </a:schemeClr>
+                </a:solidFill>
+                <a:effectLst>
+                  <a:outerShdw blurRad="41275" dist="20320" dir="1800000" algn="tl" rotWithShape="0">
+                    <a:srgbClr val="000000">
+                      <a:alpha val="40000"/>
+                    </a:srgbClr>
+                  </a:outerShdw>
+                </a:effectLst>
+              </a:endParaRPr>
+            </a:p>
+          </p:txBody>
+        </p:sp>
+        <p:sp>
+          <p:nvSpPr>
+            <p:cNvPr id="21" name="TextBox 20"/>
+            <p:cNvSpPr txBox="1"/>
+            <p:nvPr/>
+          </p:nvSpPr>
+          <p:spPr>
+            <a:xfrm>
+              <a:off x="5126389" y="6966210"/>
+              <a:ext cx="794983" cy="1014048"/>
+            </a:xfrm>
+            <a:prstGeom prst="rect">
+              <a:avLst/>
+            </a:prstGeom>
+            <a:noFill/>
+          </p:spPr>
+          <p:txBody>
+            <a:bodyPr wrap="square" rtlCol="0">
+              <a:spAutoFit/>
+            </a:bodyPr>
+            <a:lstStyle/>
+            <a:p>
+              <a:pPr algn="ctr"/>
+              <a:r>
+                <a:rPr lang="en-IN" dirty="0" smtClean="0">
+                  <a:ln w="12700">
+                    <a:solidFill>
+                      <a:schemeClr val="tx2">
+                        <a:satMod val="155000"/>
+                      </a:schemeClr>
+                    </a:solidFill>
+                    <a:prstDash val="solid"/>
+                  </a:ln>
+                  <a:solidFill>
+                    <a:schemeClr val="accent1">
+                      <a:lumMod val="40000"/>
+                      <a:lumOff val="60000"/>
+                    </a:schemeClr>
+                  </a:solidFill>
+                  <a:latin typeface="Bahnschrift Light" pitchFamily="34" charset="0"/>
+                </a:rPr>
+                <a:t>Strict Equality</a:t>
+              </a:r>
+              <a:endParaRPr lang="en-US" dirty="0" smtClean="0">
+                <a:ln w="12700">
+                  <a:solidFill>
+                    <a:schemeClr val="tx2">
+                      <a:satMod val="155000"/>
+                    </a:schemeClr>
+                  </a:solidFill>
+                  <a:prstDash val="solid"/>
+                </a:ln>
+                <a:solidFill>
+                  <a:schemeClr val="accent1">
+                    <a:lumMod val="40000"/>
+                    <a:lumOff val="60000"/>
+                  </a:schemeClr>
+                </a:solidFill>
+                <a:latin typeface="Bahnschrift Light" pitchFamily="34" charset="0"/>
+              </a:endParaRPr>
+            </a:p>
+          </p:txBody>
+        </p:sp>
+      </p:grpSp>
+      <p:grpSp>
+        <p:nvGrpSpPr>
+          <p:cNvPr id="28" name="Group 31"/>
+          <p:cNvGrpSpPr/>
+          <p:nvPr/>
+        </p:nvGrpSpPr>
+        <p:grpSpPr>
+          <a:xfrm>
+            <a:off x="8300207" y="3257549"/>
+            <a:ext cx="2377321" cy="1790701"/>
+            <a:chOff x="5066176" y="3876674"/>
+            <a:chExt cx="906018" cy="4309700"/>
+          </a:xfrm>
+        </p:grpSpPr>
+        <p:sp>
+          <p:nvSpPr>
+            <p:cNvPr id="29" name="Rectangle 28"/>
+            <p:cNvSpPr/>
+            <p:nvPr/>
+          </p:nvSpPr>
+          <p:spPr>
+            <a:xfrm>
+              <a:off x="5066176" y="3876674"/>
+              <a:ext cx="906018" cy="4309700"/>
+            </a:xfrm>
+            <a:prstGeom prst="rect">
+              <a:avLst/>
+            </a:prstGeom>
+            <a:noFill/>
+          </p:spPr>
+          <p:txBody>
+            <a:bodyPr wrap="square" lIns="91440" tIns="45720" rIns="91440" bIns="45720">
+              <a:spAutoFit/>
+            </a:bodyPr>
+            <a:lstStyle/>
+            <a:p>
+              <a:pPr algn="ctr"/>
+              <a:r>
+                <a:rPr lang="en-US" sz="9600" b="1" cap="none" spc="0" dirty="0" smtClean="0">
+                  <a:ln w="12700">
+                    <a:solidFill>
+                      <a:schemeClr val="tx2">
+                        <a:satMod val="155000"/>
+                      </a:schemeClr>
+                    </a:solidFill>
+                    <a:prstDash val="solid"/>
+                  </a:ln>
+                  <a:solidFill>
+                    <a:schemeClr val="bg2">
+                      <a:tint val="85000"/>
+                      <a:satMod val="155000"/>
+                    </a:schemeClr>
+                  </a:solidFill>
+                  <a:effectLst>
+                    <a:outerShdw blurRad="41275" dist="20320" dir="1800000" algn="tl" rotWithShape="0">
+                      <a:srgbClr val="000000">
+                        <a:alpha val="40000"/>
+                      </a:srgbClr>
+                    </a:outerShdw>
+                  </a:effectLst>
+                </a:rPr>
+                <a:t>!==</a:t>
+              </a:r>
+              <a:endParaRPr lang="en-US" sz="9600" b="1" cap="none" spc="0" dirty="0">
+                <a:ln w="12700">
+                  <a:solidFill>
+                    <a:schemeClr val="tx2">
+                      <a:satMod val="155000"/>
+                    </a:schemeClr>
+                  </a:solidFill>
+                  <a:prstDash val="solid"/>
+                </a:ln>
+                <a:solidFill>
+                  <a:schemeClr val="bg2">
+                    <a:tint val="85000"/>
+                    <a:satMod val="155000"/>
+                  </a:schemeClr>
+                </a:solidFill>
+                <a:effectLst>
+                  <a:outerShdw blurRad="41275" dist="20320" dir="1800000" algn="tl" rotWithShape="0">
+                    <a:srgbClr val="000000">
+                      <a:alpha val="40000"/>
+                    </a:srgbClr>
+                  </a:outerShdw>
+                </a:effectLst>
+              </a:endParaRPr>
+            </a:p>
+          </p:txBody>
+        </p:sp>
+        <p:sp>
+          <p:nvSpPr>
+            <p:cNvPr id="30" name="TextBox 29"/>
+            <p:cNvSpPr txBox="1"/>
+            <p:nvPr/>
+          </p:nvSpPr>
+          <p:spPr>
+            <a:xfrm>
+              <a:off x="5126389" y="6966210"/>
+              <a:ext cx="794983" cy="1014048"/>
+            </a:xfrm>
+            <a:prstGeom prst="rect">
+              <a:avLst/>
+            </a:prstGeom>
+            <a:noFill/>
+          </p:spPr>
+          <p:txBody>
+            <a:bodyPr wrap="square" rtlCol="0">
+              <a:spAutoFit/>
+            </a:bodyPr>
+            <a:lstStyle/>
+            <a:p>
+              <a:pPr algn="ctr"/>
+              <a:r>
+                <a:rPr lang="en-IN" dirty="0" smtClean="0">
+                  <a:ln w="12700">
+                    <a:solidFill>
+                      <a:schemeClr val="tx2">
+                        <a:satMod val="155000"/>
+                      </a:schemeClr>
+                    </a:solidFill>
+                    <a:prstDash val="solid"/>
+                  </a:ln>
+                  <a:solidFill>
+                    <a:schemeClr val="accent1">
+                      <a:lumMod val="40000"/>
+                      <a:lumOff val="60000"/>
+                    </a:schemeClr>
+                  </a:solidFill>
+                  <a:latin typeface="Bahnschrift Light" pitchFamily="34" charset="0"/>
+                </a:rPr>
+                <a:t>Strict Inequality</a:t>
+              </a:r>
+              <a:endParaRPr lang="en-US" dirty="0" smtClean="0">
+                <a:ln w="12700">
+                  <a:solidFill>
+                    <a:schemeClr val="tx2">
+                      <a:satMod val="155000"/>
+                    </a:schemeClr>
+                  </a:solidFill>
+                  <a:prstDash val="solid"/>
+                </a:ln>
+                <a:solidFill>
+                  <a:schemeClr val="accent1">
+                    <a:lumMod val="40000"/>
+                    <a:lumOff val="60000"/>
+                  </a:schemeClr>
+                </a:solidFill>
+                <a:latin typeface="Bahnschrift Light" pitchFamily="34" charset="0"/>
+              </a:endParaRPr>
+            </a:p>
+          </p:txBody>
+        </p:sp>
+      </p:grpSp>
+      <p:grpSp>
+        <p:nvGrpSpPr>
+          <p:cNvPr id="32" name="Group 31"/>
+          <p:cNvGrpSpPr/>
+          <p:nvPr/>
+        </p:nvGrpSpPr>
+        <p:grpSpPr>
+          <a:xfrm>
+            <a:off x="627527" y="4467224"/>
+            <a:ext cx="1944223" cy="1569660"/>
+            <a:chOff x="589427" y="3362324"/>
+            <a:chExt cx="2144248" cy="1569660"/>
+          </a:xfrm>
+        </p:grpSpPr>
+        <p:sp>
+          <p:nvSpPr>
+            <p:cNvPr id="33" name="Rectangle 32"/>
+            <p:cNvSpPr/>
+            <p:nvPr/>
+          </p:nvSpPr>
+          <p:spPr>
+            <a:xfrm>
+              <a:off x="589427" y="3362324"/>
+              <a:ext cx="2144248" cy="1569660"/>
+            </a:xfrm>
+            <a:prstGeom prst="rect">
+              <a:avLst/>
+            </a:prstGeom>
+            <a:noFill/>
+          </p:spPr>
+          <p:txBody>
+            <a:bodyPr wrap="square" lIns="91440" tIns="45720" rIns="91440" bIns="45720">
+              <a:spAutoFit/>
+            </a:bodyPr>
+            <a:lstStyle/>
+            <a:p>
+              <a:pPr algn="ctr"/>
+              <a:r>
+                <a:rPr lang="en-US" sz="9600" b="1" cap="none" spc="0" dirty="0" smtClean="0">
+                  <a:ln w="12700">
+                    <a:solidFill>
+                      <a:schemeClr val="tx2">
+                        <a:satMod val="155000"/>
+                      </a:schemeClr>
+                    </a:solidFill>
+                    <a:prstDash val="solid"/>
+                  </a:ln>
+                  <a:solidFill>
+                    <a:schemeClr val="bg2">
+                      <a:tint val="85000"/>
+                      <a:satMod val="155000"/>
+                    </a:schemeClr>
+                  </a:solidFill>
+                  <a:effectLst>
+                    <a:outerShdw blurRad="41275" dist="20320" dir="1800000" algn="tl" rotWithShape="0">
+                      <a:srgbClr val="000000">
+                        <a:alpha val="40000"/>
+                      </a:srgbClr>
+                    </a:outerShdw>
+                  </a:effectLst>
+                </a:rPr>
+                <a:t>&gt;</a:t>
+              </a:r>
+              <a:endParaRPr lang="en-US" b="1" cap="none" spc="0" dirty="0">
+                <a:ln w="12700">
+                  <a:solidFill>
+                    <a:schemeClr val="tx2">
+                      <a:satMod val="155000"/>
+                    </a:schemeClr>
+                  </a:solidFill>
+                  <a:prstDash val="solid"/>
+                </a:ln>
+                <a:solidFill>
+                  <a:schemeClr val="accent1">
+                    <a:lumMod val="40000"/>
+                    <a:lumOff val="60000"/>
+                  </a:schemeClr>
+                </a:solidFill>
+                <a:effectLst>
+                  <a:outerShdw blurRad="41275" dist="20320" dir="1800000" algn="tl" rotWithShape="0">
+                    <a:srgbClr val="000000">
+                      <a:alpha val="40000"/>
+                    </a:srgbClr>
+                  </a:outerShdw>
+                </a:effectLst>
+              </a:endParaRPr>
+            </a:p>
+          </p:txBody>
+        </p:sp>
+        <p:sp>
+          <p:nvSpPr>
+            <p:cNvPr id="34" name="TextBox 33"/>
+            <p:cNvSpPr txBox="1"/>
+            <p:nvPr/>
+          </p:nvSpPr>
+          <p:spPr>
+            <a:xfrm>
+              <a:off x="828675" y="4457700"/>
+              <a:ext cx="1726416" cy="369332"/>
+            </a:xfrm>
+            <a:prstGeom prst="rect">
+              <a:avLst/>
+            </a:prstGeom>
+            <a:noFill/>
+          </p:spPr>
+          <p:txBody>
+            <a:bodyPr wrap="square" rtlCol="0">
+              <a:spAutoFit/>
+            </a:bodyPr>
+            <a:lstStyle/>
+            <a:p>
+              <a:pPr algn="ctr"/>
+              <a:r>
+                <a:rPr lang="en-IN" dirty="0" smtClean="0">
+                  <a:ln w="12700">
+                    <a:solidFill>
+                      <a:schemeClr val="tx2">
+                        <a:satMod val="155000"/>
+                      </a:schemeClr>
+                    </a:solidFill>
+                    <a:prstDash val="solid"/>
+                  </a:ln>
+                  <a:solidFill>
+                    <a:schemeClr val="accent1">
+                      <a:lumMod val="40000"/>
+                      <a:lumOff val="60000"/>
+                    </a:schemeClr>
+                  </a:solidFill>
+                  <a:latin typeface="Bahnschrift Light" pitchFamily="34" charset="0"/>
+                </a:rPr>
+                <a:t>Greater Than</a:t>
+              </a:r>
+              <a:endParaRPr lang="en-US" dirty="0" smtClean="0">
+                <a:ln w="12700">
+                  <a:solidFill>
+                    <a:schemeClr val="tx2">
+                      <a:satMod val="155000"/>
+                    </a:schemeClr>
+                  </a:solidFill>
+                  <a:prstDash val="solid"/>
+                </a:ln>
+                <a:solidFill>
+                  <a:schemeClr val="accent1">
+                    <a:lumMod val="40000"/>
+                    <a:lumOff val="60000"/>
+                  </a:schemeClr>
+                </a:solidFill>
+                <a:latin typeface="Bahnschrift Light" pitchFamily="34" charset="0"/>
+              </a:endParaRPr>
+            </a:p>
+          </p:txBody>
+        </p:sp>
+      </p:grpSp>
+      <p:grpSp>
+        <p:nvGrpSpPr>
+          <p:cNvPr id="35" name="Group 34"/>
+          <p:cNvGrpSpPr/>
+          <p:nvPr/>
+        </p:nvGrpSpPr>
+        <p:grpSpPr>
+          <a:xfrm>
+            <a:off x="2570627" y="4476749"/>
+            <a:ext cx="1944223" cy="1569660"/>
+            <a:chOff x="589427" y="3362324"/>
+            <a:chExt cx="2144248" cy="1569660"/>
+          </a:xfrm>
+        </p:grpSpPr>
+        <p:sp>
+          <p:nvSpPr>
+            <p:cNvPr id="36" name="Rectangle 35"/>
+            <p:cNvSpPr/>
+            <p:nvPr/>
+          </p:nvSpPr>
+          <p:spPr>
+            <a:xfrm>
+              <a:off x="589427" y="3362324"/>
+              <a:ext cx="2144248" cy="1569660"/>
+            </a:xfrm>
+            <a:prstGeom prst="rect">
+              <a:avLst/>
+            </a:prstGeom>
+            <a:noFill/>
+          </p:spPr>
+          <p:txBody>
+            <a:bodyPr wrap="square" lIns="91440" tIns="45720" rIns="91440" bIns="45720">
+              <a:spAutoFit/>
+            </a:bodyPr>
+            <a:lstStyle/>
+            <a:p>
+              <a:pPr algn="ctr"/>
+              <a:r>
+                <a:rPr lang="en-US" sz="9600" b="1" cap="none" spc="0" dirty="0" smtClean="0">
+                  <a:ln w="12700">
+                    <a:solidFill>
+                      <a:schemeClr val="tx2">
+                        <a:satMod val="155000"/>
+                      </a:schemeClr>
+                    </a:solidFill>
+                    <a:prstDash val="solid"/>
+                  </a:ln>
+                  <a:solidFill>
+                    <a:schemeClr val="bg2">
+                      <a:tint val="85000"/>
+                      <a:satMod val="155000"/>
+                    </a:schemeClr>
+                  </a:solidFill>
+                  <a:effectLst>
+                    <a:outerShdw blurRad="41275" dist="20320" dir="1800000" algn="tl" rotWithShape="0">
+                      <a:srgbClr val="000000">
+                        <a:alpha val="40000"/>
+                      </a:srgbClr>
+                    </a:outerShdw>
+                  </a:effectLst>
+                </a:rPr>
+                <a:t>&lt;</a:t>
+              </a:r>
+              <a:endParaRPr lang="en-US" b="1" cap="none" spc="0" dirty="0">
+                <a:ln w="12700">
+                  <a:solidFill>
+                    <a:schemeClr val="tx2">
+                      <a:satMod val="155000"/>
+                    </a:schemeClr>
+                  </a:solidFill>
+                  <a:prstDash val="solid"/>
+                </a:ln>
+                <a:solidFill>
+                  <a:schemeClr val="accent1">
+                    <a:lumMod val="40000"/>
+                    <a:lumOff val="60000"/>
+                  </a:schemeClr>
+                </a:solidFill>
+                <a:effectLst>
+                  <a:outerShdw blurRad="41275" dist="20320" dir="1800000" algn="tl" rotWithShape="0">
+                    <a:srgbClr val="000000">
+                      <a:alpha val="40000"/>
+                    </a:srgbClr>
+                  </a:outerShdw>
+                </a:effectLst>
+              </a:endParaRPr>
+            </a:p>
+          </p:txBody>
+        </p:sp>
+        <p:sp>
+          <p:nvSpPr>
+            <p:cNvPr id="37" name="TextBox 36"/>
+            <p:cNvSpPr txBox="1"/>
+            <p:nvPr/>
+          </p:nvSpPr>
+          <p:spPr>
+            <a:xfrm>
+              <a:off x="828675" y="4457700"/>
+              <a:ext cx="1726416" cy="369332"/>
+            </a:xfrm>
+            <a:prstGeom prst="rect">
+              <a:avLst/>
+            </a:prstGeom>
+            <a:noFill/>
+          </p:spPr>
+          <p:txBody>
+            <a:bodyPr wrap="square" rtlCol="0">
+              <a:spAutoFit/>
+            </a:bodyPr>
+            <a:lstStyle/>
+            <a:p>
+              <a:pPr algn="ctr"/>
+              <a:r>
+                <a:rPr lang="en-IN" dirty="0" smtClean="0">
+                  <a:ln w="12700">
+                    <a:solidFill>
+                      <a:schemeClr val="tx2">
+                        <a:satMod val="155000"/>
+                      </a:schemeClr>
+                    </a:solidFill>
+                    <a:prstDash val="solid"/>
+                  </a:ln>
+                  <a:solidFill>
+                    <a:schemeClr val="accent1">
+                      <a:lumMod val="40000"/>
+                      <a:lumOff val="60000"/>
+                    </a:schemeClr>
+                  </a:solidFill>
+                  <a:latin typeface="Bahnschrift Light" pitchFamily="34" charset="0"/>
+                </a:rPr>
+                <a:t>Less Than</a:t>
+              </a:r>
+              <a:endParaRPr lang="en-US" dirty="0" smtClean="0">
+                <a:ln w="12700">
+                  <a:solidFill>
+                    <a:schemeClr val="tx2">
+                      <a:satMod val="155000"/>
+                    </a:schemeClr>
+                  </a:solidFill>
+                  <a:prstDash val="solid"/>
+                </a:ln>
+                <a:solidFill>
+                  <a:schemeClr val="accent1">
+                    <a:lumMod val="40000"/>
+                    <a:lumOff val="60000"/>
+                  </a:schemeClr>
+                </a:solidFill>
+                <a:latin typeface="Bahnschrift Light" pitchFamily="34" charset="0"/>
+              </a:endParaRPr>
+            </a:p>
+          </p:txBody>
+        </p:sp>
+      </p:grpSp>
+      <p:grpSp>
+        <p:nvGrpSpPr>
+          <p:cNvPr id="38" name="Group 37"/>
+          <p:cNvGrpSpPr/>
+          <p:nvPr/>
+        </p:nvGrpSpPr>
+        <p:grpSpPr>
+          <a:xfrm>
+            <a:off x="4418477" y="4352924"/>
+            <a:ext cx="1944223" cy="1741707"/>
+            <a:chOff x="589427" y="3362324"/>
+            <a:chExt cx="2144248" cy="1741707"/>
+          </a:xfrm>
+        </p:grpSpPr>
+        <p:sp>
+          <p:nvSpPr>
+            <p:cNvPr id="39" name="Rectangle 38"/>
+            <p:cNvSpPr/>
+            <p:nvPr/>
+          </p:nvSpPr>
+          <p:spPr>
+            <a:xfrm>
+              <a:off x="589427" y="3362324"/>
+              <a:ext cx="2144248" cy="1569660"/>
+            </a:xfrm>
+            <a:prstGeom prst="rect">
+              <a:avLst/>
+            </a:prstGeom>
+            <a:noFill/>
+          </p:spPr>
+          <p:txBody>
+            <a:bodyPr wrap="square" lIns="91440" tIns="45720" rIns="91440" bIns="45720">
+              <a:spAutoFit/>
+            </a:bodyPr>
+            <a:lstStyle/>
+            <a:p>
+              <a:pPr algn="ctr"/>
+              <a:r>
+                <a:rPr lang="en-US" sz="9600" b="1" cap="none" spc="0" dirty="0" smtClean="0">
+                  <a:ln w="12700">
+                    <a:solidFill>
+                      <a:schemeClr val="tx2">
+                        <a:satMod val="155000"/>
+                      </a:schemeClr>
+                    </a:solidFill>
+                    <a:prstDash val="solid"/>
+                  </a:ln>
+                  <a:solidFill>
+                    <a:schemeClr val="bg2">
+                      <a:tint val="85000"/>
+                      <a:satMod val="155000"/>
+                    </a:schemeClr>
+                  </a:solidFill>
+                  <a:effectLst>
+                    <a:outerShdw blurRad="41275" dist="20320" dir="1800000" algn="tl" rotWithShape="0">
+                      <a:srgbClr val="000000">
+                        <a:alpha val="40000"/>
+                      </a:srgbClr>
+                    </a:outerShdw>
+                  </a:effectLst>
+                </a:rPr>
+                <a:t>&gt;=</a:t>
+              </a:r>
+              <a:endParaRPr lang="en-US" b="1" cap="none" spc="0" dirty="0">
+                <a:ln w="12700">
+                  <a:solidFill>
+                    <a:schemeClr val="tx2">
+                      <a:satMod val="155000"/>
+                    </a:schemeClr>
+                  </a:solidFill>
+                  <a:prstDash val="solid"/>
+                </a:ln>
+                <a:solidFill>
+                  <a:schemeClr val="accent1">
+                    <a:lumMod val="40000"/>
+                    <a:lumOff val="60000"/>
+                  </a:schemeClr>
+                </a:solidFill>
+                <a:effectLst>
+                  <a:outerShdw blurRad="41275" dist="20320" dir="1800000" algn="tl" rotWithShape="0">
+                    <a:srgbClr val="000000">
+                      <a:alpha val="40000"/>
+                    </a:srgbClr>
+                  </a:outerShdw>
+                </a:effectLst>
+              </a:endParaRPr>
+            </a:p>
+          </p:txBody>
+        </p:sp>
+        <p:sp>
+          <p:nvSpPr>
+            <p:cNvPr id="40" name="TextBox 39"/>
+            <p:cNvSpPr txBox="1"/>
+            <p:nvPr/>
+          </p:nvSpPr>
+          <p:spPr>
+            <a:xfrm>
+              <a:off x="828675" y="4457700"/>
+              <a:ext cx="1726416" cy="646331"/>
+            </a:xfrm>
+            <a:prstGeom prst="rect">
+              <a:avLst/>
+            </a:prstGeom>
+            <a:noFill/>
+          </p:spPr>
+          <p:txBody>
+            <a:bodyPr wrap="square" rtlCol="0">
+              <a:spAutoFit/>
+            </a:bodyPr>
+            <a:lstStyle/>
+            <a:p>
+              <a:pPr algn="ctr"/>
+              <a:r>
+                <a:rPr lang="en-IN" dirty="0" smtClean="0">
+                  <a:ln w="12700">
+                    <a:solidFill>
+                      <a:schemeClr val="tx2">
+                        <a:satMod val="155000"/>
+                      </a:schemeClr>
+                    </a:solidFill>
+                    <a:prstDash val="solid"/>
+                  </a:ln>
+                  <a:solidFill>
+                    <a:schemeClr val="accent1">
+                      <a:lumMod val="40000"/>
+                      <a:lumOff val="60000"/>
+                    </a:schemeClr>
+                  </a:solidFill>
+                  <a:latin typeface="Bahnschrift Light" pitchFamily="34" charset="0"/>
+                </a:rPr>
+                <a:t>Greater than or equal to</a:t>
+              </a:r>
+              <a:endParaRPr lang="en-US" dirty="0" smtClean="0">
+                <a:ln w="12700">
+                  <a:solidFill>
+                    <a:schemeClr val="tx2">
+                      <a:satMod val="155000"/>
+                    </a:schemeClr>
+                  </a:solidFill>
+                  <a:prstDash val="solid"/>
+                </a:ln>
+                <a:solidFill>
+                  <a:schemeClr val="accent1">
+                    <a:lumMod val="40000"/>
+                    <a:lumOff val="60000"/>
+                  </a:schemeClr>
+                </a:solidFill>
+                <a:latin typeface="Bahnschrift Light" pitchFamily="34" charset="0"/>
+              </a:endParaRPr>
+            </a:p>
+          </p:txBody>
+        </p:sp>
+      </p:grpSp>
+      <p:grpSp>
+        <p:nvGrpSpPr>
+          <p:cNvPr id="41" name="Group 40"/>
+          <p:cNvGrpSpPr/>
+          <p:nvPr/>
+        </p:nvGrpSpPr>
+        <p:grpSpPr>
+          <a:xfrm>
+            <a:off x="6628277" y="4219574"/>
+            <a:ext cx="1944223" cy="1741707"/>
+            <a:chOff x="589427" y="3362324"/>
+            <a:chExt cx="2144248" cy="1741707"/>
+          </a:xfrm>
+        </p:grpSpPr>
+        <p:sp>
+          <p:nvSpPr>
+            <p:cNvPr id="42" name="Rectangle 41"/>
+            <p:cNvSpPr/>
+            <p:nvPr/>
+          </p:nvSpPr>
+          <p:spPr>
+            <a:xfrm>
+              <a:off x="589427" y="3362324"/>
+              <a:ext cx="2144248" cy="1569660"/>
+            </a:xfrm>
+            <a:prstGeom prst="rect">
+              <a:avLst/>
+            </a:prstGeom>
+            <a:noFill/>
+          </p:spPr>
+          <p:txBody>
+            <a:bodyPr wrap="square" lIns="91440" tIns="45720" rIns="91440" bIns="45720">
+              <a:spAutoFit/>
+            </a:bodyPr>
+            <a:lstStyle/>
+            <a:p>
+              <a:pPr algn="ctr"/>
+              <a:r>
+                <a:rPr lang="en-US" sz="9600" b="1" cap="none" spc="0" dirty="0" smtClean="0">
+                  <a:ln w="12700">
+                    <a:solidFill>
+                      <a:schemeClr val="tx2">
+                        <a:satMod val="155000"/>
+                      </a:schemeClr>
+                    </a:solidFill>
+                    <a:prstDash val="solid"/>
+                  </a:ln>
+                  <a:solidFill>
+                    <a:schemeClr val="bg2">
+                      <a:tint val="85000"/>
+                      <a:satMod val="155000"/>
+                    </a:schemeClr>
+                  </a:solidFill>
+                  <a:effectLst>
+                    <a:outerShdw blurRad="41275" dist="20320" dir="1800000" algn="tl" rotWithShape="0">
+                      <a:srgbClr val="000000">
+                        <a:alpha val="40000"/>
+                      </a:srgbClr>
+                    </a:outerShdw>
+                  </a:effectLst>
+                </a:rPr>
+                <a:t>&lt;=</a:t>
+              </a:r>
+              <a:endParaRPr lang="en-US" b="1" cap="none" spc="0" dirty="0">
+                <a:ln w="12700">
+                  <a:solidFill>
+                    <a:schemeClr val="tx2">
+                      <a:satMod val="155000"/>
+                    </a:schemeClr>
+                  </a:solidFill>
+                  <a:prstDash val="solid"/>
+                </a:ln>
+                <a:solidFill>
+                  <a:schemeClr val="accent1">
+                    <a:lumMod val="40000"/>
+                    <a:lumOff val="60000"/>
+                  </a:schemeClr>
+                </a:solidFill>
+                <a:effectLst>
+                  <a:outerShdw blurRad="41275" dist="20320" dir="1800000" algn="tl" rotWithShape="0">
+                    <a:srgbClr val="000000">
+                      <a:alpha val="40000"/>
+                    </a:srgbClr>
+                  </a:outerShdw>
+                </a:effectLst>
+              </a:endParaRPr>
+            </a:p>
+          </p:txBody>
+        </p:sp>
+        <p:sp>
+          <p:nvSpPr>
+            <p:cNvPr id="43" name="TextBox 42"/>
+            <p:cNvSpPr txBox="1"/>
+            <p:nvPr/>
+          </p:nvSpPr>
+          <p:spPr>
+            <a:xfrm>
+              <a:off x="828675" y="4457700"/>
+              <a:ext cx="1726416" cy="646331"/>
+            </a:xfrm>
+            <a:prstGeom prst="rect">
+              <a:avLst/>
+            </a:prstGeom>
+            <a:noFill/>
+          </p:spPr>
+          <p:txBody>
+            <a:bodyPr wrap="square" rtlCol="0">
+              <a:spAutoFit/>
+            </a:bodyPr>
+            <a:lstStyle/>
+            <a:p>
+              <a:pPr algn="ctr"/>
+              <a:r>
+                <a:rPr lang="en-IN" dirty="0" smtClean="0">
+                  <a:ln w="12700">
+                    <a:solidFill>
+                      <a:schemeClr val="tx2">
+                        <a:satMod val="155000"/>
+                      </a:schemeClr>
+                    </a:solidFill>
+                    <a:prstDash val="solid"/>
+                  </a:ln>
+                  <a:solidFill>
+                    <a:schemeClr val="accent1">
+                      <a:lumMod val="40000"/>
+                      <a:lumOff val="60000"/>
+                    </a:schemeClr>
+                  </a:solidFill>
+                  <a:latin typeface="Bahnschrift Light" pitchFamily="34" charset="0"/>
+                </a:rPr>
+                <a:t>Less than or equal to</a:t>
+              </a:r>
+              <a:endParaRPr lang="en-US" dirty="0" smtClean="0">
+                <a:ln w="12700">
+                  <a:solidFill>
+                    <a:schemeClr val="tx2">
+                      <a:satMod val="155000"/>
+                    </a:schemeClr>
+                  </a:solidFill>
+                  <a:prstDash val="solid"/>
+                </a:ln>
+                <a:solidFill>
+                  <a:schemeClr val="accent1">
+                    <a:lumMod val="40000"/>
+                    <a:lumOff val="60000"/>
+                  </a:schemeClr>
+                </a:solidFill>
+                <a:latin typeface="Bahnschrift Light" pitchFamily="34" charset="0"/>
+              </a:endParaRPr>
+            </a:p>
+          </p:txBody>
+        </p:sp>
+      </p:grpSp>
+    </p:spTree>
+    <p:extLst>
+      <p:ext uri="{BB962C8B-B14F-4D97-AF65-F5344CB8AC3E}">
+        <p14:creationId xmlns:p14="http://schemas.microsoft.com/office/powerpoint/2010/main" xmlns="" val="3287175084"/>
+      </p:ext>
+    </p:extLst>
+  </p:cSld>
+  <p:clrMapOvr>
+    <a:masterClrMapping/>
+  </p:clrMapOvr>
+  <p:timing>
+    <p:tnLst>
+      <p:par>
+        <p:cTn id="1" dur="indefinite" restart="never" nodeType="tmRoot"/>
+      </p:par>
+    </p:tnLst>
+  </p:timing>
+</p:sld>
+</file>
+
+<file path=ppt/slides/slide34.xml><?xml version="1.0" encoding="utf-8"?>
+<p:sld xmlns:a="http://schemas.openxmlformats.org/drawingml/2006/main" xmlns:r="http://schemas.openxmlformats.org/officeDocument/2006/relationships" xmlns:p="http://schemas.openxmlformats.org/presentationml/2006/main">
+  <p:cSld>
+    <p:spTree>
+      <p:nvGrpSpPr>
+        <p:cNvPr id="1" name=""/>
+        <p:cNvGrpSpPr/>
+        <p:nvPr/>
+      </p:nvGrpSpPr>
+      <p:grpSpPr>
+        <a:xfrm>
+          <a:off x="0" y="0"/>
+          <a:ext cx="0" cy="0"/>
+          <a:chOff x="0" y="0"/>
+          <a:chExt cx="0" cy="0"/>
+        </a:xfrm>
+      </p:grpSpPr>
+      <p:sp>
+        <p:nvSpPr>
+          <p:cNvPr id="10" name="Rectangle 9"/>
+          <p:cNvSpPr/>
+          <p:nvPr/>
+        </p:nvSpPr>
+        <p:spPr>
+          <a:xfrm>
+            <a:off x="0" y="0"/>
+            <a:ext cx="12192000" cy="6858000"/>
+          </a:xfrm>
+          <a:prstGeom prst="rect">
+            <a:avLst/>
+          </a:prstGeom>
+          <a:solidFill>
+            <a:schemeClr val="bg2">
+              <a:lumMod val="50000"/>
+            </a:schemeClr>
+          </a:solidFill>
+          <a:ln>
+            <a:noFill/>
+          </a:ln>
+        </p:spPr>
+        <p:style>
+          <a:lnRef idx="2">
+            <a:schemeClr val="accent1">
+              <a:shade val="50000"/>
+            </a:schemeClr>
+          </a:lnRef>
+          <a:fillRef idx="1">
+            <a:schemeClr val="accent1"/>
+          </a:fillRef>
+          <a:effectRef idx="0">
+            <a:schemeClr val="accent1"/>
+          </a:effectRef>
+          <a:fontRef idx="minor">
+            <a:schemeClr val="lt1"/>
+          </a:fontRef>
+        </p:style>
+        <p:txBody>
+          <a:bodyPr rtlCol="0" anchor="ctr"/>
+          <a:lstStyle/>
+          <a:p>
+            <a:pPr algn="ctr"/>
+            <a:endParaRPr lang="en-US" dirty="0"/>
+          </a:p>
+        </p:txBody>
+      </p:sp>
+      <p:sp>
+        <p:nvSpPr>
+          <p:cNvPr id="9" name="Explosion: 14 Points 8">
+            <a:extLst>
+              <a:ext uri="{FF2B5EF4-FFF2-40B4-BE49-F238E27FC236}">
+                <a16:creationId xmlns:a16="http://schemas.microsoft.com/office/drawing/2014/main" xmlns="" id="{0A2CD68B-7A56-F86D-8B6F-4A8BF99B4C9E}"/>
+              </a:ext>
+            </a:extLst>
+          </p:cNvPr>
+          <p:cNvSpPr/>
+          <p:nvPr/>
+        </p:nvSpPr>
+        <p:spPr>
+          <a:xfrm>
+            <a:off x="4336395" y="0"/>
+            <a:ext cx="3669087" cy="3707684"/>
+          </a:xfrm>
+          <a:prstGeom prst="irregularSeal2">
+            <a:avLst/>
+          </a:prstGeom>
+          <a:solidFill>
+            <a:schemeClr val="bg2">
+              <a:lumMod val="75000"/>
+            </a:schemeClr>
+          </a:solidFill>
+          <a:ln>
+            <a:noFill/>
+          </a:ln>
+        </p:spPr>
+        <p:style>
+          <a:lnRef idx="2">
+            <a:schemeClr val="accent1">
+              <a:shade val="15000"/>
+            </a:schemeClr>
+          </a:lnRef>
+          <a:fillRef idx="1">
+            <a:schemeClr val="accent1"/>
+          </a:fillRef>
+          <a:effectRef idx="0">
+            <a:schemeClr val="accent1"/>
+          </a:effectRef>
+          <a:fontRef idx="minor">
+            <a:schemeClr val="lt1"/>
+          </a:fontRef>
+        </p:style>
+        <p:txBody>
+          <a:bodyPr rtlCol="0" anchor="ctr"/>
+          <a:lstStyle/>
+          <a:p>
+            <a:pPr algn="ctr"/>
+            <a:endParaRPr lang="en-IN"/>
+          </a:p>
+        </p:txBody>
+      </p:sp>
+      <p:sp>
+        <p:nvSpPr>
+          <p:cNvPr id="2" name="Title 1">
+            <a:extLst>
+              <a:ext uri="{FF2B5EF4-FFF2-40B4-BE49-F238E27FC236}">
+                <a16:creationId xmlns:a16="http://schemas.microsoft.com/office/drawing/2014/main" xmlns="" id="{62BB4F8D-44B7-9866-F7B2-6375CB902974}"/>
+              </a:ext>
+            </a:extLst>
+          </p:cNvPr>
+          <p:cNvSpPr>
+            <a:spLocks noGrp="1"/>
+          </p:cNvSpPr>
+          <p:nvPr>
+            <p:ph type="title"/>
+          </p:nvPr>
+        </p:nvSpPr>
+        <p:spPr>
+          <a:xfrm>
+            <a:off x="0" y="-134470"/>
+            <a:ext cx="12192000" cy="3630705"/>
+          </a:xfrm>
+          <a:noFill/>
+        </p:spPr>
+        <p:txBody>
+          <a:bodyPr anchor="ctr">
+            <a:normAutofit/>
+          </a:bodyPr>
+          <a:lstStyle/>
+          <a:p>
+            <a:pPr algn="ctr"/>
+            <a:r>
+              <a:rPr lang="en-US" sz="7200" b="1" dirty="0" smtClean="0">
+                <a:solidFill>
+                  <a:schemeClr val="tx1"/>
+                </a:solidFill>
+                <a:latin typeface="Barlow Black" panose="00000A00000000000000" pitchFamily="2" charset="0"/>
+              </a:rPr>
+              <a:t>Chapter – </a:t>
+            </a:r>
+            <a:r>
+              <a:rPr lang="en-US" sz="7200" dirty="0" smtClean="0">
+                <a:solidFill>
+                  <a:schemeClr val="tx1"/>
+                </a:solidFill>
+                <a:latin typeface="Bahnschrift SemiLight" pitchFamily="34" charset="0"/>
+              </a:rPr>
+              <a:t>11</a:t>
+            </a:r>
+            <a:r>
+              <a:rPr lang="en-US" sz="7200" b="1" dirty="0" smtClean="0">
+                <a:solidFill>
+                  <a:schemeClr val="tx1"/>
+                </a:solidFill>
+                <a:latin typeface="Barlow Black" panose="00000A00000000000000" pitchFamily="2" charset="0"/>
+              </a:rPr>
+              <a:t/>
+            </a:r>
+            <a:br>
+              <a:rPr lang="en-US" sz="7200" b="1" dirty="0" smtClean="0">
+                <a:solidFill>
+                  <a:schemeClr val="tx1"/>
+                </a:solidFill>
+                <a:latin typeface="Barlow Black" panose="00000A00000000000000" pitchFamily="2" charset="0"/>
+              </a:rPr>
+            </a:br>
+            <a:r>
+              <a:rPr lang="en-US" sz="6600" b="1" dirty="0" smtClean="0">
+                <a:solidFill>
+                  <a:schemeClr val="accent2">
+                    <a:lumMod val="60000"/>
+                    <a:lumOff val="40000"/>
+                  </a:schemeClr>
+                </a:solidFill>
+                <a:latin typeface="Bahnschrift Light Condensed" pitchFamily="34" charset="0"/>
+              </a:rPr>
+              <a:t>(</a:t>
+            </a:r>
+            <a:r>
+              <a:rPr lang="en-US" sz="8800" b="1" dirty="0" smtClean="0">
+                <a:solidFill>
+                  <a:schemeClr val="accent2">
+                    <a:lumMod val="60000"/>
+                    <a:lumOff val="40000"/>
+                  </a:schemeClr>
+                </a:solidFill>
+                <a:latin typeface="Bahnschrift Light Condensed" pitchFamily="34" charset="0"/>
+              </a:rPr>
+              <a:t>Logical Operators</a:t>
+            </a:r>
+            <a:r>
+              <a:rPr lang="en-US" sz="6600" b="1" dirty="0" smtClean="0">
+                <a:solidFill>
+                  <a:schemeClr val="accent2">
+                    <a:lumMod val="60000"/>
+                    <a:lumOff val="40000"/>
+                  </a:schemeClr>
+                </a:solidFill>
+                <a:latin typeface="Bahnschrift Light Condensed" pitchFamily="34" charset="0"/>
+              </a:rPr>
+              <a:t>)</a:t>
+            </a:r>
+            <a:endParaRPr lang="en-IN" sz="6600" b="1" dirty="0">
+              <a:solidFill>
+                <a:schemeClr val="accent2">
+                  <a:lumMod val="60000"/>
+                  <a:lumOff val="40000"/>
+                </a:schemeClr>
+              </a:solidFill>
+              <a:latin typeface="Bahnschrift Light Condensed" pitchFamily="34" charset="0"/>
+            </a:endParaRPr>
+          </a:p>
+        </p:txBody>
+      </p:sp>
+      <p:sp>
+        <p:nvSpPr>
+          <p:cNvPr id="8" name="TextBox 7">
+            <a:extLst>
+              <a:ext uri="{FF2B5EF4-FFF2-40B4-BE49-F238E27FC236}">
+                <a16:creationId xmlns:a16="http://schemas.microsoft.com/office/drawing/2014/main" xmlns="" id="{6E6F1672-8C91-3FA6-CB80-58FD68172333}"/>
+              </a:ext>
+            </a:extLst>
+          </p:cNvPr>
+          <p:cNvSpPr txBox="1"/>
+          <p:nvPr/>
+        </p:nvSpPr>
+        <p:spPr>
+          <a:xfrm>
+            <a:off x="6057900" y="6308812"/>
+            <a:ext cx="6134100" cy="369332"/>
+          </a:xfrm>
+          <a:prstGeom prst="rect">
+            <a:avLst/>
+          </a:prstGeom>
+          <a:noFill/>
+        </p:spPr>
+        <p:txBody>
+          <a:bodyPr wrap="square" rtlCol="0">
+            <a:spAutoFit/>
+          </a:bodyPr>
+          <a:lstStyle/>
+          <a:p>
+            <a:pPr algn="ctr"/>
+            <a:r>
+              <a:rPr lang="en-US" b="1" dirty="0"/>
+              <a:t>Gautam Kumar- </a:t>
+            </a:r>
+            <a:r>
+              <a:rPr lang="en-US" dirty="0">
+                <a:solidFill>
+                  <a:schemeClr val="tx1">
+                    <a:lumMod val="50000"/>
+                    <a:lumOff val="50000"/>
+                  </a:schemeClr>
+                </a:solidFill>
+              </a:rPr>
+              <a:t>uidhtml.com</a:t>
+            </a:r>
+            <a:endParaRPr lang="en-IN" dirty="0">
+              <a:solidFill>
+                <a:schemeClr val="tx1">
+                  <a:lumMod val="50000"/>
+                  <a:lumOff val="50000"/>
+                </a:schemeClr>
+              </a:solidFill>
+            </a:endParaRPr>
+          </a:p>
+        </p:txBody>
+      </p:sp>
+      <p:sp>
+        <p:nvSpPr>
+          <p:cNvPr id="7" name="TextBox 6"/>
+          <p:cNvSpPr txBox="1"/>
+          <p:nvPr/>
+        </p:nvSpPr>
+        <p:spPr>
+          <a:xfrm>
+            <a:off x="241300" y="228600"/>
+            <a:ext cx="3190297" cy="584775"/>
+          </a:xfrm>
+          <a:prstGeom prst="rect">
+            <a:avLst/>
+          </a:prstGeom>
+          <a:noFill/>
+        </p:spPr>
+        <p:txBody>
+          <a:bodyPr wrap="none" rtlCol="0">
+            <a:spAutoFit/>
+          </a:bodyPr>
+          <a:lstStyle/>
+          <a:p>
+            <a:r>
+              <a:rPr lang="en-US" sz="3200" b="1" dirty="0" smtClean="0">
+                <a:latin typeface="Barlow Condensed ExtraLight" panose="00000306000000000000" pitchFamily="2" charset="0"/>
+              </a:rPr>
+              <a:t>JavaScript - </a:t>
+            </a:r>
+            <a:r>
+              <a:rPr lang="en-US" sz="3200" b="1" dirty="0" smtClean="0">
+                <a:solidFill>
+                  <a:srgbClr val="FFFF00"/>
+                </a:solidFill>
+                <a:latin typeface="Barlow Condensed ExtraLight" panose="00000306000000000000" pitchFamily="2" charset="0"/>
+              </a:rPr>
+              <a:t>Operators</a:t>
+            </a:r>
+            <a:endParaRPr lang="en-US" sz="3200" dirty="0">
+              <a:solidFill>
+                <a:srgbClr val="FFFF00"/>
+              </a:solidFill>
+            </a:endParaRPr>
+          </a:p>
+        </p:txBody>
+      </p:sp>
+      <p:pic>
+        <p:nvPicPr>
+          <p:cNvPr id="1027" name="Picture 3" descr="K:\github-repo\javascript-tutorials\tutorials\chapter-7-data-conversion\assets\images\javascript-logo.png"/>
+          <p:cNvPicPr>
+            <a:picLocks noChangeAspect="1" noChangeArrowheads="1"/>
+          </p:cNvPicPr>
+          <p:nvPr/>
+        </p:nvPicPr>
+        <p:blipFill>
+          <a:blip r:embed="rId3"/>
+          <a:srcRect/>
+          <a:stretch>
+            <a:fillRect/>
+          </a:stretch>
+        </p:blipFill>
+        <p:spPr bwMode="auto">
+          <a:xfrm>
+            <a:off x="10712450" y="5353050"/>
+            <a:ext cx="1314450" cy="1314450"/>
+          </a:xfrm>
+          <a:prstGeom prst="rect">
+            <a:avLst/>
+          </a:prstGeom>
+          <a:noFill/>
+        </p:spPr>
+      </p:pic>
+      <p:grpSp>
+        <p:nvGrpSpPr>
+          <p:cNvPr id="3" name="Group 30"/>
+          <p:cNvGrpSpPr/>
+          <p:nvPr/>
+        </p:nvGrpSpPr>
+        <p:grpSpPr>
+          <a:xfrm>
+            <a:off x="2208677" y="3505199"/>
+            <a:ext cx="2144248" cy="1636158"/>
+            <a:chOff x="589427" y="3362324"/>
+            <a:chExt cx="2144248" cy="1636158"/>
+          </a:xfrm>
+        </p:grpSpPr>
+        <p:sp>
+          <p:nvSpPr>
+            <p:cNvPr id="11" name="Rectangle 10"/>
+            <p:cNvSpPr/>
+            <p:nvPr/>
+          </p:nvSpPr>
+          <p:spPr>
+            <a:xfrm>
+              <a:off x="589427" y="3362324"/>
+              <a:ext cx="2144248" cy="1569660"/>
+            </a:xfrm>
+            <a:prstGeom prst="rect">
+              <a:avLst/>
+            </a:prstGeom>
+            <a:noFill/>
+          </p:spPr>
+          <p:txBody>
+            <a:bodyPr wrap="square" lIns="91440" tIns="45720" rIns="91440" bIns="45720">
+              <a:spAutoFit/>
+            </a:bodyPr>
+            <a:lstStyle/>
+            <a:p>
+              <a:pPr algn="ctr"/>
+              <a:r>
+                <a:rPr lang="en-US" sz="9600" b="1" cap="none" spc="0" dirty="0" smtClean="0">
+                  <a:ln w="12700">
+                    <a:solidFill>
+                      <a:schemeClr val="tx2">
+                        <a:satMod val="155000"/>
+                      </a:schemeClr>
+                    </a:solidFill>
+                    <a:prstDash val="solid"/>
+                  </a:ln>
+                  <a:solidFill>
+                    <a:schemeClr val="bg2">
+                      <a:tint val="85000"/>
+                      <a:satMod val="155000"/>
+                    </a:schemeClr>
+                  </a:solidFill>
+                  <a:effectLst>
+                    <a:outerShdw blurRad="41275" dist="20320" dir="1800000" algn="tl" rotWithShape="0">
+                      <a:srgbClr val="000000">
+                        <a:alpha val="40000"/>
+                      </a:srgbClr>
+                    </a:outerShdw>
+                  </a:effectLst>
+                  <a:latin typeface="Arial" pitchFamily="34" charset="0"/>
+                  <a:cs typeface="Arial" pitchFamily="34" charset="0"/>
+                </a:rPr>
+                <a:t>&amp;&amp;</a:t>
+              </a:r>
+              <a:endParaRPr lang="en-US" b="1" cap="none" spc="0" dirty="0">
+                <a:ln w="12700">
+                  <a:solidFill>
+                    <a:schemeClr val="tx2">
+                      <a:satMod val="155000"/>
+                    </a:schemeClr>
+                  </a:solidFill>
+                  <a:prstDash val="solid"/>
+                </a:ln>
+                <a:solidFill>
+                  <a:schemeClr val="accent1">
+                    <a:lumMod val="40000"/>
+                    <a:lumOff val="60000"/>
+                  </a:schemeClr>
+                </a:solidFill>
+                <a:effectLst>
+                  <a:outerShdw blurRad="41275" dist="20320" dir="1800000" algn="tl" rotWithShape="0">
+                    <a:srgbClr val="000000">
+                      <a:alpha val="40000"/>
+                    </a:srgbClr>
+                  </a:outerShdw>
+                </a:effectLst>
+                <a:latin typeface="Arial" pitchFamily="34" charset="0"/>
+                <a:cs typeface="Arial" pitchFamily="34" charset="0"/>
+              </a:endParaRPr>
+            </a:p>
+          </p:txBody>
+        </p:sp>
+        <p:sp>
+          <p:nvSpPr>
+            <p:cNvPr id="19" name="TextBox 18"/>
+            <p:cNvSpPr txBox="1"/>
+            <p:nvPr/>
+          </p:nvSpPr>
+          <p:spPr>
+            <a:xfrm>
+              <a:off x="971549" y="4629150"/>
+              <a:ext cx="1457325" cy="369332"/>
+            </a:xfrm>
+            <a:prstGeom prst="rect">
+              <a:avLst/>
+            </a:prstGeom>
+            <a:noFill/>
+          </p:spPr>
+          <p:txBody>
+            <a:bodyPr wrap="square" rtlCol="0">
+              <a:spAutoFit/>
+            </a:bodyPr>
+            <a:lstStyle/>
+            <a:p>
+              <a:pPr algn="ctr"/>
+              <a:r>
+                <a:rPr lang="en-IN" dirty="0" smtClean="0">
+                  <a:ln w="12700">
+                    <a:solidFill>
+                      <a:schemeClr val="tx2">
+                        <a:satMod val="155000"/>
+                      </a:schemeClr>
+                    </a:solidFill>
+                    <a:prstDash val="solid"/>
+                  </a:ln>
+                  <a:solidFill>
+                    <a:schemeClr val="accent1">
+                      <a:lumMod val="40000"/>
+                      <a:lumOff val="60000"/>
+                    </a:schemeClr>
+                  </a:solidFill>
+                  <a:latin typeface="Bahnschrift Light" pitchFamily="34" charset="0"/>
+                </a:rPr>
+                <a:t>Logical AND</a:t>
+              </a:r>
+              <a:endParaRPr lang="en-US" dirty="0" smtClean="0">
+                <a:ln w="12700">
+                  <a:solidFill>
+                    <a:schemeClr val="tx2">
+                      <a:satMod val="155000"/>
+                    </a:schemeClr>
+                  </a:solidFill>
+                  <a:prstDash val="solid"/>
+                </a:ln>
+                <a:solidFill>
+                  <a:schemeClr val="accent1">
+                    <a:lumMod val="40000"/>
+                    <a:lumOff val="60000"/>
+                  </a:schemeClr>
+                </a:solidFill>
+                <a:latin typeface="Bahnschrift Light" pitchFamily="34" charset="0"/>
+              </a:endParaRPr>
+            </a:p>
+          </p:txBody>
+        </p:sp>
+      </p:grpSp>
+      <p:grpSp>
+        <p:nvGrpSpPr>
+          <p:cNvPr id="32" name="Group 30"/>
+          <p:cNvGrpSpPr/>
+          <p:nvPr/>
+        </p:nvGrpSpPr>
+        <p:grpSpPr>
+          <a:xfrm>
+            <a:off x="5237627" y="3571873"/>
+            <a:ext cx="2144248" cy="1962152"/>
+            <a:chOff x="589427" y="3362324"/>
+            <a:chExt cx="2144248" cy="1636158"/>
+          </a:xfrm>
+        </p:grpSpPr>
+        <p:sp>
+          <p:nvSpPr>
+            <p:cNvPr id="35" name="Rectangle 34"/>
+            <p:cNvSpPr/>
+            <p:nvPr/>
+          </p:nvSpPr>
+          <p:spPr>
+            <a:xfrm>
+              <a:off x="589427" y="3362324"/>
+              <a:ext cx="2144248" cy="1569660"/>
+            </a:xfrm>
+            <a:prstGeom prst="rect">
+              <a:avLst/>
+            </a:prstGeom>
+            <a:noFill/>
+          </p:spPr>
+          <p:txBody>
+            <a:bodyPr wrap="square" lIns="91440" tIns="45720" rIns="91440" bIns="45720">
+              <a:spAutoFit/>
+            </a:bodyPr>
+            <a:lstStyle/>
+            <a:p>
+              <a:pPr algn="ctr"/>
+              <a:r>
+                <a:rPr lang="en-US" sz="9600" b="1" cap="none" spc="0" dirty="0" smtClean="0">
+                  <a:ln w="12700">
+                    <a:solidFill>
+                      <a:schemeClr val="tx2">
+                        <a:satMod val="155000"/>
+                      </a:schemeClr>
+                    </a:solidFill>
+                    <a:prstDash val="solid"/>
+                  </a:ln>
+                  <a:solidFill>
+                    <a:schemeClr val="bg2">
+                      <a:tint val="85000"/>
+                      <a:satMod val="155000"/>
+                    </a:schemeClr>
+                  </a:solidFill>
+                  <a:effectLst>
+                    <a:outerShdw blurRad="41275" dist="20320" dir="1800000" algn="tl" rotWithShape="0">
+                      <a:srgbClr val="000000">
+                        <a:alpha val="40000"/>
+                      </a:srgbClr>
+                    </a:outerShdw>
+                  </a:effectLst>
+                  <a:latin typeface="Arial" pitchFamily="34" charset="0"/>
+                  <a:cs typeface="Arial" pitchFamily="34" charset="0"/>
+                </a:rPr>
+                <a:t>||</a:t>
+              </a:r>
+              <a:endParaRPr lang="en-US" b="1" cap="none" spc="0" dirty="0">
+                <a:ln w="12700">
+                  <a:solidFill>
+                    <a:schemeClr val="tx2">
+                      <a:satMod val="155000"/>
+                    </a:schemeClr>
+                  </a:solidFill>
+                  <a:prstDash val="solid"/>
+                </a:ln>
+                <a:solidFill>
+                  <a:schemeClr val="accent1">
+                    <a:lumMod val="40000"/>
+                    <a:lumOff val="60000"/>
+                  </a:schemeClr>
+                </a:solidFill>
+                <a:effectLst>
+                  <a:outerShdw blurRad="41275" dist="20320" dir="1800000" algn="tl" rotWithShape="0">
+                    <a:srgbClr val="000000">
+                      <a:alpha val="40000"/>
+                    </a:srgbClr>
+                  </a:outerShdw>
+                </a:effectLst>
+                <a:latin typeface="Arial" pitchFamily="34" charset="0"/>
+                <a:cs typeface="Arial" pitchFamily="34" charset="0"/>
+              </a:endParaRPr>
+            </a:p>
+          </p:txBody>
+        </p:sp>
+        <p:sp>
+          <p:nvSpPr>
+            <p:cNvPr id="38" name="TextBox 37"/>
+            <p:cNvSpPr txBox="1"/>
+            <p:nvPr/>
+          </p:nvSpPr>
+          <p:spPr>
+            <a:xfrm>
+              <a:off x="971549" y="4629150"/>
+              <a:ext cx="1457325" cy="369332"/>
+            </a:xfrm>
+            <a:prstGeom prst="rect">
+              <a:avLst/>
+            </a:prstGeom>
+            <a:noFill/>
+          </p:spPr>
+          <p:txBody>
+            <a:bodyPr wrap="square" rtlCol="0">
+              <a:spAutoFit/>
+            </a:bodyPr>
+            <a:lstStyle/>
+            <a:p>
+              <a:pPr algn="ctr"/>
+              <a:r>
+                <a:rPr lang="en-IN" dirty="0" smtClean="0">
+                  <a:ln w="12700">
+                    <a:solidFill>
+                      <a:schemeClr val="tx2">
+                        <a:satMod val="155000"/>
+                      </a:schemeClr>
+                    </a:solidFill>
+                    <a:prstDash val="solid"/>
+                  </a:ln>
+                  <a:solidFill>
+                    <a:schemeClr val="accent1">
+                      <a:lumMod val="40000"/>
+                      <a:lumOff val="60000"/>
+                    </a:schemeClr>
+                  </a:solidFill>
+                  <a:latin typeface="Bahnschrift Light" pitchFamily="34" charset="0"/>
+                </a:rPr>
+                <a:t>Logical OR</a:t>
+              </a:r>
+              <a:endParaRPr lang="en-US" dirty="0" smtClean="0">
+                <a:ln w="12700">
+                  <a:solidFill>
+                    <a:schemeClr val="tx2">
+                      <a:satMod val="155000"/>
+                    </a:schemeClr>
+                  </a:solidFill>
+                  <a:prstDash val="solid"/>
+                </a:ln>
+                <a:solidFill>
+                  <a:schemeClr val="accent1">
+                    <a:lumMod val="40000"/>
+                    <a:lumOff val="60000"/>
+                  </a:schemeClr>
+                </a:solidFill>
+                <a:latin typeface="Bahnschrift Light" pitchFamily="34" charset="0"/>
+              </a:endParaRPr>
+            </a:p>
+          </p:txBody>
+        </p:sp>
+      </p:grpSp>
+      <p:grpSp>
+        <p:nvGrpSpPr>
+          <p:cNvPr id="41" name="Group 30"/>
+          <p:cNvGrpSpPr/>
+          <p:nvPr/>
+        </p:nvGrpSpPr>
+        <p:grpSpPr>
+          <a:xfrm>
+            <a:off x="8028452" y="3533773"/>
+            <a:ext cx="2144248" cy="1888565"/>
+            <a:chOff x="589427" y="3362324"/>
+            <a:chExt cx="2144248" cy="1574797"/>
+          </a:xfrm>
+        </p:grpSpPr>
+        <p:sp>
+          <p:nvSpPr>
+            <p:cNvPr id="44" name="Rectangle 43"/>
+            <p:cNvSpPr/>
+            <p:nvPr/>
+          </p:nvSpPr>
+          <p:spPr>
+            <a:xfrm>
+              <a:off x="589427" y="3362324"/>
+              <a:ext cx="2144248" cy="1308875"/>
+            </a:xfrm>
+            <a:prstGeom prst="rect">
+              <a:avLst/>
+            </a:prstGeom>
+            <a:noFill/>
+          </p:spPr>
+          <p:txBody>
+            <a:bodyPr wrap="square" lIns="91440" tIns="45720" rIns="91440" bIns="45720">
+              <a:spAutoFit/>
+            </a:bodyPr>
+            <a:lstStyle/>
+            <a:p>
+              <a:pPr algn="ctr"/>
+              <a:r>
+                <a:rPr lang="en-US" sz="9600" b="1" cap="none" spc="0" dirty="0" smtClean="0">
+                  <a:ln w="12700">
+                    <a:solidFill>
+                      <a:schemeClr val="tx2">
+                        <a:satMod val="155000"/>
+                      </a:schemeClr>
+                    </a:solidFill>
+                    <a:prstDash val="solid"/>
+                  </a:ln>
+                  <a:solidFill>
+                    <a:schemeClr val="bg2">
+                      <a:tint val="85000"/>
+                      <a:satMod val="155000"/>
+                    </a:schemeClr>
+                  </a:solidFill>
+                  <a:effectLst>
+                    <a:outerShdw blurRad="41275" dist="20320" dir="1800000" algn="tl" rotWithShape="0">
+                      <a:srgbClr val="000000">
+                        <a:alpha val="40000"/>
+                      </a:srgbClr>
+                    </a:outerShdw>
+                  </a:effectLst>
+                  <a:latin typeface="Arial" pitchFamily="34" charset="0"/>
+                  <a:cs typeface="Arial" pitchFamily="34" charset="0"/>
+                </a:rPr>
+                <a:t>!</a:t>
+              </a:r>
+              <a:endParaRPr lang="en-US" b="1" cap="none" spc="0" dirty="0">
+                <a:ln w="12700">
+                  <a:solidFill>
+                    <a:schemeClr val="tx2">
+                      <a:satMod val="155000"/>
+                    </a:schemeClr>
+                  </a:solidFill>
+                  <a:prstDash val="solid"/>
+                </a:ln>
+                <a:solidFill>
+                  <a:schemeClr val="accent1">
+                    <a:lumMod val="40000"/>
+                    <a:lumOff val="60000"/>
+                  </a:schemeClr>
+                </a:solidFill>
+                <a:effectLst>
+                  <a:outerShdw blurRad="41275" dist="20320" dir="1800000" algn="tl" rotWithShape="0">
+                    <a:srgbClr val="000000">
+                      <a:alpha val="40000"/>
+                    </a:srgbClr>
+                  </a:outerShdw>
+                </a:effectLst>
+                <a:latin typeface="Arial" pitchFamily="34" charset="0"/>
+                <a:cs typeface="Arial" pitchFamily="34" charset="0"/>
+              </a:endParaRPr>
+            </a:p>
+          </p:txBody>
+        </p:sp>
+        <p:sp>
+          <p:nvSpPr>
+            <p:cNvPr id="45" name="TextBox 44"/>
+            <p:cNvSpPr txBox="1"/>
+            <p:nvPr/>
+          </p:nvSpPr>
+          <p:spPr>
+            <a:xfrm>
+              <a:off x="971549" y="4629150"/>
+              <a:ext cx="1457325" cy="307971"/>
+            </a:xfrm>
+            <a:prstGeom prst="rect">
+              <a:avLst/>
+            </a:prstGeom>
+            <a:noFill/>
+          </p:spPr>
+          <p:txBody>
+            <a:bodyPr wrap="square" rtlCol="0">
+              <a:spAutoFit/>
+            </a:bodyPr>
+            <a:lstStyle/>
+            <a:p>
+              <a:pPr algn="ctr"/>
+              <a:r>
+                <a:rPr lang="en-IN" dirty="0" smtClean="0">
+                  <a:ln w="12700">
+                    <a:solidFill>
+                      <a:schemeClr val="tx2">
+                        <a:satMod val="155000"/>
+                      </a:schemeClr>
+                    </a:solidFill>
+                    <a:prstDash val="solid"/>
+                  </a:ln>
+                  <a:solidFill>
+                    <a:schemeClr val="accent1">
+                      <a:lumMod val="40000"/>
+                      <a:lumOff val="60000"/>
+                    </a:schemeClr>
+                  </a:solidFill>
+                  <a:latin typeface="Bahnschrift Light" pitchFamily="34" charset="0"/>
+                </a:rPr>
+                <a:t>Logical NOT</a:t>
+              </a:r>
+              <a:endParaRPr lang="en-US" dirty="0" smtClean="0">
+                <a:ln w="12700">
+                  <a:solidFill>
+                    <a:schemeClr val="tx2">
+                      <a:satMod val="155000"/>
+                    </a:schemeClr>
+                  </a:solidFill>
+                  <a:prstDash val="solid"/>
+                </a:ln>
+                <a:solidFill>
+                  <a:schemeClr val="accent1">
+                    <a:lumMod val="40000"/>
+                    <a:lumOff val="60000"/>
+                  </a:schemeClr>
+                </a:solidFill>
+                <a:latin typeface="Bahnschrift Light" pitchFamily="34" charset="0"/>
+              </a:endParaRPr>
+            </a:p>
+          </p:txBody>
+        </p:sp>
+      </p:grpSp>
+    </p:spTree>
+    <p:extLst>
+      <p:ext uri="{BB962C8B-B14F-4D97-AF65-F5344CB8AC3E}">
+        <p14:creationId xmlns:p14="http://schemas.microsoft.com/office/powerpoint/2010/main" xmlns="" val="3287175084"/>
+      </p:ext>
+    </p:extLst>
+  </p:cSld>
+  <p:clrMapOvr>
+    <a:masterClrMapping/>
+  </p:clrMapOvr>
+  <p:timing>
+    <p:tnLst>
+      <p:par>
+        <p:cTn id="1" dur="indefinite" restart="never" nodeType="tmRoot"/>
+      </p:par>
+    </p:tnLst>
+  </p:timing>
+</p:sld>
+</file>
+
+<file path=ppt/slides/slide35.xml><?xml version="1.0" encoding="utf-8"?>
+<p:sld xmlns:a="http://schemas.openxmlformats.org/drawingml/2006/main" xmlns:r="http://schemas.openxmlformats.org/officeDocument/2006/relationships" xmlns:p="http://schemas.openxmlformats.org/presentationml/2006/main">
+  <p:cSld>
+    <p:spTree>
+      <p:nvGrpSpPr>
+        <p:cNvPr id="1" name=""/>
+        <p:cNvGrpSpPr/>
+        <p:nvPr/>
+      </p:nvGrpSpPr>
+      <p:grpSpPr>
+        <a:xfrm>
+          <a:off x="0" y="0"/>
+          <a:ext cx="0" cy="0"/>
+          <a:chOff x="0" y="0"/>
+          <a:chExt cx="0" cy="0"/>
+        </a:xfrm>
+      </p:grpSpPr>
+      <p:sp>
+        <p:nvSpPr>
+          <p:cNvPr id="10" name="Rectangle 9"/>
+          <p:cNvSpPr/>
+          <p:nvPr/>
+        </p:nvSpPr>
+        <p:spPr>
+          <a:xfrm>
+            <a:off x="0" y="0"/>
+            <a:ext cx="12192000" cy="6858000"/>
+          </a:xfrm>
+          <a:prstGeom prst="rect">
+            <a:avLst/>
+          </a:prstGeom>
+          <a:solidFill>
+            <a:schemeClr val="bg2">
+              <a:lumMod val="50000"/>
+            </a:schemeClr>
+          </a:solidFill>
+          <a:ln>
+            <a:noFill/>
+          </a:ln>
+        </p:spPr>
+        <p:style>
+          <a:lnRef idx="2">
+            <a:schemeClr val="accent1">
+              <a:shade val="50000"/>
+            </a:schemeClr>
+          </a:lnRef>
+          <a:fillRef idx="1">
+            <a:schemeClr val="accent1"/>
+          </a:fillRef>
+          <a:effectRef idx="0">
+            <a:schemeClr val="accent1"/>
+          </a:effectRef>
+          <a:fontRef idx="minor">
+            <a:schemeClr val="lt1"/>
+          </a:fontRef>
+        </p:style>
+        <p:txBody>
+          <a:bodyPr rtlCol="0" anchor="ctr"/>
+          <a:lstStyle/>
+          <a:p>
+            <a:pPr algn="ctr"/>
+            <a:endParaRPr lang="en-US" dirty="0"/>
+          </a:p>
+        </p:txBody>
+      </p:sp>
+      <p:sp>
+        <p:nvSpPr>
+          <p:cNvPr id="9" name="Explosion: 14 Points 8">
+            <a:extLst>
+              <a:ext uri="{FF2B5EF4-FFF2-40B4-BE49-F238E27FC236}">
+                <a16:creationId xmlns:a16="http://schemas.microsoft.com/office/drawing/2014/main" xmlns="" id="{0A2CD68B-7A56-F86D-8B6F-4A8BF99B4C9E}"/>
+              </a:ext>
+            </a:extLst>
+          </p:cNvPr>
+          <p:cNvSpPr/>
+          <p:nvPr/>
+        </p:nvSpPr>
+        <p:spPr>
+          <a:xfrm>
+            <a:off x="4336395" y="0"/>
+            <a:ext cx="3669087" cy="3707684"/>
+          </a:xfrm>
+          <a:prstGeom prst="irregularSeal2">
+            <a:avLst/>
+          </a:prstGeom>
+          <a:solidFill>
+            <a:schemeClr val="bg2">
+              <a:lumMod val="75000"/>
+            </a:schemeClr>
+          </a:solidFill>
+          <a:ln>
+            <a:noFill/>
+          </a:ln>
+        </p:spPr>
+        <p:style>
+          <a:lnRef idx="2">
+            <a:schemeClr val="accent1">
+              <a:shade val="15000"/>
+            </a:schemeClr>
+          </a:lnRef>
+          <a:fillRef idx="1">
+            <a:schemeClr val="accent1"/>
+          </a:fillRef>
+          <a:effectRef idx="0">
+            <a:schemeClr val="accent1"/>
+          </a:effectRef>
+          <a:fontRef idx="minor">
+            <a:schemeClr val="lt1"/>
+          </a:fontRef>
+        </p:style>
+        <p:txBody>
+          <a:bodyPr rtlCol="0" anchor="ctr"/>
+          <a:lstStyle/>
+          <a:p>
+            <a:pPr algn="ctr"/>
+            <a:endParaRPr lang="en-IN"/>
+          </a:p>
+        </p:txBody>
+      </p:sp>
+      <p:sp>
+        <p:nvSpPr>
+          <p:cNvPr id="2" name="Title 1">
+            <a:extLst>
+              <a:ext uri="{FF2B5EF4-FFF2-40B4-BE49-F238E27FC236}">
+                <a16:creationId xmlns:a16="http://schemas.microsoft.com/office/drawing/2014/main" xmlns="" id="{62BB4F8D-44B7-9866-F7B2-6375CB902974}"/>
+              </a:ext>
+            </a:extLst>
+          </p:cNvPr>
+          <p:cNvSpPr>
+            <a:spLocks noGrp="1"/>
+          </p:cNvSpPr>
+          <p:nvPr>
+            <p:ph type="title"/>
+          </p:nvPr>
+        </p:nvSpPr>
+        <p:spPr>
+          <a:xfrm>
+            <a:off x="0" y="-134470"/>
+            <a:ext cx="12192000" cy="3725396"/>
+          </a:xfrm>
+          <a:noFill/>
+        </p:spPr>
+        <p:txBody>
+          <a:bodyPr anchor="ctr">
+            <a:normAutofit/>
+          </a:bodyPr>
+          <a:lstStyle/>
+          <a:p>
+            <a:pPr algn="ctr"/>
+            <a:r>
+              <a:rPr lang="en-US" sz="7200" b="1" dirty="0" smtClean="0">
+                <a:solidFill>
+                  <a:schemeClr val="tx1"/>
+                </a:solidFill>
+                <a:latin typeface="Barlow Black" panose="00000A00000000000000" pitchFamily="2" charset="0"/>
+              </a:rPr>
+              <a:t>Chapter – </a:t>
+            </a:r>
+            <a:r>
+              <a:rPr lang="en-US" sz="7200" dirty="0" smtClean="0">
+                <a:solidFill>
+                  <a:schemeClr val="tx1"/>
+                </a:solidFill>
+                <a:latin typeface="Bahnschrift SemiLight" pitchFamily="34" charset="0"/>
+              </a:rPr>
+              <a:t>11</a:t>
+            </a:r>
+            <a:r>
+              <a:rPr lang="en-US" sz="7200" b="1" dirty="0" smtClean="0">
+                <a:solidFill>
+                  <a:schemeClr val="tx1"/>
+                </a:solidFill>
+                <a:latin typeface="Barlow Black" panose="00000A00000000000000" pitchFamily="2" charset="0"/>
+              </a:rPr>
+              <a:t/>
+            </a:r>
+            <a:br>
+              <a:rPr lang="en-US" sz="7200" b="1" dirty="0" smtClean="0">
+                <a:solidFill>
+                  <a:schemeClr val="tx1"/>
+                </a:solidFill>
+                <a:latin typeface="Barlow Black" panose="00000A00000000000000" pitchFamily="2" charset="0"/>
+              </a:rPr>
+            </a:br>
+            <a:r>
+              <a:rPr lang="en-US" sz="4800" dirty="0" smtClean="0">
+                <a:solidFill>
+                  <a:schemeClr val="accent2">
+                    <a:lumMod val="60000"/>
+                    <a:lumOff val="40000"/>
+                  </a:schemeClr>
+                </a:solidFill>
+                <a:latin typeface="Bahnschrift Light Condensed" pitchFamily="34" charset="0"/>
+              </a:rPr>
+              <a:t>(</a:t>
+            </a:r>
+            <a:r>
+              <a:rPr lang="en-US" sz="4800" dirty="0" smtClean="0">
+                <a:solidFill>
+                  <a:schemeClr val="accent2">
+                    <a:lumMod val="60000"/>
+                    <a:lumOff val="40000"/>
+                  </a:schemeClr>
+                </a:solidFill>
+                <a:latin typeface="Bahnschrift Light Condensed" pitchFamily="34" charset="0"/>
+              </a:rPr>
+              <a:t>Conditional/Ternary Operator</a:t>
+            </a:r>
+            <a:r>
+              <a:rPr lang="en-US" sz="4800" dirty="0" smtClean="0">
+                <a:solidFill>
+                  <a:schemeClr val="accent2">
+                    <a:lumMod val="60000"/>
+                    <a:lumOff val="40000"/>
+                  </a:schemeClr>
+                </a:solidFill>
+                <a:latin typeface="Bahnschrift Light Condensed" pitchFamily="34" charset="0"/>
+              </a:rPr>
+              <a:t>)</a:t>
+            </a:r>
+            <a:endParaRPr lang="en-IN" sz="4800" dirty="0">
+              <a:solidFill>
+                <a:schemeClr val="accent2">
+                  <a:lumMod val="60000"/>
+                  <a:lumOff val="40000"/>
+                </a:schemeClr>
+              </a:solidFill>
+              <a:latin typeface="Bahnschrift Light Condensed" pitchFamily="34" charset="0"/>
+            </a:endParaRPr>
+          </a:p>
+        </p:txBody>
+      </p:sp>
+      <p:sp>
+        <p:nvSpPr>
+          <p:cNvPr id="8" name="TextBox 7">
+            <a:extLst>
+              <a:ext uri="{FF2B5EF4-FFF2-40B4-BE49-F238E27FC236}">
+                <a16:creationId xmlns:a16="http://schemas.microsoft.com/office/drawing/2014/main" xmlns="" id="{6E6F1672-8C91-3FA6-CB80-58FD68172333}"/>
+              </a:ext>
+            </a:extLst>
+          </p:cNvPr>
+          <p:cNvSpPr txBox="1"/>
+          <p:nvPr/>
+        </p:nvSpPr>
+        <p:spPr>
+          <a:xfrm>
+            <a:off x="6057900" y="6308812"/>
+            <a:ext cx="6134100" cy="369332"/>
+          </a:xfrm>
+          <a:prstGeom prst="rect">
+            <a:avLst/>
+          </a:prstGeom>
+          <a:noFill/>
+        </p:spPr>
+        <p:txBody>
+          <a:bodyPr wrap="square" rtlCol="0">
+            <a:spAutoFit/>
+          </a:bodyPr>
+          <a:lstStyle/>
+          <a:p>
+            <a:pPr algn="ctr"/>
+            <a:r>
+              <a:rPr lang="en-US" b="1" dirty="0"/>
+              <a:t>Gautam Kumar- </a:t>
+            </a:r>
+            <a:r>
+              <a:rPr lang="en-US" dirty="0">
+                <a:solidFill>
+                  <a:schemeClr val="tx1">
+                    <a:lumMod val="50000"/>
+                    <a:lumOff val="50000"/>
+                  </a:schemeClr>
+                </a:solidFill>
+              </a:rPr>
+              <a:t>uidhtml.com</a:t>
+            </a:r>
+            <a:endParaRPr lang="en-IN" dirty="0">
+              <a:solidFill>
+                <a:schemeClr val="tx1">
+                  <a:lumMod val="50000"/>
+                  <a:lumOff val="50000"/>
+                </a:schemeClr>
+              </a:solidFill>
+            </a:endParaRPr>
+          </a:p>
+        </p:txBody>
+      </p:sp>
+      <p:sp>
+        <p:nvSpPr>
+          <p:cNvPr id="7" name="TextBox 6"/>
+          <p:cNvSpPr txBox="1"/>
+          <p:nvPr/>
+        </p:nvSpPr>
+        <p:spPr>
+          <a:xfrm>
+            <a:off x="241300" y="228600"/>
+            <a:ext cx="3190297" cy="584775"/>
+          </a:xfrm>
+          <a:prstGeom prst="rect">
+            <a:avLst/>
+          </a:prstGeom>
+          <a:noFill/>
+        </p:spPr>
+        <p:txBody>
+          <a:bodyPr wrap="none" rtlCol="0">
+            <a:spAutoFit/>
+          </a:bodyPr>
+          <a:lstStyle/>
+          <a:p>
+            <a:r>
+              <a:rPr lang="en-US" sz="3200" b="1" dirty="0" smtClean="0">
+                <a:latin typeface="Barlow Condensed ExtraLight" panose="00000306000000000000" pitchFamily="2" charset="0"/>
+              </a:rPr>
+              <a:t>JavaScript - </a:t>
+            </a:r>
+            <a:r>
+              <a:rPr lang="en-US" sz="3200" b="1" dirty="0" smtClean="0">
+                <a:solidFill>
+                  <a:srgbClr val="FFFF00"/>
+                </a:solidFill>
+                <a:latin typeface="Barlow Condensed ExtraLight" panose="00000306000000000000" pitchFamily="2" charset="0"/>
+              </a:rPr>
+              <a:t>Operators</a:t>
+            </a:r>
+            <a:endParaRPr lang="en-US" sz="3200" dirty="0">
+              <a:solidFill>
+                <a:srgbClr val="FFFF00"/>
+              </a:solidFill>
+            </a:endParaRPr>
+          </a:p>
+        </p:txBody>
+      </p:sp>
+      <p:pic>
+        <p:nvPicPr>
+          <p:cNvPr id="1027" name="Picture 3" descr="K:\github-repo\javascript-tutorials\tutorials\chapter-7-data-conversion\assets\images\javascript-logo.png"/>
+          <p:cNvPicPr>
+            <a:picLocks noChangeAspect="1" noChangeArrowheads="1"/>
+          </p:cNvPicPr>
+          <p:nvPr/>
+        </p:nvPicPr>
+        <p:blipFill>
+          <a:blip r:embed="rId3"/>
+          <a:srcRect/>
+          <a:stretch>
+            <a:fillRect/>
+          </a:stretch>
+        </p:blipFill>
+        <p:spPr bwMode="auto">
+          <a:xfrm>
+            <a:off x="10712450" y="5353050"/>
+            <a:ext cx="1314450" cy="1314450"/>
+          </a:xfrm>
+          <a:prstGeom prst="rect">
+            <a:avLst/>
+          </a:prstGeom>
+          <a:noFill/>
+        </p:spPr>
+      </p:pic>
+      <p:sp>
+        <p:nvSpPr>
+          <p:cNvPr id="32" name="TextBox 31"/>
+          <p:cNvSpPr txBox="1"/>
+          <p:nvPr/>
+        </p:nvSpPr>
+        <p:spPr>
+          <a:xfrm>
+            <a:off x="1" y="2847975"/>
+            <a:ext cx="12191999" cy="646331"/>
+          </a:xfrm>
+          <a:prstGeom prst="rect">
+            <a:avLst/>
+          </a:prstGeom>
+          <a:solidFill>
+            <a:schemeClr val="bg1">
+              <a:lumMod val="85000"/>
+              <a:lumOff val="15000"/>
+            </a:schemeClr>
+          </a:solidFill>
+        </p:spPr>
+        <p:txBody>
+          <a:bodyPr wrap="square" rtlCol="0">
+            <a:spAutoFit/>
+          </a:bodyPr>
+          <a:lstStyle/>
+          <a:p>
+            <a:pPr algn="ctr"/>
+            <a:r>
+              <a:rPr lang="en-IN" sz="3600" dirty="0" smtClean="0"/>
+              <a:t>let </a:t>
+            </a:r>
+            <a:r>
+              <a:rPr lang="en-IN" sz="3600" dirty="0" smtClean="0">
+                <a:solidFill>
+                  <a:srgbClr val="0070C0"/>
+                </a:solidFill>
+              </a:rPr>
+              <a:t>variable</a:t>
+            </a:r>
+            <a:r>
+              <a:rPr lang="en-IN" sz="3600" dirty="0" smtClean="0"/>
+              <a:t> = </a:t>
+            </a:r>
+            <a:r>
+              <a:rPr lang="en-IN" sz="3600" dirty="0" smtClean="0">
+                <a:solidFill>
+                  <a:schemeClr val="bg2">
+                    <a:lumMod val="60000"/>
+                    <a:lumOff val="40000"/>
+                  </a:schemeClr>
+                </a:solidFill>
+              </a:rPr>
+              <a:t>condition</a:t>
+            </a:r>
+            <a:r>
+              <a:rPr lang="en-IN" sz="3600" dirty="0" smtClean="0"/>
+              <a:t> ? </a:t>
+            </a:r>
+            <a:r>
+              <a:rPr lang="en-IN" sz="3600" dirty="0" smtClean="0">
+                <a:solidFill>
+                  <a:schemeClr val="bg2">
+                    <a:lumMod val="60000"/>
+                    <a:lumOff val="40000"/>
+                  </a:schemeClr>
+                </a:solidFill>
+              </a:rPr>
+              <a:t>expression</a:t>
+            </a:r>
+            <a:r>
+              <a:rPr lang="en-IN" sz="3600" dirty="0" smtClean="0"/>
+              <a:t> : </a:t>
+            </a:r>
+            <a:r>
+              <a:rPr lang="en-IN" sz="3600" dirty="0" smtClean="0">
+                <a:solidFill>
+                  <a:schemeClr val="bg2">
+                    <a:lumMod val="60000"/>
+                    <a:lumOff val="40000"/>
+                  </a:schemeClr>
+                </a:solidFill>
+              </a:rPr>
+              <a:t>expression </a:t>
+            </a:r>
+            <a:endParaRPr lang="en-US" sz="3600" dirty="0">
+              <a:solidFill>
+                <a:schemeClr val="bg2">
+                  <a:lumMod val="60000"/>
+                  <a:lumOff val="40000"/>
+                </a:schemeClr>
+              </a:solidFill>
+            </a:endParaRPr>
+          </a:p>
+        </p:txBody>
+      </p:sp>
+      <p:sp>
+        <p:nvSpPr>
+          <p:cNvPr id="35" name="TextBox 34"/>
+          <p:cNvSpPr txBox="1"/>
+          <p:nvPr/>
+        </p:nvSpPr>
+        <p:spPr>
+          <a:xfrm>
+            <a:off x="0" y="3781425"/>
+            <a:ext cx="12192000" cy="830997"/>
+          </a:xfrm>
+          <a:prstGeom prst="rect">
+            <a:avLst/>
+          </a:prstGeom>
+          <a:noFill/>
+        </p:spPr>
+        <p:txBody>
+          <a:bodyPr wrap="square" rtlCol="0">
+            <a:spAutoFit/>
+          </a:bodyPr>
+          <a:lstStyle/>
+          <a:p>
+            <a:pPr algn="ctr"/>
+            <a:r>
+              <a:rPr lang="en-US" sz="4800" dirty="0" smtClean="0">
+                <a:solidFill>
+                  <a:schemeClr val="accent2">
+                    <a:lumMod val="60000"/>
+                    <a:lumOff val="40000"/>
+                  </a:schemeClr>
+                </a:solidFill>
+                <a:latin typeface="Bahnschrift Light Condensed" pitchFamily="34" charset="0"/>
+              </a:rPr>
+              <a:t>(</a:t>
+            </a:r>
+            <a:r>
+              <a:rPr lang="en-US" sz="4800" dirty="0" err="1" smtClean="0">
+                <a:solidFill>
+                  <a:schemeClr val="accent2">
+                    <a:lumMod val="60000"/>
+                    <a:lumOff val="40000"/>
+                  </a:schemeClr>
+                </a:solidFill>
+                <a:latin typeface="Bahnschrift Light Condensed" pitchFamily="34" charset="0"/>
+              </a:rPr>
+              <a:t>Nullish</a:t>
+            </a:r>
+            <a:r>
+              <a:rPr lang="en-US" sz="4800" dirty="0" smtClean="0">
+                <a:solidFill>
+                  <a:schemeClr val="accent2">
+                    <a:lumMod val="60000"/>
+                    <a:lumOff val="40000"/>
+                  </a:schemeClr>
+                </a:solidFill>
+                <a:latin typeface="Bahnschrift Light Condensed" pitchFamily="34" charset="0"/>
+              </a:rPr>
+              <a:t> Coalescing Operator)</a:t>
+            </a:r>
+            <a:endParaRPr lang="en-US" sz="4800" dirty="0"/>
+          </a:p>
+        </p:txBody>
+      </p:sp>
+      <p:sp>
+        <p:nvSpPr>
+          <p:cNvPr id="38" name="TextBox 37"/>
+          <p:cNvSpPr txBox="1"/>
+          <p:nvPr/>
+        </p:nvSpPr>
+        <p:spPr>
+          <a:xfrm>
+            <a:off x="1" y="4686300"/>
+            <a:ext cx="12191999" cy="646331"/>
+          </a:xfrm>
+          <a:prstGeom prst="rect">
+            <a:avLst/>
+          </a:prstGeom>
+          <a:solidFill>
+            <a:schemeClr val="bg1">
+              <a:lumMod val="85000"/>
+              <a:lumOff val="15000"/>
+            </a:schemeClr>
+          </a:solidFill>
+        </p:spPr>
+        <p:txBody>
+          <a:bodyPr wrap="square" rtlCol="0">
+            <a:spAutoFit/>
+          </a:bodyPr>
+          <a:lstStyle/>
+          <a:p>
+            <a:pPr algn="ctr"/>
+            <a:r>
+              <a:rPr lang="en-IN" sz="3600" dirty="0" smtClean="0"/>
+              <a:t>let </a:t>
+            </a:r>
+            <a:r>
+              <a:rPr lang="en-IN" sz="3600" dirty="0" smtClean="0">
+                <a:solidFill>
+                  <a:srgbClr val="0070C0"/>
+                </a:solidFill>
+              </a:rPr>
+              <a:t>variable</a:t>
+            </a:r>
+            <a:r>
+              <a:rPr lang="en-IN" sz="3600" dirty="0" smtClean="0"/>
+              <a:t> = </a:t>
+            </a:r>
+            <a:r>
+              <a:rPr lang="en-IN" sz="3600" dirty="0" smtClean="0">
+                <a:solidFill>
+                  <a:schemeClr val="bg2">
+                    <a:lumMod val="60000"/>
+                    <a:lumOff val="40000"/>
+                  </a:schemeClr>
+                </a:solidFill>
+              </a:rPr>
+              <a:t>condition</a:t>
+            </a:r>
+            <a:r>
+              <a:rPr lang="en-IN" sz="3600" dirty="0" smtClean="0"/>
+              <a:t> ?? </a:t>
+            </a:r>
+            <a:r>
+              <a:rPr lang="en-IN" sz="3600" dirty="0" smtClean="0">
+                <a:solidFill>
+                  <a:schemeClr val="bg2">
+                    <a:lumMod val="60000"/>
+                    <a:lumOff val="40000"/>
+                  </a:schemeClr>
+                </a:solidFill>
+              </a:rPr>
+              <a:t>expression </a:t>
+            </a:r>
+            <a:endParaRPr lang="en-US" sz="3600" dirty="0">
+              <a:solidFill>
+                <a:schemeClr val="bg2">
+                  <a:lumMod val="60000"/>
+                  <a:lumOff val="40000"/>
+                </a:schemeClr>
+              </a:solidFill>
+            </a:endParaRPr>
+          </a:p>
+        </p:txBody>
+      </p:sp>
+    </p:spTree>
+    <p:extLst>
+      <p:ext uri="{BB962C8B-B14F-4D97-AF65-F5344CB8AC3E}">
+        <p14:creationId xmlns:p14="http://schemas.microsoft.com/office/powerpoint/2010/main" xmlns="" val="3287175084"/>
       </p:ext>
     </p:extLst>
   </p:cSld>
@@ -21595,4 +27131,287 @@
     </a:ext>
   </a:extLst>
 </a:theme>
+</file>
+
+<file path=ppt/theme/theme2.xml><?xml version="1.0" encoding="utf-8"?>
+<a:theme xmlns:a="http://schemas.openxmlformats.org/drawingml/2006/main" name="Office Theme">
+  <a:themeElements>
+    <a:clrScheme name="Office">
+      <a:dk1>
+        <a:sysClr val="windowText" lastClr="000000"/>
+      </a:dk1>
+      <a:lt1>
+        <a:sysClr val="window" lastClr="FFFFFF"/>
+      </a:lt1>
+      <a:dk2>
+        <a:srgbClr val="1F497D"/>
+      </a:dk2>
+      <a:lt2>
+        <a:srgbClr val="EEECE1"/>
+      </a:lt2>
+      <a:accent1>
+        <a:srgbClr val="4F81BD"/>
+      </a:accent1>
+      <a:accent2>
+        <a:srgbClr val="C0504D"/>
+      </a:accent2>
+      <a:accent3>
+        <a:srgbClr val="9BBB59"/>
+      </a:accent3>
+      <a:accent4>
+        <a:srgbClr val="8064A2"/>
+      </a:accent4>
+      <a:accent5>
+        <a:srgbClr val="4BACC6"/>
+      </a:accent5>
+      <a:accent6>
+        <a:srgbClr val="F79646"/>
+      </a:accent6>
+      <a:hlink>
+        <a:srgbClr val="0000FF"/>
+      </a:hlink>
+      <a:folHlink>
+        <a:srgbClr val="800080"/>
+      </a:folHlink>
+    </a:clrScheme>
+    <a:fontScheme name="Office">
+      <a:majorFont>
+        <a:latin typeface="Calibri"/>
+        <a:ea typeface=""/>
+        <a:cs typeface=""/>
+        <a:font script="Jpan" typeface="ＭＳ Ｐゴシック"/>
+        <a:font script="Hang" typeface="맑은 고딕"/>
+        <a:font script="Hans" typeface="宋体"/>
+        <a:font script="Hant" typeface="新細明體"/>
+        <a:font script="Arab" typeface="Times New Roman"/>
+        <a:font script="Hebr" typeface="Times New Roman"/>
+        <a:font script="Thai" typeface="Angsana New"/>
+        <a:font script="Ethi" typeface="Nyala"/>
+        <a:font script="Beng" typeface="Vrinda"/>
+        <a:font script="Gujr" typeface="Shruti"/>
+        <a:font script="Khmr" typeface="MoolBoran"/>
+        <a:font script="Knda" typeface="Tunga"/>
+        <a:font script="Guru" typeface="Raavi"/>
+        <a:font script="Cans" typeface="Euphemia"/>
+        <a:font script="Cher" typeface="Plantagenet Cherokee"/>
+        <a:font script="Yiii" typeface="Microsoft Yi Baiti"/>
+        <a:font script="Tibt" typeface="Microsoft Himalaya"/>
+        <a:font script="Thaa" typeface="MV Boli"/>
+        <a:font script="Deva" typeface="Mangal"/>
+        <a:font script="Telu" typeface="Gautami"/>
+        <a:font script="Taml" typeface="Latha"/>
+        <a:font script="Syrc" typeface="Estrangelo Edessa"/>
+        <a:font script="Orya" typeface="Kalinga"/>
+        <a:font script="Mlym" typeface="Kartika"/>
+        <a:font script="Laoo" typeface="DokChampa"/>
+        <a:font script="Sinh" typeface="Iskoola Pota"/>
+        <a:font script="Mong" typeface="Mongolian Baiti"/>
+        <a:font script="Viet" typeface="Times New Roman"/>
+        <a:font script="Uigh" typeface="Microsoft Uighur"/>
+      </a:majorFont>
+      <a:minorFont>
+        <a:latin typeface="Calibri"/>
+        <a:ea typeface=""/>
+        <a:cs typeface=""/>
+        <a:font script="Jpan" typeface="ＭＳ Ｐゴシック"/>
+        <a:font script="Hang" typeface="맑은 고딕"/>
+        <a:font script="Hans" typeface="宋体"/>
+        <a:font script="Hant" typeface="新細明體"/>
+        <a:font script="Arab" typeface="Arial"/>
+        <a:font script="Hebr" typeface="Arial"/>
+        <a:font script="Thai" typeface="Cordia New"/>
+        <a:font script="Ethi" typeface="Nyala"/>
+        <a:font script="Beng" typeface="Vrinda"/>
+        <a:font script="Gujr" typeface="Shruti"/>
+        <a:font script="Khmr" typeface="DaunPenh"/>
+        <a:font script="Knda" typeface="Tunga"/>
+        <a:font script="Guru" typeface="Raavi"/>
+        <a:font script="Cans" typeface="Euphemia"/>
+        <a:font script="Cher" typeface="Plantagenet Cherokee"/>
+        <a:font script="Yiii" typeface="Microsoft Yi Baiti"/>
+        <a:font script="Tibt" typeface="Microsoft Himalaya"/>
+        <a:font script="Thaa" typeface="MV Boli"/>
+        <a:font script="Deva" typeface="Mangal"/>
+        <a:font script="Telu" typeface="Gautami"/>
+        <a:font script="Taml" typeface="Latha"/>
+        <a:font script="Syrc" typeface="Estrangelo Edessa"/>
+        <a:font script="Orya" typeface="Kalinga"/>
+        <a:font script="Mlym" typeface="Kartika"/>
+        <a:font script="Laoo" typeface="DokChampa"/>
+        <a:font script="Sinh" typeface="Iskoola Pota"/>
+        <a:font script="Mong" typeface="Mongolian Baiti"/>
+        <a:font script="Viet" typeface="Arial"/>
+        <a:font script="Uigh" typeface="Microsoft Uighur"/>
+      </a:minorFont>
+    </a:fontScheme>
+    <a:fmtScheme name="Office">
+      <a:fillStyleLst>
+        <a:solidFill>
+          <a:schemeClr val="phClr"/>
+        </a:solidFill>
+        <a:gradFill rotWithShape="1">
+          <a:gsLst>
+            <a:gs pos="0">
+              <a:schemeClr val="phClr">
+                <a:tint val="50000"/>
+                <a:satMod val="300000"/>
+              </a:schemeClr>
+            </a:gs>
+            <a:gs pos="35000">
+              <a:schemeClr val="phClr">
+                <a:tint val="37000"/>
+                <a:satMod val="300000"/>
+              </a:schemeClr>
+            </a:gs>
+            <a:gs pos="100000">
+              <a:schemeClr val="phClr">
+                <a:tint val="15000"/>
+                <a:satMod val="350000"/>
+              </a:schemeClr>
+            </a:gs>
+          </a:gsLst>
+          <a:lin ang="16200000" scaled="1"/>
+        </a:gradFill>
+        <a:gradFill rotWithShape="1">
+          <a:gsLst>
+            <a:gs pos="0">
+              <a:schemeClr val="phClr">
+                <a:shade val="51000"/>
+                <a:satMod val="130000"/>
+              </a:schemeClr>
+            </a:gs>
+            <a:gs pos="80000">
+              <a:schemeClr val="phClr">
+                <a:shade val="93000"/>
+                <a:satMod val="130000"/>
+              </a:schemeClr>
+            </a:gs>
+            <a:gs pos="100000">
+              <a:schemeClr val="phClr">
+                <a:shade val="94000"/>
+                <a:satMod val="135000"/>
+              </a:schemeClr>
+            </a:gs>
+          </a:gsLst>
+          <a:lin ang="16200000" scaled="0"/>
+        </a:gradFill>
+      </a:fillStyleLst>
+      <a:lnStyleLst>
+        <a:ln w="9525" cap="flat" cmpd="sng" algn="ctr">
+          <a:solidFill>
+            <a:schemeClr val="phClr">
+              <a:shade val="95000"/>
+              <a:satMod val="105000"/>
+            </a:schemeClr>
+          </a:solidFill>
+          <a:prstDash val="solid"/>
+        </a:ln>
+        <a:ln w="25400" cap="flat" cmpd="sng" algn="ctr">
+          <a:solidFill>
+            <a:schemeClr val="phClr"/>
+          </a:solidFill>
+          <a:prstDash val="solid"/>
+        </a:ln>
+        <a:ln w="38100" cap="flat" cmpd="sng" algn="ctr">
+          <a:solidFill>
+            <a:schemeClr val="phClr"/>
+          </a:solidFill>
+          <a:prstDash val="solid"/>
+        </a:ln>
+      </a:lnStyleLst>
+      <a:effectStyleLst>
+        <a:effectStyle>
+          <a:effectLst>
+            <a:outerShdw blurRad="40000" dist="20000" dir="5400000" rotWithShape="0">
+              <a:srgbClr val="000000">
+                <a:alpha val="38000"/>
+              </a:srgbClr>
+            </a:outerShdw>
+          </a:effectLst>
+        </a:effectStyle>
+        <a:effectStyle>
+          <a:effectLst>
+            <a:outerShdw blurRad="40000" dist="23000" dir="5400000" rotWithShape="0">
+              <a:srgbClr val="000000">
+                <a:alpha val="35000"/>
+              </a:srgbClr>
+            </a:outerShdw>
+          </a:effectLst>
+        </a:effectStyle>
+        <a:effectStyle>
+          <a:effectLst>
+            <a:outerShdw blurRad="40000" dist="23000" dir="5400000" rotWithShape="0">
+              <a:srgbClr val="000000">
+                <a:alpha val="35000"/>
+              </a:srgbClr>
+            </a:outerShdw>
+          </a:effectLst>
+          <a:scene3d>
+            <a:camera prst="orthographicFront">
+              <a:rot lat="0" lon="0" rev="0"/>
+            </a:camera>
+            <a:lightRig rig="threePt" dir="t">
+              <a:rot lat="0" lon="0" rev="1200000"/>
+            </a:lightRig>
+          </a:scene3d>
+          <a:sp3d>
+            <a:bevelT w="63500" h="25400"/>
+          </a:sp3d>
+        </a:effectStyle>
+      </a:effectStyleLst>
+      <a:bgFillStyleLst>
+        <a:solidFill>
+          <a:schemeClr val="phClr"/>
+        </a:solidFill>
+        <a:gradFill rotWithShape="1">
+          <a:gsLst>
+            <a:gs pos="0">
+              <a:schemeClr val="phClr">
+                <a:tint val="40000"/>
+                <a:satMod val="350000"/>
+              </a:schemeClr>
+            </a:gs>
+            <a:gs pos="40000">
+              <a:schemeClr val="phClr">
+                <a:tint val="45000"/>
+                <a:shade val="99000"/>
+                <a:satMod val="350000"/>
+              </a:schemeClr>
+            </a:gs>
+            <a:gs pos="100000">
+              <a:schemeClr val="phClr">
+                <a:shade val="20000"/>
+                <a:satMod val="255000"/>
+              </a:schemeClr>
+            </a:gs>
+          </a:gsLst>
+          <a:path path="circle">
+            <a:fillToRect l="50000" t="-80000" r="50000" b="180000"/>
+          </a:path>
+        </a:gradFill>
+        <a:gradFill rotWithShape="1">
+          <a:gsLst>
+            <a:gs pos="0">
+              <a:schemeClr val="phClr">
+                <a:tint val="80000"/>
+                <a:satMod val="300000"/>
+              </a:schemeClr>
+            </a:gs>
+            <a:gs pos="100000">
+              <a:schemeClr val="phClr">
+                <a:shade val="30000"/>
+                <a:satMod val="200000"/>
+              </a:schemeClr>
+            </a:gs>
+          </a:gsLst>
+          <a:path path="circle">
+            <a:fillToRect l="50000" t="50000" r="50000" b="50000"/>
+          </a:path>
+        </a:gradFill>
+      </a:bgFillStyleLst>
+    </a:fmtScheme>
+  </a:themeElements>
+  <a:objectDefaults/>
+  <a:extraClrSchemeLst/>
+</a:theme>
 </file>
--- a/Javascript Tutorials.pptx
+++ b/Javascript Tutorials.pptx
@@ -143,7 +143,7 @@
   </p:defaultTextStyle>
   <p:extLst>
     <p:ext uri="{EFAFB233-063F-42B5-8137-9DF3F51BA10A}">
-      <p15:sldGuideLst xmlns:p15="http://schemas.microsoft.com/office/powerpoint/2012/main" xmlns="">
+      <p15:sldGuideLst xmlns="" xmlns:p15="http://schemas.microsoft.com/office/powerpoint/2012/main">
         <p15:guide id="1" orient="horz" pos="2160">
           <p15:clr>
             <a:srgbClr val="A4A3A4"/>
@@ -242,7 +242,8 @@
           <a:p>
             <a:fld id="{792F6C33-F1A2-419B-BA2F-6679E9D9EF00}" type="datetimeFigureOut">
               <a:rPr lang="en-US" smtClean="0"/>
-              <a:t>9/12/2025</a:t>
+              <a:pPr/>
+              <a:t>9/14/2025</a:t>
             </a:fld>
             <a:endParaRPr lang="en-US"/>
           </a:p>
@@ -403,6 +404,7 @@
           <a:p>
             <a:fld id="{319BE468-75AD-472B-90AC-B0CB707E0D7A}" type="slidenum">
               <a:rPr lang="en-US" smtClean="0"/>
+              <a:pPr/>
               <a:t>‹#›</a:t>
             </a:fld>
             <a:endParaRPr lang="en-US"/>
@@ -574,6 +576,7 @@
           <a:p>
             <a:fld id="{319BE468-75AD-472B-90AC-B0CB707E0D7A}" type="slidenum">
               <a:rPr lang="en-US" smtClean="0"/>
+              <a:pPr/>
               <a:t>32</a:t>
             </a:fld>
             <a:endParaRPr lang="en-US"/>
@@ -655,6 +658,7 @@
           <a:p>
             <a:fld id="{319BE468-75AD-472B-90AC-B0CB707E0D7A}" type="slidenum">
               <a:rPr lang="en-US" smtClean="0"/>
+              <a:pPr/>
               <a:t>33</a:t>
             </a:fld>
             <a:endParaRPr lang="en-US"/>
@@ -736,6 +740,7 @@
           <a:p>
             <a:fld id="{319BE468-75AD-472B-90AC-B0CB707E0D7A}" type="slidenum">
               <a:rPr lang="en-US" smtClean="0"/>
+              <a:pPr/>
               <a:t>34</a:t>
             </a:fld>
             <a:endParaRPr lang="en-US"/>
@@ -817,6 +822,7 @@
           <a:p>
             <a:fld id="{319BE468-75AD-472B-90AC-B0CB707E0D7A}" type="slidenum">
               <a:rPr lang="en-US" smtClean="0"/>
+              <a:pPr/>
               <a:t>35</a:t>
             </a:fld>
             <a:endParaRPr lang="en-US"/>
@@ -1556,7 +1562,7 @@
             <a:fld id="{48A87A34-81AB-432B-8DAE-1953F412C126}" type="datetimeFigureOut">
               <a:rPr lang="en-US" smtClean="0"/>
               <a:pPr/>
-              <a:t>9/12/2025</a:t>
+              <a:t>9/14/2025</a:t>
             </a:fld>
             <a:endParaRPr lang="en-US" dirty="0"/>
           </a:p>
@@ -1608,7 +1614,7 @@
     </p:spTree>
     <p:extLst>
       <p:ext uri="{BB962C8B-B14F-4D97-AF65-F5344CB8AC3E}">
-        <p14:creationId xmlns:p14="http://schemas.microsoft.com/office/powerpoint/2010/main" xmlns="" val="2121369331"/>
+        <p14:creationId xmlns="" xmlns:p14="http://schemas.microsoft.com/office/powerpoint/2010/main" val="2121369331"/>
       </p:ext>
     </p:extLst>
   </p:cSld>
@@ -1809,7 +1815,7 @@
             <a:fld id="{48A87A34-81AB-432B-8DAE-1953F412C126}" type="datetimeFigureOut">
               <a:rPr lang="en-US" smtClean="0"/>
               <a:pPr/>
-              <a:t>9/12/2025</a:t>
+              <a:t>9/14/2025</a:t>
             </a:fld>
             <a:endParaRPr lang="en-US" dirty="0"/>
           </a:p>
@@ -1861,7 +1867,7 @@
     </p:spTree>
     <p:extLst>
       <p:ext uri="{BB962C8B-B14F-4D97-AF65-F5344CB8AC3E}">
-        <p14:creationId xmlns:p14="http://schemas.microsoft.com/office/powerpoint/2010/main" xmlns="" val="4277845334"/>
+        <p14:creationId xmlns="" xmlns:p14="http://schemas.microsoft.com/office/powerpoint/2010/main" val="4277845334"/>
       </p:ext>
     </p:extLst>
   </p:cSld>
@@ -2125,7 +2131,7 @@
             <a:fld id="{48A87A34-81AB-432B-8DAE-1953F412C126}" type="datetimeFigureOut">
               <a:rPr lang="en-US" smtClean="0"/>
               <a:pPr/>
-              <a:t>9/12/2025</a:t>
+              <a:t>9/14/2025</a:t>
             </a:fld>
             <a:endParaRPr lang="en-US" dirty="0"/>
           </a:p>
@@ -2253,7 +2259,7 @@
     </p:spTree>
     <p:extLst>
       <p:ext uri="{BB962C8B-B14F-4D97-AF65-F5344CB8AC3E}">
-        <p14:creationId xmlns:p14="http://schemas.microsoft.com/office/powerpoint/2010/main" xmlns="" val="4103336880"/>
+        <p14:creationId xmlns="" xmlns:p14="http://schemas.microsoft.com/office/powerpoint/2010/main" val="4103336880"/>
       </p:ext>
     </p:extLst>
   </p:cSld>
@@ -2454,7 +2460,7 @@
             <a:fld id="{48A87A34-81AB-432B-8DAE-1953F412C126}" type="datetimeFigureOut">
               <a:rPr lang="en-US" smtClean="0"/>
               <a:pPr/>
-              <a:t>9/12/2025</a:t>
+              <a:t>9/14/2025</a:t>
             </a:fld>
             <a:endParaRPr lang="en-US" dirty="0"/>
           </a:p>
@@ -2506,7 +2512,7 @@
     </p:spTree>
     <p:extLst>
       <p:ext uri="{BB962C8B-B14F-4D97-AF65-F5344CB8AC3E}">
-        <p14:creationId xmlns:p14="http://schemas.microsoft.com/office/powerpoint/2010/main" xmlns="" val="2317848287"/>
+        <p14:creationId xmlns="" xmlns:p14="http://schemas.microsoft.com/office/powerpoint/2010/main" val="2317848287"/>
       </p:ext>
     </p:extLst>
   </p:cSld>
@@ -2770,7 +2776,7 @@
             <a:fld id="{48A87A34-81AB-432B-8DAE-1953F412C126}" type="datetimeFigureOut">
               <a:rPr lang="en-US" smtClean="0"/>
               <a:pPr/>
-              <a:t>9/12/2025</a:t>
+              <a:t>9/14/2025</a:t>
             </a:fld>
             <a:endParaRPr lang="en-US" dirty="0"/>
           </a:p>
@@ -2898,7 +2904,7 @@
     </p:spTree>
     <p:extLst>
       <p:ext uri="{BB962C8B-B14F-4D97-AF65-F5344CB8AC3E}">
-        <p14:creationId xmlns:p14="http://schemas.microsoft.com/office/powerpoint/2010/main" xmlns="" val="4054754721"/>
+        <p14:creationId xmlns="" xmlns:p14="http://schemas.microsoft.com/office/powerpoint/2010/main" val="4054754721"/>
       </p:ext>
     </p:extLst>
   </p:cSld>
@@ -3159,7 +3165,7 @@
             <a:fld id="{48A87A34-81AB-432B-8DAE-1953F412C126}" type="datetimeFigureOut">
               <a:rPr lang="en-US" smtClean="0"/>
               <a:pPr/>
-              <a:t>9/12/2025</a:t>
+              <a:t>9/14/2025</a:t>
             </a:fld>
             <a:endParaRPr lang="en-US" dirty="0"/>
           </a:p>
@@ -3211,7 +3217,7 @@
     </p:spTree>
     <p:extLst>
       <p:ext uri="{BB962C8B-B14F-4D97-AF65-F5344CB8AC3E}">
-        <p14:creationId xmlns:p14="http://schemas.microsoft.com/office/powerpoint/2010/main" xmlns="" val="3698809145"/>
+        <p14:creationId xmlns="" xmlns:p14="http://schemas.microsoft.com/office/powerpoint/2010/main" val="3698809145"/>
       </p:ext>
     </p:extLst>
   </p:cSld>
@@ -3331,7 +3337,7 @@
             <a:fld id="{48A87A34-81AB-432B-8DAE-1953F412C126}" type="datetimeFigureOut">
               <a:rPr lang="en-US" smtClean="0"/>
               <a:pPr/>
-              <a:t>9/12/2025</a:t>
+              <a:t>9/14/2025</a:t>
             </a:fld>
             <a:endParaRPr lang="en-US" dirty="0"/>
           </a:p>
@@ -3383,7 +3389,7 @@
     </p:spTree>
     <p:extLst>
       <p:ext uri="{BB962C8B-B14F-4D97-AF65-F5344CB8AC3E}">
-        <p14:creationId xmlns:p14="http://schemas.microsoft.com/office/powerpoint/2010/main" xmlns="" val="4102912012"/>
+        <p14:creationId xmlns="" xmlns:p14="http://schemas.microsoft.com/office/powerpoint/2010/main" val="4102912012"/>
       </p:ext>
     </p:extLst>
   </p:cSld>
@@ -3513,7 +3519,7 @@
             <a:fld id="{48A87A34-81AB-432B-8DAE-1953F412C126}" type="datetimeFigureOut">
               <a:rPr lang="en-US" smtClean="0"/>
               <a:pPr/>
-              <a:t>9/12/2025</a:t>
+              <a:t>9/14/2025</a:t>
             </a:fld>
             <a:endParaRPr lang="en-US" dirty="0"/>
           </a:p>
@@ -3565,7 +3571,7 @@
     </p:spTree>
     <p:extLst>
       <p:ext uri="{BB962C8B-B14F-4D97-AF65-F5344CB8AC3E}">
-        <p14:creationId xmlns:p14="http://schemas.microsoft.com/office/powerpoint/2010/main" xmlns="" val="1199620941"/>
+        <p14:creationId xmlns="" xmlns:p14="http://schemas.microsoft.com/office/powerpoint/2010/main" val="1199620941"/>
       </p:ext>
     </p:extLst>
   </p:cSld>
@@ -3691,7 +3697,7 @@
             <a:fld id="{48A87A34-81AB-432B-8DAE-1953F412C126}" type="datetimeFigureOut">
               <a:rPr lang="en-US" smtClean="0"/>
               <a:pPr/>
-              <a:t>9/12/2025</a:t>
+              <a:t>9/14/2025</a:t>
             </a:fld>
             <a:endParaRPr lang="en-US" dirty="0"/>
           </a:p>
@@ -3743,7 +3749,7 @@
     </p:spTree>
     <p:extLst>
       <p:ext uri="{BB962C8B-B14F-4D97-AF65-F5344CB8AC3E}">
-        <p14:creationId xmlns:p14="http://schemas.microsoft.com/office/powerpoint/2010/main" xmlns="" val="901355798"/>
+        <p14:creationId xmlns="" xmlns:p14="http://schemas.microsoft.com/office/powerpoint/2010/main" val="901355798"/>
       </p:ext>
     </p:extLst>
   </p:cSld>
@@ -3940,7 +3946,7 @@
             <a:fld id="{48A87A34-81AB-432B-8DAE-1953F412C126}" type="datetimeFigureOut">
               <a:rPr lang="en-US" smtClean="0"/>
               <a:pPr/>
-              <a:t>9/12/2025</a:t>
+              <a:t>9/14/2025</a:t>
             </a:fld>
             <a:endParaRPr lang="en-US" dirty="0"/>
           </a:p>
@@ -3992,7 +3998,7 @@
     </p:spTree>
     <p:extLst>
       <p:ext uri="{BB962C8B-B14F-4D97-AF65-F5344CB8AC3E}">
-        <p14:creationId xmlns:p14="http://schemas.microsoft.com/office/powerpoint/2010/main" xmlns="" val="351019068"/>
+        <p14:creationId xmlns="" xmlns:p14="http://schemas.microsoft.com/office/powerpoint/2010/main" val="351019068"/>
       </p:ext>
     </p:extLst>
   </p:cSld>
@@ -4174,7 +4180,7 @@
             <a:fld id="{48A87A34-81AB-432B-8DAE-1953F412C126}" type="datetimeFigureOut">
               <a:rPr lang="en-US" smtClean="0"/>
               <a:pPr/>
-              <a:t>9/12/2025</a:t>
+              <a:t>9/14/2025</a:t>
             </a:fld>
             <a:endParaRPr lang="en-US" dirty="0"/>
           </a:p>
@@ -4226,7 +4232,7 @@
     </p:spTree>
     <p:extLst>
       <p:ext uri="{BB962C8B-B14F-4D97-AF65-F5344CB8AC3E}">
-        <p14:creationId xmlns:p14="http://schemas.microsoft.com/office/powerpoint/2010/main" xmlns="" val="3037334119"/>
+        <p14:creationId xmlns="" xmlns:p14="http://schemas.microsoft.com/office/powerpoint/2010/main" val="3037334119"/>
       </p:ext>
     </p:extLst>
   </p:cSld>
@@ -4550,7 +4556,7 @@
             <a:fld id="{48A87A34-81AB-432B-8DAE-1953F412C126}" type="datetimeFigureOut">
               <a:rPr lang="en-US" smtClean="0"/>
               <a:pPr/>
-              <a:t>9/12/2025</a:t>
+              <a:t>9/14/2025</a:t>
             </a:fld>
             <a:endParaRPr lang="en-US" dirty="0"/>
           </a:p>
@@ -4602,7 +4608,7 @@
     </p:spTree>
     <p:extLst>
       <p:ext uri="{BB962C8B-B14F-4D97-AF65-F5344CB8AC3E}">
-        <p14:creationId xmlns:p14="http://schemas.microsoft.com/office/powerpoint/2010/main" xmlns="" val="3959179014"/>
+        <p14:creationId xmlns="" xmlns:p14="http://schemas.microsoft.com/office/powerpoint/2010/main" val="3959179014"/>
       </p:ext>
     </p:extLst>
   </p:cSld>
@@ -4675,7 +4681,7 @@
             <a:fld id="{48A87A34-81AB-432B-8DAE-1953F412C126}" type="datetimeFigureOut">
               <a:rPr lang="en-US" smtClean="0"/>
               <a:pPr/>
-              <a:t>9/12/2025</a:t>
+              <a:t>9/14/2025</a:t>
             </a:fld>
             <a:endParaRPr lang="en-US" dirty="0"/>
           </a:p>
@@ -4727,7 +4733,7 @@
     </p:spTree>
     <p:extLst>
       <p:ext uri="{BB962C8B-B14F-4D97-AF65-F5344CB8AC3E}">
-        <p14:creationId xmlns:p14="http://schemas.microsoft.com/office/powerpoint/2010/main" xmlns="" val="143817896"/>
+        <p14:creationId xmlns="" xmlns:p14="http://schemas.microsoft.com/office/powerpoint/2010/main" val="143817896"/>
       </p:ext>
     </p:extLst>
   </p:cSld>
@@ -4772,7 +4778,7 @@
             <a:fld id="{48A87A34-81AB-432B-8DAE-1953F412C126}" type="datetimeFigureOut">
               <a:rPr lang="en-US" smtClean="0"/>
               <a:pPr/>
-              <a:t>9/12/2025</a:t>
+              <a:t>9/14/2025</a:t>
             </a:fld>
             <a:endParaRPr lang="en-US" dirty="0"/>
           </a:p>
@@ -4824,7 +4830,7 @@
     </p:spTree>
     <p:extLst>
       <p:ext uri="{BB962C8B-B14F-4D97-AF65-F5344CB8AC3E}">
-        <p14:creationId xmlns:p14="http://schemas.microsoft.com/office/powerpoint/2010/main" xmlns="" val="1053529793"/>
+        <p14:creationId xmlns="" xmlns:p14="http://schemas.microsoft.com/office/powerpoint/2010/main" val="1053529793"/>
       </p:ext>
     </p:extLst>
   </p:cSld>
@@ -5029,7 +5035,7 @@
             <a:fld id="{48A87A34-81AB-432B-8DAE-1953F412C126}" type="datetimeFigureOut">
               <a:rPr lang="en-US" smtClean="0"/>
               <a:pPr/>
-              <a:t>9/12/2025</a:t>
+              <a:t>9/14/2025</a:t>
             </a:fld>
             <a:endParaRPr lang="en-US" dirty="0"/>
           </a:p>
@@ -5081,7 +5087,7 @@
     </p:spTree>
     <p:extLst>
       <p:ext uri="{BB962C8B-B14F-4D97-AF65-F5344CB8AC3E}">
-        <p14:creationId xmlns:p14="http://schemas.microsoft.com/office/powerpoint/2010/main" xmlns="" val="1549564702"/>
+        <p14:creationId xmlns="" xmlns:p14="http://schemas.microsoft.com/office/powerpoint/2010/main" val="1549564702"/>
       </p:ext>
     </p:extLst>
   </p:cSld>
@@ -5294,7 +5300,7 @@
             <a:fld id="{48A87A34-81AB-432B-8DAE-1953F412C126}" type="datetimeFigureOut">
               <a:rPr lang="en-US" smtClean="0"/>
               <a:pPr/>
-              <a:t>9/12/2025</a:t>
+              <a:t>9/14/2025</a:t>
             </a:fld>
             <a:endParaRPr lang="en-US" dirty="0"/>
           </a:p>
@@ -5346,7 +5352,7 @@
     </p:spTree>
     <p:extLst>
       <p:ext uri="{BB962C8B-B14F-4D97-AF65-F5344CB8AC3E}">
-        <p14:creationId xmlns:p14="http://schemas.microsoft.com/office/powerpoint/2010/main" xmlns="" val="1708776435"/>
+        <p14:creationId xmlns="" xmlns:p14="http://schemas.microsoft.com/office/powerpoint/2010/main" val="1708776435"/>
       </p:ext>
     </p:extLst>
   </p:cSld>
@@ -6041,7 +6047,7 @@
             <a:fld id="{48A87A34-81AB-432B-8DAE-1953F412C126}" type="datetimeFigureOut">
               <a:rPr lang="en-US" smtClean="0"/>
               <a:pPr/>
-              <a:t>9/12/2025</a:t>
+              <a:t>9/14/2025</a:t>
             </a:fld>
             <a:endParaRPr lang="en-US" dirty="0"/>
           </a:p>
@@ -6127,7 +6133,7 @@
     </p:spTree>
     <p:extLst>
       <p:ext uri="{BB962C8B-B14F-4D97-AF65-F5344CB8AC3E}">
-        <p14:creationId xmlns:p14="http://schemas.microsoft.com/office/powerpoint/2010/main" xmlns="" val="121865681"/>
+        <p14:creationId xmlns="" xmlns:p14="http://schemas.microsoft.com/office/powerpoint/2010/main" val="121865681"/>
       </p:ext>
     </p:extLst>
   </p:cSld>
@@ -6571,7 +6577,7 @@
           <p:cNvPr id="2" name="Title 1">
             <a:extLst>
               <a:ext uri="{FF2B5EF4-FFF2-40B4-BE49-F238E27FC236}">
-                <a16:creationId xmlns:a16="http://schemas.microsoft.com/office/drawing/2014/main" xmlns="" id="{EC93423C-79E8-2701-DB3F-2D4CA67D7A87}"/>
+                <a16:creationId xmlns="" xmlns:a16="http://schemas.microsoft.com/office/drawing/2014/main" id="{EC93423C-79E8-2701-DB3F-2D4CA67D7A87}"/>
               </a:ext>
             </a:extLst>
           </p:cNvPr>
@@ -6624,7 +6630,7 @@
           <p:cNvPr id="3" name="Subtitle 2">
             <a:extLst>
               <a:ext uri="{FF2B5EF4-FFF2-40B4-BE49-F238E27FC236}">
-                <a16:creationId xmlns:a16="http://schemas.microsoft.com/office/drawing/2014/main" xmlns="" id="{2A629AF9-FA04-B477-0E47-5B7F12E6FC7C}"/>
+                <a16:creationId xmlns="" xmlns:a16="http://schemas.microsoft.com/office/drawing/2014/main" id="{2A629AF9-FA04-B477-0E47-5B7F12E6FC7C}"/>
               </a:ext>
             </a:extLst>
           </p:cNvPr>
@@ -6660,7 +6666,7 @@
           <p:cNvPr id="4" name="TextBox 3">
             <a:extLst>
               <a:ext uri="{FF2B5EF4-FFF2-40B4-BE49-F238E27FC236}">
-                <a16:creationId xmlns:a16="http://schemas.microsoft.com/office/drawing/2014/main" xmlns="" id="{4BC27C14-3D93-9CDE-B1D8-91C6ACAF4DA4}"/>
+                <a16:creationId xmlns="" xmlns:a16="http://schemas.microsoft.com/office/drawing/2014/main" id="{4BC27C14-3D93-9CDE-B1D8-91C6ACAF4DA4}"/>
               </a:ext>
             </a:extLst>
           </p:cNvPr>
@@ -6709,7 +6715,7 @@
     </p:spTree>
     <p:extLst>
       <p:ext uri="{BB962C8B-B14F-4D97-AF65-F5344CB8AC3E}">
-        <p14:creationId xmlns:p14="http://schemas.microsoft.com/office/powerpoint/2010/main" xmlns="" val="889777050"/>
+        <p14:creationId xmlns="" xmlns:p14="http://schemas.microsoft.com/office/powerpoint/2010/main" val="889777050"/>
       </p:ext>
     </p:extLst>
   </p:cSld>
@@ -6727,7 +6733,7 @@
         <p:cNvPr id="1" name="">
           <a:extLst>
             <a:ext uri="{FF2B5EF4-FFF2-40B4-BE49-F238E27FC236}">
-              <a16:creationId xmlns:a16="http://schemas.microsoft.com/office/drawing/2014/main" xmlns="" id="{253BBDB7-3E52-64BD-6E92-66253059D34C}"/>
+              <a16:creationId xmlns="" xmlns:a16="http://schemas.microsoft.com/office/drawing/2014/main" id="{253BBDB7-3E52-64BD-6E92-66253059D34C}"/>
             </a:ext>
           </a:extLst>
         </p:cNvPr>
@@ -6747,7 +6753,7 @@
           <p:cNvPr id="2" name="Title 1">
             <a:extLst>
               <a:ext uri="{FF2B5EF4-FFF2-40B4-BE49-F238E27FC236}">
-                <a16:creationId xmlns:a16="http://schemas.microsoft.com/office/drawing/2014/main" xmlns="" id="{E55678BE-607F-2A2B-B318-30B2DA7F29B3}"/>
+                <a16:creationId xmlns="" xmlns:a16="http://schemas.microsoft.com/office/drawing/2014/main" id="{E55678BE-607F-2A2B-B318-30B2DA7F29B3}"/>
               </a:ext>
             </a:extLst>
           </p:cNvPr>
@@ -6784,7 +6790,7 @@
           <p:cNvPr id="3" name="Content Placeholder 2">
             <a:extLst>
               <a:ext uri="{FF2B5EF4-FFF2-40B4-BE49-F238E27FC236}">
-                <a16:creationId xmlns:a16="http://schemas.microsoft.com/office/drawing/2014/main" xmlns="" id="{A5951AC9-1751-ACAB-8097-E6D486A5D62D}"/>
+                <a16:creationId xmlns="" xmlns:a16="http://schemas.microsoft.com/office/drawing/2014/main" id="{A5951AC9-1751-ACAB-8097-E6D486A5D62D}"/>
               </a:ext>
             </a:extLst>
           </p:cNvPr>
@@ -6839,7 +6845,7 @@
           <p:cNvPr id="5" name="Ribbon: Curved and Tilted Down 4">
             <a:extLst>
               <a:ext uri="{FF2B5EF4-FFF2-40B4-BE49-F238E27FC236}">
-                <a16:creationId xmlns:a16="http://schemas.microsoft.com/office/drawing/2014/main" xmlns="" id="{29648F54-4274-51BA-8F35-F8C888E0A19B}"/>
+                <a16:creationId xmlns="" xmlns:a16="http://schemas.microsoft.com/office/drawing/2014/main" id="{29648F54-4274-51BA-8F35-F8C888E0A19B}"/>
               </a:ext>
             </a:extLst>
           </p:cNvPr>
@@ -6912,7 +6918,7 @@
           <p:cNvPr id="6" name="Scroll: Vertical 5">
             <a:extLst>
               <a:ext uri="{FF2B5EF4-FFF2-40B4-BE49-F238E27FC236}">
-                <a16:creationId xmlns:a16="http://schemas.microsoft.com/office/drawing/2014/main" xmlns="" id="{E3C4F40D-DC8F-F75B-7F98-E5029EC432CA}"/>
+                <a16:creationId xmlns="" xmlns:a16="http://schemas.microsoft.com/office/drawing/2014/main" id="{E3C4F40D-DC8F-F75B-7F98-E5029EC432CA}"/>
               </a:ext>
             </a:extLst>
           </p:cNvPr>
@@ -7228,7 +7234,7 @@
     </p:spTree>
     <p:extLst>
       <p:ext uri="{BB962C8B-B14F-4D97-AF65-F5344CB8AC3E}">
-        <p14:creationId xmlns:p14="http://schemas.microsoft.com/office/powerpoint/2010/main" xmlns="" val="609828687"/>
+        <p14:creationId xmlns="" xmlns:p14="http://schemas.microsoft.com/office/powerpoint/2010/main" val="609828687"/>
       </p:ext>
     </p:extLst>
   </p:cSld>
@@ -7246,7 +7252,7 @@
         <p:cNvPr id="1" name="">
           <a:extLst>
             <a:ext uri="{FF2B5EF4-FFF2-40B4-BE49-F238E27FC236}">
-              <a16:creationId xmlns:a16="http://schemas.microsoft.com/office/drawing/2014/main" xmlns="" id="{4586E9D7-F5F8-14CC-9DF6-FC4AF2EA4249}"/>
+              <a16:creationId xmlns="" xmlns:a16="http://schemas.microsoft.com/office/drawing/2014/main" id="{4586E9D7-F5F8-14CC-9DF6-FC4AF2EA4249}"/>
             </a:ext>
           </a:extLst>
         </p:cNvPr>
@@ -7266,7 +7272,7 @@
           <p:cNvPr id="2" name="Title 1">
             <a:extLst>
               <a:ext uri="{FF2B5EF4-FFF2-40B4-BE49-F238E27FC236}">
-                <a16:creationId xmlns:a16="http://schemas.microsoft.com/office/drawing/2014/main" xmlns="" id="{D8B67155-694F-FF61-7CDD-33A20A316215}"/>
+                <a16:creationId xmlns="" xmlns:a16="http://schemas.microsoft.com/office/drawing/2014/main" id="{D8B67155-694F-FF61-7CDD-33A20A316215}"/>
               </a:ext>
             </a:extLst>
           </p:cNvPr>
@@ -7303,7 +7309,7 @@
           <p:cNvPr id="3" name="Content Placeholder 2">
             <a:extLst>
               <a:ext uri="{FF2B5EF4-FFF2-40B4-BE49-F238E27FC236}">
-                <a16:creationId xmlns:a16="http://schemas.microsoft.com/office/drawing/2014/main" xmlns="" id="{2A53D2DA-721D-FC7E-8E09-BCBD844B6F9F}"/>
+                <a16:creationId xmlns="" xmlns:a16="http://schemas.microsoft.com/office/drawing/2014/main" id="{2A53D2DA-721D-FC7E-8E09-BCBD844B6F9F}"/>
               </a:ext>
             </a:extLst>
           </p:cNvPr>
@@ -7411,7 +7417,7 @@
           <p:cNvPr id="5" name="Ribbon: Curved and Tilted Down 4">
             <a:extLst>
               <a:ext uri="{FF2B5EF4-FFF2-40B4-BE49-F238E27FC236}">
-                <a16:creationId xmlns:a16="http://schemas.microsoft.com/office/drawing/2014/main" xmlns="" id="{3FA23525-E3EA-B8CB-FD6A-53084CA847A7}"/>
+                <a16:creationId xmlns="" xmlns:a16="http://schemas.microsoft.com/office/drawing/2014/main" id="{3FA23525-E3EA-B8CB-FD6A-53084CA847A7}"/>
               </a:ext>
             </a:extLst>
           </p:cNvPr>
@@ -7484,7 +7490,7 @@
           <p:cNvPr id="6" name="Scroll: Vertical 5">
             <a:extLst>
               <a:ext uri="{FF2B5EF4-FFF2-40B4-BE49-F238E27FC236}">
-                <a16:creationId xmlns:a16="http://schemas.microsoft.com/office/drawing/2014/main" xmlns="" id="{1A4C732A-2840-82C8-A359-298D925E33B3}"/>
+                <a16:creationId xmlns="" xmlns:a16="http://schemas.microsoft.com/office/drawing/2014/main" id="{1A4C732A-2840-82C8-A359-298D925E33B3}"/>
               </a:ext>
             </a:extLst>
           </p:cNvPr>
@@ -7800,7 +7806,7 @@
     </p:spTree>
     <p:extLst>
       <p:ext uri="{BB962C8B-B14F-4D97-AF65-F5344CB8AC3E}">
-        <p14:creationId xmlns:p14="http://schemas.microsoft.com/office/powerpoint/2010/main" xmlns="" val="3002471670"/>
+        <p14:creationId xmlns="" xmlns:p14="http://schemas.microsoft.com/office/powerpoint/2010/main" val="3002471670"/>
       </p:ext>
     </p:extLst>
   </p:cSld>
@@ -7832,7 +7838,7 @@
           <p:cNvPr id="9" name="Explosion: 14 Points 8">
             <a:extLst>
               <a:ext uri="{FF2B5EF4-FFF2-40B4-BE49-F238E27FC236}">
-                <a16:creationId xmlns:a16="http://schemas.microsoft.com/office/drawing/2014/main" xmlns="" id="{0A2CD68B-7A56-F86D-8B6F-4A8BF99B4C9E}"/>
+                <a16:creationId xmlns="" xmlns:a16="http://schemas.microsoft.com/office/drawing/2014/main" id="{0A2CD68B-7A56-F86D-8B6F-4A8BF99B4C9E}"/>
               </a:ext>
             </a:extLst>
           </p:cNvPr>
@@ -7887,7 +7893,7 @@
           <p:cNvPr id="4" name="Ribbon: Curved and Tilted Down 3">
             <a:extLst>
               <a:ext uri="{FF2B5EF4-FFF2-40B4-BE49-F238E27FC236}">
-                <a16:creationId xmlns:a16="http://schemas.microsoft.com/office/drawing/2014/main" xmlns="" id="{909DBECF-689C-9AA7-1649-9166A578EDF9}"/>
+                <a16:creationId xmlns="" xmlns:a16="http://schemas.microsoft.com/office/drawing/2014/main" id="{909DBECF-689C-9AA7-1649-9166A578EDF9}"/>
               </a:ext>
             </a:extLst>
           </p:cNvPr>
@@ -7954,7 +7960,7 @@
           <p:cNvPr id="5" name="Scroll: Vertical 4">
             <a:extLst>
               <a:ext uri="{FF2B5EF4-FFF2-40B4-BE49-F238E27FC236}">
-                <a16:creationId xmlns:a16="http://schemas.microsoft.com/office/drawing/2014/main" xmlns="" id="{38EB993A-3F18-C6B7-226F-EDD62B4B31DB}"/>
+                <a16:creationId xmlns="" xmlns:a16="http://schemas.microsoft.com/office/drawing/2014/main" id="{38EB993A-3F18-C6B7-226F-EDD62B4B31DB}"/>
               </a:ext>
             </a:extLst>
           </p:cNvPr>
@@ -8112,7 +8118,7 @@
           <p:cNvPr id="3" name="TextBox 2">
             <a:extLst>
               <a:ext uri="{FF2B5EF4-FFF2-40B4-BE49-F238E27FC236}">
-                <a16:creationId xmlns:a16="http://schemas.microsoft.com/office/drawing/2014/main" xmlns="" id="{97CE9E2B-4371-68F6-75AF-957039BA75DC}"/>
+                <a16:creationId xmlns="" xmlns:a16="http://schemas.microsoft.com/office/drawing/2014/main" id="{97CE9E2B-4371-68F6-75AF-957039BA75DC}"/>
               </a:ext>
             </a:extLst>
           </p:cNvPr>
@@ -8167,7 +8173,7 @@
           <p:cNvPr id="7" name="Title 6">
             <a:extLst>
               <a:ext uri="{FF2B5EF4-FFF2-40B4-BE49-F238E27FC236}">
-                <a16:creationId xmlns:a16="http://schemas.microsoft.com/office/drawing/2014/main" xmlns="" id="{77434EED-AEE3-6743-9008-B43A222A1CE2}"/>
+                <a16:creationId xmlns="" xmlns:a16="http://schemas.microsoft.com/office/drawing/2014/main" id="{77434EED-AEE3-6743-9008-B43A222A1CE2}"/>
               </a:ext>
             </a:extLst>
           </p:cNvPr>
@@ -8192,7 +8198,7 @@
           <p:cNvPr id="10" name="Title 1">
             <a:extLst>
               <a:ext uri="{FF2B5EF4-FFF2-40B4-BE49-F238E27FC236}">
-                <a16:creationId xmlns:a16="http://schemas.microsoft.com/office/drawing/2014/main" xmlns="" id="{6D70E990-115A-D697-159B-C41288490798}"/>
+                <a16:creationId xmlns="" xmlns:a16="http://schemas.microsoft.com/office/drawing/2014/main" id="{6D70E990-115A-D697-159B-C41288490798}"/>
               </a:ext>
             </a:extLst>
           </p:cNvPr>
@@ -8336,7 +8342,7 @@
     </p:spTree>
     <p:extLst>
       <p:ext uri="{BB962C8B-B14F-4D97-AF65-F5344CB8AC3E}">
-        <p14:creationId xmlns:p14="http://schemas.microsoft.com/office/powerpoint/2010/main" xmlns="" val="3287175084"/>
+        <p14:creationId xmlns="" xmlns:p14="http://schemas.microsoft.com/office/powerpoint/2010/main" val="3287175084"/>
       </p:ext>
     </p:extLst>
   </p:cSld>
@@ -8354,7 +8360,7 @@
         <p:cNvPr id="1" name="">
           <a:extLst>
             <a:ext uri="{FF2B5EF4-FFF2-40B4-BE49-F238E27FC236}">
-              <a16:creationId xmlns:a16="http://schemas.microsoft.com/office/drawing/2014/main" xmlns="" id="{4586E9D7-F5F8-14CC-9DF6-FC4AF2EA4249}"/>
+              <a16:creationId xmlns="" xmlns:a16="http://schemas.microsoft.com/office/drawing/2014/main" id="{4586E9D7-F5F8-14CC-9DF6-FC4AF2EA4249}"/>
             </a:ext>
           </a:extLst>
         </p:cNvPr>
@@ -8374,7 +8380,7 @@
           <p:cNvPr id="2" name="Title 1">
             <a:extLst>
               <a:ext uri="{FF2B5EF4-FFF2-40B4-BE49-F238E27FC236}">
-                <a16:creationId xmlns:a16="http://schemas.microsoft.com/office/drawing/2014/main" xmlns="" id="{D8B67155-694F-FF61-7CDD-33A20A316215}"/>
+                <a16:creationId xmlns="" xmlns:a16="http://schemas.microsoft.com/office/drawing/2014/main" id="{D8B67155-694F-FF61-7CDD-33A20A316215}"/>
               </a:ext>
             </a:extLst>
           </p:cNvPr>
@@ -8412,7 +8418,7 @@
           <p:cNvPr id="3" name="Content Placeholder 2">
             <a:extLst>
               <a:ext uri="{FF2B5EF4-FFF2-40B4-BE49-F238E27FC236}">
-                <a16:creationId xmlns:a16="http://schemas.microsoft.com/office/drawing/2014/main" xmlns="" id="{2A53D2DA-721D-FC7E-8E09-BCBD844B6F9F}"/>
+                <a16:creationId xmlns="" xmlns:a16="http://schemas.microsoft.com/office/drawing/2014/main" id="{2A53D2DA-721D-FC7E-8E09-BCBD844B6F9F}"/>
               </a:ext>
             </a:extLst>
           </p:cNvPr>
@@ -8460,7 +8466,7 @@
           <p:cNvPr id="5" name="Ribbon: Curved and Tilted Down 4">
             <a:extLst>
               <a:ext uri="{FF2B5EF4-FFF2-40B4-BE49-F238E27FC236}">
-                <a16:creationId xmlns:a16="http://schemas.microsoft.com/office/drawing/2014/main" xmlns="" id="{3FA23525-E3EA-B8CB-FD6A-53084CA847A7}"/>
+                <a16:creationId xmlns="" xmlns:a16="http://schemas.microsoft.com/office/drawing/2014/main" id="{3FA23525-E3EA-B8CB-FD6A-53084CA847A7}"/>
               </a:ext>
             </a:extLst>
           </p:cNvPr>
@@ -8533,7 +8539,7 @@
           <p:cNvPr id="6" name="Scroll: Vertical 5">
             <a:extLst>
               <a:ext uri="{FF2B5EF4-FFF2-40B4-BE49-F238E27FC236}">
-                <a16:creationId xmlns:a16="http://schemas.microsoft.com/office/drawing/2014/main" xmlns="" id="{1A4C732A-2840-82C8-A359-298D925E33B3}"/>
+                <a16:creationId xmlns="" xmlns:a16="http://schemas.microsoft.com/office/drawing/2014/main" id="{1A4C732A-2840-82C8-A359-298D925E33B3}"/>
               </a:ext>
             </a:extLst>
           </p:cNvPr>
@@ -8723,7 +8729,7 @@
     </p:spTree>
     <p:extLst>
       <p:ext uri="{BB962C8B-B14F-4D97-AF65-F5344CB8AC3E}">
-        <p14:creationId xmlns:p14="http://schemas.microsoft.com/office/powerpoint/2010/main" xmlns="" val="3002471670"/>
+        <p14:creationId xmlns="" xmlns:p14="http://schemas.microsoft.com/office/powerpoint/2010/main" val="3002471670"/>
       </p:ext>
     </p:extLst>
   </p:cSld>
@@ -8741,7 +8747,7 @@
         <p:cNvPr id="1" name="">
           <a:extLst>
             <a:ext uri="{FF2B5EF4-FFF2-40B4-BE49-F238E27FC236}">
-              <a16:creationId xmlns:a16="http://schemas.microsoft.com/office/drawing/2014/main" xmlns="" id="{4586E9D7-F5F8-14CC-9DF6-FC4AF2EA4249}"/>
+              <a16:creationId xmlns="" xmlns:a16="http://schemas.microsoft.com/office/drawing/2014/main" id="{4586E9D7-F5F8-14CC-9DF6-FC4AF2EA4249}"/>
             </a:ext>
           </a:extLst>
         </p:cNvPr>
@@ -8761,7 +8767,7 @@
           <p:cNvPr id="2" name="Title 1">
             <a:extLst>
               <a:ext uri="{FF2B5EF4-FFF2-40B4-BE49-F238E27FC236}">
-                <a16:creationId xmlns:a16="http://schemas.microsoft.com/office/drawing/2014/main" xmlns="" id="{D8B67155-694F-FF61-7CDD-33A20A316215}"/>
+                <a16:creationId xmlns="" xmlns:a16="http://schemas.microsoft.com/office/drawing/2014/main" id="{D8B67155-694F-FF61-7CDD-33A20A316215}"/>
               </a:ext>
             </a:extLst>
           </p:cNvPr>
@@ -8799,7 +8805,7 @@
           <p:cNvPr id="3" name="Content Placeholder 2">
             <a:extLst>
               <a:ext uri="{FF2B5EF4-FFF2-40B4-BE49-F238E27FC236}">
-                <a16:creationId xmlns:a16="http://schemas.microsoft.com/office/drawing/2014/main" xmlns="" id="{2A53D2DA-721D-FC7E-8E09-BCBD844B6F9F}"/>
+                <a16:creationId xmlns="" xmlns:a16="http://schemas.microsoft.com/office/drawing/2014/main" id="{2A53D2DA-721D-FC7E-8E09-BCBD844B6F9F}"/>
               </a:ext>
             </a:extLst>
           </p:cNvPr>
@@ -8923,7 +8929,7 @@
           <p:cNvPr id="5" name="Ribbon: Curved and Tilted Down 4">
             <a:extLst>
               <a:ext uri="{FF2B5EF4-FFF2-40B4-BE49-F238E27FC236}">
-                <a16:creationId xmlns:a16="http://schemas.microsoft.com/office/drawing/2014/main" xmlns="" id="{3FA23525-E3EA-B8CB-FD6A-53084CA847A7}"/>
+                <a16:creationId xmlns="" xmlns:a16="http://schemas.microsoft.com/office/drawing/2014/main" id="{3FA23525-E3EA-B8CB-FD6A-53084CA847A7}"/>
               </a:ext>
             </a:extLst>
           </p:cNvPr>
@@ -8996,7 +9002,7 @@
           <p:cNvPr id="6" name="Scroll: Vertical 5">
             <a:extLst>
               <a:ext uri="{FF2B5EF4-FFF2-40B4-BE49-F238E27FC236}">
-                <a16:creationId xmlns:a16="http://schemas.microsoft.com/office/drawing/2014/main" xmlns="" id="{1A4C732A-2840-82C8-A359-298D925E33B3}"/>
+                <a16:creationId xmlns="" xmlns:a16="http://schemas.microsoft.com/office/drawing/2014/main" id="{1A4C732A-2840-82C8-A359-298D925E33B3}"/>
               </a:ext>
             </a:extLst>
           </p:cNvPr>
@@ -9186,7 +9192,7 @@
     </p:spTree>
     <p:extLst>
       <p:ext uri="{BB962C8B-B14F-4D97-AF65-F5344CB8AC3E}">
-        <p14:creationId xmlns:p14="http://schemas.microsoft.com/office/powerpoint/2010/main" xmlns="" val="3002471670"/>
+        <p14:creationId xmlns="" xmlns:p14="http://schemas.microsoft.com/office/powerpoint/2010/main" val="3002471670"/>
       </p:ext>
     </p:extLst>
   </p:cSld>
@@ -9204,7 +9210,7 @@
         <p:cNvPr id="1" name="">
           <a:extLst>
             <a:ext uri="{FF2B5EF4-FFF2-40B4-BE49-F238E27FC236}">
-              <a16:creationId xmlns:a16="http://schemas.microsoft.com/office/drawing/2014/main" xmlns="" id="{4586E9D7-F5F8-14CC-9DF6-FC4AF2EA4249}"/>
+              <a16:creationId xmlns="" xmlns:a16="http://schemas.microsoft.com/office/drawing/2014/main" id="{4586E9D7-F5F8-14CC-9DF6-FC4AF2EA4249}"/>
             </a:ext>
           </a:extLst>
         </p:cNvPr>
@@ -9224,7 +9230,7 @@
           <p:cNvPr id="2" name="Title 1">
             <a:extLst>
               <a:ext uri="{FF2B5EF4-FFF2-40B4-BE49-F238E27FC236}">
-                <a16:creationId xmlns:a16="http://schemas.microsoft.com/office/drawing/2014/main" xmlns="" id="{D8B67155-694F-FF61-7CDD-33A20A316215}"/>
+                <a16:creationId xmlns="" xmlns:a16="http://schemas.microsoft.com/office/drawing/2014/main" id="{D8B67155-694F-FF61-7CDD-33A20A316215}"/>
               </a:ext>
             </a:extLst>
           </p:cNvPr>
@@ -9262,7 +9268,7 @@
           <p:cNvPr id="3" name="Content Placeholder 2">
             <a:extLst>
               <a:ext uri="{FF2B5EF4-FFF2-40B4-BE49-F238E27FC236}">
-                <a16:creationId xmlns:a16="http://schemas.microsoft.com/office/drawing/2014/main" xmlns="" id="{2A53D2DA-721D-FC7E-8E09-BCBD844B6F9F}"/>
+                <a16:creationId xmlns="" xmlns:a16="http://schemas.microsoft.com/office/drawing/2014/main" id="{2A53D2DA-721D-FC7E-8E09-BCBD844B6F9F}"/>
               </a:ext>
             </a:extLst>
           </p:cNvPr>
@@ -9301,7 +9307,7 @@
           <p:cNvPr id="5" name="Ribbon: Curved and Tilted Down 4">
             <a:extLst>
               <a:ext uri="{FF2B5EF4-FFF2-40B4-BE49-F238E27FC236}">
-                <a16:creationId xmlns:a16="http://schemas.microsoft.com/office/drawing/2014/main" xmlns="" id="{3FA23525-E3EA-B8CB-FD6A-53084CA847A7}"/>
+                <a16:creationId xmlns="" xmlns:a16="http://schemas.microsoft.com/office/drawing/2014/main" id="{3FA23525-E3EA-B8CB-FD6A-53084CA847A7}"/>
               </a:ext>
             </a:extLst>
           </p:cNvPr>
@@ -9374,7 +9380,7 @@
           <p:cNvPr id="6" name="Scroll: Vertical 5">
             <a:extLst>
               <a:ext uri="{FF2B5EF4-FFF2-40B4-BE49-F238E27FC236}">
-                <a16:creationId xmlns:a16="http://schemas.microsoft.com/office/drawing/2014/main" xmlns="" id="{1A4C732A-2840-82C8-A359-298D925E33B3}"/>
+                <a16:creationId xmlns="" xmlns:a16="http://schemas.microsoft.com/office/drawing/2014/main" id="{1A4C732A-2840-82C8-A359-298D925E33B3}"/>
               </a:ext>
             </a:extLst>
           </p:cNvPr>
@@ -9597,7 +9603,7 @@
     </p:spTree>
     <p:extLst>
       <p:ext uri="{BB962C8B-B14F-4D97-AF65-F5344CB8AC3E}">
-        <p14:creationId xmlns:p14="http://schemas.microsoft.com/office/powerpoint/2010/main" xmlns="" val="3002471670"/>
+        <p14:creationId xmlns="" xmlns:p14="http://schemas.microsoft.com/office/powerpoint/2010/main" val="3002471670"/>
       </p:ext>
     </p:extLst>
   </p:cSld>
@@ -9615,7 +9621,7 @@
         <p:cNvPr id="1" name="">
           <a:extLst>
             <a:ext uri="{FF2B5EF4-FFF2-40B4-BE49-F238E27FC236}">
-              <a16:creationId xmlns:a16="http://schemas.microsoft.com/office/drawing/2014/main" xmlns="" id="{4586E9D7-F5F8-14CC-9DF6-FC4AF2EA4249}"/>
+              <a16:creationId xmlns="" xmlns:a16="http://schemas.microsoft.com/office/drawing/2014/main" id="{4586E9D7-F5F8-14CC-9DF6-FC4AF2EA4249}"/>
             </a:ext>
           </a:extLst>
         </p:cNvPr>
@@ -9635,7 +9641,7 @@
           <p:cNvPr id="2" name="Title 1">
             <a:extLst>
               <a:ext uri="{FF2B5EF4-FFF2-40B4-BE49-F238E27FC236}">
-                <a16:creationId xmlns:a16="http://schemas.microsoft.com/office/drawing/2014/main" xmlns="" id="{D8B67155-694F-FF61-7CDD-33A20A316215}"/>
+                <a16:creationId xmlns="" xmlns:a16="http://schemas.microsoft.com/office/drawing/2014/main" id="{D8B67155-694F-FF61-7CDD-33A20A316215}"/>
               </a:ext>
             </a:extLst>
           </p:cNvPr>
@@ -9673,7 +9679,7 @@
           <p:cNvPr id="3" name="Content Placeholder 2">
             <a:extLst>
               <a:ext uri="{FF2B5EF4-FFF2-40B4-BE49-F238E27FC236}">
-                <a16:creationId xmlns:a16="http://schemas.microsoft.com/office/drawing/2014/main" xmlns="" id="{2A53D2DA-721D-FC7E-8E09-BCBD844B6F9F}"/>
+                <a16:creationId xmlns="" xmlns:a16="http://schemas.microsoft.com/office/drawing/2014/main" id="{2A53D2DA-721D-FC7E-8E09-BCBD844B6F9F}"/>
               </a:ext>
             </a:extLst>
           </p:cNvPr>
@@ -9870,7 +9876,7 @@
           <p:cNvPr id="5" name="Ribbon: Curved and Tilted Down 4">
             <a:extLst>
               <a:ext uri="{FF2B5EF4-FFF2-40B4-BE49-F238E27FC236}">
-                <a16:creationId xmlns:a16="http://schemas.microsoft.com/office/drawing/2014/main" xmlns="" id="{3FA23525-E3EA-B8CB-FD6A-53084CA847A7}"/>
+                <a16:creationId xmlns="" xmlns:a16="http://schemas.microsoft.com/office/drawing/2014/main" id="{3FA23525-E3EA-B8CB-FD6A-53084CA847A7}"/>
               </a:ext>
             </a:extLst>
           </p:cNvPr>
@@ -9943,7 +9949,7 @@
           <p:cNvPr id="6" name="Scroll: Vertical 5">
             <a:extLst>
               <a:ext uri="{FF2B5EF4-FFF2-40B4-BE49-F238E27FC236}">
-                <a16:creationId xmlns:a16="http://schemas.microsoft.com/office/drawing/2014/main" xmlns="" id="{1A4C732A-2840-82C8-A359-298D925E33B3}"/>
+                <a16:creationId xmlns="" xmlns:a16="http://schemas.microsoft.com/office/drawing/2014/main" id="{1A4C732A-2840-82C8-A359-298D925E33B3}"/>
               </a:ext>
             </a:extLst>
           </p:cNvPr>
@@ -10133,7 +10139,7 @@
     </p:spTree>
     <p:extLst>
       <p:ext uri="{BB962C8B-B14F-4D97-AF65-F5344CB8AC3E}">
-        <p14:creationId xmlns:p14="http://schemas.microsoft.com/office/powerpoint/2010/main" xmlns="" val="3002471670"/>
+        <p14:creationId xmlns="" xmlns:p14="http://schemas.microsoft.com/office/powerpoint/2010/main" val="3002471670"/>
       </p:ext>
     </p:extLst>
   </p:cSld>
@@ -10165,7 +10171,7 @@
           <p:cNvPr id="9" name="Explosion: 14 Points 8">
             <a:extLst>
               <a:ext uri="{FF2B5EF4-FFF2-40B4-BE49-F238E27FC236}">
-                <a16:creationId xmlns:a16="http://schemas.microsoft.com/office/drawing/2014/main" xmlns="" id="{0A2CD68B-7A56-F86D-8B6F-4A8BF99B4C9E}"/>
+                <a16:creationId xmlns="" xmlns:a16="http://schemas.microsoft.com/office/drawing/2014/main" id="{0A2CD68B-7A56-F86D-8B6F-4A8BF99B4C9E}"/>
               </a:ext>
             </a:extLst>
           </p:cNvPr>
@@ -10220,7 +10226,7 @@
           <p:cNvPr id="2" name="Title 1">
             <a:extLst>
               <a:ext uri="{FF2B5EF4-FFF2-40B4-BE49-F238E27FC236}">
-                <a16:creationId xmlns:a16="http://schemas.microsoft.com/office/drawing/2014/main" xmlns="" id="{62BB4F8D-44B7-9866-F7B2-6375CB902974}"/>
+                <a16:creationId xmlns="" xmlns:a16="http://schemas.microsoft.com/office/drawing/2014/main" id="{62BB4F8D-44B7-9866-F7B2-6375CB902974}"/>
               </a:ext>
             </a:extLst>
           </p:cNvPr>
@@ -10338,7 +10344,7 @@
           <p:cNvPr id="4" name="Ribbon: Curved and Tilted Down 3">
             <a:extLst>
               <a:ext uri="{FF2B5EF4-FFF2-40B4-BE49-F238E27FC236}">
-                <a16:creationId xmlns:a16="http://schemas.microsoft.com/office/drawing/2014/main" xmlns="" id="{909DBECF-689C-9AA7-1649-9166A578EDF9}"/>
+                <a16:creationId xmlns="" xmlns:a16="http://schemas.microsoft.com/office/drawing/2014/main" id="{909DBECF-689C-9AA7-1649-9166A578EDF9}"/>
               </a:ext>
             </a:extLst>
           </p:cNvPr>
@@ -10405,7 +10411,7 @@
           <p:cNvPr id="5" name="Scroll: Vertical 4">
             <a:extLst>
               <a:ext uri="{FF2B5EF4-FFF2-40B4-BE49-F238E27FC236}">
-                <a16:creationId xmlns:a16="http://schemas.microsoft.com/office/drawing/2014/main" xmlns="" id="{38EB993A-3F18-C6B7-226F-EDD62B4B31DB}"/>
+                <a16:creationId xmlns="" xmlns:a16="http://schemas.microsoft.com/office/drawing/2014/main" id="{38EB993A-3F18-C6B7-226F-EDD62B4B31DB}"/>
               </a:ext>
             </a:extLst>
           </p:cNvPr>
@@ -10846,7 +10852,7 @@
           <p:cNvPr id="3" name="TextBox 2">
             <a:extLst>
               <a:ext uri="{FF2B5EF4-FFF2-40B4-BE49-F238E27FC236}">
-                <a16:creationId xmlns:a16="http://schemas.microsoft.com/office/drawing/2014/main" xmlns="" id="{17C06F8A-D1E5-957B-796C-892968B95A50}"/>
+                <a16:creationId xmlns="" xmlns:a16="http://schemas.microsoft.com/office/drawing/2014/main" id="{17C06F8A-D1E5-957B-796C-892968B95A50}"/>
               </a:ext>
             </a:extLst>
           </p:cNvPr>
@@ -10899,7 +10905,7 @@
     </p:spTree>
     <p:extLst>
       <p:ext uri="{BB962C8B-B14F-4D97-AF65-F5344CB8AC3E}">
-        <p14:creationId xmlns:p14="http://schemas.microsoft.com/office/powerpoint/2010/main" xmlns="" val="3287175084"/>
+        <p14:creationId xmlns="" xmlns:p14="http://schemas.microsoft.com/office/powerpoint/2010/main" val="3287175084"/>
       </p:ext>
     </p:extLst>
   </p:cSld>
@@ -10931,7 +10937,7 @@
           <p:cNvPr id="9" name="Explosion: 14 Points 8">
             <a:extLst>
               <a:ext uri="{FF2B5EF4-FFF2-40B4-BE49-F238E27FC236}">
-                <a16:creationId xmlns:a16="http://schemas.microsoft.com/office/drawing/2014/main" xmlns="" id="{0A2CD68B-7A56-F86D-8B6F-4A8BF99B4C9E}"/>
+                <a16:creationId xmlns="" xmlns:a16="http://schemas.microsoft.com/office/drawing/2014/main" id="{0A2CD68B-7A56-F86D-8B6F-4A8BF99B4C9E}"/>
               </a:ext>
             </a:extLst>
           </p:cNvPr>
@@ -10986,7 +10992,7 @@
           <p:cNvPr id="2" name="Title 1">
             <a:extLst>
               <a:ext uri="{FF2B5EF4-FFF2-40B4-BE49-F238E27FC236}">
-                <a16:creationId xmlns:a16="http://schemas.microsoft.com/office/drawing/2014/main" xmlns="" id="{62BB4F8D-44B7-9866-F7B2-6375CB902974}"/>
+                <a16:creationId xmlns="" xmlns:a16="http://schemas.microsoft.com/office/drawing/2014/main" id="{62BB4F8D-44B7-9866-F7B2-6375CB902974}"/>
               </a:ext>
             </a:extLst>
           </p:cNvPr>
@@ -11122,7 +11128,7 @@
           <p:cNvPr id="4" name="Ribbon: Curved and Tilted Down 3">
             <a:extLst>
               <a:ext uri="{FF2B5EF4-FFF2-40B4-BE49-F238E27FC236}">
-                <a16:creationId xmlns:a16="http://schemas.microsoft.com/office/drawing/2014/main" xmlns="" id="{909DBECF-689C-9AA7-1649-9166A578EDF9}"/>
+                <a16:creationId xmlns="" xmlns:a16="http://schemas.microsoft.com/office/drawing/2014/main" id="{909DBECF-689C-9AA7-1649-9166A578EDF9}"/>
               </a:ext>
             </a:extLst>
           </p:cNvPr>
@@ -11189,7 +11195,7 @@
           <p:cNvPr id="5" name="Scroll: Vertical 4">
             <a:extLst>
               <a:ext uri="{FF2B5EF4-FFF2-40B4-BE49-F238E27FC236}">
-                <a16:creationId xmlns:a16="http://schemas.microsoft.com/office/drawing/2014/main" xmlns="" id="{38EB993A-3F18-C6B7-226F-EDD62B4B31DB}"/>
+                <a16:creationId xmlns="" xmlns:a16="http://schemas.microsoft.com/office/drawing/2014/main" id="{38EB993A-3F18-C6B7-226F-EDD62B4B31DB}"/>
               </a:ext>
             </a:extLst>
           </p:cNvPr>
@@ -11370,7 +11376,7 @@
           <p:cNvPr id="3" name="TextBox 2">
             <a:extLst>
               <a:ext uri="{FF2B5EF4-FFF2-40B4-BE49-F238E27FC236}">
-                <a16:creationId xmlns:a16="http://schemas.microsoft.com/office/drawing/2014/main" xmlns="" id="{17C06F8A-D1E5-957B-796C-892968B95A50}"/>
+                <a16:creationId xmlns="" xmlns:a16="http://schemas.microsoft.com/office/drawing/2014/main" id="{17C06F8A-D1E5-957B-796C-892968B95A50}"/>
               </a:ext>
             </a:extLst>
           </p:cNvPr>
@@ -11425,7 +11431,7 @@
           <p:cNvPr id="7" name="Picture 6">
             <a:extLst>
               <a:ext uri="{FF2B5EF4-FFF2-40B4-BE49-F238E27FC236}">
-                <a16:creationId xmlns:a16="http://schemas.microsoft.com/office/drawing/2014/main" xmlns="" id="{45A84455-06EA-2224-C377-E67CDC7D7497}"/>
+                <a16:creationId xmlns="" xmlns:a16="http://schemas.microsoft.com/office/drawing/2014/main" id="{45A84455-06EA-2224-C377-E67CDC7D7497}"/>
               </a:ext>
             </a:extLst>
           </p:cNvPr>
@@ -11453,7 +11459,7 @@
     </p:spTree>
     <p:extLst>
       <p:ext uri="{BB962C8B-B14F-4D97-AF65-F5344CB8AC3E}">
-        <p14:creationId xmlns:p14="http://schemas.microsoft.com/office/powerpoint/2010/main" xmlns="" val="3287175084"/>
+        <p14:creationId xmlns="" xmlns:p14="http://schemas.microsoft.com/office/powerpoint/2010/main" val="3287175084"/>
       </p:ext>
     </p:extLst>
   </p:cSld>
@@ -11478,7 +11484,7 @@
         <p:cNvPr id="1" name="">
           <a:extLst>
             <a:ext uri="{FF2B5EF4-FFF2-40B4-BE49-F238E27FC236}">
-              <a16:creationId xmlns:a16="http://schemas.microsoft.com/office/drawing/2014/main" xmlns="" id="{C5637B91-7316-D738-42FD-B6F1CC38AB90}"/>
+              <a16:creationId xmlns="" xmlns:a16="http://schemas.microsoft.com/office/drawing/2014/main" id="{C5637B91-7316-D738-42FD-B6F1CC38AB90}"/>
             </a:ext>
           </a:extLst>
         </p:cNvPr>
@@ -11498,7 +11504,7 @@
           <p:cNvPr id="2" name="Title 1">
             <a:extLst>
               <a:ext uri="{FF2B5EF4-FFF2-40B4-BE49-F238E27FC236}">
-                <a16:creationId xmlns:a16="http://schemas.microsoft.com/office/drawing/2014/main" xmlns="" id="{0BB42E27-7C22-C4E2-3B23-3F7F20980B00}"/>
+                <a16:creationId xmlns="" xmlns:a16="http://schemas.microsoft.com/office/drawing/2014/main" id="{0BB42E27-7C22-C4E2-3B23-3F7F20980B00}"/>
               </a:ext>
             </a:extLst>
           </p:cNvPr>
@@ -11536,7 +11542,7 @@
           <p:cNvPr id="3" name="Content Placeholder 2">
             <a:extLst>
               <a:ext uri="{FF2B5EF4-FFF2-40B4-BE49-F238E27FC236}">
-                <a16:creationId xmlns:a16="http://schemas.microsoft.com/office/drawing/2014/main" xmlns="" id="{514ACDD6-0D2B-0B03-F18B-91318DCF7D9A}"/>
+                <a16:creationId xmlns="" xmlns:a16="http://schemas.microsoft.com/office/drawing/2014/main" id="{514ACDD6-0D2B-0B03-F18B-91318DCF7D9A}"/>
               </a:ext>
             </a:extLst>
           </p:cNvPr>
@@ -11838,7 +11844,7 @@
           <p:cNvPr id="5" name="Ribbon: Curved and Tilted Down 4">
             <a:extLst>
               <a:ext uri="{FF2B5EF4-FFF2-40B4-BE49-F238E27FC236}">
-                <a16:creationId xmlns:a16="http://schemas.microsoft.com/office/drawing/2014/main" xmlns="" id="{D1D7DB93-DBF3-0DF0-3533-AC1786837990}"/>
+                <a16:creationId xmlns="" xmlns:a16="http://schemas.microsoft.com/office/drawing/2014/main" id="{D1D7DB93-DBF3-0DF0-3533-AC1786837990}"/>
               </a:ext>
             </a:extLst>
           </p:cNvPr>
@@ -11911,7 +11917,7 @@
           <p:cNvPr id="6" name="Scroll: Vertical 5">
             <a:extLst>
               <a:ext uri="{FF2B5EF4-FFF2-40B4-BE49-F238E27FC236}">
-                <a16:creationId xmlns:a16="http://schemas.microsoft.com/office/drawing/2014/main" xmlns="" id="{4B810CE8-F172-ABEF-9B5B-F6C6A3F4D513}"/>
+                <a16:creationId xmlns="" xmlns:a16="http://schemas.microsoft.com/office/drawing/2014/main" id="{4B810CE8-F172-ABEF-9B5B-F6C6A3F4D513}"/>
               </a:ext>
             </a:extLst>
           </p:cNvPr>
@@ -12037,7 +12043,7 @@
           <p:cNvPr id="7" name="TextBox 6">
             <a:extLst>
               <a:ext uri="{FF2B5EF4-FFF2-40B4-BE49-F238E27FC236}">
-                <a16:creationId xmlns:a16="http://schemas.microsoft.com/office/drawing/2014/main" xmlns="" id="{7C7A2712-C9B9-958D-594C-39F36B75B90A}"/>
+                <a16:creationId xmlns="" xmlns:a16="http://schemas.microsoft.com/office/drawing/2014/main" id="{7C7A2712-C9B9-958D-594C-39F36B75B90A}"/>
               </a:ext>
             </a:extLst>
           </p:cNvPr>
@@ -12087,7 +12093,7 @@
     </p:spTree>
     <p:extLst>
       <p:ext uri="{BB962C8B-B14F-4D97-AF65-F5344CB8AC3E}">
-        <p14:creationId xmlns:p14="http://schemas.microsoft.com/office/powerpoint/2010/main" xmlns="" val="693676810"/>
+        <p14:creationId xmlns="" xmlns:p14="http://schemas.microsoft.com/office/powerpoint/2010/main" val="693676810"/>
       </p:ext>
     </p:extLst>
   </p:cSld>
@@ -12126,7 +12132,7 @@
           <p:cNvPr id="9" name="Explosion: 14 Points 8">
             <a:extLst>
               <a:ext uri="{FF2B5EF4-FFF2-40B4-BE49-F238E27FC236}">
-                <a16:creationId xmlns:a16="http://schemas.microsoft.com/office/drawing/2014/main" xmlns="" id="{0A2CD68B-7A56-F86D-8B6F-4A8BF99B4C9E}"/>
+                <a16:creationId xmlns="" xmlns:a16="http://schemas.microsoft.com/office/drawing/2014/main" id="{0A2CD68B-7A56-F86D-8B6F-4A8BF99B4C9E}"/>
               </a:ext>
             </a:extLst>
           </p:cNvPr>
@@ -12181,7 +12187,7 @@
           <p:cNvPr id="2" name="Title 1">
             <a:extLst>
               <a:ext uri="{FF2B5EF4-FFF2-40B4-BE49-F238E27FC236}">
-                <a16:creationId xmlns:a16="http://schemas.microsoft.com/office/drawing/2014/main" xmlns="" id="{62BB4F8D-44B7-9866-F7B2-6375CB902974}"/>
+                <a16:creationId xmlns="" xmlns:a16="http://schemas.microsoft.com/office/drawing/2014/main" id="{62BB4F8D-44B7-9866-F7B2-6375CB902974}"/>
               </a:ext>
             </a:extLst>
           </p:cNvPr>
@@ -12255,7 +12261,7 @@
           <p:cNvPr id="4" name="Ribbon: Curved and Tilted Down 3">
             <a:extLst>
               <a:ext uri="{FF2B5EF4-FFF2-40B4-BE49-F238E27FC236}">
-                <a16:creationId xmlns:a16="http://schemas.microsoft.com/office/drawing/2014/main" xmlns="" id="{909DBECF-689C-9AA7-1649-9166A578EDF9}"/>
+                <a16:creationId xmlns="" xmlns:a16="http://schemas.microsoft.com/office/drawing/2014/main" id="{909DBECF-689C-9AA7-1649-9166A578EDF9}"/>
               </a:ext>
             </a:extLst>
           </p:cNvPr>
@@ -12322,7 +12328,7 @@
           <p:cNvPr id="5" name="Scroll: Vertical 4">
             <a:extLst>
               <a:ext uri="{FF2B5EF4-FFF2-40B4-BE49-F238E27FC236}">
-                <a16:creationId xmlns:a16="http://schemas.microsoft.com/office/drawing/2014/main" xmlns="" id="{38EB993A-3F18-C6B7-226F-EDD62B4B31DB}"/>
+                <a16:creationId xmlns="" xmlns:a16="http://schemas.microsoft.com/office/drawing/2014/main" id="{38EB993A-3F18-C6B7-226F-EDD62B4B31DB}"/>
               </a:ext>
             </a:extLst>
           </p:cNvPr>
@@ -12582,7 +12588,7 @@
           <p:cNvPr id="3" name="TextBox 2">
             <a:extLst>
               <a:ext uri="{FF2B5EF4-FFF2-40B4-BE49-F238E27FC236}">
-                <a16:creationId xmlns:a16="http://schemas.microsoft.com/office/drawing/2014/main" xmlns="" id="{3BE32085-0497-60C5-6142-8DF6C2C12813}"/>
+                <a16:creationId xmlns="" xmlns:a16="http://schemas.microsoft.com/office/drawing/2014/main" id="{3BE32085-0497-60C5-6142-8DF6C2C12813}"/>
               </a:ext>
             </a:extLst>
           </p:cNvPr>
@@ -12635,7 +12641,7 @@
     </p:spTree>
     <p:extLst>
       <p:ext uri="{BB962C8B-B14F-4D97-AF65-F5344CB8AC3E}">
-        <p14:creationId xmlns:p14="http://schemas.microsoft.com/office/powerpoint/2010/main" xmlns="" val="3287175084"/>
+        <p14:creationId xmlns="" xmlns:p14="http://schemas.microsoft.com/office/powerpoint/2010/main" val="3287175084"/>
       </p:ext>
     </p:extLst>
   </p:cSld>
@@ -12667,7 +12673,7 @@
           <p:cNvPr id="9" name="Explosion: 14 Points 8">
             <a:extLst>
               <a:ext uri="{FF2B5EF4-FFF2-40B4-BE49-F238E27FC236}">
-                <a16:creationId xmlns:a16="http://schemas.microsoft.com/office/drawing/2014/main" xmlns="" id="{0A2CD68B-7A56-F86D-8B6F-4A8BF99B4C9E}"/>
+                <a16:creationId xmlns="" xmlns:a16="http://schemas.microsoft.com/office/drawing/2014/main" id="{0A2CD68B-7A56-F86D-8B6F-4A8BF99B4C9E}"/>
               </a:ext>
             </a:extLst>
           </p:cNvPr>
@@ -12722,7 +12728,7 @@
           <p:cNvPr id="2" name="Title 1">
             <a:extLst>
               <a:ext uri="{FF2B5EF4-FFF2-40B4-BE49-F238E27FC236}">
-                <a16:creationId xmlns:a16="http://schemas.microsoft.com/office/drawing/2014/main" xmlns="" id="{62BB4F8D-44B7-9866-F7B2-6375CB902974}"/>
+                <a16:creationId xmlns="" xmlns:a16="http://schemas.microsoft.com/office/drawing/2014/main" id="{62BB4F8D-44B7-9866-F7B2-6375CB902974}"/>
               </a:ext>
             </a:extLst>
           </p:cNvPr>
@@ -12870,7 +12876,7 @@
           <p:cNvPr id="4" name="Ribbon: Curved and Tilted Down 3">
             <a:extLst>
               <a:ext uri="{FF2B5EF4-FFF2-40B4-BE49-F238E27FC236}">
-                <a16:creationId xmlns:a16="http://schemas.microsoft.com/office/drawing/2014/main" xmlns="" id="{909DBECF-689C-9AA7-1649-9166A578EDF9}"/>
+                <a16:creationId xmlns="" xmlns:a16="http://schemas.microsoft.com/office/drawing/2014/main" id="{909DBECF-689C-9AA7-1649-9166A578EDF9}"/>
               </a:ext>
             </a:extLst>
           </p:cNvPr>
@@ -12937,7 +12943,7 @@
           <p:cNvPr id="5" name="Scroll: Vertical 4">
             <a:extLst>
               <a:ext uri="{FF2B5EF4-FFF2-40B4-BE49-F238E27FC236}">
-                <a16:creationId xmlns:a16="http://schemas.microsoft.com/office/drawing/2014/main" xmlns="" id="{38EB993A-3F18-C6B7-226F-EDD62B4B31DB}"/>
+                <a16:creationId xmlns="" xmlns:a16="http://schemas.microsoft.com/office/drawing/2014/main" id="{38EB993A-3F18-C6B7-226F-EDD62B4B31DB}"/>
               </a:ext>
             </a:extLst>
           </p:cNvPr>
@@ -13217,7 +13223,7 @@
           <p:cNvPr id="3" name="TextBox 2">
             <a:extLst>
               <a:ext uri="{FF2B5EF4-FFF2-40B4-BE49-F238E27FC236}">
-                <a16:creationId xmlns:a16="http://schemas.microsoft.com/office/drawing/2014/main" xmlns="" id="{17C06F8A-D1E5-957B-796C-892968B95A50}"/>
+                <a16:creationId xmlns="" xmlns:a16="http://schemas.microsoft.com/office/drawing/2014/main" id="{17C06F8A-D1E5-957B-796C-892968B95A50}"/>
               </a:ext>
             </a:extLst>
           </p:cNvPr>
@@ -13270,7 +13276,7 @@
     </p:spTree>
     <p:extLst>
       <p:ext uri="{BB962C8B-B14F-4D97-AF65-F5344CB8AC3E}">
-        <p14:creationId xmlns:p14="http://schemas.microsoft.com/office/powerpoint/2010/main" xmlns="" val="3287175084"/>
+        <p14:creationId xmlns="" xmlns:p14="http://schemas.microsoft.com/office/powerpoint/2010/main" val="3287175084"/>
       </p:ext>
     </p:extLst>
   </p:cSld>
@@ -13295,7 +13301,7 @@
         <p:cNvPr id="1" name="">
           <a:extLst>
             <a:ext uri="{FF2B5EF4-FFF2-40B4-BE49-F238E27FC236}">
-              <a16:creationId xmlns:a16="http://schemas.microsoft.com/office/drawing/2014/main" xmlns="" id="{4586E9D7-F5F8-14CC-9DF6-FC4AF2EA4249}"/>
+              <a16:creationId xmlns="" xmlns:a16="http://schemas.microsoft.com/office/drawing/2014/main" id="{4586E9D7-F5F8-14CC-9DF6-FC4AF2EA4249}"/>
             </a:ext>
           </a:extLst>
         </p:cNvPr>
@@ -13315,7 +13321,7 @@
           <p:cNvPr id="2" name="Title 1">
             <a:extLst>
               <a:ext uri="{FF2B5EF4-FFF2-40B4-BE49-F238E27FC236}">
-                <a16:creationId xmlns:a16="http://schemas.microsoft.com/office/drawing/2014/main" xmlns="" id="{D8B67155-694F-FF61-7CDD-33A20A316215}"/>
+                <a16:creationId xmlns="" xmlns:a16="http://schemas.microsoft.com/office/drawing/2014/main" id="{D8B67155-694F-FF61-7CDD-33A20A316215}"/>
               </a:ext>
             </a:extLst>
           </p:cNvPr>
@@ -13371,7 +13377,7 @@
           <p:cNvPr id="3" name="Content Placeholder 2">
             <a:extLst>
               <a:ext uri="{FF2B5EF4-FFF2-40B4-BE49-F238E27FC236}">
-                <a16:creationId xmlns:a16="http://schemas.microsoft.com/office/drawing/2014/main" xmlns="" id="{2A53D2DA-721D-FC7E-8E09-BCBD844B6F9F}"/>
+                <a16:creationId xmlns="" xmlns:a16="http://schemas.microsoft.com/office/drawing/2014/main" id="{2A53D2DA-721D-FC7E-8E09-BCBD844B6F9F}"/>
               </a:ext>
             </a:extLst>
           </p:cNvPr>
@@ -13430,7 +13436,7 @@
           <p:cNvPr id="5" name="Ribbon: Curved and Tilted Down 4">
             <a:extLst>
               <a:ext uri="{FF2B5EF4-FFF2-40B4-BE49-F238E27FC236}">
-                <a16:creationId xmlns:a16="http://schemas.microsoft.com/office/drawing/2014/main" xmlns="" id="{3FA23525-E3EA-B8CB-FD6A-53084CA847A7}"/>
+                <a16:creationId xmlns="" xmlns:a16="http://schemas.microsoft.com/office/drawing/2014/main" id="{3FA23525-E3EA-B8CB-FD6A-53084CA847A7}"/>
               </a:ext>
             </a:extLst>
           </p:cNvPr>
@@ -13503,7 +13509,7 @@
           <p:cNvPr id="6" name="Scroll: Vertical 5">
             <a:extLst>
               <a:ext uri="{FF2B5EF4-FFF2-40B4-BE49-F238E27FC236}">
-                <a16:creationId xmlns:a16="http://schemas.microsoft.com/office/drawing/2014/main" xmlns="" id="{1A4C732A-2840-82C8-A359-298D925E33B3}"/>
+                <a16:creationId xmlns="" xmlns:a16="http://schemas.microsoft.com/office/drawing/2014/main" id="{1A4C732A-2840-82C8-A359-298D925E33B3}"/>
               </a:ext>
             </a:extLst>
           </p:cNvPr>
@@ -13744,7 +13750,7 @@
     </p:spTree>
     <p:extLst>
       <p:ext uri="{BB962C8B-B14F-4D97-AF65-F5344CB8AC3E}">
-        <p14:creationId xmlns:p14="http://schemas.microsoft.com/office/powerpoint/2010/main" xmlns="" val="3002471670"/>
+        <p14:creationId xmlns="" xmlns:p14="http://schemas.microsoft.com/office/powerpoint/2010/main" val="3002471670"/>
       </p:ext>
     </p:extLst>
   </p:cSld>
@@ -13762,7 +13768,7 @@
         <p:cNvPr id="1" name="">
           <a:extLst>
             <a:ext uri="{FF2B5EF4-FFF2-40B4-BE49-F238E27FC236}">
-              <a16:creationId xmlns:a16="http://schemas.microsoft.com/office/drawing/2014/main" xmlns="" id="{4586E9D7-F5F8-14CC-9DF6-FC4AF2EA4249}"/>
+              <a16:creationId xmlns="" xmlns:a16="http://schemas.microsoft.com/office/drawing/2014/main" id="{4586E9D7-F5F8-14CC-9DF6-FC4AF2EA4249}"/>
             </a:ext>
           </a:extLst>
         </p:cNvPr>
@@ -13782,7 +13788,7 @@
           <p:cNvPr id="2" name="Title 1">
             <a:extLst>
               <a:ext uri="{FF2B5EF4-FFF2-40B4-BE49-F238E27FC236}">
-                <a16:creationId xmlns:a16="http://schemas.microsoft.com/office/drawing/2014/main" xmlns="" id="{D8B67155-694F-FF61-7CDD-33A20A316215}"/>
+                <a16:creationId xmlns="" xmlns:a16="http://schemas.microsoft.com/office/drawing/2014/main" id="{D8B67155-694F-FF61-7CDD-33A20A316215}"/>
               </a:ext>
             </a:extLst>
           </p:cNvPr>
@@ -13829,7 +13835,7 @@
           <p:cNvPr id="3" name="Content Placeholder 2">
             <a:extLst>
               <a:ext uri="{FF2B5EF4-FFF2-40B4-BE49-F238E27FC236}">
-                <a16:creationId xmlns:a16="http://schemas.microsoft.com/office/drawing/2014/main" xmlns="" id="{2A53D2DA-721D-FC7E-8E09-BCBD844B6F9F}"/>
+                <a16:creationId xmlns="" xmlns:a16="http://schemas.microsoft.com/office/drawing/2014/main" id="{2A53D2DA-721D-FC7E-8E09-BCBD844B6F9F}"/>
               </a:ext>
             </a:extLst>
           </p:cNvPr>
@@ -13938,7 +13944,7 @@
           <p:cNvPr id="5" name="Ribbon: Curved and Tilted Down 4">
             <a:extLst>
               <a:ext uri="{FF2B5EF4-FFF2-40B4-BE49-F238E27FC236}">
-                <a16:creationId xmlns:a16="http://schemas.microsoft.com/office/drawing/2014/main" xmlns="" id="{3FA23525-E3EA-B8CB-FD6A-53084CA847A7}"/>
+                <a16:creationId xmlns="" xmlns:a16="http://schemas.microsoft.com/office/drawing/2014/main" id="{3FA23525-E3EA-B8CB-FD6A-53084CA847A7}"/>
               </a:ext>
             </a:extLst>
           </p:cNvPr>
@@ -14011,7 +14017,7 @@
           <p:cNvPr id="6" name="Scroll: Vertical 5">
             <a:extLst>
               <a:ext uri="{FF2B5EF4-FFF2-40B4-BE49-F238E27FC236}">
-                <a16:creationId xmlns:a16="http://schemas.microsoft.com/office/drawing/2014/main" xmlns="" id="{1A4C732A-2840-82C8-A359-298D925E33B3}"/>
+                <a16:creationId xmlns="" xmlns:a16="http://schemas.microsoft.com/office/drawing/2014/main" id="{1A4C732A-2840-82C8-A359-298D925E33B3}"/>
               </a:ext>
             </a:extLst>
           </p:cNvPr>
@@ -14225,7 +14231,7 @@
     </p:spTree>
     <p:extLst>
       <p:ext uri="{BB962C8B-B14F-4D97-AF65-F5344CB8AC3E}">
-        <p14:creationId xmlns:p14="http://schemas.microsoft.com/office/powerpoint/2010/main" xmlns="" val="3002471670"/>
+        <p14:creationId xmlns="" xmlns:p14="http://schemas.microsoft.com/office/powerpoint/2010/main" val="3002471670"/>
       </p:ext>
     </p:extLst>
   </p:cSld>
@@ -14243,7 +14249,7 @@
         <p:cNvPr id="1" name="">
           <a:extLst>
             <a:ext uri="{FF2B5EF4-FFF2-40B4-BE49-F238E27FC236}">
-              <a16:creationId xmlns:a16="http://schemas.microsoft.com/office/drawing/2014/main" xmlns="" id="{4586E9D7-F5F8-14CC-9DF6-FC4AF2EA4249}"/>
+              <a16:creationId xmlns="" xmlns:a16="http://schemas.microsoft.com/office/drawing/2014/main" id="{4586E9D7-F5F8-14CC-9DF6-FC4AF2EA4249}"/>
             </a:ext>
           </a:extLst>
         </p:cNvPr>
@@ -14263,7 +14269,7 @@
           <p:cNvPr id="2" name="Title 1">
             <a:extLst>
               <a:ext uri="{FF2B5EF4-FFF2-40B4-BE49-F238E27FC236}">
-                <a16:creationId xmlns:a16="http://schemas.microsoft.com/office/drawing/2014/main" xmlns="" id="{D8B67155-694F-FF61-7CDD-33A20A316215}"/>
+                <a16:creationId xmlns="" xmlns:a16="http://schemas.microsoft.com/office/drawing/2014/main" id="{D8B67155-694F-FF61-7CDD-33A20A316215}"/>
               </a:ext>
             </a:extLst>
           </p:cNvPr>
@@ -14339,7 +14345,7 @@
           <p:cNvPr id="5" name="Ribbon: Curved and Tilted Down 4">
             <a:extLst>
               <a:ext uri="{FF2B5EF4-FFF2-40B4-BE49-F238E27FC236}">
-                <a16:creationId xmlns:a16="http://schemas.microsoft.com/office/drawing/2014/main" xmlns="" id="{3FA23525-E3EA-B8CB-FD6A-53084CA847A7}"/>
+                <a16:creationId xmlns="" xmlns:a16="http://schemas.microsoft.com/office/drawing/2014/main" id="{3FA23525-E3EA-B8CB-FD6A-53084CA847A7}"/>
               </a:ext>
             </a:extLst>
           </p:cNvPr>
@@ -14412,7 +14418,7 @@
           <p:cNvPr id="6" name="Scroll: Vertical 5">
             <a:extLst>
               <a:ext uri="{FF2B5EF4-FFF2-40B4-BE49-F238E27FC236}">
-                <a16:creationId xmlns:a16="http://schemas.microsoft.com/office/drawing/2014/main" xmlns="" id="{1A4C732A-2840-82C8-A359-298D925E33B3}"/>
+                <a16:creationId xmlns="" xmlns:a16="http://schemas.microsoft.com/office/drawing/2014/main" id="{1A4C732A-2840-82C8-A359-298D925E33B3}"/>
               </a:ext>
             </a:extLst>
           </p:cNvPr>
@@ -14562,7 +14568,7 @@
           <p:cNvPr id="9" name="Content Placeholder 2">
             <a:extLst>
               <a:ext uri="{FF2B5EF4-FFF2-40B4-BE49-F238E27FC236}">
-                <a16:creationId xmlns:a16="http://schemas.microsoft.com/office/drawing/2014/main" xmlns="" id="{2A53D2DA-721D-FC7E-8E09-BCBD844B6F9F}"/>
+                <a16:creationId xmlns="" xmlns:a16="http://schemas.microsoft.com/office/drawing/2014/main" id="{2A53D2DA-721D-FC7E-8E09-BCBD844B6F9F}"/>
               </a:ext>
             </a:extLst>
           </p:cNvPr>
@@ -14693,7 +14699,7 @@
           <p:cNvPr id="11" name="Content Placeholder 2">
             <a:extLst>
               <a:ext uri="{FF2B5EF4-FFF2-40B4-BE49-F238E27FC236}">
-                <a16:creationId xmlns:a16="http://schemas.microsoft.com/office/drawing/2014/main" xmlns="" id="{2A53D2DA-721D-FC7E-8E09-BCBD844B6F9F}"/>
+                <a16:creationId xmlns="" xmlns:a16="http://schemas.microsoft.com/office/drawing/2014/main" id="{2A53D2DA-721D-FC7E-8E09-BCBD844B6F9F}"/>
               </a:ext>
             </a:extLst>
           </p:cNvPr>
@@ -14898,7 +14904,7 @@
     </p:spTree>
     <p:extLst>
       <p:ext uri="{BB962C8B-B14F-4D97-AF65-F5344CB8AC3E}">
-        <p14:creationId xmlns:p14="http://schemas.microsoft.com/office/powerpoint/2010/main" xmlns="" val="3002471670"/>
+        <p14:creationId xmlns="" xmlns:p14="http://schemas.microsoft.com/office/powerpoint/2010/main" val="3002471670"/>
       </p:ext>
     </p:extLst>
   </p:cSld>
@@ -14916,7 +14922,7 @@
         <p:cNvPr id="1" name="">
           <a:extLst>
             <a:ext uri="{FF2B5EF4-FFF2-40B4-BE49-F238E27FC236}">
-              <a16:creationId xmlns:a16="http://schemas.microsoft.com/office/drawing/2014/main" xmlns="" id="{4586E9D7-F5F8-14CC-9DF6-FC4AF2EA4249}"/>
+              <a16:creationId xmlns="" xmlns:a16="http://schemas.microsoft.com/office/drawing/2014/main" id="{4586E9D7-F5F8-14CC-9DF6-FC4AF2EA4249}"/>
             </a:ext>
           </a:extLst>
         </p:cNvPr>
@@ -14936,7 +14942,7 @@
           <p:cNvPr id="2" name="Title 1">
             <a:extLst>
               <a:ext uri="{FF2B5EF4-FFF2-40B4-BE49-F238E27FC236}">
-                <a16:creationId xmlns:a16="http://schemas.microsoft.com/office/drawing/2014/main" xmlns="" id="{D8B67155-694F-FF61-7CDD-33A20A316215}"/>
+                <a16:creationId xmlns="" xmlns:a16="http://schemas.microsoft.com/office/drawing/2014/main" id="{D8B67155-694F-FF61-7CDD-33A20A316215}"/>
               </a:ext>
             </a:extLst>
           </p:cNvPr>
@@ -14976,7 +14982,7 @@
           <p:cNvPr id="5" name="Ribbon: Curved and Tilted Down 4">
             <a:extLst>
               <a:ext uri="{FF2B5EF4-FFF2-40B4-BE49-F238E27FC236}">
-                <a16:creationId xmlns:a16="http://schemas.microsoft.com/office/drawing/2014/main" xmlns="" id="{3FA23525-E3EA-B8CB-FD6A-53084CA847A7}"/>
+                <a16:creationId xmlns="" xmlns:a16="http://schemas.microsoft.com/office/drawing/2014/main" id="{3FA23525-E3EA-B8CB-FD6A-53084CA847A7}"/>
               </a:ext>
             </a:extLst>
           </p:cNvPr>
@@ -15049,7 +15055,7 @@
           <p:cNvPr id="6" name="Scroll: Vertical 5">
             <a:extLst>
               <a:ext uri="{FF2B5EF4-FFF2-40B4-BE49-F238E27FC236}">
-                <a16:creationId xmlns:a16="http://schemas.microsoft.com/office/drawing/2014/main" xmlns="" id="{1A4C732A-2840-82C8-A359-298D925E33B3}"/>
+                <a16:creationId xmlns="" xmlns:a16="http://schemas.microsoft.com/office/drawing/2014/main" id="{1A4C732A-2840-82C8-A359-298D925E33B3}"/>
               </a:ext>
             </a:extLst>
           </p:cNvPr>
@@ -15199,7 +15205,7 @@
           <p:cNvPr id="9" name="Content Placeholder 2">
             <a:extLst>
               <a:ext uri="{FF2B5EF4-FFF2-40B4-BE49-F238E27FC236}">
-                <a16:creationId xmlns:a16="http://schemas.microsoft.com/office/drawing/2014/main" xmlns="" id="{2A53D2DA-721D-FC7E-8E09-BCBD844B6F9F}"/>
+                <a16:creationId xmlns="" xmlns:a16="http://schemas.microsoft.com/office/drawing/2014/main" id="{2A53D2DA-721D-FC7E-8E09-BCBD844B6F9F}"/>
               </a:ext>
             </a:extLst>
           </p:cNvPr>
@@ -15330,7 +15336,7 @@
           <p:cNvPr id="11" name="Content Placeholder 2">
             <a:extLst>
               <a:ext uri="{FF2B5EF4-FFF2-40B4-BE49-F238E27FC236}">
-                <a16:creationId xmlns:a16="http://schemas.microsoft.com/office/drawing/2014/main" xmlns="" id="{2A53D2DA-721D-FC7E-8E09-BCBD844B6F9F}"/>
+                <a16:creationId xmlns="" xmlns:a16="http://schemas.microsoft.com/office/drawing/2014/main" id="{2A53D2DA-721D-FC7E-8E09-BCBD844B6F9F}"/>
               </a:ext>
             </a:extLst>
           </p:cNvPr>
@@ -15604,7 +15610,7 @@
     </p:spTree>
     <p:extLst>
       <p:ext uri="{BB962C8B-B14F-4D97-AF65-F5344CB8AC3E}">
-        <p14:creationId xmlns:p14="http://schemas.microsoft.com/office/powerpoint/2010/main" xmlns="" val="3002471670"/>
+        <p14:creationId xmlns="" xmlns:p14="http://schemas.microsoft.com/office/powerpoint/2010/main" val="3002471670"/>
       </p:ext>
     </p:extLst>
   </p:cSld>
@@ -15622,7 +15628,7 @@
         <p:cNvPr id="1" name="">
           <a:extLst>
             <a:ext uri="{FF2B5EF4-FFF2-40B4-BE49-F238E27FC236}">
-              <a16:creationId xmlns:a16="http://schemas.microsoft.com/office/drawing/2014/main" xmlns="" id="{4586E9D7-F5F8-14CC-9DF6-FC4AF2EA4249}"/>
+              <a16:creationId xmlns="" xmlns:a16="http://schemas.microsoft.com/office/drawing/2014/main" id="{4586E9D7-F5F8-14CC-9DF6-FC4AF2EA4249}"/>
             </a:ext>
           </a:extLst>
         </p:cNvPr>
@@ -15642,7 +15648,7 @@
           <p:cNvPr id="2" name="Title 1">
             <a:extLst>
               <a:ext uri="{FF2B5EF4-FFF2-40B4-BE49-F238E27FC236}">
-                <a16:creationId xmlns:a16="http://schemas.microsoft.com/office/drawing/2014/main" xmlns="" id="{D8B67155-694F-FF61-7CDD-33A20A316215}"/>
+                <a16:creationId xmlns="" xmlns:a16="http://schemas.microsoft.com/office/drawing/2014/main" id="{D8B67155-694F-FF61-7CDD-33A20A316215}"/>
               </a:ext>
             </a:extLst>
           </p:cNvPr>
@@ -15787,7 +15793,7 @@
           <p:cNvPr id="5" name="Ribbon: Curved and Tilted Down 4">
             <a:extLst>
               <a:ext uri="{FF2B5EF4-FFF2-40B4-BE49-F238E27FC236}">
-                <a16:creationId xmlns:a16="http://schemas.microsoft.com/office/drawing/2014/main" xmlns="" id="{3FA23525-E3EA-B8CB-FD6A-53084CA847A7}"/>
+                <a16:creationId xmlns="" xmlns:a16="http://schemas.microsoft.com/office/drawing/2014/main" id="{3FA23525-E3EA-B8CB-FD6A-53084CA847A7}"/>
               </a:ext>
             </a:extLst>
           </p:cNvPr>
@@ -15860,7 +15866,7 @@
           <p:cNvPr id="6" name="Scroll: Vertical 5">
             <a:extLst>
               <a:ext uri="{FF2B5EF4-FFF2-40B4-BE49-F238E27FC236}">
-                <a16:creationId xmlns:a16="http://schemas.microsoft.com/office/drawing/2014/main" xmlns="" id="{1A4C732A-2840-82C8-A359-298D925E33B3}"/>
+                <a16:creationId xmlns="" xmlns:a16="http://schemas.microsoft.com/office/drawing/2014/main" id="{1A4C732A-2840-82C8-A359-298D925E33B3}"/>
               </a:ext>
             </a:extLst>
           </p:cNvPr>
@@ -16008,7 +16014,7 @@
     </p:spTree>
     <p:extLst>
       <p:ext uri="{BB962C8B-B14F-4D97-AF65-F5344CB8AC3E}">
-        <p14:creationId xmlns:p14="http://schemas.microsoft.com/office/powerpoint/2010/main" xmlns="" val="3002471670"/>
+        <p14:creationId xmlns="" xmlns:p14="http://schemas.microsoft.com/office/powerpoint/2010/main" val="3002471670"/>
       </p:ext>
     </p:extLst>
   </p:cSld>
@@ -16040,7 +16046,7 @@
           <p:cNvPr id="9" name="Explosion: 14 Points 8">
             <a:extLst>
               <a:ext uri="{FF2B5EF4-FFF2-40B4-BE49-F238E27FC236}">
-                <a16:creationId xmlns:a16="http://schemas.microsoft.com/office/drawing/2014/main" xmlns="" id="{0A2CD68B-7A56-F86D-8B6F-4A8BF99B4C9E}"/>
+                <a16:creationId xmlns="" xmlns:a16="http://schemas.microsoft.com/office/drawing/2014/main" id="{0A2CD68B-7A56-F86D-8B6F-4A8BF99B4C9E}"/>
               </a:ext>
             </a:extLst>
           </p:cNvPr>
@@ -16095,7 +16101,7 @@
           <p:cNvPr id="2" name="Title 1">
             <a:extLst>
               <a:ext uri="{FF2B5EF4-FFF2-40B4-BE49-F238E27FC236}">
-                <a16:creationId xmlns:a16="http://schemas.microsoft.com/office/drawing/2014/main" xmlns="" id="{62BB4F8D-44B7-9866-F7B2-6375CB902974}"/>
+                <a16:creationId xmlns="" xmlns:a16="http://schemas.microsoft.com/office/drawing/2014/main" id="{62BB4F8D-44B7-9866-F7B2-6375CB902974}"/>
               </a:ext>
             </a:extLst>
           </p:cNvPr>
@@ -16216,7 +16222,7 @@
           <p:cNvPr id="4" name="Ribbon: Curved and Tilted Down 3">
             <a:extLst>
               <a:ext uri="{FF2B5EF4-FFF2-40B4-BE49-F238E27FC236}">
-                <a16:creationId xmlns:a16="http://schemas.microsoft.com/office/drawing/2014/main" xmlns="" id="{909DBECF-689C-9AA7-1649-9166A578EDF9}"/>
+                <a16:creationId xmlns="" xmlns:a16="http://schemas.microsoft.com/office/drawing/2014/main" id="{909DBECF-689C-9AA7-1649-9166A578EDF9}"/>
               </a:ext>
             </a:extLst>
           </p:cNvPr>
@@ -16283,7 +16289,7 @@
           <p:cNvPr id="8" name="TextBox 7">
             <a:extLst>
               <a:ext uri="{FF2B5EF4-FFF2-40B4-BE49-F238E27FC236}">
-                <a16:creationId xmlns:a16="http://schemas.microsoft.com/office/drawing/2014/main" xmlns="" id="{6E6F1672-8C91-3FA6-CB80-58FD68172333}"/>
+                <a16:creationId xmlns="" xmlns:a16="http://schemas.microsoft.com/office/drawing/2014/main" id="{6E6F1672-8C91-3FA6-CB80-58FD68172333}"/>
               </a:ext>
             </a:extLst>
           </p:cNvPr>
@@ -16338,7 +16344,7 @@
           <p:cNvPr id="5" name="Scroll: Vertical 4">
             <a:extLst>
               <a:ext uri="{FF2B5EF4-FFF2-40B4-BE49-F238E27FC236}">
-                <a16:creationId xmlns:a16="http://schemas.microsoft.com/office/drawing/2014/main" xmlns="" id="{38EB993A-3F18-C6B7-226F-EDD62B4B31DB}"/>
+                <a16:creationId xmlns="" xmlns:a16="http://schemas.microsoft.com/office/drawing/2014/main" id="{38EB993A-3F18-C6B7-226F-EDD62B4B31DB}"/>
               </a:ext>
             </a:extLst>
           </p:cNvPr>
@@ -16633,7 +16639,7 @@
     </p:spTree>
     <p:extLst>
       <p:ext uri="{BB962C8B-B14F-4D97-AF65-F5344CB8AC3E}">
-        <p14:creationId xmlns:p14="http://schemas.microsoft.com/office/powerpoint/2010/main" xmlns="" val="3287175084"/>
+        <p14:creationId xmlns="" xmlns:p14="http://schemas.microsoft.com/office/powerpoint/2010/main" val="3287175084"/>
       </p:ext>
     </p:extLst>
   </p:cSld>
@@ -16651,7 +16657,7 @@
         <p:cNvPr id="1" name="">
           <a:extLst>
             <a:ext uri="{FF2B5EF4-FFF2-40B4-BE49-F238E27FC236}">
-              <a16:creationId xmlns:a16="http://schemas.microsoft.com/office/drawing/2014/main" xmlns="" id="{4586E9D7-F5F8-14CC-9DF6-FC4AF2EA4249}"/>
+              <a16:creationId xmlns="" xmlns:a16="http://schemas.microsoft.com/office/drawing/2014/main" id="{4586E9D7-F5F8-14CC-9DF6-FC4AF2EA4249}"/>
             </a:ext>
           </a:extLst>
         </p:cNvPr>
@@ -16671,7 +16677,7 @@
           <p:cNvPr id="2" name="Title 1">
             <a:extLst>
               <a:ext uri="{FF2B5EF4-FFF2-40B4-BE49-F238E27FC236}">
-                <a16:creationId xmlns:a16="http://schemas.microsoft.com/office/drawing/2014/main" xmlns="" id="{D8B67155-694F-FF61-7CDD-33A20A316215}"/>
+                <a16:creationId xmlns="" xmlns:a16="http://schemas.microsoft.com/office/drawing/2014/main" id="{D8B67155-694F-FF61-7CDD-33A20A316215}"/>
               </a:ext>
             </a:extLst>
           </p:cNvPr>
@@ -16749,7 +16755,7 @@
           <p:cNvPr id="5" name="Ribbon: Curved and Tilted Down 4">
             <a:extLst>
               <a:ext uri="{FF2B5EF4-FFF2-40B4-BE49-F238E27FC236}">
-                <a16:creationId xmlns:a16="http://schemas.microsoft.com/office/drawing/2014/main" xmlns="" id="{3FA23525-E3EA-B8CB-FD6A-53084CA847A7}"/>
+                <a16:creationId xmlns="" xmlns:a16="http://schemas.microsoft.com/office/drawing/2014/main" id="{3FA23525-E3EA-B8CB-FD6A-53084CA847A7}"/>
               </a:ext>
             </a:extLst>
           </p:cNvPr>
@@ -16822,7 +16828,7 @@
           <p:cNvPr id="6" name="Scroll: Vertical 5">
             <a:extLst>
               <a:ext uri="{FF2B5EF4-FFF2-40B4-BE49-F238E27FC236}">
-                <a16:creationId xmlns:a16="http://schemas.microsoft.com/office/drawing/2014/main" xmlns="" id="{1A4C732A-2840-82C8-A359-298D925E33B3}"/>
+                <a16:creationId xmlns="" xmlns:a16="http://schemas.microsoft.com/office/drawing/2014/main" id="{1A4C732A-2840-82C8-A359-298D925E33B3}"/>
               </a:ext>
             </a:extLst>
           </p:cNvPr>
@@ -16996,7 +17002,7 @@
     </p:spTree>
     <p:extLst>
       <p:ext uri="{BB962C8B-B14F-4D97-AF65-F5344CB8AC3E}">
-        <p14:creationId xmlns:p14="http://schemas.microsoft.com/office/powerpoint/2010/main" xmlns="" val="3002471670"/>
+        <p14:creationId xmlns="" xmlns:p14="http://schemas.microsoft.com/office/powerpoint/2010/main" val="3002471670"/>
       </p:ext>
     </p:extLst>
   </p:cSld>
@@ -17014,7 +17020,7 @@
         <p:cNvPr id="1" name="">
           <a:extLst>
             <a:ext uri="{FF2B5EF4-FFF2-40B4-BE49-F238E27FC236}">
-              <a16:creationId xmlns:a16="http://schemas.microsoft.com/office/drawing/2014/main" xmlns="" id="{4586E9D7-F5F8-14CC-9DF6-FC4AF2EA4249}"/>
+              <a16:creationId xmlns="" xmlns:a16="http://schemas.microsoft.com/office/drawing/2014/main" id="{4586E9D7-F5F8-14CC-9DF6-FC4AF2EA4249}"/>
             </a:ext>
           </a:extLst>
         </p:cNvPr>
@@ -17034,7 +17040,7 @@
           <p:cNvPr id="2" name="Title 1">
             <a:extLst>
               <a:ext uri="{FF2B5EF4-FFF2-40B4-BE49-F238E27FC236}">
-                <a16:creationId xmlns:a16="http://schemas.microsoft.com/office/drawing/2014/main" xmlns="" id="{D8B67155-694F-FF61-7CDD-33A20A316215}"/>
+                <a16:creationId xmlns="" xmlns:a16="http://schemas.microsoft.com/office/drawing/2014/main" id="{D8B67155-694F-FF61-7CDD-33A20A316215}"/>
               </a:ext>
             </a:extLst>
           </p:cNvPr>
@@ -17121,7 +17127,7 @@
           <p:cNvPr id="5" name="Ribbon: Curved and Tilted Down 4">
             <a:extLst>
               <a:ext uri="{FF2B5EF4-FFF2-40B4-BE49-F238E27FC236}">
-                <a16:creationId xmlns:a16="http://schemas.microsoft.com/office/drawing/2014/main" xmlns="" id="{3FA23525-E3EA-B8CB-FD6A-53084CA847A7}"/>
+                <a16:creationId xmlns="" xmlns:a16="http://schemas.microsoft.com/office/drawing/2014/main" id="{3FA23525-E3EA-B8CB-FD6A-53084CA847A7}"/>
               </a:ext>
             </a:extLst>
           </p:cNvPr>
@@ -17194,7 +17200,7 @@
           <p:cNvPr id="6" name="Scroll: Vertical 5">
             <a:extLst>
               <a:ext uri="{FF2B5EF4-FFF2-40B4-BE49-F238E27FC236}">
-                <a16:creationId xmlns:a16="http://schemas.microsoft.com/office/drawing/2014/main" xmlns="" id="{1A4C732A-2840-82C8-A359-298D925E33B3}"/>
+                <a16:creationId xmlns="" xmlns:a16="http://schemas.microsoft.com/office/drawing/2014/main" id="{1A4C732A-2840-82C8-A359-298D925E33B3}"/>
               </a:ext>
             </a:extLst>
           </p:cNvPr>
@@ -17368,7 +17374,7 @@
     </p:spTree>
     <p:extLst>
       <p:ext uri="{BB962C8B-B14F-4D97-AF65-F5344CB8AC3E}">
-        <p14:creationId xmlns:p14="http://schemas.microsoft.com/office/powerpoint/2010/main" xmlns="" val="3002471670"/>
+        <p14:creationId xmlns="" xmlns:p14="http://schemas.microsoft.com/office/powerpoint/2010/main" val="3002471670"/>
       </p:ext>
     </p:extLst>
   </p:cSld>
@@ -17400,7 +17406,7 @@
           <p:cNvPr id="9" name="Explosion: 14 Points 8">
             <a:extLst>
               <a:ext uri="{FF2B5EF4-FFF2-40B4-BE49-F238E27FC236}">
-                <a16:creationId xmlns:a16="http://schemas.microsoft.com/office/drawing/2014/main" xmlns="" id="{0A2CD68B-7A56-F86D-8B6F-4A8BF99B4C9E}"/>
+                <a16:creationId xmlns="" xmlns:a16="http://schemas.microsoft.com/office/drawing/2014/main" id="{0A2CD68B-7A56-F86D-8B6F-4A8BF99B4C9E}"/>
               </a:ext>
             </a:extLst>
           </p:cNvPr>
@@ -17455,7 +17461,7 @@
           <p:cNvPr id="2" name="Title 1">
             <a:extLst>
               <a:ext uri="{FF2B5EF4-FFF2-40B4-BE49-F238E27FC236}">
-                <a16:creationId xmlns:a16="http://schemas.microsoft.com/office/drawing/2014/main" xmlns="" id="{62BB4F8D-44B7-9866-F7B2-6375CB902974}"/>
+                <a16:creationId xmlns="" xmlns:a16="http://schemas.microsoft.com/office/drawing/2014/main" id="{62BB4F8D-44B7-9866-F7B2-6375CB902974}"/>
               </a:ext>
             </a:extLst>
           </p:cNvPr>
@@ -17594,7 +17600,7 @@
           <p:cNvPr id="8" name="TextBox 7">
             <a:extLst>
               <a:ext uri="{FF2B5EF4-FFF2-40B4-BE49-F238E27FC236}">
-                <a16:creationId xmlns:a16="http://schemas.microsoft.com/office/drawing/2014/main" xmlns="" id="{6E6F1672-8C91-3FA6-CB80-58FD68172333}"/>
+                <a16:creationId xmlns="" xmlns:a16="http://schemas.microsoft.com/office/drawing/2014/main" id="{6E6F1672-8C91-3FA6-CB80-58FD68172333}"/>
               </a:ext>
             </a:extLst>
           </p:cNvPr>
@@ -17673,7 +17679,7 @@
     </p:spTree>
     <p:extLst>
       <p:ext uri="{BB962C8B-B14F-4D97-AF65-F5344CB8AC3E}">
-        <p14:creationId xmlns:p14="http://schemas.microsoft.com/office/powerpoint/2010/main" xmlns="" val="3287175084"/>
+        <p14:creationId xmlns="" xmlns:p14="http://schemas.microsoft.com/office/powerpoint/2010/main" val="3287175084"/>
       </p:ext>
     </p:extLst>
   </p:cSld>
@@ -17698,7 +17704,7 @@
         <p:cNvPr id="1" name="">
           <a:extLst>
             <a:ext uri="{FF2B5EF4-FFF2-40B4-BE49-F238E27FC236}">
-              <a16:creationId xmlns:a16="http://schemas.microsoft.com/office/drawing/2014/main" xmlns="" id="{D210C62D-BA73-7142-9269-B229A82A227F}"/>
+              <a16:creationId xmlns="" xmlns:a16="http://schemas.microsoft.com/office/drawing/2014/main" id="{D210C62D-BA73-7142-9269-B229A82A227F}"/>
             </a:ext>
           </a:extLst>
         </p:cNvPr>
@@ -17718,7 +17724,7 @@
           <p:cNvPr id="2" name="Title 1">
             <a:extLst>
               <a:ext uri="{FF2B5EF4-FFF2-40B4-BE49-F238E27FC236}">
-                <a16:creationId xmlns:a16="http://schemas.microsoft.com/office/drawing/2014/main" xmlns="" id="{D5018557-B8C1-B1F3-960D-C1C68708243B}"/>
+                <a16:creationId xmlns="" xmlns:a16="http://schemas.microsoft.com/office/drawing/2014/main" id="{D5018557-B8C1-B1F3-960D-C1C68708243B}"/>
               </a:ext>
             </a:extLst>
           </p:cNvPr>
@@ -17758,7 +17764,7 @@
           <p:cNvPr id="3" name="Content Placeholder 2">
             <a:extLst>
               <a:ext uri="{FF2B5EF4-FFF2-40B4-BE49-F238E27FC236}">
-                <a16:creationId xmlns:a16="http://schemas.microsoft.com/office/drawing/2014/main" xmlns="" id="{24415AF3-2B9F-42C3-52C5-51254FAF8249}"/>
+                <a16:creationId xmlns="" xmlns:a16="http://schemas.microsoft.com/office/drawing/2014/main" id="{24415AF3-2B9F-42C3-52C5-51254FAF8249}"/>
               </a:ext>
             </a:extLst>
           </p:cNvPr>
@@ -17824,7 +17830,7 @@
           <p:cNvPr id="6" name="Ribbon: Curved and Tilted Down 5">
             <a:extLst>
               <a:ext uri="{FF2B5EF4-FFF2-40B4-BE49-F238E27FC236}">
-                <a16:creationId xmlns:a16="http://schemas.microsoft.com/office/drawing/2014/main" xmlns="" id="{7BEA6FE3-CC31-4B69-44C6-04DF1B8559E4}"/>
+                <a16:creationId xmlns="" xmlns:a16="http://schemas.microsoft.com/office/drawing/2014/main" id="{7BEA6FE3-CC31-4B69-44C6-04DF1B8559E4}"/>
               </a:ext>
             </a:extLst>
           </p:cNvPr>
@@ -17897,7 +17903,7 @@
           <p:cNvPr id="8" name="Scroll: Vertical 7">
             <a:extLst>
               <a:ext uri="{FF2B5EF4-FFF2-40B4-BE49-F238E27FC236}">
-                <a16:creationId xmlns:a16="http://schemas.microsoft.com/office/drawing/2014/main" xmlns="" id="{2D8E823F-54F9-1A01-E3EF-B3211339B30B}"/>
+                <a16:creationId xmlns="" xmlns:a16="http://schemas.microsoft.com/office/drawing/2014/main" id="{2D8E823F-54F9-1A01-E3EF-B3211339B30B}"/>
               </a:ext>
             </a:extLst>
           </p:cNvPr>
@@ -18167,7 +18173,7 @@
     </p:spTree>
     <p:extLst>
       <p:ext uri="{BB962C8B-B14F-4D97-AF65-F5344CB8AC3E}">
-        <p14:creationId xmlns:p14="http://schemas.microsoft.com/office/powerpoint/2010/main" xmlns="" val="3274136203"/>
+        <p14:creationId xmlns="" xmlns:p14="http://schemas.microsoft.com/office/powerpoint/2010/main" val="3274136203"/>
       </p:ext>
     </p:extLst>
   </p:cSld>
@@ -18185,7 +18191,7 @@
         <p:cNvPr id="1" name="">
           <a:extLst>
             <a:ext uri="{FF2B5EF4-FFF2-40B4-BE49-F238E27FC236}">
-              <a16:creationId xmlns:a16="http://schemas.microsoft.com/office/drawing/2014/main" xmlns="" id="{4586E9D7-F5F8-14CC-9DF6-FC4AF2EA4249}"/>
+              <a16:creationId xmlns="" xmlns:a16="http://schemas.microsoft.com/office/drawing/2014/main" id="{4586E9D7-F5F8-14CC-9DF6-FC4AF2EA4249}"/>
             </a:ext>
           </a:extLst>
         </p:cNvPr>
@@ -18205,7 +18211,7 @@
           <p:cNvPr id="2" name="Title 1">
             <a:extLst>
               <a:ext uri="{FF2B5EF4-FFF2-40B4-BE49-F238E27FC236}">
-                <a16:creationId xmlns:a16="http://schemas.microsoft.com/office/drawing/2014/main" xmlns="" id="{D8B67155-694F-FF61-7CDD-33A20A316215}"/>
+                <a16:creationId xmlns="" xmlns:a16="http://schemas.microsoft.com/office/drawing/2014/main" id="{D8B67155-694F-FF61-7CDD-33A20A316215}"/>
               </a:ext>
             </a:extLst>
           </p:cNvPr>
@@ -18331,7 +18337,7 @@
           <p:cNvPr id="6" name="Scroll: Vertical 5">
             <a:extLst>
               <a:ext uri="{FF2B5EF4-FFF2-40B4-BE49-F238E27FC236}">
-                <a16:creationId xmlns:a16="http://schemas.microsoft.com/office/drawing/2014/main" xmlns="" id="{1A4C732A-2840-82C8-A359-298D925E33B3}"/>
+                <a16:creationId xmlns="" xmlns:a16="http://schemas.microsoft.com/office/drawing/2014/main" id="{1A4C732A-2840-82C8-A359-298D925E33B3}"/>
               </a:ext>
             </a:extLst>
           </p:cNvPr>
@@ -18551,7 +18557,7 @@
           <p:cNvPr id="10" name="Title 1">
             <a:extLst>
               <a:ext uri="{FF2B5EF4-FFF2-40B4-BE49-F238E27FC236}">
-                <a16:creationId xmlns:a16="http://schemas.microsoft.com/office/drawing/2014/main" xmlns="" id="{D8B67155-694F-FF61-7CDD-33A20A316215}"/>
+                <a16:creationId xmlns="" xmlns:a16="http://schemas.microsoft.com/office/drawing/2014/main" id="{D8B67155-694F-FF61-7CDD-33A20A316215}"/>
               </a:ext>
             </a:extLst>
           </p:cNvPr>
@@ -18746,7 +18752,7 @@
     </p:spTree>
     <p:extLst>
       <p:ext uri="{BB962C8B-B14F-4D97-AF65-F5344CB8AC3E}">
-        <p14:creationId xmlns:p14="http://schemas.microsoft.com/office/powerpoint/2010/main" xmlns="" val="3002471670"/>
+        <p14:creationId xmlns="" xmlns:p14="http://schemas.microsoft.com/office/powerpoint/2010/main" val="3002471670"/>
       </p:ext>
     </p:extLst>
   </p:cSld>
@@ -18785,7 +18791,7 @@
           <p:cNvPr id="9" name="Explosion: 14 Points 8">
             <a:extLst>
               <a:ext uri="{FF2B5EF4-FFF2-40B4-BE49-F238E27FC236}">
-                <a16:creationId xmlns:a16="http://schemas.microsoft.com/office/drawing/2014/main" xmlns="" id="{0A2CD68B-7A56-F86D-8B6F-4A8BF99B4C9E}"/>
+                <a16:creationId xmlns="" xmlns:a16="http://schemas.microsoft.com/office/drawing/2014/main" id="{0A2CD68B-7A56-F86D-8B6F-4A8BF99B4C9E}"/>
               </a:ext>
             </a:extLst>
           </p:cNvPr>
@@ -18840,7 +18846,7 @@
           <p:cNvPr id="2" name="Title 1">
             <a:extLst>
               <a:ext uri="{FF2B5EF4-FFF2-40B4-BE49-F238E27FC236}">
-                <a16:creationId xmlns:a16="http://schemas.microsoft.com/office/drawing/2014/main" xmlns="" id="{62BB4F8D-44B7-9866-F7B2-6375CB902974}"/>
+                <a16:creationId xmlns="" xmlns:a16="http://schemas.microsoft.com/office/drawing/2014/main" id="{62BB4F8D-44B7-9866-F7B2-6375CB902974}"/>
               </a:ext>
             </a:extLst>
           </p:cNvPr>
@@ -18962,7 +18968,7 @@
           <p:cNvPr id="8" name="TextBox 7">
             <a:extLst>
               <a:ext uri="{FF2B5EF4-FFF2-40B4-BE49-F238E27FC236}">
-                <a16:creationId xmlns:a16="http://schemas.microsoft.com/office/drawing/2014/main" xmlns="" id="{6E6F1672-8C91-3FA6-CB80-58FD68172333}"/>
+                <a16:creationId xmlns="" xmlns:a16="http://schemas.microsoft.com/office/drawing/2014/main" id="{6E6F1672-8C91-3FA6-CB80-58FD68172333}"/>
               </a:ext>
             </a:extLst>
           </p:cNvPr>
@@ -19099,7 +19105,7 @@
     </p:spTree>
     <p:extLst>
       <p:ext uri="{BB962C8B-B14F-4D97-AF65-F5344CB8AC3E}">
-        <p14:creationId xmlns:p14="http://schemas.microsoft.com/office/powerpoint/2010/main" xmlns="" val="3287175084"/>
+        <p14:creationId xmlns="" xmlns:p14="http://schemas.microsoft.com/office/powerpoint/2010/main" val="3287175084"/>
       </p:ext>
     </p:extLst>
   </p:cSld>
@@ -19186,7 +19192,7 @@
           <p:cNvPr id="9" name="Explosion: 14 Points 8">
             <a:extLst>
               <a:ext uri="{FF2B5EF4-FFF2-40B4-BE49-F238E27FC236}">
-                <a16:creationId xmlns:a16="http://schemas.microsoft.com/office/drawing/2014/main" xmlns="" id="{0A2CD68B-7A56-F86D-8B6F-4A8BF99B4C9E}"/>
+                <a16:creationId xmlns="" xmlns:a16="http://schemas.microsoft.com/office/drawing/2014/main" id="{0A2CD68B-7A56-F86D-8B6F-4A8BF99B4C9E}"/>
               </a:ext>
             </a:extLst>
           </p:cNvPr>
@@ -19240,7 +19246,7 @@
           <p:cNvPr id="2" name="Title 1">
             <a:extLst>
               <a:ext uri="{FF2B5EF4-FFF2-40B4-BE49-F238E27FC236}">
-                <a16:creationId xmlns:a16="http://schemas.microsoft.com/office/drawing/2014/main" xmlns="" id="{62BB4F8D-44B7-9866-F7B2-6375CB902974}"/>
+                <a16:creationId xmlns="" xmlns:a16="http://schemas.microsoft.com/office/drawing/2014/main" id="{62BB4F8D-44B7-9866-F7B2-6375CB902974}"/>
               </a:ext>
             </a:extLst>
           </p:cNvPr>
@@ -19322,19 +19328,7 @@
                 </a:solidFill>
                 <a:latin typeface="Bahnschrift Light Condensed" pitchFamily="34" charset="0"/>
               </a:rPr>
-              <a:t>Arithmetic </a:t>
-            </a:r>
-            <a:r>
-              <a:rPr lang="en-US" sz="8800" b="1" dirty="0" smtClean="0">
-                <a:solidFill>
-                  <a:schemeClr val="accent2">
-                    <a:lumMod val="60000"/>
-                    <a:lumOff val="40000"/>
-                  </a:schemeClr>
-                </a:solidFill>
-                <a:latin typeface="Bahnschrift Light Condensed" pitchFamily="34" charset="0"/>
-              </a:rPr>
-              <a:t>Operators</a:t>
+              <a:t>Arithmetic Operators</a:t>
             </a:r>
             <a:r>
               <a:rPr lang="en-US" sz="6600" b="1" dirty="0" smtClean="0">
@@ -19365,7 +19359,7 @@
           <p:cNvPr id="8" name="TextBox 7">
             <a:extLst>
               <a:ext uri="{FF2B5EF4-FFF2-40B4-BE49-F238E27FC236}">
-                <a16:creationId xmlns:a16="http://schemas.microsoft.com/office/drawing/2014/main" xmlns="" id="{6E6F1672-8C91-3FA6-CB80-58FD68172333}"/>
+                <a16:creationId xmlns="" xmlns:a16="http://schemas.microsoft.com/office/drawing/2014/main" id="{6E6F1672-8C91-3FA6-CB80-58FD68172333}"/>
               </a:ext>
             </a:extLst>
           </p:cNvPr>
@@ -19990,7 +19984,7 @@
                     </a:outerShdw>
                   </a:effectLst>
                 </a:rPr>
-                <a:t>\</a:t>
+                <a:t>/</a:t>
               </a:r>
               <a:endParaRPr lang="en-US" sz="9600" b="1" cap="none" spc="0" dirty="0">
                 <a:ln w="12700">
@@ -20544,7 +20538,7 @@
     </p:spTree>
     <p:extLst>
       <p:ext uri="{BB962C8B-B14F-4D97-AF65-F5344CB8AC3E}">
-        <p14:creationId xmlns:p14="http://schemas.microsoft.com/office/powerpoint/2010/main" xmlns="" val="3287175084"/>
+        <p14:creationId xmlns="" xmlns:p14="http://schemas.microsoft.com/office/powerpoint/2010/main" val="3287175084"/>
       </p:ext>
     </p:extLst>
   </p:cSld>
@@ -20631,7 +20625,7 @@
           <p:cNvPr id="9" name="Explosion: 14 Points 8">
             <a:extLst>
               <a:ext uri="{FF2B5EF4-FFF2-40B4-BE49-F238E27FC236}">
-                <a16:creationId xmlns:a16="http://schemas.microsoft.com/office/drawing/2014/main" xmlns="" id="{0A2CD68B-7A56-F86D-8B6F-4A8BF99B4C9E}"/>
+                <a16:creationId xmlns="" xmlns:a16="http://schemas.microsoft.com/office/drawing/2014/main" id="{0A2CD68B-7A56-F86D-8B6F-4A8BF99B4C9E}"/>
               </a:ext>
             </a:extLst>
           </p:cNvPr>
@@ -20685,7 +20679,7 @@
           <p:cNvPr id="2" name="Title 1">
             <a:extLst>
               <a:ext uri="{FF2B5EF4-FFF2-40B4-BE49-F238E27FC236}">
-                <a16:creationId xmlns:a16="http://schemas.microsoft.com/office/drawing/2014/main" xmlns="" id="{62BB4F8D-44B7-9866-F7B2-6375CB902974}"/>
+                <a16:creationId xmlns="" xmlns:a16="http://schemas.microsoft.com/office/drawing/2014/main" id="{62BB4F8D-44B7-9866-F7B2-6375CB902974}"/>
               </a:ext>
             </a:extLst>
           </p:cNvPr>
@@ -20726,7 +20720,7 @@
                 </a:solidFill>
                 <a:latin typeface="Bahnschrift SemiLight" pitchFamily="34" charset="0"/>
               </a:rPr>
-              <a:t>10</a:t>
+              <a:t>9</a:t>
             </a:r>
             <a:r>
               <a:rPr lang="en-US" sz="7200" b="1" dirty="0" smtClean="0">
@@ -20798,7 +20792,7 @@
           <p:cNvPr id="8" name="TextBox 7">
             <a:extLst>
               <a:ext uri="{FF2B5EF4-FFF2-40B4-BE49-F238E27FC236}">
-                <a16:creationId xmlns:a16="http://schemas.microsoft.com/office/drawing/2014/main" xmlns="" id="{6E6F1672-8C91-3FA6-CB80-58FD68172333}"/>
+                <a16:creationId xmlns="" xmlns:a16="http://schemas.microsoft.com/office/drawing/2014/main" id="{6E6F1672-8C91-3FA6-CB80-58FD68172333}"/>
               </a:ext>
             </a:extLst>
           </p:cNvPr>
@@ -22146,7 +22140,7 @@
     </p:spTree>
     <p:extLst>
       <p:ext uri="{BB962C8B-B14F-4D97-AF65-F5344CB8AC3E}">
-        <p14:creationId xmlns:p14="http://schemas.microsoft.com/office/powerpoint/2010/main" xmlns="" val="3287175084"/>
+        <p14:creationId xmlns="" xmlns:p14="http://schemas.microsoft.com/office/powerpoint/2010/main" val="3287175084"/>
       </p:ext>
     </p:extLst>
   </p:cSld>
@@ -22233,7 +22227,7 @@
           <p:cNvPr id="9" name="Explosion: 14 Points 8">
             <a:extLst>
               <a:ext uri="{FF2B5EF4-FFF2-40B4-BE49-F238E27FC236}">
-                <a16:creationId xmlns:a16="http://schemas.microsoft.com/office/drawing/2014/main" xmlns="" id="{0A2CD68B-7A56-F86D-8B6F-4A8BF99B4C9E}"/>
+                <a16:creationId xmlns="" xmlns:a16="http://schemas.microsoft.com/office/drawing/2014/main" id="{0A2CD68B-7A56-F86D-8B6F-4A8BF99B4C9E}"/>
               </a:ext>
             </a:extLst>
           </p:cNvPr>
@@ -22287,7 +22281,7 @@
           <p:cNvPr id="2" name="Title 1">
             <a:extLst>
               <a:ext uri="{FF2B5EF4-FFF2-40B4-BE49-F238E27FC236}">
-                <a16:creationId xmlns:a16="http://schemas.microsoft.com/office/drawing/2014/main" xmlns="" id="{62BB4F8D-44B7-9866-F7B2-6375CB902974}"/>
+                <a16:creationId xmlns="" xmlns:a16="http://schemas.microsoft.com/office/drawing/2014/main" id="{62BB4F8D-44B7-9866-F7B2-6375CB902974}"/>
               </a:ext>
             </a:extLst>
           </p:cNvPr>
@@ -22328,7 +22322,7 @@
                 </a:solidFill>
                 <a:latin typeface="Bahnschrift SemiLight" pitchFamily="34" charset="0"/>
               </a:rPr>
-              <a:t>11</a:t>
+              <a:t>10</a:t>
             </a:r>
             <a:r>
               <a:rPr lang="en-US" sz="7200" b="1" dirty="0" smtClean="0">
@@ -22400,7 +22394,7 @@
           <p:cNvPr id="8" name="TextBox 7">
             <a:extLst>
               <a:ext uri="{FF2B5EF4-FFF2-40B4-BE49-F238E27FC236}">
-                <a16:creationId xmlns:a16="http://schemas.microsoft.com/office/drawing/2014/main" xmlns="" id="{6E6F1672-8C91-3FA6-CB80-58FD68172333}"/>
+                <a16:creationId xmlns="" xmlns:a16="http://schemas.microsoft.com/office/drawing/2014/main" id="{6E6F1672-8C91-3FA6-CB80-58FD68172333}"/>
               </a:ext>
             </a:extLst>
           </p:cNvPr>
@@ -22995,7 +22989,7 @@
     </p:spTree>
     <p:extLst>
       <p:ext uri="{BB962C8B-B14F-4D97-AF65-F5344CB8AC3E}">
-        <p14:creationId xmlns:p14="http://schemas.microsoft.com/office/powerpoint/2010/main" xmlns="" val="3287175084"/>
+        <p14:creationId xmlns="" xmlns:p14="http://schemas.microsoft.com/office/powerpoint/2010/main" val="3287175084"/>
       </p:ext>
     </p:extLst>
   </p:cSld>
@@ -23082,7 +23076,7 @@
           <p:cNvPr id="9" name="Explosion: 14 Points 8">
             <a:extLst>
               <a:ext uri="{FF2B5EF4-FFF2-40B4-BE49-F238E27FC236}">
-                <a16:creationId xmlns:a16="http://schemas.microsoft.com/office/drawing/2014/main" xmlns="" id="{0A2CD68B-7A56-F86D-8B6F-4A8BF99B4C9E}"/>
+                <a16:creationId xmlns="" xmlns:a16="http://schemas.microsoft.com/office/drawing/2014/main" id="{0A2CD68B-7A56-F86D-8B6F-4A8BF99B4C9E}"/>
               </a:ext>
             </a:extLst>
           </p:cNvPr>
@@ -23136,7 +23130,7 @@
           <p:cNvPr id="2" name="Title 1">
             <a:extLst>
               <a:ext uri="{FF2B5EF4-FFF2-40B4-BE49-F238E27FC236}">
-                <a16:creationId xmlns:a16="http://schemas.microsoft.com/office/drawing/2014/main" xmlns="" id="{62BB4F8D-44B7-9866-F7B2-6375CB902974}"/>
+                <a16:creationId xmlns="" xmlns:a16="http://schemas.microsoft.com/office/drawing/2014/main" id="{62BB4F8D-44B7-9866-F7B2-6375CB902974}"/>
               </a:ext>
             </a:extLst>
           </p:cNvPr>
@@ -23177,7 +23171,7 @@
                 </a:solidFill>
                 <a:latin typeface="Bahnschrift SemiLight" pitchFamily="34" charset="0"/>
               </a:rPr>
-              <a:t>11</a:t>
+              <a:t>10</a:t>
             </a:r>
             <a:r>
               <a:rPr lang="en-US" sz="7200" b="1" dirty="0" smtClean="0">
@@ -23206,31 +23200,7 @@
                 </a:solidFill>
                 <a:latin typeface="Bahnschrift Light Condensed" pitchFamily="34" charset="0"/>
               </a:rPr>
-              <a:t>(</a:t>
-            </a:r>
-            <a:r>
-              <a:rPr lang="en-US" sz="4800" dirty="0" smtClean="0">
-                <a:solidFill>
-                  <a:schemeClr val="accent2">
-                    <a:lumMod val="60000"/>
-                    <a:lumOff val="40000"/>
-                  </a:schemeClr>
-                </a:solidFill>
-                <a:latin typeface="Bahnschrift Light Condensed" pitchFamily="34" charset="0"/>
-              </a:rPr>
-              <a:t>Conditional/Ternary Operator</a:t>
-            </a:r>
-            <a:r>
-              <a:rPr lang="en-US" sz="4800" dirty="0" smtClean="0">
-                <a:solidFill>
-                  <a:schemeClr val="accent2">
-                    <a:lumMod val="60000"/>
-                    <a:lumOff val="40000"/>
-                  </a:schemeClr>
-                </a:solidFill>
-                <a:latin typeface="Bahnschrift Light Condensed" pitchFamily="34" charset="0"/>
-              </a:rPr>
-              <a:t>)</a:t>
+              <a:t>(Conditional/Ternary Operator)</a:t>
             </a:r>
             <a:endParaRPr lang="en-IN" sz="4800" dirty="0">
               <a:solidFill>
@@ -23249,7 +23219,7 @@
           <p:cNvPr id="8" name="TextBox 7">
             <a:extLst>
               <a:ext uri="{FF2B5EF4-FFF2-40B4-BE49-F238E27FC236}">
-                <a16:creationId xmlns:a16="http://schemas.microsoft.com/office/drawing/2014/main" xmlns="" id="{6E6F1672-8C91-3FA6-CB80-58FD68172333}"/>
+                <a16:creationId xmlns="" xmlns:a16="http://schemas.microsoft.com/office/drawing/2014/main" id="{6E6F1672-8C91-3FA6-CB80-58FD68172333}"/>
               </a:ext>
             </a:extLst>
           </p:cNvPr>
@@ -23613,7 +23583,7 @@
     </p:spTree>
     <p:extLst>
       <p:ext uri="{BB962C8B-B14F-4D97-AF65-F5344CB8AC3E}">
-        <p14:creationId xmlns:p14="http://schemas.microsoft.com/office/powerpoint/2010/main" xmlns="" val="3287175084"/>
+        <p14:creationId xmlns="" xmlns:p14="http://schemas.microsoft.com/office/powerpoint/2010/main" val="3287175084"/>
       </p:ext>
     </p:extLst>
   </p:cSld>
@@ -23638,7 +23608,7 @@
         <p:cNvPr id="1" name="">
           <a:extLst>
             <a:ext uri="{FF2B5EF4-FFF2-40B4-BE49-F238E27FC236}">
-              <a16:creationId xmlns:a16="http://schemas.microsoft.com/office/drawing/2014/main" xmlns="" id="{7139B82A-D876-79BD-D559-707BFDC5D481}"/>
+              <a16:creationId xmlns="" xmlns:a16="http://schemas.microsoft.com/office/drawing/2014/main" id="{7139B82A-D876-79BD-D559-707BFDC5D481}"/>
             </a:ext>
           </a:extLst>
         </p:cNvPr>
@@ -23658,7 +23628,7 @@
           <p:cNvPr id="8" name="Title 1">
             <a:extLst>
               <a:ext uri="{FF2B5EF4-FFF2-40B4-BE49-F238E27FC236}">
-                <a16:creationId xmlns:a16="http://schemas.microsoft.com/office/drawing/2014/main" xmlns="" id="{4C8D5637-E45A-11BE-1BA4-F40373E8D014}"/>
+                <a16:creationId xmlns="" xmlns:a16="http://schemas.microsoft.com/office/drawing/2014/main" id="{4C8D5637-E45A-11BE-1BA4-F40373E8D014}"/>
               </a:ext>
             </a:extLst>
           </p:cNvPr>
@@ -23695,7 +23665,7 @@
           <p:cNvPr id="3" name="Content Placeholder 2">
             <a:extLst>
               <a:ext uri="{FF2B5EF4-FFF2-40B4-BE49-F238E27FC236}">
-                <a16:creationId xmlns:a16="http://schemas.microsoft.com/office/drawing/2014/main" xmlns="" id="{86EB63D1-C74F-75B0-CE48-A95AEA2A21A1}"/>
+                <a16:creationId xmlns="" xmlns:a16="http://schemas.microsoft.com/office/drawing/2014/main" id="{86EB63D1-C74F-75B0-CE48-A95AEA2A21A1}"/>
               </a:ext>
             </a:extLst>
           </p:cNvPr>
@@ -23756,7 +23726,7 @@
           <p:cNvPr id="5" name="Ribbon: Curved and Tilted Down 4">
             <a:extLst>
               <a:ext uri="{FF2B5EF4-FFF2-40B4-BE49-F238E27FC236}">
-                <a16:creationId xmlns:a16="http://schemas.microsoft.com/office/drawing/2014/main" xmlns="" id="{75419B56-A4AB-830D-A49F-7700EED8C0FA}"/>
+                <a16:creationId xmlns="" xmlns:a16="http://schemas.microsoft.com/office/drawing/2014/main" id="{75419B56-A4AB-830D-A49F-7700EED8C0FA}"/>
               </a:ext>
             </a:extLst>
           </p:cNvPr>
@@ -23829,7 +23799,7 @@
           <p:cNvPr id="10" name="Scroll: Vertical 9">
             <a:extLst>
               <a:ext uri="{FF2B5EF4-FFF2-40B4-BE49-F238E27FC236}">
-                <a16:creationId xmlns:a16="http://schemas.microsoft.com/office/drawing/2014/main" xmlns="" id="{CD6C5744-A805-1655-2B2A-4D4D0DD0695E}"/>
+                <a16:creationId xmlns="" xmlns:a16="http://schemas.microsoft.com/office/drawing/2014/main" id="{CD6C5744-A805-1655-2B2A-4D4D0DD0695E}"/>
               </a:ext>
             </a:extLst>
           </p:cNvPr>
@@ -24145,7 +24115,7 @@
     </p:spTree>
     <p:extLst>
       <p:ext uri="{BB962C8B-B14F-4D97-AF65-F5344CB8AC3E}">
-        <p14:creationId xmlns:p14="http://schemas.microsoft.com/office/powerpoint/2010/main" xmlns="" val="3157857213"/>
+        <p14:creationId xmlns="" xmlns:p14="http://schemas.microsoft.com/office/powerpoint/2010/main" val="3157857213"/>
       </p:ext>
     </p:extLst>
   </p:cSld>
@@ -24163,7 +24133,7 @@
         <p:cNvPr id="1" name="">
           <a:extLst>
             <a:ext uri="{FF2B5EF4-FFF2-40B4-BE49-F238E27FC236}">
-              <a16:creationId xmlns:a16="http://schemas.microsoft.com/office/drawing/2014/main" xmlns="" id="{53D929B9-0FF5-B5F7-0DB4-914C4F4A1BB2}"/>
+              <a16:creationId xmlns="" xmlns:a16="http://schemas.microsoft.com/office/drawing/2014/main" id="{53D929B9-0FF5-B5F7-0DB4-914C4F4A1BB2}"/>
             </a:ext>
           </a:extLst>
         </p:cNvPr>
@@ -24183,7 +24153,7 @@
           <p:cNvPr id="7" name="Title 1">
             <a:extLst>
               <a:ext uri="{FF2B5EF4-FFF2-40B4-BE49-F238E27FC236}">
-                <a16:creationId xmlns:a16="http://schemas.microsoft.com/office/drawing/2014/main" xmlns="" id="{2D810556-B3F2-D67B-C5C6-43963FC8DAE7}"/>
+                <a16:creationId xmlns="" xmlns:a16="http://schemas.microsoft.com/office/drawing/2014/main" id="{2D810556-B3F2-D67B-C5C6-43963FC8DAE7}"/>
               </a:ext>
             </a:extLst>
           </p:cNvPr>
@@ -24220,7 +24190,7 @@
           <p:cNvPr id="3" name="Content Placeholder 2">
             <a:extLst>
               <a:ext uri="{FF2B5EF4-FFF2-40B4-BE49-F238E27FC236}">
-                <a16:creationId xmlns:a16="http://schemas.microsoft.com/office/drawing/2014/main" xmlns="" id="{8F0952B2-F12D-991D-3EC9-9526D8EDED87}"/>
+                <a16:creationId xmlns="" xmlns:a16="http://schemas.microsoft.com/office/drawing/2014/main" id="{8F0952B2-F12D-991D-3EC9-9526D8EDED87}"/>
               </a:ext>
             </a:extLst>
           </p:cNvPr>
@@ -24295,7 +24265,7 @@
           <p:cNvPr id="8" name="Ribbon: Curved and Tilted Down 7">
             <a:extLst>
               <a:ext uri="{FF2B5EF4-FFF2-40B4-BE49-F238E27FC236}">
-                <a16:creationId xmlns:a16="http://schemas.microsoft.com/office/drawing/2014/main" xmlns="" id="{C9C1F804-0CF6-A2DC-646C-9B9441D8EBB0}"/>
+                <a16:creationId xmlns="" xmlns:a16="http://schemas.microsoft.com/office/drawing/2014/main" id="{C9C1F804-0CF6-A2DC-646C-9B9441D8EBB0}"/>
               </a:ext>
             </a:extLst>
           </p:cNvPr>
@@ -24368,7 +24338,7 @@
           <p:cNvPr id="9" name="Scroll: Vertical 8">
             <a:extLst>
               <a:ext uri="{FF2B5EF4-FFF2-40B4-BE49-F238E27FC236}">
-                <a16:creationId xmlns:a16="http://schemas.microsoft.com/office/drawing/2014/main" xmlns="" id="{94613FC4-1176-9125-467B-B6CE33BB59CD}"/>
+                <a16:creationId xmlns="" xmlns:a16="http://schemas.microsoft.com/office/drawing/2014/main" id="{94613FC4-1176-9125-467B-B6CE33BB59CD}"/>
               </a:ext>
             </a:extLst>
           </p:cNvPr>
@@ -24684,7 +24654,7 @@
     </p:spTree>
     <p:extLst>
       <p:ext uri="{BB962C8B-B14F-4D97-AF65-F5344CB8AC3E}">
-        <p14:creationId xmlns:p14="http://schemas.microsoft.com/office/powerpoint/2010/main" xmlns="" val="2302025808"/>
+        <p14:creationId xmlns="" xmlns:p14="http://schemas.microsoft.com/office/powerpoint/2010/main" val="2302025808"/>
       </p:ext>
     </p:extLst>
   </p:cSld>
@@ -24702,7 +24672,7 @@
         <p:cNvPr id="1" name="">
           <a:extLst>
             <a:ext uri="{FF2B5EF4-FFF2-40B4-BE49-F238E27FC236}">
-              <a16:creationId xmlns:a16="http://schemas.microsoft.com/office/drawing/2014/main" xmlns="" id="{744B94CD-0809-14B6-E79F-D0C06F89CA15}"/>
+              <a16:creationId xmlns="" xmlns:a16="http://schemas.microsoft.com/office/drawing/2014/main" id="{744B94CD-0809-14B6-E79F-D0C06F89CA15}"/>
             </a:ext>
           </a:extLst>
         </p:cNvPr>
@@ -24722,7 +24692,7 @@
           <p:cNvPr id="9" name="Title 8">
             <a:extLst>
               <a:ext uri="{FF2B5EF4-FFF2-40B4-BE49-F238E27FC236}">
-                <a16:creationId xmlns:a16="http://schemas.microsoft.com/office/drawing/2014/main" xmlns="" id="{F3A13225-B875-57E9-5CCB-88427D8711E0}"/>
+                <a16:creationId xmlns="" xmlns:a16="http://schemas.microsoft.com/office/drawing/2014/main" id="{F3A13225-B875-57E9-5CCB-88427D8711E0}"/>
               </a:ext>
             </a:extLst>
           </p:cNvPr>
@@ -24762,7 +24732,7 @@
           <p:cNvPr id="3" name="Content Placeholder 2">
             <a:extLst>
               <a:ext uri="{FF2B5EF4-FFF2-40B4-BE49-F238E27FC236}">
-                <a16:creationId xmlns:a16="http://schemas.microsoft.com/office/drawing/2014/main" xmlns="" id="{29D21329-5AAF-6358-9761-2C4901A09C8C}"/>
+                <a16:creationId xmlns="" xmlns:a16="http://schemas.microsoft.com/office/drawing/2014/main" id="{29D21329-5AAF-6358-9761-2C4901A09C8C}"/>
               </a:ext>
             </a:extLst>
           </p:cNvPr>
@@ -24809,7 +24779,7 @@
           <p:cNvPr id="5" name="Title 1">
             <a:extLst>
               <a:ext uri="{FF2B5EF4-FFF2-40B4-BE49-F238E27FC236}">
-                <a16:creationId xmlns:a16="http://schemas.microsoft.com/office/drawing/2014/main" xmlns="" id="{23B0E81A-A704-BABA-7779-F926A6BFCB35}"/>
+                <a16:creationId xmlns="" xmlns:a16="http://schemas.microsoft.com/office/drawing/2014/main" id="{23B0E81A-A704-BABA-7779-F926A6BFCB35}"/>
               </a:ext>
             </a:extLst>
           </p:cNvPr>
@@ -24917,7 +24887,7 @@
           <p:cNvPr id="10" name="Ribbon: Curved and Tilted Down 9">
             <a:extLst>
               <a:ext uri="{FF2B5EF4-FFF2-40B4-BE49-F238E27FC236}">
-                <a16:creationId xmlns:a16="http://schemas.microsoft.com/office/drawing/2014/main" xmlns="" id="{3DBA1B1D-2AF2-C619-7353-1037498CD788}"/>
+                <a16:creationId xmlns="" xmlns:a16="http://schemas.microsoft.com/office/drawing/2014/main" id="{3DBA1B1D-2AF2-C619-7353-1037498CD788}"/>
               </a:ext>
             </a:extLst>
           </p:cNvPr>
@@ -24990,7 +24960,7 @@
           <p:cNvPr id="11" name="Scroll: Vertical 10">
             <a:extLst>
               <a:ext uri="{FF2B5EF4-FFF2-40B4-BE49-F238E27FC236}">
-                <a16:creationId xmlns:a16="http://schemas.microsoft.com/office/drawing/2014/main" xmlns="" id="{BE18EA22-49FD-59C7-DB0C-3006A91F02E6}"/>
+                <a16:creationId xmlns="" xmlns:a16="http://schemas.microsoft.com/office/drawing/2014/main" id="{BE18EA22-49FD-59C7-DB0C-3006A91F02E6}"/>
               </a:ext>
             </a:extLst>
           </p:cNvPr>
@@ -25306,7 +25276,7 @@
     </p:spTree>
     <p:extLst>
       <p:ext uri="{BB962C8B-B14F-4D97-AF65-F5344CB8AC3E}">
-        <p14:creationId xmlns:p14="http://schemas.microsoft.com/office/powerpoint/2010/main" xmlns="" val="1090188544"/>
+        <p14:creationId xmlns="" xmlns:p14="http://schemas.microsoft.com/office/powerpoint/2010/main" val="1090188544"/>
       </p:ext>
     </p:extLst>
   </p:cSld>
@@ -25324,7 +25294,7 @@
         <p:cNvPr id="1" name="">
           <a:extLst>
             <a:ext uri="{FF2B5EF4-FFF2-40B4-BE49-F238E27FC236}">
-              <a16:creationId xmlns:a16="http://schemas.microsoft.com/office/drawing/2014/main" xmlns="" id="{DFFF01F8-A8CD-88AB-42C3-C2E632C5474A}"/>
+              <a16:creationId xmlns="" xmlns:a16="http://schemas.microsoft.com/office/drawing/2014/main" id="{DFFF01F8-A8CD-88AB-42C3-C2E632C5474A}"/>
             </a:ext>
           </a:extLst>
         </p:cNvPr>
@@ -25344,7 +25314,7 @@
           <p:cNvPr id="7" name="Title 8">
             <a:extLst>
               <a:ext uri="{FF2B5EF4-FFF2-40B4-BE49-F238E27FC236}">
-                <a16:creationId xmlns:a16="http://schemas.microsoft.com/office/drawing/2014/main" xmlns="" id="{2CFF87A5-7472-22DC-030C-A3CCBBC3E824}"/>
+                <a16:creationId xmlns="" xmlns:a16="http://schemas.microsoft.com/office/drawing/2014/main" id="{2CFF87A5-7472-22DC-030C-A3CCBBC3E824}"/>
               </a:ext>
             </a:extLst>
           </p:cNvPr>
@@ -25384,7 +25354,7 @@
           <p:cNvPr id="3" name="Content Placeholder 2">
             <a:extLst>
               <a:ext uri="{FF2B5EF4-FFF2-40B4-BE49-F238E27FC236}">
-                <a16:creationId xmlns:a16="http://schemas.microsoft.com/office/drawing/2014/main" xmlns="" id="{1702553A-B321-D7AA-C0CD-A58D1C15FC38}"/>
+                <a16:creationId xmlns="" xmlns:a16="http://schemas.microsoft.com/office/drawing/2014/main" id="{1702553A-B321-D7AA-C0CD-A58D1C15FC38}"/>
               </a:ext>
             </a:extLst>
           </p:cNvPr>
@@ -25457,7 +25427,7 @@
           <p:cNvPr id="8" name="Ribbon: Curved and Tilted Down 7">
             <a:extLst>
               <a:ext uri="{FF2B5EF4-FFF2-40B4-BE49-F238E27FC236}">
-                <a16:creationId xmlns:a16="http://schemas.microsoft.com/office/drawing/2014/main" xmlns="" id="{C52AE18F-E34C-AFB6-7EA6-F589DEF7B3D0}"/>
+                <a16:creationId xmlns="" xmlns:a16="http://schemas.microsoft.com/office/drawing/2014/main" id="{C52AE18F-E34C-AFB6-7EA6-F589DEF7B3D0}"/>
               </a:ext>
             </a:extLst>
           </p:cNvPr>
@@ -25530,7 +25500,7 @@
           <p:cNvPr id="9" name="Scroll: Vertical 8">
             <a:extLst>
               <a:ext uri="{FF2B5EF4-FFF2-40B4-BE49-F238E27FC236}">
-                <a16:creationId xmlns:a16="http://schemas.microsoft.com/office/drawing/2014/main" xmlns="" id="{18A95ECD-6D24-C669-0CF8-39F3FBCDDA47}"/>
+                <a16:creationId xmlns="" xmlns:a16="http://schemas.microsoft.com/office/drawing/2014/main" id="{18A95ECD-6D24-C669-0CF8-39F3FBCDDA47}"/>
               </a:ext>
             </a:extLst>
           </p:cNvPr>
@@ -25846,7 +25816,7 @@
     </p:spTree>
     <p:extLst>
       <p:ext uri="{BB962C8B-B14F-4D97-AF65-F5344CB8AC3E}">
-        <p14:creationId xmlns:p14="http://schemas.microsoft.com/office/powerpoint/2010/main" xmlns="" val="1870717373"/>
+        <p14:creationId xmlns="" xmlns:p14="http://schemas.microsoft.com/office/powerpoint/2010/main" val="1870717373"/>
       </p:ext>
     </p:extLst>
   </p:cSld>
@@ -25864,7 +25834,7 @@
         <p:cNvPr id="1" name="">
           <a:extLst>
             <a:ext uri="{FF2B5EF4-FFF2-40B4-BE49-F238E27FC236}">
-              <a16:creationId xmlns:a16="http://schemas.microsoft.com/office/drawing/2014/main" xmlns="" id="{D224F207-D856-6E6D-9995-159800F589CD}"/>
+              <a16:creationId xmlns="" xmlns:a16="http://schemas.microsoft.com/office/drawing/2014/main" id="{D224F207-D856-6E6D-9995-159800F589CD}"/>
             </a:ext>
           </a:extLst>
         </p:cNvPr>
@@ -25884,7 +25854,7 @@
           <p:cNvPr id="5" name="Title 8">
             <a:extLst>
               <a:ext uri="{FF2B5EF4-FFF2-40B4-BE49-F238E27FC236}">
-                <a16:creationId xmlns:a16="http://schemas.microsoft.com/office/drawing/2014/main" xmlns="" id="{2773E7F4-011C-1186-0E83-1852CC157898}"/>
+                <a16:creationId xmlns="" xmlns:a16="http://schemas.microsoft.com/office/drawing/2014/main" id="{2773E7F4-011C-1186-0E83-1852CC157898}"/>
               </a:ext>
             </a:extLst>
           </p:cNvPr>
@@ -25924,7 +25894,7 @@
           <p:cNvPr id="3" name="Content Placeholder 2">
             <a:extLst>
               <a:ext uri="{FF2B5EF4-FFF2-40B4-BE49-F238E27FC236}">
-                <a16:creationId xmlns:a16="http://schemas.microsoft.com/office/drawing/2014/main" xmlns="" id="{9466D7CB-A484-F4DC-1247-3B0F9708D05F}"/>
+                <a16:creationId xmlns="" xmlns:a16="http://schemas.microsoft.com/office/drawing/2014/main" id="{9466D7CB-A484-F4DC-1247-3B0F9708D05F}"/>
               </a:ext>
             </a:extLst>
           </p:cNvPr>
@@ -25971,7 +25941,7 @@
           <p:cNvPr id="6" name="Ribbon: Curved and Tilted Down 5">
             <a:extLst>
               <a:ext uri="{FF2B5EF4-FFF2-40B4-BE49-F238E27FC236}">
-                <a16:creationId xmlns:a16="http://schemas.microsoft.com/office/drawing/2014/main" xmlns="" id="{DA6F4F8F-5ABC-21EF-A2AB-B0F4B5058194}"/>
+                <a16:creationId xmlns="" xmlns:a16="http://schemas.microsoft.com/office/drawing/2014/main" id="{DA6F4F8F-5ABC-21EF-A2AB-B0F4B5058194}"/>
               </a:ext>
             </a:extLst>
           </p:cNvPr>
@@ -26044,7 +26014,7 @@
           <p:cNvPr id="7" name="Scroll: Vertical 6">
             <a:extLst>
               <a:ext uri="{FF2B5EF4-FFF2-40B4-BE49-F238E27FC236}">
-                <a16:creationId xmlns:a16="http://schemas.microsoft.com/office/drawing/2014/main" xmlns="" id="{694A0A23-21B4-6D65-E96A-AD1A0AC04FCC}"/>
+                <a16:creationId xmlns="" xmlns:a16="http://schemas.microsoft.com/office/drawing/2014/main" id="{694A0A23-21B4-6D65-E96A-AD1A0AC04FCC}"/>
               </a:ext>
             </a:extLst>
           </p:cNvPr>
@@ -26360,7 +26330,7 @@
     </p:spTree>
     <p:extLst>
       <p:ext uri="{BB962C8B-B14F-4D97-AF65-F5344CB8AC3E}">
-        <p14:creationId xmlns:p14="http://schemas.microsoft.com/office/powerpoint/2010/main" xmlns="" val="755787835"/>
+        <p14:creationId xmlns="" xmlns:p14="http://schemas.microsoft.com/office/powerpoint/2010/main" val="755787835"/>
       </p:ext>
     </p:extLst>
   </p:cSld>
@@ -26378,7 +26348,7 @@
         <p:cNvPr id="1" name="">
           <a:extLst>
             <a:ext uri="{FF2B5EF4-FFF2-40B4-BE49-F238E27FC236}">
-              <a16:creationId xmlns:a16="http://schemas.microsoft.com/office/drawing/2014/main" xmlns="" id="{517DE5E6-801F-A2FD-C03F-6F5486821075}"/>
+              <a16:creationId xmlns="" xmlns:a16="http://schemas.microsoft.com/office/drawing/2014/main" id="{517DE5E6-801F-A2FD-C03F-6F5486821075}"/>
             </a:ext>
           </a:extLst>
         </p:cNvPr>
@@ -26398,7 +26368,7 @@
           <p:cNvPr id="2" name="Title 1">
             <a:extLst>
               <a:ext uri="{FF2B5EF4-FFF2-40B4-BE49-F238E27FC236}">
-                <a16:creationId xmlns:a16="http://schemas.microsoft.com/office/drawing/2014/main" xmlns="" id="{5F9D859A-CC6B-038D-5AE0-901278C3F6CE}"/>
+                <a16:creationId xmlns="" xmlns:a16="http://schemas.microsoft.com/office/drawing/2014/main" id="{5F9D859A-CC6B-038D-5AE0-901278C3F6CE}"/>
               </a:ext>
             </a:extLst>
           </p:cNvPr>
@@ -26436,7 +26406,7 @@
           <p:cNvPr id="3" name="Content Placeholder 2">
             <a:extLst>
               <a:ext uri="{FF2B5EF4-FFF2-40B4-BE49-F238E27FC236}">
-                <a16:creationId xmlns:a16="http://schemas.microsoft.com/office/drawing/2014/main" xmlns="" id="{E5BE3A65-ADA6-AEAF-69B6-B9779A59851F}"/>
+                <a16:creationId xmlns="" xmlns:a16="http://schemas.microsoft.com/office/drawing/2014/main" id="{E5BE3A65-ADA6-AEAF-69B6-B9779A59851F}"/>
               </a:ext>
             </a:extLst>
           </p:cNvPr>
@@ -26477,7 +26447,7 @@
           <p:cNvPr id="6" name="Ribbon: Curved and Tilted Down 5">
             <a:extLst>
               <a:ext uri="{FF2B5EF4-FFF2-40B4-BE49-F238E27FC236}">
-                <a16:creationId xmlns:a16="http://schemas.microsoft.com/office/drawing/2014/main" xmlns="" id="{571A9BAF-7164-4534-E0BD-EE0EDF7090A3}"/>
+                <a16:creationId xmlns="" xmlns:a16="http://schemas.microsoft.com/office/drawing/2014/main" id="{571A9BAF-7164-4534-E0BD-EE0EDF7090A3}"/>
               </a:ext>
             </a:extLst>
           </p:cNvPr>
@@ -26550,7 +26520,7 @@
           <p:cNvPr id="7" name="Scroll: Vertical 6">
             <a:extLst>
               <a:ext uri="{FF2B5EF4-FFF2-40B4-BE49-F238E27FC236}">
-                <a16:creationId xmlns:a16="http://schemas.microsoft.com/office/drawing/2014/main" xmlns="" id="{82B3A4DF-1DDB-DA3D-C01E-CA4956EC89D7}"/>
+                <a16:creationId xmlns="" xmlns:a16="http://schemas.microsoft.com/office/drawing/2014/main" id="{82B3A4DF-1DDB-DA3D-C01E-CA4956EC89D7}"/>
               </a:ext>
             </a:extLst>
           </p:cNvPr>
@@ -26866,7 +26836,7 @@
     </p:spTree>
     <p:extLst>
       <p:ext uri="{BB962C8B-B14F-4D97-AF65-F5344CB8AC3E}">
-        <p14:creationId xmlns:p14="http://schemas.microsoft.com/office/powerpoint/2010/main" xmlns="" val="3160480842"/>
+        <p14:creationId xmlns="" xmlns:p14="http://schemas.microsoft.com/office/powerpoint/2010/main" val="3160480842"/>
       </p:ext>
     </p:extLst>
   </p:cSld>
@@ -27127,7 +27097,7 @@
   <a:extraClrSchemeLst/>
   <a:extLst>
     <a:ext uri="{05A4C25C-085E-4340-85A3-A5531E510DB2}">
-      <thm15:themeFamily xmlns:thm15="http://schemas.microsoft.com/office/thememl/2012/main" xmlns="" name="Facet" id="{C0C680CD-088A-49FC-A102-D699147F32B2}" vid="{8C59B386-999D-4CB6-B907-9F3997C027CC}"/>
+      <thm15:themeFamily xmlns="" xmlns:thm15="http://schemas.microsoft.com/office/thememl/2012/main" name="Facet" id="{C0C680CD-088A-49FC-A102-D699147F32B2}" vid="{8C59B386-999D-4CB6-B907-9F3997C027CC}"/>
     </a:ext>
   </a:extLst>
 </a:theme>

--- a/Javascript Tutorials.pptx
+++ b/Javascript Tutorials.pptx
@@ -251,7 +251,7 @@
             <a:fld id="{792F6C33-F1A2-419B-BA2F-6679E9D9EF00}" type="datetimeFigureOut">
               <a:rPr lang="en-US" smtClean="0"/>
               <a:pPr/>
-              <a:t>9/15/2025</a:t>
+              <a:t>9/21/2025</a:t>
             </a:fld>
             <a:endParaRPr lang="en-US"/>
           </a:p>
@@ -2457,7 +2457,7 @@
             <a:fld id="{48A87A34-81AB-432B-8DAE-1953F412C126}" type="datetimeFigureOut">
               <a:rPr lang="en-US" smtClean="0"/>
               <a:pPr/>
-              <a:t>9/15/2025</a:t>
+              <a:t>9/21/2025</a:t>
             </a:fld>
             <a:endParaRPr lang="en-US" dirty="0"/>
           </a:p>
@@ -2710,7 +2710,7 @@
             <a:fld id="{48A87A34-81AB-432B-8DAE-1953F412C126}" type="datetimeFigureOut">
               <a:rPr lang="en-US" smtClean="0"/>
               <a:pPr/>
-              <a:t>9/15/2025</a:t>
+              <a:t>9/21/2025</a:t>
             </a:fld>
             <a:endParaRPr lang="en-US" dirty="0"/>
           </a:p>
@@ -3026,7 +3026,7 @@
             <a:fld id="{48A87A34-81AB-432B-8DAE-1953F412C126}" type="datetimeFigureOut">
               <a:rPr lang="en-US" smtClean="0"/>
               <a:pPr/>
-              <a:t>9/15/2025</a:t>
+              <a:t>9/21/2025</a:t>
             </a:fld>
             <a:endParaRPr lang="en-US" dirty="0"/>
           </a:p>
@@ -3355,7 +3355,7 @@
             <a:fld id="{48A87A34-81AB-432B-8DAE-1953F412C126}" type="datetimeFigureOut">
               <a:rPr lang="en-US" smtClean="0"/>
               <a:pPr/>
-              <a:t>9/15/2025</a:t>
+              <a:t>9/21/2025</a:t>
             </a:fld>
             <a:endParaRPr lang="en-US" dirty="0"/>
           </a:p>
@@ -3671,7 +3671,7 @@
             <a:fld id="{48A87A34-81AB-432B-8DAE-1953F412C126}" type="datetimeFigureOut">
               <a:rPr lang="en-US" smtClean="0"/>
               <a:pPr/>
-              <a:t>9/15/2025</a:t>
+              <a:t>9/21/2025</a:t>
             </a:fld>
             <a:endParaRPr lang="en-US" dirty="0"/>
           </a:p>
@@ -4060,7 +4060,7 @@
             <a:fld id="{48A87A34-81AB-432B-8DAE-1953F412C126}" type="datetimeFigureOut">
               <a:rPr lang="en-US" smtClean="0"/>
               <a:pPr/>
-              <a:t>9/15/2025</a:t>
+              <a:t>9/21/2025</a:t>
             </a:fld>
             <a:endParaRPr lang="en-US" dirty="0"/>
           </a:p>
@@ -4232,7 +4232,7 @@
             <a:fld id="{48A87A34-81AB-432B-8DAE-1953F412C126}" type="datetimeFigureOut">
               <a:rPr lang="en-US" smtClean="0"/>
               <a:pPr/>
-              <a:t>9/15/2025</a:t>
+              <a:t>9/21/2025</a:t>
             </a:fld>
             <a:endParaRPr lang="en-US" dirty="0"/>
           </a:p>
@@ -4414,7 +4414,7 @@
             <a:fld id="{48A87A34-81AB-432B-8DAE-1953F412C126}" type="datetimeFigureOut">
               <a:rPr lang="en-US" smtClean="0"/>
               <a:pPr/>
-              <a:t>9/15/2025</a:t>
+              <a:t>9/21/2025</a:t>
             </a:fld>
             <a:endParaRPr lang="en-US" dirty="0"/>
           </a:p>
@@ -4592,7 +4592,7 @@
             <a:fld id="{48A87A34-81AB-432B-8DAE-1953F412C126}" type="datetimeFigureOut">
               <a:rPr lang="en-US" smtClean="0"/>
               <a:pPr/>
-              <a:t>9/15/2025</a:t>
+              <a:t>9/21/2025</a:t>
             </a:fld>
             <a:endParaRPr lang="en-US" dirty="0"/>
           </a:p>
@@ -4841,7 +4841,7 @@
             <a:fld id="{48A87A34-81AB-432B-8DAE-1953F412C126}" type="datetimeFigureOut">
               <a:rPr lang="en-US" smtClean="0"/>
               <a:pPr/>
-              <a:t>9/15/2025</a:t>
+              <a:t>9/21/2025</a:t>
             </a:fld>
             <a:endParaRPr lang="en-US" dirty="0"/>
           </a:p>
@@ -5075,7 +5075,7 @@
             <a:fld id="{48A87A34-81AB-432B-8DAE-1953F412C126}" type="datetimeFigureOut">
               <a:rPr lang="en-US" smtClean="0"/>
               <a:pPr/>
-              <a:t>9/15/2025</a:t>
+              <a:t>9/21/2025</a:t>
             </a:fld>
             <a:endParaRPr lang="en-US" dirty="0"/>
           </a:p>
@@ -5451,7 +5451,7 @@
             <a:fld id="{48A87A34-81AB-432B-8DAE-1953F412C126}" type="datetimeFigureOut">
               <a:rPr lang="en-US" smtClean="0"/>
               <a:pPr/>
-              <a:t>9/15/2025</a:t>
+              <a:t>9/21/2025</a:t>
             </a:fld>
             <a:endParaRPr lang="en-US" dirty="0"/>
           </a:p>
@@ -5576,7 +5576,7 @@
             <a:fld id="{48A87A34-81AB-432B-8DAE-1953F412C126}" type="datetimeFigureOut">
               <a:rPr lang="en-US" smtClean="0"/>
               <a:pPr/>
-              <a:t>9/15/2025</a:t>
+              <a:t>9/21/2025</a:t>
             </a:fld>
             <a:endParaRPr lang="en-US" dirty="0"/>
           </a:p>
@@ -5673,7 +5673,7 @@
             <a:fld id="{48A87A34-81AB-432B-8DAE-1953F412C126}" type="datetimeFigureOut">
               <a:rPr lang="en-US" smtClean="0"/>
               <a:pPr/>
-              <a:t>9/15/2025</a:t>
+              <a:t>9/21/2025</a:t>
             </a:fld>
             <a:endParaRPr lang="en-US" dirty="0"/>
           </a:p>
@@ -5930,7 +5930,7 @@
             <a:fld id="{48A87A34-81AB-432B-8DAE-1953F412C126}" type="datetimeFigureOut">
               <a:rPr lang="en-US" smtClean="0"/>
               <a:pPr/>
-              <a:t>9/15/2025</a:t>
+              <a:t>9/21/2025</a:t>
             </a:fld>
             <a:endParaRPr lang="en-US" dirty="0"/>
           </a:p>
@@ -6195,7 +6195,7 @@
             <a:fld id="{48A87A34-81AB-432B-8DAE-1953F412C126}" type="datetimeFigureOut">
               <a:rPr lang="en-US" smtClean="0"/>
               <a:pPr/>
-              <a:t>9/15/2025</a:t>
+              <a:t>9/21/2025</a:t>
             </a:fld>
             <a:endParaRPr lang="en-US" dirty="0"/>
           </a:p>
@@ -6942,7 +6942,7 @@
             <a:fld id="{48A87A34-81AB-432B-8DAE-1953F412C126}" type="datetimeFigureOut">
               <a:rPr lang="en-US" smtClean="0"/>
               <a:pPr/>
-              <a:t>9/15/2025</a:t>
+              <a:t>9/21/2025</a:t>
             </a:fld>
             <a:endParaRPr lang="en-US" dirty="0"/>
           </a:p>
@@ -27597,6 +27597,376 @@
           </a:p>
         </p:txBody>
       </p:sp>
+      <p:grpSp>
+        <p:nvGrpSpPr>
+          <p:cNvPr id="3" name="Group 30">
+            <a:extLst>
+              <a:ext uri="{FF2B5EF4-FFF2-40B4-BE49-F238E27FC236}">
+                <a16:creationId xmlns:a16="http://schemas.microsoft.com/office/drawing/2014/main" id="{E2089919-C4EC-FB8C-A3AA-E347808CE00C}"/>
+              </a:ext>
+            </a:extLst>
+          </p:cNvPr>
+          <p:cNvGrpSpPr/>
+          <p:nvPr/>
+        </p:nvGrpSpPr>
+        <p:grpSpPr>
+          <a:xfrm>
+            <a:off x="477079" y="887116"/>
+            <a:ext cx="2325756" cy="1636158"/>
+            <a:chOff x="487846" y="3362324"/>
+            <a:chExt cx="2325756" cy="1636158"/>
+          </a:xfrm>
+        </p:grpSpPr>
+        <p:sp>
+          <p:nvSpPr>
+            <p:cNvPr id="4" name="Rectangle 3">
+              <a:extLst>
+                <a:ext uri="{FF2B5EF4-FFF2-40B4-BE49-F238E27FC236}">
+                  <a16:creationId xmlns:a16="http://schemas.microsoft.com/office/drawing/2014/main" id="{9BBA336F-8DF0-23D8-64F2-3A6EEFF50F6D}"/>
+                </a:ext>
+              </a:extLst>
+            </p:cNvPr>
+            <p:cNvSpPr/>
+            <p:nvPr/>
+          </p:nvSpPr>
+          <p:spPr>
+            <a:xfrm>
+              <a:off x="589427" y="3362324"/>
+              <a:ext cx="2144248" cy="1569660"/>
+            </a:xfrm>
+            <a:prstGeom prst="rect">
+              <a:avLst/>
+            </a:prstGeom>
+            <a:noFill/>
+          </p:spPr>
+          <p:txBody>
+            <a:bodyPr wrap="square" lIns="91440" tIns="45720" rIns="91440" bIns="45720">
+              <a:spAutoFit/>
+            </a:bodyPr>
+            <a:lstStyle/>
+            <a:p>
+              <a:pPr algn="ctr"/>
+              <a:r>
+                <a:rPr lang="en-US" sz="9600" b="1" cap="none" spc="0" dirty="0">
+                  <a:ln w="12700">
+                    <a:solidFill>
+                      <a:schemeClr val="tx2">
+                        <a:satMod val="155000"/>
+                      </a:schemeClr>
+                    </a:solidFill>
+                    <a:prstDash val="solid"/>
+                  </a:ln>
+                  <a:solidFill>
+                    <a:schemeClr val="bg2">
+                      <a:tint val="85000"/>
+                      <a:satMod val="155000"/>
+                    </a:schemeClr>
+                  </a:solidFill>
+                  <a:effectLst>
+                    <a:outerShdw blurRad="41275" dist="20320" dir="1800000" algn="tl" rotWithShape="0">
+                      <a:srgbClr val="000000">
+                        <a:alpha val="40000"/>
+                      </a:srgbClr>
+                    </a:outerShdw>
+                  </a:effectLst>
+                  <a:latin typeface="Arial" pitchFamily="34" charset="0"/>
+                  <a:cs typeface="Arial" pitchFamily="34" charset="0"/>
+                </a:rPr>
+                <a:t>?</a:t>
+              </a:r>
+              <a:endParaRPr lang="en-US" b="1" cap="none" spc="0" dirty="0">
+                <a:ln w="12700">
+                  <a:solidFill>
+                    <a:schemeClr val="tx2">
+                      <a:satMod val="155000"/>
+                    </a:schemeClr>
+                  </a:solidFill>
+                  <a:prstDash val="solid"/>
+                </a:ln>
+                <a:solidFill>
+                  <a:schemeClr val="accent1">
+                    <a:lumMod val="40000"/>
+                    <a:lumOff val="60000"/>
+                  </a:schemeClr>
+                </a:solidFill>
+                <a:effectLst>
+                  <a:outerShdw blurRad="41275" dist="20320" dir="1800000" algn="tl" rotWithShape="0">
+                    <a:srgbClr val="000000">
+                      <a:alpha val="40000"/>
+                    </a:srgbClr>
+                  </a:outerShdw>
+                </a:effectLst>
+                <a:latin typeface="Arial" pitchFamily="34" charset="0"/>
+                <a:cs typeface="Arial" pitchFamily="34" charset="0"/>
+              </a:endParaRPr>
+            </a:p>
+          </p:txBody>
+        </p:sp>
+        <p:sp>
+          <p:nvSpPr>
+            <p:cNvPr id="5" name="TextBox 4">
+              <a:extLst>
+                <a:ext uri="{FF2B5EF4-FFF2-40B4-BE49-F238E27FC236}">
+                  <a16:creationId xmlns:a16="http://schemas.microsoft.com/office/drawing/2014/main" id="{B8A8D8FB-EFBE-CB3B-7D5C-45B70C8FA4B2}"/>
+                </a:ext>
+              </a:extLst>
+            </p:cNvPr>
+            <p:cNvSpPr txBox="1"/>
+            <p:nvPr/>
+          </p:nvSpPr>
+          <p:spPr>
+            <a:xfrm>
+              <a:off x="487846" y="4629150"/>
+              <a:ext cx="2325756" cy="369332"/>
+            </a:xfrm>
+            <a:prstGeom prst="rect">
+              <a:avLst/>
+            </a:prstGeom>
+            <a:noFill/>
+          </p:spPr>
+          <p:txBody>
+            <a:bodyPr wrap="square" rtlCol="0">
+              <a:spAutoFit/>
+            </a:bodyPr>
+            <a:lstStyle/>
+            <a:p>
+              <a:pPr algn="ctr"/>
+              <a:r>
+                <a:rPr lang="en-IN" dirty="0">
+                  <a:ln w="12700">
+                    <a:solidFill>
+                      <a:schemeClr val="tx2">
+                        <a:satMod val="155000"/>
+                      </a:schemeClr>
+                    </a:solidFill>
+                    <a:prstDash val="solid"/>
+                  </a:ln>
+                  <a:solidFill>
+                    <a:schemeClr val="accent1">
+                      <a:lumMod val="40000"/>
+                      <a:lumOff val="60000"/>
+                    </a:schemeClr>
+                  </a:solidFill>
+                  <a:latin typeface="Bahnschrift Light" pitchFamily="34" charset="0"/>
+                </a:rPr>
+                <a:t>Conditional/Ternary</a:t>
+              </a:r>
+              <a:endParaRPr lang="en-US" dirty="0">
+                <a:ln w="12700">
+                  <a:solidFill>
+                    <a:schemeClr val="tx2">
+                      <a:satMod val="155000"/>
+                    </a:schemeClr>
+                  </a:solidFill>
+                  <a:prstDash val="solid"/>
+                </a:ln>
+                <a:solidFill>
+                  <a:schemeClr val="accent1">
+                    <a:lumMod val="40000"/>
+                    <a:lumOff val="60000"/>
+                  </a:schemeClr>
+                </a:solidFill>
+                <a:latin typeface="Bahnschrift Light" pitchFamily="34" charset="0"/>
+              </a:endParaRPr>
+            </a:p>
+          </p:txBody>
+        </p:sp>
+      </p:grpSp>
+      <p:grpSp>
+        <p:nvGrpSpPr>
+          <p:cNvPr id="6" name="Group 30">
+            <a:extLst>
+              <a:ext uri="{FF2B5EF4-FFF2-40B4-BE49-F238E27FC236}">
+                <a16:creationId xmlns:a16="http://schemas.microsoft.com/office/drawing/2014/main" id="{3BFDCEFE-2911-D9DC-277F-7348D29CFECA}"/>
+              </a:ext>
+            </a:extLst>
+          </p:cNvPr>
+          <p:cNvGrpSpPr/>
+          <p:nvPr/>
+        </p:nvGrpSpPr>
+        <p:grpSpPr>
+          <a:xfrm>
+            <a:off x="9782372" y="659655"/>
+            <a:ext cx="2144248" cy="1913157"/>
+            <a:chOff x="589427" y="3362324"/>
+            <a:chExt cx="2144248" cy="1913157"/>
+          </a:xfrm>
+        </p:grpSpPr>
+        <p:sp>
+          <p:nvSpPr>
+            <p:cNvPr id="11" name="Rectangle 10">
+              <a:extLst>
+                <a:ext uri="{FF2B5EF4-FFF2-40B4-BE49-F238E27FC236}">
+                  <a16:creationId xmlns:a16="http://schemas.microsoft.com/office/drawing/2014/main" id="{5D297C90-5F9B-0663-CAD6-E35290601960}"/>
+                </a:ext>
+              </a:extLst>
+            </p:cNvPr>
+            <p:cNvSpPr/>
+            <p:nvPr/>
+          </p:nvSpPr>
+          <p:spPr>
+            <a:xfrm>
+              <a:off x="589427" y="3362324"/>
+              <a:ext cx="2144248" cy="1569660"/>
+            </a:xfrm>
+            <a:prstGeom prst="rect">
+              <a:avLst/>
+            </a:prstGeom>
+            <a:noFill/>
+          </p:spPr>
+          <p:txBody>
+            <a:bodyPr wrap="square" lIns="91440" tIns="45720" rIns="91440" bIns="45720">
+              <a:spAutoFit/>
+            </a:bodyPr>
+            <a:lstStyle/>
+            <a:p>
+              <a:pPr algn="ctr"/>
+              <a:r>
+                <a:rPr lang="en-US" sz="9600" b="1" cap="none" spc="0" dirty="0">
+                  <a:ln w="12700">
+                    <a:solidFill>
+                      <a:schemeClr val="tx2">
+                        <a:satMod val="155000"/>
+                      </a:schemeClr>
+                    </a:solidFill>
+                    <a:prstDash val="solid"/>
+                  </a:ln>
+                  <a:solidFill>
+                    <a:schemeClr val="bg2">
+                      <a:tint val="85000"/>
+                      <a:satMod val="155000"/>
+                    </a:schemeClr>
+                  </a:solidFill>
+                  <a:effectLst>
+                    <a:outerShdw blurRad="41275" dist="20320" dir="1800000" algn="tl" rotWithShape="0">
+                      <a:srgbClr val="000000">
+                        <a:alpha val="40000"/>
+                      </a:srgbClr>
+                    </a:outerShdw>
+                  </a:effectLst>
+                  <a:latin typeface="Arial" pitchFamily="34" charset="0"/>
+                  <a:cs typeface="Arial" pitchFamily="34" charset="0"/>
+                </a:rPr>
+                <a:t>??</a:t>
+              </a:r>
+              <a:endParaRPr lang="en-US" b="1" cap="none" spc="0" dirty="0">
+                <a:ln w="12700">
+                  <a:solidFill>
+                    <a:schemeClr val="tx2">
+                      <a:satMod val="155000"/>
+                    </a:schemeClr>
+                  </a:solidFill>
+                  <a:prstDash val="solid"/>
+                </a:ln>
+                <a:solidFill>
+                  <a:schemeClr val="accent1">
+                    <a:lumMod val="40000"/>
+                    <a:lumOff val="60000"/>
+                  </a:schemeClr>
+                </a:solidFill>
+                <a:effectLst>
+                  <a:outerShdw blurRad="41275" dist="20320" dir="1800000" algn="tl" rotWithShape="0">
+                    <a:srgbClr val="000000">
+                      <a:alpha val="40000"/>
+                    </a:srgbClr>
+                  </a:outerShdw>
+                </a:effectLst>
+                <a:latin typeface="Arial" pitchFamily="34" charset="0"/>
+                <a:cs typeface="Arial" pitchFamily="34" charset="0"/>
+              </a:endParaRPr>
+            </a:p>
+          </p:txBody>
+        </p:sp>
+        <p:sp>
+          <p:nvSpPr>
+            <p:cNvPr id="12" name="TextBox 11">
+              <a:extLst>
+                <a:ext uri="{FF2B5EF4-FFF2-40B4-BE49-F238E27FC236}">
+                  <a16:creationId xmlns:a16="http://schemas.microsoft.com/office/drawing/2014/main" id="{2AFD57DA-78FB-887A-9DFC-0F9A22CAD25A}"/>
+                </a:ext>
+              </a:extLst>
+            </p:cNvPr>
+            <p:cNvSpPr txBox="1"/>
+            <p:nvPr/>
+          </p:nvSpPr>
+          <p:spPr>
+            <a:xfrm>
+              <a:off x="971549" y="4629150"/>
+              <a:ext cx="1457325" cy="646331"/>
+            </a:xfrm>
+            <a:prstGeom prst="rect">
+              <a:avLst/>
+            </a:prstGeom>
+            <a:noFill/>
+          </p:spPr>
+          <p:txBody>
+            <a:bodyPr wrap="square" rtlCol="0">
+              <a:spAutoFit/>
+            </a:bodyPr>
+            <a:lstStyle/>
+            <a:p>
+              <a:pPr algn="ctr"/>
+              <a:r>
+                <a:rPr lang="en-IN" dirty="0" err="1">
+                  <a:ln w="12700">
+                    <a:solidFill>
+                      <a:schemeClr val="tx2">
+                        <a:satMod val="155000"/>
+                      </a:schemeClr>
+                    </a:solidFill>
+                    <a:prstDash val="solid"/>
+                  </a:ln>
+                  <a:solidFill>
+                    <a:schemeClr val="accent1">
+                      <a:lumMod val="40000"/>
+                      <a:lumOff val="60000"/>
+                    </a:schemeClr>
+                  </a:solidFill>
+                  <a:latin typeface="Bahnschrift Light" pitchFamily="34" charset="0"/>
+                </a:rPr>
+                <a:t>Nullish</a:t>
+              </a:r>
+              <a:r>
+                <a:rPr lang="en-IN" dirty="0">
+                  <a:ln w="12700">
+                    <a:solidFill>
+                      <a:schemeClr val="tx2">
+                        <a:satMod val="155000"/>
+                      </a:schemeClr>
+                    </a:solidFill>
+                    <a:prstDash val="solid"/>
+                  </a:ln>
+                  <a:solidFill>
+                    <a:schemeClr val="accent1">
+                      <a:lumMod val="40000"/>
+                      <a:lumOff val="60000"/>
+                    </a:schemeClr>
+                  </a:solidFill>
+                  <a:latin typeface="Bahnschrift Light" pitchFamily="34" charset="0"/>
+                </a:rPr>
+                <a:t> Operator</a:t>
+              </a:r>
+              <a:endParaRPr lang="en-US" dirty="0">
+                <a:ln w="12700">
+                  <a:solidFill>
+                    <a:schemeClr val="tx2">
+                      <a:satMod val="155000"/>
+                    </a:schemeClr>
+                  </a:solidFill>
+                  <a:prstDash val="solid"/>
+                </a:ln>
+                <a:solidFill>
+                  <a:schemeClr val="accent1">
+                    <a:lumMod val="40000"/>
+                    <a:lumOff val="60000"/>
+                  </a:schemeClr>
+                </a:solidFill>
+                <a:latin typeface="Bahnschrift Light" pitchFamily="34" charset="0"/>
+              </a:endParaRPr>
+            </a:p>
+          </p:txBody>
+        </p:sp>
+      </p:grpSp>
     </p:spTree>
     <p:extLst>
       <p:ext uri="{BB962C8B-B14F-4D97-AF65-F5344CB8AC3E}">

--- a/Javascript Tutorials.pptx
+++ b/Javascript Tutorials.pptx
@@ -5,7 +5,7 @@
     <p:sldMasterId id="2147483686" r:id="rId1"/>
   </p:sldMasterIdLst>
   <p:notesMasterIdLst>
-    <p:notesMasterId r:id="rId45"/>
+    <p:notesMasterId r:id="rId50"/>
   </p:notesMasterIdLst>
   <p:sldIdLst>
     <p:sldId id="256" r:id="rId2"/>
@@ -51,6 +51,11 @@
     <p:sldId id="301" r:id="rId42"/>
     <p:sldId id="292" r:id="rId43"/>
     <p:sldId id="293" r:id="rId44"/>
+    <p:sldId id="302" r:id="rId45"/>
+    <p:sldId id="303" r:id="rId46"/>
+    <p:sldId id="304" r:id="rId47"/>
+    <p:sldId id="305" r:id="rId48"/>
+    <p:sldId id="306" r:id="rId49"/>
   </p:sldIdLst>
   <p:sldSz cx="12192000" cy="6858000"/>
   <p:notesSz cx="6858000" cy="9144000"/>
@@ -251,7 +256,7 @@
             <a:fld id="{792F6C33-F1A2-419B-BA2F-6679E9D9EF00}" type="datetimeFigureOut">
               <a:rPr lang="en-US" smtClean="0"/>
               <a:pPr/>
-              <a:t>9/21/2025</a:t>
+              <a:t>9/24/2025</a:t>
             </a:fld>
             <a:endParaRPr lang="en-US"/>
           </a:p>
@@ -866,6 +871,561 @@
         </p:txBody>
       </p:sp>
     </p:spTree>
+  </p:cSld>
+  <p:clrMapOvr>
+    <a:masterClrMapping/>
+  </p:clrMapOvr>
+</p:notes>
+</file>
+
+<file path=ppt/notesSlides/notesSlide13.xml><?xml version="1.0" encoding="utf-8"?>
+<p:notes xmlns:a="http://schemas.openxmlformats.org/drawingml/2006/main" xmlns:r="http://schemas.openxmlformats.org/officeDocument/2006/relationships" xmlns:p="http://schemas.openxmlformats.org/presentationml/2006/main">
+  <p:cSld>
+    <p:spTree>
+      <p:nvGrpSpPr>
+        <p:cNvPr id="1" name="">
+          <a:extLst>
+            <a:ext uri="{FF2B5EF4-FFF2-40B4-BE49-F238E27FC236}">
+              <a16:creationId xmlns:a16="http://schemas.microsoft.com/office/drawing/2014/main" id="{8AB121F1-D57B-E183-35A6-1F7480EFAD66}"/>
+            </a:ext>
+          </a:extLst>
+        </p:cNvPr>
+        <p:cNvGrpSpPr/>
+        <p:nvPr/>
+      </p:nvGrpSpPr>
+      <p:grpSpPr>
+        <a:xfrm>
+          <a:off x="0" y="0"/>
+          <a:ext cx="0" cy="0"/>
+          <a:chOff x="0" y="0"/>
+          <a:chExt cx="0" cy="0"/>
+        </a:xfrm>
+      </p:grpSpPr>
+      <p:sp>
+        <p:nvSpPr>
+          <p:cNvPr id="2" name="Slide Image Placeholder 1">
+            <a:extLst>
+              <a:ext uri="{FF2B5EF4-FFF2-40B4-BE49-F238E27FC236}">
+                <a16:creationId xmlns:a16="http://schemas.microsoft.com/office/drawing/2014/main" id="{BAC0568F-42D9-40EE-08F2-22A50422A624}"/>
+              </a:ext>
+            </a:extLst>
+          </p:cNvPr>
+          <p:cNvSpPr>
+            <a:spLocks noGrp="1" noRot="1" noChangeAspect="1"/>
+          </p:cNvSpPr>
+          <p:nvPr>
+            <p:ph type="sldImg"/>
+          </p:nvPr>
+        </p:nvSpPr>
+        <p:spPr/>
+      </p:sp>
+      <p:sp>
+        <p:nvSpPr>
+          <p:cNvPr id="3" name="Notes Placeholder 2">
+            <a:extLst>
+              <a:ext uri="{FF2B5EF4-FFF2-40B4-BE49-F238E27FC236}">
+                <a16:creationId xmlns:a16="http://schemas.microsoft.com/office/drawing/2014/main" id="{62950922-EE82-0006-E213-30C83E615AA0}"/>
+              </a:ext>
+            </a:extLst>
+          </p:cNvPr>
+          <p:cNvSpPr>
+            <a:spLocks noGrp="1"/>
+          </p:cNvSpPr>
+          <p:nvPr>
+            <p:ph type="body" idx="1"/>
+          </p:nvPr>
+        </p:nvSpPr>
+        <p:spPr/>
+        <p:txBody>
+          <a:bodyPr>
+            <a:normAutofit/>
+          </a:bodyPr>
+          <a:lstStyle/>
+          <a:p>
+            <a:endParaRPr lang="en-US" dirty="0"/>
+          </a:p>
+        </p:txBody>
+      </p:sp>
+      <p:sp>
+        <p:nvSpPr>
+          <p:cNvPr id="4" name="Slide Number Placeholder 3">
+            <a:extLst>
+              <a:ext uri="{FF2B5EF4-FFF2-40B4-BE49-F238E27FC236}">
+                <a16:creationId xmlns:a16="http://schemas.microsoft.com/office/drawing/2014/main" id="{47D8DFD2-383C-184F-639E-B38D0F9BCB13}"/>
+              </a:ext>
+            </a:extLst>
+          </p:cNvPr>
+          <p:cNvSpPr>
+            <a:spLocks noGrp="1"/>
+          </p:cNvSpPr>
+          <p:nvPr>
+            <p:ph type="sldNum" sz="quarter" idx="10"/>
+          </p:nvPr>
+        </p:nvSpPr>
+        <p:spPr/>
+        <p:txBody>
+          <a:bodyPr/>
+          <a:lstStyle/>
+          <a:p>
+            <a:fld id="{319BE468-75AD-472B-90AC-B0CB707E0D7A}" type="slidenum">
+              <a:rPr lang="en-US" smtClean="0"/>
+              <a:pPr/>
+              <a:t>44</a:t>
+            </a:fld>
+            <a:endParaRPr lang="en-US"/>
+          </a:p>
+        </p:txBody>
+      </p:sp>
+    </p:spTree>
+    <p:extLst>
+      <p:ext uri="{BB962C8B-B14F-4D97-AF65-F5344CB8AC3E}">
+        <p14:creationId xmlns:p14="http://schemas.microsoft.com/office/powerpoint/2010/main" val="2069606323"/>
+      </p:ext>
+    </p:extLst>
+  </p:cSld>
+  <p:clrMapOvr>
+    <a:masterClrMapping/>
+  </p:clrMapOvr>
+</p:notes>
+</file>
+
+<file path=ppt/notesSlides/notesSlide14.xml><?xml version="1.0" encoding="utf-8"?>
+<p:notes xmlns:a="http://schemas.openxmlformats.org/drawingml/2006/main" xmlns:r="http://schemas.openxmlformats.org/officeDocument/2006/relationships" xmlns:p="http://schemas.openxmlformats.org/presentationml/2006/main">
+  <p:cSld>
+    <p:spTree>
+      <p:nvGrpSpPr>
+        <p:cNvPr id="1" name="">
+          <a:extLst>
+            <a:ext uri="{FF2B5EF4-FFF2-40B4-BE49-F238E27FC236}">
+              <a16:creationId xmlns:a16="http://schemas.microsoft.com/office/drawing/2014/main" id="{21E720A5-1D11-A9FA-A068-29072EE15F9D}"/>
+            </a:ext>
+          </a:extLst>
+        </p:cNvPr>
+        <p:cNvGrpSpPr/>
+        <p:nvPr/>
+      </p:nvGrpSpPr>
+      <p:grpSpPr>
+        <a:xfrm>
+          <a:off x="0" y="0"/>
+          <a:ext cx="0" cy="0"/>
+          <a:chOff x="0" y="0"/>
+          <a:chExt cx="0" cy="0"/>
+        </a:xfrm>
+      </p:grpSpPr>
+      <p:sp>
+        <p:nvSpPr>
+          <p:cNvPr id="2" name="Slide Image Placeholder 1">
+            <a:extLst>
+              <a:ext uri="{FF2B5EF4-FFF2-40B4-BE49-F238E27FC236}">
+                <a16:creationId xmlns:a16="http://schemas.microsoft.com/office/drawing/2014/main" id="{01E1A407-92FD-2B94-0C18-B452A2F7496B}"/>
+              </a:ext>
+            </a:extLst>
+          </p:cNvPr>
+          <p:cNvSpPr>
+            <a:spLocks noGrp="1" noRot="1" noChangeAspect="1"/>
+          </p:cNvSpPr>
+          <p:nvPr>
+            <p:ph type="sldImg"/>
+          </p:nvPr>
+        </p:nvSpPr>
+        <p:spPr/>
+      </p:sp>
+      <p:sp>
+        <p:nvSpPr>
+          <p:cNvPr id="3" name="Notes Placeholder 2">
+            <a:extLst>
+              <a:ext uri="{FF2B5EF4-FFF2-40B4-BE49-F238E27FC236}">
+                <a16:creationId xmlns:a16="http://schemas.microsoft.com/office/drawing/2014/main" id="{92DB66F7-9131-6444-4D50-7E63E31DA80F}"/>
+              </a:ext>
+            </a:extLst>
+          </p:cNvPr>
+          <p:cNvSpPr>
+            <a:spLocks noGrp="1"/>
+          </p:cNvSpPr>
+          <p:nvPr>
+            <p:ph type="body" idx="1"/>
+          </p:nvPr>
+        </p:nvSpPr>
+        <p:spPr/>
+        <p:txBody>
+          <a:bodyPr>
+            <a:normAutofit/>
+          </a:bodyPr>
+          <a:lstStyle/>
+          <a:p>
+            <a:endParaRPr lang="en-US" dirty="0"/>
+          </a:p>
+        </p:txBody>
+      </p:sp>
+      <p:sp>
+        <p:nvSpPr>
+          <p:cNvPr id="4" name="Slide Number Placeholder 3">
+            <a:extLst>
+              <a:ext uri="{FF2B5EF4-FFF2-40B4-BE49-F238E27FC236}">
+                <a16:creationId xmlns:a16="http://schemas.microsoft.com/office/drawing/2014/main" id="{DA029B22-A78E-D1AF-9448-BBEBFA0C81FA}"/>
+              </a:ext>
+            </a:extLst>
+          </p:cNvPr>
+          <p:cNvSpPr>
+            <a:spLocks noGrp="1"/>
+          </p:cNvSpPr>
+          <p:nvPr>
+            <p:ph type="sldNum" sz="quarter" idx="10"/>
+          </p:nvPr>
+        </p:nvSpPr>
+        <p:spPr/>
+        <p:txBody>
+          <a:bodyPr/>
+          <a:lstStyle/>
+          <a:p>
+            <a:fld id="{319BE468-75AD-472B-90AC-B0CB707E0D7A}" type="slidenum">
+              <a:rPr lang="en-US" smtClean="0"/>
+              <a:pPr/>
+              <a:t>45</a:t>
+            </a:fld>
+            <a:endParaRPr lang="en-US"/>
+          </a:p>
+        </p:txBody>
+      </p:sp>
+    </p:spTree>
+    <p:extLst>
+      <p:ext uri="{BB962C8B-B14F-4D97-AF65-F5344CB8AC3E}">
+        <p14:creationId xmlns:p14="http://schemas.microsoft.com/office/powerpoint/2010/main" val="1614916715"/>
+      </p:ext>
+    </p:extLst>
+  </p:cSld>
+  <p:clrMapOvr>
+    <a:masterClrMapping/>
+  </p:clrMapOvr>
+</p:notes>
+</file>
+
+<file path=ppt/notesSlides/notesSlide15.xml><?xml version="1.0" encoding="utf-8"?>
+<p:notes xmlns:a="http://schemas.openxmlformats.org/drawingml/2006/main" xmlns:r="http://schemas.openxmlformats.org/officeDocument/2006/relationships" xmlns:p="http://schemas.openxmlformats.org/presentationml/2006/main">
+  <p:cSld>
+    <p:spTree>
+      <p:nvGrpSpPr>
+        <p:cNvPr id="1" name="">
+          <a:extLst>
+            <a:ext uri="{FF2B5EF4-FFF2-40B4-BE49-F238E27FC236}">
+              <a16:creationId xmlns:a16="http://schemas.microsoft.com/office/drawing/2014/main" id="{BD584C02-1AF9-265A-1666-B59CB425961B}"/>
+            </a:ext>
+          </a:extLst>
+        </p:cNvPr>
+        <p:cNvGrpSpPr/>
+        <p:nvPr/>
+      </p:nvGrpSpPr>
+      <p:grpSpPr>
+        <a:xfrm>
+          <a:off x="0" y="0"/>
+          <a:ext cx="0" cy="0"/>
+          <a:chOff x="0" y="0"/>
+          <a:chExt cx="0" cy="0"/>
+        </a:xfrm>
+      </p:grpSpPr>
+      <p:sp>
+        <p:nvSpPr>
+          <p:cNvPr id="2" name="Slide Image Placeholder 1">
+            <a:extLst>
+              <a:ext uri="{FF2B5EF4-FFF2-40B4-BE49-F238E27FC236}">
+                <a16:creationId xmlns:a16="http://schemas.microsoft.com/office/drawing/2014/main" id="{62442BE0-90E9-B79E-C6DC-020235B13FF3}"/>
+              </a:ext>
+            </a:extLst>
+          </p:cNvPr>
+          <p:cNvSpPr>
+            <a:spLocks noGrp="1" noRot="1" noChangeAspect="1"/>
+          </p:cNvSpPr>
+          <p:nvPr>
+            <p:ph type="sldImg"/>
+          </p:nvPr>
+        </p:nvSpPr>
+        <p:spPr/>
+      </p:sp>
+      <p:sp>
+        <p:nvSpPr>
+          <p:cNvPr id="3" name="Notes Placeholder 2">
+            <a:extLst>
+              <a:ext uri="{FF2B5EF4-FFF2-40B4-BE49-F238E27FC236}">
+                <a16:creationId xmlns:a16="http://schemas.microsoft.com/office/drawing/2014/main" id="{F5EE6693-0C05-408D-7034-B6F2EB6147B4}"/>
+              </a:ext>
+            </a:extLst>
+          </p:cNvPr>
+          <p:cNvSpPr>
+            <a:spLocks noGrp="1"/>
+          </p:cNvSpPr>
+          <p:nvPr>
+            <p:ph type="body" idx="1"/>
+          </p:nvPr>
+        </p:nvSpPr>
+        <p:spPr/>
+        <p:txBody>
+          <a:bodyPr>
+            <a:normAutofit/>
+          </a:bodyPr>
+          <a:lstStyle/>
+          <a:p>
+            <a:endParaRPr lang="en-US" dirty="0"/>
+          </a:p>
+        </p:txBody>
+      </p:sp>
+      <p:sp>
+        <p:nvSpPr>
+          <p:cNvPr id="4" name="Slide Number Placeholder 3">
+            <a:extLst>
+              <a:ext uri="{FF2B5EF4-FFF2-40B4-BE49-F238E27FC236}">
+                <a16:creationId xmlns:a16="http://schemas.microsoft.com/office/drawing/2014/main" id="{BE6E9325-C266-45E8-BE43-3A32B4A27167}"/>
+              </a:ext>
+            </a:extLst>
+          </p:cNvPr>
+          <p:cNvSpPr>
+            <a:spLocks noGrp="1"/>
+          </p:cNvSpPr>
+          <p:nvPr>
+            <p:ph type="sldNum" sz="quarter" idx="10"/>
+          </p:nvPr>
+        </p:nvSpPr>
+        <p:spPr/>
+        <p:txBody>
+          <a:bodyPr/>
+          <a:lstStyle/>
+          <a:p>
+            <a:fld id="{319BE468-75AD-472B-90AC-B0CB707E0D7A}" type="slidenum">
+              <a:rPr lang="en-US" smtClean="0"/>
+              <a:pPr/>
+              <a:t>46</a:t>
+            </a:fld>
+            <a:endParaRPr lang="en-US"/>
+          </a:p>
+        </p:txBody>
+      </p:sp>
+    </p:spTree>
+    <p:extLst>
+      <p:ext uri="{BB962C8B-B14F-4D97-AF65-F5344CB8AC3E}">
+        <p14:creationId xmlns:p14="http://schemas.microsoft.com/office/powerpoint/2010/main" val="3343264826"/>
+      </p:ext>
+    </p:extLst>
+  </p:cSld>
+  <p:clrMapOvr>
+    <a:masterClrMapping/>
+  </p:clrMapOvr>
+</p:notes>
+</file>
+
+<file path=ppt/notesSlides/notesSlide16.xml><?xml version="1.0" encoding="utf-8"?>
+<p:notes xmlns:a="http://schemas.openxmlformats.org/drawingml/2006/main" xmlns:r="http://schemas.openxmlformats.org/officeDocument/2006/relationships" xmlns:p="http://schemas.openxmlformats.org/presentationml/2006/main">
+  <p:cSld>
+    <p:spTree>
+      <p:nvGrpSpPr>
+        <p:cNvPr id="1" name="">
+          <a:extLst>
+            <a:ext uri="{FF2B5EF4-FFF2-40B4-BE49-F238E27FC236}">
+              <a16:creationId xmlns:a16="http://schemas.microsoft.com/office/drawing/2014/main" id="{FFDFC5C8-F11A-DBB2-4E1B-7BAD3FF8F9DB}"/>
+            </a:ext>
+          </a:extLst>
+        </p:cNvPr>
+        <p:cNvGrpSpPr/>
+        <p:nvPr/>
+      </p:nvGrpSpPr>
+      <p:grpSpPr>
+        <a:xfrm>
+          <a:off x="0" y="0"/>
+          <a:ext cx="0" cy="0"/>
+          <a:chOff x="0" y="0"/>
+          <a:chExt cx="0" cy="0"/>
+        </a:xfrm>
+      </p:grpSpPr>
+      <p:sp>
+        <p:nvSpPr>
+          <p:cNvPr id="2" name="Slide Image Placeholder 1">
+            <a:extLst>
+              <a:ext uri="{FF2B5EF4-FFF2-40B4-BE49-F238E27FC236}">
+                <a16:creationId xmlns:a16="http://schemas.microsoft.com/office/drawing/2014/main" id="{2E34B5C4-0300-72B8-D740-3D4A4E5D6AEA}"/>
+              </a:ext>
+            </a:extLst>
+          </p:cNvPr>
+          <p:cNvSpPr>
+            <a:spLocks noGrp="1" noRot="1" noChangeAspect="1"/>
+          </p:cNvSpPr>
+          <p:nvPr>
+            <p:ph type="sldImg"/>
+          </p:nvPr>
+        </p:nvSpPr>
+        <p:spPr/>
+      </p:sp>
+      <p:sp>
+        <p:nvSpPr>
+          <p:cNvPr id="3" name="Notes Placeholder 2">
+            <a:extLst>
+              <a:ext uri="{FF2B5EF4-FFF2-40B4-BE49-F238E27FC236}">
+                <a16:creationId xmlns:a16="http://schemas.microsoft.com/office/drawing/2014/main" id="{2C5B3BAE-8669-CE80-2FC2-E1EA4A51CE95}"/>
+              </a:ext>
+            </a:extLst>
+          </p:cNvPr>
+          <p:cNvSpPr>
+            <a:spLocks noGrp="1"/>
+          </p:cNvSpPr>
+          <p:nvPr>
+            <p:ph type="body" idx="1"/>
+          </p:nvPr>
+        </p:nvSpPr>
+        <p:spPr/>
+        <p:txBody>
+          <a:bodyPr>
+            <a:normAutofit/>
+          </a:bodyPr>
+          <a:lstStyle/>
+          <a:p>
+            <a:endParaRPr lang="en-US" dirty="0"/>
+          </a:p>
+        </p:txBody>
+      </p:sp>
+      <p:sp>
+        <p:nvSpPr>
+          <p:cNvPr id="4" name="Slide Number Placeholder 3">
+            <a:extLst>
+              <a:ext uri="{FF2B5EF4-FFF2-40B4-BE49-F238E27FC236}">
+                <a16:creationId xmlns:a16="http://schemas.microsoft.com/office/drawing/2014/main" id="{10CDA95E-B250-2323-9F83-B1AB9E110B45}"/>
+              </a:ext>
+            </a:extLst>
+          </p:cNvPr>
+          <p:cNvSpPr>
+            <a:spLocks noGrp="1"/>
+          </p:cNvSpPr>
+          <p:nvPr>
+            <p:ph type="sldNum" sz="quarter" idx="10"/>
+          </p:nvPr>
+        </p:nvSpPr>
+        <p:spPr/>
+        <p:txBody>
+          <a:bodyPr/>
+          <a:lstStyle/>
+          <a:p>
+            <a:fld id="{319BE468-75AD-472B-90AC-B0CB707E0D7A}" type="slidenum">
+              <a:rPr lang="en-US" smtClean="0"/>
+              <a:pPr/>
+              <a:t>47</a:t>
+            </a:fld>
+            <a:endParaRPr lang="en-US"/>
+          </a:p>
+        </p:txBody>
+      </p:sp>
+    </p:spTree>
+    <p:extLst>
+      <p:ext uri="{BB962C8B-B14F-4D97-AF65-F5344CB8AC3E}">
+        <p14:creationId xmlns:p14="http://schemas.microsoft.com/office/powerpoint/2010/main" val="2120733897"/>
+      </p:ext>
+    </p:extLst>
+  </p:cSld>
+  <p:clrMapOvr>
+    <a:masterClrMapping/>
+  </p:clrMapOvr>
+</p:notes>
+</file>
+
+<file path=ppt/notesSlides/notesSlide17.xml><?xml version="1.0" encoding="utf-8"?>
+<p:notes xmlns:a="http://schemas.openxmlformats.org/drawingml/2006/main" xmlns:r="http://schemas.openxmlformats.org/officeDocument/2006/relationships" xmlns:p="http://schemas.openxmlformats.org/presentationml/2006/main">
+  <p:cSld>
+    <p:spTree>
+      <p:nvGrpSpPr>
+        <p:cNvPr id="1" name="">
+          <a:extLst>
+            <a:ext uri="{FF2B5EF4-FFF2-40B4-BE49-F238E27FC236}">
+              <a16:creationId xmlns:a16="http://schemas.microsoft.com/office/drawing/2014/main" id="{45D70808-5D9D-B48D-34C8-150141FEF960}"/>
+            </a:ext>
+          </a:extLst>
+        </p:cNvPr>
+        <p:cNvGrpSpPr/>
+        <p:nvPr/>
+      </p:nvGrpSpPr>
+      <p:grpSpPr>
+        <a:xfrm>
+          <a:off x="0" y="0"/>
+          <a:ext cx="0" cy="0"/>
+          <a:chOff x="0" y="0"/>
+          <a:chExt cx="0" cy="0"/>
+        </a:xfrm>
+      </p:grpSpPr>
+      <p:sp>
+        <p:nvSpPr>
+          <p:cNvPr id="2" name="Slide Image Placeholder 1">
+            <a:extLst>
+              <a:ext uri="{FF2B5EF4-FFF2-40B4-BE49-F238E27FC236}">
+                <a16:creationId xmlns:a16="http://schemas.microsoft.com/office/drawing/2014/main" id="{D0E70D3E-83C5-34CF-3364-3FCD627D3B28}"/>
+              </a:ext>
+            </a:extLst>
+          </p:cNvPr>
+          <p:cNvSpPr>
+            <a:spLocks noGrp="1" noRot="1" noChangeAspect="1"/>
+          </p:cNvSpPr>
+          <p:nvPr>
+            <p:ph type="sldImg"/>
+          </p:nvPr>
+        </p:nvSpPr>
+        <p:spPr/>
+      </p:sp>
+      <p:sp>
+        <p:nvSpPr>
+          <p:cNvPr id="3" name="Notes Placeholder 2">
+            <a:extLst>
+              <a:ext uri="{FF2B5EF4-FFF2-40B4-BE49-F238E27FC236}">
+                <a16:creationId xmlns:a16="http://schemas.microsoft.com/office/drawing/2014/main" id="{85B66180-E0B9-B010-C95E-FD3DEAD60C35}"/>
+              </a:ext>
+            </a:extLst>
+          </p:cNvPr>
+          <p:cNvSpPr>
+            <a:spLocks noGrp="1"/>
+          </p:cNvSpPr>
+          <p:nvPr>
+            <p:ph type="body" idx="1"/>
+          </p:nvPr>
+        </p:nvSpPr>
+        <p:spPr/>
+        <p:txBody>
+          <a:bodyPr>
+            <a:normAutofit/>
+          </a:bodyPr>
+          <a:lstStyle/>
+          <a:p>
+            <a:endParaRPr lang="en-US" dirty="0"/>
+          </a:p>
+        </p:txBody>
+      </p:sp>
+      <p:sp>
+        <p:nvSpPr>
+          <p:cNvPr id="4" name="Slide Number Placeholder 3">
+            <a:extLst>
+              <a:ext uri="{FF2B5EF4-FFF2-40B4-BE49-F238E27FC236}">
+                <a16:creationId xmlns:a16="http://schemas.microsoft.com/office/drawing/2014/main" id="{38A1C9CB-D75F-16C0-65E3-FEE1ADC5B007}"/>
+              </a:ext>
+            </a:extLst>
+          </p:cNvPr>
+          <p:cNvSpPr>
+            <a:spLocks noGrp="1"/>
+          </p:cNvSpPr>
+          <p:nvPr>
+            <p:ph type="sldNum" sz="quarter" idx="10"/>
+          </p:nvPr>
+        </p:nvSpPr>
+        <p:spPr/>
+        <p:txBody>
+          <a:bodyPr/>
+          <a:lstStyle/>
+          <a:p>
+            <a:fld id="{319BE468-75AD-472B-90AC-B0CB707E0D7A}" type="slidenum">
+              <a:rPr lang="en-US" smtClean="0"/>
+              <a:pPr/>
+              <a:t>48</a:t>
+            </a:fld>
+            <a:endParaRPr lang="en-US"/>
+          </a:p>
+        </p:txBody>
+      </p:sp>
+    </p:spTree>
+    <p:extLst>
+      <p:ext uri="{BB962C8B-B14F-4D97-AF65-F5344CB8AC3E}">
+        <p14:creationId xmlns:p14="http://schemas.microsoft.com/office/powerpoint/2010/main" val="1197296488"/>
+      </p:ext>
+    </p:extLst>
   </p:cSld>
   <p:clrMapOvr>
     <a:masterClrMapping/>
@@ -2457,7 +3017,7 @@
             <a:fld id="{48A87A34-81AB-432B-8DAE-1953F412C126}" type="datetimeFigureOut">
               <a:rPr lang="en-US" smtClean="0"/>
               <a:pPr/>
-              <a:t>9/21/2025</a:t>
+              <a:t>9/24/2025</a:t>
             </a:fld>
             <a:endParaRPr lang="en-US" dirty="0"/>
           </a:p>
@@ -2710,7 +3270,7 @@
             <a:fld id="{48A87A34-81AB-432B-8DAE-1953F412C126}" type="datetimeFigureOut">
               <a:rPr lang="en-US" smtClean="0"/>
               <a:pPr/>
-              <a:t>9/21/2025</a:t>
+              <a:t>9/24/2025</a:t>
             </a:fld>
             <a:endParaRPr lang="en-US" dirty="0"/>
           </a:p>
@@ -3026,7 +3586,7 @@
             <a:fld id="{48A87A34-81AB-432B-8DAE-1953F412C126}" type="datetimeFigureOut">
               <a:rPr lang="en-US" smtClean="0"/>
               <a:pPr/>
-              <a:t>9/21/2025</a:t>
+              <a:t>9/24/2025</a:t>
             </a:fld>
             <a:endParaRPr lang="en-US" dirty="0"/>
           </a:p>
@@ -3355,7 +3915,7 @@
             <a:fld id="{48A87A34-81AB-432B-8DAE-1953F412C126}" type="datetimeFigureOut">
               <a:rPr lang="en-US" smtClean="0"/>
               <a:pPr/>
-              <a:t>9/21/2025</a:t>
+              <a:t>9/24/2025</a:t>
             </a:fld>
             <a:endParaRPr lang="en-US" dirty="0"/>
           </a:p>
@@ -3671,7 +4231,7 @@
             <a:fld id="{48A87A34-81AB-432B-8DAE-1953F412C126}" type="datetimeFigureOut">
               <a:rPr lang="en-US" smtClean="0"/>
               <a:pPr/>
-              <a:t>9/21/2025</a:t>
+              <a:t>9/24/2025</a:t>
             </a:fld>
             <a:endParaRPr lang="en-US" dirty="0"/>
           </a:p>
@@ -4060,7 +4620,7 @@
             <a:fld id="{48A87A34-81AB-432B-8DAE-1953F412C126}" type="datetimeFigureOut">
               <a:rPr lang="en-US" smtClean="0"/>
               <a:pPr/>
-              <a:t>9/21/2025</a:t>
+              <a:t>9/24/2025</a:t>
             </a:fld>
             <a:endParaRPr lang="en-US" dirty="0"/>
           </a:p>
@@ -4232,7 +4792,7 @@
             <a:fld id="{48A87A34-81AB-432B-8DAE-1953F412C126}" type="datetimeFigureOut">
               <a:rPr lang="en-US" smtClean="0"/>
               <a:pPr/>
-              <a:t>9/21/2025</a:t>
+              <a:t>9/24/2025</a:t>
             </a:fld>
             <a:endParaRPr lang="en-US" dirty="0"/>
           </a:p>
@@ -4414,7 +4974,7 @@
             <a:fld id="{48A87A34-81AB-432B-8DAE-1953F412C126}" type="datetimeFigureOut">
               <a:rPr lang="en-US" smtClean="0"/>
               <a:pPr/>
-              <a:t>9/21/2025</a:t>
+              <a:t>9/24/2025</a:t>
             </a:fld>
             <a:endParaRPr lang="en-US" dirty="0"/>
           </a:p>
@@ -4592,7 +5152,7 @@
             <a:fld id="{48A87A34-81AB-432B-8DAE-1953F412C126}" type="datetimeFigureOut">
               <a:rPr lang="en-US" smtClean="0"/>
               <a:pPr/>
-              <a:t>9/21/2025</a:t>
+              <a:t>9/24/2025</a:t>
             </a:fld>
             <a:endParaRPr lang="en-US" dirty="0"/>
           </a:p>
@@ -4841,7 +5401,7 @@
             <a:fld id="{48A87A34-81AB-432B-8DAE-1953F412C126}" type="datetimeFigureOut">
               <a:rPr lang="en-US" smtClean="0"/>
               <a:pPr/>
-              <a:t>9/21/2025</a:t>
+              <a:t>9/24/2025</a:t>
             </a:fld>
             <a:endParaRPr lang="en-US" dirty="0"/>
           </a:p>
@@ -5075,7 +5635,7 @@
             <a:fld id="{48A87A34-81AB-432B-8DAE-1953F412C126}" type="datetimeFigureOut">
               <a:rPr lang="en-US" smtClean="0"/>
               <a:pPr/>
-              <a:t>9/21/2025</a:t>
+              <a:t>9/24/2025</a:t>
             </a:fld>
             <a:endParaRPr lang="en-US" dirty="0"/>
           </a:p>
@@ -5451,7 +6011,7 @@
             <a:fld id="{48A87A34-81AB-432B-8DAE-1953F412C126}" type="datetimeFigureOut">
               <a:rPr lang="en-US" smtClean="0"/>
               <a:pPr/>
-              <a:t>9/21/2025</a:t>
+              <a:t>9/24/2025</a:t>
             </a:fld>
             <a:endParaRPr lang="en-US" dirty="0"/>
           </a:p>
@@ -5576,7 +6136,7 @@
             <a:fld id="{48A87A34-81AB-432B-8DAE-1953F412C126}" type="datetimeFigureOut">
               <a:rPr lang="en-US" smtClean="0"/>
               <a:pPr/>
-              <a:t>9/21/2025</a:t>
+              <a:t>9/24/2025</a:t>
             </a:fld>
             <a:endParaRPr lang="en-US" dirty="0"/>
           </a:p>
@@ -5673,7 +6233,7 @@
             <a:fld id="{48A87A34-81AB-432B-8DAE-1953F412C126}" type="datetimeFigureOut">
               <a:rPr lang="en-US" smtClean="0"/>
               <a:pPr/>
-              <a:t>9/21/2025</a:t>
+              <a:t>9/24/2025</a:t>
             </a:fld>
             <a:endParaRPr lang="en-US" dirty="0"/>
           </a:p>
@@ -5930,7 +6490,7 @@
             <a:fld id="{48A87A34-81AB-432B-8DAE-1953F412C126}" type="datetimeFigureOut">
               <a:rPr lang="en-US" smtClean="0"/>
               <a:pPr/>
-              <a:t>9/21/2025</a:t>
+              <a:t>9/24/2025</a:t>
             </a:fld>
             <a:endParaRPr lang="en-US" dirty="0"/>
           </a:p>
@@ -6195,7 +6755,7 @@
             <a:fld id="{48A87A34-81AB-432B-8DAE-1953F412C126}" type="datetimeFigureOut">
               <a:rPr lang="en-US" smtClean="0"/>
               <a:pPr/>
-              <a:t>9/21/2025</a:t>
+              <a:t>9/24/2025</a:t>
             </a:fld>
             <a:endParaRPr lang="en-US" dirty="0"/>
           </a:p>
@@ -6942,7 +7502,7 @@
             <a:fld id="{48A87A34-81AB-432B-8DAE-1953F412C126}" type="datetimeFigureOut">
               <a:rPr lang="en-US" smtClean="0"/>
               <a:pPr/>
-              <a:t>9/21/2025</a:t>
+              <a:t>9/24/2025</a:t>
             </a:fld>
             <a:endParaRPr lang="en-US" dirty="0"/>
           </a:p>
@@ -27971,6 +28531,1944 @@
     <p:extLst>
       <p:ext uri="{BB962C8B-B14F-4D97-AF65-F5344CB8AC3E}">
         <p14:creationId xmlns:p14="http://schemas.microsoft.com/office/powerpoint/2010/main" val="3287175084"/>
+      </p:ext>
+    </p:extLst>
+  </p:cSld>
+  <p:clrMapOvr>
+    <a:masterClrMapping/>
+  </p:clrMapOvr>
+</p:sld>
+</file>
+
+<file path=ppt/slides/slide44.xml><?xml version="1.0" encoding="utf-8"?>
+<p:sld xmlns:a="http://schemas.openxmlformats.org/drawingml/2006/main" xmlns:r="http://schemas.openxmlformats.org/officeDocument/2006/relationships" xmlns:p="http://schemas.openxmlformats.org/presentationml/2006/main">
+  <p:cSld>
+    <p:spTree>
+      <p:nvGrpSpPr>
+        <p:cNvPr id="1" name="">
+          <a:extLst>
+            <a:ext uri="{FF2B5EF4-FFF2-40B4-BE49-F238E27FC236}">
+              <a16:creationId xmlns:a16="http://schemas.microsoft.com/office/drawing/2014/main" id="{20AC190F-78F5-516A-D15D-D00C150D240D}"/>
+            </a:ext>
+          </a:extLst>
+        </p:cNvPr>
+        <p:cNvGrpSpPr/>
+        <p:nvPr/>
+      </p:nvGrpSpPr>
+      <p:grpSpPr>
+        <a:xfrm>
+          <a:off x="0" y="0"/>
+          <a:ext cx="0" cy="0"/>
+          <a:chOff x="0" y="0"/>
+          <a:chExt cx="0" cy="0"/>
+        </a:xfrm>
+      </p:grpSpPr>
+      <p:sp>
+        <p:nvSpPr>
+          <p:cNvPr id="10" name="Rectangle 9">
+            <a:extLst>
+              <a:ext uri="{FF2B5EF4-FFF2-40B4-BE49-F238E27FC236}">
+                <a16:creationId xmlns:a16="http://schemas.microsoft.com/office/drawing/2014/main" id="{98A0C316-A1EB-5436-BD7B-6432E4348AE8}"/>
+              </a:ext>
+            </a:extLst>
+          </p:cNvPr>
+          <p:cNvSpPr/>
+          <p:nvPr/>
+        </p:nvSpPr>
+        <p:spPr>
+          <a:xfrm>
+            <a:off x="0" y="0"/>
+            <a:ext cx="12192000" cy="6858000"/>
+          </a:xfrm>
+          <a:prstGeom prst="rect">
+            <a:avLst/>
+          </a:prstGeom>
+          <a:solidFill>
+            <a:schemeClr val="bg2">
+              <a:lumMod val="50000"/>
+            </a:schemeClr>
+          </a:solidFill>
+          <a:ln>
+            <a:noFill/>
+          </a:ln>
+        </p:spPr>
+        <p:style>
+          <a:lnRef idx="2">
+            <a:schemeClr val="accent1">
+              <a:shade val="50000"/>
+            </a:schemeClr>
+          </a:lnRef>
+          <a:fillRef idx="1">
+            <a:schemeClr val="accent1"/>
+          </a:fillRef>
+          <a:effectRef idx="0">
+            <a:schemeClr val="accent1"/>
+          </a:effectRef>
+          <a:fontRef idx="minor">
+            <a:schemeClr val="lt1"/>
+          </a:fontRef>
+        </p:style>
+        <p:txBody>
+          <a:bodyPr rtlCol="0" anchor="ctr"/>
+          <a:lstStyle/>
+          <a:p>
+            <a:pPr algn="ctr"/>
+            <a:endParaRPr lang="en-US" dirty="0"/>
+          </a:p>
+        </p:txBody>
+      </p:sp>
+      <p:sp>
+        <p:nvSpPr>
+          <p:cNvPr id="9" name="Explosion: 14 Points 8">
+            <a:extLst>
+              <a:ext uri="{FF2B5EF4-FFF2-40B4-BE49-F238E27FC236}">
+                <a16:creationId xmlns:a16="http://schemas.microsoft.com/office/drawing/2014/main" id="{6510C8B3-7AAF-187C-794A-340DBC141494}"/>
+              </a:ext>
+            </a:extLst>
+          </p:cNvPr>
+          <p:cNvSpPr/>
+          <p:nvPr/>
+        </p:nvSpPr>
+        <p:spPr>
+          <a:xfrm>
+            <a:off x="4336395" y="0"/>
+            <a:ext cx="3669087" cy="3707684"/>
+          </a:xfrm>
+          <a:prstGeom prst="irregularSeal2">
+            <a:avLst/>
+          </a:prstGeom>
+          <a:solidFill>
+            <a:schemeClr val="bg2">
+              <a:lumMod val="75000"/>
+            </a:schemeClr>
+          </a:solidFill>
+          <a:ln>
+            <a:noFill/>
+          </a:ln>
+        </p:spPr>
+        <p:style>
+          <a:lnRef idx="2">
+            <a:schemeClr val="accent1">
+              <a:shade val="15000"/>
+            </a:schemeClr>
+          </a:lnRef>
+          <a:fillRef idx="1">
+            <a:schemeClr val="accent1"/>
+          </a:fillRef>
+          <a:effectRef idx="0">
+            <a:schemeClr val="accent1"/>
+          </a:effectRef>
+          <a:fontRef idx="minor">
+            <a:schemeClr val="lt1"/>
+          </a:fontRef>
+        </p:style>
+        <p:txBody>
+          <a:bodyPr rtlCol="0" anchor="ctr"/>
+          <a:lstStyle/>
+          <a:p>
+            <a:pPr algn="ctr"/>
+            <a:endParaRPr lang="en-IN"/>
+          </a:p>
+        </p:txBody>
+      </p:sp>
+      <p:sp>
+        <p:nvSpPr>
+          <p:cNvPr id="2" name="Title 1">
+            <a:extLst>
+              <a:ext uri="{FF2B5EF4-FFF2-40B4-BE49-F238E27FC236}">
+                <a16:creationId xmlns:a16="http://schemas.microsoft.com/office/drawing/2014/main" id="{C94BAEC9-4810-3554-B028-DA508B602B6F}"/>
+              </a:ext>
+            </a:extLst>
+          </p:cNvPr>
+          <p:cNvSpPr>
+            <a:spLocks noGrp="1"/>
+          </p:cNvSpPr>
+          <p:nvPr>
+            <p:ph type="title"/>
+          </p:nvPr>
+        </p:nvSpPr>
+        <p:spPr>
+          <a:xfrm>
+            <a:off x="0" y="-134470"/>
+            <a:ext cx="12192000" cy="3725396"/>
+          </a:xfrm>
+          <a:noFill/>
+        </p:spPr>
+        <p:txBody>
+          <a:bodyPr anchor="ctr">
+            <a:normAutofit/>
+          </a:bodyPr>
+          <a:lstStyle/>
+          <a:p>
+            <a:pPr algn="ctr"/>
+            <a:r>
+              <a:rPr lang="en-US" sz="7200" b="1" dirty="0">
+                <a:solidFill>
+                  <a:schemeClr val="tx1"/>
+                </a:solidFill>
+                <a:latin typeface="Barlow Black" panose="00000A00000000000000" pitchFamily="2" charset="0"/>
+              </a:rPr>
+              <a:t>Chapter – </a:t>
+            </a:r>
+            <a:r>
+              <a:rPr lang="en-US" sz="7200" dirty="0">
+                <a:solidFill>
+                  <a:schemeClr val="tx1"/>
+                </a:solidFill>
+                <a:latin typeface="Bahnschrift SemiLight" pitchFamily="34" charset="0"/>
+              </a:rPr>
+              <a:t>13</a:t>
+            </a:r>
+            <a:br>
+              <a:rPr lang="en-US" sz="7200" b="1" dirty="0">
+                <a:solidFill>
+                  <a:schemeClr val="tx1"/>
+                </a:solidFill>
+                <a:latin typeface="Barlow Black" panose="00000A00000000000000" pitchFamily="2" charset="0"/>
+              </a:rPr>
+            </a:br>
+            <a:r>
+              <a:rPr lang="en-US" sz="4800" dirty="0">
+                <a:solidFill>
+                  <a:schemeClr val="accent2">
+                    <a:lumMod val="60000"/>
+                    <a:lumOff val="40000"/>
+                  </a:schemeClr>
+                </a:solidFill>
+                <a:latin typeface="Bahnschrift Light Condensed" pitchFamily="34" charset="0"/>
+              </a:rPr>
+              <a:t>(More on </a:t>
+            </a:r>
+            <a:r>
+              <a:rPr lang="en-US" sz="4800" dirty="0" err="1">
+                <a:solidFill>
+                  <a:schemeClr val="accent2">
+                    <a:lumMod val="60000"/>
+                    <a:lumOff val="40000"/>
+                  </a:schemeClr>
+                </a:solidFill>
+                <a:latin typeface="Bahnschrift Light Condensed" pitchFamily="34" charset="0"/>
+              </a:rPr>
+              <a:t>Nullish</a:t>
+            </a:r>
+            <a:r>
+              <a:rPr lang="en-US" sz="4800" dirty="0">
+                <a:solidFill>
+                  <a:schemeClr val="accent2">
+                    <a:lumMod val="60000"/>
+                    <a:lumOff val="40000"/>
+                  </a:schemeClr>
+                </a:solidFill>
+                <a:latin typeface="Bahnschrift Light Condensed" pitchFamily="34" charset="0"/>
+              </a:rPr>
+              <a:t> Coalescing Operator)</a:t>
+            </a:r>
+            <a:endParaRPr lang="en-IN" sz="4800" b="1" dirty="0">
+              <a:solidFill>
+                <a:schemeClr val="accent2">
+                  <a:lumMod val="60000"/>
+                  <a:lumOff val="40000"/>
+                </a:schemeClr>
+              </a:solidFill>
+              <a:latin typeface="Bahnschrift Light Condensed" pitchFamily="34" charset="0"/>
+            </a:endParaRPr>
+          </a:p>
+        </p:txBody>
+      </p:sp>
+      <p:sp>
+        <p:nvSpPr>
+          <p:cNvPr id="8" name="TextBox 7">
+            <a:extLst>
+              <a:ext uri="{FF2B5EF4-FFF2-40B4-BE49-F238E27FC236}">
+                <a16:creationId xmlns:a16="http://schemas.microsoft.com/office/drawing/2014/main" id="{83115FE1-DE2E-E38E-5107-6A35961EE971}"/>
+              </a:ext>
+            </a:extLst>
+          </p:cNvPr>
+          <p:cNvSpPr txBox="1"/>
+          <p:nvPr/>
+        </p:nvSpPr>
+        <p:spPr>
+          <a:xfrm>
+            <a:off x="6057900" y="6308812"/>
+            <a:ext cx="6134100" cy="369332"/>
+          </a:xfrm>
+          <a:prstGeom prst="rect">
+            <a:avLst/>
+          </a:prstGeom>
+          <a:noFill/>
+        </p:spPr>
+        <p:txBody>
+          <a:bodyPr wrap="square" rtlCol="0">
+            <a:spAutoFit/>
+          </a:bodyPr>
+          <a:lstStyle/>
+          <a:p>
+            <a:pPr algn="ctr"/>
+            <a:r>
+              <a:rPr lang="en-US" b="1" dirty="0"/>
+              <a:t>Gautam Kumar- </a:t>
+            </a:r>
+            <a:r>
+              <a:rPr lang="en-US" dirty="0">
+                <a:solidFill>
+                  <a:schemeClr val="tx1">
+                    <a:lumMod val="50000"/>
+                    <a:lumOff val="50000"/>
+                  </a:schemeClr>
+                </a:solidFill>
+              </a:rPr>
+              <a:t>uidhtml.com</a:t>
+            </a:r>
+            <a:endParaRPr lang="en-IN" dirty="0">
+              <a:solidFill>
+                <a:schemeClr val="tx1">
+                  <a:lumMod val="50000"/>
+                  <a:lumOff val="50000"/>
+                </a:schemeClr>
+              </a:solidFill>
+            </a:endParaRPr>
+          </a:p>
+        </p:txBody>
+      </p:sp>
+      <p:sp>
+        <p:nvSpPr>
+          <p:cNvPr id="7" name="TextBox 6">
+            <a:extLst>
+              <a:ext uri="{FF2B5EF4-FFF2-40B4-BE49-F238E27FC236}">
+                <a16:creationId xmlns:a16="http://schemas.microsoft.com/office/drawing/2014/main" id="{2B92A286-3B45-6C9E-4731-78503F1246A1}"/>
+              </a:ext>
+            </a:extLst>
+          </p:cNvPr>
+          <p:cNvSpPr txBox="1"/>
+          <p:nvPr/>
+        </p:nvSpPr>
+        <p:spPr>
+          <a:xfrm>
+            <a:off x="241300" y="228600"/>
+            <a:ext cx="3190297" cy="584775"/>
+          </a:xfrm>
+          <a:prstGeom prst="rect">
+            <a:avLst/>
+          </a:prstGeom>
+          <a:noFill/>
+        </p:spPr>
+        <p:txBody>
+          <a:bodyPr wrap="none" rtlCol="0">
+            <a:spAutoFit/>
+          </a:bodyPr>
+          <a:lstStyle/>
+          <a:p>
+            <a:r>
+              <a:rPr lang="en-US" sz="3200" b="1" dirty="0">
+                <a:latin typeface="Barlow Condensed ExtraLight" panose="00000306000000000000" pitchFamily="2" charset="0"/>
+              </a:rPr>
+              <a:t>JavaScript - </a:t>
+            </a:r>
+            <a:r>
+              <a:rPr lang="en-US" sz="3200" b="1" dirty="0">
+                <a:solidFill>
+                  <a:srgbClr val="FFFF00"/>
+                </a:solidFill>
+                <a:latin typeface="Barlow Condensed ExtraLight" panose="00000306000000000000" pitchFamily="2" charset="0"/>
+              </a:rPr>
+              <a:t>Operators</a:t>
+            </a:r>
+            <a:endParaRPr lang="en-US" sz="3200" dirty="0">
+              <a:solidFill>
+                <a:srgbClr val="FFFF00"/>
+              </a:solidFill>
+            </a:endParaRPr>
+          </a:p>
+        </p:txBody>
+      </p:sp>
+      <p:pic>
+        <p:nvPicPr>
+          <p:cNvPr id="1027" name="Picture 3" descr="K:\github-repo\javascript-tutorials\tutorials\chapter-7-data-conversion\assets\images\javascript-logo.png">
+            <a:extLst>
+              <a:ext uri="{FF2B5EF4-FFF2-40B4-BE49-F238E27FC236}">
+                <a16:creationId xmlns:a16="http://schemas.microsoft.com/office/drawing/2014/main" id="{79547C80-23B8-28ED-215F-7543DC92154C}"/>
+              </a:ext>
+            </a:extLst>
+          </p:cNvPr>
+          <p:cNvPicPr>
+            <a:picLocks noChangeAspect="1" noChangeArrowheads="1"/>
+          </p:cNvPicPr>
+          <p:nvPr/>
+        </p:nvPicPr>
+        <p:blipFill>
+          <a:blip r:embed="rId3"/>
+          <a:srcRect/>
+          <a:stretch>
+            <a:fillRect/>
+          </a:stretch>
+        </p:blipFill>
+        <p:spPr bwMode="auto">
+          <a:xfrm>
+            <a:off x="10712450" y="5353050"/>
+            <a:ext cx="1314450" cy="1314450"/>
+          </a:xfrm>
+          <a:prstGeom prst="rect">
+            <a:avLst/>
+          </a:prstGeom>
+          <a:noFill/>
+        </p:spPr>
+      </p:pic>
+      <p:sp>
+        <p:nvSpPr>
+          <p:cNvPr id="32" name="TextBox 31">
+            <a:extLst>
+              <a:ext uri="{FF2B5EF4-FFF2-40B4-BE49-F238E27FC236}">
+                <a16:creationId xmlns:a16="http://schemas.microsoft.com/office/drawing/2014/main" id="{ADA30B64-EB13-F4D8-3DB9-57BB6A29677B}"/>
+              </a:ext>
+            </a:extLst>
+          </p:cNvPr>
+          <p:cNvSpPr txBox="1"/>
+          <p:nvPr/>
+        </p:nvSpPr>
+        <p:spPr>
+          <a:xfrm>
+            <a:off x="74938" y="3346943"/>
+            <a:ext cx="12191999" cy="2400657"/>
+          </a:xfrm>
+          <a:prstGeom prst="rect">
+            <a:avLst/>
+          </a:prstGeom>
+          <a:noFill/>
+        </p:spPr>
+        <p:txBody>
+          <a:bodyPr wrap="square" rtlCol="0">
+            <a:spAutoFit/>
+          </a:bodyPr>
+          <a:lstStyle/>
+          <a:p>
+            <a:pPr algn="ctr"/>
+            <a:r>
+              <a:rPr lang="en-IN" sz="15000" dirty="0">
+                <a:latin typeface="Arial Black" panose="020B0A04020102020204" pitchFamily="34" charset="0"/>
+              </a:rPr>
+              <a:t>??=</a:t>
+            </a:r>
+            <a:endParaRPr lang="en-US" sz="15000" dirty="0">
+              <a:solidFill>
+                <a:schemeClr val="bg2">
+                  <a:lumMod val="60000"/>
+                  <a:lumOff val="40000"/>
+                </a:schemeClr>
+              </a:solidFill>
+              <a:latin typeface="Arial Black" panose="020B0A04020102020204" pitchFamily="34" charset="0"/>
+            </a:endParaRPr>
+          </a:p>
+        </p:txBody>
+      </p:sp>
+    </p:spTree>
+    <p:extLst>
+      <p:ext uri="{BB962C8B-B14F-4D97-AF65-F5344CB8AC3E}">
+        <p14:creationId xmlns:p14="http://schemas.microsoft.com/office/powerpoint/2010/main" val="1240549947"/>
+      </p:ext>
+    </p:extLst>
+  </p:cSld>
+  <p:clrMapOvr>
+    <a:masterClrMapping/>
+  </p:clrMapOvr>
+</p:sld>
+</file>
+
+<file path=ppt/slides/slide45.xml><?xml version="1.0" encoding="utf-8"?>
+<p:sld xmlns:a="http://schemas.openxmlformats.org/drawingml/2006/main" xmlns:r="http://schemas.openxmlformats.org/officeDocument/2006/relationships" xmlns:p="http://schemas.openxmlformats.org/presentationml/2006/main">
+  <p:cSld>
+    <p:spTree>
+      <p:nvGrpSpPr>
+        <p:cNvPr id="1" name="">
+          <a:extLst>
+            <a:ext uri="{FF2B5EF4-FFF2-40B4-BE49-F238E27FC236}">
+              <a16:creationId xmlns:a16="http://schemas.microsoft.com/office/drawing/2014/main" id="{C09E25A9-BD55-7B4C-7673-8D3BA004282B}"/>
+            </a:ext>
+          </a:extLst>
+        </p:cNvPr>
+        <p:cNvGrpSpPr/>
+        <p:nvPr/>
+      </p:nvGrpSpPr>
+      <p:grpSpPr>
+        <a:xfrm>
+          <a:off x="0" y="0"/>
+          <a:ext cx="0" cy="0"/>
+          <a:chOff x="0" y="0"/>
+          <a:chExt cx="0" cy="0"/>
+        </a:xfrm>
+      </p:grpSpPr>
+      <p:sp>
+        <p:nvSpPr>
+          <p:cNvPr id="10" name="Rectangle 9">
+            <a:extLst>
+              <a:ext uri="{FF2B5EF4-FFF2-40B4-BE49-F238E27FC236}">
+                <a16:creationId xmlns:a16="http://schemas.microsoft.com/office/drawing/2014/main" id="{C22915B0-01E8-48DC-AA22-65CD0A63F70B}"/>
+              </a:ext>
+            </a:extLst>
+          </p:cNvPr>
+          <p:cNvSpPr/>
+          <p:nvPr/>
+        </p:nvSpPr>
+        <p:spPr>
+          <a:xfrm>
+            <a:off x="0" y="0"/>
+            <a:ext cx="12192000" cy="6858000"/>
+          </a:xfrm>
+          <a:prstGeom prst="rect">
+            <a:avLst/>
+          </a:prstGeom>
+         